--- a/Presentation.pptx
+++ b/Presentation.pptx
@@ -24,10 +24,12 @@
     <p:sldId id="289" r:id="rId18"/>
     <p:sldId id="279" r:id="rId19"/>
     <p:sldId id="280" r:id="rId20"/>
-    <p:sldId id="290" r:id="rId21"/>
-    <p:sldId id="291" r:id="rId22"/>
-    <p:sldId id="292" r:id="rId23"/>
-    <p:sldId id="265" r:id="rId24"/>
+    <p:sldId id="295" r:id="rId21"/>
+    <p:sldId id="297" r:id="rId22"/>
+    <p:sldId id="296" r:id="rId23"/>
+    <p:sldId id="294" r:id="rId24"/>
+    <p:sldId id="293" r:id="rId25"/>
+    <p:sldId id="298" r:id="rId26"/>
   </p:sldIdLst>
   <p:sldSz cx="12192000" cy="6858000"/>
   <p:notesSz cx="6858000" cy="9144000"/>
@@ -281,7 +283,7 @@
           <a:p>
             <a:fld id="{11F9EF8F-8264-40DF-BA62-43F7AC7FC3AC}" type="datetimeFigureOut">
               <a:rPr lang="en-US" smtClean="0"/>
-              <a:t>4/25/2021</a:t>
+              <a:t>4/26/2021</a:t>
             </a:fld>
             <a:endParaRPr lang="en-US"/>
           </a:p>
@@ -479,7 +481,7 @@
           <a:p>
             <a:fld id="{11F9EF8F-8264-40DF-BA62-43F7AC7FC3AC}" type="datetimeFigureOut">
               <a:rPr lang="en-US" smtClean="0"/>
-              <a:t>4/25/2021</a:t>
+              <a:t>4/26/2021</a:t>
             </a:fld>
             <a:endParaRPr lang="en-US"/>
           </a:p>
@@ -687,7 +689,7 @@
           <a:p>
             <a:fld id="{11F9EF8F-8264-40DF-BA62-43F7AC7FC3AC}" type="datetimeFigureOut">
               <a:rPr lang="en-US" smtClean="0"/>
-              <a:t>4/25/2021</a:t>
+              <a:t>4/26/2021</a:t>
             </a:fld>
             <a:endParaRPr lang="en-US"/>
           </a:p>
@@ -885,7 +887,7 @@
           <a:p>
             <a:fld id="{11F9EF8F-8264-40DF-BA62-43F7AC7FC3AC}" type="datetimeFigureOut">
               <a:rPr lang="en-US" smtClean="0"/>
-              <a:t>4/25/2021</a:t>
+              <a:t>4/26/2021</a:t>
             </a:fld>
             <a:endParaRPr lang="en-US"/>
           </a:p>
@@ -1160,7 +1162,7 @@
           <a:p>
             <a:fld id="{11F9EF8F-8264-40DF-BA62-43F7AC7FC3AC}" type="datetimeFigureOut">
               <a:rPr lang="en-US" smtClean="0"/>
-              <a:t>4/25/2021</a:t>
+              <a:t>4/26/2021</a:t>
             </a:fld>
             <a:endParaRPr lang="en-US"/>
           </a:p>
@@ -1425,7 +1427,7 @@
           <a:p>
             <a:fld id="{11F9EF8F-8264-40DF-BA62-43F7AC7FC3AC}" type="datetimeFigureOut">
               <a:rPr lang="en-US" smtClean="0"/>
-              <a:t>4/25/2021</a:t>
+              <a:t>4/26/2021</a:t>
             </a:fld>
             <a:endParaRPr lang="en-US"/>
           </a:p>
@@ -1837,7 +1839,7 @@
           <a:p>
             <a:fld id="{11F9EF8F-8264-40DF-BA62-43F7AC7FC3AC}" type="datetimeFigureOut">
               <a:rPr lang="en-US" smtClean="0"/>
-              <a:t>4/25/2021</a:t>
+              <a:t>4/26/2021</a:t>
             </a:fld>
             <a:endParaRPr lang="en-US"/>
           </a:p>
@@ -1978,7 +1980,7 @@
           <a:p>
             <a:fld id="{11F9EF8F-8264-40DF-BA62-43F7AC7FC3AC}" type="datetimeFigureOut">
               <a:rPr lang="en-US" smtClean="0"/>
-              <a:t>4/25/2021</a:t>
+              <a:t>4/26/2021</a:t>
             </a:fld>
             <a:endParaRPr lang="en-US"/>
           </a:p>
@@ -2091,7 +2093,7 @@
           <a:p>
             <a:fld id="{11F9EF8F-8264-40DF-BA62-43F7AC7FC3AC}" type="datetimeFigureOut">
               <a:rPr lang="en-US" smtClean="0"/>
-              <a:t>4/25/2021</a:t>
+              <a:t>4/26/2021</a:t>
             </a:fld>
             <a:endParaRPr lang="en-US"/>
           </a:p>
@@ -2402,7 +2404,7 @@
           <a:p>
             <a:fld id="{11F9EF8F-8264-40DF-BA62-43F7AC7FC3AC}" type="datetimeFigureOut">
               <a:rPr lang="en-US" smtClean="0"/>
-              <a:t>4/25/2021</a:t>
+              <a:t>4/26/2021</a:t>
             </a:fld>
             <a:endParaRPr lang="en-US"/>
           </a:p>
@@ -2690,7 +2692,7 @@
           <a:p>
             <a:fld id="{11F9EF8F-8264-40DF-BA62-43F7AC7FC3AC}" type="datetimeFigureOut">
               <a:rPr lang="en-US" smtClean="0"/>
-              <a:t>4/25/2021</a:t>
+              <a:t>4/26/2021</a:t>
             </a:fld>
             <a:endParaRPr lang="en-US"/>
           </a:p>
@@ -2931,7 +2933,7 @@
           <a:p>
             <a:fld id="{11F9EF8F-8264-40DF-BA62-43F7AC7FC3AC}" type="datetimeFigureOut">
               <a:rPr lang="en-US" smtClean="0"/>
-              <a:t>4/25/2021</a:t>
+              <a:t>4/26/2021</a:t>
             </a:fld>
             <a:endParaRPr lang="en-US"/>
           </a:p>
@@ -9257,10 +9259,10 @@
       </p:grpSpPr>
       <p:sp useBgFill="1">
         <p:nvSpPr>
-          <p:cNvPr id="19" name="Rectangle 18">
+          <p:cNvPr id="41" name="Rectangle 40">
             <a:extLst>
               <a:ext uri="{FF2B5EF4-FFF2-40B4-BE49-F238E27FC236}">
-                <a16:creationId xmlns:a16="http://schemas.microsoft.com/office/drawing/2014/main" id="{91F32EBA-ED97-466E-8CFA-8382584155D0}"/>
+                <a16:creationId xmlns:a16="http://schemas.microsoft.com/office/drawing/2014/main" id="{1557A916-FDD1-44A1-A7A1-70009FD6BE46}"/>
               </a:ext>
               <a:ext uri="{C183D7F6-B498-43B3-948B-1728B52AA6E4}">
                 <adec:decorative xmlns:adec="http://schemas.microsoft.com/office/drawing/2017/decorative" val="1"/>
@@ -9317,52 +9319,10 @@
       </p:sp>
       <p:sp>
         <p:nvSpPr>
-          <p:cNvPr id="2" name="Title 1">
+          <p:cNvPr id="43" name="Freeform: Shape 42">
             <a:extLst>
               <a:ext uri="{FF2B5EF4-FFF2-40B4-BE49-F238E27FC236}">
-                <a16:creationId xmlns:a16="http://schemas.microsoft.com/office/drawing/2014/main" id="{397EDA5E-FF32-48CB-AB2A-63CF13FBAB25}"/>
-              </a:ext>
-            </a:extLst>
-          </p:cNvPr>
-          <p:cNvSpPr>
-            <a:spLocks noGrp="1"/>
-          </p:cNvSpPr>
-          <p:nvPr>
-            <p:ph type="title"/>
-          </p:nvPr>
-        </p:nvSpPr>
-        <p:spPr>
-          <a:xfrm>
-            <a:off x="1286933" y="1327438"/>
-            <a:ext cx="5595923" cy="1461778"/>
-          </a:xfrm>
-        </p:spPr>
-        <p:txBody>
-          <a:bodyPr vert="horz" lIns="91440" tIns="45720" rIns="91440" bIns="45720" rtlCol="0" anchor="b">
-            <a:normAutofit/>
-          </a:bodyPr>
-          <a:lstStyle/>
-          <a:p>
-            <a:r>
-              <a:rPr lang="en-US" kern="1200" dirty="0">
-                <a:solidFill>
-                  <a:schemeClr val="tx1"/>
-                </a:solidFill>
-                <a:latin typeface="+mj-lt"/>
-                <a:ea typeface="+mj-ea"/>
-                <a:cs typeface="+mj-cs"/>
-              </a:rPr>
-              <a:t>Insights: Sentence Enhancements</a:t>
-            </a:r>
-          </a:p>
-        </p:txBody>
-      </p:sp>
-      <p:sp>
-        <p:nvSpPr>
-          <p:cNvPr id="21" name="Freeform 5">
-            <a:extLst>
-              <a:ext uri="{FF2B5EF4-FFF2-40B4-BE49-F238E27FC236}">
-                <a16:creationId xmlns:a16="http://schemas.microsoft.com/office/drawing/2014/main" id="{4300F7B2-2FBB-4B65-B588-6331766027CB}"/>
+                <a16:creationId xmlns:a16="http://schemas.microsoft.com/office/drawing/2014/main" id="{4B874C19-9B23-4B12-823E-D67615A9B3AC}"/>
               </a:ext>
               <a:ext uri="{C183D7F6-B498-43B3-948B-1728B52AA6E4}">
                 <adec:decorative xmlns:adec="http://schemas.microsoft.com/office/drawing/2017/decorative" val="1"/>
@@ -9380,354 +9340,420 @@
             </p:extLst>
           </p:nvPr>
         </p:nvSpPr>
-        <p:spPr bwMode="auto">
+        <p:spPr>
           <a:xfrm>
-            <a:off x="7125375" y="1311536"/>
-            <a:ext cx="675351" cy="595380"/>
+            <a:off x="0" y="0"/>
+            <a:ext cx="7743949" cy="6858000"/>
           </a:xfrm>
           <a:custGeom>
             <a:avLst/>
             <a:gdLst>
-              <a:gd name="T0" fmla="*/ 225 w 785"/>
-              <a:gd name="T1" fmla="*/ 692 h 692"/>
-              <a:gd name="T2" fmla="*/ 177 w 785"/>
-              <a:gd name="T3" fmla="*/ 665 h 692"/>
-              <a:gd name="T4" fmla="*/ 9 w 785"/>
-              <a:gd name="T5" fmla="*/ 374 h 692"/>
-              <a:gd name="T6" fmla="*/ 9 w 785"/>
-              <a:gd name="T7" fmla="*/ 318 h 692"/>
-              <a:gd name="T8" fmla="*/ 177 w 785"/>
-              <a:gd name="T9" fmla="*/ 27 h 692"/>
-              <a:gd name="T10" fmla="*/ 225 w 785"/>
-              <a:gd name="T11" fmla="*/ 0 h 692"/>
-              <a:gd name="T12" fmla="*/ 561 w 785"/>
-              <a:gd name="T13" fmla="*/ 0 h 692"/>
-              <a:gd name="T14" fmla="*/ 609 w 785"/>
-              <a:gd name="T15" fmla="*/ 27 h 692"/>
-              <a:gd name="T16" fmla="*/ 777 w 785"/>
-              <a:gd name="T17" fmla="*/ 318 h 692"/>
-              <a:gd name="T18" fmla="*/ 777 w 785"/>
-              <a:gd name="T19" fmla="*/ 374 h 692"/>
-              <a:gd name="T20" fmla="*/ 609 w 785"/>
-              <a:gd name="T21" fmla="*/ 665 h 692"/>
-              <a:gd name="T22" fmla="*/ 561 w 785"/>
-              <a:gd name="T23" fmla="*/ 692 h 692"/>
-              <a:gd name="T24" fmla="*/ 225 w 785"/>
-              <a:gd name="T25" fmla="*/ 692 h 692"/>
+              <a:gd name="connsiteX0" fmla="*/ 956085 w 7743949"/>
+              <a:gd name="connsiteY0" fmla="*/ 2071857 h 6858000"/>
+              <a:gd name="connsiteX1" fmla="*/ 4999548 w 7743949"/>
+              <a:gd name="connsiteY1" fmla="*/ 2071857 h 6858000"/>
+              <a:gd name="connsiteX2" fmla="*/ 5619604 w 7743949"/>
+              <a:gd name="connsiteY2" fmla="*/ 2437296 h 6858000"/>
+              <a:gd name="connsiteX3" fmla="*/ 7645701 w 7743949"/>
+              <a:gd name="connsiteY3" fmla="*/ 5926372 h 6858000"/>
+              <a:gd name="connsiteX4" fmla="*/ 7645701 w 7743949"/>
+              <a:gd name="connsiteY4" fmla="*/ 6639850 h 6858000"/>
+              <a:gd name="connsiteX5" fmla="*/ 7538856 w 7743949"/>
+              <a:gd name="connsiteY5" fmla="*/ 6823844 h 6858000"/>
+              <a:gd name="connsiteX6" fmla="*/ 7519022 w 7743949"/>
+              <a:gd name="connsiteY6" fmla="*/ 6858000 h 6858000"/>
+              <a:gd name="connsiteX7" fmla="*/ 0 w 7743949"/>
+              <a:gd name="connsiteY7" fmla="*/ 6858000 h 6858000"/>
+              <a:gd name="connsiteX8" fmla="*/ 0 w 7743949"/>
+              <a:gd name="connsiteY8" fmla="*/ 3003362 h 6858000"/>
+              <a:gd name="connsiteX9" fmla="*/ 144017 w 7743949"/>
+              <a:gd name="connsiteY9" fmla="*/ 2754282 h 6858000"/>
+              <a:gd name="connsiteX10" fmla="*/ 327296 w 7743949"/>
+              <a:gd name="connsiteY10" fmla="*/ 2437296 h 6858000"/>
+              <a:gd name="connsiteX11" fmla="*/ 956085 w 7743949"/>
+              <a:gd name="connsiteY11" fmla="*/ 2071857 h 6858000"/>
+              <a:gd name="connsiteX12" fmla="*/ 6281397 w 7743949"/>
+              <a:gd name="connsiteY12" fmla="*/ 1163923 h 6858000"/>
+              <a:gd name="connsiteX13" fmla="*/ 7148441 w 7743949"/>
+              <a:gd name="connsiteY13" fmla="*/ 1163923 h 6858000"/>
+              <a:gd name="connsiteX14" fmla="*/ 7281401 w 7743949"/>
+              <a:gd name="connsiteY14" fmla="*/ 1242285 h 6858000"/>
+              <a:gd name="connsiteX15" fmla="*/ 7715859 w 7743949"/>
+              <a:gd name="connsiteY15" fmla="*/ 1990451 h 6858000"/>
+              <a:gd name="connsiteX16" fmla="*/ 7715859 w 7743949"/>
+              <a:gd name="connsiteY16" fmla="*/ 2143443 h 6858000"/>
+              <a:gd name="connsiteX17" fmla="*/ 7281401 w 7743949"/>
+              <a:gd name="connsiteY17" fmla="*/ 2891610 h 6858000"/>
+              <a:gd name="connsiteX18" fmla="*/ 7148441 w 7743949"/>
+              <a:gd name="connsiteY18" fmla="*/ 2969971 h 6858000"/>
+              <a:gd name="connsiteX19" fmla="*/ 6281397 w 7743949"/>
+              <a:gd name="connsiteY19" fmla="*/ 2969971 h 6858000"/>
+              <a:gd name="connsiteX20" fmla="*/ 6146565 w 7743949"/>
+              <a:gd name="connsiteY20" fmla="*/ 2891610 h 6858000"/>
+              <a:gd name="connsiteX21" fmla="*/ 5713979 w 7743949"/>
+              <a:gd name="connsiteY21" fmla="*/ 2143443 h 6858000"/>
+              <a:gd name="connsiteX22" fmla="*/ 5713979 w 7743949"/>
+              <a:gd name="connsiteY22" fmla="*/ 1990451 h 6858000"/>
+              <a:gd name="connsiteX23" fmla="*/ 6146565 w 7743949"/>
+              <a:gd name="connsiteY23" fmla="*/ 1242285 h 6858000"/>
+              <a:gd name="connsiteX24" fmla="*/ 6281397 w 7743949"/>
+              <a:gd name="connsiteY24" fmla="*/ 1163923 h 6858000"/>
+              <a:gd name="connsiteX25" fmla="*/ 0 w 7743949"/>
+              <a:gd name="connsiteY25" fmla="*/ 0 h 6858000"/>
+              <a:gd name="connsiteX26" fmla="*/ 6600525 w 7743949"/>
+              <a:gd name="connsiteY26" fmla="*/ 0 h 6858000"/>
+              <a:gd name="connsiteX27" fmla="*/ 6486618 w 7743949"/>
+              <a:gd name="connsiteY27" fmla="*/ 196155 h 6858000"/>
+              <a:gd name="connsiteX28" fmla="*/ 5677553 w 7743949"/>
+              <a:gd name="connsiteY28" fmla="*/ 1589421 h 6858000"/>
+              <a:gd name="connsiteX29" fmla="*/ 5057496 w 7743949"/>
+              <a:gd name="connsiteY29" fmla="*/ 1954861 h 6858000"/>
+              <a:gd name="connsiteX30" fmla="*/ 1014033 w 7743949"/>
+              <a:gd name="connsiteY30" fmla="*/ 1954861 h 6858000"/>
+              <a:gd name="connsiteX31" fmla="*/ 385244 w 7743949"/>
+              <a:gd name="connsiteY31" fmla="*/ 1589421 h 6858000"/>
+              <a:gd name="connsiteX32" fmla="*/ 69234 w 7743949"/>
+              <a:gd name="connsiteY32" fmla="*/ 1042874 h 6858000"/>
+              <a:gd name="connsiteX33" fmla="*/ 0 w 7743949"/>
+              <a:gd name="connsiteY33" fmla="*/ 923133 h 6858000"/>
             </a:gdLst>
             <a:ahLst/>
             <a:cxnLst>
               <a:cxn ang="0">
-                <a:pos x="T0" y="T1"/>
-              </a:cxn>
-              <a:cxn ang="0">
-                <a:pos x="T2" y="T3"/>
-              </a:cxn>
-              <a:cxn ang="0">
-                <a:pos x="T4" y="T5"/>
-              </a:cxn>
-              <a:cxn ang="0">
-                <a:pos x="T6" y="T7"/>
-              </a:cxn>
-              <a:cxn ang="0">
-                <a:pos x="T8" y="T9"/>
-              </a:cxn>
-              <a:cxn ang="0">
-                <a:pos x="T10" y="T11"/>
-              </a:cxn>
-              <a:cxn ang="0">
-                <a:pos x="T12" y="T13"/>
-              </a:cxn>
-              <a:cxn ang="0">
-                <a:pos x="T14" y="T15"/>
-              </a:cxn>
-              <a:cxn ang="0">
-                <a:pos x="T16" y="T17"/>
-              </a:cxn>
-              <a:cxn ang="0">
-                <a:pos x="T18" y="T19"/>
-              </a:cxn>
-              <a:cxn ang="0">
-                <a:pos x="T20" y="T21"/>
-              </a:cxn>
-              <a:cxn ang="0">
-                <a:pos x="T22" y="T23"/>
-              </a:cxn>
-              <a:cxn ang="0">
-                <a:pos x="T24" y="T25"/>
+                <a:pos x="connsiteX0" y="connsiteY0"/>
+              </a:cxn>
+              <a:cxn ang="0">
+                <a:pos x="connsiteX1" y="connsiteY1"/>
+              </a:cxn>
+              <a:cxn ang="0">
+                <a:pos x="connsiteX2" y="connsiteY2"/>
+              </a:cxn>
+              <a:cxn ang="0">
+                <a:pos x="connsiteX3" y="connsiteY3"/>
+              </a:cxn>
+              <a:cxn ang="0">
+                <a:pos x="connsiteX4" y="connsiteY4"/>
+              </a:cxn>
+              <a:cxn ang="0">
+                <a:pos x="connsiteX5" y="connsiteY5"/>
+              </a:cxn>
+              <a:cxn ang="0">
+                <a:pos x="connsiteX6" y="connsiteY6"/>
+              </a:cxn>
+              <a:cxn ang="0">
+                <a:pos x="connsiteX7" y="connsiteY7"/>
+              </a:cxn>
+              <a:cxn ang="0">
+                <a:pos x="connsiteX8" y="connsiteY8"/>
+              </a:cxn>
+              <a:cxn ang="0">
+                <a:pos x="connsiteX9" y="connsiteY9"/>
+              </a:cxn>
+              <a:cxn ang="0">
+                <a:pos x="connsiteX10" y="connsiteY10"/>
+              </a:cxn>
+              <a:cxn ang="0">
+                <a:pos x="connsiteX11" y="connsiteY11"/>
+              </a:cxn>
+              <a:cxn ang="0">
+                <a:pos x="connsiteX12" y="connsiteY12"/>
+              </a:cxn>
+              <a:cxn ang="0">
+                <a:pos x="connsiteX13" y="connsiteY13"/>
+              </a:cxn>
+              <a:cxn ang="0">
+                <a:pos x="connsiteX14" y="connsiteY14"/>
+              </a:cxn>
+              <a:cxn ang="0">
+                <a:pos x="connsiteX15" y="connsiteY15"/>
+              </a:cxn>
+              <a:cxn ang="0">
+                <a:pos x="connsiteX16" y="connsiteY16"/>
+              </a:cxn>
+              <a:cxn ang="0">
+                <a:pos x="connsiteX17" y="connsiteY17"/>
+              </a:cxn>
+              <a:cxn ang="0">
+                <a:pos x="connsiteX18" y="connsiteY18"/>
+              </a:cxn>
+              <a:cxn ang="0">
+                <a:pos x="connsiteX19" y="connsiteY19"/>
+              </a:cxn>
+              <a:cxn ang="0">
+                <a:pos x="connsiteX20" y="connsiteY20"/>
+              </a:cxn>
+              <a:cxn ang="0">
+                <a:pos x="connsiteX21" y="connsiteY21"/>
+              </a:cxn>
+              <a:cxn ang="0">
+                <a:pos x="connsiteX22" y="connsiteY22"/>
+              </a:cxn>
+              <a:cxn ang="0">
+                <a:pos x="connsiteX23" y="connsiteY23"/>
+              </a:cxn>
+              <a:cxn ang="0">
+                <a:pos x="connsiteX24" y="connsiteY24"/>
+              </a:cxn>
+              <a:cxn ang="0">
+                <a:pos x="connsiteX25" y="connsiteY25"/>
+              </a:cxn>
+              <a:cxn ang="0">
+                <a:pos x="connsiteX26" y="connsiteY26"/>
+              </a:cxn>
+              <a:cxn ang="0">
+                <a:pos x="connsiteX27" y="connsiteY27"/>
+              </a:cxn>
+              <a:cxn ang="0">
+                <a:pos x="connsiteX28" y="connsiteY28"/>
+              </a:cxn>
+              <a:cxn ang="0">
+                <a:pos x="connsiteX29" y="connsiteY29"/>
+              </a:cxn>
+              <a:cxn ang="0">
+                <a:pos x="connsiteX30" y="connsiteY30"/>
+              </a:cxn>
+              <a:cxn ang="0">
+                <a:pos x="connsiteX31" y="connsiteY31"/>
+              </a:cxn>
+              <a:cxn ang="0">
+                <a:pos x="connsiteX32" y="connsiteY32"/>
+              </a:cxn>
+              <a:cxn ang="0">
+                <a:pos x="connsiteX33" y="connsiteY33"/>
               </a:cxn>
             </a:cxnLst>
-            <a:rect l="0" t="0" r="r" b="b"/>
+            <a:rect l="l" t="t" r="r" b="b"/>
             <a:pathLst>
-              <a:path w="785" h="692">
+              <a:path w="7743949" h="6858000">
                 <a:moveTo>
-                  <a:pt x="225" y="692"/>
+                  <a:pt x="956085" y="2071857"/>
                 </a:moveTo>
                 <a:cubicBezTo>
-                  <a:pt x="207" y="692"/>
-                  <a:pt x="185" y="680"/>
-                  <a:pt x="177" y="665"/>
-                </a:cubicBezTo>
-                <a:cubicBezTo>
-                  <a:pt x="9" y="374"/>
-                  <a:pt x="9" y="374"/>
-                  <a:pt x="9" y="374"/>
-                </a:cubicBezTo>
-                <a:cubicBezTo>
-                  <a:pt x="0" y="358"/>
-                  <a:pt x="0" y="334"/>
-                  <a:pt x="9" y="318"/>
-                </a:cubicBezTo>
-                <a:cubicBezTo>
-                  <a:pt x="177" y="27"/>
-                  <a:pt x="177" y="27"/>
-                  <a:pt x="177" y="27"/>
-                </a:cubicBezTo>
-                <a:cubicBezTo>
-                  <a:pt x="185" y="12"/>
-                  <a:pt x="207" y="0"/>
-                  <a:pt x="225" y="0"/>
-                </a:cubicBezTo>
-                <a:cubicBezTo>
-                  <a:pt x="561" y="0"/>
-                  <a:pt x="561" y="0"/>
-                  <a:pt x="561" y="0"/>
-                </a:cubicBezTo>
-                <a:cubicBezTo>
-                  <a:pt x="578" y="0"/>
-                  <a:pt x="600" y="12"/>
-                  <a:pt x="609" y="27"/>
-                </a:cubicBezTo>
-                <a:cubicBezTo>
-                  <a:pt x="777" y="318"/>
-                  <a:pt x="777" y="318"/>
-                  <a:pt x="777" y="318"/>
-                </a:cubicBezTo>
-                <a:cubicBezTo>
-                  <a:pt x="785" y="334"/>
-                  <a:pt x="785" y="358"/>
-                  <a:pt x="777" y="374"/>
-                </a:cubicBezTo>
-                <a:cubicBezTo>
-                  <a:pt x="609" y="665"/>
-                  <a:pt x="609" y="665"/>
-                  <a:pt x="609" y="665"/>
-                </a:cubicBezTo>
-                <a:cubicBezTo>
-                  <a:pt x="600" y="680"/>
-                  <a:pt x="578" y="692"/>
-                  <a:pt x="561" y="692"/>
+                  <a:pt x="956085" y="2071857"/>
+                  <a:pt x="956085" y="2071857"/>
+                  <a:pt x="4999548" y="2071857"/>
+                </a:cubicBezTo>
+                <a:cubicBezTo>
+                  <a:pt x="5252811" y="2071857"/>
+                  <a:pt x="5497339" y="2211072"/>
+                  <a:pt x="5619604" y="2437296"/>
+                </a:cubicBezTo>
+                <a:cubicBezTo>
+                  <a:pt x="5619604" y="2437296"/>
+                  <a:pt x="5619604" y="2437296"/>
+                  <a:pt x="7645701" y="5926372"/>
+                </a:cubicBezTo>
+                <a:cubicBezTo>
+                  <a:pt x="7776699" y="6143896"/>
+                  <a:pt x="7776699" y="6422327"/>
+                  <a:pt x="7645701" y="6639850"/>
+                </a:cubicBezTo>
+                <a:cubicBezTo>
+                  <a:pt x="7645701" y="6639850"/>
+                  <a:pt x="7645701" y="6639850"/>
+                  <a:pt x="7538856" y="6823844"/>
                 </a:cubicBezTo>
                 <a:lnTo>
-                  <a:pt x="225" y="692"/>
+                  <a:pt x="7519022" y="6858000"/>
+                </a:lnTo>
+                <a:lnTo>
+                  <a:pt x="0" y="6858000"/>
+                </a:lnTo>
+                <a:lnTo>
+                  <a:pt x="0" y="3003362"/>
+                </a:lnTo>
+                <a:lnTo>
+                  <a:pt x="144017" y="2754282"/>
+                </a:lnTo>
+                <a:cubicBezTo>
+                  <a:pt x="203181" y="2651956"/>
+                  <a:pt x="264254" y="2546330"/>
+                  <a:pt x="327296" y="2437296"/>
+                </a:cubicBezTo>
+                <a:cubicBezTo>
+                  <a:pt x="458294" y="2211072"/>
+                  <a:pt x="694090" y="2071857"/>
+                  <a:pt x="956085" y="2071857"/>
+                </a:cubicBezTo>
+                <a:close/>
+                <a:moveTo>
+                  <a:pt x="6281397" y="1163923"/>
+                </a:moveTo>
+                <a:cubicBezTo>
+                  <a:pt x="6281397" y="1163923"/>
+                  <a:pt x="6281397" y="1163923"/>
+                  <a:pt x="7148441" y="1163923"/>
+                </a:cubicBezTo>
+                <a:cubicBezTo>
+                  <a:pt x="7202749" y="1163923"/>
+                  <a:pt x="7255183" y="1193775"/>
+                  <a:pt x="7281401" y="1242285"/>
+                </a:cubicBezTo>
+                <a:cubicBezTo>
+                  <a:pt x="7281401" y="1242285"/>
+                  <a:pt x="7281401" y="1242285"/>
+                  <a:pt x="7715859" y="1990451"/>
+                </a:cubicBezTo>
+                <a:cubicBezTo>
+                  <a:pt x="7743949" y="2037095"/>
+                  <a:pt x="7743949" y="2096799"/>
+                  <a:pt x="7715859" y="2143443"/>
+                </a:cubicBezTo>
+                <a:cubicBezTo>
+                  <a:pt x="7715859" y="2143443"/>
+                  <a:pt x="7715859" y="2143443"/>
+                  <a:pt x="7281401" y="2891610"/>
+                </a:cubicBezTo>
+                <a:cubicBezTo>
+                  <a:pt x="7255183" y="2940119"/>
+                  <a:pt x="7202749" y="2969971"/>
+                  <a:pt x="7148441" y="2969971"/>
+                </a:cubicBezTo>
+                <a:cubicBezTo>
+                  <a:pt x="7148441" y="2969971"/>
+                  <a:pt x="7148441" y="2969971"/>
+                  <a:pt x="6281397" y="2969971"/>
+                </a:cubicBezTo>
+                <a:cubicBezTo>
+                  <a:pt x="6225217" y="2969971"/>
+                  <a:pt x="6174655" y="2940119"/>
+                  <a:pt x="6146565" y="2891610"/>
+                </a:cubicBezTo>
+                <a:cubicBezTo>
+                  <a:pt x="6146565" y="2891610"/>
+                  <a:pt x="6146565" y="2891610"/>
+                  <a:pt x="5713979" y="2143443"/>
+                </a:cubicBezTo>
+                <a:cubicBezTo>
+                  <a:pt x="5685889" y="2096799"/>
+                  <a:pt x="5685889" y="2037095"/>
+                  <a:pt x="5713979" y="1990451"/>
+                </a:cubicBezTo>
+                <a:cubicBezTo>
+                  <a:pt x="5713979" y="1990451"/>
+                  <a:pt x="5713979" y="1990451"/>
+                  <a:pt x="6146565" y="1242285"/>
+                </a:cubicBezTo>
+                <a:cubicBezTo>
+                  <a:pt x="6174655" y="1193775"/>
+                  <a:pt x="6225217" y="1163923"/>
+                  <a:pt x="6281397" y="1163923"/>
+                </a:cubicBezTo>
+                <a:close/>
+                <a:moveTo>
+                  <a:pt x="0" y="0"/>
+                </a:moveTo>
+                <a:lnTo>
+                  <a:pt x="6600525" y="0"/>
+                </a:lnTo>
+                <a:lnTo>
+                  <a:pt x="6486618" y="196155"/>
+                </a:lnTo>
+                <a:cubicBezTo>
+                  <a:pt x="6261242" y="584267"/>
+                  <a:pt x="5994130" y="1044253"/>
+                  <a:pt x="5677553" y="1589421"/>
+                </a:cubicBezTo>
+                <a:cubicBezTo>
+                  <a:pt x="5555288" y="1815646"/>
+                  <a:pt x="5310759" y="1954861"/>
+                  <a:pt x="5057496" y="1954861"/>
+                </a:cubicBezTo>
+                <a:cubicBezTo>
+                  <a:pt x="5057496" y="1954861"/>
+                  <a:pt x="5057496" y="1954861"/>
+                  <a:pt x="1014033" y="1954861"/>
+                </a:cubicBezTo>
+                <a:cubicBezTo>
+                  <a:pt x="752038" y="1954861"/>
+                  <a:pt x="516243" y="1815646"/>
+                  <a:pt x="385244" y="1589421"/>
+                </a:cubicBezTo>
+                <a:cubicBezTo>
+                  <a:pt x="385244" y="1589421"/>
+                  <a:pt x="385244" y="1589421"/>
+                  <a:pt x="69234" y="1042874"/>
+                </a:cubicBezTo>
+                <a:lnTo>
+                  <a:pt x="0" y="923133"/>
                 </a:lnTo>
                 <a:close/>
               </a:path>
             </a:pathLst>
           </a:custGeom>
-          <a:noFill/>
-          <a:ln w="28575" cmpd="sng">
-            <a:solidFill>
-              <a:schemeClr val="tx1"/>
-            </a:solidFill>
+          <a:solidFill>
+            <a:schemeClr val="tx1"/>
+          </a:solidFill>
+          <a:ln>
+            <a:noFill/>
           </a:ln>
         </p:spPr>
+        <p:style>
+          <a:lnRef idx="2">
+            <a:schemeClr val="accent1">
+              <a:shade val="50000"/>
+            </a:schemeClr>
+          </a:lnRef>
+          <a:fillRef idx="1">
+            <a:schemeClr val="accent1"/>
+          </a:fillRef>
+          <a:effectRef idx="0">
+            <a:schemeClr val="accent1"/>
+          </a:effectRef>
+          <a:fontRef idx="minor">
+            <a:schemeClr val="lt1"/>
+          </a:fontRef>
+        </p:style>
         <p:txBody>
-          <a:bodyPr vert="horz" wrap="square" lIns="91440" tIns="45720" rIns="91440" bIns="45720" numCol="1" anchor="t" anchorCtr="0" compatLnSpc="1">
-            <a:prstTxWarp prst="textNoShape">
-              <a:avLst/>
-            </a:prstTxWarp>
+          <a:bodyPr wrap="square" rtlCol="0" anchor="ctr">
+            <a:noAutofit/>
           </a:bodyPr>
           <a:lstStyle/>
           <a:p>
+            <a:pPr algn="ctr"/>
             <a:endParaRPr lang="en-US"/>
           </a:p>
         </p:txBody>
       </p:sp>
       <p:sp>
         <p:nvSpPr>
-          <p:cNvPr id="23" name="Freeform 5">
+          <p:cNvPr id="2" name="Title 1">
             <a:extLst>
               <a:ext uri="{FF2B5EF4-FFF2-40B4-BE49-F238E27FC236}">
-                <a16:creationId xmlns:a16="http://schemas.microsoft.com/office/drawing/2014/main" id="{EFA5A327-531A-495C-BCA7-27F04811AF4B}"/>
-              </a:ext>
-              <a:ext uri="{C183D7F6-B498-43B3-948B-1728B52AA6E4}">
-                <adec:decorative xmlns:adec="http://schemas.microsoft.com/office/drawing/2017/decorative" val="1"/>
+                <a16:creationId xmlns:a16="http://schemas.microsoft.com/office/drawing/2014/main" id="{397EDA5E-FF32-48CB-AB2A-63CF13FBAB25}"/>
               </a:ext>
             </a:extLst>
           </p:cNvPr>
           <p:cNvSpPr>
-            <a:spLocks noGrp="1" noRot="1" noChangeAspect="1" noMove="1" noResize="1" noEditPoints="1" noAdjustHandles="1" noChangeArrowheads="1" noChangeShapeType="1" noTextEdit="1"/>
+            <a:spLocks noGrp="1"/>
           </p:cNvSpPr>
           <p:nvPr>
-            <p:extLst>
-              <p:ext uri="{386F3935-93C4-4BCD-93E2-E3B085C9AB24}">
-                <p16:designElem xmlns:p16="http://schemas.microsoft.com/office/powerpoint/2015/main" val="1"/>
-              </p:ext>
-            </p:extLst>
+            <p:ph type="title"/>
           </p:nvPr>
         </p:nvSpPr>
-        <p:spPr bwMode="auto">
+        <p:spPr>
           <a:xfrm>
-            <a:off x="7703265" y="1059710"/>
-            <a:ext cx="550492" cy="485306"/>
+            <a:off x="756744" y="349858"/>
+            <a:ext cx="4761461" cy="1351722"/>
           </a:xfrm>
-          <a:custGeom>
-            <a:avLst/>
-            <a:gdLst>
-              <a:gd name="T0" fmla="*/ 225 w 785"/>
-              <a:gd name="T1" fmla="*/ 692 h 692"/>
-              <a:gd name="T2" fmla="*/ 177 w 785"/>
-              <a:gd name="T3" fmla="*/ 665 h 692"/>
-              <a:gd name="T4" fmla="*/ 9 w 785"/>
-              <a:gd name="T5" fmla="*/ 374 h 692"/>
-              <a:gd name="T6" fmla="*/ 9 w 785"/>
-              <a:gd name="T7" fmla="*/ 318 h 692"/>
-              <a:gd name="T8" fmla="*/ 177 w 785"/>
-              <a:gd name="T9" fmla="*/ 27 h 692"/>
-              <a:gd name="T10" fmla="*/ 225 w 785"/>
-              <a:gd name="T11" fmla="*/ 0 h 692"/>
-              <a:gd name="T12" fmla="*/ 561 w 785"/>
-              <a:gd name="T13" fmla="*/ 0 h 692"/>
-              <a:gd name="T14" fmla="*/ 609 w 785"/>
-              <a:gd name="T15" fmla="*/ 27 h 692"/>
-              <a:gd name="T16" fmla="*/ 777 w 785"/>
-              <a:gd name="T17" fmla="*/ 318 h 692"/>
-              <a:gd name="T18" fmla="*/ 777 w 785"/>
-              <a:gd name="T19" fmla="*/ 374 h 692"/>
-              <a:gd name="T20" fmla="*/ 609 w 785"/>
-              <a:gd name="T21" fmla="*/ 665 h 692"/>
-              <a:gd name="T22" fmla="*/ 561 w 785"/>
-              <a:gd name="T23" fmla="*/ 692 h 692"/>
-              <a:gd name="T24" fmla="*/ 225 w 785"/>
-              <a:gd name="T25" fmla="*/ 692 h 692"/>
-            </a:gdLst>
-            <a:ahLst/>
-            <a:cxnLst>
-              <a:cxn ang="0">
-                <a:pos x="T0" y="T1"/>
-              </a:cxn>
-              <a:cxn ang="0">
-                <a:pos x="T2" y="T3"/>
-              </a:cxn>
-              <a:cxn ang="0">
-                <a:pos x="T4" y="T5"/>
-              </a:cxn>
-              <a:cxn ang="0">
-                <a:pos x="T6" y="T7"/>
-              </a:cxn>
-              <a:cxn ang="0">
-                <a:pos x="T8" y="T9"/>
-              </a:cxn>
-              <a:cxn ang="0">
-                <a:pos x="T10" y="T11"/>
-              </a:cxn>
-              <a:cxn ang="0">
-                <a:pos x="T12" y="T13"/>
-              </a:cxn>
-              <a:cxn ang="0">
-                <a:pos x="T14" y="T15"/>
-              </a:cxn>
-              <a:cxn ang="0">
-                <a:pos x="T16" y="T17"/>
-              </a:cxn>
-              <a:cxn ang="0">
-                <a:pos x="T18" y="T19"/>
-              </a:cxn>
-              <a:cxn ang="0">
-                <a:pos x="T20" y="T21"/>
-              </a:cxn>
-              <a:cxn ang="0">
-                <a:pos x="T22" y="T23"/>
-              </a:cxn>
-              <a:cxn ang="0">
-                <a:pos x="T24" y="T25"/>
-              </a:cxn>
-            </a:cxnLst>
-            <a:rect l="0" t="0" r="r" b="b"/>
-            <a:pathLst>
-              <a:path w="785" h="692">
-                <a:moveTo>
-                  <a:pt x="225" y="692"/>
-                </a:moveTo>
-                <a:cubicBezTo>
-                  <a:pt x="207" y="692"/>
-                  <a:pt x="185" y="680"/>
-                  <a:pt x="177" y="665"/>
-                </a:cubicBezTo>
-                <a:cubicBezTo>
-                  <a:pt x="9" y="374"/>
-                  <a:pt x="9" y="374"/>
-                  <a:pt x="9" y="374"/>
-                </a:cubicBezTo>
-                <a:cubicBezTo>
-                  <a:pt x="0" y="358"/>
-                  <a:pt x="0" y="334"/>
-                  <a:pt x="9" y="318"/>
-                </a:cubicBezTo>
-                <a:cubicBezTo>
-                  <a:pt x="177" y="27"/>
-                  <a:pt x="177" y="27"/>
-                  <a:pt x="177" y="27"/>
-                </a:cubicBezTo>
-                <a:cubicBezTo>
-                  <a:pt x="185" y="12"/>
-                  <a:pt x="207" y="0"/>
-                  <a:pt x="225" y="0"/>
-                </a:cubicBezTo>
-                <a:cubicBezTo>
-                  <a:pt x="561" y="0"/>
-                  <a:pt x="561" y="0"/>
-                  <a:pt x="561" y="0"/>
-                </a:cubicBezTo>
-                <a:cubicBezTo>
-                  <a:pt x="578" y="0"/>
-                  <a:pt x="600" y="12"/>
-                  <a:pt x="609" y="27"/>
-                </a:cubicBezTo>
-                <a:cubicBezTo>
-                  <a:pt x="777" y="318"/>
-                  <a:pt x="777" y="318"/>
-                  <a:pt x="777" y="318"/>
-                </a:cubicBezTo>
-                <a:cubicBezTo>
-                  <a:pt x="785" y="334"/>
-                  <a:pt x="785" y="358"/>
-                  <a:pt x="777" y="374"/>
-                </a:cubicBezTo>
-                <a:cubicBezTo>
-                  <a:pt x="609" y="665"/>
-                  <a:pt x="609" y="665"/>
-                  <a:pt x="609" y="665"/>
-                </a:cubicBezTo>
-                <a:cubicBezTo>
-                  <a:pt x="600" y="680"/>
-                  <a:pt x="578" y="692"/>
-                  <a:pt x="561" y="692"/>
-                </a:cubicBezTo>
-                <a:lnTo>
-                  <a:pt x="225" y="692"/>
-                </a:lnTo>
-                <a:close/>
-              </a:path>
-            </a:pathLst>
-          </a:custGeom>
-          <a:noFill/>
-          <a:ln w="28575" cmpd="sng">
-            <a:solidFill>
-              <a:schemeClr val="tx1"/>
-            </a:solidFill>
-          </a:ln>
         </p:spPr>
         <p:txBody>
-          <a:bodyPr vert="horz" wrap="square" lIns="91440" tIns="45720" rIns="91440" bIns="45720" numCol="1" anchor="t" anchorCtr="0" compatLnSpc="1">
-            <a:prstTxWarp prst="textNoShape">
-              <a:avLst/>
-            </a:prstTxWarp>
+          <a:bodyPr vert="horz" lIns="91440" tIns="45720" rIns="91440" bIns="45720" rtlCol="0" anchor="ctr">
+            <a:normAutofit/>
           </a:bodyPr>
           <a:lstStyle/>
           <a:p>
-            <a:endParaRPr lang="en-US"/>
+            <a:r>
+              <a:rPr lang="en-US" kern="1200">
+                <a:solidFill>
+                  <a:schemeClr val="bg1"/>
+                </a:solidFill>
+                <a:latin typeface="+mj-lt"/>
+                <a:ea typeface="+mj-ea"/>
+                <a:cs typeface="+mj-cs"/>
+              </a:rPr>
+              <a:t>Insights: Sentence Enhancements</a:t>
+            </a:r>
           </a:p>
         </p:txBody>
       </p:sp>
@@ -9745,8 +9771,8 @@
         </p:nvSpPr>
         <p:spPr>
           <a:xfrm>
-            <a:off x="1286934" y="2946169"/>
-            <a:ext cx="5163106" cy="3088871"/>
+            <a:off x="756746" y="2863018"/>
+            <a:ext cx="4666592" cy="3304451"/>
           </a:xfrm>
         </p:spPr>
         <p:txBody>
@@ -9766,7 +9792,11 @@
               <a:buChar char="•"/>
             </a:pPr>
             <a:r>
-              <a:rPr lang="en-US" sz="2000" dirty="0"/>
+              <a:rPr lang="en-US" sz="2400" dirty="0">
+                <a:solidFill>
+                  <a:schemeClr val="bg1"/>
+                </a:solidFill>
+              </a:rPr>
               <a:t>Sentence enhancements available:</a:t>
             </a:r>
           </a:p>
@@ -9782,7 +9812,11 @@
               <a:buChar char="•"/>
             </a:pPr>
             <a:r>
-              <a:rPr lang="en-US" sz="2000" dirty="0"/>
+              <a:rPr lang="en-US" sz="2400" dirty="0">
+                <a:solidFill>
+                  <a:schemeClr val="bg1"/>
+                </a:solidFill>
+              </a:rPr>
               <a:t>Criminal history points</a:t>
             </a:r>
           </a:p>
@@ -9798,7 +9832,11 @@
               <a:buChar char="•"/>
             </a:pPr>
             <a:r>
-              <a:rPr lang="en-US" sz="2000" dirty="0"/>
+              <a:rPr lang="en-US" sz="2400" dirty="0">
+                <a:solidFill>
+                  <a:schemeClr val="bg1"/>
+                </a:solidFill>
+              </a:rPr>
               <a:t>“Career Offender” status</a:t>
             </a:r>
           </a:p>
@@ -9814,7 +9852,11 @@
               <a:buChar char="•"/>
             </a:pPr>
             <a:r>
-              <a:rPr lang="en-US" sz="2000" dirty="0"/>
+              <a:rPr lang="en-US" sz="2400" dirty="0">
+                <a:solidFill>
+                  <a:schemeClr val="bg1"/>
+                </a:solidFill>
+              </a:rPr>
               <a:t>“Armed Career Offender” status</a:t>
             </a:r>
           </a:p>
@@ -9830,7 +9872,11 @@
               <a:buChar char="•"/>
             </a:pPr>
             <a:r>
-              <a:rPr lang="en-US" sz="2000" dirty="0"/>
+              <a:rPr lang="en-US" sz="2400" dirty="0">
+                <a:solidFill>
+                  <a:schemeClr val="bg1"/>
+                </a:solidFill>
+              </a:rPr>
               <a:t>Sentence mitigations available:</a:t>
             </a:r>
           </a:p>
@@ -9846,202 +9892,13 @@
               <a:buChar char="•"/>
             </a:pPr>
             <a:r>
-              <a:rPr lang="en-US" sz="2000" dirty="0"/>
+              <a:rPr lang="en-US" sz="2400" dirty="0">
+                <a:solidFill>
+                  <a:schemeClr val="bg1"/>
+                </a:solidFill>
+              </a:rPr>
               <a:t>Safety valve</a:t>
             </a:r>
-          </a:p>
-        </p:txBody>
-      </p:sp>
-      <p:sp>
-        <p:nvSpPr>
-          <p:cNvPr id="25" name="Freeform 5">
-            <a:extLst>
-              <a:ext uri="{FF2B5EF4-FFF2-40B4-BE49-F238E27FC236}">
-                <a16:creationId xmlns:a16="http://schemas.microsoft.com/office/drawing/2014/main" id="{09C89D1D-8C73-4FE3-BB9A-0A66D0F9C2FF}"/>
-              </a:ext>
-              <a:ext uri="{C183D7F6-B498-43B3-948B-1728B52AA6E4}">
-                <adec:decorative xmlns:adec="http://schemas.microsoft.com/office/drawing/2017/decorative" val="1"/>
-              </a:ext>
-            </a:extLst>
-          </p:cNvPr>
-          <p:cNvSpPr>
-            <a:spLocks noGrp="1" noRot="1" noChangeAspect="1" noMove="1" noResize="1" noEditPoints="1" noAdjustHandles="1" noChangeArrowheads="1" noChangeShapeType="1" noTextEdit="1"/>
-          </p:cNvSpPr>
-          <p:nvPr>
-            <p:extLst>
-              <p:ext uri="{386F3935-93C4-4BCD-93E2-E3B085C9AB24}">
-                <p16:designElem xmlns:p16="http://schemas.microsoft.com/office/powerpoint/2015/main" val="1"/>
-              </p:ext>
-            </p:extLst>
-          </p:nvPr>
-        </p:nvSpPr>
-        <p:spPr bwMode="auto">
-          <a:xfrm>
-            <a:off x="6882856" y="1645694"/>
-            <a:ext cx="4689240" cy="4115025"/>
-          </a:xfrm>
-          <a:custGeom>
-            <a:avLst/>
-            <a:gdLst>
-              <a:gd name="T0" fmla="*/ 781 w 1099"/>
-              <a:gd name="T1" fmla="*/ 0 h 968"/>
-              <a:gd name="T2" fmla="*/ 318 w 1099"/>
-              <a:gd name="T3" fmla="*/ 0 h 968"/>
-              <a:gd name="T4" fmla="*/ 246 w 1099"/>
-              <a:gd name="T5" fmla="*/ 42 h 968"/>
-              <a:gd name="T6" fmla="*/ 15 w 1099"/>
-              <a:gd name="T7" fmla="*/ 443 h 968"/>
-              <a:gd name="T8" fmla="*/ 15 w 1099"/>
-              <a:gd name="T9" fmla="*/ 525 h 968"/>
-              <a:gd name="T10" fmla="*/ 246 w 1099"/>
-              <a:gd name="T11" fmla="*/ 926 h 968"/>
-              <a:gd name="T12" fmla="*/ 318 w 1099"/>
-              <a:gd name="T13" fmla="*/ 968 h 968"/>
-              <a:gd name="T14" fmla="*/ 781 w 1099"/>
-              <a:gd name="T15" fmla="*/ 968 h 968"/>
-              <a:gd name="T16" fmla="*/ 852 w 1099"/>
-              <a:gd name="T17" fmla="*/ 926 h 968"/>
-              <a:gd name="T18" fmla="*/ 1084 w 1099"/>
-              <a:gd name="T19" fmla="*/ 525 h 968"/>
-              <a:gd name="T20" fmla="*/ 1084 w 1099"/>
-              <a:gd name="T21" fmla="*/ 443 h 968"/>
-              <a:gd name="T22" fmla="*/ 852 w 1099"/>
-              <a:gd name="T23" fmla="*/ 42 h 968"/>
-              <a:gd name="T24" fmla="*/ 781 w 1099"/>
-              <a:gd name="T25" fmla="*/ 0 h 968"/>
-            </a:gdLst>
-            <a:ahLst/>
-            <a:cxnLst>
-              <a:cxn ang="0">
-                <a:pos x="T0" y="T1"/>
-              </a:cxn>
-              <a:cxn ang="0">
-                <a:pos x="T2" y="T3"/>
-              </a:cxn>
-              <a:cxn ang="0">
-                <a:pos x="T4" y="T5"/>
-              </a:cxn>
-              <a:cxn ang="0">
-                <a:pos x="T6" y="T7"/>
-              </a:cxn>
-              <a:cxn ang="0">
-                <a:pos x="T8" y="T9"/>
-              </a:cxn>
-              <a:cxn ang="0">
-                <a:pos x="T10" y="T11"/>
-              </a:cxn>
-              <a:cxn ang="0">
-                <a:pos x="T12" y="T13"/>
-              </a:cxn>
-              <a:cxn ang="0">
-                <a:pos x="T14" y="T15"/>
-              </a:cxn>
-              <a:cxn ang="0">
-                <a:pos x="T16" y="T17"/>
-              </a:cxn>
-              <a:cxn ang="0">
-                <a:pos x="T18" y="T19"/>
-              </a:cxn>
-              <a:cxn ang="0">
-                <a:pos x="T20" y="T21"/>
-              </a:cxn>
-              <a:cxn ang="0">
-                <a:pos x="T22" y="T23"/>
-              </a:cxn>
-              <a:cxn ang="0">
-                <a:pos x="T24" y="T25"/>
-              </a:cxn>
-            </a:cxnLst>
-            <a:rect l="0" t="0" r="r" b="b"/>
-            <a:pathLst>
-              <a:path w="1099" h="968">
-                <a:moveTo>
-                  <a:pt x="781" y="0"/>
-                </a:moveTo>
-                <a:cubicBezTo>
-                  <a:pt x="318" y="0"/>
-                  <a:pt x="318" y="0"/>
-                  <a:pt x="318" y="0"/>
-                </a:cubicBezTo>
-                <a:cubicBezTo>
-                  <a:pt x="288" y="0"/>
-                  <a:pt x="261" y="16"/>
-                  <a:pt x="246" y="42"/>
-                </a:cubicBezTo>
-                <a:cubicBezTo>
-                  <a:pt x="15" y="443"/>
-                  <a:pt x="15" y="443"/>
-                  <a:pt x="15" y="443"/>
-                </a:cubicBezTo>
-                <a:cubicBezTo>
-                  <a:pt x="0" y="468"/>
-                  <a:pt x="0" y="500"/>
-                  <a:pt x="15" y="525"/>
-                </a:cubicBezTo>
-                <a:cubicBezTo>
-                  <a:pt x="246" y="926"/>
-                  <a:pt x="246" y="926"/>
-                  <a:pt x="246" y="926"/>
-                </a:cubicBezTo>
-                <a:cubicBezTo>
-                  <a:pt x="261" y="952"/>
-                  <a:pt x="288" y="968"/>
-                  <a:pt x="318" y="968"/>
-                </a:cubicBezTo>
-                <a:cubicBezTo>
-                  <a:pt x="781" y="968"/>
-                  <a:pt x="781" y="968"/>
-                  <a:pt x="781" y="968"/>
-                </a:cubicBezTo>
-                <a:cubicBezTo>
-                  <a:pt x="810" y="968"/>
-                  <a:pt x="838" y="952"/>
-                  <a:pt x="852" y="926"/>
-                </a:cubicBezTo>
-                <a:cubicBezTo>
-                  <a:pt x="1084" y="525"/>
-                  <a:pt x="1084" y="525"/>
-                  <a:pt x="1084" y="525"/>
-                </a:cubicBezTo>
-                <a:cubicBezTo>
-                  <a:pt x="1099" y="500"/>
-                  <a:pt x="1099" y="468"/>
-                  <a:pt x="1084" y="443"/>
-                </a:cubicBezTo>
-                <a:cubicBezTo>
-                  <a:pt x="852" y="42"/>
-                  <a:pt x="852" y="42"/>
-                  <a:pt x="852" y="42"/>
-                </a:cubicBezTo>
-                <a:cubicBezTo>
-                  <a:pt x="838" y="16"/>
-                  <a:pt x="810" y="0"/>
-                  <a:pt x="781" y="0"/>
-                </a:cubicBezTo>
-                <a:close/>
-              </a:path>
-            </a:pathLst>
-          </a:custGeom>
-          <a:noFill/>
-          <a:ln w="50800" cap="flat">
-            <a:solidFill>
-              <a:schemeClr val="tx1"/>
-            </a:solidFill>
-            <a:prstDash val="solid"/>
-            <a:miter lim="800000"/>
-            <a:headEnd/>
-            <a:tailEnd/>
-          </a:ln>
-        </p:spPr>
-        <p:txBody>
-          <a:bodyPr vert="horz" wrap="square" lIns="91440" tIns="45720" rIns="91440" bIns="45720" numCol="1" anchor="t" anchorCtr="0" compatLnSpc="1">
-            <a:prstTxWarp prst="textNoShape">
-              <a:avLst/>
-            </a:prstTxWarp>
-          </a:bodyPr>
-          <a:lstStyle/>
-          <a:p>
-            <a:endParaRPr lang="en-US" dirty="0"/>
           </a:p>
         </p:txBody>
       </p:sp>
@@ -10076,8 +9933,8 @@
         </p:blipFill>
         <p:spPr>
           <a:xfrm>
-            <a:off x="7947011" y="2422740"/>
-            <a:ext cx="2560931" cy="2560931"/>
+            <a:off x="7836576" y="1261638"/>
+            <a:ext cx="3858600" cy="3858600"/>
           </a:xfrm>
           <a:prstGeom prst="rect">
             <a:avLst/>
@@ -11645,10 +11502,10 @@
       </p:grpSpPr>
       <p:sp useBgFill="1">
         <p:nvSpPr>
-          <p:cNvPr id="48" name="Rectangle 40">
+          <p:cNvPr id="56" name="Rectangle 55">
             <a:extLst>
               <a:ext uri="{FF2B5EF4-FFF2-40B4-BE49-F238E27FC236}">
-                <a16:creationId xmlns:a16="http://schemas.microsoft.com/office/drawing/2014/main" id="{5DCB5928-DC7D-4612-9922-441966E15627}"/>
+                <a16:creationId xmlns:a16="http://schemas.microsoft.com/office/drawing/2014/main" id="{33CD251C-A887-4D2F-925B-FC097198538B}"/>
               </a:ext>
               <a:ext uri="{C183D7F6-B498-43B3-948B-1728B52AA6E4}">
                 <adec:decorative xmlns:adec="http://schemas.microsoft.com/office/drawing/2017/decorative" val="1"/>
@@ -11703,12 +11560,12 @@
           </a:p>
         </p:txBody>
       </p:sp>
-      <p:sp useBgFill="1">
+      <p:sp>
         <p:nvSpPr>
-          <p:cNvPr id="50" name="Freeform: Shape 42">
+          <p:cNvPr id="58" name="Freeform: Shape 57">
             <a:extLst>
               <a:ext uri="{FF2B5EF4-FFF2-40B4-BE49-F238E27FC236}">
-                <a16:creationId xmlns:a16="http://schemas.microsoft.com/office/drawing/2014/main" id="{682C1161-1736-45EC-99B7-33F3CAE9D517}"/>
+                <a16:creationId xmlns:a16="http://schemas.microsoft.com/office/drawing/2014/main" id="{3B2069EE-A08E-44F0-B3F9-3CF8CC2DCAD5}"/>
               </a:ext>
               <a:ext uri="{C183D7F6-B498-43B3-948B-1728B52AA6E4}">
                 <adec:decorative xmlns:adec="http://schemas.microsoft.com/office/drawing/2017/decorative" val="1"/>
@@ -11729,25 +11586,27 @@
         <p:spPr>
           <a:xfrm>
             <a:off x="0" y="0"/>
-            <a:ext cx="4959047" cy="6858000"/>
+            <a:ext cx="6126740" cy="6857542"/>
           </a:xfrm>
           <a:custGeom>
             <a:avLst/>
             <a:gdLst>
-              <a:gd name="connsiteX0" fmla="*/ 0 w 4959047"/>
-              <a:gd name="connsiteY0" fmla="*/ 0 h 6858000"/>
-              <a:gd name="connsiteX1" fmla="*/ 4110127 w 4959047"/>
-              <a:gd name="connsiteY1" fmla="*/ 0 h 6858000"/>
-              <a:gd name="connsiteX2" fmla="*/ 4179024 w 4959047"/>
-              <a:gd name="connsiteY2" fmla="*/ 123368 h 6858000"/>
-              <a:gd name="connsiteX3" fmla="*/ 4959047 w 4959047"/>
-              <a:gd name="connsiteY3" fmla="*/ 3429000 h 6858000"/>
-              <a:gd name="connsiteX4" fmla="*/ 4179024 w 4959047"/>
-              <a:gd name="connsiteY4" fmla="*/ 6734633 h 6858000"/>
-              <a:gd name="connsiteX5" fmla="*/ 4110127 w 4959047"/>
-              <a:gd name="connsiteY5" fmla="*/ 6858000 h 6858000"/>
-              <a:gd name="connsiteX6" fmla="*/ 0 w 4959047"/>
-              <a:gd name="connsiteY6" fmla="*/ 6858000 h 6858000"/>
+              <a:gd name="connsiteX0" fmla="*/ 0 w 6126740"/>
+              <a:gd name="connsiteY0" fmla="*/ 0 h 6857542"/>
+              <a:gd name="connsiteX1" fmla="*/ 4980067 w 6126740"/>
+              <a:gd name="connsiteY1" fmla="*/ 0 h 6857542"/>
+              <a:gd name="connsiteX2" fmla="*/ 4992714 w 6126740"/>
+              <a:gd name="connsiteY2" fmla="*/ 31774 h 6857542"/>
+              <a:gd name="connsiteX3" fmla="*/ 6047722 w 6126740"/>
+              <a:gd name="connsiteY3" fmla="*/ 2682457 h 6857542"/>
+              <a:gd name="connsiteX4" fmla="*/ 6047722 w 6126740"/>
+              <a:gd name="connsiteY4" fmla="*/ 3752208 h 6857542"/>
+              <a:gd name="connsiteX5" fmla="*/ 4890218 w 6126740"/>
+              <a:gd name="connsiteY5" fmla="*/ 6660411 h 6857542"/>
+              <a:gd name="connsiteX6" fmla="*/ 4811756 w 6126740"/>
+              <a:gd name="connsiteY6" fmla="*/ 6857542 h 6857542"/>
+              <a:gd name="connsiteX7" fmla="*/ 0 w 6126740"/>
+              <a:gd name="connsiteY7" fmla="*/ 6857542 h 6857542"/>
             </a:gdLst>
             <a:ahLst/>
             <a:cxnLst>
@@ -11772,52 +11631,53 @@
               <a:cxn ang="0">
                 <a:pos x="connsiteX6" y="connsiteY6"/>
               </a:cxn>
+              <a:cxn ang="0">
+                <a:pos x="connsiteX7" y="connsiteY7"/>
+              </a:cxn>
             </a:cxnLst>
             <a:rect l="l" t="t" r="r" b="b"/>
             <a:pathLst>
-              <a:path w="4959047" h="6858000">
+              <a:path w="6126740" h="6857542">
                 <a:moveTo>
                   <a:pt x="0" y="0"/>
                 </a:moveTo>
                 <a:lnTo>
-                  <a:pt x="4110127" y="0"/>
+                  <a:pt x="4980067" y="0"/>
                 </a:lnTo>
                 <a:lnTo>
-                  <a:pt x="4179024" y="123368"/>
+                  <a:pt x="4992714" y="31774"/>
                 </a:lnTo>
                 <a:cubicBezTo>
-                  <a:pt x="4668929" y="1045156"/>
-                  <a:pt x="4959047" y="2189404"/>
-                  <a:pt x="4959047" y="3429000"/>
-                </a:cubicBezTo>
-                <a:cubicBezTo>
-                  <a:pt x="4959047" y="4668597"/>
-                  <a:pt x="4668929" y="5812845"/>
-                  <a:pt x="4179024" y="6734633"/>
+                  <a:pt x="6047722" y="2682457"/>
+                  <a:pt x="6047722" y="2682457"/>
+                  <a:pt x="6047722" y="2682457"/>
+                </a:cubicBezTo>
+                <a:cubicBezTo>
+                  <a:pt x="6153080" y="2988100"/>
+                  <a:pt x="6153080" y="3446565"/>
+                  <a:pt x="6047722" y="3752208"/>
+                </a:cubicBezTo>
+                <a:cubicBezTo>
+                  <a:pt x="5563735" y="4968215"/>
+                  <a:pt x="5185620" y="5918220"/>
+                  <a:pt x="4890218" y="6660411"/>
                 </a:cubicBezTo>
                 <a:lnTo>
-                  <a:pt x="4110127" y="6858000"/>
+                  <a:pt x="4811756" y="6857542"/>
                 </a:lnTo>
                 <a:lnTo>
-                  <a:pt x="0" y="6858000"/>
+                  <a:pt x="0" y="6857542"/>
                 </a:lnTo>
                 <a:close/>
               </a:path>
             </a:pathLst>
           </a:custGeom>
-          <a:ln w="9525">
-            <a:solidFill>
-              <a:srgbClr val="E6E6E6"/>
-            </a:solidFill>
+          <a:solidFill>
+            <a:schemeClr val="tx1"/>
+          </a:solidFill>
+          <a:ln>
+            <a:noFill/>
           </a:ln>
-          <a:effectLst>
-            <a:outerShdw blurRad="76200" dist="38100" algn="l" rotWithShape="0">
-              <a:schemeClr val="bg1">
-                <a:lumMod val="85000"/>
-                <a:alpha val="50000"/>
-              </a:schemeClr>
-            </a:outerShdw>
-          </a:effectLst>
         </p:spPr>
         <p:style>
           <a:lnRef idx="2">
@@ -11841,200 +11701,8 @@
           </a:bodyPr>
           <a:lstStyle/>
           <a:p>
-            <a:pPr marL="0" marR="0" lvl="0" indent="0" algn="ctr" defTabSz="914400" rtl="0" eaLnBrk="1" fontAlgn="auto" latinLnBrk="0" hangingPunct="1">
-              <a:lnSpc>
-                <a:spcPct val="100000"/>
-              </a:lnSpc>
-              <a:spcBef>
-                <a:spcPts val="0"/>
-              </a:spcBef>
-              <a:spcAft>
-                <a:spcPts val="0"/>
-              </a:spcAft>
-              <a:buClrTx/>
-              <a:buSzTx/>
-              <a:buFontTx/>
-              <a:buNone/>
-              <a:tabLst/>
-              <a:defRPr/>
-            </a:pPr>
-            <a:endParaRPr kumimoji="0" lang="en-US" sz="1800" b="0" i="0" u="none" strike="noStrike" kern="1200" cap="none" spc="0" normalizeH="0" baseline="0" noProof="0">
-              <a:ln>
-                <a:noFill/>
-              </a:ln>
-              <a:solidFill>
-                <a:prstClr val="white"/>
-              </a:solidFill>
-              <a:effectLst/>
-              <a:uLnTx/>
-              <a:uFillTx/>
-              <a:latin typeface="Calibri" panose="020F0502020204030204"/>
-              <a:ea typeface="+mn-ea"/>
-              <a:cs typeface="+mn-cs"/>
-            </a:endParaRPr>
-          </a:p>
-        </p:txBody>
-      </p:sp>
-      <p:sp useBgFill="1">
-        <p:nvSpPr>
-          <p:cNvPr id="51" name="Freeform: Shape 44">
-            <a:extLst>
-              <a:ext uri="{FF2B5EF4-FFF2-40B4-BE49-F238E27FC236}">
-                <a16:creationId xmlns:a16="http://schemas.microsoft.com/office/drawing/2014/main" id="{84D4DDB8-B68F-45B0-9F62-C4279996F672}"/>
-              </a:ext>
-              <a:ext uri="{C183D7F6-B498-43B3-948B-1728B52AA6E4}">
-                <adec:decorative xmlns:adec="http://schemas.microsoft.com/office/drawing/2017/decorative" val="1"/>
-              </a:ext>
-            </a:extLst>
-          </p:cNvPr>
-          <p:cNvSpPr>
-            <a:spLocks noGrp="1" noRot="1" noChangeAspect="1" noMove="1" noResize="1" noEditPoints="1" noAdjustHandles="1" noChangeArrowheads="1" noChangeShapeType="1" noTextEdit="1"/>
-          </p:cNvSpPr>
-          <p:nvPr>
-            <p:extLst>
-              <p:ext uri="{386F3935-93C4-4BCD-93E2-E3B085C9AB24}">
-                <p16:designElem xmlns:p16="http://schemas.microsoft.com/office/powerpoint/2015/main" val="1"/>
-              </p:ext>
-            </p:extLst>
-          </p:nvPr>
-        </p:nvSpPr>
-        <p:spPr>
-          <a:xfrm>
-            <a:off x="0" y="0"/>
-            <a:ext cx="4948887" cy="6858000"/>
-          </a:xfrm>
-          <a:custGeom>
-            <a:avLst/>
-            <a:gdLst>
-              <a:gd name="connsiteX0" fmla="*/ 0 w 4948887"/>
-              <a:gd name="connsiteY0" fmla="*/ 0 h 6858000"/>
-              <a:gd name="connsiteX1" fmla="*/ 4099967 w 4948887"/>
-              <a:gd name="connsiteY1" fmla="*/ 0 h 6858000"/>
-              <a:gd name="connsiteX2" fmla="*/ 4168864 w 4948887"/>
-              <a:gd name="connsiteY2" fmla="*/ 123368 h 6858000"/>
-              <a:gd name="connsiteX3" fmla="*/ 4948887 w 4948887"/>
-              <a:gd name="connsiteY3" fmla="*/ 3429000 h 6858000"/>
-              <a:gd name="connsiteX4" fmla="*/ 4168864 w 4948887"/>
-              <a:gd name="connsiteY4" fmla="*/ 6734633 h 6858000"/>
-              <a:gd name="connsiteX5" fmla="*/ 4099967 w 4948887"/>
-              <a:gd name="connsiteY5" fmla="*/ 6858000 h 6858000"/>
-              <a:gd name="connsiteX6" fmla="*/ 0 w 4948887"/>
-              <a:gd name="connsiteY6" fmla="*/ 6858000 h 6858000"/>
-            </a:gdLst>
-            <a:ahLst/>
-            <a:cxnLst>
-              <a:cxn ang="0">
-                <a:pos x="connsiteX0" y="connsiteY0"/>
-              </a:cxn>
-              <a:cxn ang="0">
-                <a:pos x="connsiteX1" y="connsiteY1"/>
-              </a:cxn>
-              <a:cxn ang="0">
-                <a:pos x="connsiteX2" y="connsiteY2"/>
-              </a:cxn>
-              <a:cxn ang="0">
-                <a:pos x="connsiteX3" y="connsiteY3"/>
-              </a:cxn>
-              <a:cxn ang="0">
-                <a:pos x="connsiteX4" y="connsiteY4"/>
-              </a:cxn>
-              <a:cxn ang="0">
-                <a:pos x="connsiteX5" y="connsiteY5"/>
-              </a:cxn>
-              <a:cxn ang="0">
-                <a:pos x="connsiteX6" y="connsiteY6"/>
-              </a:cxn>
-            </a:cxnLst>
-            <a:rect l="l" t="t" r="r" b="b"/>
-            <a:pathLst>
-              <a:path w="4948887" h="6858000">
-                <a:moveTo>
-                  <a:pt x="0" y="0"/>
-                </a:moveTo>
-                <a:lnTo>
-                  <a:pt x="4099967" y="0"/>
-                </a:lnTo>
-                <a:lnTo>
-                  <a:pt x="4168864" y="123368"/>
-                </a:lnTo>
-                <a:cubicBezTo>
-                  <a:pt x="4658769" y="1045156"/>
-                  <a:pt x="4948887" y="2189404"/>
-                  <a:pt x="4948887" y="3429000"/>
-                </a:cubicBezTo>
-                <a:cubicBezTo>
-                  <a:pt x="4948887" y="4668597"/>
-                  <a:pt x="4658769" y="5812845"/>
-                  <a:pt x="4168864" y="6734633"/>
-                </a:cubicBezTo>
-                <a:lnTo>
-                  <a:pt x="4099967" y="6858000"/>
-                </a:lnTo>
-                <a:lnTo>
-                  <a:pt x="0" y="6858000"/>
-                </a:lnTo>
-                <a:close/>
-              </a:path>
-            </a:pathLst>
-          </a:custGeom>
-          <a:ln w="9525">
-            <a:noFill/>
-          </a:ln>
-          <a:effectLst/>
-        </p:spPr>
-        <p:style>
-          <a:lnRef idx="2">
-            <a:schemeClr val="accent1">
-              <a:shade val="50000"/>
-            </a:schemeClr>
-          </a:lnRef>
-          <a:fillRef idx="1">
-            <a:schemeClr val="accent1"/>
-          </a:fillRef>
-          <a:effectRef idx="0">
-            <a:schemeClr val="accent1"/>
-          </a:effectRef>
-          <a:fontRef idx="minor">
-            <a:schemeClr val="lt1"/>
-          </a:fontRef>
-        </p:style>
-        <p:txBody>
-          <a:bodyPr wrap="square" rtlCol="0" anchor="ctr">
-            <a:noAutofit/>
-          </a:bodyPr>
-          <a:lstStyle/>
-          <a:p>
-            <a:pPr marL="0" marR="0" lvl="0" indent="0" algn="ctr" defTabSz="914400" rtl="0" eaLnBrk="1" fontAlgn="auto" latinLnBrk="0" hangingPunct="1">
-              <a:lnSpc>
-                <a:spcPct val="100000"/>
-              </a:lnSpc>
-              <a:spcBef>
-                <a:spcPts val="0"/>
-              </a:spcBef>
-              <a:spcAft>
-                <a:spcPts val="0"/>
-              </a:spcAft>
-              <a:buClrTx/>
-              <a:buSzTx/>
-              <a:buFontTx/>
-              <a:buNone/>
-              <a:tabLst/>
-              <a:defRPr/>
-            </a:pPr>
-            <a:endParaRPr kumimoji="0" lang="en-US" sz="1800" b="0" i="0" u="none" strike="noStrike" kern="1200" cap="none" spc="0" normalizeH="0" baseline="0" noProof="0">
-              <a:ln>
-                <a:noFill/>
-              </a:ln>
-              <a:solidFill>
-                <a:prstClr val="white"/>
-              </a:solidFill>
-              <a:effectLst/>
-              <a:uLnTx/>
-              <a:uFillTx/>
-              <a:latin typeface="Calibri" panose="020F0502020204030204"/>
-              <a:ea typeface="+mn-ea"/>
-              <a:cs typeface="+mn-cs"/>
-            </a:endParaRPr>
+            <a:pPr algn="ctr"/>
+            <a:endParaRPr lang="en-US"/>
           </a:p>
         </p:txBody>
       </p:sp>
@@ -12056,8 +11724,8 @@
         </p:nvSpPr>
         <p:spPr>
           <a:xfrm>
-            <a:off x="477981" y="1122363"/>
-            <a:ext cx="4023360" cy="3204134"/>
+            <a:off x="767290" y="1030286"/>
+            <a:ext cx="4153626" cy="2174091"/>
           </a:xfrm>
         </p:spPr>
         <p:txBody>
@@ -12067,9 +11735,9 @@
           <a:lstStyle/>
           <a:p>
             <a:r>
-              <a:rPr lang="en-US" sz="4800" kern="1200" dirty="0">
+              <a:rPr lang="en-US" sz="4000" kern="1200" dirty="0">
                 <a:solidFill>
-                  <a:schemeClr val="tx1"/>
+                  <a:schemeClr val="bg1"/>
                 </a:solidFill>
                 <a:latin typeface="+mj-lt"/>
                 <a:ea typeface="+mj-ea"/>
@@ -12080,6 +11748,412 @@
           </a:p>
         </p:txBody>
       </p:sp>
+      <p:grpSp>
+        <p:nvGrpSpPr>
+          <p:cNvPr id="60" name="Group 59">
+            <a:extLst>
+              <a:ext uri="{FF2B5EF4-FFF2-40B4-BE49-F238E27FC236}">
+                <a16:creationId xmlns:a16="http://schemas.microsoft.com/office/drawing/2014/main" id="{C9888C69-11CC-40BA-BABF-F9B7E11C9156}"/>
+              </a:ext>
+              <a:ext uri="{C183D7F6-B498-43B3-948B-1728B52AA6E4}">
+                <adec:decorative xmlns:adec="http://schemas.microsoft.com/office/drawing/2017/decorative" val="1"/>
+              </a:ext>
+            </a:extLst>
+          </p:cNvPr>
+          <p:cNvGrpSpPr>
+            <a:grpSpLocks noGrp="1" noUngrp="1" noRot="1" noChangeAspect="1" noMove="1" noResize="1"/>
+          </p:cNvGrpSpPr>
+          <p:nvPr>
+            <p:extLst>
+              <p:ext uri="{386F3935-93C4-4BCD-93E2-E3B085C9AB24}">
+                <p16:designElem xmlns:p16="http://schemas.microsoft.com/office/powerpoint/2015/main" val="1"/>
+              </p:ext>
+            </p:extLst>
+          </p:nvPr>
+        </p:nvGrpSpPr>
+        <p:grpSpPr>
+          <a:xfrm>
+            <a:off x="640080" y="640080"/>
+            <a:ext cx="1128382" cy="847206"/>
+            <a:chOff x="5307830" y="325570"/>
+            <a:chExt cx="1128382" cy="847206"/>
+          </a:xfrm>
+        </p:grpSpPr>
+        <p:sp>
+          <p:nvSpPr>
+            <p:cNvPr id="61" name="Freeform 5">
+              <a:extLst>
+                <a:ext uri="{FF2B5EF4-FFF2-40B4-BE49-F238E27FC236}">
+                  <a16:creationId xmlns:a16="http://schemas.microsoft.com/office/drawing/2014/main" id="{737D08C8-52AD-4B7E-A217-E28E1AF008C4}"/>
+                </a:ext>
+                <a:ext uri="{C183D7F6-B498-43B3-948B-1728B52AA6E4}">
+                  <adec:decorative xmlns:adec="http://schemas.microsoft.com/office/drawing/2017/decorative" val="1"/>
+                </a:ext>
+              </a:extLst>
+            </p:cNvPr>
+            <p:cNvSpPr>
+              <a:spLocks/>
+            </p:cNvSpPr>
+            <p:nvPr>
+              <p:extLst>
+                <p:ext uri="{386F3935-93C4-4BCD-93E2-E3B085C9AB24}">
+                  <p16:designElem xmlns:p16="http://schemas.microsoft.com/office/powerpoint/2015/main" val="1"/>
+                </p:ext>
+              </p:extLst>
+            </p:nvPr>
+          </p:nvSpPr>
+          <p:spPr bwMode="auto">
+            <a:xfrm>
+              <a:off x="5307830" y="577396"/>
+              <a:ext cx="675351" cy="595380"/>
+            </a:xfrm>
+            <a:custGeom>
+              <a:avLst/>
+              <a:gdLst>
+                <a:gd name="T0" fmla="*/ 225 w 785"/>
+                <a:gd name="T1" fmla="*/ 692 h 692"/>
+                <a:gd name="T2" fmla="*/ 177 w 785"/>
+                <a:gd name="T3" fmla="*/ 665 h 692"/>
+                <a:gd name="T4" fmla="*/ 9 w 785"/>
+                <a:gd name="T5" fmla="*/ 374 h 692"/>
+                <a:gd name="T6" fmla="*/ 9 w 785"/>
+                <a:gd name="T7" fmla="*/ 318 h 692"/>
+                <a:gd name="T8" fmla="*/ 177 w 785"/>
+                <a:gd name="T9" fmla="*/ 27 h 692"/>
+                <a:gd name="T10" fmla="*/ 225 w 785"/>
+                <a:gd name="T11" fmla="*/ 0 h 692"/>
+                <a:gd name="T12" fmla="*/ 561 w 785"/>
+                <a:gd name="T13" fmla="*/ 0 h 692"/>
+                <a:gd name="T14" fmla="*/ 609 w 785"/>
+                <a:gd name="T15" fmla="*/ 27 h 692"/>
+                <a:gd name="T16" fmla="*/ 777 w 785"/>
+                <a:gd name="T17" fmla="*/ 318 h 692"/>
+                <a:gd name="T18" fmla="*/ 777 w 785"/>
+                <a:gd name="T19" fmla="*/ 374 h 692"/>
+                <a:gd name="T20" fmla="*/ 609 w 785"/>
+                <a:gd name="T21" fmla="*/ 665 h 692"/>
+                <a:gd name="T22" fmla="*/ 561 w 785"/>
+                <a:gd name="T23" fmla="*/ 692 h 692"/>
+                <a:gd name="T24" fmla="*/ 225 w 785"/>
+                <a:gd name="T25" fmla="*/ 692 h 692"/>
+              </a:gdLst>
+              <a:ahLst/>
+              <a:cxnLst>
+                <a:cxn ang="0">
+                  <a:pos x="T0" y="T1"/>
+                </a:cxn>
+                <a:cxn ang="0">
+                  <a:pos x="T2" y="T3"/>
+                </a:cxn>
+                <a:cxn ang="0">
+                  <a:pos x="T4" y="T5"/>
+                </a:cxn>
+                <a:cxn ang="0">
+                  <a:pos x="T6" y="T7"/>
+                </a:cxn>
+                <a:cxn ang="0">
+                  <a:pos x="T8" y="T9"/>
+                </a:cxn>
+                <a:cxn ang="0">
+                  <a:pos x="T10" y="T11"/>
+                </a:cxn>
+                <a:cxn ang="0">
+                  <a:pos x="T12" y="T13"/>
+                </a:cxn>
+                <a:cxn ang="0">
+                  <a:pos x="T14" y="T15"/>
+                </a:cxn>
+                <a:cxn ang="0">
+                  <a:pos x="T16" y="T17"/>
+                </a:cxn>
+                <a:cxn ang="0">
+                  <a:pos x="T18" y="T19"/>
+                </a:cxn>
+                <a:cxn ang="0">
+                  <a:pos x="T20" y="T21"/>
+                </a:cxn>
+                <a:cxn ang="0">
+                  <a:pos x="T22" y="T23"/>
+                </a:cxn>
+                <a:cxn ang="0">
+                  <a:pos x="T24" y="T25"/>
+                </a:cxn>
+              </a:cxnLst>
+              <a:rect l="0" t="0" r="r" b="b"/>
+              <a:pathLst>
+                <a:path w="785" h="692">
+                  <a:moveTo>
+                    <a:pt x="225" y="692"/>
+                  </a:moveTo>
+                  <a:cubicBezTo>
+                    <a:pt x="207" y="692"/>
+                    <a:pt x="185" y="680"/>
+                    <a:pt x="177" y="665"/>
+                  </a:cubicBezTo>
+                  <a:cubicBezTo>
+                    <a:pt x="9" y="374"/>
+                    <a:pt x="9" y="374"/>
+                    <a:pt x="9" y="374"/>
+                  </a:cubicBezTo>
+                  <a:cubicBezTo>
+                    <a:pt x="0" y="358"/>
+                    <a:pt x="0" y="334"/>
+                    <a:pt x="9" y="318"/>
+                  </a:cubicBezTo>
+                  <a:cubicBezTo>
+                    <a:pt x="177" y="27"/>
+                    <a:pt x="177" y="27"/>
+                    <a:pt x="177" y="27"/>
+                  </a:cubicBezTo>
+                  <a:cubicBezTo>
+                    <a:pt x="185" y="12"/>
+                    <a:pt x="207" y="0"/>
+                    <a:pt x="225" y="0"/>
+                  </a:cubicBezTo>
+                  <a:cubicBezTo>
+                    <a:pt x="561" y="0"/>
+                    <a:pt x="561" y="0"/>
+                    <a:pt x="561" y="0"/>
+                  </a:cubicBezTo>
+                  <a:cubicBezTo>
+                    <a:pt x="578" y="0"/>
+                    <a:pt x="600" y="12"/>
+                    <a:pt x="609" y="27"/>
+                  </a:cubicBezTo>
+                  <a:cubicBezTo>
+                    <a:pt x="777" y="318"/>
+                    <a:pt x="777" y="318"/>
+                    <a:pt x="777" y="318"/>
+                  </a:cubicBezTo>
+                  <a:cubicBezTo>
+                    <a:pt x="785" y="334"/>
+                    <a:pt x="785" y="358"/>
+                    <a:pt x="777" y="374"/>
+                  </a:cubicBezTo>
+                  <a:cubicBezTo>
+                    <a:pt x="609" y="665"/>
+                    <a:pt x="609" y="665"/>
+                    <a:pt x="609" y="665"/>
+                  </a:cubicBezTo>
+                  <a:cubicBezTo>
+                    <a:pt x="600" y="680"/>
+                    <a:pt x="578" y="692"/>
+                    <a:pt x="561" y="692"/>
+                  </a:cubicBezTo>
+                  <a:lnTo>
+                    <a:pt x="225" y="692"/>
+                  </a:lnTo>
+                  <a:close/>
+                </a:path>
+              </a:pathLst>
+            </a:custGeom>
+            <a:noFill/>
+            <a:ln w="28575" cmpd="sng">
+              <a:solidFill>
+                <a:schemeClr val="bg1"/>
+              </a:solidFill>
+            </a:ln>
+          </p:spPr>
+          <p:txBody>
+            <a:bodyPr vert="horz" wrap="square" lIns="91440" tIns="45720" rIns="91440" bIns="45720" numCol="1" anchor="t" anchorCtr="0" compatLnSpc="1">
+              <a:prstTxWarp prst="textNoShape">
+                <a:avLst/>
+              </a:prstTxWarp>
+            </a:bodyPr>
+            <a:lstStyle/>
+            <a:p>
+              <a:endParaRPr lang="en-US"/>
+            </a:p>
+          </p:txBody>
+        </p:sp>
+        <p:sp>
+          <p:nvSpPr>
+            <p:cNvPr id="62" name="Freeform 5">
+              <a:extLst>
+                <a:ext uri="{FF2B5EF4-FFF2-40B4-BE49-F238E27FC236}">
+                  <a16:creationId xmlns:a16="http://schemas.microsoft.com/office/drawing/2014/main" id="{0ED11528-93DA-433F-9B3C-21106EFDBB66}"/>
+                </a:ext>
+                <a:ext uri="{C183D7F6-B498-43B3-948B-1728B52AA6E4}">
+                  <adec:decorative xmlns:adec="http://schemas.microsoft.com/office/drawing/2017/decorative" val="1"/>
+                </a:ext>
+              </a:extLst>
+            </p:cNvPr>
+            <p:cNvSpPr>
+              <a:spLocks/>
+            </p:cNvSpPr>
+            <p:nvPr>
+              <p:extLst>
+                <p:ext uri="{386F3935-93C4-4BCD-93E2-E3B085C9AB24}">
+                  <p16:designElem xmlns:p16="http://schemas.microsoft.com/office/powerpoint/2015/main" val="1"/>
+                </p:ext>
+              </p:extLst>
+            </p:nvPr>
+          </p:nvSpPr>
+          <p:spPr bwMode="auto">
+            <a:xfrm>
+              <a:off x="5885720" y="325570"/>
+              <a:ext cx="550492" cy="485306"/>
+            </a:xfrm>
+            <a:custGeom>
+              <a:avLst/>
+              <a:gdLst>
+                <a:gd name="T0" fmla="*/ 225 w 785"/>
+                <a:gd name="T1" fmla="*/ 692 h 692"/>
+                <a:gd name="T2" fmla="*/ 177 w 785"/>
+                <a:gd name="T3" fmla="*/ 665 h 692"/>
+                <a:gd name="T4" fmla="*/ 9 w 785"/>
+                <a:gd name="T5" fmla="*/ 374 h 692"/>
+                <a:gd name="T6" fmla="*/ 9 w 785"/>
+                <a:gd name="T7" fmla="*/ 318 h 692"/>
+                <a:gd name="T8" fmla="*/ 177 w 785"/>
+                <a:gd name="T9" fmla="*/ 27 h 692"/>
+                <a:gd name="T10" fmla="*/ 225 w 785"/>
+                <a:gd name="T11" fmla="*/ 0 h 692"/>
+                <a:gd name="T12" fmla="*/ 561 w 785"/>
+                <a:gd name="T13" fmla="*/ 0 h 692"/>
+                <a:gd name="T14" fmla="*/ 609 w 785"/>
+                <a:gd name="T15" fmla="*/ 27 h 692"/>
+                <a:gd name="T16" fmla="*/ 777 w 785"/>
+                <a:gd name="T17" fmla="*/ 318 h 692"/>
+                <a:gd name="T18" fmla="*/ 777 w 785"/>
+                <a:gd name="T19" fmla="*/ 374 h 692"/>
+                <a:gd name="T20" fmla="*/ 609 w 785"/>
+                <a:gd name="T21" fmla="*/ 665 h 692"/>
+                <a:gd name="T22" fmla="*/ 561 w 785"/>
+                <a:gd name="T23" fmla="*/ 692 h 692"/>
+                <a:gd name="T24" fmla="*/ 225 w 785"/>
+                <a:gd name="T25" fmla="*/ 692 h 692"/>
+              </a:gdLst>
+              <a:ahLst/>
+              <a:cxnLst>
+                <a:cxn ang="0">
+                  <a:pos x="T0" y="T1"/>
+                </a:cxn>
+                <a:cxn ang="0">
+                  <a:pos x="T2" y="T3"/>
+                </a:cxn>
+                <a:cxn ang="0">
+                  <a:pos x="T4" y="T5"/>
+                </a:cxn>
+                <a:cxn ang="0">
+                  <a:pos x="T6" y="T7"/>
+                </a:cxn>
+                <a:cxn ang="0">
+                  <a:pos x="T8" y="T9"/>
+                </a:cxn>
+                <a:cxn ang="0">
+                  <a:pos x="T10" y="T11"/>
+                </a:cxn>
+                <a:cxn ang="0">
+                  <a:pos x="T12" y="T13"/>
+                </a:cxn>
+                <a:cxn ang="0">
+                  <a:pos x="T14" y="T15"/>
+                </a:cxn>
+                <a:cxn ang="0">
+                  <a:pos x="T16" y="T17"/>
+                </a:cxn>
+                <a:cxn ang="0">
+                  <a:pos x="T18" y="T19"/>
+                </a:cxn>
+                <a:cxn ang="0">
+                  <a:pos x="T20" y="T21"/>
+                </a:cxn>
+                <a:cxn ang="0">
+                  <a:pos x="T22" y="T23"/>
+                </a:cxn>
+                <a:cxn ang="0">
+                  <a:pos x="T24" y="T25"/>
+                </a:cxn>
+              </a:cxnLst>
+              <a:rect l="0" t="0" r="r" b="b"/>
+              <a:pathLst>
+                <a:path w="785" h="692">
+                  <a:moveTo>
+                    <a:pt x="225" y="692"/>
+                  </a:moveTo>
+                  <a:cubicBezTo>
+                    <a:pt x="207" y="692"/>
+                    <a:pt x="185" y="680"/>
+                    <a:pt x="177" y="665"/>
+                  </a:cubicBezTo>
+                  <a:cubicBezTo>
+                    <a:pt x="9" y="374"/>
+                    <a:pt x="9" y="374"/>
+                    <a:pt x="9" y="374"/>
+                  </a:cubicBezTo>
+                  <a:cubicBezTo>
+                    <a:pt x="0" y="358"/>
+                    <a:pt x="0" y="334"/>
+                    <a:pt x="9" y="318"/>
+                  </a:cubicBezTo>
+                  <a:cubicBezTo>
+                    <a:pt x="177" y="27"/>
+                    <a:pt x="177" y="27"/>
+                    <a:pt x="177" y="27"/>
+                  </a:cubicBezTo>
+                  <a:cubicBezTo>
+                    <a:pt x="185" y="12"/>
+                    <a:pt x="207" y="0"/>
+                    <a:pt x="225" y="0"/>
+                  </a:cubicBezTo>
+                  <a:cubicBezTo>
+                    <a:pt x="561" y="0"/>
+                    <a:pt x="561" y="0"/>
+                    <a:pt x="561" y="0"/>
+                  </a:cubicBezTo>
+                  <a:cubicBezTo>
+                    <a:pt x="578" y="0"/>
+                    <a:pt x="600" y="12"/>
+                    <a:pt x="609" y="27"/>
+                  </a:cubicBezTo>
+                  <a:cubicBezTo>
+                    <a:pt x="777" y="318"/>
+                    <a:pt x="777" y="318"/>
+                    <a:pt x="777" y="318"/>
+                  </a:cubicBezTo>
+                  <a:cubicBezTo>
+                    <a:pt x="785" y="334"/>
+                    <a:pt x="785" y="358"/>
+                    <a:pt x="777" y="374"/>
+                  </a:cubicBezTo>
+                  <a:cubicBezTo>
+                    <a:pt x="609" y="665"/>
+                    <a:pt x="609" y="665"/>
+                    <a:pt x="609" y="665"/>
+                  </a:cubicBezTo>
+                  <a:cubicBezTo>
+                    <a:pt x="600" y="680"/>
+                    <a:pt x="578" y="692"/>
+                    <a:pt x="561" y="692"/>
+                  </a:cubicBezTo>
+                  <a:lnTo>
+                    <a:pt x="225" y="692"/>
+                  </a:lnTo>
+                  <a:close/>
+                </a:path>
+              </a:pathLst>
+            </a:custGeom>
+            <a:noFill/>
+            <a:ln w="28575" cmpd="sng">
+              <a:solidFill>
+                <a:schemeClr val="bg1"/>
+              </a:solidFill>
+            </a:ln>
+          </p:spPr>
+          <p:txBody>
+            <a:bodyPr vert="horz" wrap="square" lIns="91440" tIns="45720" rIns="91440" bIns="45720" numCol="1" anchor="t" anchorCtr="0" compatLnSpc="1">
+              <a:prstTxWarp prst="textNoShape">
+                <a:avLst/>
+              </a:prstTxWarp>
+            </a:bodyPr>
+            <a:lstStyle/>
+            <a:p>
+              <a:endParaRPr lang="en-US"/>
+            </a:p>
+          </p:txBody>
+        </p:sp>
+      </p:grpSp>
       <p:sp>
         <p:nvSpPr>
           <p:cNvPr id="13" name="Content Placeholder 12">
@@ -12098,182 +12172,25 @@
         </p:nvSpPr>
         <p:spPr>
           <a:xfrm>
-            <a:off x="477981" y="4872922"/>
-            <a:ext cx="3135231" cy="1208141"/>
+            <a:off x="767290" y="3428999"/>
+            <a:ext cx="3760322" cy="2741213"/>
           </a:xfrm>
         </p:spPr>
         <p:txBody>
-          <a:bodyPr vert="horz" lIns="91440" tIns="45720" rIns="91440" bIns="45720" rtlCol="0">
-            <a:normAutofit fontScale="92500"/>
+          <a:bodyPr vert="horz" lIns="91440" tIns="45720" rIns="91440" bIns="45720" rtlCol="0" anchor="t">
+            <a:normAutofit/>
           </a:bodyPr>
           <a:lstStyle/>
           <a:p>
             <a:pPr marL="285750" indent="-285750"/>
             <a:r>
-              <a:rPr lang="en-US" sz="2000" dirty="0"/>
+              <a:rPr lang="en-US" sz="2000" dirty="0">
+                <a:solidFill>
+                  <a:schemeClr val="bg1"/>
+                </a:solidFill>
+              </a:rPr>
               <a:t>Criminal history points are applied in 64% of cases and increases sentences an average of by 2.6 years</a:t>
             </a:r>
-          </a:p>
-        </p:txBody>
-      </p:sp>
-      <p:sp>
-        <p:nvSpPr>
-          <p:cNvPr id="47" name="Rectangle 46">
-            <a:extLst>
-              <a:ext uri="{FF2B5EF4-FFF2-40B4-BE49-F238E27FC236}">
-                <a16:creationId xmlns:a16="http://schemas.microsoft.com/office/drawing/2014/main" id="{AF2F604E-43BE-4DC3-B983-E071523364F8}"/>
-              </a:ext>
-              <a:ext uri="{C183D7F6-B498-43B3-948B-1728B52AA6E4}">
-                <adec:decorative xmlns:adec="http://schemas.microsoft.com/office/drawing/2017/decorative" val="1"/>
-              </a:ext>
-            </a:extLst>
-          </p:cNvPr>
-          <p:cNvSpPr>
-            <a:spLocks noGrp="1" noRot="1" noChangeAspect="1" noMove="1" noResize="1" noEditPoints="1" noAdjustHandles="1" noChangeArrowheads="1" noChangeShapeType="1" noTextEdit="1"/>
-          </p:cNvSpPr>
-          <p:nvPr>
-            <p:extLst>
-              <p:ext uri="{386F3935-93C4-4BCD-93E2-E3B085C9AB24}">
-                <p16:designElem xmlns:p16="http://schemas.microsoft.com/office/powerpoint/2015/main" val="1"/>
-              </p:ext>
-            </p:extLst>
-          </p:nvPr>
-        </p:nvSpPr>
-        <p:spPr>
-          <a:xfrm rot="5400000">
-            <a:off x="759921" y="346791"/>
-            <a:ext cx="146304" cy="704088"/>
-          </a:xfrm>
-          <a:prstGeom prst="rect">
-            <a:avLst/>
-          </a:prstGeom>
-          <a:solidFill>
-            <a:schemeClr val="accent2"/>
-          </a:solidFill>
-          <a:ln>
-            <a:noFill/>
-          </a:ln>
-        </p:spPr>
-        <p:style>
-          <a:lnRef idx="2">
-            <a:schemeClr val="accent1">
-              <a:shade val="50000"/>
-            </a:schemeClr>
-          </a:lnRef>
-          <a:fillRef idx="1">
-            <a:schemeClr val="accent1"/>
-          </a:fillRef>
-          <a:effectRef idx="0">
-            <a:schemeClr val="accent1"/>
-          </a:effectRef>
-          <a:fontRef idx="minor">
-            <a:schemeClr val="lt1"/>
-          </a:fontRef>
-        </p:style>
-        <p:txBody>
-          <a:bodyPr rtlCol="0" anchor="ctr"/>
-          <a:lstStyle/>
-          <a:p>
-            <a:pPr algn="ctr"/>
-            <a:endParaRPr lang="en-US">
-              <a:solidFill>
-                <a:prstClr val="white"/>
-              </a:solidFill>
-              <a:latin typeface="Calibri" panose="020F0502020204030204"/>
-            </a:endParaRPr>
-          </a:p>
-        </p:txBody>
-      </p:sp>
-      <p:sp>
-        <p:nvSpPr>
-          <p:cNvPr id="49" name="Rectangle 48">
-            <a:extLst>
-              <a:ext uri="{FF2B5EF4-FFF2-40B4-BE49-F238E27FC236}">
-                <a16:creationId xmlns:a16="http://schemas.microsoft.com/office/drawing/2014/main" id="{08C9B587-E65E-4B52-B37C-ABEBB6E87928}"/>
-              </a:ext>
-              <a:ext uri="{C183D7F6-B498-43B3-948B-1728B52AA6E4}">
-                <adec:decorative xmlns:adec="http://schemas.microsoft.com/office/drawing/2017/decorative" val="1"/>
-              </a:ext>
-            </a:extLst>
-          </p:cNvPr>
-          <p:cNvSpPr>
-            <a:spLocks noGrp="1" noRot="1" noChangeAspect="1" noMove="1" noResize="1" noEditPoints="1" noAdjustHandles="1" noChangeArrowheads="1" noChangeShapeType="1" noTextEdit="1"/>
-          </p:cNvSpPr>
-          <p:nvPr>
-            <p:extLst>
-              <p:ext uri="{386F3935-93C4-4BCD-93E2-E3B085C9AB24}">
-                <p16:designElem xmlns:p16="http://schemas.microsoft.com/office/powerpoint/2015/main" val="1"/>
-              </p:ext>
-            </p:extLst>
-          </p:nvPr>
-        </p:nvSpPr>
-        <p:spPr>
-          <a:xfrm>
-            <a:off x="481029" y="4546920"/>
-            <a:ext cx="4023360" cy="18288"/>
-          </a:xfrm>
-          <a:prstGeom prst="rect">
-            <a:avLst/>
-          </a:prstGeom>
-          <a:solidFill>
-            <a:srgbClr val="D5D5D5"/>
-          </a:solidFill>
-          <a:ln w="3175">
-            <a:noFill/>
-          </a:ln>
-          <a:effectLst/>
-        </p:spPr>
-        <p:style>
-          <a:lnRef idx="2">
-            <a:schemeClr val="accent1">
-              <a:shade val="50000"/>
-            </a:schemeClr>
-          </a:lnRef>
-          <a:fillRef idx="1">
-            <a:schemeClr val="accent1"/>
-          </a:fillRef>
-          <a:effectRef idx="0">
-            <a:schemeClr val="accent1"/>
-          </a:effectRef>
-          <a:fontRef idx="minor">
-            <a:schemeClr val="lt1"/>
-          </a:fontRef>
-        </p:style>
-        <p:txBody>
-          <a:bodyPr rtlCol="0" anchor="ctr"/>
-          <a:lstStyle/>
-          <a:p>
-            <a:pPr marL="0" marR="0" lvl="0" indent="0" algn="ctr" defTabSz="914400" rtl="0" eaLnBrk="1" fontAlgn="auto" latinLnBrk="0" hangingPunct="1">
-              <a:lnSpc>
-                <a:spcPct val="100000"/>
-              </a:lnSpc>
-              <a:spcBef>
-                <a:spcPts val="0"/>
-              </a:spcBef>
-              <a:spcAft>
-                <a:spcPts val="0"/>
-              </a:spcAft>
-              <a:buClrTx/>
-              <a:buSzTx/>
-              <a:buFontTx/>
-              <a:buNone/>
-              <a:tabLst/>
-              <a:defRPr/>
-            </a:pPr>
-            <a:endParaRPr kumimoji="0" lang="en-US" sz="1800" b="0" i="0" u="none" strike="noStrike" kern="1200" cap="none" spc="0" normalizeH="0" baseline="0" noProof="0">
-              <a:ln>
-                <a:noFill/>
-              </a:ln>
-              <a:solidFill>
-                <a:prstClr val="white"/>
-              </a:solidFill>
-              <a:effectLst/>
-              <a:uLnTx/>
-              <a:uFillTx/>
-              <a:latin typeface="Calibri" panose="020F0502020204030204"/>
-              <a:ea typeface="+mn-ea"/>
-              <a:cs typeface="+mn-cs"/>
-            </a:endParaRPr>
           </a:p>
         </p:txBody>
       </p:sp>
@@ -12304,8 +12221,8 @@
         </p:blipFill>
         <p:spPr>
           <a:xfrm>
-            <a:off x="5414356" y="1349248"/>
-            <a:ext cx="6408836" cy="4008250"/>
+            <a:off x="6643857" y="1850234"/>
+            <a:ext cx="5051318" cy="3157074"/>
           </a:xfrm>
           <a:prstGeom prst="rect">
             <a:avLst/>
@@ -12314,10 +12231,10 @@
       </p:pic>
       <p:sp>
         <p:nvSpPr>
-          <p:cNvPr id="11" name="TextBox 10">
+          <p:cNvPr id="3" name="TextBox 2">
             <a:extLst>
               <a:ext uri="{FF2B5EF4-FFF2-40B4-BE49-F238E27FC236}">
-                <a16:creationId xmlns:a16="http://schemas.microsoft.com/office/drawing/2014/main" id="{AC3B820D-A0A5-4D71-9711-5E3AB8EBC30C}"/>
+                <a16:creationId xmlns:a16="http://schemas.microsoft.com/office/drawing/2014/main" id="{DDB58F66-CD44-4CFC-A17F-FA279E375A85}"/>
               </a:ext>
             </a:extLst>
           </p:cNvPr>
@@ -12326,8 +12243,8 @@
         </p:nvSpPr>
         <p:spPr>
           <a:xfrm>
-            <a:off x="7141032" y="2568543"/>
-            <a:ext cx="1257243" cy="1569660"/>
+            <a:off x="6866186" y="882733"/>
+            <a:ext cx="4606660" cy="461665"/>
           </a:xfrm>
           <a:prstGeom prst="rect">
             <a:avLst/>
@@ -12342,196 +12259,22 @@
           <a:p>
             <a:pPr algn="ctr"/>
             <a:r>
-              <a:rPr lang="en-US" sz="2400" dirty="0">
-                <a:solidFill>
-                  <a:srgbClr val="595959"/>
-                </a:solidFill>
-              </a:rPr>
+              <a:rPr lang="en-US" sz="2400" dirty="0"/>
               <a:t>Criminal History Points Applied</a:t>
             </a:r>
-            <a:endParaRPr lang="en-US" sz="4400" dirty="0">
-              <a:solidFill>
-                <a:srgbClr val="595959"/>
-              </a:solidFill>
-            </a:endParaRPr>
           </a:p>
         </p:txBody>
       </p:sp>
     </p:spTree>
     <p:extLst>
       <p:ext uri="{BB962C8B-B14F-4D97-AF65-F5344CB8AC3E}">
-        <p14:creationId xmlns:p14="http://schemas.microsoft.com/office/powerpoint/2010/main" val="1259139611"/>
+        <p14:creationId xmlns:p14="http://schemas.microsoft.com/office/powerpoint/2010/main" val="1139533469"/>
       </p:ext>
     </p:extLst>
   </p:cSld>
   <p:clrMapOvr>
     <a:masterClrMapping/>
   </p:clrMapOvr>
-  <p:timing>
-    <p:tnLst>
-      <p:par>
-        <p:cTn id="1" dur="indefinite" restart="never" nodeType="tmRoot">
-          <p:childTnLst>
-            <p:seq concurrent="1" nextAc="seek">
-              <p:cTn id="2" dur="indefinite" nodeType="mainSeq">
-                <p:childTnLst>
-                  <p:par>
-                    <p:cTn id="3" fill="hold">
-                      <p:stCondLst>
-                        <p:cond delay="indefinite"/>
-                      </p:stCondLst>
-                      <p:childTnLst>
-                        <p:par>
-                          <p:cTn id="4" fill="hold">
-                            <p:stCondLst>
-                              <p:cond delay="0"/>
-                            </p:stCondLst>
-                            <p:childTnLst>
-                              <p:par>
-                                <p:cTn id="5" presetID="10" presetClass="entr" presetSubtype="0" fill="hold" nodeType="clickEffect">
-                                  <p:stCondLst>
-                                    <p:cond delay="0"/>
-                                  </p:stCondLst>
-                                  <p:childTnLst>
-                                    <p:set>
-                                      <p:cBhvr>
-                                        <p:cTn id="6" dur="1" fill="hold">
-                                          <p:stCondLst>
-                                            <p:cond delay="0"/>
-                                          </p:stCondLst>
-                                        </p:cTn>
-                                        <p:tgtEl>
-                                          <p:spTgt spid="4"/>
-                                        </p:tgtEl>
-                                        <p:attrNameLst>
-                                          <p:attrName>style.visibility</p:attrName>
-                                        </p:attrNameLst>
-                                      </p:cBhvr>
-                                      <p:to>
-                                        <p:strVal val="visible"/>
-                                      </p:to>
-                                    </p:set>
-                                    <p:animEffect transition="in" filter="fade">
-                                      <p:cBhvr>
-                                        <p:cTn id="7" dur="500"/>
-                                        <p:tgtEl>
-                                          <p:spTgt spid="4"/>
-                                        </p:tgtEl>
-                                      </p:cBhvr>
-                                    </p:animEffect>
-                                  </p:childTnLst>
-                                </p:cTn>
-                              </p:par>
-                              <p:par>
-                                <p:cTn id="8" presetID="10" presetClass="entr" presetSubtype="0" fill="hold" grpId="0" nodeType="withEffect">
-                                  <p:stCondLst>
-                                    <p:cond delay="0"/>
-                                  </p:stCondLst>
-                                  <p:childTnLst>
-                                    <p:set>
-                                      <p:cBhvr>
-                                        <p:cTn id="9" dur="1" fill="hold">
-                                          <p:stCondLst>
-                                            <p:cond delay="0"/>
-                                          </p:stCondLst>
-                                        </p:cTn>
-                                        <p:tgtEl>
-                                          <p:spTgt spid="13">
-                                            <p:txEl>
-                                              <p:pRg st="0" end="0"/>
-                                            </p:txEl>
-                                          </p:spTgt>
-                                        </p:tgtEl>
-                                        <p:attrNameLst>
-                                          <p:attrName>style.visibility</p:attrName>
-                                        </p:attrNameLst>
-                                      </p:cBhvr>
-                                      <p:to>
-                                        <p:strVal val="visible"/>
-                                      </p:to>
-                                    </p:set>
-                                    <p:animEffect transition="in" filter="fade">
-                                      <p:cBhvr>
-                                        <p:cTn id="10" dur="500"/>
-                                        <p:tgtEl>
-                                          <p:spTgt spid="13">
-                                            <p:txEl>
-                                              <p:pRg st="0" end="0"/>
-                                            </p:txEl>
-                                          </p:spTgt>
-                                        </p:tgtEl>
-                                      </p:cBhvr>
-                                    </p:animEffect>
-                                  </p:childTnLst>
-                                </p:cTn>
-                              </p:par>
-                              <p:par>
-                                <p:cTn id="11" presetID="10" presetClass="entr" presetSubtype="0" fill="hold" grpId="0" nodeType="withEffect">
-                                  <p:stCondLst>
-                                    <p:cond delay="0"/>
-                                  </p:stCondLst>
-                                  <p:childTnLst>
-                                    <p:set>
-                                      <p:cBhvr>
-                                        <p:cTn id="12" dur="1" fill="hold">
-                                          <p:stCondLst>
-                                            <p:cond delay="0"/>
-                                          </p:stCondLst>
-                                        </p:cTn>
-                                        <p:tgtEl>
-                                          <p:spTgt spid="11"/>
-                                        </p:tgtEl>
-                                        <p:attrNameLst>
-                                          <p:attrName>style.visibility</p:attrName>
-                                        </p:attrNameLst>
-                                      </p:cBhvr>
-                                      <p:to>
-                                        <p:strVal val="visible"/>
-                                      </p:to>
-                                    </p:set>
-                                    <p:animEffect transition="in" filter="fade">
-                                      <p:cBhvr>
-                                        <p:cTn id="13" dur="500"/>
-                                        <p:tgtEl>
-                                          <p:spTgt spid="11"/>
-                                        </p:tgtEl>
-                                      </p:cBhvr>
-                                    </p:animEffect>
-                                  </p:childTnLst>
-                                </p:cTn>
-                              </p:par>
-                            </p:childTnLst>
-                          </p:cTn>
-                        </p:par>
-                      </p:childTnLst>
-                    </p:cTn>
-                  </p:par>
-                </p:childTnLst>
-              </p:cTn>
-              <p:prevCondLst>
-                <p:cond evt="onPrev" delay="0">
-                  <p:tgtEl>
-                    <p:sldTgt/>
-                  </p:tgtEl>
-                </p:cond>
-              </p:prevCondLst>
-              <p:nextCondLst>
-                <p:cond evt="onNext" delay="0">
-                  <p:tgtEl>
-                    <p:sldTgt/>
-                  </p:tgtEl>
-                </p:cond>
-              </p:nextCondLst>
-            </p:seq>
-          </p:childTnLst>
-        </p:cTn>
-      </p:par>
-    </p:tnLst>
-    <p:bldLst>
-      <p:bldP spid="13" grpId="0" build="p"/>
-      <p:bldP spid="11" grpId="0"/>
-    </p:bldLst>
-  </p:timing>
 </p:sld>
 </file>
 
@@ -12562,10 +12305,10 @@
       </p:grpSpPr>
       <p:sp useBgFill="1">
         <p:nvSpPr>
-          <p:cNvPr id="48" name="Rectangle 40">
+          <p:cNvPr id="56" name="Rectangle 55">
             <a:extLst>
               <a:ext uri="{FF2B5EF4-FFF2-40B4-BE49-F238E27FC236}">
-                <a16:creationId xmlns:a16="http://schemas.microsoft.com/office/drawing/2014/main" id="{5DCB5928-DC7D-4612-9922-441966E15627}"/>
+                <a16:creationId xmlns:a16="http://schemas.microsoft.com/office/drawing/2014/main" id="{33CD251C-A887-4D2F-925B-FC097198538B}"/>
               </a:ext>
               <a:ext uri="{C183D7F6-B498-43B3-948B-1728B52AA6E4}">
                 <adec:decorative xmlns:adec="http://schemas.microsoft.com/office/drawing/2017/decorative" val="1"/>
@@ -12620,12 +12363,12 @@
           </a:p>
         </p:txBody>
       </p:sp>
-      <p:sp useBgFill="1">
+      <p:sp>
         <p:nvSpPr>
-          <p:cNvPr id="50" name="Freeform: Shape 42">
+          <p:cNvPr id="58" name="Freeform: Shape 57">
             <a:extLst>
               <a:ext uri="{FF2B5EF4-FFF2-40B4-BE49-F238E27FC236}">
-                <a16:creationId xmlns:a16="http://schemas.microsoft.com/office/drawing/2014/main" id="{682C1161-1736-45EC-99B7-33F3CAE9D517}"/>
+                <a16:creationId xmlns:a16="http://schemas.microsoft.com/office/drawing/2014/main" id="{3B2069EE-A08E-44F0-B3F9-3CF8CC2DCAD5}"/>
               </a:ext>
               <a:ext uri="{C183D7F6-B498-43B3-948B-1728B52AA6E4}">
                 <adec:decorative xmlns:adec="http://schemas.microsoft.com/office/drawing/2017/decorative" val="1"/>
@@ -12646,25 +12389,27 @@
         <p:spPr>
           <a:xfrm>
             <a:off x="0" y="0"/>
-            <a:ext cx="4959047" cy="6858000"/>
+            <a:ext cx="6126740" cy="6857542"/>
           </a:xfrm>
           <a:custGeom>
             <a:avLst/>
             <a:gdLst>
-              <a:gd name="connsiteX0" fmla="*/ 0 w 4959047"/>
-              <a:gd name="connsiteY0" fmla="*/ 0 h 6858000"/>
-              <a:gd name="connsiteX1" fmla="*/ 4110127 w 4959047"/>
-              <a:gd name="connsiteY1" fmla="*/ 0 h 6858000"/>
-              <a:gd name="connsiteX2" fmla="*/ 4179024 w 4959047"/>
-              <a:gd name="connsiteY2" fmla="*/ 123368 h 6858000"/>
-              <a:gd name="connsiteX3" fmla="*/ 4959047 w 4959047"/>
-              <a:gd name="connsiteY3" fmla="*/ 3429000 h 6858000"/>
-              <a:gd name="connsiteX4" fmla="*/ 4179024 w 4959047"/>
-              <a:gd name="connsiteY4" fmla="*/ 6734633 h 6858000"/>
-              <a:gd name="connsiteX5" fmla="*/ 4110127 w 4959047"/>
-              <a:gd name="connsiteY5" fmla="*/ 6858000 h 6858000"/>
-              <a:gd name="connsiteX6" fmla="*/ 0 w 4959047"/>
-              <a:gd name="connsiteY6" fmla="*/ 6858000 h 6858000"/>
+              <a:gd name="connsiteX0" fmla="*/ 0 w 6126740"/>
+              <a:gd name="connsiteY0" fmla="*/ 0 h 6857542"/>
+              <a:gd name="connsiteX1" fmla="*/ 4980067 w 6126740"/>
+              <a:gd name="connsiteY1" fmla="*/ 0 h 6857542"/>
+              <a:gd name="connsiteX2" fmla="*/ 4992714 w 6126740"/>
+              <a:gd name="connsiteY2" fmla="*/ 31774 h 6857542"/>
+              <a:gd name="connsiteX3" fmla="*/ 6047722 w 6126740"/>
+              <a:gd name="connsiteY3" fmla="*/ 2682457 h 6857542"/>
+              <a:gd name="connsiteX4" fmla="*/ 6047722 w 6126740"/>
+              <a:gd name="connsiteY4" fmla="*/ 3752208 h 6857542"/>
+              <a:gd name="connsiteX5" fmla="*/ 4890218 w 6126740"/>
+              <a:gd name="connsiteY5" fmla="*/ 6660411 h 6857542"/>
+              <a:gd name="connsiteX6" fmla="*/ 4811756 w 6126740"/>
+              <a:gd name="connsiteY6" fmla="*/ 6857542 h 6857542"/>
+              <a:gd name="connsiteX7" fmla="*/ 0 w 6126740"/>
+              <a:gd name="connsiteY7" fmla="*/ 6857542 h 6857542"/>
             </a:gdLst>
             <a:ahLst/>
             <a:cxnLst>
@@ -12689,52 +12434,53 @@
               <a:cxn ang="0">
                 <a:pos x="connsiteX6" y="connsiteY6"/>
               </a:cxn>
+              <a:cxn ang="0">
+                <a:pos x="connsiteX7" y="connsiteY7"/>
+              </a:cxn>
             </a:cxnLst>
             <a:rect l="l" t="t" r="r" b="b"/>
             <a:pathLst>
-              <a:path w="4959047" h="6858000">
+              <a:path w="6126740" h="6857542">
                 <a:moveTo>
                   <a:pt x="0" y="0"/>
                 </a:moveTo>
                 <a:lnTo>
-                  <a:pt x="4110127" y="0"/>
+                  <a:pt x="4980067" y="0"/>
                 </a:lnTo>
                 <a:lnTo>
-                  <a:pt x="4179024" y="123368"/>
+                  <a:pt x="4992714" y="31774"/>
                 </a:lnTo>
                 <a:cubicBezTo>
-                  <a:pt x="4668929" y="1045156"/>
-                  <a:pt x="4959047" y="2189404"/>
-                  <a:pt x="4959047" y="3429000"/>
-                </a:cubicBezTo>
-                <a:cubicBezTo>
-                  <a:pt x="4959047" y="4668597"/>
-                  <a:pt x="4668929" y="5812845"/>
-                  <a:pt x="4179024" y="6734633"/>
+                  <a:pt x="6047722" y="2682457"/>
+                  <a:pt x="6047722" y="2682457"/>
+                  <a:pt x="6047722" y="2682457"/>
+                </a:cubicBezTo>
+                <a:cubicBezTo>
+                  <a:pt x="6153080" y="2988100"/>
+                  <a:pt x="6153080" y="3446565"/>
+                  <a:pt x="6047722" y="3752208"/>
+                </a:cubicBezTo>
+                <a:cubicBezTo>
+                  <a:pt x="5563735" y="4968215"/>
+                  <a:pt x="5185620" y="5918220"/>
+                  <a:pt x="4890218" y="6660411"/>
                 </a:cubicBezTo>
                 <a:lnTo>
-                  <a:pt x="4110127" y="6858000"/>
+                  <a:pt x="4811756" y="6857542"/>
                 </a:lnTo>
                 <a:lnTo>
-                  <a:pt x="0" y="6858000"/>
+                  <a:pt x="0" y="6857542"/>
                 </a:lnTo>
                 <a:close/>
               </a:path>
             </a:pathLst>
           </a:custGeom>
-          <a:ln w="9525">
-            <a:solidFill>
-              <a:srgbClr val="E6E6E6"/>
-            </a:solidFill>
+          <a:solidFill>
+            <a:schemeClr val="tx1"/>
+          </a:solidFill>
+          <a:ln>
+            <a:noFill/>
           </a:ln>
-          <a:effectLst>
-            <a:outerShdw blurRad="76200" dist="38100" algn="l" rotWithShape="0">
-              <a:schemeClr val="bg1">
-                <a:lumMod val="85000"/>
-                <a:alpha val="50000"/>
-              </a:schemeClr>
-            </a:outerShdw>
-          </a:effectLst>
         </p:spPr>
         <p:style>
           <a:lnRef idx="2">
@@ -12758,200 +12504,8 @@
           </a:bodyPr>
           <a:lstStyle/>
           <a:p>
-            <a:pPr marL="0" marR="0" lvl="0" indent="0" algn="ctr" defTabSz="914400" rtl="0" eaLnBrk="1" fontAlgn="auto" latinLnBrk="0" hangingPunct="1">
-              <a:lnSpc>
-                <a:spcPct val="100000"/>
-              </a:lnSpc>
-              <a:spcBef>
-                <a:spcPts val="0"/>
-              </a:spcBef>
-              <a:spcAft>
-                <a:spcPts val="0"/>
-              </a:spcAft>
-              <a:buClrTx/>
-              <a:buSzTx/>
-              <a:buFontTx/>
-              <a:buNone/>
-              <a:tabLst/>
-              <a:defRPr/>
-            </a:pPr>
-            <a:endParaRPr kumimoji="0" lang="en-US" sz="1800" b="0" i="0" u="none" strike="noStrike" kern="1200" cap="none" spc="0" normalizeH="0" baseline="0" noProof="0">
-              <a:ln>
-                <a:noFill/>
-              </a:ln>
-              <a:solidFill>
-                <a:prstClr val="white"/>
-              </a:solidFill>
-              <a:effectLst/>
-              <a:uLnTx/>
-              <a:uFillTx/>
-              <a:latin typeface="Calibri" panose="020F0502020204030204"/>
-              <a:ea typeface="+mn-ea"/>
-              <a:cs typeface="+mn-cs"/>
-            </a:endParaRPr>
-          </a:p>
-        </p:txBody>
-      </p:sp>
-      <p:sp useBgFill="1">
-        <p:nvSpPr>
-          <p:cNvPr id="51" name="Freeform: Shape 44">
-            <a:extLst>
-              <a:ext uri="{FF2B5EF4-FFF2-40B4-BE49-F238E27FC236}">
-                <a16:creationId xmlns:a16="http://schemas.microsoft.com/office/drawing/2014/main" id="{84D4DDB8-B68F-45B0-9F62-C4279996F672}"/>
-              </a:ext>
-              <a:ext uri="{C183D7F6-B498-43B3-948B-1728B52AA6E4}">
-                <adec:decorative xmlns:adec="http://schemas.microsoft.com/office/drawing/2017/decorative" val="1"/>
-              </a:ext>
-            </a:extLst>
-          </p:cNvPr>
-          <p:cNvSpPr>
-            <a:spLocks noGrp="1" noRot="1" noChangeAspect="1" noMove="1" noResize="1" noEditPoints="1" noAdjustHandles="1" noChangeArrowheads="1" noChangeShapeType="1" noTextEdit="1"/>
-          </p:cNvSpPr>
-          <p:nvPr>
-            <p:extLst>
-              <p:ext uri="{386F3935-93C4-4BCD-93E2-E3B085C9AB24}">
-                <p16:designElem xmlns:p16="http://schemas.microsoft.com/office/powerpoint/2015/main" val="1"/>
-              </p:ext>
-            </p:extLst>
-          </p:nvPr>
-        </p:nvSpPr>
-        <p:spPr>
-          <a:xfrm>
-            <a:off x="0" y="0"/>
-            <a:ext cx="4948887" cy="6858000"/>
-          </a:xfrm>
-          <a:custGeom>
-            <a:avLst/>
-            <a:gdLst>
-              <a:gd name="connsiteX0" fmla="*/ 0 w 4948887"/>
-              <a:gd name="connsiteY0" fmla="*/ 0 h 6858000"/>
-              <a:gd name="connsiteX1" fmla="*/ 4099967 w 4948887"/>
-              <a:gd name="connsiteY1" fmla="*/ 0 h 6858000"/>
-              <a:gd name="connsiteX2" fmla="*/ 4168864 w 4948887"/>
-              <a:gd name="connsiteY2" fmla="*/ 123368 h 6858000"/>
-              <a:gd name="connsiteX3" fmla="*/ 4948887 w 4948887"/>
-              <a:gd name="connsiteY3" fmla="*/ 3429000 h 6858000"/>
-              <a:gd name="connsiteX4" fmla="*/ 4168864 w 4948887"/>
-              <a:gd name="connsiteY4" fmla="*/ 6734633 h 6858000"/>
-              <a:gd name="connsiteX5" fmla="*/ 4099967 w 4948887"/>
-              <a:gd name="connsiteY5" fmla="*/ 6858000 h 6858000"/>
-              <a:gd name="connsiteX6" fmla="*/ 0 w 4948887"/>
-              <a:gd name="connsiteY6" fmla="*/ 6858000 h 6858000"/>
-            </a:gdLst>
-            <a:ahLst/>
-            <a:cxnLst>
-              <a:cxn ang="0">
-                <a:pos x="connsiteX0" y="connsiteY0"/>
-              </a:cxn>
-              <a:cxn ang="0">
-                <a:pos x="connsiteX1" y="connsiteY1"/>
-              </a:cxn>
-              <a:cxn ang="0">
-                <a:pos x="connsiteX2" y="connsiteY2"/>
-              </a:cxn>
-              <a:cxn ang="0">
-                <a:pos x="connsiteX3" y="connsiteY3"/>
-              </a:cxn>
-              <a:cxn ang="0">
-                <a:pos x="connsiteX4" y="connsiteY4"/>
-              </a:cxn>
-              <a:cxn ang="0">
-                <a:pos x="connsiteX5" y="connsiteY5"/>
-              </a:cxn>
-              <a:cxn ang="0">
-                <a:pos x="connsiteX6" y="connsiteY6"/>
-              </a:cxn>
-            </a:cxnLst>
-            <a:rect l="l" t="t" r="r" b="b"/>
-            <a:pathLst>
-              <a:path w="4948887" h="6858000">
-                <a:moveTo>
-                  <a:pt x="0" y="0"/>
-                </a:moveTo>
-                <a:lnTo>
-                  <a:pt x="4099967" y="0"/>
-                </a:lnTo>
-                <a:lnTo>
-                  <a:pt x="4168864" y="123368"/>
-                </a:lnTo>
-                <a:cubicBezTo>
-                  <a:pt x="4658769" y="1045156"/>
-                  <a:pt x="4948887" y="2189404"/>
-                  <a:pt x="4948887" y="3429000"/>
-                </a:cubicBezTo>
-                <a:cubicBezTo>
-                  <a:pt x="4948887" y="4668597"/>
-                  <a:pt x="4658769" y="5812845"/>
-                  <a:pt x="4168864" y="6734633"/>
-                </a:cubicBezTo>
-                <a:lnTo>
-                  <a:pt x="4099967" y="6858000"/>
-                </a:lnTo>
-                <a:lnTo>
-                  <a:pt x="0" y="6858000"/>
-                </a:lnTo>
-                <a:close/>
-              </a:path>
-            </a:pathLst>
-          </a:custGeom>
-          <a:ln w="9525">
-            <a:noFill/>
-          </a:ln>
-          <a:effectLst/>
-        </p:spPr>
-        <p:style>
-          <a:lnRef idx="2">
-            <a:schemeClr val="accent1">
-              <a:shade val="50000"/>
-            </a:schemeClr>
-          </a:lnRef>
-          <a:fillRef idx="1">
-            <a:schemeClr val="accent1"/>
-          </a:fillRef>
-          <a:effectRef idx="0">
-            <a:schemeClr val="accent1"/>
-          </a:effectRef>
-          <a:fontRef idx="minor">
-            <a:schemeClr val="lt1"/>
-          </a:fontRef>
-        </p:style>
-        <p:txBody>
-          <a:bodyPr wrap="square" rtlCol="0" anchor="ctr">
-            <a:noAutofit/>
-          </a:bodyPr>
-          <a:lstStyle/>
-          <a:p>
-            <a:pPr marL="0" marR="0" lvl="0" indent="0" algn="ctr" defTabSz="914400" rtl="0" eaLnBrk="1" fontAlgn="auto" latinLnBrk="0" hangingPunct="1">
-              <a:lnSpc>
-                <a:spcPct val="100000"/>
-              </a:lnSpc>
-              <a:spcBef>
-                <a:spcPts val="0"/>
-              </a:spcBef>
-              <a:spcAft>
-                <a:spcPts val="0"/>
-              </a:spcAft>
-              <a:buClrTx/>
-              <a:buSzTx/>
-              <a:buFontTx/>
-              <a:buNone/>
-              <a:tabLst/>
-              <a:defRPr/>
-            </a:pPr>
-            <a:endParaRPr kumimoji="0" lang="en-US" sz="1800" b="0" i="0" u="none" strike="noStrike" kern="1200" cap="none" spc="0" normalizeH="0" baseline="0" noProof="0">
-              <a:ln>
-                <a:noFill/>
-              </a:ln>
-              <a:solidFill>
-                <a:prstClr val="white"/>
-              </a:solidFill>
-              <a:effectLst/>
-              <a:uLnTx/>
-              <a:uFillTx/>
-              <a:latin typeface="Calibri" panose="020F0502020204030204"/>
-              <a:ea typeface="+mn-ea"/>
-              <a:cs typeface="+mn-cs"/>
-            </a:endParaRPr>
+            <a:pPr algn="ctr"/>
+            <a:endParaRPr lang="en-US"/>
           </a:p>
         </p:txBody>
       </p:sp>
@@ -12973,8 +12527,8 @@
         </p:nvSpPr>
         <p:spPr>
           <a:xfrm>
-            <a:off x="477981" y="1122363"/>
-            <a:ext cx="4023360" cy="3204134"/>
+            <a:off x="767290" y="1030286"/>
+            <a:ext cx="4153626" cy="2174091"/>
           </a:xfrm>
         </p:spPr>
         <p:txBody>
@@ -12984,9 +12538,9 @@
           <a:lstStyle/>
           <a:p>
             <a:r>
-              <a:rPr lang="en-US" sz="4800" kern="1200" dirty="0">
+              <a:rPr lang="en-US" sz="4000" kern="1200" dirty="0">
                 <a:solidFill>
-                  <a:schemeClr val="tx1"/>
+                  <a:schemeClr val="bg1"/>
                 </a:solidFill>
                 <a:latin typeface="+mj-lt"/>
                 <a:ea typeface="+mj-ea"/>
@@ -12997,6 +12551,412 @@
           </a:p>
         </p:txBody>
       </p:sp>
+      <p:grpSp>
+        <p:nvGrpSpPr>
+          <p:cNvPr id="60" name="Group 59">
+            <a:extLst>
+              <a:ext uri="{FF2B5EF4-FFF2-40B4-BE49-F238E27FC236}">
+                <a16:creationId xmlns:a16="http://schemas.microsoft.com/office/drawing/2014/main" id="{C9888C69-11CC-40BA-BABF-F9B7E11C9156}"/>
+              </a:ext>
+              <a:ext uri="{C183D7F6-B498-43B3-948B-1728B52AA6E4}">
+                <adec:decorative xmlns:adec="http://schemas.microsoft.com/office/drawing/2017/decorative" val="1"/>
+              </a:ext>
+            </a:extLst>
+          </p:cNvPr>
+          <p:cNvGrpSpPr>
+            <a:grpSpLocks noGrp="1" noUngrp="1" noRot="1" noChangeAspect="1" noMove="1" noResize="1"/>
+          </p:cNvGrpSpPr>
+          <p:nvPr>
+            <p:extLst>
+              <p:ext uri="{386F3935-93C4-4BCD-93E2-E3B085C9AB24}">
+                <p16:designElem xmlns:p16="http://schemas.microsoft.com/office/powerpoint/2015/main" val="1"/>
+              </p:ext>
+            </p:extLst>
+          </p:nvPr>
+        </p:nvGrpSpPr>
+        <p:grpSpPr>
+          <a:xfrm>
+            <a:off x="640080" y="640080"/>
+            <a:ext cx="1128382" cy="847206"/>
+            <a:chOff x="5307830" y="325570"/>
+            <a:chExt cx="1128382" cy="847206"/>
+          </a:xfrm>
+        </p:grpSpPr>
+        <p:sp>
+          <p:nvSpPr>
+            <p:cNvPr id="61" name="Freeform 5">
+              <a:extLst>
+                <a:ext uri="{FF2B5EF4-FFF2-40B4-BE49-F238E27FC236}">
+                  <a16:creationId xmlns:a16="http://schemas.microsoft.com/office/drawing/2014/main" id="{737D08C8-52AD-4B7E-A217-E28E1AF008C4}"/>
+                </a:ext>
+                <a:ext uri="{C183D7F6-B498-43B3-948B-1728B52AA6E4}">
+                  <adec:decorative xmlns:adec="http://schemas.microsoft.com/office/drawing/2017/decorative" val="1"/>
+                </a:ext>
+              </a:extLst>
+            </p:cNvPr>
+            <p:cNvSpPr>
+              <a:spLocks/>
+            </p:cNvSpPr>
+            <p:nvPr>
+              <p:extLst>
+                <p:ext uri="{386F3935-93C4-4BCD-93E2-E3B085C9AB24}">
+                  <p16:designElem xmlns:p16="http://schemas.microsoft.com/office/powerpoint/2015/main" val="1"/>
+                </p:ext>
+              </p:extLst>
+            </p:nvPr>
+          </p:nvSpPr>
+          <p:spPr bwMode="auto">
+            <a:xfrm>
+              <a:off x="5307830" y="577396"/>
+              <a:ext cx="675351" cy="595380"/>
+            </a:xfrm>
+            <a:custGeom>
+              <a:avLst/>
+              <a:gdLst>
+                <a:gd name="T0" fmla="*/ 225 w 785"/>
+                <a:gd name="T1" fmla="*/ 692 h 692"/>
+                <a:gd name="T2" fmla="*/ 177 w 785"/>
+                <a:gd name="T3" fmla="*/ 665 h 692"/>
+                <a:gd name="T4" fmla="*/ 9 w 785"/>
+                <a:gd name="T5" fmla="*/ 374 h 692"/>
+                <a:gd name="T6" fmla="*/ 9 w 785"/>
+                <a:gd name="T7" fmla="*/ 318 h 692"/>
+                <a:gd name="T8" fmla="*/ 177 w 785"/>
+                <a:gd name="T9" fmla="*/ 27 h 692"/>
+                <a:gd name="T10" fmla="*/ 225 w 785"/>
+                <a:gd name="T11" fmla="*/ 0 h 692"/>
+                <a:gd name="T12" fmla="*/ 561 w 785"/>
+                <a:gd name="T13" fmla="*/ 0 h 692"/>
+                <a:gd name="T14" fmla="*/ 609 w 785"/>
+                <a:gd name="T15" fmla="*/ 27 h 692"/>
+                <a:gd name="T16" fmla="*/ 777 w 785"/>
+                <a:gd name="T17" fmla="*/ 318 h 692"/>
+                <a:gd name="T18" fmla="*/ 777 w 785"/>
+                <a:gd name="T19" fmla="*/ 374 h 692"/>
+                <a:gd name="T20" fmla="*/ 609 w 785"/>
+                <a:gd name="T21" fmla="*/ 665 h 692"/>
+                <a:gd name="T22" fmla="*/ 561 w 785"/>
+                <a:gd name="T23" fmla="*/ 692 h 692"/>
+                <a:gd name="T24" fmla="*/ 225 w 785"/>
+                <a:gd name="T25" fmla="*/ 692 h 692"/>
+              </a:gdLst>
+              <a:ahLst/>
+              <a:cxnLst>
+                <a:cxn ang="0">
+                  <a:pos x="T0" y="T1"/>
+                </a:cxn>
+                <a:cxn ang="0">
+                  <a:pos x="T2" y="T3"/>
+                </a:cxn>
+                <a:cxn ang="0">
+                  <a:pos x="T4" y="T5"/>
+                </a:cxn>
+                <a:cxn ang="0">
+                  <a:pos x="T6" y="T7"/>
+                </a:cxn>
+                <a:cxn ang="0">
+                  <a:pos x="T8" y="T9"/>
+                </a:cxn>
+                <a:cxn ang="0">
+                  <a:pos x="T10" y="T11"/>
+                </a:cxn>
+                <a:cxn ang="0">
+                  <a:pos x="T12" y="T13"/>
+                </a:cxn>
+                <a:cxn ang="0">
+                  <a:pos x="T14" y="T15"/>
+                </a:cxn>
+                <a:cxn ang="0">
+                  <a:pos x="T16" y="T17"/>
+                </a:cxn>
+                <a:cxn ang="0">
+                  <a:pos x="T18" y="T19"/>
+                </a:cxn>
+                <a:cxn ang="0">
+                  <a:pos x="T20" y="T21"/>
+                </a:cxn>
+                <a:cxn ang="0">
+                  <a:pos x="T22" y="T23"/>
+                </a:cxn>
+                <a:cxn ang="0">
+                  <a:pos x="T24" y="T25"/>
+                </a:cxn>
+              </a:cxnLst>
+              <a:rect l="0" t="0" r="r" b="b"/>
+              <a:pathLst>
+                <a:path w="785" h="692">
+                  <a:moveTo>
+                    <a:pt x="225" y="692"/>
+                  </a:moveTo>
+                  <a:cubicBezTo>
+                    <a:pt x="207" y="692"/>
+                    <a:pt x="185" y="680"/>
+                    <a:pt x="177" y="665"/>
+                  </a:cubicBezTo>
+                  <a:cubicBezTo>
+                    <a:pt x="9" y="374"/>
+                    <a:pt x="9" y="374"/>
+                    <a:pt x="9" y="374"/>
+                  </a:cubicBezTo>
+                  <a:cubicBezTo>
+                    <a:pt x="0" y="358"/>
+                    <a:pt x="0" y="334"/>
+                    <a:pt x="9" y="318"/>
+                  </a:cubicBezTo>
+                  <a:cubicBezTo>
+                    <a:pt x="177" y="27"/>
+                    <a:pt x="177" y="27"/>
+                    <a:pt x="177" y="27"/>
+                  </a:cubicBezTo>
+                  <a:cubicBezTo>
+                    <a:pt x="185" y="12"/>
+                    <a:pt x="207" y="0"/>
+                    <a:pt x="225" y="0"/>
+                  </a:cubicBezTo>
+                  <a:cubicBezTo>
+                    <a:pt x="561" y="0"/>
+                    <a:pt x="561" y="0"/>
+                    <a:pt x="561" y="0"/>
+                  </a:cubicBezTo>
+                  <a:cubicBezTo>
+                    <a:pt x="578" y="0"/>
+                    <a:pt x="600" y="12"/>
+                    <a:pt x="609" y="27"/>
+                  </a:cubicBezTo>
+                  <a:cubicBezTo>
+                    <a:pt x="777" y="318"/>
+                    <a:pt x="777" y="318"/>
+                    <a:pt x="777" y="318"/>
+                  </a:cubicBezTo>
+                  <a:cubicBezTo>
+                    <a:pt x="785" y="334"/>
+                    <a:pt x="785" y="358"/>
+                    <a:pt x="777" y="374"/>
+                  </a:cubicBezTo>
+                  <a:cubicBezTo>
+                    <a:pt x="609" y="665"/>
+                    <a:pt x="609" y="665"/>
+                    <a:pt x="609" y="665"/>
+                  </a:cubicBezTo>
+                  <a:cubicBezTo>
+                    <a:pt x="600" y="680"/>
+                    <a:pt x="578" y="692"/>
+                    <a:pt x="561" y="692"/>
+                  </a:cubicBezTo>
+                  <a:lnTo>
+                    <a:pt x="225" y="692"/>
+                  </a:lnTo>
+                  <a:close/>
+                </a:path>
+              </a:pathLst>
+            </a:custGeom>
+            <a:noFill/>
+            <a:ln w="28575" cmpd="sng">
+              <a:solidFill>
+                <a:schemeClr val="bg1"/>
+              </a:solidFill>
+            </a:ln>
+          </p:spPr>
+          <p:txBody>
+            <a:bodyPr vert="horz" wrap="square" lIns="91440" tIns="45720" rIns="91440" bIns="45720" numCol="1" anchor="t" anchorCtr="0" compatLnSpc="1">
+              <a:prstTxWarp prst="textNoShape">
+                <a:avLst/>
+              </a:prstTxWarp>
+            </a:bodyPr>
+            <a:lstStyle/>
+            <a:p>
+              <a:endParaRPr lang="en-US"/>
+            </a:p>
+          </p:txBody>
+        </p:sp>
+        <p:sp>
+          <p:nvSpPr>
+            <p:cNvPr id="62" name="Freeform 5">
+              <a:extLst>
+                <a:ext uri="{FF2B5EF4-FFF2-40B4-BE49-F238E27FC236}">
+                  <a16:creationId xmlns:a16="http://schemas.microsoft.com/office/drawing/2014/main" id="{0ED11528-93DA-433F-9B3C-21106EFDBB66}"/>
+                </a:ext>
+                <a:ext uri="{C183D7F6-B498-43B3-948B-1728B52AA6E4}">
+                  <adec:decorative xmlns:adec="http://schemas.microsoft.com/office/drawing/2017/decorative" val="1"/>
+                </a:ext>
+              </a:extLst>
+            </p:cNvPr>
+            <p:cNvSpPr>
+              <a:spLocks/>
+            </p:cNvSpPr>
+            <p:nvPr>
+              <p:extLst>
+                <p:ext uri="{386F3935-93C4-4BCD-93E2-E3B085C9AB24}">
+                  <p16:designElem xmlns:p16="http://schemas.microsoft.com/office/powerpoint/2015/main" val="1"/>
+                </p:ext>
+              </p:extLst>
+            </p:nvPr>
+          </p:nvSpPr>
+          <p:spPr bwMode="auto">
+            <a:xfrm>
+              <a:off x="5885720" y="325570"/>
+              <a:ext cx="550492" cy="485306"/>
+            </a:xfrm>
+            <a:custGeom>
+              <a:avLst/>
+              <a:gdLst>
+                <a:gd name="T0" fmla="*/ 225 w 785"/>
+                <a:gd name="T1" fmla="*/ 692 h 692"/>
+                <a:gd name="T2" fmla="*/ 177 w 785"/>
+                <a:gd name="T3" fmla="*/ 665 h 692"/>
+                <a:gd name="T4" fmla="*/ 9 w 785"/>
+                <a:gd name="T5" fmla="*/ 374 h 692"/>
+                <a:gd name="T6" fmla="*/ 9 w 785"/>
+                <a:gd name="T7" fmla="*/ 318 h 692"/>
+                <a:gd name="T8" fmla="*/ 177 w 785"/>
+                <a:gd name="T9" fmla="*/ 27 h 692"/>
+                <a:gd name="T10" fmla="*/ 225 w 785"/>
+                <a:gd name="T11" fmla="*/ 0 h 692"/>
+                <a:gd name="T12" fmla="*/ 561 w 785"/>
+                <a:gd name="T13" fmla="*/ 0 h 692"/>
+                <a:gd name="T14" fmla="*/ 609 w 785"/>
+                <a:gd name="T15" fmla="*/ 27 h 692"/>
+                <a:gd name="T16" fmla="*/ 777 w 785"/>
+                <a:gd name="T17" fmla="*/ 318 h 692"/>
+                <a:gd name="T18" fmla="*/ 777 w 785"/>
+                <a:gd name="T19" fmla="*/ 374 h 692"/>
+                <a:gd name="T20" fmla="*/ 609 w 785"/>
+                <a:gd name="T21" fmla="*/ 665 h 692"/>
+                <a:gd name="T22" fmla="*/ 561 w 785"/>
+                <a:gd name="T23" fmla="*/ 692 h 692"/>
+                <a:gd name="T24" fmla="*/ 225 w 785"/>
+                <a:gd name="T25" fmla="*/ 692 h 692"/>
+              </a:gdLst>
+              <a:ahLst/>
+              <a:cxnLst>
+                <a:cxn ang="0">
+                  <a:pos x="T0" y="T1"/>
+                </a:cxn>
+                <a:cxn ang="0">
+                  <a:pos x="T2" y="T3"/>
+                </a:cxn>
+                <a:cxn ang="0">
+                  <a:pos x="T4" y="T5"/>
+                </a:cxn>
+                <a:cxn ang="0">
+                  <a:pos x="T6" y="T7"/>
+                </a:cxn>
+                <a:cxn ang="0">
+                  <a:pos x="T8" y="T9"/>
+                </a:cxn>
+                <a:cxn ang="0">
+                  <a:pos x="T10" y="T11"/>
+                </a:cxn>
+                <a:cxn ang="0">
+                  <a:pos x="T12" y="T13"/>
+                </a:cxn>
+                <a:cxn ang="0">
+                  <a:pos x="T14" y="T15"/>
+                </a:cxn>
+                <a:cxn ang="0">
+                  <a:pos x="T16" y="T17"/>
+                </a:cxn>
+                <a:cxn ang="0">
+                  <a:pos x="T18" y="T19"/>
+                </a:cxn>
+                <a:cxn ang="0">
+                  <a:pos x="T20" y="T21"/>
+                </a:cxn>
+                <a:cxn ang="0">
+                  <a:pos x="T22" y="T23"/>
+                </a:cxn>
+                <a:cxn ang="0">
+                  <a:pos x="T24" y="T25"/>
+                </a:cxn>
+              </a:cxnLst>
+              <a:rect l="0" t="0" r="r" b="b"/>
+              <a:pathLst>
+                <a:path w="785" h="692">
+                  <a:moveTo>
+                    <a:pt x="225" y="692"/>
+                  </a:moveTo>
+                  <a:cubicBezTo>
+                    <a:pt x="207" y="692"/>
+                    <a:pt x="185" y="680"/>
+                    <a:pt x="177" y="665"/>
+                  </a:cubicBezTo>
+                  <a:cubicBezTo>
+                    <a:pt x="9" y="374"/>
+                    <a:pt x="9" y="374"/>
+                    <a:pt x="9" y="374"/>
+                  </a:cubicBezTo>
+                  <a:cubicBezTo>
+                    <a:pt x="0" y="358"/>
+                    <a:pt x="0" y="334"/>
+                    <a:pt x="9" y="318"/>
+                  </a:cubicBezTo>
+                  <a:cubicBezTo>
+                    <a:pt x="177" y="27"/>
+                    <a:pt x="177" y="27"/>
+                    <a:pt x="177" y="27"/>
+                  </a:cubicBezTo>
+                  <a:cubicBezTo>
+                    <a:pt x="185" y="12"/>
+                    <a:pt x="207" y="0"/>
+                    <a:pt x="225" y="0"/>
+                  </a:cubicBezTo>
+                  <a:cubicBezTo>
+                    <a:pt x="561" y="0"/>
+                    <a:pt x="561" y="0"/>
+                    <a:pt x="561" y="0"/>
+                  </a:cubicBezTo>
+                  <a:cubicBezTo>
+                    <a:pt x="578" y="0"/>
+                    <a:pt x="600" y="12"/>
+                    <a:pt x="609" y="27"/>
+                  </a:cubicBezTo>
+                  <a:cubicBezTo>
+                    <a:pt x="777" y="318"/>
+                    <a:pt x="777" y="318"/>
+                    <a:pt x="777" y="318"/>
+                  </a:cubicBezTo>
+                  <a:cubicBezTo>
+                    <a:pt x="785" y="334"/>
+                    <a:pt x="785" y="358"/>
+                    <a:pt x="777" y="374"/>
+                  </a:cubicBezTo>
+                  <a:cubicBezTo>
+                    <a:pt x="609" y="665"/>
+                    <a:pt x="609" y="665"/>
+                    <a:pt x="609" y="665"/>
+                  </a:cubicBezTo>
+                  <a:cubicBezTo>
+                    <a:pt x="600" y="680"/>
+                    <a:pt x="578" y="692"/>
+                    <a:pt x="561" y="692"/>
+                  </a:cubicBezTo>
+                  <a:lnTo>
+                    <a:pt x="225" y="692"/>
+                  </a:lnTo>
+                  <a:close/>
+                </a:path>
+              </a:pathLst>
+            </a:custGeom>
+            <a:noFill/>
+            <a:ln w="28575" cmpd="sng">
+              <a:solidFill>
+                <a:schemeClr val="bg1"/>
+              </a:solidFill>
+            </a:ln>
+          </p:spPr>
+          <p:txBody>
+            <a:bodyPr vert="horz" wrap="square" lIns="91440" tIns="45720" rIns="91440" bIns="45720" numCol="1" anchor="t" anchorCtr="0" compatLnSpc="1">
+              <a:prstTxWarp prst="textNoShape">
+                <a:avLst/>
+              </a:prstTxWarp>
+            </a:bodyPr>
+            <a:lstStyle/>
+            <a:p>
+              <a:endParaRPr lang="en-US"/>
+            </a:p>
+          </p:txBody>
+        </p:sp>
+      </p:grpSp>
       <p:sp>
         <p:nvSpPr>
           <p:cNvPr id="13" name="Content Placeholder 12">
@@ -13015,182 +12975,25 @@
         </p:nvSpPr>
         <p:spPr>
           <a:xfrm>
-            <a:off x="477981" y="4872922"/>
-            <a:ext cx="3135231" cy="1208141"/>
+            <a:off x="767290" y="3428999"/>
+            <a:ext cx="3760322" cy="2741213"/>
           </a:xfrm>
         </p:spPr>
         <p:txBody>
-          <a:bodyPr vert="horz" lIns="91440" tIns="45720" rIns="91440" bIns="45720" rtlCol="0">
-            <a:normAutofit fontScale="92500"/>
+          <a:bodyPr vert="horz" lIns="91440" tIns="45720" rIns="91440" bIns="45720" rtlCol="0" anchor="t">
+            <a:normAutofit/>
           </a:bodyPr>
           <a:lstStyle/>
           <a:p>
             <a:pPr marL="285750" indent="-285750"/>
             <a:r>
-              <a:rPr lang="en-US" sz="2000" dirty="0"/>
+              <a:rPr lang="en-US" sz="2000" dirty="0">
+                <a:solidFill>
+                  <a:schemeClr val="bg1"/>
+                </a:solidFill>
+              </a:rPr>
               <a:t>Career Offender status is applied in 7% of cases and increases sentences an average of by 12.7 years</a:t>
             </a:r>
-          </a:p>
-        </p:txBody>
-      </p:sp>
-      <p:sp>
-        <p:nvSpPr>
-          <p:cNvPr id="47" name="Rectangle 46">
-            <a:extLst>
-              <a:ext uri="{FF2B5EF4-FFF2-40B4-BE49-F238E27FC236}">
-                <a16:creationId xmlns:a16="http://schemas.microsoft.com/office/drawing/2014/main" id="{AF2F604E-43BE-4DC3-B983-E071523364F8}"/>
-              </a:ext>
-              <a:ext uri="{C183D7F6-B498-43B3-948B-1728B52AA6E4}">
-                <adec:decorative xmlns:adec="http://schemas.microsoft.com/office/drawing/2017/decorative" val="1"/>
-              </a:ext>
-            </a:extLst>
-          </p:cNvPr>
-          <p:cNvSpPr>
-            <a:spLocks noGrp="1" noRot="1" noChangeAspect="1" noMove="1" noResize="1" noEditPoints="1" noAdjustHandles="1" noChangeArrowheads="1" noChangeShapeType="1" noTextEdit="1"/>
-          </p:cNvSpPr>
-          <p:nvPr>
-            <p:extLst>
-              <p:ext uri="{386F3935-93C4-4BCD-93E2-E3B085C9AB24}">
-                <p16:designElem xmlns:p16="http://schemas.microsoft.com/office/powerpoint/2015/main" val="1"/>
-              </p:ext>
-            </p:extLst>
-          </p:nvPr>
-        </p:nvSpPr>
-        <p:spPr>
-          <a:xfrm rot="5400000">
-            <a:off x="759921" y="346791"/>
-            <a:ext cx="146304" cy="704088"/>
-          </a:xfrm>
-          <a:prstGeom prst="rect">
-            <a:avLst/>
-          </a:prstGeom>
-          <a:solidFill>
-            <a:schemeClr val="accent2"/>
-          </a:solidFill>
-          <a:ln>
-            <a:noFill/>
-          </a:ln>
-        </p:spPr>
-        <p:style>
-          <a:lnRef idx="2">
-            <a:schemeClr val="accent1">
-              <a:shade val="50000"/>
-            </a:schemeClr>
-          </a:lnRef>
-          <a:fillRef idx="1">
-            <a:schemeClr val="accent1"/>
-          </a:fillRef>
-          <a:effectRef idx="0">
-            <a:schemeClr val="accent1"/>
-          </a:effectRef>
-          <a:fontRef idx="minor">
-            <a:schemeClr val="lt1"/>
-          </a:fontRef>
-        </p:style>
-        <p:txBody>
-          <a:bodyPr rtlCol="0" anchor="ctr"/>
-          <a:lstStyle/>
-          <a:p>
-            <a:pPr algn="ctr"/>
-            <a:endParaRPr lang="en-US">
-              <a:solidFill>
-                <a:prstClr val="white"/>
-              </a:solidFill>
-              <a:latin typeface="Calibri" panose="020F0502020204030204"/>
-            </a:endParaRPr>
-          </a:p>
-        </p:txBody>
-      </p:sp>
-      <p:sp>
-        <p:nvSpPr>
-          <p:cNvPr id="49" name="Rectangle 48">
-            <a:extLst>
-              <a:ext uri="{FF2B5EF4-FFF2-40B4-BE49-F238E27FC236}">
-                <a16:creationId xmlns:a16="http://schemas.microsoft.com/office/drawing/2014/main" id="{08C9B587-E65E-4B52-B37C-ABEBB6E87928}"/>
-              </a:ext>
-              <a:ext uri="{C183D7F6-B498-43B3-948B-1728B52AA6E4}">
-                <adec:decorative xmlns:adec="http://schemas.microsoft.com/office/drawing/2017/decorative" val="1"/>
-              </a:ext>
-            </a:extLst>
-          </p:cNvPr>
-          <p:cNvSpPr>
-            <a:spLocks noGrp="1" noRot="1" noChangeAspect="1" noMove="1" noResize="1" noEditPoints="1" noAdjustHandles="1" noChangeArrowheads="1" noChangeShapeType="1" noTextEdit="1"/>
-          </p:cNvSpPr>
-          <p:nvPr>
-            <p:extLst>
-              <p:ext uri="{386F3935-93C4-4BCD-93E2-E3B085C9AB24}">
-                <p16:designElem xmlns:p16="http://schemas.microsoft.com/office/powerpoint/2015/main" val="1"/>
-              </p:ext>
-            </p:extLst>
-          </p:nvPr>
-        </p:nvSpPr>
-        <p:spPr>
-          <a:xfrm>
-            <a:off x="481029" y="4546920"/>
-            <a:ext cx="4023360" cy="18288"/>
-          </a:xfrm>
-          <a:prstGeom prst="rect">
-            <a:avLst/>
-          </a:prstGeom>
-          <a:solidFill>
-            <a:srgbClr val="D5D5D5"/>
-          </a:solidFill>
-          <a:ln w="3175">
-            <a:noFill/>
-          </a:ln>
-          <a:effectLst/>
-        </p:spPr>
-        <p:style>
-          <a:lnRef idx="2">
-            <a:schemeClr val="accent1">
-              <a:shade val="50000"/>
-            </a:schemeClr>
-          </a:lnRef>
-          <a:fillRef idx="1">
-            <a:schemeClr val="accent1"/>
-          </a:fillRef>
-          <a:effectRef idx="0">
-            <a:schemeClr val="accent1"/>
-          </a:effectRef>
-          <a:fontRef idx="minor">
-            <a:schemeClr val="lt1"/>
-          </a:fontRef>
-        </p:style>
-        <p:txBody>
-          <a:bodyPr rtlCol="0" anchor="ctr"/>
-          <a:lstStyle/>
-          <a:p>
-            <a:pPr marL="0" marR="0" lvl="0" indent="0" algn="ctr" defTabSz="914400" rtl="0" eaLnBrk="1" fontAlgn="auto" latinLnBrk="0" hangingPunct="1">
-              <a:lnSpc>
-                <a:spcPct val="100000"/>
-              </a:lnSpc>
-              <a:spcBef>
-                <a:spcPts val="0"/>
-              </a:spcBef>
-              <a:spcAft>
-                <a:spcPts val="0"/>
-              </a:spcAft>
-              <a:buClrTx/>
-              <a:buSzTx/>
-              <a:buFontTx/>
-              <a:buNone/>
-              <a:tabLst/>
-              <a:defRPr/>
-            </a:pPr>
-            <a:endParaRPr kumimoji="0" lang="en-US" sz="1800" b="0" i="0" u="none" strike="noStrike" kern="1200" cap="none" spc="0" normalizeH="0" baseline="0" noProof="0">
-              <a:ln>
-                <a:noFill/>
-              </a:ln>
-              <a:solidFill>
-                <a:prstClr val="white"/>
-              </a:solidFill>
-              <a:effectLst/>
-              <a:uLnTx/>
-              <a:uFillTx/>
-              <a:latin typeface="Calibri" panose="020F0502020204030204"/>
-              <a:ea typeface="+mn-ea"/>
-              <a:cs typeface="+mn-cs"/>
-            </a:endParaRPr>
           </a:p>
         </p:txBody>
       </p:sp>
@@ -13221,8 +13024,8 @@
         </p:blipFill>
         <p:spPr>
           <a:xfrm>
-            <a:off x="5414356" y="1349248"/>
-            <a:ext cx="6408835" cy="4008250"/>
+            <a:off x="6645576" y="1851309"/>
+            <a:ext cx="5047880" cy="3154924"/>
           </a:xfrm>
           <a:prstGeom prst="rect">
             <a:avLst/>
@@ -13234,7 +13037,7 @@
           <p:cNvPr id="12" name="TextBox 11">
             <a:extLst>
               <a:ext uri="{FF2B5EF4-FFF2-40B4-BE49-F238E27FC236}">
-                <a16:creationId xmlns:a16="http://schemas.microsoft.com/office/drawing/2014/main" id="{4DE046C5-4585-4C9C-B4BD-2AC7757CA810}"/>
+                <a16:creationId xmlns:a16="http://schemas.microsoft.com/office/drawing/2014/main" id="{0F326A35-EA1E-4A30-AD4A-58ACDF3C1BA1}"/>
               </a:ext>
             </a:extLst>
           </p:cNvPr>
@@ -13243,8 +13046,8 @@
         </p:nvSpPr>
         <p:spPr>
           <a:xfrm>
-            <a:off x="7096644" y="2568543"/>
-            <a:ext cx="1363776" cy="1569660"/>
+            <a:off x="6645576" y="882733"/>
+            <a:ext cx="5047880" cy="461665"/>
           </a:xfrm>
           <a:prstGeom prst="rect">
             <a:avLst/>
@@ -13257,38 +13060,22 @@
           </a:bodyPr>
           <a:lstStyle/>
           <a:p>
-            <a:pPr algn="ctr"/>
+            <a:pPr algn="ctr">
+              <a:spcAft>
+                <a:spcPts val="600"/>
+              </a:spcAft>
+            </a:pPr>
             <a:r>
-              <a:rPr lang="en-US" sz="2400" dirty="0">
-                <a:solidFill>
-                  <a:srgbClr val="595959"/>
-                </a:solidFill>
-              </a:rPr>
-              <a:t>Career Offender Status</a:t>
+              <a:rPr lang="en-US" sz="2400" dirty="0"/>
+              <a:t>Career Offender Status Applied</a:t>
             </a:r>
-          </a:p>
-          <a:p>
-            <a:pPr algn="ctr"/>
-            <a:r>
-              <a:rPr lang="en-US" sz="2400" dirty="0">
-                <a:solidFill>
-                  <a:srgbClr val="595959"/>
-                </a:solidFill>
-              </a:rPr>
-              <a:t>Applied</a:t>
-            </a:r>
-            <a:endParaRPr lang="en-US" sz="4400" dirty="0">
-              <a:solidFill>
-                <a:srgbClr val="595959"/>
-              </a:solidFill>
-            </a:endParaRPr>
           </a:p>
         </p:txBody>
       </p:sp>
     </p:spTree>
     <p:extLst>
       <p:ext uri="{BB962C8B-B14F-4D97-AF65-F5344CB8AC3E}">
-        <p14:creationId xmlns:p14="http://schemas.microsoft.com/office/powerpoint/2010/main" val="904378942"/>
+        <p14:creationId xmlns:p14="http://schemas.microsoft.com/office/powerpoint/2010/main" val="4064713189"/>
       </p:ext>
     </p:extLst>
   </p:cSld>
@@ -13325,10 +13112,10 @@
       </p:grpSpPr>
       <p:sp useBgFill="1">
         <p:nvSpPr>
-          <p:cNvPr id="48" name="Rectangle 40">
+          <p:cNvPr id="56" name="Rectangle 55">
             <a:extLst>
               <a:ext uri="{FF2B5EF4-FFF2-40B4-BE49-F238E27FC236}">
-                <a16:creationId xmlns:a16="http://schemas.microsoft.com/office/drawing/2014/main" id="{5DCB5928-DC7D-4612-9922-441966E15627}"/>
+                <a16:creationId xmlns:a16="http://schemas.microsoft.com/office/drawing/2014/main" id="{33CD251C-A887-4D2F-925B-FC097198538B}"/>
               </a:ext>
               <a:ext uri="{C183D7F6-B498-43B3-948B-1728B52AA6E4}">
                 <adec:decorative xmlns:adec="http://schemas.microsoft.com/office/drawing/2017/decorative" val="1"/>
@@ -13383,12 +13170,12 @@
           </a:p>
         </p:txBody>
       </p:sp>
-      <p:sp useBgFill="1">
+      <p:sp>
         <p:nvSpPr>
-          <p:cNvPr id="50" name="Freeform: Shape 42">
+          <p:cNvPr id="58" name="Freeform: Shape 57">
             <a:extLst>
               <a:ext uri="{FF2B5EF4-FFF2-40B4-BE49-F238E27FC236}">
-                <a16:creationId xmlns:a16="http://schemas.microsoft.com/office/drawing/2014/main" id="{682C1161-1736-45EC-99B7-33F3CAE9D517}"/>
+                <a16:creationId xmlns:a16="http://schemas.microsoft.com/office/drawing/2014/main" id="{3B2069EE-A08E-44F0-B3F9-3CF8CC2DCAD5}"/>
               </a:ext>
               <a:ext uri="{C183D7F6-B498-43B3-948B-1728B52AA6E4}">
                 <adec:decorative xmlns:adec="http://schemas.microsoft.com/office/drawing/2017/decorative" val="1"/>
@@ -13409,25 +13196,27 @@
         <p:spPr>
           <a:xfrm>
             <a:off x="0" y="0"/>
-            <a:ext cx="4959047" cy="6858000"/>
+            <a:ext cx="6126740" cy="6857542"/>
           </a:xfrm>
           <a:custGeom>
             <a:avLst/>
             <a:gdLst>
-              <a:gd name="connsiteX0" fmla="*/ 0 w 4959047"/>
-              <a:gd name="connsiteY0" fmla="*/ 0 h 6858000"/>
-              <a:gd name="connsiteX1" fmla="*/ 4110127 w 4959047"/>
-              <a:gd name="connsiteY1" fmla="*/ 0 h 6858000"/>
-              <a:gd name="connsiteX2" fmla="*/ 4179024 w 4959047"/>
-              <a:gd name="connsiteY2" fmla="*/ 123368 h 6858000"/>
-              <a:gd name="connsiteX3" fmla="*/ 4959047 w 4959047"/>
-              <a:gd name="connsiteY3" fmla="*/ 3429000 h 6858000"/>
-              <a:gd name="connsiteX4" fmla="*/ 4179024 w 4959047"/>
-              <a:gd name="connsiteY4" fmla="*/ 6734633 h 6858000"/>
-              <a:gd name="connsiteX5" fmla="*/ 4110127 w 4959047"/>
-              <a:gd name="connsiteY5" fmla="*/ 6858000 h 6858000"/>
-              <a:gd name="connsiteX6" fmla="*/ 0 w 4959047"/>
-              <a:gd name="connsiteY6" fmla="*/ 6858000 h 6858000"/>
+              <a:gd name="connsiteX0" fmla="*/ 0 w 6126740"/>
+              <a:gd name="connsiteY0" fmla="*/ 0 h 6857542"/>
+              <a:gd name="connsiteX1" fmla="*/ 4980067 w 6126740"/>
+              <a:gd name="connsiteY1" fmla="*/ 0 h 6857542"/>
+              <a:gd name="connsiteX2" fmla="*/ 4992714 w 6126740"/>
+              <a:gd name="connsiteY2" fmla="*/ 31774 h 6857542"/>
+              <a:gd name="connsiteX3" fmla="*/ 6047722 w 6126740"/>
+              <a:gd name="connsiteY3" fmla="*/ 2682457 h 6857542"/>
+              <a:gd name="connsiteX4" fmla="*/ 6047722 w 6126740"/>
+              <a:gd name="connsiteY4" fmla="*/ 3752208 h 6857542"/>
+              <a:gd name="connsiteX5" fmla="*/ 4890218 w 6126740"/>
+              <a:gd name="connsiteY5" fmla="*/ 6660411 h 6857542"/>
+              <a:gd name="connsiteX6" fmla="*/ 4811756 w 6126740"/>
+              <a:gd name="connsiteY6" fmla="*/ 6857542 h 6857542"/>
+              <a:gd name="connsiteX7" fmla="*/ 0 w 6126740"/>
+              <a:gd name="connsiteY7" fmla="*/ 6857542 h 6857542"/>
             </a:gdLst>
             <a:ahLst/>
             <a:cxnLst>
@@ -13452,52 +13241,53 @@
               <a:cxn ang="0">
                 <a:pos x="connsiteX6" y="connsiteY6"/>
               </a:cxn>
+              <a:cxn ang="0">
+                <a:pos x="connsiteX7" y="connsiteY7"/>
+              </a:cxn>
             </a:cxnLst>
             <a:rect l="l" t="t" r="r" b="b"/>
             <a:pathLst>
-              <a:path w="4959047" h="6858000">
+              <a:path w="6126740" h="6857542">
                 <a:moveTo>
                   <a:pt x="0" y="0"/>
                 </a:moveTo>
                 <a:lnTo>
-                  <a:pt x="4110127" y="0"/>
+                  <a:pt x="4980067" y="0"/>
                 </a:lnTo>
                 <a:lnTo>
-                  <a:pt x="4179024" y="123368"/>
+                  <a:pt x="4992714" y="31774"/>
                 </a:lnTo>
                 <a:cubicBezTo>
-                  <a:pt x="4668929" y="1045156"/>
-                  <a:pt x="4959047" y="2189404"/>
-                  <a:pt x="4959047" y="3429000"/>
-                </a:cubicBezTo>
-                <a:cubicBezTo>
-                  <a:pt x="4959047" y="4668597"/>
-                  <a:pt x="4668929" y="5812845"/>
-                  <a:pt x="4179024" y="6734633"/>
+                  <a:pt x="6047722" y="2682457"/>
+                  <a:pt x="6047722" y="2682457"/>
+                  <a:pt x="6047722" y="2682457"/>
+                </a:cubicBezTo>
+                <a:cubicBezTo>
+                  <a:pt x="6153080" y="2988100"/>
+                  <a:pt x="6153080" y="3446565"/>
+                  <a:pt x="6047722" y="3752208"/>
+                </a:cubicBezTo>
+                <a:cubicBezTo>
+                  <a:pt x="5563735" y="4968215"/>
+                  <a:pt x="5185620" y="5918220"/>
+                  <a:pt x="4890218" y="6660411"/>
                 </a:cubicBezTo>
                 <a:lnTo>
-                  <a:pt x="4110127" y="6858000"/>
+                  <a:pt x="4811756" y="6857542"/>
                 </a:lnTo>
                 <a:lnTo>
-                  <a:pt x="0" y="6858000"/>
+                  <a:pt x="0" y="6857542"/>
                 </a:lnTo>
                 <a:close/>
               </a:path>
             </a:pathLst>
           </a:custGeom>
-          <a:ln w="9525">
-            <a:solidFill>
-              <a:srgbClr val="E6E6E6"/>
-            </a:solidFill>
+          <a:solidFill>
+            <a:schemeClr val="tx1"/>
+          </a:solidFill>
+          <a:ln>
+            <a:noFill/>
           </a:ln>
-          <a:effectLst>
-            <a:outerShdw blurRad="76200" dist="38100" algn="l" rotWithShape="0">
-              <a:schemeClr val="bg1">
-                <a:lumMod val="85000"/>
-                <a:alpha val="50000"/>
-              </a:schemeClr>
-            </a:outerShdw>
-          </a:effectLst>
         </p:spPr>
         <p:style>
           <a:lnRef idx="2">
@@ -13521,200 +13311,8 @@
           </a:bodyPr>
           <a:lstStyle/>
           <a:p>
-            <a:pPr marL="0" marR="0" lvl="0" indent="0" algn="ctr" defTabSz="914400" rtl="0" eaLnBrk="1" fontAlgn="auto" latinLnBrk="0" hangingPunct="1">
-              <a:lnSpc>
-                <a:spcPct val="100000"/>
-              </a:lnSpc>
-              <a:spcBef>
-                <a:spcPts val="0"/>
-              </a:spcBef>
-              <a:spcAft>
-                <a:spcPts val="0"/>
-              </a:spcAft>
-              <a:buClrTx/>
-              <a:buSzTx/>
-              <a:buFontTx/>
-              <a:buNone/>
-              <a:tabLst/>
-              <a:defRPr/>
-            </a:pPr>
-            <a:endParaRPr kumimoji="0" lang="en-US" sz="1800" b="0" i="0" u="none" strike="noStrike" kern="1200" cap="none" spc="0" normalizeH="0" baseline="0" noProof="0">
-              <a:ln>
-                <a:noFill/>
-              </a:ln>
-              <a:solidFill>
-                <a:prstClr val="white"/>
-              </a:solidFill>
-              <a:effectLst/>
-              <a:uLnTx/>
-              <a:uFillTx/>
-              <a:latin typeface="Calibri" panose="020F0502020204030204"/>
-              <a:ea typeface="+mn-ea"/>
-              <a:cs typeface="+mn-cs"/>
-            </a:endParaRPr>
-          </a:p>
-        </p:txBody>
-      </p:sp>
-      <p:sp useBgFill="1">
-        <p:nvSpPr>
-          <p:cNvPr id="51" name="Freeform: Shape 44">
-            <a:extLst>
-              <a:ext uri="{FF2B5EF4-FFF2-40B4-BE49-F238E27FC236}">
-                <a16:creationId xmlns:a16="http://schemas.microsoft.com/office/drawing/2014/main" id="{84D4DDB8-B68F-45B0-9F62-C4279996F672}"/>
-              </a:ext>
-              <a:ext uri="{C183D7F6-B498-43B3-948B-1728B52AA6E4}">
-                <adec:decorative xmlns:adec="http://schemas.microsoft.com/office/drawing/2017/decorative" val="1"/>
-              </a:ext>
-            </a:extLst>
-          </p:cNvPr>
-          <p:cNvSpPr>
-            <a:spLocks noGrp="1" noRot="1" noChangeAspect="1" noMove="1" noResize="1" noEditPoints="1" noAdjustHandles="1" noChangeArrowheads="1" noChangeShapeType="1" noTextEdit="1"/>
-          </p:cNvSpPr>
-          <p:nvPr>
-            <p:extLst>
-              <p:ext uri="{386F3935-93C4-4BCD-93E2-E3B085C9AB24}">
-                <p16:designElem xmlns:p16="http://schemas.microsoft.com/office/powerpoint/2015/main" val="1"/>
-              </p:ext>
-            </p:extLst>
-          </p:nvPr>
-        </p:nvSpPr>
-        <p:spPr>
-          <a:xfrm>
-            <a:off x="0" y="0"/>
-            <a:ext cx="4948887" cy="6858000"/>
-          </a:xfrm>
-          <a:custGeom>
-            <a:avLst/>
-            <a:gdLst>
-              <a:gd name="connsiteX0" fmla="*/ 0 w 4948887"/>
-              <a:gd name="connsiteY0" fmla="*/ 0 h 6858000"/>
-              <a:gd name="connsiteX1" fmla="*/ 4099967 w 4948887"/>
-              <a:gd name="connsiteY1" fmla="*/ 0 h 6858000"/>
-              <a:gd name="connsiteX2" fmla="*/ 4168864 w 4948887"/>
-              <a:gd name="connsiteY2" fmla="*/ 123368 h 6858000"/>
-              <a:gd name="connsiteX3" fmla="*/ 4948887 w 4948887"/>
-              <a:gd name="connsiteY3" fmla="*/ 3429000 h 6858000"/>
-              <a:gd name="connsiteX4" fmla="*/ 4168864 w 4948887"/>
-              <a:gd name="connsiteY4" fmla="*/ 6734633 h 6858000"/>
-              <a:gd name="connsiteX5" fmla="*/ 4099967 w 4948887"/>
-              <a:gd name="connsiteY5" fmla="*/ 6858000 h 6858000"/>
-              <a:gd name="connsiteX6" fmla="*/ 0 w 4948887"/>
-              <a:gd name="connsiteY6" fmla="*/ 6858000 h 6858000"/>
-            </a:gdLst>
-            <a:ahLst/>
-            <a:cxnLst>
-              <a:cxn ang="0">
-                <a:pos x="connsiteX0" y="connsiteY0"/>
-              </a:cxn>
-              <a:cxn ang="0">
-                <a:pos x="connsiteX1" y="connsiteY1"/>
-              </a:cxn>
-              <a:cxn ang="0">
-                <a:pos x="connsiteX2" y="connsiteY2"/>
-              </a:cxn>
-              <a:cxn ang="0">
-                <a:pos x="connsiteX3" y="connsiteY3"/>
-              </a:cxn>
-              <a:cxn ang="0">
-                <a:pos x="connsiteX4" y="connsiteY4"/>
-              </a:cxn>
-              <a:cxn ang="0">
-                <a:pos x="connsiteX5" y="connsiteY5"/>
-              </a:cxn>
-              <a:cxn ang="0">
-                <a:pos x="connsiteX6" y="connsiteY6"/>
-              </a:cxn>
-            </a:cxnLst>
-            <a:rect l="l" t="t" r="r" b="b"/>
-            <a:pathLst>
-              <a:path w="4948887" h="6858000">
-                <a:moveTo>
-                  <a:pt x="0" y="0"/>
-                </a:moveTo>
-                <a:lnTo>
-                  <a:pt x="4099967" y="0"/>
-                </a:lnTo>
-                <a:lnTo>
-                  <a:pt x="4168864" y="123368"/>
-                </a:lnTo>
-                <a:cubicBezTo>
-                  <a:pt x="4658769" y="1045156"/>
-                  <a:pt x="4948887" y="2189404"/>
-                  <a:pt x="4948887" y="3429000"/>
-                </a:cubicBezTo>
-                <a:cubicBezTo>
-                  <a:pt x="4948887" y="4668597"/>
-                  <a:pt x="4658769" y="5812845"/>
-                  <a:pt x="4168864" y="6734633"/>
-                </a:cubicBezTo>
-                <a:lnTo>
-                  <a:pt x="4099967" y="6858000"/>
-                </a:lnTo>
-                <a:lnTo>
-                  <a:pt x="0" y="6858000"/>
-                </a:lnTo>
-                <a:close/>
-              </a:path>
-            </a:pathLst>
-          </a:custGeom>
-          <a:ln w="9525">
-            <a:noFill/>
-          </a:ln>
-          <a:effectLst/>
-        </p:spPr>
-        <p:style>
-          <a:lnRef idx="2">
-            <a:schemeClr val="accent1">
-              <a:shade val="50000"/>
-            </a:schemeClr>
-          </a:lnRef>
-          <a:fillRef idx="1">
-            <a:schemeClr val="accent1"/>
-          </a:fillRef>
-          <a:effectRef idx="0">
-            <a:schemeClr val="accent1"/>
-          </a:effectRef>
-          <a:fontRef idx="minor">
-            <a:schemeClr val="lt1"/>
-          </a:fontRef>
-        </p:style>
-        <p:txBody>
-          <a:bodyPr wrap="square" rtlCol="0" anchor="ctr">
-            <a:noAutofit/>
-          </a:bodyPr>
-          <a:lstStyle/>
-          <a:p>
-            <a:pPr marL="0" marR="0" lvl="0" indent="0" algn="ctr" defTabSz="914400" rtl="0" eaLnBrk="1" fontAlgn="auto" latinLnBrk="0" hangingPunct="1">
-              <a:lnSpc>
-                <a:spcPct val="100000"/>
-              </a:lnSpc>
-              <a:spcBef>
-                <a:spcPts val="0"/>
-              </a:spcBef>
-              <a:spcAft>
-                <a:spcPts val="0"/>
-              </a:spcAft>
-              <a:buClrTx/>
-              <a:buSzTx/>
-              <a:buFontTx/>
-              <a:buNone/>
-              <a:tabLst/>
-              <a:defRPr/>
-            </a:pPr>
-            <a:endParaRPr kumimoji="0" lang="en-US" sz="1800" b="0" i="0" u="none" strike="noStrike" kern="1200" cap="none" spc="0" normalizeH="0" baseline="0" noProof="0">
-              <a:ln>
-                <a:noFill/>
-              </a:ln>
-              <a:solidFill>
-                <a:prstClr val="white"/>
-              </a:solidFill>
-              <a:effectLst/>
-              <a:uLnTx/>
-              <a:uFillTx/>
-              <a:latin typeface="Calibri" panose="020F0502020204030204"/>
-              <a:ea typeface="+mn-ea"/>
-              <a:cs typeface="+mn-cs"/>
-            </a:endParaRPr>
+            <a:pPr algn="ctr"/>
+            <a:endParaRPr lang="en-US"/>
           </a:p>
         </p:txBody>
       </p:sp>
@@ -13736,8 +13334,8 @@
         </p:nvSpPr>
         <p:spPr>
           <a:xfrm>
-            <a:off x="477981" y="1122363"/>
-            <a:ext cx="4023360" cy="3204134"/>
+            <a:off x="767290" y="1030286"/>
+            <a:ext cx="4153626" cy="2174091"/>
           </a:xfrm>
         </p:spPr>
         <p:txBody>
@@ -13747,9 +13345,9 @@
           <a:lstStyle/>
           <a:p>
             <a:r>
-              <a:rPr lang="en-US" sz="4800" kern="1200" dirty="0">
+              <a:rPr lang="en-US" sz="4000" kern="1200" dirty="0">
                 <a:solidFill>
-                  <a:schemeClr val="tx1"/>
+                  <a:schemeClr val="bg1"/>
                 </a:solidFill>
                 <a:latin typeface="+mj-lt"/>
                 <a:ea typeface="+mj-ea"/>
@@ -13760,6 +13358,412 @@
           </a:p>
         </p:txBody>
       </p:sp>
+      <p:grpSp>
+        <p:nvGrpSpPr>
+          <p:cNvPr id="60" name="Group 59">
+            <a:extLst>
+              <a:ext uri="{FF2B5EF4-FFF2-40B4-BE49-F238E27FC236}">
+                <a16:creationId xmlns:a16="http://schemas.microsoft.com/office/drawing/2014/main" id="{C9888C69-11CC-40BA-BABF-F9B7E11C9156}"/>
+              </a:ext>
+              <a:ext uri="{C183D7F6-B498-43B3-948B-1728B52AA6E4}">
+                <adec:decorative xmlns:adec="http://schemas.microsoft.com/office/drawing/2017/decorative" val="1"/>
+              </a:ext>
+            </a:extLst>
+          </p:cNvPr>
+          <p:cNvGrpSpPr>
+            <a:grpSpLocks noGrp="1" noUngrp="1" noRot="1" noChangeAspect="1" noMove="1" noResize="1"/>
+          </p:cNvGrpSpPr>
+          <p:nvPr>
+            <p:extLst>
+              <p:ext uri="{386F3935-93C4-4BCD-93E2-E3B085C9AB24}">
+                <p16:designElem xmlns:p16="http://schemas.microsoft.com/office/powerpoint/2015/main" val="1"/>
+              </p:ext>
+            </p:extLst>
+          </p:nvPr>
+        </p:nvGrpSpPr>
+        <p:grpSpPr>
+          <a:xfrm>
+            <a:off x="640080" y="640080"/>
+            <a:ext cx="1128382" cy="847206"/>
+            <a:chOff x="5307830" y="325570"/>
+            <a:chExt cx="1128382" cy="847206"/>
+          </a:xfrm>
+        </p:grpSpPr>
+        <p:sp>
+          <p:nvSpPr>
+            <p:cNvPr id="61" name="Freeform 5">
+              <a:extLst>
+                <a:ext uri="{FF2B5EF4-FFF2-40B4-BE49-F238E27FC236}">
+                  <a16:creationId xmlns:a16="http://schemas.microsoft.com/office/drawing/2014/main" id="{737D08C8-52AD-4B7E-A217-E28E1AF008C4}"/>
+                </a:ext>
+                <a:ext uri="{C183D7F6-B498-43B3-948B-1728B52AA6E4}">
+                  <adec:decorative xmlns:adec="http://schemas.microsoft.com/office/drawing/2017/decorative" val="1"/>
+                </a:ext>
+              </a:extLst>
+            </p:cNvPr>
+            <p:cNvSpPr>
+              <a:spLocks/>
+            </p:cNvSpPr>
+            <p:nvPr>
+              <p:extLst>
+                <p:ext uri="{386F3935-93C4-4BCD-93E2-E3B085C9AB24}">
+                  <p16:designElem xmlns:p16="http://schemas.microsoft.com/office/powerpoint/2015/main" val="1"/>
+                </p:ext>
+              </p:extLst>
+            </p:nvPr>
+          </p:nvSpPr>
+          <p:spPr bwMode="auto">
+            <a:xfrm>
+              <a:off x="5307830" y="577396"/>
+              <a:ext cx="675351" cy="595380"/>
+            </a:xfrm>
+            <a:custGeom>
+              <a:avLst/>
+              <a:gdLst>
+                <a:gd name="T0" fmla="*/ 225 w 785"/>
+                <a:gd name="T1" fmla="*/ 692 h 692"/>
+                <a:gd name="T2" fmla="*/ 177 w 785"/>
+                <a:gd name="T3" fmla="*/ 665 h 692"/>
+                <a:gd name="T4" fmla="*/ 9 w 785"/>
+                <a:gd name="T5" fmla="*/ 374 h 692"/>
+                <a:gd name="T6" fmla="*/ 9 w 785"/>
+                <a:gd name="T7" fmla="*/ 318 h 692"/>
+                <a:gd name="T8" fmla="*/ 177 w 785"/>
+                <a:gd name="T9" fmla="*/ 27 h 692"/>
+                <a:gd name="T10" fmla="*/ 225 w 785"/>
+                <a:gd name="T11" fmla="*/ 0 h 692"/>
+                <a:gd name="T12" fmla="*/ 561 w 785"/>
+                <a:gd name="T13" fmla="*/ 0 h 692"/>
+                <a:gd name="T14" fmla="*/ 609 w 785"/>
+                <a:gd name="T15" fmla="*/ 27 h 692"/>
+                <a:gd name="T16" fmla="*/ 777 w 785"/>
+                <a:gd name="T17" fmla="*/ 318 h 692"/>
+                <a:gd name="T18" fmla="*/ 777 w 785"/>
+                <a:gd name="T19" fmla="*/ 374 h 692"/>
+                <a:gd name="T20" fmla="*/ 609 w 785"/>
+                <a:gd name="T21" fmla="*/ 665 h 692"/>
+                <a:gd name="T22" fmla="*/ 561 w 785"/>
+                <a:gd name="T23" fmla="*/ 692 h 692"/>
+                <a:gd name="T24" fmla="*/ 225 w 785"/>
+                <a:gd name="T25" fmla="*/ 692 h 692"/>
+              </a:gdLst>
+              <a:ahLst/>
+              <a:cxnLst>
+                <a:cxn ang="0">
+                  <a:pos x="T0" y="T1"/>
+                </a:cxn>
+                <a:cxn ang="0">
+                  <a:pos x="T2" y="T3"/>
+                </a:cxn>
+                <a:cxn ang="0">
+                  <a:pos x="T4" y="T5"/>
+                </a:cxn>
+                <a:cxn ang="0">
+                  <a:pos x="T6" y="T7"/>
+                </a:cxn>
+                <a:cxn ang="0">
+                  <a:pos x="T8" y="T9"/>
+                </a:cxn>
+                <a:cxn ang="0">
+                  <a:pos x="T10" y="T11"/>
+                </a:cxn>
+                <a:cxn ang="0">
+                  <a:pos x="T12" y="T13"/>
+                </a:cxn>
+                <a:cxn ang="0">
+                  <a:pos x="T14" y="T15"/>
+                </a:cxn>
+                <a:cxn ang="0">
+                  <a:pos x="T16" y="T17"/>
+                </a:cxn>
+                <a:cxn ang="0">
+                  <a:pos x="T18" y="T19"/>
+                </a:cxn>
+                <a:cxn ang="0">
+                  <a:pos x="T20" y="T21"/>
+                </a:cxn>
+                <a:cxn ang="0">
+                  <a:pos x="T22" y="T23"/>
+                </a:cxn>
+                <a:cxn ang="0">
+                  <a:pos x="T24" y="T25"/>
+                </a:cxn>
+              </a:cxnLst>
+              <a:rect l="0" t="0" r="r" b="b"/>
+              <a:pathLst>
+                <a:path w="785" h="692">
+                  <a:moveTo>
+                    <a:pt x="225" y="692"/>
+                  </a:moveTo>
+                  <a:cubicBezTo>
+                    <a:pt x="207" y="692"/>
+                    <a:pt x="185" y="680"/>
+                    <a:pt x="177" y="665"/>
+                  </a:cubicBezTo>
+                  <a:cubicBezTo>
+                    <a:pt x="9" y="374"/>
+                    <a:pt x="9" y="374"/>
+                    <a:pt x="9" y="374"/>
+                  </a:cubicBezTo>
+                  <a:cubicBezTo>
+                    <a:pt x="0" y="358"/>
+                    <a:pt x="0" y="334"/>
+                    <a:pt x="9" y="318"/>
+                  </a:cubicBezTo>
+                  <a:cubicBezTo>
+                    <a:pt x="177" y="27"/>
+                    <a:pt x="177" y="27"/>
+                    <a:pt x="177" y="27"/>
+                  </a:cubicBezTo>
+                  <a:cubicBezTo>
+                    <a:pt x="185" y="12"/>
+                    <a:pt x="207" y="0"/>
+                    <a:pt x="225" y="0"/>
+                  </a:cubicBezTo>
+                  <a:cubicBezTo>
+                    <a:pt x="561" y="0"/>
+                    <a:pt x="561" y="0"/>
+                    <a:pt x="561" y="0"/>
+                  </a:cubicBezTo>
+                  <a:cubicBezTo>
+                    <a:pt x="578" y="0"/>
+                    <a:pt x="600" y="12"/>
+                    <a:pt x="609" y="27"/>
+                  </a:cubicBezTo>
+                  <a:cubicBezTo>
+                    <a:pt x="777" y="318"/>
+                    <a:pt x="777" y="318"/>
+                    <a:pt x="777" y="318"/>
+                  </a:cubicBezTo>
+                  <a:cubicBezTo>
+                    <a:pt x="785" y="334"/>
+                    <a:pt x="785" y="358"/>
+                    <a:pt x="777" y="374"/>
+                  </a:cubicBezTo>
+                  <a:cubicBezTo>
+                    <a:pt x="609" y="665"/>
+                    <a:pt x="609" y="665"/>
+                    <a:pt x="609" y="665"/>
+                  </a:cubicBezTo>
+                  <a:cubicBezTo>
+                    <a:pt x="600" y="680"/>
+                    <a:pt x="578" y="692"/>
+                    <a:pt x="561" y="692"/>
+                  </a:cubicBezTo>
+                  <a:lnTo>
+                    <a:pt x="225" y="692"/>
+                  </a:lnTo>
+                  <a:close/>
+                </a:path>
+              </a:pathLst>
+            </a:custGeom>
+            <a:noFill/>
+            <a:ln w="28575" cmpd="sng">
+              <a:solidFill>
+                <a:schemeClr val="bg1"/>
+              </a:solidFill>
+            </a:ln>
+          </p:spPr>
+          <p:txBody>
+            <a:bodyPr vert="horz" wrap="square" lIns="91440" tIns="45720" rIns="91440" bIns="45720" numCol="1" anchor="t" anchorCtr="0" compatLnSpc="1">
+              <a:prstTxWarp prst="textNoShape">
+                <a:avLst/>
+              </a:prstTxWarp>
+            </a:bodyPr>
+            <a:lstStyle/>
+            <a:p>
+              <a:endParaRPr lang="en-US"/>
+            </a:p>
+          </p:txBody>
+        </p:sp>
+        <p:sp>
+          <p:nvSpPr>
+            <p:cNvPr id="62" name="Freeform 5">
+              <a:extLst>
+                <a:ext uri="{FF2B5EF4-FFF2-40B4-BE49-F238E27FC236}">
+                  <a16:creationId xmlns:a16="http://schemas.microsoft.com/office/drawing/2014/main" id="{0ED11528-93DA-433F-9B3C-21106EFDBB66}"/>
+                </a:ext>
+                <a:ext uri="{C183D7F6-B498-43B3-948B-1728B52AA6E4}">
+                  <adec:decorative xmlns:adec="http://schemas.microsoft.com/office/drawing/2017/decorative" val="1"/>
+                </a:ext>
+              </a:extLst>
+            </p:cNvPr>
+            <p:cNvSpPr>
+              <a:spLocks/>
+            </p:cNvSpPr>
+            <p:nvPr>
+              <p:extLst>
+                <p:ext uri="{386F3935-93C4-4BCD-93E2-E3B085C9AB24}">
+                  <p16:designElem xmlns:p16="http://schemas.microsoft.com/office/powerpoint/2015/main" val="1"/>
+                </p:ext>
+              </p:extLst>
+            </p:nvPr>
+          </p:nvSpPr>
+          <p:spPr bwMode="auto">
+            <a:xfrm>
+              <a:off x="5885720" y="325570"/>
+              <a:ext cx="550492" cy="485306"/>
+            </a:xfrm>
+            <a:custGeom>
+              <a:avLst/>
+              <a:gdLst>
+                <a:gd name="T0" fmla="*/ 225 w 785"/>
+                <a:gd name="T1" fmla="*/ 692 h 692"/>
+                <a:gd name="T2" fmla="*/ 177 w 785"/>
+                <a:gd name="T3" fmla="*/ 665 h 692"/>
+                <a:gd name="T4" fmla="*/ 9 w 785"/>
+                <a:gd name="T5" fmla="*/ 374 h 692"/>
+                <a:gd name="T6" fmla="*/ 9 w 785"/>
+                <a:gd name="T7" fmla="*/ 318 h 692"/>
+                <a:gd name="T8" fmla="*/ 177 w 785"/>
+                <a:gd name="T9" fmla="*/ 27 h 692"/>
+                <a:gd name="T10" fmla="*/ 225 w 785"/>
+                <a:gd name="T11" fmla="*/ 0 h 692"/>
+                <a:gd name="T12" fmla="*/ 561 w 785"/>
+                <a:gd name="T13" fmla="*/ 0 h 692"/>
+                <a:gd name="T14" fmla="*/ 609 w 785"/>
+                <a:gd name="T15" fmla="*/ 27 h 692"/>
+                <a:gd name="T16" fmla="*/ 777 w 785"/>
+                <a:gd name="T17" fmla="*/ 318 h 692"/>
+                <a:gd name="T18" fmla="*/ 777 w 785"/>
+                <a:gd name="T19" fmla="*/ 374 h 692"/>
+                <a:gd name="T20" fmla="*/ 609 w 785"/>
+                <a:gd name="T21" fmla="*/ 665 h 692"/>
+                <a:gd name="T22" fmla="*/ 561 w 785"/>
+                <a:gd name="T23" fmla="*/ 692 h 692"/>
+                <a:gd name="T24" fmla="*/ 225 w 785"/>
+                <a:gd name="T25" fmla="*/ 692 h 692"/>
+              </a:gdLst>
+              <a:ahLst/>
+              <a:cxnLst>
+                <a:cxn ang="0">
+                  <a:pos x="T0" y="T1"/>
+                </a:cxn>
+                <a:cxn ang="0">
+                  <a:pos x="T2" y="T3"/>
+                </a:cxn>
+                <a:cxn ang="0">
+                  <a:pos x="T4" y="T5"/>
+                </a:cxn>
+                <a:cxn ang="0">
+                  <a:pos x="T6" y="T7"/>
+                </a:cxn>
+                <a:cxn ang="0">
+                  <a:pos x="T8" y="T9"/>
+                </a:cxn>
+                <a:cxn ang="0">
+                  <a:pos x="T10" y="T11"/>
+                </a:cxn>
+                <a:cxn ang="0">
+                  <a:pos x="T12" y="T13"/>
+                </a:cxn>
+                <a:cxn ang="0">
+                  <a:pos x="T14" y="T15"/>
+                </a:cxn>
+                <a:cxn ang="0">
+                  <a:pos x="T16" y="T17"/>
+                </a:cxn>
+                <a:cxn ang="0">
+                  <a:pos x="T18" y="T19"/>
+                </a:cxn>
+                <a:cxn ang="0">
+                  <a:pos x="T20" y="T21"/>
+                </a:cxn>
+                <a:cxn ang="0">
+                  <a:pos x="T22" y="T23"/>
+                </a:cxn>
+                <a:cxn ang="0">
+                  <a:pos x="T24" y="T25"/>
+                </a:cxn>
+              </a:cxnLst>
+              <a:rect l="0" t="0" r="r" b="b"/>
+              <a:pathLst>
+                <a:path w="785" h="692">
+                  <a:moveTo>
+                    <a:pt x="225" y="692"/>
+                  </a:moveTo>
+                  <a:cubicBezTo>
+                    <a:pt x="207" y="692"/>
+                    <a:pt x="185" y="680"/>
+                    <a:pt x="177" y="665"/>
+                  </a:cubicBezTo>
+                  <a:cubicBezTo>
+                    <a:pt x="9" y="374"/>
+                    <a:pt x="9" y="374"/>
+                    <a:pt x="9" y="374"/>
+                  </a:cubicBezTo>
+                  <a:cubicBezTo>
+                    <a:pt x="0" y="358"/>
+                    <a:pt x="0" y="334"/>
+                    <a:pt x="9" y="318"/>
+                  </a:cubicBezTo>
+                  <a:cubicBezTo>
+                    <a:pt x="177" y="27"/>
+                    <a:pt x="177" y="27"/>
+                    <a:pt x="177" y="27"/>
+                  </a:cubicBezTo>
+                  <a:cubicBezTo>
+                    <a:pt x="185" y="12"/>
+                    <a:pt x="207" y="0"/>
+                    <a:pt x="225" y="0"/>
+                  </a:cubicBezTo>
+                  <a:cubicBezTo>
+                    <a:pt x="561" y="0"/>
+                    <a:pt x="561" y="0"/>
+                    <a:pt x="561" y="0"/>
+                  </a:cubicBezTo>
+                  <a:cubicBezTo>
+                    <a:pt x="578" y="0"/>
+                    <a:pt x="600" y="12"/>
+                    <a:pt x="609" y="27"/>
+                  </a:cubicBezTo>
+                  <a:cubicBezTo>
+                    <a:pt x="777" y="318"/>
+                    <a:pt x="777" y="318"/>
+                    <a:pt x="777" y="318"/>
+                  </a:cubicBezTo>
+                  <a:cubicBezTo>
+                    <a:pt x="785" y="334"/>
+                    <a:pt x="785" y="358"/>
+                    <a:pt x="777" y="374"/>
+                  </a:cubicBezTo>
+                  <a:cubicBezTo>
+                    <a:pt x="609" y="665"/>
+                    <a:pt x="609" y="665"/>
+                    <a:pt x="609" y="665"/>
+                  </a:cubicBezTo>
+                  <a:cubicBezTo>
+                    <a:pt x="600" y="680"/>
+                    <a:pt x="578" y="692"/>
+                    <a:pt x="561" y="692"/>
+                  </a:cubicBezTo>
+                  <a:lnTo>
+                    <a:pt x="225" y="692"/>
+                  </a:lnTo>
+                  <a:close/>
+                </a:path>
+              </a:pathLst>
+            </a:custGeom>
+            <a:noFill/>
+            <a:ln w="28575" cmpd="sng">
+              <a:solidFill>
+                <a:schemeClr val="bg1"/>
+              </a:solidFill>
+            </a:ln>
+          </p:spPr>
+          <p:txBody>
+            <a:bodyPr vert="horz" wrap="square" lIns="91440" tIns="45720" rIns="91440" bIns="45720" numCol="1" anchor="t" anchorCtr="0" compatLnSpc="1">
+              <a:prstTxWarp prst="textNoShape">
+                <a:avLst/>
+              </a:prstTxWarp>
+            </a:bodyPr>
+            <a:lstStyle/>
+            <a:p>
+              <a:endParaRPr lang="en-US"/>
+            </a:p>
+          </p:txBody>
+        </p:sp>
+      </p:grpSp>
       <p:sp>
         <p:nvSpPr>
           <p:cNvPr id="13" name="Content Placeholder 12">
@@ -13778,182 +13782,25 @@
         </p:nvSpPr>
         <p:spPr>
           <a:xfrm>
-            <a:off x="477981" y="4872922"/>
-            <a:ext cx="3206252" cy="1420281"/>
+            <a:off x="767290" y="3428999"/>
+            <a:ext cx="3760322" cy="2741213"/>
           </a:xfrm>
         </p:spPr>
         <p:txBody>
-          <a:bodyPr vert="horz" lIns="91440" tIns="45720" rIns="91440" bIns="45720" rtlCol="0">
-            <a:normAutofit lnSpcReduction="10000"/>
+          <a:bodyPr vert="horz" lIns="91440" tIns="45720" rIns="91440" bIns="45720" rtlCol="0" anchor="t">
+            <a:normAutofit/>
           </a:bodyPr>
           <a:lstStyle/>
           <a:p>
             <a:pPr marL="285750" indent="-285750" algn="just"/>
             <a:r>
-              <a:rPr lang="en-US" sz="2000" dirty="0"/>
+              <a:rPr lang="en-US" sz="2000" dirty="0">
+                <a:solidFill>
+                  <a:schemeClr val="bg1"/>
+                </a:solidFill>
+              </a:rPr>
               <a:t>Armed Career Offender status is applied in only 2% of cases, but increases sentences an average of by 25.3 years</a:t>
             </a:r>
-          </a:p>
-        </p:txBody>
-      </p:sp>
-      <p:sp>
-        <p:nvSpPr>
-          <p:cNvPr id="47" name="Rectangle 46">
-            <a:extLst>
-              <a:ext uri="{FF2B5EF4-FFF2-40B4-BE49-F238E27FC236}">
-                <a16:creationId xmlns:a16="http://schemas.microsoft.com/office/drawing/2014/main" id="{AF2F604E-43BE-4DC3-B983-E071523364F8}"/>
-              </a:ext>
-              <a:ext uri="{C183D7F6-B498-43B3-948B-1728B52AA6E4}">
-                <adec:decorative xmlns:adec="http://schemas.microsoft.com/office/drawing/2017/decorative" val="1"/>
-              </a:ext>
-            </a:extLst>
-          </p:cNvPr>
-          <p:cNvSpPr>
-            <a:spLocks noGrp="1" noRot="1" noChangeAspect="1" noMove="1" noResize="1" noEditPoints="1" noAdjustHandles="1" noChangeArrowheads="1" noChangeShapeType="1" noTextEdit="1"/>
-          </p:cNvSpPr>
-          <p:nvPr>
-            <p:extLst>
-              <p:ext uri="{386F3935-93C4-4BCD-93E2-E3B085C9AB24}">
-                <p16:designElem xmlns:p16="http://schemas.microsoft.com/office/powerpoint/2015/main" val="1"/>
-              </p:ext>
-            </p:extLst>
-          </p:nvPr>
-        </p:nvSpPr>
-        <p:spPr>
-          <a:xfrm rot="5400000">
-            <a:off x="759921" y="346791"/>
-            <a:ext cx="146304" cy="704088"/>
-          </a:xfrm>
-          <a:prstGeom prst="rect">
-            <a:avLst/>
-          </a:prstGeom>
-          <a:solidFill>
-            <a:schemeClr val="accent2"/>
-          </a:solidFill>
-          <a:ln>
-            <a:noFill/>
-          </a:ln>
-        </p:spPr>
-        <p:style>
-          <a:lnRef idx="2">
-            <a:schemeClr val="accent1">
-              <a:shade val="50000"/>
-            </a:schemeClr>
-          </a:lnRef>
-          <a:fillRef idx="1">
-            <a:schemeClr val="accent1"/>
-          </a:fillRef>
-          <a:effectRef idx="0">
-            <a:schemeClr val="accent1"/>
-          </a:effectRef>
-          <a:fontRef idx="minor">
-            <a:schemeClr val="lt1"/>
-          </a:fontRef>
-        </p:style>
-        <p:txBody>
-          <a:bodyPr rtlCol="0" anchor="ctr"/>
-          <a:lstStyle/>
-          <a:p>
-            <a:pPr algn="ctr"/>
-            <a:endParaRPr lang="en-US">
-              <a:solidFill>
-                <a:prstClr val="white"/>
-              </a:solidFill>
-              <a:latin typeface="Calibri" panose="020F0502020204030204"/>
-            </a:endParaRPr>
-          </a:p>
-        </p:txBody>
-      </p:sp>
-      <p:sp>
-        <p:nvSpPr>
-          <p:cNvPr id="49" name="Rectangle 48">
-            <a:extLst>
-              <a:ext uri="{FF2B5EF4-FFF2-40B4-BE49-F238E27FC236}">
-                <a16:creationId xmlns:a16="http://schemas.microsoft.com/office/drawing/2014/main" id="{08C9B587-E65E-4B52-B37C-ABEBB6E87928}"/>
-              </a:ext>
-              <a:ext uri="{C183D7F6-B498-43B3-948B-1728B52AA6E4}">
-                <adec:decorative xmlns:adec="http://schemas.microsoft.com/office/drawing/2017/decorative" val="1"/>
-              </a:ext>
-            </a:extLst>
-          </p:cNvPr>
-          <p:cNvSpPr>
-            <a:spLocks noGrp="1" noRot="1" noChangeAspect="1" noMove="1" noResize="1" noEditPoints="1" noAdjustHandles="1" noChangeArrowheads="1" noChangeShapeType="1" noTextEdit="1"/>
-          </p:cNvSpPr>
-          <p:nvPr>
-            <p:extLst>
-              <p:ext uri="{386F3935-93C4-4BCD-93E2-E3B085C9AB24}">
-                <p16:designElem xmlns:p16="http://schemas.microsoft.com/office/powerpoint/2015/main" val="1"/>
-              </p:ext>
-            </p:extLst>
-          </p:nvPr>
-        </p:nvSpPr>
-        <p:spPr>
-          <a:xfrm>
-            <a:off x="481029" y="4546920"/>
-            <a:ext cx="4023360" cy="18288"/>
-          </a:xfrm>
-          <a:prstGeom prst="rect">
-            <a:avLst/>
-          </a:prstGeom>
-          <a:solidFill>
-            <a:srgbClr val="D5D5D5"/>
-          </a:solidFill>
-          <a:ln w="3175">
-            <a:noFill/>
-          </a:ln>
-          <a:effectLst/>
-        </p:spPr>
-        <p:style>
-          <a:lnRef idx="2">
-            <a:schemeClr val="accent1">
-              <a:shade val="50000"/>
-            </a:schemeClr>
-          </a:lnRef>
-          <a:fillRef idx="1">
-            <a:schemeClr val="accent1"/>
-          </a:fillRef>
-          <a:effectRef idx="0">
-            <a:schemeClr val="accent1"/>
-          </a:effectRef>
-          <a:fontRef idx="minor">
-            <a:schemeClr val="lt1"/>
-          </a:fontRef>
-        </p:style>
-        <p:txBody>
-          <a:bodyPr rtlCol="0" anchor="ctr"/>
-          <a:lstStyle/>
-          <a:p>
-            <a:pPr marL="0" marR="0" lvl="0" indent="0" algn="ctr" defTabSz="914400" rtl="0" eaLnBrk="1" fontAlgn="auto" latinLnBrk="0" hangingPunct="1">
-              <a:lnSpc>
-                <a:spcPct val="100000"/>
-              </a:lnSpc>
-              <a:spcBef>
-                <a:spcPts val="0"/>
-              </a:spcBef>
-              <a:spcAft>
-                <a:spcPts val="0"/>
-              </a:spcAft>
-              <a:buClrTx/>
-              <a:buSzTx/>
-              <a:buFontTx/>
-              <a:buNone/>
-              <a:tabLst/>
-              <a:defRPr/>
-            </a:pPr>
-            <a:endParaRPr kumimoji="0" lang="en-US" sz="1800" b="0" i="0" u="none" strike="noStrike" kern="1200" cap="none" spc="0" normalizeH="0" baseline="0" noProof="0">
-              <a:ln>
-                <a:noFill/>
-              </a:ln>
-              <a:solidFill>
-                <a:prstClr val="white"/>
-              </a:solidFill>
-              <a:effectLst/>
-              <a:uLnTx/>
-              <a:uFillTx/>
-              <a:latin typeface="Calibri" panose="020F0502020204030204"/>
-              <a:ea typeface="+mn-ea"/>
-              <a:cs typeface="+mn-cs"/>
-            </a:endParaRPr>
           </a:p>
         </p:txBody>
       </p:sp>
@@ -13984,8 +13831,8 @@
         </p:blipFill>
         <p:spPr>
           <a:xfrm>
-            <a:off x="5414356" y="1349248"/>
-            <a:ext cx="6408835" cy="4008250"/>
+            <a:off x="6645576" y="1851309"/>
+            <a:ext cx="5047880" cy="3154924"/>
           </a:xfrm>
           <a:prstGeom prst="rect">
             <a:avLst/>
@@ -14006,8 +13853,8 @@
         </p:nvSpPr>
         <p:spPr>
           <a:xfrm>
-            <a:off x="7007867" y="2459504"/>
-            <a:ext cx="1496940" cy="1785104"/>
+            <a:off x="6645576" y="894553"/>
+            <a:ext cx="5047880" cy="461665"/>
           </a:xfrm>
           <a:prstGeom prst="rect">
             <a:avLst/>
@@ -14020,25 +13867,14 @@
           </a:bodyPr>
           <a:lstStyle/>
           <a:p>
-            <a:pPr algn="ctr"/>
+            <a:pPr algn="ctr">
+              <a:spcAft>
+                <a:spcPts val="600"/>
+              </a:spcAft>
+            </a:pPr>
             <a:r>
-              <a:rPr lang="en-US" sz="2200" dirty="0">
-                <a:solidFill>
-                  <a:srgbClr val="595959"/>
-                </a:solidFill>
-              </a:rPr>
-              <a:t>Armed Career Offender Status</a:t>
-            </a:r>
-          </a:p>
-          <a:p>
-            <a:pPr algn="ctr"/>
-            <a:r>
-              <a:rPr lang="en-US" sz="2200" dirty="0">
-                <a:solidFill>
-                  <a:srgbClr val="595959"/>
-                </a:solidFill>
-              </a:rPr>
-              <a:t>Applied</a:t>
+              <a:rPr lang="en-US" sz="2400" dirty="0"/>
+              <a:t>Armed Career Offender Status Applied</a:t>
             </a:r>
           </a:p>
         </p:txBody>
@@ -14046,7 +13882,7 @@
     </p:spTree>
     <p:extLst>
       <p:ext uri="{BB962C8B-B14F-4D97-AF65-F5344CB8AC3E}">
-        <p14:creationId xmlns:p14="http://schemas.microsoft.com/office/powerpoint/2010/main" val="2302093917"/>
+        <p14:creationId xmlns:p14="http://schemas.microsoft.com/office/powerpoint/2010/main" val="2508452652"/>
       </p:ext>
     </p:extLst>
   </p:cSld>
@@ -14081,64 +13917,12 @@
           <a:chExt cx="0" cy="0"/>
         </a:xfrm>
       </p:grpSpPr>
-      <p:cxnSp>
-        <p:nvCxnSpPr>
-          <p:cNvPr id="14" name="Straight Connector 13">
+      <p:sp useBgFill="1">
+        <p:nvSpPr>
+          <p:cNvPr id="56" name="Rectangle 55">
             <a:extLst>
               <a:ext uri="{FF2B5EF4-FFF2-40B4-BE49-F238E27FC236}">
-                <a16:creationId xmlns:a16="http://schemas.microsoft.com/office/drawing/2014/main" id="{99AE2756-0FC4-4155-83E7-58AAAB63E757}"/>
-              </a:ext>
-              <a:ext uri="{C183D7F6-B498-43B3-948B-1728B52AA6E4}">
-                <adec:decorative xmlns:adec="http://schemas.microsoft.com/office/drawing/2017/decorative" val="1"/>
-              </a:ext>
-            </a:extLst>
-          </p:cNvPr>
-          <p:cNvCxnSpPr>
-            <a:cxnSpLocks noGrp="1" noRot="1" noChangeAspect="1" noMove="1" noResize="1" noEditPoints="1" noAdjustHandles="1" noChangeArrowheads="1" noChangeShapeType="1"/>
-          </p:cNvCxnSpPr>
-          <p:nvPr>
-            <p:extLst>
-              <p:ext uri="{386F3935-93C4-4BCD-93E2-E3B085C9AB24}">
-                <p16:designElem xmlns:p16="http://schemas.microsoft.com/office/powerpoint/2015/main" val="1"/>
-              </p:ext>
-            </p:extLst>
-          </p:nvPr>
-        </p:nvCxnSpPr>
-        <p:spPr>
-          <a:xfrm>
-            <a:off x="4065689" y="477749"/>
-            <a:ext cx="0" cy="3657600"/>
-          </a:xfrm>
-          <a:prstGeom prst="line">
-            <a:avLst/>
-          </a:prstGeom>
-          <a:ln w="101600" cmpd="dbl">
-            <a:solidFill>
-              <a:srgbClr val="595959"/>
-            </a:solidFill>
-          </a:ln>
-        </p:spPr>
-        <p:style>
-          <a:lnRef idx="1">
-            <a:schemeClr val="accent1"/>
-          </a:lnRef>
-          <a:fillRef idx="0">
-            <a:schemeClr val="accent1"/>
-          </a:fillRef>
-          <a:effectRef idx="0">
-            <a:schemeClr val="accent1"/>
-          </a:effectRef>
-          <a:fontRef idx="minor">
-            <a:schemeClr val="tx1"/>
-          </a:fontRef>
-        </p:style>
-      </p:cxnSp>
-      <p:sp>
-        <p:nvSpPr>
-          <p:cNvPr id="16" name="Rectangle 15">
-            <a:extLst>
-              <a:ext uri="{FF2B5EF4-FFF2-40B4-BE49-F238E27FC236}">
-                <a16:creationId xmlns:a16="http://schemas.microsoft.com/office/drawing/2014/main" id="{247AB924-1B87-43FC-B7C7-B112D5C51A0E}"/>
+                <a16:creationId xmlns:a16="http://schemas.microsoft.com/office/drawing/2014/main" id="{33CD251C-A887-4D2F-925B-FC097198538B}"/>
               </a:ext>
               <a:ext uri="{C183D7F6-B498-43B3-948B-1728B52AA6E4}">
                 <adec:decorative xmlns:adec="http://schemas.microsoft.com/office/drawing/2017/decorative" val="1"/>
@@ -14156,21 +13940,16 @@
             </p:extLst>
           </p:nvPr>
         </p:nvSpPr>
-        <p:spPr bwMode="ltGray">
+        <p:spPr>
           <a:xfrm>
-            <a:off x="378068" y="4633546"/>
-            <a:ext cx="11438793" cy="1844256"/>
+            <a:off x="0" y="0"/>
+            <a:ext cx="12192000" cy="6858000"/>
           </a:xfrm>
           <a:prstGeom prst="rect">
             <a:avLst/>
           </a:prstGeom>
-          <a:solidFill>
-            <a:srgbClr val="404040"/>
-          </a:solidFill>
-          <a:ln w="127000" cap="sq" cmpd="thinThick">
-            <a:solidFill>
-              <a:srgbClr val="404040"/>
-            </a:solidFill>
+          <a:ln>
+            <a:noFill/>
           </a:ln>
         </p:spPr>
         <p:style>
@@ -14200,10 +13979,156 @@
       </p:sp>
       <p:sp>
         <p:nvSpPr>
+          <p:cNvPr id="58" name="Freeform: Shape 57">
+            <a:extLst>
+              <a:ext uri="{FF2B5EF4-FFF2-40B4-BE49-F238E27FC236}">
+                <a16:creationId xmlns:a16="http://schemas.microsoft.com/office/drawing/2014/main" id="{3B2069EE-A08E-44F0-B3F9-3CF8CC2DCAD5}"/>
+              </a:ext>
+              <a:ext uri="{C183D7F6-B498-43B3-948B-1728B52AA6E4}">
+                <adec:decorative xmlns:adec="http://schemas.microsoft.com/office/drawing/2017/decorative" val="1"/>
+              </a:ext>
+            </a:extLst>
+          </p:cNvPr>
+          <p:cNvSpPr>
+            <a:spLocks noGrp="1" noRot="1" noChangeAspect="1" noMove="1" noResize="1" noEditPoints="1" noAdjustHandles="1" noChangeArrowheads="1" noChangeShapeType="1" noTextEdit="1"/>
+          </p:cNvSpPr>
+          <p:nvPr>
+            <p:extLst>
+              <p:ext uri="{386F3935-93C4-4BCD-93E2-E3B085C9AB24}">
+                <p16:designElem xmlns:p16="http://schemas.microsoft.com/office/powerpoint/2015/main" val="1"/>
+              </p:ext>
+            </p:extLst>
+          </p:nvPr>
+        </p:nvSpPr>
+        <p:spPr>
+          <a:xfrm>
+            <a:off x="0" y="0"/>
+            <a:ext cx="6126740" cy="6857542"/>
+          </a:xfrm>
+          <a:custGeom>
+            <a:avLst/>
+            <a:gdLst>
+              <a:gd name="connsiteX0" fmla="*/ 0 w 6126740"/>
+              <a:gd name="connsiteY0" fmla="*/ 0 h 6857542"/>
+              <a:gd name="connsiteX1" fmla="*/ 4980067 w 6126740"/>
+              <a:gd name="connsiteY1" fmla="*/ 0 h 6857542"/>
+              <a:gd name="connsiteX2" fmla="*/ 4992714 w 6126740"/>
+              <a:gd name="connsiteY2" fmla="*/ 31774 h 6857542"/>
+              <a:gd name="connsiteX3" fmla="*/ 6047722 w 6126740"/>
+              <a:gd name="connsiteY3" fmla="*/ 2682457 h 6857542"/>
+              <a:gd name="connsiteX4" fmla="*/ 6047722 w 6126740"/>
+              <a:gd name="connsiteY4" fmla="*/ 3752208 h 6857542"/>
+              <a:gd name="connsiteX5" fmla="*/ 4890218 w 6126740"/>
+              <a:gd name="connsiteY5" fmla="*/ 6660411 h 6857542"/>
+              <a:gd name="connsiteX6" fmla="*/ 4811756 w 6126740"/>
+              <a:gd name="connsiteY6" fmla="*/ 6857542 h 6857542"/>
+              <a:gd name="connsiteX7" fmla="*/ 0 w 6126740"/>
+              <a:gd name="connsiteY7" fmla="*/ 6857542 h 6857542"/>
+            </a:gdLst>
+            <a:ahLst/>
+            <a:cxnLst>
+              <a:cxn ang="0">
+                <a:pos x="connsiteX0" y="connsiteY0"/>
+              </a:cxn>
+              <a:cxn ang="0">
+                <a:pos x="connsiteX1" y="connsiteY1"/>
+              </a:cxn>
+              <a:cxn ang="0">
+                <a:pos x="connsiteX2" y="connsiteY2"/>
+              </a:cxn>
+              <a:cxn ang="0">
+                <a:pos x="connsiteX3" y="connsiteY3"/>
+              </a:cxn>
+              <a:cxn ang="0">
+                <a:pos x="connsiteX4" y="connsiteY4"/>
+              </a:cxn>
+              <a:cxn ang="0">
+                <a:pos x="connsiteX5" y="connsiteY5"/>
+              </a:cxn>
+              <a:cxn ang="0">
+                <a:pos x="connsiteX6" y="connsiteY6"/>
+              </a:cxn>
+              <a:cxn ang="0">
+                <a:pos x="connsiteX7" y="connsiteY7"/>
+              </a:cxn>
+            </a:cxnLst>
+            <a:rect l="l" t="t" r="r" b="b"/>
+            <a:pathLst>
+              <a:path w="6126740" h="6857542">
+                <a:moveTo>
+                  <a:pt x="0" y="0"/>
+                </a:moveTo>
+                <a:lnTo>
+                  <a:pt x="4980067" y="0"/>
+                </a:lnTo>
+                <a:lnTo>
+                  <a:pt x="4992714" y="31774"/>
+                </a:lnTo>
+                <a:cubicBezTo>
+                  <a:pt x="6047722" y="2682457"/>
+                  <a:pt x="6047722" y="2682457"/>
+                  <a:pt x="6047722" y="2682457"/>
+                </a:cubicBezTo>
+                <a:cubicBezTo>
+                  <a:pt x="6153080" y="2988100"/>
+                  <a:pt x="6153080" y="3446565"/>
+                  <a:pt x="6047722" y="3752208"/>
+                </a:cubicBezTo>
+                <a:cubicBezTo>
+                  <a:pt x="5563735" y="4968215"/>
+                  <a:pt x="5185620" y="5918220"/>
+                  <a:pt x="4890218" y="6660411"/>
+                </a:cubicBezTo>
+                <a:lnTo>
+                  <a:pt x="4811756" y="6857542"/>
+                </a:lnTo>
+                <a:lnTo>
+                  <a:pt x="0" y="6857542"/>
+                </a:lnTo>
+                <a:close/>
+              </a:path>
+            </a:pathLst>
+          </a:custGeom>
+          <a:solidFill>
+            <a:schemeClr val="tx1"/>
+          </a:solidFill>
+          <a:ln>
+            <a:noFill/>
+          </a:ln>
+        </p:spPr>
+        <p:style>
+          <a:lnRef idx="2">
+            <a:schemeClr val="accent1">
+              <a:shade val="50000"/>
+            </a:schemeClr>
+          </a:lnRef>
+          <a:fillRef idx="1">
+            <a:schemeClr val="accent1"/>
+          </a:fillRef>
+          <a:effectRef idx="0">
+            <a:schemeClr val="accent1"/>
+          </a:effectRef>
+          <a:fontRef idx="minor">
+            <a:schemeClr val="lt1"/>
+          </a:fontRef>
+        </p:style>
+        <p:txBody>
+          <a:bodyPr wrap="square" rtlCol="0" anchor="ctr">
+            <a:noAutofit/>
+          </a:bodyPr>
+          <a:lstStyle/>
+          <a:p>
+            <a:pPr algn="ctr"/>
+            <a:endParaRPr lang="en-US"/>
+          </a:p>
+        </p:txBody>
+      </p:sp>
+      <p:sp>
+        <p:nvSpPr>
           <p:cNvPr id="2" name="Title 1">
             <a:extLst>
               <a:ext uri="{FF2B5EF4-FFF2-40B4-BE49-F238E27FC236}">
-                <a16:creationId xmlns:a16="http://schemas.microsoft.com/office/drawing/2014/main" id="{7B1683AF-88C3-4135-BDC8-9EBD20DC2937}"/>
+                <a16:creationId xmlns:a16="http://schemas.microsoft.com/office/drawing/2014/main" id="{DA7F9311-0C48-4D07-8EB9-6965B2CD7BAD}"/>
               </a:ext>
             </a:extLst>
           </p:cNvPr>
@@ -14216,8 +14141,8 @@
         </p:nvSpPr>
         <p:spPr>
           <a:xfrm>
-            <a:off x="527538" y="4756638"/>
-            <a:ext cx="11139854" cy="930447"/>
+            <a:off x="767290" y="1030286"/>
+            <a:ext cx="4153626" cy="2174091"/>
           </a:xfrm>
         </p:spPr>
         <p:txBody>
@@ -14226,61 +14151,483 @@
           </a:bodyPr>
           <a:lstStyle/>
           <a:p>
-            <a:pPr algn="ctr"/>
             <a:r>
-              <a:rPr lang="en-US" sz="5400" dirty="0">
+              <a:rPr lang="en-US" sz="4000" kern="1200" dirty="0">
                 <a:solidFill>
-                  <a:srgbClr val="FFFFFF"/>
+                  <a:schemeClr val="bg1"/>
+                </a:solidFill>
+                <a:latin typeface="+mj-lt"/>
+                <a:ea typeface="+mj-ea"/>
+                <a:cs typeface="+mj-cs"/>
+              </a:rPr>
+              <a:t>Insights: Sentence Mitigation</a:t>
+            </a:r>
+          </a:p>
+        </p:txBody>
+      </p:sp>
+      <p:grpSp>
+        <p:nvGrpSpPr>
+          <p:cNvPr id="60" name="Group 59">
+            <a:extLst>
+              <a:ext uri="{FF2B5EF4-FFF2-40B4-BE49-F238E27FC236}">
+                <a16:creationId xmlns:a16="http://schemas.microsoft.com/office/drawing/2014/main" id="{C9888C69-11CC-40BA-BABF-F9B7E11C9156}"/>
+              </a:ext>
+              <a:ext uri="{C183D7F6-B498-43B3-948B-1728B52AA6E4}">
+                <adec:decorative xmlns:adec="http://schemas.microsoft.com/office/drawing/2017/decorative" val="1"/>
+              </a:ext>
+            </a:extLst>
+          </p:cNvPr>
+          <p:cNvGrpSpPr>
+            <a:grpSpLocks noGrp="1" noUngrp="1" noRot="1" noChangeAspect="1" noMove="1" noResize="1"/>
+          </p:cNvGrpSpPr>
+          <p:nvPr>
+            <p:extLst>
+              <p:ext uri="{386F3935-93C4-4BCD-93E2-E3B085C9AB24}">
+                <p16:designElem xmlns:p16="http://schemas.microsoft.com/office/powerpoint/2015/main" val="1"/>
+              </p:ext>
+            </p:extLst>
+          </p:nvPr>
+        </p:nvGrpSpPr>
+        <p:grpSpPr>
+          <a:xfrm>
+            <a:off x="640080" y="640080"/>
+            <a:ext cx="1128382" cy="847206"/>
+            <a:chOff x="5307830" y="325570"/>
+            <a:chExt cx="1128382" cy="847206"/>
+          </a:xfrm>
+        </p:grpSpPr>
+        <p:sp>
+          <p:nvSpPr>
+            <p:cNvPr id="61" name="Freeform 5">
+              <a:extLst>
+                <a:ext uri="{FF2B5EF4-FFF2-40B4-BE49-F238E27FC236}">
+                  <a16:creationId xmlns:a16="http://schemas.microsoft.com/office/drawing/2014/main" id="{737D08C8-52AD-4B7E-A217-E28E1AF008C4}"/>
+                </a:ext>
+                <a:ext uri="{C183D7F6-B498-43B3-948B-1728B52AA6E4}">
+                  <adec:decorative xmlns:adec="http://schemas.microsoft.com/office/drawing/2017/decorative" val="1"/>
+                </a:ext>
+              </a:extLst>
+            </p:cNvPr>
+            <p:cNvSpPr>
+              <a:spLocks/>
+            </p:cNvSpPr>
+            <p:nvPr>
+              <p:extLst>
+                <p:ext uri="{386F3935-93C4-4BCD-93E2-E3B085C9AB24}">
+                  <p16:designElem xmlns:p16="http://schemas.microsoft.com/office/powerpoint/2015/main" val="1"/>
+                </p:ext>
+              </p:extLst>
+            </p:nvPr>
+          </p:nvSpPr>
+          <p:spPr bwMode="auto">
+            <a:xfrm>
+              <a:off x="5307830" y="577396"/>
+              <a:ext cx="675351" cy="595380"/>
+            </a:xfrm>
+            <a:custGeom>
+              <a:avLst/>
+              <a:gdLst>
+                <a:gd name="T0" fmla="*/ 225 w 785"/>
+                <a:gd name="T1" fmla="*/ 692 h 692"/>
+                <a:gd name="T2" fmla="*/ 177 w 785"/>
+                <a:gd name="T3" fmla="*/ 665 h 692"/>
+                <a:gd name="T4" fmla="*/ 9 w 785"/>
+                <a:gd name="T5" fmla="*/ 374 h 692"/>
+                <a:gd name="T6" fmla="*/ 9 w 785"/>
+                <a:gd name="T7" fmla="*/ 318 h 692"/>
+                <a:gd name="T8" fmla="*/ 177 w 785"/>
+                <a:gd name="T9" fmla="*/ 27 h 692"/>
+                <a:gd name="T10" fmla="*/ 225 w 785"/>
+                <a:gd name="T11" fmla="*/ 0 h 692"/>
+                <a:gd name="T12" fmla="*/ 561 w 785"/>
+                <a:gd name="T13" fmla="*/ 0 h 692"/>
+                <a:gd name="T14" fmla="*/ 609 w 785"/>
+                <a:gd name="T15" fmla="*/ 27 h 692"/>
+                <a:gd name="T16" fmla="*/ 777 w 785"/>
+                <a:gd name="T17" fmla="*/ 318 h 692"/>
+                <a:gd name="T18" fmla="*/ 777 w 785"/>
+                <a:gd name="T19" fmla="*/ 374 h 692"/>
+                <a:gd name="T20" fmla="*/ 609 w 785"/>
+                <a:gd name="T21" fmla="*/ 665 h 692"/>
+                <a:gd name="T22" fmla="*/ 561 w 785"/>
+                <a:gd name="T23" fmla="*/ 692 h 692"/>
+                <a:gd name="T24" fmla="*/ 225 w 785"/>
+                <a:gd name="T25" fmla="*/ 692 h 692"/>
+              </a:gdLst>
+              <a:ahLst/>
+              <a:cxnLst>
+                <a:cxn ang="0">
+                  <a:pos x="T0" y="T1"/>
+                </a:cxn>
+                <a:cxn ang="0">
+                  <a:pos x="T2" y="T3"/>
+                </a:cxn>
+                <a:cxn ang="0">
+                  <a:pos x="T4" y="T5"/>
+                </a:cxn>
+                <a:cxn ang="0">
+                  <a:pos x="T6" y="T7"/>
+                </a:cxn>
+                <a:cxn ang="0">
+                  <a:pos x="T8" y="T9"/>
+                </a:cxn>
+                <a:cxn ang="0">
+                  <a:pos x="T10" y="T11"/>
+                </a:cxn>
+                <a:cxn ang="0">
+                  <a:pos x="T12" y="T13"/>
+                </a:cxn>
+                <a:cxn ang="0">
+                  <a:pos x="T14" y="T15"/>
+                </a:cxn>
+                <a:cxn ang="0">
+                  <a:pos x="T16" y="T17"/>
+                </a:cxn>
+                <a:cxn ang="0">
+                  <a:pos x="T18" y="T19"/>
+                </a:cxn>
+                <a:cxn ang="0">
+                  <a:pos x="T20" y="T21"/>
+                </a:cxn>
+                <a:cxn ang="0">
+                  <a:pos x="T22" y="T23"/>
+                </a:cxn>
+                <a:cxn ang="0">
+                  <a:pos x="T24" y="T25"/>
+                </a:cxn>
+              </a:cxnLst>
+              <a:rect l="0" t="0" r="r" b="b"/>
+              <a:pathLst>
+                <a:path w="785" h="692">
+                  <a:moveTo>
+                    <a:pt x="225" y="692"/>
+                  </a:moveTo>
+                  <a:cubicBezTo>
+                    <a:pt x="207" y="692"/>
+                    <a:pt x="185" y="680"/>
+                    <a:pt x="177" y="665"/>
+                  </a:cubicBezTo>
+                  <a:cubicBezTo>
+                    <a:pt x="9" y="374"/>
+                    <a:pt x="9" y="374"/>
+                    <a:pt x="9" y="374"/>
+                  </a:cubicBezTo>
+                  <a:cubicBezTo>
+                    <a:pt x="0" y="358"/>
+                    <a:pt x="0" y="334"/>
+                    <a:pt x="9" y="318"/>
+                  </a:cubicBezTo>
+                  <a:cubicBezTo>
+                    <a:pt x="177" y="27"/>
+                    <a:pt x="177" y="27"/>
+                    <a:pt x="177" y="27"/>
+                  </a:cubicBezTo>
+                  <a:cubicBezTo>
+                    <a:pt x="185" y="12"/>
+                    <a:pt x="207" y="0"/>
+                    <a:pt x="225" y="0"/>
+                  </a:cubicBezTo>
+                  <a:cubicBezTo>
+                    <a:pt x="561" y="0"/>
+                    <a:pt x="561" y="0"/>
+                    <a:pt x="561" y="0"/>
+                  </a:cubicBezTo>
+                  <a:cubicBezTo>
+                    <a:pt x="578" y="0"/>
+                    <a:pt x="600" y="12"/>
+                    <a:pt x="609" y="27"/>
+                  </a:cubicBezTo>
+                  <a:cubicBezTo>
+                    <a:pt x="777" y="318"/>
+                    <a:pt x="777" y="318"/>
+                    <a:pt x="777" y="318"/>
+                  </a:cubicBezTo>
+                  <a:cubicBezTo>
+                    <a:pt x="785" y="334"/>
+                    <a:pt x="785" y="358"/>
+                    <a:pt x="777" y="374"/>
+                  </a:cubicBezTo>
+                  <a:cubicBezTo>
+                    <a:pt x="609" y="665"/>
+                    <a:pt x="609" y="665"/>
+                    <a:pt x="609" y="665"/>
+                  </a:cubicBezTo>
+                  <a:cubicBezTo>
+                    <a:pt x="600" y="680"/>
+                    <a:pt x="578" y="692"/>
+                    <a:pt x="561" y="692"/>
+                  </a:cubicBezTo>
+                  <a:lnTo>
+                    <a:pt x="225" y="692"/>
+                  </a:lnTo>
+                  <a:close/>
+                </a:path>
+              </a:pathLst>
+            </a:custGeom>
+            <a:noFill/>
+            <a:ln w="28575" cmpd="sng">
+              <a:solidFill>
+                <a:schemeClr val="bg1"/>
+              </a:solidFill>
+            </a:ln>
+          </p:spPr>
+          <p:txBody>
+            <a:bodyPr vert="horz" wrap="square" lIns="91440" tIns="45720" rIns="91440" bIns="45720" numCol="1" anchor="t" anchorCtr="0" compatLnSpc="1">
+              <a:prstTxWarp prst="textNoShape">
+                <a:avLst/>
+              </a:prstTxWarp>
+            </a:bodyPr>
+            <a:lstStyle/>
+            <a:p>
+              <a:endParaRPr lang="en-US"/>
+            </a:p>
+          </p:txBody>
+        </p:sp>
+        <p:sp>
+          <p:nvSpPr>
+            <p:cNvPr id="62" name="Freeform 5">
+              <a:extLst>
+                <a:ext uri="{FF2B5EF4-FFF2-40B4-BE49-F238E27FC236}">
+                  <a16:creationId xmlns:a16="http://schemas.microsoft.com/office/drawing/2014/main" id="{0ED11528-93DA-433F-9B3C-21106EFDBB66}"/>
+                </a:ext>
+                <a:ext uri="{C183D7F6-B498-43B3-948B-1728B52AA6E4}">
+                  <adec:decorative xmlns:adec="http://schemas.microsoft.com/office/drawing/2017/decorative" val="1"/>
+                </a:ext>
+              </a:extLst>
+            </p:cNvPr>
+            <p:cNvSpPr>
+              <a:spLocks/>
+            </p:cNvSpPr>
+            <p:nvPr>
+              <p:extLst>
+                <p:ext uri="{386F3935-93C4-4BCD-93E2-E3B085C9AB24}">
+                  <p16:designElem xmlns:p16="http://schemas.microsoft.com/office/powerpoint/2015/main" val="1"/>
+                </p:ext>
+              </p:extLst>
+            </p:nvPr>
+          </p:nvSpPr>
+          <p:spPr bwMode="auto">
+            <a:xfrm>
+              <a:off x="5885720" y="325570"/>
+              <a:ext cx="550492" cy="485306"/>
+            </a:xfrm>
+            <a:custGeom>
+              <a:avLst/>
+              <a:gdLst>
+                <a:gd name="T0" fmla="*/ 225 w 785"/>
+                <a:gd name="T1" fmla="*/ 692 h 692"/>
+                <a:gd name="T2" fmla="*/ 177 w 785"/>
+                <a:gd name="T3" fmla="*/ 665 h 692"/>
+                <a:gd name="T4" fmla="*/ 9 w 785"/>
+                <a:gd name="T5" fmla="*/ 374 h 692"/>
+                <a:gd name="T6" fmla="*/ 9 w 785"/>
+                <a:gd name="T7" fmla="*/ 318 h 692"/>
+                <a:gd name="T8" fmla="*/ 177 w 785"/>
+                <a:gd name="T9" fmla="*/ 27 h 692"/>
+                <a:gd name="T10" fmla="*/ 225 w 785"/>
+                <a:gd name="T11" fmla="*/ 0 h 692"/>
+                <a:gd name="T12" fmla="*/ 561 w 785"/>
+                <a:gd name="T13" fmla="*/ 0 h 692"/>
+                <a:gd name="T14" fmla="*/ 609 w 785"/>
+                <a:gd name="T15" fmla="*/ 27 h 692"/>
+                <a:gd name="T16" fmla="*/ 777 w 785"/>
+                <a:gd name="T17" fmla="*/ 318 h 692"/>
+                <a:gd name="T18" fmla="*/ 777 w 785"/>
+                <a:gd name="T19" fmla="*/ 374 h 692"/>
+                <a:gd name="T20" fmla="*/ 609 w 785"/>
+                <a:gd name="T21" fmla="*/ 665 h 692"/>
+                <a:gd name="T22" fmla="*/ 561 w 785"/>
+                <a:gd name="T23" fmla="*/ 692 h 692"/>
+                <a:gd name="T24" fmla="*/ 225 w 785"/>
+                <a:gd name="T25" fmla="*/ 692 h 692"/>
+              </a:gdLst>
+              <a:ahLst/>
+              <a:cxnLst>
+                <a:cxn ang="0">
+                  <a:pos x="T0" y="T1"/>
+                </a:cxn>
+                <a:cxn ang="0">
+                  <a:pos x="T2" y="T3"/>
+                </a:cxn>
+                <a:cxn ang="0">
+                  <a:pos x="T4" y="T5"/>
+                </a:cxn>
+                <a:cxn ang="0">
+                  <a:pos x="T6" y="T7"/>
+                </a:cxn>
+                <a:cxn ang="0">
+                  <a:pos x="T8" y="T9"/>
+                </a:cxn>
+                <a:cxn ang="0">
+                  <a:pos x="T10" y="T11"/>
+                </a:cxn>
+                <a:cxn ang="0">
+                  <a:pos x="T12" y="T13"/>
+                </a:cxn>
+                <a:cxn ang="0">
+                  <a:pos x="T14" y="T15"/>
+                </a:cxn>
+                <a:cxn ang="0">
+                  <a:pos x="T16" y="T17"/>
+                </a:cxn>
+                <a:cxn ang="0">
+                  <a:pos x="T18" y="T19"/>
+                </a:cxn>
+                <a:cxn ang="0">
+                  <a:pos x="T20" y="T21"/>
+                </a:cxn>
+                <a:cxn ang="0">
+                  <a:pos x="T22" y="T23"/>
+                </a:cxn>
+                <a:cxn ang="0">
+                  <a:pos x="T24" y="T25"/>
+                </a:cxn>
+              </a:cxnLst>
+              <a:rect l="0" t="0" r="r" b="b"/>
+              <a:pathLst>
+                <a:path w="785" h="692">
+                  <a:moveTo>
+                    <a:pt x="225" y="692"/>
+                  </a:moveTo>
+                  <a:cubicBezTo>
+                    <a:pt x="207" y="692"/>
+                    <a:pt x="185" y="680"/>
+                    <a:pt x="177" y="665"/>
+                  </a:cubicBezTo>
+                  <a:cubicBezTo>
+                    <a:pt x="9" y="374"/>
+                    <a:pt x="9" y="374"/>
+                    <a:pt x="9" y="374"/>
+                  </a:cubicBezTo>
+                  <a:cubicBezTo>
+                    <a:pt x="0" y="358"/>
+                    <a:pt x="0" y="334"/>
+                    <a:pt x="9" y="318"/>
+                  </a:cubicBezTo>
+                  <a:cubicBezTo>
+                    <a:pt x="177" y="27"/>
+                    <a:pt x="177" y="27"/>
+                    <a:pt x="177" y="27"/>
+                  </a:cubicBezTo>
+                  <a:cubicBezTo>
+                    <a:pt x="185" y="12"/>
+                    <a:pt x="207" y="0"/>
+                    <a:pt x="225" y="0"/>
+                  </a:cubicBezTo>
+                  <a:cubicBezTo>
+                    <a:pt x="561" y="0"/>
+                    <a:pt x="561" y="0"/>
+                    <a:pt x="561" y="0"/>
+                  </a:cubicBezTo>
+                  <a:cubicBezTo>
+                    <a:pt x="578" y="0"/>
+                    <a:pt x="600" y="12"/>
+                    <a:pt x="609" y="27"/>
+                  </a:cubicBezTo>
+                  <a:cubicBezTo>
+                    <a:pt x="777" y="318"/>
+                    <a:pt x="777" y="318"/>
+                    <a:pt x="777" y="318"/>
+                  </a:cubicBezTo>
+                  <a:cubicBezTo>
+                    <a:pt x="785" y="334"/>
+                    <a:pt x="785" y="358"/>
+                    <a:pt x="777" y="374"/>
+                  </a:cubicBezTo>
+                  <a:cubicBezTo>
+                    <a:pt x="609" y="665"/>
+                    <a:pt x="609" y="665"/>
+                    <a:pt x="609" y="665"/>
+                  </a:cubicBezTo>
+                  <a:cubicBezTo>
+                    <a:pt x="600" y="680"/>
+                    <a:pt x="578" y="692"/>
+                    <a:pt x="561" y="692"/>
+                  </a:cubicBezTo>
+                  <a:lnTo>
+                    <a:pt x="225" y="692"/>
+                  </a:lnTo>
+                  <a:close/>
+                </a:path>
+              </a:pathLst>
+            </a:custGeom>
+            <a:noFill/>
+            <a:ln w="28575" cmpd="sng">
+              <a:solidFill>
+                <a:schemeClr val="bg1"/>
+              </a:solidFill>
+            </a:ln>
+          </p:spPr>
+          <p:txBody>
+            <a:bodyPr vert="horz" wrap="square" lIns="91440" tIns="45720" rIns="91440" bIns="45720" numCol="1" anchor="t" anchorCtr="0" compatLnSpc="1">
+              <a:prstTxWarp prst="textNoShape">
+                <a:avLst/>
+              </a:prstTxWarp>
+            </a:bodyPr>
+            <a:lstStyle/>
+            <a:p>
+              <a:endParaRPr lang="en-US"/>
+            </a:p>
+          </p:txBody>
+        </p:sp>
+      </p:grpSp>
+      <p:sp>
+        <p:nvSpPr>
+          <p:cNvPr id="13" name="Content Placeholder 12">
+            <a:extLst>
+              <a:ext uri="{FF2B5EF4-FFF2-40B4-BE49-F238E27FC236}">
+                <a16:creationId xmlns:a16="http://schemas.microsoft.com/office/drawing/2014/main" id="{1CB7C1BF-B960-4C67-9AD6-BAA09BC1CB86}"/>
+              </a:ext>
+            </a:extLst>
+          </p:cNvPr>
+          <p:cNvSpPr>
+            <a:spLocks noGrp="1"/>
+          </p:cNvSpPr>
+          <p:nvPr>
+            <p:ph idx="1"/>
+          </p:nvPr>
+        </p:nvSpPr>
+        <p:spPr>
+          <a:xfrm>
+            <a:off x="767290" y="3428999"/>
+            <a:ext cx="3760322" cy="2741213"/>
+          </a:xfrm>
+        </p:spPr>
+        <p:txBody>
+          <a:bodyPr vert="horz" lIns="91440" tIns="45720" rIns="91440" bIns="45720" rtlCol="0" anchor="t">
+            <a:normAutofit/>
+          </a:bodyPr>
+          <a:lstStyle/>
+          <a:p>
+            <a:pPr marL="285750" indent="-285750" algn="just"/>
+            <a:r>
+              <a:rPr lang="en-US" sz="2000" dirty="0">
+                <a:solidFill>
+                  <a:schemeClr val="bg1"/>
                 </a:solidFill>
               </a:rPr>
-              <a:t>Sentence Enhancements and Mitigation</a:t>
+              <a:t>The safety valve is applied in approximately 19% of drug offenses involving 2 or less drugs and reduces sentences by an average of 7.2 years</a:t>
+            </a:r>
+          </a:p>
+          <a:p>
+            <a:pPr marL="285750" indent="-285750" algn="just"/>
+            <a:r>
+              <a:rPr lang="en-US" sz="2000" dirty="0">
+                <a:solidFill>
+                  <a:schemeClr val="bg1"/>
+                </a:solidFill>
+              </a:rPr>
+              <a:t>Safety valve offenders have an average of 2025x the drugs of non-safety valve offenders</a:t>
             </a:r>
           </a:p>
         </p:txBody>
       </p:sp>
       <p:pic>
         <p:nvPicPr>
-          <p:cNvPr id="5" name="Content Placeholder 4">
+          <p:cNvPr id="4" name="Picture 3">
             <a:extLst>
               <a:ext uri="{FF2B5EF4-FFF2-40B4-BE49-F238E27FC236}">
-                <a16:creationId xmlns:a16="http://schemas.microsoft.com/office/drawing/2014/main" id="{EAC0BEE8-9387-4840-A974-BA5FF1D869E2}"/>
-              </a:ext>
-            </a:extLst>
-          </p:cNvPr>
-          <p:cNvPicPr>
-            <a:picLocks noGrp="1" noChangeAspect="1"/>
-          </p:cNvPicPr>
-          <p:nvPr>
-            <p:ph idx="1"/>
-          </p:nvPr>
-        </p:nvPicPr>
-        <p:blipFill>
-          <a:blip r:embed="rId2">
-            <a:extLst>
-              <a:ext uri="{28A0092B-C50C-407E-A947-70E740481C1C}">
-                <a14:useLocalDpi xmlns:a14="http://schemas.microsoft.com/office/drawing/2010/main" val="0"/>
-              </a:ext>
-            </a:extLst>
-          </a:blip>
-          <a:srcRect/>
-          <a:stretch/>
-        </p:blipFill>
-        <p:spPr>
-          <a:xfrm>
-            <a:off x="320040" y="626963"/>
-            <a:ext cx="3425609" cy="3359172"/>
-          </a:xfrm>
-          <a:prstGeom prst="rect">
-            <a:avLst/>
-          </a:prstGeom>
-        </p:spPr>
-      </p:pic>
-      <p:pic>
-        <p:nvPicPr>
-          <p:cNvPr id="9" name="Picture 8">
-            <a:extLst>
-              <a:ext uri="{FF2B5EF4-FFF2-40B4-BE49-F238E27FC236}">
-                <a16:creationId xmlns:a16="http://schemas.microsoft.com/office/drawing/2014/main" id="{75298B1D-BB59-4D62-A8B1-348DFBB9ECAF}"/>
+                <a16:creationId xmlns:a16="http://schemas.microsoft.com/office/drawing/2014/main" id="{A109D790-5985-4C94-A04A-AD15ED0F9360}"/>
               </a:ext>
             </a:extLst>
           </p:cNvPr>
@@ -14290,41 +14637,118 @@
           <p:nvPr/>
         </p:nvPicPr>
         <p:blipFill>
-          <a:blip r:embed="rId3">
+          <a:blip r:embed="rId2">
             <a:extLst>
               <a:ext uri="{28A0092B-C50C-407E-A947-70E740481C1C}">
                 <a14:useLocalDpi xmlns:a14="http://schemas.microsoft.com/office/drawing/2010/main" val="0"/>
               </a:ext>
             </a:extLst>
           </a:blip>
-          <a:srcRect/>
           <a:stretch/>
         </p:blipFill>
         <p:spPr>
           <a:xfrm>
-            <a:off x="4385729" y="564918"/>
-            <a:ext cx="3433323" cy="3483263"/>
+            <a:off x="6643856" y="1850234"/>
+            <a:ext cx="5051320" cy="3157074"/>
           </a:xfrm>
           <a:prstGeom prst="rect">
             <a:avLst/>
           </a:prstGeom>
         </p:spPr>
       </p:pic>
-      <p:cxnSp>
-        <p:nvCxnSpPr>
-          <p:cNvPr id="18" name="Straight Connector 17">
+      <p:sp>
+        <p:nvSpPr>
+          <p:cNvPr id="12" name="TextBox 11">
             <a:extLst>
               <a:ext uri="{FF2B5EF4-FFF2-40B4-BE49-F238E27FC236}">
-                <a16:creationId xmlns:a16="http://schemas.microsoft.com/office/drawing/2014/main" id="{818DC98F-4057-4645-B948-F604F39A9CFE}"/>
+                <a16:creationId xmlns:a16="http://schemas.microsoft.com/office/drawing/2014/main" id="{0F326A35-EA1E-4A30-AD4A-58ACDF3C1BA1}"/>
+              </a:ext>
+            </a:extLst>
+          </p:cNvPr>
+          <p:cNvSpPr txBox="1"/>
+          <p:nvPr/>
+        </p:nvSpPr>
+        <p:spPr>
+          <a:xfrm>
+            <a:off x="6373390" y="882733"/>
+            <a:ext cx="5051320" cy="461665"/>
+          </a:xfrm>
+          <a:prstGeom prst="rect">
+            <a:avLst/>
+          </a:prstGeom>
+          <a:noFill/>
+        </p:spPr>
+        <p:txBody>
+          <a:bodyPr wrap="square" rtlCol="0">
+            <a:spAutoFit/>
+          </a:bodyPr>
+          <a:lstStyle/>
+          <a:p>
+            <a:pPr algn="ctr">
+              <a:spcAft>
+                <a:spcPts val="600"/>
+              </a:spcAft>
+            </a:pPr>
+            <a:r>
+              <a:rPr lang="en-US" sz="2400" dirty="0"/>
+              <a:t>Safety Valve Applied</a:t>
+            </a:r>
+          </a:p>
+        </p:txBody>
+      </p:sp>
+    </p:spTree>
+    <p:extLst>
+      <p:ext uri="{BB962C8B-B14F-4D97-AF65-F5344CB8AC3E}">
+        <p14:creationId xmlns:p14="http://schemas.microsoft.com/office/powerpoint/2010/main" val="1952991284"/>
+      </p:ext>
+    </p:extLst>
+  </p:cSld>
+  <p:clrMapOvr>
+    <a:masterClrMapping/>
+  </p:clrMapOvr>
+</p:sld>
+</file>
+
+<file path=ppt/slides/slide24.xml><?xml version="1.0" encoding="utf-8"?>
+<p:sld xmlns:a="http://schemas.openxmlformats.org/drawingml/2006/main" xmlns:r="http://schemas.openxmlformats.org/officeDocument/2006/relationships" xmlns:p="http://schemas.openxmlformats.org/presentationml/2006/main">
+  <p:cSld>
+    <p:bg>
+      <p:bgPr>
+        <a:solidFill>
+          <a:schemeClr val="bg1"/>
+        </a:solidFill>
+        <a:effectLst/>
+      </p:bgPr>
+    </p:bg>
+    <p:spTree>
+      <p:nvGrpSpPr>
+        <p:cNvPr id="1" name=""/>
+        <p:cNvGrpSpPr/>
+        <p:nvPr/>
+      </p:nvGrpSpPr>
+      <p:grpSpPr>
+        <a:xfrm>
+          <a:off x="0" y="0"/>
+          <a:ext cx="0" cy="0"/>
+          <a:chOff x="0" y="0"/>
+          <a:chExt cx="0" cy="0"/>
+        </a:xfrm>
+      </p:grpSpPr>
+      <p:sp useBgFill="1">
+        <p:nvSpPr>
+          <p:cNvPr id="8" name="Rectangle 7">
+            <a:extLst>
+              <a:ext uri="{FF2B5EF4-FFF2-40B4-BE49-F238E27FC236}">
+                <a16:creationId xmlns:a16="http://schemas.microsoft.com/office/drawing/2014/main" id="{1557A916-FDD1-44A1-A7A1-70009FD6BE46}"/>
               </a:ext>
               <a:ext uri="{C183D7F6-B498-43B3-948B-1728B52AA6E4}">
                 <adec:decorative xmlns:adec="http://schemas.microsoft.com/office/drawing/2017/decorative" val="1"/>
               </a:ext>
             </a:extLst>
           </p:cNvPr>
-          <p:cNvCxnSpPr>
-            <a:cxnSpLocks noGrp="1" noRot="1" noChangeAspect="1" noMove="1" noResize="1" noEditPoints="1" noAdjustHandles="1" noChangeArrowheads="1" noChangeShapeType="1"/>
-          </p:cNvCxnSpPr>
+          <p:cNvSpPr>
+            <a:spLocks noGrp="1" noRot="1" noChangeAspect="1" noMove="1" noResize="1" noEditPoints="1" noAdjustHandles="1" noChangeArrowheads="1" noChangeShapeType="1" noTextEdit="1"/>
+          </p:cNvSpPr>
           <p:nvPr>
             <p:extLst>
               <p:ext uri="{386F3935-93C4-4BCD-93E2-E3B085C9AB24}">
@@ -14332,86 +14756,94 @@
               </p:ext>
             </p:extLst>
           </p:nvPr>
-        </p:nvCxnSpPr>
+        </p:nvSpPr>
         <p:spPr>
           <a:xfrm>
-            <a:off x="8153400" y="477749"/>
-            <a:ext cx="0" cy="3657600"/>
+            <a:off x="0" y="0"/>
+            <a:ext cx="12192000" cy="6858000"/>
           </a:xfrm>
-          <a:prstGeom prst="line">
+          <a:prstGeom prst="rect">
             <a:avLst/>
           </a:prstGeom>
-          <a:ln w="101600" cmpd="dbl">
-            <a:solidFill>
-              <a:srgbClr val="595959"/>
-            </a:solidFill>
+          <a:ln>
+            <a:noFill/>
           </a:ln>
         </p:spPr>
         <p:style>
-          <a:lnRef idx="1">
-            <a:schemeClr val="accent1"/>
+          <a:lnRef idx="2">
+            <a:schemeClr val="accent1">
+              <a:shade val="50000"/>
+            </a:schemeClr>
           </a:lnRef>
-          <a:fillRef idx="0">
+          <a:fillRef idx="1">
             <a:schemeClr val="accent1"/>
           </a:fillRef>
           <a:effectRef idx="0">
             <a:schemeClr val="accent1"/>
           </a:effectRef>
           <a:fontRef idx="minor">
-            <a:schemeClr val="tx1"/>
+            <a:schemeClr val="lt1"/>
           </a:fontRef>
         </p:style>
-      </p:cxnSp>
-      <p:pic>
-        <p:nvPicPr>
-          <p:cNvPr id="7" name="Picture 6">
+        <p:txBody>
+          <a:bodyPr rtlCol="0" anchor="ctr"/>
+          <a:lstStyle/>
+          <a:p>
+            <a:pPr algn="ctr"/>
+            <a:endParaRPr lang="en-US"/>
+          </a:p>
+        </p:txBody>
+      </p:sp>
+      <p:sp>
+        <p:nvSpPr>
+          <p:cNvPr id="2" name="Title 1">
             <a:extLst>
               <a:ext uri="{FF2B5EF4-FFF2-40B4-BE49-F238E27FC236}">
-                <a16:creationId xmlns:a16="http://schemas.microsoft.com/office/drawing/2014/main" id="{993D7B5F-DF78-40C3-B617-78D525E381E9}"/>
+                <a16:creationId xmlns:a16="http://schemas.microsoft.com/office/drawing/2014/main" id="{BC0C6EAF-EDF9-4C47-9CD0-4AA3B76E6E66}"/>
               </a:ext>
             </a:extLst>
           </p:cNvPr>
-          <p:cNvPicPr>
-            <a:picLocks noChangeAspect="1"/>
-          </p:cNvPicPr>
-          <p:nvPr/>
-        </p:nvPicPr>
-        <p:blipFill>
-          <a:blip r:embed="rId4">
-            <a:extLst>
-              <a:ext uri="{28A0092B-C50C-407E-A947-70E740481C1C}">
-                <a14:useLocalDpi xmlns:a14="http://schemas.microsoft.com/office/drawing/2010/main" val="0"/>
-              </a:ext>
-            </a:extLst>
-          </a:blip>
-          <a:srcRect/>
-          <a:stretch/>
-        </p:blipFill>
+          <p:cNvSpPr>
+            <a:spLocks noGrp="1"/>
+          </p:cNvSpPr>
+          <p:nvPr>
+            <p:ph type="title"/>
+          </p:nvPr>
+        </p:nvSpPr>
         <p:spPr>
           <a:xfrm>
-            <a:off x="8449725" y="593041"/>
-            <a:ext cx="3423916" cy="3471643"/>
+            <a:off x="8006085" y="1470990"/>
+            <a:ext cx="3689091" cy="3777665"/>
           </a:xfrm>
-          <a:prstGeom prst="rect">
-            <a:avLst/>
-          </a:prstGeom>
         </p:spPr>
-      </p:pic>
-      <p:cxnSp>
-        <p:nvCxnSpPr>
-          <p:cNvPr id="20" name="Straight Connector 19">
+        <p:txBody>
+          <a:bodyPr anchor="t">
+            <a:normAutofit/>
+          </a:bodyPr>
+          <a:lstStyle/>
+          <a:p>
+            <a:r>
+              <a:rPr lang="en-US" dirty="0"/>
+              <a:t>Insights: Sentence Enhancements</a:t>
+            </a:r>
+          </a:p>
+        </p:txBody>
+      </p:sp>
+      <p:sp>
+        <p:nvSpPr>
+          <p:cNvPr id="10" name="Freeform: Shape 9">
             <a:extLst>
               <a:ext uri="{FF2B5EF4-FFF2-40B4-BE49-F238E27FC236}">
-                <a16:creationId xmlns:a16="http://schemas.microsoft.com/office/drawing/2014/main" id="{DAD2B705-4A9B-408D-AA80-4F41045E09DE}"/>
+                <a16:creationId xmlns:a16="http://schemas.microsoft.com/office/drawing/2014/main" id="{4B874C19-9B23-4B12-823E-D67615A9B3AC}"/>
               </a:ext>
               <a:ext uri="{C183D7F6-B498-43B3-948B-1728B52AA6E4}">
                 <adec:decorative xmlns:adec="http://schemas.microsoft.com/office/drawing/2017/decorative" val="1"/>
               </a:ext>
             </a:extLst>
           </p:cNvPr>
-          <p:cNvCxnSpPr>
-            <a:cxnSpLocks noGrp="1" noRot="1" noChangeAspect="1" noMove="1" noResize="1" noEditPoints="1" noAdjustHandles="1" noChangeArrowheads="1" noChangeShapeType="1"/>
-          </p:cNvCxnSpPr>
+          <p:cNvSpPr>
+            <a:spLocks noGrp="1" noRot="1" noChangeAspect="1" noMove="1" noResize="1" noEditPoints="1" noAdjustHandles="1" noChangeArrowheads="1" noChangeShapeType="1" noTextEdit="1"/>
+          </p:cNvSpPr>
           <p:nvPr>
             <p:extLst>
               <p:ext uri="{386F3935-93C4-4BCD-93E2-E3B085C9AB24}">
@@ -14419,40 +14851,640 @@
               </p:ext>
             </p:extLst>
           </p:nvPr>
-        </p:nvCxnSpPr>
+        </p:nvSpPr>
         <p:spPr>
           <a:xfrm>
-            <a:off x="2209800" y="5738691"/>
-            <a:ext cx="7772400" cy="0"/>
+            <a:off x="0" y="0"/>
+            <a:ext cx="7743949" cy="6858000"/>
           </a:xfrm>
-          <a:prstGeom prst="line">
+          <a:custGeom>
             <a:avLst/>
-          </a:prstGeom>
-          <a:ln w="22225">
-            <a:solidFill>
-              <a:srgbClr val="D9D9D9"/>
-            </a:solidFill>
+            <a:gdLst>
+              <a:gd name="connsiteX0" fmla="*/ 956085 w 7743949"/>
+              <a:gd name="connsiteY0" fmla="*/ 2071857 h 6858000"/>
+              <a:gd name="connsiteX1" fmla="*/ 4999548 w 7743949"/>
+              <a:gd name="connsiteY1" fmla="*/ 2071857 h 6858000"/>
+              <a:gd name="connsiteX2" fmla="*/ 5619604 w 7743949"/>
+              <a:gd name="connsiteY2" fmla="*/ 2437296 h 6858000"/>
+              <a:gd name="connsiteX3" fmla="*/ 7645701 w 7743949"/>
+              <a:gd name="connsiteY3" fmla="*/ 5926372 h 6858000"/>
+              <a:gd name="connsiteX4" fmla="*/ 7645701 w 7743949"/>
+              <a:gd name="connsiteY4" fmla="*/ 6639850 h 6858000"/>
+              <a:gd name="connsiteX5" fmla="*/ 7538856 w 7743949"/>
+              <a:gd name="connsiteY5" fmla="*/ 6823844 h 6858000"/>
+              <a:gd name="connsiteX6" fmla="*/ 7519022 w 7743949"/>
+              <a:gd name="connsiteY6" fmla="*/ 6858000 h 6858000"/>
+              <a:gd name="connsiteX7" fmla="*/ 0 w 7743949"/>
+              <a:gd name="connsiteY7" fmla="*/ 6858000 h 6858000"/>
+              <a:gd name="connsiteX8" fmla="*/ 0 w 7743949"/>
+              <a:gd name="connsiteY8" fmla="*/ 3003362 h 6858000"/>
+              <a:gd name="connsiteX9" fmla="*/ 144017 w 7743949"/>
+              <a:gd name="connsiteY9" fmla="*/ 2754282 h 6858000"/>
+              <a:gd name="connsiteX10" fmla="*/ 327296 w 7743949"/>
+              <a:gd name="connsiteY10" fmla="*/ 2437296 h 6858000"/>
+              <a:gd name="connsiteX11" fmla="*/ 956085 w 7743949"/>
+              <a:gd name="connsiteY11" fmla="*/ 2071857 h 6858000"/>
+              <a:gd name="connsiteX12" fmla="*/ 6281397 w 7743949"/>
+              <a:gd name="connsiteY12" fmla="*/ 1163923 h 6858000"/>
+              <a:gd name="connsiteX13" fmla="*/ 7148441 w 7743949"/>
+              <a:gd name="connsiteY13" fmla="*/ 1163923 h 6858000"/>
+              <a:gd name="connsiteX14" fmla="*/ 7281401 w 7743949"/>
+              <a:gd name="connsiteY14" fmla="*/ 1242285 h 6858000"/>
+              <a:gd name="connsiteX15" fmla="*/ 7715859 w 7743949"/>
+              <a:gd name="connsiteY15" fmla="*/ 1990451 h 6858000"/>
+              <a:gd name="connsiteX16" fmla="*/ 7715859 w 7743949"/>
+              <a:gd name="connsiteY16" fmla="*/ 2143443 h 6858000"/>
+              <a:gd name="connsiteX17" fmla="*/ 7281401 w 7743949"/>
+              <a:gd name="connsiteY17" fmla="*/ 2891610 h 6858000"/>
+              <a:gd name="connsiteX18" fmla="*/ 7148441 w 7743949"/>
+              <a:gd name="connsiteY18" fmla="*/ 2969971 h 6858000"/>
+              <a:gd name="connsiteX19" fmla="*/ 6281397 w 7743949"/>
+              <a:gd name="connsiteY19" fmla="*/ 2969971 h 6858000"/>
+              <a:gd name="connsiteX20" fmla="*/ 6146565 w 7743949"/>
+              <a:gd name="connsiteY20" fmla="*/ 2891610 h 6858000"/>
+              <a:gd name="connsiteX21" fmla="*/ 5713979 w 7743949"/>
+              <a:gd name="connsiteY21" fmla="*/ 2143443 h 6858000"/>
+              <a:gd name="connsiteX22" fmla="*/ 5713979 w 7743949"/>
+              <a:gd name="connsiteY22" fmla="*/ 1990451 h 6858000"/>
+              <a:gd name="connsiteX23" fmla="*/ 6146565 w 7743949"/>
+              <a:gd name="connsiteY23" fmla="*/ 1242285 h 6858000"/>
+              <a:gd name="connsiteX24" fmla="*/ 6281397 w 7743949"/>
+              <a:gd name="connsiteY24" fmla="*/ 1163923 h 6858000"/>
+              <a:gd name="connsiteX25" fmla="*/ 0 w 7743949"/>
+              <a:gd name="connsiteY25" fmla="*/ 0 h 6858000"/>
+              <a:gd name="connsiteX26" fmla="*/ 6600525 w 7743949"/>
+              <a:gd name="connsiteY26" fmla="*/ 0 h 6858000"/>
+              <a:gd name="connsiteX27" fmla="*/ 6486618 w 7743949"/>
+              <a:gd name="connsiteY27" fmla="*/ 196155 h 6858000"/>
+              <a:gd name="connsiteX28" fmla="*/ 5677553 w 7743949"/>
+              <a:gd name="connsiteY28" fmla="*/ 1589421 h 6858000"/>
+              <a:gd name="connsiteX29" fmla="*/ 5057496 w 7743949"/>
+              <a:gd name="connsiteY29" fmla="*/ 1954861 h 6858000"/>
+              <a:gd name="connsiteX30" fmla="*/ 1014033 w 7743949"/>
+              <a:gd name="connsiteY30" fmla="*/ 1954861 h 6858000"/>
+              <a:gd name="connsiteX31" fmla="*/ 385244 w 7743949"/>
+              <a:gd name="connsiteY31" fmla="*/ 1589421 h 6858000"/>
+              <a:gd name="connsiteX32" fmla="*/ 69234 w 7743949"/>
+              <a:gd name="connsiteY32" fmla="*/ 1042874 h 6858000"/>
+              <a:gd name="connsiteX33" fmla="*/ 0 w 7743949"/>
+              <a:gd name="connsiteY33" fmla="*/ 923133 h 6858000"/>
+            </a:gdLst>
+            <a:ahLst/>
+            <a:cxnLst>
+              <a:cxn ang="0">
+                <a:pos x="connsiteX0" y="connsiteY0"/>
+              </a:cxn>
+              <a:cxn ang="0">
+                <a:pos x="connsiteX1" y="connsiteY1"/>
+              </a:cxn>
+              <a:cxn ang="0">
+                <a:pos x="connsiteX2" y="connsiteY2"/>
+              </a:cxn>
+              <a:cxn ang="0">
+                <a:pos x="connsiteX3" y="connsiteY3"/>
+              </a:cxn>
+              <a:cxn ang="0">
+                <a:pos x="connsiteX4" y="connsiteY4"/>
+              </a:cxn>
+              <a:cxn ang="0">
+                <a:pos x="connsiteX5" y="connsiteY5"/>
+              </a:cxn>
+              <a:cxn ang="0">
+                <a:pos x="connsiteX6" y="connsiteY6"/>
+              </a:cxn>
+              <a:cxn ang="0">
+                <a:pos x="connsiteX7" y="connsiteY7"/>
+              </a:cxn>
+              <a:cxn ang="0">
+                <a:pos x="connsiteX8" y="connsiteY8"/>
+              </a:cxn>
+              <a:cxn ang="0">
+                <a:pos x="connsiteX9" y="connsiteY9"/>
+              </a:cxn>
+              <a:cxn ang="0">
+                <a:pos x="connsiteX10" y="connsiteY10"/>
+              </a:cxn>
+              <a:cxn ang="0">
+                <a:pos x="connsiteX11" y="connsiteY11"/>
+              </a:cxn>
+              <a:cxn ang="0">
+                <a:pos x="connsiteX12" y="connsiteY12"/>
+              </a:cxn>
+              <a:cxn ang="0">
+                <a:pos x="connsiteX13" y="connsiteY13"/>
+              </a:cxn>
+              <a:cxn ang="0">
+                <a:pos x="connsiteX14" y="connsiteY14"/>
+              </a:cxn>
+              <a:cxn ang="0">
+                <a:pos x="connsiteX15" y="connsiteY15"/>
+              </a:cxn>
+              <a:cxn ang="0">
+                <a:pos x="connsiteX16" y="connsiteY16"/>
+              </a:cxn>
+              <a:cxn ang="0">
+                <a:pos x="connsiteX17" y="connsiteY17"/>
+              </a:cxn>
+              <a:cxn ang="0">
+                <a:pos x="connsiteX18" y="connsiteY18"/>
+              </a:cxn>
+              <a:cxn ang="0">
+                <a:pos x="connsiteX19" y="connsiteY19"/>
+              </a:cxn>
+              <a:cxn ang="0">
+                <a:pos x="connsiteX20" y="connsiteY20"/>
+              </a:cxn>
+              <a:cxn ang="0">
+                <a:pos x="connsiteX21" y="connsiteY21"/>
+              </a:cxn>
+              <a:cxn ang="0">
+                <a:pos x="connsiteX22" y="connsiteY22"/>
+              </a:cxn>
+              <a:cxn ang="0">
+                <a:pos x="connsiteX23" y="connsiteY23"/>
+              </a:cxn>
+              <a:cxn ang="0">
+                <a:pos x="connsiteX24" y="connsiteY24"/>
+              </a:cxn>
+              <a:cxn ang="0">
+                <a:pos x="connsiteX25" y="connsiteY25"/>
+              </a:cxn>
+              <a:cxn ang="0">
+                <a:pos x="connsiteX26" y="connsiteY26"/>
+              </a:cxn>
+              <a:cxn ang="0">
+                <a:pos x="connsiteX27" y="connsiteY27"/>
+              </a:cxn>
+              <a:cxn ang="0">
+                <a:pos x="connsiteX28" y="connsiteY28"/>
+              </a:cxn>
+              <a:cxn ang="0">
+                <a:pos x="connsiteX29" y="connsiteY29"/>
+              </a:cxn>
+              <a:cxn ang="0">
+                <a:pos x="connsiteX30" y="connsiteY30"/>
+              </a:cxn>
+              <a:cxn ang="0">
+                <a:pos x="connsiteX31" y="connsiteY31"/>
+              </a:cxn>
+              <a:cxn ang="0">
+                <a:pos x="connsiteX32" y="connsiteY32"/>
+              </a:cxn>
+              <a:cxn ang="0">
+                <a:pos x="connsiteX33" y="connsiteY33"/>
+              </a:cxn>
+            </a:cxnLst>
+            <a:rect l="l" t="t" r="r" b="b"/>
+            <a:pathLst>
+              <a:path w="7743949" h="6858000">
+                <a:moveTo>
+                  <a:pt x="956085" y="2071857"/>
+                </a:moveTo>
+                <a:cubicBezTo>
+                  <a:pt x="956085" y="2071857"/>
+                  <a:pt x="956085" y="2071857"/>
+                  <a:pt x="4999548" y="2071857"/>
+                </a:cubicBezTo>
+                <a:cubicBezTo>
+                  <a:pt x="5252811" y="2071857"/>
+                  <a:pt x="5497339" y="2211072"/>
+                  <a:pt x="5619604" y="2437296"/>
+                </a:cubicBezTo>
+                <a:cubicBezTo>
+                  <a:pt x="5619604" y="2437296"/>
+                  <a:pt x="5619604" y="2437296"/>
+                  <a:pt x="7645701" y="5926372"/>
+                </a:cubicBezTo>
+                <a:cubicBezTo>
+                  <a:pt x="7776699" y="6143896"/>
+                  <a:pt x="7776699" y="6422327"/>
+                  <a:pt x="7645701" y="6639850"/>
+                </a:cubicBezTo>
+                <a:cubicBezTo>
+                  <a:pt x="7645701" y="6639850"/>
+                  <a:pt x="7645701" y="6639850"/>
+                  <a:pt x="7538856" y="6823844"/>
+                </a:cubicBezTo>
+                <a:lnTo>
+                  <a:pt x="7519022" y="6858000"/>
+                </a:lnTo>
+                <a:lnTo>
+                  <a:pt x="0" y="6858000"/>
+                </a:lnTo>
+                <a:lnTo>
+                  <a:pt x="0" y="3003362"/>
+                </a:lnTo>
+                <a:lnTo>
+                  <a:pt x="144017" y="2754282"/>
+                </a:lnTo>
+                <a:cubicBezTo>
+                  <a:pt x="203181" y="2651956"/>
+                  <a:pt x="264254" y="2546330"/>
+                  <a:pt x="327296" y="2437296"/>
+                </a:cubicBezTo>
+                <a:cubicBezTo>
+                  <a:pt x="458294" y="2211072"/>
+                  <a:pt x="694090" y="2071857"/>
+                  <a:pt x="956085" y="2071857"/>
+                </a:cubicBezTo>
+                <a:close/>
+                <a:moveTo>
+                  <a:pt x="6281397" y="1163923"/>
+                </a:moveTo>
+                <a:cubicBezTo>
+                  <a:pt x="6281397" y="1163923"/>
+                  <a:pt x="6281397" y="1163923"/>
+                  <a:pt x="7148441" y="1163923"/>
+                </a:cubicBezTo>
+                <a:cubicBezTo>
+                  <a:pt x="7202749" y="1163923"/>
+                  <a:pt x="7255183" y="1193775"/>
+                  <a:pt x="7281401" y="1242285"/>
+                </a:cubicBezTo>
+                <a:cubicBezTo>
+                  <a:pt x="7281401" y="1242285"/>
+                  <a:pt x="7281401" y="1242285"/>
+                  <a:pt x="7715859" y="1990451"/>
+                </a:cubicBezTo>
+                <a:cubicBezTo>
+                  <a:pt x="7743949" y="2037095"/>
+                  <a:pt x="7743949" y="2096799"/>
+                  <a:pt x="7715859" y="2143443"/>
+                </a:cubicBezTo>
+                <a:cubicBezTo>
+                  <a:pt x="7715859" y="2143443"/>
+                  <a:pt x="7715859" y="2143443"/>
+                  <a:pt x="7281401" y="2891610"/>
+                </a:cubicBezTo>
+                <a:cubicBezTo>
+                  <a:pt x="7255183" y="2940119"/>
+                  <a:pt x="7202749" y="2969971"/>
+                  <a:pt x="7148441" y="2969971"/>
+                </a:cubicBezTo>
+                <a:cubicBezTo>
+                  <a:pt x="7148441" y="2969971"/>
+                  <a:pt x="7148441" y="2969971"/>
+                  <a:pt x="6281397" y="2969971"/>
+                </a:cubicBezTo>
+                <a:cubicBezTo>
+                  <a:pt x="6225217" y="2969971"/>
+                  <a:pt x="6174655" y="2940119"/>
+                  <a:pt x="6146565" y="2891610"/>
+                </a:cubicBezTo>
+                <a:cubicBezTo>
+                  <a:pt x="6146565" y="2891610"/>
+                  <a:pt x="6146565" y="2891610"/>
+                  <a:pt x="5713979" y="2143443"/>
+                </a:cubicBezTo>
+                <a:cubicBezTo>
+                  <a:pt x="5685889" y="2096799"/>
+                  <a:pt x="5685889" y="2037095"/>
+                  <a:pt x="5713979" y="1990451"/>
+                </a:cubicBezTo>
+                <a:cubicBezTo>
+                  <a:pt x="5713979" y="1990451"/>
+                  <a:pt x="5713979" y="1990451"/>
+                  <a:pt x="6146565" y="1242285"/>
+                </a:cubicBezTo>
+                <a:cubicBezTo>
+                  <a:pt x="6174655" y="1193775"/>
+                  <a:pt x="6225217" y="1163923"/>
+                  <a:pt x="6281397" y="1163923"/>
+                </a:cubicBezTo>
+                <a:close/>
+                <a:moveTo>
+                  <a:pt x="0" y="0"/>
+                </a:moveTo>
+                <a:lnTo>
+                  <a:pt x="6600525" y="0"/>
+                </a:lnTo>
+                <a:lnTo>
+                  <a:pt x="6486618" y="196155"/>
+                </a:lnTo>
+                <a:cubicBezTo>
+                  <a:pt x="6261242" y="584267"/>
+                  <a:pt x="5994130" y="1044253"/>
+                  <a:pt x="5677553" y="1589421"/>
+                </a:cubicBezTo>
+                <a:cubicBezTo>
+                  <a:pt x="5555288" y="1815646"/>
+                  <a:pt x="5310759" y="1954861"/>
+                  <a:pt x="5057496" y="1954861"/>
+                </a:cubicBezTo>
+                <a:cubicBezTo>
+                  <a:pt x="5057496" y="1954861"/>
+                  <a:pt x="5057496" y="1954861"/>
+                  <a:pt x="1014033" y="1954861"/>
+                </a:cubicBezTo>
+                <a:cubicBezTo>
+                  <a:pt x="752038" y="1954861"/>
+                  <a:pt x="516243" y="1815646"/>
+                  <a:pt x="385244" y="1589421"/>
+                </a:cubicBezTo>
+                <a:cubicBezTo>
+                  <a:pt x="385244" y="1589421"/>
+                  <a:pt x="385244" y="1589421"/>
+                  <a:pt x="69234" y="1042874"/>
+                </a:cubicBezTo>
+                <a:lnTo>
+                  <a:pt x="0" y="923133"/>
+                </a:lnTo>
+                <a:close/>
+              </a:path>
+            </a:pathLst>
+          </a:custGeom>
+          <a:solidFill>
+            <a:schemeClr val="tx1"/>
+          </a:solidFill>
+          <a:ln>
+            <a:noFill/>
           </a:ln>
         </p:spPr>
         <p:style>
-          <a:lnRef idx="1">
-            <a:schemeClr val="accent1"/>
+          <a:lnRef idx="2">
+            <a:schemeClr val="accent1">
+              <a:shade val="50000"/>
+            </a:schemeClr>
           </a:lnRef>
-          <a:fillRef idx="0">
+          <a:fillRef idx="1">
             <a:schemeClr val="accent1"/>
           </a:fillRef>
           <a:effectRef idx="0">
             <a:schemeClr val="accent1"/>
           </a:effectRef>
           <a:fontRef idx="minor">
-            <a:schemeClr val="tx1"/>
+            <a:schemeClr val="lt1"/>
           </a:fontRef>
         </p:style>
-      </p:cxnSp>
+        <p:txBody>
+          <a:bodyPr wrap="square" rtlCol="0" anchor="ctr">
+            <a:noAutofit/>
+          </a:bodyPr>
+          <a:lstStyle/>
+          <a:p>
+            <a:pPr algn="ctr"/>
+            <a:endParaRPr lang="en-US"/>
+          </a:p>
+        </p:txBody>
+      </p:sp>
+      <p:sp>
+        <p:nvSpPr>
+          <p:cNvPr id="3" name="Content Placeholder 2">
+            <a:extLst>
+              <a:ext uri="{FF2B5EF4-FFF2-40B4-BE49-F238E27FC236}">
+                <a16:creationId xmlns:a16="http://schemas.microsoft.com/office/drawing/2014/main" id="{1442EF80-DD5B-49B5-8897-D94B795222DC}"/>
+              </a:ext>
+            </a:extLst>
+          </p:cNvPr>
+          <p:cNvSpPr>
+            <a:spLocks noGrp="1"/>
+          </p:cNvSpPr>
+          <p:nvPr>
+            <p:ph idx="1"/>
+          </p:nvPr>
+        </p:nvSpPr>
+        <p:spPr>
+          <a:xfrm>
+            <a:off x="756746" y="2863018"/>
+            <a:ext cx="4666592" cy="3304451"/>
+          </a:xfrm>
+        </p:spPr>
+        <p:txBody>
+          <a:bodyPr>
+            <a:normAutofit/>
+          </a:bodyPr>
+          <a:lstStyle/>
+          <a:p>
+            <a:r>
+              <a:rPr lang="en-US" sz="2400" dirty="0">
+                <a:solidFill>
+                  <a:schemeClr val="bg1"/>
+                </a:solidFill>
+              </a:rPr>
+              <a:t>While criminal history points are applied proportionately across racial lines, career offender and armed career offender status are applied disproportionately to black offenders</a:t>
+            </a:r>
+          </a:p>
+          <a:p>
+            <a:r>
+              <a:rPr lang="en-US" sz="2400" dirty="0">
+                <a:solidFill>
+                  <a:schemeClr val="bg1"/>
+                </a:solidFill>
+              </a:rPr>
+              <a:t>Safety valve measures are applied disproportionately to white and Hispanic offenders</a:t>
+            </a:r>
+          </a:p>
+        </p:txBody>
+      </p:sp>
     </p:spTree>
     <p:extLst>
       <p:ext uri="{BB962C8B-B14F-4D97-AF65-F5344CB8AC3E}">
-        <p14:creationId xmlns:p14="http://schemas.microsoft.com/office/powerpoint/2010/main" val="1334030946"/>
+        <p14:creationId xmlns:p14="http://schemas.microsoft.com/office/powerpoint/2010/main" val="3601569138"/>
+      </p:ext>
+    </p:extLst>
+  </p:cSld>
+  <p:clrMapOvr>
+    <a:masterClrMapping/>
+  </p:clrMapOvr>
+  <p:timing>
+    <p:tnLst>
+      <p:par>
+        <p:cTn id="1" dur="indefinite" restart="never" nodeType="tmRoot">
+          <p:childTnLst>
+            <p:seq concurrent="1" nextAc="seek">
+              <p:cTn id="2" dur="indefinite" nodeType="mainSeq">
+                <p:childTnLst>
+                  <p:par>
+                    <p:cTn id="3" fill="hold">
+                      <p:stCondLst>
+                        <p:cond delay="indefinite"/>
+                      </p:stCondLst>
+                      <p:childTnLst>
+                        <p:par>
+                          <p:cTn id="4" fill="hold">
+                            <p:stCondLst>
+                              <p:cond delay="0"/>
+                            </p:stCondLst>
+                            <p:childTnLst>
+                              <p:par>
+                                <p:cTn id="5" presetID="1" presetClass="entr" presetSubtype="0" fill="hold" nodeType="clickEffect">
+                                  <p:stCondLst>
+                                    <p:cond delay="0"/>
+                                  </p:stCondLst>
+                                  <p:childTnLst>
+                                    <p:set>
+                                      <p:cBhvr>
+                                        <p:cTn id="6" dur="1" fill="hold">
+                                          <p:stCondLst>
+                                            <p:cond delay="0"/>
+                                          </p:stCondLst>
+                                        </p:cTn>
+                                        <p:tgtEl>
+                                          <p:spTgt spid="3">
+                                            <p:txEl>
+                                              <p:pRg st="0" end="0"/>
+                                            </p:txEl>
+                                          </p:spTgt>
+                                        </p:tgtEl>
+                                        <p:attrNameLst>
+                                          <p:attrName>style.visibility</p:attrName>
+                                        </p:attrNameLst>
+                                      </p:cBhvr>
+                                      <p:to>
+                                        <p:strVal val="visible"/>
+                                      </p:to>
+                                    </p:set>
+                                  </p:childTnLst>
+                                </p:cTn>
+                              </p:par>
+                            </p:childTnLst>
+                          </p:cTn>
+                        </p:par>
+                      </p:childTnLst>
+                    </p:cTn>
+                  </p:par>
+                  <p:par>
+                    <p:cTn id="7" fill="hold">
+                      <p:stCondLst>
+                        <p:cond delay="indefinite"/>
+                      </p:stCondLst>
+                      <p:childTnLst>
+                        <p:par>
+                          <p:cTn id="8" fill="hold">
+                            <p:stCondLst>
+                              <p:cond delay="0"/>
+                            </p:stCondLst>
+                            <p:childTnLst>
+                              <p:par>
+                                <p:cTn id="9" presetID="1" presetClass="entr" presetSubtype="0" fill="hold" nodeType="clickEffect">
+                                  <p:stCondLst>
+                                    <p:cond delay="0"/>
+                                  </p:stCondLst>
+                                  <p:childTnLst>
+                                    <p:set>
+                                      <p:cBhvr>
+                                        <p:cTn id="10" dur="1" fill="hold">
+                                          <p:stCondLst>
+                                            <p:cond delay="0"/>
+                                          </p:stCondLst>
+                                        </p:cTn>
+                                        <p:tgtEl>
+                                          <p:spTgt spid="3">
+                                            <p:txEl>
+                                              <p:pRg st="1" end="1"/>
+                                            </p:txEl>
+                                          </p:spTgt>
+                                        </p:tgtEl>
+                                        <p:attrNameLst>
+                                          <p:attrName>style.visibility</p:attrName>
+                                        </p:attrNameLst>
+                                      </p:cBhvr>
+                                      <p:to>
+                                        <p:strVal val="visible"/>
+                                      </p:to>
+                                    </p:set>
+                                  </p:childTnLst>
+                                </p:cTn>
+                              </p:par>
+                            </p:childTnLst>
+                          </p:cTn>
+                        </p:par>
+                      </p:childTnLst>
+                    </p:cTn>
+                  </p:par>
+                </p:childTnLst>
+              </p:cTn>
+              <p:prevCondLst>
+                <p:cond evt="onPrev" delay="0">
+                  <p:tgtEl>
+                    <p:sldTgt/>
+                  </p:tgtEl>
+                </p:cond>
+              </p:prevCondLst>
+              <p:nextCondLst>
+                <p:cond evt="onNext" delay="0">
+                  <p:tgtEl>
+                    <p:sldTgt/>
+                  </p:tgtEl>
+                </p:cond>
+              </p:nextCondLst>
+            </p:seq>
+          </p:childTnLst>
+        </p:cTn>
+      </p:par>
+    </p:tnLst>
+  </p:timing>
+</p:sld>
+</file>
+
+<file path=ppt/slides/slide25.xml><?xml version="1.0" encoding="utf-8"?>
+<p:sld xmlns:a="http://schemas.openxmlformats.org/drawingml/2006/main" xmlns:r="http://schemas.openxmlformats.org/officeDocument/2006/relationships" xmlns:p="http://schemas.openxmlformats.org/presentationml/2006/main">
+  <p:cSld>
+    <p:bg>
+      <p:bgPr>
+        <a:solidFill>
+          <a:srgbClr val="B3CEDE"/>
+        </a:solidFill>
+        <a:effectLst/>
+      </p:bgPr>
+    </p:bg>
+    <p:spTree>
+      <p:nvGrpSpPr>
+        <p:cNvPr id="1" name=""/>
+        <p:cNvGrpSpPr/>
+        <p:nvPr/>
+      </p:nvGrpSpPr>
+      <p:grpSpPr>
+        <a:xfrm>
+          <a:off x="0" y="0"/>
+          <a:ext cx="0" cy="0"/>
+          <a:chOff x="0" y="0"/>
+          <a:chExt cx="0" cy="0"/>
+        </a:xfrm>
+      </p:grpSpPr>
+      <p:sp>
+        <p:nvSpPr>
+          <p:cNvPr id="4" name="Title 3">
+            <a:extLst>
+              <a:ext uri="{FF2B5EF4-FFF2-40B4-BE49-F238E27FC236}">
+                <a16:creationId xmlns:a16="http://schemas.microsoft.com/office/drawing/2014/main" id="{BB2A1168-7759-4137-9142-9990CD1097B1}"/>
+              </a:ext>
+            </a:extLst>
+          </p:cNvPr>
+          <p:cNvSpPr>
+            <a:spLocks noGrp="1"/>
+          </p:cNvSpPr>
+          <p:nvPr>
+            <p:ph type="ctrTitle"/>
+          </p:nvPr>
+        </p:nvSpPr>
+        <p:spPr>
+          <a:xfrm>
+            <a:off x="1524000" y="1828873"/>
+            <a:ext cx="9144000" cy="2050670"/>
+          </a:xfrm>
+        </p:spPr>
+        <p:txBody>
+          <a:bodyPr>
+            <a:normAutofit/>
+          </a:bodyPr>
+          <a:lstStyle/>
+          <a:p>
+            <a:r>
+              <a:rPr lang="en-US" sz="6000" b="1" dirty="0">
+                <a:solidFill>
+                  <a:schemeClr val="bg1"/>
+                </a:solidFill>
+              </a:rPr>
+              <a:t>Questions?</a:t>
+            </a:r>
+          </a:p>
+        </p:txBody>
+      </p:sp>
+    </p:spTree>
+    <p:extLst>
+      <p:ext uri="{BB962C8B-B14F-4D97-AF65-F5344CB8AC3E}">
+        <p14:creationId xmlns:p14="http://schemas.microsoft.com/office/powerpoint/2010/main" val="3989912933"/>
       </p:ext>
     </p:extLst>
   </p:cSld>

--- a/Presentation.pptx
+++ b/Presentation.pptx
@@ -20,15 +20,15 @@
     <p:sldId id="261" r:id="rId14"/>
     <p:sldId id="258" r:id="rId15"/>
     <p:sldId id="278" r:id="rId16"/>
-    <p:sldId id="288" r:id="rId17"/>
-    <p:sldId id="289" r:id="rId18"/>
-    <p:sldId id="279" r:id="rId19"/>
-    <p:sldId id="280" r:id="rId20"/>
-    <p:sldId id="295" r:id="rId21"/>
-    <p:sldId id="297" r:id="rId22"/>
-    <p:sldId id="296" r:id="rId23"/>
-    <p:sldId id="294" r:id="rId24"/>
-    <p:sldId id="293" r:id="rId25"/>
+    <p:sldId id="299" r:id="rId17"/>
+    <p:sldId id="280" r:id="rId18"/>
+    <p:sldId id="295" r:id="rId19"/>
+    <p:sldId id="297" r:id="rId20"/>
+    <p:sldId id="296" r:id="rId21"/>
+    <p:sldId id="294" r:id="rId22"/>
+    <p:sldId id="293" r:id="rId23"/>
+    <p:sldId id="289" r:id="rId24"/>
+    <p:sldId id="279" r:id="rId25"/>
     <p:sldId id="298" r:id="rId26"/>
   </p:sldIdLst>
   <p:sldSz cx="12192000" cy="6858000"/>
@@ -6557,7 +6557,7 @@
           <a:p>
             <a:pPr algn="l"/>
             <a:r>
-              <a:rPr lang="en-US" sz="5000"/>
+              <a:rPr lang="en-US" sz="5000" dirty="0"/>
               <a:t>Are people of color receiving longer sentences on average?</a:t>
             </a:r>
           </a:p>
@@ -7513,7 +7513,7 @@
             </a:pPr>
             <a:r>
               <a:rPr lang="en-US" dirty="0"/>
-              <a:t>71% (388) of nonviolent offenses by Hispanic offenders are immigration related offenses, which carry no mandatory minimum sentence.</a:t>
+              <a:t>71% of nonviolent offenses by Hispanic offenders are immigration related offenses, which carry no mandatory minimum sentence.</a:t>
             </a:r>
           </a:p>
         </p:txBody>
@@ -7985,83 +7985,6 @@
     <p:bg>
       <p:bgPr>
         <a:solidFill>
-          <a:srgbClr val="26455C"/>
-        </a:solidFill>
-        <a:effectLst/>
-      </p:bgPr>
-    </p:bg>
-    <p:spTree>
-      <p:nvGrpSpPr>
-        <p:cNvPr id="1" name=""/>
-        <p:cNvGrpSpPr/>
-        <p:nvPr/>
-      </p:nvGrpSpPr>
-      <p:grpSpPr>
-        <a:xfrm>
-          <a:off x="0" y="0"/>
-          <a:ext cx="0" cy="0"/>
-          <a:chOff x="0" y="0"/>
-          <a:chExt cx="0" cy="0"/>
-        </a:xfrm>
-      </p:grpSpPr>
-      <p:sp>
-        <p:nvSpPr>
-          <p:cNvPr id="4" name="Title 3">
-            <a:extLst>
-              <a:ext uri="{FF2B5EF4-FFF2-40B4-BE49-F238E27FC236}">
-                <a16:creationId xmlns:a16="http://schemas.microsoft.com/office/drawing/2014/main" id="{BB2A1168-7759-4137-9142-9990CD1097B1}"/>
-              </a:ext>
-            </a:extLst>
-          </p:cNvPr>
-          <p:cNvSpPr>
-            <a:spLocks noGrp="1"/>
-          </p:cNvSpPr>
-          <p:nvPr>
-            <p:ph type="ctrTitle"/>
-          </p:nvPr>
-        </p:nvSpPr>
-        <p:spPr>
-          <a:xfrm>
-            <a:off x="1524000" y="1828873"/>
-            <a:ext cx="9144000" cy="2050670"/>
-          </a:xfrm>
-        </p:spPr>
-        <p:txBody>
-          <a:bodyPr>
-            <a:normAutofit/>
-          </a:bodyPr>
-          <a:lstStyle/>
-          <a:p>
-            <a:r>
-              <a:rPr lang="en-US" sz="6000" b="1" dirty="0">
-                <a:solidFill>
-                  <a:schemeClr val="bg1"/>
-                </a:solidFill>
-              </a:rPr>
-              <a:t>Insights</a:t>
-            </a:r>
-          </a:p>
-        </p:txBody>
-      </p:sp>
-    </p:spTree>
-    <p:extLst>
-      <p:ext uri="{BB962C8B-B14F-4D97-AF65-F5344CB8AC3E}">
-        <p14:creationId xmlns:p14="http://schemas.microsoft.com/office/powerpoint/2010/main" val="668236017"/>
-      </p:ext>
-    </p:extLst>
-  </p:cSld>
-  <p:clrMapOvr>
-    <a:masterClrMapping/>
-  </p:clrMapOvr>
-</p:sld>
-</file>
-
-<file path=ppt/slides/slide17.xml><?xml version="1.0" encoding="utf-8"?>
-<p:sld xmlns:a="http://schemas.openxmlformats.org/drawingml/2006/main" xmlns:r="http://schemas.openxmlformats.org/officeDocument/2006/relationships" xmlns:p="http://schemas.openxmlformats.org/presentationml/2006/main">
-  <p:cSld>
-    <p:bg>
-      <p:bgPr>
-        <a:solidFill>
           <a:schemeClr val="bg1"/>
         </a:solidFill>
         <a:effectLst/>
@@ -8083,10 +8006,10 @@
       </p:grpSpPr>
       <p:sp useBgFill="1">
         <p:nvSpPr>
-          <p:cNvPr id="14" name="Rectangle 13">
+          <p:cNvPr id="9" name="Rectangle 8">
             <a:extLst>
               <a:ext uri="{FF2B5EF4-FFF2-40B4-BE49-F238E27FC236}">
-                <a16:creationId xmlns:a16="http://schemas.microsoft.com/office/drawing/2014/main" id="{9389D3E0-BA02-41D3-B2AC-8FD6AA893902}"/>
+                <a16:creationId xmlns:a16="http://schemas.microsoft.com/office/drawing/2014/main" id="{16F9E488-0718-4E1E-9D12-26779F606252}"/>
               </a:ext>
               <a:ext uri="{C183D7F6-B498-43B3-948B-1728B52AA6E4}">
                 <adec:decorative xmlns:adec="http://schemas.microsoft.com/office/drawing/2017/decorative" val="1"/>
@@ -8107,7 +8030,7 @@
         <p:spPr>
           <a:xfrm>
             <a:off x="0" y="0"/>
-            <a:ext cx="12188952" cy="6858000"/>
+            <a:ext cx="12192000" cy="6858000"/>
           </a:xfrm>
           <a:prstGeom prst="rect">
             <a:avLst/>
@@ -8143,702 +8066,10 @@
       </p:sp>
       <p:sp>
         <p:nvSpPr>
-          <p:cNvPr id="2" name="Title 1">
+          <p:cNvPr id="11" name="Freeform: Shape 10">
             <a:extLst>
               <a:ext uri="{FF2B5EF4-FFF2-40B4-BE49-F238E27FC236}">
-                <a16:creationId xmlns:a16="http://schemas.microsoft.com/office/drawing/2014/main" id="{397EDA5E-FF32-48CB-AB2A-63CF13FBAB25}"/>
-              </a:ext>
-            </a:extLst>
-          </p:cNvPr>
-          <p:cNvSpPr>
-            <a:spLocks noGrp="1"/>
-          </p:cNvSpPr>
-          <p:nvPr>
-            <p:ph type="title"/>
-          </p:nvPr>
-        </p:nvSpPr>
-        <p:spPr>
-          <a:xfrm>
-            <a:off x="838200" y="557189"/>
-            <a:ext cx="3966463" cy="1620403"/>
-          </a:xfrm>
-        </p:spPr>
-        <p:txBody>
-          <a:bodyPr vert="horz" lIns="91440" tIns="45720" rIns="91440" bIns="45720" rtlCol="0" anchor="ctr">
-            <a:normAutofit/>
-          </a:bodyPr>
-          <a:lstStyle/>
-          <a:p>
-            <a:r>
-              <a:rPr lang="en-US" sz="5200" dirty="0"/>
-              <a:t>Insights: Pleas v. Trials</a:t>
-            </a:r>
-          </a:p>
-        </p:txBody>
-      </p:sp>
-      <p:pic>
-        <p:nvPicPr>
-          <p:cNvPr id="9" name="Picture 8">
-            <a:extLst>
-              <a:ext uri="{FF2B5EF4-FFF2-40B4-BE49-F238E27FC236}">
-                <a16:creationId xmlns:a16="http://schemas.microsoft.com/office/drawing/2014/main" id="{63246AD8-3A52-436E-8521-83FB1E4415AD}"/>
-              </a:ext>
-            </a:extLst>
-          </p:cNvPr>
-          <p:cNvPicPr>
-            <a:picLocks noChangeAspect="1"/>
-          </p:cNvPicPr>
-          <p:nvPr/>
-        </p:nvPicPr>
-        <p:blipFill rotWithShape="1">
-          <a:blip r:embed="rId2">
-            <a:extLst>
-              <a:ext uri="{28A0092B-C50C-407E-A947-70E740481C1C}">
-                <a14:useLocalDpi xmlns:a14="http://schemas.microsoft.com/office/drawing/2010/main" val="0"/>
-              </a:ext>
-            </a:extLst>
-          </a:blip>
-          <a:srcRect l="-5054" t="4340" r="-1" b="-714"/>
-          <a:stretch/>
-        </p:blipFill>
-        <p:spPr>
-          <a:xfrm>
-            <a:off x="5176911" y="720190"/>
-            <a:ext cx="6833848" cy="5584353"/>
-          </a:xfrm>
-          <a:prstGeom prst="rect">
-            <a:avLst/>
-          </a:prstGeom>
-        </p:spPr>
-      </p:pic>
-      <p:sp>
-        <p:nvSpPr>
-          <p:cNvPr id="10" name="TextBox 9">
-            <a:extLst>
-              <a:ext uri="{FF2B5EF4-FFF2-40B4-BE49-F238E27FC236}">
-                <a16:creationId xmlns:a16="http://schemas.microsoft.com/office/drawing/2014/main" id="{91097034-5955-46F6-94A5-18E3D5985947}"/>
-              </a:ext>
-            </a:extLst>
-          </p:cNvPr>
-          <p:cNvSpPr txBox="1"/>
-          <p:nvPr/>
-        </p:nvSpPr>
-        <p:spPr>
-          <a:xfrm>
-            <a:off x="563196" y="4269486"/>
-            <a:ext cx="4050519" cy="2308324"/>
-          </a:xfrm>
-          <a:prstGeom prst="rect">
-            <a:avLst/>
-          </a:prstGeom>
-          <a:noFill/>
-        </p:spPr>
-        <p:txBody>
-          <a:bodyPr wrap="square" rtlCol="0">
-            <a:spAutoFit/>
-          </a:bodyPr>
-          <a:lstStyle/>
-          <a:p>
-            <a:pPr marL="285750" indent="-285750">
-              <a:buFont typeface="Arial" panose="020B0604020202020204" pitchFamily="34" charset="0"/>
-              <a:buChar char="•"/>
-            </a:pPr>
-            <a:r>
-              <a:rPr lang="en-US" dirty="0"/>
-              <a:t>Difference between average sentence length for plea v. trial:</a:t>
-            </a:r>
-          </a:p>
-          <a:p>
-            <a:pPr marL="742950" lvl="1" indent="-285750">
-              <a:buFont typeface="Arial" panose="020B0604020202020204" pitchFamily="34" charset="0"/>
-              <a:buChar char="•"/>
-            </a:pPr>
-            <a:r>
-              <a:rPr lang="en-US" dirty="0"/>
-              <a:t>Black: 45.4 years</a:t>
-            </a:r>
-          </a:p>
-          <a:p>
-            <a:pPr marL="742950" lvl="1" indent="-285750">
-              <a:buFont typeface="Arial" panose="020B0604020202020204" pitchFamily="34" charset="0"/>
-              <a:buChar char="•"/>
-            </a:pPr>
-            <a:r>
-              <a:rPr lang="en-US" dirty="0"/>
-              <a:t>White: 59.3 years</a:t>
-            </a:r>
-          </a:p>
-          <a:p>
-            <a:pPr marL="742950" lvl="1" indent="-285750">
-              <a:buFont typeface="Arial" panose="020B0604020202020204" pitchFamily="34" charset="0"/>
-              <a:buChar char="•"/>
-            </a:pPr>
-            <a:r>
-              <a:rPr lang="en-US" dirty="0"/>
-              <a:t>Hispanic: 81.5 years</a:t>
-            </a:r>
-          </a:p>
-          <a:p>
-            <a:pPr marL="285750" indent="-285750">
-              <a:buFont typeface="Arial" panose="020B0604020202020204" pitchFamily="34" charset="0"/>
-              <a:buChar char="•"/>
-            </a:pPr>
-            <a:r>
-              <a:rPr lang="en-US" dirty="0"/>
-              <a:t>Median sentences are dramatically lower, but going to trial still increases the median sentence by </a:t>
-            </a:r>
-            <a:r>
-              <a:rPr lang="en-US" b="1" dirty="0"/>
-              <a:t>6.6 years</a:t>
-            </a:r>
-          </a:p>
-        </p:txBody>
-      </p:sp>
-      <p:sp>
-        <p:nvSpPr>
-          <p:cNvPr id="11" name="Rectangle: Rounded Corners 10">
-            <a:extLst>
-              <a:ext uri="{FF2B5EF4-FFF2-40B4-BE49-F238E27FC236}">
-                <a16:creationId xmlns:a16="http://schemas.microsoft.com/office/drawing/2014/main" id="{6B2C90E6-A701-43CF-88E4-66F2BAD893A7}"/>
-              </a:ext>
-            </a:extLst>
-          </p:cNvPr>
-          <p:cNvSpPr/>
-          <p:nvPr/>
-        </p:nvSpPr>
-        <p:spPr>
-          <a:xfrm>
-            <a:off x="651369" y="2177592"/>
-            <a:ext cx="1754480" cy="1693072"/>
-          </a:xfrm>
-          <a:prstGeom prst="roundRect">
-            <a:avLst/>
-          </a:prstGeom>
-        </p:spPr>
-        <p:style>
-          <a:lnRef idx="2">
-            <a:schemeClr val="dk1"/>
-          </a:lnRef>
-          <a:fillRef idx="1">
-            <a:schemeClr val="lt1"/>
-          </a:fillRef>
-          <a:effectRef idx="0">
-            <a:schemeClr val="dk1"/>
-          </a:effectRef>
-          <a:fontRef idx="minor">
-            <a:schemeClr val="dk1"/>
-          </a:fontRef>
-        </p:style>
-        <p:txBody>
-          <a:bodyPr rtlCol="0" anchor="ctr">
-            <a:normAutofit fontScale="92500" lnSpcReduction="10000"/>
-          </a:bodyPr>
-          <a:lstStyle/>
-          <a:p>
-            <a:pPr algn="ctr"/>
-            <a:r>
-              <a:rPr lang="en-US" sz="1400" dirty="0"/>
-              <a:t>Average sentence for a plea:</a:t>
-            </a:r>
-          </a:p>
-          <a:p>
-            <a:pPr algn="ctr"/>
-            <a:r>
-              <a:rPr lang="en-US" sz="6600" dirty="0"/>
-              <a:t>5.9</a:t>
-            </a:r>
-          </a:p>
-          <a:p>
-            <a:pPr algn="ctr"/>
-            <a:r>
-              <a:rPr lang="en-US" sz="1400" dirty="0"/>
-              <a:t>years</a:t>
-            </a:r>
-            <a:endParaRPr lang="en-US" dirty="0"/>
-          </a:p>
-        </p:txBody>
-      </p:sp>
-      <p:sp>
-        <p:nvSpPr>
-          <p:cNvPr id="13" name="Rectangle: Rounded Corners 12">
-            <a:extLst>
-              <a:ext uri="{FF2B5EF4-FFF2-40B4-BE49-F238E27FC236}">
-                <a16:creationId xmlns:a16="http://schemas.microsoft.com/office/drawing/2014/main" id="{404822C7-33D6-4D38-A7A1-93FA7702FD69}"/>
-              </a:ext>
-            </a:extLst>
-          </p:cNvPr>
-          <p:cNvSpPr/>
-          <p:nvPr/>
-        </p:nvSpPr>
-        <p:spPr>
-          <a:xfrm>
-            <a:off x="2914140" y="2177592"/>
-            <a:ext cx="1754480" cy="1693072"/>
-          </a:xfrm>
-          <a:prstGeom prst="roundRect">
-            <a:avLst/>
-          </a:prstGeom>
-        </p:spPr>
-        <p:style>
-          <a:lnRef idx="2">
-            <a:schemeClr val="dk1"/>
-          </a:lnRef>
-          <a:fillRef idx="1">
-            <a:schemeClr val="lt1"/>
-          </a:fillRef>
-          <a:effectRef idx="0">
-            <a:schemeClr val="dk1"/>
-          </a:effectRef>
-          <a:fontRef idx="minor">
-            <a:schemeClr val="dk1"/>
-          </a:fontRef>
-        </p:style>
-        <p:txBody>
-          <a:bodyPr rtlCol="0" anchor="ctr">
-            <a:normAutofit fontScale="92500" lnSpcReduction="10000"/>
-          </a:bodyPr>
-          <a:lstStyle/>
-          <a:p>
-            <a:pPr algn="ctr"/>
-            <a:r>
-              <a:rPr lang="en-US" sz="1400" dirty="0"/>
-              <a:t>Average sentence for a trial:</a:t>
-            </a:r>
-          </a:p>
-          <a:p>
-            <a:pPr algn="ctr"/>
-            <a:r>
-              <a:rPr lang="en-US" sz="6600" dirty="0"/>
-              <a:t>58.3</a:t>
-            </a:r>
-          </a:p>
-          <a:p>
-            <a:pPr algn="ctr"/>
-            <a:r>
-              <a:rPr lang="en-US" sz="1400" dirty="0"/>
-              <a:t>years</a:t>
-            </a:r>
-            <a:endParaRPr lang="en-US" dirty="0"/>
-          </a:p>
-        </p:txBody>
-      </p:sp>
-    </p:spTree>
-    <p:extLst>
-      <p:ext uri="{BB962C8B-B14F-4D97-AF65-F5344CB8AC3E}">
-        <p14:creationId xmlns:p14="http://schemas.microsoft.com/office/powerpoint/2010/main" val="3992084856"/>
-      </p:ext>
-    </p:extLst>
-  </p:cSld>
-  <p:clrMapOvr>
-    <a:masterClrMapping/>
-  </p:clrMapOvr>
-  <p:timing>
-    <p:tnLst>
-      <p:par>
-        <p:cTn id="1" dur="indefinite" restart="never" nodeType="tmRoot">
-          <p:childTnLst>
-            <p:seq concurrent="1" nextAc="seek">
-              <p:cTn id="2" dur="indefinite" nodeType="mainSeq">
-                <p:childTnLst>
-                  <p:par>
-                    <p:cTn id="3" fill="hold">
-                      <p:stCondLst>
-                        <p:cond delay="indefinite"/>
-                      </p:stCondLst>
-                      <p:childTnLst>
-                        <p:par>
-                          <p:cTn id="4" fill="hold">
-                            <p:stCondLst>
-                              <p:cond delay="0"/>
-                            </p:stCondLst>
-                            <p:childTnLst>
-                              <p:par>
-                                <p:cTn id="5" presetID="10" presetClass="entr" presetSubtype="0" fill="hold" grpId="0" nodeType="clickEffect">
-                                  <p:stCondLst>
-                                    <p:cond delay="0"/>
-                                  </p:stCondLst>
-                                  <p:childTnLst>
-                                    <p:set>
-                                      <p:cBhvr>
-                                        <p:cTn id="6" dur="1" fill="hold">
-                                          <p:stCondLst>
-                                            <p:cond delay="0"/>
-                                          </p:stCondLst>
-                                        </p:cTn>
-                                        <p:tgtEl>
-                                          <p:spTgt spid="11"/>
-                                        </p:tgtEl>
-                                        <p:attrNameLst>
-                                          <p:attrName>style.visibility</p:attrName>
-                                        </p:attrNameLst>
-                                      </p:cBhvr>
-                                      <p:to>
-                                        <p:strVal val="visible"/>
-                                      </p:to>
-                                    </p:set>
-                                    <p:animEffect transition="in" filter="fade">
-                                      <p:cBhvr>
-                                        <p:cTn id="7" dur="500"/>
-                                        <p:tgtEl>
-                                          <p:spTgt spid="11"/>
-                                        </p:tgtEl>
-                                      </p:cBhvr>
-                                    </p:animEffect>
-                                  </p:childTnLst>
-                                </p:cTn>
-                              </p:par>
-                              <p:par>
-                                <p:cTn id="8" presetID="10" presetClass="entr" presetSubtype="0" fill="hold" grpId="0" nodeType="withEffect">
-                                  <p:stCondLst>
-                                    <p:cond delay="0"/>
-                                  </p:stCondLst>
-                                  <p:childTnLst>
-                                    <p:set>
-                                      <p:cBhvr>
-                                        <p:cTn id="9" dur="1" fill="hold">
-                                          <p:stCondLst>
-                                            <p:cond delay="0"/>
-                                          </p:stCondLst>
-                                        </p:cTn>
-                                        <p:tgtEl>
-                                          <p:spTgt spid="13"/>
-                                        </p:tgtEl>
-                                        <p:attrNameLst>
-                                          <p:attrName>style.visibility</p:attrName>
-                                        </p:attrNameLst>
-                                      </p:cBhvr>
-                                      <p:to>
-                                        <p:strVal val="visible"/>
-                                      </p:to>
-                                    </p:set>
-                                    <p:animEffect transition="in" filter="fade">
-                                      <p:cBhvr>
-                                        <p:cTn id="10" dur="500"/>
-                                        <p:tgtEl>
-                                          <p:spTgt spid="13"/>
-                                        </p:tgtEl>
-                                      </p:cBhvr>
-                                    </p:animEffect>
-                                  </p:childTnLst>
-                                </p:cTn>
-                              </p:par>
-                            </p:childTnLst>
-                          </p:cTn>
-                        </p:par>
-                      </p:childTnLst>
-                    </p:cTn>
-                  </p:par>
-                  <p:par>
-                    <p:cTn id="11" fill="hold">
-                      <p:stCondLst>
-                        <p:cond delay="indefinite"/>
-                      </p:stCondLst>
-                      <p:childTnLst>
-                        <p:par>
-                          <p:cTn id="12" fill="hold">
-                            <p:stCondLst>
-                              <p:cond delay="0"/>
-                            </p:stCondLst>
-                            <p:childTnLst>
-                              <p:par>
-                                <p:cTn id="13" presetID="10" presetClass="entr" presetSubtype="0" fill="hold" nodeType="clickEffect">
-                                  <p:stCondLst>
-                                    <p:cond delay="0"/>
-                                  </p:stCondLst>
-                                  <p:childTnLst>
-                                    <p:set>
-                                      <p:cBhvr>
-                                        <p:cTn id="14" dur="1" fill="hold">
-                                          <p:stCondLst>
-                                            <p:cond delay="0"/>
-                                          </p:stCondLst>
-                                        </p:cTn>
-                                        <p:tgtEl>
-                                          <p:spTgt spid="10">
-                                            <p:txEl>
-                                              <p:pRg st="0" end="0"/>
-                                            </p:txEl>
-                                          </p:spTgt>
-                                        </p:tgtEl>
-                                        <p:attrNameLst>
-                                          <p:attrName>style.visibility</p:attrName>
-                                        </p:attrNameLst>
-                                      </p:cBhvr>
-                                      <p:to>
-                                        <p:strVal val="visible"/>
-                                      </p:to>
-                                    </p:set>
-                                    <p:animEffect transition="in" filter="fade">
-                                      <p:cBhvr>
-                                        <p:cTn id="15" dur="500"/>
-                                        <p:tgtEl>
-                                          <p:spTgt spid="10">
-                                            <p:txEl>
-                                              <p:pRg st="0" end="0"/>
-                                            </p:txEl>
-                                          </p:spTgt>
-                                        </p:tgtEl>
-                                      </p:cBhvr>
-                                    </p:animEffect>
-                                  </p:childTnLst>
-                                </p:cTn>
-                              </p:par>
-                              <p:par>
-                                <p:cTn id="16" presetID="10" presetClass="entr" presetSubtype="0" fill="hold" nodeType="withEffect">
-                                  <p:stCondLst>
-                                    <p:cond delay="0"/>
-                                  </p:stCondLst>
-                                  <p:childTnLst>
-                                    <p:set>
-                                      <p:cBhvr>
-                                        <p:cTn id="17" dur="1" fill="hold">
-                                          <p:stCondLst>
-                                            <p:cond delay="0"/>
-                                          </p:stCondLst>
-                                        </p:cTn>
-                                        <p:tgtEl>
-                                          <p:spTgt spid="10">
-                                            <p:txEl>
-                                              <p:pRg st="2" end="2"/>
-                                            </p:txEl>
-                                          </p:spTgt>
-                                        </p:tgtEl>
-                                        <p:attrNameLst>
-                                          <p:attrName>style.visibility</p:attrName>
-                                        </p:attrNameLst>
-                                      </p:cBhvr>
-                                      <p:to>
-                                        <p:strVal val="visible"/>
-                                      </p:to>
-                                    </p:set>
-                                    <p:animEffect transition="in" filter="fade">
-                                      <p:cBhvr>
-                                        <p:cTn id="18" dur="500"/>
-                                        <p:tgtEl>
-                                          <p:spTgt spid="10">
-                                            <p:txEl>
-                                              <p:pRg st="2" end="2"/>
-                                            </p:txEl>
-                                          </p:spTgt>
-                                        </p:tgtEl>
-                                      </p:cBhvr>
-                                    </p:animEffect>
-                                  </p:childTnLst>
-                                </p:cTn>
-                              </p:par>
-                              <p:par>
-                                <p:cTn id="19" presetID="10" presetClass="entr" presetSubtype="0" fill="hold" nodeType="withEffect">
-                                  <p:stCondLst>
-                                    <p:cond delay="0"/>
-                                  </p:stCondLst>
-                                  <p:childTnLst>
-                                    <p:set>
-                                      <p:cBhvr>
-                                        <p:cTn id="20" dur="1" fill="hold">
-                                          <p:stCondLst>
-                                            <p:cond delay="0"/>
-                                          </p:stCondLst>
-                                        </p:cTn>
-                                        <p:tgtEl>
-                                          <p:spTgt spid="10">
-                                            <p:txEl>
-                                              <p:pRg st="1" end="1"/>
-                                            </p:txEl>
-                                          </p:spTgt>
-                                        </p:tgtEl>
-                                        <p:attrNameLst>
-                                          <p:attrName>style.visibility</p:attrName>
-                                        </p:attrNameLst>
-                                      </p:cBhvr>
-                                      <p:to>
-                                        <p:strVal val="visible"/>
-                                      </p:to>
-                                    </p:set>
-                                    <p:animEffect transition="in" filter="fade">
-                                      <p:cBhvr>
-                                        <p:cTn id="21" dur="500"/>
-                                        <p:tgtEl>
-                                          <p:spTgt spid="10">
-                                            <p:txEl>
-                                              <p:pRg st="1" end="1"/>
-                                            </p:txEl>
-                                          </p:spTgt>
-                                        </p:tgtEl>
-                                      </p:cBhvr>
-                                    </p:animEffect>
-                                  </p:childTnLst>
-                                </p:cTn>
-                              </p:par>
-                              <p:par>
-                                <p:cTn id="22" presetID="10" presetClass="entr" presetSubtype="0" fill="hold" nodeType="withEffect">
-                                  <p:stCondLst>
-                                    <p:cond delay="0"/>
-                                  </p:stCondLst>
-                                  <p:childTnLst>
-                                    <p:set>
-                                      <p:cBhvr>
-                                        <p:cTn id="23" dur="1" fill="hold">
-                                          <p:stCondLst>
-                                            <p:cond delay="0"/>
-                                          </p:stCondLst>
-                                        </p:cTn>
-                                        <p:tgtEl>
-                                          <p:spTgt spid="10">
-                                            <p:txEl>
-                                              <p:pRg st="3" end="3"/>
-                                            </p:txEl>
-                                          </p:spTgt>
-                                        </p:tgtEl>
-                                        <p:attrNameLst>
-                                          <p:attrName>style.visibility</p:attrName>
-                                        </p:attrNameLst>
-                                      </p:cBhvr>
-                                      <p:to>
-                                        <p:strVal val="visible"/>
-                                      </p:to>
-                                    </p:set>
-                                    <p:animEffect transition="in" filter="fade">
-                                      <p:cBhvr>
-                                        <p:cTn id="24" dur="500"/>
-                                        <p:tgtEl>
-                                          <p:spTgt spid="10">
-                                            <p:txEl>
-                                              <p:pRg st="3" end="3"/>
-                                            </p:txEl>
-                                          </p:spTgt>
-                                        </p:tgtEl>
-                                      </p:cBhvr>
-                                    </p:animEffect>
-                                  </p:childTnLst>
-                                </p:cTn>
-                              </p:par>
-                            </p:childTnLst>
-                          </p:cTn>
-                        </p:par>
-                      </p:childTnLst>
-                    </p:cTn>
-                  </p:par>
-                  <p:par>
-                    <p:cTn id="25" fill="hold">
-                      <p:stCondLst>
-                        <p:cond delay="indefinite"/>
-                      </p:stCondLst>
-                      <p:childTnLst>
-                        <p:par>
-                          <p:cTn id="26" fill="hold">
-                            <p:stCondLst>
-                              <p:cond delay="0"/>
-                            </p:stCondLst>
-                            <p:childTnLst>
-                              <p:par>
-                                <p:cTn id="27" presetID="10" presetClass="entr" presetSubtype="0" fill="hold" nodeType="clickEffect">
-                                  <p:stCondLst>
-                                    <p:cond delay="0"/>
-                                  </p:stCondLst>
-                                  <p:childTnLst>
-                                    <p:set>
-                                      <p:cBhvr>
-                                        <p:cTn id="28" dur="1" fill="hold">
-                                          <p:stCondLst>
-                                            <p:cond delay="0"/>
-                                          </p:stCondLst>
-                                        </p:cTn>
-                                        <p:tgtEl>
-                                          <p:spTgt spid="10">
-                                            <p:txEl>
-                                              <p:pRg st="4" end="4"/>
-                                            </p:txEl>
-                                          </p:spTgt>
-                                        </p:tgtEl>
-                                        <p:attrNameLst>
-                                          <p:attrName>style.visibility</p:attrName>
-                                        </p:attrNameLst>
-                                      </p:cBhvr>
-                                      <p:to>
-                                        <p:strVal val="visible"/>
-                                      </p:to>
-                                    </p:set>
-                                    <p:animEffect transition="in" filter="fade">
-                                      <p:cBhvr>
-                                        <p:cTn id="29" dur="500"/>
-                                        <p:tgtEl>
-                                          <p:spTgt spid="10">
-                                            <p:txEl>
-                                              <p:pRg st="4" end="4"/>
-                                            </p:txEl>
-                                          </p:spTgt>
-                                        </p:tgtEl>
-                                      </p:cBhvr>
-                                    </p:animEffect>
-                                  </p:childTnLst>
-                                </p:cTn>
-                              </p:par>
-                            </p:childTnLst>
-                          </p:cTn>
-                        </p:par>
-                      </p:childTnLst>
-                    </p:cTn>
-                  </p:par>
-                </p:childTnLst>
-              </p:cTn>
-              <p:prevCondLst>
-                <p:cond evt="onPrev" delay="0">
-                  <p:tgtEl>
-                    <p:sldTgt/>
-                  </p:tgtEl>
-                </p:cond>
-              </p:prevCondLst>
-              <p:nextCondLst>
-                <p:cond evt="onNext" delay="0">
-                  <p:tgtEl>
-                    <p:sldTgt/>
-                  </p:tgtEl>
-                </p:cond>
-              </p:nextCondLst>
-            </p:seq>
-          </p:childTnLst>
-        </p:cTn>
-      </p:par>
-    </p:tnLst>
-    <p:bldLst>
-      <p:bldP spid="11" grpId="0" animBg="1"/>
-      <p:bldP spid="13" grpId="0" animBg="1"/>
-    </p:bldLst>
-  </p:timing>
-</p:sld>
-</file>
-
-<file path=ppt/slides/slide18.xml><?xml version="1.0" encoding="utf-8"?>
-<p:sld xmlns:a="http://schemas.openxmlformats.org/drawingml/2006/main" xmlns:r="http://schemas.openxmlformats.org/officeDocument/2006/relationships" xmlns:p="http://schemas.openxmlformats.org/presentationml/2006/main">
-  <p:cSld>
-    <p:bg>
-      <p:bgPr>
-        <a:solidFill>
-          <a:schemeClr val="bg1"/>
-        </a:solidFill>
-        <a:effectLst/>
-      </p:bgPr>
-    </p:bg>
-    <p:spTree>
-      <p:nvGrpSpPr>
-        <p:cNvPr id="1" name=""/>
-        <p:cNvGrpSpPr/>
-        <p:nvPr/>
-      </p:nvGrpSpPr>
-      <p:grpSpPr>
-        <a:xfrm>
-          <a:off x="0" y="0"/>
-          <a:ext cx="0" cy="0"/>
-          <a:chOff x="0" y="0"/>
-          <a:chExt cx="0" cy="0"/>
-        </a:xfrm>
-      </p:grpSpPr>
-      <p:sp useBgFill="1">
-        <p:nvSpPr>
-          <p:cNvPr id="14" name="Rectangle 13">
-            <a:extLst>
-              <a:ext uri="{FF2B5EF4-FFF2-40B4-BE49-F238E27FC236}">
-                <a16:creationId xmlns:a16="http://schemas.microsoft.com/office/drawing/2014/main" id="{9389D3E0-BA02-41D3-B2AC-8FD6AA893902}"/>
+                <a16:creationId xmlns:a16="http://schemas.microsoft.com/office/drawing/2014/main" id="{D20AEB5B-DFC7-42B4-9FAA-6B95E01D0FCE}"/>
               </a:ext>
               <a:ext uri="{C183D7F6-B498-43B3-948B-1728B52AA6E4}">
                 <adec:decorative xmlns:adec="http://schemas.microsoft.com/office/drawing/2017/decorative" val="1"/>
@@ -8858,12 +8089,562 @@
         </p:nvSpPr>
         <p:spPr>
           <a:xfrm>
-            <a:off x="0" y="0"/>
-            <a:ext cx="12188952" cy="6858000"/>
+            <a:off x="4715124" y="0"/>
+            <a:ext cx="7476877" cy="6858000"/>
           </a:xfrm>
-          <a:prstGeom prst="rect">
+          <a:custGeom>
             <a:avLst/>
-          </a:prstGeom>
+            <a:gdLst>
+              <a:gd name="connsiteX0" fmla="*/ 637332 w 7476877"/>
+              <a:gd name="connsiteY0" fmla="*/ 4332728 h 6858000"/>
+              <a:gd name="connsiteX1" fmla="*/ 1576347 w 7476877"/>
+              <a:gd name="connsiteY1" fmla="*/ 4332728 h 6858000"/>
+              <a:gd name="connsiteX2" fmla="*/ 1720345 w 7476877"/>
+              <a:gd name="connsiteY2" fmla="*/ 4419228 h 6858000"/>
+              <a:gd name="connsiteX3" fmla="*/ 2190864 w 7476877"/>
+              <a:gd name="connsiteY3" fmla="*/ 5245095 h 6858000"/>
+              <a:gd name="connsiteX4" fmla="*/ 2190864 w 7476877"/>
+              <a:gd name="connsiteY4" fmla="*/ 5413976 h 6858000"/>
+              <a:gd name="connsiteX5" fmla="*/ 1720345 w 7476877"/>
+              <a:gd name="connsiteY5" fmla="*/ 6239844 h 6858000"/>
+              <a:gd name="connsiteX6" fmla="*/ 1576347 w 7476877"/>
+              <a:gd name="connsiteY6" fmla="*/ 6326343 h 6858000"/>
+              <a:gd name="connsiteX7" fmla="*/ 637332 w 7476877"/>
+              <a:gd name="connsiteY7" fmla="*/ 6326343 h 6858000"/>
+              <a:gd name="connsiteX8" fmla="*/ 491309 w 7476877"/>
+              <a:gd name="connsiteY8" fmla="*/ 6239844 h 6858000"/>
+              <a:gd name="connsiteX9" fmla="*/ 22817 w 7476877"/>
+              <a:gd name="connsiteY9" fmla="*/ 5413976 h 6858000"/>
+              <a:gd name="connsiteX10" fmla="*/ 22817 w 7476877"/>
+              <a:gd name="connsiteY10" fmla="*/ 5245095 h 6858000"/>
+              <a:gd name="connsiteX11" fmla="*/ 491309 w 7476877"/>
+              <a:gd name="connsiteY11" fmla="*/ 4419228 h 6858000"/>
+              <a:gd name="connsiteX12" fmla="*/ 637332 w 7476877"/>
+              <a:gd name="connsiteY12" fmla="*/ 4332728 h 6858000"/>
+              <a:gd name="connsiteX13" fmla="*/ 3853980 w 7476877"/>
+              <a:gd name="connsiteY13" fmla="*/ 0 h 6858000"/>
+              <a:gd name="connsiteX14" fmla="*/ 5043644 w 7476877"/>
+              <a:gd name="connsiteY14" fmla="*/ 0 h 6858000"/>
+              <a:gd name="connsiteX15" fmla="*/ 5083740 w 7476877"/>
+              <a:gd name="connsiteY15" fmla="*/ 70378 h 6858000"/>
+              <a:gd name="connsiteX16" fmla="*/ 5225307 w 7476877"/>
+              <a:gd name="connsiteY16" fmla="*/ 318859 h 6858000"/>
+              <a:gd name="connsiteX17" fmla="*/ 5225307 w 7476877"/>
+              <a:gd name="connsiteY17" fmla="*/ 577503 h 6858000"/>
+              <a:gd name="connsiteX18" fmla="*/ 4504695 w 7476877"/>
+              <a:gd name="connsiteY18" fmla="*/ 1842337 h 6858000"/>
+              <a:gd name="connsiteX19" fmla="*/ 4284162 w 7476877"/>
+              <a:gd name="connsiteY19" fmla="*/ 1974811 h 6858000"/>
+              <a:gd name="connsiteX20" fmla="*/ 2846045 w 7476877"/>
+              <a:gd name="connsiteY20" fmla="*/ 1974811 h 6858000"/>
+              <a:gd name="connsiteX21" fmla="*/ 2778342 w 7476877"/>
+              <a:gd name="connsiteY21" fmla="*/ 1965645 h 6858000"/>
+              <a:gd name="connsiteX22" fmla="*/ 2731777 w 7476877"/>
+              <a:gd name="connsiteY22" fmla="*/ 1945746 h 6858000"/>
+              <a:gd name="connsiteX23" fmla="*/ 2760233 w 7476877"/>
+              <a:gd name="connsiteY23" fmla="*/ 1895581 h 6858000"/>
+              <a:gd name="connsiteX24" fmla="*/ 3768459 w 7476877"/>
+              <a:gd name="connsiteY24" fmla="*/ 118263 h 6858000"/>
+              <a:gd name="connsiteX25" fmla="*/ 3819932 w 7476877"/>
+              <a:gd name="connsiteY25" fmla="*/ 39732 h 6858000"/>
+              <a:gd name="connsiteX26" fmla="*/ 1880237 w 7476877"/>
+              <a:gd name="connsiteY26" fmla="*/ 0 h 6858000"/>
+              <a:gd name="connsiteX27" fmla="*/ 2102124 w 7476877"/>
+              <a:gd name="connsiteY27" fmla="*/ 0 h 6858000"/>
+              <a:gd name="connsiteX28" fmla="*/ 2086946 w 7476877"/>
+              <a:gd name="connsiteY28" fmla="*/ 26756 h 6858000"/>
+              <a:gd name="connsiteX29" fmla="*/ 1911773 w 7476877"/>
+              <a:gd name="connsiteY29" fmla="*/ 335552 h 6858000"/>
+              <a:gd name="connsiteX30" fmla="*/ 1911773 w 7476877"/>
+              <a:gd name="connsiteY30" fmla="*/ 594199 h 6858000"/>
+              <a:gd name="connsiteX31" fmla="*/ 2629280 w 7476877"/>
+              <a:gd name="connsiteY31" fmla="*/ 1859030 h 6858000"/>
+              <a:gd name="connsiteX32" fmla="*/ 2723627 w 7476877"/>
+              <a:gd name="connsiteY32" fmla="*/ 1956020 h 6858000"/>
+              <a:gd name="connsiteX33" fmla="*/ 2734544 w 7476877"/>
+              <a:gd name="connsiteY33" fmla="*/ 1960685 h 6858000"/>
+              <a:gd name="connsiteX34" fmla="*/ 2676021 w 7476877"/>
+              <a:gd name="connsiteY34" fmla="*/ 2063851 h 6858000"/>
+              <a:gd name="connsiteX35" fmla="*/ 2632495 w 7476877"/>
+              <a:gd name="connsiteY35" fmla="*/ 2140578 h 6858000"/>
+              <a:gd name="connsiteX36" fmla="*/ 2677641 w 7476877"/>
+              <a:gd name="connsiteY36" fmla="*/ 2159871 h 6858000"/>
+              <a:gd name="connsiteX37" fmla="*/ 2754009 w 7476877"/>
+              <a:gd name="connsiteY37" fmla="*/ 2170210 h 6858000"/>
+              <a:gd name="connsiteX38" fmla="*/ 4376198 w 7476877"/>
+              <a:gd name="connsiteY38" fmla="*/ 2170210 h 6858000"/>
+              <a:gd name="connsiteX39" fmla="*/ 4624956 w 7476877"/>
+              <a:gd name="connsiteY39" fmla="*/ 2020780 h 6858000"/>
+              <a:gd name="connsiteX40" fmla="*/ 5437803 w 7476877"/>
+              <a:gd name="connsiteY40" fmla="*/ 594055 h 6858000"/>
+              <a:gd name="connsiteX41" fmla="*/ 5437803 w 7476877"/>
+              <a:gd name="connsiteY41" fmla="*/ 302307 h 6858000"/>
+              <a:gd name="connsiteX42" fmla="*/ 5294722 w 7476877"/>
+              <a:gd name="connsiteY42" fmla="*/ 51168 h 6858000"/>
+              <a:gd name="connsiteX43" fmla="*/ 5265570 w 7476877"/>
+              <a:gd name="connsiteY43" fmla="*/ 0 h 6858000"/>
+              <a:gd name="connsiteX44" fmla="*/ 7476877 w 7476877"/>
+              <a:gd name="connsiteY44" fmla="*/ 0 h 6858000"/>
+              <a:gd name="connsiteX45" fmla="*/ 7476877 w 7476877"/>
+              <a:gd name="connsiteY45" fmla="*/ 6858000 h 6858000"/>
+              <a:gd name="connsiteX46" fmla="*/ 3343303 w 7476877"/>
+              <a:gd name="connsiteY46" fmla="*/ 6858000 h 6858000"/>
+              <a:gd name="connsiteX47" fmla="*/ 3297958 w 7476877"/>
+              <a:gd name="connsiteY47" fmla="*/ 6778065 h 6858000"/>
+              <a:gd name="connsiteX48" fmla="*/ 1841286 w 7476877"/>
+              <a:gd name="connsiteY48" fmla="*/ 4210218 h 6858000"/>
+              <a:gd name="connsiteX49" fmla="*/ 1841286 w 7476877"/>
+              <a:gd name="connsiteY49" fmla="*/ 3515516 h 6858000"/>
+              <a:gd name="connsiteX50" fmla="*/ 2556859 w 7476877"/>
+              <a:gd name="connsiteY50" fmla="*/ 2254092 h 6858000"/>
+              <a:gd name="connsiteX51" fmla="*/ 2617166 w 7476877"/>
+              <a:gd name="connsiteY51" fmla="*/ 2147787 h 6858000"/>
+              <a:gd name="connsiteX52" fmla="*/ 2615044 w 7476877"/>
+              <a:gd name="connsiteY52" fmla="*/ 2146880 h 6858000"/>
+              <a:gd name="connsiteX53" fmla="*/ 2508620 w 7476877"/>
+              <a:gd name="connsiteY53" fmla="*/ 2037473 h 6858000"/>
+              <a:gd name="connsiteX54" fmla="*/ 1699276 w 7476877"/>
+              <a:gd name="connsiteY54" fmla="*/ 610749 h 6858000"/>
+              <a:gd name="connsiteX55" fmla="*/ 1699276 w 7476877"/>
+              <a:gd name="connsiteY55" fmla="*/ 319000 h 6858000"/>
+              <a:gd name="connsiteX56" fmla="*/ 1843322 w 7476877"/>
+              <a:gd name="connsiteY56" fmla="*/ 65075 h 6858000"/>
+            </a:gdLst>
+            <a:ahLst/>
+            <a:cxnLst>
+              <a:cxn ang="0">
+                <a:pos x="connsiteX0" y="connsiteY0"/>
+              </a:cxn>
+              <a:cxn ang="0">
+                <a:pos x="connsiteX1" y="connsiteY1"/>
+              </a:cxn>
+              <a:cxn ang="0">
+                <a:pos x="connsiteX2" y="connsiteY2"/>
+              </a:cxn>
+              <a:cxn ang="0">
+                <a:pos x="connsiteX3" y="connsiteY3"/>
+              </a:cxn>
+              <a:cxn ang="0">
+                <a:pos x="connsiteX4" y="connsiteY4"/>
+              </a:cxn>
+              <a:cxn ang="0">
+                <a:pos x="connsiteX5" y="connsiteY5"/>
+              </a:cxn>
+              <a:cxn ang="0">
+                <a:pos x="connsiteX6" y="connsiteY6"/>
+              </a:cxn>
+              <a:cxn ang="0">
+                <a:pos x="connsiteX7" y="connsiteY7"/>
+              </a:cxn>
+              <a:cxn ang="0">
+                <a:pos x="connsiteX8" y="connsiteY8"/>
+              </a:cxn>
+              <a:cxn ang="0">
+                <a:pos x="connsiteX9" y="connsiteY9"/>
+              </a:cxn>
+              <a:cxn ang="0">
+                <a:pos x="connsiteX10" y="connsiteY10"/>
+              </a:cxn>
+              <a:cxn ang="0">
+                <a:pos x="connsiteX11" y="connsiteY11"/>
+              </a:cxn>
+              <a:cxn ang="0">
+                <a:pos x="connsiteX12" y="connsiteY12"/>
+              </a:cxn>
+              <a:cxn ang="0">
+                <a:pos x="connsiteX13" y="connsiteY13"/>
+              </a:cxn>
+              <a:cxn ang="0">
+                <a:pos x="connsiteX14" y="connsiteY14"/>
+              </a:cxn>
+              <a:cxn ang="0">
+                <a:pos x="connsiteX15" y="connsiteY15"/>
+              </a:cxn>
+              <a:cxn ang="0">
+                <a:pos x="connsiteX16" y="connsiteY16"/>
+              </a:cxn>
+              <a:cxn ang="0">
+                <a:pos x="connsiteX17" y="connsiteY17"/>
+              </a:cxn>
+              <a:cxn ang="0">
+                <a:pos x="connsiteX18" y="connsiteY18"/>
+              </a:cxn>
+              <a:cxn ang="0">
+                <a:pos x="connsiteX19" y="connsiteY19"/>
+              </a:cxn>
+              <a:cxn ang="0">
+                <a:pos x="connsiteX20" y="connsiteY20"/>
+              </a:cxn>
+              <a:cxn ang="0">
+                <a:pos x="connsiteX21" y="connsiteY21"/>
+              </a:cxn>
+              <a:cxn ang="0">
+                <a:pos x="connsiteX22" y="connsiteY22"/>
+              </a:cxn>
+              <a:cxn ang="0">
+                <a:pos x="connsiteX23" y="connsiteY23"/>
+              </a:cxn>
+              <a:cxn ang="0">
+                <a:pos x="connsiteX24" y="connsiteY24"/>
+              </a:cxn>
+              <a:cxn ang="0">
+                <a:pos x="connsiteX25" y="connsiteY25"/>
+              </a:cxn>
+              <a:cxn ang="0">
+                <a:pos x="connsiteX26" y="connsiteY26"/>
+              </a:cxn>
+              <a:cxn ang="0">
+                <a:pos x="connsiteX27" y="connsiteY27"/>
+              </a:cxn>
+              <a:cxn ang="0">
+                <a:pos x="connsiteX28" y="connsiteY28"/>
+              </a:cxn>
+              <a:cxn ang="0">
+                <a:pos x="connsiteX29" y="connsiteY29"/>
+              </a:cxn>
+              <a:cxn ang="0">
+                <a:pos x="connsiteX30" y="connsiteY30"/>
+              </a:cxn>
+              <a:cxn ang="0">
+                <a:pos x="connsiteX31" y="connsiteY31"/>
+              </a:cxn>
+              <a:cxn ang="0">
+                <a:pos x="connsiteX32" y="connsiteY32"/>
+              </a:cxn>
+              <a:cxn ang="0">
+                <a:pos x="connsiteX33" y="connsiteY33"/>
+              </a:cxn>
+              <a:cxn ang="0">
+                <a:pos x="connsiteX34" y="connsiteY34"/>
+              </a:cxn>
+              <a:cxn ang="0">
+                <a:pos x="connsiteX35" y="connsiteY35"/>
+              </a:cxn>
+              <a:cxn ang="0">
+                <a:pos x="connsiteX36" y="connsiteY36"/>
+              </a:cxn>
+              <a:cxn ang="0">
+                <a:pos x="connsiteX37" y="connsiteY37"/>
+              </a:cxn>
+              <a:cxn ang="0">
+                <a:pos x="connsiteX38" y="connsiteY38"/>
+              </a:cxn>
+              <a:cxn ang="0">
+                <a:pos x="connsiteX39" y="connsiteY39"/>
+              </a:cxn>
+              <a:cxn ang="0">
+                <a:pos x="connsiteX40" y="connsiteY40"/>
+              </a:cxn>
+              <a:cxn ang="0">
+                <a:pos x="connsiteX41" y="connsiteY41"/>
+              </a:cxn>
+              <a:cxn ang="0">
+                <a:pos x="connsiteX42" y="connsiteY42"/>
+              </a:cxn>
+              <a:cxn ang="0">
+                <a:pos x="connsiteX43" y="connsiteY43"/>
+              </a:cxn>
+              <a:cxn ang="0">
+                <a:pos x="connsiteX44" y="connsiteY44"/>
+              </a:cxn>
+              <a:cxn ang="0">
+                <a:pos x="connsiteX45" y="connsiteY45"/>
+              </a:cxn>
+              <a:cxn ang="0">
+                <a:pos x="connsiteX46" y="connsiteY46"/>
+              </a:cxn>
+              <a:cxn ang="0">
+                <a:pos x="connsiteX47" y="connsiteY47"/>
+              </a:cxn>
+              <a:cxn ang="0">
+                <a:pos x="connsiteX48" y="connsiteY48"/>
+              </a:cxn>
+              <a:cxn ang="0">
+                <a:pos x="connsiteX49" y="connsiteY49"/>
+              </a:cxn>
+              <a:cxn ang="0">
+                <a:pos x="connsiteX50" y="connsiteY50"/>
+              </a:cxn>
+              <a:cxn ang="0">
+                <a:pos x="connsiteX51" y="connsiteY51"/>
+              </a:cxn>
+              <a:cxn ang="0">
+                <a:pos x="connsiteX52" y="connsiteY52"/>
+              </a:cxn>
+              <a:cxn ang="0">
+                <a:pos x="connsiteX53" y="connsiteY53"/>
+              </a:cxn>
+              <a:cxn ang="0">
+                <a:pos x="connsiteX54" y="connsiteY54"/>
+              </a:cxn>
+              <a:cxn ang="0">
+                <a:pos x="connsiteX55" y="connsiteY55"/>
+              </a:cxn>
+              <a:cxn ang="0">
+                <a:pos x="connsiteX56" y="connsiteY56"/>
+              </a:cxn>
+            </a:cxnLst>
+            <a:rect l="l" t="t" r="r" b="b"/>
+            <a:pathLst>
+              <a:path w="7476877" h="6858000">
+                <a:moveTo>
+                  <a:pt x="637332" y="4332728"/>
+                </a:moveTo>
+                <a:cubicBezTo>
+                  <a:pt x="637332" y="4332728"/>
+                  <a:pt x="637332" y="4332728"/>
+                  <a:pt x="1576347" y="4332728"/>
+                </a:cubicBezTo>
+                <a:cubicBezTo>
+                  <a:pt x="1635163" y="4332728"/>
+                  <a:pt x="1691949" y="4365681"/>
+                  <a:pt x="1720345" y="4419228"/>
+                </a:cubicBezTo>
+                <a:cubicBezTo>
+                  <a:pt x="1720345" y="4419228"/>
+                  <a:pt x="1720345" y="4419228"/>
+                  <a:pt x="2190864" y="5245095"/>
+                </a:cubicBezTo>
+                <a:cubicBezTo>
+                  <a:pt x="2221287" y="5296583"/>
+                  <a:pt x="2221287" y="5362488"/>
+                  <a:pt x="2190864" y="5413976"/>
+                </a:cubicBezTo>
+                <a:cubicBezTo>
+                  <a:pt x="2190864" y="5413976"/>
+                  <a:pt x="2190864" y="5413976"/>
+                  <a:pt x="1720345" y="6239844"/>
+                </a:cubicBezTo>
+                <a:cubicBezTo>
+                  <a:pt x="1691949" y="6293391"/>
+                  <a:pt x="1635163" y="6326343"/>
+                  <a:pt x="1576347" y="6326343"/>
+                </a:cubicBezTo>
+                <a:cubicBezTo>
+                  <a:pt x="1576347" y="6326343"/>
+                  <a:pt x="1576347" y="6326343"/>
+                  <a:pt x="637332" y="6326343"/>
+                </a:cubicBezTo>
+                <a:cubicBezTo>
+                  <a:pt x="576490" y="6326343"/>
+                  <a:pt x="521732" y="6293391"/>
+                  <a:pt x="491309" y="6239844"/>
+                </a:cubicBezTo>
+                <a:cubicBezTo>
+                  <a:pt x="491309" y="6239844"/>
+                  <a:pt x="491309" y="6239844"/>
+                  <a:pt x="22817" y="5413976"/>
+                </a:cubicBezTo>
+                <a:cubicBezTo>
+                  <a:pt x="-7605" y="5362488"/>
+                  <a:pt x="-7605" y="5296583"/>
+                  <a:pt x="22817" y="5245095"/>
+                </a:cubicBezTo>
+                <a:cubicBezTo>
+                  <a:pt x="22817" y="5245095"/>
+                  <a:pt x="22817" y="5245095"/>
+                  <a:pt x="491309" y="4419228"/>
+                </a:cubicBezTo>
+                <a:cubicBezTo>
+                  <a:pt x="521732" y="4365681"/>
+                  <a:pt x="576490" y="4332728"/>
+                  <a:pt x="637332" y="4332728"/>
+                </a:cubicBezTo>
+                <a:close/>
+                <a:moveTo>
+                  <a:pt x="3853980" y="0"/>
+                </a:moveTo>
+                <a:lnTo>
+                  <a:pt x="5043644" y="0"/>
+                </a:lnTo>
+                <a:lnTo>
+                  <a:pt x="5083740" y="70378"/>
+                </a:lnTo>
+                <a:cubicBezTo>
+                  <a:pt x="5127533" y="147245"/>
+                  <a:pt x="5174639" y="229925"/>
+                  <a:pt x="5225307" y="318859"/>
+                </a:cubicBezTo>
+                <a:cubicBezTo>
+                  <a:pt x="5271897" y="397715"/>
+                  <a:pt x="5271897" y="498649"/>
+                  <a:pt x="5225307" y="577503"/>
+                </a:cubicBezTo>
+                <a:cubicBezTo>
+                  <a:pt x="5225307" y="577503"/>
+                  <a:pt x="5225307" y="577503"/>
+                  <a:pt x="4504695" y="1842337"/>
+                </a:cubicBezTo>
+                <a:cubicBezTo>
+                  <a:pt x="4461209" y="1924345"/>
+                  <a:pt x="4374239" y="1974811"/>
+                  <a:pt x="4284162" y="1974811"/>
+                </a:cubicBezTo>
+                <a:cubicBezTo>
+                  <a:pt x="4284162" y="1974811"/>
+                  <a:pt x="4284162" y="1974811"/>
+                  <a:pt x="2846045" y="1974811"/>
+                </a:cubicBezTo>
+                <a:cubicBezTo>
+                  <a:pt x="2822750" y="1974811"/>
+                  <a:pt x="2800035" y="1971656"/>
+                  <a:pt x="2778342" y="1965645"/>
+                </a:cubicBezTo>
+                <a:lnTo>
+                  <a:pt x="2731777" y="1945746"/>
+                </a:lnTo>
+                <a:lnTo>
+                  <a:pt x="2760233" y="1895581"/>
+                </a:lnTo>
+                <a:cubicBezTo>
+                  <a:pt x="3017539" y="1441999"/>
+                  <a:pt x="3346890" y="861413"/>
+                  <a:pt x="3768459" y="118263"/>
+                </a:cubicBezTo>
+                <a:cubicBezTo>
+                  <a:pt x="3784101" y="90729"/>
+                  <a:pt x="3801308" y="64519"/>
+                  <a:pt x="3819932" y="39732"/>
+                </a:cubicBezTo>
+                <a:close/>
+                <a:moveTo>
+                  <a:pt x="1880237" y="0"/>
+                </a:moveTo>
+                <a:lnTo>
+                  <a:pt x="2102124" y="0"/>
+                </a:lnTo>
+                <a:lnTo>
+                  <a:pt x="2086946" y="26756"/>
+                </a:lnTo>
+                <a:cubicBezTo>
+                  <a:pt x="1911773" y="335552"/>
+                  <a:pt x="1911773" y="335552"/>
+                  <a:pt x="1911773" y="335552"/>
+                </a:cubicBezTo>
+                <a:cubicBezTo>
+                  <a:pt x="1865182" y="414408"/>
+                  <a:pt x="1865182" y="515344"/>
+                  <a:pt x="1911773" y="594199"/>
+                </a:cubicBezTo>
+                <a:cubicBezTo>
+                  <a:pt x="2629280" y="1859030"/>
+                  <a:pt x="2629280" y="1859030"/>
+                  <a:pt x="2629280" y="1859030"/>
+                </a:cubicBezTo>
+                <a:cubicBezTo>
+                  <a:pt x="2652576" y="1900035"/>
+                  <a:pt x="2685189" y="1933154"/>
+                  <a:pt x="2723627" y="1956020"/>
+                </a:cubicBezTo>
+                <a:lnTo>
+                  <a:pt x="2734544" y="1960685"/>
+                </a:lnTo>
+                <a:lnTo>
+                  <a:pt x="2676021" y="2063851"/>
+                </a:lnTo>
+                <a:lnTo>
+                  <a:pt x="2632495" y="2140578"/>
+                </a:lnTo>
+                <a:lnTo>
+                  <a:pt x="2677641" y="2159871"/>
+                </a:lnTo>
+                <a:cubicBezTo>
+                  <a:pt x="2702113" y="2166652"/>
+                  <a:pt x="2727732" y="2170210"/>
+                  <a:pt x="2754009" y="2170210"/>
+                </a:cubicBezTo>
+                <a:cubicBezTo>
+                  <a:pt x="4376198" y="2170210"/>
+                  <a:pt x="4376198" y="2170210"/>
+                  <a:pt x="4376198" y="2170210"/>
+                </a:cubicBezTo>
+                <a:cubicBezTo>
+                  <a:pt x="4477805" y="2170210"/>
+                  <a:pt x="4575904" y="2113286"/>
+                  <a:pt x="4624956" y="2020780"/>
+                </a:cubicBezTo>
+                <a:cubicBezTo>
+                  <a:pt x="5437803" y="594055"/>
+                  <a:pt x="5437803" y="594055"/>
+                  <a:pt x="5437803" y="594055"/>
+                </a:cubicBezTo>
+                <a:cubicBezTo>
+                  <a:pt x="5490358" y="505109"/>
+                  <a:pt x="5490358" y="391256"/>
+                  <a:pt x="5437803" y="302307"/>
+                </a:cubicBezTo>
+                <a:cubicBezTo>
+                  <a:pt x="5387000" y="213137"/>
+                  <a:pt x="5339373" y="129540"/>
+                  <a:pt x="5294722" y="51168"/>
+                </a:cubicBezTo>
+                <a:lnTo>
+                  <a:pt x="5265570" y="0"/>
+                </a:lnTo>
+                <a:lnTo>
+                  <a:pt x="7476877" y="0"/>
+                </a:lnTo>
+                <a:lnTo>
+                  <a:pt x="7476877" y="6858000"/>
+                </a:lnTo>
+                <a:lnTo>
+                  <a:pt x="3343303" y="6858000"/>
+                </a:lnTo>
+                <a:lnTo>
+                  <a:pt x="3297958" y="6778065"/>
+                </a:lnTo>
+                <a:cubicBezTo>
+                  <a:pt x="3015657" y="6280421"/>
+                  <a:pt x="2563976" y="5484189"/>
+                  <a:pt x="1841286" y="4210218"/>
+                </a:cubicBezTo>
+                <a:cubicBezTo>
+                  <a:pt x="1716144" y="3998418"/>
+                  <a:pt x="1716144" y="3727316"/>
+                  <a:pt x="1841286" y="3515516"/>
+                </a:cubicBezTo>
+                <a:cubicBezTo>
+                  <a:pt x="1841286" y="3515516"/>
+                  <a:pt x="1841286" y="3515516"/>
+                  <a:pt x="2556859" y="2254092"/>
+                </a:cubicBezTo>
+                <a:lnTo>
+                  <a:pt x="2617166" y="2147787"/>
+                </a:lnTo>
+                <a:lnTo>
+                  <a:pt x="2615044" y="2146880"/>
+                </a:lnTo>
+                <a:cubicBezTo>
+                  <a:pt x="2571686" y="2121084"/>
+                  <a:pt x="2534897" y="2083728"/>
+                  <a:pt x="2508620" y="2037473"/>
+                </a:cubicBezTo>
+                <a:cubicBezTo>
+                  <a:pt x="2508620" y="2037473"/>
+                  <a:pt x="2508620" y="2037473"/>
+                  <a:pt x="1699276" y="610749"/>
+                </a:cubicBezTo>
+                <a:cubicBezTo>
+                  <a:pt x="1646720" y="521803"/>
+                  <a:pt x="1646720" y="407950"/>
+                  <a:pt x="1699276" y="319000"/>
+                </a:cubicBezTo>
+                <a:cubicBezTo>
+                  <a:pt x="1699276" y="319000"/>
+                  <a:pt x="1699276" y="319000"/>
+                  <a:pt x="1843322" y="65075"/>
+                </a:cubicBezTo>
+                <a:close/>
+              </a:path>
+            </a:pathLst>
+          </a:custGeom>
+          <a:solidFill>
+            <a:schemeClr val="tx1">
+              <a:lumMod val="50000"/>
+              <a:lumOff val="50000"/>
+              <a:alpha val="15000"/>
+            </a:schemeClr>
+          </a:solidFill>
           <a:ln>
             <a:noFill/>
           </a:ln>
@@ -8885,7 +8666,9 @@
           </a:fontRef>
         </p:style>
         <p:txBody>
-          <a:bodyPr rtlCol="0" anchor="ctr"/>
+          <a:bodyPr wrap="square" rtlCol="0" anchor="ctr">
+            <a:noAutofit/>
+          </a:bodyPr>
           <a:lstStyle/>
           <a:p>
             <a:pPr algn="ctr"/>
@@ -8895,10 +8678,10 @@
       </p:sp>
       <p:sp>
         <p:nvSpPr>
-          <p:cNvPr id="2" name="Title 1">
+          <p:cNvPr id="4" name="Title 3">
             <a:extLst>
               <a:ext uri="{FF2B5EF4-FFF2-40B4-BE49-F238E27FC236}">
-                <a16:creationId xmlns:a16="http://schemas.microsoft.com/office/drawing/2014/main" id="{397EDA5E-FF32-48CB-AB2A-63CF13FBAB25}"/>
+                <a16:creationId xmlns:a16="http://schemas.microsoft.com/office/drawing/2014/main" id="{BB2A1168-7759-4137-9142-9990CD1097B1}"/>
               </a:ext>
             </a:extLst>
           </p:cNvPr>
@@ -8906,333 +8689,449 @@
             <a:spLocks noGrp="1"/>
           </p:cNvSpPr>
           <p:nvPr>
-            <p:ph type="title"/>
+            <p:ph type="ctrTitle"/>
           </p:nvPr>
         </p:nvSpPr>
         <p:spPr>
           <a:xfrm>
-            <a:off x="838200" y="557189"/>
-            <a:ext cx="3966463" cy="1620403"/>
+            <a:off x="1189770" y="1991795"/>
+            <a:ext cx="8131211" cy="3592928"/>
           </a:xfrm>
         </p:spPr>
         <p:txBody>
-          <a:bodyPr vert="horz" lIns="91440" tIns="45720" rIns="91440" bIns="45720" rtlCol="0" anchor="ctr">
+          <a:bodyPr anchor="t">
             <a:normAutofit/>
           </a:bodyPr>
           <a:lstStyle/>
           <a:p>
+            <a:pPr algn="l"/>
             <a:r>
-              <a:rPr lang="en-US" sz="5200" dirty="0"/>
-              <a:t>Insights: Pleas v. Trials</a:t>
+              <a:rPr lang="en-US" sz="5000" dirty="0"/>
+              <a:t>Are there disparities in the application of sentence enhancements and sentence mitigation measures?</a:t>
             </a:r>
           </a:p>
         </p:txBody>
       </p:sp>
-      <p:pic>
-        <p:nvPicPr>
-          <p:cNvPr id="9" name="Picture 8">
+      <p:grpSp>
+        <p:nvGrpSpPr>
+          <p:cNvPr id="13" name="Group 12">
             <a:extLst>
               <a:ext uri="{FF2B5EF4-FFF2-40B4-BE49-F238E27FC236}">
-                <a16:creationId xmlns:a16="http://schemas.microsoft.com/office/drawing/2014/main" id="{63246AD8-3A52-436E-8521-83FB1E4415AD}"/>
+                <a16:creationId xmlns:a16="http://schemas.microsoft.com/office/drawing/2014/main" id="{64B93721-934F-4F1E-A868-0B2BA110D3B5}"/>
+              </a:ext>
+              <a:ext uri="{C183D7F6-B498-43B3-948B-1728B52AA6E4}">
+                <adec:decorative xmlns:adec="http://schemas.microsoft.com/office/drawing/2017/decorative" val="1"/>
               </a:ext>
             </a:extLst>
           </p:cNvPr>
-          <p:cNvPicPr>
-            <a:picLocks noChangeAspect="1"/>
-          </p:cNvPicPr>
-          <p:nvPr/>
-        </p:nvPicPr>
-        <p:blipFill rotWithShape="1">
-          <a:blip r:embed="rId2">
-            <a:extLst>
-              <a:ext uri="{28A0092B-C50C-407E-A947-70E740481C1C}">
-                <a14:useLocalDpi xmlns:a14="http://schemas.microsoft.com/office/drawing/2010/main" val="0"/>
-              </a:ext>
-            </a:extLst>
-          </a:blip>
-          <a:srcRect l="-4383" t="535" r="-3986" b="138"/>
-          <a:stretch/>
-        </p:blipFill>
-        <p:spPr>
+          <p:cNvGrpSpPr>
+            <a:grpSpLocks noGrp="1" noUngrp="1" noRot="1" noChangeAspect="1" noMove="1" noResize="1"/>
+          </p:cNvGrpSpPr>
+          <p:nvPr>
+            <p:extLst>
+              <p:ext uri="{386F3935-93C4-4BCD-93E2-E3B085C9AB24}">
+                <p16:designElem xmlns:p16="http://schemas.microsoft.com/office/powerpoint/2015/main" val="1"/>
+              </p:ext>
+            </p:extLst>
+          </p:nvPr>
+        </p:nvGrpSpPr>
+        <p:grpSpPr>
           <a:xfrm>
-            <a:off x="5176911" y="720190"/>
-            <a:ext cx="6833848" cy="5584353"/>
+            <a:off x="441960" y="561256"/>
+            <a:ext cx="1128382" cy="847206"/>
+            <a:chOff x="7393391" y="1075612"/>
+            <a:chExt cx="1128382" cy="847206"/>
           </a:xfrm>
-          <a:prstGeom prst="rect">
-            <a:avLst/>
-          </a:prstGeom>
-        </p:spPr>
-      </p:pic>
-      <p:sp>
-        <p:nvSpPr>
-          <p:cNvPr id="10" name="TextBox 9">
-            <a:extLst>
-              <a:ext uri="{FF2B5EF4-FFF2-40B4-BE49-F238E27FC236}">
-                <a16:creationId xmlns:a16="http://schemas.microsoft.com/office/drawing/2014/main" id="{91097034-5955-46F6-94A5-18E3D5985947}"/>
-              </a:ext>
-            </a:extLst>
-          </p:cNvPr>
-          <p:cNvSpPr txBox="1"/>
-          <p:nvPr/>
-        </p:nvSpPr>
-        <p:spPr>
-          <a:xfrm>
-            <a:off x="563196" y="4269486"/>
-            <a:ext cx="4050519" cy="1200329"/>
-          </a:xfrm>
-          <a:prstGeom prst="rect">
-            <a:avLst/>
-          </a:prstGeom>
-          <a:noFill/>
-        </p:spPr>
-        <p:txBody>
-          <a:bodyPr wrap="square" rtlCol="0">
-            <a:spAutoFit/>
-          </a:bodyPr>
-          <a:lstStyle/>
-          <a:p>
-            <a:pPr marL="285750" indent="-285750">
-              <a:buFont typeface="Arial" panose="020B0604020202020204" pitchFamily="34" charset="0"/>
-              <a:buChar char="•"/>
-            </a:pPr>
-            <a:r>
-              <a:rPr lang="en-US" dirty="0"/>
-              <a:t>3.9% of black defendants pursue trial</a:t>
-            </a:r>
-          </a:p>
-          <a:p>
-            <a:pPr marL="285750" indent="-285750">
-              <a:buFont typeface="Arial" panose="020B0604020202020204" pitchFamily="34" charset="0"/>
-              <a:buChar char="•"/>
-            </a:pPr>
-            <a:r>
-              <a:rPr lang="en-US" dirty="0"/>
-              <a:t>2.4% of white defendants pursue trial</a:t>
-            </a:r>
-          </a:p>
-          <a:p>
-            <a:pPr marL="285750" indent="-285750">
-              <a:buFont typeface="Arial" panose="020B0604020202020204" pitchFamily="34" charset="0"/>
-              <a:buChar char="•"/>
-            </a:pPr>
-            <a:r>
-              <a:rPr lang="en-US" dirty="0"/>
-              <a:t>1.3% of Hispanic defendants pursue trial</a:t>
-            </a:r>
-          </a:p>
-        </p:txBody>
-      </p:sp>
-      <p:sp>
-        <p:nvSpPr>
-          <p:cNvPr id="13" name="Rectangle: Rounded Corners 12">
-            <a:extLst>
-              <a:ext uri="{FF2B5EF4-FFF2-40B4-BE49-F238E27FC236}">
-                <a16:creationId xmlns:a16="http://schemas.microsoft.com/office/drawing/2014/main" id="{404822C7-33D6-4D38-A7A1-93FA7702FD69}"/>
-              </a:ext>
-            </a:extLst>
-          </p:cNvPr>
-          <p:cNvSpPr/>
-          <p:nvPr/>
-        </p:nvSpPr>
-        <p:spPr>
-          <a:xfrm>
-            <a:off x="1307690" y="2177592"/>
-            <a:ext cx="2113936" cy="1620404"/>
-          </a:xfrm>
-          <a:prstGeom prst="roundRect">
-            <a:avLst/>
-          </a:prstGeom>
-        </p:spPr>
-        <p:style>
-          <a:lnRef idx="2">
-            <a:schemeClr val="dk1"/>
-          </a:lnRef>
-          <a:fillRef idx="1">
-            <a:schemeClr val="lt1"/>
-          </a:fillRef>
-          <a:effectRef idx="0">
-            <a:schemeClr val="dk1"/>
-          </a:effectRef>
-          <a:fontRef idx="minor">
-            <a:schemeClr val="dk1"/>
-          </a:fontRef>
-        </p:style>
-        <p:txBody>
-          <a:bodyPr rtlCol="0" anchor="ctr">
-            <a:normAutofit/>
-          </a:bodyPr>
-          <a:lstStyle/>
-          <a:p>
-            <a:pPr algn="ctr"/>
-            <a:r>
-              <a:rPr lang="en-US" sz="7200" dirty="0"/>
-              <a:t>97%</a:t>
-            </a:r>
-          </a:p>
-          <a:p>
-            <a:pPr algn="ctr"/>
-            <a:r>
-              <a:rPr lang="en-US" sz="1200" dirty="0"/>
-              <a:t>of all defendants plead out</a:t>
-            </a:r>
-            <a:endParaRPr lang="en-US" sz="1600" dirty="0"/>
-          </a:p>
-        </p:txBody>
-      </p:sp>
+        </p:grpSpPr>
+        <p:sp>
+          <p:nvSpPr>
+            <p:cNvPr id="14" name="Freeform 5">
+              <a:extLst>
+                <a:ext uri="{FF2B5EF4-FFF2-40B4-BE49-F238E27FC236}">
+                  <a16:creationId xmlns:a16="http://schemas.microsoft.com/office/drawing/2014/main" id="{99494AF8-52DE-4016-B1B9-5D16974BAE24}"/>
+                </a:ext>
+                <a:ext uri="{C183D7F6-B498-43B3-948B-1728B52AA6E4}">
+                  <adec:decorative xmlns:adec="http://schemas.microsoft.com/office/drawing/2017/decorative" val="1"/>
+                </a:ext>
+              </a:extLst>
+            </p:cNvPr>
+            <p:cNvSpPr>
+              <a:spLocks/>
+            </p:cNvSpPr>
+            <p:nvPr>
+              <p:extLst>
+                <p:ext uri="{386F3935-93C4-4BCD-93E2-E3B085C9AB24}">
+                  <p16:designElem xmlns:p16="http://schemas.microsoft.com/office/powerpoint/2015/main" val="1"/>
+                </p:ext>
+              </p:extLst>
+            </p:nvPr>
+          </p:nvSpPr>
+          <p:spPr bwMode="auto">
+            <a:xfrm>
+              <a:off x="7393391" y="1327438"/>
+              <a:ext cx="675351" cy="595380"/>
+            </a:xfrm>
+            <a:custGeom>
+              <a:avLst/>
+              <a:gdLst>
+                <a:gd name="T0" fmla="*/ 225 w 785"/>
+                <a:gd name="T1" fmla="*/ 692 h 692"/>
+                <a:gd name="T2" fmla="*/ 177 w 785"/>
+                <a:gd name="T3" fmla="*/ 665 h 692"/>
+                <a:gd name="T4" fmla="*/ 9 w 785"/>
+                <a:gd name="T5" fmla="*/ 374 h 692"/>
+                <a:gd name="T6" fmla="*/ 9 w 785"/>
+                <a:gd name="T7" fmla="*/ 318 h 692"/>
+                <a:gd name="T8" fmla="*/ 177 w 785"/>
+                <a:gd name="T9" fmla="*/ 27 h 692"/>
+                <a:gd name="T10" fmla="*/ 225 w 785"/>
+                <a:gd name="T11" fmla="*/ 0 h 692"/>
+                <a:gd name="T12" fmla="*/ 561 w 785"/>
+                <a:gd name="T13" fmla="*/ 0 h 692"/>
+                <a:gd name="T14" fmla="*/ 609 w 785"/>
+                <a:gd name="T15" fmla="*/ 27 h 692"/>
+                <a:gd name="T16" fmla="*/ 777 w 785"/>
+                <a:gd name="T17" fmla="*/ 318 h 692"/>
+                <a:gd name="T18" fmla="*/ 777 w 785"/>
+                <a:gd name="T19" fmla="*/ 374 h 692"/>
+                <a:gd name="T20" fmla="*/ 609 w 785"/>
+                <a:gd name="T21" fmla="*/ 665 h 692"/>
+                <a:gd name="T22" fmla="*/ 561 w 785"/>
+                <a:gd name="T23" fmla="*/ 692 h 692"/>
+                <a:gd name="T24" fmla="*/ 225 w 785"/>
+                <a:gd name="T25" fmla="*/ 692 h 692"/>
+              </a:gdLst>
+              <a:ahLst/>
+              <a:cxnLst>
+                <a:cxn ang="0">
+                  <a:pos x="T0" y="T1"/>
+                </a:cxn>
+                <a:cxn ang="0">
+                  <a:pos x="T2" y="T3"/>
+                </a:cxn>
+                <a:cxn ang="0">
+                  <a:pos x="T4" y="T5"/>
+                </a:cxn>
+                <a:cxn ang="0">
+                  <a:pos x="T6" y="T7"/>
+                </a:cxn>
+                <a:cxn ang="0">
+                  <a:pos x="T8" y="T9"/>
+                </a:cxn>
+                <a:cxn ang="0">
+                  <a:pos x="T10" y="T11"/>
+                </a:cxn>
+                <a:cxn ang="0">
+                  <a:pos x="T12" y="T13"/>
+                </a:cxn>
+                <a:cxn ang="0">
+                  <a:pos x="T14" y="T15"/>
+                </a:cxn>
+                <a:cxn ang="0">
+                  <a:pos x="T16" y="T17"/>
+                </a:cxn>
+                <a:cxn ang="0">
+                  <a:pos x="T18" y="T19"/>
+                </a:cxn>
+                <a:cxn ang="0">
+                  <a:pos x="T20" y="T21"/>
+                </a:cxn>
+                <a:cxn ang="0">
+                  <a:pos x="T22" y="T23"/>
+                </a:cxn>
+                <a:cxn ang="0">
+                  <a:pos x="T24" y="T25"/>
+                </a:cxn>
+              </a:cxnLst>
+              <a:rect l="0" t="0" r="r" b="b"/>
+              <a:pathLst>
+                <a:path w="785" h="692">
+                  <a:moveTo>
+                    <a:pt x="225" y="692"/>
+                  </a:moveTo>
+                  <a:cubicBezTo>
+                    <a:pt x="207" y="692"/>
+                    <a:pt x="185" y="680"/>
+                    <a:pt x="177" y="665"/>
+                  </a:cubicBezTo>
+                  <a:cubicBezTo>
+                    <a:pt x="9" y="374"/>
+                    <a:pt x="9" y="374"/>
+                    <a:pt x="9" y="374"/>
+                  </a:cubicBezTo>
+                  <a:cubicBezTo>
+                    <a:pt x="0" y="358"/>
+                    <a:pt x="0" y="334"/>
+                    <a:pt x="9" y="318"/>
+                  </a:cubicBezTo>
+                  <a:cubicBezTo>
+                    <a:pt x="177" y="27"/>
+                    <a:pt x="177" y="27"/>
+                    <a:pt x="177" y="27"/>
+                  </a:cubicBezTo>
+                  <a:cubicBezTo>
+                    <a:pt x="185" y="12"/>
+                    <a:pt x="207" y="0"/>
+                    <a:pt x="225" y="0"/>
+                  </a:cubicBezTo>
+                  <a:cubicBezTo>
+                    <a:pt x="561" y="0"/>
+                    <a:pt x="561" y="0"/>
+                    <a:pt x="561" y="0"/>
+                  </a:cubicBezTo>
+                  <a:cubicBezTo>
+                    <a:pt x="578" y="0"/>
+                    <a:pt x="600" y="12"/>
+                    <a:pt x="609" y="27"/>
+                  </a:cubicBezTo>
+                  <a:cubicBezTo>
+                    <a:pt x="777" y="318"/>
+                    <a:pt x="777" y="318"/>
+                    <a:pt x="777" y="318"/>
+                  </a:cubicBezTo>
+                  <a:cubicBezTo>
+                    <a:pt x="785" y="334"/>
+                    <a:pt x="785" y="358"/>
+                    <a:pt x="777" y="374"/>
+                  </a:cubicBezTo>
+                  <a:cubicBezTo>
+                    <a:pt x="609" y="665"/>
+                    <a:pt x="609" y="665"/>
+                    <a:pt x="609" y="665"/>
+                  </a:cubicBezTo>
+                  <a:cubicBezTo>
+                    <a:pt x="600" y="680"/>
+                    <a:pt x="578" y="692"/>
+                    <a:pt x="561" y="692"/>
+                  </a:cubicBezTo>
+                  <a:lnTo>
+                    <a:pt x="225" y="692"/>
+                  </a:lnTo>
+                  <a:close/>
+                </a:path>
+              </a:pathLst>
+            </a:custGeom>
+            <a:noFill/>
+            <a:ln w="28575" cmpd="sng">
+              <a:solidFill>
+                <a:schemeClr val="tx1"/>
+              </a:solidFill>
+            </a:ln>
+          </p:spPr>
+          <p:txBody>
+            <a:bodyPr vert="horz" wrap="square" lIns="91440" tIns="45720" rIns="91440" bIns="45720" numCol="1" anchor="t" anchorCtr="0" compatLnSpc="1">
+              <a:prstTxWarp prst="textNoShape">
+                <a:avLst/>
+              </a:prstTxWarp>
+            </a:bodyPr>
+            <a:lstStyle/>
+            <a:p>
+              <a:endParaRPr lang="en-US"/>
+            </a:p>
+          </p:txBody>
+        </p:sp>
+        <p:sp>
+          <p:nvSpPr>
+            <p:cNvPr id="15" name="Freeform 5">
+              <a:extLst>
+                <a:ext uri="{FF2B5EF4-FFF2-40B4-BE49-F238E27FC236}">
+                  <a16:creationId xmlns:a16="http://schemas.microsoft.com/office/drawing/2014/main" id="{C27115E3-8DBD-460F-8EAD-44E12617413B}"/>
+                </a:ext>
+                <a:ext uri="{C183D7F6-B498-43B3-948B-1728B52AA6E4}">
+                  <adec:decorative xmlns:adec="http://schemas.microsoft.com/office/drawing/2017/decorative" val="1"/>
+                </a:ext>
+              </a:extLst>
+            </p:cNvPr>
+            <p:cNvSpPr>
+              <a:spLocks/>
+            </p:cNvSpPr>
+            <p:nvPr>
+              <p:extLst>
+                <p:ext uri="{386F3935-93C4-4BCD-93E2-E3B085C9AB24}">
+                  <p16:designElem xmlns:p16="http://schemas.microsoft.com/office/powerpoint/2015/main" val="1"/>
+                </p:ext>
+              </p:extLst>
+            </p:nvPr>
+          </p:nvSpPr>
+          <p:spPr bwMode="auto">
+            <a:xfrm>
+              <a:off x="7971281" y="1075612"/>
+              <a:ext cx="550492" cy="485306"/>
+            </a:xfrm>
+            <a:custGeom>
+              <a:avLst/>
+              <a:gdLst>
+                <a:gd name="T0" fmla="*/ 225 w 785"/>
+                <a:gd name="T1" fmla="*/ 692 h 692"/>
+                <a:gd name="T2" fmla="*/ 177 w 785"/>
+                <a:gd name="T3" fmla="*/ 665 h 692"/>
+                <a:gd name="T4" fmla="*/ 9 w 785"/>
+                <a:gd name="T5" fmla="*/ 374 h 692"/>
+                <a:gd name="T6" fmla="*/ 9 w 785"/>
+                <a:gd name="T7" fmla="*/ 318 h 692"/>
+                <a:gd name="T8" fmla="*/ 177 w 785"/>
+                <a:gd name="T9" fmla="*/ 27 h 692"/>
+                <a:gd name="T10" fmla="*/ 225 w 785"/>
+                <a:gd name="T11" fmla="*/ 0 h 692"/>
+                <a:gd name="T12" fmla="*/ 561 w 785"/>
+                <a:gd name="T13" fmla="*/ 0 h 692"/>
+                <a:gd name="T14" fmla="*/ 609 w 785"/>
+                <a:gd name="T15" fmla="*/ 27 h 692"/>
+                <a:gd name="T16" fmla="*/ 777 w 785"/>
+                <a:gd name="T17" fmla="*/ 318 h 692"/>
+                <a:gd name="T18" fmla="*/ 777 w 785"/>
+                <a:gd name="T19" fmla="*/ 374 h 692"/>
+                <a:gd name="T20" fmla="*/ 609 w 785"/>
+                <a:gd name="T21" fmla="*/ 665 h 692"/>
+                <a:gd name="T22" fmla="*/ 561 w 785"/>
+                <a:gd name="T23" fmla="*/ 692 h 692"/>
+                <a:gd name="T24" fmla="*/ 225 w 785"/>
+                <a:gd name="T25" fmla="*/ 692 h 692"/>
+              </a:gdLst>
+              <a:ahLst/>
+              <a:cxnLst>
+                <a:cxn ang="0">
+                  <a:pos x="T0" y="T1"/>
+                </a:cxn>
+                <a:cxn ang="0">
+                  <a:pos x="T2" y="T3"/>
+                </a:cxn>
+                <a:cxn ang="0">
+                  <a:pos x="T4" y="T5"/>
+                </a:cxn>
+                <a:cxn ang="0">
+                  <a:pos x="T6" y="T7"/>
+                </a:cxn>
+                <a:cxn ang="0">
+                  <a:pos x="T8" y="T9"/>
+                </a:cxn>
+                <a:cxn ang="0">
+                  <a:pos x="T10" y="T11"/>
+                </a:cxn>
+                <a:cxn ang="0">
+                  <a:pos x="T12" y="T13"/>
+                </a:cxn>
+                <a:cxn ang="0">
+                  <a:pos x="T14" y="T15"/>
+                </a:cxn>
+                <a:cxn ang="0">
+                  <a:pos x="T16" y="T17"/>
+                </a:cxn>
+                <a:cxn ang="0">
+                  <a:pos x="T18" y="T19"/>
+                </a:cxn>
+                <a:cxn ang="0">
+                  <a:pos x="T20" y="T21"/>
+                </a:cxn>
+                <a:cxn ang="0">
+                  <a:pos x="T22" y="T23"/>
+                </a:cxn>
+                <a:cxn ang="0">
+                  <a:pos x="T24" y="T25"/>
+                </a:cxn>
+              </a:cxnLst>
+              <a:rect l="0" t="0" r="r" b="b"/>
+              <a:pathLst>
+                <a:path w="785" h="692">
+                  <a:moveTo>
+                    <a:pt x="225" y="692"/>
+                  </a:moveTo>
+                  <a:cubicBezTo>
+                    <a:pt x="207" y="692"/>
+                    <a:pt x="185" y="680"/>
+                    <a:pt x="177" y="665"/>
+                  </a:cubicBezTo>
+                  <a:cubicBezTo>
+                    <a:pt x="9" y="374"/>
+                    <a:pt x="9" y="374"/>
+                    <a:pt x="9" y="374"/>
+                  </a:cubicBezTo>
+                  <a:cubicBezTo>
+                    <a:pt x="0" y="358"/>
+                    <a:pt x="0" y="334"/>
+                    <a:pt x="9" y="318"/>
+                  </a:cubicBezTo>
+                  <a:cubicBezTo>
+                    <a:pt x="177" y="27"/>
+                    <a:pt x="177" y="27"/>
+                    <a:pt x="177" y="27"/>
+                  </a:cubicBezTo>
+                  <a:cubicBezTo>
+                    <a:pt x="185" y="12"/>
+                    <a:pt x="207" y="0"/>
+                    <a:pt x="225" y="0"/>
+                  </a:cubicBezTo>
+                  <a:cubicBezTo>
+                    <a:pt x="561" y="0"/>
+                    <a:pt x="561" y="0"/>
+                    <a:pt x="561" y="0"/>
+                  </a:cubicBezTo>
+                  <a:cubicBezTo>
+                    <a:pt x="578" y="0"/>
+                    <a:pt x="600" y="12"/>
+                    <a:pt x="609" y="27"/>
+                  </a:cubicBezTo>
+                  <a:cubicBezTo>
+                    <a:pt x="777" y="318"/>
+                    <a:pt x="777" y="318"/>
+                    <a:pt x="777" y="318"/>
+                  </a:cubicBezTo>
+                  <a:cubicBezTo>
+                    <a:pt x="785" y="334"/>
+                    <a:pt x="785" y="358"/>
+                    <a:pt x="777" y="374"/>
+                  </a:cubicBezTo>
+                  <a:cubicBezTo>
+                    <a:pt x="609" y="665"/>
+                    <a:pt x="609" y="665"/>
+                    <a:pt x="609" y="665"/>
+                  </a:cubicBezTo>
+                  <a:cubicBezTo>
+                    <a:pt x="600" y="680"/>
+                    <a:pt x="578" y="692"/>
+                    <a:pt x="561" y="692"/>
+                  </a:cubicBezTo>
+                  <a:lnTo>
+                    <a:pt x="225" y="692"/>
+                  </a:lnTo>
+                  <a:close/>
+                </a:path>
+              </a:pathLst>
+            </a:custGeom>
+            <a:noFill/>
+            <a:ln w="28575" cmpd="sng">
+              <a:solidFill>
+                <a:schemeClr val="tx1"/>
+              </a:solidFill>
+            </a:ln>
+          </p:spPr>
+          <p:txBody>
+            <a:bodyPr vert="horz" wrap="square" lIns="91440" tIns="45720" rIns="91440" bIns="45720" numCol="1" anchor="t" anchorCtr="0" compatLnSpc="1">
+              <a:prstTxWarp prst="textNoShape">
+                <a:avLst/>
+              </a:prstTxWarp>
+            </a:bodyPr>
+            <a:lstStyle/>
+            <a:p>
+              <a:endParaRPr lang="en-US"/>
+            </a:p>
+          </p:txBody>
+        </p:sp>
+      </p:grpSp>
     </p:spTree>
     <p:extLst>
       <p:ext uri="{BB962C8B-B14F-4D97-AF65-F5344CB8AC3E}">
-        <p14:creationId xmlns:p14="http://schemas.microsoft.com/office/powerpoint/2010/main" val="3564261516"/>
+        <p14:creationId xmlns:p14="http://schemas.microsoft.com/office/powerpoint/2010/main" val="1709417089"/>
       </p:ext>
     </p:extLst>
   </p:cSld>
   <p:clrMapOvr>
     <a:masterClrMapping/>
   </p:clrMapOvr>
-  <p:timing>
-    <p:tnLst>
-      <p:par>
-        <p:cTn id="1" dur="indefinite" restart="never" nodeType="tmRoot">
-          <p:childTnLst>
-            <p:seq concurrent="1" nextAc="seek">
-              <p:cTn id="2" dur="indefinite" nodeType="mainSeq">
-                <p:childTnLst>
-                  <p:par>
-                    <p:cTn id="3" fill="hold">
-                      <p:stCondLst>
-                        <p:cond delay="indefinite"/>
-                      </p:stCondLst>
-                      <p:childTnLst>
-                        <p:par>
-                          <p:cTn id="4" fill="hold">
-                            <p:stCondLst>
-                              <p:cond delay="0"/>
-                            </p:stCondLst>
-                            <p:childTnLst>
-                              <p:par>
-                                <p:cTn id="5" presetID="10" presetClass="entr" presetSubtype="0" fill="hold" grpId="0" nodeType="clickEffect">
-                                  <p:stCondLst>
-                                    <p:cond delay="0"/>
-                                  </p:stCondLst>
-                                  <p:childTnLst>
-                                    <p:set>
-                                      <p:cBhvr>
-                                        <p:cTn id="6" dur="1" fill="hold">
-                                          <p:stCondLst>
-                                            <p:cond delay="0"/>
-                                          </p:stCondLst>
-                                        </p:cTn>
-                                        <p:tgtEl>
-                                          <p:spTgt spid="13"/>
-                                        </p:tgtEl>
-                                        <p:attrNameLst>
-                                          <p:attrName>style.visibility</p:attrName>
-                                        </p:attrNameLst>
-                                      </p:cBhvr>
-                                      <p:to>
-                                        <p:strVal val="visible"/>
-                                      </p:to>
-                                    </p:set>
-                                    <p:animEffect transition="in" filter="fade">
-                                      <p:cBhvr>
-                                        <p:cTn id="7" dur="500"/>
-                                        <p:tgtEl>
-                                          <p:spTgt spid="13"/>
-                                        </p:tgtEl>
-                                      </p:cBhvr>
-                                    </p:animEffect>
-                                  </p:childTnLst>
-                                </p:cTn>
-                              </p:par>
-                            </p:childTnLst>
-                          </p:cTn>
-                        </p:par>
-                      </p:childTnLst>
-                    </p:cTn>
-                  </p:par>
-                  <p:par>
-                    <p:cTn id="8" fill="hold">
-                      <p:stCondLst>
-                        <p:cond delay="indefinite"/>
-                      </p:stCondLst>
-                      <p:childTnLst>
-                        <p:par>
-                          <p:cTn id="9" fill="hold">
-                            <p:stCondLst>
-                              <p:cond delay="0"/>
-                            </p:stCondLst>
-                            <p:childTnLst>
-                              <p:par>
-                                <p:cTn id="10" presetID="10" presetClass="entr" presetSubtype="0" fill="hold" grpId="0" nodeType="clickEffect">
-                                  <p:stCondLst>
-                                    <p:cond delay="0"/>
-                                  </p:stCondLst>
-                                  <p:childTnLst>
-                                    <p:set>
-                                      <p:cBhvr>
-                                        <p:cTn id="11" dur="1" fill="hold">
-                                          <p:stCondLst>
-                                            <p:cond delay="0"/>
-                                          </p:stCondLst>
-                                        </p:cTn>
-                                        <p:tgtEl>
-                                          <p:spTgt spid="10"/>
-                                        </p:tgtEl>
-                                        <p:attrNameLst>
-                                          <p:attrName>style.visibility</p:attrName>
-                                        </p:attrNameLst>
-                                      </p:cBhvr>
-                                      <p:to>
-                                        <p:strVal val="visible"/>
-                                      </p:to>
-                                    </p:set>
-                                    <p:animEffect transition="in" filter="fade">
-                                      <p:cBhvr>
-                                        <p:cTn id="12" dur="500"/>
-                                        <p:tgtEl>
-                                          <p:spTgt spid="10"/>
-                                        </p:tgtEl>
-                                      </p:cBhvr>
-                                    </p:animEffect>
-                                  </p:childTnLst>
-                                </p:cTn>
-                              </p:par>
-                            </p:childTnLst>
-                          </p:cTn>
-                        </p:par>
-                      </p:childTnLst>
-                    </p:cTn>
-                  </p:par>
-                </p:childTnLst>
-              </p:cTn>
-              <p:prevCondLst>
-                <p:cond evt="onPrev" delay="0">
-                  <p:tgtEl>
-                    <p:sldTgt/>
-                  </p:tgtEl>
-                </p:cond>
-              </p:prevCondLst>
-              <p:nextCondLst>
-                <p:cond evt="onNext" delay="0">
-                  <p:tgtEl>
-                    <p:sldTgt/>
-                  </p:tgtEl>
-                </p:cond>
-              </p:nextCondLst>
-            </p:seq>
-          </p:childTnLst>
-        </p:cTn>
-      </p:par>
-    </p:tnLst>
-    <p:bldLst>
-      <p:bldP spid="10" grpId="0"/>
-      <p:bldP spid="13" grpId="0" animBg="1"/>
-    </p:bldLst>
-  </p:timing>
 </p:sld>
 </file>
 
-<file path=ppt/slides/slide19.xml><?xml version="1.0" encoding="utf-8"?>
+<file path=ppt/slides/slide17.xml><?xml version="1.0" encoding="utf-8"?>
 <p:sld xmlns:a="http://schemas.openxmlformats.org/drawingml/2006/main" xmlns:r="http://schemas.openxmlformats.org/officeDocument/2006/relationships" xmlns:p="http://schemas.openxmlformats.org/presentationml/2006/main">
   <p:cSld>
     <p:bg>
@@ -9739,12 +9638,12 @@
         </p:spPr>
         <p:txBody>
           <a:bodyPr vert="horz" lIns="91440" tIns="45720" rIns="91440" bIns="45720" rtlCol="0" anchor="ctr">
-            <a:normAutofit/>
+            <a:noAutofit/>
           </a:bodyPr>
           <a:lstStyle/>
           <a:p>
             <a:r>
-              <a:rPr lang="en-US" kern="1200">
+              <a:rPr lang="en-US" sz="3600" kern="1200" dirty="0">
                 <a:solidFill>
                   <a:schemeClr val="bg1"/>
                 </a:solidFill>
@@ -9752,7 +9651,7 @@
                 <a:ea typeface="+mj-ea"/>
                 <a:cs typeface="+mj-cs"/>
               </a:rPr>
-              <a:t>Insights: Sentence Enhancements</a:t>
+              <a:t>Sentence Enhancements &amp; Mitigation</a:t>
             </a:r>
           </a:p>
         </p:txBody>
@@ -10206,7 +10105,7 @@
 </p:sld>
 </file>
 
-<file path=ppt/slides/slide2.xml><?xml version="1.0" encoding="utf-8"?>
+<file path=ppt/slides/slide18.xml><?xml version="1.0" encoding="utf-8"?>
 <p:sld xmlns:a="http://schemas.openxmlformats.org/drawingml/2006/main" xmlns:r="http://schemas.openxmlformats.org/officeDocument/2006/relationships" xmlns:p="http://schemas.openxmlformats.org/presentationml/2006/main">
   <p:cSld>
     <p:bg>
@@ -10233,10 +10132,10 @@
       </p:grpSpPr>
       <p:sp useBgFill="1">
         <p:nvSpPr>
-          <p:cNvPr id="11" name="Rectangle 10">
+          <p:cNvPr id="56" name="Rectangle 55">
             <a:extLst>
               <a:ext uri="{FF2B5EF4-FFF2-40B4-BE49-F238E27FC236}">
-                <a16:creationId xmlns:a16="http://schemas.microsoft.com/office/drawing/2014/main" id="{91F32EBA-ED97-466E-8CFA-8382584155D0}"/>
+                <a16:creationId xmlns:a16="http://schemas.microsoft.com/office/drawing/2014/main" id="{33CD251C-A887-4D2F-925B-FC097198538B}"/>
               </a:ext>
               <a:ext uri="{C183D7F6-B498-43B3-948B-1728B52AA6E4}">
                 <adec:decorative xmlns:adec="http://schemas.microsoft.com/office/drawing/2017/decorative" val="1"/>
@@ -10293,1275 +10192,6 @@
       </p:sp>
       <p:sp>
         <p:nvSpPr>
-          <p:cNvPr id="2" name="Title 1">
-            <a:extLst>
-              <a:ext uri="{FF2B5EF4-FFF2-40B4-BE49-F238E27FC236}">
-                <a16:creationId xmlns:a16="http://schemas.microsoft.com/office/drawing/2014/main" id="{A799583B-9ACC-449B-95CE-FE9E6C88012A}"/>
-              </a:ext>
-            </a:extLst>
-          </p:cNvPr>
-          <p:cNvSpPr>
-            <a:spLocks noGrp="1"/>
-          </p:cNvSpPr>
-          <p:nvPr>
-            <p:ph type="title"/>
-          </p:nvPr>
-        </p:nvSpPr>
-        <p:spPr>
-          <a:xfrm>
-            <a:off x="965199" y="851517"/>
-            <a:ext cx="5130795" cy="1461778"/>
-          </a:xfrm>
-        </p:spPr>
-        <p:txBody>
-          <a:bodyPr vert="horz" lIns="91440" tIns="45720" rIns="91440" bIns="45720" rtlCol="0" anchor="ctr">
-            <a:normAutofit/>
-          </a:bodyPr>
-          <a:lstStyle/>
-          <a:p>
-            <a:r>
-              <a:rPr lang="en-US" sz="4000" kern="1200">
-                <a:solidFill>
-                  <a:schemeClr val="tx1"/>
-                </a:solidFill>
-                <a:latin typeface="+mj-lt"/>
-                <a:ea typeface="+mj-ea"/>
-                <a:cs typeface="+mj-cs"/>
-              </a:rPr>
-              <a:t>Guiding Questions</a:t>
-            </a:r>
-          </a:p>
-        </p:txBody>
-      </p:sp>
-      <p:sp>
-        <p:nvSpPr>
-          <p:cNvPr id="3" name="Content Placeholder 2">
-            <a:extLst>
-              <a:ext uri="{FF2B5EF4-FFF2-40B4-BE49-F238E27FC236}">
-                <a16:creationId xmlns:a16="http://schemas.microsoft.com/office/drawing/2014/main" id="{606A0FD7-B64A-497D-A54A-67D403C5C515}"/>
-              </a:ext>
-            </a:extLst>
-          </p:cNvPr>
-          <p:cNvSpPr>
-            <a:spLocks noGrp="1"/>
-          </p:cNvSpPr>
-          <p:nvPr>
-            <p:ph sz="half" idx="1"/>
-          </p:nvPr>
-        </p:nvSpPr>
-        <p:spPr>
-          <a:xfrm>
-            <a:off x="965200" y="2470248"/>
-            <a:ext cx="4048344" cy="3536236"/>
-          </a:xfrm>
-        </p:spPr>
-        <p:txBody>
-          <a:bodyPr vert="horz" lIns="91440" tIns="45720" rIns="91440" bIns="45720" rtlCol="0">
-            <a:normAutofit fontScale="92500" lnSpcReduction="10000"/>
-          </a:bodyPr>
-          <a:lstStyle/>
-          <a:p>
-            <a:r>
-              <a:rPr lang="en-US" sz="2200"/>
-              <a:t>Are there racial disparities between the sentencing population and the general population in Tennessee?</a:t>
-            </a:r>
-          </a:p>
-          <a:p>
-            <a:r>
-              <a:rPr lang="en-US" sz="2200"/>
-              <a:t>What kinds of crimes are most common among different racial groups?</a:t>
-            </a:r>
-          </a:p>
-          <a:p>
-            <a:r>
-              <a:rPr lang="en-US" sz="2200"/>
-              <a:t>Are people of color receiving longer sentences on average?</a:t>
-            </a:r>
-          </a:p>
-          <a:p>
-            <a:r>
-              <a:rPr lang="en-US" sz="2200"/>
-              <a:t>How do sentence lengths for drug crime compare to other types of crime?</a:t>
-            </a:r>
-            <a:endParaRPr lang="en-US" sz="2200" dirty="0"/>
-          </a:p>
-        </p:txBody>
-      </p:sp>
-      <p:sp>
-        <p:nvSpPr>
-          <p:cNvPr id="13" name="Freeform: Shape 12">
-            <a:extLst>
-              <a:ext uri="{FF2B5EF4-FFF2-40B4-BE49-F238E27FC236}">
-                <a16:creationId xmlns:a16="http://schemas.microsoft.com/office/drawing/2014/main" id="{62A38935-BB53-4DF7-A56E-48DD25B685D7}"/>
-              </a:ext>
-              <a:ext uri="{C183D7F6-B498-43B3-948B-1728B52AA6E4}">
-                <adec:decorative xmlns:adec="http://schemas.microsoft.com/office/drawing/2017/decorative" val="1"/>
-              </a:ext>
-            </a:extLst>
-          </p:cNvPr>
-          <p:cNvSpPr>
-            <a:spLocks noGrp="1" noRot="1" noChangeAspect="1" noMove="1" noResize="1" noEditPoints="1" noAdjustHandles="1" noChangeArrowheads="1" noChangeShapeType="1" noTextEdit="1"/>
-          </p:cNvSpPr>
-          <p:nvPr>
-            <p:extLst>
-              <p:ext uri="{386F3935-93C4-4BCD-93E2-E3B085C9AB24}">
-                <p16:designElem xmlns:p16="http://schemas.microsoft.com/office/powerpoint/2015/main" val="1"/>
-              </p:ext>
-            </p:extLst>
-          </p:nvPr>
-        </p:nvSpPr>
-        <p:spPr>
-          <a:xfrm>
-            <a:off x="5510370" y="851518"/>
-            <a:ext cx="6184806" cy="5154967"/>
-          </a:xfrm>
-          <a:custGeom>
-            <a:avLst/>
-            <a:gdLst>
-              <a:gd name="connsiteX0" fmla="*/ 363179 w 6184806"/>
-              <a:gd name="connsiteY0" fmla="*/ 3125191 h 5154967"/>
-              <a:gd name="connsiteX1" fmla="*/ 898270 w 6184806"/>
-              <a:gd name="connsiteY1" fmla="*/ 3125191 h 5154967"/>
-              <a:gd name="connsiteX2" fmla="*/ 980326 w 6184806"/>
-              <a:gd name="connsiteY2" fmla="*/ 3173551 h 5154967"/>
-              <a:gd name="connsiteX3" fmla="*/ 1248448 w 6184806"/>
-              <a:gd name="connsiteY3" fmla="*/ 3635277 h 5154967"/>
-              <a:gd name="connsiteX4" fmla="*/ 1248448 w 6184806"/>
-              <a:gd name="connsiteY4" fmla="*/ 3729695 h 5154967"/>
-              <a:gd name="connsiteX5" fmla="*/ 980326 w 6184806"/>
-              <a:gd name="connsiteY5" fmla="*/ 4191421 h 5154967"/>
-              <a:gd name="connsiteX6" fmla="*/ 898270 w 6184806"/>
-              <a:gd name="connsiteY6" fmla="*/ 4239781 h 5154967"/>
-              <a:gd name="connsiteX7" fmla="*/ 363179 w 6184806"/>
-              <a:gd name="connsiteY7" fmla="*/ 4239781 h 5154967"/>
-              <a:gd name="connsiteX8" fmla="*/ 279969 w 6184806"/>
-              <a:gd name="connsiteY8" fmla="*/ 4191421 h 5154967"/>
-              <a:gd name="connsiteX9" fmla="*/ 13002 w 6184806"/>
-              <a:gd name="connsiteY9" fmla="*/ 3729695 h 5154967"/>
-              <a:gd name="connsiteX10" fmla="*/ 13002 w 6184806"/>
-              <a:gd name="connsiteY10" fmla="*/ 3635277 h 5154967"/>
-              <a:gd name="connsiteX11" fmla="*/ 279969 w 6184806"/>
-              <a:gd name="connsiteY11" fmla="*/ 3173551 h 5154967"/>
-              <a:gd name="connsiteX12" fmla="*/ 363179 w 6184806"/>
-              <a:gd name="connsiteY12" fmla="*/ 3125191 h 5154967"/>
-              <a:gd name="connsiteX13" fmla="*/ 2489721 w 6184806"/>
-              <a:gd name="connsiteY13" fmla="*/ 570035 h 5154967"/>
-              <a:gd name="connsiteX14" fmla="*/ 2764862 w 6184806"/>
-              <a:gd name="connsiteY14" fmla="*/ 570035 h 5154967"/>
-              <a:gd name="connsiteX15" fmla="*/ 2796959 w 6184806"/>
-              <a:gd name="connsiteY15" fmla="*/ 570035 h 5154967"/>
-              <a:gd name="connsiteX16" fmla="*/ 2827587 w 6184806"/>
-              <a:gd name="connsiteY16" fmla="*/ 622777 h 5154967"/>
-              <a:gd name="connsiteX17" fmla="*/ 2977604 w 6184806"/>
-              <a:gd name="connsiteY17" fmla="*/ 881117 h 5154967"/>
-              <a:gd name="connsiteX18" fmla="*/ 2977604 w 6184806"/>
-              <a:gd name="connsiteY18" fmla="*/ 1025720 h 5154967"/>
-              <a:gd name="connsiteX19" fmla="*/ 2566968 w 6184806"/>
-              <a:gd name="connsiteY19" fmla="*/ 1732863 h 5154967"/>
-              <a:gd name="connsiteX20" fmla="*/ 2441299 w 6184806"/>
-              <a:gd name="connsiteY20" fmla="*/ 1806927 h 5154967"/>
-              <a:gd name="connsiteX21" fmla="*/ 1621798 w 6184806"/>
-              <a:gd name="connsiteY21" fmla="*/ 1806927 h 5154967"/>
-              <a:gd name="connsiteX22" fmla="*/ 1583218 w 6184806"/>
-              <a:gd name="connsiteY22" fmla="*/ 1801802 h 5154967"/>
-              <a:gd name="connsiteX23" fmla="*/ 1556683 w 6184806"/>
-              <a:gd name="connsiteY23" fmla="*/ 1790677 h 5154967"/>
-              <a:gd name="connsiteX24" fmla="*/ 1572899 w 6184806"/>
-              <a:gd name="connsiteY24" fmla="*/ 1762631 h 5154967"/>
-              <a:gd name="connsiteX25" fmla="*/ 2147429 w 6184806"/>
-              <a:gd name="connsiteY25" fmla="*/ 768968 h 5154967"/>
-              <a:gd name="connsiteX26" fmla="*/ 2489721 w 6184806"/>
-              <a:gd name="connsiteY26" fmla="*/ 570035 h 5154967"/>
-              <a:gd name="connsiteX27" fmla="*/ 1573268 w 6184806"/>
-              <a:gd name="connsiteY27" fmla="*/ 0 h 5154967"/>
-              <a:gd name="connsiteX28" fmla="*/ 2497662 w 6184806"/>
-              <a:gd name="connsiteY28" fmla="*/ 0 h 5154967"/>
-              <a:gd name="connsiteX29" fmla="*/ 2639415 w 6184806"/>
-              <a:gd name="connsiteY29" fmla="*/ 83546 h 5154967"/>
-              <a:gd name="connsiteX30" fmla="*/ 2887862 w 6184806"/>
-              <a:gd name="connsiteY30" fmla="*/ 511387 h 5154967"/>
-              <a:gd name="connsiteX31" fmla="*/ 2915928 w 6184806"/>
-              <a:gd name="connsiteY31" fmla="*/ 559720 h 5154967"/>
-              <a:gd name="connsiteX32" fmla="*/ 2893844 w 6184806"/>
-              <a:gd name="connsiteY32" fmla="*/ 559720 h 5154967"/>
-              <a:gd name="connsiteX33" fmla="*/ 2789466 w 6184806"/>
-              <a:gd name="connsiteY33" fmla="*/ 559720 h 5154967"/>
-              <a:gd name="connsiteX34" fmla="*/ 2744122 w 6184806"/>
-              <a:gd name="connsiteY34" fmla="*/ 481634 h 5154967"/>
-              <a:gd name="connsiteX35" fmla="*/ 2570885 w 6184806"/>
-              <a:gd name="connsiteY35" fmla="*/ 183309 h 5154967"/>
-              <a:gd name="connsiteX36" fmla="*/ 2445216 w 6184806"/>
-              <a:gd name="connsiteY36" fmla="*/ 109244 h 5154967"/>
-              <a:gd name="connsiteX37" fmla="*/ 1625714 w 6184806"/>
-              <a:gd name="connsiteY37" fmla="*/ 109244 h 5154967"/>
-              <a:gd name="connsiteX38" fmla="*/ 1498276 w 6184806"/>
-              <a:gd name="connsiteY38" fmla="*/ 183309 h 5154967"/>
-              <a:gd name="connsiteX39" fmla="*/ 1089410 w 6184806"/>
-              <a:gd name="connsiteY39" fmla="*/ 890450 h 5154967"/>
-              <a:gd name="connsiteX40" fmla="*/ 1089410 w 6184806"/>
-              <a:gd name="connsiteY40" fmla="*/ 1035054 h 5154967"/>
-              <a:gd name="connsiteX41" fmla="*/ 1498276 w 6184806"/>
-              <a:gd name="connsiteY41" fmla="*/ 1742196 h 5154967"/>
-              <a:gd name="connsiteX42" fmla="*/ 1552039 w 6184806"/>
-              <a:gd name="connsiteY42" fmla="*/ 1796421 h 5154967"/>
-              <a:gd name="connsiteX43" fmla="*/ 1558260 w 6184806"/>
-              <a:gd name="connsiteY43" fmla="*/ 1799029 h 5154967"/>
-              <a:gd name="connsiteX44" fmla="*/ 1524911 w 6184806"/>
-              <a:gd name="connsiteY44" fmla="*/ 1856707 h 5154967"/>
-              <a:gd name="connsiteX45" fmla="*/ 1500108 w 6184806"/>
-              <a:gd name="connsiteY45" fmla="*/ 1899604 h 5154967"/>
-              <a:gd name="connsiteX46" fmla="*/ 1525834 w 6184806"/>
-              <a:gd name="connsiteY46" fmla="*/ 1910390 h 5154967"/>
-              <a:gd name="connsiteX47" fmla="*/ 1569352 w 6184806"/>
-              <a:gd name="connsiteY47" fmla="*/ 1916170 h 5154967"/>
-              <a:gd name="connsiteX48" fmla="*/ 2493745 w 6184806"/>
-              <a:gd name="connsiteY48" fmla="*/ 1916170 h 5154967"/>
-              <a:gd name="connsiteX49" fmla="*/ 2635498 w 6184806"/>
-              <a:gd name="connsiteY49" fmla="*/ 1832627 h 5154967"/>
-              <a:gd name="connsiteX50" fmla="*/ 3098693 w 6184806"/>
-              <a:gd name="connsiteY50" fmla="*/ 1034974 h 5154967"/>
-              <a:gd name="connsiteX51" fmla="*/ 3098693 w 6184806"/>
-              <a:gd name="connsiteY51" fmla="*/ 871863 h 5154967"/>
-              <a:gd name="connsiteX52" fmla="*/ 2945803 w 6184806"/>
-              <a:gd name="connsiteY52" fmla="*/ 608576 h 5154967"/>
-              <a:gd name="connsiteX53" fmla="*/ 2923422 w 6184806"/>
-              <a:gd name="connsiteY53" fmla="*/ 570035 h 5154967"/>
-              <a:gd name="connsiteX54" fmla="*/ 3027104 w 6184806"/>
-              <a:gd name="connsiteY54" fmla="*/ 570035 h 5154967"/>
-              <a:gd name="connsiteX55" fmla="*/ 4690846 w 6184806"/>
-              <a:gd name="connsiteY55" fmla="*/ 570035 h 5154967"/>
-              <a:gd name="connsiteX56" fmla="*/ 5028384 w 6184806"/>
-              <a:gd name="connsiteY56" fmla="*/ 768968 h 5154967"/>
-              <a:gd name="connsiteX57" fmla="*/ 6131323 w 6184806"/>
-              <a:gd name="connsiteY57" fmla="*/ 2668304 h 5154967"/>
-              <a:gd name="connsiteX58" fmla="*/ 6131323 w 6184806"/>
-              <a:gd name="connsiteY58" fmla="*/ 3056698 h 5154967"/>
-              <a:gd name="connsiteX59" fmla="*/ 5028384 w 6184806"/>
-              <a:gd name="connsiteY59" fmla="*/ 4956035 h 5154967"/>
-              <a:gd name="connsiteX60" fmla="*/ 4690846 w 6184806"/>
-              <a:gd name="connsiteY60" fmla="*/ 5154967 h 5154967"/>
-              <a:gd name="connsiteX61" fmla="*/ 2489721 w 6184806"/>
-              <a:gd name="connsiteY61" fmla="*/ 5154967 h 5154967"/>
-              <a:gd name="connsiteX62" fmla="*/ 2147429 w 6184806"/>
-              <a:gd name="connsiteY62" fmla="*/ 4956035 h 5154967"/>
-              <a:gd name="connsiteX63" fmla="*/ 1049243 w 6184806"/>
-              <a:gd name="connsiteY63" fmla="*/ 3056698 h 5154967"/>
-              <a:gd name="connsiteX64" fmla="*/ 1049243 w 6184806"/>
-              <a:gd name="connsiteY64" fmla="*/ 2668304 h 5154967"/>
-              <a:gd name="connsiteX65" fmla="*/ 1457007 w 6184806"/>
-              <a:gd name="connsiteY65" fmla="*/ 1963067 h 5154967"/>
-              <a:gd name="connsiteX66" fmla="*/ 1491373 w 6184806"/>
-              <a:gd name="connsiteY66" fmla="*/ 1903634 h 5154967"/>
-              <a:gd name="connsiteX67" fmla="*/ 1490164 w 6184806"/>
-              <a:gd name="connsiteY67" fmla="*/ 1903127 h 5154967"/>
-              <a:gd name="connsiteX68" fmla="*/ 1429519 w 6184806"/>
-              <a:gd name="connsiteY68" fmla="*/ 1841960 h 5154967"/>
-              <a:gd name="connsiteX69" fmla="*/ 968320 w 6184806"/>
-              <a:gd name="connsiteY69" fmla="*/ 1044307 h 5154967"/>
-              <a:gd name="connsiteX70" fmla="*/ 968320 w 6184806"/>
-              <a:gd name="connsiteY70" fmla="*/ 881196 h 5154967"/>
-              <a:gd name="connsiteX71" fmla="*/ 1429519 w 6184806"/>
-              <a:gd name="connsiteY71" fmla="*/ 83546 h 5154967"/>
-              <a:gd name="connsiteX72" fmla="*/ 1573268 w 6184806"/>
-              <a:gd name="connsiteY72" fmla="*/ 0 h 5154967"/>
-            </a:gdLst>
-            <a:ahLst/>
-            <a:cxnLst>
-              <a:cxn ang="0">
-                <a:pos x="connsiteX0" y="connsiteY0"/>
-              </a:cxn>
-              <a:cxn ang="0">
-                <a:pos x="connsiteX1" y="connsiteY1"/>
-              </a:cxn>
-              <a:cxn ang="0">
-                <a:pos x="connsiteX2" y="connsiteY2"/>
-              </a:cxn>
-              <a:cxn ang="0">
-                <a:pos x="connsiteX3" y="connsiteY3"/>
-              </a:cxn>
-              <a:cxn ang="0">
-                <a:pos x="connsiteX4" y="connsiteY4"/>
-              </a:cxn>
-              <a:cxn ang="0">
-                <a:pos x="connsiteX5" y="connsiteY5"/>
-              </a:cxn>
-              <a:cxn ang="0">
-                <a:pos x="connsiteX6" y="connsiteY6"/>
-              </a:cxn>
-              <a:cxn ang="0">
-                <a:pos x="connsiteX7" y="connsiteY7"/>
-              </a:cxn>
-              <a:cxn ang="0">
-                <a:pos x="connsiteX8" y="connsiteY8"/>
-              </a:cxn>
-              <a:cxn ang="0">
-                <a:pos x="connsiteX9" y="connsiteY9"/>
-              </a:cxn>
-              <a:cxn ang="0">
-                <a:pos x="connsiteX10" y="connsiteY10"/>
-              </a:cxn>
-              <a:cxn ang="0">
-                <a:pos x="connsiteX11" y="connsiteY11"/>
-              </a:cxn>
-              <a:cxn ang="0">
-                <a:pos x="connsiteX12" y="connsiteY12"/>
-              </a:cxn>
-              <a:cxn ang="0">
-                <a:pos x="connsiteX13" y="connsiteY13"/>
-              </a:cxn>
-              <a:cxn ang="0">
-                <a:pos x="connsiteX14" y="connsiteY14"/>
-              </a:cxn>
-              <a:cxn ang="0">
-                <a:pos x="connsiteX15" y="connsiteY15"/>
-              </a:cxn>
-              <a:cxn ang="0">
-                <a:pos x="connsiteX16" y="connsiteY16"/>
-              </a:cxn>
-              <a:cxn ang="0">
-                <a:pos x="connsiteX17" y="connsiteY17"/>
-              </a:cxn>
-              <a:cxn ang="0">
-                <a:pos x="connsiteX18" y="connsiteY18"/>
-              </a:cxn>
-              <a:cxn ang="0">
-                <a:pos x="connsiteX19" y="connsiteY19"/>
-              </a:cxn>
-              <a:cxn ang="0">
-                <a:pos x="connsiteX20" y="connsiteY20"/>
-              </a:cxn>
-              <a:cxn ang="0">
-                <a:pos x="connsiteX21" y="connsiteY21"/>
-              </a:cxn>
-              <a:cxn ang="0">
-                <a:pos x="connsiteX22" y="connsiteY22"/>
-              </a:cxn>
-              <a:cxn ang="0">
-                <a:pos x="connsiteX23" y="connsiteY23"/>
-              </a:cxn>
-              <a:cxn ang="0">
-                <a:pos x="connsiteX24" y="connsiteY24"/>
-              </a:cxn>
-              <a:cxn ang="0">
-                <a:pos x="connsiteX25" y="connsiteY25"/>
-              </a:cxn>
-              <a:cxn ang="0">
-                <a:pos x="connsiteX26" y="connsiteY26"/>
-              </a:cxn>
-              <a:cxn ang="0">
-                <a:pos x="connsiteX27" y="connsiteY27"/>
-              </a:cxn>
-              <a:cxn ang="0">
-                <a:pos x="connsiteX28" y="connsiteY28"/>
-              </a:cxn>
-              <a:cxn ang="0">
-                <a:pos x="connsiteX29" y="connsiteY29"/>
-              </a:cxn>
-              <a:cxn ang="0">
-                <a:pos x="connsiteX30" y="connsiteY30"/>
-              </a:cxn>
-              <a:cxn ang="0">
-                <a:pos x="connsiteX31" y="connsiteY31"/>
-              </a:cxn>
-              <a:cxn ang="0">
-                <a:pos x="connsiteX32" y="connsiteY32"/>
-              </a:cxn>
-              <a:cxn ang="0">
-                <a:pos x="connsiteX33" y="connsiteY33"/>
-              </a:cxn>
-              <a:cxn ang="0">
-                <a:pos x="connsiteX34" y="connsiteY34"/>
-              </a:cxn>
-              <a:cxn ang="0">
-                <a:pos x="connsiteX35" y="connsiteY35"/>
-              </a:cxn>
-              <a:cxn ang="0">
-                <a:pos x="connsiteX36" y="connsiteY36"/>
-              </a:cxn>
-              <a:cxn ang="0">
-                <a:pos x="connsiteX37" y="connsiteY37"/>
-              </a:cxn>
-              <a:cxn ang="0">
-                <a:pos x="connsiteX38" y="connsiteY38"/>
-              </a:cxn>
-              <a:cxn ang="0">
-                <a:pos x="connsiteX39" y="connsiteY39"/>
-              </a:cxn>
-              <a:cxn ang="0">
-                <a:pos x="connsiteX40" y="connsiteY40"/>
-              </a:cxn>
-              <a:cxn ang="0">
-                <a:pos x="connsiteX41" y="connsiteY41"/>
-              </a:cxn>
-              <a:cxn ang="0">
-                <a:pos x="connsiteX42" y="connsiteY42"/>
-              </a:cxn>
-              <a:cxn ang="0">
-                <a:pos x="connsiteX43" y="connsiteY43"/>
-              </a:cxn>
-              <a:cxn ang="0">
-                <a:pos x="connsiteX44" y="connsiteY44"/>
-              </a:cxn>
-              <a:cxn ang="0">
-                <a:pos x="connsiteX45" y="connsiteY45"/>
-              </a:cxn>
-              <a:cxn ang="0">
-                <a:pos x="connsiteX46" y="connsiteY46"/>
-              </a:cxn>
-              <a:cxn ang="0">
-                <a:pos x="connsiteX47" y="connsiteY47"/>
-              </a:cxn>
-              <a:cxn ang="0">
-                <a:pos x="connsiteX48" y="connsiteY48"/>
-              </a:cxn>
-              <a:cxn ang="0">
-                <a:pos x="connsiteX49" y="connsiteY49"/>
-              </a:cxn>
-              <a:cxn ang="0">
-                <a:pos x="connsiteX50" y="connsiteY50"/>
-              </a:cxn>
-              <a:cxn ang="0">
-                <a:pos x="connsiteX51" y="connsiteY51"/>
-              </a:cxn>
-              <a:cxn ang="0">
-                <a:pos x="connsiteX52" y="connsiteY52"/>
-              </a:cxn>
-              <a:cxn ang="0">
-                <a:pos x="connsiteX53" y="connsiteY53"/>
-              </a:cxn>
-              <a:cxn ang="0">
-                <a:pos x="connsiteX54" y="connsiteY54"/>
-              </a:cxn>
-              <a:cxn ang="0">
-                <a:pos x="connsiteX55" y="connsiteY55"/>
-              </a:cxn>
-              <a:cxn ang="0">
-                <a:pos x="connsiteX56" y="connsiteY56"/>
-              </a:cxn>
-              <a:cxn ang="0">
-                <a:pos x="connsiteX57" y="connsiteY57"/>
-              </a:cxn>
-              <a:cxn ang="0">
-                <a:pos x="connsiteX58" y="connsiteY58"/>
-              </a:cxn>
-              <a:cxn ang="0">
-                <a:pos x="connsiteX59" y="connsiteY59"/>
-              </a:cxn>
-              <a:cxn ang="0">
-                <a:pos x="connsiteX60" y="connsiteY60"/>
-              </a:cxn>
-              <a:cxn ang="0">
-                <a:pos x="connsiteX61" y="connsiteY61"/>
-              </a:cxn>
-              <a:cxn ang="0">
-                <a:pos x="connsiteX62" y="connsiteY62"/>
-              </a:cxn>
-              <a:cxn ang="0">
-                <a:pos x="connsiteX63" y="connsiteY63"/>
-              </a:cxn>
-              <a:cxn ang="0">
-                <a:pos x="connsiteX64" y="connsiteY64"/>
-              </a:cxn>
-              <a:cxn ang="0">
-                <a:pos x="connsiteX65" y="connsiteY65"/>
-              </a:cxn>
-              <a:cxn ang="0">
-                <a:pos x="connsiteX66" y="connsiteY66"/>
-              </a:cxn>
-              <a:cxn ang="0">
-                <a:pos x="connsiteX67" y="connsiteY67"/>
-              </a:cxn>
-              <a:cxn ang="0">
-                <a:pos x="connsiteX68" y="connsiteY68"/>
-              </a:cxn>
-              <a:cxn ang="0">
-                <a:pos x="connsiteX69" y="connsiteY69"/>
-              </a:cxn>
-              <a:cxn ang="0">
-                <a:pos x="connsiteX70" y="connsiteY70"/>
-              </a:cxn>
-              <a:cxn ang="0">
-                <a:pos x="connsiteX71" y="connsiteY71"/>
-              </a:cxn>
-              <a:cxn ang="0">
-                <a:pos x="connsiteX72" y="connsiteY72"/>
-              </a:cxn>
-            </a:cxnLst>
-            <a:rect l="l" t="t" r="r" b="b"/>
-            <a:pathLst>
-              <a:path w="6184806" h="5154967">
-                <a:moveTo>
-                  <a:pt x="363179" y="3125191"/>
-                </a:moveTo>
-                <a:cubicBezTo>
-                  <a:pt x="363179" y="3125191"/>
-                  <a:pt x="363179" y="3125191"/>
-                  <a:pt x="898270" y="3125191"/>
-                </a:cubicBezTo>
-                <a:cubicBezTo>
-                  <a:pt x="931786" y="3125191"/>
-                  <a:pt x="964145" y="3143614"/>
-                  <a:pt x="980326" y="3173551"/>
-                </a:cubicBezTo>
-                <a:cubicBezTo>
-                  <a:pt x="980326" y="3173551"/>
-                  <a:pt x="980326" y="3173551"/>
-                  <a:pt x="1248448" y="3635277"/>
-                </a:cubicBezTo>
-                <a:cubicBezTo>
-                  <a:pt x="1265784" y="3664063"/>
-                  <a:pt x="1265784" y="3700909"/>
-                  <a:pt x="1248448" y="3729695"/>
-                </a:cubicBezTo>
-                <a:cubicBezTo>
-                  <a:pt x="1248448" y="3729695"/>
-                  <a:pt x="1248448" y="3729695"/>
-                  <a:pt x="980326" y="4191421"/>
-                </a:cubicBezTo>
-                <a:cubicBezTo>
-                  <a:pt x="964145" y="4221358"/>
-                  <a:pt x="931786" y="4239781"/>
-                  <a:pt x="898270" y="4239781"/>
-                </a:cubicBezTo>
-                <a:cubicBezTo>
-                  <a:pt x="898270" y="4239781"/>
-                  <a:pt x="898270" y="4239781"/>
-                  <a:pt x="363179" y="4239781"/>
-                </a:cubicBezTo>
-                <a:cubicBezTo>
-                  <a:pt x="328508" y="4239781"/>
-                  <a:pt x="297305" y="4221358"/>
-                  <a:pt x="279969" y="4191421"/>
-                </a:cubicBezTo>
-                <a:cubicBezTo>
-                  <a:pt x="279969" y="4191421"/>
-                  <a:pt x="279969" y="4191421"/>
-                  <a:pt x="13002" y="3729695"/>
-                </a:cubicBezTo>
-                <a:cubicBezTo>
-                  <a:pt x="-4334" y="3700909"/>
-                  <a:pt x="-4334" y="3664063"/>
-                  <a:pt x="13002" y="3635277"/>
-                </a:cubicBezTo>
-                <a:cubicBezTo>
-                  <a:pt x="13002" y="3635277"/>
-                  <a:pt x="13002" y="3635277"/>
-                  <a:pt x="279969" y="3173551"/>
-                </a:cubicBezTo>
-                <a:cubicBezTo>
-                  <a:pt x="297305" y="3143614"/>
-                  <a:pt x="328508" y="3125191"/>
-                  <a:pt x="363179" y="3125191"/>
-                </a:cubicBezTo>
-                <a:close/>
-                <a:moveTo>
-                  <a:pt x="2489721" y="570035"/>
-                </a:moveTo>
-                <a:cubicBezTo>
-                  <a:pt x="2489721" y="570035"/>
-                  <a:pt x="2489721" y="570035"/>
-                  <a:pt x="2764862" y="570035"/>
-                </a:cubicBezTo>
-                <a:lnTo>
-                  <a:pt x="2796959" y="570035"/>
-                </a:lnTo>
-                <a:lnTo>
-                  <a:pt x="2827587" y="622777"/>
-                </a:lnTo>
-                <a:cubicBezTo>
-                  <a:pt x="2870233" y="696217"/>
-                  <a:pt x="2919858" y="781675"/>
-                  <a:pt x="2977604" y="881117"/>
-                </a:cubicBezTo>
-                <a:cubicBezTo>
-                  <a:pt x="3004153" y="925204"/>
-                  <a:pt x="3004153" y="981634"/>
-                  <a:pt x="2977604" y="1025720"/>
-                </a:cubicBezTo>
-                <a:cubicBezTo>
-                  <a:pt x="2977604" y="1025720"/>
-                  <a:pt x="2977604" y="1025720"/>
-                  <a:pt x="2566968" y="1732863"/>
-                </a:cubicBezTo>
-                <a:cubicBezTo>
-                  <a:pt x="2542188" y="1778712"/>
-                  <a:pt x="2492629" y="1806927"/>
-                  <a:pt x="2441299" y="1806927"/>
-                </a:cubicBezTo>
-                <a:cubicBezTo>
-                  <a:pt x="2441299" y="1806927"/>
-                  <a:pt x="2441299" y="1806927"/>
-                  <a:pt x="1621798" y="1806927"/>
-                </a:cubicBezTo>
-                <a:cubicBezTo>
-                  <a:pt x="1608523" y="1806927"/>
-                  <a:pt x="1595580" y="1805163"/>
-                  <a:pt x="1583218" y="1801802"/>
-                </a:cubicBezTo>
-                <a:lnTo>
-                  <a:pt x="1556683" y="1790677"/>
-                </a:lnTo>
-                <a:lnTo>
-                  <a:pt x="1572899" y="1762631"/>
-                </a:lnTo>
-                <a:cubicBezTo>
-                  <a:pt x="1719523" y="1509042"/>
-                  <a:pt x="1907201" y="1184448"/>
-                  <a:pt x="2147429" y="768968"/>
-                </a:cubicBezTo>
-                <a:cubicBezTo>
-                  <a:pt x="2218739" y="645819"/>
-                  <a:pt x="2347099" y="570035"/>
-                  <a:pt x="2489721" y="570035"/>
-                </a:cubicBezTo>
-                <a:close/>
-                <a:moveTo>
-                  <a:pt x="1573268" y="0"/>
-                </a:moveTo>
-                <a:cubicBezTo>
-                  <a:pt x="1573268" y="0"/>
-                  <a:pt x="1573268" y="0"/>
-                  <a:pt x="2497662" y="0"/>
-                </a:cubicBezTo>
-                <a:cubicBezTo>
-                  <a:pt x="2555561" y="0"/>
-                  <a:pt x="2611463" y="31828"/>
-                  <a:pt x="2639415" y="83546"/>
-                </a:cubicBezTo>
-                <a:cubicBezTo>
-                  <a:pt x="2639415" y="83546"/>
-                  <a:pt x="2639415" y="83546"/>
-                  <a:pt x="2887862" y="511387"/>
-                </a:cubicBezTo>
-                <a:lnTo>
-                  <a:pt x="2915928" y="559720"/>
-                </a:lnTo>
-                <a:lnTo>
-                  <a:pt x="2893844" y="559720"/>
-                </a:lnTo>
-                <a:lnTo>
-                  <a:pt x="2789466" y="559720"/>
-                </a:lnTo>
-                <a:lnTo>
-                  <a:pt x="2744122" y="481634"/>
-                </a:lnTo>
-                <a:cubicBezTo>
-                  <a:pt x="2570885" y="183309"/>
-                  <a:pt x="2570885" y="183309"/>
-                  <a:pt x="2570885" y="183309"/>
-                </a:cubicBezTo>
-                <a:cubicBezTo>
-                  <a:pt x="2546104" y="137459"/>
-                  <a:pt x="2496545" y="109244"/>
-                  <a:pt x="2445216" y="109244"/>
-                </a:cubicBezTo>
-                <a:cubicBezTo>
-                  <a:pt x="1625714" y="109244"/>
-                  <a:pt x="1625714" y="109244"/>
-                  <a:pt x="1625714" y="109244"/>
-                </a:cubicBezTo>
-                <a:cubicBezTo>
-                  <a:pt x="1572615" y="109244"/>
-                  <a:pt x="1524825" y="137459"/>
-                  <a:pt x="1498276" y="183309"/>
-                </a:cubicBezTo>
-                <a:cubicBezTo>
-                  <a:pt x="1089410" y="890450"/>
-                  <a:pt x="1089410" y="890450"/>
-                  <a:pt x="1089410" y="890450"/>
-                </a:cubicBezTo>
-                <a:cubicBezTo>
-                  <a:pt x="1062860" y="934537"/>
-                  <a:pt x="1062860" y="990968"/>
-                  <a:pt x="1089410" y="1035054"/>
-                </a:cubicBezTo>
-                <a:cubicBezTo>
-                  <a:pt x="1498276" y="1742196"/>
-                  <a:pt x="1498276" y="1742196"/>
-                  <a:pt x="1498276" y="1742196"/>
-                </a:cubicBezTo>
-                <a:cubicBezTo>
-                  <a:pt x="1511551" y="1765121"/>
-                  <a:pt x="1530135" y="1783637"/>
-                  <a:pt x="1552039" y="1796421"/>
-                </a:cubicBezTo>
-                <a:lnTo>
-                  <a:pt x="1558260" y="1799029"/>
-                </a:lnTo>
-                <a:lnTo>
-                  <a:pt x="1524911" y="1856707"/>
-                </a:lnTo>
-                <a:lnTo>
-                  <a:pt x="1500108" y="1899604"/>
-                </a:lnTo>
-                <a:lnTo>
-                  <a:pt x="1525834" y="1910390"/>
-                </a:lnTo>
-                <a:cubicBezTo>
-                  <a:pt x="1539779" y="1914181"/>
-                  <a:pt x="1554378" y="1916170"/>
-                  <a:pt x="1569352" y="1916170"/>
-                </a:cubicBezTo>
-                <a:cubicBezTo>
-                  <a:pt x="2493745" y="1916170"/>
-                  <a:pt x="2493745" y="1916170"/>
-                  <a:pt x="2493745" y="1916170"/>
-                </a:cubicBezTo>
-                <a:cubicBezTo>
-                  <a:pt x="2551645" y="1916170"/>
-                  <a:pt x="2607546" y="1884345"/>
-                  <a:pt x="2635498" y="1832627"/>
-                </a:cubicBezTo>
-                <a:cubicBezTo>
-                  <a:pt x="3098693" y="1034974"/>
-                  <a:pt x="3098693" y="1034974"/>
-                  <a:pt x="3098693" y="1034974"/>
-                </a:cubicBezTo>
-                <a:cubicBezTo>
-                  <a:pt x="3128641" y="985246"/>
-                  <a:pt x="3128641" y="921593"/>
-                  <a:pt x="3098693" y="871863"/>
-                </a:cubicBezTo>
-                <a:cubicBezTo>
-                  <a:pt x="3040794" y="772157"/>
-                  <a:pt x="2990132" y="684914"/>
-                  <a:pt x="2945803" y="608576"/>
-                </a:cubicBezTo>
-                <a:lnTo>
-                  <a:pt x="2923422" y="570035"/>
-                </a:lnTo>
-                <a:lnTo>
-                  <a:pt x="3027104" y="570035"/>
-                </a:lnTo>
-                <a:cubicBezTo>
-                  <a:pt x="3349535" y="570035"/>
-                  <a:pt x="3865424" y="570035"/>
-                  <a:pt x="4690846" y="570035"/>
-                </a:cubicBezTo>
-                <a:cubicBezTo>
-                  <a:pt x="4828714" y="570035"/>
-                  <a:pt x="4961827" y="645819"/>
-                  <a:pt x="5028384" y="768968"/>
-                </a:cubicBezTo>
-                <a:cubicBezTo>
-                  <a:pt x="5028384" y="768968"/>
-                  <a:pt x="5028384" y="768968"/>
-                  <a:pt x="6131323" y="2668304"/>
-                </a:cubicBezTo>
-                <a:cubicBezTo>
-                  <a:pt x="6202634" y="2786717"/>
-                  <a:pt x="6202634" y="2938285"/>
-                  <a:pt x="6131323" y="3056698"/>
-                </a:cubicBezTo>
-                <a:cubicBezTo>
-                  <a:pt x="6131323" y="3056698"/>
-                  <a:pt x="6131323" y="3056698"/>
-                  <a:pt x="5028384" y="4956035"/>
-                </a:cubicBezTo>
-                <a:cubicBezTo>
-                  <a:pt x="4961827" y="5079184"/>
-                  <a:pt x="4828714" y="5154967"/>
-                  <a:pt x="4690846" y="5154967"/>
-                </a:cubicBezTo>
-                <a:cubicBezTo>
-                  <a:pt x="4690846" y="5154967"/>
-                  <a:pt x="4690846" y="5154967"/>
-                  <a:pt x="2489721" y="5154967"/>
-                </a:cubicBezTo>
-                <a:cubicBezTo>
-                  <a:pt x="2347099" y="5154967"/>
-                  <a:pt x="2218739" y="5079184"/>
-                  <a:pt x="2147429" y="4956035"/>
-                </a:cubicBezTo>
-                <a:cubicBezTo>
-                  <a:pt x="2147429" y="4956035"/>
-                  <a:pt x="2147429" y="4956035"/>
-                  <a:pt x="1049243" y="3056698"/>
-                </a:cubicBezTo>
-                <a:cubicBezTo>
-                  <a:pt x="977932" y="2938285"/>
-                  <a:pt x="977932" y="2786717"/>
-                  <a:pt x="1049243" y="2668304"/>
-                </a:cubicBezTo>
-                <a:cubicBezTo>
-                  <a:pt x="1049243" y="2668304"/>
-                  <a:pt x="1049243" y="2668304"/>
-                  <a:pt x="1457007" y="1963067"/>
-                </a:cubicBezTo>
-                <a:lnTo>
-                  <a:pt x="1491373" y="1903634"/>
-                </a:lnTo>
-                <a:lnTo>
-                  <a:pt x="1490164" y="1903127"/>
-                </a:lnTo>
-                <a:cubicBezTo>
-                  <a:pt x="1465456" y="1888705"/>
-                  <a:pt x="1444493" y="1867820"/>
-                  <a:pt x="1429519" y="1841960"/>
-                </a:cubicBezTo>
-                <a:cubicBezTo>
-                  <a:pt x="1429519" y="1841960"/>
-                  <a:pt x="1429519" y="1841960"/>
-                  <a:pt x="968320" y="1044307"/>
-                </a:cubicBezTo>
-                <a:cubicBezTo>
-                  <a:pt x="938371" y="994579"/>
-                  <a:pt x="938371" y="930926"/>
-                  <a:pt x="968320" y="881196"/>
-                </a:cubicBezTo>
-                <a:cubicBezTo>
-                  <a:pt x="968320" y="881196"/>
-                  <a:pt x="968320" y="881196"/>
-                  <a:pt x="1429519" y="83546"/>
-                </a:cubicBezTo>
-                <a:cubicBezTo>
-                  <a:pt x="1459466" y="31828"/>
-                  <a:pt x="1513373" y="0"/>
-                  <a:pt x="1573268" y="0"/>
-                </a:cubicBezTo>
-                <a:close/>
-              </a:path>
-            </a:pathLst>
-          </a:custGeom>
-          <a:solidFill>
-            <a:schemeClr val="tx1">
-              <a:lumMod val="50000"/>
-              <a:lumOff val="50000"/>
-              <a:alpha val="15000"/>
-            </a:schemeClr>
-          </a:solidFill>
-          <a:ln>
-            <a:noFill/>
-          </a:ln>
-        </p:spPr>
-        <p:style>
-          <a:lnRef idx="2">
-            <a:schemeClr val="accent1">
-              <a:shade val="50000"/>
-            </a:schemeClr>
-          </a:lnRef>
-          <a:fillRef idx="1">
-            <a:schemeClr val="accent1"/>
-          </a:fillRef>
-          <a:effectRef idx="0">
-            <a:schemeClr val="accent1"/>
-          </a:effectRef>
-          <a:fontRef idx="minor">
-            <a:schemeClr val="lt1"/>
-          </a:fontRef>
-        </p:style>
-        <p:txBody>
-          <a:bodyPr wrap="square" rtlCol="0" anchor="ctr">
-            <a:noAutofit/>
-          </a:bodyPr>
-          <a:lstStyle/>
-          <a:p>
-            <a:pPr algn="ctr"/>
-            <a:endParaRPr lang="en-US"/>
-          </a:p>
-        </p:txBody>
-      </p:sp>
-      <p:pic>
-        <p:nvPicPr>
-          <p:cNvPr id="6" name="Graphic 5" descr="Help with solid fill">
-            <a:extLst>
-              <a:ext uri="{FF2B5EF4-FFF2-40B4-BE49-F238E27FC236}">
-                <a16:creationId xmlns:a16="http://schemas.microsoft.com/office/drawing/2014/main" id="{5D1B45EE-EE74-4916-A832-5235393504C2}"/>
-              </a:ext>
-            </a:extLst>
-          </p:cNvPr>
-          <p:cNvPicPr>
-            <a:picLocks noChangeAspect="1"/>
-          </p:cNvPicPr>
-          <p:nvPr/>
-        </p:nvPicPr>
-        <p:blipFill>
-          <a:blip r:embed="rId2">
-            <a:extLst>
-              <a:ext uri="{28A0092B-C50C-407E-A947-70E740481C1C}">
-                <a14:useLocalDpi xmlns:a14="http://schemas.microsoft.com/office/drawing/2010/main" val="0"/>
-              </a:ext>
-              <a:ext uri="{96DAC541-7B7A-43D3-8B79-37D633B846F1}">
-                <asvg:svgBlip xmlns:asvg="http://schemas.microsoft.com/office/drawing/2016/SVG/main" r:embed="rId3"/>
-              </a:ext>
-            </a:extLst>
-          </a:blip>
-          <a:stretch>
-            <a:fillRect/>
-          </a:stretch>
-        </p:blipFill>
-        <p:spPr>
-          <a:xfrm>
-            <a:off x="7535330" y="2105470"/>
-            <a:ext cx="3217333" cy="3217333"/>
-          </a:xfrm>
-          <a:prstGeom prst="rect">
-            <a:avLst/>
-          </a:prstGeom>
-        </p:spPr>
-      </p:pic>
-    </p:spTree>
-    <p:extLst>
-      <p:ext uri="{BB962C8B-B14F-4D97-AF65-F5344CB8AC3E}">
-        <p14:creationId xmlns:p14="http://schemas.microsoft.com/office/powerpoint/2010/main" val="668814964"/>
-      </p:ext>
-    </p:extLst>
-  </p:cSld>
-  <p:clrMapOvr>
-    <a:masterClrMapping/>
-  </p:clrMapOvr>
-  <p:timing>
-    <p:tnLst>
-      <p:par>
-        <p:cTn id="1" dur="indefinite" restart="never" nodeType="tmRoot">
-          <p:childTnLst>
-            <p:seq concurrent="1" nextAc="seek">
-              <p:cTn id="2" dur="indefinite" nodeType="mainSeq">
-                <p:childTnLst>
-                  <p:par>
-                    <p:cTn id="3" fill="hold">
-                      <p:stCondLst>
-                        <p:cond delay="indefinite"/>
-                      </p:stCondLst>
-                      <p:childTnLst>
-                        <p:par>
-                          <p:cTn id="4" fill="hold">
-                            <p:stCondLst>
-                              <p:cond delay="0"/>
-                            </p:stCondLst>
-                            <p:childTnLst>
-                              <p:par>
-                                <p:cTn id="5" presetID="10" presetClass="entr" presetSubtype="0" fill="hold" nodeType="clickEffect">
-                                  <p:stCondLst>
-                                    <p:cond delay="0"/>
-                                  </p:stCondLst>
-                                  <p:childTnLst>
-                                    <p:set>
-                                      <p:cBhvr>
-                                        <p:cTn id="6" dur="1" fill="hold">
-                                          <p:stCondLst>
-                                            <p:cond delay="0"/>
-                                          </p:stCondLst>
-                                        </p:cTn>
-                                        <p:tgtEl>
-                                          <p:spTgt spid="3">
-                                            <p:txEl>
-                                              <p:pRg st="0" end="0"/>
-                                            </p:txEl>
-                                          </p:spTgt>
-                                        </p:tgtEl>
-                                        <p:attrNameLst>
-                                          <p:attrName>style.visibility</p:attrName>
-                                        </p:attrNameLst>
-                                      </p:cBhvr>
-                                      <p:to>
-                                        <p:strVal val="visible"/>
-                                      </p:to>
-                                    </p:set>
-                                    <p:animEffect transition="in" filter="fade">
-                                      <p:cBhvr>
-                                        <p:cTn id="7" dur="500"/>
-                                        <p:tgtEl>
-                                          <p:spTgt spid="3">
-                                            <p:txEl>
-                                              <p:pRg st="0" end="0"/>
-                                            </p:txEl>
-                                          </p:spTgt>
-                                        </p:tgtEl>
-                                      </p:cBhvr>
-                                    </p:animEffect>
-                                  </p:childTnLst>
-                                </p:cTn>
-                              </p:par>
-                            </p:childTnLst>
-                          </p:cTn>
-                        </p:par>
-                      </p:childTnLst>
-                    </p:cTn>
-                  </p:par>
-                  <p:par>
-                    <p:cTn id="8" fill="hold">
-                      <p:stCondLst>
-                        <p:cond delay="indefinite"/>
-                      </p:stCondLst>
-                      <p:childTnLst>
-                        <p:par>
-                          <p:cTn id="9" fill="hold">
-                            <p:stCondLst>
-                              <p:cond delay="0"/>
-                            </p:stCondLst>
-                            <p:childTnLst>
-                              <p:par>
-                                <p:cTn id="10" presetID="1" presetClass="entr" presetSubtype="0" fill="hold" nodeType="clickEffect">
-                                  <p:stCondLst>
-                                    <p:cond delay="0"/>
-                                  </p:stCondLst>
-                                  <p:childTnLst>
-                                    <p:set>
-                                      <p:cBhvr>
-                                        <p:cTn id="11" dur="1" fill="hold">
-                                          <p:stCondLst>
-                                            <p:cond delay="0"/>
-                                          </p:stCondLst>
-                                        </p:cTn>
-                                        <p:tgtEl>
-                                          <p:spTgt spid="3">
-                                            <p:txEl>
-                                              <p:pRg st="1" end="1"/>
-                                            </p:txEl>
-                                          </p:spTgt>
-                                        </p:tgtEl>
-                                        <p:attrNameLst>
-                                          <p:attrName>style.visibility</p:attrName>
-                                        </p:attrNameLst>
-                                      </p:cBhvr>
-                                      <p:to>
-                                        <p:strVal val="visible"/>
-                                      </p:to>
-                                    </p:set>
-                                  </p:childTnLst>
-                                </p:cTn>
-                              </p:par>
-                            </p:childTnLst>
-                          </p:cTn>
-                        </p:par>
-                      </p:childTnLst>
-                    </p:cTn>
-                  </p:par>
-                  <p:par>
-                    <p:cTn id="12" fill="hold">
-                      <p:stCondLst>
-                        <p:cond delay="indefinite"/>
-                      </p:stCondLst>
-                      <p:childTnLst>
-                        <p:par>
-                          <p:cTn id="13" fill="hold">
-                            <p:stCondLst>
-                              <p:cond delay="0"/>
-                            </p:stCondLst>
-                            <p:childTnLst>
-                              <p:par>
-                                <p:cTn id="14" presetID="10" presetClass="entr" presetSubtype="0" fill="hold" nodeType="clickEffect">
-                                  <p:stCondLst>
-                                    <p:cond delay="0"/>
-                                  </p:stCondLst>
-                                  <p:childTnLst>
-                                    <p:set>
-                                      <p:cBhvr>
-                                        <p:cTn id="15" dur="1" fill="hold">
-                                          <p:stCondLst>
-                                            <p:cond delay="0"/>
-                                          </p:stCondLst>
-                                        </p:cTn>
-                                        <p:tgtEl>
-                                          <p:spTgt spid="3">
-                                            <p:txEl>
-                                              <p:pRg st="2" end="2"/>
-                                            </p:txEl>
-                                          </p:spTgt>
-                                        </p:tgtEl>
-                                        <p:attrNameLst>
-                                          <p:attrName>style.visibility</p:attrName>
-                                        </p:attrNameLst>
-                                      </p:cBhvr>
-                                      <p:to>
-                                        <p:strVal val="visible"/>
-                                      </p:to>
-                                    </p:set>
-                                    <p:animEffect transition="in" filter="fade">
-                                      <p:cBhvr>
-                                        <p:cTn id="16" dur="500"/>
-                                        <p:tgtEl>
-                                          <p:spTgt spid="3">
-                                            <p:txEl>
-                                              <p:pRg st="2" end="2"/>
-                                            </p:txEl>
-                                          </p:spTgt>
-                                        </p:tgtEl>
-                                      </p:cBhvr>
-                                    </p:animEffect>
-                                  </p:childTnLst>
-                                </p:cTn>
-                              </p:par>
-                            </p:childTnLst>
-                          </p:cTn>
-                        </p:par>
-                      </p:childTnLst>
-                    </p:cTn>
-                  </p:par>
-                  <p:par>
-                    <p:cTn id="17" fill="hold">
-                      <p:stCondLst>
-                        <p:cond delay="indefinite"/>
-                      </p:stCondLst>
-                      <p:childTnLst>
-                        <p:par>
-                          <p:cTn id="18" fill="hold">
-                            <p:stCondLst>
-                              <p:cond delay="0"/>
-                            </p:stCondLst>
-                            <p:childTnLst>
-                              <p:par>
-                                <p:cTn id="19" presetID="10" presetClass="entr" presetSubtype="0" fill="hold" nodeType="clickEffect">
-                                  <p:stCondLst>
-                                    <p:cond delay="0"/>
-                                  </p:stCondLst>
-                                  <p:childTnLst>
-                                    <p:set>
-                                      <p:cBhvr>
-                                        <p:cTn id="20" dur="1" fill="hold">
-                                          <p:stCondLst>
-                                            <p:cond delay="0"/>
-                                          </p:stCondLst>
-                                        </p:cTn>
-                                        <p:tgtEl>
-                                          <p:spTgt spid="3">
-                                            <p:txEl>
-                                              <p:pRg st="3" end="3"/>
-                                            </p:txEl>
-                                          </p:spTgt>
-                                        </p:tgtEl>
-                                        <p:attrNameLst>
-                                          <p:attrName>style.visibility</p:attrName>
-                                        </p:attrNameLst>
-                                      </p:cBhvr>
-                                      <p:to>
-                                        <p:strVal val="visible"/>
-                                      </p:to>
-                                    </p:set>
-                                    <p:animEffect transition="in" filter="fade">
-                                      <p:cBhvr>
-                                        <p:cTn id="21" dur="500"/>
-                                        <p:tgtEl>
-                                          <p:spTgt spid="3">
-                                            <p:txEl>
-                                              <p:pRg st="3" end="3"/>
-                                            </p:txEl>
-                                          </p:spTgt>
-                                        </p:tgtEl>
-                                      </p:cBhvr>
-                                    </p:animEffect>
-                                  </p:childTnLst>
-                                </p:cTn>
-                              </p:par>
-                            </p:childTnLst>
-                          </p:cTn>
-                        </p:par>
-                      </p:childTnLst>
-                    </p:cTn>
-                  </p:par>
-                </p:childTnLst>
-              </p:cTn>
-              <p:prevCondLst>
-                <p:cond evt="onPrev" delay="0">
-                  <p:tgtEl>
-                    <p:sldTgt/>
-                  </p:tgtEl>
-                </p:cond>
-              </p:prevCondLst>
-              <p:nextCondLst>
-                <p:cond evt="onNext" delay="0">
-                  <p:tgtEl>
-                    <p:sldTgt/>
-                  </p:tgtEl>
-                </p:cond>
-              </p:nextCondLst>
-            </p:seq>
-          </p:childTnLst>
-        </p:cTn>
-      </p:par>
-    </p:tnLst>
-  </p:timing>
-</p:sld>
-</file>
-
-<file path=ppt/slides/slide20.xml><?xml version="1.0" encoding="utf-8"?>
-<p:sld xmlns:a="http://schemas.openxmlformats.org/drawingml/2006/main" xmlns:r="http://schemas.openxmlformats.org/officeDocument/2006/relationships" xmlns:p="http://schemas.openxmlformats.org/presentationml/2006/main">
-  <p:cSld>
-    <p:bg>
-      <p:bgPr>
-        <a:solidFill>
-          <a:schemeClr val="bg1"/>
-        </a:solidFill>
-        <a:effectLst/>
-      </p:bgPr>
-    </p:bg>
-    <p:spTree>
-      <p:nvGrpSpPr>
-        <p:cNvPr id="1" name=""/>
-        <p:cNvGrpSpPr/>
-        <p:nvPr/>
-      </p:nvGrpSpPr>
-      <p:grpSpPr>
-        <a:xfrm>
-          <a:off x="0" y="0"/>
-          <a:ext cx="0" cy="0"/>
-          <a:chOff x="0" y="0"/>
-          <a:chExt cx="0" cy="0"/>
-        </a:xfrm>
-      </p:grpSpPr>
-      <p:sp useBgFill="1">
-        <p:nvSpPr>
-          <p:cNvPr id="56" name="Rectangle 55">
-            <a:extLst>
-              <a:ext uri="{FF2B5EF4-FFF2-40B4-BE49-F238E27FC236}">
-                <a16:creationId xmlns:a16="http://schemas.microsoft.com/office/drawing/2014/main" id="{33CD251C-A887-4D2F-925B-FC097198538B}"/>
-              </a:ext>
-              <a:ext uri="{C183D7F6-B498-43B3-948B-1728B52AA6E4}">
-                <adec:decorative xmlns:adec="http://schemas.microsoft.com/office/drawing/2017/decorative" val="1"/>
-              </a:ext>
-            </a:extLst>
-          </p:cNvPr>
-          <p:cNvSpPr>
-            <a:spLocks noGrp="1" noRot="1" noChangeAspect="1" noMove="1" noResize="1" noEditPoints="1" noAdjustHandles="1" noChangeArrowheads="1" noChangeShapeType="1" noTextEdit="1"/>
-          </p:cNvSpPr>
-          <p:nvPr>
-            <p:extLst>
-              <p:ext uri="{386F3935-93C4-4BCD-93E2-E3B085C9AB24}">
-                <p16:designElem xmlns:p16="http://schemas.microsoft.com/office/powerpoint/2015/main" val="1"/>
-              </p:ext>
-            </p:extLst>
-          </p:nvPr>
-        </p:nvSpPr>
-        <p:spPr>
-          <a:xfrm>
-            <a:off x="0" y="0"/>
-            <a:ext cx="12192000" cy="6858000"/>
-          </a:xfrm>
-          <a:prstGeom prst="rect">
-            <a:avLst/>
-          </a:prstGeom>
-          <a:ln>
-            <a:noFill/>
-          </a:ln>
-        </p:spPr>
-        <p:style>
-          <a:lnRef idx="2">
-            <a:schemeClr val="accent1">
-              <a:shade val="50000"/>
-            </a:schemeClr>
-          </a:lnRef>
-          <a:fillRef idx="1">
-            <a:schemeClr val="accent1"/>
-          </a:fillRef>
-          <a:effectRef idx="0">
-            <a:schemeClr val="accent1"/>
-          </a:effectRef>
-          <a:fontRef idx="minor">
-            <a:schemeClr val="lt1"/>
-          </a:fontRef>
-        </p:style>
-        <p:txBody>
-          <a:bodyPr rtlCol="0" anchor="ctr"/>
-          <a:lstStyle/>
-          <a:p>
-            <a:pPr algn="ctr"/>
-            <a:endParaRPr lang="en-US"/>
-          </a:p>
-        </p:txBody>
-      </p:sp>
-      <p:sp>
-        <p:nvSpPr>
           <p:cNvPr id="58" name="Freeform: Shape 57">
             <a:extLst>
               <a:ext uri="{FF2B5EF4-FFF2-40B4-BE49-F238E27FC236}">
@@ -11743,7 +10373,7 @@
                 <a:ea typeface="+mj-ea"/>
                 <a:cs typeface="+mj-cs"/>
               </a:rPr>
-              <a:t>Insights: Sentence Enhancements</a:t>
+              <a:t>Sentence Enhancements</a:t>
             </a:r>
           </a:p>
         </p:txBody>
@@ -12278,7 +10908,7 @@
 </p:sld>
 </file>
 
-<file path=ppt/slides/slide21.xml><?xml version="1.0" encoding="utf-8"?>
+<file path=ppt/slides/slide19.xml><?xml version="1.0" encoding="utf-8"?>
 <p:sld xmlns:a="http://schemas.openxmlformats.org/drawingml/2006/main" xmlns:r="http://schemas.openxmlformats.org/officeDocument/2006/relationships" xmlns:p="http://schemas.openxmlformats.org/presentationml/2006/main">
   <p:cSld>
     <p:bg>
@@ -12546,7 +11176,7 @@
                 <a:ea typeface="+mj-ea"/>
                 <a:cs typeface="+mj-cs"/>
               </a:rPr>
-              <a:t>Insights: Sentence Enhancements</a:t>
+              <a:t>Sentence Enhancements</a:t>
             </a:r>
           </a:p>
         </p:txBody>
@@ -13085,7 +11715,7 @@
 </p:sld>
 </file>
 
-<file path=ppt/slides/slide22.xml><?xml version="1.0" encoding="utf-8"?>
+<file path=ppt/slides/slide2.xml><?xml version="1.0" encoding="utf-8"?>
 <p:sld xmlns:a="http://schemas.openxmlformats.org/drawingml/2006/main" xmlns:r="http://schemas.openxmlformats.org/officeDocument/2006/relationships" xmlns:p="http://schemas.openxmlformats.org/presentationml/2006/main">
   <p:cSld>
     <p:bg>
@@ -13112,10 +11742,10 @@
       </p:grpSpPr>
       <p:sp useBgFill="1">
         <p:nvSpPr>
-          <p:cNvPr id="56" name="Rectangle 55">
+          <p:cNvPr id="11" name="Rectangle 10">
             <a:extLst>
               <a:ext uri="{FF2B5EF4-FFF2-40B4-BE49-F238E27FC236}">
-                <a16:creationId xmlns:a16="http://schemas.microsoft.com/office/drawing/2014/main" id="{33CD251C-A887-4D2F-925B-FC097198538B}"/>
+                <a16:creationId xmlns:a16="http://schemas.microsoft.com/office/drawing/2014/main" id="{91F32EBA-ED97-466E-8CFA-8382584155D0}"/>
               </a:ext>
               <a:ext uri="{C183D7F6-B498-43B3-948B-1728B52AA6E4}">
                 <adec:decorative xmlns:adec="http://schemas.microsoft.com/office/drawing/2017/decorative" val="1"/>
@@ -13172,6 +11802,1274 @@
       </p:sp>
       <p:sp>
         <p:nvSpPr>
+          <p:cNvPr id="2" name="Title 1">
+            <a:extLst>
+              <a:ext uri="{FF2B5EF4-FFF2-40B4-BE49-F238E27FC236}">
+                <a16:creationId xmlns:a16="http://schemas.microsoft.com/office/drawing/2014/main" id="{A799583B-9ACC-449B-95CE-FE9E6C88012A}"/>
+              </a:ext>
+            </a:extLst>
+          </p:cNvPr>
+          <p:cNvSpPr>
+            <a:spLocks noGrp="1"/>
+          </p:cNvSpPr>
+          <p:nvPr>
+            <p:ph type="title"/>
+          </p:nvPr>
+        </p:nvSpPr>
+        <p:spPr>
+          <a:xfrm>
+            <a:off x="965199" y="851517"/>
+            <a:ext cx="5130795" cy="1461778"/>
+          </a:xfrm>
+        </p:spPr>
+        <p:txBody>
+          <a:bodyPr vert="horz" lIns="91440" tIns="45720" rIns="91440" bIns="45720" rtlCol="0" anchor="ctr">
+            <a:normAutofit/>
+          </a:bodyPr>
+          <a:lstStyle/>
+          <a:p>
+            <a:r>
+              <a:rPr lang="en-US" sz="4000" kern="1200">
+                <a:solidFill>
+                  <a:schemeClr val="tx1"/>
+                </a:solidFill>
+                <a:latin typeface="+mj-lt"/>
+                <a:ea typeface="+mj-ea"/>
+                <a:cs typeface="+mj-cs"/>
+              </a:rPr>
+              <a:t>Guiding Questions</a:t>
+            </a:r>
+          </a:p>
+        </p:txBody>
+      </p:sp>
+      <p:sp>
+        <p:nvSpPr>
+          <p:cNvPr id="3" name="Content Placeholder 2">
+            <a:extLst>
+              <a:ext uri="{FF2B5EF4-FFF2-40B4-BE49-F238E27FC236}">
+                <a16:creationId xmlns:a16="http://schemas.microsoft.com/office/drawing/2014/main" id="{606A0FD7-B64A-497D-A54A-67D403C5C515}"/>
+              </a:ext>
+            </a:extLst>
+          </p:cNvPr>
+          <p:cNvSpPr>
+            <a:spLocks noGrp="1"/>
+          </p:cNvSpPr>
+          <p:nvPr>
+            <p:ph sz="half" idx="1"/>
+          </p:nvPr>
+        </p:nvSpPr>
+        <p:spPr>
+          <a:xfrm>
+            <a:off x="965200" y="2470248"/>
+            <a:ext cx="4048344" cy="3983818"/>
+          </a:xfrm>
+        </p:spPr>
+        <p:txBody>
+          <a:bodyPr vert="horz" lIns="91440" tIns="45720" rIns="91440" bIns="45720" rtlCol="0">
+            <a:normAutofit fontScale="92500" lnSpcReduction="10000"/>
+          </a:bodyPr>
+          <a:lstStyle/>
+          <a:p>
+            <a:r>
+              <a:rPr lang="en-US" sz="2200" dirty="0"/>
+              <a:t>Are there racial disparities between the sentencing population and the general population in Tennessee?</a:t>
+            </a:r>
+          </a:p>
+          <a:p>
+            <a:r>
+              <a:rPr lang="en-US" sz="2200" dirty="0"/>
+              <a:t>What kinds of crimes are most common among different racial groups?</a:t>
+            </a:r>
+          </a:p>
+          <a:p>
+            <a:r>
+              <a:rPr lang="en-US" sz="2200" dirty="0"/>
+              <a:t>Are people of color receiving longer sentences on average?</a:t>
+            </a:r>
+          </a:p>
+          <a:p>
+            <a:r>
+              <a:rPr lang="en-US" sz="2200" dirty="0"/>
+              <a:t>Are there disparities in the application of sentence enhancements and sentence mitigation measures?</a:t>
+            </a:r>
+          </a:p>
+        </p:txBody>
+      </p:sp>
+      <p:sp>
+        <p:nvSpPr>
+          <p:cNvPr id="13" name="Freeform: Shape 12">
+            <a:extLst>
+              <a:ext uri="{FF2B5EF4-FFF2-40B4-BE49-F238E27FC236}">
+                <a16:creationId xmlns:a16="http://schemas.microsoft.com/office/drawing/2014/main" id="{62A38935-BB53-4DF7-A56E-48DD25B685D7}"/>
+              </a:ext>
+              <a:ext uri="{C183D7F6-B498-43B3-948B-1728B52AA6E4}">
+                <adec:decorative xmlns:adec="http://schemas.microsoft.com/office/drawing/2017/decorative" val="1"/>
+              </a:ext>
+            </a:extLst>
+          </p:cNvPr>
+          <p:cNvSpPr>
+            <a:spLocks noGrp="1" noRot="1" noChangeAspect="1" noMove="1" noResize="1" noEditPoints="1" noAdjustHandles="1" noChangeArrowheads="1" noChangeShapeType="1" noTextEdit="1"/>
+          </p:cNvSpPr>
+          <p:nvPr>
+            <p:extLst>
+              <p:ext uri="{386F3935-93C4-4BCD-93E2-E3B085C9AB24}">
+                <p16:designElem xmlns:p16="http://schemas.microsoft.com/office/powerpoint/2015/main" val="1"/>
+              </p:ext>
+            </p:extLst>
+          </p:nvPr>
+        </p:nvSpPr>
+        <p:spPr>
+          <a:xfrm>
+            <a:off x="5510370" y="851518"/>
+            <a:ext cx="6184806" cy="5154967"/>
+          </a:xfrm>
+          <a:custGeom>
+            <a:avLst/>
+            <a:gdLst>
+              <a:gd name="connsiteX0" fmla="*/ 363179 w 6184806"/>
+              <a:gd name="connsiteY0" fmla="*/ 3125191 h 5154967"/>
+              <a:gd name="connsiteX1" fmla="*/ 898270 w 6184806"/>
+              <a:gd name="connsiteY1" fmla="*/ 3125191 h 5154967"/>
+              <a:gd name="connsiteX2" fmla="*/ 980326 w 6184806"/>
+              <a:gd name="connsiteY2" fmla="*/ 3173551 h 5154967"/>
+              <a:gd name="connsiteX3" fmla="*/ 1248448 w 6184806"/>
+              <a:gd name="connsiteY3" fmla="*/ 3635277 h 5154967"/>
+              <a:gd name="connsiteX4" fmla="*/ 1248448 w 6184806"/>
+              <a:gd name="connsiteY4" fmla="*/ 3729695 h 5154967"/>
+              <a:gd name="connsiteX5" fmla="*/ 980326 w 6184806"/>
+              <a:gd name="connsiteY5" fmla="*/ 4191421 h 5154967"/>
+              <a:gd name="connsiteX6" fmla="*/ 898270 w 6184806"/>
+              <a:gd name="connsiteY6" fmla="*/ 4239781 h 5154967"/>
+              <a:gd name="connsiteX7" fmla="*/ 363179 w 6184806"/>
+              <a:gd name="connsiteY7" fmla="*/ 4239781 h 5154967"/>
+              <a:gd name="connsiteX8" fmla="*/ 279969 w 6184806"/>
+              <a:gd name="connsiteY8" fmla="*/ 4191421 h 5154967"/>
+              <a:gd name="connsiteX9" fmla="*/ 13002 w 6184806"/>
+              <a:gd name="connsiteY9" fmla="*/ 3729695 h 5154967"/>
+              <a:gd name="connsiteX10" fmla="*/ 13002 w 6184806"/>
+              <a:gd name="connsiteY10" fmla="*/ 3635277 h 5154967"/>
+              <a:gd name="connsiteX11" fmla="*/ 279969 w 6184806"/>
+              <a:gd name="connsiteY11" fmla="*/ 3173551 h 5154967"/>
+              <a:gd name="connsiteX12" fmla="*/ 363179 w 6184806"/>
+              <a:gd name="connsiteY12" fmla="*/ 3125191 h 5154967"/>
+              <a:gd name="connsiteX13" fmla="*/ 2489721 w 6184806"/>
+              <a:gd name="connsiteY13" fmla="*/ 570035 h 5154967"/>
+              <a:gd name="connsiteX14" fmla="*/ 2764862 w 6184806"/>
+              <a:gd name="connsiteY14" fmla="*/ 570035 h 5154967"/>
+              <a:gd name="connsiteX15" fmla="*/ 2796959 w 6184806"/>
+              <a:gd name="connsiteY15" fmla="*/ 570035 h 5154967"/>
+              <a:gd name="connsiteX16" fmla="*/ 2827587 w 6184806"/>
+              <a:gd name="connsiteY16" fmla="*/ 622777 h 5154967"/>
+              <a:gd name="connsiteX17" fmla="*/ 2977604 w 6184806"/>
+              <a:gd name="connsiteY17" fmla="*/ 881117 h 5154967"/>
+              <a:gd name="connsiteX18" fmla="*/ 2977604 w 6184806"/>
+              <a:gd name="connsiteY18" fmla="*/ 1025720 h 5154967"/>
+              <a:gd name="connsiteX19" fmla="*/ 2566968 w 6184806"/>
+              <a:gd name="connsiteY19" fmla="*/ 1732863 h 5154967"/>
+              <a:gd name="connsiteX20" fmla="*/ 2441299 w 6184806"/>
+              <a:gd name="connsiteY20" fmla="*/ 1806927 h 5154967"/>
+              <a:gd name="connsiteX21" fmla="*/ 1621798 w 6184806"/>
+              <a:gd name="connsiteY21" fmla="*/ 1806927 h 5154967"/>
+              <a:gd name="connsiteX22" fmla="*/ 1583218 w 6184806"/>
+              <a:gd name="connsiteY22" fmla="*/ 1801802 h 5154967"/>
+              <a:gd name="connsiteX23" fmla="*/ 1556683 w 6184806"/>
+              <a:gd name="connsiteY23" fmla="*/ 1790677 h 5154967"/>
+              <a:gd name="connsiteX24" fmla="*/ 1572899 w 6184806"/>
+              <a:gd name="connsiteY24" fmla="*/ 1762631 h 5154967"/>
+              <a:gd name="connsiteX25" fmla="*/ 2147429 w 6184806"/>
+              <a:gd name="connsiteY25" fmla="*/ 768968 h 5154967"/>
+              <a:gd name="connsiteX26" fmla="*/ 2489721 w 6184806"/>
+              <a:gd name="connsiteY26" fmla="*/ 570035 h 5154967"/>
+              <a:gd name="connsiteX27" fmla="*/ 1573268 w 6184806"/>
+              <a:gd name="connsiteY27" fmla="*/ 0 h 5154967"/>
+              <a:gd name="connsiteX28" fmla="*/ 2497662 w 6184806"/>
+              <a:gd name="connsiteY28" fmla="*/ 0 h 5154967"/>
+              <a:gd name="connsiteX29" fmla="*/ 2639415 w 6184806"/>
+              <a:gd name="connsiteY29" fmla="*/ 83546 h 5154967"/>
+              <a:gd name="connsiteX30" fmla="*/ 2887862 w 6184806"/>
+              <a:gd name="connsiteY30" fmla="*/ 511387 h 5154967"/>
+              <a:gd name="connsiteX31" fmla="*/ 2915928 w 6184806"/>
+              <a:gd name="connsiteY31" fmla="*/ 559720 h 5154967"/>
+              <a:gd name="connsiteX32" fmla="*/ 2893844 w 6184806"/>
+              <a:gd name="connsiteY32" fmla="*/ 559720 h 5154967"/>
+              <a:gd name="connsiteX33" fmla="*/ 2789466 w 6184806"/>
+              <a:gd name="connsiteY33" fmla="*/ 559720 h 5154967"/>
+              <a:gd name="connsiteX34" fmla="*/ 2744122 w 6184806"/>
+              <a:gd name="connsiteY34" fmla="*/ 481634 h 5154967"/>
+              <a:gd name="connsiteX35" fmla="*/ 2570885 w 6184806"/>
+              <a:gd name="connsiteY35" fmla="*/ 183309 h 5154967"/>
+              <a:gd name="connsiteX36" fmla="*/ 2445216 w 6184806"/>
+              <a:gd name="connsiteY36" fmla="*/ 109244 h 5154967"/>
+              <a:gd name="connsiteX37" fmla="*/ 1625714 w 6184806"/>
+              <a:gd name="connsiteY37" fmla="*/ 109244 h 5154967"/>
+              <a:gd name="connsiteX38" fmla="*/ 1498276 w 6184806"/>
+              <a:gd name="connsiteY38" fmla="*/ 183309 h 5154967"/>
+              <a:gd name="connsiteX39" fmla="*/ 1089410 w 6184806"/>
+              <a:gd name="connsiteY39" fmla="*/ 890450 h 5154967"/>
+              <a:gd name="connsiteX40" fmla="*/ 1089410 w 6184806"/>
+              <a:gd name="connsiteY40" fmla="*/ 1035054 h 5154967"/>
+              <a:gd name="connsiteX41" fmla="*/ 1498276 w 6184806"/>
+              <a:gd name="connsiteY41" fmla="*/ 1742196 h 5154967"/>
+              <a:gd name="connsiteX42" fmla="*/ 1552039 w 6184806"/>
+              <a:gd name="connsiteY42" fmla="*/ 1796421 h 5154967"/>
+              <a:gd name="connsiteX43" fmla="*/ 1558260 w 6184806"/>
+              <a:gd name="connsiteY43" fmla="*/ 1799029 h 5154967"/>
+              <a:gd name="connsiteX44" fmla="*/ 1524911 w 6184806"/>
+              <a:gd name="connsiteY44" fmla="*/ 1856707 h 5154967"/>
+              <a:gd name="connsiteX45" fmla="*/ 1500108 w 6184806"/>
+              <a:gd name="connsiteY45" fmla="*/ 1899604 h 5154967"/>
+              <a:gd name="connsiteX46" fmla="*/ 1525834 w 6184806"/>
+              <a:gd name="connsiteY46" fmla="*/ 1910390 h 5154967"/>
+              <a:gd name="connsiteX47" fmla="*/ 1569352 w 6184806"/>
+              <a:gd name="connsiteY47" fmla="*/ 1916170 h 5154967"/>
+              <a:gd name="connsiteX48" fmla="*/ 2493745 w 6184806"/>
+              <a:gd name="connsiteY48" fmla="*/ 1916170 h 5154967"/>
+              <a:gd name="connsiteX49" fmla="*/ 2635498 w 6184806"/>
+              <a:gd name="connsiteY49" fmla="*/ 1832627 h 5154967"/>
+              <a:gd name="connsiteX50" fmla="*/ 3098693 w 6184806"/>
+              <a:gd name="connsiteY50" fmla="*/ 1034974 h 5154967"/>
+              <a:gd name="connsiteX51" fmla="*/ 3098693 w 6184806"/>
+              <a:gd name="connsiteY51" fmla="*/ 871863 h 5154967"/>
+              <a:gd name="connsiteX52" fmla="*/ 2945803 w 6184806"/>
+              <a:gd name="connsiteY52" fmla="*/ 608576 h 5154967"/>
+              <a:gd name="connsiteX53" fmla="*/ 2923422 w 6184806"/>
+              <a:gd name="connsiteY53" fmla="*/ 570035 h 5154967"/>
+              <a:gd name="connsiteX54" fmla="*/ 3027104 w 6184806"/>
+              <a:gd name="connsiteY54" fmla="*/ 570035 h 5154967"/>
+              <a:gd name="connsiteX55" fmla="*/ 4690846 w 6184806"/>
+              <a:gd name="connsiteY55" fmla="*/ 570035 h 5154967"/>
+              <a:gd name="connsiteX56" fmla="*/ 5028384 w 6184806"/>
+              <a:gd name="connsiteY56" fmla="*/ 768968 h 5154967"/>
+              <a:gd name="connsiteX57" fmla="*/ 6131323 w 6184806"/>
+              <a:gd name="connsiteY57" fmla="*/ 2668304 h 5154967"/>
+              <a:gd name="connsiteX58" fmla="*/ 6131323 w 6184806"/>
+              <a:gd name="connsiteY58" fmla="*/ 3056698 h 5154967"/>
+              <a:gd name="connsiteX59" fmla="*/ 5028384 w 6184806"/>
+              <a:gd name="connsiteY59" fmla="*/ 4956035 h 5154967"/>
+              <a:gd name="connsiteX60" fmla="*/ 4690846 w 6184806"/>
+              <a:gd name="connsiteY60" fmla="*/ 5154967 h 5154967"/>
+              <a:gd name="connsiteX61" fmla="*/ 2489721 w 6184806"/>
+              <a:gd name="connsiteY61" fmla="*/ 5154967 h 5154967"/>
+              <a:gd name="connsiteX62" fmla="*/ 2147429 w 6184806"/>
+              <a:gd name="connsiteY62" fmla="*/ 4956035 h 5154967"/>
+              <a:gd name="connsiteX63" fmla="*/ 1049243 w 6184806"/>
+              <a:gd name="connsiteY63" fmla="*/ 3056698 h 5154967"/>
+              <a:gd name="connsiteX64" fmla="*/ 1049243 w 6184806"/>
+              <a:gd name="connsiteY64" fmla="*/ 2668304 h 5154967"/>
+              <a:gd name="connsiteX65" fmla="*/ 1457007 w 6184806"/>
+              <a:gd name="connsiteY65" fmla="*/ 1963067 h 5154967"/>
+              <a:gd name="connsiteX66" fmla="*/ 1491373 w 6184806"/>
+              <a:gd name="connsiteY66" fmla="*/ 1903634 h 5154967"/>
+              <a:gd name="connsiteX67" fmla="*/ 1490164 w 6184806"/>
+              <a:gd name="connsiteY67" fmla="*/ 1903127 h 5154967"/>
+              <a:gd name="connsiteX68" fmla="*/ 1429519 w 6184806"/>
+              <a:gd name="connsiteY68" fmla="*/ 1841960 h 5154967"/>
+              <a:gd name="connsiteX69" fmla="*/ 968320 w 6184806"/>
+              <a:gd name="connsiteY69" fmla="*/ 1044307 h 5154967"/>
+              <a:gd name="connsiteX70" fmla="*/ 968320 w 6184806"/>
+              <a:gd name="connsiteY70" fmla="*/ 881196 h 5154967"/>
+              <a:gd name="connsiteX71" fmla="*/ 1429519 w 6184806"/>
+              <a:gd name="connsiteY71" fmla="*/ 83546 h 5154967"/>
+              <a:gd name="connsiteX72" fmla="*/ 1573268 w 6184806"/>
+              <a:gd name="connsiteY72" fmla="*/ 0 h 5154967"/>
+            </a:gdLst>
+            <a:ahLst/>
+            <a:cxnLst>
+              <a:cxn ang="0">
+                <a:pos x="connsiteX0" y="connsiteY0"/>
+              </a:cxn>
+              <a:cxn ang="0">
+                <a:pos x="connsiteX1" y="connsiteY1"/>
+              </a:cxn>
+              <a:cxn ang="0">
+                <a:pos x="connsiteX2" y="connsiteY2"/>
+              </a:cxn>
+              <a:cxn ang="0">
+                <a:pos x="connsiteX3" y="connsiteY3"/>
+              </a:cxn>
+              <a:cxn ang="0">
+                <a:pos x="connsiteX4" y="connsiteY4"/>
+              </a:cxn>
+              <a:cxn ang="0">
+                <a:pos x="connsiteX5" y="connsiteY5"/>
+              </a:cxn>
+              <a:cxn ang="0">
+                <a:pos x="connsiteX6" y="connsiteY6"/>
+              </a:cxn>
+              <a:cxn ang="0">
+                <a:pos x="connsiteX7" y="connsiteY7"/>
+              </a:cxn>
+              <a:cxn ang="0">
+                <a:pos x="connsiteX8" y="connsiteY8"/>
+              </a:cxn>
+              <a:cxn ang="0">
+                <a:pos x="connsiteX9" y="connsiteY9"/>
+              </a:cxn>
+              <a:cxn ang="0">
+                <a:pos x="connsiteX10" y="connsiteY10"/>
+              </a:cxn>
+              <a:cxn ang="0">
+                <a:pos x="connsiteX11" y="connsiteY11"/>
+              </a:cxn>
+              <a:cxn ang="0">
+                <a:pos x="connsiteX12" y="connsiteY12"/>
+              </a:cxn>
+              <a:cxn ang="0">
+                <a:pos x="connsiteX13" y="connsiteY13"/>
+              </a:cxn>
+              <a:cxn ang="0">
+                <a:pos x="connsiteX14" y="connsiteY14"/>
+              </a:cxn>
+              <a:cxn ang="0">
+                <a:pos x="connsiteX15" y="connsiteY15"/>
+              </a:cxn>
+              <a:cxn ang="0">
+                <a:pos x="connsiteX16" y="connsiteY16"/>
+              </a:cxn>
+              <a:cxn ang="0">
+                <a:pos x="connsiteX17" y="connsiteY17"/>
+              </a:cxn>
+              <a:cxn ang="0">
+                <a:pos x="connsiteX18" y="connsiteY18"/>
+              </a:cxn>
+              <a:cxn ang="0">
+                <a:pos x="connsiteX19" y="connsiteY19"/>
+              </a:cxn>
+              <a:cxn ang="0">
+                <a:pos x="connsiteX20" y="connsiteY20"/>
+              </a:cxn>
+              <a:cxn ang="0">
+                <a:pos x="connsiteX21" y="connsiteY21"/>
+              </a:cxn>
+              <a:cxn ang="0">
+                <a:pos x="connsiteX22" y="connsiteY22"/>
+              </a:cxn>
+              <a:cxn ang="0">
+                <a:pos x="connsiteX23" y="connsiteY23"/>
+              </a:cxn>
+              <a:cxn ang="0">
+                <a:pos x="connsiteX24" y="connsiteY24"/>
+              </a:cxn>
+              <a:cxn ang="0">
+                <a:pos x="connsiteX25" y="connsiteY25"/>
+              </a:cxn>
+              <a:cxn ang="0">
+                <a:pos x="connsiteX26" y="connsiteY26"/>
+              </a:cxn>
+              <a:cxn ang="0">
+                <a:pos x="connsiteX27" y="connsiteY27"/>
+              </a:cxn>
+              <a:cxn ang="0">
+                <a:pos x="connsiteX28" y="connsiteY28"/>
+              </a:cxn>
+              <a:cxn ang="0">
+                <a:pos x="connsiteX29" y="connsiteY29"/>
+              </a:cxn>
+              <a:cxn ang="0">
+                <a:pos x="connsiteX30" y="connsiteY30"/>
+              </a:cxn>
+              <a:cxn ang="0">
+                <a:pos x="connsiteX31" y="connsiteY31"/>
+              </a:cxn>
+              <a:cxn ang="0">
+                <a:pos x="connsiteX32" y="connsiteY32"/>
+              </a:cxn>
+              <a:cxn ang="0">
+                <a:pos x="connsiteX33" y="connsiteY33"/>
+              </a:cxn>
+              <a:cxn ang="0">
+                <a:pos x="connsiteX34" y="connsiteY34"/>
+              </a:cxn>
+              <a:cxn ang="0">
+                <a:pos x="connsiteX35" y="connsiteY35"/>
+              </a:cxn>
+              <a:cxn ang="0">
+                <a:pos x="connsiteX36" y="connsiteY36"/>
+              </a:cxn>
+              <a:cxn ang="0">
+                <a:pos x="connsiteX37" y="connsiteY37"/>
+              </a:cxn>
+              <a:cxn ang="0">
+                <a:pos x="connsiteX38" y="connsiteY38"/>
+              </a:cxn>
+              <a:cxn ang="0">
+                <a:pos x="connsiteX39" y="connsiteY39"/>
+              </a:cxn>
+              <a:cxn ang="0">
+                <a:pos x="connsiteX40" y="connsiteY40"/>
+              </a:cxn>
+              <a:cxn ang="0">
+                <a:pos x="connsiteX41" y="connsiteY41"/>
+              </a:cxn>
+              <a:cxn ang="0">
+                <a:pos x="connsiteX42" y="connsiteY42"/>
+              </a:cxn>
+              <a:cxn ang="0">
+                <a:pos x="connsiteX43" y="connsiteY43"/>
+              </a:cxn>
+              <a:cxn ang="0">
+                <a:pos x="connsiteX44" y="connsiteY44"/>
+              </a:cxn>
+              <a:cxn ang="0">
+                <a:pos x="connsiteX45" y="connsiteY45"/>
+              </a:cxn>
+              <a:cxn ang="0">
+                <a:pos x="connsiteX46" y="connsiteY46"/>
+              </a:cxn>
+              <a:cxn ang="0">
+                <a:pos x="connsiteX47" y="connsiteY47"/>
+              </a:cxn>
+              <a:cxn ang="0">
+                <a:pos x="connsiteX48" y="connsiteY48"/>
+              </a:cxn>
+              <a:cxn ang="0">
+                <a:pos x="connsiteX49" y="connsiteY49"/>
+              </a:cxn>
+              <a:cxn ang="0">
+                <a:pos x="connsiteX50" y="connsiteY50"/>
+              </a:cxn>
+              <a:cxn ang="0">
+                <a:pos x="connsiteX51" y="connsiteY51"/>
+              </a:cxn>
+              <a:cxn ang="0">
+                <a:pos x="connsiteX52" y="connsiteY52"/>
+              </a:cxn>
+              <a:cxn ang="0">
+                <a:pos x="connsiteX53" y="connsiteY53"/>
+              </a:cxn>
+              <a:cxn ang="0">
+                <a:pos x="connsiteX54" y="connsiteY54"/>
+              </a:cxn>
+              <a:cxn ang="0">
+                <a:pos x="connsiteX55" y="connsiteY55"/>
+              </a:cxn>
+              <a:cxn ang="0">
+                <a:pos x="connsiteX56" y="connsiteY56"/>
+              </a:cxn>
+              <a:cxn ang="0">
+                <a:pos x="connsiteX57" y="connsiteY57"/>
+              </a:cxn>
+              <a:cxn ang="0">
+                <a:pos x="connsiteX58" y="connsiteY58"/>
+              </a:cxn>
+              <a:cxn ang="0">
+                <a:pos x="connsiteX59" y="connsiteY59"/>
+              </a:cxn>
+              <a:cxn ang="0">
+                <a:pos x="connsiteX60" y="connsiteY60"/>
+              </a:cxn>
+              <a:cxn ang="0">
+                <a:pos x="connsiteX61" y="connsiteY61"/>
+              </a:cxn>
+              <a:cxn ang="0">
+                <a:pos x="connsiteX62" y="connsiteY62"/>
+              </a:cxn>
+              <a:cxn ang="0">
+                <a:pos x="connsiteX63" y="connsiteY63"/>
+              </a:cxn>
+              <a:cxn ang="0">
+                <a:pos x="connsiteX64" y="connsiteY64"/>
+              </a:cxn>
+              <a:cxn ang="0">
+                <a:pos x="connsiteX65" y="connsiteY65"/>
+              </a:cxn>
+              <a:cxn ang="0">
+                <a:pos x="connsiteX66" y="connsiteY66"/>
+              </a:cxn>
+              <a:cxn ang="0">
+                <a:pos x="connsiteX67" y="connsiteY67"/>
+              </a:cxn>
+              <a:cxn ang="0">
+                <a:pos x="connsiteX68" y="connsiteY68"/>
+              </a:cxn>
+              <a:cxn ang="0">
+                <a:pos x="connsiteX69" y="connsiteY69"/>
+              </a:cxn>
+              <a:cxn ang="0">
+                <a:pos x="connsiteX70" y="connsiteY70"/>
+              </a:cxn>
+              <a:cxn ang="0">
+                <a:pos x="connsiteX71" y="connsiteY71"/>
+              </a:cxn>
+              <a:cxn ang="0">
+                <a:pos x="connsiteX72" y="connsiteY72"/>
+              </a:cxn>
+            </a:cxnLst>
+            <a:rect l="l" t="t" r="r" b="b"/>
+            <a:pathLst>
+              <a:path w="6184806" h="5154967">
+                <a:moveTo>
+                  <a:pt x="363179" y="3125191"/>
+                </a:moveTo>
+                <a:cubicBezTo>
+                  <a:pt x="363179" y="3125191"/>
+                  <a:pt x="363179" y="3125191"/>
+                  <a:pt x="898270" y="3125191"/>
+                </a:cubicBezTo>
+                <a:cubicBezTo>
+                  <a:pt x="931786" y="3125191"/>
+                  <a:pt x="964145" y="3143614"/>
+                  <a:pt x="980326" y="3173551"/>
+                </a:cubicBezTo>
+                <a:cubicBezTo>
+                  <a:pt x="980326" y="3173551"/>
+                  <a:pt x="980326" y="3173551"/>
+                  <a:pt x="1248448" y="3635277"/>
+                </a:cubicBezTo>
+                <a:cubicBezTo>
+                  <a:pt x="1265784" y="3664063"/>
+                  <a:pt x="1265784" y="3700909"/>
+                  <a:pt x="1248448" y="3729695"/>
+                </a:cubicBezTo>
+                <a:cubicBezTo>
+                  <a:pt x="1248448" y="3729695"/>
+                  <a:pt x="1248448" y="3729695"/>
+                  <a:pt x="980326" y="4191421"/>
+                </a:cubicBezTo>
+                <a:cubicBezTo>
+                  <a:pt x="964145" y="4221358"/>
+                  <a:pt x="931786" y="4239781"/>
+                  <a:pt x="898270" y="4239781"/>
+                </a:cubicBezTo>
+                <a:cubicBezTo>
+                  <a:pt x="898270" y="4239781"/>
+                  <a:pt x="898270" y="4239781"/>
+                  <a:pt x="363179" y="4239781"/>
+                </a:cubicBezTo>
+                <a:cubicBezTo>
+                  <a:pt x="328508" y="4239781"/>
+                  <a:pt x="297305" y="4221358"/>
+                  <a:pt x="279969" y="4191421"/>
+                </a:cubicBezTo>
+                <a:cubicBezTo>
+                  <a:pt x="279969" y="4191421"/>
+                  <a:pt x="279969" y="4191421"/>
+                  <a:pt x="13002" y="3729695"/>
+                </a:cubicBezTo>
+                <a:cubicBezTo>
+                  <a:pt x="-4334" y="3700909"/>
+                  <a:pt x="-4334" y="3664063"/>
+                  <a:pt x="13002" y="3635277"/>
+                </a:cubicBezTo>
+                <a:cubicBezTo>
+                  <a:pt x="13002" y="3635277"/>
+                  <a:pt x="13002" y="3635277"/>
+                  <a:pt x="279969" y="3173551"/>
+                </a:cubicBezTo>
+                <a:cubicBezTo>
+                  <a:pt x="297305" y="3143614"/>
+                  <a:pt x="328508" y="3125191"/>
+                  <a:pt x="363179" y="3125191"/>
+                </a:cubicBezTo>
+                <a:close/>
+                <a:moveTo>
+                  <a:pt x="2489721" y="570035"/>
+                </a:moveTo>
+                <a:cubicBezTo>
+                  <a:pt x="2489721" y="570035"/>
+                  <a:pt x="2489721" y="570035"/>
+                  <a:pt x="2764862" y="570035"/>
+                </a:cubicBezTo>
+                <a:lnTo>
+                  <a:pt x="2796959" y="570035"/>
+                </a:lnTo>
+                <a:lnTo>
+                  <a:pt x="2827587" y="622777"/>
+                </a:lnTo>
+                <a:cubicBezTo>
+                  <a:pt x="2870233" y="696217"/>
+                  <a:pt x="2919858" y="781675"/>
+                  <a:pt x="2977604" y="881117"/>
+                </a:cubicBezTo>
+                <a:cubicBezTo>
+                  <a:pt x="3004153" y="925204"/>
+                  <a:pt x="3004153" y="981634"/>
+                  <a:pt x="2977604" y="1025720"/>
+                </a:cubicBezTo>
+                <a:cubicBezTo>
+                  <a:pt x="2977604" y="1025720"/>
+                  <a:pt x="2977604" y="1025720"/>
+                  <a:pt x="2566968" y="1732863"/>
+                </a:cubicBezTo>
+                <a:cubicBezTo>
+                  <a:pt x="2542188" y="1778712"/>
+                  <a:pt x="2492629" y="1806927"/>
+                  <a:pt x="2441299" y="1806927"/>
+                </a:cubicBezTo>
+                <a:cubicBezTo>
+                  <a:pt x="2441299" y="1806927"/>
+                  <a:pt x="2441299" y="1806927"/>
+                  <a:pt x="1621798" y="1806927"/>
+                </a:cubicBezTo>
+                <a:cubicBezTo>
+                  <a:pt x="1608523" y="1806927"/>
+                  <a:pt x="1595580" y="1805163"/>
+                  <a:pt x="1583218" y="1801802"/>
+                </a:cubicBezTo>
+                <a:lnTo>
+                  <a:pt x="1556683" y="1790677"/>
+                </a:lnTo>
+                <a:lnTo>
+                  <a:pt x="1572899" y="1762631"/>
+                </a:lnTo>
+                <a:cubicBezTo>
+                  <a:pt x="1719523" y="1509042"/>
+                  <a:pt x="1907201" y="1184448"/>
+                  <a:pt x="2147429" y="768968"/>
+                </a:cubicBezTo>
+                <a:cubicBezTo>
+                  <a:pt x="2218739" y="645819"/>
+                  <a:pt x="2347099" y="570035"/>
+                  <a:pt x="2489721" y="570035"/>
+                </a:cubicBezTo>
+                <a:close/>
+                <a:moveTo>
+                  <a:pt x="1573268" y="0"/>
+                </a:moveTo>
+                <a:cubicBezTo>
+                  <a:pt x="1573268" y="0"/>
+                  <a:pt x="1573268" y="0"/>
+                  <a:pt x="2497662" y="0"/>
+                </a:cubicBezTo>
+                <a:cubicBezTo>
+                  <a:pt x="2555561" y="0"/>
+                  <a:pt x="2611463" y="31828"/>
+                  <a:pt x="2639415" y="83546"/>
+                </a:cubicBezTo>
+                <a:cubicBezTo>
+                  <a:pt x="2639415" y="83546"/>
+                  <a:pt x="2639415" y="83546"/>
+                  <a:pt x="2887862" y="511387"/>
+                </a:cubicBezTo>
+                <a:lnTo>
+                  <a:pt x="2915928" y="559720"/>
+                </a:lnTo>
+                <a:lnTo>
+                  <a:pt x="2893844" y="559720"/>
+                </a:lnTo>
+                <a:lnTo>
+                  <a:pt x="2789466" y="559720"/>
+                </a:lnTo>
+                <a:lnTo>
+                  <a:pt x="2744122" y="481634"/>
+                </a:lnTo>
+                <a:cubicBezTo>
+                  <a:pt x="2570885" y="183309"/>
+                  <a:pt x="2570885" y="183309"/>
+                  <a:pt x="2570885" y="183309"/>
+                </a:cubicBezTo>
+                <a:cubicBezTo>
+                  <a:pt x="2546104" y="137459"/>
+                  <a:pt x="2496545" y="109244"/>
+                  <a:pt x="2445216" y="109244"/>
+                </a:cubicBezTo>
+                <a:cubicBezTo>
+                  <a:pt x="1625714" y="109244"/>
+                  <a:pt x="1625714" y="109244"/>
+                  <a:pt x="1625714" y="109244"/>
+                </a:cubicBezTo>
+                <a:cubicBezTo>
+                  <a:pt x="1572615" y="109244"/>
+                  <a:pt x="1524825" y="137459"/>
+                  <a:pt x="1498276" y="183309"/>
+                </a:cubicBezTo>
+                <a:cubicBezTo>
+                  <a:pt x="1089410" y="890450"/>
+                  <a:pt x="1089410" y="890450"/>
+                  <a:pt x="1089410" y="890450"/>
+                </a:cubicBezTo>
+                <a:cubicBezTo>
+                  <a:pt x="1062860" y="934537"/>
+                  <a:pt x="1062860" y="990968"/>
+                  <a:pt x="1089410" y="1035054"/>
+                </a:cubicBezTo>
+                <a:cubicBezTo>
+                  <a:pt x="1498276" y="1742196"/>
+                  <a:pt x="1498276" y="1742196"/>
+                  <a:pt x="1498276" y="1742196"/>
+                </a:cubicBezTo>
+                <a:cubicBezTo>
+                  <a:pt x="1511551" y="1765121"/>
+                  <a:pt x="1530135" y="1783637"/>
+                  <a:pt x="1552039" y="1796421"/>
+                </a:cubicBezTo>
+                <a:lnTo>
+                  <a:pt x="1558260" y="1799029"/>
+                </a:lnTo>
+                <a:lnTo>
+                  <a:pt x="1524911" y="1856707"/>
+                </a:lnTo>
+                <a:lnTo>
+                  <a:pt x="1500108" y="1899604"/>
+                </a:lnTo>
+                <a:lnTo>
+                  <a:pt x="1525834" y="1910390"/>
+                </a:lnTo>
+                <a:cubicBezTo>
+                  <a:pt x="1539779" y="1914181"/>
+                  <a:pt x="1554378" y="1916170"/>
+                  <a:pt x="1569352" y="1916170"/>
+                </a:cubicBezTo>
+                <a:cubicBezTo>
+                  <a:pt x="2493745" y="1916170"/>
+                  <a:pt x="2493745" y="1916170"/>
+                  <a:pt x="2493745" y="1916170"/>
+                </a:cubicBezTo>
+                <a:cubicBezTo>
+                  <a:pt x="2551645" y="1916170"/>
+                  <a:pt x="2607546" y="1884345"/>
+                  <a:pt x="2635498" y="1832627"/>
+                </a:cubicBezTo>
+                <a:cubicBezTo>
+                  <a:pt x="3098693" y="1034974"/>
+                  <a:pt x="3098693" y="1034974"/>
+                  <a:pt x="3098693" y="1034974"/>
+                </a:cubicBezTo>
+                <a:cubicBezTo>
+                  <a:pt x="3128641" y="985246"/>
+                  <a:pt x="3128641" y="921593"/>
+                  <a:pt x="3098693" y="871863"/>
+                </a:cubicBezTo>
+                <a:cubicBezTo>
+                  <a:pt x="3040794" y="772157"/>
+                  <a:pt x="2990132" y="684914"/>
+                  <a:pt x="2945803" y="608576"/>
+                </a:cubicBezTo>
+                <a:lnTo>
+                  <a:pt x="2923422" y="570035"/>
+                </a:lnTo>
+                <a:lnTo>
+                  <a:pt x="3027104" y="570035"/>
+                </a:lnTo>
+                <a:cubicBezTo>
+                  <a:pt x="3349535" y="570035"/>
+                  <a:pt x="3865424" y="570035"/>
+                  <a:pt x="4690846" y="570035"/>
+                </a:cubicBezTo>
+                <a:cubicBezTo>
+                  <a:pt x="4828714" y="570035"/>
+                  <a:pt x="4961827" y="645819"/>
+                  <a:pt x="5028384" y="768968"/>
+                </a:cubicBezTo>
+                <a:cubicBezTo>
+                  <a:pt x="5028384" y="768968"/>
+                  <a:pt x="5028384" y="768968"/>
+                  <a:pt x="6131323" y="2668304"/>
+                </a:cubicBezTo>
+                <a:cubicBezTo>
+                  <a:pt x="6202634" y="2786717"/>
+                  <a:pt x="6202634" y="2938285"/>
+                  <a:pt x="6131323" y="3056698"/>
+                </a:cubicBezTo>
+                <a:cubicBezTo>
+                  <a:pt x="6131323" y="3056698"/>
+                  <a:pt x="6131323" y="3056698"/>
+                  <a:pt x="5028384" y="4956035"/>
+                </a:cubicBezTo>
+                <a:cubicBezTo>
+                  <a:pt x="4961827" y="5079184"/>
+                  <a:pt x="4828714" y="5154967"/>
+                  <a:pt x="4690846" y="5154967"/>
+                </a:cubicBezTo>
+                <a:cubicBezTo>
+                  <a:pt x="4690846" y="5154967"/>
+                  <a:pt x="4690846" y="5154967"/>
+                  <a:pt x="2489721" y="5154967"/>
+                </a:cubicBezTo>
+                <a:cubicBezTo>
+                  <a:pt x="2347099" y="5154967"/>
+                  <a:pt x="2218739" y="5079184"/>
+                  <a:pt x="2147429" y="4956035"/>
+                </a:cubicBezTo>
+                <a:cubicBezTo>
+                  <a:pt x="2147429" y="4956035"/>
+                  <a:pt x="2147429" y="4956035"/>
+                  <a:pt x="1049243" y="3056698"/>
+                </a:cubicBezTo>
+                <a:cubicBezTo>
+                  <a:pt x="977932" y="2938285"/>
+                  <a:pt x="977932" y="2786717"/>
+                  <a:pt x="1049243" y="2668304"/>
+                </a:cubicBezTo>
+                <a:cubicBezTo>
+                  <a:pt x="1049243" y="2668304"/>
+                  <a:pt x="1049243" y="2668304"/>
+                  <a:pt x="1457007" y="1963067"/>
+                </a:cubicBezTo>
+                <a:lnTo>
+                  <a:pt x="1491373" y="1903634"/>
+                </a:lnTo>
+                <a:lnTo>
+                  <a:pt x="1490164" y="1903127"/>
+                </a:lnTo>
+                <a:cubicBezTo>
+                  <a:pt x="1465456" y="1888705"/>
+                  <a:pt x="1444493" y="1867820"/>
+                  <a:pt x="1429519" y="1841960"/>
+                </a:cubicBezTo>
+                <a:cubicBezTo>
+                  <a:pt x="1429519" y="1841960"/>
+                  <a:pt x="1429519" y="1841960"/>
+                  <a:pt x="968320" y="1044307"/>
+                </a:cubicBezTo>
+                <a:cubicBezTo>
+                  <a:pt x="938371" y="994579"/>
+                  <a:pt x="938371" y="930926"/>
+                  <a:pt x="968320" y="881196"/>
+                </a:cubicBezTo>
+                <a:cubicBezTo>
+                  <a:pt x="968320" y="881196"/>
+                  <a:pt x="968320" y="881196"/>
+                  <a:pt x="1429519" y="83546"/>
+                </a:cubicBezTo>
+                <a:cubicBezTo>
+                  <a:pt x="1459466" y="31828"/>
+                  <a:pt x="1513373" y="0"/>
+                  <a:pt x="1573268" y="0"/>
+                </a:cubicBezTo>
+                <a:close/>
+              </a:path>
+            </a:pathLst>
+          </a:custGeom>
+          <a:solidFill>
+            <a:schemeClr val="tx1">
+              <a:lumMod val="50000"/>
+              <a:lumOff val="50000"/>
+              <a:alpha val="15000"/>
+            </a:schemeClr>
+          </a:solidFill>
+          <a:ln>
+            <a:noFill/>
+          </a:ln>
+        </p:spPr>
+        <p:style>
+          <a:lnRef idx="2">
+            <a:schemeClr val="accent1">
+              <a:shade val="50000"/>
+            </a:schemeClr>
+          </a:lnRef>
+          <a:fillRef idx="1">
+            <a:schemeClr val="accent1"/>
+          </a:fillRef>
+          <a:effectRef idx="0">
+            <a:schemeClr val="accent1"/>
+          </a:effectRef>
+          <a:fontRef idx="minor">
+            <a:schemeClr val="lt1"/>
+          </a:fontRef>
+        </p:style>
+        <p:txBody>
+          <a:bodyPr wrap="square" rtlCol="0" anchor="ctr">
+            <a:noAutofit/>
+          </a:bodyPr>
+          <a:lstStyle/>
+          <a:p>
+            <a:pPr algn="ctr"/>
+            <a:endParaRPr lang="en-US"/>
+          </a:p>
+        </p:txBody>
+      </p:sp>
+      <p:pic>
+        <p:nvPicPr>
+          <p:cNvPr id="6" name="Graphic 5" descr="Help with solid fill">
+            <a:extLst>
+              <a:ext uri="{FF2B5EF4-FFF2-40B4-BE49-F238E27FC236}">
+                <a16:creationId xmlns:a16="http://schemas.microsoft.com/office/drawing/2014/main" id="{5D1B45EE-EE74-4916-A832-5235393504C2}"/>
+              </a:ext>
+            </a:extLst>
+          </p:cNvPr>
+          <p:cNvPicPr>
+            <a:picLocks noChangeAspect="1"/>
+          </p:cNvPicPr>
+          <p:nvPr/>
+        </p:nvPicPr>
+        <p:blipFill>
+          <a:blip r:embed="rId2">
+            <a:extLst>
+              <a:ext uri="{28A0092B-C50C-407E-A947-70E740481C1C}">
+                <a14:useLocalDpi xmlns:a14="http://schemas.microsoft.com/office/drawing/2010/main" val="0"/>
+              </a:ext>
+              <a:ext uri="{96DAC541-7B7A-43D3-8B79-37D633B846F1}">
+                <asvg:svgBlip xmlns:asvg="http://schemas.microsoft.com/office/drawing/2016/SVG/main" r:embed="rId3"/>
+              </a:ext>
+            </a:extLst>
+          </a:blip>
+          <a:stretch>
+            <a:fillRect/>
+          </a:stretch>
+        </p:blipFill>
+        <p:spPr>
+          <a:xfrm>
+            <a:off x="7535330" y="2105470"/>
+            <a:ext cx="3217333" cy="3217333"/>
+          </a:xfrm>
+          <a:prstGeom prst="rect">
+            <a:avLst/>
+          </a:prstGeom>
+        </p:spPr>
+      </p:pic>
+    </p:spTree>
+    <p:extLst>
+      <p:ext uri="{BB962C8B-B14F-4D97-AF65-F5344CB8AC3E}">
+        <p14:creationId xmlns:p14="http://schemas.microsoft.com/office/powerpoint/2010/main" val="668814964"/>
+      </p:ext>
+    </p:extLst>
+  </p:cSld>
+  <p:clrMapOvr>
+    <a:masterClrMapping/>
+  </p:clrMapOvr>
+  <p:timing>
+    <p:tnLst>
+      <p:par>
+        <p:cTn id="1" dur="indefinite" restart="never" nodeType="tmRoot">
+          <p:childTnLst>
+            <p:seq concurrent="1" nextAc="seek">
+              <p:cTn id="2" dur="indefinite" nodeType="mainSeq">
+                <p:childTnLst>
+                  <p:par>
+                    <p:cTn id="3" fill="hold">
+                      <p:stCondLst>
+                        <p:cond delay="indefinite"/>
+                      </p:stCondLst>
+                      <p:childTnLst>
+                        <p:par>
+                          <p:cTn id="4" fill="hold">
+                            <p:stCondLst>
+                              <p:cond delay="0"/>
+                            </p:stCondLst>
+                            <p:childTnLst>
+                              <p:par>
+                                <p:cTn id="5" presetID="10" presetClass="entr" presetSubtype="0" fill="hold" nodeType="clickEffect">
+                                  <p:stCondLst>
+                                    <p:cond delay="0"/>
+                                  </p:stCondLst>
+                                  <p:childTnLst>
+                                    <p:set>
+                                      <p:cBhvr>
+                                        <p:cTn id="6" dur="1" fill="hold">
+                                          <p:stCondLst>
+                                            <p:cond delay="0"/>
+                                          </p:stCondLst>
+                                        </p:cTn>
+                                        <p:tgtEl>
+                                          <p:spTgt spid="3">
+                                            <p:txEl>
+                                              <p:pRg st="0" end="0"/>
+                                            </p:txEl>
+                                          </p:spTgt>
+                                        </p:tgtEl>
+                                        <p:attrNameLst>
+                                          <p:attrName>style.visibility</p:attrName>
+                                        </p:attrNameLst>
+                                      </p:cBhvr>
+                                      <p:to>
+                                        <p:strVal val="visible"/>
+                                      </p:to>
+                                    </p:set>
+                                    <p:animEffect transition="in" filter="fade">
+                                      <p:cBhvr>
+                                        <p:cTn id="7" dur="500"/>
+                                        <p:tgtEl>
+                                          <p:spTgt spid="3">
+                                            <p:txEl>
+                                              <p:pRg st="0" end="0"/>
+                                            </p:txEl>
+                                          </p:spTgt>
+                                        </p:tgtEl>
+                                      </p:cBhvr>
+                                    </p:animEffect>
+                                  </p:childTnLst>
+                                </p:cTn>
+                              </p:par>
+                            </p:childTnLst>
+                          </p:cTn>
+                        </p:par>
+                      </p:childTnLst>
+                    </p:cTn>
+                  </p:par>
+                  <p:par>
+                    <p:cTn id="8" fill="hold">
+                      <p:stCondLst>
+                        <p:cond delay="indefinite"/>
+                      </p:stCondLst>
+                      <p:childTnLst>
+                        <p:par>
+                          <p:cTn id="9" fill="hold">
+                            <p:stCondLst>
+                              <p:cond delay="0"/>
+                            </p:stCondLst>
+                            <p:childTnLst>
+                              <p:par>
+                                <p:cTn id="10" presetID="1" presetClass="entr" presetSubtype="0" fill="hold" nodeType="clickEffect">
+                                  <p:stCondLst>
+                                    <p:cond delay="0"/>
+                                  </p:stCondLst>
+                                  <p:childTnLst>
+                                    <p:set>
+                                      <p:cBhvr>
+                                        <p:cTn id="11" dur="1" fill="hold">
+                                          <p:stCondLst>
+                                            <p:cond delay="0"/>
+                                          </p:stCondLst>
+                                        </p:cTn>
+                                        <p:tgtEl>
+                                          <p:spTgt spid="3">
+                                            <p:txEl>
+                                              <p:pRg st="1" end="1"/>
+                                            </p:txEl>
+                                          </p:spTgt>
+                                        </p:tgtEl>
+                                        <p:attrNameLst>
+                                          <p:attrName>style.visibility</p:attrName>
+                                        </p:attrNameLst>
+                                      </p:cBhvr>
+                                      <p:to>
+                                        <p:strVal val="visible"/>
+                                      </p:to>
+                                    </p:set>
+                                  </p:childTnLst>
+                                </p:cTn>
+                              </p:par>
+                            </p:childTnLst>
+                          </p:cTn>
+                        </p:par>
+                      </p:childTnLst>
+                    </p:cTn>
+                  </p:par>
+                  <p:par>
+                    <p:cTn id="12" fill="hold">
+                      <p:stCondLst>
+                        <p:cond delay="indefinite"/>
+                      </p:stCondLst>
+                      <p:childTnLst>
+                        <p:par>
+                          <p:cTn id="13" fill="hold">
+                            <p:stCondLst>
+                              <p:cond delay="0"/>
+                            </p:stCondLst>
+                            <p:childTnLst>
+                              <p:par>
+                                <p:cTn id="14" presetID="10" presetClass="entr" presetSubtype="0" fill="hold" nodeType="clickEffect">
+                                  <p:stCondLst>
+                                    <p:cond delay="0"/>
+                                  </p:stCondLst>
+                                  <p:childTnLst>
+                                    <p:set>
+                                      <p:cBhvr>
+                                        <p:cTn id="15" dur="1" fill="hold">
+                                          <p:stCondLst>
+                                            <p:cond delay="0"/>
+                                          </p:stCondLst>
+                                        </p:cTn>
+                                        <p:tgtEl>
+                                          <p:spTgt spid="3">
+                                            <p:txEl>
+                                              <p:pRg st="2" end="2"/>
+                                            </p:txEl>
+                                          </p:spTgt>
+                                        </p:tgtEl>
+                                        <p:attrNameLst>
+                                          <p:attrName>style.visibility</p:attrName>
+                                        </p:attrNameLst>
+                                      </p:cBhvr>
+                                      <p:to>
+                                        <p:strVal val="visible"/>
+                                      </p:to>
+                                    </p:set>
+                                    <p:animEffect transition="in" filter="fade">
+                                      <p:cBhvr>
+                                        <p:cTn id="16" dur="500"/>
+                                        <p:tgtEl>
+                                          <p:spTgt spid="3">
+                                            <p:txEl>
+                                              <p:pRg st="2" end="2"/>
+                                            </p:txEl>
+                                          </p:spTgt>
+                                        </p:tgtEl>
+                                      </p:cBhvr>
+                                    </p:animEffect>
+                                  </p:childTnLst>
+                                </p:cTn>
+                              </p:par>
+                            </p:childTnLst>
+                          </p:cTn>
+                        </p:par>
+                      </p:childTnLst>
+                    </p:cTn>
+                  </p:par>
+                  <p:par>
+                    <p:cTn id="17" fill="hold">
+                      <p:stCondLst>
+                        <p:cond delay="indefinite"/>
+                      </p:stCondLst>
+                      <p:childTnLst>
+                        <p:par>
+                          <p:cTn id="18" fill="hold">
+                            <p:stCondLst>
+                              <p:cond delay="0"/>
+                            </p:stCondLst>
+                            <p:childTnLst>
+                              <p:par>
+                                <p:cTn id="19" presetID="10" presetClass="entr" presetSubtype="0" fill="hold" nodeType="clickEffect">
+                                  <p:stCondLst>
+                                    <p:cond delay="0"/>
+                                  </p:stCondLst>
+                                  <p:childTnLst>
+                                    <p:set>
+                                      <p:cBhvr>
+                                        <p:cTn id="20" dur="1" fill="hold">
+                                          <p:stCondLst>
+                                            <p:cond delay="0"/>
+                                          </p:stCondLst>
+                                        </p:cTn>
+                                        <p:tgtEl>
+                                          <p:spTgt spid="3">
+                                            <p:txEl>
+                                              <p:pRg st="3" end="3"/>
+                                            </p:txEl>
+                                          </p:spTgt>
+                                        </p:tgtEl>
+                                        <p:attrNameLst>
+                                          <p:attrName>style.visibility</p:attrName>
+                                        </p:attrNameLst>
+                                      </p:cBhvr>
+                                      <p:to>
+                                        <p:strVal val="visible"/>
+                                      </p:to>
+                                    </p:set>
+                                    <p:animEffect transition="in" filter="fade">
+                                      <p:cBhvr>
+                                        <p:cTn id="21" dur="500"/>
+                                        <p:tgtEl>
+                                          <p:spTgt spid="3">
+                                            <p:txEl>
+                                              <p:pRg st="3" end="3"/>
+                                            </p:txEl>
+                                          </p:spTgt>
+                                        </p:tgtEl>
+                                      </p:cBhvr>
+                                    </p:animEffect>
+                                  </p:childTnLst>
+                                </p:cTn>
+                              </p:par>
+                            </p:childTnLst>
+                          </p:cTn>
+                        </p:par>
+                      </p:childTnLst>
+                    </p:cTn>
+                  </p:par>
+                </p:childTnLst>
+              </p:cTn>
+              <p:prevCondLst>
+                <p:cond evt="onPrev" delay="0">
+                  <p:tgtEl>
+                    <p:sldTgt/>
+                  </p:tgtEl>
+                </p:cond>
+              </p:prevCondLst>
+              <p:nextCondLst>
+                <p:cond evt="onNext" delay="0">
+                  <p:tgtEl>
+                    <p:sldTgt/>
+                  </p:tgtEl>
+                </p:cond>
+              </p:nextCondLst>
+            </p:seq>
+          </p:childTnLst>
+        </p:cTn>
+      </p:par>
+    </p:tnLst>
+  </p:timing>
+</p:sld>
+</file>
+
+<file path=ppt/slides/slide20.xml><?xml version="1.0" encoding="utf-8"?>
+<p:sld xmlns:a="http://schemas.openxmlformats.org/drawingml/2006/main" xmlns:r="http://schemas.openxmlformats.org/officeDocument/2006/relationships" xmlns:p="http://schemas.openxmlformats.org/presentationml/2006/main">
+  <p:cSld>
+    <p:bg>
+      <p:bgPr>
+        <a:solidFill>
+          <a:schemeClr val="bg1"/>
+        </a:solidFill>
+        <a:effectLst/>
+      </p:bgPr>
+    </p:bg>
+    <p:spTree>
+      <p:nvGrpSpPr>
+        <p:cNvPr id="1" name=""/>
+        <p:cNvGrpSpPr/>
+        <p:nvPr/>
+      </p:nvGrpSpPr>
+      <p:grpSpPr>
+        <a:xfrm>
+          <a:off x="0" y="0"/>
+          <a:ext cx="0" cy="0"/>
+          <a:chOff x="0" y="0"/>
+          <a:chExt cx="0" cy="0"/>
+        </a:xfrm>
+      </p:grpSpPr>
+      <p:sp useBgFill="1">
+        <p:nvSpPr>
+          <p:cNvPr id="56" name="Rectangle 55">
+            <a:extLst>
+              <a:ext uri="{FF2B5EF4-FFF2-40B4-BE49-F238E27FC236}">
+                <a16:creationId xmlns:a16="http://schemas.microsoft.com/office/drawing/2014/main" id="{33CD251C-A887-4D2F-925B-FC097198538B}"/>
+              </a:ext>
+              <a:ext uri="{C183D7F6-B498-43B3-948B-1728B52AA6E4}">
+                <adec:decorative xmlns:adec="http://schemas.microsoft.com/office/drawing/2017/decorative" val="1"/>
+              </a:ext>
+            </a:extLst>
+          </p:cNvPr>
+          <p:cNvSpPr>
+            <a:spLocks noGrp="1" noRot="1" noChangeAspect="1" noMove="1" noResize="1" noEditPoints="1" noAdjustHandles="1" noChangeArrowheads="1" noChangeShapeType="1" noTextEdit="1"/>
+          </p:cNvSpPr>
+          <p:nvPr>
+            <p:extLst>
+              <p:ext uri="{386F3935-93C4-4BCD-93E2-E3B085C9AB24}">
+                <p16:designElem xmlns:p16="http://schemas.microsoft.com/office/powerpoint/2015/main" val="1"/>
+              </p:ext>
+            </p:extLst>
+          </p:nvPr>
+        </p:nvSpPr>
+        <p:spPr>
+          <a:xfrm>
+            <a:off x="0" y="0"/>
+            <a:ext cx="12192000" cy="6858000"/>
+          </a:xfrm>
+          <a:prstGeom prst="rect">
+            <a:avLst/>
+          </a:prstGeom>
+          <a:ln>
+            <a:noFill/>
+          </a:ln>
+        </p:spPr>
+        <p:style>
+          <a:lnRef idx="2">
+            <a:schemeClr val="accent1">
+              <a:shade val="50000"/>
+            </a:schemeClr>
+          </a:lnRef>
+          <a:fillRef idx="1">
+            <a:schemeClr val="accent1"/>
+          </a:fillRef>
+          <a:effectRef idx="0">
+            <a:schemeClr val="accent1"/>
+          </a:effectRef>
+          <a:fontRef idx="minor">
+            <a:schemeClr val="lt1"/>
+          </a:fontRef>
+        </p:style>
+        <p:txBody>
+          <a:bodyPr rtlCol="0" anchor="ctr"/>
+          <a:lstStyle/>
+          <a:p>
+            <a:pPr algn="ctr"/>
+            <a:endParaRPr lang="en-US"/>
+          </a:p>
+        </p:txBody>
+      </p:sp>
+      <p:sp>
+        <p:nvSpPr>
           <p:cNvPr id="58" name="Freeform: Shape 57">
             <a:extLst>
               <a:ext uri="{FF2B5EF4-FFF2-40B4-BE49-F238E27FC236}">
@@ -13353,7 +13251,7 @@
                 <a:ea typeface="+mj-ea"/>
                 <a:cs typeface="+mj-cs"/>
               </a:rPr>
-              <a:t>Insights: Sentence Enhancements</a:t>
+              <a:t>Sentence Enhancements</a:t>
             </a:r>
           </a:p>
         </p:txBody>
@@ -13892,7 +13790,7 @@
 </p:sld>
 </file>
 
-<file path=ppt/slides/slide23.xml><?xml version="1.0" encoding="utf-8"?>
+<file path=ppt/slides/slide21.xml><?xml version="1.0" encoding="utf-8"?>
 <p:sld xmlns:a="http://schemas.openxmlformats.org/drawingml/2006/main" xmlns:r="http://schemas.openxmlformats.org/officeDocument/2006/relationships" xmlns:p="http://schemas.openxmlformats.org/presentationml/2006/main">
   <p:cSld>
     <p:bg>
@@ -14160,7 +14058,7 @@
                 <a:ea typeface="+mj-ea"/>
                 <a:cs typeface="+mj-cs"/>
               </a:rPr>
-              <a:t>Insights: Sentence Mitigation</a:t>
+              <a:t>Sentence Mitigation</a:t>
             </a:r>
           </a:p>
         </p:txBody>
@@ -14709,7 +14607,7 @@
 </p:sld>
 </file>
 
-<file path=ppt/slides/slide24.xml><?xml version="1.0" encoding="utf-8"?>
+<file path=ppt/slides/slide22.xml><?xml version="1.0" encoding="utf-8"?>
 <p:sld xmlns:a="http://schemas.openxmlformats.org/drawingml/2006/main" xmlns:r="http://schemas.openxmlformats.org/officeDocument/2006/relationships" xmlns:p="http://schemas.openxmlformats.org/presentationml/2006/main">
   <p:cSld>
     <p:bg>
@@ -14824,7 +14722,7 @@
           <a:p>
             <a:r>
               <a:rPr lang="en-US" dirty="0"/>
-              <a:t>Insights: Sentence Enhancements</a:t>
+              <a:t>Sentence Enhancements &amp; Mitigation</a:t>
             </a:r>
           </a:p>
         </p:txBody>
@@ -15413,6 +15311,1182 @@
         </p:cTn>
       </p:par>
     </p:tnLst>
+  </p:timing>
+</p:sld>
+</file>
+
+<file path=ppt/slides/slide23.xml><?xml version="1.0" encoding="utf-8"?>
+<p:sld xmlns:a="http://schemas.openxmlformats.org/drawingml/2006/main" xmlns:r="http://schemas.openxmlformats.org/officeDocument/2006/relationships" xmlns:p="http://schemas.openxmlformats.org/presentationml/2006/main">
+  <p:cSld>
+    <p:bg>
+      <p:bgPr>
+        <a:solidFill>
+          <a:schemeClr val="bg1"/>
+        </a:solidFill>
+        <a:effectLst/>
+      </p:bgPr>
+    </p:bg>
+    <p:spTree>
+      <p:nvGrpSpPr>
+        <p:cNvPr id="1" name=""/>
+        <p:cNvGrpSpPr/>
+        <p:nvPr/>
+      </p:nvGrpSpPr>
+      <p:grpSpPr>
+        <a:xfrm>
+          <a:off x="0" y="0"/>
+          <a:ext cx="0" cy="0"/>
+          <a:chOff x="0" y="0"/>
+          <a:chExt cx="0" cy="0"/>
+        </a:xfrm>
+      </p:grpSpPr>
+      <p:sp useBgFill="1">
+        <p:nvSpPr>
+          <p:cNvPr id="14" name="Rectangle 13">
+            <a:extLst>
+              <a:ext uri="{FF2B5EF4-FFF2-40B4-BE49-F238E27FC236}">
+                <a16:creationId xmlns:a16="http://schemas.microsoft.com/office/drawing/2014/main" id="{9389D3E0-BA02-41D3-B2AC-8FD6AA893902}"/>
+              </a:ext>
+              <a:ext uri="{C183D7F6-B498-43B3-948B-1728B52AA6E4}">
+                <adec:decorative xmlns:adec="http://schemas.microsoft.com/office/drawing/2017/decorative" val="1"/>
+              </a:ext>
+            </a:extLst>
+          </p:cNvPr>
+          <p:cNvSpPr>
+            <a:spLocks noGrp="1" noRot="1" noChangeAspect="1" noMove="1" noResize="1" noEditPoints="1" noAdjustHandles="1" noChangeArrowheads="1" noChangeShapeType="1" noTextEdit="1"/>
+          </p:cNvSpPr>
+          <p:nvPr>
+            <p:extLst>
+              <p:ext uri="{386F3935-93C4-4BCD-93E2-E3B085C9AB24}">
+                <p16:designElem xmlns:p16="http://schemas.microsoft.com/office/powerpoint/2015/main" val="1"/>
+              </p:ext>
+            </p:extLst>
+          </p:nvPr>
+        </p:nvSpPr>
+        <p:spPr>
+          <a:xfrm>
+            <a:off x="0" y="0"/>
+            <a:ext cx="12188952" cy="6858000"/>
+          </a:xfrm>
+          <a:prstGeom prst="rect">
+            <a:avLst/>
+          </a:prstGeom>
+          <a:ln>
+            <a:noFill/>
+          </a:ln>
+        </p:spPr>
+        <p:style>
+          <a:lnRef idx="2">
+            <a:schemeClr val="accent1">
+              <a:shade val="50000"/>
+            </a:schemeClr>
+          </a:lnRef>
+          <a:fillRef idx="1">
+            <a:schemeClr val="accent1"/>
+          </a:fillRef>
+          <a:effectRef idx="0">
+            <a:schemeClr val="accent1"/>
+          </a:effectRef>
+          <a:fontRef idx="minor">
+            <a:schemeClr val="lt1"/>
+          </a:fontRef>
+        </p:style>
+        <p:txBody>
+          <a:bodyPr rtlCol="0" anchor="ctr"/>
+          <a:lstStyle/>
+          <a:p>
+            <a:pPr algn="ctr"/>
+            <a:endParaRPr lang="en-US"/>
+          </a:p>
+        </p:txBody>
+      </p:sp>
+      <p:sp>
+        <p:nvSpPr>
+          <p:cNvPr id="2" name="Title 1">
+            <a:extLst>
+              <a:ext uri="{FF2B5EF4-FFF2-40B4-BE49-F238E27FC236}">
+                <a16:creationId xmlns:a16="http://schemas.microsoft.com/office/drawing/2014/main" id="{397EDA5E-FF32-48CB-AB2A-63CF13FBAB25}"/>
+              </a:ext>
+            </a:extLst>
+          </p:cNvPr>
+          <p:cNvSpPr>
+            <a:spLocks noGrp="1"/>
+          </p:cNvSpPr>
+          <p:nvPr>
+            <p:ph type="title"/>
+          </p:nvPr>
+        </p:nvSpPr>
+        <p:spPr>
+          <a:xfrm>
+            <a:off x="838200" y="557189"/>
+            <a:ext cx="3966463" cy="1620403"/>
+          </a:xfrm>
+        </p:spPr>
+        <p:txBody>
+          <a:bodyPr vert="horz" lIns="91440" tIns="45720" rIns="91440" bIns="45720" rtlCol="0" anchor="ctr">
+            <a:normAutofit/>
+          </a:bodyPr>
+          <a:lstStyle/>
+          <a:p>
+            <a:r>
+              <a:rPr lang="en-US" sz="5200" dirty="0"/>
+              <a:t>Final Note: Pleas v. Trials</a:t>
+            </a:r>
+          </a:p>
+        </p:txBody>
+      </p:sp>
+      <p:pic>
+        <p:nvPicPr>
+          <p:cNvPr id="9" name="Picture 8">
+            <a:extLst>
+              <a:ext uri="{FF2B5EF4-FFF2-40B4-BE49-F238E27FC236}">
+                <a16:creationId xmlns:a16="http://schemas.microsoft.com/office/drawing/2014/main" id="{63246AD8-3A52-436E-8521-83FB1E4415AD}"/>
+              </a:ext>
+            </a:extLst>
+          </p:cNvPr>
+          <p:cNvPicPr>
+            <a:picLocks noChangeAspect="1"/>
+          </p:cNvPicPr>
+          <p:nvPr/>
+        </p:nvPicPr>
+        <p:blipFill rotWithShape="1">
+          <a:blip r:embed="rId2">
+            <a:extLst>
+              <a:ext uri="{28A0092B-C50C-407E-A947-70E740481C1C}">
+                <a14:useLocalDpi xmlns:a14="http://schemas.microsoft.com/office/drawing/2010/main" val="0"/>
+              </a:ext>
+            </a:extLst>
+          </a:blip>
+          <a:srcRect l="-5054" t="4340" r="-1" b="-714"/>
+          <a:stretch/>
+        </p:blipFill>
+        <p:spPr>
+          <a:xfrm>
+            <a:off x="5176911" y="720190"/>
+            <a:ext cx="6833848" cy="5584353"/>
+          </a:xfrm>
+          <a:prstGeom prst="rect">
+            <a:avLst/>
+          </a:prstGeom>
+        </p:spPr>
+      </p:pic>
+      <p:sp>
+        <p:nvSpPr>
+          <p:cNvPr id="10" name="TextBox 9">
+            <a:extLst>
+              <a:ext uri="{FF2B5EF4-FFF2-40B4-BE49-F238E27FC236}">
+                <a16:creationId xmlns:a16="http://schemas.microsoft.com/office/drawing/2014/main" id="{91097034-5955-46F6-94A5-18E3D5985947}"/>
+              </a:ext>
+            </a:extLst>
+          </p:cNvPr>
+          <p:cNvSpPr txBox="1"/>
+          <p:nvPr/>
+        </p:nvSpPr>
+        <p:spPr>
+          <a:xfrm>
+            <a:off x="563196" y="4269486"/>
+            <a:ext cx="4050519" cy="2308324"/>
+          </a:xfrm>
+          <a:prstGeom prst="rect">
+            <a:avLst/>
+          </a:prstGeom>
+          <a:noFill/>
+        </p:spPr>
+        <p:txBody>
+          <a:bodyPr wrap="square" rtlCol="0">
+            <a:spAutoFit/>
+          </a:bodyPr>
+          <a:lstStyle/>
+          <a:p>
+            <a:pPr marL="285750" indent="-285750">
+              <a:buFont typeface="Arial" panose="020B0604020202020204" pitchFamily="34" charset="0"/>
+              <a:buChar char="•"/>
+            </a:pPr>
+            <a:r>
+              <a:rPr lang="en-US" dirty="0"/>
+              <a:t>Difference between average sentence length for plea v. trial:</a:t>
+            </a:r>
+          </a:p>
+          <a:p>
+            <a:pPr marL="742950" lvl="1" indent="-285750">
+              <a:buFont typeface="Arial" panose="020B0604020202020204" pitchFamily="34" charset="0"/>
+              <a:buChar char="•"/>
+            </a:pPr>
+            <a:r>
+              <a:rPr lang="en-US" dirty="0"/>
+              <a:t>Black: 45.4 years</a:t>
+            </a:r>
+          </a:p>
+          <a:p>
+            <a:pPr marL="742950" lvl="1" indent="-285750">
+              <a:buFont typeface="Arial" panose="020B0604020202020204" pitchFamily="34" charset="0"/>
+              <a:buChar char="•"/>
+            </a:pPr>
+            <a:r>
+              <a:rPr lang="en-US" dirty="0"/>
+              <a:t>White: 59.3 years</a:t>
+            </a:r>
+          </a:p>
+          <a:p>
+            <a:pPr marL="742950" lvl="1" indent="-285750">
+              <a:buFont typeface="Arial" panose="020B0604020202020204" pitchFamily="34" charset="0"/>
+              <a:buChar char="•"/>
+            </a:pPr>
+            <a:r>
+              <a:rPr lang="en-US" dirty="0"/>
+              <a:t>Hispanic: 81.5 years</a:t>
+            </a:r>
+          </a:p>
+          <a:p>
+            <a:pPr marL="285750" indent="-285750">
+              <a:buFont typeface="Arial" panose="020B0604020202020204" pitchFamily="34" charset="0"/>
+              <a:buChar char="•"/>
+            </a:pPr>
+            <a:r>
+              <a:rPr lang="en-US" dirty="0"/>
+              <a:t>Median sentences are dramatically lower, but going to trial still increases the median sentence by </a:t>
+            </a:r>
+            <a:r>
+              <a:rPr lang="en-US" b="1" dirty="0"/>
+              <a:t>6.6 years</a:t>
+            </a:r>
+          </a:p>
+        </p:txBody>
+      </p:sp>
+      <p:sp>
+        <p:nvSpPr>
+          <p:cNvPr id="11" name="Rectangle: Rounded Corners 10">
+            <a:extLst>
+              <a:ext uri="{FF2B5EF4-FFF2-40B4-BE49-F238E27FC236}">
+                <a16:creationId xmlns:a16="http://schemas.microsoft.com/office/drawing/2014/main" id="{6B2C90E6-A701-43CF-88E4-66F2BAD893A7}"/>
+              </a:ext>
+            </a:extLst>
+          </p:cNvPr>
+          <p:cNvSpPr/>
+          <p:nvPr/>
+        </p:nvSpPr>
+        <p:spPr>
+          <a:xfrm>
+            <a:off x="651369" y="2263276"/>
+            <a:ext cx="1754480" cy="1693072"/>
+          </a:xfrm>
+          <a:prstGeom prst="roundRect">
+            <a:avLst/>
+          </a:prstGeom>
+        </p:spPr>
+        <p:style>
+          <a:lnRef idx="2">
+            <a:schemeClr val="dk1"/>
+          </a:lnRef>
+          <a:fillRef idx="1">
+            <a:schemeClr val="lt1"/>
+          </a:fillRef>
+          <a:effectRef idx="0">
+            <a:schemeClr val="dk1"/>
+          </a:effectRef>
+          <a:fontRef idx="minor">
+            <a:schemeClr val="dk1"/>
+          </a:fontRef>
+        </p:style>
+        <p:txBody>
+          <a:bodyPr rtlCol="0" anchor="ctr">
+            <a:normAutofit fontScale="92500" lnSpcReduction="10000"/>
+          </a:bodyPr>
+          <a:lstStyle/>
+          <a:p>
+            <a:pPr algn="ctr"/>
+            <a:r>
+              <a:rPr lang="en-US" sz="1400" dirty="0"/>
+              <a:t>Average sentence for a plea:</a:t>
+            </a:r>
+          </a:p>
+          <a:p>
+            <a:pPr algn="ctr"/>
+            <a:r>
+              <a:rPr lang="en-US" sz="6600" dirty="0"/>
+              <a:t>5.9</a:t>
+            </a:r>
+          </a:p>
+          <a:p>
+            <a:pPr algn="ctr"/>
+            <a:r>
+              <a:rPr lang="en-US" sz="1400" dirty="0"/>
+              <a:t>years</a:t>
+            </a:r>
+            <a:endParaRPr lang="en-US" dirty="0"/>
+          </a:p>
+        </p:txBody>
+      </p:sp>
+      <p:sp>
+        <p:nvSpPr>
+          <p:cNvPr id="13" name="Rectangle: Rounded Corners 12">
+            <a:extLst>
+              <a:ext uri="{FF2B5EF4-FFF2-40B4-BE49-F238E27FC236}">
+                <a16:creationId xmlns:a16="http://schemas.microsoft.com/office/drawing/2014/main" id="{404822C7-33D6-4D38-A7A1-93FA7702FD69}"/>
+              </a:ext>
+            </a:extLst>
+          </p:cNvPr>
+          <p:cNvSpPr/>
+          <p:nvPr/>
+        </p:nvSpPr>
+        <p:spPr>
+          <a:xfrm>
+            <a:off x="2914140" y="2263276"/>
+            <a:ext cx="1754480" cy="1693072"/>
+          </a:xfrm>
+          <a:prstGeom prst="roundRect">
+            <a:avLst/>
+          </a:prstGeom>
+        </p:spPr>
+        <p:style>
+          <a:lnRef idx="2">
+            <a:schemeClr val="dk1"/>
+          </a:lnRef>
+          <a:fillRef idx="1">
+            <a:schemeClr val="lt1"/>
+          </a:fillRef>
+          <a:effectRef idx="0">
+            <a:schemeClr val="dk1"/>
+          </a:effectRef>
+          <a:fontRef idx="minor">
+            <a:schemeClr val="dk1"/>
+          </a:fontRef>
+        </p:style>
+        <p:txBody>
+          <a:bodyPr rtlCol="0" anchor="ctr">
+            <a:normAutofit fontScale="92500" lnSpcReduction="10000"/>
+          </a:bodyPr>
+          <a:lstStyle/>
+          <a:p>
+            <a:pPr algn="ctr"/>
+            <a:r>
+              <a:rPr lang="en-US" sz="1400" dirty="0"/>
+              <a:t>Average sentence for a trial:</a:t>
+            </a:r>
+          </a:p>
+          <a:p>
+            <a:pPr algn="ctr"/>
+            <a:r>
+              <a:rPr lang="en-US" sz="6600" dirty="0"/>
+              <a:t>58.3</a:t>
+            </a:r>
+          </a:p>
+          <a:p>
+            <a:pPr algn="ctr"/>
+            <a:r>
+              <a:rPr lang="en-US" sz="1400" dirty="0"/>
+              <a:t>years</a:t>
+            </a:r>
+            <a:endParaRPr lang="en-US" dirty="0"/>
+          </a:p>
+        </p:txBody>
+      </p:sp>
+    </p:spTree>
+    <p:extLst>
+      <p:ext uri="{BB962C8B-B14F-4D97-AF65-F5344CB8AC3E}">
+        <p14:creationId xmlns:p14="http://schemas.microsoft.com/office/powerpoint/2010/main" val="3992084856"/>
+      </p:ext>
+    </p:extLst>
+  </p:cSld>
+  <p:clrMapOvr>
+    <a:masterClrMapping/>
+  </p:clrMapOvr>
+  <p:timing>
+    <p:tnLst>
+      <p:par>
+        <p:cTn id="1" dur="indefinite" restart="never" nodeType="tmRoot">
+          <p:childTnLst>
+            <p:seq concurrent="1" nextAc="seek">
+              <p:cTn id="2" dur="indefinite" nodeType="mainSeq">
+                <p:childTnLst>
+                  <p:par>
+                    <p:cTn id="3" fill="hold">
+                      <p:stCondLst>
+                        <p:cond delay="indefinite"/>
+                      </p:stCondLst>
+                      <p:childTnLst>
+                        <p:par>
+                          <p:cTn id="4" fill="hold">
+                            <p:stCondLst>
+                              <p:cond delay="0"/>
+                            </p:stCondLst>
+                            <p:childTnLst>
+                              <p:par>
+                                <p:cTn id="5" presetID="10" presetClass="entr" presetSubtype="0" fill="hold" grpId="0" nodeType="clickEffect">
+                                  <p:stCondLst>
+                                    <p:cond delay="0"/>
+                                  </p:stCondLst>
+                                  <p:childTnLst>
+                                    <p:set>
+                                      <p:cBhvr>
+                                        <p:cTn id="6" dur="1" fill="hold">
+                                          <p:stCondLst>
+                                            <p:cond delay="0"/>
+                                          </p:stCondLst>
+                                        </p:cTn>
+                                        <p:tgtEl>
+                                          <p:spTgt spid="11"/>
+                                        </p:tgtEl>
+                                        <p:attrNameLst>
+                                          <p:attrName>style.visibility</p:attrName>
+                                        </p:attrNameLst>
+                                      </p:cBhvr>
+                                      <p:to>
+                                        <p:strVal val="visible"/>
+                                      </p:to>
+                                    </p:set>
+                                    <p:animEffect transition="in" filter="fade">
+                                      <p:cBhvr>
+                                        <p:cTn id="7" dur="500"/>
+                                        <p:tgtEl>
+                                          <p:spTgt spid="11"/>
+                                        </p:tgtEl>
+                                      </p:cBhvr>
+                                    </p:animEffect>
+                                  </p:childTnLst>
+                                </p:cTn>
+                              </p:par>
+                              <p:par>
+                                <p:cTn id="8" presetID="10" presetClass="entr" presetSubtype="0" fill="hold" grpId="0" nodeType="withEffect">
+                                  <p:stCondLst>
+                                    <p:cond delay="0"/>
+                                  </p:stCondLst>
+                                  <p:childTnLst>
+                                    <p:set>
+                                      <p:cBhvr>
+                                        <p:cTn id="9" dur="1" fill="hold">
+                                          <p:stCondLst>
+                                            <p:cond delay="0"/>
+                                          </p:stCondLst>
+                                        </p:cTn>
+                                        <p:tgtEl>
+                                          <p:spTgt spid="13"/>
+                                        </p:tgtEl>
+                                        <p:attrNameLst>
+                                          <p:attrName>style.visibility</p:attrName>
+                                        </p:attrNameLst>
+                                      </p:cBhvr>
+                                      <p:to>
+                                        <p:strVal val="visible"/>
+                                      </p:to>
+                                    </p:set>
+                                    <p:animEffect transition="in" filter="fade">
+                                      <p:cBhvr>
+                                        <p:cTn id="10" dur="500"/>
+                                        <p:tgtEl>
+                                          <p:spTgt spid="13"/>
+                                        </p:tgtEl>
+                                      </p:cBhvr>
+                                    </p:animEffect>
+                                  </p:childTnLst>
+                                </p:cTn>
+                              </p:par>
+                            </p:childTnLst>
+                          </p:cTn>
+                        </p:par>
+                      </p:childTnLst>
+                    </p:cTn>
+                  </p:par>
+                  <p:par>
+                    <p:cTn id="11" fill="hold">
+                      <p:stCondLst>
+                        <p:cond delay="indefinite"/>
+                      </p:stCondLst>
+                      <p:childTnLst>
+                        <p:par>
+                          <p:cTn id="12" fill="hold">
+                            <p:stCondLst>
+                              <p:cond delay="0"/>
+                            </p:stCondLst>
+                            <p:childTnLst>
+                              <p:par>
+                                <p:cTn id="13" presetID="10" presetClass="entr" presetSubtype="0" fill="hold" nodeType="clickEffect">
+                                  <p:stCondLst>
+                                    <p:cond delay="0"/>
+                                  </p:stCondLst>
+                                  <p:childTnLst>
+                                    <p:set>
+                                      <p:cBhvr>
+                                        <p:cTn id="14" dur="1" fill="hold">
+                                          <p:stCondLst>
+                                            <p:cond delay="0"/>
+                                          </p:stCondLst>
+                                        </p:cTn>
+                                        <p:tgtEl>
+                                          <p:spTgt spid="10">
+                                            <p:txEl>
+                                              <p:pRg st="0" end="0"/>
+                                            </p:txEl>
+                                          </p:spTgt>
+                                        </p:tgtEl>
+                                        <p:attrNameLst>
+                                          <p:attrName>style.visibility</p:attrName>
+                                        </p:attrNameLst>
+                                      </p:cBhvr>
+                                      <p:to>
+                                        <p:strVal val="visible"/>
+                                      </p:to>
+                                    </p:set>
+                                    <p:animEffect transition="in" filter="fade">
+                                      <p:cBhvr>
+                                        <p:cTn id="15" dur="500"/>
+                                        <p:tgtEl>
+                                          <p:spTgt spid="10">
+                                            <p:txEl>
+                                              <p:pRg st="0" end="0"/>
+                                            </p:txEl>
+                                          </p:spTgt>
+                                        </p:tgtEl>
+                                      </p:cBhvr>
+                                    </p:animEffect>
+                                  </p:childTnLst>
+                                </p:cTn>
+                              </p:par>
+                              <p:par>
+                                <p:cTn id="16" presetID="10" presetClass="entr" presetSubtype="0" fill="hold" nodeType="withEffect">
+                                  <p:stCondLst>
+                                    <p:cond delay="0"/>
+                                  </p:stCondLst>
+                                  <p:childTnLst>
+                                    <p:set>
+                                      <p:cBhvr>
+                                        <p:cTn id="17" dur="1" fill="hold">
+                                          <p:stCondLst>
+                                            <p:cond delay="0"/>
+                                          </p:stCondLst>
+                                        </p:cTn>
+                                        <p:tgtEl>
+                                          <p:spTgt spid="10">
+                                            <p:txEl>
+                                              <p:pRg st="2" end="2"/>
+                                            </p:txEl>
+                                          </p:spTgt>
+                                        </p:tgtEl>
+                                        <p:attrNameLst>
+                                          <p:attrName>style.visibility</p:attrName>
+                                        </p:attrNameLst>
+                                      </p:cBhvr>
+                                      <p:to>
+                                        <p:strVal val="visible"/>
+                                      </p:to>
+                                    </p:set>
+                                    <p:animEffect transition="in" filter="fade">
+                                      <p:cBhvr>
+                                        <p:cTn id="18" dur="500"/>
+                                        <p:tgtEl>
+                                          <p:spTgt spid="10">
+                                            <p:txEl>
+                                              <p:pRg st="2" end="2"/>
+                                            </p:txEl>
+                                          </p:spTgt>
+                                        </p:tgtEl>
+                                      </p:cBhvr>
+                                    </p:animEffect>
+                                  </p:childTnLst>
+                                </p:cTn>
+                              </p:par>
+                              <p:par>
+                                <p:cTn id="19" presetID="10" presetClass="entr" presetSubtype="0" fill="hold" nodeType="withEffect">
+                                  <p:stCondLst>
+                                    <p:cond delay="0"/>
+                                  </p:stCondLst>
+                                  <p:childTnLst>
+                                    <p:set>
+                                      <p:cBhvr>
+                                        <p:cTn id="20" dur="1" fill="hold">
+                                          <p:stCondLst>
+                                            <p:cond delay="0"/>
+                                          </p:stCondLst>
+                                        </p:cTn>
+                                        <p:tgtEl>
+                                          <p:spTgt spid="10">
+                                            <p:txEl>
+                                              <p:pRg st="1" end="1"/>
+                                            </p:txEl>
+                                          </p:spTgt>
+                                        </p:tgtEl>
+                                        <p:attrNameLst>
+                                          <p:attrName>style.visibility</p:attrName>
+                                        </p:attrNameLst>
+                                      </p:cBhvr>
+                                      <p:to>
+                                        <p:strVal val="visible"/>
+                                      </p:to>
+                                    </p:set>
+                                    <p:animEffect transition="in" filter="fade">
+                                      <p:cBhvr>
+                                        <p:cTn id="21" dur="500"/>
+                                        <p:tgtEl>
+                                          <p:spTgt spid="10">
+                                            <p:txEl>
+                                              <p:pRg st="1" end="1"/>
+                                            </p:txEl>
+                                          </p:spTgt>
+                                        </p:tgtEl>
+                                      </p:cBhvr>
+                                    </p:animEffect>
+                                  </p:childTnLst>
+                                </p:cTn>
+                              </p:par>
+                              <p:par>
+                                <p:cTn id="22" presetID="10" presetClass="entr" presetSubtype="0" fill="hold" nodeType="withEffect">
+                                  <p:stCondLst>
+                                    <p:cond delay="0"/>
+                                  </p:stCondLst>
+                                  <p:childTnLst>
+                                    <p:set>
+                                      <p:cBhvr>
+                                        <p:cTn id="23" dur="1" fill="hold">
+                                          <p:stCondLst>
+                                            <p:cond delay="0"/>
+                                          </p:stCondLst>
+                                        </p:cTn>
+                                        <p:tgtEl>
+                                          <p:spTgt spid="10">
+                                            <p:txEl>
+                                              <p:pRg st="3" end="3"/>
+                                            </p:txEl>
+                                          </p:spTgt>
+                                        </p:tgtEl>
+                                        <p:attrNameLst>
+                                          <p:attrName>style.visibility</p:attrName>
+                                        </p:attrNameLst>
+                                      </p:cBhvr>
+                                      <p:to>
+                                        <p:strVal val="visible"/>
+                                      </p:to>
+                                    </p:set>
+                                    <p:animEffect transition="in" filter="fade">
+                                      <p:cBhvr>
+                                        <p:cTn id="24" dur="500"/>
+                                        <p:tgtEl>
+                                          <p:spTgt spid="10">
+                                            <p:txEl>
+                                              <p:pRg st="3" end="3"/>
+                                            </p:txEl>
+                                          </p:spTgt>
+                                        </p:tgtEl>
+                                      </p:cBhvr>
+                                    </p:animEffect>
+                                  </p:childTnLst>
+                                </p:cTn>
+                              </p:par>
+                            </p:childTnLst>
+                          </p:cTn>
+                        </p:par>
+                      </p:childTnLst>
+                    </p:cTn>
+                  </p:par>
+                  <p:par>
+                    <p:cTn id="25" fill="hold">
+                      <p:stCondLst>
+                        <p:cond delay="indefinite"/>
+                      </p:stCondLst>
+                      <p:childTnLst>
+                        <p:par>
+                          <p:cTn id="26" fill="hold">
+                            <p:stCondLst>
+                              <p:cond delay="0"/>
+                            </p:stCondLst>
+                            <p:childTnLst>
+                              <p:par>
+                                <p:cTn id="27" presetID="10" presetClass="entr" presetSubtype="0" fill="hold" nodeType="clickEffect">
+                                  <p:stCondLst>
+                                    <p:cond delay="0"/>
+                                  </p:stCondLst>
+                                  <p:childTnLst>
+                                    <p:set>
+                                      <p:cBhvr>
+                                        <p:cTn id="28" dur="1" fill="hold">
+                                          <p:stCondLst>
+                                            <p:cond delay="0"/>
+                                          </p:stCondLst>
+                                        </p:cTn>
+                                        <p:tgtEl>
+                                          <p:spTgt spid="10">
+                                            <p:txEl>
+                                              <p:pRg st="4" end="4"/>
+                                            </p:txEl>
+                                          </p:spTgt>
+                                        </p:tgtEl>
+                                        <p:attrNameLst>
+                                          <p:attrName>style.visibility</p:attrName>
+                                        </p:attrNameLst>
+                                      </p:cBhvr>
+                                      <p:to>
+                                        <p:strVal val="visible"/>
+                                      </p:to>
+                                    </p:set>
+                                    <p:animEffect transition="in" filter="fade">
+                                      <p:cBhvr>
+                                        <p:cTn id="29" dur="500"/>
+                                        <p:tgtEl>
+                                          <p:spTgt spid="10">
+                                            <p:txEl>
+                                              <p:pRg st="4" end="4"/>
+                                            </p:txEl>
+                                          </p:spTgt>
+                                        </p:tgtEl>
+                                      </p:cBhvr>
+                                    </p:animEffect>
+                                  </p:childTnLst>
+                                </p:cTn>
+                              </p:par>
+                            </p:childTnLst>
+                          </p:cTn>
+                        </p:par>
+                      </p:childTnLst>
+                    </p:cTn>
+                  </p:par>
+                </p:childTnLst>
+              </p:cTn>
+              <p:prevCondLst>
+                <p:cond evt="onPrev" delay="0">
+                  <p:tgtEl>
+                    <p:sldTgt/>
+                  </p:tgtEl>
+                </p:cond>
+              </p:prevCondLst>
+              <p:nextCondLst>
+                <p:cond evt="onNext" delay="0">
+                  <p:tgtEl>
+                    <p:sldTgt/>
+                  </p:tgtEl>
+                </p:cond>
+              </p:nextCondLst>
+            </p:seq>
+          </p:childTnLst>
+        </p:cTn>
+      </p:par>
+    </p:tnLst>
+    <p:bldLst>
+      <p:bldP spid="11" grpId="0" animBg="1"/>
+      <p:bldP spid="13" grpId="0" animBg="1"/>
+    </p:bldLst>
+  </p:timing>
+</p:sld>
+</file>
+
+<file path=ppt/slides/slide24.xml><?xml version="1.0" encoding="utf-8"?>
+<p:sld xmlns:a="http://schemas.openxmlformats.org/drawingml/2006/main" xmlns:r="http://schemas.openxmlformats.org/officeDocument/2006/relationships" xmlns:p="http://schemas.openxmlformats.org/presentationml/2006/main">
+  <p:cSld>
+    <p:bg>
+      <p:bgPr>
+        <a:solidFill>
+          <a:schemeClr val="bg1"/>
+        </a:solidFill>
+        <a:effectLst/>
+      </p:bgPr>
+    </p:bg>
+    <p:spTree>
+      <p:nvGrpSpPr>
+        <p:cNvPr id="1" name=""/>
+        <p:cNvGrpSpPr/>
+        <p:nvPr/>
+      </p:nvGrpSpPr>
+      <p:grpSpPr>
+        <a:xfrm>
+          <a:off x="0" y="0"/>
+          <a:ext cx="0" cy="0"/>
+          <a:chOff x="0" y="0"/>
+          <a:chExt cx="0" cy="0"/>
+        </a:xfrm>
+      </p:grpSpPr>
+      <p:sp useBgFill="1">
+        <p:nvSpPr>
+          <p:cNvPr id="14" name="Rectangle 13">
+            <a:extLst>
+              <a:ext uri="{FF2B5EF4-FFF2-40B4-BE49-F238E27FC236}">
+                <a16:creationId xmlns:a16="http://schemas.microsoft.com/office/drawing/2014/main" id="{9389D3E0-BA02-41D3-B2AC-8FD6AA893902}"/>
+              </a:ext>
+              <a:ext uri="{C183D7F6-B498-43B3-948B-1728B52AA6E4}">
+                <adec:decorative xmlns:adec="http://schemas.microsoft.com/office/drawing/2017/decorative" val="1"/>
+              </a:ext>
+            </a:extLst>
+          </p:cNvPr>
+          <p:cNvSpPr>
+            <a:spLocks noGrp="1" noRot="1" noChangeAspect="1" noMove="1" noResize="1" noEditPoints="1" noAdjustHandles="1" noChangeArrowheads="1" noChangeShapeType="1" noTextEdit="1"/>
+          </p:cNvSpPr>
+          <p:nvPr>
+            <p:extLst>
+              <p:ext uri="{386F3935-93C4-4BCD-93E2-E3B085C9AB24}">
+                <p16:designElem xmlns:p16="http://schemas.microsoft.com/office/powerpoint/2015/main" val="1"/>
+              </p:ext>
+            </p:extLst>
+          </p:nvPr>
+        </p:nvSpPr>
+        <p:spPr>
+          <a:xfrm>
+            <a:off x="0" y="0"/>
+            <a:ext cx="12188952" cy="6858000"/>
+          </a:xfrm>
+          <a:prstGeom prst="rect">
+            <a:avLst/>
+          </a:prstGeom>
+          <a:ln>
+            <a:noFill/>
+          </a:ln>
+        </p:spPr>
+        <p:style>
+          <a:lnRef idx="2">
+            <a:schemeClr val="accent1">
+              <a:shade val="50000"/>
+            </a:schemeClr>
+          </a:lnRef>
+          <a:fillRef idx="1">
+            <a:schemeClr val="accent1"/>
+          </a:fillRef>
+          <a:effectRef idx="0">
+            <a:schemeClr val="accent1"/>
+          </a:effectRef>
+          <a:fontRef idx="minor">
+            <a:schemeClr val="lt1"/>
+          </a:fontRef>
+        </p:style>
+        <p:txBody>
+          <a:bodyPr rtlCol="0" anchor="ctr"/>
+          <a:lstStyle/>
+          <a:p>
+            <a:pPr algn="ctr"/>
+            <a:endParaRPr lang="en-US"/>
+          </a:p>
+        </p:txBody>
+      </p:sp>
+      <p:sp>
+        <p:nvSpPr>
+          <p:cNvPr id="2" name="Title 1">
+            <a:extLst>
+              <a:ext uri="{FF2B5EF4-FFF2-40B4-BE49-F238E27FC236}">
+                <a16:creationId xmlns:a16="http://schemas.microsoft.com/office/drawing/2014/main" id="{397EDA5E-FF32-48CB-AB2A-63CF13FBAB25}"/>
+              </a:ext>
+            </a:extLst>
+          </p:cNvPr>
+          <p:cNvSpPr>
+            <a:spLocks noGrp="1"/>
+          </p:cNvSpPr>
+          <p:nvPr>
+            <p:ph type="title"/>
+          </p:nvPr>
+        </p:nvSpPr>
+        <p:spPr>
+          <a:xfrm>
+            <a:off x="838200" y="557189"/>
+            <a:ext cx="3966463" cy="1620403"/>
+          </a:xfrm>
+        </p:spPr>
+        <p:txBody>
+          <a:bodyPr vert="horz" lIns="91440" tIns="45720" rIns="91440" bIns="45720" rtlCol="0" anchor="ctr">
+            <a:normAutofit/>
+          </a:bodyPr>
+          <a:lstStyle/>
+          <a:p>
+            <a:r>
+              <a:rPr lang="en-US" sz="5200" dirty="0"/>
+              <a:t>Final Note: Pleas v. Trials</a:t>
+            </a:r>
+          </a:p>
+        </p:txBody>
+      </p:sp>
+      <p:pic>
+        <p:nvPicPr>
+          <p:cNvPr id="9" name="Picture 8">
+            <a:extLst>
+              <a:ext uri="{FF2B5EF4-FFF2-40B4-BE49-F238E27FC236}">
+                <a16:creationId xmlns:a16="http://schemas.microsoft.com/office/drawing/2014/main" id="{63246AD8-3A52-436E-8521-83FB1E4415AD}"/>
+              </a:ext>
+            </a:extLst>
+          </p:cNvPr>
+          <p:cNvPicPr>
+            <a:picLocks noChangeAspect="1"/>
+          </p:cNvPicPr>
+          <p:nvPr/>
+        </p:nvPicPr>
+        <p:blipFill rotWithShape="1">
+          <a:blip r:embed="rId2">
+            <a:extLst>
+              <a:ext uri="{28A0092B-C50C-407E-A947-70E740481C1C}">
+                <a14:useLocalDpi xmlns:a14="http://schemas.microsoft.com/office/drawing/2010/main" val="0"/>
+              </a:ext>
+            </a:extLst>
+          </a:blip>
+          <a:srcRect l="-4383" t="535" r="-3986" b="138"/>
+          <a:stretch/>
+        </p:blipFill>
+        <p:spPr>
+          <a:xfrm>
+            <a:off x="5176911" y="720190"/>
+            <a:ext cx="6833848" cy="5584353"/>
+          </a:xfrm>
+          <a:prstGeom prst="rect">
+            <a:avLst/>
+          </a:prstGeom>
+        </p:spPr>
+      </p:pic>
+      <p:sp>
+        <p:nvSpPr>
+          <p:cNvPr id="10" name="TextBox 9">
+            <a:extLst>
+              <a:ext uri="{FF2B5EF4-FFF2-40B4-BE49-F238E27FC236}">
+                <a16:creationId xmlns:a16="http://schemas.microsoft.com/office/drawing/2014/main" id="{91097034-5955-46F6-94A5-18E3D5985947}"/>
+              </a:ext>
+            </a:extLst>
+          </p:cNvPr>
+          <p:cNvSpPr txBox="1"/>
+          <p:nvPr/>
+        </p:nvSpPr>
+        <p:spPr>
+          <a:xfrm>
+            <a:off x="563196" y="4080244"/>
+            <a:ext cx="4050519" cy="1200329"/>
+          </a:xfrm>
+          <a:prstGeom prst="rect">
+            <a:avLst/>
+          </a:prstGeom>
+          <a:noFill/>
+        </p:spPr>
+        <p:txBody>
+          <a:bodyPr wrap="square" rtlCol="0">
+            <a:spAutoFit/>
+          </a:bodyPr>
+          <a:lstStyle/>
+          <a:p>
+            <a:pPr marL="285750" indent="-285750">
+              <a:buFont typeface="Arial" panose="020B0604020202020204" pitchFamily="34" charset="0"/>
+              <a:buChar char="•"/>
+            </a:pPr>
+            <a:r>
+              <a:rPr lang="en-US" dirty="0"/>
+              <a:t>3.9% of black defendants pursue trial</a:t>
+            </a:r>
+          </a:p>
+          <a:p>
+            <a:pPr marL="285750" indent="-285750">
+              <a:buFont typeface="Arial" panose="020B0604020202020204" pitchFamily="34" charset="0"/>
+              <a:buChar char="•"/>
+            </a:pPr>
+            <a:r>
+              <a:rPr lang="en-US" dirty="0"/>
+              <a:t>2.4% of white defendants pursue trial</a:t>
+            </a:r>
+          </a:p>
+          <a:p>
+            <a:pPr marL="285750" indent="-285750">
+              <a:buFont typeface="Arial" panose="020B0604020202020204" pitchFamily="34" charset="0"/>
+              <a:buChar char="•"/>
+            </a:pPr>
+            <a:r>
+              <a:rPr lang="en-US" dirty="0"/>
+              <a:t>1.3% of Hispanic defendants pursue trial</a:t>
+            </a:r>
+          </a:p>
+        </p:txBody>
+      </p:sp>
+      <p:sp>
+        <p:nvSpPr>
+          <p:cNvPr id="13" name="Rectangle: Rounded Corners 12">
+            <a:extLst>
+              <a:ext uri="{FF2B5EF4-FFF2-40B4-BE49-F238E27FC236}">
+                <a16:creationId xmlns:a16="http://schemas.microsoft.com/office/drawing/2014/main" id="{404822C7-33D6-4D38-A7A1-93FA7702FD69}"/>
+              </a:ext>
+            </a:extLst>
+          </p:cNvPr>
+          <p:cNvSpPr/>
+          <p:nvPr/>
+        </p:nvSpPr>
+        <p:spPr>
+          <a:xfrm>
+            <a:off x="1307690" y="2268013"/>
+            <a:ext cx="2113936" cy="1620404"/>
+          </a:xfrm>
+          <a:prstGeom prst="roundRect">
+            <a:avLst/>
+          </a:prstGeom>
+        </p:spPr>
+        <p:style>
+          <a:lnRef idx="2">
+            <a:schemeClr val="dk1"/>
+          </a:lnRef>
+          <a:fillRef idx="1">
+            <a:schemeClr val="lt1"/>
+          </a:fillRef>
+          <a:effectRef idx="0">
+            <a:schemeClr val="dk1"/>
+          </a:effectRef>
+          <a:fontRef idx="minor">
+            <a:schemeClr val="dk1"/>
+          </a:fontRef>
+        </p:style>
+        <p:txBody>
+          <a:bodyPr rtlCol="0" anchor="ctr">
+            <a:normAutofit/>
+          </a:bodyPr>
+          <a:lstStyle/>
+          <a:p>
+            <a:pPr algn="ctr"/>
+            <a:r>
+              <a:rPr lang="en-US" sz="7200" dirty="0"/>
+              <a:t>97%</a:t>
+            </a:r>
+          </a:p>
+          <a:p>
+            <a:pPr algn="ctr"/>
+            <a:r>
+              <a:rPr lang="en-US" sz="1200" dirty="0"/>
+              <a:t>of all defendants plead out</a:t>
+            </a:r>
+            <a:endParaRPr lang="en-US" sz="1600" dirty="0"/>
+          </a:p>
+        </p:txBody>
+      </p:sp>
+    </p:spTree>
+    <p:extLst>
+      <p:ext uri="{BB962C8B-B14F-4D97-AF65-F5344CB8AC3E}">
+        <p14:creationId xmlns:p14="http://schemas.microsoft.com/office/powerpoint/2010/main" val="3564261516"/>
+      </p:ext>
+    </p:extLst>
+  </p:cSld>
+  <p:clrMapOvr>
+    <a:masterClrMapping/>
+  </p:clrMapOvr>
+  <p:timing>
+    <p:tnLst>
+      <p:par>
+        <p:cTn id="1" dur="indefinite" restart="never" nodeType="tmRoot">
+          <p:childTnLst>
+            <p:seq concurrent="1" nextAc="seek">
+              <p:cTn id="2" dur="indefinite" nodeType="mainSeq">
+                <p:childTnLst>
+                  <p:par>
+                    <p:cTn id="3" fill="hold">
+                      <p:stCondLst>
+                        <p:cond delay="indefinite"/>
+                      </p:stCondLst>
+                      <p:childTnLst>
+                        <p:par>
+                          <p:cTn id="4" fill="hold">
+                            <p:stCondLst>
+                              <p:cond delay="0"/>
+                            </p:stCondLst>
+                            <p:childTnLst>
+                              <p:par>
+                                <p:cTn id="5" presetID="10" presetClass="entr" presetSubtype="0" fill="hold" grpId="0" nodeType="clickEffect">
+                                  <p:stCondLst>
+                                    <p:cond delay="0"/>
+                                  </p:stCondLst>
+                                  <p:childTnLst>
+                                    <p:set>
+                                      <p:cBhvr>
+                                        <p:cTn id="6" dur="1" fill="hold">
+                                          <p:stCondLst>
+                                            <p:cond delay="0"/>
+                                          </p:stCondLst>
+                                        </p:cTn>
+                                        <p:tgtEl>
+                                          <p:spTgt spid="13"/>
+                                        </p:tgtEl>
+                                        <p:attrNameLst>
+                                          <p:attrName>style.visibility</p:attrName>
+                                        </p:attrNameLst>
+                                      </p:cBhvr>
+                                      <p:to>
+                                        <p:strVal val="visible"/>
+                                      </p:to>
+                                    </p:set>
+                                    <p:animEffect transition="in" filter="fade">
+                                      <p:cBhvr>
+                                        <p:cTn id="7" dur="500"/>
+                                        <p:tgtEl>
+                                          <p:spTgt spid="13"/>
+                                        </p:tgtEl>
+                                      </p:cBhvr>
+                                    </p:animEffect>
+                                  </p:childTnLst>
+                                </p:cTn>
+                              </p:par>
+                            </p:childTnLst>
+                          </p:cTn>
+                        </p:par>
+                      </p:childTnLst>
+                    </p:cTn>
+                  </p:par>
+                  <p:par>
+                    <p:cTn id="8" fill="hold">
+                      <p:stCondLst>
+                        <p:cond delay="indefinite"/>
+                      </p:stCondLst>
+                      <p:childTnLst>
+                        <p:par>
+                          <p:cTn id="9" fill="hold">
+                            <p:stCondLst>
+                              <p:cond delay="0"/>
+                            </p:stCondLst>
+                            <p:childTnLst>
+                              <p:par>
+                                <p:cTn id="10" presetID="10" presetClass="entr" presetSubtype="0" fill="hold" grpId="0" nodeType="clickEffect">
+                                  <p:stCondLst>
+                                    <p:cond delay="0"/>
+                                  </p:stCondLst>
+                                  <p:childTnLst>
+                                    <p:set>
+                                      <p:cBhvr>
+                                        <p:cTn id="11" dur="1" fill="hold">
+                                          <p:stCondLst>
+                                            <p:cond delay="0"/>
+                                          </p:stCondLst>
+                                        </p:cTn>
+                                        <p:tgtEl>
+                                          <p:spTgt spid="10"/>
+                                        </p:tgtEl>
+                                        <p:attrNameLst>
+                                          <p:attrName>style.visibility</p:attrName>
+                                        </p:attrNameLst>
+                                      </p:cBhvr>
+                                      <p:to>
+                                        <p:strVal val="visible"/>
+                                      </p:to>
+                                    </p:set>
+                                    <p:animEffect transition="in" filter="fade">
+                                      <p:cBhvr>
+                                        <p:cTn id="12" dur="500"/>
+                                        <p:tgtEl>
+                                          <p:spTgt spid="10"/>
+                                        </p:tgtEl>
+                                      </p:cBhvr>
+                                    </p:animEffect>
+                                  </p:childTnLst>
+                                </p:cTn>
+                              </p:par>
+                            </p:childTnLst>
+                          </p:cTn>
+                        </p:par>
+                      </p:childTnLst>
+                    </p:cTn>
+                  </p:par>
+                </p:childTnLst>
+              </p:cTn>
+              <p:prevCondLst>
+                <p:cond evt="onPrev" delay="0">
+                  <p:tgtEl>
+                    <p:sldTgt/>
+                  </p:tgtEl>
+                </p:cond>
+              </p:prevCondLst>
+              <p:nextCondLst>
+                <p:cond evt="onNext" delay="0">
+                  <p:tgtEl>
+                    <p:sldTgt/>
+                  </p:tgtEl>
+                </p:cond>
+              </p:nextCondLst>
+            </p:seq>
+          </p:childTnLst>
+        </p:cTn>
+      </p:par>
+    </p:tnLst>
+    <p:bldLst>
+      <p:bldP spid="10" grpId="0"/>
+      <p:bldP spid="13" grpId="0" animBg="1"/>
+    </p:bldLst>
   </p:timing>
 </p:sld>
 </file>
@@ -17600,7 +18674,7 @@
                   <a:schemeClr val="bg1"/>
                 </a:solidFill>
               </a:rPr>
-              <a:t>Analysis</a:t>
+              <a:t>Analysis &amp; Insights</a:t>
             </a:r>
           </a:p>
         </p:txBody>

--- a/Presentation.pptx
+++ b/Presentation.pptx
@@ -23,13 +23,12 @@
     <p:sldId id="299" r:id="rId17"/>
     <p:sldId id="280" r:id="rId18"/>
     <p:sldId id="295" r:id="rId19"/>
-    <p:sldId id="297" r:id="rId20"/>
-    <p:sldId id="296" r:id="rId21"/>
-    <p:sldId id="294" r:id="rId22"/>
-    <p:sldId id="293" r:id="rId23"/>
-    <p:sldId id="289" r:id="rId24"/>
-    <p:sldId id="279" r:id="rId25"/>
-    <p:sldId id="298" r:id="rId26"/>
+    <p:sldId id="300" r:id="rId20"/>
+    <p:sldId id="301" r:id="rId21"/>
+    <p:sldId id="302" r:id="rId22"/>
+    <p:sldId id="289" r:id="rId23"/>
+    <p:sldId id="279" r:id="rId24"/>
+    <p:sldId id="298" r:id="rId25"/>
   </p:sldIdLst>
   <p:sldSz cx="12192000" cy="6858000"/>
   <p:notesSz cx="6858000" cy="9144000"/>
@@ -7463,17 +7462,17 @@
         <p:spPr>
           <a:xfrm>
             <a:off x="838200" y="557189"/>
-            <a:ext cx="3966463" cy="1620403"/>
+            <a:ext cx="5349536" cy="1620403"/>
           </a:xfrm>
         </p:spPr>
         <p:txBody>
           <a:bodyPr vert="horz" lIns="91440" tIns="45720" rIns="91440" bIns="45720" rtlCol="0" anchor="ctr">
-            <a:normAutofit fontScale="90000"/>
+            <a:noAutofit/>
           </a:bodyPr>
           <a:lstStyle/>
           <a:p>
             <a:r>
-              <a:rPr lang="en-US" sz="5200" dirty="0"/>
+              <a:rPr lang="en-US" dirty="0"/>
               <a:t>Closer Look: Immigration Offenses </a:t>
             </a:r>
           </a:p>
@@ -7493,8 +7492,8 @@
         </p:nvSpPr>
         <p:spPr>
           <a:xfrm>
-            <a:off x="502572" y="2610467"/>
-            <a:ext cx="4050519" cy="1200329"/>
+            <a:off x="502571" y="2123783"/>
+            <a:ext cx="4424078" cy="1323439"/>
           </a:xfrm>
           <a:prstGeom prst="rect">
             <a:avLst/>
@@ -7512,7 +7511,7 @@
               <a:buChar char="•"/>
             </a:pPr>
             <a:r>
-              <a:rPr lang="en-US" dirty="0"/>
+              <a:rPr lang="en-US" sz="2000" dirty="0"/>
               <a:t>71% of nonviolent offenses by Hispanic offenders are immigration related offenses, which carry no mandatory minimum sentence.</a:t>
             </a:r>
           </a:p>
@@ -7545,7 +7544,7 @@
         </p:blipFill>
         <p:spPr>
           <a:xfrm>
-            <a:off x="5055663" y="2016464"/>
+            <a:off x="5055657" y="1865086"/>
             <a:ext cx="7262303" cy="4841536"/>
           </a:xfrm>
           <a:prstGeom prst="rect">
@@ -7567,8 +7566,8 @@
         </p:nvSpPr>
         <p:spPr>
           <a:xfrm>
-            <a:off x="7629846" y="506485"/>
-            <a:ext cx="1975793" cy="1620404"/>
+            <a:off x="7843429" y="355107"/>
+            <a:ext cx="1686757" cy="1509979"/>
           </a:xfrm>
           <a:prstGeom prst="roundRect">
             <a:avLst/>
@@ -7590,7 +7589,7 @@
         </p:style>
         <p:txBody>
           <a:bodyPr rtlCol="0" anchor="ctr">
-            <a:normAutofit/>
+            <a:normAutofit fontScale="85000" lnSpcReduction="10000"/>
           </a:bodyPr>
           <a:lstStyle/>
           <a:p>
@@ -7624,8 +7623,8 @@
         </p:nvSpPr>
         <p:spPr>
           <a:xfrm>
-            <a:off x="502572" y="3710866"/>
-            <a:ext cx="4050519" cy="1477328"/>
+            <a:off x="502571" y="3393412"/>
+            <a:ext cx="4553086" cy="1631216"/>
           </a:xfrm>
           <a:prstGeom prst="rect">
             <a:avLst/>
@@ -7643,7 +7642,7 @@
               <a:buChar char="•"/>
             </a:pPr>
             <a:r>
-              <a:rPr lang="en-US" dirty="0"/>
+              <a:rPr lang="en-US" sz="2000" dirty="0"/>
               <a:t>Of those, exactly half received credit for time served and therefore receive no additional sentence.</a:t>
             </a:r>
           </a:p>
@@ -7653,7 +7652,7 @@
               <a:buChar char="•"/>
             </a:pPr>
             <a:r>
-              <a:rPr lang="en-US" dirty="0"/>
+              <a:rPr lang="en-US" sz="2000" dirty="0"/>
               <a:t>The average time served prior to sentencing for this group is 70 days.</a:t>
             </a:r>
           </a:p>
@@ -7673,8 +7672,8 @@
         </p:nvSpPr>
         <p:spPr>
           <a:xfrm>
-            <a:off x="502572" y="5188194"/>
-            <a:ext cx="4050519" cy="1477328"/>
+            <a:off x="502571" y="5023934"/>
+            <a:ext cx="4553086" cy="1631216"/>
           </a:xfrm>
           <a:prstGeom prst="rect">
             <a:avLst/>
@@ -7692,12 +7691,12 @@
               <a:buChar char="•"/>
             </a:pPr>
             <a:r>
-              <a:rPr lang="en-US" dirty="0"/>
+              <a:rPr lang="en-US" sz="2000" dirty="0"/>
               <a:t>Additionally, 97% of them are not legal residents of the U.S., meaning they may have been deported rather than sentenced to additional time.</a:t>
             </a:r>
           </a:p>
           <a:p>
-            <a:endParaRPr lang="en-US" dirty="0"/>
+            <a:endParaRPr lang="en-US" sz="2000" dirty="0"/>
           </a:p>
         </p:txBody>
       </p:sp>
@@ -10819,7 +10818,7 @@
                   <a:schemeClr val="bg1"/>
                 </a:solidFill>
               </a:rPr>
-              <a:t>Criminal history points are applied in 64% of cases and increases sentences an average of by 2.6 years</a:t>
+              <a:t>Distribution roughly matches demographics of general sentencing population</a:t>
             </a:r>
           </a:p>
         </p:txBody>
@@ -10851,7 +10850,7 @@
         </p:blipFill>
         <p:spPr>
           <a:xfrm>
-            <a:off x="6643857" y="1850234"/>
+            <a:off x="6643857" y="1487286"/>
             <a:ext cx="5051318" cy="3157074"/>
           </a:xfrm>
           <a:prstGeom prst="rect">
@@ -10892,6 +10891,134 @@
               <a:rPr lang="en-US" sz="2400" dirty="0"/>
               <a:t>Criminal History Points Applied</a:t>
             </a:r>
+          </a:p>
+        </p:txBody>
+      </p:sp>
+      <p:sp>
+        <p:nvSpPr>
+          <p:cNvPr id="11" name="Rectangle: Rounded Corners 10">
+            <a:extLst>
+              <a:ext uri="{FF2B5EF4-FFF2-40B4-BE49-F238E27FC236}">
+                <a16:creationId xmlns:a16="http://schemas.microsoft.com/office/drawing/2014/main" id="{092FD124-60D7-4DA1-816D-52308CCC12D8}"/>
+              </a:ext>
+            </a:extLst>
+          </p:cNvPr>
+          <p:cNvSpPr/>
+          <p:nvPr/>
+        </p:nvSpPr>
+        <p:spPr>
+          <a:xfrm>
+            <a:off x="7301183" y="4792771"/>
+            <a:ext cx="1754480" cy="1693072"/>
+          </a:xfrm>
+          <a:prstGeom prst="roundRect">
+            <a:avLst/>
+          </a:prstGeom>
+        </p:spPr>
+        <p:style>
+          <a:lnRef idx="2">
+            <a:schemeClr val="dk1"/>
+          </a:lnRef>
+          <a:fillRef idx="1">
+            <a:schemeClr val="lt1"/>
+          </a:fillRef>
+          <a:effectRef idx="0">
+            <a:schemeClr val="dk1"/>
+          </a:effectRef>
+          <a:fontRef idx="minor">
+            <a:schemeClr val="dk1"/>
+          </a:fontRef>
+        </p:style>
+        <p:txBody>
+          <a:bodyPr rtlCol="0" anchor="ctr">
+            <a:normAutofit fontScale="92500"/>
+          </a:bodyPr>
+          <a:lstStyle/>
+          <a:p>
+            <a:pPr algn="ctr"/>
+            <a:r>
+              <a:rPr lang="en-US" sz="1400" dirty="0"/>
+              <a:t>Applied in</a:t>
+            </a:r>
+          </a:p>
+          <a:p>
+            <a:pPr algn="ctr"/>
+            <a:r>
+              <a:rPr lang="en-US" sz="6600" dirty="0"/>
+              <a:t>64%</a:t>
+            </a:r>
+          </a:p>
+          <a:p>
+            <a:pPr algn="ctr"/>
+            <a:r>
+              <a:rPr lang="en-US" sz="1400" dirty="0"/>
+              <a:t>of cases</a:t>
+            </a:r>
+            <a:endParaRPr lang="en-US" dirty="0"/>
+          </a:p>
+        </p:txBody>
+      </p:sp>
+      <p:sp>
+        <p:nvSpPr>
+          <p:cNvPr id="12" name="Rectangle: Rounded Corners 11">
+            <a:extLst>
+              <a:ext uri="{FF2B5EF4-FFF2-40B4-BE49-F238E27FC236}">
+                <a16:creationId xmlns:a16="http://schemas.microsoft.com/office/drawing/2014/main" id="{C9CAD8C2-985C-408A-B02A-8BCED32AFF37}"/>
+              </a:ext>
+            </a:extLst>
+          </p:cNvPr>
+          <p:cNvSpPr/>
+          <p:nvPr/>
+        </p:nvSpPr>
+        <p:spPr>
+          <a:xfrm>
+            <a:off x="9473949" y="4799605"/>
+            <a:ext cx="1754480" cy="1693072"/>
+          </a:xfrm>
+          <a:prstGeom prst="roundRect">
+            <a:avLst/>
+          </a:prstGeom>
+        </p:spPr>
+        <p:style>
+          <a:lnRef idx="2">
+            <a:schemeClr val="dk1"/>
+          </a:lnRef>
+          <a:fillRef idx="1">
+            <a:schemeClr val="lt1"/>
+          </a:fillRef>
+          <a:effectRef idx="0">
+            <a:schemeClr val="dk1"/>
+          </a:effectRef>
+          <a:fontRef idx="minor">
+            <a:schemeClr val="dk1"/>
+          </a:fontRef>
+        </p:style>
+        <p:txBody>
+          <a:bodyPr rtlCol="0" anchor="ctr">
+            <a:normAutofit fontScale="92500" lnSpcReduction="10000"/>
+          </a:bodyPr>
+          <a:lstStyle/>
+          <a:p>
+            <a:pPr algn="ctr"/>
+            <a:r>
+              <a:rPr lang="en-US" sz="1400" dirty="0"/>
+              <a:t>Increases sentence by average of</a:t>
+            </a:r>
+          </a:p>
+          <a:p>
+            <a:pPr algn="ctr"/>
+            <a:r>
+              <a:rPr lang="en-US" sz="6600" dirty="0"/>
+              <a:t>2.6</a:t>
+            </a:r>
+          </a:p>
+          <a:p>
+            <a:pPr algn="ctr"/>
+            <a:r>
+              <a:rPr lang="en-US" sz="1400" dirty="0"/>
+              <a:t>years</a:t>
+            </a:r>
+            <a:endParaRPr lang="en-US" dirty="0"/>
           </a:p>
         </p:txBody>
       </p:sp>
@@ -11622,7 +11749,7 @@
                   <a:schemeClr val="bg1"/>
                 </a:solidFill>
               </a:rPr>
-              <a:t>Career Offender status is applied in 7% of cases and increases sentences an average of by 12.7 years</a:t>
+              <a:t>Distribution skews heavily towards black offenders</a:t>
             </a:r>
           </a:p>
         </p:txBody>
@@ -11654,8 +11781,8 @@
         </p:blipFill>
         <p:spPr>
           <a:xfrm>
-            <a:off x="6645576" y="1851309"/>
-            <a:ext cx="5047880" cy="3154924"/>
+            <a:off x="6643857" y="1487286"/>
+            <a:ext cx="5051318" cy="3157073"/>
           </a:xfrm>
           <a:prstGeom prst="rect">
             <a:avLst/>
@@ -11664,10 +11791,10 @@
       </p:pic>
       <p:sp>
         <p:nvSpPr>
-          <p:cNvPr id="12" name="TextBox 11">
+          <p:cNvPr id="3" name="TextBox 2">
             <a:extLst>
               <a:ext uri="{FF2B5EF4-FFF2-40B4-BE49-F238E27FC236}">
-                <a16:creationId xmlns:a16="http://schemas.microsoft.com/office/drawing/2014/main" id="{0F326A35-EA1E-4A30-AD4A-58ACDF3C1BA1}"/>
+                <a16:creationId xmlns:a16="http://schemas.microsoft.com/office/drawing/2014/main" id="{DDB58F66-CD44-4CFC-A17F-FA279E375A85}"/>
               </a:ext>
             </a:extLst>
           </p:cNvPr>
@@ -11676,8 +11803,8 @@
         </p:nvSpPr>
         <p:spPr>
           <a:xfrm>
-            <a:off x="6645576" y="882733"/>
-            <a:ext cx="5047880" cy="461665"/>
+            <a:off x="6866186" y="882733"/>
+            <a:ext cx="4606660" cy="461665"/>
           </a:xfrm>
           <a:prstGeom prst="rect">
             <a:avLst/>
@@ -11690,22 +11817,146 @@
           </a:bodyPr>
           <a:lstStyle/>
           <a:p>
-            <a:pPr algn="ctr">
-              <a:spcAft>
-                <a:spcPts val="600"/>
-              </a:spcAft>
-            </a:pPr>
+            <a:pPr algn="ctr"/>
             <a:r>
               <a:rPr lang="en-US" sz="2400" dirty="0"/>
               <a:t>Career Offender Status Applied</a:t>
             </a:r>
+          </a:p>
+        </p:txBody>
+      </p:sp>
+      <p:sp>
+        <p:nvSpPr>
+          <p:cNvPr id="11" name="Rectangle: Rounded Corners 10">
+            <a:extLst>
+              <a:ext uri="{FF2B5EF4-FFF2-40B4-BE49-F238E27FC236}">
+                <a16:creationId xmlns:a16="http://schemas.microsoft.com/office/drawing/2014/main" id="{092FD124-60D7-4DA1-816D-52308CCC12D8}"/>
+              </a:ext>
+            </a:extLst>
+          </p:cNvPr>
+          <p:cNvSpPr/>
+          <p:nvPr/>
+        </p:nvSpPr>
+        <p:spPr>
+          <a:xfrm>
+            <a:off x="7301183" y="4792771"/>
+            <a:ext cx="1754480" cy="1693072"/>
+          </a:xfrm>
+          <a:prstGeom prst="roundRect">
+            <a:avLst/>
+          </a:prstGeom>
+        </p:spPr>
+        <p:style>
+          <a:lnRef idx="2">
+            <a:schemeClr val="dk1"/>
+          </a:lnRef>
+          <a:fillRef idx="1">
+            <a:schemeClr val="lt1"/>
+          </a:fillRef>
+          <a:effectRef idx="0">
+            <a:schemeClr val="dk1"/>
+          </a:effectRef>
+          <a:fontRef idx="minor">
+            <a:schemeClr val="dk1"/>
+          </a:fontRef>
+        </p:style>
+        <p:txBody>
+          <a:bodyPr rtlCol="0" anchor="ctr">
+            <a:normAutofit/>
+          </a:bodyPr>
+          <a:lstStyle/>
+          <a:p>
+            <a:pPr algn="ctr"/>
+            <a:r>
+              <a:rPr lang="en-US" sz="1400" dirty="0"/>
+              <a:t>Applied in</a:t>
+            </a:r>
+          </a:p>
+          <a:p>
+            <a:pPr algn="ctr"/>
+            <a:r>
+              <a:rPr lang="en-US" sz="6600" dirty="0"/>
+              <a:t>7%</a:t>
+            </a:r>
+          </a:p>
+          <a:p>
+            <a:pPr algn="ctr"/>
+            <a:r>
+              <a:rPr lang="en-US" sz="1400" dirty="0"/>
+              <a:t>of cases</a:t>
+            </a:r>
+            <a:endParaRPr lang="en-US" dirty="0"/>
+          </a:p>
+        </p:txBody>
+      </p:sp>
+      <p:sp>
+        <p:nvSpPr>
+          <p:cNvPr id="12" name="Rectangle: Rounded Corners 11">
+            <a:extLst>
+              <a:ext uri="{FF2B5EF4-FFF2-40B4-BE49-F238E27FC236}">
+                <a16:creationId xmlns:a16="http://schemas.microsoft.com/office/drawing/2014/main" id="{C9CAD8C2-985C-408A-B02A-8BCED32AFF37}"/>
+              </a:ext>
+            </a:extLst>
+          </p:cNvPr>
+          <p:cNvSpPr/>
+          <p:nvPr/>
+        </p:nvSpPr>
+        <p:spPr>
+          <a:xfrm>
+            <a:off x="9473949" y="4799605"/>
+            <a:ext cx="1754480" cy="1693072"/>
+          </a:xfrm>
+          <a:prstGeom prst="roundRect">
+            <a:avLst/>
+          </a:prstGeom>
+        </p:spPr>
+        <p:style>
+          <a:lnRef idx="2">
+            <a:schemeClr val="dk1"/>
+          </a:lnRef>
+          <a:fillRef idx="1">
+            <a:schemeClr val="lt1"/>
+          </a:fillRef>
+          <a:effectRef idx="0">
+            <a:schemeClr val="dk1"/>
+          </a:effectRef>
+          <a:fontRef idx="minor">
+            <a:schemeClr val="dk1"/>
+          </a:fontRef>
+        </p:style>
+        <p:txBody>
+          <a:bodyPr rtlCol="0" anchor="ctr">
+            <a:normAutofit fontScale="92500" lnSpcReduction="10000"/>
+          </a:bodyPr>
+          <a:lstStyle/>
+          <a:p>
+            <a:pPr algn="ctr"/>
+            <a:r>
+              <a:rPr lang="en-US" sz="1400" dirty="0"/>
+              <a:t>Increases sentence by average of</a:t>
+            </a:r>
+          </a:p>
+          <a:p>
+            <a:pPr algn="ctr"/>
+            <a:r>
+              <a:rPr lang="en-US" sz="6600" dirty="0"/>
+              <a:t>12.7</a:t>
+            </a:r>
+          </a:p>
+          <a:p>
+            <a:pPr algn="ctr"/>
+            <a:r>
+              <a:rPr lang="en-US" sz="1400" dirty="0"/>
+              <a:t>years</a:t>
+            </a:r>
+            <a:endParaRPr lang="en-US" dirty="0"/>
           </a:p>
         </p:txBody>
       </p:sp>
     </p:spTree>
     <p:extLst>
       <p:ext uri="{BB962C8B-B14F-4D97-AF65-F5344CB8AC3E}">
-        <p14:creationId xmlns:p14="http://schemas.microsoft.com/office/powerpoint/2010/main" val="4064713189"/>
+        <p14:creationId xmlns:p14="http://schemas.microsoft.com/office/powerpoint/2010/main" val="3715800747"/>
       </p:ext>
     </p:extLst>
   </p:cSld>
@@ -13690,14 +13941,14 @@
           </a:bodyPr>
           <a:lstStyle/>
           <a:p>
-            <a:pPr marL="285750" indent="-285750" algn="just"/>
+            <a:pPr marL="285750" indent="-285750"/>
             <a:r>
               <a:rPr lang="en-US" sz="2000" dirty="0">
                 <a:solidFill>
                   <a:schemeClr val="bg1"/>
                 </a:solidFill>
               </a:rPr>
-              <a:t>Armed Career Offender status is applied in only 2% of cases, but increases sentences an average of by 25.3 years</a:t>
+              <a:t>Distribution skews even further toward black offenders</a:t>
             </a:r>
           </a:p>
         </p:txBody>
@@ -13729,8 +13980,8 @@
         </p:blipFill>
         <p:spPr>
           <a:xfrm>
-            <a:off x="6645576" y="1851309"/>
-            <a:ext cx="5047880" cy="3154924"/>
+            <a:off x="6643857" y="1487286"/>
+            <a:ext cx="5051317" cy="3157073"/>
           </a:xfrm>
           <a:prstGeom prst="rect">
             <a:avLst/>
@@ -13739,10 +13990,10 @@
       </p:pic>
       <p:sp>
         <p:nvSpPr>
-          <p:cNvPr id="12" name="TextBox 11">
+          <p:cNvPr id="3" name="TextBox 2">
             <a:extLst>
               <a:ext uri="{FF2B5EF4-FFF2-40B4-BE49-F238E27FC236}">
-                <a16:creationId xmlns:a16="http://schemas.microsoft.com/office/drawing/2014/main" id="{0F326A35-EA1E-4A30-AD4A-58ACDF3C1BA1}"/>
+                <a16:creationId xmlns:a16="http://schemas.microsoft.com/office/drawing/2014/main" id="{DDB58F66-CD44-4CFC-A17F-FA279E375A85}"/>
               </a:ext>
             </a:extLst>
           </p:cNvPr>
@@ -13751,8 +14002,8 @@
         </p:nvSpPr>
         <p:spPr>
           <a:xfrm>
-            <a:off x="6645576" y="894553"/>
-            <a:ext cx="5047880" cy="461665"/>
+            <a:off x="6577421" y="882733"/>
+            <a:ext cx="5117754" cy="461665"/>
           </a:xfrm>
           <a:prstGeom prst="rect">
             <a:avLst/>
@@ -13765,22 +14016,146 @@
           </a:bodyPr>
           <a:lstStyle/>
           <a:p>
-            <a:pPr algn="ctr">
-              <a:spcAft>
-                <a:spcPts val="600"/>
-              </a:spcAft>
-            </a:pPr>
+            <a:pPr algn="ctr"/>
             <a:r>
               <a:rPr lang="en-US" sz="2400" dirty="0"/>
               <a:t>Armed Career Offender Status Applied</a:t>
             </a:r>
+          </a:p>
+        </p:txBody>
+      </p:sp>
+      <p:sp>
+        <p:nvSpPr>
+          <p:cNvPr id="11" name="Rectangle: Rounded Corners 10">
+            <a:extLst>
+              <a:ext uri="{FF2B5EF4-FFF2-40B4-BE49-F238E27FC236}">
+                <a16:creationId xmlns:a16="http://schemas.microsoft.com/office/drawing/2014/main" id="{092FD124-60D7-4DA1-816D-52308CCC12D8}"/>
+              </a:ext>
+            </a:extLst>
+          </p:cNvPr>
+          <p:cNvSpPr/>
+          <p:nvPr/>
+        </p:nvSpPr>
+        <p:spPr>
+          <a:xfrm>
+            <a:off x="7301183" y="4792771"/>
+            <a:ext cx="1754480" cy="1693072"/>
+          </a:xfrm>
+          <a:prstGeom prst="roundRect">
+            <a:avLst/>
+          </a:prstGeom>
+        </p:spPr>
+        <p:style>
+          <a:lnRef idx="2">
+            <a:schemeClr val="dk1"/>
+          </a:lnRef>
+          <a:fillRef idx="1">
+            <a:schemeClr val="lt1"/>
+          </a:fillRef>
+          <a:effectRef idx="0">
+            <a:schemeClr val="dk1"/>
+          </a:effectRef>
+          <a:fontRef idx="minor">
+            <a:schemeClr val="dk1"/>
+          </a:fontRef>
+        </p:style>
+        <p:txBody>
+          <a:bodyPr rtlCol="0" anchor="ctr">
+            <a:normAutofit/>
+          </a:bodyPr>
+          <a:lstStyle/>
+          <a:p>
+            <a:pPr algn="ctr"/>
+            <a:r>
+              <a:rPr lang="en-US" sz="1400" dirty="0"/>
+              <a:t>Applied in</a:t>
+            </a:r>
+          </a:p>
+          <a:p>
+            <a:pPr algn="ctr"/>
+            <a:r>
+              <a:rPr lang="en-US" sz="6600" dirty="0"/>
+              <a:t>2%</a:t>
+            </a:r>
+          </a:p>
+          <a:p>
+            <a:pPr algn="ctr"/>
+            <a:r>
+              <a:rPr lang="en-US" sz="1400" dirty="0"/>
+              <a:t>of cases</a:t>
+            </a:r>
+            <a:endParaRPr lang="en-US" dirty="0"/>
+          </a:p>
+        </p:txBody>
+      </p:sp>
+      <p:sp>
+        <p:nvSpPr>
+          <p:cNvPr id="12" name="Rectangle: Rounded Corners 11">
+            <a:extLst>
+              <a:ext uri="{FF2B5EF4-FFF2-40B4-BE49-F238E27FC236}">
+                <a16:creationId xmlns:a16="http://schemas.microsoft.com/office/drawing/2014/main" id="{C9CAD8C2-985C-408A-B02A-8BCED32AFF37}"/>
+              </a:ext>
+            </a:extLst>
+          </p:cNvPr>
+          <p:cNvSpPr/>
+          <p:nvPr/>
+        </p:nvSpPr>
+        <p:spPr>
+          <a:xfrm>
+            <a:off x="9473949" y="4799605"/>
+            <a:ext cx="1754480" cy="1693072"/>
+          </a:xfrm>
+          <a:prstGeom prst="roundRect">
+            <a:avLst/>
+          </a:prstGeom>
+        </p:spPr>
+        <p:style>
+          <a:lnRef idx="2">
+            <a:schemeClr val="dk1"/>
+          </a:lnRef>
+          <a:fillRef idx="1">
+            <a:schemeClr val="lt1"/>
+          </a:fillRef>
+          <a:effectRef idx="0">
+            <a:schemeClr val="dk1"/>
+          </a:effectRef>
+          <a:fontRef idx="minor">
+            <a:schemeClr val="dk1"/>
+          </a:fontRef>
+        </p:style>
+        <p:txBody>
+          <a:bodyPr rtlCol="0" anchor="ctr">
+            <a:normAutofit fontScale="92500" lnSpcReduction="10000"/>
+          </a:bodyPr>
+          <a:lstStyle/>
+          <a:p>
+            <a:pPr algn="ctr"/>
+            <a:r>
+              <a:rPr lang="en-US" sz="1400" dirty="0"/>
+              <a:t>Increases sentence by average of</a:t>
+            </a:r>
+          </a:p>
+          <a:p>
+            <a:pPr algn="ctr"/>
+            <a:r>
+              <a:rPr lang="en-US" sz="6600" dirty="0"/>
+              <a:t>25.3</a:t>
+            </a:r>
+          </a:p>
+          <a:p>
+            <a:pPr algn="ctr"/>
+            <a:r>
+              <a:rPr lang="en-US" sz="1400" dirty="0"/>
+              <a:t>years</a:t>
+            </a:r>
+            <a:endParaRPr lang="en-US" dirty="0"/>
           </a:p>
         </p:txBody>
       </p:sp>
     </p:spTree>
     <p:extLst>
       <p:ext uri="{BB962C8B-B14F-4D97-AF65-F5344CB8AC3E}">
-        <p14:creationId xmlns:p14="http://schemas.microsoft.com/office/powerpoint/2010/main" val="2508452652"/>
+        <p14:creationId xmlns:p14="http://schemas.microsoft.com/office/powerpoint/2010/main" val="2303565138"/>
       </p:ext>
     </p:extLst>
   </p:cSld>
@@ -14497,25 +14872,25 @@
           </a:bodyPr>
           <a:lstStyle/>
           <a:p>
-            <a:pPr marL="285750" indent="-285750" algn="just"/>
+            <a:pPr marL="285750" indent="-285750"/>
             <a:r>
               <a:rPr lang="en-US" sz="2000" dirty="0">
                 <a:solidFill>
                   <a:schemeClr val="bg1"/>
                 </a:solidFill>
               </a:rPr>
-              <a:t>The safety valve is applied in approximately 19% of drug offenses involving 2 or less drugs and reduces sentences by an average of 7.2 years</a:t>
+              <a:t>Disproportionately applied to white and Hispanic offenders</a:t>
             </a:r>
           </a:p>
           <a:p>
-            <a:pPr marL="285750" indent="-285750" algn="just"/>
+            <a:pPr marL="285750" indent="-285750"/>
             <a:r>
               <a:rPr lang="en-US" sz="2000" dirty="0">
                 <a:solidFill>
                   <a:schemeClr val="bg1"/>
                 </a:solidFill>
               </a:rPr>
-              <a:t>Safety valve offenders have an average of 2025x the drugs of non-safety valve offenders</a:t>
+              <a:t>Note: Safety valve offenders have an average of 2025x the drugs of non-safety valve offenders</a:t>
             </a:r>
           </a:p>
         </p:txBody>
@@ -14542,12 +14917,13 @@
               </a:ext>
             </a:extLst>
           </a:blip>
+          <a:srcRect/>
           <a:stretch/>
         </p:blipFill>
         <p:spPr>
           <a:xfrm>
-            <a:off x="6643856" y="1850234"/>
-            <a:ext cx="5051320" cy="3157074"/>
+            <a:off x="6643857" y="1487286"/>
+            <a:ext cx="5051317" cy="3157072"/>
           </a:xfrm>
           <a:prstGeom prst="rect">
             <a:avLst/>
@@ -14556,10 +14932,10 @@
       </p:pic>
       <p:sp>
         <p:nvSpPr>
-          <p:cNvPr id="12" name="TextBox 11">
+          <p:cNvPr id="3" name="TextBox 2">
             <a:extLst>
               <a:ext uri="{FF2B5EF4-FFF2-40B4-BE49-F238E27FC236}">
-                <a16:creationId xmlns:a16="http://schemas.microsoft.com/office/drawing/2014/main" id="{0F326A35-EA1E-4A30-AD4A-58ACDF3C1BA1}"/>
+                <a16:creationId xmlns:a16="http://schemas.microsoft.com/office/drawing/2014/main" id="{DDB58F66-CD44-4CFC-A17F-FA279E375A85}"/>
               </a:ext>
             </a:extLst>
           </p:cNvPr>
@@ -14568,8 +14944,8 @@
         </p:nvSpPr>
         <p:spPr>
           <a:xfrm>
-            <a:off x="6373390" y="882733"/>
-            <a:ext cx="5051320" cy="461665"/>
+            <a:off x="6577421" y="882733"/>
+            <a:ext cx="5117754" cy="461665"/>
           </a:xfrm>
           <a:prstGeom prst="rect">
             <a:avLst/>
@@ -14582,22 +14958,150 @@
           </a:bodyPr>
           <a:lstStyle/>
           <a:p>
-            <a:pPr algn="ctr">
-              <a:spcAft>
-                <a:spcPts val="600"/>
-              </a:spcAft>
-            </a:pPr>
+            <a:pPr algn="ctr"/>
             <a:r>
               <a:rPr lang="en-US" sz="2400" dirty="0"/>
-              <a:t>Safety Valve Applied</a:t>
+              <a:t>Safety Valve Measure Applied</a:t>
             </a:r>
+          </a:p>
+        </p:txBody>
+      </p:sp>
+      <p:sp>
+        <p:nvSpPr>
+          <p:cNvPr id="11" name="Rectangle: Rounded Corners 10">
+            <a:extLst>
+              <a:ext uri="{FF2B5EF4-FFF2-40B4-BE49-F238E27FC236}">
+                <a16:creationId xmlns:a16="http://schemas.microsoft.com/office/drawing/2014/main" id="{092FD124-60D7-4DA1-816D-52308CCC12D8}"/>
+              </a:ext>
+            </a:extLst>
+          </p:cNvPr>
+          <p:cNvSpPr/>
+          <p:nvPr/>
+        </p:nvSpPr>
+        <p:spPr>
+          <a:xfrm>
+            <a:off x="7301183" y="4792771"/>
+            <a:ext cx="1754480" cy="1693072"/>
+          </a:xfrm>
+          <a:prstGeom prst="roundRect">
+            <a:avLst/>
+          </a:prstGeom>
+        </p:spPr>
+        <p:style>
+          <a:lnRef idx="2">
+            <a:schemeClr val="dk1"/>
+          </a:lnRef>
+          <a:fillRef idx="1">
+            <a:schemeClr val="lt1"/>
+          </a:fillRef>
+          <a:effectRef idx="0">
+            <a:schemeClr val="dk1"/>
+          </a:effectRef>
+          <a:fontRef idx="minor">
+            <a:schemeClr val="dk1"/>
+          </a:fontRef>
+        </p:style>
+        <p:txBody>
+          <a:bodyPr rtlCol="0" anchor="ctr">
+            <a:normAutofit fontScale="92500"/>
+          </a:bodyPr>
+          <a:lstStyle/>
+          <a:p>
+            <a:pPr algn="ctr"/>
+            <a:r>
+              <a:rPr lang="en-US" sz="1400" dirty="0"/>
+              <a:t>Applied in</a:t>
+            </a:r>
+          </a:p>
+          <a:p>
+            <a:pPr algn="ctr"/>
+            <a:r>
+              <a:rPr lang="en-US" sz="6600" dirty="0"/>
+              <a:t>19%</a:t>
+            </a:r>
+          </a:p>
+          <a:p>
+            <a:pPr algn="ctr"/>
+            <a:r>
+              <a:rPr lang="en-US" sz="1300" dirty="0"/>
+              <a:t>of drug cases</a:t>
+            </a:r>
+            <a:endParaRPr lang="en-US" sz="1700" dirty="0"/>
+          </a:p>
+        </p:txBody>
+      </p:sp>
+      <p:sp>
+        <p:nvSpPr>
+          <p:cNvPr id="12" name="Rectangle: Rounded Corners 11">
+            <a:extLst>
+              <a:ext uri="{FF2B5EF4-FFF2-40B4-BE49-F238E27FC236}">
+                <a16:creationId xmlns:a16="http://schemas.microsoft.com/office/drawing/2014/main" id="{C9CAD8C2-985C-408A-B02A-8BCED32AFF37}"/>
+              </a:ext>
+            </a:extLst>
+          </p:cNvPr>
+          <p:cNvSpPr/>
+          <p:nvPr/>
+        </p:nvSpPr>
+        <p:spPr>
+          <a:xfrm>
+            <a:off x="9473949" y="4799605"/>
+            <a:ext cx="1754480" cy="1693072"/>
+          </a:xfrm>
+          <a:prstGeom prst="roundRect">
+            <a:avLst/>
+          </a:prstGeom>
+        </p:spPr>
+        <p:style>
+          <a:lnRef idx="2">
+            <a:schemeClr val="dk1"/>
+          </a:lnRef>
+          <a:fillRef idx="1">
+            <a:schemeClr val="lt1"/>
+          </a:fillRef>
+          <a:effectRef idx="0">
+            <a:schemeClr val="dk1"/>
+          </a:effectRef>
+          <a:fontRef idx="minor">
+            <a:schemeClr val="dk1"/>
+          </a:fontRef>
+        </p:style>
+        <p:txBody>
+          <a:bodyPr rtlCol="0" anchor="ctr">
+            <a:normAutofit fontScale="92500" lnSpcReduction="10000"/>
+          </a:bodyPr>
+          <a:lstStyle/>
+          <a:p>
+            <a:pPr algn="ctr"/>
+            <a:r>
+              <a:rPr lang="en-US" sz="1400" b="1" dirty="0"/>
+              <a:t>Reduces</a:t>
+            </a:r>
+            <a:r>
+              <a:rPr lang="en-US" sz="1400" dirty="0"/>
+              <a:t> sentence by average of</a:t>
+            </a:r>
+          </a:p>
+          <a:p>
+            <a:pPr algn="ctr"/>
+            <a:r>
+              <a:rPr lang="en-US" sz="6600" dirty="0"/>
+              <a:t>7.2</a:t>
+            </a:r>
+          </a:p>
+          <a:p>
+            <a:pPr algn="ctr"/>
+            <a:r>
+              <a:rPr lang="en-US" sz="1400" dirty="0"/>
+              <a:t>years</a:t>
+            </a:r>
+            <a:endParaRPr lang="en-US" dirty="0"/>
           </a:p>
         </p:txBody>
       </p:sp>
     </p:spTree>
     <p:extLst>
       <p:ext uri="{BB962C8B-B14F-4D97-AF65-F5344CB8AC3E}">
-        <p14:creationId xmlns:p14="http://schemas.microsoft.com/office/powerpoint/2010/main" val="1952991284"/>
+        <p14:creationId xmlns:p14="http://schemas.microsoft.com/office/powerpoint/2010/main" val="1885620330"/>
       </p:ext>
     </p:extLst>
   </p:cSld>
@@ -14608,714 +15112,6 @@
 </file>
 
 <file path=ppt/slides/slide22.xml><?xml version="1.0" encoding="utf-8"?>
-<p:sld xmlns:a="http://schemas.openxmlformats.org/drawingml/2006/main" xmlns:r="http://schemas.openxmlformats.org/officeDocument/2006/relationships" xmlns:p="http://schemas.openxmlformats.org/presentationml/2006/main">
-  <p:cSld>
-    <p:bg>
-      <p:bgPr>
-        <a:solidFill>
-          <a:schemeClr val="bg1"/>
-        </a:solidFill>
-        <a:effectLst/>
-      </p:bgPr>
-    </p:bg>
-    <p:spTree>
-      <p:nvGrpSpPr>
-        <p:cNvPr id="1" name=""/>
-        <p:cNvGrpSpPr/>
-        <p:nvPr/>
-      </p:nvGrpSpPr>
-      <p:grpSpPr>
-        <a:xfrm>
-          <a:off x="0" y="0"/>
-          <a:ext cx="0" cy="0"/>
-          <a:chOff x="0" y="0"/>
-          <a:chExt cx="0" cy="0"/>
-        </a:xfrm>
-      </p:grpSpPr>
-      <p:sp useBgFill="1">
-        <p:nvSpPr>
-          <p:cNvPr id="8" name="Rectangle 7">
-            <a:extLst>
-              <a:ext uri="{FF2B5EF4-FFF2-40B4-BE49-F238E27FC236}">
-                <a16:creationId xmlns:a16="http://schemas.microsoft.com/office/drawing/2014/main" id="{1557A916-FDD1-44A1-A7A1-70009FD6BE46}"/>
-              </a:ext>
-              <a:ext uri="{C183D7F6-B498-43B3-948B-1728B52AA6E4}">
-                <adec:decorative xmlns:adec="http://schemas.microsoft.com/office/drawing/2017/decorative" val="1"/>
-              </a:ext>
-            </a:extLst>
-          </p:cNvPr>
-          <p:cNvSpPr>
-            <a:spLocks noGrp="1" noRot="1" noChangeAspect="1" noMove="1" noResize="1" noEditPoints="1" noAdjustHandles="1" noChangeArrowheads="1" noChangeShapeType="1" noTextEdit="1"/>
-          </p:cNvSpPr>
-          <p:nvPr>
-            <p:extLst>
-              <p:ext uri="{386F3935-93C4-4BCD-93E2-E3B085C9AB24}">
-                <p16:designElem xmlns:p16="http://schemas.microsoft.com/office/powerpoint/2015/main" val="1"/>
-              </p:ext>
-            </p:extLst>
-          </p:nvPr>
-        </p:nvSpPr>
-        <p:spPr>
-          <a:xfrm>
-            <a:off x="0" y="0"/>
-            <a:ext cx="12192000" cy="6858000"/>
-          </a:xfrm>
-          <a:prstGeom prst="rect">
-            <a:avLst/>
-          </a:prstGeom>
-          <a:ln>
-            <a:noFill/>
-          </a:ln>
-        </p:spPr>
-        <p:style>
-          <a:lnRef idx="2">
-            <a:schemeClr val="accent1">
-              <a:shade val="50000"/>
-            </a:schemeClr>
-          </a:lnRef>
-          <a:fillRef idx="1">
-            <a:schemeClr val="accent1"/>
-          </a:fillRef>
-          <a:effectRef idx="0">
-            <a:schemeClr val="accent1"/>
-          </a:effectRef>
-          <a:fontRef idx="minor">
-            <a:schemeClr val="lt1"/>
-          </a:fontRef>
-        </p:style>
-        <p:txBody>
-          <a:bodyPr rtlCol="0" anchor="ctr"/>
-          <a:lstStyle/>
-          <a:p>
-            <a:pPr algn="ctr"/>
-            <a:endParaRPr lang="en-US"/>
-          </a:p>
-        </p:txBody>
-      </p:sp>
-      <p:sp>
-        <p:nvSpPr>
-          <p:cNvPr id="2" name="Title 1">
-            <a:extLst>
-              <a:ext uri="{FF2B5EF4-FFF2-40B4-BE49-F238E27FC236}">
-                <a16:creationId xmlns:a16="http://schemas.microsoft.com/office/drawing/2014/main" id="{BC0C6EAF-EDF9-4C47-9CD0-4AA3B76E6E66}"/>
-              </a:ext>
-            </a:extLst>
-          </p:cNvPr>
-          <p:cNvSpPr>
-            <a:spLocks noGrp="1"/>
-          </p:cNvSpPr>
-          <p:nvPr>
-            <p:ph type="title"/>
-          </p:nvPr>
-        </p:nvSpPr>
-        <p:spPr>
-          <a:xfrm>
-            <a:off x="8006085" y="1470990"/>
-            <a:ext cx="3689091" cy="3777665"/>
-          </a:xfrm>
-        </p:spPr>
-        <p:txBody>
-          <a:bodyPr anchor="t">
-            <a:normAutofit/>
-          </a:bodyPr>
-          <a:lstStyle/>
-          <a:p>
-            <a:r>
-              <a:rPr lang="en-US" dirty="0"/>
-              <a:t>Sentence Enhancements &amp; Mitigation</a:t>
-            </a:r>
-          </a:p>
-        </p:txBody>
-      </p:sp>
-      <p:sp>
-        <p:nvSpPr>
-          <p:cNvPr id="10" name="Freeform: Shape 9">
-            <a:extLst>
-              <a:ext uri="{FF2B5EF4-FFF2-40B4-BE49-F238E27FC236}">
-                <a16:creationId xmlns:a16="http://schemas.microsoft.com/office/drawing/2014/main" id="{4B874C19-9B23-4B12-823E-D67615A9B3AC}"/>
-              </a:ext>
-              <a:ext uri="{C183D7F6-B498-43B3-948B-1728B52AA6E4}">
-                <adec:decorative xmlns:adec="http://schemas.microsoft.com/office/drawing/2017/decorative" val="1"/>
-              </a:ext>
-            </a:extLst>
-          </p:cNvPr>
-          <p:cNvSpPr>
-            <a:spLocks noGrp="1" noRot="1" noChangeAspect="1" noMove="1" noResize="1" noEditPoints="1" noAdjustHandles="1" noChangeArrowheads="1" noChangeShapeType="1" noTextEdit="1"/>
-          </p:cNvSpPr>
-          <p:nvPr>
-            <p:extLst>
-              <p:ext uri="{386F3935-93C4-4BCD-93E2-E3B085C9AB24}">
-                <p16:designElem xmlns:p16="http://schemas.microsoft.com/office/powerpoint/2015/main" val="1"/>
-              </p:ext>
-            </p:extLst>
-          </p:nvPr>
-        </p:nvSpPr>
-        <p:spPr>
-          <a:xfrm>
-            <a:off x="0" y="0"/>
-            <a:ext cx="7743949" cy="6858000"/>
-          </a:xfrm>
-          <a:custGeom>
-            <a:avLst/>
-            <a:gdLst>
-              <a:gd name="connsiteX0" fmla="*/ 956085 w 7743949"/>
-              <a:gd name="connsiteY0" fmla="*/ 2071857 h 6858000"/>
-              <a:gd name="connsiteX1" fmla="*/ 4999548 w 7743949"/>
-              <a:gd name="connsiteY1" fmla="*/ 2071857 h 6858000"/>
-              <a:gd name="connsiteX2" fmla="*/ 5619604 w 7743949"/>
-              <a:gd name="connsiteY2" fmla="*/ 2437296 h 6858000"/>
-              <a:gd name="connsiteX3" fmla="*/ 7645701 w 7743949"/>
-              <a:gd name="connsiteY3" fmla="*/ 5926372 h 6858000"/>
-              <a:gd name="connsiteX4" fmla="*/ 7645701 w 7743949"/>
-              <a:gd name="connsiteY4" fmla="*/ 6639850 h 6858000"/>
-              <a:gd name="connsiteX5" fmla="*/ 7538856 w 7743949"/>
-              <a:gd name="connsiteY5" fmla="*/ 6823844 h 6858000"/>
-              <a:gd name="connsiteX6" fmla="*/ 7519022 w 7743949"/>
-              <a:gd name="connsiteY6" fmla="*/ 6858000 h 6858000"/>
-              <a:gd name="connsiteX7" fmla="*/ 0 w 7743949"/>
-              <a:gd name="connsiteY7" fmla="*/ 6858000 h 6858000"/>
-              <a:gd name="connsiteX8" fmla="*/ 0 w 7743949"/>
-              <a:gd name="connsiteY8" fmla="*/ 3003362 h 6858000"/>
-              <a:gd name="connsiteX9" fmla="*/ 144017 w 7743949"/>
-              <a:gd name="connsiteY9" fmla="*/ 2754282 h 6858000"/>
-              <a:gd name="connsiteX10" fmla="*/ 327296 w 7743949"/>
-              <a:gd name="connsiteY10" fmla="*/ 2437296 h 6858000"/>
-              <a:gd name="connsiteX11" fmla="*/ 956085 w 7743949"/>
-              <a:gd name="connsiteY11" fmla="*/ 2071857 h 6858000"/>
-              <a:gd name="connsiteX12" fmla="*/ 6281397 w 7743949"/>
-              <a:gd name="connsiteY12" fmla="*/ 1163923 h 6858000"/>
-              <a:gd name="connsiteX13" fmla="*/ 7148441 w 7743949"/>
-              <a:gd name="connsiteY13" fmla="*/ 1163923 h 6858000"/>
-              <a:gd name="connsiteX14" fmla="*/ 7281401 w 7743949"/>
-              <a:gd name="connsiteY14" fmla="*/ 1242285 h 6858000"/>
-              <a:gd name="connsiteX15" fmla="*/ 7715859 w 7743949"/>
-              <a:gd name="connsiteY15" fmla="*/ 1990451 h 6858000"/>
-              <a:gd name="connsiteX16" fmla="*/ 7715859 w 7743949"/>
-              <a:gd name="connsiteY16" fmla="*/ 2143443 h 6858000"/>
-              <a:gd name="connsiteX17" fmla="*/ 7281401 w 7743949"/>
-              <a:gd name="connsiteY17" fmla="*/ 2891610 h 6858000"/>
-              <a:gd name="connsiteX18" fmla="*/ 7148441 w 7743949"/>
-              <a:gd name="connsiteY18" fmla="*/ 2969971 h 6858000"/>
-              <a:gd name="connsiteX19" fmla="*/ 6281397 w 7743949"/>
-              <a:gd name="connsiteY19" fmla="*/ 2969971 h 6858000"/>
-              <a:gd name="connsiteX20" fmla="*/ 6146565 w 7743949"/>
-              <a:gd name="connsiteY20" fmla="*/ 2891610 h 6858000"/>
-              <a:gd name="connsiteX21" fmla="*/ 5713979 w 7743949"/>
-              <a:gd name="connsiteY21" fmla="*/ 2143443 h 6858000"/>
-              <a:gd name="connsiteX22" fmla="*/ 5713979 w 7743949"/>
-              <a:gd name="connsiteY22" fmla="*/ 1990451 h 6858000"/>
-              <a:gd name="connsiteX23" fmla="*/ 6146565 w 7743949"/>
-              <a:gd name="connsiteY23" fmla="*/ 1242285 h 6858000"/>
-              <a:gd name="connsiteX24" fmla="*/ 6281397 w 7743949"/>
-              <a:gd name="connsiteY24" fmla="*/ 1163923 h 6858000"/>
-              <a:gd name="connsiteX25" fmla="*/ 0 w 7743949"/>
-              <a:gd name="connsiteY25" fmla="*/ 0 h 6858000"/>
-              <a:gd name="connsiteX26" fmla="*/ 6600525 w 7743949"/>
-              <a:gd name="connsiteY26" fmla="*/ 0 h 6858000"/>
-              <a:gd name="connsiteX27" fmla="*/ 6486618 w 7743949"/>
-              <a:gd name="connsiteY27" fmla="*/ 196155 h 6858000"/>
-              <a:gd name="connsiteX28" fmla="*/ 5677553 w 7743949"/>
-              <a:gd name="connsiteY28" fmla="*/ 1589421 h 6858000"/>
-              <a:gd name="connsiteX29" fmla="*/ 5057496 w 7743949"/>
-              <a:gd name="connsiteY29" fmla="*/ 1954861 h 6858000"/>
-              <a:gd name="connsiteX30" fmla="*/ 1014033 w 7743949"/>
-              <a:gd name="connsiteY30" fmla="*/ 1954861 h 6858000"/>
-              <a:gd name="connsiteX31" fmla="*/ 385244 w 7743949"/>
-              <a:gd name="connsiteY31" fmla="*/ 1589421 h 6858000"/>
-              <a:gd name="connsiteX32" fmla="*/ 69234 w 7743949"/>
-              <a:gd name="connsiteY32" fmla="*/ 1042874 h 6858000"/>
-              <a:gd name="connsiteX33" fmla="*/ 0 w 7743949"/>
-              <a:gd name="connsiteY33" fmla="*/ 923133 h 6858000"/>
-            </a:gdLst>
-            <a:ahLst/>
-            <a:cxnLst>
-              <a:cxn ang="0">
-                <a:pos x="connsiteX0" y="connsiteY0"/>
-              </a:cxn>
-              <a:cxn ang="0">
-                <a:pos x="connsiteX1" y="connsiteY1"/>
-              </a:cxn>
-              <a:cxn ang="0">
-                <a:pos x="connsiteX2" y="connsiteY2"/>
-              </a:cxn>
-              <a:cxn ang="0">
-                <a:pos x="connsiteX3" y="connsiteY3"/>
-              </a:cxn>
-              <a:cxn ang="0">
-                <a:pos x="connsiteX4" y="connsiteY4"/>
-              </a:cxn>
-              <a:cxn ang="0">
-                <a:pos x="connsiteX5" y="connsiteY5"/>
-              </a:cxn>
-              <a:cxn ang="0">
-                <a:pos x="connsiteX6" y="connsiteY6"/>
-              </a:cxn>
-              <a:cxn ang="0">
-                <a:pos x="connsiteX7" y="connsiteY7"/>
-              </a:cxn>
-              <a:cxn ang="0">
-                <a:pos x="connsiteX8" y="connsiteY8"/>
-              </a:cxn>
-              <a:cxn ang="0">
-                <a:pos x="connsiteX9" y="connsiteY9"/>
-              </a:cxn>
-              <a:cxn ang="0">
-                <a:pos x="connsiteX10" y="connsiteY10"/>
-              </a:cxn>
-              <a:cxn ang="0">
-                <a:pos x="connsiteX11" y="connsiteY11"/>
-              </a:cxn>
-              <a:cxn ang="0">
-                <a:pos x="connsiteX12" y="connsiteY12"/>
-              </a:cxn>
-              <a:cxn ang="0">
-                <a:pos x="connsiteX13" y="connsiteY13"/>
-              </a:cxn>
-              <a:cxn ang="0">
-                <a:pos x="connsiteX14" y="connsiteY14"/>
-              </a:cxn>
-              <a:cxn ang="0">
-                <a:pos x="connsiteX15" y="connsiteY15"/>
-              </a:cxn>
-              <a:cxn ang="0">
-                <a:pos x="connsiteX16" y="connsiteY16"/>
-              </a:cxn>
-              <a:cxn ang="0">
-                <a:pos x="connsiteX17" y="connsiteY17"/>
-              </a:cxn>
-              <a:cxn ang="0">
-                <a:pos x="connsiteX18" y="connsiteY18"/>
-              </a:cxn>
-              <a:cxn ang="0">
-                <a:pos x="connsiteX19" y="connsiteY19"/>
-              </a:cxn>
-              <a:cxn ang="0">
-                <a:pos x="connsiteX20" y="connsiteY20"/>
-              </a:cxn>
-              <a:cxn ang="0">
-                <a:pos x="connsiteX21" y="connsiteY21"/>
-              </a:cxn>
-              <a:cxn ang="0">
-                <a:pos x="connsiteX22" y="connsiteY22"/>
-              </a:cxn>
-              <a:cxn ang="0">
-                <a:pos x="connsiteX23" y="connsiteY23"/>
-              </a:cxn>
-              <a:cxn ang="0">
-                <a:pos x="connsiteX24" y="connsiteY24"/>
-              </a:cxn>
-              <a:cxn ang="0">
-                <a:pos x="connsiteX25" y="connsiteY25"/>
-              </a:cxn>
-              <a:cxn ang="0">
-                <a:pos x="connsiteX26" y="connsiteY26"/>
-              </a:cxn>
-              <a:cxn ang="0">
-                <a:pos x="connsiteX27" y="connsiteY27"/>
-              </a:cxn>
-              <a:cxn ang="0">
-                <a:pos x="connsiteX28" y="connsiteY28"/>
-              </a:cxn>
-              <a:cxn ang="0">
-                <a:pos x="connsiteX29" y="connsiteY29"/>
-              </a:cxn>
-              <a:cxn ang="0">
-                <a:pos x="connsiteX30" y="connsiteY30"/>
-              </a:cxn>
-              <a:cxn ang="0">
-                <a:pos x="connsiteX31" y="connsiteY31"/>
-              </a:cxn>
-              <a:cxn ang="0">
-                <a:pos x="connsiteX32" y="connsiteY32"/>
-              </a:cxn>
-              <a:cxn ang="0">
-                <a:pos x="connsiteX33" y="connsiteY33"/>
-              </a:cxn>
-            </a:cxnLst>
-            <a:rect l="l" t="t" r="r" b="b"/>
-            <a:pathLst>
-              <a:path w="7743949" h="6858000">
-                <a:moveTo>
-                  <a:pt x="956085" y="2071857"/>
-                </a:moveTo>
-                <a:cubicBezTo>
-                  <a:pt x="956085" y="2071857"/>
-                  <a:pt x="956085" y="2071857"/>
-                  <a:pt x="4999548" y="2071857"/>
-                </a:cubicBezTo>
-                <a:cubicBezTo>
-                  <a:pt x="5252811" y="2071857"/>
-                  <a:pt x="5497339" y="2211072"/>
-                  <a:pt x="5619604" y="2437296"/>
-                </a:cubicBezTo>
-                <a:cubicBezTo>
-                  <a:pt x="5619604" y="2437296"/>
-                  <a:pt x="5619604" y="2437296"/>
-                  <a:pt x="7645701" y="5926372"/>
-                </a:cubicBezTo>
-                <a:cubicBezTo>
-                  <a:pt x="7776699" y="6143896"/>
-                  <a:pt x="7776699" y="6422327"/>
-                  <a:pt x="7645701" y="6639850"/>
-                </a:cubicBezTo>
-                <a:cubicBezTo>
-                  <a:pt x="7645701" y="6639850"/>
-                  <a:pt x="7645701" y="6639850"/>
-                  <a:pt x="7538856" y="6823844"/>
-                </a:cubicBezTo>
-                <a:lnTo>
-                  <a:pt x="7519022" y="6858000"/>
-                </a:lnTo>
-                <a:lnTo>
-                  <a:pt x="0" y="6858000"/>
-                </a:lnTo>
-                <a:lnTo>
-                  <a:pt x="0" y="3003362"/>
-                </a:lnTo>
-                <a:lnTo>
-                  <a:pt x="144017" y="2754282"/>
-                </a:lnTo>
-                <a:cubicBezTo>
-                  <a:pt x="203181" y="2651956"/>
-                  <a:pt x="264254" y="2546330"/>
-                  <a:pt x="327296" y="2437296"/>
-                </a:cubicBezTo>
-                <a:cubicBezTo>
-                  <a:pt x="458294" y="2211072"/>
-                  <a:pt x="694090" y="2071857"/>
-                  <a:pt x="956085" y="2071857"/>
-                </a:cubicBezTo>
-                <a:close/>
-                <a:moveTo>
-                  <a:pt x="6281397" y="1163923"/>
-                </a:moveTo>
-                <a:cubicBezTo>
-                  <a:pt x="6281397" y="1163923"/>
-                  <a:pt x="6281397" y="1163923"/>
-                  <a:pt x="7148441" y="1163923"/>
-                </a:cubicBezTo>
-                <a:cubicBezTo>
-                  <a:pt x="7202749" y="1163923"/>
-                  <a:pt x="7255183" y="1193775"/>
-                  <a:pt x="7281401" y="1242285"/>
-                </a:cubicBezTo>
-                <a:cubicBezTo>
-                  <a:pt x="7281401" y="1242285"/>
-                  <a:pt x="7281401" y="1242285"/>
-                  <a:pt x="7715859" y="1990451"/>
-                </a:cubicBezTo>
-                <a:cubicBezTo>
-                  <a:pt x="7743949" y="2037095"/>
-                  <a:pt x="7743949" y="2096799"/>
-                  <a:pt x="7715859" y="2143443"/>
-                </a:cubicBezTo>
-                <a:cubicBezTo>
-                  <a:pt x="7715859" y="2143443"/>
-                  <a:pt x="7715859" y="2143443"/>
-                  <a:pt x="7281401" y="2891610"/>
-                </a:cubicBezTo>
-                <a:cubicBezTo>
-                  <a:pt x="7255183" y="2940119"/>
-                  <a:pt x="7202749" y="2969971"/>
-                  <a:pt x="7148441" y="2969971"/>
-                </a:cubicBezTo>
-                <a:cubicBezTo>
-                  <a:pt x="7148441" y="2969971"/>
-                  <a:pt x="7148441" y="2969971"/>
-                  <a:pt x="6281397" y="2969971"/>
-                </a:cubicBezTo>
-                <a:cubicBezTo>
-                  <a:pt x="6225217" y="2969971"/>
-                  <a:pt x="6174655" y="2940119"/>
-                  <a:pt x="6146565" y="2891610"/>
-                </a:cubicBezTo>
-                <a:cubicBezTo>
-                  <a:pt x="6146565" y="2891610"/>
-                  <a:pt x="6146565" y="2891610"/>
-                  <a:pt x="5713979" y="2143443"/>
-                </a:cubicBezTo>
-                <a:cubicBezTo>
-                  <a:pt x="5685889" y="2096799"/>
-                  <a:pt x="5685889" y="2037095"/>
-                  <a:pt x="5713979" y="1990451"/>
-                </a:cubicBezTo>
-                <a:cubicBezTo>
-                  <a:pt x="5713979" y="1990451"/>
-                  <a:pt x="5713979" y="1990451"/>
-                  <a:pt x="6146565" y="1242285"/>
-                </a:cubicBezTo>
-                <a:cubicBezTo>
-                  <a:pt x="6174655" y="1193775"/>
-                  <a:pt x="6225217" y="1163923"/>
-                  <a:pt x="6281397" y="1163923"/>
-                </a:cubicBezTo>
-                <a:close/>
-                <a:moveTo>
-                  <a:pt x="0" y="0"/>
-                </a:moveTo>
-                <a:lnTo>
-                  <a:pt x="6600525" y="0"/>
-                </a:lnTo>
-                <a:lnTo>
-                  <a:pt x="6486618" y="196155"/>
-                </a:lnTo>
-                <a:cubicBezTo>
-                  <a:pt x="6261242" y="584267"/>
-                  <a:pt x="5994130" y="1044253"/>
-                  <a:pt x="5677553" y="1589421"/>
-                </a:cubicBezTo>
-                <a:cubicBezTo>
-                  <a:pt x="5555288" y="1815646"/>
-                  <a:pt x="5310759" y="1954861"/>
-                  <a:pt x="5057496" y="1954861"/>
-                </a:cubicBezTo>
-                <a:cubicBezTo>
-                  <a:pt x="5057496" y="1954861"/>
-                  <a:pt x="5057496" y="1954861"/>
-                  <a:pt x="1014033" y="1954861"/>
-                </a:cubicBezTo>
-                <a:cubicBezTo>
-                  <a:pt x="752038" y="1954861"/>
-                  <a:pt x="516243" y="1815646"/>
-                  <a:pt x="385244" y="1589421"/>
-                </a:cubicBezTo>
-                <a:cubicBezTo>
-                  <a:pt x="385244" y="1589421"/>
-                  <a:pt x="385244" y="1589421"/>
-                  <a:pt x="69234" y="1042874"/>
-                </a:cubicBezTo>
-                <a:lnTo>
-                  <a:pt x="0" y="923133"/>
-                </a:lnTo>
-                <a:close/>
-              </a:path>
-            </a:pathLst>
-          </a:custGeom>
-          <a:solidFill>
-            <a:schemeClr val="tx1"/>
-          </a:solidFill>
-          <a:ln>
-            <a:noFill/>
-          </a:ln>
-        </p:spPr>
-        <p:style>
-          <a:lnRef idx="2">
-            <a:schemeClr val="accent1">
-              <a:shade val="50000"/>
-            </a:schemeClr>
-          </a:lnRef>
-          <a:fillRef idx="1">
-            <a:schemeClr val="accent1"/>
-          </a:fillRef>
-          <a:effectRef idx="0">
-            <a:schemeClr val="accent1"/>
-          </a:effectRef>
-          <a:fontRef idx="minor">
-            <a:schemeClr val="lt1"/>
-          </a:fontRef>
-        </p:style>
-        <p:txBody>
-          <a:bodyPr wrap="square" rtlCol="0" anchor="ctr">
-            <a:noAutofit/>
-          </a:bodyPr>
-          <a:lstStyle/>
-          <a:p>
-            <a:pPr algn="ctr"/>
-            <a:endParaRPr lang="en-US"/>
-          </a:p>
-        </p:txBody>
-      </p:sp>
-      <p:sp>
-        <p:nvSpPr>
-          <p:cNvPr id="3" name="Content Placeholder 2">
-            <a:extLst>
-              <a:ext uri="{FF2B5EF4-FFF2-40B4-BE49-F238E27FC236}">
-                <a16:creationId xmlns:a16="http://schemas.microsoft.com/office/drawing/2014/main" id="{1442EF80-DD5B-49B5-8897-D94B795222DC}"/>
-              </a:ext>
-            </a:extLst>
-          </p:cNvPr>
-          <p:cNvSpPr>
-            <a:spLocks noGrp="1"/>
-          </p:cNvSpPr>
-          <p:nvPr>
-            <p:ph idx="1"/>
-          </p:nvPr>
-        </p:nvSpPr>
-        <p:spPr>
-          <a:xfrm>
-            <a:off x="756746" y="2863018"/>
-            <a:ext cx="4666592" cy="3304451"/>
-          </a:xfrm>
-        </p:spPr>
-        <p:txBody>
-          <a:bodyPr>
-            <a:normAutofit/>
-          </a:bodyPr>
-          <a:lstStyle/>
-          <a:p>
-            <a:r>
-              <a:rPr lang="en-US" sz="2400" dirty="0">
-                <a:solidFill>
-                  <a:schemeClr val="bg1"/>
-                </a:solidFill>
-              </a:rPr>
-              <a:t>While criminal history points are applied proportionately across racial lines, career offender and armed career offender status are applied disproportionately to black offenders</a:t>
-            </a:r>
-          </a:p>
-          <a:p>
-            <a:r>
-              <a:rPr lang="en-US" sz="2400" dirty="0">
-                <a:solidFill>
-                  <a:schemeClr val="bg1"/>
-                </a:solidFill>
-              </a:rPr>
-              <a:t>Safety valve measures are applied disproportionately to white and Hispanic offenders</a:t>
-            </a:r>
-          </a:p>
-        </p:txBody>
-      </p:sp>
-    </p:spTree>
-    <p:extLst>
-      <p:ext uri="{BB962C8B-B14F-4D97-AF65-F5344CB8AC3E}">
-        <p14:creationId xmlns:p14="http://schemas.microsoft.com/office/powerpoint/2010/main" val="3601569138"/>
-      </p:ext>
-    </p:extLst>
-  </p:cSld>
-  <p:clrMapOvr>
-    <a:masterClrMapping/>
-  </p:clrMapOvr>
-  <p:timing>
-    <p:tnLst>
-      <p:par>
-        <p:cTn id="1" dur="indefinite" restart="never" nodeType="tmRoot">
-          <p:childTnLst>
-            <p:seq concurrent="1" nextAc="seek">
-              <p:cTn id="2" dur="indefinite" nodeType="mainSeq">
-                <p:childTnLst>
-                  <p:par>
-                    <p:cTn id="3" fill="hold">
-                      <p:stCondLst>
-                        <p:cond delay="indefinite"/>
-                      </p:stCondLst>
-                      <p:childTnLst>
-                        <p:par>
-                          <p:cTn id="4" fill="hold">
-                            <p:stCondLst>
-                              <p:cond delay="0"/>
-                            </p:stCondLst>
-                            <p:childTnLst>
-                              <p:par>
-                                <p:cTn id="5" presetID="1" presetClass="entr" presetSubtype="0" fill="hold" nodeType="clickEffect">
-                                  <p:stCondLst>
-                                    <p:cond delay="0"/>
-                                  </p:stCondLst>
-                                  <p:childTnLst>
-                                    <p:set>
-                                      <p:cBhvr>
-                                        <p:cTn id="6" dur="1" fill="hold">
-                                          <p:stCondLst>
-                                            <p:cond delay="0"/>
-                                          </p:stCondLst>
-                                        </p:cTn>
-                                        <p:tgtEl>
-                                          <p:spTgt spid="3">
-                                            <p:txEl>
-                                              <p:pRg st="0" end="0"/>
-                                            </p:txEl>
-                                          </p:spTgt>
-                                        </p:tgtEl>
-                                        <p:attrNameLst>
-                                          <p:attrName>style.visibility</p:attrName>
-                                        </p:attrNameLst>
-                                      </p:cBhvr>
-                                      <p:to>
-                                        <p:strVal val="visible"/>
-                                      </p:to>
-                                    </p:set>
-                                  </p:childTnLst>
-                                </p:cTn>
-                              </p:par>
-                            </p:childTnLst>
-                          </p:cTn>
-                        </p:par>
-                      </p:childTnLst>
-                    </p:cTn>
-                  </p:par>
-                  <p:par>
-                    <p:cTn id="7" fill="hold">
-                      <p:stCondLst>
-                        <p:cond delay="indefinite"/>
-                      </p:stCondLst>
-                      <p:childTnLst>
-                        <p:par>
-                          <p:cTn id="8" fill="hold">
-                            <p:stCondLst>
-                              <p:cond delay="0"/>
-                            </p:stCondLst>
-                            <p:childTnLst>
-                              <p:par>
-                                <p:cTn id="9" presetID="1" presetClass="entr" presetSubtype="0" fill="hold" nodeType="clickEffect">
-                                  <p:stCondLst>
-                                    <p:cond delay="0"/>
-                                  </p:stCondLst>
-                                  <p:childTnLst>
-                                    <p:set>
-                                      <p:cBhvr>
-                                        <p:cTn id="10" dur="1" fill="hold">
-                                          <p:stCondLst>
-                                            <p:cond delay="0"/>
-                                          </p:stCondLst>
-                                        </p:cTn>
-                                        <p:tgtEl>
-                                          <p:spTgt spid="3">
-                                            <p:txEl>
-                                              <p:pRg st="1" end="1"/>
-                                            </p:txEl>
-                                          </p:spTgt>
-                                        </p:tgtEl>
-                                        <p:attrNameLst>
-                                          <p:attrName>style.visibility</p:attrName>
-                                        </p:attrNameLst>
-                                      </p:cBhvr>
-                                      <p:to>
-                                        <p:strVal val="visible"/>
-                                      </p:to>
-                                    </p:set>
-                                  </p:childTnLst>
-                                </p:cTn>
-                              </p:par>
-                            </p:childTnLst>
-                          </p:cTn>
-                        </p:par>
-                      </p:childTnLst>
-                    </p:cTn>
-                  </p:par>
-                </p:childTnLst>
-              </p:cTn>
-              <p:prevCondLst>
-                <p:cond evt="onPrev" delay="0">
-                  <p:tgtEl>
-                    <p:sldTgt/>
-                  </p:tgtEl>
-                </p:cond>
-              </p:prevCondLst>
-              <p:nextCondLst>
-                <p:cond evt="onNext" delay="0">
-                  <p:tgtEl>
-                    <p:sldTgt/>
-                  </p:tgtEl>
-                </p:cond>
-              </p:nextCondLst>
-            </p:seq>
-          </p:childTnLst>
-        </p:cTn>
-      </p:par>
-    </p:tnLst>
-  </p:timing>
-</p:sld>
-</file>
-
-<file path=ppt/slides/slide23.xml><?xml version="1.0" encoding="utf-8"?>
 <p:sld xmlns:a="http://schemas.openxmlformats.org/drawingml/2006/main" xmlns:r="http://schemas.openxmlformats.org/officeDocument/2006/relationships" xmlns:p="http://schemas.openxmlformats.org/presentationml/2006/main">
   <p:cSld>
     <p:bg>
@@ -15534,7 +15330,7 @@
             </a:pPr>
             <a:r>
               <a:rPr lang="en-US" dirty="0"/>
-              <a:t>Hispanic: 81.5 years</a:t>
+              <a:t>Hispanic 81.5 years</a:t>
             </a:r>
           </a:p>
           <a:p>
@@ -15725,7 +15521,7 @@
                                           </p:stCondLst>
                                         </p:cTn>
                                         <p:tgtEl>
-                                          <p:spTgt spid="11"/>
+                                          <p:spTgt spid="10"/>
                                         </p:tgtEl>
                                         <p:attrNameLst>
                                           <p:attrName>style.visibility</p:attrName>
@@ -15739,293 +15535,7 @@
                                       <p:cBhvr>
                                         <p:cTn id="7" dur="500"/>
                                         <p:tgtEl>
-                                          <p:spTgt spid="11"/>
-                                        </p:tgtEl>
-                                      </p:cBhvr>
-                                    </p:animEffect>
-                                  </p:childTnLst>
-                                </p:cTn>
-                              </p:par>
-                              <p:par>
-                                <p:cTn id="8" presetID="10" presetClass="entr" presetSubtype="0" fill="hold" grpId="0" nodeType="withEffect">
-                                  <p:stCondLst>
-                                    <p:cond delay="0"/>
-                                  </p:stCondLst>
-                                  <p:childTnLst>
-                                    <p:set>
-                                      <p:cBhvr>
-                                        <p:cTn id="9" dur="1" fill="hold">
-                                          <p:stCondLst>
-                                            <p:cond delay="0"/>
-                                          </p:stCondLst>
-                                        </p:cTn>
-                                        <p:tgtEl>
-                                          <p:spTgt spid="13"/>
-                                        </p:tgtEl>
-                                        <p:attrNameLst>
-                                          <p:attrName>style.visibility</p:attrName>
-                                        </p:attrNameLst>
-                                      </p:cBhvr>
-                                      <p:to>
-                                        <p:strVal val="visible"/>
-                                      </p:to>
-                                    </p:set>
-                                    <p:animEffect transition="in" filter="fade">
-                                      <p:cBhvr>
-                                        <p:cTn id="10" dur="500"/>
-                                        <p:tgtEl>
-                                          <p:spTgt spid="13"/>
-                                        </p:tgtEl>
-                                      </p:cBhvr>
-                                    </p:animEffect>
-                                  </p:childTnLst>
-                                </p:cTn>
-                              </p:par>
-                            </p:childTnLst>
-                          </p:cTn>
-                        </p:par>
-                      </p:childTnLst>
-                    </p:cTn>
-                  </p:par>
-                  <p:par>
-                    <p:cTn id="11" fill="hold">
-                      <p:stCondLst>
-                        <p:cond delay="indefinite"/>
-                      </p:stCondLst>
-                      <p:childTnLst>
-                        <p:par>
-                          <p:cTn id="12" fill="hold">
-                            <p:stCondLst>
-                              <p:cond delay="0"/>
-                            </p:stCondLst>
-                            <p:childTnLst>
-                              <p:par>
-                                <p:cTn id="13" presetID="10" presetClass="entr" presetSubtype="0" fill="hold" nodeType="clickEffect">
-                                  <p:stCondLst>
-                                    <p:cond delay="0"/>
-                                  </p:stCondLst>
-                                  <p:childTnLst>
-                                    <p:set>
-                                      <p:cBhvr>
-                                        <p:cTn id="14" dur="1" fill="hold">
-                                          <p:stCondLst>
-                                            <p:cond delay="0"/>
-                                          </p:stCondLst>
-                                        </p:cTn>
-                                        <p:tgtEl>
-                                          <p:spTgt spid="10">
-                                            <p:txEl>
-                                              <p:pRg st="0" end="0"/>
-                                            </p:txEl>
-                                          </p:spTgt>
-                                        </p:tgtEl>
-                                        <p:attrNameLst>
-                                          <p:attrName>style.visibility</p:attrName>
-                                        </p:attrNameLst>
-                                      </p:cBhvr>
-                                      <p:to>
-                                        <p:strVal val="visible"/>
-                                      </p:to>
-                                    </p:set>
-                                    <p:animEffect transition="in" filter="fade">
-                                      <p:cBhvr>
-                                        <p:cTn id="15" dur="500"/>
-                                        <p:tgtEl>
-                                          <p:spTgt spid="10">
-                                            <p:txEl>
-                                              <p:pRg st="0" end="0"/>
-                                            </p:txEl>
-                                          </p:spTgt>
-                                        </p:tgtEl>
-                                      </p:cBhvr>
-                                    </p:animEffect>
-                                  </p:childTnLst>
-                                </p:cTn>
-                              </p:par>
-                              <p:par>
-                                <p:cTn id="16" presetID="10" presetClass="entr" presetSubtype="0" fill="hold" nodeType="withEffect">
-                                  <p:stCondLst>
-                                    <p:cond delay="0"/>
-                                  </p:stCondLst>
-                                  <p:childTnLst>
-                                    <p:set>
-                                      <p:cBhvr>
-                                        <p:cTn id="17" dur="1" fill="hold">
-                                          <p:stCondLst>
-                                            <p:cond delay="0"/>
-                                          </p:stCondLst>
-                                        </p:cTn>
-                                        <p:tgtEl>
-                                          <p:spTgt spid="10">
-                                            <p:txEl>
-                                              <p:pRg st="2" end="2"/>
-                                            </p:txEl>
-                                          </p:spTgt>
-                                        </p:tgtEl>
-                                        <p:attrNameLst>
-                                          <p:attrName>style.visibility</p:attrName>
-                                        </p:attrNameLst>
-                                      </p:cBhvr>
-                                      <p:to>
-                                        <p:strVal val="visible"/>
-                                      </p:to>
-                                    </p:set>
-                                    <p:animEffect transition="in" filter="fade">
-                                      <p:cBhvr>
-                                        <p:cTn id="18" dur="500"/>
-                                        <p:tgtEl>
-                                          <p:spTgt spid="10">
-                                            <p:txEl>
-                                              <p:pRg st="2" end="2"/>
-                                            </p:txEl>
-                                          </p:spTgt>
-                                        </p:tgtEl>
-                                      </p:cBhvr>
-                                    </p:animEffect>
-                                  </p:childTnLst>
-                                </p:cTn>
-                              </p:par>
-                              <p:par>
-                                <p:cTn id="19" presetID="10" presetClass="entr" presetSubtype="0" fill="hold" nodeType="withEffect">
-                                  <p:stCondLst>
-                                    <p:cond delay="0"/>
-                                  </p:stCondLst>
-                                  <p:childTnLst>
-                                    <p:set>
-                                      <p:cBhvr>
-                                        <p:cTn id="20" dur="1" fill="hold">
-                                          <p:stCondLst>
-                                            <p:cond delay="0"/>
-                                          </p:stCondLst>
-                                        </p:cTn>
-                                        <p:tgtEl>
-                                          <p:spTgt spid="10">
-                                            <p:txEl>
-                                              <p:pRg st="1" end="1"/>
-                                            </p:txEl>
-                                          </p:spTgt>
-                                        </p:tgtEl>
-                                        <p:attrNameLst>
-                                          <p:attrName>style.visibility</p:attrName>
-                                        </p:attrNameLst>
-                                      </p:cBhvr>
-                                      <p:to>
-                                        <p:strVal val="visible"/>
-                                      </p:to>
-                                    </p:set>
-                                    <p:animEffect transition="in" filter="fade">
-                                      <p:cBhvr>
-                                        <p:cTn id="21" dur="500"/>
-                                        <p:tgtEl>
-                                          <p:spTgt spid="10">
-                                            <p:txEl>
-                                              <p:pRg st="1" end="1"/>
-                                            </p:txEl>
-                                          </p:spTgt>
-                                        </p:tgtEl>
-                                      </p:cBhvr>
-                                    </p:animEffect>
-                                  </p:childTnLst>
-                                </p:cTn>
-                              </p:par>
-                              <p:par>
-                                <p:cTn id="22" presetID="10" presetClass="entr" presetSubtype="0" fill="hold" nodeType="withEffect">
-                                  <p:stCondLst>
-                                    <p:cond delay="0"/>
-                                  </p:stCondLst>
-                                  <p:childTnLst>
-                                    <p:set>
-                                      <p:cBhvr>
-                                        <p:cTn id="23" dur="1" fill="hold">
-                                          <p:stCondLst>
-                                            <p:cond delay="0"/>
-                                          </p:stCondLst>
-                                        </p:cTn>
-                                        <p:tgtEl>
-                                          <p:spTgt spid="10">
-                                            <p:txEl>
-                                              <p:pRg st="3" end="3"/>
-                                            </p:txEl>
-                                          </p:spTgt>
-                                        </p:tgtEl>
-                                        <p:attrNameLst>
-                                          <p:attrName>style.visibility</p:attrName>
-                                        </p:attrNameLst>
-                                      </p:cBhvr>
-                                      <p:to>
-                                        <p:strVal val="visible"/>
-                                      </p:to>
-                                    </p:set>
-                                    <p:animEffect transition="in" filter="fade">
-                                      <p:cBhvr>
-                                        <p:cTn id="24" dur="500"/>
-                                        <p:tgtEl>
-                                          <p:spTgt spid="10">
-                                            <p:txEl>
-                                              <p:pRg st="3" end="3"/>
-                                            </p:txEl>
-                                          </p:spTgt>
-                                        </p:tgtEl>
-                                      </p:cBhvr>
-                                    </p:animEffect>
-                                  </p:childTnLst>
-                                </p:cTn>
-                              </p:par>
-                            </p:childTnLst>
-                          </p:cTn>
-                        </p:par>
-                      </p:childTnLst>
-                    </p:cTn>
-                  </p:par>
-                  <p:par>
-                    <p:cTn id="25" fill="hold">
-                      <p:stCondLst>
-                        <p:cond delay="indefinite"/>
-                      </p:stCondLst>
-                      <p:childTnLst>
-                        <p:par>
-                          <p:cTn id="26" fill="hold">
-                            <p:stCondLst>
-                              <p:cond delay="0"/>
-                            </p:stCondLst>
-                            <p:childTnLst>
-                              <p:par>
-                                <p:cTn id="27" presetID="10" presetClass="entr" presetSubtype="0" fill="hold" nodeType="clickEffect">
-                                  <p:stCondLst>
-                                    <p:cond delay="0"/>
-                                  </p:stCondLst>
-                                  <p:childTnLst>
-                                    <p:set>
-                                      <p:cBhvr>
-                                        <p:cTn id="28" dur="1" fill="hold">
-                                          <p:stCondLst>
-                                            <p:cond delay="0"/>
-                                          </p:stCondLst>
-                                        </p:cTn>
-                                        <p:tgtEl>
-                                          <p:spTgt spid="10">
-                                            <p:txEl>
-                                              <p:pRg st="4" end="4"/>
-                                            </p:txEl>
-                                          </p:spTgt>
-                                        </p:tgtEl>
-                                        <p:attrNameLst>
-                                          <p:attrName>style.visibility</p:attrName>
-                                        </p:attrNameLst>
-                                      </p:cBhvr>
-                                      <p:to>
-                                        <p:strVal val="visible"/>
-                                      </p:to>
-                                    </p:set>
-                                    <p:animEffect transition="in" filter="fade">
-                                      <p:cBhvr>
-                                        <p:cTn id="29" dur="500"/>
-                                        <p:tgtEl>
-                                          <p:spTgt spid="10">
-                                            <p:txEl>
-                                              <p:pRg st="4" end="4"/>
-                                            </p:txEl>
-                                          </p:spTgt>
+                                          <p:spTgt spid="10"/>
                                         </p:tgtEl>
                                       </p:cBhvr>
                                     </p:animEffect>
@@ -16060,14 +15570,13 @@
       </p:par>
     </p:tnLst>
     <p:bldLst>
-      <p:bldP spid="11" grpId="0" animBg="1"/>
-      <p:bldP spid="13" grpId="0" animBg="1"/>
+      <p:bldP spid="10" grpId="0"/>
     </p:bldLst>
   </p:timing>
 </p:sld>
 </file>
 
-<file path=ppt/slides/slide24.xml><?xml version="1.0" encoding="utf-8"?>
+<file path=ppt/slides/slide23.xml><?xml version="1.0" encoding="utf-8"?>
 <p:sld xmlns:a="http://schemas.openxmlformats.org/drawingml/2006/main" xmlns:r="http://schemas.openxmlformats.org/officeDocument/2006/relationships" xmlns:p="http://schemas.openxmlformats.org/presentationml/2006/main">
   <p:cSld>
     <p:bg>
@@ -16382,7 +15891,7 @@
                                           </p:stCondLst>
                                         </p:cTn>
                                         <p:tgtEl>
-                                          <p:spTgt spid="13"/>
+                                          <p:spTgt spid="10"/>
                                         </p:tgtEl>
                                         <p:attrNameLst>
                                           <p:attrName>style.visibility</p:attrName>
@@ -16395,59 +15904,6 @@
                                     <p:animEffect transition="in" filter="fade">
                                       <p:cBhvr>
                                         <p:cTn id="7" dur="500"/>
-                                        <p:tgtEl>
-                                          <p:spTgt spid="13"/>
-                                        </p:tgtEl>
-                                      </p:cBhvr>
-                                    </p:animEffect>
-                                  </p:childTnLst>
-                                </p:cTn>
-                              </p:par>
-                            </p:childTnLst>
-                          </p:cTn>
-                        </p:par>
-                      </p:childTnLst>
-                    </p:cTn>
-                  </p:par>
-                  <p:par>
-                    <p:cTn id="8" fill="hold">
-                      <p:stCondLst>
-                        <p:cond delay="indefinite"/>
-                      </p:stCondLst>
-                      <p:childTnLst>
-                        <p:par>
-                          <p:cTn id="9" fill="hold">
-                            <p:stCondLst>
-                              <p:cond delay="0"/>
-                            </p:stCondLst>
-                            <p:childTnLst>
-                              <p:par>
-                                <p:cTn id="10" presetID="10" presetClass="entr" presetSubtype="0" fill="hold" grpId="0" nodeType="clickEffect">
-                                  <p:stCondLst>
-                                    <p:cond delay="0"/>
-                                  </p:stCondLst>
-                                  <p:childTnLst>
-                                    <p:set>
-                                      <p:cBhvr>
-                                        <p:cTn id="11" dur="1" fill="hold">
-                                          <p:stCondLst>
-                                            <p:cond delay="0"/>
-                                          </p:stCondLst>
-                                        </p:cTn>
-                                        <p:tgtEl>
-                                          <p:spTgt spid="10"/>
-                                        </p:tgtEl>
-                                        <p:attrNameLst>
-                                          <p:attrName>style.visibility</p:attrName>
-                                        </p:attrNameLst>
-                                      </p:cBhvr>
-                                      <p:to>
-                                        <p:strVal val="visible"/>
-                                      </p:to>
-                                    </p:set>
-                                    <p:animEffect transition="in" filter="fade">
-                                      <p:cBhvr>
-                                        <p:cTn id="12" dur="500"/>
                                         <p:tgtEl>
                                           <p:spTgt spid="10"/>
                                         </p:tgtEl>
@@ -16485,19 +15941,18 @@
     </p:tnLst>
     <p:bldLst>
       <p:bldP spid="10" grpId="0"/>
-      <p:bldP spid="13" grpId="0" animBg="1"/>
     </p:bldLst>
   </p:timing>
 </p:sld>
 </file>
 
-<file path=ppt/slides/slide25.xml><?xml version="1.0" encoding="utf-8"?>
+<file path=ppt/slides/slide24.xml><?xml version="1.0" encoding="utf-8"?>
 <p:sld xmlns:a="http://schemas.openxmlformats.org/drawingml/2006/main" xmlns:r="http://schemas.openxmlformats.org/officeDocument/2006/relationships" xmlns:p="http://schemas.openxmlformats.org/presentationml/2006/main">
   <p:cSld>
     <p:bg>
       <p:bgPr>
         <a:solidFill>
-          <a:srgbClr val="B3CEDE"/>
+          <a:srgbClr val="26455C"/>
         </a:solidFill>
         <a:effectLst/>
       </p:bgPr>
@@ -16712,30 +16167,30 @@
         </p:spPr>
         <p:txBody>
           <a:bodyPr>
-            <a:normAutofit lnSpcReduction="10000"/>
+            <a:normAutofit/>
           </a:bodyPr>
           <a:lstStyle/>
           <a:p>
             <a:r>
-              <a:rPr lang="en-US" sz="2400"/>
-              <a:t>5 .sas files and 5 .dat files from ussc.gov (The U.S. Sentencing Commission)</a:t>
+              <a:rPr lang="en-US" sz="2400" dirty="0"/>
+              <a:t>SAS files from ussc.gov (The U.S. Sentencing Commission)</a:t>
             </a:r>
           </a:p>
           <a:p>
             <a:r>
-              <a:rPr lang="en-US" sz="2400"/>
+              <a:rPr lang="en-US" sz="2400" dirty="0"/>
               <a:t>Nationwide dataset with over 300k rows and 1000+ columns</a:t>
             </a:r>
           </a:p>
           <a:p>
             <a:r>
-              <a:rPr lang="en-US" sz="2400"/>
+              <a:rPr lang="en-US" sz="2400" dirty="0"/>
               <a:t>Identified 195 columns for analysis</a:t>
             </a:r>
           </a:p>
           <a:p>
             <a:r>
-              <a:rPr lang="en-US" sz="2400"/>
+              <a:rPr lang="en-US" sz="2400" dirty="0"/>
               <a:t>Extracted Tennessee specific data </a:t>
             </a:r>
           </a:p>

--- a/Presentation.pptx
+++ b/Presentation.pptx
@@ -18,17 +18,16 @@
     <p:sldId id="277" r:id="rId12"/>
     <p:sldId id="286" r:id="rId13"/>
     <p:sldId id="261" r:id="rId14"/>
-    <p:sldId id="258" r:id="rId15"/>
-    <p:sldId id="278" r:id="rId16"/>
-    <p:sldId id="299" r:id="rId17"/>
-    <p:sldId id="280" r:id="rId18"/>
-    <p:sldId id="295" r:id="rId19"/>
-    <p:sldId id="300" r:id="rId20"/>
-    <p:sldId id="301" r:id="rId21"/>
-    <p:sldId id="302" r:id="rId22"/>
-    <p:sldId id="289" r:id="rId23"/>
-    <p:sldId id="279" r:id="rId24"/>
-    <p:sldId id="298" r:id="rId25"/>
+    <p:sldId id="278" r:id="rId15"/>
+    <p:sldId id="299" r:id="rId16"/>
+    <p:sldId id="280" r:id="rId17"/>
+    <p:sldId id="295" r:id="rId18"/>
+    <p:sldId id="300" r:id="rId19"/>
+    <p:sldId id="301" r:id="rId20"/>
+    <p:sldId id="302" r:id="rId21"/>
+    <p:sldId id="289" r:id="rId22"/>
+    <p:sldId id="279" r:id="rId23"/>
+    <p:sldId id="298" r:id="rId24"/>
   </p:sldIdLst>
   <p:sldSz cx="12192000" cy="6858000"/>
   <p:notesSz cx="6858000" cy="9144000"/>
@@ -5835,7 +5834,7 @@
     <p:bg>
       <p:bgPr>
         <a:solidFill>
-          <a:schemeClr val="bg1"/>
+          <a:srgbClr val="EAF1F6"/>
         </a:solidFill>
         <a:effectLst/>
       </p:bgPr>
@@ -7093,8 +7092,8 @@
         </p:blipFill>
         <p:spPr>
           <a:xfrm>
-            <a:off x="659169" y="1875493"/>
-            <a:ext cx="5918971" cy="4582429"/>
+            <a:off x="5795" y="1452386"/>
+            <a:ext cx="6572345" cy="5257876"/>
           </a:xfrm>
           <a:prstGeom prst="rect">
             <a:avLst/>
@@ -7130,7 +7129,7 @@
         </p:blipFill>
         <p:spPr>
           <a:xfrm>
-            <a:off x="6578140" y="1875493"/>
+            <a:off x="6578140" y="1875492"/>
             <a:ext cx="4908550" cy="4411663"/>
           </a:xfrm>
           <a:prstGeom prst="rect">
@@ -7266,99 +7265,6 @@
 </file>
 
 <file path=ppt/slides/slide14.xml><?xml version="1.0" encoding="utf-8"?>
-<p:sld xmlns:a="http://schemas.openxmlformats.org/drawingml/2006/main" xmlns:r="http://schemas.openxmlformats.org/officeDocument/2006/relationships" xmlns:p="http://schemas.openxmlformats.org/presentationml/2006/main">
-  <p:cSld>
-    <p:spTree>
-      <p:nvGrpSpPr>
-        <p:cNvPr id="1" name=""/>
-        <p:cNvGrpSpPr/>
-        <p:nvPr/>
-      </p:nvGrpSpPr>
-      <p:grpSpPr>
-        <a:xfrm>
-          <a:off x="0" y="0"/>
-          <a:ext cx="0" cy="0"/>
-          <a:chOff x="0" y="0"/>
-          <a:chExt cx="0" cy="0"/>
-        </a:xfrm>
-      </p:grpSpPr>
-      <p:sp>
-        <p:nvSpPr>
-          <p:cNvPr id="2" name="Title 1">
-            <a:extLst>
-              <a:ext uri="{FF2B5EF4-FFF2-40B4-BE49-F238E27FC236}">
-                <a16:creationId xmlns:a16="http://schemas.microsoft.com/office/drawing/2014/main" id="{E050FDFB-81A2-4288-A4D6-DD846C5E10E6}"/>
-              </a:ext>
-            </a:extLst>
-          </p:cNvPr>
-          <p:cNvSpPr>
-            <a:spLocks noGrp="1"/>
-          </p:cNvSpPr>
-          <p:nvPr>
-            <p:ph type="title"/>
-          </p:nvPr>
-        </p:nvSpPr>
-        <p:spPr/>
-        <p:txBody>
-          <a:bodyPr/>
-          <a:lstStyle/>
-          <a:p>
-            <a:r>
-              <a:rPr lang="en-US" dirty="0"/>
-              <a:t>Distribution of Sentence Length by Race</a:t>
-            </a:r>
-          </a:p>
-        </p:txBody>
-      </p:sp>
-      <p:pic>
-        <p:nvPicPr>
-          <p:cNvPr id="5" name="Picture 4">
-            <a:extLst>
-              <a:ext uri="{FF2B5EF4-FFF2-40B4-BE49-F238E27FC236}">
-                <a16:creationId xmlns:a16="http://schemas.microsoft.com/office/drawing/2014/main" id="{61EE6ACF-3F79-45BB-8A61-BAF30BD4C61B}"/>
-              </a:ext>
-            </a:extLst>
-          </p:cNvPr>
-          <p:cNvPicPr>
-            <a:picLocks noChangeAspect="1"/>
-          </p:cNvPicPr>
-          <p:nvPr/>
-        </p:nvPicPr>
-        <p:blipFill>
-          <a:blip r:embed="rId2">
-            <a:extLst>
-              <a:ext uri="{28A0092B-C50C-407E-A947-70E740481C1C}">
-                <a14:useLocalDpi xmlns:a14="http://schemas.microsoft.com/office/drawing/2010/main" val="0"/>
-              </a:ext>
-            </a:extLst>
-          </a:blip>
-          <a:srcRect/>
-          <a:stretch/>
-        </p:blipFill>
-        <p:spPr>
-          <a:xfrm>
-            <a:off x="1459342" y="837900"/>
-            <a:ext cx="9273315" cy="6182210"/>
-          </a:xfrm>
-          <a:prstGeom prst="rect">
-            <a:avLst/>
-          </a:prstGeom>
-        </p:spPr>
-      </p:pic>
-    </p:spTree>
-    <p:extLst>
-      <p:ext uri="{BB962C8B-B14F-4D97-AF65-F5344CB8AC3E}">
-        <p14:creationId xmlns:p14="http://schemas.microsoft.com/office/powerpoint/2010/main" val="2722760057"/>
-      </p:ext>
-    </p:extLst>
-  </p:cSld>
-  <p:clrMapOvr>
-    <a:masterClrMapping/>
-  </p:clrMapOvr>
-</p:sld>
-</file>
-
-<file path=ppt/slides/slide15.xml><?xml version="1.0" encoding="utf-8"?>
 <p:sld xmlns:a="http://schemas.openxmlformats.org/drawingml/2006/main" xmlns:r="http://schemas.openxmlformats.org/officeDocument/2006/relationships" xmlns:p="http://schemas.openxmlformats.org/presentationml/2006/main">
   <p:cSld>
     <p:bg>
@@ -7978,13 +7884,13 @@
 </p:sld>
 </file>
 
-<file path=ppt/slides/slide16.xml><?xml version="1.0" encoding="utf-8"?>
+<file path=ppt/slides/slide15.xml><?xml version="1.0" encoding="utf-8"?>
 <p:sld xmlns:a="http://schemas.openxmlformats.org/drawingml/2006/main" xmlns:r="http://schemas.openxmlformats.org/officeDocument/2006/relationships" xmlns:p="http://schemas.openxmlformats.org/presentationml/2006/main">
   <p:cSld>
     <p:bg>
       <p:bgPr>
         <a:solidFill>
-          <a:schemeClr val="bg1"/>
+          <a:srgbClr val="EAF1F6"/>
         </a:solidFill>
         <a:effectLst/>
       </p:bgPr>
@@ -9130,7 +9036,7 @@
 </p:sld>
 </file>
 
-<file path=ppt/slides/slide17.xml><?xml version="1.0" encoding="utf-8"?>
+<file path=ppt/slides/slide16.xml><?xml version="1.0" encoding="utf-8"?>
 <p:sld xmlns:a="http://schemas.openxmlformats.org/drawingml/2006/main" xmlns:r="http://schemas.openxmlformats.org/officeDocument/2006/relationships" xmlns:p="http://schemas.openxmlformats.org/presentationml/2006/main">
   <p:cSld>
     <p:bg>
@@ -10104,7 +10010,7 @@
 </p:sld>
 </file>
 
-<file path=ppt/slides/slide18.xml><?xml version="1.0" encoding="utf-8"?>
+<file path=ppt/slides/slide17.xml><?xml version="1.0" encoding="utf-8"?>
 <p:sld xmlns:a="http://schemas.openxmlformats.org/drawingml/2006/main" xmlns:r="http://schemas.openxmlformats.org/officeDocument/2006/relationships" xmlns:p="http://schemas.openxmlformats.org/presentationml/2006/main">
   <p:cSld>
     <p:bg>
@@ -10850,8 +10756,8 @@
         </p:blipFill>
         <p:spPr>
           <a:xfrm>
-            <a:off x="6643857" y="1487286"/>
-            <a:ext cx="5051318" cy="3157074"/>
+            <a:off x="6662428" y="1487286"/>
+            <a:ext cx="5014176" cy="3157074"/>
           </a:xfrm>
           <a:prstGeom prst="rect">
             <a:avLst/>
@@ -11035,7 +10941,7 @@
 </p:sld>
 </file>
 
-<file path=ppt/slides/slide19.xml><?xml version="1.0" encoding="utf-8"?>
+<file path=ppt/slides/slide18.xml><?xml version="1.0" encoding="utf-8"?>
 <p:sld xmlns:a="http://schemas.openxmlformats.org/drawingml/2006/main" xmlns:r="http://schemas.openxmlformats.org/officeDocument/2006/relationships" xmlns:p="http://schemas.openxmlformats.org/presentationml/2006/main">
   <p:cSld>
     <p:bg>
@@ -11781,8 +11687,8 @@
         </p:blipFill>
         <p:spPr>
           <a:xfrm>
-            <a:off x="6643857" y="1487286"/>
-            <a:ext cx="5051318" cy="3157073"/>
+            <a:off x="6664509" y="1487286"/>
+            <a:ext cx="5010013" cy="3157073"/>
           </a:xfrm>
           <a:prstGeom prst="rect">
             <a:avLst/>
@@ -11966,1275 +11872,7 @@
 </p:sld>
 </file>
 
-<file path=ppt/slides/slide2.xml><?xml version="1.0" encoding="utf-8"?>
-<p:sld xmlns:a="http://schemas.openxmlformats.org/drawingml/2006/main" xmlns:r="http://schemas.openxmlformats.org/officeDocument/2006/relationships" xmlns:p="http://schemas.openxmlformats.org/presentationml/2006/main">
-  <p:cSld>
-    <p:bg>
-      <p:bgPr>
-        <a:solidFill>
-          <a:schemeClr val="bg1"/>
-        </a:solidFill>
-        <a:effectLst/>
-      </p:bgPr>
-    </p:bg>
-    <p:spTree>
-      <p:nvGrpSpPr>
-        <p:cNvPr id="1" name=""/>
-        <p:cNvGrpSpPr/>
-        <p:nvPr/>
-      </p:nvGrpSpPr>
-      <p:grpSpPr>
-        <a:xfrm>
-          <a:off x="0" y="0"/>
-          <a:ext cx="0" cy="0"/>
-          <a:chOff x="0" y="0"/>
-          <a:chExt cx="0" cy="0"/>
-        </a:xfrm>
-      </p:grpSpPr>
-      <p:sp useBgFill="1">
-        <p:nvSpPr>
-          <p:cNvPr id="11" name="Rectangle 10">
-            <a:extLst>
-              <a:ext uri="{FF2B5EF4-FFF2-40B4-BE49-F238E27FC236}">
-                <a16:creationId xmlns:a16="http://schemas.microsoft.com/office/drawing/2014/main" id="{91F32EBA-ED97-466E-8CFA-8382584155D0}"/>
-              </a:ext>
-              <a:ext uri="{C183D7F6-B498-43B3-948B-1728B52AA6E4}">
-                <adec:decorative xmlns:adec="http://schemas.microsoft.com/office/drawing/2017/decorative" val="1"/>
-              </a:ext>
-            </a:extLst>
-          </p:cNvPr>
-          <p:cNvSpPr>
-            <a:spLocks noGrp="1" noRot="1" noChangeAspect="1" noMove="1" noResize="1" noEditPoints="1" noAdjustHandles="1" noChangeArrowheads="1" noChangeShapeType="1" noTextEdit="1"/>
-          </p:cNvSpPr>
-          <p:nvPr>
-            <p:extLst>
-              <p:ext uri="{386F3935-93C4-4BCD-93E2-E3B085C9AB24}">
-                <p16:designElem xmlns:p16="http://schemas.microsoft.com/office/powerpoint/2015/main" val="1"/>
-              </p:ext>
-            </p:extLst>
-          </p:nvPr>
-        </p:nvSpPr>
-        <p:spPr>
-          <a:xfrm>
-            <a:off x="0" y="0"/>
-            <a:ext cx="12192000" cy="6858000"/>
-          </a:xfrm>
-          <a:prstGeom prst="rect">
-            <a:avLst/>
-          </a:prstGeom>
-          <a:ln>
-            <a:noFill/>
-          </a:ln>
-        </p:spPr>
-        <p:style>
-          <a:lnRef idx="2">
-            <a:schemeClr val="accent1">
-              <a:shade val="50000"/>
-            </a:schemeClr>
-          </a:lnRef>
-          <a:fillRef idx="1">
-            <a:schemeClr val="accent1"/>
-          </a:fillRef>
-          <a:effectRef idx="0">
-            <a:schemeClr val="accent1"/>
-          </a:effectRef>
-          <a:fontRef idx="minor">
-            <a:schemeClr val="lt1"/>
-          </a:fontRef>
-        </p:style>
-        <p:txBody>
-          <a:bodyPr rtlCol="0" anchor="ctr"/>
-          <a:lstStyle/>
-          <a:p>
-            <a:pPr algn="ctr"/>
-            <a:endParaRPr lang="en-US"/>
-          </a:p>
-        </p:txBody>
-      </p:sp>
-      <p:sp>
-        <p:nvSpPr>
-          <p:cNvPr id="2" name="Title 1">
-            <a:extLst>
-              <a:ext uri="{FF2B5EF4-FFF2-40B4-BE49-F238E27FC236}">
-                <a16:creationId xmlns:a16="http://schemas.microsoft.com/office/drawing/2014/main" id="{A799583B-9ACC-449B-95CE-FE9E6C88012A}"/>
-              </a:ext>
-            </a:extLst>
-          </p:cNvPr>
-          <p:cNvSpPr>
-            <a:spLocks noGrp="1"/>
-          </p:cNvSpPr>
-          <p:nvPr>
-            <p:ph type="title"/>
-          </p:nvPr>
-        </p:nvSpPr>
-        <p:spPr>
-          <a:xfrm>
-            <a:off x="965199" y="851517"/>
-            <a:ext cx="5130795" cy="1461778"/>
-          </a:xfrm>
-        </p:spPr>
-        <p:txBody>
-          <a:bodyPr vert="horz" lIns="91440" tIns="45720" rIns="91440" bIns="45720" rtlCol="0" anchor="ctr">
-            <a:normAutofit/>
-          </a:bodyPr>
-          <a:lstStyle/>
-          <a:p>
-            <a:r>
-              <a:rPr lang="en-US" sz="4000" kern="1200">
-                <a:solidFill>
-                  <a:schemeClr val="tx1"/>
-                </a:solidFill>
-                <a:latin typeface="+mj-lt"/>
-                <a:ea typeface="+mj-ea"/>
-                <a:cs typeface="+mj-cs"/>
-              </a:rPr>
-              <a:t>Guiding Questions</a:t>
-            </a:r>
-          </a:p>
-        </p:txBody>
-      </p:sp>
-      <p:sp>
-        <p:nvSpPr>
-          <p:cNvPr id="3" name="Content Placeholder 2">
-            <a:extLst>
-              <a:ext uri="{FF2B5EF4-FFF2-40B4-BE49-F238E27FC236}">
-                <a16:creationId xmlns:a16="http://schemas.microsoft.com/office/drawing/2014/main" id="{606A0FD7-B64A-497D-A54A-67D403C5C515}"/>
-              </a:ext>
-            </a:extLst>
-          </p:cNvPr>
-          <p:cNvSpPr>
-            <a:spLocks noGrp="1"/>
-          </p:cNvSpPr>
-          <p:nvPr>
-            <p:ph sz="half" idx="1"/>
-          </p:nvPr>
-        </p:nvSpPr>
-        <p:spPr>
-          <a:xfrm>
-            <a:off x="965200" y="2470248"/>
-            <a:ext cx="4048344" cy="3983818"/>
-          </a:xfrm>
-        </p:spPr>
-        <p:txBody>
-          <a:bodyPr vert="horz" lIns="91440" tIns="45720" rIns="91440" bIns="45720" rtlCol="0">
-            <a:normAutofit fontScale="92500" lnSpcReduction="10000"/>
-          </a:bodyPr>
-          <a:lstStyle/>
-          <a:p>
-            <a:r>
-              <a:rPr lang="en-US" sz="2200" dirty="0"/>
-              <a:t>Are there racial disparities between the sentencing population and the general population in Tennessee?</a:t>
-            </a:r>
-          </a:p>
-          <a:p>
-            <a:r>
-              <a:rPr lang="en-US" sz="2200" dirty="0"/>
-              <a:t>What kinds of crimes are most common among different racial groups?</a:t>
-            </a:r>
-          </a:p>
-          <a:p>
-            <a:r>
-              <a:rPr lang="en-US" sz="2200" dirty="0"/>
-              <a:t>Are people of color receiving longer sentences on average?</a:t>
-            </a:r>
-          </a:p>
-          <a:p>
-            <a:r>
-              <a:rPr lang="en-US" sz="2200" dirty="0"/>
-              <a:t>Are there disparities in the application of sentence enhancements and sentence mitigation measures?</a:t>
-            </a:r>
-          </a:p>
-        </p:txBody>
-      </p:sp>
-      <p:sp>
-        <p:nvSpPr>
-          <p:cNvPr id="13" name="Freeform: Shape 12">
-            <a:extLst>
-              <a:ext uri="{FF2B5EF4-FFF2-40B4-BE49-F238E27FC236}">
-                <a16:creationId xmlns:a16="http://schemas.microsoft.com/office/drawing/2014/main" id="{62A38935-BB53-4DF7-A56E-48DD25B685D7}"/>
-              </a:ext>
-              <a:ext uri="{C183D7F6-B498-43B3-948B-1728B52AA6E4}">
-                <adec:decorative xmlns:adec="http://schemas.microsoft.com/office/drawing/2017/decorative" val="1"/>
-              </a:ext>
-            </a:extLst>
-          </p:cNvPr>
-          <p:cNvSpPr>
-            <a:spLocks noGrp="1" noRot="1" noChangeAspect="1" noMove="1" noResize="1" noEditPoints="1" noAdjustHandles="1" noChangeArrowheads="1" noChangeShapeType="1" noTextEdit="1"/>
-          </p:cNvSpPr>
-          <p:nvPr>
-            <p:extLst>
-              <p:ext uri="{386F3935-93C4-4BCD-93E2-E3B085C9AB24}">
-                <p16:designElem xmlns:p16="http://schemas.microsoft.com/office/powerpoint/2015/main" val="1"/>
-              </p:ext>
-            </p:extLst>
-          </p:nvPr>
-        </p:nvSpPr>
-        <p:spPr>
-          <a:xfrm>
-            <a:off x="5510370" y="851518"/>
-            <a:ext cx="6184806" cy="5154967"/>
-          </a:xfrm>
-          <a:custGeom>
-            <a:avLst/>
-            <a:gdLst>
-              <a:gd name="connsiteX0" fmla="*/ 363179 w 6184806"/>
-              <a:gd name="connsiteY0" fmla="*/ 3125191 h 5154967"/>
-              <a:gd name="connsiteX1" fmla="*/ 898270 w 6184806"/>
-              <a:gd name="connsiteY1" fmla="*/ 3125191 h 5154967"/>
-              <a:gd name="connsiteX2" fmla="*/ 980326 w 6184806"/>
-              <a:gd name="connsiteY2" fmla="*/ 3173551 h 5154967"/>
-              <a:gd name="connsiteX3" fmla="*/ 1248448 w 6184806"/>
-              <a:gd name="connsiteY3" fmla="*/ 3635277 h 5154967"/>
-              <a:gd name="connsiteX4" fmla="*/ 1248448 w 6184806"/>
-              <a:gd name="connsiteY4" fmla="*/ 3729695 h 5154967"/>
-              <a:gd name="connsiteX5" fmla="*/ 980326 w 6184806"/>
-              <a:gd name="connsiteY5" fmla="*/ 4191421 h 5154967"/>
-              <a:gd name="connsiteX6" fmla="*/ 898270 w 6184806"/>
-              <a:gd name="connsiteY6" fmla="*/ 4239781 h 5154967"/>
-              <a:gd name="connsiteX7" fmla="*/ 363179 w 6184806"/>
-              <a:gd name="connsiteY7" fmla="*/ 4239781 h 5154967"/>
-              <a:gd name="connsiteX8" fmla="*/ 279969 w 6184806"/>
-              <a:gd name="connsiteY8" fmla="*/ 4191421 h 5154967"/>
-              <a:gd name="connsiteX9" fmla="*/ 13002 w 6184806"/>
-              <a:gd name="connsiteY9" fmla="*/ 3729695 h 5154967"/>
-              <a:gd name="connsiteX10" fmla="*/ 13002 w 6184806"/>
-              <a:gd name="connsiteY10" fmla="*/ 3635277 h 5154967"/>
-              <a:gd name="connsiteX11" fmla="*/ 279969 w 6184806"/>
-              <a:gd name="connsiteY11" fmla="*/ 3173551 h 5154967"/>
-              <a:gd name="connsiteX12" fmla="*/ 363179 w 6184806"/>
-              <a:gd name="connsiteY12" fmla="*/ 3125191 h 5154967"/>
-              <a:gd name="connsiteX13" fmla="*/ 2489721 w 6184806"/>
-              <a:gd name="connsiteY13" fmla="*/ 570035 h 5154967"/>
-              <a:gd name="connsiteX14" fmla="*/ 2764862 w 6184806"/>
-              <a:gd name="connsiteY14" fmla="*/ 570035 h 5154967"/>
-              <a:gd name="connsiteX15" fmla="*/ 2796959 w 6184806"/>
-              <a:gd name="connsiteY15" fmla="*/ 570035 h 5154967"/>
-              <a:gd name="connsiteX16" fmla="*/ 2827587 w 6184806"/>
-              <a:gd name="connsiteY16" fmla="*/ 622777 h 5154967"/>
-              <a:gd name="connsiteX17" fmla="*/ 2977604 w 6184806"/>
-              <a:gd name="connsiteY17" fmla="*/ 881117 h 5154967"/>
-              <a:gd name="connsiteX18" fmla="*/ 2977604 w 6184806"/>
-              <a:gd name="connsiteY18" fmla="*/ 1025720 h 5154967"/>
-              <a:gd name="connsiteX19" fmla="*/ 2566968 w 6184806"/>
-              <a:gd name="connsiteY19" fmla="*/ 1732863 h 5154967"/>
-              <a:gd name="connsiteX20" fmla="*/ 2441299 w 6184806"/>
-              <a:gd name="connsiteY20" fmla="*/ 1806927 h 5154967"/>
-              <a:gd name="connsiteX21" fmla="*/ 1621798 w 6184806"/>
-              <a:gd name="connsiteY21" fmla="*/ 1806927 h 5154967"/>
-              <a:gd name="connsiteX22" fmla="*/ 1583218 w 6184806"/>
-              <a:gd name="connsiteY22" fmla="*/ 1801802 h 5154967"/>
-              <a:gd name="connsiteX23" fmla="*/ 1556683 w 6184806"/>
-              <a:gd name="connsiteY23" fmla="*/ 1790677 h 5154967"/>
-              <a:gd name="connsiteX24" fmla="*/ 1572899 w 6184806"/>
-              <a:gd name="connsiteY24" fmla="*/ 1762631 h 5154967"/>
-              <a:gd name="connsiteX25" fmla="*/ 2147429 w 6184806"/>
-              <a:gd name="connsiteY25" fmla="*/ 768968 h 5154967"/>
-              <a:gd name="connsiteX26" fmla="*/ 2489721 w 6184806"/>
-              <a:gd name="connsiteY26" fmla="*/ 570035 h 5154967"/>
-              <a:gd name="connsiteX27" fmla="*/ 1573268 w 6184806"/>
-              <a:gd name="connsiteY27" fmla="*/ 0 h 5154967"/>
-              <a:gd name="connsiteX28" fmla="*/ 2497662 w 6184806"/>
-              <a:gd name="connsiteY28" fmla="*/ 0 h 5154967"/>
-              <a:gd name="connsiteX29" fmla="*/ 2639415 w 6184806"/>
-              <a:gd name="connsiteY29" fmla="*/ 83546 h 5154967"/>
-              <a:gd name="connsiteX30" fmla="*/ 2887862 w 6184806"/>
-              <a:gd name="connsiteY30" fmla="*/ 511387 h 5154967"/>
-              <a:gd name="connsiteX31" fmla="*/ 2915928 w 6184806"/>
-              <a:gd name="connsiteY31" fmla="*/ 559720 h 5154967"/>
-              <a:gd name="connsiteX32" fmla="*/ 2893844 w 6184806"/>
-              <a:gd name="connsiteY32" fmla="*/ 559720 h 5154967"/>
-              <a:gd name="connsiteX33" fmla="*/ 2789466 w 6184806"/>
-              <a:gd name="connsiteY33" fmla="*/ 559720 h 5154967"/>
-              <a:gd name="connsiteX34" fmla="*/ 2744122 w 6184806"/>
-              <a:gd name="connsiteY34" fmla="*/ 481634 h 5154967"/>
-              <a:gd name="connsiteX35" fmla="*/ 2570885 w 6184806"/>
-              <a:gd name="connsiteY35" fmla="*/ 183309 h 5154967"/>
-              <a:gd name="connsiteX36" fmla="*/ 2445216 w 6184806"/>
-              <a:gd name="connsiteY36" fmla="*/ 109244 h 5154967"/>
-              <a:gd name="connsiteX37" fmla="*/ 1625714 w 6184806"/>
-              <a:gd name="connsiteY37" fmla="*/ 109244 h 5154967"/>
-              <a:gd name="connsiteX38" fmla="*/ 1498276 w 6184806"/>
-              <a:gd name="connsiteY38" fmla="*/ 183309 h 5154967"/>
-              <a:gd name="connsiteX39" fmla="*/ 1089410 w 6184806"/>
-              <a:gd name="connsiteY39" fmla="*/ 890450 h 5154967"/>
-              <a:gd name="connsiteX40" fmla="*/ 1089410 w 6184806"/>
-              <a:gd name="connsiteY40" fmla="*/ 1035054 h 5154967"/>
-              <a:gd name="connsiteX41" fmla="*/ 1498276 w 6184806"/>
-              <a:gd name="connsiteY41" fmla="*/ 1742196 h 5154967"/>
-              <a:gd name="connsiteX42" fmla="*/ 1552039 w 6184806"/>
-              <a:gd name="connsiteY42" fmla="*/ 1796421 h 5154967"/>
-              <a:gd name="connsiteX43" fmla="*/ 1558260 w 6184806"/>
-              <a:gd name="connsiteY43" fmla="*/ 1799029 h 5154967"/>
-              <a:gd name="connsiteX44" fmla="*/ 1524911 w 6184806"/>
-              <a:gd name="connsiteY44" fmla="*/ 1856707 h 5154967"/>
-              <a:gd name="connsiteX45" fmla="*/ 1500108 w 6184806"/>
-              <a:gd name="connsiteY45" fmla="*/ 1899604 h 5154967"/>
-              <a:gd name="connsiteX46" fmla="*/ 1525834 w 6184806"/>
-              <a:gd name="connsiteY46" fmla="*/ 1910390 h 5154967"/>
-              <a:gd name="connsiteX47" fmla="*/ 1569352 w 6184806"/>
-              <a:gd name="connsiteY47" fmla="*/ 1916170 h 5154967"/>
-              <a:gd name="connsiteX48" fmla="*/ 2493745 w 6184806"/>
-              <a:gd name="connsiteY48" fmla="*/ 1916170 h 5154967"/>
-              <a:gd name="connsiteX49" fmla="*/ 2635498 w 6184806"/>
-              <a:gd name="connsiteY49" fmla="*/ 1832627 h 5154967"/>
-              <a:gd name="connsiteX50" fmla="*/ 3098693 w 6184806"/>
-              <a:gd name="connsiteY50" fmla="*/ 1034974 h 5154967"/>
-              <a:gd name="connsiteX51" fmla="*/ 3098693 w 6184806"/>
-              <a:gd name="connsiteY51" fmla="*/ 871863 h 5154967"/>
-              <a:gd name="connsiteX52" fmla="*/ 2945803 w 6184806"/>
-              <a:gd name="connsiteY52" fmla="*/ 608576 h 5154967"/>
-              <a:gd name="connsiteX53" fmla="*/ 2923422 w 6184806"/>
-              <a:gd name="connsiteY53" fmla="*/ 570035 h 5154967"/>
-              <a:gd name="connsiteX54" fmla="*/ 3027104 w 6184806"/>
-              <a:gd name="connsiteY54" fmla="*/ 570035 h 5154967"/>
-              <a:gd name="connsiteX55" fmla="*/ 4690846 w 6184806"/>
-              <a:gd name="connsiteY55" fmla="*/ 570035 h 5154967"/>
-              <a:gd name="connsiteX56" fmla="*/ 5028384 w 6184806"/>
-              <a:gd name="connsiteY56" fmla="*/ 768968 h 5154967"/>
-              <a:gd name="connsiteX57" fmla="*/ 6131323 w 6184806"/>
-              <a:gd name="connsiteY57" fmla="*/ 2668304 h 5154967"/>
-              <a:gd name="connsiteX58" fmla="*/ 6131323 w 6184806"/>
-              <a:gd name="connsiteY58" fmla="*/ 3056698 h 5154967"/>
-              <a:gd name="connsiteX59" fmla="*/ 5028384 w 6184806"/>
-              <a:gd name="connsiteY59" fmla="*/ 4956035 h 5154967"/>
-              <a:gd name="connsiteX60" fmla="*/ 4690846 w 6184806"/>
-              <a:gd name="connsiteY60" fmla="*/ 5154967 h 5154967"/>
-              <a:gd name="connsiteX61" fmla="*/ 2489721 w 6184806"/>
-              <a:gd name="connsiteY61" fmla="*/ 5154967 h 5154967"/>
-              <a:gd name="connsiteX62" fmla="*/ 2147429 w 6184806"/>
-              <a:gd name="connsiteY62" fmla="*/ 4956035 h 5154967"/>
-              <a:gd name="connsiteX63" fmla="*/ 1049243 w 6184806"/>
-              <a:gd name="connsiteY63" fmla="*/ 3056698 h 5154967"/>
-              <a:gd name="connsiteX64" fmla="*/ 1049243 w 6184806"/>
-              <a:gd name="connsiteY64" fmla="*/ 2668304 h 5154967"/>
-              <a:gd name="connsiteX65" fmla="*/ 1457007 w 6184806"/>
-              <a:gd name="connsiteY65" fmla="*/ 1963067 h 5154967"/>
-              <a:gd name="connsiteX66" fmla="*/ 1491373 w 6184806"/>
-              <a:gd name="connsiteY66" fmla="*/ 1903634 h 5154967"/>
-              <a:gd name="connsiteX67" fmla="*/ 1490164 w 6184806"/>
-              <a:gd name="connsiteY67" fmla="*/ 1903127 h 5154967"/>
-              <a:gd name="connsiteX68" fmla="*/ 1429519 w 6184806"/>
-              <a:gd name="connsiteY68" fmla="*/ 1841960 h 5154967"/>
-              <a:gd name="connsiteX69" fmla="*/ 968320 w 6184806"/>
-              <a:gd name="connsiteY69" fmla="*/ 1044307 h 5154967"/>
-              <a:gd name="connsiteX70" fmla="*/ 968320 w 6184806"/>
-              <a:gd name="connsiteY70" fmla="*/ 881196 h 5154967"/>
-              <a:gd name="connsiteX71" fmla="*/ 1429519 w 6184806"/>
-              <a:gd name="connsiteY71" fmla="*/ 83546 h 5154967"/>
-              <a:gd name="connsiteX72" fmla="*/ 1573268 w 6184806"/>
-              <a:gd name="connsiteY72" fmla="*/ 0 h 5154967"/>
-            </a:gdLst>
-            <a:ahLst/>
-            <a:cxnLst>
-              <a:cxn ang="0">
-                <a:pos x="connsiteX0" y="connsiteY0"/>
-              </a:cxn>
-              <a:cxn ang="0">
-                <a:pos x="connsiteX1" y="connsiteY1"/>
-              </a:cxn>
-              <a:cxn ang="0">
-                <a:pos x="connsiteX2" y="connsiteY2"/>
-              </a:cxn>
-              <a:cxn ang="0">
-                <a:pos x="connsiteX3" y="connsiteY3"/>
-              </a:cxn>
-              <a:cxn ang="0">
-                <a:pos x="connsiteX4" y="connsiteY4"/>
-              </a:cxn>
-              <a:cxn ang="0">
-                <a:pos x="connsiteX5" y="connsiteY5"/>
-              </a:cxn>
-              <a:cxn ang="0">
-                <a:pos x="connsiteX6" y="connsiteY6"/>
-              </a:cxn>
-              <a:cxn ang="0">
-                <a:pos x="connsiteX7" y="connsiteY7"/>
-              </a:cxn>
-              <a:cxn ang="0">
-                <a:pos x="connsiteX8" y="connsiteY8"/>
-              </a:cxn>
-              <a:cxn ang="0">
-                <a:pos x="connsiteX9" y="connsiteY9"/>
-              </a:cxn>
-              <a:cxn ang="0">
-                <a:pos x="connsiteX10" y="connsiteY10"/>
-              </a:cxn>
-              <a:cxn ang="0">
-                <a:pos x="connsiteX11" y="connsiteY11"/>
-              </a:cxn>
-              <a:cxn ang="0">
-                <a:pos x="connsiteX12" y="connsiteY12"/>
-              </a:cxn>
-              <a:cxn ang="0">
-                <a:pos x="connsiteX13" y="connsiteY13"/>
-              </a:cxn>
-              <a:cxn ang="0">
-                <a:pos x="connsiteX14" y="connsiteY14"/>
-              </a:cxn>
-              <a:cxn ang="0">
-                <a:pos x="connsiteX15" y="connsiteY15"/>
-              </a:cxn>
-              <a:cxn ang="0">
-                <a:pos x="connsiteX16" y="connsiteY16"/>
-              </a:cxn>
-              <a:cxn ang="0">
-                <a:pos x="connsiteX17" y="connsiteY17"/>
-              </a:cxn>
-              <a:cxn ang="0">
-                <a:pos x="connsiteX18" y="connsiteY18"/>
-              </a:cxn>
-              <a:cxn ang="0">
-                <a:pos x="connsiteX19" y="connsiteY19"/>
-              </a:cxn>
-              <a:cxn ang="0">
-                <a:pos x="connsiteX20" y="connsiteY20"/>
-              </a:cxn>
-              <a:cxn ang="0">
-                <a:pos x="connsiteX21" y="connsiteY21"/>
-              </a:cxn>
-              <a:cxn ang="0">
-                <a:pos x="connsiteX22" y="connsiteY22"/>
-              </a:cxn>
-              <a:cxn ang="0">
-                <a:pos x="connsiteX23" y="connsiteY23"/>
-              </a:cxn>
-              <a:cxn ang="0">
-                <a:pos x="connsiteX24" y="connsiteY24"/>
-              </a:cxn>
-              <a:cxn ang="0">
-                <a:pos x="connsiteX25" y="connsiteY25"/>
-              </a:cxn>
-              <a:cxn ang="0">
-                <a:pos x="connsiteX26" y="connsiteY26"/>
-              </a:cxn>
-              <a:cxn ang="0">
-                <a:pos x="connsiteX27" y="connsiteY27"/>
-              </a:cxn>
-              <a:cxn ang="0">
-                <a:pos x="connsiteX28" y="connsiteY28"/>
-              </a:cxn>
-              <a:cxn ang="0">
-                <a:pos x="connsiteX29" y="connsiteY29"/>
-              </a:cxn>
-              <a:cxn ang="0">
-                <a:pos x="connsiteX30" y="connsiteY30"/>
-              </a:cxn>
-              <a:cxn ang="0">
-                <a:pos x="connsiteX31" y="connsiteY31"/>
-              </a:cxn>
-              <a:cxn ang="0">
-                <a:pos x="connsiteX32" y="connsiteY32"/>
-              </a:cxn>
-              <a:cxn ang="0">
-                <a:pos x="connsiteX33" y="connsiteY33"/>
-              </a:cxn>
-              <a:cxn ang="0">
-                <a:pos x="connsiteX34" y="connsiteY34"/>
-              </a:cxn>
-              <a:cxn ang="0">
-                <a:pos x="connsiteX35" y="connsiteY35"/>
-              </a:cxn>
-              <a:cxn ang="0">
-                <a:pos x="connsiteX36" y="connsiteY36"/>
-              </a:cxn>
-              <a:cxn ang="0">
-                <a:pos x="connsiteX37" y="connsiteY37"/>
-              </a:cxn>
-              <a:cxn ang="0">
-                <a:pos x="connsiteX38" y="connsiteY38"/>
-              </a:cxn>
-              <a:cxn ang="0">
-                <a:pos x="connsiteX39" y="connsiteY39"/>
-              </a:cxn>
-              <a:cxn ang="0">
-                <a:pos x="connsiteX40" y="connsiteY40"/>
-              </a:cxn>
-              <a:cxn ang="0">
-                <a:pos x="connsiteX41" y="connsiteY41"/>
-              </a:cxn>
-              <a:cxn ang="0">
-                <a:pos x="connsiteX42" y="connsiteY42"/>
-              </a:cxn>
-              <a:cxn ang="0">
-                <a:pos x="connsiteX43" y="connsiteY43"/>
-              </a:cxn>
-              <a:cxn ang="0">
-                <a:pos x="connsiteX44" y="connsiteY44"/>
-              </a:cxn>
-              <a:cxn ang="0">
-                <a:pos x="connsiteX45" y="connsiteY45"/>
-              </a:cxn>
-              <a:cxn ang="0">
-                <a:pos x="connsiteX46" y="connsiteY46"/>
-              </a:cxn>
-              <a:cxn ang="0">
-                <a:pos x="connsiteX47" y="connsiteY47"/>
-              </a:cxn>
-              <a:cxn ang="0">
-                <a:pos x="connsiteX48" y="connsiteY48"/>
-              </a:cxn>
-              <a:cxn ang="0">
-                <a:pos x="connsiteX49" y="connsiteY49"/>
-              </a:cxn>
-              <a:cxn ang="0">
-                <a:pos x="connsiteX50" y="connsiteY50"/>
-              </a:cxn>
-              <a:cxn ang="0">
-                <a:pos x="connsiteX51" y="connsiteY51"/>
-              </a:cxn>
-              <a:cxn ang="0">
-                <a:pos x="connsiteX52" y="connsiteY52"/>
-              </a:cxn>
-              <a:cxn ang="0">
-                <a:pos x="connsiteX53" y="connsiteY53"/>
-              </a:cxn>
-              <a:cxn ang="0">
-                <a:pos x="connsiteX54" y="connsiteY54"/>
-              </a:cxn>
-              <a:cxn ang="0">
-                <a:pos x="connsiteX55" y="connsiteY55"/>
-              </a:cxn>
-              <a:cxn ang="0">
-                <a:pos x="connsiteX56" y="connsiteY56"/>
-              </a:cxn>
-              <a:cxn ang="0">
-                <a:pos x="connsiteX57" y="connsiteY57"/>
-              </a:cxn>
-              <a:cxn ang="0">
-                <a:pos x="connsiteX58" y="connsiteY58"/>
-              </a:cxn>
-              <a:cxn ang="0">
-                <a:pos x="connsiteX59" y="connsiteY59"/>
-              </a:cxn>
-              <a:cxn ang="0">
-                <a:pos x="connsiteX60" y="connsiteY60"/>
-              </a:cxn>
-              <a:cxn ang="0">
-                <a:pos x="connsiteX61" y="connsiteY61"/>
-              </a:cxn>
-              <a:cxn ang="0">
-                <a:pos x="connsiteX62" y="connsiteY62"/>
-              </a:cxn>
-              <a:cxn ang="0">
-                <a:pos x="connsiteX63" y="connsiteY63"/>
-              </a:cxn>
-              <a:cxn ang="0">
-                <a:pos x="connsiteX64" y="connsiteY64"/>
-              </a:cxn>
-              <a:cxn ang="0">
-                <a:pos x="connsiteX65" y="connsiteY65"/>
-              </a:cxn>
-              <a:cxn ang="0">
-                <a:pos x="connsiteX66" y="connsiteY66"/>
-              </a:cxn>
-              <a:cxn ang="0">
-                <a:pos x="connsiteX67" y="connsiteY67"/>
-              </a:cxn>
-              <a:cxn ang="0">
-                <a:pos x="connsiteX68" y="connsiteY68"/>
-              </a:cxn>
-              <a:cxn ang="0">
-                <a:pos x="connsiteX69" y="connsiteY69"/>
-              </a:cxn>
-              <a:cxn ang="0">
-                <a:pos x="connsiteX70" y="connsiteY70"/>
-              </a:cxn>
-              <a:cxn ang="0">
-                <a:pos x="connsiteX71" y="connsiteY71"/>
-              </a:cxn>
-              <a:cxn ang="0">
-                <a:pos x="connsiteX72" y="connsiteY72"/>
-              </a:cxn>
-            </a:cxnLst>
-            <a:rect l="l" t="t" r="r" b="b"/>
-            <a:pathLst>
-              <a:path w="6184806" h="5154967">
-                <a:moveTo>
-                  <a:pt x="363179" y="3125191"/>
-                </a:moveTo>
-                <a:cubicBezTo>
-                  <a:pt x="363179" y="3125191"/>
-                  <a:pt x="363179" y="3125191"/>
-                  <a:pt x="898270" y="3125191"/>
-                </a:cubicBezTo>
-                <a:cubicBezTo>
-                  <a:pt x="931786" y="3125191"/>
-                  <a:pt x="964145" y="3143614"/>
-                  <a:pt x="980326" y="3173551"/>
-                </a:cubicBezTo>
-                <a:cubicBezTo>
-                  <a:pt x="980326" y="3173551"/>
-                  <a:pt x="980326" y="3173551"/>
-                  <a:pt x="1248448" y="3635277"/>
-                </a:cubicBezTo>
-                <a:cubicBezTo>
-                  <a:pt x="1265784" y="3664063"/>
-                  <a:pt x="1265784" y="3700909"/>
-                  <a:pt x="1248448" y="3729695"/>
-                </a:cubicBezTo>
-                <a:cubicBezTo>
-                  <a:pt x="1248448" y="3729695"/>
-                  <a:pt x="1248448" y="3729695"/>
-                  <a:pt x="980326" y="4191421"/>
-                </a:cubicBezTo>
-                <a:cubicBezTo>
-                  <a:pt x="964145" y="4221358"/>
-                  <a:pt x="931786" y="4239781"/>
-                  <a:pt x="898270" y="4239781"/>
-                </a:cubicBezTo>
-                <a:cubicBezTo>
-                  <a:pt x="898270" y="4239781"/>
-                  <a:pt x="898270" y="4239781"/>
-                  <a:pt x="363179" y="4239781"/>
-                </a:cubicBezTo>
-                <a:cubicBezTo>
-                  <a:pt x="328508" y="4239781"/>
-                  <a:pt x="297305" y="4221358"/>
-                  <a:pt x="279969" y="4191421"/>
-                </a:cubicBezTo>
-                <a:cubicBezTo>
-                  <a:pt x="279969" y="4191421"/>
-                  <a:pt x="279969" y="4191421"/>
-                  <a:pt x="13002" y="3729695"/>
-                </a:cubicBezTo>
-                <a:cubicBezTo>
-                  <a:pt x="-4334" y="3700909"/>
-                  <a:pt x="-4334" y="3664063"/>
-                  <a:pt x="13002" y="3635277"/>
-                </a:cubicBezTo>
-                <a:cubicBezTo>
-                  <a:pt x="13002" y="3635277"/>
-                  <a:pt x="13002" y="3635277"/>
-                  <a:pt x="279969" y="3173551"/>
-                </a:cubicBezTo>
-                <a:cubicBezTo>
-                  <a:pt x="297305" y="3143614"/>
-                  <a:pt x="328508" y="3125191"/>
-                  <a:pt x="363179" y="3125191"/>
-                </a:cubicBezTo>
-                <a:close/>
-                <a:moveTo>
-                  <a:pt x="2489721" y="570035"/>
-                </a:moveTo>
-                <a:cubicBezTo>
-                  <a:pt x="2489721" y="570035"/>
-                  <a:pt x="2489721" y="570035"/>
-                  <a:pt x="2764862" y="570035"/>
-                </a:cubicBezTo>
-                <a:lnTo>
-                  <a:pt x="2796959" y="570035"/>
-                </a:lnTo>
-                <a:lnTo>
-                  <a:pt x="2827587" y="622777"/>
-                </a:lnTo>
-                <a:cubicBezTo>
-                  <a:pt x="2870233" y="696217"/>
-                  <a:pt x="2919858" y="781675"/>
-                  <a:pt x="2977604" y="881117"/>
-                </a:cubicBezTo>
-                <a:cubicBezTo>
-                  <a:pt x="3004153" y="925204"/>
-                  <a:pt x="3004153" y="981634"/>
-                  <a:pt x="2977604" y="1025720"/>
-                </a:cubicBezTo>
-                <a:cubicBezTo>
-                  <a:pt x="2977604" y="1025720"/>
-                  <a:pt x="2977604" y="1025720"/>
-                  <a:pt x="2566968" y="1732863"/>
-                </a:cubicBezTo>
-                <a:cubicBezTo>
-                  <a:pt x="2542188" y="1778712"/>
-                  <a:pt x="2492629" y="1806927"/>
-                  <a:pt x="2441299" y="1806927"/>
-                </a:cubicBezTo>
-                <a:cubicBezTo>
-                  <a:pt x="2441299" y="1806927"/>
-                  <a:pt x="2441299" y="1806927"/>
-                  <a:pt x="1621798" y="1806927"/>
-                </a:cubicBezTo>
-                <a:cubicBezTo>
-                  <a:pt x="1608523" y="1806927"/>
-                  <a:pt x="1595580" y="1805163"/>
-                  <a:pt x="1583218" y="1801802"/>
-                </a:cubicBezTo>
-                <a:lnTo>
-                  <a:pt x="1556683" y="1790677"/>
-                </a:lnTo>
-                <a:lnTo>
-                  <a:pt x="1572899" y="1762631"/>
-                </a:lnTo>
-                <a:cubicBezTo>
-                  <a:pt x="1719523" y="1509042"/>
-                  <a:pt x="1907201" y="1184448"/>
-                  <a:pt x="2147429" y="768968"/>
-                </a:cubicBezTo>
-                <a:cubicBezTo>
-                  <a:pt x="2218739" y="645819"/>
-                  <a:pt x="2347099" y="570035"/>
-                  <a:pt x="2489721" y="570035"/>
-                </a:cubicBezTo>
-                <a:close/>
-                <a:moveTo>
-                  <a:pt x="1573268" y="0"/>
-                </a:moveTo>
-                <a:cubicBezTo>
-                  <a:pt x="1573268" y="0"/>
-                  <a:pt x="1573268" y="0"/>
-                  <a:pt x="2497662" y="0"/>
-                </a:cubicBezTo>
-                <a:cubicBezTo>
-                  <a:pt x="2555561" y="0"/>
-                  <a:pt x="2611463" y="31828"/>
-                  <a:pt x="2639415" y="83546"/>
-                </a:cubicBezTo>
-                <a:cubicBezTo>
-                  <a:pt x="2639415" y="83546"/>
-                  <a:pt x="2639415" y="83546"/>
-                  <a:pt x="2887862" y="511387"/>
-                </a:cubicBezTo>
-                <a:lnTo>
-                  <a:pt x="2915928" y="559720"/>
-                </a:lnTo>
-                <a:lnTo>
-                  <a:pt x="2893844" y="559720"/>
-                </a:lnTo>
-                <a:lnTo>
-                  <a:pt x="2789466" y="559720"/>
-                </a:lnTo>
-                <a:lnTo>
-                  <a:pt x="2744122" y="481634"/>
-                </a:lnTo>
-                <a:cubicBezTo>
-                  <a:pt x="2570885" y="183309"/>
-                  <a:pt x="2570885" y="183309"/>
-                  <a:pt x="2570885" y="183309"/>
-                </a:cubicBezTo>
-                <a:cubicBezTo>
-                  <a:pt x="2546104" y="137459"/>
-                  <a:pt x="2496545" y="109244"/>
-                  <a:pt x="2445216" y="109244"/>
-                </a:cubicBezTo>
-                <a:cubicBezTo>
-                  <a:pt x="1625714" y="109244"/>
-                  <a:pt x="1625714" y="109244"/>
-                  <a:pt x="1625714" y="109244"/>
-                </a:cubicBezTo>
-                <a:cubicBezTo>
-                  <a:pt x="1572615" y="109244"/>
-                  <a:pt x="1524825" y="137459"/>
-                  <a:pt x="1498276" y="183309"/>
-                </a:cubicBezTo>
-                <a:cubicBezTo>
-                  <a:pt x="1089410" y="890450"/>
-                  <a:pt x="1089410" y="890450"/>
-                  <a:pt x="1089410" y="890450"/>
-                </a:cubicBezTo>
-                <a:cubicBezTo>
-                  <a:pt x="1062860" y="934537"/>
-                  <a:pt x="1062860" y="990968"/>
-                  <a:pt x="1089410" y="1035054"/>
-                </a:cubicBezTo>
-                <a:cubicBezTo>
-                  <a:pt x="1498276" y="1742196"/>
-                  <a:pt x="1498276" y="1742196"/>
-                  <a:pt x="1498276" y="1742196"/>
-                </a:cubicBezTo>
-                <a:cubicBezTo>
-                  <a:pt x="1511551" y="1765121"/>
-                  <a:pt x="1530135" y="1783637"/>
-                  <a:pt x="1552039" y="1796421"/>
-                </a:cubicBezTo>
-                <a:lnTo>
-                  <a:pt x="1558260" y="1799029"/>
-                </a:lnTo>
-                <a:lnTo>
-                  <a:pt x="1524911" y="1856707"/>
-                </a:lnTo>
-                <a:lnTo>
-                  <a:pt x="1500108" y="1899604"/>
-                </a:lnTo>
-                <a:lnTo>
-                  <a:pt x="1525834" y="1910390"/>
-                </a:lnTo>
-                <a:cubicBezTo>
-                  <a:pt x="1539779" y="1914181"/>
-                  <a:pt x="1554378" y="1916170"/>
-                  <a:pt x="1569352" y="1916170"/>
-                </a:cubicBezTo>
-                <a:cubicBezTo>
-                  <a:pt x="2493745" y="1916170"/>
-                  <a:pt x="2493745" y="1916170"/>
-                  <a:pt x="2493745" y="1916170"/>
-                </a:cubicBezTo>
-                <a:cubicBezTo>
-                  <a:pt x="2551645" y="1916170"/>
-                  <a:pt x="2607546" y="1884345"/>
-                  <a:pt x="2635498" y="1832627"/>
-                </a:cubicBezTo>
-                <a:cubicBezTo>
-                  <a:pt x="3098693" y="1034974"/>
-                  <a:pt x="3098693" y="1034974"/>
-                  <a:pt x="3098693" y="1034974"/>
-                </a:cubicBezTo>
-                <a:cubicBezTo>
-                  <a:pt x="3128641" y="985246"/>
-                  <a:pt x="3128641" y="921593"/>
-                  <a:pt x="3098693" y="871863"/>
-                </a:cubicBezTo>
-                <a:cubicBezTo>
-                  <a:pt x="3040794" y="772157"/>
-                  <a:pt x="2990132" y="684914"/>
-                  <a:pt x="2945803" y="608576"/>
-                </a:cubicBezTo>
-                <a:lnTo>
-                  <a:pt x="2923422" y="570035"/>
-                </a:lnTo>
-                <a:lnTo>
-                  <a:pt x="3027104" y="570035"/>
-                </a:lnTo>
-                <a:cubicBezTo>
-                  <a:pt x="3349535" y="570035"/>
-                  <a:pt x="3865424" y="570035"/>
-                  <a:pt x="4690846" y="570035"/>
-                </a:cubicBezTo>
-                <a:cubicBezTo>
-                  <a:pt x="4828714" y="570035"/>
-                  <a:pt x="4961827" y="645819"/>
-                  <a:pt x="5028384" y="768968"/>
-                </a:cubicBezTo>
-                <a:cubicBezTo>
-                  <a:pt x="5028384" y="768968"/>
-                  <a:pt x="5028384" y="768968"/>
-                  <a:pt x="6131323" y="2668304"/>
-                </a:cubicBezTo>
-                <a:cubicBezTo>
-                  <a:pt x="6202634" y="2786717"/>
-                  <a:pt x="6202634" y="2938285"/>
-                  <a:pt x="6131323" y="3056698"/>
-                </a:cubicBezTo>
-                <a:cubicBezTo>
-                  <a:pt x="6131323" y="3056698"/>
-                  <a:pt x="6131323" y="3056698"/>
-                  <a:pt x="5028384" y="4956035"/>
-                </a:cubicBezTo>
-                <a:cubicBezTo>
-                  <a:pt x="4961827" y="5079184"/>
-                  <a:pt x="4828714" y="5154967"/>
-                  <a:pt x="4690846" y="5154967"/>
-                </a:cubicBezTo>
-                <a:cubicBezTo>
-                  <a:pt x="4690846" y="5154967"/>
-                  <a:pt x="4690846" y="5154967"/>
-                  <a:pt x="2489721" y="5154967"/>
-                </a:cubicBezTo>
-                <a:cubicBezTo>
-                  <a:pt x="2347099" y="5154967"/>
-                  <a:pt x="2218739" y="5079184"/>
-                  <a:pt x="2147429" y="4956035"/>
-                </a:cubicBezTo>
-                <a:cubicBezTo>
-                  <a:pt x="2147429" y="4956035"/>
-                  <a:pt x="2147429" y="4956035"/>
-                  <a:pt x="1049243" y="3056698"/>
-                </a:cubicBezTo>
-                <a:cubicBezTo>
-                  <a:pt x="977932" y="2938285"/>
-                  <a:pt x="977932" y="2786717"/>
-                  <a:pt x="1049243" y="2668304"/>
-                </a:cubicBezTo>
-                <a:cubicBezTo>
-                  <a:pt x="1049243" y="2668304"/>
-                  <a:pt x="1049243" y="2668304"/>
-                  <a:pt x="1457007" y="1963067"/>
-                </a:cubicBezTo>
-                <a:lnTo>
-                  <a:pt x="1491373" y="1903634"/>
-                </a:lnTo>
-                <a:lnTo>
-                  <a:pt x="1490164" y="1903127"/>
-                </a:lnTo>
-                <a:cubicBezTo>
-                  <a:pt x="1465456" y="1888705"/>
-                  <a:pt x="1444493" y="1867820"/>
-                  <a:pt x="1429519" y="1841960"/>
-                </a:cubicBezTo>
-                <a:cubicBezTo>
-                  <a:pt x="1429519" y="1841960"/>
-                  <a:pt x="1429519" y="1841960"/>
-                  <a:pt x="968320" y="1044307"/>
-                </a:cubicBezTo>
-                <a:cubicBezTo>
-                  <a:pt x="938371" y="994579"/>
-                  <a:pt x="938371" y="930926"/>
-                  <a:pt x="968320" y="881196"/>
-                </a:cubicBezTo>
-                <a:cubicBezTo>
-                  <a:pt x="968320" y="881196"/>
-                  <a:pt x="968320" y="881196"/>
-                  <a:pt x="1429519" y="83546"/>
-                </a:cubicBezTo>
-                <a:cubicBezTo>
-                  <a:pt x="1459466" y="31828"/>
-                  <a:pt x="1513373" y="0"/>
-                  <a:pt x="1573268" y="0"/>
-                </a:cubicBezTo>
-                <a:close/>
-              </a:path>
-            </a:pathLst>
-          </a:custGeom>
-          <a:solidFill>
-            <a:schemeClr val="tx1">
-              <a:lumMod val="50000"/>
-              <a:lumOff val="50000"/>
-              <a:alpha val="15000"/>
-            </a:schemeClr>
-          </a:solidFill>
-          <a:ln>
-            <a:noFill/>
-          </a:ln>
-        </p:spPr>
-        <p:style>
-          <a:lnRef idx="2">
-            <a:schemeClr val="accent1">
-              <a:shade val="50000"/>
-            </a:schemeClr>
-          </a:lnRef>
-          <a:fillRef idx="1">
-            <a:schemeClr val="accent1"/>
-          </a:fillRef>
-          <a:effectRef idx="0">
-            <a:schemeClr val="accent1"/>
-          </a:effectRef>
-          <a:fontRef idx="minor">
-            <a:schemeClr val="lt1"/>
-          </a:fontRef>
-        </p:style>
-        <p:txBody>
-          <a:bodyPr wrap="square" rtlCol="0" anchor="ctr">
-            <a:noAutofit/>
-          </a:bodyPr>
-          <a:lstStyle/>
-          <a:p>
-            <a:pPr algn="ctr"/>
-            <a:endParaRPr lang="en-US"/>
-          </a:p>
-        </p:txBody>
-      </p:sp>
-      <p:pic>
-        <p:nvPicPr>
-          <p:cNvPr id="6" name="Graphic 5" descr="Help with solid fill">
-            <a:extLst>
-              <a:ext uri="{FF2B5EF4-FFF2-40B4-BE49-F238E27FC236}">
-                <a16:creationId xmlns:a16="http://schemas.microsoft.com/office/drawing/2014/main" id="{5D1B45EE-EE74-4916-A832-5235393504C2}"/>
-              </a:ext>
-            </a:extLst>
-          </p:cNvPr>
-          <p:cNvPicPr>
-            <a:picLocks noChangeAspect="1"/>
-          </p:cNvPicPr>
-          <p:nvPr/>
-        </p:nvPicPr>
-        <p:blipFill>
-          <a:blip r:embed="rId2">
-            <a:extLst>
-              <a:ext uri="{28A0092B-C50C-407E-A947-70E740481C1C}">
-                <a14:useLocalDpi xmlns:a14="http://schemas.microsoft.com/office/drawing/2010/main" val="0"/>
-              </a:ext>
-              <a:ext uri="{96DAC541-7B7A-43D3-8B79-37D633B846F1}">
-                <asvg:svgBlip xmlns:asvg="http://schemas.microsoft.com/office/drawing/2016/SVG/main" r:embed="rId3"/>
-              </a:ext>
-            </a:extLst>
-          </a:blip>
-          <a:stretch>
-            <a:fillRect/>
-          </a:stretch>
-        </p:blipFill>
-        <p:spPr>
-          <a:xfrm>
-            <a:off x="7535330" y="2105470"/>
-            <a:ext cx="3217333" cy="3217333"/>
-          </a:xfrm>
-          <a:prstGeom prst="rect">
-            <a:avLst/>
-          </a:prstGeom>
-        </p:spPr>
-      </p:pic>
-    </p:spTree>
-    <p:extLst>
-      <p:ext uri="{BB962C8B-B14F-4D97-AF65-F5344CB8AC3E}">
-        <p14:creationId xmlns:p14="http://schemas.microsoft.com/office/powerpoint/2010/main" val="668814964"/>
-      </p:ext>
-    </p:extLst>
-  </p:cSld>
-  <p:clrMapOvr>
-    <a:masterClrMapping/>
-  </p:clrMapOvr>
-  <p:timing>
-    <p:tnLst>
-      <p:par>
-        <p:cTn id="1" dur="indefinite" restart="never" nodeType="tmRoot">
-          <p:childTnLst>
-            <p:seq concurrent="1" nextAc="seek">
-              <p:cTn id="2" dur="indefinite" nodeType="mainSeq">
-                <p:childTnLst>
-                  <p:par>
-                    <p:cTn id="3" fill="hold">
-                      <p:stCondLst>
-                        <p:cond delay="indefinite"/>
-                      </p:stCondLst>
-                      <p:childTnLst>
-                        <p:par>
-                          <p:cTn id="4" fill="hold">
-                            <p:stCondLst>
-                              <p:cond delay="0"/>
-                            </p:stCondLst>
-                            <p:childTnLst>
-                              <p:par>
-                                <p:cTn id="5" presetID="10" presetClass="entr" presetSubtype="0" fill="hold" nodeType="clickEffect">
-                                  <p:stCondLst>
-                                    <p:cond delay="0"/>
-                                  </p:stCondLst>
-                                  <p:childTnLst>
-                                    <p:set>
-                                      <p:cBhvr>
-                                        <p:cTn id="6" dur="1" fill="hold">
-                                          <p:stCondLst>
-                                            <p:cond delay="0"/>
-                                          </p:stCondLst>
-                                        </p:cTn>
-                                        <p:tgtEl>
-                                          <p:spTgt spid="3">
-                                            <p:txEl>
-                                              <p:pRg st="0" end="0"/>
-                                            </p:txEl>
-                                          </p:spTgt>
-                                        </p:tgtEl>
-                                        <p:attrNameLst>
-                                          <p:attrName>style.visibility</p:attrName>
-                                        </p:attrNameLst>
-                                      </p:cBhvr>
-                                      <p:to>
-                                        <p:strVal val="visible"/>
-                                      </p:to>
-                                    </p:set>
-                                    <p:animEffect transition="in" filter="fade">
-                                      <p:cBhvr>
-                                        <p:cTn id="7" dur="500"/>
-                                        <p:tgtEl>
-                                          <p:spTgt spid="3">
-                                            <p:txEl>
-                                              <p:pRg st="0" end="0"/>
-                                            </p:txEl>
-                                          </p:spTgt>
-                                        </p:tgtEl>
-                                      </p:cBhvr>
-                                    </p:animEffect>
-                                  </p:childTnLst>
-                                </p:cTn>
-                              </p:par>
-                            </p:childTnLst>
-                          </p:cTn>
-                        </p:par>
-                      </p:childTnLst>
-                    </p:cTn>
-                  </p:par>
-                  <p:par>
-                    <p:cTn id="8" fill="hold">
-                      <p:stCondLst>
-                        <p:cond delay="indefinite"/>
-                      </p:stCondLst>
-                      <p:childTnLst>
-                        <p:par>
-                          <p:cTn id="9" fill="hold">
-                            <p:stCondLst>
-                              <p:cond delay="0"/>
-                            </p:stCondLst>
-                            <p:childTnLst>
-                              <p:par>
-                                <p:cTn id="10" presetID="1" presetClass="entr" presetSubtype="0" fill="hold" nodeType="clickEffect">
-                                  <p:stCondLst>
-                                    <p:cond delay="0"/>
-                                  </p:stCondLst>
-                                  <p:childTnLst>
-                                    <p:set>
-                                      <p:cBhvr>
-                                        <p:cTn id="11" dur="1" fill="hold">
-                                          <p:stCondLst>
-                                            <p:cond delay="0"/>
-                                          </p:stCondLst>
-                                        </p:cTn>
-                                        <p:tgtEl>
-                                          <p:spTgt spid="3">
-                                            <p:txEl>
-                                              <p:pRg st="1" end="1"/>
-                                            </p:txEl>
-                                          </p:spTgt>
-                                        </p:tgtEl>
-                                        <p:attrNameLst>
-                                          <p:attrName>style.visibility</p:attrName>
-                                        </p:attrNameLst>
-                                      </p:cBhvr>
-                                      <p:to>
-                                        <p:strVal val="visible"/>
-                                      </p:to>
-                                    </p:set>
-                                  </p:childTnLst>
-                                </p:cTn>
-                              </p:par>
-                            </p:childTnLst>
-                          </p:cTn>
-                        </p:par>
-                      </p:childTnLst>
-                    </p:cTn>
-                  </p:par>
-                  <p:par>
-                    <p:cTn id="12" fill="hold">
-                      <p:stCondLst>
-                        <p:cond delay="indefinite"/>
-                      </p:stCondLst>
-                      <p:childTnLst>
-                        <p:par>
-                          <p:cTn id="13" fill="hold">
-                            <p:stCondLst>
-                              <p:cond delay="0"/>
-                            </p:stCondLst>
-                            <p:childTnLst>
-                              <p:par>
-                                <p:cTn id="14" presetID="10" presetClass="entr" presetSubtype="0" fill="hold" nodeType="clickEffect">
-                                  <p:stCondLst>
-                                    <p:cond delay="0"/>
-                                  </p:stCondLst>
-                                  <p:childTnLst>
-                                    <p:set>
-                                      <p:cBhvr>
-                                        <p:cTn id="15" dur="1" fill="hold">
-                                          <p:stCondLst>
-                                            <p:cond delay="0"/>
-                                          </p:stCondLst>
-                                        </p:cTn>
-                                        <p:tgtEl>
-                                          <p:spTgt spid="3">
-                                            <p:txEl>
-                                              <p:pRg st="2" end="2"/>
-                                            </p:txEl>
-                                          </p:spTgt>
-                                        </p:tgtEl>
-                                        <p:attrNameLst>
-                                          <p:attrName>style.visibility</p:attrName>
-                                        </p:attrNameLst>
-                                      </p:cBhvr>
-                                      <p:to>
-                                        <p:strVal val="visible"/>
-                                      </p:to>
-                                    </p:set>
-                                    <p:animEffect transition="in" filter="fade">
-                                      <p:cBhvr>
-                                        <p:cTn id="16" dur="500"/>
-                                        <p:tgtEl>
-                                          <p:spTgt spid="3">
-                                            <p:txEl>
-                                              <p:pRg st="2" end="2"/>
-                                            </p:txEl>
-                                          </p:spTgt>
-                                        </p:tgtEl>
-                                      </p:cBhvr>
-                                    </p:animEffect>
-                                  </p:childTnLst>
-                                </p:cTn>
-                              </p:par>
-                            </p:childTnLst>
-                          </p:cTn>
-                        </p:par>
-                      </p:childTnLst>
-                    </p:cTn>
-                  </p:par>
-                  <p:par>
-                    <p:cTn id="17" fill="hold">
-                      <p:stCondLst>
-                        <p:cond delay="indefinite"/>
-                      </p:stCondLst>
-                      <p:childTnLst>
-                        <p:par>
-                          <p:cTn id="18" fill="hold">
-                            <p:stCondLst>
-                              <p:cond delay="0"/>
-                            </p:stCondLst>
-                            <p:childTnLst>
-                              <p:par>
-                                <p:cTn id="19" presetID="10" presetClass="entr" presetSubtype="0" fill="hold" nodeType="clickEffect">
-                                  <p:stCondLst>
-                                    <p:cond delay="0"/>
-                                  </p:stCondLst>
-                                  <p:childTnLst>
-                                    <p:set>
-                                      <p:cBhvr>
-                                        <p:cTn id="20" dur="1" fill="hold">
-                                          <p:stCondLst>
-                                            <p:cond delay="0"/>
-                                          </p:stCondLst>
-                                        </p:cTn>
-                                        <p:tgtEl>
-                                          <p:spTgt spid="3">
-                                            <p:txEl>
-                                              <p:pRg st="3" end="3"/>
-                                            </p:txEl>
-                                          </p:spTgt>
-                                        </p:tgtEl>
-                                        <p:attrNameLst>
-                                          <p:attrName>style.visibility</p:attrName>
-                                        </p:attrNameLst>
-                                      </p:cBhvr>
-                                      <p:to>
-                                        <p:strVal val="visible"/>
-                                      </p:to>
-                                    </p:set>
-                                    <p:animEffect transition="in" filter="fade">
-                                      <p:cBhvr>
-                                        <p:cTn id="21" dur="500"/>
-                                        <p:tgtEl>
-                                          <p:spTgt spid="3">
-                                            <p:txEl>
-                                              <p:pRg st="3" end="3"/>
-                                            </p:txEl>
-                                          </p:spTgt>
-                                        </p:tgtEl>
-                                      </p:cBhvr>
-                                    </p:animEffect>
-                                  </p:childTnLst>
-                                </p:cTn>
-                              </p:par>
-                            </p:childTnLst>
-                          </p:cTn>
-                        </p:par>
-                      </p:childTnLst>
-                    </p:cTn>
-                  </p:par>
-                </p:childTnLst>
-              </p:cTn>
-              <p:prevCondLst>
-                <p:cond evt="onPrev" delay="0">
-                  <p:tgtEl>
-                    <p:sldTgt/>
-                  </p:tgtEl>
-                </p:cond>
-              </p:prevCondLst>
-              <p:nextCondLst>
-                <p:cond evt="onNext" delay="0">
-                  <p:tgtEl>
-                    <p:sldTgt/>
-                  </p:tgtEl>
-                </p:cond>
-              </p:nextCondLst>
-            </p:seq>
-          </p:childTnLst>
-        </p:cTn>
-      </p:par>
-    </p:tnLst>
-  </p:timing>
-</p:sld>
-</file>
-
-<file path=ppt/slides/slide20.xml><?xml version="1.0" encoding="utf-8"?>
+<file path=ppt/slides/slide19.xml><?xml version="1.0" encoding="utf-8"?>
 <p:sld xmlns:a="http://schemas.openxmlformats.org/drawingml/2006/main" xmlns:r="http://schemas.openxmlformats.org/officeDocument/2006/relationships" xmlns:p="http://schemas.openxmlformats.org/presentationml/2006/main">
   <p:cSld>
     <p:bg>
@@ -13980,8 +12618,8 @@
         </p:blipFill>
         <p:spPr>
           <a:xfrm>
-            <a:off x="6643857" y="1487286"/>
-            <a:ext cx="5051317" cy="3157073"/>
+            <a:off x="6664509" y="1487286"/>
+            <a:ext cx="5010013" cy="3157073"/>
           </a:xfrm>
           <a:prstGeom prst="rect">
             <a:avLst/>
@@ -14165,7 +12803,1275 @@
 </p:sld>
 </file>
 
-<file path=ppt/slides/slide21.xml><?xml version="1.0" encoding="utf-8"?>
+<file path=ppt/slides/slide2.xml><?xml version="1.0" encoding="utf-8"?>
+<p:sld xmlns:a="http://schemas.openxmlformats.org/drawingml/2006/main" xmlns:r="http://schemas.openxmlformats.org/officeDocument/2006/relationships" xmlns:p="http://schemas.openxmlformats.org/presentationml/2006/main">
+  <p:cSld>
+    <p:bg>
+      <p:bgPr>
+        <a:solidFill>
+          <a:schemeClr val="bg1"/>
+        </a:solidFill>
+        <a:effectLst/>
+      </p:bgPr>
+    </p:bg>
+    <p:spTree>
+      <p:nvGrpSpPr>
+        <p:cNvPr id="1" name=""/>
+        <p:cNvGrpSpPr/>
+        <p:nvPr/>
+      </p:nvGrpSpPr>
+      <p:grpSpPr>
+        <a:xfrm>
+          <a:off x="0" y="0"/>
+          <a:ext cx="0" cy="0"/>
+          <a:chOff x="0" y="0"/>
+          <a:chExt cx="0" cy="0"/>
+        </a:xfrm>
+      </p:grpSpPr>
+      <p:sp useBgFill="1">
+        <p:nvSpPr>
+          <p:cNvPr id="11" name="Rectangle 10">
+            <a:extLst>
+              <a:ext uri="{FF2B5EF4-FFF2-40B4-BE49-F238E27FC236}">
+                <a16:creationId xmlns:a16="http://schemas.microsoft.com/office/drawing/2014/main" id="{91F32EBA-ED97-466E-8CFA-8382584155D0}"/>
+              </a:ext>
+              <a:ext uri="{C183D7F6-B498-43B3-948B-1728B52AA6E4}">
+                <adec:decorative xmlns:adec="http://schemas.microsoft.com/office/drawing/2017/decorative" val="1"/>
+              </a:ext>
+            </a:extLst>
+          </p:cNvPr>
+          <p:cNvSpPr>
+            <a:spLocks noGrp="1" noRot="1" noChangeAspect="1" noMove="1" noResize="1" noEditPoints="1" noAdjustHandles="1" noChangeArrowheads="1" noChangeShapeType="1" noTextEdit="1"/>
+          </p:cNvSpPr>
+          <p:nvPr>
+            <p:extLst>
+              <p:ext uri="{386F3935-93C4-4BCD-93E2-E3B085C9AB24}">
+                <p16:designElem xmlns:p16="http://schemas.microsoft.com/office/powerpoint/2015/main" val="1"/>
+              </p:ext>
+            </p:extLst>
+          </p:nvPr>
+        </p:nvSpPr>
+        <p:spPr>
+          <a:xfrm>
+            <a:off x="0" y="0"/>
+            <a:ext cx="12192000" cy="6858000"/>
+          </a:xfrm>
+          <a:prstGeom prst="rect">
+            <a:avLst/>
+          </a:prstGeom>
+          <a:ln>
+            <a:noFill/>
+          </a:ln>
+        </p:spPr>
+        <p:style>
+          <a:lnRef idx="2">
+            <a:schemeClr val="accent1">
+              <a:shade val="50000"/>
+            </a:schemeClr>
+          </a:lnRef>
+          <a:fillRef idx="1">
+            <a:schemeClr val="accent1"/>
+          </a:fillRef>
+          <a:effectRef idx="0">
+            <a:schemeClr val="accent1"/>
+          </a:effectRef>
+          <a:fontRef idx="minor">
+            <a:schemeClr val="lt1"/>
+          </a:fontRef>
+        </p:style>
+        <p:txBody>
+          <a:bodyPr rtlCol="0" anchor="ctr"/>
+          <a:lstStyle/>
+          <a:p>
+            <a:pPr algn="ctr"/>
+            <a:endParaRPr lang="en-US"/>
+          </a:p>
+        </p:txBody>
+      </p:sp>
+      <p:sp>
+        <p:nvSpPr>
+          <p:cNvPr id="2" name="Title 1">
+            <a:extLst>
+              <a:ext uri="{FF2B5EF4-FFF2-40B4-BE49-F238E27FC236}">
+                <a16:creationId xmlns:a16="http://schemas.microsoft.com/office/drawing/2014/main" id="{A799583B-9ACC-449B-95CE-FE9E6C88012A}"/>
+              </a:ext>
+            </a:extLst>
+          </p:cNvPr>
+          <p:cNvSpPr>
+            <a:spLocks noGrp="1"/>
+          </p:cNvSpPr>
+          <p:nvPr>
+            <p:ph type="title"/>
+          </p:nvPr>
+        </p:nvSpPr>
+        <p:spPr>
+          <a:xfrm>
+            <a:off x="965199" y="851517"/>
+            <a:ext cx="5130795" cy="1461778"/>
+          </a:xfrm>
+        </p:spPr>
+        <p:txBody>
+          <a:bodyPr vert="horz" lIns="91440" tIns="45720" rIns="91440" bIns="45720" rtlCol="0" anchor="ctr">
+            <a:normAutofit/>
+          </a:bodyPr>
+          <a:lstStyle/>
+          <a:p>
+            <a:r>
+              <a:rPr lang="en-US" sz="4000" kern="1200">
+                <a:solidFill>
+                  <a:schemeClr val="tx1"/>
+                </a:solidFill>
+                <a:latin typeface="+mj-lt"/>
+                <a:ea typeface="+mj-ea"/>
+                <a:cs typeface="+mj-cs"/>
+              </a:rPr>
+              <a:t>Guiding Questions</a:t>
+            </a:r>
+          </a:p>
+        </p:txBody>
+      </p:sp>
+      <p:sp>
+        <p:nvSpPr>
+          <p:cNvPr id="3" name="Content Placeholder 2">
+            <a:extLst>
+              <a:ext uri="{FF2B5EF4-FFF2-40B4-BE49-F238E27FC236}">
+                <a16:creationId xmlns:a16="http://schemas.microsoft.com/office/drawing/2014/main" id="{606A0FD7-B64A-497D-A54A-67D403C5C515}"/>
+              </a:ext>
+            </a:extLst>
+          </p:cNvPr>
+          <p:cNvSpPr>
+            <a:spLocks noGrp="1"/>
+          </p:cNvSpPr>
+          <p:nvPr>
+            <p:ph sz="half" idx="1"/>
+          </p:nvPr>
+        </p:nvSpPr>
+        <p:spPr>
+          <a:xfrm>
+            <a:off x="965200" y="2470248"/>
+            <a:ext cx="4545170" cy="3983818"/>
+          </a:xfrm>
+        </p:spPr>
+        <p:txBody>
+          <a:bodyPr vert="horz" lIns="91440" tIns="45720" rIns="91440" bIns="45720" rtlCol="0">
+            <a:normAutofit lnSpcReduction="10000"/>
+          </a:bodyPr>
+          <a:lstStyle/>
+          <a:p>
+            <a:r>
+              <a:rPr lang="en-US" sz="2200" dirty="0"/>
+              <a:t>Are there racial disparities between the sentencing population and the general population in Tennessee?</a:t>
+            </a:r>
+          </a:p>
+          <a:p>
+            <a:r>
+              <a:rPr lang="en-US" sz="2200" dirty="0"/>
+              <a:t>What kinds of crimes are most common among different racial groups?</a:t>
+            </a:r>
+          </a:p>
+          <a:p>
+            <a:r>
+              <a:rPr lang="en-US" sz="2200" dirty="0"/>
+              <a:t>Are people of color receiving longer sentences on average?</a:t>
+            </a:r>
+          </a:p>
+          <a:p>
+            <a:r>
+              <a:rPr lang="en-US" sz="2200" dirty="0"/>
+              <a:t>Are there disparities in the application of sentence enhancements and sentence mitigation measures?</a:t>
+            </a:r>
+          </a:p>
+        </p:txBody>
+      </p:sp>
+      <p:sp>
+        <p:nvSpPr>
+          <p:cNvPr id="13" name="Freeform: Shape 12">
+            <a:extLst>
+              <a:ext uri="{FF2B5EF4-FFF2-40B4-BE49-F238E27FC236}">
+                <a16:creationId xmlns:a16="http://schemas.microsoft.com/office/drawing/2014/main" id="{62A38935-BB53-4DF7-A56E-48DD25B685D7}"/>
+              </a:ext>
+              <a:ext uri="{C183D7F6-B498-43B3-948B-1728B52AA6E4}">
+                <adec:decorative xmlns:adec="http://schemas.microsoft.com/office/drawing/2017/decorative" val="1"/>
+              </a:ext>
+            </a:extLst>
+          </p:cNvPr>
+          <p:cNvSpPr>
+            <a:spLocks noGrp="1" noRot="1" noChangeAspect="1" noMove="1" noResize="1" noEditPoints="1" noAdjustHandles="1" noChangeArrowheads="1" noChangeShapeType="1" noTextEdit="1"/>
+          </p:cNvSpPr>
+          <p:nvPr>
+            <p:extLst>
+              <p:ext uri="{386F3935-93C4-4BCD-93E2-E3B085C9AB24}">
+                <p16:designElem xmlns:p16="http://schemas.microsoft.com/office/powerpoint/2015/main" val="1"/>
+              </p:ext>
+            </p:extLst>
+          </p:nvPr>
+        </p:nvSpPr>
+        <p:spPr>
+          <a:xfrm>
+            <a:off x="5510370" y="851518"/>
+            <a:ext cx="6184806" cy="5154967"/>
+          </a:xfrm>
+          <a:custGeom>
+            <a:avLst/>
+            <a:gdLst>
+              <a:gd name="connsiteX0" fmla="*/ 363179 w 6184806"/>
+              <a:gd name="connsiteY0" fmla="*/ 3125191 h 5154967"/>
+              <a:gd name="connsiteX1" fmla="*/ 898270 w 6184806"/>
+              <a:gd name="connsiteY1" fmla="*/ 3125191 h 5154967"/>
+              <a:gd name="connsiteX2" fmla="*/ 980326 w 6184806"/>
+              <a:gd name="connsiteY2" fmla="*/ 3173551 h 5154967"/>
+              <a:gd name="connsiteX3" fmla="*/ 1248448 w 6184806"/>
+              <a:gd name="connsiteY3" fmla="*/ 3635277 h 5154967"/>
+              <a:gd name="connsiteX4" fmla="*/ 1248448 w 6184806"/>
+              <a:gd name="connsiteY4" fmla="*/ 3729695 h 5154967"/>
+              <a:gd name="connsiteX5" fmla="*/ 980326 w 6184806"/>
+              <a:gd name="connsiteY5" fmla="*/ 4191421 h 5154967"/>
+              <a:gd name="connsiteX6" fmla="*/ 898270 w 6184806"/>
+              <a:gd name="connsiteY6" fmla="*/ 4239781 h 5154967"/>
+              <a:gd name="connsiteX7" fmla="*/ 363179 w 6184806"/>
+              <a:gd name="connsiteY7" fmla="*/ 4239781 h 5154967"/>
+              <a:gd name="connsiteX8" fmla="*/ 279969 w 6184806"/>
+              <a:gd name="connsiteY8" fmla="*/ 4191421 h 5154967"/>
+              <a:gd name="connsiteX9" fmla="*/ 13002 w 6184806"/>
+              <a:gd name="connsiteY9" fmla="*/ 3729695 h 5154967"/>
+              <a:gd name="connsiteX10" fmla="*/ 13002 w 6184806"/>
+              <a:gd name="connsiteY10" fmla="*/ 3635277 h 5154967"/>
+              <a:gd name="connsiteX11" fmla="*/ 279969 w 6184806"/>
+              <a:gd name="connsiteY11" fmla="*/ 3173551 h 5154967"/>
+              <a:gd name="connsiteX12" fmla="*/ 363179 w 6184806"/>
+              <a:gd name="connsiteY12" fmla="*/ 3125191 h 5154967"/>
+              <a:gd name="connsiteX13" fmla="*/ 2489721 w 6184806"/>
+              <a:gd name="connsiteY13" fmla="*/ 570035 h 5154967"/>
+              <a:gd name="connsiteX14" fmla="*/ 2764862 w 6184806"/>
+              <a:gd name="connsiteY14" fmla="*/ 570035 h 5154967"/>
+              <a:gd name="connsiteX15" fmla="*/ 2796959 w 6184806"/>
+              <a:gd name="connsiteY15" fmla="*/ 570035 h 5154967"/>
+              <a:gd name="connsiteX16" fmla="*/ 2827587 w 6184806"/>
+              <a:gd name="connsiteY16" fmla="*/ 622777 h 5154967"/>
+              <a:gd name="connsiteX17" fmla="*/ 2977604 w 6184806"/>
+              <a:gd name="connsiteY17" fmla="*/ 881117 h 5154967"/>
+              <a:gd name="connsiteX18" fmla="*/ 2977604 w 6184806"/>
+              <a:gd name="connsiteY18" fmla="*/ 1025720 h 5154967"/>
+              <a:gd name="connsiteX19" fmla="*/ 2566968 w 6184806"/>
+              <a:gd name="connsiteY19" fmla="*/ 1732863 h 5154967"/>
+              <a:gd name="connsiteX20" fmla="*/ 2441299 w 6184806"/>
+              <a:gd name="connsiteY20" fmla="*/ 1806927 h 5154967"/>
+              <a:gd name="connsiteX21" fmla="*/ 1621798 w 6184806"/>
+              <a:gd name="connsiteY21" fmla="*/ 1806927 h 5154967"/>
+              <a:gd name="connsiteX22" fmla="*/ 1583218 w 6184806"/>
+              <a:gd name="connsiteY22" fmla="*/ 1801802 h 5154967"/>
+              <a:gd name="connsiteX23" fmla="*/ 1556683 w 6184806"/>
+              <a:gd name="connsiteY23" fmla="*/ 1790677 h 5154967"/>
+              <a:gd name="connsiteX24" fmla="*/ 1572899 w 6184806"/>
+              <a:gd name="connsiteY24" fmla="*/ 1762631 h 5154967"/>
+              <a:gd name="connsiteX25" fmla="*/ 2147429 w 6184806"/>
+              <a:gd name="connsiteY25" fmla="*/ 768968 h 5154967"/>
+              <a:gd name="connsiteX26" fmla="*/ 2489721 w 6184806"/>
+              <a:gd name="connsiteY26" fmla="*/ 570035 h 5154967"/>
+              <a:gd name="connsiteX27" fmla="*/ 1573268 w 6184806"/>
+              <a:gd name="connsiteY27" fmla="*/ 0 h 5154967"/>
+              <a:gd name="connsiteX28" fmla="*/ 2497662 w 6184806"/>
+              <a:gd name="connsiteY28" fmla="*/ 0 h 5154967"/>
+              <a:gd name="connsiteX29" fmla="*/ 2639415 w 6184806"/>
+              <a:gd name="connsiteY29" fmla="*/ 83546 h 5154967"/>
+              <a:gd name="connsiteX30" fmla="*/ 2887862 w 6184806"/>
+              <a:gd name="connsiteY30" fmla="*/ 511387 h 5154967"/>
+              <a:gd name="connsiteX31" fmla="*/ 2915928 w 6184806"/>
+              <a:gd name="connsiteY31" fmla="*/ 559720 h 5154967"/>
+              <a:gd name="connsiteX32" fmla="*/ 2893844 w 6184806"/>
+              <a:gd name="connsiteY32" fmla="*/ 559720 h 5154967"/>
+              <a:gd name="connsiteX33" fmla="*/ 2789466 w 6184806"/>
+              <a:gd name="connsiteY33" fmla="*/ 559720 h 5154967"/>
+              <a:gd name="connsiteX34" fmla="*/ 2744122 w 6184806"/>
+              <a:gd name="connsiteY34" fmla="*/ 481634 h 5154967"/>
+              <a:gd name="connsiteX35" fmla="*/ 2570885 w 6184806"/>
+              <a:gd name="connsiteY35" fmla="*/ 183309 h 5154967"/>
+              <a:gd name="connsiteX36" fmla="*/ 2445216 w 6184806"/>
+              <a:gd name="connsiteY36" fmla="*/ 109244 h 5154967"/>
+              <a:gd name="connsiteX37" fmla="*/ 1625714 w 6184806"/>
+              <a:gd name="connsiteY37" fmla="*/ 109244 h 5154967"/>
+              <a:gd name="connsiteX38" fmla="*/ 1498276 w 6184806"/>
+              <a:gd name="connsiteY38" fmla="*/ 183309 h 5154967"/>
+              <a:gd name="connsiteX39" fmla="*/ 1089410 w 6184806"/>
+              <a:gd name="connsiteY39" fmla="*/ 890450 h 5154967"/>
+              <a:gd name="connsiteX40" fmla="*/ 1089410 w 6184806"/>
+              <a:gd name="connsiteY40" fmla="*/ 1035054 h 5154967"/>
+              <a:gd name="connsiteX41" fmla="*/ 1498276 w 6184806"/>
+              <a:gd name="connsiteY41" fmla="*/ 1742196 h 5154967"/>
+              <a:gd name="connsiteX42" fmla="*/ 1552039 w 6184806"/>
+              <a:gd name="connsiteY42" fmla="*/ 1796421 h 5154967"/>
+              <a:gd name="connsiteX43" fmla="*/ 1558260 w 6184806"/>
+              <a:gd name="connsiteY43" fmla="*/ 1799029 h 5154967"/>
+              <a:gd name="connsiteX44" fmla="*/ 1524911 w 6184806"/>
+              <a:gd name="connsiteY44" fmla="*/ 1856707 h 5154967"/>
+              <a:gd name="connsiteX45" fmla="*/ 1500108 w 6184806"/>
+              <a:gd name="connsiteY45" fmla="*/ 1899604 h 5154967"/>
+              <a:gd name="connsiteX46" fmla="*/ 1525834 w 6184806"/>
+              <a:gd name="connsiteY46" fmla="*/ 1910390 h 5154967"/>
+              <a:gd name="connsiteX47" fmla="*/ 1569352 w 6184806"/>
+              <a:gd name="connsiteY47" fmla="*/ 1916170 h 5154967"/>
+              <a:gd name="connsiteX48" fmla="*/ 2493745 w 6184806"/>
+              <a:gd name="connsiteY48" fmla="*/ 1916170 h 5154967"/>
+              <a:gd name="connsiteX49" fmla="*/ 2635498 w 6184806"/>
+              <a:gd name="connsiteY49" fmla="*/ 1832627 h 5154967"/>
+              <a:gd name="connsiteX50" fmla="*/ 3098693 w 6184806"/>
+              <a:gd name="connsiteY50" fmla="*/ 1034974 h 5154967"/>
+              <a:gd name="connsiteX51" fmla="*/ 3098693 w 6184806"/>
+              <a:gd name="connsiteY51" fmla="*/ 871863 h 5154967"/>
+              <a:gd name="connsiteX52" fmla="*/ 2945803 w 6184806"/>
+              <a:gd name="connsiteY52" fmla="*/ 608576 h 5154967"/>
+              <a:gd name="connsiteX53" fmla="*/ 2923422 w 6184806"/>
+              <a:gd name="connsiteY53" fmla="*/ 570035 h 5154967"/>
+              <a:gd name="connsiteX54" fmla="*/ 3027104 w 6184806"/>
+              <a:gd name="connsiteY54" fmla="*/ 570035 h 5154967"/>
+              <a:gd name="connsiteX55" fmla="*/ 4690846 w 6184806"/>
+              <a:gd name="connsiteY55" fmla="*/ 570035 h 5154967"/>
+              <a:gd name="connsiteX56" fmla="*/ 5028384 w 6184806"/>
+              <a:gd name="connsiteY56" fmla="*/ 768968 h 5154967"/>
+              <a:gd name="connsiteX57" fmla="*/ 6131323 w 6184806"/>
+              <a:gd name="connsiteY57" fmla="*/ 2668304 h 5154967"/>
+              <a:gd name="connsiteX58" fmla="*/ 6131323 w 6184806"/>
+              <a:gd name="connsiteY58" fmla="*/ 3056698 h 5154967"/>
+              <a:gd name="connsiteX59" fmla="*/ 5028384 w 6184806"/>
+              <a:gd name="connsiteY59" fmla="*/ 4956035 h 5154967"/>
+              <a:gd name="connsiteX60" fmla="*/ 4690846 w 6184806"/>
+              <a:gd name="connsiteY60" fmla="*/ 5154967 h 5154967"/>
+              <a:gd name="connsiteX61" fmla="*/ 2489721 w 6184806"/>
+              <a:gd name="connsiteY61" fmla="*/ 5154967 h 5154967"/>
+              <a:gd name="connsiteX62" fmla="*/ 2147429 w 6184806"/>
+              <a:gd name="connsiteY62" fmla="*/ 4956035 h 5154967"/>
+              <a:gd name="connsiteX63" fmla="*/ 1049243 w 6184806"/>
+              <a:gd name="connsiteY63" fmla="*/ 3056698 h 5154967"/>
+              <a:gd name="connsiteX64" fmla="*/ 1049243 w 6184806"/>
+              <a:gd name="connsiteY64" fmla="*/ 2668304 h 5154967"/>
+              <a:gd name="connsiteX65" fmla="*/ 1457007 w 6184806"/>
+              <a:gd name="connsiteY65" fmla="*/ 1963067 h 5154967"/>
+              <a:gd name="connsiteX66" fmla="*/ 1491373 w 6184806"/>
+              <a:gd name="connsiteY66" fmla="*/ 1903634 h 5154967"/>
+              <a:gd name="connsiteX67" fmla="*/ 1490164 w 6184806"/>
+              <a:gd name="connsiteY67" fmla="*/ 1903127 h 5154967"/>
+              <a:gd name="connsiteX68" fmla="*/ 1429519 w 6184806"/>
+              <a:gd name="connsiteY68" fmla="*/ 1841960 h 5154967"/>
+              <a:gd name="connsiteX69" fmla="*/ 968320 w 6184806"/>
+              <a:gd name="connsiteY69" fmla="*/ 1044307 h 5154967"/>
+              <a:gd name="connsiteX70" fmla="*/ 968320 w 6184806"/>
+              <a:gd name="connsiteY70" fmla="*/ 881196 h 5154967"/>
+              <a:gd name="connsiteX71" fmla="*/ 1429519 w 6184806"/>
+              <a:gd name="connsiteY71" fmla="*/ 83546 h 5154967"/>
+              <a:gd name="connsiteX72" fmla="*/ 1573268 w 6184806"/>
+              <a:gd name="connsiteY72" fmla="*/ 0 h 5154967"/>
+            </a:gdLst>
+            <a:ahLst/>
+            <a:cxnLst>
+              <a:cxn ang="0">
+                <a:pos x="connsiteX0" y="connsiteY0"/>
+              </a:cxn>
+              <a:cxn ang="0">
+                <a:pos x="connsiteX1" y="connsiteY1"/>
+              </a:cxn>
+              <a:cxn ang="0">
+                <a:pos x="connsiteX2" y="connsiteY2"/>
+              </a:cxn>
+              <a:cxn ang="0">
+                <a:pos x="connsiteX3" y="connsiteY3"/>
+              </a:cxn>
+              <a:cxn ang="0">
+                <a:pos x="connsiteX4" y="connsiteY4"/>
+              </a:cxn>
+              <a:cxn ang="0">
+                <a:pos x="connsiteX5" y="connsiteY5"/>
+              </a:cxn>
+              <a:cxn ang="0">
+                <a:pos x="connsiteX6" y="connsiteY6"/>
+              </a:cxn>
+              <a:cxn ang="0">
+                <a:pos x="connsiteX7" y="connsiteY7"/>
+              </a:cxn>
+              <a:cxn ang="0">
+                <a:pos x="connsiteX8" y="connsiteY8"/>
+              </a:cxn>
+              <a:cxn ang="0">
+                <a:pos x="connsiteX9" y="connsiteY9"/>
+              </a:cxn>
+              <a:cxn ang="0">
+                <a:pos x="connsiteX10" y="connsiteY10"/>
+              </a:cxn>
+              <a:cxn ang="0">
+                <a:pos x="connsiteX11" y="connsiteY11"/>
+              </a:cxn>
+              <a:cxn ang="0">
+                <a:pos x="connsiteX12" y="connsiteY12"/>
+              </a:cxn>
+              <a:cxn ang="0">
+                <a:pos x="connsiteX13" y="connsiteY13"/>
+              </a:cxn>
+              <a:cxn ang="0">
+                <a:pos x="connsiteX14" y="connsiteY14"/>
+              </a:cxn>
+              <a:cxn ang="0">
+                <a:pos x="connsiteX15" y="connsiteY15"/>
+              </a:cxn>
+              <a:cxn ang="0">
+                <a:pos x="connsiteX16" y="connsiteY16"/>
+              </a:cxn>
+              <a:cxn ang="0">
+                <a:pos x="connsiteX17" y="connsiteY17"/>
+              </a:cxn>
+              <a:cxn ang="0">
+                <a:pos x="connsiteX18" y="connsiteY18"/>
+              </a:cxn>
+              <a:cxn ang="0">
+                <a:pos x="connsiteX19" y="connsiteY19"/>
+              </a:cxn>
+              <a:cxn ang="0">
+                <a:pos x="connsiteX20" y="connsiteY20"/>
+              </a:cxn>
+              <a:cxn ang="0">
+                <a:pos x="connsiteX21" y="connsiteY21"/>
+              </a:cxn>
+              <a:cxn ang="0">
+                <a:pos x="connsiteX22" y="connsiteY22"/>
+              </a:cxn>
+              <a:cxn ang="0">
+                <a:pos x="connsiteX23" y="connsiteY23"/>
+              </a:cxn>
+              <a:cxn ang="0">
+                <a:pos x="connsiteX24" y="connsiteY24"/>
+              </a:cxn>
+              <a:cxn ang="0">
+                <a:pos x="connsiteX25" y="connsiteY25"/>
+              </a:cxn>
+              <a:cxn ang="0">
+                <a:pos x="connsiteX26" y="connsiteY26"/>
+              </a:cxn>
+              <a:cxn ang="0">
+                <a:pos x="connsiteX27" y="connsiteY27"/>
+              </a:cxn>
+              <a:cxn ang="0">
+                <a:pos x="connsiteX28" y="connsiteY28"/>
+              </a:cxn>
+              <a:cxn ang="0">
+                <a:pos x="connsiteX29" y="connsiteY29"/>
+              </a:cxn>
+              <a:cxn ang="0">
+                <a:pos x="connsiteX30" y="connsiteY30"/>
+              </a:cxn>
+              <a:cxn ang="0">
+                <a:pos x="connsiteX31" y="connsiteY31"/>
+              </a:cxn>
+              <a:cxn ang="0">
+                <a:pos x="connsiteX32" y="connsiteY32"/>
+              </a:cxn>
+              <a:cxn ang="0">
+                <a:pos x="connsiteX33" y="connsiteY33"/>
+              </a:cxn>
+              <a:cxn ang="0">
+                <a:pos x="connsiteX34" y="connsiteY34"/>
+              </a:cxn>
+              <a:cxn ang="0">
+                <a:pos x="connsiteX35" y="connsiteY35"/>
+              </a:cxn>
+              <a:cxn ang="0">
+                <a:pos x="connsiteX36" y="connsiteY36"/>
+              </a:cxn>
+              <a:cxn ang="0">
+                <a:pos x="connsiteX37" y="connsiteY37"/>
+              </a:cxn>
+              <a:cxn ang="0">
+                <a:pos x="connsiteX38" y="connsiteY38"/>
+              </a:cxn>
+              <a:cxn ang="0">
+                <a:pos x="connsiteX39" y="connsiteY39"/>
+              </a:cxn>
+              <a:cxn ang="0">
+                <a:pos x="connsiteX40" y="connsiteY40"/>
+              </a:cxn>
+              <a:cxn ang="0">
+                <a:pos x="connsiteX41" y="connsiteY41"/>
+              </a:cxn>
+              <a:cxn ang="0">
+                <a:pos x="connsiteX42" y="connsiteY42"/>
+              </a:cxn>
+              <a:cxn ang="0">
+                <a:pos x="connsiteX43" y="connsiteY43"/>
+              </a:cxn>
+              <a:cxn ang="0">
+                <a:pos x="connsiteX44" y="connsiteY44"/>
+              </a:cxn>
+              <a:cxn ang="0">
+                <a:pos x="connsiteX45" y="connsiteY45"/>
+              </a:cxn>
+              <a:cxn ang="0">
+                <a:pos x="connsiteX46" y="connsiteY46"/>
+              </a:cxn>
+              <a:cxn ang="0">
+                <a:pos x="connsiteX47" y="connsiteY47"/>
+              </a:cxn>
+              <a:cxn ang="0">
+                <a:pos x="connsiteX48" y="connsiteY48"/>
+              </a:cxn>
+              <a:cxn ang="0">
+                <a:pos x="connsiteX49" y="connsiteY49"/>
+              </a:cxn>
+              <a:cxn ang="0">
+                <a:pos x="connsiteX50" y="connsiteY50"/>
+              </a:cxn>
+              <a:cxn ang="0">
+                <a:pos x="connsiteX51" y="connsiteY51"/>
+              </a:cxn>
+              <a:cxn ang="0">
+                <a:pos x="connsiteX52" y="connsiteY52"/>
+              </a:cxn>
+              <a:cxn ang="0">
+                <a:pos x="connsiteX53" y="connsiteY53"/>
+              </a:cxn>
+              <a:cxn ang="0">
+                <a:pos x="connsiteX54" y="connsiteY54"/>
+              </a:cxn>
+              <a:cxn ang="0">
+                <a:pos x="connsiteX55" y="connsiteY55"/>
+              </a:cxn>
+              <a:cxn ang="0">
+                <a:pos x="connsiteX56" y="connsiteY56"/>
+              </a:cxn>
+              <a:cxn ang="0">
+                <a:pos x="connsiteX57" y="connsiteY57"/>
+              </a:cxn>
+              <a:cxn ang="0">
+                <a:pos x="connsiteX58" y="connsiteY58"/>
+              </a:cxn>
+              <a:cxn ang="0">
+                <a:pos x="connsiteX59" y="connsiteY59"/>
+              </a:cxn>
+              <a:cxn ang="0">
+                <a:pos x="connsiteX60" y="connsiteY60"/>
+              </a:cxn>
+              <a:cxn ang="0">
+                <a:pos x="connsiteX61" y="connsiteY61"/>
+              </a:cxn>
+              <a:cxn ang="0">
+                <a:pos x="connsiteX62" y="connsiteY62"/>
+              </a:cxn>
+              <a:cxn ang="0">
+                <a:pos x="connsiteX63" y="connsiteY63"/>
+              </a:cxn>
+              <a:cxn ang="0">
+                <a:pos x="connsiteX64" y="connsiteY64"/>
+              </a:cxn>
+              <a:cxn ang="0">
+                <a:pos x="connsiteX65" y="connsiteY65"/>
+              </a:cxn>
+              <a:cxn ang="0">
+                <a:pos x="connsiteX66" y="connsiteY66"/>
+              </a:cxn>
+              <a:cxn ang="0">
+                <a:pos x="connsiteX67" y="connsiteY67"/>
+              </a:cxn>
+              <a:cxn ang="0">
+                <a:pos x="connsiteX68" y="connsiteY68"/>
+              </a:cxn>
+              <a:cxn ang="0">
+                <a:pos x="connsiteX69" y="connsiteY69"/>
+              </a:cxn>
+              <a:cxn ang="0">
+                <a:pos x="connsiteX70" y="connsiteY70"/>
+              </a:cxn>
+              <a:cxn ang="0">
+                <a:pos x="connsiteX71" y="connsiteY71"/>
+              </a:cxn>
+              <a:cxn ang="0">
+                <a:pos x="connsiteX72" y="connsiteY72"/>
+              </a:cxn>
+            </a:cxnLst>
+            <a:rect l="l" t="t" r="r" b="b"/>
+            <a:pathLst>
+              <a:path w="6184806" h="5154967">
+                <a:moveTo>
+                  <a:pt x="363179" y="3125191"/>
+                </a:moveTo>
+                <a:cubicBezTo>
+                  <a:pt x="363179" y="3125191"/>
+                  <a:pt x="363179" y="3125191"/>
+                  <a:pt x="898270" y="3125191"/>
+                </a:cubicBezTo>
+                <a:cubicBezTo>
+                  <a:pt x="931786" y="3125191"/>
+                  <a:pt x="964145" y="3143614"/>
+                  <a:pt x="980326" y="3173551"/>
+                </a:cubicBezTo>
+                <a:cubicBezTo>
+                  <a:pt x="980326" y="3173551"/>
+                  <a:pt x="980326" y="3173551"/>
+                  <a:pt x="1248448" y="3635277"/>
+                </a:cubicBezTo>
+                <a:cubicBezTo>
+                  <a:pt x="1265784" y="3664063"/>
+                  <a:pt x="1265784" y="3700909"/>
+                  <a:pt x="1248448" y="3729695"/>
+                </a:cubicBezTo>
+                <a:cubicBezTo>
+                  <a:pt x="1248448" y="3729695"/>
+                  <a:pt x="1248448" y="3729695"/>
+                  <a:pt x="980326" y="4191421"/>
+                </a:cubicBezTo>
+                <a:cubicBezTo>
+                  <a:pt x="964145" y="4221358"/>
+                  <a:pt x="931786" y="4239781"/>
+                  <a:pt x="898270" y="4239781"/>
+                </a:cubicBezTo>
+                <a:cubicBezTo>
+                  <a:pt x="898270" y="4239781"/>
+                  <a:pt x="898270" y="4239781"/>
+                  <a:pt x="363179" y="4239781"/>
+                </a:cubicBezTo>
+                <a:cubicBezTo>
+                  <a:pt x="328508" y="4239781"/>
+                  <a:pt x="297305" y="4221358"/>
+                  <a:pt x="279969" y="4191421"/>
+                </a:cubicBezTo>
+                <a:cubicBezTo>
+                  <a:pt x="279969" y="4191421"/>
+                  <a:pt x="279969" y="4191421"/>
+                  <a:pt x="13002" y="3729695"/>
+                </a:cubicBezTo>
+                <a:cubicBezTo>
+                  <a:pt x="-4334" y="3700909"/>
+                  <a:pt x="-4334" y="3664063"/>
+                  <a:pt x="13002" y="3635277"/>
+                </a:cubicBezTo>
+                <a:cubicBezTo>
+                  <a:pt x="13002" y="3635277"/>
+                  <a:pt x="13002" y="3635277"/>
+                  <a:pt x="279969" y="3173551"/>
+                </a:cubicBezTo>
+                <a:cubicBezTo>
+                  <a:pt x="297305" y="3143614"/>
+                  <a:pt x="328508" y="3125191"/>
+                  <a:pt x="363179" y="3125191"/>
+                </a:cubicBezTo>
+                <a:close/>
+                <a:moveTo>
+                  <a:pt x="2489721" y="570035"/>
+                </a:moveTo>
+                <a:cubicBezTo>
+                  <a:pt x="2489721" y="570035"/>
+                  <a:pt x="2489721" y="570035"/>
+                  <a:pt x="2764862" y="570035"/>
+                </a:cubicBezTo>
+                <a:lnTo>
+                  <a:pt x="2796959" y="570035"/>
+                </a:lnTo>
+                <a:lnTo>
+                  <a:pt x="2827587" y="622777"/>
+                </a:lnTo>
+                <a:cubicBezTo>
+                  <a:pt x="2870233" y="696217"/>
+                  <a:pt x="2919858" y="781675"/>
+                  <a:pt x="2977604" y="881117"/>
+                </a:cubicBezTo>
+                <a:cubicBezTo>
+                  <a:pt x="3004153" y="925204"/>
+                  <a:pt x="3004153" y="981634"/>
+                  <a:pt x="2977604" y="1025720"/>
+                </a:cubicBezTo>
+                <a:cubicBezTo>
+                  <a:pt x="2977604" y="1025720"/>
+                  <a:pt x="2977604" y="1025720"/>
+                  <a:pt x="2566968" y="1732863"/>
+                </a:cubicBezTo>
+                <a:cubicBezTo>
+                  <a:pt x="2542188" y="1778712"/>
+                  <a:pt x="2492629" y="1806927"/>
+                  <a:pt x="2441299" y="1806927"/>
+                </a:cubicBezTo>
+                <a:cubicBezTo>
+                  <a:pt x="2441299" y="1806927"/>
+                  <a:pt x="2441299" y="1806927"/>
+                  <a:pt x="1621798" y="1806927"/>
+                </a:cubicBezTo>
+                <a:cubicBezTo>
+                  <a:pt x="1608523" y="1806927"/>
+                  <a:pt x="1595580" y="1805163"/>
+                  <a:pt x="1583218" y="1801802"/>
+                </a:cubicBezTo>
+                <a:lnTo>
+                  <a:pt x="1556683" y="1790677"/>
+                </a:lnTo>
+                <a:lnTo>
+                  <a:pt x="1572899" y="1762631"/>
+                </a:lnTo>
+                <a:cubicBezTo>
+                  <a:pt x="1719523" y="1509042"/>
+                  <a:pt x="1907201" y="1184448"/>
+                  <a:pt x="2147429" y="768968"/>
+                </a:cubicBezTo>
+                <a:cubicBezTo>
+                  <a:pt x="2218739" y="645819"/>
+                  <a:pt x="2347099" y="570035"/>
+                  <a:pt x="2489721" y="570035"/>
+                </a:cubicBezTo>
+                <a:close/>
+                <a:moveTo>
+                  <a:pt x="1573268" y="0"/>
+                </a:moveTo>
+                <a:cubicBezTo>
+                  <a:pt x="1573268" y="0"/>
+                  <a:pt x="1573268" y="0"/>
+                  <a:pt x="2497662" y="0"/>
+                </a:cubicBezTo>
+                <a:cubicBezTo>
+                  <a:pt x="2555561" y="0"/>
+                  <a:pt x="2611463" y="31828"/>
+                  <a:pt x="2639415" y="83546"/>
+                </a:cubicBezTo>
+                <a:cubicBezTo>
+                  <a:pt x="2639415" y="83546"/>
+                  <a:pt x="2639415" y="83546"/>
+                  <a:pt x="2887862" y="511387"/>
+                </a:cubicBezTo>
+                <a:lnTo>
+                  <a:pt x="2915928" y="559720"/>
+                </a:lnTo>
+                <a:lnTo>
+                  <a:pt x="2893844" y="559720"/>
+                </a:lnTo>
+                <a:lnTo>
+                  <a:pt x="2789466" y="559720"/>
+                </a:lnTo>
+                <a:lnTo>
+                  <a:pt x="2744122" y="481634"/>
+                </a:lnTo>
+                <a:cubicBezTo>
+                  <a:pt x="2570885" y="183309"/>
+                  <a:pt x="2570885" y="183309"/>
+                  <a:pt x="2570885" y="183309"/>
+                </a:cubicBezTo>
+                <a:cubicBezTo>
+                  <a:pt x="2546104" y="137459"/>
+                  <a:pt x="2496545" y="109244"/>
+                  <a:pt x="2445216" y="109244"/>
+                </a:cubicBezTo>
+                <a:cubicBezTo>
+                  <a:pt x="1625714" y="109244"/>
+                  <a:pt x="1625714" y="109244"/>
+                  <a:pt x="1625714" y="109244"/>
+                </a:cubicBezTo>
+                <a:cubicBezTo>
+                  <a:pt x="1572615" y="109244"/>
+                  <a:pt x="1524825" y="137459"/>
+                  <a:pt x="1498276" y="183309"/>
+                </a:cubicBezTo>
+                <a:cubicBezTo>
+                  <a:pt x="1089410" y="890450"/>
+                  <a:pt x="1089410" y="890450"/>
+                  <a:pt x="1089410" y="890450"/>
+                </a:cubicBezTo>
+                <a:cubicBezTo>
+                  <a:pt x="1062860" y="934537"/>
+                  <a:pt x="1062860" y="990968"/>
+                  <a:pt x="1089410" y="1035054"/>
+                </a:cubicBezTo>
+                <a:cubicBezTo>
+                  <a:pt x="1498276" y="1742196"/>
+                  <a:pt x="1498276" y="1742196"/>
+                  <a:pt x="1498276" y="1742196"/>
+                </a:cubicBezTo>
+                <a:cubicBezTo>
+                  <a:pt x="1511551" y="1765121"/>
+                  <a:pt x="1530135" y="1783637"/>
+                  <a:pt x="1552039" y="1796421"/>
+                </a:cubicBezTo>
+                <a:lnTo>
+                  <a:pt x="1558260" y="1799029"/>
+                </a:lnTo>
+                <a:lnTo>
+                  <a:pt x="1524911" y="1856707"/>
+                </a:lnTo>
+                <a:lnTo>
+                  <a:pt x="1500108" y="1899604"/>
+                </a:lnTo>
+                <a:lnTo>
+                  <a:pt x="1525834" y="1910390"/>
+                </a:lnTo>
+                <a:cubicBezTo>
+                  <a:pt x="1539779" y="1914181"/>
+                  <a:pt x="1554378" y="1916170"/>
+                  <a:pt x="1569352" y="1916170"/>
+                </a:cubicBezTo>
+                <a:cubicBezTo>
+                  <a:pt x="2493745" y="1916170"/>
+                  <a:pt x="2493745" y="1916170"/>
+                  <a:pt x="2493745" y="1916170"/>
+                </a:cubicBezTo>
+                <a:cubicBezTo>
+                  <a:pt x="2551645" y="1916170"/>
+                  <a:pt x="2607546" y="1884345"/>
+                  <a:pt x="2635498" y="1832627"/>
+                </a:cubicBezTo>
+                <a:cubicBezTo>
+                  <a:pt x="3098693" y="1034974"/>
+                  <a:pt x="3098693" y="1034974"/>
+                  <a:pt x="3098693" y="1034974"/>
+                </a:cubicBezTo>
+                <a:cubicBezTo>
+                  <a:pt x="3128641" y="985246"/>
+                  <a:pt x="3128641" y="921593"/>
+                  <a:pt x="3098693" y="871863"/>
+                </a:cubicBezTo>
+                <a:cubicBezTo>
+                  <a:pt x="3040794" y="772157"/>
+                  <a:pt x="2990132" y="684914"/>
+                  <a:pt x="2945803" y="608576"/>
+                </a:cubicBezTo>
+                <a:lnTo>
+                  <a:pt x="2923422" y="570035"/>
+                </a:lnTo>
+                <a:lnTo>
+                  <a:pt x="3027104" y="570035"/>
+                </a:lnTo>
+                <a:cubicBezTo>
+                  <a:pt x="3349535" y="570035"/>
+                  <a:pt x="3865424" y="570035"/>
+                  <a:pt x="4690846" y="570035"/>
+                </a:cubicBezTo>
+                <a:cubicBezTo>
+                  <a:pt x="4828714" y="570035"/>
+                  <a:pt x="4961827" y="645819"/>
+                  <a:pt x="5028384" y="768968"/>
+                </a:cubicBezTo>
+                <a:cubicBezTo>
+                  <a:pt x="5028384" y="768968"/>
+                  <a:pt x="5028384" y="768968"/>
+                  <a:pt x="6131323" y="2668304"/>
+                </a:cubicBezTo>
+                <a:cubicBezTo>
+                  <a:pt x="6202634" y="2786717"/>
+                  <a:pt x="6202634" y="2938285"/>
+                  <a:pt x="6131323" y="3056698"/>
+                </a:cubicBezTo>
+                <a:cubicBezTo>
+                  <a:pt x="6131323" y="3056698"/>
+                  <a:pt x="6131323" y="3056698"/>
+                  <a:pt x="5028384" y="4956035"/>
+                </a:cubicBezTo>
+                <a:cubicBezTo>
+                  <a:pt x="4961827" y="5079184"/>
+                  <a:pt x="4828714" y="5154967"/>
+                  <a:pt x="4690846" y="5154967"/>
+                </a:cubicBezTo>
+                <a:cubicBezTo>
+                  <a:pt x="4690846" y="5154967"/>
+                  <a:pt x="4690846" y="5154967"/>
+                  <a:pt x="2489721" y="5154967"/>
+                </a:cubicBezTo>
+                <a:cubicBezTo>
+                  <a:pt x="2347099" y="5154967"/>
+                  <a:pt x="2218739" y="5079184"/>
+                  <a:pt x="2147429" y="4956035"/>
+                </a:cubicBezTo>
+                <a:cubicBezTo>
+                  <a:pt x="2147429" y="4956035"/>
+                  <a:pt x="2147429" y="4956035"/>
+                  <a:pt x="1049243" y="3056698"/>
+                </a:cubicBezTo>
+                <a:cubicBezTo>
+                  <a:pt x="977932" y="2938285"/>
+                  <a:pt x="977932" y="2786717"/>
+                  <a:pt x="1049243" y="2668304"/>
+                </a:cubicBezTo>
+                <a:cubicBezTo>
+                  <a:pt x="1049243" y="2668304"/>
+                  <a:pt x="1049243" y="2668304"/>
+                  <a:pt x="1457007" y="1963067"/>
+                </a:cubicBezTo>
+                <a:lnTo>
+                  <a:pt x="1491373" y="1903634"/>
+                </a:lnTo>
+                <a:lnTo>
+                  <a:pt x="1490164" y="1903127"/>
+                </a:lnTo>
+                <a:cubicBezTo>
+                  <a:pt x="1465456" y="1888705"/>
+                  <a:pt x="1444493" y="1867820"/>
+                  <a:pt x="1429519" y="1841960"/>
+                </a:cubicBezTo>
+                <a:cubicBezTo>
+                  <a:pt x="1429519" y="1841960"/>
+                  <a:pt x="1429519" y="1841960"/>
+                  <a:pt x="968320" y="1044307"/>
+                </a:cubicBezTo>
+                <a:cubicBezTo>
+                  <a:pt x="938371" y="994579"/>
+                  <a:pt x="938371" y="930926"/>
+                  <a:pt x="968320" y="881196"/>
+                </a:cubicBezTo>
+                <a:cubicBezTo>
+                  <a:pt x="968320" y="881196"/>
+                  <a:pt x="968320" y="881196"/>
+                  <a:pt x="1429519" y="83546"/>
+                </a:cubicBezTo>
+                <a:cubicBezTo>
+                  <a:pt x="1459466" y="31828"/>
+                  <a:pt x="1513373" y="0"/>
+                  <a:pt x="1573268" y="0"/>
+                </a:cubicBezTo>
+                <a:close/>
+              </a:path>
+            </a:pathLst>
+          </a:custGeom>
+          <a:solidFill>
+            <a:schemeClr val="tx1">
+              <a:lumMod val="50000"/>
+              <a:lumOff val="50000"/>
+              <a:alpha val="15000"/>
+            </a:schemeClr>
+          </a:solidFill>
+          <a:ln>
+            <a:noFill/>
+          </a:ln>
+        </p:spPr>
+        <p:style>
+          <a:lnRef idx="2">
+            <a:schemeClr val="accent1">
+              <a:shade val="50000"/>
+            </a:schemeClr>
+          </a:lnRef>
+          <a:fillRef idx="1">
+            <a:schemeClr val="accent1"/>
+          </a:fillRef>
+          <a:effectRef idx="0">
+            <a:schemeClr val="accent1"/>
+          </a:effectRef>
+          <a:fontRef idx="minor">
+            <a:schemeClr val="lt1"/>
+          </a:fontRef>
+        </p:style>
+        <p:txBody>
+          <a:bodyPr wrap="square" rtlCol="0" anchor="ctr">
+            <a:noAutofit/>
+          </a:bodyPr>
+          <a:lstStyle/>
+          <a:p>
+            <a:pPr algn="ctr"/>
+            <a:endParaRPr lang="en-US"/>
+          </a:p>
+        </p:txBody>
+      </p:sp>
+      <p:pic>
+        <p:nvPicPr>
+          <p:cNvPr id="6" name="Graphic 5" descr="Help with solid fill">
+            <a:extLst>
+              <a:ext uri="{FF2B5EF4-FFF2-40B4-BE49-F238E27FC236}">
+                <a16:creationId xmlns:a16="http://schemas.microsoft.com/office/drawing/2014/main" id="{5D1B45EE-EE74-4916-A832-5235393504C2}"/>
+              </a:ext>
+            </a:extLst>
+          </p:cNvPr>
+          <p:cNvPicPr>
+            <a:picLocks noChangeAspect="1"/>
+          </p:cNvPicPr>
+          <p:nvPr/>
+        </p:nvPicPr>
+        <p:blipFill>
+          <a:blip r:embed="rId2">
+            <a:extLst>
+              <a:ext uri="{28A0092B-C50C-407E-A947-70E740481C1C}">
+                <a14:useLocalDpi xmlns:a14="http://schemas.microsoft.com/office/drawing/2010/main" val="0"/>
+              </a:ext>
+              <a:ext uri="{96DAC541-7B7A-43D3-8B79-37D633B846F1}">
+                <asvg:svgBlip xmlns:asvg="http://schemas.microsoft.com/office/drawing/2016/SVG/main" r:embed="rId3"/>
+              </a:ext>
+            </a:extLst>
+          </a:blip>
+          <a:stretch>
+            <a:fillRect/>
+          </a:stretch>
+        </p:blipFill>
+        <p:spPr>
+          <a:xfrm>
+            <a:off x="7535330" y="2105470"/>
+            <a:ext cx="3217333" cy="3217333"/>
+          </a:xfrm>
+          <a:prstGeom prst="rect">
+            <a:avLst/>
+          </a:prstGeom>
+        </p:spPr>
+      </p:pic>
+    </p:spTree>
+    <p:extLst>
+      <p:ext uri="{BB962C8B-B14F-4D97-AF65-F5344CB8AC3E}">
+        <p14:creationId xmlns:p14="http://schemas.microsoft.com/office/powerpoint/2010/main" val="668814964"/>
+      </p:ext>
+    </p:extLst>
+  </p:cSld>
+  <p:clrMapOvr>
+    <a:masterClrMapping/>
+  </p:clrMapOvr>
+  <p:timing>
+    <p:tnLst>
+      <p:par>
+        <p:cTn id="1" dur="indefinite" restart="never" nodeType="tmRoot">
+          <p:childTnLst>
+            <p:seq concurrent="1" nextAc="seek">
+              <p:cTn id="2" dur="indefinite" nodeType="mainSeq">
+                <p:childTnLst>
+                  <p:par>
+                    <p:cTn id="3" fill="hold">
+                      <p:stCondLst>
+                        <p:cond delay="indefinite"/>
+                      </p:stCondLst>
+                      <p:childTnLst>
+                        <p:par>
+                          <p:cTn id="4" fill="hold">
+                            <p:stCondLst>
+                              <p:cond delay="0"/>
+                            </p:stCondLst>
+                            <p:childTnLst>
+                              <p:par>
+                                <p:cTn id="5" presetID="10" presetClass="entr" presetSubtype="0" fill="hold" nodeType="clickEffect">
+                                  <p:stCondLst>
+                                    <p:cond delay="0"/>
+                                  </p:stCondLst>
+                                  <p:childTnLst>
+                                    <p:set>
+                                      <p:cBhvr>
+                                        <p:cTn id="6" dur="1" fill="hold">
+                                          <p:stCondLst>
+                                            <p:cond delay="0"/>
+                                          </p:stCondLst>
+                                        </p:cTn>
+                                        <p:tgtEl>
+                                          <p:spTgt spid="3">
+                                            <p:txEl>
+                                              <p:pRg st="0" end="0"/>
+                                            </p:txEl>
+                                          </p:spTgt>
+                                        </p:tgtEl>
+                                        <p:attrNameLst>
+                                          <p:attrName>style.visibility</p:attrName>
+                                        </p:attrNameLst>
+                                      </p:cBhvr>
+                                      <p:to>
+                                        <p:strVal val="visible"/>
+                                      </p:to>
+                                    </p:set>
+                                    <p:animEffect transition="in" filter="fade">
+                                      <p:cBhvr>
+                                        <p:cTn id="7" dur="500"/>
+                                        <p:tgtEl>
+                                          <p:spTgt spid="3">
+                                            <p:txEl>
+                                              <p:pRg st="0" end="0"/>
+                                            </p:txEl>
+                                          </p:spTgt>
+                                        </p:tgtEl>
+                                      </p:cBhvr>
+                                    </p:animEffect>
+                                  </p:childTnLst>
+                                </p:cTn>
+                              </p:par>
+                            </p:childTnLst>
+                          </p:cTn>
+                        </p:par>
+                      </p:childTnLst>
+                    </p:cTn>
+                  </p:par>
+                  <p:par>
+                    <p:cTn id="8" fill="hold">
+                      <p:stCondLst>
+                        <p:cond delay="indefinite"/>
+                      </p:stCondLst>
+                      <p:childTnLst>
+                        <p:par>
+                          <p:cTn id="9" fill="hold">
+                            <p:stCondLst>
+                              <p:cond delay="0"/>
+                            </p:stCondLst>
+                            <p:childTnLst>
+                              <p:par>
+                                <p:cTn id="10" presetID="1" presetClass="entr" presetSubtype="0" fill="hold" nodeType="clickEffect">
+                                  <p:stCondLst>
+                                    <p:cond delay="0"/>
+                                  </p:stCondLst>
+                                  <p:childTnLst>
+                                    <p:set>
+                                      <p:cBhvr>
+                                        <p:cTn id="11" dur="1" fill="hold">
+                                          <p:stCondLst>
+                                            <p:cond delay="0"/>
+                                          </p:stCondLst>
+                                        </p:cTn>
+                                        <p:tgtEl>
+                                          <p:spTgt spid="3">
+                                            <p:txEl>
+                                              <p:pRg st="1" end="1"/>
+                                            </p:txEl>
+                                          </p:spTgt>
+                                        </p:tgtEl>
+                                        <p:attrNameLst>
+                                          <p:attrName>style.visibility</p:attrName>
+                                        </p:attrNameLst>
+                                      </p:cBhvr>
+                                      <p:to>
+                                        <p:strVal val="visible"/>
+                                      </p:to>
+                                    </p:set>
+                                  </p:childTnLst>
+                                </p:cTn>
+                              </p:par>
+                            </p:childTnLst>
+                          </p:cTn>
+                        </p:par>
+                      </p:childTnLst>
+                    </p:cTn>
+                  </p:par>
+                  <p:par>
+                    <p:cTn id="12" fill="hold">
+                      <p:stCondLst>
+                        <p:cond delay="indefinite"/>
+                      </p:stCondLst>
+                      <p:childTnLst>
+                        <p:par>
+                          <p:cTn id="13" fill="hold">
+                            <p:stCondLst>
+                              <p:cond delay="0"/>
+                            </p:stCondLst>
+                            <p:childTnLst>
+                              <p:par>
+                                <p:cTn id="14" presetID="10" presetClass="entr" presetSubtype="0" fill="hold" nodeType="clickEffect">
+                                  <p:stCondLst>
+                                    <p:cond delay="0"/>
+                                  </p:stCondLst>
+                                  <p:childTnLst>
+                                    <p:set>
+                                      <p:cBhvr>
+                                        <p:cTn id="15" dur="1" fill="hold">
+                                          <p:stCondLst>
+                                            <p:cond delay="0"/>
+                                          </p:stCondLst>
+                                        </p:cTn>
+                                        <p:tgtEl>
+                                          <p:spTgt spid="3">
+                                            <p:txEl>
+                                              <p:pRg st="2" end="2"/>
+                                            </p:txEl>
+                                          </p:spTgt>
+                                        </p:tgtEl>
+                                        <p:attrNameLst>
+                                          <p:attrName>style.visibility</p:attrName>
+                                        </p:attrNameLst>
+                                      </p:cBhvr>
+                                      <p:to>
+                                        <p:strVal val="visible"/>
+                                      </p:to>
+                                    </p:set>
+                                    <p:animEffect transition="in" filter="fade">
+                                      <p:cBhvr>
+                                        <p:cTn id="16" dur="500"/>
+                                        <p:tgtEl>
+                                          <p:spTgt spid="3">
+                                            <p:txEl>
+                                              <p:pRg st="2" end="2"/>
+                                            </p:txEl>
+                                          </p:spTgt>
+                                        </p:tgtEl>
+                                      </p:cBhvr>
+                                    </p:animEffect>
+                                  </p:childTnLst>
+                                </p:cTn>
+                              </p:par>
+                            </p:childTnLst>
+                          </p:cTn>
+                        </p:par>
+                      </p:childTnLst>
+                    </p:cTn>
+                  </p:par>
+                  <p:par>
+                    <p:cTn id="17" fill="hold">
+                      <p:stCondLst>
+                        <p:cond delay="indefinite"/>
+                      </p:stCondLst>
+                      <p:childTnLst>
+                        <p:par>
+                          <p:cTn id="18" fill="hold">
+                            <p:stCondLst>
+                              <p:cond delay="0"/>
+                            </p:stCondLst>
+                            <p:childTnLst>
+                              <p:par>
+                                <p:cTn id="19" presetID="10" presetClass="entr" presetSubtype="0" fill="hold" nodeType="clickEffect">
+                                  <p:stCondLst>
+                                    <p:cond delay="0"/>
+                                  </p:stCondLst>
+                                  <p:childTnLst>
+                                    <p:set>
+                                      <p:cBhvr>
+                                        <p:cTn id="20" dur="1" fill="hold">
+                                          <p:stCondLst>
+                                            <p:cond delay="0"/>
+                                          </p:stCondLst>
+                                        </p:cTn>
+                                        <p:tgtEl>
+                                          <p:spTgt spid="3">
+                                            <p:txEl>
+                                              <p:pRg st="3" end="3"/>
+                                            </p:txEl>
+                                          </p:spTgt>
+                                        </p:tgtEl>
+                                        <p:attrNameLst>
+                                          <p:attrName>style.visibility</p:attrName>
+                                        </p:attrNameLst>
+                                      </p:cBhvr>
+                                      <p:to>
+                                        <p:strVal val="visible"/>
+                                      </p:to>
+                                    </p:set>
+                                    <p:animEffect transition="in" filter="fade">
+                                      <p:cBhvr>
+                                        <p:cTn id="21" dur="500"/>
+                                        <p:tgtEl>
+                                          <p:spTgt spid="3">
+                                            <p:txEl>
+                                              <p:pRg st="3" end="3"/>
+                                            </p:txEl>
+                                          </p:spTgt>
+                                        </p:tgtEl>
+                                      </p:cBhvr>
+                                    </p:animEffect>
+                                  </p:childTnLst>
+                                </p:cTn>
+                              </p:par>
+                            </p:childTnLst>
+                          </p:cTn>
+                        </p:par>
+                      </p:childTnLst>
+                    </p:cTn>
+                  </p:par>
+                </p:childTnLst>
+              </p:cTn>
+              <p:prevCondLst>
+                <p:cond evt="onPrev" delay="0">
+                  <p:tgtEl>
+                    <p:sldTgt/>
+                  </p:tgtEl>
+                </p:cond>
+              </p:prevCondLst>
+              <p:nextCondLst>
+                <p:cond evt="onNext" delay="0">
+                  <p:tgtEl>
+                    <p:sldTgt/>
+                  </p:tgtEl>
+                </p:cond>
+              </p:nextCondLst>
+            </p:seq>
+          </p:childTnLst>
+        </p:cTn>
+      </p:par>
+    </p:tnLst>
+  </p:timing>
+</p:sld>
+</file>
+
+<file path=ppt/slides/slide20.xml><?xml version="1.0" encoding="utf-8"?>
 <p:sld xmlns:a="http://schemas.openxmlformats.org/drawingml/2006/main" xmlns:r="http://schemas.openxmlformats.org/officeDocument/2006/relationships" xmlns:p="http://schemas.openxmlformats.org/presentationml/2006/main">
   <p:cSld>
     <p:bg>
@@ -14922,8 +14828,8 @@
         </p:blipFill>
         <p:spPr>
           <a:xfrm>
-            <a:off x="6643857" y="1487286"/>
-            <a:ext cx="5051317" cy="3157072"/>
+            <a:off x="6664510" y="1487286"/>
+            <a:ext cx="5010011" cy="3157072"/>
           </a:xfrm>
           <a:prstGeom prst="rect">
             <a:avLst/>
@@ -15111,7 +15017,7 @@
 </p:sld>
 </file>
 
-<file path=ppt/slides/slide22.xml><?xml version="1.0" encoding="utf-8"?>
+<file path=ppt/slides/slide21.xml><?xml version="1.0" encoding="utf-8"?>
 <p:sld xmlns:a="http://schemas.openxmlformats.org/drawingml/2006/main" xmlns:r="http://schemas.openxmlformats.org/officeDocument/2006/relationships" xmlns:p="http://schemas.openxmlformats.org/presentationml/2006/main">
   <p:cSld>
     <p:bg>
@@ -15576,7 +15482,7 @@
 </p:sld>
 </file>
 
-<file path=ppt/slides/slide23.xml><?xml version="1.0" encoding="utf-8"?>
+<file path=ppt/slides/slide22.xml><?xml version="1.0" encoding="utf-8"?>
 <p:sld xmlns:a="http://schemas.openxmlformats.org/drawingml/2006/main" xmlns:r="http://schemas.openxmlformats.org/officeDocument/2006/relationships" xmlns:p="http://schemas.openxmlformats.org/presentationml/2006/main">
   <p:cSld>
     <p:bg>
@@ -15946,7 +15852,7 @@
 </p:sld>
 </file>
 
-<file path=ppt/slides/slide24.xml><?xml version="1.0" encoding="utf-8"?>
+<file path=ppt/slides/slide23.xml><?xml version="1.0" encoding="utf-8"?>
 <p:sld xmlns:a="http://schemas.openxmlformats.org/drawingml/2006/main" xmlns:r="http://schemas.openxmlformats.org/officeDocument/2006/relationships" xmlns:p="http://schemas.openxmlformats.org/presentationml/2006/main">
   <p:cSld>
     <p:bg>
@@ -17321,48 +17227,37 @@
           <a:lstStyle/>
           <a:p>
             <a:r>
-              <a:rPr lang="en-US"/>
+              <a:rPr lang="en-US" dirty="0"/>
               <a:t>State law:</a:t>
             </a:r>
           </a:p>
           <a:p>
             <a:pPr lvl="1"/>
             <a:r>
-              <a:rPr lang="en-US"/>
+              <a:rPr lang="en-US" dirty="0"/>
               <a:t>Murder</a:t>
             </a:r>
           </a:p>
           <a:p>
             <a:pPr lvl="1"/>
             <a:r>
-              <a:rPr lang="en-US"/>
+              <a:rPr lang="en-US" dirty="0"/>
               <a:t>Sexual assault</a:t>
             </a:r>
           </a:p>
           <a:p>
             <a:pPr lvl="1"/>
             <a:r>
-              <a:rPr lang="en-US"/>
+              <a:rPr lang="en-US" dirty="0"/>
               <a:t>Robbery/burglary</a:t>
             </a:r>
           </a:p>
           <a:p>
             <a:pPr lvl="1"/>
             <a:r>
-              <a:rPr lang="en-US"/>
+              <a:rPr lang="en-US" dirty="0"/>
               <a:t>Most violent crime</a:t>
             </a:r>
-          </a:p>
-          <a:p>
-            <a:pPr lvl="1"/>
-            <a:r>
-              <a:rPr lang="en-US"/>
-              <a:t>Violations of state drug laws</a:t>
-            </a:r>
-          </a:p>
-          <a:p>
-            <a:pPr lvl="1"/>
-            <a:endParaRPr lang="en-US" dirty="0"/>
           </a:p>
         </p:txBody>
       </p:sp>
@@ -17652,23 +17547,41 @@
                                   </p:childTnLst>
                                 </p:cTn>
                               </p:par>
+                            </p:childTnLst>
+                          </p:cTn>
+                        </p:par>
+                      </p:childTnLst>
+                    </p:cTn>
+                  </p:par>
+                  <p:par>
+                    <p:cTn id="15" fill="hold">
+                      <p:stCondLst>
+                        <p:cond delay="indefinite"/>
+                      </p:stCondLst>
+                      <p:childTnLst>
+                        <p:par>
+                          <p:cTn id="16" fill="hold">
+                            <p:stCondLst>
+                              <p:cond delay="0"/>
+                            </p:stCondLst>
+                            <p:childTnLst>
                               <p:par>
-                                <p:cTn id="15" presetID="1" presetClass="entr" presetSubtype="0" fill="hold" grpId="0" nodeType="withEffect">
+                                <p:cTn id="17" presetID="1" presetClass="entr" presetSubtype="0" fill="hold" grpId="0" nodeType="clickEffect">
                                   <p:stCondLst>
                                     <p:cond delay="0"/>
                                   </p:stCondLst>
                                   <p:childTnLst>
                                     <p:set>
                                       <p:cBhvr>
-                                        <p:cTn id="16" dur="1" fill="hold">
+                                        <p:cTn id="18" dur="1" fill="hold">
                                           <p:stCondLst>
                                             <p:cond delay="0"/>
                                           </p:stCondLst>
                                         </p:cTn>
                                         <p:tgtEl>
-                                          <p:spTgt spid="3">
+                                          <p:spTgt spid="4">
                                             <p:txEl>
-                                              <p:pRg st="5" end="5"/>
+                                              <p:pRg st="0" end="0"/>
                                             </p:txEl>
                                           </p:spTgt>
                                         </p:tgtEl>
@@ -17683,26 +17596,8 @@
                                   </p:childTnLst>
                                 </p:cTn>
                               </p:par>
-                            </p:childTnLst>
-                          </p:cTn>
-                        </p:par>
-                      </p:childTnLst>
-                    </p:cTn>
-                  </p:par>
-                  <p:par>
-                    <p:cTn id="17" fill="hold">
-                      <p:stCondLst>
-                        <p:cond delay="indefinite"/>
-                      </p:stCondLst>
-                      <p:childTnLst>
-                        <p:par>
-                          <p:cTn id="18" fill="hold">
-                            <p:stCondLst>
-                              <p:cond delay="0"/>
-                            </p:stCondLst>
-                            <p:childTnLst>
                               <p:par>
-                                <p:cTn id="19" presetID="1" presetClass="entr" presetSubtype="0" fill="hold" grpId="0" nodeType="clickEffect">
+                                <p:cTn id="19" presetID="1" presetClass="entr" presetSubtype="0" fill="hold" grpId="0" nodeType="withEffect">
                                   <p:stCondLst>
                                     <p:cond delay="0"/>
                                   </p:stCondLst>
@@ -17717,7 +17612,7 @@
                                         <p:tgtEl>
                                           <p:spTgt spid="4">
                                             <p:txEl>
-                                              <p:pRg st="0" end="0"/>
+                                              <p:pRg st="1" end="1"/>
                                             </p:txEl>
                                           </p:spTgt>
                                         </p:tgtEl>
@@ -17748,7 +17643,7 @@
                                         <p:tgtEl>
                                           <p:spTgt spid="4">
                                             <p:txEl>
-                                              <p:pRg st="1" end="1"/>
+                                              <p:pRg st="2" end="2"/>
                                             </p:txEl>
                                           </p:spTgt>
                                         </p:tgtEl>
@@ -17779,7 +17674,7 @@
                                         <p:tgtEl>
                                           <p:spTgt spid="4">
                                             <p:txEl>
-                                              <p:pRg st="2" end="2"/>
+                                              <p:pRg st="3" end="3"/>
                                             </p:txEl>
                                           </p:spTgt>
                                         </p:tgtEl>
@@ -17810,7 +17705,7 @@
                                         <p:tgtEl>
                                           <p:spTgt spid="4">
                                             <p:txEl>
-                                              <p:pRg st="3" end="3"/>
+                                              <p:pRg st="4" end="4"/>
                                             </p:txEl>
                                           </p:spTgt>
                                         </p:tgtEl>
@@ -17841,7 +17736,7 @@
                                         <p:tgtEl>
                                           <p:spTgt spid="4">
                                             <p:txEl>
-                                              <p:pRg st="4" end="4"/>
+                                              <p:pRg st="5" end="5"/>
                                             </p:txEl>
                                           </p:spTgt>
                                         </p:tgtEl>
@@ -17872,7 +17767,7 @@
                                         <p:tgtEl>
                                           <p:spTgt spid="4">
                                             <p:txEl>
-                                              <p:pRg st="5" end="5"/>
+                                              <p:pRg st="6" end="6"/>
                                             </p:txEl>
                                           </p:spTgt>
                                         </p:tgtEl>
@@ -17903,7 +17798,7 @@
                                         <p:tgtEl>
                                           <p:spTgt spid="4">
                                             <p:txEl>
-                                              <p:pRg st="6" end="6"/>
+                                              <p:pRg st="7" end="7"/>
                                             </p:txEl>
                                           </p:spTgt>
                                         </p:tgtEl>
@@ -17934,7 +17829,7 @@
                                         <p:tgtEl>
                                           <p:spTgt spid="4">
                                             <p:txEl>
-                                              <p:pRg st="7" end="7"/>
+                                              <p:pRg st="8" end="8"/>
                                             </p:txEl>
                                           </p:spTgt>
                                         </p:tgtEl>
@@ -17965,7 +17860,7 @@
                                         <p:tgtEl>
                                           <p:spTgt spid="4">
                                             <p:txEl>
-                                              <p:pRg st="8" end="8"/>
+                                              <p:pRg st="9" end="9"/>
                                             </p:txEl>
                                           </p:spTgt>
                                         </p:tgtEl>
@@ -17989,37 +17884,6 @@
                                     <p:set>
                                       <p:cBhvr>
                                         <p:cTn id="38" dur="1" fill="hold">
-                                          <p:stCondLst>
-                                            <p:cond delay="0"/>
-                                          </p:stCondLst>
-                                        </p:cTn>
-                                        <p:tgtEl>
-                                          <p:spTgt spid="4">
-                                            <p:txEl>
-                                              <p:pRg st="9" end="9"/>
-                                            </p:txEl>
-                                          </p:spTgt>
-                                        </p:tgtEl>
-                                        <p:attrNameLst>
-                                          <p:attrName>style.visibility</p:attrName>
-                                        </p:attrNameLst>
-                                      </p:cBhvr>
-                                      <p:to>
-                                        <p:strVal val="visible"/>
-                                      </p:to>
-                                    </p:set>
-                                  </p:childTnLst>
-                                </p:cTn>
-                              </p:par>
-                              <p:par>
-                                <p:cTn id="39" presetID="1" presetClass="entr" presetSubtype="0" fill="hold" grpId="0" nodeType="withEffect">
-                                  <p:stCondLst>
-                                    <p:cond delay="0"/>
-                                  </p:stCondLst>
-                                  <p:childTnLst>
-                                    <p:set>
-                                      <p:cBhvr>
-                                        <p:cTn id="40" dur="1" fill="hold">
                                           <p:stCondLst>
                                             <p:cond delay="0"/>
                                           </p:stCondLst>
@@ -18153,7 +18017,7 @@
     <p:bg>
       <p:bgPr>
         <a:solidFill>
-          <a:schemeClr val="bg1"/>
+          <a:srgbClr val="EAF1F6"/>
         </a:solidFill>
         <a:effectLst/>
       </p:bgPr>
@@ -19840,7 +19704,7 @@
     <p:bg>
       <p:bgPr>
         <a:solidFill>
-          <a:schemeClr val="bg1"/>
+          <a:srgbClr val="EAF1F6"/>
         </a:solidFill>
         <a:effectLst/>
       </p:bgPr>

--- a/Presentation.pptx
+++ b/Presentation.pptx
@@ -27,7 +27,6 @@
     <p:sldId id="302" r:id="rId21"/>
     <p:sldId id="289" r:id="rId22"/>
     <p:sldId id="279" r:id="rId23"/>
-    <p:sldId id="298" r:id="rId24"/>
   </p:sldIdLst>
   <p:sldSz cx="12192000" cy="6858000"/>
   <p:notesSz cx="6858000" cy="9144000"/>
@@ -4355,10 +4354,10 @@
       </p:grpSpPr>
       <p:sp useBgFill="1">
         <p:nvSpPr>
-          <p:cNvPr id="48" name="Rectangle 40">
+          <p:cNvPr id="56" name="Rectangle 55">
             <a:extLst>
               <a:ext uri="{FF2B5EF4-FFF2-40B4-BE49-F238E27FC236}">
-                <a16:creationId xmlns:a16="http://schemas.microsoft.com/office/drawing/2014/main" id="{5DCB5928-DC7D-4612-9922-441966E15627}"/>
+                <a16:creationId xmlns:a16="http://schemas.microsoft.com/office/drawing/2014/main" id="{33CD251C-A887-4D2F-925B-FC097198538B}"/>
               </a:ext>
               <a:ext uri="{C183D7F6-B498-43B3-948B-1728B52AA6E4}">
                 <adec:decorative xmlns:adec="http://schemas.microsoft.com/office/drawing/2017/decorative" val="1"/>
@@ -4413,12 +4412,12 @@
           </a:p>
         </p:txBody>
       </p:sp>
-      <p:sp useBgFill="1">
+      <p:sp>
         <p:nvSpPr>
-          <p:cNvPr id="50" name="Freeform: Shape 42">
+          <p:cNvPr id="58" name="Rectangle 57">
             <a:extLst>
               <a:ext uri="{FF2B5EF4-FFF2-40B4-BE49-F238E27FC236}">
-                <a16:creationId xmlns:a16="http://schemas.microsoft.com/office/drawing/2014/main" id="{682C1161-1736-45EC-99B7-33F3CAE9D517}"/>
+                <a16:creationId xmlns:a16="http://schemas.microsoft.com/office/drawing/2014/main" id="{B19D093C-27FB-4032-B282-42C4563F257C}"/>
               </a:ext>
               <a:ext uri="{C183D7F6-B498-43B3-948B-1728B52AA6E4}">
                 <adec:decorative xmlns:adec="http://schemas.microsoft.com/office/drawing/2017/decorative" val="1"/>
@@ -4439,433 +4438,13 @@
         <p:spPr>
           <a:xfrm>
             <a:off x="0" y="0"/>
-            <a:ext cx="4959047" cy="6858000"/>
-          </a:xfrm>
-          <a:custGeom>
-            <a:avLst/>
-            <a:gdLst>
-              <a:gd name="connsiteX0" fmla="*/ 0 w 4959047"/>
-              <a:gd name="connsiteY0" fmla="*/ 0 h 6858000"/>
-              <a:gd name="connsiteX1" fmla="*/ 4110127 w 4959047"/>
-              <a:gd name="connsiteY1" fmla="*/ 0 h 6858000"/>
-              <a:gd name="connsiteX2" fmla="*/ 4179024 w 4959047"/>
-              <a:gd name="connsiteY2" fmla="*/ 123368 h 6858000"/>
-              <a:gd name="connsiteX3" fmla="*/ 4959047 w 4959047"/>
-              <a:gd name="connsiteY3" fmla="*/ 3429000 h 6858000"/>
-              <a:gd name="connsiteX4" fmla="*/ 4179024 w 4959047"/>
-              <a:gd name="connsiteY4" fmla="*/ 6734633 h 6858000"/>
-              <a:gd name="connsiteX5" fmla="*/ 4110127 w 4959047"/>
-              <a:gd name="connsiteY5" fmla="*/ 6858000 h 6858000"/>
-              <a:gd name="connsiteX6" fmla="*/ 0 w 4959047"/>
-              <a:gd name="connsiteY6" fmla="*/ 6858000 h 6858000"/>
-            </a:gdLst>
-            <a:ahLst/>
-            <a:cxnLst>
-              <a:cxn ang="0">
-                <a:pos x="connsiteX0" y="connsiteY0"/>
-              </a:cxn>
-              <a:cxn ang="0">
-                <a:pos x="connsiteX1" y="connsiteY1"/>
-              </a:cxn>
-              <a:cxn ang="0">
-                <a:pos x="connsiteX2" y="connsiteY2"/>
-              </a:cxn>
-              <a:cxn ang="0">
-                <a:pos x="connsiteX3" y="connsiteY3"/>
-              </a:cxn>
-              <a:cxn ang="0">
-                <a:pos x="connsiteX4" y="connsiteY4"/>
-              </a:cxn>
-              <a:cxn ang="0">
-                <a:pos x="connsiteX5" y="connsiteY5"/>
-              </a:cxn>
-              <a:cxn ang="0">
-                <a:pos x="connsiteX6" y="connsiteY6"/>
-              </a:cxn>
-            </a:cxnLst>
-            <a:rect l="l" t="t" r="r" b="b"/>
-            <a:pathLst>
-              <a:path w="4959047" h="6858000">
-                <a:moveTo>
-                  <a:pt x="0" y="0"/>
-                </a:moveTo>
-                <a:lnTo>
-                  <a:pt x="4110127" y="0"/>
-                </a:lnTo>
-                <a:lnTo>
-                  <a:pt x="4179024" y="123368"/>
-                </a:lnTo>
-                <a:cubicBezTo>
-                  <a:pt x="4668929" y="1045156"/>
-                  <a:pt x="4959047" y="2189404"/>
-                  <a:pt x="4959047" y="3429000"/>
-                </a:cubicBezTo>
-                <a:cubicBezTo>
-                  <a:pt x="4959047" y="4668597"/>
-                  <a:pt x="4668929" y="5812845"/>
-                  <a:pt x="4179024" y="6734633"/>
-                </a:cubicBezTo>
-                <a:lnTo>
-                  <a:pt x="4110127" y="6858000"/>
-                </a:lnTo>
-                <a:lnTo>
-                  <a:pt x="0" y="6858000"/>
-                </a:lnTo>
-                <a:close/>
-              </a:path>
-            </a:pathLst>
-          </a:custGeom>
-          <a:ln w="9525">
-            <a:solidFill>
-              <a:srgbClr val="E6E6E6"/>
-            </a:solidFill>
-          </a:ln>
-          <a:effectLst>
-            <a:outerShdw blurRad="76200" dist="38100" algn="l" rotWithShape="0">
-              <a:schemeClr val="bg1">
-                <a:lumMod val="85000"/>
-                <a:alpha val="50000"/>
-              </a:schemeClr>
-            </a:outerShdw>
-          </a:effectLst>
-        </p:spPr>
-        <p:style>
-          <a:lnRef idx="2">
-            <a:schemeClr val="accent1">
-              <a:shade val="50000"/>
-            </a:schemeClr>
-          </a:lnRef>
-          <a:fillRef idx="1">
-            <a:schemeClr val="accent1"/>
-          </a:fillRef>
-          <a:effectRef idx="0">
-            <a:schemeClr val="accent1"/>
-          </a:effectRef>
-          <a:fontRef idx="minor">
-            <a:schemeClr val="lt1"/>
-          </a:fontRef>
-        </p:style>
-        <p:txBody>
-          <a:bodyPr wrap="square" rtlCol="0" anchor="ctr">
-            <a:noAutofit/>
-          </a:bodyPr>
-          <a:lstStyle/>
-          <a:p>
-            <a:pPr marL="0" marR="0" lvl="0" indent="0" algn="ctr" defTabSz="914400" rtl="0" eaLnBrk="1" fontAlgn="auto" latinLnBrk="0" hangingPunct="1">
-              <a:lnSpc>
-                <a:spcPct val="100000"/>
-              </a:lnSpc>
-              <a:spcBef>
-                <a:spcPts val="0"/>
-              </a:spcBef>
-              <a:spcAft>
-                <a:spcPts val="0"/>
-              </a:spcAft>
-              <a:buClrTx/>
-              <a:buSzTx/>
-              <a:buFontTx/>
-              <a:buNone/>
-              <a:tabLst/>
-              <a:defRPr/>
-            </a:pPr>
-            <a:endParaRPr kumimoji="0" lang="en-US" sz="1800" b="0" i="0" u="none" strike="noStrike" kern="1200" cap="none" spc="0" normalizeH="0" baseline="0" noProof="0">
-              <a:ln>
-                <a:noFill/>
-              </a:ln>
-              <a:solidFill>
-                <a:prstClr val="white"/>
-              </a:solidFill>
-              <a:effectLst/>
-              <a:uLnTx/>
-              <a:uFillTx/>
-              <a:latin typeface="Calibri" panose="020F0502020204030204"/>
-              <a:ea typeface="+mn-ea"/>
-              <a:cs typeface="+mn-cs"/>
-            </a:endParaRPr>
-          </a:p>
-        </p:txBody>
-      </p:sp>
-      <p:sp useBgFill="1">
-        <p:nvSpPr>
-          <p:cNvPr id="51" name="Freeform: Shape 44">
-            <a:extLst>
-              <a:ext uri="{FF2B5EF4-FFF2-40B4-BE49-F238E27FC236}">
-                <a16:creationId xmlns:a16="http://schemas.microsoft.com/office/drawing/2014/main" id="{84D4DDB8-B68F-45B0-9F62-C4279996F672}"/>
-              </a:ext>
-              <a:ext uri="{C183D7F6-B498-43B3-948B-1728B52AA6E4}">
-                <adec:decorative xmlns:adec="http://schemas.microsoft.com/office/drawing/2017/decorative" val="1"/>
-              </a:ext>
-            </a:extLst>
-          </p:cNvPr>
-          <p:cNvSpPr>
-            <a:spLocks noGrp="1" noRot="1" noChangeAspect="1" noMove="1" noResize="1" noEditPoints="1" noAdjustHandles="1" noChangeArrowheads="1" noChangeShapeType="1" noTextEdit="1"/>
-          </p:cNvSpPr>
-          <p:nvPr>
-            <p:extLst>
-              <p:ext uri="{386F3935-93C4-4BCD-93E2-E3B085C9AB24}">
-                <p16:designElem xmlns:p16="http://schemas.microsoft.com/office/powerpoint/2015/main" val="1"/>
-              </p:ext>
-            </p:extLst>
-          </p:nvPr>
-        </p:nvSpPr>
-        <p:spPr>
-          <a:xfrm>
-            <a:off x="0" y="0"/>
-            <a:ext cx="4948887" cy="6858000"/>
-          </a:xfrm>
-          <a:custGeom>
-            <a:avLst/>
-            <a:gdLst>
-              <a:gd name="connsiteX0" fmla="*/ 0 w 4948887"/>
-              <a:gd name="connsiteY0" fmla="*/ 0 h 6858000"/>
-              <a:gd name="connsiteX1" fmla="*/ 4099967 w 4948887"/>
-              <a:gd name="connsiteY1" fmla="*/ 0 h 6858000"/>
-              <a:gd name="connsiteX2" fmla="*/ 4168864 w 4948887"/>
-              <a:gd name="connsiteY2" fmla="*/ 123368 h 6858000"/>
-              <a:gd name="connsiteX3" fmla="*/ 4948887 w 4948887"/>
-              <a:gd name="connsiteY3" fmla="*/ 3429000 h 6858000"/>
-              <a:gd name="connsiteX4" fmla="*/ 4168864 w 4948887"/>
-              <a:gd name="connsiteY4" fmla="*/ 6734633 h 6858000"/>
-              <a:gd name="connsiteX5" fmla="*/ 4099967 w 4948887"/>
-              <a:gd name="connsiteY5" fmla="*/ 6858000 h 6858000"/>
-              <a:gd name="connsiteX6" fmla="*/ 0 w 4948887"/>
-              <a:gd name="connsiteY6" fmla="*/ 6858000 h 6858000"/>
-            </a:gdLst>
-            <a:ahLst/>
-            <a:cxnLst>
-              <a:cxn ang="0">
-                <a:pos x="connsiteX0" y="connsiteY0"/>
-              </a:cxn>
-              <a:cxn ang="0">
-                <a:pos x="connsiteX1" y="connsiteY1"/>
-              </a:cxn>
-              <a:cxn ang="0">
-                <a:pos x="connsiteX2" y="connsiteY2"/>
-              </a:cxn>
-              <a:cxn ang="0">
-                <a:pos x="connsiteX3" y="connsiteY3"/>
-              </a:cxn>
-              <a:cxn ang="0">
-                <a:pos x="connsiteX4" y="connsiteY4"/>
-              </a:cxn>
-              <a:cxn ang="0">
-                <a:pos x="connsiteX5" y="connsiteY5"/>
-              </a:cxn>
-              <a:cxn ang="0">
-                <a:pos x="connsiteX6" y="connsiteY6"/>
-              </a:cxn>
-            </a:cxnLst>
-            <a:rect l="l" t="t" r="r" b="b"/>
-            <a:pathLst>
-              <a:path w="4948887" h="6858000">
-                <a:moveTo>
-                  <a:pt x="0" y="0"/>
-                </a:moveTo>
-                <a:lnTo>
-                  <a:pt x="4099967" y="0"/>
-                </a:lnTo>
-                <a:lnTo>
-                  <a:pt x="4168864" y="123368"/>
-                </a:lnTo>
-                <a:cubicBezTo>
-                  <a:pt x="4658769" y="1045156"/>
-                  <a:pt x="4948887" y="2189404"/>
-                  <a:pt x="4948887" y="3429000"/>
-                </a:cubicBezTo>
-                <a:cubicBezTo>
-                  <a:pt x="4948887" y="4668597"/>
-                  <a:pt x="4658769" y="5812845"/>
-                  <a:pt x="4168864" y="6734633"/>
-                </a:cubicBezTo>
-                <a:lnTo>
-                  <a:pt x="4099967" y="6858000"/>
-                </a:lnTo>
-                <a:lnTo>
-                  <a:pt x="0" y="6858000"/>
-                </a:lnTo>
-                <a:close/>
-              </a:path>
-            </a:pathLst>
-          </a:custGeom>
-          <a:ln w="9525">
-            <a:noFill/>
-          </a:ln>
-          <a:effectLst/>
-        </p:spPr>
-        <p:style>
-          <a:lnRef idx="2">
-            <a:schemeClr val="accent1">
-              <a:shade val="50000"/>
-            </a:schemeClr>
-          </a:lnRef>
-          <a:fillRef idx="1">
-            <a:schemeClr val="accent1"/>
-          </a:fillRef>
-          <a:effectRef idx="0">
-            <a:schemeClr val="accent1"/>
-          </a:effectRef>
-          <a:fontRef idx="minor">
-            <a:schemeClr val="lt1"/>
-          </a:fontRef>
-        </p:style>
-        <p:txBody>
-          <a:bodyPr wrap="square" rtlCol="0" anchor="ctr">
-            <a:noAutofit/>
-          </a:bodyPr>
-          <a:lstStyle/>
-          <a:p>
-            <a:pPr marL="0" marR="0" lvl="0" indent="0" algn="ctr" defTabSz="914400" rtl="0" eaLnBrk="1" fontAlgn="auto" latinLnBrk="0" hangingPunct="1">
-              <a:lnSpc>
-                <a:spcPct val="100000"/>
-              </a:lnSpc>
-              <a:spcBef>
-                <a:spcPts val="0"/>
-              </a:spcBef>
-              <a:spcAft>
-                <a:spcPts val="0"/>
-              </a:spcAft>
-              <a:buClrTx/>
-              <a:buSzTx/>
-              <a:buFontTx/>
-              <a:buNone/>
-              <a:tabLst/>
-              <a:defRPr/>
-            </a:pPr>
-            <a:endParaRPr kumimoji="0" lang="en-US" sz="1800" b="0" i="0" u="none" strike="noStrike" kern="1200" cap="none" spc="0" normalizeH="0" baseline="0" noProof="0">
-              <a:ln>
-                <a:noFill/>
-              </a:ln>
-              <a:solidFill>
-                <a:prstClr val="white"/>
-              </a:solidFill>
-              <a:effectLst/>
-              <a:uLnTx/>
-              <a:uFillTx/>
-              <a:latin typeface="Calibri" panose="020F0502020204030204"/>
-              <a:ea typeface="+mn-ea"/>
-              <a:cs typeface="+mn-cs"/>
-            </a:endParaRPr>
-          </a:p>
-        </p:txBody>
-      </p:sp>
-      <p:sp>
-        <p:nvSpPr>
-          <p:cNvPr id="2" name="Title 1">
-            <a:extLst>
-              <a:ext uri="{FF2B5EF4-FFF2-40B4-BE49-F238E27FC236}">
-                <a16:creationId xmlns:a16="http://schemas.microsoft.com/office/drawing/2014/main" id="{DA7F9311-0C48-4D07-8EB9-6965B2CD7BAD}"/>
-              </a:ext>
-            </a:extLst>
-          </p:cNvPr>
-          <p:cNvSpPr>
-            <a:spLocks noGrp="1"/>
-          </p:cNvSpPr>
-          <p:nvPr>
-            <p:ph type="title"/>
-          </p:nvPr>
-        </p:nvSpPr>
-        <p:spPr>
-          <a:xfrm>
-            <a:off x="477981" y="1122363"/>
-            <a:ext cx="4023360" cy="3204134"/>
-          </a:xfrm>
-        </p:spPr>
-        <p:txBody>
-          <a:bodyPr vert="horz" lIns="91440" tIns="45720" rIns="91440" bIns="45720" rtlCol="0" anchor="b">
-            <a:normAutofit/>
-          </a:bodyPr>
-          <a:lstStyle/>
-          <a:p>
-            <a:r>
-              <a:rPr lang="en-US" sz="4800" kern="1200" dirty="0">
-                <a:solidFill>
-                  <a:schemeClr val="tx1"/>
-                </a:solidFill>
-                <a:latin typeface="+mj-lt"/>
-                <a:ea typeface="+mj-ea"/>
-                <a:cs typeface="+mj-cs"/>
-              </a:rPr>
-              <a:t>Crime Categories</a:t>
-            </a:r>
-          </a:p>
-        </p:txBody>
-      </p:sp>
-      <p:sp>
-        <p:nvSpPr>
-          <p:cNvPr id="13" name="Content Placeholder 12">
-            <a:extLst>
-              <a:ext uri="{FF2B5EF4-FFF2-40B4-BE49-F238E27FC236}">
-                <a16:creationId xmlns:a16="http://schemas.microsoft.com/office/drawing/2014/main" id="{1CB7C1BF-B960-4C67-9AD6-BAA09BC1CB86}"/>
-              </a:ext>
-            </a:extLst>
-          </p:cNvPr>
-          <p:cNvSpPr>
-            <a:spLocks noGrp="1"/>
-          </p:cNvSpPr>
-          <p:nvPr>
-            <p:ph idx="1"/>
-          </p:nvPr>
-        </p:nvSpPr>
-        <p:spPr>
-          <a:xfrm>
-            <a:off x="477981" y="4872922"/>
-            <a:ext cx="3454827" cy="1208141"/>
-          </a:xfrm>
-        </p:spPr>
-        <p:txBody>
-          <a:bodyPr vert="horz" lIns="91440" tIns="45720" rIns="91440" bIns="45720" rtlCol="0">
-            <a:normAutofit/>
-          </a:bodyPr>
-          <a:lstStyle/>
-          <a:p>
-            <a:pPr algn="just"/>
-            <a:r>
-              <a:rPr lang="en-US" sz="2000" kern="1200" dirty="0">
-                <a:solidFill>
-                  <a:schemeClr val="tx1"/>
-                </a:solidFill>
-                <a:latin typeface="+mn-lt"/>
-                <a:ea typeface="+mn-ea"/>
-                <a:cs typeface="+mn-cs"/>
-              </a:rPr>
-              <a:t>Over half of offenses by black offenders are not violent or drug related</a:t>
-            </a:r>
-          </a:p>
-        </p:txBody>
-      </p:sp>
-      <p:sp>
-        <p:nvSpPr>
-          <p:cNvPr id="47" name="Rectangle 46">
-            <a:extLst>
-              <a:ext uri="{FF2B5EF4-FFF2-40B4-BE49-F238E27FC236}">
-                <a16:creationId xmlns:a16="http://schemas.microsoft.com/office/drawing/2014/main" id="{AF2F604E-43BE-4DC3-B983-E071523364F8}"/>
-              </a:ext>
-              <a:ext uri="{C183D7F6-B498-43B3-948B-1728B52AA6E4}">
-                <adec:decorative xmlns:adec="http://schemas.microsoft.com/office/drawing/2017/decorative" val="1"/>
-              </a:ext>
-            </a:extLst>
-          </p:cNvPr>
-          <p:cNvSpPr>
-            <a:spLocks noGrp="1" noRot="1" noChangeAspect="1" noMove="1" noResize="1" noEditPoints="1" noAdjustHandles="1" noChangeArrowheads="1" noChangeShapeType="1" noTextEdit="1"/>
-          </p:cNvSpPr>
-          <p:nvPr>
-            <p:extLst>
-              <p:ext uri="{386F3935-93C4-4BCD-93E2-E3B085C9AB24}">
-                <p16:designElem xmlns:p16="http://schemas.microsoft.com/office/powerpoint/2015/main" val="1"/>
-              </p:ext>
-            </p:extLst>
-          </p:nvPr>
-        </p:nvSpPr>
-        <p:spPr>
-          <a:xfrm rot="5400000">
-            <a:off x="759921" y="346791"/>
-            <a:ext cx="146304" cy="704088"/>
+            <a:ext cx="4694548" cy="6858000"/>
           </a:xfrm>
           <a:prstGeom prst="rect">
             <a:avLst/>
           </a:prstGeom>
           <a:solidFill>
-            <a:schemeClr val="accent2"/>
+            <a:schemeClr val="tx1"/>
           </a:solidFill>
           <a:ln>
             <a:noFill/>
@@ -4892,609 +4471,7 @@
           <a:lstStyle/>
           <a:p>
             <a:pPr algn="ctr"/>
-            <a:endParaRPr lang="en-US">
-              <a:solidFill>
-                <a:prstClr val="white"/>
-              </a:solidFill>
-              <a:latin typeface="Calibri" panose="020F0502020204030204"/>
-            </a:endParaRPr>
-          </a:p>
-        </p:txBody>
-      </p:sp>
-      <p:sp>
-        <p:nvSpPr>
-          <p:cNvPr id="49" name="Rectangle 48">
-            <a:extLst>
-              <a:ext uri="{FF2B5EF4-FFF2-40B4-BE49-F238E27FC236}">
-                <a16:creationId xmlns:a16="http://schemas.microsoft.com/office/drawing/2014/main" id="{08C9B587-E65E-4B52-B37C-ABEBB6E87928}"/>
-              </a:ext>
-              <a:ext uri="{C183D7F6-B498-43B3-948B-1728B52AA6E4}">
-                <adec:decorative xmlns:adec="http://schemas.microsoft.com/office/drawing/2017/decorative" val="1"/>
-              </a:ext>
-            </a:extLst>
-          </p:cNvPr>
-          <p:cNvSpPr>
-            <a:spLocks noGrp="1" noRot="1" noChangeAspect="1" noMove="1" noResize="1" noEditPoints="1" noAdjustHandles="1" noChangeArrowheads="1" noChangeShapeType="1" noTextEdit="1"/>
-          </p:cNvSpPr>
-          <p:nvPr>
-            <p:extLst>
-              <p:ext uri="{386F3935-93C4-4BCD-93E2-E3B085C9AB24}">
-                <p16:designElem xmlns:p16="http://schemas.microsoft.com/office/powerpoint/2015/main" val="1"/>
-              </p:ext>
-            </p:extLst>
-          </p:nvPr>
-        </p:nvSpPr>
-        <p:spPr>
-          <a:xfrm>
-            <a:off x="481029" y="4546920"/>
-            <a:ext cx="4023360" cy="18288"/>
-          </a:xfrm>
-          <a:prstGeom prst="rect">
-            <a:avLst/>
-          </a:prstGeom>
-          <a:solidFill>
-            <a:srgbClr val="D5D5D5"/>
-          </a:solidFill>
-          <a:ln w="3175">
-            <a:noFill/>
-          </a:ln>
-          <a:effectLst/>
-        </p:spPr>
-        <p:style>
-          <a:lnRef idx="2">
-            <a:schemeClr val="accent1">
-              <a:shade val="50000"/>
-            </a:schemeClr>
-          </a:lnRef>
-          <a:fillRef idx="1">
-            <a:schemeClr val="accent1"/>
-          </a:fillRef>
-          <a:effectRef idx="0">
-            <a:schemeClr val="accent1"/>
-          </a:effectRef>
-          <a:fontRef idx="minor">
-            <a:schemeClr val="lt1"/>
-          </a:fontRef>
-        </p:style>
-        <p:txBody>
-          <a:bodyPr rtlCol="0" anchor="ctr"/>
-          <a:lstStyle/>
-          <a:p>
-            <a:pPr marL="0" marR="0" lvl="0" indent="0" algn="ctr" defTabSz="914400" rtl="0" eaLnBrk="1" fontAlgn="auto" latinLnBrk="0" hangingPunct="1">
-              <a:lnSpc>
-                <a:spcPct val="100000"/>
-              </a:lnSpc>
-              <a:spcBef>
-                <a:spcPts val="0"/>
-              </a:spcBef>
-              <a:spcAft>
-                <a:spcPts val="0"/>
-              </a:spcAft>
-              <a:buClrTx/>
-              <a:buSzTx/>
-              <a:buFontTx/>
-              <a:buNone/>
-              <a:tabLst/>
-              <a:defRPr/>
-            </a:pPr>
-            <a:endParaRPr kumimoji="0" lang="en-US" sz="1800" b="0" i="0" u="none" strike="noStrike" kern="1200" cap="none" spc="0" normalizeH="0" baseline="0" noProof="0">
-              <a:ln>
-                <a:noFill/>
-              </a:ln>
-              <a:solidFill>
-                <a:prstClr val="white"/>
-              </a:solidFill>
-              <a:effectLst/>
-              <a:uLnTx/>
-              <a:uFillTx/>
-              <a:latin typeface="Calibri" panose="020F0502020204030204"/>
-              <a:ea typeface="+mn-ea"/>
-              <a:cs typeface="+mn-cs"/>
-            </a:endParaRPr>
-          </a:p>
-        </p:txBody>
-      </p:sp>
-      <p:pic>
-        <p:nvPicPr>
-          <p:cNvPr id="4" name="Picture 3">
-            <a:extLst>
-              <a:ext uri="{FF2B5EF4-FFF2-40B4-BE49-F238E27FC236}">
-                <a16:creationId xmlns:a16="http://schemas.microsoft.com/office/drawing/2014/main" id="{A109D790-5985-4C94-A04A-AD15ED0F9360}"/>
-              </a:ext>
-            </a:extLst>
-          </p:cNvPr>
-          <p:cNvPicPr>
-            <a:picLocks noChangeAspect="1"/>
-          </p:cNvPicPr>
-          <p:nvPr/>
-        </p:nvPicPr>
-        <p:blipFill>
-          <a:blip r:embed="rId2">
-            <a:extLst>
-              <a:ext uri="{28A0092B-C50C-407E-A947-70E740481C1C}">
-                <a14:useLocalDpi xmlns:a14="http://schemas.microsoft.com/office/drawing/2010/main" val="0"/>
-              </a:ext>
-            </a:extLst>
-          </a:blip>
-          <a:srcRect/>
-          <a:stretch/>
-        </p:blipFill>
-        <p:spPr>
-          <a:xfrm>
-            <a:off x="5425317" y="1118292"/>
-            <a:ext cx="6386913" cy="4470163"/>
-          </a:xfrm>
-          <a:prstGeom prst="rect">
-            <a:avLst/>
-          </a:prstGeom>
-        </p:spPr>
-      </p:pic>
-      <p:sp>
-        <p:nvSpPr>
-          <p:cNvPr id="6" name="TextBox 5">
-            <a:extLst>
-              <a:ext uri="{FF2B5EF4-FFF2-40B4-BE49-F238E27FC236}">
-                <a16:creationId xmlns:a16="http://schemas.microsoft.com/office/drawing/2014/main" id="{BFB73E54-CAF3-46A3-84CA-80000E83C654}"/>
-              </a:ext>
-            </a:extLst>
-          </p:cNvPr>
-          <p:cNvSpPr txBox="1"/>
-          <p:nvPr/>
-        </p:nvSpPr>
-        <p:spPr>
-          <a:xfrm>
-            <a:off x="6096000" y="514169"/>
-            <a:ext cx="3082565" cy="369332"/>
-          </a:xfrm>
-          <a:prstGeom prst="rect">
-            <a:avLst/>
-          </a:prstGeom>
-          <a:noFill/>
-        </p:spPr>
-        <p:txBody>
-          <a:bodyPr wrap="square" rtlCol="0">
-            <a:spAutoFit/>
-          </a:bodyPr>
-          <a:lstStyle/>
-          <a:p>
-            <a:pPr algn="ctr"/>
-            <a:r>
-              <a:rPr lang="en-US" dirty="0"/>
-              <a:t>Black Sentencing Population</a:t>
-            </a:r>
-          </a:p>
-        </p:txBody>
-      </p:sp>
-    </p:spTree>
-    <p:extLst>
-      <p:ext uri="{BB962C8B-B14F-4D97-AF65-F5344CB8AC3E}">
-        <p14:creationId xmlns:p14="http://schemas.microsoft.com/office/powerpoint/2010/main" val="1189333134"/>
-      </p:ext>
-    </p:extLst>
-  </p:cSld>
-  <p:clrMapOvr>
-    <a:masterClrMapping/>
-  </p:clrMapOvr>
-</p:sld>
-</file>
-
-<file path=ppt/slides/slide11.xml><?xml version="1.0" encoding="utf-8"?>
-<p:sld xmlns:a="http://schemas.openxmlformats.org/drawingml/2006/main" xmlns:r="http://schemas.openxmlformats.org/officeDocument/2006/relationships" xmlns:p="http://schemas.openxmlformats.org/presentationml/2006/main">
-  <p:cSld>
-    <p:bg>
-      <p:bgPr>
-        <a:solidFill>
-          <a:schemeClr val="bg1"/>
-        </a:solidFill>
-        <a:effectLst/>
-      </p:bgPr>
-    </p:bg>
-    <p:spTree>
-      <p:nvGrpSpPr>
-        <p:cNvPr id="1" name=""/>
-        <p:cNvGrpSpPr/>
-        <p:nvPr/>
-      </p:nvGrpSpPr>
-      <p:grpSpPr>
-        <a:xfrm>
-          <a:off x="0" y="0"/>
-          <a:ext cx="0" cy="0"/>
-          <a:chOff x="0" y="0"/>
-          <a:chExt cx="0" cy="0"/>
-        </a:xfrm>
-      </p:grpSpPr>
-      <p:sp useBgFill="1">
-        <p:nvSpPr>
-          <p:cNvPr id="48" name="Rectangle 40">
-            <a:extLst>
-              <a:ext uri="{FF2B5EF4-FFF2-40B4-BE49-F238E27FC236}">
-                <a16:creationId xmlns:a16="http://schemas.microsoft.com/office/drawing/2014/main" id="{5DCB5928-DC7D-4612-9922-441966E15627}"/>
-              </a:ext>
-              <a:ext uri="{C183D7F6-B498-43B3-948B-1728B52AA6E4}">
-                <adec:decorative xmlns:adec="http://schemas.microsoft.com/office/drawing/2017/decorative" val="1"/>
-              </a:ext>
-            </a:extLst>
-          </p:cNvPr>
-          <p:cNvSpPr>
-            <a:spLocks noGrp="1" noRot="1" noChangeAspect="1" noMove="1" noResize="1" noEditPoints="1" noAdjustHandles="1" noChangeArrowheads="1" noChangeShapeType="1" noTextEdit="1"/>
-          </p:cNvSpPr>
-          <p:nvPr>
-            <p:extLst>
-              <p:ext uri="{386F3935-93C4-4BCD-93E2-E3B085C9AB24}">
-                <p16:designElem xmlns:p16="http://schemas.microsoft.com/office/powerpoint/2015/main" val="1"/>
-              </p:ext>
-            </p:extLst>
-          </p:nvPr>
-        </p:nvSpPr>
-        <p:spPr>
-          <a:xfrm>
-            <a:off x="0" y="0"/>
-            <a:ext cx="12192000" cy="6858000"/>
-          </a:xfrm>
-          <a:prstGeom prst="rect">
-            <a:avLst/>
-          </a:prstGeom>
-          <a:ln>
-            <a:noFill/>
-          </a:ln>
-        </p:spPr>
-        <p:style>
-          <a:lnRef idx="2">
-            <a:schemeClr val="accent1">
-              <a:shade val="50000"/>
-            </a:schemeClr>
-          </a:lnRef>
-          <a:fillRef idx="1">
-            <a:schemeClr val="accent1"/>
-          </a:fillRef>
-          <a:effectRef idx="0">
-            <a:schemeClr val="accent1"/>
-          </a:effectRef>
-          <a:fontRef idx="minor">
-            <a:schemeClr val="lt1"/>
-          </a:fontRef>
-        </p:style>
-        <p:txBody>
-          <a:bodyPr rtlCol="0" anchor="ctr"/>
-          <a:lstStyle/>
-          <a:p>
-            <a:pPr algn="ctr"/>
             <a:endParaRPr lang="en-US"/>
-          </a:p>
-        </p:txBody>
-      </p:sp>
-      <p:sp useBgFill="1">
-        <p:nvSpPr>
-          <p:cNvPr id="50" name="Freeform: Shape 42">
-            <a:extLst>
-              <a:ext uri="{FF2B5EF4-FFF2-40B4-BE49-F238E27FC236}">
-                <a16:creationId xmlns:a16="http://schemas.microsoft.com/office/drawing/2014/main" id="{682C1161-1736-45EC-99B7-33F3CAE9D517}"/>
-              </a:ext>
-              <a:ext uri="{C183D7F6-B498-43B3-948B-1728B52AA6E4}">
-                <adec:decorative xmlns:adec="http://schemas.microsoft.com/office/drawing/2017/decorative" val="1"/>
-              </a:ext>
-            </a:extLst>
-          </p:cNvPr>
-          <p:cNvSpPr>
-            <a:spLocks noGrp="1" noRot="1" noChangeAspect="1" noMove="1" noResize="1" noEditPoints="1" noAdjustHandles="1" noChangeArrowheads="1" noChangeShapeType="1" noTextEdit="1"/>
-          </p:cNvSpPr>
-          <p:nvPr>
-            <p:extLst>
-              <p:ext uri="{386F3935-93C4-4BCD-93E2-E3B085C9AB24}">
-                <p16:designElem xmlns:p16="http://schemas.microsoft.com/office/powerpoint/2015/main" val="1"/>
-              </p:ext>
-            </p:extLst>
-          </p:nvPr>
-        </p:nvSpPr>
-        <p:spPr>
-          <a:xfrm>
-            <a:off x="0" y="0"/>
-            <a:ext cx="4959047" cy="6858000"/>
-          </a:xfrm>
-          <a:custGeom>
-            <a:avLst/>
-            <a:gdLst>
-              <a:gd name="connsiteX0" fmla="*/ 0 w 4959047"/>
-              <a:gd name="connsiteY0" fmla="*/ 0 h 6858000"/>
-              <a:gd name="connsiteX1" fmla="*/ 4110127 w 4959047"/>
-              <a:gd name="connsiteY1" fmla="*/ 0 h 6858000"/>
-              <a:gd name="connsiteX2" fmla="*/ 4179024 w 4959047"/>
-              <a:gd name="connsiteY2" fmla="*/ 123368 h 6858000"/>
-              <a:gd name="connsiteX3" fmla="*/ 4959047 w 4959047"/>
-              <a:gd name="connsiteY3" fmla="*/ 3429000 h 6858000"/>
-              <a:gd name="connsiteX4" fmla="*/ 4179024 w 4959047"/>
-              <a:gd name="connsiteY4" fmla="*/ 6734633 h 6858000"/>
-              <a:gd name="connsiteX5" fmla="*/ 4110127 w 4959047"/>
-              <a:gd name="connsiteY5" fmla="*/ 6858000 h 6858000"/>
-              <a:gd name="connsiteX6" fmla="*/ 0 w 4959047"/>
-              <a:gd name="connsiteY6" fmla="*/ 6858000 h 6858000"/>
-            </a:gdLst>
-            <a:ahLst/>
-            <a:cxnLst>
-              <a:cxn ang="0">
-                <a:pos x="connsiteX0" y="connsiteY0"/>
-              </a:cxn>
-              <a:cxn ang="0">
-                <a:pos x="connsiteX1" y="connsiteY1"/>
-              </a:cxn>
-              <a:cxn ang="0">
-                <a:pos x="connsiteX2" y="connsiteY2"/>
-              </a:cxn>
-              <a:cxn ang="0">
-                <a:pos x="connsiteX3" y="connsiteY3"/>
-              </a:cxn>
-              <a:cxn ang="0">
-                <a:pos x="connsiteX4" y="connsiteY4"/>
-              </a:cxn>
-              <a:cxn ang="0">
-                <a:pos x="connsiteX5" y="connsiteY5"/>
-              </a:cxn>
-              <a:cxn ang="0">
-                <a:pos x="connsiteX6" y="connsiteY6"/>
-              </a:cxn>
-            </a:cxnLst>
-            <a:rect l="l" t="t" r="r" b="b"/>
-            <a:pathLst>
-              <a:path w="4959047" h="6858000">
-                <a:moveTo>
-                  <a:pt x="0" y="0"/>
-                </a:moveTo>
-                <a:lnTo>
-                  <a:pt x="4110127" y="0"/>
-                </a:lnTo>
-                <a:lnTo>
-                  <a:pt x="4179024" y="123368"/>
-                </a:lnTo>
-                <a:cubicBezTo>
-                  <a:pt x="4668929" y="1045156"/>
-                  <a:pt x="4959047" y="2189404"/>
-                  <a:pt x="4959047" y="3429000"/>
-                </a:cubicBezTo>
-                <a:cubicBezTo>
-                  <a:pt x="4959047" y="4668597"/>
-                  <a:pt x="4668929" y="5812845"/>
-                  <a:pt x="4179024" y="6734633"/>
-                </a:cubicBezTo>
-                <a:lnTo>
-                  <a:pt x="4110127" y="6858000"/>
-                </a:lnTo>
-                <a:lnTo>
-                  <a:pt x="0" y="6858000"/>
-                </a:lnTo>
-                <a:close/>
-              </a:path>
-            </a:pathLst>
-          </a:custGeom>
-          <a:ln w="9525">
-            <a:solidFill>
-              <a:srgbClr val="E6E6E6"/>
-            </a:solidFill>
-          </a:ln>
-          <a:effectLst>
-            <a:outerShdw blurRad="76200" dist="38100" algn="l" rotWithShape="0">
-              <a:schemeClr val="bg1">
-                <a:lumMod val="85000"/>
-                <a:alpha val="50000"/>
-              </a:schemeClr>
-            </a:outerShdw>
-          </a:effectLst>
-        </p:spPr>
-        <p:style>
-          <a:lnRef idx="2">
-            <a:schemeClr val="accent1">
-              <a:shade val="50000"/>
-            </a:schemeClr>
-          </a:lnRef>
-          <a:fillRef idx="1">
-            <a:schemeClr val="accent1"/>
-          </a:fillRef>
-          <a:effectRef idx="0">
-            <a:schemeClr val="accent1"/>
-          </a:effectRef>
-          <a:fontRef idx="minor">
-            <a:schemeClr val="lt1"/>
-          </a:fontRef>
-        </p:style>
-        <p:txBody>
-          <a:bodyPr wrap="square" rtlCol="0" anchor="ctr">
-            <a:noAutofit/>
-          </a:bodyPr>
-          <a:lstStyle/>
-          <a:p>
-            <a:pPr marL="0" marR="0" lvl="0" indent="0" algn="ctr" defTabSz="914400" rtl="0" eaLnBrk="1" fontAlgn="auto" latinLnBrk="0" hangingPunct="1">
-              <a:lnSpc>
-                <a:spcPct val="100000"/>
-              </a:lnSpc>
-              <a:spcBef>
-                <a:spcPts val="0"/>
-              </a:spcBef>
-              <a:spcAft>
-                <a:spcPts val="0"/>
-              </a:spcAft>
-              <a:buClrTx/>
-              <a:buSzTx/>
-              <a:buFontTx/>
-              <a:buNone/>
-              <a:tabLst/>
-              <a:defRPr/>
-            </a:pPr>
-            <a:endParaRPr kumimoji="0" lang="en-US" sz="1800" b="0" i="0" u="none" strike="noStrike" kern="1200" cap="none" spc="0" normalizeH="0" baseline="0" noProof="0">
-              <a:ln>
-                <a:noFill/>
-              </a:ln>
-              <a:solidFill>
-                <a:prstClr val="white"/>
-              </a:solidFill>
-              <a:effectLst/>
-              <a:uLnTx/>
-              <a:uFillTx/>
-              <a:latin typeface="Calibri" panose="020F0502020204030204"/>
-              <a:ea typeface="+mn-ea"/>
-              <a:cs typeface="+mn-cs"/>
-            </a:endParaRPr>
-          </a:p>
-        </p:txBody>
-      </p:sp>
-      <p:sp useBgFill="1">
-        <p:nvSpPr>
-          <p:cNvPr id="51" name="Freeform: Shape 44">
-            <a:extLst>
-              <a:ext uri="{FF2B5EF4-FFF2-40B4-BE49-F238E27FC236}">
-                <a16:creationId xmlns:a16="http://schemas.microsoft.com/office/drawing/2014/main" id="{84D4DDB8-B68F-45B0-9F62-C4279996F672}"/>
-              </a:ext>
-              <a:ext uri="{C183D7F6-B498-43B3-948B-1728B52AA6E4}">
-                <adec:decorative xmlns:adec="http://schemas.microsoft.com/office/drawing/2017/decorative" val="1"/>
-              </a:ext>
-            </a:extLst>
-          </p:cNvPr>
-          <p:cNvSpPr>
-            <a:spLocks noGrp="1" noRot="1" noChangeAspect="1" noMove="1" noResize="1" noEditPoints="1" noAdjustHandles="1" noChangeArrowheads="1" noChangeShapeType="1" noTextEdit="1"/>
-          </p:cNvSpPr>
-          <p:nvPr>
-            <p:extLst>
-              <p:ext uri="{386F3935-93C4-4BCD-93E2-E3B085C9AB24}">
-                <p16:designElem xmlns:p16="http://schemas.microsoft.com/office/powerpoint/2015/main" val="1"/>
-              </p:ext>
-            </p:extLst>
-          </p:nvPr>
-        </p:nvSpPr>
-        <p:spPr>
-          <a:xfrm>
-            <a:off x="0" y="0"/>
-            <a:ext cx="4948887" cy="6858000"/>
-          </a:xfrm>
-          <a:custGeom>
-            <a:avLst/>
-            <a:gdLst>
-              <a:gd name="connsiteX0" fmla="*/ 0 w 4948887"/>
-              <a:gd name="connsiteY0" fmla="*/ 0 h 6858000"/>
-              <a:gd name="connsiteX1" fmla="*/ 4099967 w 4948887"/>
-              <a:gd name="connsiteY1" fmla="*/ 0 h 6858000"/>
-              <a:gd name="connsiteX2" fmla="*/ 4168864 w 4948887"/>
-              <a:gd name="connsiteY2" fmla="*/ 123368 h 6858000"/>
-              <a:gd name="connsiteX3" fmla="*/ 4948887 w 4948887"/>
-              <a:gd name="connsiteY3" fmla="*/ 3429000 h 6858000"/>
-              <a:gd name="connsiteX4" fmla="*/ 4168864 w 4948887"/>
-              <a:gd name="connsiteY4" fmla="*/ 6734633 h 6858000"/>
-              <a:gd name="connsiteX5" fmla="*/ 4099967 w 4948887"/>
-              <a:gd name="connsiteY5" fmla="*/ 6858000 h 6858000"/>
-              <a:gd name="connsiteX6" fmla="*/ 0 w 4948887"/>
-              <a:gd name="connsiteY6" fmla="*/ 6858000 h 6858000"/>
-            </a:gdLst>
-            <a:ahLst/>
-            <a:cxnLst>
-              <a:cxn ang="0">
-                <a:pos x="connsiteX0" y="connsiteY0"/>
-              </a:cxn>
-              <a:cxn ang="0">
-                <a:pos x="connsiteX1" y="connsiteY1"/>
-              </a:cxn>
-              <a:cxn ang="0">
-                <a:pos x="connsiteX2" y="connsiteY2"/>
-              </a:cxn>
-              <a:cxn ang="0">
-                <a:pos x="connsiteX3" y="connsiteY3"/>
-              </a:cxn>
-              <a:cxn ang="0">
-                <a:pos x="connsiteX4" y="connsiteY4"/>
-              </a:cxn>
-              <a:cxn ang="0">
-                <a:pos x="connsiteX5" y="connsiteY5"/>
-              </a:cxn>
-              <a:cxn ang="0">
-                <a:pos x="connsiteX6" y="connsiteY6"/>
-              </a:cxn>
-            </a:cxnLst>
-            <a:rect l="l" t="t" r="r" b="b"/>
-            <a:pathLst>
-              <a:path w="4948887" h="6858000">
-                <a:moveTo>
-                  <a:pt x="0" y="0"/>
-                </a:moveTo>
-                <a:lnTo>
-                  <a:pt x="4099967" y="0"/>
-                </a:lnTo>
-                <a:lnTo>
-                  <a:pt x="4168864" y="123368"/>
-                </a:lnTo>
-                <a:cubicBezTo>
-                  <a:pt x="4658769" y="1045156"/>
-                  <a:pt x="4948887" y="2189404"/>
-                  <a:pt x="4948887" y="3429000"/>
-                </a:cubicBezTo>
-                <a:cubicBezTo>
-                  <a:pt x="4948887" y="4668597"/>
-                  <a:pt x="4658769" y="5812845"/>
-                  <a:pt x="4168864" y="6734633"/>
-                </a:cubicBezTo>
-                <a:lnTo>
-                  <a:pt x="4099967" y="6858000"/>
-                </a:lnTo>
-                <a:lnTo>
-                  <a:pt x="0" y="6858000"/>
-                </a:lnTo>
-                <a:close/>
-              </a:path>
-            </a:pathLst>
-          </a:custGeom>
-          <a:ln w="9525">
-            <a:noFill/>
-          </a:ln>
-          <a:effectLst/>
-        </p:spPr>
-        <p:style>
-          <a:lnRef idx="2">
-            <a:schemeClr val="accent1">
-              <a:shade val="50000"/>
-            </a:schemeClr>
-          </a:lnRef>
-          <a:fillRef idx="1">
-            <a:schemeClr val="accent1"/>
-          </a:fillRef>
-          <a:effectRef idx="0">
-            <a:schemeClr val="accent1"/>
-          </a:effectRef>
-          <a:fontRef idx="minor">
-            <a:schemeClr val="lt1"/>
-          </a:fontRef>
-        </p:style>
-        <p:txBody>
-          <a:bodyPr wrap="square" rtlCol="0" anchor="ctr">
-            <a:noAutofit/>
-          </a:bodyPr>
-          <a:lstStyle/>
-          <a:p>
-            <a:pPr marL="0" marR="0" lvl="0" indent="0" algn="ctr" defTabSz="914400" rtl="0" eaLnBrk="1" fontAlgn="auto" latinLnBrk="0" hangingPunct="1">
-              <a:lnSpc>
-                <a:spcPct val="100000"/>
-              </a:lnSpc>
-              <a:spcBef>
-                <a:spcPts val="0"/>
-              </a:spcBef>
-              <a:spcAft>
-                <a:spcPts val="0"/>
-              </a:spcAft>
-              <a:buClrTx/>
-              <a:buSzTx/>
-              <a:buFontTx/>
-              <a:buNone/>
-              <a:tabLst/>
-              <a:defRPr/>
-            </a:pPr>
-            <a:endParaRPr kumimoji="0" lang="en-US" sz="1800" b="0" i="0" u="none" strike="noStrike" kern="1200" cap="none" spc="0" normalizeH="0" baseline="0" noProof="0">
-              <a:ln>
-                <a:noFill/>
-              </a:ln>
-              <a:solidFill>
-                <a:prstClr val="white"/>
-              </a:solidFill>
-              <a:effectLst/>
-              <a:uLnTx/>
-              <a:uFillTx/>
-              <a:latin typeface="Calibri" panose="020F0502020204030204"/>
-              <a:ea typeface="+mn-ea"/>
-              <a:cs typeface="+mn-cs"/>
-            </a:endParaRPr>
           </a:p>
         </p:txBody>
       </p:sp>
@@ -5516,20 +4493,20 @@
         </p:nvSpPr>
         <p:spPr>
           <a:xfrm>
-            <a:off x="477981" y="1122363"/>
-            <a:ext cx="4023360" cy="3204134"/>
+            <a:off x="767290" y="1780661"/>
+            <a:ext cx="3582073" cy="1463472"/>
           </a:xfrm>
         </p:spPr>
         <p:txBody>
-          <a:bodyPr vert="horz" lIns="91440" tIns="45720" rIns="91440" bIns="45720" rtlCol="0" anchor="b">
+          <a:bodyPr vert="horz" lIns="91440" tIns="45720" rIns="91440" bIns="45720" rtlCol="0" anchor="t">
             <a:normAutofit/>
           </a:bodyPr>
           <a:lstStyle/>
           <a:p>
             <a:r>
-              <a:rPr lang="en-US" sz="4800" kern="1200" dirty="0">
+              <a:rPr lang="en-US" sz="4800" kern="1200">
                 <a:solidFill>
-                  <a:schemeClr val="tx1"/>
+                  <a:schemeClr val="bg1"/>
                 </a:solidFill>
                 <a:latin typeface="+mj-lt"/>
                 <a:ea typeface="+mj-ea"/>
@@ -5540,1033 +4517,12 @@
           </a:p>
         </p:txBody>
       </p:sp>
-      <p:sp>
-        <p:nvSpPr>
-          <p:cNvPr id="13" name="Content Placeholder 12">
+      <p:grpSp>
+        <p:nvGrpSpPr>
+          <p:cNvPr id="60" name="Group 59">
             <a:extLst>
               <a:ext uri="{FF2B5EF4-FFF2-40B4-BE49-F238E27FC236}">
-                <a16:creationId xmlns:a16="http://schemas.microsoft.com/office/drawing/2014/main" id="{1CB7C1BF-B960-4C67-9AD6-BAA09BC1CB86}"/>
-              </a:ext>
-            </a:extLst>
-          </p:cNvPr>
-          <p:cNvSpPr>
-            <a:spLocks noGrp="1"/>
-          </p:cNvSpPr>
-          <p:nvPr>
-            <p:ph idx="1"/>
-          </p:nvPr>
-        </p:nvSpPr>
-        <p:spPr>
-          <a:xfrm>
-            <a:off x="477981" y="4872922"/>
-            <a:ext cx="3161864" cy="1208141"/>
-          </a:xfrm>
-        </p:spPr>
-        <p:txBody>
-          <a:bodyPr vert="horz" lIns="91440" tIns="45720" rIns="91440" bIns="45720" rtlCol="0">
-            <a:normAutofit/>
-          </a:bodyPr>
-          <a:lstStyle/>
-          <a:p>
-            <a:pPr algn="just"/>
-            <a:r>
-              <a:rPr lang="en-US" sz="2000" kern="1200" dirty="0">
-                <a:solidFill>
-                  <a:schemeClr val="tx1"/>
-                </a:solidFill>
-                <a:latin typeface="+mn-lt"/>
-                <a:ea typeface="+mn-ea"/>
-                <a:cs typeface="+mn-cs"/>
-              </a:rPr>
-              <a:t>Nearly 2/3 of offenses by Hispanic offenders are not violent or drug related</a:t>
-            </a:r>
-          </a:p>
-        </p:txBody>
-      </p:sp>
-      <p:sp>
-        <p:nvSpPr>
-          <p:cNvPr id="47" name="Rectangle 46">
-            <a:extLst>
-              <a:ext uri="{FF2B5EF4-FFF2-40B4-BE49-F238E27FC236}">
-                <a16:creationId xmlns:a16="http://schemas.microsoft.com/office/drawing/2014/main" id="{AF2F604E-43BE-4DC3-B983-E071523364F8}"/>
-              </a:ext>
-              <a:ext uri="{C183D7F6-B498-43B3-948B-1728B52AA6E4}">
-                <adec:decorative xmlns:adec="http://schemas.microsoft.com/office/drawing/2017/decorative" val="1"/>
-              </a:ext>
-            </a:extLst>
-          </p:cNvPr>
-          <p:cNvSpPr>
-            <a:spLocks noGrp="1" noRot="1" noChangeAspect="1" noMove="1" noResize="1" noEditPoints="1" noAdjustHandles="1" noChangeArrowheads="1" noChangeShapeType="1" noTextEdit="1"/>
-          </p:cNvSpPr>
-          <p:nvPr>
-            <p:extLst>
-              <p:ext uri="{386F3935-93C4-4BCD-93E2-E3B085C9AB24}">
-                <p16:designElem xmlns:p16="http://schemas.microsoft.com/office/powerpoint/2015/main" val="1"/>
-              </p:ext>
-            </p:extLst>
-          </p:nvPr>
-        </p:nvSpPr>
-        <p:spPr>
-          <a:xfrm rot="5400000">
-            <a:off x="759921" y="346791"/>
-            <a:ext cx="146304" cy="704088"/>
-          </a:xfrm>
-          <a:prstGeom prst="rect">
-            <a:avLst/>
-          </a:prstGeom>
-          <a:solidFill>
-            <a:schemeClr val="accent2"/>
-          </a:solidFill>
-          <a:ln>
-            <a:noFill/>
-          </a:ln>
-        </p:spPr>
-        <p:style>
-          <a:lnRef idx="2">
-            <a:schemeClr val="accent1">
-              <a:shade val="50000"/>
-            </a:schemeClr>
-          </a:lnRef>
-          <a:fillRef idx="1">
-            <a:schemeClr val="accent1"/>
-          </a:fillRef>
-          <a:effectRef idx="0">
-            <a:schemeClr val="accent1"/>
-          </a:effectRef>
-          <a:fontRef idx="minor">
-            <a:schemeClr val="lt1"/>
-          </a:fontRef>
-        </p:style>
-        <p:txBody>
-          <a:bodyPr rtlCol="0" anchor="ctr"/>
-          <a:lstStyle/>
-          <a:p>
-            <a:pPr algn="ctr"/>
-            <a:endParaRPr lang="en-US">
-              <a:solidFill>
-                <a:prstClr val="white"/>
-              </a:solidFill>
-              <a:latin typeface="Calibri" panose="020F0502020204030204"/>
-            </a:endParaRPr>
-          </a:p>
-        </p:txBody>
-      </p:sp>
-      <p:sp>
-        <p:nvSpPr>
-          <p:cNvPr id="49" name="Rectangle 48">
-            <a:extLst>
-              <a:ext uri="{FF2B5EF4-FFF2-40B4-BE49-F238E27FC236}">
-                <a16:creationId xmlns:a16="http://schemas.microsoft.com/office/drawing/2014/main" id="{08C9B587-E65E-4B52-B37C-ABEBB6E87928}"/>
-              </a:ext>
-              <a:ext uri="{C183D7F6-B498-43B3-948B-1728B52AA6E4}">
-                <adec:decorative xmlns:adec="http://schemas.microsoft.com/office/drawing/2017/decorative" val="1"/>
-              </a:ext>
-            </a:extLst>
-          </p:cNvPr>
-          <p:cNvSpPr>
-            <a:spLocks noGrp="1" noRot="1" noChangeAspect="1" noMove="1" noResize="1" noEditPoints="1" noAdjustHandles="1" noChangeArrowheads="1" noChangeShapeType="1" noTextEdit="1"/>
-          </p:cNvSpPr>
-          <p:nvPr>
-            <p:extLst>
-              <p:ext uri="{386F3935-93C4-4BCD-93E2-E3B085C9AB24}">
-                <p16:designElem xmlns:p16="http://schemas.microsoft.com/office/powerpoint/2015/main" val="1"/>
-              </p:ext>
-            </p:extLst>
-          </p:nvPr>
-        </p:nvSpPr>
-        <p:spPr>
-          <a:xfrm>
-            <a:off x="481029" y="4546920"/>
-            <a:ext cx="4023360" cy="18288"/>
-          </a:xfrm>
-          <a:prstGeom prst="rect">
-            <a:avLst/>
-          </a:prstGeom>
-          <a:solidFill>
-            <a:srgbClr val="D5D5D5"/>
-          </a:solidFill>
-          <a:ln w="3175">
-            <a:noFill/>
-          </a:ln>
-          <a:effectLst/>
-        </p:spPr>
-        <p:style>
-          <a:lnRef idx="2">
-            <a:schemeClr val="accent1">
-              <a:shade val="50000"/>
-            </a:schemeClr>
-          </a:lnRef>
-          <a:fillRef idx="1">
-            <a:schemeClr val="accent1"/>
-          </a:fillRef>
-          <a:effectRef idx="0">
-            <a:schemeClr val="accent1"/>
-          </a:effectRef>
-          <a:fontRef idx="minor">
-            <a:schemeClr val="lt1"/>
-          </a:fontRef>
-        </p:style>
-        <p:txBody>
-          <a:bodyPr rtlCol="0" anchor="ctr"/>
-          <a:lstStyle/>
-          <a:p>
-            <a:pPr marL="0" marR="0" lvl="0" indent="0" algn="ctr" defTabSz="914400" rtl="0" eaLnBrk="1" fontAlgn="auto" latinLnBrk="0" hangingPunct="1">
-              <a:lnSpc>
-                <a:spcPct val="100000"/>
-              </a:lnSpc>
-              <a:spcBef>
-                <a:spcPts val="0"/>
-              </a:spcBef>
-              <a:spcAft>
-                <a:spcPts val="0"/>
-              </a:spcAft>
-              <a:buClrTx/>
-              <a:buSzTx/>
-              <a:buFontTx/>
-              <a:buNone/>
-              <a:tabLst/>
-              <a:defRPr/>
-            </a:pPr>
-            <a:endParaRPr kumimoji="0" lang="en-US" sz="1800" b="0" i="0" u="none" strike="noStrike" kern="1200" cap="none" spc="0" normalizeH="0" baseline="0" noProof="0">
-              <a:ln>
-                <a:noFill/>
-              </a:ln>
-              <a:solidFill>
-                <a:prstClr val="white"/>
-              </a:solidFill>
-              <a:effectLst/>
-              <a:uLnTx/>
-              <a:uFillTx/>
-              <a:latin typeface="Calibri" panose="020F0502020204030204"/>
-              <a:ea typeface="+mn-ea"/>
-              <a:cs typeface="+mn-cs"/>
-            </a:endParaRPr>
-          </a:p>
-        </p:txBody>
-      </p:sp>
-      <p:pic>
-        <p:nvPicPr>
-          <p:cNvPr id="4" name="Picture 3">
-            <a:extLst>
-              <a:ext uri="{FF2B5EF4-FFF2-40B4-BE49-F238E27FC236}">
-                <a16:creationId xmlns:a16="http://schemas.microsoft.com/office/drawing/2014/main" id="{A109D790-5985-4C94-A04A-AD15ED0F9360}"/>
-              </a:ext>
-            </a:extLst>
-          </p:cNvPr>
-          <p:cNvPicPr>
-            <a:picLocks noChangeAspect="1"/>
-          </p:cNvPicPr>
-          <p:nvPr/>
-        </p:nvPicPr>
-        <p:blipFill>
-          <a:blip r:embed="rId2">
-            <a:extLst>
-              <a:ext uri="{28A0092B-C50C-407E-A947-70E740481C1C}">
-                <a14:useLocalDpi xmlns:a14="http://schemas.microsoft.com/office/drawing/2010/main" val="0"/>
-              </a:ext>
-            </a:extLst>
-          </a:blip>
-          <a:srcRect/>
-          <a:stretch/>
-        </p:blipFill>
-        <p:spPr>
-          <a:xfrm>
-            <a:off x="5425317" y="1166982"/>
-            <a:ext cx="6386913" cy="4372783"/>
-          </a:xfrm>
-          <a:prstGeom prst="rect">
-            <a:avLst/>
-          </a:prstGeom>
-        </p:spPr>
-      </p:pic>
-      <p:sp>
-        <p:nvSpPr>
-          <p:cNvPr id="6" name="TextBox 5">
-            <a:extLst>
-              <a:ext uri="{FF2B5EF4-FFF2-40B4-BE49-F238E27FC236}">
-                <a16:creationId xmlns:a16="http://schemas.microsoft.com/office/drawing/2014/main" id="{BFB73E54-CAF3-46A3-84CA-80000E83C654}"/>
-              </a:ext>
-            </a:extLst>
-          </p:cNvPr>
-          <p:cNvSpPr txBox="1"/>
-          <p:nvPr/>
-        </p:nvSpPr>
-        <p:spPr>
-          <a:xfrm>
-            <a:off x="6096000" y="514169"/>
-            <a:ext cx="3450672" cy="369332"/>
-          </a:xfrm>
-          <a:prstGeom prst="rect">
-            <a:avLst/>
-          </a:prstGeom>
-          <a:noFill/>
-        </p:spPr>
-        <p:txBody>
-          <a:bodyPr wrap="square" rtlCol="0">
-            <a:spAutoFit/>
-          </a:bodyPr>
-          <a:lstStyle/>
-          <a:p>
-            <a:pPr algn="ctr"/>
-            <a:r>
-              <a:rPr lang="en-US" dirty="0"/>
-              <a:t>Hispanic Sentencing Population</a:t>
-            </a:r>
-          </a:p>
-        </p:txBody>
-      </p:sp>
-    </p:spTree>
-    <p:extLst>
-      <p:ext uri="{BB962C8B-B14F-4D97-AF65-F5344CB8AC3E}">
-        <p14:creationId xmlns:p14="http://schemas.microsoft.com/office/powerpoint/2010/main" val="3305386387"/>
-      </p:ext>
-    </p:extLst>
-  </p:cSld>
-  <p:clrMapOvr>
-    <a:masterClrMapping/>
-  </p:clrMapOvr>
-</p:sld>
-</file>
-
-<file path=ppt/slides/slide12.xml><?xml version="1.0" encoding="utf-8"?>
-<p:sld xmlns:a="http://schemas.openxmlformats.org/drawingml/2006/main" xmlns:r="http://schemas.openxmlformats.org/officeDocument/2006/relationships" xmlns:p="http://schemas.openxmlformats.org/presentationml/2006/main">
-  <p:cSld>
-    <p:bg>
-      <p:bgPr>
-        <a:solidFill>
-          <a:srgbClr val="EAF1F6"/>
-        </a:solidFill>
-        <a:effectLst/>
-      </p:bgPr>
-    </p:bg>
-    <p:spTree>
-      <p:nvGrpSpPr>
-        <p:cNvPr id="1" name=""/>
-        <p:cNvGrpSpPr/>
-        <p:nvPr/>
-      </p:nvGrpSpPr>
-      <p:grpSpPr>
-        <a:xfrm>
-          <a:off x="0" y="0"/>
-          <a:ext cx="0" cy="0"/>
-          <a:chOff x="0" y="0"/>
-          <a:chExt cx="0" cy="0"/>
-        </a:xfrm>
-      </p:grpSpPr>
-      <p:sp useBgFill="1">
-        <p:nvSpPr>
-          <p:cNvPr id="9" name="Rectangle 8">
-            <a:extLst>
-              <a:ext uri="{FF2B5EF4-FFF2-40B4-BE49-F238E27FC236}">
-                <a16:creationId xmlns:a16="http://schemas.microsoft.com/office/drawing/2014/main" id="{16F9E488-0718-4E1E-9D12-26779F606252}"/>
-              </a:ext>
-              <a:ext uri="{C183D7F6-B498-43B3-948B-1728B52AA6E4}">
-                <adec:decorative xmlns:adec="http://schemas.microsoft.com/office/drawing/2017/decorative" val="1"/>
-              </a:ext>
-            </a:extLst>
-          </p:cNvPr>
-          <p:cNvSpPr>
-            <a:spLocks noGrp="1" noRot="1" noChangeAspect="1" noMove="1" noResize="1" noEditPoints="1" noAdjustHandles="1" noChangeArrowheads="1" noChangeShapeType="1" noTextEdit="1"/>
-          </p:cNvSpPr>
-          <p:nvPr>
-            <p:extLst>
-              <p:ext uri="{386F3935-93C4-4BCD-93E2-E3B085C9AB24}">
-                <p16:designElem xmlns:p16="http://schemas.microsoft.com/office/powerpoint/2015/main" val="1"/>
-              </p:ext>
-            </p:extLst>
-          </p:nvPr>
-        </p:nvSpPr>
-        <p:spPr>
-          <a:xfrm>
-            <a:off x="0" y="0"/>
-            <a:ext cx="12192000" cy="6858000"/>
-          </a:xfrm>
-          <a:prstGeom prst="rect">
-            <a:avLst/>
-          </a:prstGeom>
-          <a:ln>
-            <a:noFill/>
-          </a:ln>
-        </p:spPr>
-        <p:style>
-          <a:lnRef idx="2">
-            <a:schemeClr val="accent1">
-              <a:shade val="50000"/>
-            </a:schemeClr>
-          </a:lnRef>
-          <a:fillRef idx="1">
-            <a:schemeClr val="accent1"/>
-          </a:fillRef>
-          <a:effectRef idx="0">
-            <a:schemeClr val="accent1"/>
-          </a:effectRef>
-          <a:fontRef idx="minor">
-            <a:schemeClr val="lt1"/>
-          </a:fontRef>
-        </p:style>
-        <p:txBody>
-          <a:bodyPr rtlCol="0" anchor="ctr"/>
-          <a:lstStyle/>
-          <a:p>
-            <a:pPr algn="ctr"/>
-            <a:endParaRPr lang="en-US"/>
-          </a:p>
-        </p:txBody>
-      </p:sp>
-      <p:sp>
-        <p:nvSpPr>
-          <p:cNvPr id="11" name="Freeform: Shape 10">
-            <a:extLst>
-              <a:ext uri="{FF2B5EF4-FFF2-40B4-BE49-F238E27FC236}">
-                <a16:creationId xmlns:a16="http://schemas.microsoft.com/office/drawing/2014/main" id="{D20AEB5B-DFC7-42B4-9FAA-6B95E01D0FCE}"/>
-              </a:ext>
-              <a:ext uri="{C183D7F6-B498-43B3-948B-1728B52AA6E4}">
-                <adec:decorative xmlns:adec="http://schemas.microsoft.com/office/drawing/2017/decorative" val="1"/>
-              </a:ext>
-            </a:extLst>
-          </p:cNvPr>
-          <p:cNvSpPr>
-            <a:spLocks noGrp="1" noRot="1" noChangeAspect="1" noMove="1" noResize="1" noEditPoints="1" noAdjustHandles="1" noChangeArrowheads="1" noChangeShapeType="1" noTextEdit="1"/>
-          </p:cNvSpPr>
-          <p:nvPr>
-            <p:extLst>
-              <p:ext uri="{386F3935-93C4-4BCD-93E2-E3B085C9AB24}">
-                <p16:designElem xmlns:p16="http://schemas.microsoft.com/office/powerpoint/2015/main" val="1"/>
-              </p:ext>
-            </p:extLst>
-          </p:nvPr>
-        </p:nvSpPr>
-        <p:spPr>
-          <a:xfrm>
-            <a:off x="4715124" y="0"/>
-            <a:ext cx="7476877" cy="6858000"/>
-          </a:xfrm>
-          <a:custGeom>
-            <a:avLst/>
-            <a:gdLst>
-              <a:gd name="connsiteX0" fmla="*/ 637332 w 7476877"/>
-              <a:gd name="connsiteY0" fmla="*/ 4332728 h 6858000"/>
-              <a:gd name="connsiteX1" fmla="*/ 1576347 w 7476877"/>
-              <a:gd name="connsiteY1" fmla="*/ 4332728 h 6858000"/>
-              <a:gd name="connsiteX2" fmla="*/ 1720345 w 7476877"/>
-              <a:gd name="connsiteY2" fmla="*/ 4419228 h 6858000"/>
-              <a:gd name="connsiteX3" fmla="*/ 2190864 w 7476877"/>
-              <a:gd name="connsiteY3" fmla="*/ 5245095 h 6858000"/>
-              <a:gd name="connsiteX4" fmla="*/ 2190864 w 7476877"/>
-              <a:gd name="connsiteY4" fmla="*/ 5413976 h 6858000"/>
-              <a:gd name="connsiteX5" fmla="*/ 1720345 w 7476877"/>
-              <a:gd name="connsiteY5" fmla="*/ 6239844 h 6858000"/>
-              <a:gd name="connsiteX6" fmla="*/ 1576347 w 7476877"/>
-              <a:gd name="connsiteY6" fmla="*/ 6326343 h 6858000"/>
-              <a:gd name="connsiteX7" fmla="*/ 637332 w 7476877"/>
-              <a:gd name="connsiteY7" fmla="*/ 6326343 h 6858000"/>
-              <a:gd name="connsiteX8" fmla="*/ 491309 w 7476877"/>
-              <a:gd name="connsiteY8" fmla="*/ 6239844 h 6858000"/>
-              <a:gd name="connsiteX9" fmla="*/ 22817 w 7476877"/>
-              <a:gd name="connsiteY9" fmla="*/ 5413976 h 6858000"/>
-              <a:gd name="connsiteX10" fmla="*/ 22817 w 7476877"/>
-              <a:gd name="connsiteY10" fmla="*/ 5245095 h 6858000"/>
-              <a:gd name="connsiteX11" fmla="*/ 491309 w 7476877"/>
-              <a:gd name="connsiteY11" fmla="*/ 4419228 h 6858000"/>
-              <a:gd name="connsiteX12" fmla="*/ 637332 w 7476877"/>
-              <a:gd name="connsiteY12" fmla="*/ 4332728 h 6858000"/>
-              <a:gd name="connsiteX13" fmla="*/ 3853980 w 7476877"/>
-              <a:gd name="connsiteY13" fmla="*/ 0 h 6858000"/>
-              <a:gd name="connsiteX14" fmla="*/ 5043644 w 7476877"/>
-              <a:gd name="connsiteY14" fmla="*/ 0 h 6858000"/>
-              <a:gd name="connsiteX15" fmla="*/ 5083740 w 7476877"/>
-              <a:gd name="connsiteY15" fmla="*/ 70378 h 6858000"/>
-              <a:gd name="connsiteX16" fmla="*/ 5225307 w 7476877"/>
-              <a:gd name="connsiteY16" fmla="*/ 318859 h 6858000"/>
-              <a:gd name="connsiteX17" fmla="*/ 5225307 w 7476877"/>
-              <a:gd name="connsiteY17" fmla="*/ 577503 h 6858000"/>
-              <a:gd name="connsiteX18" fmla="*/ 4504695 w 7476877"/>
-              <a:gd name="connsiteY18" fmla="*/ 1842337 h 6858000"/>
-              <a:gd name="connsiteX19" fmla="*/ 4284162 w 7476877"/>
-              <a:gd name="connsiteY19" fmla="*/ 1974811 h 6858000"/>
-              <a:gd name="connsiteX20" fmla="*/ 2846045 w 7476877"/>
-              <a:gd name="connsiteY20" fmla="*/ 1974811 h 6858000"/>
-              <a:gd name="connsiteX21" fmla="*/ 2778342 w 7476877"/>
-              <a:gd name="connsiteY21" fmla="*/ 1965645 h 6858000"/>
-              <a:gd name="connsiteX22" fmla="*/ 2731777 w 7476877"/>
-              <a:gd name="connsiteY22" fmla="*/ 1945746 h 6858000"/>
-              <a:gd name="connsiteX23" fmla="*/ 2760233 w 7476877"/>
-              <a:gd name="connsiteY23" fmla="*/ 1895581 h 6858000"/>
-              <a:gd name="connsiteX24" fmla="*/ 3768459 w 7476877"/>
-              <a:gd name="connsiteY24" fmla="*/ 118263 h 6858000"/>
-              <a:gd name="connsiteX25" fmla="*/ 3819932 w 7476877"/>
-              <a:gd name="connsiteY25" fmla="*/ 39732 h 6858000"/>
-              <a:gd name="connsiteX26" fmla="*/ 1880237 w 7476877"/>
-              <a:gd name="connsiteY26" fmla="*/ 0 h 6858000"/>
-              <a:gd name="connsiteX27" fmla="*/ 2102124 w 7476877"/>
-              <a:gd name="connsiteY27" fmla="*/ 0 h 6858000"/>
-              <a:gd name="connsiteX28" fmla="*/ 2086946 w 7476877"/>
-              <a:gd name="connsiteY28" fmla="*/ 26756 h 6858000"/>
-              <a:gd name="connsiteX29" fmla="*/ 1911773 w 7476877"/>
-              <a:gd name="connsiteY29" fmla="*/ 335552 h 6858000"/>
-              <a:gd name="connsiteX30" fmla="*/ 1911773 w 7476877"/>
-              <a:gd name="connsiteY30" fmla="*/ 594199 h 6858000"/>
-              <a:gd name="connsiteX31" fmla="*/ 2629280 w 7476877"/>
-              <a:gd name="connsiteY31" fmla="*/ 1859030 h 6858000"/>
-              <a:gd name="connsiteX32" fmla="*/ 2723627 w 7476877"/>
-              <a:gd name="connsiteY32" fmla="*/ 1956020 h 6858000"/>
-              <a:gd name="connsiteX33" fmla="*/ 2734544 w 7476877"/>
-              <a:gd name="connsiteY33" fmla="*/ 1960685 h 6858000"/>
-              <a:gd name="connsiteX34" fmla="*/ 2676021 w 7476877"/>
-              <a:gd name="connsiteY34" fmla="*/ 2063851 h 6858000"/>
-              <a:gd name="connsiteX35" fmla="*/ 2632495 w 7476877"/>
-              <a:gd name="connsiteY35" fmla="*/ 2140578 h 6858000"/>
-              <a:gd name="connsiteX36" fmla="*/ 2677641 w 7476877"/>
-              <a:gd name="connsiteY36" fmla="*/ 2159871 h 6858000"/>
-              <a:gd name="connsiteX37" fmla="*/ 2754009 w 7476877"/>
-              <a:gd name="connsiteY37" fmla="*/ 2170210 h 6858000"/>
-              <a:gd name="connsiteX38" fmla="*/ 4376198 w 7476877"/>
-              <a:gd name="connsiteY38" fmla="*/ 2170210 h 6858000"/>
-              <a:gd name="connsiteX39" fmla="*/ 4624956 w 7476877"/>
-              <a:gd name="connsiteY39" fmla="*/ 2020780 h 6858000"/>
-              <a:gd name="connsiteX40" fmla="*/ 5437803 w 7476877"/>
-              <a:gd name="connsiteY40" fmla="*/ 594055 h 6858000"/>
-              <a:gd name="connsiteX41" fmla="*/ 5437803 w 7476877"/>
-              <a:gd name="connsiteY41" fmla="*/ 302307 h 6858000"/>
-              <a:gd name="connsiteX42" fmla="*/ 5294722 w 7476877"/>
-              <a:gd name="connsiteY42" fmla="*/ 51168 h 6858000"/>
-              <a:gd name="connsiteX43" fmla="*/ 5265570 w 7476877"/>
-              <a:gd name="connsiteY43" fmla="*/ 0 h 6858000"/>
-              <a:gd name="connsiteX44" fmla="*/ 7476877 w 7476877"/>
-              <a:gd name="connsiteY44" fmla="*/ 0 h 6858000"/>
-              <a:gd name="connsiteX45" fmla="*/ 7476877 w 7476877"/>
-              <a:gd name="connsiteY45" fmla="*/ 6858000 h 6858000"/>
-              <a:gd name="connsiteX46" fmla="*/ 3343303 w 7476877"/>
-              <a:gd name="connsiteY46" fmla="*/ 6858000 h 6858000"/>
-              <a:gd name="connsiteX47" fmla="*/ 3297958 w 7476877"/>
-              <a:gd name="connsiteY47" fmla="*/ 6778065 h 6858000"/>
-              <a:gd name="connsiteX48" fmla="*/ 1841286 w 7476877"/>
-              <a:gd name="connsiteY48" fmla="*/ 4210218 h 6858000"/>
-              <a:gd name="connsiteX49" fmla="*/ 1841286 w 7476877"/>
-              <a:gd name="connsiteY49" fmla="*/ 3515516 h 6858000"/>
-              <a:gd name="connsiteX50" fmla="*/ 2556859 w 7476877"/>
-              <a:gd name="connsiteY50" fmla="*/ 2254092 h 6858000"/>
-              <a:gd name="connsiteX51" fmla="*/ 2617166 w 7476877"/>
-              <a:gd name="connsiteY51" fmla="*/ 2147787 h 6858000"/>
-              <a:gd name="connsiteX52" fmla="*/ 2615044 w 7476877"/>
-              <a:gd name="connsiteY52" fmla="*/ 2146880 h 6858000"/>
-              <a:gd name="connsiteX53" fmla="*/ 2508620 w 7476877"/>
-              <a:gd name="connsiteY53" fmla="*/ 2037473 h 6858000"/>
-              <a:gd name="connsiteX54" fmla="*/ 1699276 w 7476877"/>
-              <a:gd name="connsiteY54" fmla="*/ 610749 h 6858000"/>
-              <a:gd name="connsiteX55" fmla="*/ 1699276 w 7476877"/>
-              <a:gd name="connsiteY55" fmla="*/ 319000 h 6858000"/>
-              <a:gd name="connsiteX56" fmla="*/ 1843322 w 7476877"/>
-              <a:gd name="connsiteY56" fmla="*/ 65075 h 6858000"/>
-            </a:gdLst>
-            <a:ahLst/>
-            <a:cxnLst>
-              <a:cxn ang="0">
-                <a:pos x="connsiteX0" y="connsiteY0"/>
-              </a:cxn>
-              <a:cxn ang="0">
-                <a:pos x="connsiteX1" y="connsiteY1"/>
-              </a:cxn>
-              <a:cxn ang="0">
-                <a:pos x="connsiteX2" y="connsiteY2"/>
-              </a:cxn>
-              <a:cxn ang="0">
-                <a:pos x="connsiteX3" y="connsiteY3"/>
-              </a:cxn>
-              <a:cxn ang="0">
-                <a:pos x="connsiteX4" y="connsiteY4"/>
-              </a:cxn>
-              <a:cxn ang="0">
-                <a:pos x="connsiteX5" y="connsiteY5"/>
-              </a:cxn>
-              <a:cxn ang="0">
-                <a:pos x="connsiteX6" y="connsiteY6"/>
-              </a:cxn>
-              <a:cxn ang="0">
-                <a:pos x="connsiteX7" y="connsiteY7"/>
-              </a:cxn>
-              <a:cxn ang="0">
-                <a:pos x="connsiteX8" y="connsiteY8"/>
-              </a:cxn>
-              <a:cxn ang="0">
-                <a:pos x="connsiteX9" y="connsiteY9"/>
-              </a:cxn>
-              <a:cxn ang="0">
-                <a:pos x="connsiteX10" y="connsiteY10"/>
-              </a:cxn>
-              <a:cxn ang="0">
-                <a:pos x="connsiteX11" y="connsiteY11"/>
-              </a:cxn>
-              <a:cxn ang="0">
-                <a:pos x="connsiteX12" y="connsiteY12"/>
-              </a:cxn>
-              <a:cxn ang="0">
-                <a:pos x="connsiteX13" y="connsiteY13"/>
-              </a:cxn>
-              <a:cxn ang="0">
-                <a:pos x="connsiteX14" y="connsiteY14"/>
-              </a:cxn>
-              <a:cxn ang="0">
-                <a:pos x="connsiteX15" y="connsiteY15"/>
-              </a:cxn>
-              <a:cxn ang="0">
-                <a:pos x="connsiteX16" y="connsiteY16"/>
-              </a:cxn>
-              <a:cxn ang="0">
-                <a:pos x="connsiteX17" y="connsiteY17"/>
-              </a:cxn>
-              <a:cxn ang="0">
-                <a:pos x="connsiteX18" y="connsiteY18"/>
-              </a:cxn>
-              <a:cxn ang="0">
-                <a:pos x="connsiteX19" y="connsiteY19"/>
-              </a:cxn>
-              <a:cxn ang="0">
-                <a:pos x="connsiteX20" y="connsiteY20"/>
-              </a:cxn>
-              <a:cxn ang="0">
-                <a:pos x="connsiteX21" y="connsiteY21"/>
-              </a:cxn>
-              <a:cxn ang="0">
-                <a:pos x="connsiteX22" y="connsiteY22"/>
-              </a:cxn>
-              <a:cxn ang="0">
-                <a:pos x="connsiteX23" y="connsiteY23"/>
-              </a:cxn>
-              <a:cxn ang="0">
-                <a:pos x="connsiteX24" y="connsiteY24"/>
-              </a:cxn>
-              <a:cxn ang="0">
-                <a:pos x="connsiteX25" y="connsiteY25"/>
-              </a:cxn>
-              <a:cxn ang="0">
-                <a:pos x="connsiteX26" y="connsiteY26"/>
-              </a:cxn>
-              <a:cxn ang="0">
-                <a:pos x="connsiteX27" y="connsiteY27"/>
-              </a:cxn>
-              <a:cxn ang="0">
-                <a:pos x="connsiteX28" y="connsiteY28"/>
-              </a:cxn>
-              <a:cxn ang="0">
-                <a:pos x="connsiteX29" y="connsiteY29"/>
-              </a:cxn>
-              <a:cxn ang="0">
-                <a:pos x="connsiteX30" y="connsiteY30"/>
-              </a:cxn>
-              <a:cxn ang="0">
-                <a:pos x="connsiteX31" y="connsiteY31"/>
-              </a:cxn>
-              <a:cxn ang="0">
-                <a:pos x="connsiteX32" y="connsiteY32"/>
-              </a:cxn>
-              <a:cxn ang="0">
-                <a:pos x="connsiteX33" y="connsiteY33"/>
-              </a:cxn>
-              <a:cxn ang="0">
-                <a:pos x="connsiteX34" y="connsiteY34"/>
-              </a:cxn>
-              <a:cxn ang="0">
-                <a:pos x="connsiteX35" y="connsiteY35"/>
-              </a:cxn>
-              <a:cxn ang="0">
-                <a:pos x="connsiteX36" y="connsiteY36"/>
-              </a:cxn>
-              <a:cxn ang="0">
-                <a:pos x="connsiteX37" y="connsiteY37"/>
-              </a:cxn>
-              <a:cxn ang="0">
-                <a:pos x="connsiteX38" y="connsiteY38"/>
-              </a:cxn>
-              <a:cxn ang="0">
-                <a:pos x="connsiteX39" y="connsiteY39"/>
-              </a:cxn>
-              <a:cxn ang="0">
-                <a:pos x="connsiteX40" y="connsiteY40"/>
-              </a:cxn>
-              <a:cxn ang="0">
-                <a:pos x="connsiteX41" y="connsiteY41"/>
-              </a:cxn>
-              <a:cxn ang="0">
-                <a:pos x="connsiteX42" y="connsiteY42"/>
-              </a:cxn>
-              <a:cxn ang="0">
-                <a:pos x="connsiteX43" y="connsiteY43"/>
-              </a:cxn>
-              <a:cxn ang="0">
-                <a:pos x="connsiteX44" y="connsiteY44"/>
-              </a:cxn>
-              <a:cxn ang="0">
-                <a:pos x="connsiteX45" y="connsiteY45"/>
-              </a:cxn>
-              <a:cxn ang="0">
-                <a:pos x="connsiteX46" y="connsiteY46"/>
-              </a:cxn>
-              <a:cxn ang="0">
-                <a:pos x="connsiteX47" y="connsiteY47"/>
-              </a:cxn>
-              <a:cxn ang="0">
-                <a:pos x="connsiteX48" y="connsiteY48"/>
-              </a:cxn>
-              <a:cxn ang="0">
-                <a:pos x="connsiteX49" y="connsiteY49"/>
-              </a:cxn>
-              <a:cxn ang="0">
-                <a:pos x="connsiteX50" y="connsiteY50"/>
-              </a:cxn>
-              <a:cxn ang="0">
-                <a:pos x="connsiteX51" y="connsiteY51"/>
-              </a:cxn>
-              <a:cxn ang="0">
-                <a:pos x="connsiteX52" y="connsiteY52"/>
-              </a:cxn>
-              <a:cxn ang="0">
-                <a:pos x="connsiteX53" y="connsiteY53"/>
-              </a:cxn>
-              <a:cxn ang="0">
-                <a:pos x="connsiteX54" y="connsiteY54"/>
-              </a:cxn>
-              <a:cxn ang="0">
-                <a:pos x="connsiteX55" y="connsiteY55"/>
-              </a:cxn>
-              <a:cxn ang="0">
-                <a:pos x="connsiteX56" y="connsiteY56"/>
-              </a:cxn>
-            </a:cxnLst>
-            <a:rect l="l" t="t" r="r" b="b"/>
-            <a:pathLst>
-              <a:path w="7476877" h="6858000">
-                <a:moveTo>
-                  <a:pt x="637332" y="4332728"/>
-                </a:moveTo>
-                <a:cubicBezTo>
-                  <a:pt x="637332" y="4332728"/>
-                  <a:pt x="637332" y="4332728"/>
-                  <a:pt x="1576347" y="4332728"/>
-                </a:cubicBezTo>
-                <a:cubicBezTo>
-                  <a:pt x="1635163" y="4332728"/>
-                  <a:pt x="1691949" y="4365681"/>
-                  <a:pt x="1720345" y="4419228"/>
-                </a:cubicBezTo>
-                <a:cubicBezTo>
-                  <a:pt x="1720345" y="4419228"/>
-                  <a:pt x="1720345" y="4419228"/>
-                  <a:pt x="2190864" y="5245095"/>
-                </a:cubicBezTo>
-                <a:cubicBezTo>
-                  <a:pt x="2221287" y="5296583"/>
-                  <a:pt x="2221287" y="5362488"/>
-                  <a:pt x="2190864" y="5413976"/>
-                </a:cubicBezTo>
-                <a:cubicBezTo>
-                  <a:pt x="2190864" y="5413976"/>
-                  <a:pt x="2190864" y="5413976"/>
-                  <a:pt x="1720345" y="6239844"/>
-                </a:cubicBezTo>
-                <a:cubicBezTo>
-                  <a:pt x="1691949" y="6293391"/>
-                  <a:pt x="1635163" y="6326343"/>
-                  <a:pt x="1576347" y="6326343"/>
-                </a:cubicBezTo>
-                <a:cubicBezTo>
-                  <a:pt x="1576347" y="6326343"/>
-                  <a:pt x="1576347" y="6326343"/>
-                  <a:pt x="637332" y="6326343"/>
-                </a:cubicBezTo>
-                <a:cubicBezTo>
-                  <a:pt x="576490" y="6326343"/>
-                  <a:pt x="521732" y="6293391"/>
-                  <a:pt x="491309" y="6239844"/>
-                </a:cubicBezTo>
-                <a:cubicBezTo>
-                  <a:pt x="491309" y="6239844"/>
-                  <a:pt x="491309" y="6239844"/>
-                  <a:pt x="22817" y="5413976"/>
-                </a:cubicBezTo>
-                <a:cubicBezTo>
-                  <a:pt x="-7605" y="5362488"/>
-                  <a:pt x="-7605" y="5296583"/>
-                  <a:pt x="22817" y="5245095"/>
-                </a:cubicBezTo>
-                <a:cubicBezTo>
-                  <a:pt x="22817" y="5245095"/>
-                  <a:pt x="22817" y="5245095"/>
-                  <a:pt x="491309" y="4419228"/>
-                </a:cubicBezTo>
-                <a:cubicBezTo>
-                  <a:pt x="521732" y="4365681"/>
-                  <a:pt x="576490" y="4332728"/>
-                  <a:pt x="637332" y="4332728"/>
-                </a:cubicBezTo>
-                <a:close/>
-                <a:moveTo>
-                  <a:pt x="3853980" y="0"/>
-                </a:moveTo>
-                <a:lnTo>
-                  <a:pt x="5043644" y="0"/>
-                </a:lnTo>
-                <a:lnTo>
-                  <a:pt x="5083740" y="70378"/>
-                </a:lnTo>
-                <a:cubicBezTo>
-                  <a:pt x="5127533" y="147245"/>
-                  <a:pt x="5174639" y="229925"/>
-                  <a:pt x="5225307" y="318859"/>
-                </a:cubicBezTo>
-                <a:cubicBezTo>
-                  <a:pt x="5271897" y="397715"/>
-                  <a:pt x="5271897" y="498649"/>
-                  <a:pt x="5225307" y="577503"/>
-                </a:cubicBezTo>
-                <a:cubicBezTo>
-                  <a:pt x="5225307" y="577503"/>
-                  <a:pt x="5225307" y="577503"/>
-                  <a:pt x="4504695" y="1842337"/>
-                </a:cubicBezTo>
-                <a:cubicBezTo>
-                  <a:pt x="4461209" y="1924345"/>
-                  <a:pt x="4374239" y="1974811"/>
-                  <a:pt x="4284162" y="1974811"/>
-                </a:cubicBezTo>
-                <a:cubicBezTo>
-                  <a:pt x="4284162" y="1974811"/>
-                  <a:pt x="4284162" y="1974811"/>
-                  <a:pt x="2846045" y="1974811"/>
-                </a:cubicBezTo>
-                <a:cubicBezTo>
-                  <a:pt x="2822750" y="1974811"/>
-                  <a:pt x="2800035" y="1971656"/>
-                  <a:pt x="2778342" y="1965645"/>
-                </a:cubicBezTo>
-                <a:lnTo>
-                  <a:pt x="2731777" y="1945746"/>
-                </a:lnTo>
-                <a:lnTo>
-                  <a:pt x="2760233" y="1895581"/>
-                </a:lnTo>
-                <a:cubicBezTo>
-                  <a:pt x="3017539" y="1441999"/>
-                  <a:pt x="3346890" y="861413"/>
-                  <a:pt x="3768459" y="118263"/>
-                </a:cubicBezTo>
-                <a:cubicBezTo>
-                  <a:pt x="3784101" y="90729"/>
-                  <a:pt x="3801308" y="64519"/>
-                  <a:pt x="3819932" y="39732"/>
-                </a:cubicBezTo>
-                <a:close/>
-                <a:moveTo>
-                  <a:pt x="1880237" y="0"/>
-                </a:moveTo>
-                <a:lnTo>
-                  <a:pt x="2102124" y="0"/>
-                </a:lnTo>
-                <a:lnTo>
-                  <a:pt x="2086946" y="26756"/>
-                </a:lnTo>
-                <a:cubicBezTo>
-                  <a:pt x="1911773" y="335552"/>
-                  <a:pt x="1911773" y="335552"/>
-                  <a:pt x="1911773" y="335552"/>
-                </a:cubicBezTo>
-                <a:cubicBezTo>
-                  <a:pt x="1865182" y="414408"/>
-                  <a:pt x="1865182" y="515344"/>
-                  <a:pt x="1911773" y="594199"/>
-                </a:cubicBezTo>
-                <a:cubicBezTo>
-                  <a:pt x="2629280" y="1859030"/>
-                  <a:pt x="2629280" y="1859030"/>
-                  <a:pt x="2629280" y="1859030"/>
-                </a:cubicBezTo>
-                <a:cubicBezTo>
-                  <a:pt x="2652576" y="1900035"/>
-                  <a:pt x="2685189" y="1933154"/>
-                  <a:pt x="2723627" y="1956020"/>
-                </a:cubicBezTo>
-                <a:lnTo>
-                  <a:pt x="2734544" y="1960685"/>
-                </a:lnTo>
-                <a:lnTo>
-                  <a:pt x="2676021" y="2063851"/>
-                </a:lnTo>
-                <a:lnTo>
-                  <a:pt x="2632495" y="2140578"/>
-                </a:lnTo>
-                <a:lnTo>
-                  <a:pt x="2677641" y="2159871"/>
-                </a:lnTo>
-                <a:cubicBezTo>
-                  <a:pt x="2702113" y="2166652"/>
-                  <a:pt x="2727732" y="2170210"/>
-                  <a:pt x="2754009" y="2170210"/>
-                </a:cubicBezTo>
-                <a:cubicBezTo>
-                  <a:pt x="4376198" y="2170210"/>
-                  <a:pt x="4376198" y="2170210"/>
-                  <a:pt x="4376198" y="2170210"/>
-                </a:cubicBezTo>
-                <a:cubicBezTo>
-                  <a:pt x="4477805" y="2170210"/>
-                  <a:pt x="4575904" y="2113286"/>
-                  <a:pt x="4624956" y="2020780"/>
-                </a:cubicBezTo>
-                <a:cubicBezTo>
-                  <a:pt x="5437803" y="594055"/>
-                  <a:pt x="5437803" y="594055"/>
-                  <a:pt x="5437803" y="594055"/>
-                </a:cubicBezTo>
-                <a:cubicBezTo>
-                  <a:pt x="5490358" y="505109"/>
-                  <a:pt x="5490358" y="391256"/>
-                  <a:pt x="5437803" y="302307"/>
-                </a:cubicBezTo>
-                <a:cubicBezTo>
-                  <a:pt x="5387000" y="213137"/>
-                  <a:pt x="5339373" y="129540"/>
-                  <a:pt x="5294722" y="51168"/>
-                </a:cubicBezTo>
-                <a:lnTo>
-                  <a:pt x="5265570" y="0"/>
-                </a:lnTo>
-                <a:lnTo>
-                  <a:pt x="7476877" y="0"/>
-                </a:lnTo>
-                <a:lnTo>
-                  <a:pt x="7476877" y="6858000"/>
-                </a:lnTo>
-                <a:lnTo>
-                  <a:pt x="3343303" y="6858000"/>
-                </a:lnTo>
-                <a:lnTo>
-                  <a:pt x="3297958" y="6778065"/>
-                </a:lnTo>
-                <a:cubicBezTo>
-                  <a:pt x="3015657" y="6280421"/>
-                  <a:pt x="2563976" y="5484189"/>
-                  <a:pt x="1841286" y="4210218"/>
-                </a:cubicBezTo>
-                <a:cubicBezTo>
-                  <a:pt x="1716144" y="3998418"/>
-                  <a:pt x="1716144" y="3727316"/>
-                  <a:pt x="1841286" y="3515516"/>
-                </a:cubicBezTo>
-                <a:cubicBezTo>
-                  <a:pt x="1841286" y="3515516"/>
-                  <a:pt x="1841286" y="3515516"/>
-                  <a:pt x="2556859" y="2254092"/>
-                </a:cubicBezTo>
-                <a:lnTo>
-                  <a:pt x="2617166" y="2147787"/>
-                </a:lnTo>
-                <a:lnTo>
-                  <a:pt x="2615044" y="2146880"/>
-                </a:lnTo>
-                <a:cubicBezTo>
-                  <a:pt x="2571686" y="2121084"/>
-                  <a:pt x="2534897" y="2083728"/>
-                  <a:pt x="2508620" y="2037473"/>
-                </a:cubicBezTo>
-                <a:cubicBezTo>
-                  <a:pt x="2508620" y="2037473"/>
-                  <a:pt x="2508620" y="2037473"/>
-                  <a:pt x="1699276" y="610749"/>
-                </a:cubicBezTo>
-                <a:cubicBezTo>
-                  <a:pt x="1646720" y="521803"/>
-                  <a:pt x="1646720" y="407950"/>
-                  <a:pt x="1699276" y="319000"/>
-                </a:cubicBezTo>
-                <a:cubicBezTo>
-                  <a:pt x="1699276" y="319000"/>
-                  <a:pt x="1699276" y="319000"/>
-                  <a:pt x="1843322" y="65075"/>
-                </a:cubicBezTo>
-                <a:close/>
-              </a:path>
-            </a:pathLst>
-          </a:custGeom>
-          <a:solidFill>
-            <a:schemeClr val="tx1">
-              <a:lumMod val="50000"/>
-              <a:lumOff val="50000"/>
-              <a:alpha val="15000"/>
-            </a:schemeClr>
-          </a:solidFill>
-          <a:ln>
-            <a:noFill/>
-          </a:ln>
-        </p:spPr>
-        <p:style>
-          <a:lnRef idx="2">
-            <a:schemeClr val="accent1">
-              <a:shade val="50000"/>
-            </a:schemeClr>
-          </a:lnRef>
-          <a:fillRef idx="1">
-            <a:schemeClr val="accent1"/>
-          </a:fillRef>
-          <a:effectRef idx="0">
-            <a:schemeClr val="accent1"/>
-          </a:effectRef>
-          <a:fontRef idx="minor">
-            <a:schemeClr val="lt1"/>
-          </a:fontRef>
-        </p:style>
-        <p:txBody>
-          <a:bodyPr wrap="square" rtlCol="0" anchor="ctr">
-            <a:noAutofit/>
-          </a:bodyPr>
-          <a:lstStyle/>
-          <a:p>
-            <a:pPr algn="ctr"/>
-            <a:endParaRPr lang="en-US"/>
-          </a:p>
-        </p:txBody>
-      </p:sp>
-      <p:sp>
-        <p:nvSpPr>
-          <p:cNvPr id="4" name="Title 3">
-            <a:extLst>
-              <a:ext uri="{FF2B5EF4-FFF2-40B4-BE49-F238E27FC236}">
-                <a16:creationId xmlns:a16="http://schemas.microsoft.com/office/drawing/2014/main" id="{BB2A1168-7759-4137-9142-9990CD1097B1}"/>
-              </a:ext>
-            </a:extLst>
-          </p:cNvPr>
-          <p:cNvSpPr>
-            <a:spLocks noGrp="1"/>
-          </p:cNvSpPr>
-          <p:nvPr>
-            <p:ph type="ctrTitle"/>
-          </p:nvPr>
-        </p:nvSpPr>
-        <p:spPr>
-          <a:xfrm>
-            <a:off x="1356919" y="2945524"/>
-            <a:ext cx="6457183" cy="2274388"/>
-          </a:xfrm>
-        </p:spPr>
-        <p:txBody>
-          <a:bodyPr anchor="t">
-            <a:normAutofit/>
-          </a:bodyPr>
-          <a:lstStyle/>
-          <a:p>
-            <a:pPr algn="l"/>
-            <a:r>
-              <a:rPr lang="en-US" sz="5000" dirty="0"/>
-              <a:t>Are people of color receiving longer sentences on average?</a:t>
-            </a:r>
-          </a:p>
-        </p:txBody>
-      </p:sp>
-      <p:grpSp>
-        <p:nvGrpSpPr>
-          <p:cNvPr id="13" name="Group 12">
-            <a:extLst>
-              <a:ext uri="{FF2B5EF4-FFF2-40B4-BE49-F238E27FC236}">
-                <a16:creationId xmlns:a16="http://schemas.microsoft.com/office/drawing/2014/main" id="{64B93721-934F-4F1E-A868-0B2BA110D3B5}"/>
+                <a16:creationId xmlns:a16="http://schemas.microsoft.com/office/drawing/2014/main" id="{35EE815E-1BD3-4777-B652-6D98825BF66B}"/>
               </a:ext>
               <a:ext uri="{C183D7F6-B498-43B3-948B-1728B52AA6E4}">
                 <adec:decorative xmlns:adec="http://schemas.microsoft.com/office/drawing/2017/decorative" val="1"/>
@@ -6586,18 +4542,18 @@
         </p:nvGrpSpPr>
         <p:grpSpPr>
           <a:xfrm>
-            <a:off x="441960" y="561256"/>
+            <a:off x="767290" y="681628"/>
             <a:ext cx="1128382" cy="847206"/>
-            <a:chOff x="7393391" y="1075612"/>
+            <a:chOff x="668003" y="1684057"/>
             <a:chExt cx="1128382" cy="847206"/>
           </a:xfrm>
         </p:grpSpPr>
         <p:sp>
           <p:nvSpPr>
-            <p:cNvPr id="14" name="Freeform 5">
+            <p:cNvPr id="61" name="Freeform 5">
               <a:extLst>
                 <a:ext uri="{FF2B5EF4-FFF2-40B4-BE49-F238E27FC236}">
-                  <a16:creationId xmlns:a16="http://schemas.microsoft.com/office/drawing/2014/main" id="{99494AF8-52DE-4016-B1B9-5D16974BAE24}"/>
+                  <a16:creationId xmlns:a16="http://schemas.microsoft.com/office/drawing/2014/main" id="{E6692982-4A7D-4392-87CD-F0CD4B027DDE}"/>
                 </a:ext>
                 <a:ext uri="{C183D7F6-B498-43B3-948B-1728B52AA6E4}">
                   <adec:decorative xmlns:adec="http://schemas.microsoft.com/office/drawing/2017/decorative" val="1"/>
@@ -6617,7 +4573,7 @@
           </p:nvSpPr>
           <p:spPr bwMode="auto">
             <a:xfrm>
-              <a:off x="7393391" y="1327438"/>
+              <a:off x="668003" y="1935883"/>
               <a:ext cx="675351" cy="595380"/>
             </a:xfrm>
             <a:custGeom>
@@ -6763,7 +4719,7 @@
             <a:noFill/>
             <a:ln w="28575" cmpd="sng">
               <a:solidFill>
-                <a:schemeClr val="tx1"/>
+                <a:schemeClr val="bg1"/>
               </a:solidFill>
             </a:ln>
           </p:spPr>
@@ -6781,10 +4737,10 @@
         </p:sp>
         <p:sp>
           <p:nvSpPr>
-            <p:cNvPr id="15" name="Freeform 5">
+            <p:cNvPr id="62" name="Freeform 5">
               <a:extLst>
                 <a:ext uri="{FF2B5EF4-FFF2-40B4-BE49-F238E27FC236}">
-                  <a16:creationId xmlns:a16="http://schemas.microsoft.com/office/drawing/2014/main" id="{C27115E3-8DBD-460F-8EAD-44E12617413B}"/>
+                  <a16:creationId xmlns:a16="http://schemas.microsoft.com/office/drawing/2014/main" id="{196485F7-F277-4123-AC53-98EA4C858774}"/>
                 </a:ext>
                 <a:ext uri="{C183D7F6-B498-43B3-948B-1728B52AA6E4}">
                   <adec:decorative xmlns:adec="http://schemas.microsoft.com/office/drawing/2017/decorative" val="1"/>
@@ -6804,7 +4760,7 @@
           </p:nvSpPr>
           <p:spPr bwMode="auto">
             <a:xfrm>
-              <a:off x="7971281" y="1075612"/>
+              <a:off x="1245893" y="1684057"/>
               <a:ext cx="550492" cy="485306"/>
             </a:xfrm>
             <a:custGeom>
@@ -6950,7 +4906,7 @@
             <a:noFill/>
             <a:ln w="28575" cmpd="sng">
               <a:solidFill>
-                <a:schemeClr val="tx1"/>
+                <a:schemeClr val="bg1"/>
               </a:solidFill>
             </a:ln>
           </p:spPr>
@@ -6967,6 +4923,1753 @@
           </p:txBody>
         </p:sp>
       </p:grpSp>
+      <p:sp>
+        <p:nvSpPr>
+          <p:cNvPr id="13" name="Content Placeholder 12">
+            <a:extLst>
+              <a:ext uri="{FF2B5EF4-FFF2-40B4-BE49-F238E27FC236}">
+                <a16:creationId xmlns:a16="http://schemas.microsoft.com/office/drawing/2014/main" id="{1CB7C1BF-B960-4C67-9AD6-BAA09BC1CB86}"/>
+              </a:ext>
+            </a:extLst>
+          </p:cNvPr>
+          <p:cNvSpPr>
+            <a:spLocks noGrp="1"/>
+          </p:cNvSpPr>
+          <p:nvPr>
+            <p:ph idx="1"/>
+          </p:nvPr>
+        </p:nvSpPr>
+        <p:spPr>
+          <a:xfrm>
+            <a:off x="767290" y="3383121"/>
+            <a:ext cx="3582072" cy="2793251"/>
+          </a:xfrm>
+        </p:spPr>
+        <p:txBody>
+          <a:bodyPr vert="horz" lIns="91440" tIns="45720" rIns="91440" bIns="45720" rtlCol="0" anchor="t">
+            <a:normAutofit/>
+          </a:bodyPr>
+          <a:lstStyle/>
+          <a:p>
+            <a:r>
+              <a:rPr lang="en-US" sz="2000" kern="1200">
+                <a:solidFill>
+                  <a:schemeClr val="bg1"/>
+                </a:solidFill>
+                <a:latin typeface="+mn-lt"/>
+                <a:ea typeface="+mn-ea"/>
+                <a:cs typeface="+mn-cs"/>
+              </a:rPr>
+              <a:t>Over half of offenses by black offenders are not violent or drug related</a:t>
+            </a:r>
+          </a:p>
+        </p:txBody>
+      </p:sp>
+      <p:pic>
+        <p:nvPicPr>
+          <p:cNvPr id="4" name="Picture 3">
+            <a:extLst>
+              <a:ext uri="{FF2B5EF4-FFF2-40B4-BE49-F238E27FC236}">
+                <a16:creationId xmlns:a16="http://schemas.microsoft.com/office/drawing/2014/main" id="{A109D790-5985-4C94-A04A-AD15ED0F9360}"/>
+              </a:ext>
+            </a:extLst>
+          </p:cNvPr>
+          <p:cNvPicPr>
+            <a:picLocks noChangeAspect="1"/>
+          </p:cNvPicPr>
+          <p:nvPr/>
+        </p:nvPicPr>
+        <p:blipFill>
+          <a:blip r:embed="rId2">
+            <a:extLst>
+              <a:ext uri="{28A0092B-C50C-407E-A947-70E740481C1C}">
+                <a14:useLocalDpi xmlns:a14="http://schemas.microsoft.com/office/drawing/2010/main" val="0"/>
+              </a:ext>
+            </a:extLst>
+          </a:blip>
+          <a:stretch/>
+        </p:blipFill>
+        <p:spPr>
+          <a:xfrm>
+            <a:off x="5243414" y="903730"/>
+            <a:ext cx="6389008" cy="4472307"/>
+          </a:xfrm>
+          <a:prstGeom prst="rect">
+            <a:avLst/>
+          </a:prstGeom>
+        </p:spPr>
+      </p:pic>
+      <p:sp>
+        <p:nvSpPr>
+          <p:cNvPr id="6" name="TextBox 5">
+            <a:extLst>
+              <a:ext uri="{FF2B5EF4-FFF2-40B4-BE49-F238E27FC236}">
+                <a16:creationId xmlns:a16="http://schemas.microsoft.com/office/drawing/2014/main" id="{BFB73E54-CAF3-46A3-84CA-80000E83C654}"/>
+              </a:ext>
+            </a:extLst>
+          </p:cNvPr>
+          <p:cNvSpPr txBox="1"/>
+          <p:nvPr/>
+        </p:nvSpPr>
+        <p:spPr>
+          <a:xfrm>
+            <a:off x="6096000" y="514169"/>
+            <a:ext cx="3082565" cy="369332"/>
+          </a:xfrm>
+          <a:prstGeom prst="rect">
+            <a:avLst/>
+          </a:prstGeom>
+          <a:noFill/>
+        </p:spPr>
+        <p:txBody>
+          <a:bodyPr wrap="square" rtlCol="0">
+            <a:spAutoFit/>
+          </a:bodyPr>
+          <a:lstStyle/>
+          <a:p>
+            <a:pPr algn="ctr">
+              <a:spcAft>
+                <a:spcPts val="600"/>
+              </a:spcAft>
+            </a:pPr>
+            <a:r>
+              <a:rPr lang="en-US" dirty="0"/>
+              <a:t>Black Sentencing Population</a:t>
+            </a:r>
+            <a:endParaRPr lang="en-US"/>
+          </a:p>
+        </p:txBody>
+      </p:sp>
+    </p:spTree>
+    <p:extLst>
+      <p:ext uri="{BB962C8B-B14F-4D97-AF65-F5344CB8AC3E}">
+        <p14:creationId xmlns:p14="http://schemas.microsoft.com/office/powerpoint/2010/main" val="1189333134"/>
+      </p:ext>
+    </p:extLst>
+  </p:cSld>
+  <p:clrMapOvr>
+    <a:masterClrMapping/>
+  </p:clrMapOvr>
+</p:sld>
+</file>
+
+<file path=ppt/slides/slide11.xml><?xml version="1.0" encoding="utf-8"?>
+<p:sld xmlns:a="http://schemas.openxmlformats.org/drawingml/2006/main" xmlns:r="http://schemas.openxmlformats.org/officeDocument/2006/relationships" xmlns:p="http://schemas.openxmlformats.org/presentationml/2006/main">
+  <p:cSld>
+    <p:bg>
+      <p:bgPr>
+        <a:solidFill>
+          <a:schemeClr val="bg1"/>
+        </a:solidFill>
+        <a:effectLst/>
+      </p:bgPr>
+    </p:bg>
+    <p:spTree>
+      <p:nvGrpSpPr>
+        <p:cNvPr id="1" name=""/>
+        <p:cNvGrpSpPr/>
+        <p:nvPr/>
+      </p:nvGrpSpPr>
+      <p:grpSpPr>
+        <a:xfrm>
+          <a:off x="0" y="0"/>
+          <a:ext cx="0" cy="0"/>
+          <a:chOff x="0" y="0"/>
+          <a:chExt cx="0" cy="0"/>
+        </a:xfrm>
+      </p:grpSpPr>
+      <p:sp useBgFill="1">
+        <p:nvSpPr>
+          <p:cNvPr id="56" name="Rectangle 55">
+            <a:extLst>
+              <a:ext uri="{FF2B5EF4-FFF2-40B4-BE49-F238E27FC236}">
+                <a16:creationId xmlns:a16="http://schemas.microsoft.com/office/drawing/2014/main" id="{33CD251C-A887-4D2F-925B-FC097198538B}"/>
+              </a:ext>
+              <a:ext uri="{C183D7F6-B498-43B3-948B-1728B52AA6E4}">
+                <adec:decorative xmlns:adec="http://schemas.microsoft.com/office/drawing/2017/decorative" val="1"/>
+              </a:ext>
+            </a:extLst>
+          </p:cNvPr>
+          <p:cNvSpPr>
+            <a:spLocks noGrp="1" noRot="1" noChangeAspect="1" noMove="1" noResize="1" noEditPoints="1" noAdjustHandles="1" noChangeArrowheads="1" noChangeShapeType="1" noTextEdit="1"/>
+          </p:cNvSpPr>
+          <p:nvPr>
+            <p:extLst>
+              <p:ext uri="{386F3935-93C4-4BCD-93E2-E3B085C9AB24}">
+                <p16:designElem xmlns:p16="http://schemas.microsoft.com/office/powerpoint/2015/main" val="1"/>
+              </p:ext>
+            </p:extLst>
+          </p:nvPr>
+        </p:nvSpPr>
+        <p:spPr>
+          <a:xfrm>
+            <a:off x="0" y="0"/>
+            <a:ext cx="12192000" cy="6858000"/>
+          </a:xfrm>
+          <a:prstGeom prst="rect">
+            <a:avLst/>
+          </a:prstGeom>
+          <a:ln>
+            <a:noFill/>
+          </a:ln>
+        </p:spPr>
+        <p:style>
+          <a:lnRef idx="2">
+            <a:schemeClr val="accent1">
+              <a:shade val="50000"/>
+            </a:schemeClr>
+          </a:lnRef>
+          <a:fillRef idx="1">
+            <a:schemeClr val="accent1"/>
+          </a:fillRef>
+          <a:effectRef idx="0">
+            <a:schemeClr val="accent1"/>
+          </a:effectRef>
+          <a:fontRef idx="minor">
+            <a:schemeClr val="lt1"/>
+          </a:fontRef>
+        </p:style>
+        <p:txBody>
+          <a:bodyPr rtlCol="0" anchor="ctr"/>
+          <a:lstStyle/>
+          <a:p>
+            <a:pPr algn="ctr"/>
+            <a:endParaRPr lang="en-US"/>
+          </a:p>
+        </p:txBody>
+      </p:sp>
+      <p:sp>
+        <p:nvSpPr>
+          <p:cNvPr id="58" name="Rectangle 57">
+            <a:extLst>
+              <a:ext uri="{FF2B5EF4-FFF2-40B4-BE49-F238E27FC236}">
+                <a16:creationId xmlns:a16="http://schemas.microsoft.com/office/drawing/2014/main" id="{B19D093C-27FB-4032-B282-42C4563F257C}"/>
+              </a:ext>
+              <a:ext uri="{C183D7F6-B498-43B3-948B-1728B52AA6E4}">
+                <adec:decorative xmlns:adec="http://schemas.microsoft.com/office/drawing/2017/decorative" val="1"/>
+              </a:ext>
+            </a:extLst>
+          </p:cNvPr>
+          <p:cNvSpPr>
+            <a:spLocks noGrp="1" noRot="1" noChangeAspect="1" noMove="1" noResize="1" noEditPoints="1" noAdjustHandles="1" noChangeArrowheads="1" noChangeShapeType="1" noTextEdit="1"/>
+          </p:cNvSpPr>
+          <p:nvPr>
+            <p:extLst>
+              <p:ext uri="{386F3935-93C4-4BCD-93E2-E3B085C9AB24}">
+                <p16:designElem xmlns:p16="http://schemas.microsoft.com/office/powerpoint/2015/main" val="1"/>
+              </p:ext>
+            </p:extLst>
+          </p:nvPr>
+        </p:nvSpPr>
+        <p:spPr>
+          <a:xfrm>
+            <a:off x="0" y="0"/>
+            <a:ext cx="4694548" cy="6858000"/>
+          </a:xfrm>
+          <a:prstGeom prst="rect">
+            <a:avLst/>
+          </a:prstGeom>
+          <a:solidFill>
+            <a:schemeClr val="tx1"/>
+          </a:solidFill>
+          <a:ln>
+            <a:noFill/>
+          </a:ln>
+        </p:spPr>
+        <p:style>
+          <a:lnRef idx="2">
+            <a:schemeClr val="accent1">
+              <a:shade val="50000"/>
+            </a:schemeClr>
+          </a:lnRef>
+          <a:fillRef idx="1">
+            <a:schemeClr val="accent1"/>
+          </a:fillRef>
+          <a:effectRef idx="0">
+            <a:schemeClr val="accent1"/>
+          </a:effectRef>
+          <a:fontRef idx="minor">
+            <a:schemeClr val="lt1"/>
+          </a:fontRef>
+        </p:style>
+        <p:txBody>
+          <a:bodyPr rtlCol="0" anchor="ctr"/>
+          <a:lstStyle/>
+          <a:p>
+            <a:pPr algn="ctr"/>
+            <a:endParaRPr lang="en-US"/>
+          </a:p>
+        </p:txBody>
+      </p:sp>
+      <p:sp>
+        <p:nvSpPr>
+          <p:cNvPr id="2" name="Title 1">
+            <a:extLst>
+              <a:ext uri="{FF2B5EF4-FFF2-40B4-BE49-F238E27FC236}">
+                <a16:creationId xmlns:a16="http://schemas.microsoft.com/office/drawing/2014/main" id="{DA7F9311-0C48-4D07-8EB9-6965B2CD7BAD}"/>
+              </a:ext>
+            </a:extLst>
+          </p:cNvPr>
+          <p:cNvSpPr>
+            <a:spLocks noGrp="1"/>
+          </p:cNvSpPr>
+          <p:nvPr>
+            <p:ph type="title"/>
+          </p:nvPr>
+        </p:nvSpPr>
+        <p:spPr>
+          <a:xfrm>
+            <a:off x="767290" y="1780661"/>
+            <a:ext cx="3582073" cy="1463472"/>
+          </a:xfrm>
+        </p:spPr>
+        <p:txBody>
+          <a:bodyPr vert="horz" lIns="91440" tIns="45720" rIns="91440" bIns="45720" rtlCol="0" anchor="t">
+            <a:normAutofit/>
+          </a:bodyPr>
+          <a:lstStyle/>
+          <a:p>
+            <a:r>
+              <a:rPr lang="en-US" sz="4800" kern="1200">
+                <a:solidFill>
+                  <a:schemeClr val="bg1"/>
+                </a:solidFill>
+                <a:latin typeface="+mj-lt"/>
+                <a:ea typeface="+mj-ea"/>
+                <a:cs typeface="+mj-cs"/>
+              </a:rPr>
+              <a:t>Crime Categories</a:t>
+            </a:r>
+          </a:p>
+        </p:txBody>
+      </p:sp>
+      <p:grpSp>
+        <p:nvGrpSpPr>
+          <p:cNvPr id="60" name="Group 59">
+            <a:extLst>
+              <a:ext uri="{FF2B5EF4-FFF2-40B4-BE49-F238E27FC236}">
+                <a16:creationId xmlns:a16="http://schemas.microsoft.com/office/drawing/2014/main" id="{35EE815E-1BD3-4777-B652-6D98825BF66B}"/>
+              </a:ext>
+              <a:ext uri="{C183D7F6-B498-43B3-948B-1728B52AA6E4}">
+                <adec:decorative xmlns:adec="http://schemas.microsoft.com/office/drawing/2017/decorative" val="1"/>
+              </a:ext>
+            </a:extLst>
+          </p:cNvPr>
+          <p:cNvGrpSpPr>
+            <a:grpSpLocks noGrp="1" noUngrp="1" noRot="1" noChangeAspect="1" noMove="1" noResize="1"/>
+          </p:cNvGrpSpPr>
+          <p:nvPr>
+            <p:extLst>
+              <p:ext uri="{386F3935-93C4-4BCD-93E2-E3B085C9AB24}">
+                <p16:designElem xmlns:p16="http://schemas.microsoft.com/office/powerpoint/2015/main" val="1"/>
+              </p:ext>
+            </p:extLst>
+          </p:nvPr>
+        </p:nvGrpSpPr>
+        <p:grpSpPr>
+          <a:xfrm>
+            <a:off x="767290" y="681628"/>
+            <a:ext cx="1128382" cy="847206"/>
+            <a:chOff x="668003" y="1684057"/>
+            <a:chExt cx="1128382" cy="847206"/>
+          </a:xfrm>
+        </p:grpSpPr>
+        <p:sp>
+          <p:nvSpPr>
+            <p:cNvPr id="61" name="Freeform 5">
+              <a:extLst>
+                <a:ext uri="{FF2B5EF4-FFF2-40B4-BE49-F238E27FC236}">
+                  <a16:creationId xmlns:a16="http://schemas.microsoft.com/office/drawing/2014/main" id="{E6692982-4A7D-4392-87CD-F0CD4B027DDE}"/>
+                </a:ext>
+                <a:ext uri="{C183D7F6-B498-43B3-948B-1728B52AA6E4}">
+                  <adec:decorative xmlns:adec="http://schemas.microsoft.com/office/drawing/2017/decorative" val="1"/>
+                </a:ext>
+              </a:extLst>
+            </p:cNvPr>
+            <p:cNvSpPr>
+              <a:spLocks/>
+            </p:cNvSpPr>
+            <p:nvPr>
+              <p:extLst>
+                <p:ext uri="{386F3935-93C4-4BCD-93E2-E3B085C9AB24}">
+                  <p16:designElem xmlns:p16="http://schemas.microsoft.com/office/powerpoint/2015/main" val="1"/>
+                </p:ext>
+              </p:extLst>
+            </p:nvPr>
+          </p:nvSpPr>
+          <p:spPr bwMode="auto">
+            <a:xfrm>
+              <a:off x="668003" y="1935883"/>
+              <a:ext cx="675351" cy="595380"/>
+            </a:xfrm>
+            <a:custGeom>
+              <a:avLst/>
+              <a:gdLst>
+                <a:gd name="T0" fmla="*/ 225 w 785"/>
+                <a:gd name="T1" fmla="*/ 692 h 692"/>
+                <a:gd name="T2" fmla="*/ 177 w 785"/>
+                <a:gd name="T3" fmla="*/ 665 h 692"/>
+                <a:gd name="T4" fmla="*/ 9 w 785"/>
+                <a:gd name="T5" fmla="*/ 374 h 692"/>
+                <a:gd name="T6" fmla="*/ 9 w 785"/>
+                <a:gd name="T7" fmla="*/ 318 h 692"/>
+                <a:gd name="T8" fmla="*/ 177 w 785"/>
+                <a:gd name="T9" fmla="*/ 27 h 692"/>
+                <a:gd name="T10" fmla="*/ 225 w 785"/>
+                <a:gd name="T11" fmla="*/ 0 h 692"/>
+                <a:gd name="T12" fmla="*/ 561 w 785"/>
+                <a:gd name="T13" fmla="*/ 0 h 692"/>
+                <a:gd name="T14" fmla="*/ 609 w 785"/>
+                <a:gd name="T15" fmla="*/ 27 h 692"/>
+                <a:gd name="T16" fmla="*/ 777 w 785"/>
+                <a:gd name="T17" fmla="*/ 318 h 692"/>
+                <a:gd name="T18" fmla="*/ 777 w 785"/>
+                <a:gd name="T19" fmla="*/ 374 h 692"/>
+                <a:gd name="T20" fmla="*/ 609 w 785"/>
+                <a:gd name="T21" fmla="*/ 665 h 692"/>
+                <a:gd name="T22" fmla="*/ 561 w 785"/>
+                <a:gd name="T23" fmla="*/ 692 h 692"/>
+                <a:gd name="T24" fmla="*/ 225 w 785"/>
+                <a:gd name="T25" fmla="*/ 692 h 692"/>
+              </a:gdLst>
+              <a:ahLst/>
+              <a:cxnLst>
+                <a:cxn ang="0">
+                  <a:pos x="T0" y="T1"/>
+                </a:cxn>
+                <a:cxn ang="0">
+                  <a:pos x="T2" y="T3"/>
+                </a:cxn>
+                <a:cxn ang="0">
+                  <a:pos x="T4" y="T5"/>
+                </a:cxn>
+                <a:cxn ang="0">
+                  <a:pos x="T6" y="T7"/>
+                </a:cxn>
+                <a:cxn ang="0">
+                  <a:pos x="T8" y="T9"/>
+                </a:cxn>
+                <a:cxn ang="0">
+                  <a:pos x="T10" y="T11"/>
+                </a:cxn>
+                <a:cxn ang="0">
+                  <a:pos x="T12" y="T13"/>
+                </a:cxn>
+                <a:cxn ang="0">
+                  <a:pos x="T14" y="T15"/>
+                </a:cxn>
+                <a:cxn ang="0">
+                  <a:pos x="T16" y="T17"/>
+                </a:cxn>
+                <a:cxn ang="0">
+                  <a:pos x="T18" y="T19"/>
+                </a:cxn>
+                <a:cxn ang="0">
+                  <a:pos x="T20" y="T21"/>
+                </a:cxn>
+                <a:cxn ang="0">
+                  <a:pos x="T22" y="T23"/>
+                </a:cxn>
+                <a:cxn ang="0">
+                  <a:pos x="T24" y="T25"/>
+                </a:cxn>
+              </a:cxnLst>
+              <a:rect l="0" t="0" r="r" b="b"/>
+              <a:pathLst>
+                <a:path w="785" h="692">
+                  <a:moveTo>
+                    <a:pt x="225" y="692"/>
+                  </a:moveTo>
+                  <a:cubicBezTo>
+                    <a:pt x="207" y="692"/>
+                    <a:pt x="185" y="680"/>
+                    <a:pt x="177" y="665"/>
+                  </a:cubicBezTo>
+                  <a:cubicBezTo>
+                    <a:pt x="9" y="374"/>
+                    <a:pt x="9" y="374"/>
+                    <a:pt x="9" y="374"/>
+                  </a:cubicBezTo>
+                  <a:cubicBezTo>
+                    <a:pt x="0" y="358"/>
+                    <a:pt x="0" y="334"/>
+                    <a:pt x="9" y="318"/>
+                  </a:cubicBezTo>
+                  <a:cubicBezTo>
+                    <a:pt x="177" y="27"/>
+                    <a:pt x="177" y="27"/>
+                    <a:pt x="177" y="27"/>
+                  </a:cubicBezTo>
+                  <a:cubicBezTo>
+                    <a:pt x="185" y="12"/>
+                    <a:pt x="207" y="0"/>
+                    <a:pt x="225" y="0"/>
+                  </a:cubicBezTo>
+                  <a:cubicBezTo>
+                    <a:pt x="561" y="0"/>
+                    <a:pt x="561" y="0"/>
+                    <a:pt x="561" y="0"/>
+                  </a:cubicBezTo>
+                  <a:cubicBezTo>
+                    <a:pt x="578" y="0"/>
+                    <a:pt x="600" y="12"/>
+                    <a:pt x="609" y="27"/>
+                  </a:cubicBezTo>
+                  <a:cubicBezTo>
+                    <a:pt x="777" y="318"/>
+                    <a:pt x="777" y="318"/>
+                    <a:pt x="777" y="318"/>
+                  </a:cubicBezTo>
+                  <a:cubicBezTo>
+                    <a:pt x="785" y="334"/>
+                    <a:pt x="785" y="358"/>
+                    <a:pt x="777" y="374"/>
+                  </a:cubicBezTo>
+                  <a:cubicBezTo>
+                    <a:pt x="609" y="665"/>
+                    <a:pt x="609" y="665"/>
+                    <a:pt x="609" y="665"/>
+                  </a:cubicBezTo>
+                  <a:cubicBezTo>
+                    <a:pt x="600" y="680"/>
+                    <a:pt x="578" y="692"/>
+                    <a:pt x="561" y="692"/>
+                  </a:cubicBezTo>
+                  <a:lnTo>
+                    <a:pt x="225" y="692"/>
+                  </a:lnTo>
+                  <a:close/>
+                </a:path>
+              </a:pathLst>
+            </a:custGeom>
+            <a:noFill/>
+            <a:ln w="28575" cmpd="sng">
+              <a:solidFill>
+                <a:schemeClr val="bg1"/>
+              </a:solidFill>
+            </a:ln>
+          </p:spPr>
+          <p:txBody>
+            <a:bodyPr vert="horz" wrap="square" lIns="91440" tIns="45720" rIns="91440" bIns="45720" numCol="1" anchor="t" anchorCtr="0" compatLnSpc="1">
+              <a:prstTxWarp prst="textNoShape">
+                <a:avLst/>
+              </a:prstTxWarp>
+            </a:bodyPr>
+            <a:lstStyle/>
+            <a:p>
+              <a:endParaRPr lang="en-US"/>
+            </a:p>
+          </p:txBody>
+        </p:sp>
+        <p:sp>
+          <p:nvSpPr>
+            <p:cNvPr id="62" name="Freeform 5">
+              <a:extLst>
+                <a:ext uri="{FF2B5EF4-FFF2-40B4-BE49-F238E27FC236}">
+                  <a16:creationId xmlns:a16="http://schemas.microsoft.com/office/drawing/2014/main" id="{196485F7-F277-4123-AC53-98EA4C858774}"/>
+                </a:ext>
+                <a:ext uri="{C183D7F6-B498-43B3-948B-1728B52AA6E4}">
+                  <adec:decorative xmlns:adec="http://schemas.microsoft.com/office/drawing/2017/decorative" val="1"/>
+                </a:ext>
+              </a:extLst>
+            </p:cNvPr>
+            <p:cNvSpPr>
+              <a:spLocks/>
+            </p:cNvSpPr>
+            <p:nvPr>
+              <p:extLst>
+                <p:ext uri="{386F3935-93C4-4BCD-93E2-E3B085C9AB24}">
+                  <p16:designElem xmlns:p16="http://schemas.microsoft.com/office/powerpoint/2015/main" val="1"/>
+                </p:ext>
+              </p:extLst>
+            </p:nvPr>
+          </p:nvSpPr>
+          <p:spPr bwMode="auto">
+            <a:xfrm>
+              <a:off x="1245893" y="1684057"/>
+              <a:ext cx="550492" cy="485306"/>
+            </a:xfrm>
+            <a:custGeom>
+              <a:avLst/>
+              <a:gdLst>
+                <a:gd name="T0" fmla="*/ 225 w 785"/>
+                <a:gd name="T1" fmla="*/ 692 h 692"/>
+                <a:gd name="T2" fmla="*/ 177 w 785"/>
+                <a:gd name="T3" fmla="*/ 665 h 692"/>
+                <a:gd name="T4" fmla="*/ 9 w 785"/>
+                <a:gd name="T5" fmla="*/ 374 h 692"/>
+                <a:gd name="T6" fmla="*/ 9 w 785"/>
+                <a:gd name="T7" fmla="*/ 318 h 692"/>
+                <a:gd name="T8" fmla="*/ 177 w 785"/>
+                <a:gd name="T9" fmla="*/ 27 h 692"/>
+                <a:gd name="T10" fmla="*/ 225 w 785"/>
+                <a:gd name="T11" fmla="*/ 0 h 692"/>
+                <a:gd name="T12" fmla="*/ 561 w 785"/>
+                <a:gd name="T13" fmla="*/ 0 h 692"/>
+                <a:gd name="T14" fmla="*/ 609 w 785"/>
+                <a:gd name="T15" fmla="*/ 27 h 692"/>
+                <a:gd name="T16" fmla="*/ 777 w 785"/>
+                <a:gd name="T17" fmla="*/ 318 h 692"/>
+                <a:gd name="T18" fmla="*/ 777 w 785"/>
+                <a:gd name="T19" fmla="*/ 374 h 692"/>
+                <a:gd name="T20" fmla="*/ 609 w 785"/>
+                <a:gd name="T21" fmla="*/ 665 h 692"/>
+                <a:gd name="T22" fmla="*/ 561 w 785"/>
+                <a:gd name="T23" fmla="*/ 692 h 692"/>
+                <a:gd name="T24" fmla="*/ 225 w 785"/>
+                <a:gd name="T25" fmla="*/ 692 h 692"/>
+              </a:gdLst>
+              <a:ahLst/>
+              <a:cxnLst>
+                <a:cxn ang="0">
+                  <a:pos x="T0" y="T1"/>
+                </a:cxn>
+                <a:cxn ang="0">
+                  <a:pos x="T2" y="T3"/>
+                </a:cxn>
+                <a:cxn ang="0">
+                  <a:pos x="T4" y="T5"/>
+                </a:cxn>
+                <a:cxn ang="0">
+                  <a:pos x="T6" y="T7"/>
+                </a:cxn>
+                <a:cxn ang="0">
+                  <a:pos x="T8" y="T9"/>
+                </a:cxn>
+                <a:cxn ang="0">
+                  <a:pos x="T10" y="T11"/>
+                </a:cxn>
+                <a:cxn ang="0">
+                  <a:pos x="T12" y="T13"/>
+                </a:cxn>
+                <a:cxn ang="0">
+                  <a:pos x="T14" y="T15"/>
+                </a:cxn>
+                <a:cxn ang="0">
+                  <a:pos x="T16" y="T17"/>
+                </a:cxn>
+                <a:cxn ang="0">
+                  <a:pos x="T18" y="T19"/>
+                </a:cxn>
+                <a:cxn ang="0">
+                  <a:pos x="T20" y="T21"/>
+                </a:cxn>
+                <a:cxn ang="0">
+                  <a:pos x="T22" y="T23"/>
+                </a:cxn>
+                <a:cxn ang="0">
+                  <a:pos x="T24" y="T25"/>
+                </a:cxn>
+              </a:cxnLst>
+              <a:rect l="0" t="0" r="r" b="b"/>
+              <a:pathLst>
+                <a:path w="785" h="692">
+                  <a:moveTo>
+                    <a:pt x="225" y="692"/>
+                  </a:moveTo>
+                  <a:cubicBezTo>
+                    <a:pt x="207" y="692"/>
+                    <a:pt x="185" y="680"/>
+                    <a:pt x="177" y="665"/>
+                  </a:cubicBezTo>
+                  <a:cubicBezTo>
+                    <a:pt x="9" y="374"/>
+                    <a:pt x="9" y="374"/>
+                    <a:pt x="9" y="374"/>
+                  </a:cubicBezTo>
+                  <a:cubicBezTo>
+                    <a:pt x="0" y="358"/>
+                    <a:pt x="0" y="334"/>
+                    <a:pt x="9" y="318"/>
+                  </a:cubicBezTo>
+                  <a:cubicBezTo>
+                    <a:pt x="177" y="27"/>
+                    <a:pt x="177" y="27"/>
+                    <a:pt x="177" y="27"/>
+                  </a:cubicBezTo>
+                  <a:cubicBezTo>
+                    <a:pt x="185" y="12"/>
+                    <a:pt x="207" y="0"/>
+                    <a:pt x="225" y="0"/>
+                  </a:cubicBezTo>
+                  <a:cubicBezTo>
+                    <a:pt x="561" y="0"/>
+                    <a:pt x="561" y="0"/>
+                    <a:pt x="561" y="0"/>
+                  </a:cubicBezTo>
+                  <a:cubicBezTo>
+                    <a:pt x="578" y="0"/>
+                    <a:pt x="600" y="12"/>
+                    <a:pt x="609" y="27"/>
+                  </a:cubicBezTo>
+                  <a:cubicBezTo>
+                    <a:pt x="777" y="318"/>
+                    <a:pt x="777" y="318"/>
+                    <a:pt x="777" y="318"/>
+                  </a:cubicBezTo>
+                  <a:cubicBezTo>
+                    <a:pt x="785" y="334"/>
+                    <a:pt x="785" y="358"/>
+                    <a:pt x="777" y="374"/>
+                  </a:cubicBezTo>
+                  <a:cubicBezTo>
+                    <a:pt x="609" y="665"/>
+                    <a:pt x="609" y="665"/>
+                    <a:pt x="609" y="665"/>
+                  </a:cubicBezTo>
+                  <a:cubicBezTo>
+                    <a:pt x="600" y="680"/>
+                    <a:pt x="578" y="692"/>
+                    <a:pt x="561" y="692"/>
+                  </a:cubicBezTo>
+                  <a:lnTo>
+                    <a:pt x="225" y="692"/>
+                  </a:lnTo>
+                  <a:close/>
+                </a:path>
+              </a:pathLst>
+            </a:custGeom>
+            <a:noFill/>
+            <a:ln w="28575" cmpd="sng">
+              <a:solidFill>
+                <a:schemeClr val="bg1"/>
+              </a:solidFill>
+            </a:ln>
+          </p:spPr>
+          <p:txBody>
+            <a:bodyPr vert="horz" wrap="square" lIns="91440" tIns="45720" rIns="91440" bIns="45720" numCol="1" anchor="t" anchorCtr="0" compatLnSpc="1">
+              <a:prstTxWarp prst="textNoShape">
+                <a:avLst/>
+              </a:prstTxWarp>
+            </a:bodyPr>
+            <a:lstStyle/>
+            <a:p>
+              <a:endParaRPr lang="en-US"/>
+            </a:p>
+          </p:txBody>
+        </p:sp>
+      </p:grpSp>
+      <p:sp>
+        <p:nvSpPr>
+          <p:cNvPr id="13" name="Content Placeholder 12">
+            <a:extLst>
+              <a:ext uri="{FF2B5EF4-FFF2-40B4-BE49-F238E27FC236}">
+                <a16:creationId xmlns:a16="http://schemas.microsoft.com/office/drawing/2014/main" id="{1CB7C1BF-B960-4C67-9AD6-BAA09BC1CB86}"/>
+              </a:ext>
+            </a:extLst>
+          </p:cNvPr>
+          <p:cNvSpPr>
+            <a:spLocks noGrp="1"/>
+          </p:cNvSpPr>
+          <p:nvPr>
+            <p:ph idx="1"/>
+          </p:nvPr>
+        </p:nvSpPr>
+        <p:spPr>
+          <a:xfrm>
+            <a:off x="767290" y="3383121"/>
+            <a:ext cx="3582072" cy="2793251"/>
+          </a:xfrm>
+        </p:spPr>
+        <p:txBody>
+          <a:bodyPr vert="horz" lIns="91440" tIns="45720" rIns="91440" bIns="45720" rtlCol="0" anchor="t">
+            <a:normAutofit/>
+          </a:bodyPr>
+          <a:lstStyle/>
+          <a:p>
+            <a:r>
+              <a:rPr lang="en-US" sz="2000" kern="1200">
+                <a:solidFill>
+                  <a:schemeClr val="bg1"/>
+                </a:solidFill>
+                <a:latin typeface="+mn-lt"/>
+                <a:ea typeface="+mn-ea"/>
+                <a:cs typeface="+mn-cs"/>
+              </a:rPr>
+              <a:t>Nearly 2/3 of offenses by Hispanic offenders are not violent or drug related</a:t>
+            </a:r>
+          </a:p>
+        </p:txBody>
+      </p:sp>
+      <p:pic>
+        <p:nvPicPr>
+          <p:cNvPr id="4" name="Picture 3">
+            <a:extLst>
+              <a:ext uri="{FF2B5EF4-FFF2-40B4-BE49-F238E27FC236}">
+                <a16:creationId xmlns:a16="http://schemas.microsoft.com/office/drawing/2014/main" id="{A109D790-5985-4C94-A04A-AD15ED0F9360}"/>
+              </a:ext>
+            </a:extLst>
+          </p:cNvPr>
+          <p:cNvPicPr>
+            <a:picLocks noChangeAspect="1"/>
+          </p:cNvPicPr>
+          <p:nvPr/>
+        </p:nvPicPr>
+        <p:blipFill>
+          <a:blip r:embed="rId2">
+            <a:extLst>
+              <a:ext uri="{28A0092B-C50C-407E-A947-70E740481C1C}">
+                <a14:useLocalDpi xmlns:a14="http://schemas.microsoft.com/office/drawing/2010/main" val="0"/>
+              </a:ext>
+            </a:extLst>
+          </a:blip>
+          <a:stretch/>
+        </p:blipFill>
+        <p:spPr>
+          <a:xfrm>
+            <a:off x="5171779" y="903730"/>
+            <a:ext cx="6532278" cy="4472307"/>
+          </a:xfrm>
+          <a:prstGeom prst="rect">
+            <a:avLst/>
+          </a:prstGeom>
+        </p:spPr>
+      </p:pic>
+      <p:sp>
+        <p:nvSpPr>
+          <p:cNvPr id="6" name="TextBox 5">
+            <a:extLst>
+              <a:ext uri="{FF2B5EF4-FFF2-40B4-BE49-F238E27FC236}">
+                <a16:creationId xmlns:a16="http://schemas.microsoft.com/office/drawing/2014/main" id="{BFB73E54-CAF3-46A3-84CA-80000E83C654}"/>
+              </a:ext>
+            </a:extLst>
+          </p:cNvPr>
+          <p:cNvSpPr txBox="1"/>
+          <p:nvPr/>
+        </p:nvSpPr>
+        <p:spPr>
+          <a:xfrm>
+            <a:off x="6096000" y="514169"/>
+            <a:ext cx="3450672" cy="369332"/>
+          </a:xfrm>
+          <a:prstGeom prst="rect">
+            <a:avLst/>
+          </a:prstGeom>
+          <a:noFill/>
+        </p:spPr>
+        <p:txBody>
+          <a:bodyPr wrap="square" rtlCol="0">
+            <a:spAutoFit/>
+          </a:bodyPr>
+          <a:lstStyle/>
+          <a:p>
+            <a:pPr algn="ctr">
+              <a:spcAft>
+                <a:spcPts val="600"/>
+              </a:spcAft>
+            </a:pPr>
+            <a:r>
+              <a:rPr lang="en-US" dirty="0"/>
+              <a:t>Hispanic Sentencing Population</a:t>
+            </a:r>
+            <a:endParaRPr lang="en-US"/>
+          </a:p>
+        </p:txBody>
+      </p:sp>
+    </p:spTree>
+    <p:extLst>
+      <p:ext uri="{BB962C8B-B14F-4D97-AF65-F5344CB8AC3E}">
+        <p14:creationId xmlns:p14="http://schemas.microsoft.com/office/powerpoint/2010/main" val="3305386387"/>
+      </p:ext>
+    </p:extLst>
+  </p:cSld>
+  <p:clrMapOvr>
+    <a:masterClrMapping/>
+  </p:clrMapOvr>
+</p:sld>
+</file>
+
+<file path=ppt/slides/slide12.xml><?xml version="1.0" encoding="utf-8"?>
+<p:sld xmlns:a="http://schemas.openxmlformats.org/drawingml/2006/main" xmlns:r="http://schemas.openxmlformats.org/officeDocument/2006/relationships" xmlns:p="http://schemas.openxmlformats.org/presentationml/2006/main">
+  <p:cSld>
+    <p:bg>
+      <p:bgPr>
+        <a:solidFill>
+          <a:schemeClr val="bg1"/>
+        </a:solidFill>
+        <a:effectLst/>
+      </p:bgPr>
+    </p:bg>
+    <p:spTree>
+      <p:nvGrpSpPr>
+        <p:cNvPr id="1" name=""/>
+        <p:cNvGrpSpPr/>
+        <p:nvPr/>
+      </p:nvGrpSpPr>
+      <p:grpSpPr>
+        <a:xfrm>
+          <a:off x="0" y="0"/>
+          <a:ext cx="0" cy="0"/>
+          <a:chOff x="0" y="0"/>
+          <a:chExt cx="0" cy="0"/>
+        </a:xfrm>
+      </p:grpSpPr>
+      <p:sp useBgFill="1">
+        <p:nvSpPr>
+          <p:cNvPr id="20" name="Rectangle 19">
+            <a:extLst>
+              <a:ext uri="{FF2B5EF4-FFF2-40B4-BE49-F238E27FC236}">
+                <a16:creationId xmlns:a16="http://schemas.microsoft.com/office/drawing/2014/main" id="{C475749F-F487-4EFB-ABC7-C1359590EB76}"/>
+              </a:ext>
+              <a:ext uri="{C183D7F6-B498-43B3-948B-1728B52AA6E4}">
+                <adec:decorative xmlns:adec="http://schemas.microsoft.com/office/drawing/2017/decorative" val="1"/>
+              </a:ext>
+            </a:extLst>
+          </p:cNvPr>
+          <p:cNvSpPr>
+            <a:spLocks noGrp="1" noRot="1" noChangeAspect="1" noMove="1" noResize="1" noEditPoints="1" noAdjustHandles="1" noChangeArrowheads="1" noChangeShapeType="1" noTextEdit="1"/>
+          </p:cNvSpPr>
+          <p:nvPr>
+            <p:extLst>
+              <p:ext uri="{386F3935-93C4-4BCD-93E2-E3B085C9AB24}">
+                <p16:designElem xmlns:p16="http://schemas.microsoft.com/office/powerpoint/2015/main" val="1"/>
+              </p:ext>
+            </p:extLst>
+          </p:nvPr>
+        </p:nvSpPr>
+        <p:spPr>
+          <a:xfrm>
+            <a:off x="0" y="0"/>
+            <a:ext cx="12192000" cy="6858000"/>
+          </a:xfrm>
+          <a:prstGeom prst="rect">
+            <a:avLst/>
+          </a:prstGeom>
+          <a:ln>
+            <a:noFill/>
+          </a:ln>
+        </p:spPr>
+        <p:style>
+          <a:lnRef idx="2">
+            <a:schemeClr val="accent1">
+              <a:shade val="50000"/>
+            </a:schemeClr>
+          </a:lnRef>
+          <a:fillRef idx="1">
+            <a:schemeClr val="accent1"/>
+          </a:fillRef>
+          <a:effectRef idx="0">
+            <a:schemeClr val="accent1"/>
+          </a:effectRef>
+          <a:fontRef idx="minor">
+            <a:schemeClr val="lt1"/>
+          </a:fontRef>
+        </p:style>
+        <p:txBody>
+          <a:bodyPr rtlCol="0" anchor="ctr"/>
+          <a:lstStyle/>
+          <a:p>
+            <a:pPr algn="ctr"/>
+            <a:endParaRPr lang="en-US"/>
+          </a:p>
+        </p:txBody>
+      </p:sp>
+      <p:sp>
+        <p:nvSpPr>
+          <p:cNvPr id="4" name="Title 3">
+            <a:extLst>
+              <a:ext uri="{FF2B5EF4-FFF2-40B4-BE49-F238E27FC236}">
+                <a16:creationId xmlns:a16="http://schemas.microsoft.com/office/drawing/2014/main" id="{BB2A1168-7759-4137-9142-9990CD1097B1}"/>
+              </a:ext>
+            </a:extLst>
+          </p:cNvPr>
+          <p:cNvSpPr>
+            <a:spLocks noGrp="1"/>
+          </p:cNvSpPr>
+          <p:nvPr>
+            <p:ph type="ctrTitle"/>
+          </p:nvPr>
+        </p:nvSpPr>
+        <p:spPr>
+          <a:xfrm>
+            <a:off x="880281" y="921452"/>
+            <a:ext cx="4985018" cy="3268639"/>
+          </a:xfrm>
+        </p:spPr>
+        <p:txBody>
+          <a:bodyPr anchor="b">
+            <a:normAutofit/>
+          </a:bodyPr>
+          <a:lstStyle/>
+          <a:p>
+            <a:pPr algn="l"/>
+            <a:r>
+              <a:rPr lang="en-US" sz="5000" dirty="0"/>
+              <a:t>Are people of color receiving longer sentences on average?</a:t>
+            </a:r>
+          </a:p>
+        </p:txBody>
+      </p:sp>
+      <p:sp>
+        <p:nvSpPr>
+          <p:cNvPr id="22" name="Freeform: Shape 21">
+            <a:extLst>
+              <a:ext uri="{FF2B5EF4-FFF2-40B4-BE49-F238E27FC236}">
+                <a16:creationId xmlns:a16="http://schemas.microsoft.com/office/drawing/2014/main" id="{16D6FAA8-41A5-46EA-A8AB-E9D2754A6F32}"/>
+              </a:ext>
+              <a:ext uri="{C183D7F6-B498-43B3-948B-1728B52AA6E4}">
+                <adec:decorative xmlns:adec="http://schemas.microsoft.com/office/drawing/2017/decorative" val="1"/>
+              </a:ext>
+            </a:extLst>
+          </p:cNvPr>
+          <p:cNvSpPr>
+            <a:spLocks noGrp="1" noRot="1" noChangeAspect="1" noMove="1" noResize="1" noEditPoints="1" noAdjustHandles="1" noChangeArrowheads="1" noChangeShapeType="1" noTextEdit="1"/>
+          </p:cNvSpPr>
+          <p:nvPr>
+            <p:extLst>
+              <p:ext uri="{386F3935-93C4-4BCD-93E2-E3B085C9AB24}">
+                <p16:designElem xmlns:p16="http://schemas.microsoft.com/office/powerpoint/2015/main" val="1"/>
+              </p:ext>
+            </p:extLst>
+          </p:nvPr>
+        </p:nvSpPr>
+        <p:spPr>
+          <a:xfrm>
+            <a:off x="6000601" y="1073777"/>
+            <a:ext cx="5623281" cy="4686943"/>
+          </a:xfrm>
+          <a:custGeom>
+            <a:avLst/>
+            <a:gdLst>
+              <a:gd name="connsiteX0" fmla="*/ 2768595 w 4574113"/>
+              <a:gd name="connsiteY0" fmla="*/ 2476119 h 3812472"/>
+              <a:gd name="connsiteX1" fmla="*/ 3374676 w 4574113"/>
+              <a:gd name="connsiteY1" fmla="*/ 2476119 h 3812472"/>
+              <a:gd name="connsiteX2" fmla="*/ 3403209 w 4574113"/>
+              <a:gd name="connsiteY2" fmla="*/ 2479909 h 3812472"/>
+              <a:gd name="connsiteX3" fmla="*/ 3422833 w 4574113"/>
+              <a:gd name="connsiteY3" fmla="*/ 2488137 h 3812472"/>
+              <a:gd name="connsiteX4" fmla="*/ 3410840 w 4574113"/>
+              <a:gd name="connsiteY4" fmla="*/ 2508879 h 3812472"/>
+              <a:gd name="connsiteX5" fmla="*/ 2985934 w 4574113"/>
+              <a:gd name="connsiteY5" fmla="*/ 3243764 h 3812472"/>
+              <a:gd name="connsiteX6" fmla="*/ 2732784 w 4574113"/>
+              <a:gd name="connsiteY6" fmla="*/ 3390890 h 3812472"/>
+              <a:gd name="connsiteX7" fmla="*/ 2529297 w 4574113"/>
+              <a:gd name="connsiteY7" fmla="*/ 3390890 h 3812472"/>
+              <a:gd name="connsiteX8" fmla="*/ 2505559 w 4574113"/>
+              <a:gd name="connsiteY8" fmla="*/ 3390890 h 3812472"/>
+              <a:gd name="connsiteX9" fmla="*/ 2482907 w 4574113"/>
+              <a:gd name="connsiteY9" fmla="*/ 3351884 h 3812472"/>
+              <a:gd name="connsiteX10" fmla="*/ 2371959 w 4574113"/>
+              <a:gd name="connsiteY10" fmla="*/ 3160822 h 3812472"/>
+              <a:gd name="connsiteX11" fmla="*/ 2371959 w 4574113"/>
+              <a:gd name="connsiteY11" fmla="*/ 3053878 h 3812472"/>
+              <a:gd name="connsiteX12" fmla="*/ 2675654 w 4574113"/>
+              <a:gd name="connsiteY12" fmla="*/ 2530895 h 3812472"/>
+              <a:gd name="connsiteX13" fmla="*/ 2768595 w 4574113"/>
+              <a:gd name="connsiteY13" fmla="*/ 2476119 h 3812472"/>
+              <a:gd name="connsiteX14" fmla="*/ 3909778 w 4574113"/>
+              <a:gd name="connsiteY14" fmla="*/ 676847 h 3812472"/>
+              <a:gd name="connsiteX15" fmla="*/ 4305516 w 4574113"/>
+              <a:gd name="connsiteY15" fmla="*/ 676847 h 3812472"/>
+              <a:gd name="connsiteX16" fmla="*/ 4367056 w 4574113"/>
+              <a:gd name="connsiteY16" fmla="*/ 712612 h 3812472"/>
+              <a:gd name="connsiteX17" fmla="*/ 4564498 w 4574113"/>
+              <a:gd name="connsiteY17" fmla="*/ 1054092 h 3812472"/>
+              <a:gd name="connsiteX18" fmla="*/ 4564498 w 4574113"/>
+              <a:gd name="connsiteY18" fmla="*/ 1123921 h 3812472"/>
+              <a:gd name="connsiteX19" fmla="*/ 4367056 w 4574113"/>
+              <a:gd name="connsiteY19" fmla="*/ 1465401 h 3812472"/>
+              <a:gd name="connsiteX20" fmla="*/ 4305516 w 4574113"/>
+              <a:gd name="connsiteY20" fmla="*/ 1501167 h 3812472"/>
+              <a:gd name="connsiteX21" fmla="*/ 3909778 w 4574113"/>
+              <a:gd name="connsiteY21" fmla="*/ 1501167 h 3812472"/>
+              <a:gd name="connsiteX22" fmla="*/ 3849091 w 4574113"/>
+              <a:gd name="connsiteY22" fmla="*/ 1465401 h 3812472"/>
+              <a:gd name="connsiteX23" fmla="*/ 3650795 w 4574113"/>
+              <a:gd name="connsiteY23" fmla="*/ 1123921 h 3812472"/>
+              <a:gd name="connsiteX24" fmla="*/ 3650795 w 4574113"/>
+              <a:gd name="connsiteY24" fmla="*/ 1054092 h 3812472"/>
+              <a:gd name="connsiteX25" fmla="*/ 3849091 w 4574113"/>
+              <a:gd name="connsiteY25" fmla="*/ 712612 h 3812472"/>
+              <a:gd name="connsiteX26" fmla="*/ 3909778 w 4574113"/>
+              <a:gd name="connsiteY26" fmla="*/ 676847 h 3812472"/>
+              <a:gd name="connsiteX27" fmla="*/ 1104892 w 4574113"/>
+              <a:gd name="connsiteY27" fmla="*/ 0 h 3812472"/>
+              <a:gd name="connsiteX28" fmla="*/ 2732784 w 4574113"/>
+              <a:gd name="connsiteY28" fmla="*/ 0 h 3812472"/>
+              <a:gd name="connsiteX29" fmla="*/ 2985934 w 4574113"/>
+              <a:gd name="connsiteY29" fmla="*/ 147125 h 3812472"/>
+              <a:gd name="connsiteX30" fmla="*/ 3798122 w 4574113"/>
+              <a:gd name="connsiteY30" fmla="*/ 1551823 h 3812472"/>
+              <a:gd name="connsiteX31" fmla="*/ 3798122 w 4574113"/>
+              <a:gd name="connsiteY31" fmla="*/ 1839068 h 3812472"/>
+              <a:gd name="connsiteX32" fmla="*/ 3496551 w 4574113"/>
+              <a:gd name="connsiteY32" fmla="*/ 2360642 h 3812472"/>
+              <a:gd name="connsiteX33" fmla="*/ 3471135 w 4574113"/>
+              <a:gd name="connsiteY33" fmla="*/ 2404597 h 3812472"/>
+              <a:gd name="connsiteX34" fmla="*/ 3472029 w 4574113"/>
+              <a:gd name="connsiteY34" fmla="*/ 2404972 h 3812472"/>
+              <a:gd name="connsiteX35" fmla="*/ 3516881 w 4574113"/>
+              <a:gd name="connsiteY35" fmla="*/ 2450209 h 3812472"/>
+              <a:gd name="connsiteX36" fmla="*/ 3857970 w 4574113"/>
+              <a:gd name="connsiteY36" fmla="*/ 3040131 h 3812472"/>
+              <a:gd name="connsiteX37" fmla="*/ 3857970 w 4574113"/>
+              <a:gd name="connsiteY37" fmla="*/ 3160764 h 3812472"/>
+              <a:gd name="connsiteX38" fmla="*/ 3516881 w 4574113"/>
+              <a:gd name="connsiteY38" fmla="*/ 3750684 h 3812472"/>
+              <a:gd name="connsiteX39" fmla="*/ 3410567 w 4574113"/>
+              <a:gd name="connsiteY39" fmla="*/ 3812472 h 3812472"/>
+              <a:gd name="connsiteX40" fmla="*/ 2726911 w 4574113"/>
+              <a:gd name="connsiteY40" fmla="*/ 3812472 h 3812472"/>
+              <a:gd name="connsiteX41" fmla="*/ 2622074 w 4574113"/>
+              <a:gd name="connsiteY41" fmla="*/ 3750684 h 3812472"/>
+              <a:gd name="connsiteX42" fmla="*/ 2438330 w 4574113"/>
+              <a:gd name="connsiteY42" fmla="*/ 3434265 h 3812472"/>
+              <a:gd name="connsiteX43" fmla="*/ 2417573 w 4574113"/>
+              <a:gd name="connsiteY43" fmla="*/ 3398519 h 3812472"/>
+              <a:gd name="connsiteX44" fmla="*/ 2433905 w 4574113"/>
+              <a:gd name="connsiteY44" fmla="*/ 3398519 h 3812472"/>
+              <a:gd name="connsiteX45" fmla="*/ 2511101 w 4574113"/>
+              <a:gd name="connsiteY45" fmla="*/ 3398519 h 3812472"/>
+              <a:gd name="connsiteX46" fmla="*/ 2544636 w 4574113"/>
+              <a:gd name="connsiteY46" fmla="*/ 3456269 h 3812472"/>
+              <a:gd name="connsiteX47" fmla="*/ 2672757 w 4574113"/>
+              <a:gd name="connsiteY47" fmla="*/ 3676902 h 3812472"/>
+              <a:gd name="connsiteX48" fmla="*/ 2765699 w 4574113"/>
+              <a:gd name="connsiteY48" fmla="*/ 3731679 h 3812472"/>
+              <a:gd name="connsiteX49" fmla="*/ 3371780 w 4574113"/>
+              <a:gd name="connsiteY49" fmla="*/ 3731679 h 3812472"/>
+              <a:gd name="connsiteX50" fmla="*/ 3466029 w 4574113"/>
+              <a:gd name="connsiteY50" fmla="*/ 3676902 h 3812472"/>
+              <a:gd name="connsiteX51" fmla="*/ 3768415 w 4574113"/>
+              <a:gd name="connsiteY51" fmla="*/ 3153920 h 3812472"/>
+              <a:gd name="connsiteX52" fmla="*/ 3768415 w 4574113"/>
+              <a:gd name="connsiteY52" fmla="*/ 3046975 h 3812472"/>
+              <a:gd name="connsiteX53" fmla="*/ 3466029 w 4574113"/>
+              <a:gd name="connsiteY53" fmla="*/ 2523992 h 3812472"/>
+              <a:gd name="connsiteX54" fmla="*/ 3426268 w 4574113"/>
+              <a:gd name="connsiteY54" fmla="*/ 2483888 h 3812472"/>
+              <a:gd name="connsiteX55" fmla="*/ 3421667 w 4574113"/>
+              <a:gd name="connsiteY55" fmla="*/ 2481960 h 3812472"/>
+              <a:gd name="connsiteX56" fmla="*/ 3446331 w 4574113"/>
+              <a:gd name="connsiteY56" fmla="*/ 2439303 h 3812472"/>
+              <a:gd name="connsiteX57" fmla="*/ 3464674 w 4574113"/>
+              <a:gd name="connsiteY57" fmla="*/ 2407578 h 3812472"/>
+              <a:gd name="connsiteX58" fmla="*/ 3445649 w 4574113"/>
+              <a:gd name="connsiteY58" fmla="*/ 2399601 h 3812472"/>
+              <a:gd name="connsiteX59" fmla="*/ 3413464 w 4574113"/>
+              <a:gd name="connsiteY59" fmla="*/ 2395325 h 3812472"/>
+              <a:gd name="connsiteX60" fmla="*/ 2729808 w 4574113"/>
+              <a:gd name="connsiteY60" fmla="*/ 2395325 h 3812472"/>
+              <a:gd name="connsiteX61" fmla="*/ 2624971 w 4574113"/>
+              <a:gd name="connsiteY61" fmla="*/ 2457112 h 3812472"/>
+              <a:gd name="connsiteX62" fmla="*/ 2282405 w 4574113"/>
+              <a:gd name="connsiteY62" fmla="*/ 3047034 h 3812472"/>
+              <a:gd name="connsiteX63" fmla="*/ 2282405 w 4574113"/>
+              <a:gd name="connsiteY63" fmla="*/ 3167666 h 3812472"/>
+              <a:gd name="connsiteX64" fmla="*/ 2395478 w 4574113"/>
+              <a:gd name="connsiteY64" fmla="*/ 3362386 h 3812472"/>
+              <a:gd name="connsiteX65" fmla="*/ 2412031 w 4574113"/>
+              <a:gd name="connsiteY65" fmla="*/ 3390890 h 3812472"/>
+              <a:gd name="connsiteX66" fmla="*/ 2335350 w 4574113"/>
+              <a:gd name="connsiteY66" fmla="*/ 3390890 h 3812472"/>
+              <a:gd name="connsiteX67" fmla="*/ 1104892 w 4574113"/>
+              <a:gd name="connsiteY67" fmla="*/ 3390890 h 3812472"/>
+              <a:gd name="connsiteX68" fmla="*/ 855258 w 4574113"/>
+              <a:gd name="connsiteY68" fmla="*/ 3243764 h 3812472"/>
+              <a:gd name="connsiteX69" fmla="*/ 39555 w 4574113"/>
+              <a:gd name="connsiteY69" fmla="*/ 1839068 h 3812472"/>
+              <a:gd name="connsiteX70" fmla="*/ 39555 w 4574113"/>
+              <a:gd name="connsiteY70" fmla="*/ 1551823 h 3812472"/>
+              <a:gd name="connsiteX71" fmla="*/ 855258 w 4574113"/>
+              <a:gd name="connsiteY71" fmla="*/ 147125 h 3812472"/>
+              <a:gd name="connsiteX72" fmla="*/ 1104892 w 4574113"/>
+              <a:gd name="connsiteY72" fmla="*/ 0 h 3812472"/>
+            </a:gdLst>
+            <a:ahLst/>
+            <a:cxnLst>
+              <a:cxn ang="0">
+                <a:pos x="connsiteX0" y="connsiteY0"/>
+              </a:cxn>
+              <a:cxn ang="0">
+                <a:pos x="connsiteX1" y="connsiteY1"/>
+              </a:cxn>
+              <a:cxn ang="0">
+                <a:pos x="connsiteX2" y="connsiteY2"/>
+              </a:cxn>
+              <a:cxn ang="0">
+                <a:pos x="connsiteX3" y="connsiteY3"/>
+              </a:cxn>
+              <a:cxn ang="0">
+                <a:pos x="connsiteX4" y="connsiteY4"/>
+              </a:cxn>
+              <a:cxn ang="0">
+                <a:pos x="connsiteX5" y="connsiteY5"/>
+              </a:cxn>
+              <a:cxn ang="0">
+                <a:pos x="connsiteX6" y="connsiteY6"/>
+              </a:cxn>
+              <a:cxn ang="0">
+                <a:pos x="connsiteX7" y="connsiteY7"/>
+              </a:cxn>
+              <a:cxn ang="0">
+                <a:pos x="connsiteX8" y="connsiteY8"/>
+              </a:cxn>
+              <a:cxn ang="0">
+                <a:pos x="connsiteX9" y="connsiteY9"/>
+              </a:cxn>
+              <a:cxn ang="0">
+                <a:pos x="connsiteX10" y="connsiteY10"/>
+              </a:cxn>
+              <a:cxn ang="0">
+                <a:pos x="connsiteX11" y="connsiteY11"/>
+              </a:cxn>
+              <a:cxn ang="0">
+                <a:pos x="connsiteX12" y="connsiteY12"/>
+              </a:cxn>
+              <a:cxn ang="0">
+                <a:pos x="connsiteX13" y="connsiteY13"/>
+              </a:cxn>
+              <a:cxn ang="0">
+                <a:pos x="connsiteX14" y="connsiteY14"/>
+              </a:cxn>
+              <a:cxn ang="0">
+                <a:pos x="connsiteX15" y="connsiteY15"/>
+              </a:cxn>
+              <a:cxn ang="0">
+                <a:pos x="connsiteX16" y="connsiteY16"/>
+              </a:cxn>
+              <a:cxn ang="0">
+                <a:pos x="connsiteX17" y="connsiteY17"/>
+              </a:cxn>
+              <a:cxn ang="0">
+                <a:pos x="connsiteX18" y="connsiteY18"/>
+              </a:cxn>
+              <a:cxn ang="0">
+                <a:pos x="connsiteX19" y="connsiteY19"/>
+              </a:cxn>
+              <a:cxn ang="0">
+                <a:pos x="connsiteX20" y="connsiteY20"/>
+              </a:cxn>
+              <a:cxn ang="0">
+                <a:pos x="connsiteX21" y="connsiteY21"/>
+              </a:cxn>
+              <a:cxn ang="0">
+                <a:pos x="connsiteX22" y="connsiteY22"/>
+              </a:cxn>
+              <a:cxn ang="0">
+                <a:pos x="connsiteX23" y="connsiteY23"/>
+              </a:cxn>
+              <a:cxn ang="0">
+                <a:pos x="connsiteX24" y="connsiteY24"/>
+              </a:cxn>
+              <a:cxn ang="0">
+                <a:pos x="connsiteX25" y="connsiteY25"/>
+              </a:cxn>
+              <a:cxn ang="0">
+                <a:pos x="connsiteX26" y="connsiteY26"/>
+              </a:cxn>
+              <a:cxn ang="0">
+                <a:pos x="connsiteX27" y="connsiteY27"/>
+              </a:cxn>
+              <a:cxn ang="0">
+                <a:pos x="connsiteX28" y="connsiteY28"/>
+              </a:cxn>
+              <a:cxn ang="0">
+                <a:pos x="connsiteX29" y="connsiteY29"/>
+              </a:cxn>
+              <a:cxn ang="0">
+                <a:pos x="connsiteX30" y="connsiteY30"/>
+              </a:cxn>
+              <a:cxn ang="0">
+                <a:pos x="connsiteX31" y="connsiteY31"/>
+              </a:cxn>
+              <a:cxn ang="0">
+                <a:pos x="connsiteX32" y="connsiteY32"/>
+              </a:cxn>
+              <a:cxn ang="0">
+                <a:pos x="connsiteX33" y="connsiteY33"/>
+              </a:cxn>
+              <a:cxn ang="0">
+                <a:pos x="connsiteX34" y="connsiteY34"/>
+              </a:cxn>
+              <a:cxn ang="0">
+                <a:pos x="connsiteX35" y="connsiteY35"/>
+              </a:cxn>
+              <a:cxn ang="0">
+                <a:pos x="connsiteX36" y="connsiteY36"/>
+              </a:cxn>
+              <a:cxn ang="0">
+                <a:pos x="connsiteX37" y="connsiteY37"/>
+              </a:cxn>
+              <a:cxn ang="0">
+                <a:pos x="connsiteX38" y="connsiteY38"/>
+              </a:cxn>
+              <a:cxn ang="0">
+                <a:pos x="connsiteX39" y="connsiteY39"/>
+              </a:cxn>
+              <a:cxn ang="0">
+                <a:pos x="connsiteX40" y="connsiteY40"/>
+              </a:cxn>
+              <a:cxn ang="0">
+                <a:pos x="connsiteX41" y="connsiteY41"/>
+              </a:cxn>
+              <a:cxn ang="0">
+                <a:pos x="connsiteX42" y="connsiteY42"/>
+              </a:cxn>
+              <a:cxn ang="0">
+                <a:pos x="connsiteX43" y="connsiteY43"/>
+              </a:cxn>
+              <a:cxn ang="0">
+                <a:pos x="connsiteX44" y="connsiteY44"/>
+              </a:cxn>
+              <a:cxn ang="0">
+                <a:pos x="connsiteX45" y="connsiteY45"/>
+              </a:cxn>
+              <a:cxn ang="0">
+                <a:pos x="connsiteX46" y="connsiteY46"/>
+              </a:cxn>
+              <a:cxn ang="0">
+                <a:pos x="connsiteX47" y="connsiteY47"/>
+              </a:cxn>
+              <a:cxn ang="0">
+                <a:pos x="connsiteX48" y="connsiteY48"/>
+              </a:cxn>
+              <a:cxn ang="0">
+                <a:pos x="connsiteX49" y="connsiteY49"/>
+              </a:cxn>
+              <a:cxn ang="0">
+                <a:pos x="connsiteX50" y="connsiteY50"/>
+              </a:cxn>
+              <a:cxn ang="0">
+                <a:pos x="connsiteX51" y="connsiteY51"/>
+              </a:cxn>
+              <a:cxn ang="0">
+                <a:pos x="connsiteX52" y="connsiteY52"/>
+              </a:cxn>
+              <a:cxn ang="0">
+                <a:pos x="connsiteX53" y="connsiteY53"/>
+              </a:cxn>
+              <a:cxn ang="0">
+                <a:pos x="connsiteX54" y="connsiteY54"/>
+              </a:cxn>
+              <a:cxn ang="0">
+                <a:pos x="connsiteX55" y="connsiteY55"/>
+              </a:cxn>
+              <a:cxn ang="0">
+                <a:pos x="connsiteX56" y="connsiteY56"/>
+              </a:cxn>
+              <a:cxn ang="0">
+                <a:pos x="connsiteX57" y="connsiteY57"/>
+              </a:cxn>
+              <a:cxn ang="0">
+                <a:pos x="connsiteX58" y="connsiteY58"/>
+              </a:cxn>
+              <a:cxn ang="0">
+                <a:pos x="connsiteX59" y="connsiteY59"/>
+              </a:cxn>
+              <a:cxn ang="0">
+                <a:pos x="connsiteX60" y="connsiteY60"/>
+              </a:cxn>
+              <a:cxn ang="0">
+                <a:pos x="connsiteX61" y="connsiteY61"/>
+              </a:cxn>
+              <a:cxn ang="0">
+                <a:pos x="connsiteX62" y="connsiteY62"/>
+              </a:cxn>
+              <a:cxn ang="0">
+                <a:pos x="connsiteX63" y="connsiteY63"/>
+              </a:cxn>
+              <a:cxn ang="0">
+                <a:pos x="connsiteX64" y="connsiteY64"/>
+              </a:cxn>
+              <a:cxn ang="0">
+                <a:pos x="connsiteX65" y="connsiteY65"/>
+              </a:cxn>
+              <a:cxn ang="0">
+                <a:pos x="connsiteX66" y="connsiteY66"/>
+              </a:cxn>
+              <a:cxn ang="0">
+                <a:pos x="connsiteX67" y="connsiteY67"/>
+              </a:cxn>
+              <a:cxn ang="0">
+                <a:pos x="connsiteX68" y="connsiteY68"/>
+              </a:cxn>
+              <a:cxn ang="0">
+                <a:pos x="connsiteX69" y="connsiteY69"/>
+              </a:cxn>
+              <a:cxn ang="0">
+                <a:pos x="connsiteX70" y="connsiteY70"/>
+              </a:cxn>
+              <a:cxn ang="0">
+                <a:pos x="connsiteX71" y="connsiteY71"/>
+              </a:cxn>
+              <a:cxn ang="0">
+                <a:pos x="connsiteX72" y="connsiteY72"/>
+              </a:cxn>
+            </a:cxnLst>
+            <a:rect l="l" t="t" r="r" b="b"/>
+            <a:pathLst>
+              <a:path w="4574113" h="3812472">
+                <a:moveTo>
+                  <a:pt x="2768595" y="2476119"/>
+                </a:moveTo>
+                <a:cubicBezTo>
+                  <a:pt x="2768595" y="2476119"/>
+                  <a:pt x="2768595" y="2476119"/>
+                  <a:pt x="3374676" y="2476119"/>
+                </a:cubicBezTo>
+                <a:cubicBezTo>
+                  <a:pt x="3384493" y="2476119"/>
+                  <a:pt x="3394066" y="2477423"/>
+                  <a:pt x="3403209" y="2479909"/>
+                </a:cubicBezTo>
+                <a:lnTo>
+                  <a:pt x="3422833" y="2488137"/>
+                </a:lnTo>
+                <a:lnTo>
+                  <a:pt x="3410840" y="2508879"/>
+                </a:lnTo>
+                <a:cubicBezTo>
+                  <a:pt x="3302401" y="2696426"/>
+                  <a:pt x="3163600" y="2936487"/>
+                  <a:pt x="2985934" y="3243764"/>
+                </a:cubicBezTo>
+                <a:cubicBezTo>
+                  <a:pt x="2933195" y="3334842"/>
+                  <a:pt x="2838263" y="3390890"/>
+                  <a:pt x="2732784" y="3390890"/>
+                </a:cubicBezTo>
+                <a:cubicBezTo>
+                  <a:pt x="2732784" y="3390890"/>
+                  <a:pt x="2732784" y="3390890"/>
+                  <a:pt x="2529297" y="3390890"/>
+                </a:cubicBezTo>
+                <a:lnTo>
+                  <a:pt x="2505559" y="3390890"/>
+                </a:lnTo>
+                <a:lnTo>
+                  <a:pt x="2482907" y="3351884"/>
+                </a:lnTo>
+                <a:cubicBezTo>
+                  <a:pt x="2451367" y="3297569"/>
+                  <a:pt x="2414666" y="3234367"/>
+                  <a:pt x="2371959" y="3160822"/>
+                </a:cubicBezTo>
+                <a:cubicBezTo>
+                  <a:pt x="2352324" y="3128217"/>
+                  <a:pt x="2352324" y="3086483"/>
+                  <a:pt x="2371959" y="3053878"/>
+                </a:cubicBezTo>
+                <a:cubicBezTo>
+                  <a:pt x="2371959" y="3053878"/>
+                  <a:pt x="2371959" y="3053878"/>
+                  <a:pt x="2675654" y="2530895"/>
+                </a:cubicBezTo>
+                <a:cubicBezTo>
+                  <a:pt x="2693981" y="2496986"/>
+                  <a:pt x="2730633" y="2476119"/>
+                  <a:pt x="2768595" y="2476119"/>
+                </a:cubicBezTo>
+                <a:close/>
+                <a:moveTo>
+                  <a:pt x="3909778" y="676847"/>
+                </a:moveTo>
+                <a:cubicBezTo>
+                  <a:pt x="3909778" y="676847"/>
+                  <a:pt x="3909778" y="676847"/>
+                  <a:pt x="4305516" y="676847"/>
+                </a:cubicBezTo>
+                <a:cubicBezTo>
+                  <a:pt x="4331158" y="676847"/>
+                  <a:pt x="4354235" y="690472"/>
+                  <a:pt x="4367056" y="712612"/>
+                </a:cubicBezTo>
+                <a:cubicBezTo>
+                  <a:pt x="4367056" y="712612"/>
+                  <a:pt x="4367056" y="712612"/>
+                  <a:pt x="4564498" y="1054092"/>
+                </a:cubicBezTo>
+                <a:cubicBezTo>
+                  <a:pt x="4577319" y="1075382"/>
+                  <a:pt x="4577319" y="1102632"/>
+                  <a:pt x="4564498" y="1123921"/>
+                </a:cubicBezTo>
+                <a:cubicBezTo>
+                  <a:pt x="4564498" y="1123921"/>
+                  <a:pt x="4564498" y="1123921"/>
+                  <a:pt x="4367056" y="1465401"/>
+                </a:cubicBezTo>
+                <a:cubicBezTo>
+                  <a:pt x="4354235" y="1487542"/>
+                  <a:pt x="4331158" y="1501167"/>
+                  <a:pt x="4305516" y="1501167"/>
+                </a:cubicBezTo>
+                <a:cubicBezTo>
+                  <a:pt x="4305516" y="1501167"/>
+                  <a:pt x="4305516" y="1501167"/>
+                  <a:pt x="3909778" y="1501167"/>
+                </a:cubicBezTo>
+                <a:cubicBezTo>
+                  <a:pt x="3884990" y="1501167"/>
+                  <a:pt x="3861058" y="1487542"/>
+                  <a:pt x="3849091" y="1465401"/>
+                </a:cubicBezTo>
+                <a:cubicBezTo>
+                  <a:pt x="3849091" y="1465401"/>
+                  <a:pt x="3849091" y="1465401"/>
+                  <a:pt x="3650795" y="1123921"/>
+                </a:cubicBezTo>
+                <a:cubicBezTo>
+                  <a:pt x="3637974" y="1102632"/>
+                  <a:pt x="3637974" y="1075382"/>
+                  <a:pt x="3650795" y="1054092"/>
+                </a:cubicBezTo>
+                <a:cubicBezTo>
+                  <a:pt x="3650795" y="1054092"/>
+                  <a:pt x="3650795" y="1054092"/>
+                  <a:pt x="3849091" y="712612"/>
+                </a:cubicBezTo>
+                <a:cubicBezTo>
+                  <a:pt x="3861058" y="690472"/>
+                  <a:pt x="3884990" y="676847"/>
+                  <a:pt x="3909778" y="676847"/>
+                </a:cubicBezTo>
+                <a:close/>
+                <a:moveTo>
+                  <a:pt x="1104892" y="0"/>
+                </a:moveTo>
+                <a:cubicBezTo>
+                  <a:pt x="1104892" y="0"/>
+                  <a:pt x="1104892" y="0"/>
+                  <a:pt x="2732784" y="0"/>
+                </a:cubicBezTo>
+                <a:cubicBezTo>
+                  <a:pt x="2838263" y="0"/>
+                  <a:pt x="2933195" y="56047"/>
+                  <a:pt x="2985934" y="147125"/>
+                </a:cubicBezTo>
+                <a:cubicBezTo>
+                  <a:pt x="2985934" y="147125"/>
+                  <a:pt x="2985934" y="147125"/>
+                  <a:pt x="3798122" y="1551823"/>
+                </a:cubicBezTo>
+                <a:cubicBezTo>
+                  <a:pt x="3850862" y="1639397"/>
+                  <a:pt x="3850862" y="1751493"/>
+                  <a:pt x="3798122" y="1839068"/>
+                </a:cubicBezTo>
+                <a:cubicBezTo>
+                  <a:pt x="3798122" y="1839068"/>
+                  <a:pt x="3798122" y="1839068"/>
+                  <a:pt x="3496551" y="2360642"/>
+                </a:cubicBezTo>
+                <a:lnTo>
+                  <a:pt x="3471135" y="2404597"/>
+                </a:lnTo>
+                <a:lnTo>
+                  <a:pt x="3472029" y="2404972"/>
+                </a:lnTo>
+                <a:cubicBezTo>
+                  <a:pt x="3490302" y="2415638"/>
+                  <a:pt x="3505806" y="2431084"/>
+                  <a:pt x="3516881" y="2450209"/>
+                </a:cubicBezTo>
+                <a:cubicBezTo>
+                  <a:pt x="3516881" y="2450209"/>
+                  <a:pt x="3516881" y="2450209"/>
+                  <a:pt x="3857970" y="3040131"/>
+                </a:cubicBezTo>
+                <a:cubicBezTo>
+                  <a:pt x="3880120" y="3076909"/>
+                  <a:pt x="3880120" y="3123985"/>
+                  <a:pt x="3857970" y="3160764"/>
+                </a:cubicBezTo>
+                <a:cubicBezTo>
+                  <a:pt x="3857970" y="3160764"/>
+                  <a:pt x="3857970" y="3160764"/>
+                  <a:pt x="3516881" y="3750684"/>
+                </a:cubicBezTo>
+                <a:cubicBezTo>
+                  <a:pt x="3494732" y="3788933"/>
+                  <a:pt x="3454864" y="3812472"/>
+                  <a:pt x="3410567" y="3812472"/>
+                </a:cubicBezTo>
+                <a:cubicBezTo>
+                  <a:pt x="3410567" y="3812472"/>
+                  <a:pt x="3410567" y="3812472"/>
+                  <a:pt x="2726911" y="3812472"/>
+                </a:cubicBezTo>
+                <a:cubicBezTo>
+                  <a:pt x="2684090" y="3812472"/>
+                  <a:pt x="2642747" y="3788933"/>
+                  <a:pt x="2622074" y="3750684"/>
+                </a:cubicBezTo>
+                <a:cubicBezTo>
+                  <a:pt x="2622074" y="3750684"/>
+                  <a:pt x="2622074" y="3750684"/>
+                  <a:pt x="2438330" y="3434265"/>
+                </a:cubicBezTo>
+                <a:lnTo>
+                  <a:pt x="2417573" y="3398519"/>
+                </a:lnTo>
+                <a:lnTo>
+                  <a:pt x="2433905" y="3398519"/>
+                </a:lnTo>
+                <a:lnTo>
+                  <a:pt x="2511101" y="3398519"/>
+                </a:lnTo>
+                <a:lnTo>
+                  <a:pt x="2544636" y="3456269"/>
+                </a:lnTo>
+                <a:cubicBezTo>
+                  <a:pt x="2672757" y="3676902"/>
+                  <a:pt x="2672757" y="3676902"/>
+                  <a:pt x="2672757" y="3676902"/>
+                </a:cubicBezTo>
+                <a:cubicBezTo>
+                  <a:pt x="2691084" y="3710811"/>
+                  <a:pt x="2727737" y="3731679"/>
+                  <a:pt x="2765699" y="3731679"/>
+                </a:cubicBezTo>
+                <a:cubicBezTo>
+                  <a:pt x="3371780" y="3731679"/>
+                  <a:pt x="3371780" y="3731679"/>
+                  <a:pt x="3371780" y="3731679"/>
+                </a:cubicBezTo>
+                <a:cubicBezTo>
+                  <a:pt x="3411050" y="3731679"/>
+                  <a:pt x="3446394" y="3710811"/>
+                  <a:pt x="3466029" y="3676902"/>
+                </a:cubicBezTo>
+                <a:cubicBezTo>
+                  <a:pt x="3768415" y="3153920"/>
+                  <a:pt x="3768415" y="3153920"/>
+                  <a:pt x="3768415" y="3153920"/>
+                </a:cubicBezTo>
+                <a:cubicBezTo>
+                  <a:pt x="3788051" y="3121314"/>
+                  <a:pt x="3788051" y="3079580"/>
+                  <a:pt x="3768415" y="3046975"/>
+                </a:cubicBezTo>
+                <a:cubicBezTo>
+                  <a:pt x="3466029" y="2523992"/>
+                  <a:pt x="3466029" y="2523992"/>
+                  <a:pt x="3466029" y="2523992"/>
+                </a:cubicBezTo>
+                <a:cubicBezTo>
+                  <a:pt x="3456211" y="2507037"/>
+                  <a:pt x="3442467" y="2493343"/>
+                  <a:pt x="3426268" y="2483888"/>
+                </a:cubicBezTo>
+                <a:lnTo>
+                  <a:pt x="3421667" y="2481960"/>
+                </a:lnTo>
+                <a:lnTo>
+                  <a:pt x="3446331" y="2439303"/>
+                </a:lnTo>
+                <a:lnTo>
+                  <a:pt x="3464674" y="2407578"/>
+                </a:lnTo>
+                <a:lnTo>
+                  <a:pt x="3445649" y="2399601"/>
+                </a:lnTo>
+                <a:cubicBezTo>
+                  <a:pt x="3435335" y="2396796"/>
+                  <a:pt x="3424538" y="2395325"/>
+                  <a:pt x="3413464" y="2395325"/>
+                </a:cubicBezTo>
+                <a:cubicBezTo>
+                  <a:pt x="2729808" y="2395325"/>
+                  <a:pt x="2729808" y="2395325"/>
+                  <a:pt x="2729808" y="2395325"/>
+                </a:cubicBezTo>
+                <a:cubicBezTo>
+                  <a:pt x="2686987" y="2395325"/>
+                  <a:pt x="2645644" y="2418863"/>
+                  <a:pt x="2624971" y="2457112"/>
+                </a:cubicBezTo>
+                <a:cubicBezTo>
+                  <a:pt x="2282405" y="3047034"/>
+                  <a:pt x="2282405" y="3047034"/>
+                  <a:pt x="2282405" y="3047034"/>
+                </a:cubicBezTo>
+                <a:cubicBezTo>
+                  <a:pt x="2260256" y="3083811"/>
+                  <a:pt x="2260256" y="3130887"/>
+                  <a:pt x="2282405" y="3167666"/>
+                </a:cubicBezTo>
+                <a:cubicBezTo>
+                  <a:pt x="2325225" y="3241406"/>
+                  <a:pt x="2362693" y="3305929"/>
+                  <a:pt x="2395478" y="3362386"/>
+                </a:cubicBezTo>
+                <a:lnTo>
+                  <a:pt x="2412031" y="3390890"/>
+                </a:lnTo>
+                <a:lnTo>
+                  <a:pt x="2335350" y="3390890"/>
+                </a:lnTo>
+                <a:cubicBezTo>
+                  <a:pt x="2096889" y="3390890"/>
+                  <a:pt x="1715352" y="3390890"/>
+                  <a:pt x="1104892" y="3390890"/>
+                </a:cubicBezTo>
+                <a:cubicBezTo>
+                  <a:pt x="1002929" y="3390890"/>
+                  <a:pt x="904482" y="3334842"/>
+                  <a:pt x="855258" y="3243764"/>
+                </a:cubicBezTo>
+                <a:cubicBezTo>
+                  <a:pt x="855258" y="3243764"/>
+                  <a:pt x="855258" y="3243764"/>
+                  <a:pt x="39555" y="1839068"/>
+                </a:cubicBezTo>
+                <a:cubicBezTo>
+                  <a:pt x="-13185" y="1751493"/>
+                  <a:pt x="-13185" y="1639397"/>
+                  <a:pt x="39555" y="1551823"/>
+                </a:cubicBezTo>
+                <a:cubicBezTo>
+                  <a:pt x="39555" y="1551823"/>
+                  <a:pt x="39555" y="1551823"/>
+                  <a:pt x="855258" y="147125"/>
+                </a:cubicBezTo>
+                <a:cubicBezTo>
+                  <a:pt x="904482" y="56047"/>
+                  <a:pt x="1002929" y="0"/>
+                  <a:pt x="1104892" y="0"/>
+                </a:cubicBezTo>
+                <a:close/>
+              </a:path>
+            </a:pathLst>
+          </a:custGeom>
+          <a:solidFill>
+            <a:schemeClr val="tx1"/>
+          </a:solidFill>
+          <a:ln>
+            <a:noFill/>
+          </a:ln>
+        </p:spPr>
+        <p:style>
+          <a:lnRef idx="2">
+            <a:schemeClr val="accent1">
+              <a:shade val="50000"/>
+            </a:schemeClr>
+          </a:lnRef>
+          <a:fillRef idx="1">
+            <a:schemeClr val="accent1"/>
+          </a:fillRef>
+          <a:effectRef idx="0">
+            <a:schemeClr val="accent1"/>
+          </a:effectRef>
+          <a:fontRef idx="minor">
+            <a:schemeClr val="lt1"/>
+          </a:fontRef>
+        </p:style>
+        <p:txBody>
+          <a:bodyPr wrap="square" rtlCol="0" anchor="ctr">
+            <a:noAutofit/>
+          </a:bodyPr>
+          <a:lstStyle/>
+          <a:p>
+            <a:pPr algn="ctr"/>
+            <a:endParaRPr lang="en-US"/>
+          </a:p>
+        </p:txBody>
+      </p:sp>
     </p:spTree>
     <p:extLst>
       <p:ext uri="{BB962C8B-B14F-4D97-AF65-F5344CB8AC3E}">
@@ -7478,6 +7181,9 @@
           <a:prstGeom prst="roundRect">
             <a:avLst/>
           </a:prstGeom>
+          <a:solidFill>
+            <a:srgbClr val="FFE5E5"/>
+          </a:solidFill>
         </p:spPr>
         <p:style>
           <a:lnRef idx="2">
@@ -7890,7 +7596,7 @@
     <p:bg>
       <p:bgPr>
         <a:solidFill>
-          <a:srgbClr val="EAF1F6"/>
+          <a:schemeClr val="bg1"/>
         </a:solidFill>
         <a:effectLst/>
       </p:bgPr>
@@ -7911,10 +7617,10 @@
       </p:grpSpPr>
       <p:sp useBgFill="1">
         <p:nvSpPr>
-          <p:cNvPr id="9" name="Rectangle 8">
+          <p:cNvPr id="20" name="Rectangle 19">
             <a:extLst>
               <a:ext uri="{FF2B5EF4-FFF2-40B4-BE49-F238E27FC236}">
-                <a16:creationId xmlns:a16="http://schemas.microsoft.com/office/drawing/2014/main" id="{16F9E488-0718-4E1E-9D12-26779F606252}"/>
+                <a16:creationId xmlns:a16="http://schemas.microsoft.com/office/drawing/2014/main" id="{C475749F-F487-4EFB-ABC7-C1359590EB76}"/>
               </a:ext>
               <a:ext uri="{C183D7F6-B498-43B3-948B-1728B52AA6E4}">
                 <adec:decorative xmlns:adec="http://schemas.microsoft.com/office/drawing/2017/decorative" val="1"/>
@@ -7971,10 +7677,46 @@
       </p:sp>
       <p:sp>
         <p:nvSpPr>
-          <p:cNvPr id="11" name="Freeform: Shape 10">
+          <p:cNvPr id="4" name="Title 3">
             <a:extLst>
               <a:ext uri="{FF2B5EF4-FFF2-40B4-BE49-F238E27FC236}">
-                <a16:creationId xmlns:a16="http://schemas.microsoft.com/office/drawing/2014/main" id="{D20AEB5B-DFC7-42B4-9FAA-6B95E01D0FCE}"/>
+                <a16:creationId xmlns:a16="http://schemas.microsoft.com/office/drawing/2014/main" id="{BB2A1168-7759-4137-9142-9990CD1097B1}"/>
+              </a:ext>
+            </a:extLst>
+          </p:cNvPr>
+          <p:cNvSpPr>
+            <a:spLocks noGrp="1"/>
+          </p:cNvSpPr>
+          <p:nvPr>
+            <p:ph type="ctrTitle"/>
+          </p:nvPr>
+        </p:nvSpPr>
+        <p:spPr>
+          <a:xfrm>
+            <a:off x="880281" y="921452"/>
+            <a:ext cx="4985018" cy="3268639"/>
+          </a:xfrm>
+        </p:spPr>
+        <p:txBody>
+          <a:bodyPr anchor="b">
+            <a:normAutofit/>
+          </a:bodyPr>
+          <a:lstStyle/>
+          <a:p>
+            <a:pPr algn="l"/>
+            <a:r>
+              <a:rPr lang="en-US" sz="3400"/>
+              <a:t>Are there disparities in the application of sentence enhancements and sentence mitigation measures?</a:t>
+            </a:r>
+          </a:p>
+        </p:txBody>
+      </p:sp>
+      <p:sp>
+        <p:nvSpPr>
+          <p:cNvPr id="22" name="Freeform: Shape 21">
+            <a:extLst>
+              <a:ext uri="{FF2B5EF4-FFF2-40B4-BE49-F238E27FC236}">
+                <a16:creationId xmlns:a16="http://schemas.microsoft.com/office/drawing/2014/main" id="{16D6FAA8-41A5-46EA-A8AB-E9D2754A6F32}"/>
               </a:ext>
               <a:ext uri="{C183D7F6-B498-43B3-948B-1728B52AA6E4}">
                 <adec:decorative xmlns:adec="http://schemas.microsoft.com/office/drawing/2017/decorative" val="1"/>
@@ -7994,126 +7736,158 @@
         </p:nvSpPr>
         <p:spPr>
           <a:xfrm>
-            <a:off x="4715124" y="0"/>
-            <a:ext cx="7476877" cy="6858000"/>
+            <a:off x="6000601" y="1073777"/>
+            <a:ext cx="5623281" cy="4686943"/>
           </a:xfrm>
           <a:custGeom>
             <a:avLst/>
             <a:gdLst>
-              <a:gd name="connsiteX0" fmla="*/ 637332 w 7476877"/>
-              <a:gd name="connsiteY0" fmla="*/ 4332728 h 6858000"/>
-              <a:gd name="connsiteX1" fmla="*/ 1576347 w 7476877"/>
-              <a:gd name="connsiteY1" fmla="*/ 4332728 h 6858000"/>
-              <a:gd name="connsiteX2" fmla="*/ 1720345 w 7476877"/>
-              <a:gd name="connsiteY2" fmla="*/ 4419228 h 6858000"/>
-              <a:gd name="connsiteX3" fmla="*/ 2190864 w 7476877"/>
-              <a:gd name="connsiteY3" fmla="*/ 5245095 h 6858000"/>
-              <a:gd name="connsiteX4" fmla="*/ 2190864 w 7476877"/>
-              <a:gd name="connsiteY4" fmla="*/ 5413976 h 6858000"/>
-              <a:gd name="connsiteX5" fmla="*/ 1720345 w 7476877"/>
-              <a:gd name="connsiteY5" fmla="*/ 6239844 h 6858000"/>
-              <a:gd name="connsiteX6" fmla="*/ 1576347 w 7476877"/>
-              <a:gd name="connsiteY6" fmla="*/ 6326343 h 6858000"/>
-              <a:gd name="connsiteX7" fmla="*/ 637332 w 7476877"/>
-              <a:gd name="connsiteY7" fmla="*/ 6326343 h 6858000"/>
-              <a:gd name="connsiteX8" fmla="*/ 491309 w 7476877"/>
-              <a:gd name="connsiteY8" fmla="*/ 6239844 h 6858000"/>
-              <a:gd name="connsiteX9" fmla="*/ 22817 w 7476877"/>
-              <a:gd name="connsiteY9" fmla="*/ 5413976 h 6858000"/>
-              <a:gd name="connsiteX10" fmla="*/ 22817 w 7476877"/>
-              <a:gd name="connsiteY10" fmla="*/ 5245095 h 6858000"/>
-              <a:gd name="connsiteX11" fmla="*/ 491309 w 7476877"/>
-              <a:gd name="connsiteY11" fmla="*/ 4419228 h 6858000"/>
-              <a:gd name="connsiteX12" fmla="*/ 637332 w 7476877"/>
-              <a:gd name="connsiteY12" fmla="*/ 4332728 h 6858000"/>
-              <a:gd name="connsiteX13" fmla="*/ 3853980 w 7476877"/>
-              <a:gd name="connsiteY13" fmla="*/ 0 h 6858000"/>
-              <a:gd name="connsiteX14" fmla="*/ 5043644 w 7476877"/>
-              <a:gd name="connsiteY14" fmla="*/ 0 h 6858000"/>
-              <a:gd name="connsiteX15" fmla="*/ 5083740 w 7476877"/>
-              <a:gd name="connsiteY15" fmla="*/ 70378 h 6858000"/>
-              <a:gd name="connsiteX16" fmla="*/ 5225307 w 7476877"/>
-              <a:gd name="connsiteY16" fmla="*/ 318859 h 6858000"/>
-              <a:gd name="connsiteX17" fmla="*/ 5225307 w 7476877"/>
-              <a:gd name="connsiteY17" fmla="*/ 577503 h 6858000"/>
-              <a:gd name="connsiteX18" fmla="*/ 4504695 w 7476877"/>
-              <a:gd name="connsiteY18" fmla="*/ 1842337 h 6858000"/>
-              <a:gd name="connsiteX19" fmla="*/ 4284162 w 7476877"/>
-              <a:gd name="connsiteY19" fmla="*/ 1974811 h 6858000"/>
-              <a:gd name="connsiteX20" fmla="*/ 2846045 w 7476877"/>
-              <a:gd name="connsiteY20" fmla="*/ 1974811 h 6858000"/>
-              <a:gd name="connsiteX21" fmla="*/ 2778342 w 7476877"/>
-              <a:gd name="connsiteY21" fmla="*/ 1965645 h 6858000"/>
-              <a:gd name="connsiteX22" fmla="*/ 2731777 w 7476877"/>
-              <a:gd name="connsiteY22" fmla="*/ 1945746 h 6858000"/>
-              <a:gd name="connsiteX23" fmla="*/ 2760233 w 7476877"/>
-              <a:gd name="connsiteY23" fmla="*/ 1895581 h 6858000"/>
-              <a:gd name="connsiteX24" fmla="*/ 3768459 w 7476877"/>
-              <a:gd name="connsiteY24" fmla="*/ 118263 h 6858000"/>
-              <a:gd name="connsiteX25" fmla="*/ 3819932 w 7476877"/>
-              <a:gd name="connsiteY25" fmla="*/ 39732 h 6858000"/>
-              <a:gd name="connsiteX26" fmla="*/ 1880237 w 7476877"/>
-              <a:gd name="connsiteY26" fmla="*/ 0 h 6858000"/>
-              <a:gd name="connsiteX27" fmla="*/ 2102124 w 7476877"/>
-              <a:gd name="connsiteY27" fmla="*/ 0 h 6858000"/>
-              <a:gd name="connsiteX28" fmla="*/ 2086946 w 7476877"/>
-              <a:gd name="connsiteY28" fmla="*/ 26756 h 6858000"/>
-              <a:gd name="connsiteX29" fmla="*/ 1911773 w 7476877"/>
-              <a:gd name="connsiteY29" fmla="*/ 335552 h 6858000"/>
-              <a:gd name="connsiteX30" fmla="*/ 1911773 w 7476877"/>
-              <a:gd name="connsiteY30" fmla="*/ 594199 h 6858000"/>
-              <a:gd name="connsiteX31" fmla="*/ 2629280 w 7476877"/>
-              <a:gd name="connsiteY31" fmla="*/ 1859030 h 6858000"/>
-              <a:gd name="connsiteX32" fmla="*/ 2723627 w 7476877"/>
-              <a:gd name="connsiteY32" fmla="*/ 1956020 h 6858000"/>
-              <a:gd name="connsiteX33" fmla="*/ 2734544 w 7476877"/>
-              <a:gd name="connsiteY33" fmla="*/ 1960685 h 6858000"/>
-              <a:gd name="connsiteX34" fmla="*/ 2676021 w 7476877"/>
-              <a:gd name="connsiteY34" fmla="*/ 2063851 h 6858000"/>
-              <a:gd name="connsiteX35" fmla="*/ 2632495 w 7476877"/>
-              <a:gd name="connsiteY35" fmla="*/ 2140578 h 6858000"/>
-              <a:gd name="connsiteX36" fmla="*/ 2677641 w 7476877"/>
-              <a:gd name="connsiteY36" fmla="*/ 2159871 h 6858000"/>
-              <a:gd name="connsiteX37" fmla="*/ 2754009 w 7476877"/>
-              <a:gd name="connsiteY37" fmla="*/ 2170210 h 6858000"/>
-              <a:gd name="connsiteX38" fmla="*/ 4376198 w 7476877"/>
-              <a:gd name="connsiteY38" fmla="*/ 2170210 h 6858000"/>
-              <a:gd name="connsiteX39" fmla="*/ 4624956 w 7476877"/>
-              <a:gd name="connsiteY39" fmla="*/ 2020780 h 6858000"/>
-              <a:gd name="connsiteX40" fmla="*/ 5437803 w 7476877"/>
-              <a:gd name="connsiteY40" fmla="*/ 594055 h 6858000"/>
-              <a:gd name="connsiteX41" fmla="*/ 5437803 w 7476877"/>
-              <a:gd name="connsiteY41" fmla="*/ 302307 h 6858000"/>
-              <a:gd name="connsiteX42" fmla="*/ 5294722 w 7476877"/>
-              <a:gd name="connsiteY42" fmla="*/ 51168 h 6858000"/>
-              <a:gd name="connsiteX43" fmla="*/ 5265570 w 7476877"/>
-              <a:gd name="connsiteY43" fmla="*/ 0 h 6858000"/>
-              <a:gd name="connsiteX44" fmla="*/ 7476877 w 7476877"/>
-              <a:gd name="connsiteY44" fmla="*/ 0 h 6858000"/>
-              <a:gd name="connsiteX45" fmla="*/ 7476877 w 7476877"/>
-              <a:gd name="connsiteY45" fmla="*/ 6858000 h 6858000"/>
-              <a:gd name="connsiteX46" fmla="*/ 3343303 w 7476877"/>
-              <a:gd name="connsiteY46" fmla="*/ 6858000 h 6858000"/>
-              <a:gd name="connsiteX47" fmla="*/ 3297958 w 7476877"/>
-              <a:gd name="connsiteY47" fmla="*/ 6778065 h 6858000"/>
-              <a:gd name="connsiteX48" fmla="*/ 1841286 w 7476877"/>
-              <a:gd name="connsiteY48" fmla="*/ 4210218 h 6858000"/>
-              <a:gd name="connsiteX49" fmla="*/ 1841286 w 7476877"/>
-              <a:gd name="connsiteY49" fmla="*/ 3515516 h 6858000"/>
-              <a:gd name="connsiteX50" fmla="*/ 2556859 w 7476877"/>
-              <a:gd name="connsiteY50" fmla="*/ 2254092 h 6858000"/>
-              <a:gd name="connsiteX51" fmla="*/ 2617166 w 7476877"/>
-              <a:gd name="connsiteY51" fmla="*/ 2147787 h 6858000"/>
-              <a:gd name="connsiteX52" fmla="*/ 2615044 w 7476877"/>
-              <a:gd name="connsiteY52" fmla="*/ 2146880 h 6858000"/>
-              <a:gd name="connsiteX53" fmla="*/ 2508620 w 7476877"/>
-              <a:gd name="connsiteY53" fmla="*/ 2037473 h 6858000"/>
-              <a:gd name="connsiteX54" fmla="*/ 1699276 w 7476877"/>
-              <a:gd name="connsiteY54" fmla="*/ 610749 h 6858000"/>
-              <a:gd name="connsiteX55" fmla="*/ 1699276 w 7476877"/>
-              <a:gd name="connsiteY55" fmla="*/ 319000 h 6858000"/>
-              <a:gd name="connsiteX56" fmla="*/ 1843322 w 7476877"/>
-              <a:gd name="connsiteY56" fmla="*/ 65075 h 6858000"/>
+              <a:gd name="connsiteX0" fmla="*/ 2768595 w 4574113"/>
+              <a:gd name="connsiteY0" fmla="*/ 2476119 h 3812472"/>
+              <a:gd name="connsiteX1" fmla="*/ 3374676 w 4574113"/>
+              <a:gd name="connsiteY1" fmla="*/ 2476119 h 3812472"/>
+              <a:gd name="connsiteX2" fmla="*/ 3403209 w 4574113"/>
+              <a:gd name="connsiteY2" fmla="*/ 2479909 h 3812472"/>
+              <a:gd name="connsiteX3" fmla="*/ 3422833 w 4574113"/>
+              <a:gd name="connsiteY3" fmla="*/ 2488137 h 3812472"/>
+              <a:gd name="connsiteX4" fmla="*/ 3410840 w 4574113"/>
+              <a:gd name="connsiteY4" fmla="*/ 2508879 h 3812472"/>
+              <a:gd name="connsiteX5" fmla="*/ 2985934 w 4574113"/>
+              <a:gd name="connsiteY5" fmla="*/ 3243764 h 3812472"/>
+              <a:gd name="connsiteX6" fmla="*/ 2732784 w 4574113"/>
+              <a:gd name="connsiteY6" fmla="*/ 3390890 h 3812472"/>
+              <a:gd name="connsiteX7" fmla="*/ 2529297 w 4574113"/>
+              <a:gd name="connsiteY7" fmla="*/ 3390890 h 3812472"/>
+              <a:gd name="connsiteX8" fmla="*/ 2505559 w 4574113"/>
+              <a:gd name="connsiteY8" fmla="*/ 3390890 h 3812472"/>
+              <a:gd name="connsiteX9" fmla="*/ 2482907 w 4574113"/>
+              <a:gd name="connsiteY9" fmla="*/ 3351884 h 3812472"/>
+              <a:gd name="connsiteX10" fmla="*/ 2371959 w 4574113"/>
+              <a:gd name="connsiteY10" fmla="*/ 3160822 h 3812472"/>
+              <a:gd name="connsiteX11" fmla="*/ 2371959 w 4574113"/>
+              <a:gd name="connsiteY11" fmla="*/ 3053878 h 3812472"/>
+              <a:gd name="connsiteX12" fmla="*/ 2675654 w 4574113"/>
+              <a:gd name="connsiteY12" fmla="*/ 2530895 h 3812472"/>
+              <a:gd name="connsiteX13" fmla="*/ 2768595 w 4574113"/>
+              <a:gd name="connsiteY13" fmla="*/ 2476119 h 3812472"/>
+              <a:gd name="connsiteX14" fmla="*/ 3909778 w 4574113"/>
+              <a:gd name="connsiteY14" fmla="*/ 676847 h 3812472"/>
+              <a:gd name="connsiteX15" fmla="*/ 4305516 w 4574113"/>
+              <a:gd name="connsiteY15" fmla="*/ 676847 h 3812472"/>
+              <a:gd name="connsiteX16" fmla="*/ 4367056 w 4574113"/>
+              <a:gd name="connsiteY16" fmla="*/ 712612 h 3812472"/>
+              <a:gd name="connsiteX17" fmla="*/ 4564498 w 4574113"/>
+              <a:gd name="connsiteY17" fmla="*/ 1054092 h 3812472"/>
+              <a:gd name="connsiteX18" fmla="*/ 4564498 w 4574113"/>
+              <a:gd name="connsiteY18" fmla="*/ 1123921 h 3812472"/>
+              <a:gd name="connsiteX19" fmla="*/ 4367056 w 4574113"/>
+              <a:gd name="connsiteY19" fmla="*/ 1465401 h 3812472"/>
+              <a:gd name="connsiteX20" fmla="*/ 4305516 w 4574113"/>
+              <a:gd name="connsiteY20" fmla="*/ 1501167 h 3812472"/>
+              <a:gd name="connsiteX21" fmla="*/ 3909778 w 4574113"/>
+              <a:gd name="connsiteY21" fmla="*/ 1501167 h 3812472"/>
+              <a:gd name="connsiteX22" fmla="*/ 3849091 w 4574113"/>
+              <a:gd name="connsiteY22" fmla="*/ 1465401 h 3812472"/>
+              <a:gd name="connsiteX23" fmla="*/ 3650795 w 4574113"/>
+              <a:gd name="connsiteY23" fmla="*/ 1123921 h 3812472"/>
+              <a:gd name="connsiteX24" fmla="*/ 3650795 w 4574113"/>
+              <a:gd name="connsiteY24" fmla="*/ 1054092 h 3812472"/>
+              <a:gd name="connsiteX25" fmla="*/ 3849091 w 4574113"/>
+              <a:gd name="connsiteY25" fmla="*/ 712612 h 3812472"/>
+              <a:gd name="connsiteX26" fmla="*/ 3909778 w 4574113"/>
+              <a:gd name="connsiteY26" fmla="*/ 676847 h 3812472"/>
+              <a:gd name="connsiteX27" fmla="*/ 1104892 w 4574113"/>
+              <a:gd name="connsiteY27" fmla="*/ 0 h 3812472"/>
+              <a:gd name="connsiteX28" fmla="*/ 2732784 w 4574113"/>
+              <a:gd name="connsiteY28" fmla="*/ 0 h 3812472"/>
+              <a:gd name="connsiteX29" fmla="*/ 2985934 w 4574113"/>
+              <a:gd name="connsiteY29" fmla="*/ 147125 h 3812472"/>
+              <a:gd name="connsiteX30" fmla="*/ 3798122 w 4574113"/>
+              <a:gd name="connsiteY30" fmla="*/ 1551823 h 3812472"/>
+              <a:gd name="connsiteX31" fmla="*/ 3798122 w 4574113"/>
+              <a:gd name="connsiteY31" fmla="*/ 1839068 h 3812472"/>
+              <a:gd name="connsiteX32" fmla="*/ 3496551 w 4574113"/>
+              <a:gd name="connsiteY32" fmla="*/ 2360642 h 3812472"/>
+              <a:gd name="connsiteX33" fmla="*/ 3471135 w 4574113"/>
+              <a:gd name="connsiteY33" fmla="*/ 2404597 h 3812472"/>
+              <a:gd name="connsiteX34" fmla="*/ 3472029 w 4574113"/>
+              <a:gd name="connsiteY34" fmla="*/ 2404972 h 3812472"/>
+              <a:gd name="connsiteX35" fmla="*/ 3516881 w 4574113"/>
+              <a:gd name="connsiteY35" fmla="*/ 2450209 h 3812472"/>
+              <a:gd name="connsiteX36" fmla="*/ 3857970 w 4574113"/>
+              <a:gd name="connsiteY36" fmla="*/ 3040131 h 3812472"/>
+              <a:gd name="connsiteX37" fmla="*/ 3857970 w 4574113"/>
+              <a:gd name="connsiteY37" fmla="*/ 3160764 h 3812472"/>
+              <a:gd name="connsiteX38" fmla="*/ 3516881 w 4574113"/>
+              <a:gd name="connsiteY38" fmla="*/ 3750684 h 3812472"/>
+              <a:gd name="connsiteX39" fmla="*/ 3410567 w 4574113"/>
+              <a:gd name="connsiteY39" fmla="*/ 3812472 h 3812472"/>
+              <a:gd name="connsiteX40" fmla="*/ 2726911 w 4574113"/>
+              <a:gd name="connsiteY40" fmla="*/ 3812472 h 3812472"/>
+              <a:gd name="connsiteX41" fmla="*/ 2622074 w 4574113"/>
+              <a:gd name="connsiteY41" fmla="*/ 3750684 h 3812472"/>
+              <a:gd name="connsiteX42" fmla="*/ 2438330 w 4574113"/>
+              <a:gd name="connsiteY42" fmla="*/ 3434265 h 3812472"/>
+              <a:gd name="connsiteX43" fmla="*/ 2417573 w 4574113"/>
+              <a:gd name="connsiteY43" fmla="*/ 3398519 h 3812472"/>
+              <a:gd name="connsiteX44" fmla="*/ 2433905 w 4574113"/>
+              <a:gd name="connsiteY44" fmla="*/ 3398519 h 3812472"/>
+              <a:gd name="connsiteX45" fmla="*/ 2511101 w 4574113"/>
+              <a:gd name="connsiteY45" fmla="*/ 3398519 h 3812472"/>
+              <a:gd name="connsiteX46" fmla="*/ 2544636 w 4574113"/>
+              <a:gd name="connsiteY46" fmla="*/ 3456269 h 3812472"/>
+              <a:gd name="connsiteX47" fmla="*/ 2672757 w 4574113"/>
+              <a:gd name="connsiteY47" fmla="*/ 3676902 h 3812472"/>
+              <a:gd name="connsiteX48" fmla="*/ 2765699 w 4574113"/>
+              <a:gd name="connsiteY48" fmla="*/ 3731679 h 3812472"/>
+              <a:gd name="connsiteX49" fmla="*/ 3371780 w 4574113"/>
+              <a:gd name="connsiteY49" fmla="*/ 3731679 h 3812472"/>
+              <a:gd name="connsiteX50" fmla="*/ 3466029 w 4574113"/>
+              <a:gd name="connsiteY50" fmla="*/ 3676902 h 3812472"/>
+              <a:gd name="connsiteX51" fmla="*/ 3768415 w 4574113"/>
+              <a:gd name="connsiteY51" fmla="*/ 3153920 h 3812472"/>
+              <a:gd name="connsiteX52" fmla="*/ 3768415 w 4574113"/>
+              <a:gd name="connsiteY52" fmla="*/ 3046975 h 3812472"/>
+              <a:gd name="connsiteX53" fmla="*/ 3466029 w 4574113"/>
+              <a:gd name="connsiteY53" fmla="*/ 2523992 h 3812472"/>
+              <a:gd name="connsiteX54" fmla="*/ 3426268 w 4574113"/>
+              <a:gd name="connsiteY54" fmla="*/ 2483888 h 3812472"/>
+              <a:gd name="connsiteX55" fmla="*/ 3421667 w 4574113"/>
+              <a:gd name="connsiteY55" fmla="*/ 2481960 h 3812472"/>
+              <a:gd name="connsiteX56" fmla="*/ 3446331 w 4574113"/>
+              <a:gd name="connsiteY56" fmla="*/ 2439303 h 3812472"/>
+              <a:gd name="connsiteX57" fmla="*/ 3464674 w 4574113"/>
+              <a:gd name="connsiteY57" fmla="*/ 2407578 h 3812472"/>
+              <a:gd name="connsiteX58" fmla="*/ 3445649 w 4574113"/>
+              <a:gd name="connsiteY58" fmla="*/ 2399601 h 3812472"/>
+              <a:gd name="connsiteX59" fmla="*/ 3413464 w 4574113"/>
+              <a:gd name="connsiteY59" fmla="*/ 2395325 h 3812472"/>
+              <a:gd name="connsiteX60" fmla="*/ 2729808 w 4574113"/>
+              <a:gd name="connsiteY60" fmla="*/ 2395325 h 3812472"/>
+              <a:gd name="connsiteX61" fmla="*/ 2624971 w 4574113"/>
+              <a:gd name="connsiteY61" fmla="*/ 2457112 h 3812472"/>
+              <a:gd name="connsiteX62" fmla="*/ 2282405 w 4574113"/>
+              <a:gd name="connsiteY62" fmla="*/ 3047034 h 3812472"/>
+              <a:gd name="connsiteX63" fmla="*/ 2282405 w 4574113"/>
+              <a:gd name="connsiteY63" fmla="*/ 3167666 h 3812472"/>
+              <a:gd name="connsiteX64" fmla="*/ 2395478 w 4574113"/>
+              <a:gd name="connsiteY64" fmla="*/ 3362386 h 3812472"/>
+              <a:gd name="connsiteX65" fmla="*/ 2412031 w 4574113"/>
+              <a:gd name="connsiteY65" fmla="*/ 3390890 h 3812472"/>
+              <a:gd name="connsiteX66" fmla="*/ 2335350 w 4574113"/>
+              <a:gd name="connsiteY66" fmla="*/ 3390890 h 3812472"/>
+              <a:gd name="connsiteX67" fmla="*/ 1104892 w 4574113"/>
+              <a:gd name="connsiteY67" fmla="*/ 3390890 h 3812472"/>
+              <a:gd name="connsiteX68" fmla="*/ 855258 w 4574113"/>
+              <a:gd name="connsiteY68" fmla="*/ 3243764 h 3812472"/>
+              <a:gd name="connsiteX69" fmla="*/ 39555 w 4574113"/>
+              <a:gd name="connsiteY69" fmla="*/ 1839068 h 3812472"/>
+              <a:gd name="connsiteX70" fmla="*/ 39555 w 4574113"/>
+              <a:gd name="connsiteY70" fmla="*/ 1551823 h 3812472"/>
+              <a:gd name="connsiteX71" fmla="*/ 855258 w 4574113"/>
+              <a:gd name="connsiteY71" fmla="*/ 147125 h 3812472"/>
+              <a:gd name="connsiteX72" fmla="*/ 1104892 w 4574113"/>
+              <a:gd name="connsiteY72" fmla="*/ 0 h 3812472"/>
             </a:gdLst>
             <a:ahLst/>
             <a:cxnLst>
@@ -8288,267 +8062,393 @@
               <a:cxn ang="0">
                 <a:pos x="connsiteX56" y="connsiteY56"/>
               </a:cxn>
+              <a:cxn ang="0">
+                <a:pos x="connsiteX57" y="connsiteY57"/>
+              </a:cxn>
+              <a:cxn ang="0">
+                <a:pos x="connsiteX58" y="connsiteY58"/>
+              </a:cxn>
+              <a:cxn ang="0">
+                <a:pos x="connsiteX59" y="connsiteY59"/>
+              </a:cxn>
+              <a:cxn ang="0">
+                <a:pos x="connsiteX60" y="connsiteY60"/>
+              </a:cxn>
+              <a:cxn ang="0">
+                <a:pos x="connsiteX61" y="connsiteY61"/>
+              </a:cxn>
+              <a:cxn ang="0">
+                <a:pos x="connsiteX62" y="connsiteY62"/>
+              </a:cxn>
+              <a:cxn ang="0">
+                <a:pos x="connsiteX63" y="connsiteY63"/>
+              </a:cxn>
+              <a:cxn ang="0">
+                <a:pos x="connsiteX64" y="connsiteY64"/>
+              </a:cxn>
+              <a:cxn ang="0">
+                <a:pos x="connsiteX65" y="connsiteY65"/>
+              </a:cxn>
+              <a:cxn ang="0">
+                <a:pos x="connsiteX66" y="connsiteY66"/>
+              </a:cxn>
+              <a:cxn ang="0">
+                <a:pos x="connsiteX67" y="connsiteY67"/>
+              </a:cxn>
+              <a:cxn ang="0">
+                <a:pos x="connsiteX68" y="connsiteY68"/>
+              </a:cxn>
+              <a:cxn ang="0">
+                <a:pos x="connsiteX69" y="connsiteY69"/>
+              </a:cxn>
+              <a:cxn ang="0">
+                <a:pos x="connsiteX70" y="connsiteY70"/>
+              </a:cxn>
+              <a:cxn ang="0">
+                <a:pos x="connsiteX71" y="connsiteY71"/>
+              </a:cxn>
+              <a:cxn ang="0">
+                <a:pos x="connsiteX72" y="connsiteY72"/>
+              </a:cxn>
             </a:cxnLst>
             <a:rect l="l" t="t" r="r" b="b"/>
             <a:pathLst>
-              <a:path w="7476877" h="6858000">
+              <a:path w="4574113" h="3812472">
                 <a:moveTo>
-                  <a:pt x="637332" y="4332728"/>
+                  <a:pt x="2768595" y="2476119"/>
                 </a:moveTo>
                 <a:cubicBezTo>
-                  <a:pt x="637332" y="4332728"/>
-                  <a:pt x="637332" y="4332728"/>
-                  <a:pt x="1576347" y="4332728"/>
-                </a:cubicBezTo>
-                <a:cubicBezTo>
-                  <a:pt x="1635163" y="4332728"/>
-                  <a:pt x="1691949" y="4365681"/>
-                  <a:pt x="1720345" y="4419228"/>
-                </a:cubicBezTo>
-                <a:cubicBezTo>
-                  <a:pt x="1720345" y="4419228"/>
-                  <a:pt x="1720345" y="4419228"/>
-                  <a:pt x="2190864" y="5245095"/>
-                </a:cubicBezTo>
-                <a:cubicBezTo>
-                  <a:pt x="2221287" y="5296583"/>
-                  <a:pt x="2221287" y="5362488"/>
-                  <a:pt x="2190864" y="5413976"/>
-                </a:cubicBezTo>
-                <a:cubicBezTo>
-                  <a:pt x="2190864" y="5413976"/>
-                  <a:pt x="2190864" y="5413976"/>
-                  <a:pt x="1720345" y="6239844"/>
-                </a:cubicBezTo>
-                <a:cubicBezTo>
-                  <a:pt x="1691949" y="6293391"/>
-                  <a:pt x="1635163" y="6326343"/>
-                  <a:pt x="1576347" y="6326343"/>
-                </a:cubicBezTo>
-                <a:cubicBezTo>
-                  <a:pt x="1576347" y="6326343"/>
-                  <a:pt x="1576347" y="6326343"/>
-                  <a:pt x="637332" y="6326343"/>
-                </a:cubicBezTo>
-                <a:cubicBezTo>
-                  <a:pt x="576490" y="6326343"/>
-                  <a:pt x="521732" y="6293391"/>
-                  <a:pt x="491309" y="6239844"/>
-                </a:cubicBezTo>
-                <a:cubicBezTo>
-                  <a:pt x="491309" y="6239844"/>
-                  <a:pt x="491309" y="6239844"/>
-                  <a:pt x="22817" y="5413976"/>
-                </a:cubicBezTo>
-                <a:cubicBezTo>
-                  <a:pt x="-7605" y="5362488"/>
-                  <a:pt x="-7605" y="5296583"/>
-                  <a:pt x="22817" y="5245095"/>
-                </a:cubicBezTo>
-                <a:cubicBezTo>
-                  <a:pt x="22817" y="5245095"/>
-                  <a:pt x="22817" y="5245095"/>
-                  <a:pt x="491309" y="4419228"/>
-                </a:cubicBezTo>
-                <a:cubicBezTo>
-                  <a:pt x="521732" y="4365681"/>
-                  <a:pt x="576490" y="4332728"/>
-                  <a:pt x="637332" y="4332728"/>
+                  <a:pt x="2768595" y="2476119"/>
+                  <a:pt x="2768595" y="2476119"/>
+                  <a:pt x="3374676" y="2476119"/>
+                </a:cubicBezTo>
+                <a:cubicBezTo>
+                  <a:pt x="3384493" y="2476119"/>
+                  <a:pt x="3394066" y="2477423"/>
+                  <a:pt x="3403209" y="2479909"/>
+                </a:cubicBezTo>
+                <a:lnTo>
+                  <a:pt x="3422833" y="2488137"/>
+                </a:lnTo>
+                <a:lnTo>
+                  <a:pt x="3410840" y="2508879"/>
+                </a:lnTo>
+                <a:cubicBezTo>
+                  <a:pt x="3302401" y="2696426"/>
+                  <a:pt x="3163600" y="2936487"/>
+                  <a:pt x="2985934" y="3243764"/>
+                </a:cubicBezTo>
+                <a:cubicBezTo>
+                  <a:pt x="2933195" y="3334842"/>
+                  <a:pt x="2838263" y="3390890"/>
+                  <a:pt x="2732784" y="3390890"/>
+                </a:cubicBezTo>
+                <a:cubicBezTo>
+                  <a:pt x="2732784" y="3390890"/>
+                  <a:pt x="2732784" y="3390890"/>
+                  <a:pt x="2529297" y="3390890"/>
+                </a:cubicBezTo>
+                <a:lnTo>
+                  <a:pt x="2505559" y="3390890"/>
+                </a:lnTo>
+                <a:lnTo>
+                  <a:pt x="2482907" y="3351884"/>
+                </a:lnTo>
+                <a:cubicBezTo>
+                  <a:pt x="2451367" y="3297569"/>
+                  <a:pt x="2414666" y="3234367"/>
+                  <a:pt x="2371959" y="3160822"/>
+                </a:cubicBezTo>
+                <a:cubicBezTo>
+                  <a:pt x="2352324" y="3128217"/>
+                  <a:pt x="2352324" y="3086483"/>
+                  <a:pt x="2371959" y="3053878"/>
+                </a:cubicBezTo>
+                <a:cubicBezTo>
+                  <a:pt x="2371959" y="3053878"/>
+                  <a:pt x="2371959" y="3053878"/>
+                  <a:pt x="2675654" y="2530895"/>
+                </a:cubicBezTo>
+                <a:cubicBezTo>
+                  <a:pt x="2693981" y="2496986"/>
+                  <a:pt x="2730633" y="2476119"/>
+                  <a:pt x="2768595" y="2476119"/>
                 </a:cubicBezTo>
                 <a:close/>
                 <a:moveTo>
-                  <a:pt x="3853980" y="0"/>
+                  <a:pt x="3909778" y="676847"/>
                 </a:moveTo>
+                <a:cubicBezTo>
+                  <a:pt x="3909778" y="676847"/>
+                  <a:pt x="3909778" y="676847"/>
+                  <a:pt x="4305516" y="676847"/>
+                </a:cubicBezTo>
+                <a:cubicBezTo>
+                  <a:pt x="4331158" y="676847"/>
+                  <a:pt x="4354235" y="690472"/>
+                  <a:pt x="4367056" y="712612"/>
+                </a:cubicBezTo>
+                <a:cubicBezTo>
+                  <a:pt x="4367056" y="712612"/>
+                  <a:pt x="4367056" y="712612"/>
+                  <a:pt x="4564498" y="1054092"/>
+                </a:cubicBezTo>
+                <a:cubicBezTo>
+                  <a:pt x="4577319" y="1075382"/>
+                  <a:pt x="4577319" y="1102632"/>
+                  <a:pt x="4564498" y="1123921"/>
+                </a:cubicBezTo>
+                <a:cubicBezTo>
+                  <a:pt x="4564498" y="1123921"/>
+                  <a:pt x="4564498" y="1123921"/>
+                  <a:pt x="4367056" y="1465401"/>
+                </a:cubicBezTo>
+                <a:cubicBezTo>
+                  <a:pt x="4354235" y="1487542"/>
+                  <a:pt x="4331158" y="1501167"/>
+                  <a:pt x="4305516" y="1501167"/>
+                </a:cubicBezTo>
+                <a:cubicBezTo>
+                  <a:pt x="4305516" y="1501167"/>
+                  <a:pt x="4305516" y="1501167"/>
+                  <a:pt x="3909778" y="1501167"/>
+                </a:cubicBezTo>
+                <a:cubicBezTo>
+                  <a:pt x="3884990" y="1501167"/>
+                  <a:pt x="3861058" y="1487542"/>
+                  <a:pt x="3849091" y="1465401"/>
+                </a:cubicBezTo>
+                <a:cubicBezTo>
+                  <a:pt x="3849091" y="1465401"/>
+                  <a:pt x="3849091" y="1465401"/>
+                  <a:pt x="3650795" y="1123921"/>
+                </a:cubicBezTo>
+                <a:cubicBezTo>
+                  <a:pt x="3637974" y="1102632"/>
+                  <a:pt x="3637974" y="1075382"/>
+                  <a:pt x="3650795" y="1054092"/>
+                </a:cubicBezTo>
+                <a:cubicBezTo>
+                  <a:pt x="3650795" y="1054092"/>
+                  <a:pt x="3650795" y="1054092"/>
+                  <a:pt x="3849091" y="712612"/>
+                </a:cubicBezTo>
+                <a:cubicBezTo>
+                  <a:pt x="3861058" y="690472"/>
+                  <a:pt x="3884990" y="676847"/>
+                  <a:pt x="3909778" y="676847"/>
+                </a:cubicBezTo>
+                <a:close/>
+                <a:moveTo>
+                  <a:pt x="1104892" y="0"/>
+                </a:moveTo>
+                <a:cubicBezTo>
+                  <a:pt x="1104892" y="0"/>
+                  <a:pt x="1104892" y="0"/>
+                  <a:pt x="2732784" y="0"/>
+                </a:cubicBezTo>
+                <a:cubicBezTo>
+                  <a:pt x="2838263" y="0"/>
+                  <a:pt x="2933195" y="56047"/>
+                  <a:pt x="2985934" y="147125"/>
+                </a:cubicBezTo>
+                <a:cubicBezTo>
+                  <a:pt x="2985934" y="147125"/>
+                  <a:pt x="2985934" y="147125"/>
+                  <a:pt x="3798122" y="1551823"/>
+                </a:cubicBezTo>
+                <a:cubicBezTo>
+                  <a:pt x="3850862" y="1639397"/>
+                  <a:pt x="3850862" y="1751493"/>
+                  <a:pt x="3798122" y="1839068"/>
+                </a:cubicBezTo>
+                <a:cubicBezTo>
+                  <a:pt x="3798122" y="1839068"/>
+                  <a:pt x="3798122" y="1839068"/>
+                  <a:pt x="3496551" y="2360642"/>
+                </a:cubicBezTo>
                 <a:lnTo>
-                  <a:pt x="5043644" y="0"/>
+                  <a:pt x="3471135" y="2404597"/>
                 </a:lnTo>
                 <a:lnTo>
-                  <a:pt x="5083740" y="70378"/>
+                  <a:pt x="3472029" y="2404972"/>
                 </a:lnTo>
                 <a:cubicBezTo>
-                  <a:pt x="5127533" y="147245"/>
-                  <a:pt x="5174639" y="229925"/>
-                  <a:pt x="5225307" y="318859"/>
-                </a:cubicBezTo>
-                <a:cubicBezTo>
-                  <a:pt x="5271897" y="397715"/>
-                  <a:pt x="5271897" y="498649"/>
-                  <a:pt x="5225307" y="577503"/>
-                </a:cubicBezTo>
-                <a:cubicBezTo>
-                  <a:pt x="5225307" y="577503"/>
-                  <a:pt x="5225307" y="577503"/>
-                  <a:pt x="4504695" y="1842337"/>
-                </a:cubicBezTo>
-                <a:cubicBezTo>
-                  <a:pt x="4461209" y="1924345"/>
-                  <a:pt x="4374239" y="1974811"/>
-                  <a:pt x="4284162" y="1974811"/>
-                </a:cubicBezTo>
-                <a:cubicBezTo>
-                  <a:pt x="4284162" y="1974811"/>
-                  <a:pt x="4284162" y="1974811"/>
-                  <a:pt x="2846045" y="1974811"/>
-                </a:cubicBezTo>
-                <a:cubicBezTo>
-                  <a:pt x="2822750" y="1974811"/>
-                  <a:pt x="2800035" y="1971656"/>
-                  <a:pt x="2778342" y="1965645"/>
+                  <a:pt x="3490302" y="2415638"/>
+                  <a:pt x="3505806" y="2431084"/>
+                  <a:pt x="3516881" y="2450209"/>
+                </a:cubicBezTo>
+                <a:cubicBezTo>
+                  <a:pt x="3516881" y="2450209"/>
+                  <a:pt x="3516881" y="2450209"/>
+                  <a:pt x="3857970" y="3040131"/>
+                </a:cubicBezTo>
+                <a:cubicBezTo>
+                  <a:pt x="3880120" y="3076909"/>
+                  <a:pt x="3880120" y="3123985"/>
+                  <a:pt x="3857970" y="3160764"/>
+                </a:cubicBezTo>
+                <a:cubicBezTo>
+                  <a:pt x="3857970" y="3160764"/>
+                  <a:pt x="3857970" y="3160764"/>
+                  <a:pt x="3516881" y="3750684"/>
+                </a:cubicBezTo>
+                <a:cubicBezTo>
+                  <a:pt x="3494732" y="3788933"/>
+                  <a:pt x="3454864" y="3812472"/>
+                  <a:pt x="3410567" y="3812472"/>
+                </a:cubicBezTo>
+                <a:cubicBezTo>
+                  <a:pt x="3410567" y="3812472"/>
+                  <a:pt x="3410567" y="3812472"/>
+                  <a:pt x="2726911" y="3812472"/>
+                </a:cubicBezTo>
+                <a:cubicBezTo>
+                  <a:pt x="2684090" y="3812472"/>
+                  <a:pt x="2642747" y="3788933"/>
+                  <a:pt x="2622074" y="3750684"/>
+                </a:cubicBezTo>
+                <a:cubicBezTo>
+                  <a:pt x="2622074" y="3750684"/>
+                  <a:pt x="2622074" y="3750684"/>
+                  <a:pt x="2438330" y="3434265"/>
                 </a:cubicBezTo>
                 <a:lnTo>
-                  <a:pt x="2731777" y="1945746"/>
+                  <a:pt x="2417573" y="3398519"/>
                 </a:lnTo>
                 <a:lnTo>
-                  <a:pt x="2760233" y="1895581"/>
-                </a:lnTo>
-                <a:cubicBezTo>
-                  <a:pt x="3017539" y="1441999"/>
-                  <a:pt x="3346890" y="861413"/>
-                  <a:pt x="3768459" y="118263"/>
-                </a:cubicBezTo>
-                <a:cubicBezTo>
-                  <a:pt x="3784101" y="90729"/>
-                  <a:pt x="3801308" y="64519"/>
-                  <a:pt x="3819932" y="39732"/>
-                </a:cubicBezTo>
-                <a:close/>
-                <a:moveTo>
-                  <a:pt x="1880237" y="0"/>
-                </a:moveTo>
-                <a:lnTo>
-                  <a:pt x="2102124" y="0"/>
+                  <a:pt x="2433905" y="3398519"/>
                 </a:lnTo>
                 <a:lnTo>
-                  <a:pt x="2086946" y="26756"/>
-                </a:lnTo>
-                <a:cubicBezTo>
-                  <a:pt x="1911773" y="335552"/>
-                  <a:pt x="1911773" y="335552"/>
-                  <a:pt x="1911773" y="335552"/>
-                </a:cubicBezTo>
-                <a:cubicBezTo>
-                  <a:pt x="1865182" y="414408"/>
-                  <a:pt x="1865182" y="515344"/>
-                  <a:pt x="1911773" y="594199"/>
-                </a:cubicBezTo>
-                <a:cubicBezTo>
-                  <a:pt x="2629280" y="1859030"/>
-                  <a:pt x="2629280" y="1859030"/>
-                  <a:pt x="2629280" y="1859030"/>
-                </a:cubicBezTo>
-                <a:cubicBezTo>
-                  <a:pt x="2652576" y="1900035"/>
-                  <a:pt x="2685189" y="1933154"/>
-                  <a:pt x="2723627" y="1956020"/>
-                </a:cubicBezTo>
-                <a:lnTo>
-                  <a:pt x="2734544" y="1960685"/>
+                  <a:pt x="2511101" y="3398519"/>
                 </a:lnTo>
                 <a:lnTo>
-                  <a:pt x="2676021" y="2063851"/>
+                  <a:pt x="2544636" y="3456269"/>
+                </a:lnTo>
+                <a:cubicBezTo>
+                  <a:pt x="2672757" y="3676902"/>
+                  <a:pt x="2672757" y="3676902"/>
+                  <a:pt x="2672757" y="3676902"/>
+                </a:cubicBezTo>
+                <a:cubicBezTo>
+                  <a:pt x="2691084" y="3710811"/>
+                  <a:pt x="2727737" y="3731679"/>
+                  <a:pt x="2765699" y="3731679"/>
+                </a:cubicBezTo>
+                <a:cubicBezTo>
+                  <a:pt x="3371780" y="3731679"/>
+                  <a:pt x="3371780" y="3731679"/>
+                  <a:pt x="3371780" y="3731679"/>
+                </a:cubicBezTo>
+                <a:cubicBezTo>
+                  <a:pt x="3411050" y="3731679"/>
+                  <a:pt x="3446394" y="3710811"/>
+                  <a:pt x="3466029" y="3676902"/>
+                </a:cubicBezTo>
+                <a:cubicBezTo>
+                  <a:pt x="3768415" y="3153920"/>
+                  <a:pt x="3768415" y="3153920"/>
+                  <a:pt x="3768415" y="3153920"/>
+                </a:cubicBezTo>
+                <a:cubicBezTo>
+                  <a:pt x="3788051" y="3121314"/>
+                  <a:pt x="3788051" y="3079580"/>
+                  <a:pt x="3768415" y="3046975"/>
+                </a:cubicBezTo>
+                <a:cubicBezTo>
+                  <a:pt x="3466029" y="2523992"/>
+                  <a:pt x="3466029" y="2523992"/>
+                  <a:pt x="3466029" y="2523992"/>
+                </a:cubicBezTo>
+                <a:cubicBezTo>
+                  <a:pt x="3456211" y="2507037"/>
+                  <a:pt x="3442467" y="2493343"/>
+                  <a:pt x="3426268" y="2483888"/>
+                </a:cubicBezTo>
+                <a:lnTo>
+                  <a:pt x="3421667" y="2481960"/>
                 </a:lnTo>
                 <a:lnTo>
-                  <a:pt x="2632495" y="2140578"/>
+                  <a:pt x="3446331" y="2439303"/>
                 </a:lnTo>
                 <a:lnTo>
-                  <a:pt x="2677641" y="2159871"/>
-                </a:lnTo>
-                <a:cubicBezTo>
-                  <a:pt x="2702113" y="2166652"/>
-                  <a:pt x="2727732" y="2170210"/>
-                  <a:pt x="2754009" y="2170210"/>
-                </a:cubicBezTo>
-                <a:cubicBezTo>
-                  <a:pt x="4376198" y="2170210"/>
-                  <a:pt x="4376198" y="2170210"/>
-                  <a:pt x="4376198" y="2170210"/>
-                </a:cubicBezTo>
-                <a:cubicBezTo>
-                  <a:pt x="4477805" y="2170210"/>
-                  <a:pt x="4575904" y="2113286"/>
-                  <a:pt x="4624956" y="2020780"/>
-                </a:cubicBezTo>
-                <a:cubicBezTo>
-                  <a:pt x="5437803" y="594055"/>
-                  <a:pt x="5437803" y="594055"/>
-                  <a:pt x="5437803" y="594055"/>
-                </a:cubicBezTo>
-                <a:cubicBezTo>
-                  <a:pt x="5490358" y="505109"/>
-                  <a:pt x="5490358" y="391256"/>
-                  <a:pt x="5437803" y="302307"/>
-                </a:cubicBezTo>
-                <a:cubicBezTo>
-                  <a:pt x="5387000" y="213137"/>
-                  <a:pt x="5339373" y="129540"/>
-                  <a:pt x="5294722" y="51168"/>
-                </a:cubicBezTo>
-                <a:lnTo>
-                  <a:pt x="5265570" y="0"/>
+                  <a:pt x="3464674" y="2407578"/>
                 </a:lnTo>
                 <a:lnTo>
-                  <a:pt x="7476877" y="0"/>
+                  <a:pt x="3445649" y="2399601"/>
+                </a:lnTo>
+                <a:cubicBezTo>
+                  <a:pt x="3435335" y="2396796"/>
+                  <a:pt x="3424538" y="2395325"/>
+                  <a:pt x="3413464" y="2395325"/>
+                </a:cubicBezTo>
+                <a:cubicBezTo>
+                  <a:pt x="2729808" y="2395325"/>
+                  <a:pt x="2729808" y="2395325"/>
+                  <a:pt x="2729808" y="2395325"/>
+                </a:cubicBezTo>
+                <a:cubicBezTo>
+                  <a:pt x="2686987" y="2395325"/>
+                  <a:pt x="2645644" y="2418863"/>
+                  <a:pt x="2624971" y="2457112"/>
+                </a:cubicBezTo>
+                <a:cubicBezTo>
+                  <a:pt x="2282405" y="3047034"/>
+                  <a:pt x="2282405" y="3047034"/>
+                  <a:pt x="2282405" y="3047034"/>
+                </a:cubicBezTo>
+                <a:cubicBezTo>
+                  <a:pt x="2260256" y="3083811"/>
+                  <a:pt x="2260256" y="3130887"/>
+                  <a:pt x="2282405" y="3167666"/>
+                </a:cubicBezTo>
+                <a:cubicBezTo>
+                  <a:pt x="2325225" y="3241406"/>
+                  <a:pt x="2362693" y="3305929"/>
+                  <a:pt x="2395478" y="3362386"/>
+                </a:cubicBezTo>
+                <a:lnTo>
+                  <a:pt x="2412031" y="3390890"/>
                 </a:lnTo>
                 <a:lnTo>
-                  <a:pt x="7476877" y="6858000"/>
+                  <a:pt x="2335350" y="3390890"/>
                 </a:lnTo>
-                <a:lnTo>
-                  <a:pt x="3343303" y="6858000"/>
-                </a:lnTo>
-                <a:lnTo>
-                  <a:pt x="3297958" y="6778065"/>
-                </a:lnTo>
-                <a:cubicBezTo>
-                  <a:pt x="3015657" y="6280421"/>
-                  <a:pt x="2563976" y="5484189"/>
-                  <a:pt x="1841286" y="4210218"/>
-                </a:cubicBezTo>
-                <a:cubicBezTo>
-                  <a:pt x="1716144" y="3998418"/>
-                  <a:pt x="1716144" y="3727316"/>
-                  <a:pt x="1841286" y="3515516"/>
-                </a:cubicBezTo>
-                <a:cubicBezTo>
-                  <a:pt x="1841286" y="3515516"/>
-                  <a:pt x="1841286" y="3515516"/>
-                  <a:pt x="2556859" y="2254092"/>
-                </a:cubicBezTo>
-                <a:lnTo>
-                  <a:pt x="2617166" y="2147787"/>
-                </a:lnTo>
-                <a:lnTo>
-                  <a:pt x="2615044" y="2146880"/>
-                </a:lnTo>
-                <a:cubicBezTo>
-                  <a:pt x="2571686" y="2121084"/>
-                  <a:pt x="2534897" y="2083728"/>
-                  <a:pt x="2508620" y="2037473"/>
-                </a:cubicBezTo>
-                <a:cubicBezTo>
-                  <a:pt x="2508620" y="2037473"/>
-                  <a:pt x="2508620" y="2037473"/>
-                  <a:pt x="1699276" y="610749"/>
-                </a:cubicBezTo>
-                <a:cubicBezTo>
-                  <a:pt x="1646720" y="521803"/>
-                  <a:pt x="1646720" y="407950"/>
-                  <a:pt x="1699276" y="319000"/>
-                </a:cubicBezTo>
-                <a:cubicBezTo>
-                  <a:pt x="1699276" y="319000"/>
-                  <a:pt x="1699276" y="319000"/>
-                  <a:pt x="1843322" y="65075"/>
+                <a:cubicBezTo>
+                  <a:pt x="2096889" y="3390890"/>
+                  <a:pt x="1715352" y="3390890"/>
+                  <a:pt x="1104892" y="3390890"/>
+                </a:cubicBezTo>
+                <a:cubicBezTo>
+                  <a:pt x="1002929" y="3390890"/>
+                  <a:pt x="904482" y="3334842"/>
+                  <a:pt x="855258" y="3243764"/>
+                </a:cubicBezTo>
+                <a:cubicBezTo>
+                  <a:pt x="855258" y="3243764"/>
+                  <a:pt x="855258" y="3243764"/>
+                  <a:pt x="39555" y="1839068"/>
+                </a:cubicBezTo>
+                <a:cubicBezTo>
+                  <a:pt x="-13185" y="1751493"/>
+                  <a:pt x="-13185" y="1639397"/>
+                  <a:pt x="39555" y="1551823"/>
+                </a:cubicBezTo>
+                <a:cubicBezTo>
+                  <a:pt x="39555" y="1551823"/>
+                  <a:pt x="39555" y="1551823"/>
+                  <a:pt x="855258" y="147125"/>
+                </a:cubicBezTo>
+                <a:cubicBezTo>
+                  <a:pt x="904482" y="56047"/>
+                  <a:pt x="1002929" y="0"/>
+                  <a:pt x="1104892" y="0"/>
                 </a:cubicBezTo>
                 <a:close/>
               </a:path>
             </a:pathLst>
           </a:custGeom>
           <a:solidFill>
-            <a:schemeClr val="tx1">
-              <a:lumMod val="50000"/>
-              <a:lumOff val="50000"/>
-              <a:alpha val="15000"/>
-            </a:schemeClr>
+            <a:schemeClr val="tx1"/>
           </a:solidFill>
           <a:ln>
             <a:noFill/>
@@ -8581,448 +8481,6 @@
           </a:p>
         </p:txBody>
       </p:sp>
-      <p:sp>
-        <p:nvSpPr>
-          <p:cNvPr id="4" name="Title 3">
-            <a:extLst>
-              <a:ext uri="{FF2B5EF4-FFF2-40B4-BE49-F238E27FC236}">
-                <a16:creationId xmlns:a16="http://schemas.microsoft.com/office/drawing/2014/main" id="{BB2A1168-7759-4137-9142-9990CD1097B1}"/>
-              </a:ext>
-            </a:extLst>
-          </p:cNvPr>
-          <p:cNvSpPr>
-            <a:spLocks noGrp="1"/>
-          </p:cNvSpPr>
-          <p:nvPr>
-            <p:ph type="ctrTitle"/>
-          </p:nvPr>
-        </p:nvSpPr>
-        <p:spPr>
-          <a:xfrm>
-            <a:off x="1189770" y="1991795"/>
-            <a:ext cx="8131211" cy="3592928"/>
-          </a:xfrm>
-        </p:spPr>
-        <p:txBody>
-          <a:bodyPr anchor="t">
-            <a:normAutofit/>
-          </a:bodyPr>
-          <a:lstStyle/>
-          <a:p>
-            <a:pPr algn="l"/>
-            <a:r>
-              <a:rPr lang="en-US" sz="5000" dirty="0"/>
-              <a:t>Are there disparities in the application of sentence enhancements and sentence mitigation measures?</a:t>
-            </a:r>
-          </a:p>
-        </p:txBody>
-      </p:sp>
-      <p:grpSp>
-        <p:nvGrpSpPr>
-          <p:cNvPr id="13" name="Group 12">
-            <a:extLst>
-              <a:ext uri="{FF2B5EF4-FFF2-40B4-BE49-F238E27FC236}">
-                <a16:creationId xmlns:a16="http://schemas.microsoft.com/office/drawing/2014/main" id="{64B93721-934F-4F1E-A868-0B2BA110D3B5}"/>
-              </a:ext>
-              <a:ext uri="{C183D7F6-B498-43B3-948B-1728B52AA6E4}">
-                <adec:decorative xmlns:adec="http://schemas.microsoft.com/office/drawing/2017/decorative" val="1"/>
-              </a:ext>
-            </a:extLst>
-          </p:cNvPr>
-          <p:cNvGrpSpPr>
-            <a:grpSpLocks noGrp="1" noUngrp="1" noRot="1" noChangeAspect="1" noMove="1" noResize="1"/>
-          </p:cNvGrpSpPr>
-          <p:nvPr>
-            <p:extLst>
-              <p:ext uri="{386F3935-93C4-4BCD-93E2-E3B085C9AB24}">
-                <p16:designElem xmlns:p16="http://schemas.microsoft.com/office/powerpoint/2015/main" val="1"/>
-              </p:ext>
-            </p:extLst>
-          </p:nvPr>
-        </p:nvGrpSpPr>
-        <p:grpSpPr>
-          <a:xfrm>
-            <a:off x="441960" y="561256"/>
-            <a:ext cx="1128382" cy="847206"/>
-            <a:chOff x="7393391" y="1075612"/>
-            <a:chExt cx="1128382" cy="847206"/>
-          </a:xfrm>
-        </p:grpSpPr>
-        <p:sp>
-          <p:nvSpPr>
-            <p:cNvPr id="14" name="Freeform 5">
-              <a:extLst>
-                <a:ext uri="{FF2B5EF4-FFF2-40B4-BE49-F238E27FC236}">
-                  <a16:creationId xmlns:a16="http://schemas.microsoft.com/office/drawing/2014/main" id="{99494AF8-52DE-4016-B1B9-5D16974BAE24}"/>
-                </a:ext>
-                <a:ext uri="{C183D7F6-B498-43B3-948B-1728B52AA6E4}">
-                  <adec:decorative xmlns:adec="http://schemas.microsoft.com/office/drawing/2017/decorative" val="1"/>
-                </a:ext>
-              </a:extLst>
-            </p:cNvPr>
-            <p:cNvSpPr>
-              <a:spLocks/>
-            </p:cNvSpPr>
-            <p:nvPr>
-              <p:extLst>
-                <p:ext uri="{386F3935-93C4-4BCD-93E2-E3B085C9AB24}">
-                  <p16:designElem xmlns:p16="http://schemas.microsoft.com/office/powerpoint/2015/main" val="1"/>
-                </p:ext>
-              </p:extLst>
-            </p:nvPr>
-          </p:nvSpPr>
-          <p:spPr bwMode="auto">
-            <a:xfrm>
-              <a:off x="7393391" y="1327438"/>
-              <a:ext cx="675351" cy="595380"/>
-            </a:xfrm>
-            <a:custGeom>
-              <a:avLst/>
-              <a:gdLst>
-                <a:gd name="T0" fmla="*/ 225 w 785"/>
-                <a:gd name="T1" fmla="*/ 692 h 692"/>
-                <a:gd name="T2" fmla="*/ 177 w 785"/>
-                <a:gd name="T3" fmla="*/ 665 h 692"/>
-                <a:gd name="T4" fmla="*/ 9 w 785"/>
-                <a:gd name="T5" fmla="*/ 374 h 692"/>
-                <a:gd name="T6" fmla="*/ 9 w 785"/>
-                <a:gd name="T7" fmla="*/ 318 h 692"/>
-                <a:gd name="T8" fmla="*/ 177 w 785"/>
-                <a:gd name="T9" fmla="*/ 27 h 692"/>
-                <a:gd name="T10" fmla="*/ 225 w 785"/>
-                <a:gd name="T11" fmla="*/ 0 h 692"/>
-                <a:gd name="T12" fmla="*/ 561 w 785"/>
-                <a:gd name="T13" fmla="*/ 0 h 692"/>
-                <a:gd name="T14" fmla="*/ 609 w 785"/>
-                <a:gd name="T15" fmla="*/ 27 h 692"/>
-                <a:gd name="T16" fmla="*/ 777 w 785"/>
-                <a:gd name="T17" fmla="*/ 318 h 692"/>
-                <a:gd name="T18" fmla="*/ 777 w 785"/>
-                <a:gd name="T19" fmla="*/ 374 h 692"/>
-                <a:gd name="T20" fmla="*/ 609 w 785"/>
-                <a:gd name="T21" fmla="*/ 665 h 692"/>
-                <a:gd name="T22" fmla="*/ 561 w 785"/>
-                <a:gd name="T23" fmla="*/ 692 h 692"/>
-                <a:gd name="T24" fmla="*/ 225 w 785"/>
-                <a:gd name="T25" fmla="*/ 692 h 692"/>
-              </a:gdLst>
-              <a:ahLst/>
-              <a:cxnLst>
-                <a:cxn ang="0">
-                  <a:pos x="T0" y="T1"/>
-                </a:cxn>
-                <a:cxn ang="0">
-                  <a:pos x="T2" y="T3"/>
-                </a:cxn>
-                <a:cxn ang="0">
-                  <a:pos x="T4" y="T5"/>
-                </a:cxn>
-                <a:cxn ang="0">
-                  <a:pos x="T6" y="T7"/>
-                </a:cxn>
-                <a:cxn ang="0">
-                  <a:pos x="T8" y="T9"/>
-                </a:cxn>
-                <a:cxn ang="0">
-                  <a:pos x="T10" y="T11"/>
-                </a:cxn>
-                <a:cxn ang="0">
-                  <a:pos x="T12" y="T13"/>
-                </a:cxn>
-                <a:cxn ang="0">
-                  <a:pos x="T14" y="T15"/>
-                </a:cxn>
-                <a:cxn ang="0">
-                  <a:pos x="T16" y="T17"/>
-                </a:cxn>
-                <a:cxn ang="0">
-                  <a:pos x="T18" y="T19"/>
-                </a:cxn>
-                <a:cxn ang="0">
-                  <a:pos x="T20" y="T21"/>
-                </a:cxn>
-                <a:cxn ang="0">
-                  <a:pos x="T22" y="T23"/>
-                </a:cxn>
-                <a:cxn ang="0">
-                  <a:pos x="T24" y="T25"/>
-                </a:cxn>
-              </a:cxnLst>
-              <a:rect l="0" t="0" r="r" b="b"/>
-              <a:pathLst>
-                <a:path w="785" h="692">
-                  <a:moveTo>
-                    <a:pt x="225" y="692"/>
-                  </a:moveTo>
-                  <a:cubicBezTo>
-                    <a:pt x="207" y="692"/>
-                    <a:pt x="185" y="680"/>
-                    <a:pt x="177" y="665"/>
-                  </a:cubicBezTo>
-                  <a:cubicBezTo>
-                    <a:pt x="9" y="374"/>
-                    <a:pt x="9" y="374"/>
-                    <a:pt x="9" y="374"/>
-                  </a:cubicBezTo>
-                  <a:cubicBezTo>
-                    <a:pt x="0" y="358"/>
-                    <a:pt x="0" y="334"/>
-                    <a:pt x="9" y="318"/>
-                  </a:cubicBezTo>
-                  <a:cubicBezTo>
-                    <a:pt x="177" y="27"/>
-                    <a:pt x="177" y="27"/>
-                    <a:pt x="177" y="27"/>
-                  </a:cubicBezTo>
-                  <a:cubicBezTo>
-                    <a:pt x="185" y="12"/>
-                    <a:pt x="207" y="0"/>
-                    <a:pt x="225" y="0"/>
-                  </a:cubicBezTo>
-                  <a:cubicBezTo>
-                    <a:pt x="561" y="0"/>
-                    <a:pt x="561" y="0"/>
-                    <a:pt x="561" y="0"/>
-                  </a:cubicBezTo>
-                  <a:cubicBezTo>
-                    <a:pt x="578" y="0"/>
-                    <a:pt x="600" y="12"/>
-                    <a:pt x="609" y="27"/>
-                  </a:cubicBezTo>
-                  <a:cubicBezTo>
-                    <a:pt x="777" y="318"/>
-                    <a:pt x="777" y="318"/>
-                    <a:pt x="777" y="318"/>
-                  </a:cubicBezTo>
-                  <a:cubicBezTo>
-                    <a:pt x="785" y="334"/>
-                    <a:pt x="785" y="358"/>
-                    <a:pt x="777" y="374"/>
-                  </a:cubicBezTo>
-                  <a:cubicBezTo>
-                    <a:pt x="609" y="665"/>
-                    <a:pt x="609" y="665"/>
-                    <a:pt x="609" y="665"/>
-                  </a:cubicBezTo>
-                  <a:cubicBezTo>
-                    <a:pt x="600" y="680"/>
-                    <a:pt x="578" y="692"/>
-                    <a:pt x="561" y="692"/>
-                  </a:cubicBezTo>
-                  <a:lnTo>
-                    <a:pt x="225" y="692"/>
-                  </a:lnTo>
-                  <a:close/>
-                </a:path>
-              </a:pathLst>
-            </a:custGeom>
-            <a:noFill/>
-            <a:ln w="28575" cmpd="sng">
-              <a:solidFill>
-                <a:schemeClr val="tx1"/>
-              </a:solidFill>
-            </a:ln>
-          </p:spPr>
-          <p:txBody>
-            <a:bodyPr vert="horz" wrap="square" lIns="91440" tIns="45720" rIns="91440" bIns="45720" numCol="1" anchor="t" anchorCtr="0" compatLnSpc="1">
-              <a:prstTxWarp prst="textNoShape">
-                <a:avLst/>
-              </a:prstTxWarp>
-            </a:bodyPr>
-            <a:lstStyle/>
-            <a:p>
-              <a:endParaRPr lang="en-US"/>
-            </a:p>
-          </p:txBody>
-        </p:sp>
-        <p:sp>
-          <p:nvSpPr>
-            <p:cNvPr id="15" name="Freeform 5">
-              <a:extLst>
-                <a:ext uri="{FF2B5EF4-FFF2-40B4-BE49-F238E27FC236}">
-                  <a16:creationId xmlns:a16="http://schemas.microsoft.com/office/drawing/2014/main" id="{C27115E3-8DBD-460F-8EAD-44E12617413B}"/>
-                </a:ext>
-                <a:ext uri="{C183D7F6-B498-43B3-948B-1728B52AA6E4}">
-                  <adec:decorative xmlns:adec="http://schemas.microsoft.com/office/drawing/2017/decorative" val="1"/>
-                </a:ext>
-              </a:extLst>
-            </p:cNvPr>
-            <p:cNvSpPr>
-              <a:spLocks/>
-            </p:cNvSpPr>
-            <p:nvPr>
-              <p:extLst>
-                <p:ext uri="{386F3935-93C4-4BCD-93E2-E3B085C9AB24}">
-                  <p16:designElem xmlns:p16="http://schemas.microsoft.com/office/powerpoint/2015/main" val="1"/>
-                </p:ext>
-              </p:extLst>
-            </p:nvPr>
-          </p:nvSpPr>
-          <p:spPr bwMode="auto">
-            <a:xfrm>
-              <a:off x="7971281" y="1075612"/>
-              <a:ext cx="550492" cy="485306"/>
-            </a:xfrm>
-            <a:custGeom>
-              <a:avLst/>
-              <a:gdLst>
-                <a:gd name="T0" fmla="*/ 225 w 785"/>
-                <a:gd name="T1" fmla="*/ 692 h 692"/>
-                <a:gd name="T2" fmla="*/ 177 w 785"/>
-                <a:gd name="T3" fmla="*/ 665 h 692"/>
-                <a:gd name="T4" fmla="*/ 9 w 785"/>
-                <a:gd name="T5" fmla="*/ 374 h 692"/>
-                <a:gd name="T6" fmla="*/ 9 w 785"/>
-                <a:gd name="T7" fmla="*/ 318 h 692"/>
-                <a:gd name="T8" fmla="*/ 177 w 785"/>
-                <a:gd name="T9" fmla="*/ 27 h 692"/>
-                <a:gd name="T10" fmla="*/ 225 w 785"/>
-                <a:gd name="T11" fmla="*/ 0 h 692"/>
-                <a:gd name="T12" fmla="*/ 561 w 785"/>
-                <a:gd name="T13" fmla="*/ 0 h 692"/>
-                <a:gd name="T14" fmla="*/ 609 w 785"/>
-                <a:gd name="T15" fmla="*/ 27 h 692"/>
-                <a:gd name="T16" fmla="*/ 777 w 785"/>
-                <a:gd name="T17" fmla="*/ 318 h 692"/>
-                <a:gd name="T18" fmla="*/ 777 w 785"/>
-                <a:gd name="T19" fmla="*/ 374 h 692"/>
-                <a:gd name="T20" fmla="*/ 609 w 785"/>
-                <a:gd name="T21" fmla="*/ 665 h 692"/>
-                <a:gd name="T22" fmla="*/ 561 w 785"/>
-                <a:gd name="T23" fmla="*/ 692 h 692"/>
-                <a:gd name="T24" fmla="*/ 225 w 785"/>
-                <a:gd name="T25" fmla="*/ 692 h 692"/>
-              </a:gdLst>
-              <a:ahLst/>
-              <a:cxnLst>
-                <a:cxn ang="0">
-                  <a:pos x="T0" y="T1"/>
-                </a:cxn>
-                <a:cxn ang="0">
-                  <a:pos x="T2" y="T3"/>
-                </a:cxn>
-                <a:cxn ang="0">
-                  <a:pos x="T4" y="T5"/>
-                </a:cxn>
-                <a:cxn ang="0">
-                  <a:pos x="T6" y="T7"/>
-                </a:cxn>
-                <a:cxn ang="0">
-                  <a:pos x="T8" y="T9"/>
-                </a:cxn>
-                <a:cxn ang="0">
-                  <a:pos x="T10" y="T11"/>
-                </a:cxn>
-                <a:cxn ang="0">
-                  <a:pos x="T12" y="T13"/>
-                </a:cxn>
-                <a:cxn ang="0">
-                  <a:pos x="T14" y="T15"/>
-                </a:cxn>
-                <a:cxn ang="0">
-                  <a:pos x="T16" y="T17"/>
-                </a:cxn>
-                <a:cxn ang="0">
-                  <a:pos x="T18" y="T19"/>
-                </a:cxn>
-                <a:cxn ang="0">
-                  <a:pos x="T20" y="T21"/>
-                </a:cxn>
-                <a:cxn ang="0">
-                  <a:pos x="T22" y="T23"/>
-                </a:cxn>
-                <a:cxn ang="0">
-                  <a:pos x="T24" y="T25"/>
-                </a:cxn>
-              </a:cxnLst>
-              <a:rect l="0" t="0" r="r" b="b"/>
-              <a:pathLst>
-                <a:path w="785" h="692">
-                  <a:moveTo>
-                    <a:pt x="225" y="692"/>
-                  </a:moveTo>
-                  <a:cubicBezTo>
-                    <a:pt x="207" y="692"/>
-                    <a:pt x="185" y="680"/>
-                    <a:pt x="177" y="665"/>
-                  </a:cubicBezTo>
-                  <a:cubicBezTo>
-                    <a:pt x="9" y="374"/>
-                    <a:pt x="9" y="374"/>
-                    <a:pt x="9" y="374"/>
-                  </a:cubicBezTo>
-                  <a:cubicBezTo>
-                    <a:pt x="0" y="358"/>
-                    <a:pt x="0" y="334"/>
-                    <a:pt x="9" y="318"/>
-                  </a:cubicBezTo>
-                  <a:cubicBezTo>
-                    <a:pt x="177" y="27"/>
-                    <a:pt x="177" y="27"/>
-                    <a:pt x="177" y="27"/>
-                  </a:cubicBezTo>
-                  <a:cubicBezTo>
-                    <a:pt x="185" y="12"/>
-                    <a:pt x="207" y="0"/>
-                    <a:pt x="225" y="0"/>
-                  </a:cubicBezTo>
-                  <a:cubicBezTo>
-                    <a:pt x="561" y="0"/>
-                    <a:pt x="561" y="0"/>
-                    <a:pt x="561" y="0"/>
-                  </a:cubicBezTo>
-                  <a:cubicBezTo>
-                    <a:pt x="578" y="0"/>
-                    <a:pt x="600" y="12"/>
-                    <a:pt x="609" y="27"/>
-                  </a:cubicBezTo>
-                  <a:cubicBezTo>
-                    <a:pt x="777" y="318"/>
-                    <a:pt x="777" y="318"/>
-                    <a:pt x="777" y="318"/>
-                  </a:cubicBezTo>
-                  <a:cubicBezTo>
-                    <a:pt x="785" y="334"/>
-                    <a:pt x="785" y="358"/>
-                    <a:pt x="777" y="374"/>
-                  </a:cubicBezTo>
-                  <a:cubicBezTo>
-                    <a:pt x="609" y="665"/>
-                    <a:pt x="609" y="665"/>
-                    <a:pt x="609" y="665"/>
-                  </a:cubicBezTo>
-                  <a:cubicBezTo>
-                    <a:pt x="600" y="680"/>
-                    <a:pt x="578" y="692"/>
-                    <a:pt x="561" y="692"/>
-                  </a:cubicBezTo>
-                  <a:lnTo>
-                    <a:pt x="225" y="692"/>
-                  </a:lnTo>
-                  <a:close/>
-                </a:path>
-              </a:pathLst>
-            </a:custGeom>
-            <a:noFill/>
-            <a:ln w="28575" cmpd="sng">
-              <a:solidFill>
-                <a:schemeClr val="tx1"/>
-              </a:solidFill>
-            </a:ln>
-          </p:spPr>
-          <p:txBody>
-            <a:bodyPr vert="horz" wrap="square" lIns="91440" tIns="45720" rIns="91440" bIns="45720" numCol="1" anchor="t" anchorCtr="0" compatLnSpc="1">
-              <a:prstTxWarp prst="textNoShape">
-                <a:avLst/>
-              </a:prstTxWarp>
-            </a:bodyPr>
-            <a:lstStyle/>
-            <a:p>
-              <a:endParaRPr lang="en-US"/>
-            </a:p>
-          </p:txBody>
-        </p:sp>
-      </p:grpSp>
     </p:spTree>
     <p:extLst>
       <p:ext uri="{BB962C8B-B14F-4D97-AF65-F5344CB8AC3E}">
@@ -10820,6 +10278,9 @@
           <a:prstGeom prst="roundRect">
             <a:avLst/>
           </a:prstGeom>
+          <a:solidFill>
+            <a:srgbClr val="EAF1F6"/>
+          </a:solidFill>
         </p:spPr>
         <p:style>
           <a:lnRef idx="2">
@@ -10884,6 +10345,9 @@
           <a:prstGeom prst="roundRect">
             <a:avLst/>
           </a:prstGeom>
+          <a:solidFill>
+            <a:srgbClr val="EAF1F6"/>
+          </a:solidFill>
         </p:spPr>
         <p:style>
           <a:lnRef idx="2">
@@ -11751,6 +11215,9 @@
           <a:prstGeom prst="roundRect">
             <a:avLst/>
           </a:prstGeom>
+          <a:solidFill>
+            <a:srgbClr val="EAF1F6"/>
+          </a:solidFill>
         </p:spPr>
         <p:style>
           <a:lnRef idx="2">
@@ -11815,6 +11282,9 @@
           <a:prstGeom prst="roundRect">
             <a:avLst/>
           </a:prstGeom>
+          <a:solidFill>
+            <a:srgbClr val="EAF1F6"/>
+          </a:solidFill>
         </p:spPr>
         <p:style>
           <a:lnRef idx="2">
@@ -12682,6 +12152,9 @@
           <a:prstGeom prst="roundRect">
             <a:avLst/>
           </a:prstGeom>
+          <a:solidFill>
+            <a:srgbClr val="EAF1F6"/>
+          </a:solidFill>
         </p:spPr>
         <p:style>
           <a:lnRef idx="2">
@@ -12746,6 +12219,9 @@
           <a:prstGeom prst="roundRect">
             <a:avLst/>
           </a:prstGeom>
+          <a:solidFill>
+            <a:srgbClr val="EAF1F6"/>
+          </a:solidFill>
         </p:spPr>
         <p:style>
           <a:lnRef idx="2">
@@ -14892,6 +14368,9 @@
           <a:prstGeom prst="roundRect">
             <a:avLst/>
           </a:prstGeom>
+          <a:solidFill>
+            <a:srgbClr val="EAF1F6"/>
+          </a:solidFill>
         </p:spPr>
         <p:style>
           <a:lnRef idx="2">
@@ -14956,6 +14435,9 @@
           <a:prstGeom prst="roundRect">
             <a:avLst/>
           </a:prstGeom>
+          <a:solidFill>
+            <a:srgbClr val="EAF1F6"/>
+          </a:solidFill>
         </p:spPr>
         <p:style>
           <a:lnRef idx="2">
@@ -15275,6 +14757,9 @@
           <a:prstGeom prst="roundRect">
             <a:avLst/>
           </a:prstGeom>
+          <a:solidFill>
+            <a:srgbClr val="EAF1F6"/>
+          </a:solidFill>
         </p:spPr>
         <p:style>
           <a:lnRef idx="2">
@@ -15339,6 +14824,9 @@
           <a:prstGeom prst="roundRect">
             <a:avLst/>
           </a:prstGeom>
+          <a:solidFill>
+            <a:srgbClr val="EAF1F6"/>
+          </a:solidFill>
         </p:spPr>
         <p:style>
           <a:lnRef idx="2">
@@ -15716,6 +15204,9 @@
           <a:prstGeom prst="roundRect">
             <a:avLst/>
           </a:prstGeom>
+          <a:solidFill>
+            <a:srgbClr val="EAF1F6"/>
+          </a:solidFill>
         </p:spPr>
         <p:style>
           <a:lnRef idx="2">
@@ -15849,83 +15340,6 @@
       <p:bldP spid="10" grpId="0"/>
     </p:bldLst>
   </p:timing>
-</p:sld>
-</file>
-
-<file path=ppt/slides/slide23.xml><?xml version="1.0" encoding="utf-8"?>
-<p:sld xmlns:a="http://schemas.openxmlformats.org/drawingml/2006/main" xmlns:r="http://schemas.openxmlformats.org/officeDocument/2006/relationships" xmlns:p="http://schemas.openxmlformats.org/presentationml/2006/main">
-  <p:cSld>
-    <p:bg>
-      <p:bgPr>
-        <a:solidFill>
-          <a:srgbClr val="26455C"/>
-        </a:solidFill>
-        <a:effectLst/>
-      </p:bgPr>
-    </p:bg>
-    <p:spTree>
-      <p:nvGrpSpPr>
-        <p:cNvPr id="1" name=""/>
-        <p:cNvGrpSpPr/>
-        <p:nvPr/>
-      </p:nvGrpSpPr>
-      <p:grpSpPr>
-        <a:xfrm>
-          <a:off x="0" y="0"/>
-          <a:ext cx="0" cy="0"/>
-          <a:chOff x="0" y="0"/>
-          <a:chExt cx="0" cy="0"/>
-        </a:xfrm>
-      </p:grpSpPr>
-      <p:sp>
-        <p:nvSpPr>
-          <p:cNvPr id="4" name="Title 3">
-            <a:extLst>
-              <a:ext uri="{FF2B5EF4-FFF2-40B4-BE49-F238E27FC236}">
-                <a16:creationId xmlns:a16="http://schemas.microsoft.com/office/drawing/2014/main" id="{BB2A1168-7759-4137-9142-9990CD1097B1}"/>
-              </a:ext>
-            </a:extLst>
-          </p:cNvPr>
-          <p:cNvSpPr>
-            <a:spLocks noGrp="1"/>
-          </p:cNvSpPr>
-          <p:nvPr>
-            <p:ph type="ctrTitle"/>
-          </p:nvPr>
-        </p:nvSpPr>
-        <p:spPr>
-          <a:xfrm>
-            <a:off x="1524000" y="1828873"/>
-            <a:ext cx="9144000" cy="2050670"/>
-          </a:xfrm>
-        </p:spPr>
-        <p:txBody>
-          <a:bodyPr>
-            <a:normAutofit/>
-          </a:bodyPr>
-          <a:lstStyle/>
-          <a:p>
-            <a:r>
-              <a:rPr lang="en-US" sz="6000" b="1" dirty="0">
-                <a:solidFill>
-                  <a:schemeClr val="bg1"/>
-                </a:solidFill>
-              </a:rPr>
-              <a:t>Questions?</a:t>
-            </a:r>
-          </a:p>
-        </p:txBody>
-      </p:sp>
-    </p:spTree>
-    <p:extLst>
-      <p:ext uri="{BB962C8B-B14F-4D97-AF65-F5344CB8AC3E}">
-        <p14:creationId xmlns:p14="http://schemas.microsoft.com/office/powerpoint/2010/main" val="3989912933"/>
-      </p:ext>
-    </p:extLst>
-  </p:cSld>
-  <p:clrMapOvr>
-    <a:masterClrMapping/>
-  </p:clrMapOvr>
 </p:sld>
 </file>
 
@@ -17285,80 +16699,79 @@
           <a:lstStyle/>
           <a:p>
             <a:r>
-              <a:rPr lang="en-US"/>
+              <a:rPr lang="en-US" dirty="0"/>
               <a:t>Federal law:</a:t>
             </a:r>
           </a:p>
           <a:p>
             <a:pPr lvl="1"/>
             <a:r>
-              <a:rPr lang="en-US"/>
+              <a:rPr lang="en-US" dirty="0"/>
               <a:t>Drug possession and sales</a:t>
             </a:r>
           </a:p>
           <a:p>
             <a:pPr lvl="1"/>
             <a:r>
-              <a:rPr lang="en-US"/>
+              <a:rPr lang="en-US" dirty="0"/>
               <a:t>Immigration</a:t>
             </a:r>
           </a:p>
           <a:p>
             <a:pPr lvl="1"/>
             <a:r>
-              <a:rPr lang="en-US"/>
+              <a:rPr lang="en-US" dirty="0"/>
               <a:t>Tax fraud and counterfeiting of money</a:t>
             </a:r>
           </a:p>
           <a:p>
             <a:pPr lvl="1"/>
             <a:r>
-              <a:rPr lang="en-US"/>
+              <a:rPr lang="en-US" dirty="0"/>
               <a:t>Bank robbery</a:t>
             </a:r>
           </a:p>
           <a:p>
             <a:pPr lvl="1"/>
             <a:r>
-              <a:rPr lang="en-US"/>
+              <a:rPr lang="en-US" dirty="0"/>
               <a:t>State crimes that</a:t>
             </a:r>
           </a:p>
           <a:p>
             <a:pPr lvl="2"/>
             <a:r>
-              <a:rPr lang="en-US"/>
+              <a:rPr lang="en-US" dirty="0"/>
               <a:t>Occur on federal land;</a:t>
             </a:r>
           </a:p>
           <a:p>
             <a:pPr lvl="2"/>
             <a:r>
-              <a:rPr lang="en-US"/>
+              <a:rPr lang="en-US" dirty="0"/>
               <a:t>Are committed against federal agents;</a:t>
             </a:r>
           </a:p>
           <a:p>
             <a:pPr lvl="2"/>
             <a:r>
-              <a:rPr lang="en-US"/>
+              <a:rPr lang="en-US" dirty="0"/>
               <a:t>Cross state lines;</a:t>
             </a:r>
           </a:p>
           <a:p>
             <a:pPr lvl="2"/>
             <a:r>
-              <a:rPr lang="en-US"/>
+              <a:rPr lang="en-US" dirty="0"/>
               <a:t>Occur in Washington D.C. or in international waters;</a:t>
             </a:r>
           </a:p>
           <a:p>
             <a:pPr lvl="2"/>
             <a:r>
-              <a:rPr lang="en-US"/>
+              <a:rPr lang="en-US" dirty="0"/>
               <a:t>Are investigated by a federal agency, such as the FBI</a:t>
             </a:r>
-            <a:endParaRPr lang="en-US" dirty="0"/>
           </a:p>
         </p:txBody>
       </p:sp>
@@ -18017,7 +17430,7 @@
     <p:bg>
       <p:bgPr>
         <a:solidFill>
-          <a:srgbClr val="EAF1F6"/>
+          <a:schemeClr val="bg1"/>
         </a:solidFill>
         <a:effectLst/>
       </p:bgPr>
@@ -18038,10 +17451,10 @@
       </p:grpSpPr>
       <p:sp useBgFill="1">
         <p:nvSpPr>
-          <p:cNvPr id="9" name="Rectangle 8">
+          <p:cNvPr id="20" name="Rectangle 19">
             <a:extLst>
               <a:ext uri="{FF2B5EF4-FFF2-40B4-BE49-F238E27FC236}">
-                <a16:creationId xmlns:a16="http://schemas.microsoft.com/office/drawing/2014/main" id="{16F9E488-0718-4E1E-9D12-26779F606252}"/>
+                <a16:creationId xmlns:a16="http://schemas.microsoft.com/office/drawing/2014/main" id="{C475749F-F487-4EFB-ABC7-C1359590EB76}"/>
               </a:ext>
               <a:ext uri="{C183D7F6-B498-43B3-948B-1728B52AA6E4}">
                 <adec:decorative xmlns:adec="http://schemas.microsoft.com/office/drawing/2017/decorative" val="1"/>
@@ -18098,10 +17511,46 @@
       </p:sp>
       <p:sp>
         <p:nvSpPr>
-          <p:cNvPr id="11" name="Freeform: Shape 10">
+          <p:cNvPr id="4" name="Title 3">
             <a:extLst>
               <a:ext uri="{FF2B5EF4-FFF2-40B4-BE49-F238E27FC236}">
-                <a16:creationId xmlns:a16="http://schemas.microsoft.com/office/drawing/2014/main" id="{D20AEB5B-DFC7-42B4-9FAA-6B95E01D0FCE}"/>
+                <a16:creationId xmlns:a16="http://schemas.microsoft.com/office/drawing/2014/main" id="{BB2A1168-7759-4137-9142-9990CD1097B1}"/>
+              </a:ext>
+            </a:extLst>
+          </p:cNvPr>
+          <p:cNvSpPr>
+            <a:spLocks noGrp="1"/>
+          </p:cNvSpPr>
+          <p:nvPr>
+            <p:ph type="ctrTitle"/>
+          </p:nvPr>
+        </p:nvSpPr>
+        <p:spPr>
+          <a:xfrm>
+            <a:off x="880281" y="921452"/>
+            <a:ext cx="4985018" cy="3268639"/>
+          </a:xfrm>
+        </p:spPr>
+        <p:txBody>
+          <a:bodyPr anchor="b">
+            <a:normAutofit/>
+          </a:bodyPr>
+          <a:lstStyle/>
+          <a:p>
+            <a:pPr algn="l"/>
+            <a:r>
+              <a:rPr lang="en-US" sz="3400"/>
+              <a:t>Are there racial disparities between the sentencing population and the general population in Tennessee?</a:t>
+            </a:r>
+          </a:p>
+        </p:txBody>
+      </p:sp>
+      <p:sp>
+        <p:nvSpPr>
+          <p:cNvPr id="22" name="Freeform: Shape 21">
+            <a:extLst>
+              <a:ext uri="{FF2B5EF4-FFF2-40B4-BE49-F238E27FC236}">
+                <a16:creationId xmlns:a16="http://schemas.microsoft.com/office/drawing/2014/main" id="{16D6FAA8-41A5-46EA-A8AB-E9D2754A6F32}"/>
               </a:ext>
               <a:ext uri="{C183D7F6-B498-43B3-948B-1728B52AA6E4}">
                 <adec:decorative xmlns:adec="http://schemas.microsoft.com/office/drawing/2017/decorative" val="1"/>
@@ -18121,126 +17570,158 @@
         </p:nvSpPr>
         <p:spPr>
           <a:xfrm>
-            <a:off x="4715124" y="0"/>
-            <a:ext cx="7476877" cy="6858000"/>
+            <a:off x="6000601" y="1073777"/>
+            <a:ext cx="5623281" cy="4686943"/>
           </a:xfrm>
           <a:custGeom>
             <a:avLst/>
             <a:gdLst>
-              <a:gd name="connsiteX0" fmla="*/ 637332 w 7476877"/>
-              <a:gd name="connsiteY0" fmla="*/ 4332728 h 6858000"/>
-              <a:gd name="connsiteX1" fmla="*/ 1576347 w 7476877"/>
-              <a:gd name="connsiteY1" fmla="*/ 4332728 h 6858000"/>
-              <a:gd name="connsiteX2" fmla="*/ 1720345 w 7476877"/>
-              <a:gd name="connsiteY2" fmla="*/ 4419228 h 6858000"/>
-              <a:gd name="connsiteX3" fmla="*/ 2190864 w 7476877"/>
-              <a:gd name="connsiteY3" fmla="*/ 5245095 h 6858000"/>
-              <a:gd name="connsiteX4" fmla="*/ 2190864 w 7476877"/>
-              <a:gd name="connsiteY4" fmla="*/ 5413976 h 6858000"/>
-              <a:gd name="connsiteX5" fmla="*/ 1720345 w 7476877"/>
-              <a:gd name="connsiteY5" fmla="*/ 6239844 h 6858000"/>
-              <a:gd name="connsiteX6" fmla="*/ 1576347 w 7476877"/>
-              <a:gd name="connsiteY6" fmla="*/ 6326343 h 6858000"/>
-              <a:gd name="connsiteX7" fmla="*/ 637332 w 7476877"/>
-              <a:gd name="connsiteY7" fmla="*/ 6326343 h 6858000"/>
-              <a:gd name="connsiteX8" fmla="*/ 491309 w 7476877"/>
-              <a:gd name="connsiteY8" fmla="*/ 6239844 h 6858000"/>
-              <a:gd name="connsiteX9" fmla="*/ 22817 w 7476877"/>
-              <a:gd name="connsiteY9" fmla="*/ 5413976 h 6858000"/>
-              <a:gd name="connsiteX10" fmla="*/ 22817 w 7476877"/>
-              <a:gd name="connsiteY10" fmla="*/ 5245095 h 6858000"/>
-              <a:gd name="connsiteX11" fmla="*/ 491309 w 7476877"/>
-              <a:gd name="connsiteY11" fmla="*/ 4419228 h 6858000"/>
-              <a:gd name="connsiteX12" fmla="*/ 637332 w 7476877"/>
-              <a:gd name="connsiteY12" fmla="*/ 4332728 h 6858000"/>
-              <a:gd name="connsiteX13" fmla="*/ 3853980 w 7476877"/>
-              <a:gd name="connsiteY13" fmla="*/ 0 h 6858000"/>
-              <a:gd name="connsiteX14" fmla="*/ 5043644 w 7476877"/>
-              <a:gd name="connsiteY14" fmla="*/ 0 h 6858000"/>
-              <a:gd name="connsiteX15" fmla="*/ 5083740 w 7476877"/>
-              <a:gd name="connsiteY15" fmla="*/ 70378 h 6858000"/>
-              <a:gd name="connsiteX16" fmla="*/ 5225307 w 7476877"/>
-              <a:gd name="connsiteY16" fmla="*/ 318859 h 6858000"/>
-              <a:gd name="connsiteX17" fmla="*/ 5225307 w 7476877"/>
-              <a:gd name="connsiteY17" fmla="*/ 577503 h 6858000"/>
-              <a:gd name="connsiteX18" fmla="*/ 4504695 w 7476877"/>
-              <a:gd name="connsiteY18" fmla="*/ 1842337 h 6858000"/>
-              <a:gd name="connsiteX19" fmla="*/ 4284162 w 7476877"/>
-              <a:gd name="connsiteY19" fmla="*/ 1974811 h 6858000"/>
-              <a:gd name="connsiteX20" fmla="*/ 2846045 w 7476877"/>
-              <a:gd name="connsiteY20" fmla="*/ 1974811 h 6858000"/>
-              <a:gd name="connsiteX21" fmla="*/ 2778342 w 7476877"/>
-              <a:gd name="connsiteY21" fmla="*/ 1965645 h 6858000"/>
-              <a:gd name="connsiteX22" fmla="*/ 2731777 w 7476877"/>
-              <a:gd name="connsiteY22" fmla="*/ 1945746 h 6858000"/>
-              <a:gd name="connsiteX23" fmla="*/ 2760233 w 7476877"/>
-              <a:gd name="connsiteY23" fmla="*/ 1895581 h 6858000"/>
-              <a:gd name="connsiteX24" fmla="*/ 3768459 w 7476877"/>
-              <a:gd name="connsiteY24" fmla="*/ 118263 h 6858000"/>
-              <a:gd name="connsiteX25" fmla="*/ 3819932 w 7476877"/>
-              <a:gd name="connsiteY25" fmla="*/ 39732 h 6858000"/>
-              <a:gd name="connsiteX26" fmla="*/ 1880237 w 7476877"/>
-              <a:gd name="connsiteY26" fmla="*/ 0 h 6858000"/>
-              <a:gd name="connsiteX27" fmla="*/ 2102124 w 7476877"/>
-              <a:gd name="connsiteY27" fmla="*/ 0 h 6858000"/>
-              <a:gd name="connsiteX28" fmla="*/ 2086946 w 7476877"/>
-              <a:gd name="connsiteY28" fmla="*/ 26756 h 6858000"/>
-              <a:gd name="connsiteX29" fmla="*/ 1911773 w 7476877"/>
-              <a:gd name="connsiteY29" fmla="*/ 335552 h 6858000"/>
-              <a:gd name="connsiteX30" fmla="*/ 1911773 w 7476877"/>
-              <a:gd name="connsiteY30" fmla="*/ 594199 h 6858000"/>
-              <a:gd name="connsiteX31" fmla="*/ 2629280 w 7476877"/>
-              <a:gd name="connsiteY31" fmla="*/ 1859030 h 6858000"/>
-              <a:gd name="connsiteX32" fmla="*/ 2723627 w 7476877"/>
-              <a:gd name="connsiteY32" fmla="*/ 1956020 h 6858000"/>
-              <a:gd name="connsiteX33" fmla="*/ 2734544 w 7476877"/>
-              <a:gd name="connsiteY33" fmla="*/ 1960685 h 6858000"/>
-              <a:gd name="connsiteX34" fmla="*/ 2676021 w 7476877"/>
-              <a:gd name="connsiteY34" fmla="*/ 2063851 h 6858000"/>
-              <a:gd name="connsiteX35" fmla="*/ 2632495 w 7476877"/>
-              <a:gd name="connsiteY35" fmla="*/ 2140578 h 6858000"/>
-              <a:gd name="connsiteX36" fmla="*/ 2677641 w 7476877"/>
-              <a:gd name="connsiteY36" fmla="*/ 2159871 h 6858000"/>
-              <a:gd name="connsiteX37" fmla="*/ 2754009 w 7476877"/>
-              <a:gd name="connsiteY37" fmla="*/ 2170210 h 6858000"/>
-              <a:gd name="connsiteX38" fmla="*/ 4376198 w 7476877"/>
-              <a:gd name="connsiteY38" fmla="*/ 2170210 h 6858000"/>
-              <a:gd name="connsiteX39" fmla="*/ 4624956 w 7476877"/>
-              <a:gd name="connsiteY39" fmla="*/ 2020780 h 6858000"/>
-              <a:gd name="connsiteX40" fmla="*/ 5437803 w 7476877"/>
-              <a:gd name="connsiteY40" fmla="*/ 594055 h 6858000"/>
-              <a:gd name="connsiteX41" fmla="*/ 5437803 w 7476877"/>
-              <a:gd name="connsiteY41" fmla="*/ 302307 h 6858000"/>
-              <a:gd name="connsiteX42" fmla="*/ 5294722 w 7476877"/>
-              <a:gd name="connsiteY42" fmla="*/ 51168 h 6858000"/>
-              <a:gd name="connsiteX43" fmla="*/ 5265570 w 7476877"/>
-              <a:gd name="connsiteY43" fmla="*/ 0 h 6858000"/>
-              <a:gd name="connsiteX44" fmla="*/ 7476877 w 7476877"/>
-              <a:gd name="connsiteY44" fmla="*/ 0 h 6858000"/>
-              <a:gd name="connsiteX45" fmla="*/ 7476877 w 7476877"/>
-              <a:gd name="connsiteY45" fmla="*/ 6858000 h 6858000"/>
-              <a:gd name="connsiteX46" fmla="*/ 3343303 w 7476877"/>
-              <a:gd name="connsiteY46" fmla="*/ 6858000 h 6858000"/>
-              <a:gd name="connsiteX47" fmla="*/ 3297958 w 7476877"/>
-              <a:gd name="connsiteY47" fmla="*/ 6778065 h 6858000"/>
-              <a:gd name="connsiteX48" fmla="*/ 1841286 w 7476877"/>
-              <a:gd name="connsiteY48" fmla="*/ 4210218 h 6858000"/>
-              <a:gd name="connsiteX49" fmla="*/ 1841286 w 7476877"/>
-              <a:gd name="connsiteY49" fmla="*/ 3515516 h 6858000"/>
-              <a:gd name="connsiteX50" fmla="*/ 2556859 w 7476877"/>
-              <a:gd name="connsiteY50" fmla="*/ 2254092 h 6858000"/>
-              <a:gd name="connsiteX51" fmla="*/ 2617166 w 7476877"/>
-              <a:gd name="connsiteY51" fmla="*/ 2147787 h 6858000"/>
-              <a:gd name="connsiteX52" fmla="*/ 2615044 w 7476877"/>
-              <a:gd name="connsiteY52" fmla="*/ 2146880 h 6858000"/>
-              <a:gd name="connsiteX53" fmla="*/ 2508620 w 7476877"/>
-              <a:gd name="connsiteY53" fmla="*/ 2037473 h 6858000"/>
-              <a:gd name="connsiteX54" fmla="*/ 1699276 w 7476877"/>
-              <a:gd name="connsiteY54" fmla="*/ 610749 h 6858000"/>
-              <a:gd name="connsiteX55" fmla="*/ 1699276 w 7476877"/>
-              <a:gd name="connsiteY55" fmla="*/ 319000 h 6858000"/>
-              <a:gd name="connsiteX56" fmla="*/ 1843322 w 7476877"/>
-              <a:gd name="connsiteY56" fmla="*/ 65075 h 6858000"/>
+              <a:gd name="connsiteX0" fmla="*/ 2768595 w 4574113"/>
+              <a:gd name="connsiteY0" fmla="*/ 2476119 h 3812472"/>
+              <a:gd name="connsiteX1" fmla="*/ 3374676 w 4574113"/>
+              <a:gd name="connsiteY1" fmla="*/ 2476119 h 3812472"/>
+              <a:gd name="connsiteX2" fmla="*/ 3403209 w 4574113"/>
+              <a:gd name="connsiteY2" fmla="*/ 2479909 h 3812472"/>
+              <a:gd name="connsiteX3" fmla="*/ 3422833 w 4574113"/>
+              <a:gd name="connsiteY3" fmla="*/ 2488137 h 3812472"/>
+              <a:gd name="connsiteX4" fmla="*/ 3410840 w 4574113"/>
+              <a:gd name="connsiteY4" fmla="*/ 2508879 h 3812472"/>
+              <a:gd name="connsiteX5" fmla="*/ 2985934 w 4574113"/>
+              <a:gd name="connsiteY5" fmla="*/ 3243764 h 3812472"/>
+              <a:gd name="connsiteX6" fmla="*/ 2732784 w 4574113"/>
+              <a:gd name="connsiteY6" fmla="*/ 3390890 h 3812472"/>
+              <a:gd name="connsiteX7" fmla="*/ 2529297 w 4574113"/>
+              <a:gd name="connsiteY7" fmla="*/ 3390890 h 3812472"/>
+              <a:gd name="connsiteX8" fmla="*/ 2505559 w 4574113"/>
+              <a:gd name="connsiteY8" fmla="*/ 3390890 h 3812472"/>
+              <a:gd name="connsiteX9" fmla="*/ 2482907 w 4574113"/>
+              <a:gd name="connsiteY9" fmla="*/ 3351884 h 3812472"/>
+              <a:gd name="connsiteX10" fmla="*/ 2371959 w 4574113"/>
+              <a:gd name="connsiteY10" fmla="*/ 3160822 h 3812472"/>
+              <a:gd name="connsiteX11" fmla="*/ 2371959 w 4574113"/>
+              <a:gd name="connsiteY11" fmla="*/ 3053878 h 3812472"/>
+              <a:gd name="connsiteX12" fmla="*/ 2675654 w 4574113"/>
+              <a:gd name="connsiteY12" fmla="*/ 2530895 h 3812472"/>
+              <a:gd name="connsiteX13" fmla="*/ 2768595 w 4574113"/>
+              <a:gd name="connsiteY13" fmla="*/ 2476119 h 3812472"/>
+              <a:gd name="connsiteX14" fmla="*/ 3909778 w 4574113"/>
+              <a:gd name="connsiteY14" fmla="*/ 676847 h 3812472"/>
+              <a:gd name="connsiteX15" fmla="*/ 4305516 w 4574113"/>
+              <a:gd name="connsiteY15" fmla="*/ 676847 h 3812472"/>
+              <a:gd name="connsiteX16" fmla="*/ 4367056 w 4574113"/>
+              <a:gd name="connsiteY16" fmla="*/ 712612 h 3812472"/>
+              <a:gd name="connsiteX17" fmla="*/ 4564498 w 4574113"/>
+              <a:gd name="connsiteY17" fmla="*/ 1054092 h 3812472"/>
+              <a:gd name="connsiteX18" fmla="*/ 4564498 w 4574113"/>
+              <a:gd name="connsiteY18" fmla="*/ 1123921 h 3812472"/>
+              <a:gd name="connsiteX19" fmla="*/ 4367056 w 4574113"/>
+              <a:gd name="connsiteY19" fmla="*/ 1465401 h 3812472"/>
+              <a:gd name="connsiteX20" fmla="*/ 4305516 w 4574113"/>
+              <a:gd name="connsiteY20" fmla="*/ 1501167 h 3812472"/>
+              <a:gd name="connsiteX21" fmla="*/ 3909778 w 4574113"/>
+              <a:gd name="connsiteY21" fmla="*/ 1501167 h 3812472"/>
+              <a:gd name="connsiteX22" fmla="*/ 3849091 w 4574113"/>
+              <a:gd name="connsiteY22" fmla="*/ 1465401 h 3812472"/>
+              <a:gd name="connsiteX23" fmla="*/ 3650795 w 4574113"/>
+              <a:gd name="connsiteY23" fmla="*/ 1123921 h 3812472"/>
+              <a:gd name="connsiteX24" fmla="*/ 3650795 w 4574113"/>
+              <a:gd name="connsiteY24" fmla="*/ 1054092 h 3812472"/>
+              <a:gd name="connsiteX25" fmla="*/ 3849091 w 4574113"/>
+              <a:gd name="connsiteY25" fmla="*/ 712612 h 3812472"/>
+              <a:gd name="connsiteX26" fmla="*/ 3909778 w 4574113"/>
+              <a:gd name="connsiteY26" fmla="*/ 676847 h 3812472"/>
+              <a:gd name="connsiteX27" fmla="*/ 1104892 w 4574113"/>
+              <a:gd name="connsiteY27" fmla="*/ 0 h 3812472"/>
+              <a:gd name="connsiteX28" fmla="*/ 2732784 w 4574113"/>
+              <a:gd name="connsiteY28" fmla="*/ 0 h 3812472"/>
+              <a:gd name="connsiteX29" fmla="*/ 2985934 w 4574113"/>
+              <a:gd name="connsiteY29" fmla="*/ 147125 h 3812472"/>
+              <a:gd name="connsiteX30" fmla="*/ 3798122 w 4574113"/>
+              <a:gd name="connsiteY30" fmla="*/ 1551823 h 3812472"/>
+              <a:gd name="connsiteX31" fmla="*/ 3798122 w 4574113"/>
+              <a:gd name="connsiteY31" fmla="*/ 1839068 h 3812472"/>
+              <a:gd name="connsiteX32" fmla="*/ 3496551 w 4574113"/>
+              <a:gd name="connsiteY32" fmla="*/ 2360642 h 3812472"/>
+              <a:gd name="connsiteX33" fmla="*/ 3471135 w 4574113"/>
+              <a:gd name="connsiteY33" fmla="*/ 2404597 h 3812472"/>
+              <a:gd name="connsiteX34" fmla="*/ 3472029 w 4574113"/>
+              <a:gd name="connsiteY34" fmla="*/ 2404972 h 3812472"/>
+              <a:gd name="connsiteX35" fmla="*/ 3516881 w 4574113"/>
+              <a:gd name="connsiteY35" fmla="*/ 2450209 h 3812472"/>
+              <a:gd name="connsiteX36" fmla="*/ 3857970 w 4574113"/>
+              <a:gd name="connsiteY36" fmla="*/ 3040131 h 3812472"/>
+              <a:gd name="connsiteX37" fmla="*/ 3857970 w 4574113"/>
+              <a:gd name="connsiteY37" fmla="*/ 3160764 h 3812472"/>
+              <a:gd name="connsiteX38" fmla="*/ 3516881 w 4574113"/>
+              <a:gd name="connsiteY38" fmla="*/ 3750684 h 3812472"/>
+              <a:gd name="connsiteX39" fmla="*/ 3410567 w 4574113"/>
+              <a:gd name="connsiteY39" fmla="*/ 3812472 h 3812472"/>
+              <a:gd name="connsiteX40" fmla="*/ 2726911 w 4574113"/>
+              <a:gd name="connsiteY40" fmla="*/ 3812472 h 3812472"/>
+              <a:gd name="connsiteX41" fmla="*/ 2622074 w 4574113"/>
+              <a:gd name="connsiteY41" fmla="*/ 3750684 h 3812472"/>
+              <a:gd name="connsiteX42" fmla="*/ 2438330 w 4574113"/>
+              <a:gd name="connsiteY42" fmla="*/ 3434265 h 3812472"/>
+              <a:gd name="connsiteX43" fmla="*/ 2417573 w 4574113"/>
+              <a:gd name="connsiteY43" fmla="*/ 3398519 h 3812472"/>
+              <a:gd name="connsiteX44" fmla="*/ 2433905 w 4574113"/>
+              <a:gd name="connsiteY44" fmla="*/ 3398519 h 3812472"/>
+              <a:gd name="connsiteX45" fmla="*/ 2511101 w 4574113"/>
+              <a:gd name="connsiteY45" fmla="*/ 3398519 h 3812472"/>
+              <a:gd name="connsiteX46" fmla="*/ 2544636 w 4574113"/>
+              <a:gd name="connsiteY46" fmla="*/ 3456269 h 3812472"/>
+              <a:gd name="connsiteX47" fmla="*/ 2672757 w 4574113"/>
+              <a:gd name="connsiteY47" fmla="*/ 3676902 h 3812472"/>
+              <a:gd name="connsiteX48" fmla="*/ 2765699 w 4574113"/>
+              <a:gd name="connsiteY48" fmla="*/ 3731679 h 3812472"/>
+              <a:gd name="connsiteX49" fmla="*/ 3371780 w 4574113"/>
+              <a:gd name="connsiteY49" fmla="*/ 3731679 h 3812472"/>
+              <a:gd name="connsiteX50" fmla="*/ 3466029 w 4574113"/>
+              <a:gd name="connsiteY50" fmla="*/ 3676902 h 3812472"/>
+              <a:gd name="connsiteX51" fmla="*/ 3768415 w 4574113"/>
+              <a:gd name="connsiteY51" fmla="*/ 3153920 h 3812472"/>
+              <a:gd name="connsiteX52" fmla="*/ 3768415 w 4574113"/>
+              <a:gd name="connsiteY52" fmla="*/ 3046975 h 3812472"/>
+              <a:gd name="connsiteX53" fmla="*/ 3466029 w 4574113"/>
+              <a:gd name="connsiteY53" fmla="*/ 2523992 h 3812472"/>
+              <a:gd name="connsiteX54" fmla="*/ 3426268 w 4574113"/>
+              <a:gd name="connsiteY54" fmla="*/ 2483888 h 3812472"/>
+              <a:gd name="connsiteX55" fmla="*/ 3421667 w 4574113"/>
+              <a:gd name="connsiteY55" fmla="*/ 2481960 h 3812472"/>
+              <a:gd name="connsiteX56" fmla="*/ 3446331 w 4574113"/>
+              <a:gd name="connsiteY56" fmla="*/ 2439303 h 3812472"/>
+              <a:gd name="connsiteX57" fmla="*/ 3464674 w 4574113"/>
+              <a:gd name="connsiteY57" fmla="*/ 2407578 h 3812472"/>
+              <a:gd name="connsiteX58" fmla="*/ 3445649 w 4574113"/>
+              <a:gd name="connsiteY58" fmla="*/ 2399601 h 3812472"/>
+              <a:gd name="connsiteX59" fmla="*/ 3413464 w 4574113"/>
+              <a:gd name="connsiteY59" fmla="*/ 2395325 h 3812472"/>
+              <a:gd name="connsiteX60" fmla="*/ 2729808 w 4574113"/>
+              <a:gd name="connsiteY60" fmla="*/ 2395325 h 3812472"/>
+              <a:gd name="connsiteX61" fmla="*/ 2624971 w 4574113"/>
+              <a:gd name="connsiteY61" fmla="*/ 2457112 h 3812472"/>
+              <a:gd name="connsiteX62" fmla="*/ 2282405 w 4574113"/>
+              <a:gd name="connsiteY62" fmla="*/ 3047034 h 3812472"/>
+              <a:gd name="connsiteX63" fmla="*/ 2282405 w 4574113"/>
+              <a:gd name="connsiteY63" fmla="*/ 3167666 h 3812472"/>
+              <a:gd name="connsiteX64" fmla="*/ 2395478 w 4574113"/>
+              <a:gd name="connsiteY64" fmla="*/ 3362386 h 3812472"/>
+              <a:gd name="connsiteX65" fmla="*/ 2412031 w 4574113"/>
+              <a:gd name="connsiteY65" fmla="*/ 3390890 h 3812472"/>
+              <a:gd name="connsiteX66" fmla="*/ 2335350 w 4574113"/>
+              <a:gd name="connsiteY66" fmla="*/ 3390890 h 3812472"/>
+              <a:gd name="connsiteX67" fmla="*/ 1104892 w 4574113"/>
+              <a:gd name="connsiteY67" fmla="*/ 3390890 h 3812472"/>
+              <a:gd name="connsiteX68" fmla="*/ 855258 w 4574113"/>
+              <a:gd name="connsiteY68" fmla="*/ 3243764 h 3812472"/>
+              <a:gd name="connsiteX69" fmla="*/ 39555 w 4574113"/>
+              <a:gd name="connsiteY69" fmla="*/ 1839068 h 3812472"/>
+              <a:gd name="connsiteX70" fmla="*/ 39555 w 4574113"/>
+              <a:gd name="connsiteY70" fmla="*/ 1551823 h 3812472"/>
+              <a:gd name="connsiteX71" fmla="*/ 855258 w 4574113"/>
+              <a:gd name="connsiteY71" fmla="*/ 147125 h 3812472"/>
+              <a:gd name="connsiteX72" fmla="*/ 1104892 w 4574113"/>
+              <a:gd name="connsiteY72" fmla="*/ 0 h 3812472"/>
             </a:gdLst>
             <a:ahLst/>
             <a:cxnLst>
@@ -18415,267 +17896,393 @@
               <a:cxn ang="0">
                 <a:pos x="connsiteX56" y="connsiteY56"/>
               </a:cxn>
+              <a:cxn ang="0">
+                <a:pos x="connsiteX57" y="connsiteY57"/>
+              </a:cxn>
+              <a:cxn ang="0">
+                <a:pos x="connsiteX58" y="connsiteY58"/>
+              </a:cxn>
+              <a:cxn ang="0">
+                <a:pos x="connsiteX59" y="connsiteY59"/>
+              </a:cxn>
+              <a:cxn ang="0">
+                <a:pos x="connsiteX60" y="connsiteY60"/>
+              </a:cxn>
+              <a:cxn ang="0">
+                <a:pos x="connsiteX61" y="connsiteY61"/>
+              </a:cxn>
+              <a:cxn ang="0">
+                <a:pos x="connsiteX62" y="connsiteY62"/>
+              </a:cxn>
+              <a:cxn ang="0">
+                <a:pos x="connsiteX63" y="connsiteY63"/>
+              </a:cxn>
+              <a:cxn ang="0">
+                <a:pos x="connsiteX64" y="connsiteY64"/>
+              </a:cxn>
+              <a:cxn ang="0">
+                <a:pos x="connsiteX65" y="connsiteY65"/>
+              </a:cxn>
+              <a:cxn ang="0">
+                <a:pos x="connsiteX66" y="connsiteY66"/>
+              </a:cxn>
+              <a:cxn ang="0">
+                <a:pos x="connsiteX67" y="connsiteY67"/>
+              </a:cxn>
+              <a:cxn ang="0">
+                <a:pos x="connsiteX68" y="connsiteY68"/>
+              </a:cxn>
+              <a:cxn ang="0">
+                <a:pos x="connsiteX69" y="connsiteY69"/>
+              </a:cxn>
+              <a:cxn ang="0">
+                <a:pos x="connsiteX70" y="connsiteY70"/>
+              </a:cxn>
+              <a:cxn ang="0">
+                <a:pos x="connsiteX71" y="connsiteY71"/>
+              </a:cxn>
+              <a:cxn ang="0">
+                <a:pos x="connsiteX72" y="connsiteY72"/>
+              </a:cxn>
             </a:cxnLst>
             <a:rect l="l" t="t" r="r" b="b"/>
             <a:pathLst>
-              <a:path w="7476877" h="6858000">
+              <a:path w="4574113" h="3812472">
                 <a:moveTo>
-                  <a:pt x="637332" y="4332728"/>
+                  <a:pt x="2768595" y="2476119"/>
                 </a:moveTo>
                 <a:cubicBezTo>
-                  <a:pt x="637332" y="4332728"/>
-                  <a:pt x="637332" y="4332728"/>
-                  <a:pt x="1576347" y="4332728"/>
-                </a:cubicBezTo>
-                <a:cubicBezTo>
-                  <a:pt x="1635163" y="4332728"/>
-                  <a:pt x="1691949" y="4365681"/>
-                  <a:pt x="1720345" y="4419228"/>
-                </a:cubicBezTo>
-                <a:cubicBezTo>
-                  <a:pt x="1720345" y="4419228"/>
-                  <a:pt x="1720345" y="4419228"/>
-                  <a:pt x="2190864" y="5245095"/>
-                </a:cubicBezTo>
-                <a:cubicBezTo>
-                  <a:pt x="2221287" y="5296583"/>
-                  <a:pt x="2221287" y="5362488"/>
-                  <a:pt x="2190864" y="5413976"/>
-                </a:cubicBezTo>
-                <a:cubicBezTo>
-                  <a:pt x="2190864" y="5413976"/>
-                  <a:pt x="2190864" y="5413976"/>
-                  <a:pt x="1720345" y="6239844"/>
-                </a:cubicBezTo>
-                <a:cubicBezTo>
-                  <a:pt x="1691949" y="6293391"/>
-                  <a:pt x="1635163" y="6326343"/>
-                  <a:pt x="1576347" y="6326343"/>
-                </a:cubicBezTo>
-                <a:cubicBezTo>
-                  <a:pt x="1576347" y="6326343"/>
-                  <a:pt x="1576347" y="6326343"/>
-                  <a:pt x="637332" y="6326343"/>
-                </a:cubicBezTo>
-                <a:cubicBezTo>
-                  <a:pt x="576490" y="6326343"/>
-                  <a:pt x="521732" y="6293391"/>
-                  <a:pt x="491309" y="6239844"/>
-                </a:cubicBezTo>
-                <a:cubicBezTo>
-                  <a:pt x="491309" y="6239844"/>
-                  <a:pt x="491309" y="6239844"/>
-                  <a:pt x="22817" y="5413976"/>
-                </a:cubicBezTo>
-                <a:cubicBezTo>
-                  <a:pt x="-7605" y="5362488"/>
-                  <a:pt x="-7605" y="5296583"/>
-                  <a:pt x="22817" y="5245095"/>
-                </a:cubicBezTo>
-                <a:cubicBezTo>
-                  <a:pt x="22817" y="5245095"/>
-                  <a:pt x="22817" y="5245095"/>
-                  <a:pt x="491309" y="4419228"/>
-                </a:cubicBezTo>
-                <a:cubicBezTo>
-                  <a:pt x="521732" y="4365681"/>
-                  <a:pt x="576490" y="4332728"/>
-                  <a:pt x="637332" y="4332728"/>
+                  <a:pt x="2768595" y="2476119"/>
+                  <a:pt x="2768595" y="2476119"/>
+                  <a:pt x="3374676" y="2476119"/>
+                </a:cubicBezTo>
+                <a:cubicBezTo>
+                  <a:pt x="3384493" y="2476119"/>
+                  <a:pt x="3394066" y="2477423"/>
+                  <a:pt x="3403209" y="2479909"/>
+                </a:cubicBezTo>
+                <a:lnTo>
+                  <a:pt x="3422833" y="2488137"/>
+                </a:lnTo>
+                <a:lnTo>
+                  <a:pt x="3410840" y="2508879"/>
+                </a:lnTo>
+                <a:cubicBezTo>
+                  <a:pt x="3302401" y="2696426"/>
+                  <a:pt x="3163600" y="2936487"/>
+                  <a:pt x="2985934" y="3243764"/>
+                </a:cubicBezTo>
+                <a:cubicBezTo>
+                  <a:pt x="2933195" y="3334842"/>
+                  <a:pt x="2838263" y="3390890"/>
+                  <a:pt x="2732784" y="3390890"/>
+                </a:cubicBezTo>
+                <a:cubicBezTo>
+                  <a:pt x="2732784" y="3390890"/>
+                  <a:pt x="2732784" y="3390890"/>
+                  <a:pt x="2529297" y="3390890"/>
+                </a:cubicBezTo>
+                <a:lnTo>
+                  <a:pt x="2505559" y="3390890"/>
+                </a:lnTo>
+                <a:lnTo>
+                  <a:pt x="2482907" y="3351884"/>
+                </a:lnTo>
+                <a:cubicBezTo>
+                  <a:pt x="2451367" y="3297569"/>
+                  <a:pt x="2414666" y="3234367"/>
+                  <a:pt x="2371959" y="3160822"/>
+                </a:cubicBezTo>
+                <a:cubicBezTo>
+                  <a:pt x="2352324" y="3128217"/>
+                  <a:pt x="2352324" y="3086483"/>
+                  <a:pt x="2371959" y="3053878"/>
+                </a:cubicBezTo>
+                <a:cubicBezTo>
+                  <a:pt x="2371959" y="3053878"/>
+                  <a:pt x="2371959" y="3053878"/>
+                  <a:pt x="2675654" y="2530895"/>
+                </a:cubicBezTo>
+                <a:cubicBezTo>
+                  <a:pt x="2693981" y="2496986"/>
+                  <a:pt x="2730633" y="2476119"/>
+                  <a:pt x="2768595" y="2476119"/>
                 </a:cubicBezTo>
                 <a:close/>
                 <a:moveTo>
-                  <a:pt x="3853980" y="0"/>
+                  <a:pt x="3909778" y="676847"/>
                 </a:moveTo>
+                <a:cubicBezTo>
+                  <a:pt x="3909778" y="676847"/>
+                  <a:pt x="3909778" y="676847"/>
+                  <a:pt x="4305516" y="676847"/>
+                </a:cubicBezTo>
+                <a:cubicBezTo>
+                  <a:pt x="4331158" y="676847"/>
+                  <a:pt x="4354235" y="690472"/>
+                  <a:pt x="4367056" y="712612"/>
+                </a:cubicBezTo>
+                <a:cubicBezTo>
+                  <a:pt x="4367056" y="712612"/>
+                  <a:pt x="4367056" y="712612"/>
+                  <a:pt x="4564498" y="1054092"/>
+                </a:cubicBezTo>
+                <a:cubicBezTo>
+                  <a:pt x="4577319" y="1075382"/>
+                  <a:pt x="4577319" y="1102632"/>
+                  <a:pt x="4564498" y="1123921"/>
+                </a:cubicBezTo>
+                <a:cubicBezTo>
+                  <a:pt x="4564498" y="1123921"/>
+                  <a:pt x="4564498" y="1123921"/>
+                  <a:pt x="4367056" y="1465401"/>
+                </a:cubicBezTo>
+                <a:cubicBezTo>
+                  <a:pt x="4354235" y="1487542"/>
+                  <a:pt x="4331158" y="1501167"/>
+                  <a:pt x="4305516" y="1501167"/>
+                </a:cubicBezTo>
+                <a:cubicBezTo>
+                  <a:pt x="4305516" y="1501167"/>
+                  <a:pt x="4305516" y="1501167"/>
+                  <a:pt x="3909778" y="1501167"/>
+                </a:cubicBezTo>
+                <a:cubicBezTo>
+                  <a:pt x="3884990" y="1501167"/>
+                  <a:pt x="3861058" y="1487542"/>
+                  <a:pt x="3849091" y="1465401"/>
+                </a:cubicBezTo>
+                <a:cubicBezTo>
+                  <a:pt x="3849091" y="1465401"/>
+                  <a:pt x="3849091" y="1465401"/>
+                  <a:pt x="3650795" y="1123921"/>
+                </a:cubicBezTo>
+                <a:cubicBezTo>
+                  <a:pt x="3637974" y="1102632"/>
+                  <a:pt x="3637974" y="1075382"/>
+                  <a:pt x="3650795" y="1054092"/>
+                </a:cubicBezTo>
+                <a:cubicBezTo>
+                  <a:pt x="3650795" y="1054092"/>
+                  <a:pt x="3650795" y="1054092"/>
+                  <a:pt x="3849091" y="712612"/>
+                </a:cubicBezTo>
+                <a:cubicBezTo>
+                  <a:pt x="3861058" y="690472"/>
+                  <a:pt x="3884990" y="676847"/>
+                  <a:pt x="3909778" y="676847"/>
+                </a:cubicBezTo>
+                <a:close/>
+                <a:moveTo>
+                  <a:pt x="1104892" y="0"/>
+                </a:moveTo>
+                <a:cubicBezTo>
+                  <a:pt x="1104892" y="0"/>
+                  <a:pt x="1104892" y="0"/>
+                  <a:pt x="2732784" y="0"/>
+                </a:cubicBezTo>
+                <a:cubicBezTo>
+                  <a:pt x="2838263" y="0"/>
+                  <a:pt x="2933195" y="56047"/>
+                  <a:pt x="2985934" y="147125"/>
+                </a:cubicBezTo>
+                <a:cubicBezTo>
+                  <a:pt x="2985934" y="147125"/>
+                  <a:pt x="2985934" y="147125"/>
+                  <a:pt x="3798122" y="1551823"/>
+                </a:cubicBezTo>
+                <a:cubicBezTo>
+                  <a:pt x="3850862" y="1639397"/>
+                  <a:pt x="3850862" y="1751493"/>
+                  <a:pt x="3798122" y="1839068"/>
+                </a:cubicBezTo>
+                <a:cubicBezTo>
+                  <a:pt x="3798122" y="1839068"/>
+                  <a:pt x="3798122" y="1839068"/>
+                  <a:pt x="3496551" y="2360642"/>
+                </a:cubicBezTo>
                 <a:lnTo>
-                  <a:pt x="5043644" y="0"/>
+                  <a:pt x="3471135" y="2404597"/>
                 </a:lnTo>
                 <a:lnTo>
-                  <a:pt x="5083740" y="70378"/>
+                  <a:pt x="3472029" y="2404972"/>
                 </a:lnTo>
                 <a:cubicBezTo>
-                  <a:pt x="5127533" y="147245"/>
-                  <a:pt x="5174639" y="229925"/>
-                  <a:pt x="5225307" y="318859"/>
-                </a:cubicBezTo>
-                <a:cubicBezTo>
-                  <a:pt x="5271897" y="397715"/>
-                  <a:pt x="5271897" y="498649"/>
-                  <a:pt x="5225307" y="577503"/>
-                </a:cubicBezTo>
-                <a:cubicBezTo>
-                  <a:pt x="5225307" y="577503"/>
-                  <a:pt x="5225307" y="577503"/>
-                  <a:pt x="4504695" y="1842337"/>
-                </a:cubicBezTo>
-                <a:cubicBezTo>
-                  <a:pt x="4461209" y="1924345"/>
-                  <a:pt x="4374239" y="1974811"/>
-                  <a:pt x="4284162" y="1974811"/>
-                </a:cubicBezTo>
-                <a:cubicBezTo>
-                  <a:pt x="4284162" y="1974811"/>
-                  <a:pt x="4284162" y="1974811"/>
-                  <a:pt x="2846045" y="1974811"/>
-                </a:cubicBezTo>
-                <a:cubicBezTo>
-                  <a:pt x="2822750" y="1974811"/>
-                  <a:pt x="2800035" y="1971656"/>
-                  <a:pt x="2778342" y="1965645"/>
+                  <a:pt x="3490302" y="2415638"/>
+                  <a:pt x="3505806" y="2431084"/>
+                  <a:pt x="3516881" y="2450209"/>
+                </a:cubicBezTo>
+                <a:cubicBezTo>
+                  <a:pt x="3516881" y="2450209"/>
+                  <a:pt x="3516881" y="2450209"/>
+                  <a:pt x="3857970" y="3040131"/>
+                </a:cubicBezTo>
+                <a:cubicBezTo>
+                  <a:pt x="3880120" y="3076909"/>
+                  <a:pt x="3880120" y="3123985"/>
+                  <a:pt x="3857970" y="3160764"/>
+                </a:cubicBezTo>
+                <a:cubicBezTo>
+                  <a:pt x="3857970" y="3160764"/>
+                  <a:pt x="3857970" y="3160764"/>
+                  <a:pt x="3516881" y="3750684"/>
+                </a:cubicBezTo>
+                <a:cubicBezTo>
+                  <a:pt x="3494732" y="3788933"/>
+                  <a:pt x="3454864" y="3812472"/>
+                  <a:pt x="3410567" y="3812472"/>
+                </a:cubicBezTo>
+                <a:cubicBezTo>
+                  <a:pt x="3410567" y="3812472"/>
+                  <a:pt x="3410567" y="3812472"/>
+                  <a:pt x="2726911" y="3812472"/>
+                </a:cubicBezTo>
+                <a:cubicBezTo>
+                  <a:pt x="2684090" y="3812472"/>
+                  <a:pt x="2642747" y="3788933"/>
+                  <a:pt x="2622074" y="3750684"/>
+                </a:cubicBezTo>
+                <a:cubicBezTo>
+                  <a:pt x="2622074" y="3750684"/>
+                  <a:pt x="2622074" y="3750684"/>
+                  <a:pt x="2438330" y="3434265"/>
                 </a:cubicBezTo>
                 <a:lnTo>
-                  <a:pt x="2731777" y="1945746"/>
+                  <a:pt x="2417573" y="3398519"/>
                 </a:lnTo>
                 <a:lnTo>
-                  <a:pt x="2760233" y="1895581"/>
-                </a:lnTo>
-                <a:cubicBezTo>
-                  <a:pt x="3017539" y="1441999"/>
-                  <a:pt x="3346890" y="861413"/>
-                  <a:pt x="3768459" y="118263"/>
-                </a:cubicBezTo>
-                <a:cubicBezTo>
-                  <a:pt x="3784101" y="90729"/>
-                  <a:pt x="3801308" y="64519"/>
-                  <a:pt x="3819932" y="39732"/>
-                </a:cubicBezTo>
-                <a:close/>
-                <a:moveTo>
-                  <a:pt x="1880237" y="0"/>
-                </a:moveTo>
-                <a:lnTo>
-                  <a:pt x="2102124" y="0"/>
+                  <a:pt x="2433905" y="3398519"/>
                 </a:lnTo>
                 <a:lnTo>
-                  <a:pt x="2086946" y="26756"/>
-                </a:lnTo>
-                <a:cubicBezTo>
-                  <a:pt x="1911773" y="335552"/>
-                  <a:pt x="1911773" y="335552"/>
-                  <a:pt x="1911773" y="335552"/>
-                </a:cubicBezTo>
-                <a:cubicBezTo>
-                  <a:pt x="1865182" y="414408"/>
-                  <a:pt x="1865182" y="515344"/>
-                  <a:pt x="1911773" y="594199"/>
-                </a:cubicBezTo>
-                <a:cubicBezTo>
-                  <a:pt x="2629280" y="1859030"/>
-                  <a:pt x="2629280" y="1859030"/>
-                  <a:pt x="2629280" y="1859030"/>
-                </a:cubicBezTo>
-                <a:cubicBezTo>
-                  <a:pt x="2652576" y="1900035"/>
-                  <a:pt x="2685189" y="1933154"/>
-                  <a:pt x="2723627" y="1956020"/>
-                </a:cubicBezTo>
-                <a:lnTo>
-                  <a:pt x="2734544" y="1960685"/>
+                  <a:pt x="2511101" y="3398519"/>
                 </a:lnTo>
                 <a:lnTo>
-                  <a:pt x="2676021" y="2063851"/>
+                  <a:pt x="2544636" y="3456269"/>
+                </a:lnTo>
+                <a:cubicBezTo>
+                  <a:pt x="2672757" y="3676902"/>
+                  <a:pt x="2672757" y="3676902"/>
+                  <a:pt x="2672757" y="3676902"/>
+                </a:cubicBezTo>
+                <a:cubicBezTo>
+                  <a:pt x="2691084" y="3710811"/>
+                  <a:pt x="2727737" y="3731679"/>
+                  <a:pt x="2765699" y="3731679"/>
+                </a:cubicBezTo>
+                <a:cubicBezTo>
+                  <a:pt x="3371780" y="3731679"/>
+                  <a:pt x="3371780" y="3731679"/>
+                  <a:pt x="3371780" y="3731679"/>
+                </a:cubicBezTo>
+                <a:cubicBezTo>
+                  <a:pt x="3411050" y="3731679"/>
+                  <a:pt x="3446394" y="3710811"/>
+                  <a:pt x="3466029" y="3676902"/>
+                </a:cubicBezTo>
+                <a:cubicBezTo>
+                  <a:pt x="3768415" y="3153920"/>
+                  <a:pt x="3768415" y="3153920"/>
+                  <a:pt x="3768415" y="3153920"/>
+                </a:cubicBezTo>
+                <a:cubicBezTo>
+                  <a:pt x="3788051" y="3121314"/>
+                  <a:pt x="3788051" y="3079580"/>
+                  <a:pt x="3768415" y="3046975"/>
+                </a:cubicBezTo>
+                <a:cubicBezTo>
+                  <a:pt x="3466029" y="2523992"/>
+                  <a:pt x="3466029" y="2523992"/>
+                  <a:pt x="3466029" y="2523992"/>
+                </a:cubicBezTo>
+                <a:cubicBezTo>
+                  <a:pt x="3456211" y="2507037"/>
+                  <a:pt x="3442467" y="2493343"/>
+                  <a:pt x="3426268" y="2483888"/>
+                </a:cubicBezTo>
+                <a:lnTo>
+                  <a:pt x="3421667" y="2481960"/>
                 </a:lnTo>
                 <a:lnTo>
-                  <a:pt x="2632495" y="2140578"/>
+                  <a:pt x="3446331" y="2439303"/>
                 </a:lnTo>
                 <a:lnTo>
-                  <a:pt x="2677641" y="2159871"/>
-                </a:lnTo>
-                <a:cubicBezTo>
-                  <a:pt x="2702113" y="2166652"/>
-                  <a:pt x="2727732" y="2170210"/>
-                  <a:pt x="2754009" y="2170210"/>
-                </a:cubicBezTo>
-                <a:cubicBezTo>
-                  <a:pt x="4376198" y="2170210"/>
-                  <a:pt x="4376198" y="2170210"/>
-                  <a:pt x="4376198" y="2170210"/>
-                </a:cubicBezTo>
-                <a:cubicBezTo>
-                  <a:pt x="4477805" y="2170210"/>
-                  <a:pt x="4575904" y="2113286"/>
-                  <a:pt x="4624956" y="2020780"/>
-                </a:cubicBezTo>
-                <a:cubicBezTo>
-                  <a:pt x="5437803" y="594055"/>
-                  <a:pt x="5437803" y="594055"/>
-                  <a:pt x="5437803" y="594055"/>
-                </a:cubicBezTo>
-                <a:cubicBezTo>
-                  <a:pt x="5490358" y="505109"/>
-                  <a:pt x="5490358" y="391256"/>
-                  <a:pt x="5437803" y="302307"/>
-                </a:cubicBezTo>
-                <a:cubicBezTo>
-                  <a:pt x="5387000" y="213137"/>
-                  <a:pt x="5339373" y="129540"/>
-                  <a:pt x="5294722" y="51168"/>
-                </a:cubicBezTo>
-                <a:lnTo>
-                  <a:pt x="5265570" y="0"/>
+                  <a:pt x="3464674" y="2407578"/>
                 </a:lnTo>
                 <a:lnTo>
-                  <a:pt x="7476877" y="0"/>
+                  <a:pt x="3445649" y="2399601"/>
+                </a:lnTo>
+                <a:cubicBezTo>
+                  <a:pt x="3435335" y="2396796"/>
+                  <a:pt x="3424538" y="2395325"/>
+                  <a:pt x="3413464" y="2395325"/>
+                </a:cubicBezTo>
+                <a:cubicBezTo>
+                  <a:pt x="2729808" y="2395325"/>
+                  <a:pt x="2729808" y="2395325"/>
+                  <a:pt x="2729808" y="2395325"/>
+                </a:cubicBezTo>
+                <a:cubicBezTo>
+                  <a:pt x="2686987" y="2395325"/>
+                  <a:pt x="2645644" y="2418863"/>
+                  <a:pt x="2624971" y="2457112"/>
+                </a:cubicBezTo>
+                <a:cubicBezTo>
+                  <a:pt x="2282405" y="3047034"/>
+                  <a:pt x="2282405" y="3047034"/>
+                  <a:pt x="2282405" y="3047034"/>
+                </a:cubicBezTo>
+                <a:cubicBezTo>
+                  <a:pt x="2260256" y="3083811"/>
+                  <a:pt x="2260256" y="3130887"/>
+                  <a:pt x="2282405" y="3167666"/>
+                </a:cubicBezTo>
+                <a:cubicBezTo>
+                  <a:pt x="2325225" y="3241406"/>
+                  <a:pt x="2362693" y="3305929"/>
+                  <a:pt x="2395478" y="3362386"/>
+                </a:cubicBezTo>
+                <a:lnTo>
+                  <a:pt x="2412031" y="3390890"/>
                 </a:lnTo>
                 <a:lnTo>
-                  <a:pt x="7476877" y="6858000"/>
+                  <a:pt x="2335350" y="3390890"/>
                 </a:lnTo>
-                <a:lnTo>
-                  <a:pt x="3343303" y="6858000"/>
-                </a:lnTo>
-                <a:lnTo>
-                  <a:pt x="3297958" y="6778065"/>
-                </a:lnTo>
-                <a:cubicBezTo>
-                  <a:pt x="3015657" y="6280421"/>
-                  <a:pt x="2563976" y="5484189"/>
-                  <a:pt x="1841286" y="4210218"/>
-                </a:cubicBezTo>
-                <a:cubicBezTo>
-                  <a:pt x="1716144" y="3998418"/>
-                  <a:pt x="1716144" y="3727316"/>
-                  <a:pt x="1841286" y="3515516"/>
-                </a:cubicBezTo>
-                <a:cubicBezTo>
-                  <a:pt x="1841286" y="3515516"/>
-                  <a:pt x="1841286" y="3515516"/>
-                  <a:pt x="2556859" y="2254092"/>
-                </a:cubicBezTo>
-                <a:lnTo>
-                  <a:pt x="2617166" y="2147787"/>
-                </a:lnTo>
-                <a:lnTo>
-                  <a:pt x="2615044" y="2146880"/>
-                </a:lnTo>
-                <a:cubicBezTo>
-                  <a:pt x="2571686" y="2121084"/>
-                  <a:pt x="2534897" y="2083728"/>
-                  <a:pt x="2508620" y="2037473"/>
-                </a:cubicBezTo>
-                <a:cubicBezTo>
-                  <a:pt x="2508620" y="2037473"/>
-                  <a:pt x="2508620" y="2037473"/>
-                  <a:pt x="1699276" y="610749"/>
-                </a:cubicBezTo>
-                <a:cubicBezTo>
-                  <a:pt x="1646720" y="521803"/>
-                  <a:pt x="1646720" y="407950"/>
-                  <a:pt x="1699276" y="319000"/>
-                </a:cubicBezTo>
-                <a:cubicBezTo>
-                  <a:pt x="1699276" y="319000"/>
-                  <a:pt x="1699276" y="319000"/>
-                  <a:pt x="1843322" y="65075"/>
+                <a:cubicBezTo>
+                  <a:pt x="2096889" y="3390890"/>
+                  <a:pt x="1715352" y="3390890"/>
+                  <a:pt x="1104892" y="3390890"/>
+                </a:cubicBezTo>
+                <a:cubicBezTo>
+                  <a:pt x="1002929" y="3390890"/>
+                  <a:pt x="904482" y="3334842"/>
+                  <a:pt x="855258" y="3243764"/>
+                </a:cubicBezTo>
+                <a:cubicBezTo>
+                  <a:pt x="855258" y="3243764"/>
+                  <a:pt x="855258" y="3243764"/>
+                  <a:pt x="39555" y="1839068"/>
+                </a:cubicBezTo>
+                <a:cubicBezTo>
+                  <a:pt x="-13185" y="1751493"/>
+                  <a:pt x="-13185" y="1639397"/>
+                  <a:pt x="39555" y="1551823"/>
+                </a:cubicBezTo>
+                <a:cubicBezTo>
+                  <a:pt x="39555" y="1551823"/>
+                  <a:pt x="39555" y="1551823"/>
+                  <a:pt x="855258" y="147125"/>
+                </a:cubicBezTo>
+                <a:cubicBezTo>
+                  <a:pt x="904482" y="56047"/>
+                  <a:pt x="1002929" y="0"/>
+                  <a:pt x="1104892" y="0"/>
                 </a:cubicBezTo>
                 <a:close/>
               </a:path>
             </a:pathLst>
           </a:custGeom>
           <a:solidFill>
-            <a:schemeClr val="tx1">
-              <a:lumMod val="50000"/>
-              <a:lumOff val="50000"/>
-              <a:alpha val="15000"/>
-            </a:schemeClr>
+            <a:schemeClr val="tx1"/>
           </a:solidFill>
           <a:ln>
             <a:noFill/>
@@ -18708,448 +18315,6 @@
           </a:p>
         </p:txBody>
       </p:sp>
-      <p:sp>
-        <p:nvSpPr>
-          <p:cNvPr id="4" name="Title 3">
-            <a:extLst>
-              <a:ext uri="{FF2B5EF4-FFF2-40B4-BE49-F238E27FC236}">
-                <a16:creationId xmlns:a16="http://schemas.microsoft.com/office/drawing/2014/main" id="{BB2A1168-7759-4137-9142-9990CD1097B1}"/>
-              </a:ext>
-            </a:extLst>
-          </p:cNvPr>
-          <p:cNvSpPr>
-            <a:spLocks noGrp="1"/>
-          </p:cNvSpPr>
-          <p:nvPr>
-            <p:ph type="ctrTitle"/>
-          </p:nvPr>
-        </p:nvSpPr>
-        <p:spPr>
-          <a:xfrm>
-            <a:off x="1356919" y="2945524"/>
-            <a:ext cx="6457183" cy="2274388"/>
-          </a:xfrm>
-        </p:spPr>
-        <p:txBody>
-          <a:bodyPr anchor="t">
-            <a:normAutofit/>
-          </a:bodyPr>
-          <a:lstStyle/>
-          <a:p>
-            <a:pPr algn="l"/>
-            <a:r>
-              <a:rPr lang="en-US" sz="3400"/>
-              <a:t>Are there racial disparities between the sentencing population and the general population in Tennessee?</a:t>
-            </a:r>
-          </a:p>
-        </p:txBody>
-      </p:sp>
-      <p:grpSp>
-        <p:nvGrpSpPr>
-          <p:cNvPr id="13" name="Group 12">
-            <a:extLst>
-              <a:ext uri="{FF2B5EF4-FFF2-40B4-BE49-F238E27FC236}">
-                <a16:creationId xmlns:a16="http://schemas.microsoft.com/office/drawing/2014/main" id="{64B93721-934F-4F1E-A868-0B2BA110D3B5}"/>
-              </a:ext>
-              <a:ext uri="{C183D7F6-B498-43B3-948B-1728B52AA6E4}">
-                <adec:decorative xmlns:adec="http://schemas.microsoft.com/office/drawing/2017/decorative" val="1"/>
-              </a:ext>
-            </a:extLst>
-          </p:cNvPr>
-          <p:cNvGrpSpPr>
-            <a:grpSpLocks noGrp="1" noUngrp="1" noRot="1" noChangeAspect="1" noMove="1" noResize="1"/>
-          </p:cNvGrpSpPr>
-          <p:nvPr>
-            <p:extLst>
-              <p:ext uri="{386F3935-93C4-4BCD-93E2-E3B085C9AB24}">
-                <p16:designElem xmlns:p16="http://schemas.microsoft.com/office/powerpoint/2015/main" val="1"/>
-              </p:ext>
-            </p:extLst>
-          </p:nvPr>
-        </p:nvGrpSpPr>
-        <p:grpSpPr>
-          <a:xfrm>
-            <a:off x="441960" y="561256"/>
-            <a:ext cx="1128382" cy="847206"/>
-            <a:chOff x="7393391" y="1075612"/>
-            <a:chExt cx="1128382" cy="847206"/>
-          </a:xfrm>
-        </p:grpSpPr>
-        <p:sp>
-          <p:nvSpPr>
-            <p:cNvPr id="14" name="Freeform 5">
-              <a:extLst>
-                <a:ext uri="{FF2B5EF4-FFF2-40B4-BE49-F238E27FC236}">
-                  <a16:creationId xmlns:a16="http://schemas.microsoft.com/office/drawing/2014/main" id="{99494AF8-52DE-4016-B1B9-5D16974BAE24}"/>
-                </a:ext>
-                <a:ext uri="{C183D7F6-B498-43B3-948B-1728B52AA6E4}">
-                  <adec:decorative xmlns:adec="http://schemas.microsoft.com/office/drawing/2017/decorative" val="1"/>
-                </a:ext>
-              </a:extLst>
-            </p:cNvPr>
-            <p:cNvSpPr>
-              <a:spLocks/>
-            </p:cNvSpPr>
-            <p:nvPr>
-              <p:extLst>
-                <p:ext uri="{386F3935-93C4-4BCD-93E2-E3B085C9AB24}">
-                  <p16:designElem xmlns:p16="http://schemas.microsoft.com/office/powerpoint/2015/main" val="1"/>
-                </p:ext>
-              </p:extLst>
-            </p:nvPr>
-          </p:nvSpPr>
-          <p:spPr bwMode="auto">
-            <a:xfrm>
-              <a:off x="7393391" y="1327438"/>
-              <a:ext cx="675351" cy="595380"/>
-            </a:xfrm>
-            <a:custGeom>
-              <a:avLst/>
-              <a:gdLst>
-                <a:gd name="T0" fmla="*/ 225 w 785"/>
-                <a:gd name="T1" fmla="*/ 692 h 692"/>
-                <a:gd name="T2" fmla="*/ 177 w 785"/>
-                <a:gd name="T3" fmla="*/ 665 h 692"/>
-                <a:gd name="T4" fmla="*/ 9 w 785"/>
-                <a:gd name="T5" fmla="*/ 374 h 692"/>
-                <a:gd name="T6" fmla="*/ 9 w 785"/>
-                <a:gd name="T7" fmla="*/ 318 h 692"/>
-                <a:gd name="T8" fmla="*/ 177 w 785"/>
-                <a:gd name="T9" fmla="*/ 27 h 692"/>
-                <a:gd name="T10" fmla="*/ 225 w 785"/>
-                <a:gd name="T11" fmla="*/ 0 h 692"/>
-                <a:gd name="T12" fmla="*/ 561 w 785"/>
-                <a:gd name="T13" fmla="*/ 0 h 692"/>
-                <a:gd name="T14" fmla="*/ 609 w 785"/>
-                <a:gd name="T15" fmla="*/ 27 h 692"/>
-                <a:gd name="T16" fmla="*/ 777 w 785"/>
-                <a:gd name="T17" fmla="*/ 318 h 692"/>
-                <a:gd name="T18" fmla="*/ 777 w 785"/>
-                <a:gd name="T19" fmla="*/ 374 h 692"/>
-                <a:gd name="T20" fmla="*/ 609 w 785"/>
-                <a:gd name="T21" fmla="*/ 665 h 692"/>
-                <a:gd name="T22" fmla="*/ 561 w 785"/>
-                <a:gd name="T23" fmla="*/ 692 h 692"/>
-                <a:gd name="T24" fmla="*/ 225 w 785"/>
-                <a:gd name="T25" fmla="*/ 692 h 692"/>
-              </a:gdLst>
-              <a:ahLst/>
-              <a:cxnLst>
-                <a:cxn ang="0">
-                  <a:pos x="T0" y="T1"/>
-                </a:cxn>
-                <a:cxn ang="0">
-                  <a:pos x="T2" y="T3"/>
-                </a:cxn>
-                <a:cxn ang="0">
-                  <a:pos x="T4" y="T5"/>
-                </a:cxn>
-                <a:cxn ang="0">
-                  <a:pos x="T6" y="T7"/>
-                </a:cxn>
-                <a:cxn ang="0">
-                  <a:pos x="T8" y="T9"/>
-                </a:cxn>
-                <a:cxn ang="0">
-                  <a:pos x="T10" y="T11"/>
-                </a:cxn>
-                <a:cxn ang="0">
-                  <a:pos x="T12" y="T13"/>
-                </a:cxn>
-                <a:cxn ang="0">
-                  <a:pos x="T14" y="T15"/>
-                </a:cxn>
-                <a:cxn ang="0">
-                  <a:pos x="T16" y="T17"/>
-                </a:cxn>
-                <a:cxn ang="0">
-                  <a:pos x="T18" y="T19"/>
-                </a:cxn>
-                <a:cxn ang="0">
-                  <a:pos x="T20" y="T21"/>
-                </a:cxn>
-                <a:cxn ang="0">
-                  <a:pos x="T22" y="T23"/>
-                </a:cxn>
-                <a:cxn ang="0">
-                  <a:pos x="T24" y="T25"/>
-                </a:cxn>
-              </a:cxnLst>
-              <a:rect l="0" t="0" r="r" b="b"/>
-              <a:pathLst>
-                <a:path w="785" h="692">
-                  <a:moveTo>
-                    <a:pt x="225" y="692"/>
-                  </a:moveTo>
-                  <a:cubicBezTo>
-                    <a:pt x="207" y="692"/>
-                    <a:pt x="185" y="680"/>
-                    <a:pt x="177" y="665"/>
-                  </a:cubicBezTo>
-                  <a:cubicBezTo>
-                    <a:pt x="9" y="374"/>
-                    <a:pt x="9" y="374"/>
-                    <a:pt x="9" y="374"/>
-                  </a:cubicBezTo>
-                  <a:cubicBezTo>
-                    <a:pt x="0" y="358"/>
-                    <a:pt x="0" y="334"/>
-                    <a:pt x="9" y="318"/>
-                  </a:cubicBezTo>
-                  <a:cubicBezTo>
-                    <a:pt x="177" y="27"/>
-                    <a:pt x="177" y="27"/>
-                    <a:pt x="177" y="27"/>
-                  </a:cubicBezTo>
-                  <a:cubicBezTo>
-                    <a:pt x="185" y="12"/>
-                    <a:pt x="207" y="0"/>
-                    <a:pt x="225" y="0"/>
-                  </a:cubicBezTo>
-                  <a:cubicBezTo>
-                    <a:pt x="561" y="0"/>
-                    <a:pt x="561" y="0"/>
-                    <a:pt x="561" y="0"/>
-                  </a:cubicBezTo>
-                  <a:cubicBezTo>
-                    <a:pt x="578" y="0"/>
-                    <a:pt x="600" y="12"/>
-                    <a:pt x="609" y="27"/>
-                  </a:cubicBezTo>
-                  <a:cubicBezTo>
-                    <a:pt x="777" y="318"/>
-                    <a:pt x="777" y="318"/>
-                    <a:pt x="777" y="318"/>
-                  </a:cubicBezTo>
-                  <a:cubicBezTo>
-                    <a:pt x="785" y="334"/>
-                    <a:pt x="785" y="358"/>
-                    <a:pt x="777" y="374"/>
-                  </a:cubicBezTo>
-                  <a:cubicBezTo>
-                    <a:pt x="609" y="665"/>
-                    <a:pt x="609" y="665"/>
-                    <a:pt x="609" y="665"/>
-                  </a:cubicBezTo>
-                  <a:cubicBezTo>
-                    <a:pt x="600" y="680"/>
-                    <a:pt x="578" y="692"/>
-                    <a:pt x="561" y="692"/>
-                  </a:cubicBezTo>
-                  <a:lnTo>
-                    <a:pt x="225" y="692"/>
-                  </a:lnTo>
-                  <a:close/>
-                </a:path>
-              </a:pathLst>
-            </a:custGeom>
-            <a:noFill/>
-            <a:ln w="28575" cmpd="sng">
-              <a:solidFill>
-                <a:schemeClr val="tx1"/>
-              </a:solidFill>
-            </a:ln>
-          </p:spPr>
-          <p:txBody>
-            <a:bodyPr vert="horz" wrap="square" lIns="91440" tIns="45720" rIns="91440" bIns="45720" numCol="1" anchor="t" anchorCtr="0" compatLnSpc="1">
-              <a:prstTxWarp prst="textNoShape">
-                <a:avLst/>
-              </a:prstTxWarp>
-            </a:bodyPr>
-            <a:lstStyle/>
-            <a:p>
-              <a:endParaRPr lang="en-US"/>
-            </a:p>
-          </p:txBody>
-        </p:sp>
-        <p:sp>
-          <p:nvSpPr>
-            <p:cNvPr id="15" name="Freeform 5">
-              <a:extLst>
-                <a:ext uri="{FF2B5EF4-FFF2-40B4-BE49-F238E27FC236}">
-                  <a16:creationId xmlns:a16="http://schemas.microsoft.com/office/drawing/2014/main" id="{C27115E3-8DBD-460F-8EAD-44E12617413B}"/>
-                </a:ext>
-                <a:ext uri="{C183D7F6-B498-43B3-948B-1728B52AA6E4}">
-                  <adec:decorative xmlns:adec="http://schemas.microsoft.com/office/drawing/2017/decorative" val="1"/>
-                </a:ext>
-              </a:extLst>
-            </p:cNvPr>
-            <p:cNvSpPr>
-              <a:spLocks/>
-            </p:cNvSpPr>
-            <p:nvPr>
-              <p:extLst>
-                <p:ext uri="{386F3935-93C4-4BCD-93E2-E3B085C9AB24}">
-                  <p16:designElem xmlns:p16="http://schemas.microsoft.com/office/powerpoint/2015/main" val="1"/>
-                </p:ext>
-              </p:extLst>
-            </p:nvPr>
-          </p:nvSpPr>
-          <p:spPr bwMode="auto">
-            <a:xfrm>
-              <a:off x="7971281" y="1075612"/>
-              <a:ext cx="550492" cy="485306"/>
-            </a:xfrm>
-            <a:custGeom>
-              <a:avLst/>
-              <a:gdLst>
-                <a:gd name="T0" fmla="*/ 225 w 785"/>
-                <a:gd name="T1" fmla="*/ 692 h 692"/>
-                <a:gd name="T2" fmla="*/ 177 w 785"/>
-                <a:gd name="T3" fmla="*/ 665 h 692"/>
-                <a:gd name="T4" fmla="*/ 9 w 785"/>
-                <a:gd name="T5" fmla="*/ 374 h 692"/>
-                <a:gd name="T6" fmla="*/ 9 w 785"/>
-                <a:gd name="T7" fmla="*/ 318 h 692"/>
-                <a:gd name="T8" fmla="*/ 177 w 785"/>
-                <a:gd name="T9" fmla="*/ 27 h 692"/>
-                <a:gd name="T10" fmla="*/ 225 w 785"/>
-                <a:gd name="T11" fmla="*/ 0 h 692"/>
-                <a:gd name="T12" fmla="*/ 561 w 785"/>
-                <a:gd name="T13" fmla="*/ 0 h 692"/>
-                <a:gd name="T14" fmla="*/ 609 w 785"/>
-                <a:gd name="T15" fmla="*/ 27 h 692"/>
-                <a:gd name="T16" fmla="*/ 777 w 785"/>
-                <a:gd name="T17" fmla="*/ 318 h 692"/>
-                <a:gd name="T18" fmla="*/ 777 w 785"/>
-                <a:gd name="T19" fmla="*/ 374 h 692"/>
-                <a:gd name="T20" fmla="*/ 609 w 785"/>
-                <a:gd name="T21" fmla="*/ 665 h 692"/>
-                <a:gd name="T22" fmla="*/ 561 w 785"/>
-                <a:gd name="T23" fmla="*/ 692 h 692"/>
-                <a:gd name="T24" fmla="*/ 225 w 785"/>
-                <a:gd name="T25" fmla="*/ 692 h 692"/>
-              </a:gdLst>
-              <a:ahLst/>
-              <a:cxnLst>
-                <a:cxn ang="0">
-                  <a:pos x="T0" y="T1"/>
-                </a:cxn>
-                <a:cxn ang="0">
-                  <a:pos x="T2" y="T3"/>
-                </a:cxn>
-                <a:cxn ang="0">
-                  <a:pos x="T4" y="T5"/>
-                </a:cxn>
-                <a:cxn ang="0">
-                  <a:pos x="T6" y="T7"/>
-                </a:cxn>
-                <a:cxn ang="0">
-                  <a:pos x="T8" y="T9"/>
-                </a:cxn>
-                <a:cxn ang="0">
-                  <a:pos x="T10" y="T11"/>
-                </a:cxn>
-                <a:cxn ang="0">
-                  <a:pos x="T12" y="T13"/>
-                </a:cxn>
-                <a:cxn ang="0">
-                  <a:pos x="T14" y="T15"/>
-                </a:cxn>
-                <a:cxn ang="0">
-                  <a:pos x="T16" y="T17"/>
-                </a:cxn>
-                <a:cxn ang="0">
-                  <a:pos x="T18" y="T19"/>
-                </a:cxn>
-                <a:cxn ang="0">
-                  <a:pos x="T20" y="T21"/>
-                </a:cxn>
-                <a:cxn ang="0">
-                  <a:pos x="T22" y="T23"/>
-                </a:cxn>
-                <a:cxn ang="0">
-                  <a:pos x="T24" y="T25"/>
-                </a:cxn>
-              </a:cxnLst>
-              <a:rect l="0" t="0" r="r" b="b"/>
-              <a:pathLst>
-                <a:path w="785" h="692">
-                  <a:moveTo>
-                    <a:pt x="225" y="692"/>
-                  </a:moveTo>
-                  <a:cubicBezTo>
-                    <a:pt x="207" y="692"/>
-                    <a:pt x="185" y="680"/>
-                    <a:pt x="177" y="665"/>
-                  </a:cubicBezTo>
-                  <a:cubicBezTo>
-                    <a:pt x="9" y="374"/>
-                    <a:pt x="9" y="374"/>
-                    <a:pt x="9" y="374"/>
-                  </a:cubicBezTo>
-                  <a:cubicBezTo>
-                    <a:pt x="0" y="358"/>
-                    <a:pt x="0" y="334"/>
-                    <a:pt x="9" y="318"/>
-                  </a:cubicBezTo>
-                  <a:cubicBezTo>
-                    <a:pt x="177" y="27"/>
-                    <a:pt x="177" y="27"/>
-                    <a:pt x="177" y="27"/>
-                  </a:cubicBezTo>
-                  <a:cubicBezTo>
-                    <a:pt x="185" y="12"/>
-                    <a:pt x="207" y="0"/>
-                    <a:pt x="225" y="0"/>
-                  </a:cubicBezTo>
-                  <a:cubicBezTo>
-                    <a:pt x="561" y="0"/>
-                    <a:pt x="561" y="0"/>
-                    <a:pt x="561" y="0"/>
-                  </a:cubicBezTo>
-                  <a:cubicBezTo>
-                    <a:pt x="578" y="0"/>
-                    <a:pt x="600" y="12"/>
-                    <a:pt x="609" y="27"/>
-                  </a:cubicBezTo>
-                  <a:cubicBezTo>
-                    <a:pt x="777" y="318"/>
-                    <a:pt x="777" y="318"/>
-                    <a:pt x="777" y="318"/>
-                  </a:cubicBezTo>
-                  <a:cubicBezTo>
-                    <a:pt x="785" y="334"/>
-                    <a:pt x="785" y="358"/>
-                    <a:pt x="777" y="374"/>
-                  </a:cubicBezTo>
-                  <a:cubicBezTo>
-                    <a:pt x="609" y="665"/>
-                    <a:pt x="609" y="665"/>
-                    <a:pt x="609" y="665"/>
-                  </a:cubicBezTo>
-                  <a:cubicBezTo>
-                    <a:pt x="600" y="680"/>
-                    <a:pt x="578" y="692"/>
-                    <a:pt x="561" y="692"/>
-                  </a:cubicBezTo>
-                  <a:lnTo>
-                    <a:pt x="225" y="692"/>
-                  </a:lnTo>
-                  <a:close/>
-                </a:path>
-              </a:pathLst>
-            </a:custGeom>
-            <a:noFill/>
-            <a:ln w="28575" cmpd="sng">
-              <a:solidFill>
-                <a:schemeClr val="tx1"/>
-              </a:solidFill>
-            </a:ln>
-          </p:spPr>
-          <p:txBody>
-            <a:bodyPr vert="horz" wrap="square" lIns="91440" tIns="45720" rIns="91440" bIns="45720" numCol="1" anchor="t" anchorCtr="0" compatLnSpc="1">
-              <a:prstTxWarp prst="textNoShape">
-                <a:avLst/>
-              </a:prstTxWarp>
-            </a:bodyPr>
-            <a:lstStyle/>
-            <a:p>
-              <a:endParaRPr lang="en-US"/>
-            </a:p>
-          </p:txBody>
-        </p:sp>
-      </p:grpSp>
     </p:spTree>
     <p:extLst>
       <p:ext uri="{BB962C8B-B14F-4D97-AF65-F5344CB8AC3E}">
@@ -19338,6 +18503,9 @@
           <a:prstGeom prst="roundRect">
             <a:avLst/>
           </a:prstGeom>
+          <a:solidFill>
+            <a:srgbClr val="EAF1F6"/>
+          </a:solidFill>
           <a:ln>
             <a:solidFill>
               <a:schemeClr val="tx1"/>
@@ -19420,6 +18588,9 @@
           <a:prstGeom prst="roundRect">
             <a:avLst/>
           </a:prstGeom>
+          <a:solidFill>
+            <a:srgbClr val="EAF1F6"/>
+          </a:solidFill>
           <a:ln>
             <a:solidFill>
               <a:schemeClr val="tx1"/>
@@ -19704,7 +18875,7 @@
     <p:bg>
       <p:bgPr>
         <a:solidFill>
-          <a:srgbClr val="EAF1F6"/>
+          <a:schemeClr val="bg1"/>
         </a:solidFill>
         <a:effectLst/>
       </p:bgPr>
@@ -19725,10 +18896,10 @@
       </p:grpSpPr>
       <p:sp useBgFill="1">
         <p:nvSpPr>
-          <p:cNvPr id="9" name="Rectangle 8">
+          <p:cNvPr id="20" name="Rectangle 19">
             <a:extLst>
               <a:ext uri="{FF2B5EF4-FFF2-40B4-BE49-F238E27FC236}">
-                <a16:creationId xmlns:a16="http://schemas.microsoft.com/office/drawing/2014/main" id="{16F9E488-0718-4E1E-9D12-26779F606252}"/>
+                <a16:creationId xmlns:a16="http://schemas.microsoft.com/office/drawing/2014/main" id="{C475749F-F487-4EFB-ABC7-C1359590EB76}"/>
               </a:ext>
               <a:ext uri="{C183D7F6-B498-43B3-948B-1728B52AA6E4}">
                 <adec:decorative xmlns:adec="http://schemas.microsoft.com/office/drawing/2017/decorative" val="1"/>
@@ -19785,10 +18956,46 @@
       </p:sp>
       <p:sp>
         <p:nvSpPr>
-          <p:cNvPr id="11" name="Freeform: Shape 10">
+          <p:cNvPr id="4" name="Title 3">
             <a:extLst>
               <a:ext uri="{FF2B5EF4-FFF2-40B4-BE49-F238E27FC236}">
-                <a16:creationId xmlns:a16="http://schemas.microsoft.com/office/drawing/2014/main" id="{D20AEB5B-DFC7-42B4-9FAA-6B95E01D0FCE}"/>
+                <a16:creationId xmlns:a16="http://schemas.microsoft.com/office/drawing/2014/main" id="{BB2A1168-7759-4137-9142-9990CD1097B1}"/>
+              </a:ext>
+            </a:extLst>
+          </p:cNvPr>
+          <p:cNvSpPr>
+            <a:spLocks noGrp="1"/>
+          </p:cNvSpPr>
+          <p:nvPr>
+            <p:ph type="ctrTitle"/>
+          </p:nvPr>
+        </p:nvSpPr>
+        <p:spPr>
+          <a:xfrm>
+            <a:off x="880281" y="921452"/>
+            <a:ext cx="4985018" cy="3268639"/>
+          </a:xfrm>
+        </p:spPr>
+        <p:txBody>
+          <a:bodyPr anchor="b">
+            <a:normAutofit/>
+          </a:bodyPr>
+          <a:lstStyle/>
+          <a:p>
+            <a:pPr algn="l"/>
+            <a:r>
+              <a:rPr lang="en-US" sz="4500" dirty="0"/>
+              <a:t>What kinds of crimes are most common among different racial groups?</a:t>
+            </a:r>
+          </a:p>
+        </p:txBody>
+      </p:sp>
+      <p:sp>
+        <p:nvSpPr>
+          <p:cNvPr id="22" name="Freeform: Shape 21">
+            <a:extLst>
+              <a:ext uri="{FF2B5EF4-FFF2-40B4-BE49-F238E27FC236}">
+                <a16:creationId xmlns:a16="http://schemas.microsoft.com/office/drawing/2014/main" id="{16D6FAA8-41A5-46EA-A8AB-E9D2754A6F32}"/>
               </a:ext>
               <a:ext uri="{C183D7F6-B498-43B3-948B-1728B52AA6E4}">
                 <adec:decorative xmlns:adec="http://schemas.microsoft.com/office/drawing/2017/decorative" val="1"/>
@@ -19808,126 +19015,158 @@
         </p:nvSpPr>
         <p:spPr>
           <a:xfrm>
-            <a:off x="4715124" y="0"/>
-            <a:ext cx="7476877" cy="6858000"/>
+            <a:off x="6000601" y="1073777"/>
+            <a:ext cx="5623281" cy="4686943"/>
           </a:xfrm>
           <a:custGeom>
             <a:avLst/>
             <a:gdLst>
-              <a:gd name="connsiteX0" fmla="*/ 637332 w 7476877"/>
-              <a:gd name="connsiteY0" fmla="*/ 4332728 h 6858000"/>
-              <a:gd name="connsiteX1" fmla="*/ 1576347 w 7476877"/>
-              <a:gd name="connsiteY1" fmla="*/ 4332728 h 6858000"/>
-              <a:gd name="connsiteX2" fmla="*/ 1720345 w 7476877"/>
-              <a:gd name="connsiteY2" fmla="*/ 4419228 h 6858000"/>
-              <a:gd name="connsiteX3" fmla="*/ 2190864 w 7476877"/>
-              <a:gd name="connsiteY3" fmla="*/ 5245095 h 6858000"/>
-              <a:gd name="connsiteX4" fmla="*/ 2190864 w 7476877"/>
-              <a:gd name="connsiteY4" fmla="*/ 5413976 h 6858000"/>
-              <a:gd name="connsiteX5" fmla="*/ 1720345 w 7476877"/>
-              <a:gd name="connsiteY5" fmla="*/ 6239844 h 6858000"/>
-              <a:gd name="connsiteX6" fmla="*/ 1576347 w 7476877"/>
-              <a:gd name="connsiteY6" fmla="*/ 6326343 h 6858000"/>
-              <a:gd name="connsiteX7" fmla="*/ 637332 w 7476877"/>
-              <a:gd name="connsiteY7" fmla="*/ 6326343 h 6858000"/>
-              <a:gd name="connsiteX8" fmla="*/ 491309 w 7476877"/>
-              <a:gd name="connsiteY8" fmla="*/ 6239844 h 6858000"/>
-              <a:gd name="connsiteX9" fmla="*/ 22817 w 7476877"/>
-              <a:gd name="connsiteY9" fmla="*/ 5413976 h 6858000"/>
-              <a:gd name="connsiteX10" fmla="*/ 22817 w 7476877"/>
-              <a:gd name="connsiteY10" fmla="*/ 5245095 h 6858000"/>
-              <a:gd name="connsiteX11" fmla="*/ 491309 w 7476877"/>
-              <a:gd name="connsiteY11" fmla="*/ 4419228 h 6858000"/>
-              <a:gd name="connsiteX12" fmla="*/ 637332 w 7476877"/>
-              <a:gd name="connsiteY12" fmla="*/ 4332728 h 6858000"/>
-              <a:gd name="connsiteX13" fmla="*/ 3853980 w 7476877"/>
-              <a:gd name="connsiteY13" fmla="*/ 0 h 6858000"/>
-              <a:gd name="connsiteX14" fmla="*/ 5043644 w 7476877"/>
-              <a:gd name="connsiteY14" fmla="*/ 0 h 6858000"/>
-              <a:gd name="connsiteX15" fmla="*/ 5083740 w 7476877"/>
-              <a:gd name="connsiteY15" fmla="*/ 70378 h 6858000"/>
-              <a:gd name="connsiteX16" fmla="*/ 5225307 w 7476877"/>
-              <a:gd name="connsiteY16" fmla="*/ 318859 h 6858000"/>
-              <a:gd name="connsiteX17" fmla="*/ 5225307 w 7476877"/>
-              <a:gd name="connsiteY17" fmla="*/ 577503 h 6858000"/>
-              <a:gd name="connsiteX18" fmla="*/ 4504695 w 7476877"/>
-              <a:gd name="connsiteY18" fmla="*/ 1842337 h 6858000"/>
-              <a:gd name="connsiteX19" fmla="*/ 4284162 w 7476877"/>
-              <a:gd name="connsiteY19" fmla="*/ 1974811 h 6858000"/>
-              <a:gd name="connsiteX20" fmla="*/ 2846045 w 7476877"/>
-              <a:gd name="connsiteY20" fmla="*/ 1974811 h 6858000"/>
-              <a:gd name="connsiteX21" fmla="*/ 2778342 w 7476877"/>
-              <a:gd name="connsiteY21" fmla="*/ 1965645 h 6858000"/>
-              <a:gd name="connsiteX22" fmla="*/ 2731777 w 7476877"/>
-              <a:gd name="connsiteY22" fmla="*/ 1945746 h 6858000"/>
-              <a:gd name="connsiteX23" fmla="*/ 2760233 w 7476877"/>
-              <a:gd name="connsiteY23" fmla="*/ 1895581 h 6858000"/>
-              <a:gd name="connsiteX24" fmla="*/ 3768459 w 7476877"/>
-              <a:gd name="connsiteY24" fmla="*/ 118263 h 6858000"/>
-              <a:gd name="connsiteX25" fmla="*/ 3819932 w 7476877"/>
-              <a:gd name="connsiteY25" fmla="*/ 39732 h 6858000"/>
-              <a:gd name="connsiteX26" fmla="*/ 1880237 w 7476877"/>
-              <a:gd name="connsiteY26" fmla="*/ 0 h 6858000"/>
-              <a:gd name="connsiteX27" fmla="*/ 2102124 w 7476877"/>
-              <a:gd name="connsiteY27" fmla="*/ 0 h 6858000"/>
-              <a:gd name="connsiteX28" fmla="*/ 2086946 w 7476877"/>
-              <a:gd name="connsiteY28" fmla="*/ 26756 h 6858000"/>
-              <a:gd name="connsiteX29" fmla="*/ 1911773 w 7476877"/>
-              <a:gd name="connsiteY29" fmla="*/ 335552 h 6858000"/>
-              <a:gd name="connsiteX30" fmla="*/ 1911773 w 7476877"/>
-              <a:gd name="connsiteY30" fmla="*/ 594199 h 6858000"/>
-              <a:gd name="connsiteX31" fmla="*/ 2629280 w 7476877"/>
-              <a:gd name="connsiteY31" fmla="*/ 1859030 h 6858000"/>
-              <a:gd name="connsiteX32" fmla="*/ 2723627 w 7476877"/>
-              <a:gd name="connsiteY32" fmla="*/ 1956020 h 6858000"/>
-              <a:gd name="connsiteX33" fmla="*/ 2734544 w 7476877"/>
-              <a:gd name="connsiteY33" fmla="*/ 1960685 h 6858000"/>
-              <a:gd name="connsiteX34" fmla="*/ 2676021 w 7476877"/>
-              <a:gd name="connsiteY34" fmla="*/ 2063851 h 6858000"/>
-              <a:gd name="connsiteX35" fmla="*/ 2632495 w 7476877"/>
-              <a:gd name="connsiteY35" fmla="*/ 2140578 h 6858000"/>
-              <a:gd name="connsiteX36" fmla="*/ 2677641 w 7476877"/>
-              <a:gd name="connsiteY36" fmla="*/ 2159871 h 6858000"/>
-              <a:gd name="connsiteX37" fmla="*/ 2754009 w 7476877"/>
-              <a:gd name="connsiteY37" fmla="*/ 2170210 h 6858000"/>
-              <a:gd name="connsiteX38" fmla="*/ 4376198 w 7476877"/>
-              <a:gd name="connsiteY38" fmla="*/ 2170210 h 6858000"/>
-              <a:gd name="connsiteX39" fmla="*/ 4624956 w 7476877"/>
-              <a:gd name="connsiteY39" fmla="*/ 2020780 h 6858000"/>
-              <a:gd name="connsiteX40" fmla="*/ 5437803 w 7476877"/>
-              <a:gd name="connsiteY40" fmla="*/ 594055 h 6858000"/>
-              <a:gd name="connsiteX41" fmla="*/ 5437803 w 7476877"/>
-              <a:gd name="connsiteY41" fmla="*/ 302307 h 6858000"/>
-              <a:gd name="connsiteX42" fmla="*/ 5294722 w 7476877"/>
-              <a:gd name="connsiteY42" fmla="*/ 51168 h 6858000"/>
-              <a:gd name="connsiteX43" fmla="*/ 5265570 w 7476877"/>
-              <a:gd name="connsiteY43" fmla="*/ 0 h 6858000"/>
-              <a:gd name="connsiteX44" fmla="*/ 7476877 w 7476877"/>
-              <a:gd name="connsiteY44" fmla="*/ 0 h 6858000"/>
-              <a:gd name="connsiteX45" fmla="*/ 7476877 w 7476877"/>
-              <a:gd name="connsiteY45" fmla="*/ 6858000 h 6858000"/>
-              <a:gd name="connsiteX46" fmla="*/ 3343303 w 7476877"/>
-              <a:gd name="connsiteY46" fmla="*/ 6858000 h 6858000"/>
-              <a:gd name="connsiteX47" fmla="*/ 3297958 w 7476877"/>
-              <a:gd name="connsiteY47" fmla="*/ 6778065 h 6858000"/>
-              <a:gd name="connsiteX48" fmla="*/ 1841286 w 7476877"/>
-              <a:gd name="connsiteY48" fmla="*/ 4210218 h 6858000"/>
-              <a:gd name="connsiteX49" fmla="*/ 1841286 w 7476877"/>
-              <a:gd name="connsiteY49" fmla="*/ 3515516 h 6858000"/>
-              <a:gd name="connsiteX50" fmla="*/ 2556859 w 7476877"/>
-              <a:gd name="connsiteY50" fmla="*/ 2254092 h 6858000"/>
-              <a:gd name="connsiteX51" fmla="*/ 2617166 w 7476877"/>
-              <a:gd name="connsiteY51" fmla="*/ 2147787 h 6858000"/>
-              <a:gd name="connsiteX52" fmla="*/ 2615044 w 7476877"/>
-              <a:gd name="connsiteY52" fmla="*/ 2146880 h 6858000"/>
-              <a:gd name="connsiteX53" fmla="*/ 2508620 w 7476877"/>
-              <a:gd name="connsiteY53" fmla="*/ 2037473 h 6858000"/>
-              <a:gd name="connsiteX54" fmla="*/ 1699276 w 7476877"/>
-              <a:gd name="connsiteY54" fmla="*/ 610749 h 6858000"/>
-              <a:gd name="connsiteX55" fmla="*/ 1699276 w 7476877"/>
-              <a:gd name="connsiteY55" fmla="*/ 319000 h 6858000"/>
-              <a:gd name="connsiteX56" fmla="*/ 1843322 w 7476877"/>
-              <a:gd name="connsiteY56" fmla="*/ 65075 h 6858000"/>
+              <a:gd name="connsiteX0" fmla="*/ 2768595 w 4574113"/>
+              <a:gd name="connsiteY0" fmla="*/ 2476119 h 3812472"/>
+              <a:gd name="connsiteX1" fmla="*/ 3374676 w 4574113"/>
+              <a:gd name="connsiteY1" fmla="*/ 2476119 h 3812472"/>
+              <a:gd name="connsiteX2" fmla="*/ 3403209 w 4574113"/>
+              <a:gd name="connsiteY2" fmla="*/ 2479909 h 3812472"/>
+              <a:gd name="connsiteX3" fmla="*/ 3422833 w 4574113"/>
+              <a:gd name="connsiteY3" fmla="*/ 2488137 h 3812472"/>
+              <a:gd name="connsiteX4" fmla="*/ 3410840 w 4574113"/>
+              <a:gd name="connsiteY4" fmla="*/ 2508879 h 3812472"/>
+              <a:gd name="connsiteX5" fmla="*/ 2985934 w 4574113"/>
+              <a:gd name="connsiteY5" fmla="*/ 3243764 h 3812472"/>
+              <a:gd name="connsiteX6" fmla="*/ 2732784 w 4574113"/>
+              <a:gd name="connsiteY6" fmla="*/ 3390890 h 3812472"/>
+              <a:gd name="connsiteX7" fmla="*/ 2529297 w 4574113"/>
+              <a:gd name="connsiteY7" fmla="*/ 3390890 h 3812472"/>
+              <a:gd name="connsiteX8" fmla="*/ 2505559 w 4574113"/>
+              <a:gd name="connsiteY8" fmla="*/ 3390890 h 3812472"/>
+              <a:gd name="connsiteX9" fmla="*/ 2482907 w 4574113"/>
+              <a:gd name="connsiteY9" fmla="*/ 3351884 h 3812472"/>
+              <a:gd name="connsiteX10" fmla="*/ 2371959 w 4574113"/>
+              <a:gd name="connsiteY10" fmla="*/ 3160822 h 3812472"/>
+              <a:gd name="connsiteX11" fmla="*/ 2371959 w 4574113"/>
+              <a:gd name="connsiteY11" fmla="*/ 3053878 h 3812472"/>
+              <a:gd name="connsiteX12" fmla="*/ 2675654 w 4574113"/>
+              <a:gd name="connsiteY12" fmla="*/ 2530895 h 3812472"/>
+              <a:gd name="connsiteX13" fmla="*/ 2768595 w 4574113"/>
+              <a:gd name="connsiteY13" fmla="*/ 2476119 h 3812472"/>
+              <a:gd name="connsiteX14" fmla="*/ 3909778 w 4574113"/>
+              <a:gd name="connsiteY14" fmla="*/ 676847 h 3812472"/>
+              <a:gd name="connsiteX15" fmla="*/ 4305516 w 4574113"/>
+              <a:gd name="connsiteY15" fmla="*/ 676847 h 3812472"/>
+              <a:gd name="connsiteX16" fmla="*/ 4367056 w 4574113"/>
+              <a:gd name="connsiteY16" fmla="*/ 712612 h 3812472"/>
+              <a:gd name="connsiteX17" fmla="*/ 4564498 w 4574113"/>
+              <a:gd name="connsiteY17" fmla="*/ 1054092 h 3812472"/>
+              <a:gd name="connsiteX18" fmla="*/ 4564498 w 4574113"/>
+              <a:gd name="connsiteY18" fmla="*/ 1123921 h 3812472"/>
+              <a:gd name="connsiteX19" fmla="*/ 4367056 w 4574113"/>
+              <a:gd name="connsiteY19" fmla="*/ 1465401 h 3812472"/>
+              <a:gd name="connsiteX20" fmla="*/ 4305516 w 4574113"/>
+              <a:gd name="connsiteY20" fmla="*/ 1501167 h 3812472"/>
+              <a:gd name="connsiteX21" fmla="*/ 3909778 w 4574113"/>
+              <a:gd name="connsiteY21" fmla="*/ 1501167 h 3812472"/>
+              <a:gd name="connsiteX22" fmla="*/ 3849091 w 4574113"/>
+              <a:gd name="connsiteY22" fmla="*/ 1465401 h 3812472"/>
+              <a:gd name="connsiteX23" fmla="*/ 3650795 w 4574113"/>
+              <a:gd name="connsiteY23" fmla="*/ 1123921 h 3812472"/>
+              <a:gd name="connsiteX24" fmla="*/ 3650795 w 4574113"/>
+              <a:gd name="connsiteY24" fmla="*/ 1054092 h 3812472"/>
+              <a:gd name="connsiteX25" fmla="*/ 3849091 w 4574113"/>
+              <a:gd name="connsiteY25" fmla="*/ 712612 h 3812472"/>
+              <a:gd name="connsiteX26" fmla="*/ 3909778 w 4574113"/>
+              <a:gd name="connsiteY26" fmla="*/ 676847 h 3812472"/>
+              <a:gd name="connsiteX27" fmla="*/ 1104892 w 4574113"/>
+              <a:gd name="connsiteY27" fmla="*/ 0 h 3812472"/>
+              <a:gd name="connsiteX28" fmla="*/ 2732784 w 4574113"/>
+              <a:gd name="connsiteY28" fmla="*/ 0 h 3812472"/>
+              <a:gd name="connsiteX29" fmla="*/ 2985934 w 4574113"/>
+              <a:gd name="connsiteY29" fmla="*/ 147125 h 3812472"/>
+              <a:gd name="connsiteX30" fmla="*/ 3798122 w 4574113"/>
+              <a:gd name="connsiteY30" fmla="*/ 1551823 h 3812472"/>
+              <a:gd name="connsiteX31" fmla="*/ 3798122 w 4574113"/>
+              <a:gd name="connsiteY31" fmla="*/ 1839068 h 3812472"/>
+              <a:gd name="connsiteX32" fmla="*/ 3496551 w 4574113"/>
+              <a:gd name="connsiteY32" fmla="*/ 2360642 h 3812472"/>
+              <a:gd name="connsiteX33" fmla="*/ 3471135 w 4574113"/>
+              <a:gd name="connsiteY33" fmla="*/ 2404597 h 3812472"/>
+              <a:gd name="connsiteX34" fmla="*/ 3472029 w 4574113"/>
+              <a:gd name="connsiteY34" fmla="*/ 2404972 h 3812472"/>
+              <a:gd name="connsiteX35" fmla="*/ 3516881 w 4574113"/>
+              <a:gd name="connsiteY35" fmla="*/ 2450209 h 3812472"/>
+              <a:gd name="connsiteX36" fmla="*/ 3857970 w 4574113"/>
+              <a:gd name="connsiteY36" fmla="*/ 3040131 h 3812472"/>
+              <a:gd name="connsiteX37" fmla="*/ 3857970 w 4574113"/>
+              <a:gd name="connsiteY37" fmla="*/ 3160764 h 3812472"/>
+              <a:gd name="connsiteX38" fmla="*/ 3516881 w 4574113"/>
+              <a:gd name="connsiteY38" fmla="*/ 3750684 h 3812472"/>
+              <a:gd name="connsiteX39" fmla="*/ 3410567 w 4574113"/>
+              <a:gd name="connsiteY39" fmla="*/ 3812472 h 3812472"/>
+              <a:gd name="connsiteX40" fmla="*/ 2726911 w 4574113"/>
+              <a:gd name="connsiteY40" fmla="*/ 3812472 h 3812472"/>
+              <a:gd name="connsiteX41" fmla="*/ 2622074 w 4574113"/>
+              <a:gd name="connsiteY41" fmla="*/ 3750684 h 3812472"/>
+              <a:gd name="connsiteX42" fmla="*/ 2438330 w 4574113"/>
+              <a:gd name="connsiteY42" fmla="*/ 3434265 h 3812472"/>
+              <a:gd name="connsiteX43" fmla="*/ 2417573 w 4574113"/>
+              <a:gd name="connsiteY43" fmla="*/ 3398519 h 3812472"/>
+              <a:gd name="connsiteX44" fmla="*/ 2433905 w 4574113"/>
+              <a:gd name="connsiteY44" fmla="*/ 3398519 h 3812472"/>
+              <a:gd name="connsiteX45" fmla="*/ 2511101 w 4574113"/>
+              <a:gd name="connsiteY45" fmla="*/ 3398519 h 3812472"/>
+              <a:gd name="connsiteX46" fmla="*/ 2544636 w 4574113"/>
+              <a:gd name="connsiteY46" fmla="*/ 3456269 h 3812472"/>
+              <a:gd name="connsiteX47" fmla="*/ 2672757 w 4574113"/>
+              <a:gd name="connsiteY47" fmla="*/ 3676902 h 3812472"/>
+              <a:gd name="connsiteX48" fmla="*/ 2765699 w 4574113"/>
+              <a:gd name="connsiteY48" fmla="*/ 3731679 h 3812472"/>
+              <a:gd name="connsiteX49" fmla="*/ 3371780 w 4574113"/>
+              <a:gd name="connsiteY49" fmla="*/ 3731679 h 3812472"/>
+              <a:gd name="connsiteX50" fmla="*/ 3466029 w 4574113"/>
+              <a:gd name="connsiteY50" fmla="*/ 3676902 h 3812472"/>
+              <a:gd name="connsiteX51" fmla="*/ 3768415 w 4574113"/>
+              <a:gd name="connsiteY51" fmla="*/ 3153920 h 3812472"/>
+              <a:gd name="connsiteX52" fmla="*/ 3768415 w 4574113"/>
+              <a:gd name="connsiteY52" fmla="*/ 3046975 h 3812472"/>
+              <a:gd name="connsiteX53" fmla="*/ 3466029 w 4574113"/>
+              <a:gd name="connsiteY53" fmla="*/ 2523992 h 3812472"/>
+              <a:gd name="connsiteX54" fmla="*/ 3426268 w 4574113"/>
+              <a:gd name="connsiteY54" fmla="*/ 2483888 h 3812472"/>
+              <a:gd name="connsiteX55" fmla="*/ 3421667 w 4574113"/>
+              <a:gd name="connsiteY55" fmla="*/ 2481960 h 3812472"/>
+              <a:gd name="connsiteX56" fmla="*/ 3446331 w 4574113"/>
+              <a:gd name="connsiteY56" fmla="*/ 2439303 h 3812472"/>
+              <a:gd name="connsiteX57" fmla="*/ 3464674 w 4574113"/>
+              <a:gd name="connsiteY57" fmla="*/ 2407578 h 3812472"/>
+              <a:gd name="connsiteX58" fmla="*/ 3445649 w 4574113"/>
+              <a:gd name="connsiteY58" fmla="*/ 2399601 h 3812472"/>
+              <a:gd name="connsiteX59" fmla="*/ 3413464 w 4574113"/>
+              <a:gd name="connsiteY59" fmla="*/ 2395325 h 3812472"/>
+              <a:gd name="connsiteX60" fmla="*/ 2729808 w 4574113"/>
+              <a:gd name="connsiteY60" fmla="*/ 2395325 h 3812472"/>
+              <a:gd name="connsiteX61" fmla="*/ 2624971 w 4574113"/>
+              <a:gd name="connsiteY61" fmla="*/ 2457112 h 3812472"/>
+              <a:gd name="connsiteX62" fmla="*/ 2282405 w 4574113"/>
+              <a:gd name="connsiteY62" fmla="*/ 3047034 h 3812472"/>
+              <a:gd name="connsiteX63" fmla="*/ 2282405 w 4574113"/>
+              <a:gd name="connsiteY63" fmla="*/ 3167666 h 3812472"/>
+              <a:gd name="connsiteX64" fmla="*/ 2395478 w 4574113"/>
+              <a:gd name="connsiteY64" fmla="*/ 3362386 h 3812472"/>
+              <a:gd name="connsiteX65" fmla="*/ 2412031 w 4574113"/>
+              <a:gd name="connsiteY65" fmla="*/ 3390890 h 3812472"/>
+              <a:gd name="connsiteX66" fmla="*/ 2335350 w 4574113"/>
+              <a:gd name="connsiteY66" fmla="*/ 3390890 h 3812472"/>
+              <a:gd name="connsiteX67" fmla="*/ 1104892 w 4574113"/>
+              <a:gd name="connsiteY67" fmla="*/ 3390890 h 3812472"/>
+              <a:gd name="connsiteX68" fmla="*/ 855258 w 4574113"/>
+              <a:gd name="connsiteY68" fmla="*/ 3243764 h 3812472"/>
+              <a:gd name="connsiteX69" fmla="*/ 39555 w 4574113"/>
+              <a:gd name="connsiteY69" fmla="*/ 1839068 h 3812472"/>
+              <a:gd name="connsiteX70" fmla="*/ 39555 w 4574113"/>
+              <a:gd name="connsiteY70" fmla="*/ 1551823 h 3812472"/>
+              <a:gd name="connsiteX71" fmla="*/ 855258 w 4574113"/>
+              <a:gd name="connsiteY71" fmla="*/ 147125 h 3812472"/>
+              <a:gd name="connsiteX72" fmla="*/ 1104892 w 4574113"/>
+              <a:gd name="connsiteY72" fmla="*/ 0 h 3812472"/>
             </a:gdLst>
             <a:ahLst/>
             <a:cxnLst>
@@ -20102,267 +19341,393 @@
               <a:cxn ang="0">
                 <a:pos x="connsiteX56" y="connsiteY56"/>
               </a:cxn>
+              <a:cxn ang="0">
+                <a:pos x="connsiteX57" y="connsiteY57"/>
+              </a:cxn>
+              <a:cxn ang="0">
+                <a:pos x="connsiteX58" y="connsiteY58"/>
+              </a:cxn>
+              <a:cxn ang="0">
+                <a:pos x="connsiteX59" y="connsiteY59"/>
+              </a:cxn>
+              <a:cxn ang="0">
+                <a:pos x="connsiteX60" y="connsiteY60"/>
+              </a:cxn>
+              <a:cxn ang="0">
+                <a:pos x="connsiteX61" y="connsiteY61"/>
+              </a:cxn>
+              <a:cxn ang="0">
+                <a:pos x="connsiteX62" y="connsiteY62"/>
+              </a:cxn>
+              <a:cxn ang="0">
+                <a:pos x="connsiteX63" y="connsiteY63"/>
+              </a:cxn>
+              <a:cxn ang="0">
+                <a:pos x="connsiteX64" y="connsiteY64"/>
+              </a:cxn>
+              <a:cxn ang="0">
+                <a:pos x="connsiteX65" y="connsiteY65"/>
+              </a:cxn>
+              <a:cxn ang="0">
+                <a:pos x="connsiteX66" y="connsiteY66"/>
+              </a:cxn>
+              <a:cxn ang="0">
+                <a:pos x="connsiteX67" y="connsiteY67"/>
+              </a:cxn>
+              <a:cxn ang="0">
+                <a:pos x="connsiteX68" y="connsiteY68"/>
+              </a:cxn>
+              <a:cxn ang="0">
+                <a:pos x="connsiteX69" y="connsiteY69"/>
+              </a:cxn>
+              <a:cxn ang="0">
+                <a:pos x="connsiteX70" y="connsiteY70"/>
+              </a:cxn>
+              <a:cxn ang="0">
+                <a:pos x="connsiteX71" y="connsiteY71"/>
+              </a:cxn>
+              <a:cxn ang="0">
+                <a:pos x="connsiteX72" y="connsiteY72"/>
+              </a:cxn>
             </a:cxnLst>
             <a:rect l="l" t="t" r="r" b="b"/>
             <a:pathLst>
-              <a:path w="7476877" h="6858000">
+              <a:path w="4574113" h="3812472">
                 <a:moveTo>
-                  <a:pt x="637332" y="4332728"/>
+                  <a:pt x="2768595" y="2476119"/>
                 </a:moveTo>
                 <a:cubicBezTo>
-                  <a:pt x="637332" y="4332728"/>
-                  <a:pt x="637332" y="4332728"/>
-                  <a:pt x="1576347" y="4332728"/>
-                </a:cubicBezTo>
-                <a:cubicBezTo>
-                  <a:pt x="1635163" y="4332728"/>
-                  <a:pt x="1691949" y="4365681"/>
-                  <a:pt x="1720345" y="4419228"/>
-                </a:cubicBezTo>
-                <a:cubicBezTo>
-                  <a:pt x="1720345" y="4419228"/>
-                  <a:pt x="1720345" y="4419228"/>
-                  <a:pt x="2190864" y="5245095"/>
-                </a:cubicBezTo>
-                <a:cubicBezTo>
-                  <a:pt x="2221287" y="5296583"/>
-                  <a:pt x="2221287" y="5362488"/>
-                  <a:pt x="2190864" y="5413976"/>
-                </a:cubicBezTo>
-                <a:cubicBezTo>
-                  <a:pt x="2190864" y="5413976"/>
-                  <a:pt x="2190864" y="5413976"/>
-                  <a:pt x="1720345" y="6239844"/>
-                </a:cubicBezTo>
-                <a:cubicBezTo>
-                  <a:pt x="1691949" y="6293391"/>
-                  <a:pt x="1635163" y="6326343"/>
-                  <a:pt x="1576347" y="6326343"/>
-                </a:cubicBezTo>
-                <a:cubicBezTo>
-                  <a:pt x="1576347" y="6326343"/>
-                  <a:pt x="1576347" y="6326343"/>
-                  <a:pt x="637332" y="6326343"/>
-                </a:cubicBezTo>
-                <a:cubicBezTo>
-                  <a:pt x="576490" y="6326343"/>
-                  <a:pt x="521732" y="6293391"/>
-                  <a:pt x="491309" y="6239844"/>
-                </a:cubicBezTo>
-                <a:cubicBezTo>
-                  <a:pt x="491309" y="6239844"/>
-                  <a:pt x="491309" y="6239844"/>
-                  <a:pt x="22817" y="5413976"/>
-                </a:cubicBezTo>
-                <a:cubicBezTo>
-                  <a:pt x="-7605" y="5362488"/>
-                  <a:pt x="-7605" y="5296583"/>
-                  <a:pt x="22817" y="5245095"/>
-                </a:cubicBezTo>
-                <a:cubicBezTo>
-                  <a:pt x="22817" y="5245095"/>
-                  <a:pt x="22817" y="5245095"/>
-                  <a:pt x="491309" y="4419228"/>
-                </a:cubicBezTo>
-                <a:cubicBezTo>
-                  <a:pt x="521732" y="4365681"/>
-                  <a:pt x="576490" y="4332728"/>
-                  <a:pt x="637332" y="4332728"/>
+                  <a:pt x="2768595" y="2476119"/>
+                  <a:pt x="2768595" y="2476119"/>
+                  <a:pt x="3374676" y="2476119"/>
+                </a:cubicBezTo>
+                <a:cubicBezTo>
+                  <a:pt x="3384493" y="2476119"/>
+                  <a:pt x="3394066" y="2477423"/>
+                  <a:pt x="3403209" y="2479909"/>
+                </a:cubicBezTo>
+                <a:lnTo>
+                  <a:pt x="3422833" y="2488137"/>
+                </a:lnTo>
+                <a:lnTo>
+                  <a:pt x="3410840" y="2508879"/>
+                </a:lnTo>
+                <a:cubicBezTo>
+                  <a:pt x="3302401" y="2696426"/>
+                  <a:pt x="3163600" y="2936487"/>
+                  <a:pt x="2985934" y="3243764"/>
+                </a:cubicBezTo>
+                <a:cubicBezTo>
+                  <a:pt x="2933195" y="3334842"/>
+                  <a:pt x="2838263" y="3390890"/>
+                  <a:pt x="2732784" y="3390890"/>
+                </a:cubicBezTo>
+                <a:cubicBezTo>
+                  <a:pt x="2732784" y="3390890"/>
+                  <a:pt x="2732784" y="3390890"/>
+                  <a:pt x="2529297" y="3390890"/>
+                </a:cubicBezTo>
+                <a:lnTo>
+                  <a:pt x="2505559" y="3390890"/>
+                </a:lnTo>
+                <a:lnTo>
+                  <a:pt x="2482907" y="3351884"/>
+                </a:lnTo>
+                <a:cubicBezTo>
+                  <a:pt x="2451367" y="3297569"/>
+                  <a:pt x="2414666" y="3234367"/>
+                  <a:pt x="2371959" y="3160822"/>
+                </a:cubicBezTo>
+                <a:cubicBezTo>
+                  <a:pt x="2352324" y="3128217"/>
+                  <a:pt x="2352324" y="3086483"/>
+                  <a:pt x="2371959" y="3053878"/>
+                </a:cubicBezTo>
+                <a:cubicBezTo>
+                  <a:pt x="2371959" y="3053878"/>
+                  <a:pt x="2371959" y="3053878"/>
+                  <a:pt x="2675654" y="2530895"/>
+                </a:cubicBezTo>
+                <a:cubicBezTo>
+                  <a:pt x="2693981" y="2496986"/>
+                  <a:pt x="2730633" y="2476119"/>
+                  <a:pt x="2768595" y="2476119"/>
                 </a:cubicBezTo>
                 <a:close/>
                 <a:moveTo>
-                  <a:pt x="3853980" y="0"/>
+                  <a:pt x="3909778" y="676847"/>
                 </a:moveTo>
+                <a:cubicBezTo>
+                  <a:pt x="3909778" y="676847"/>
+                  <a:pt x="3909778" y="676847"/>
+                  <a:pt x="4305516" y="676847"/>
+                </a:cubicBezTo>
+                <a:cubicBezTo>
+                  <a:pt x="4331158" y="676847"/>
+                  <a:pt x="4354235" y="690472"/>
+                  <a:pt x="4367056" y="712612"/>
+                </a:cubicBezTo>
+                <a:cubicBezTo>
+                  <a:pt x="4367056" y="712612"/>
+                  <a:pt x="4367056" y="712612"/>
+                  <a:pt x="4564498" y="1054092"/>
+                </a:cubicBezTo>
+                <a:cubicBezTo>
+                  <a:pt x="4577319" y="1075382"/>
+                  <a:pt x="4577319" y="1102632"/>
+                  <a:pt x="4564498" y="1123921"/>
+                </a:cubicBezTo>
+                <a:cubicBezTo>
+                  <a:pt x="4564498" y="1123921"/>
+                  <a:pt x="4564498" y="1123921"/>
+                  <a:pt x="4367056" y="1465401"/>
+                </a:cubicBezTo>
+                <a:cubicBezTo>
+                  <a:pt x="4354235" y="1487542"/>
+                  <a:pt x="4331158" y="1501167"/>
+                  <a:pt x="4305516" y="1501167"/>
+                </a:cubicBezTo>
+                <a:cubicBezTo>
+                  <a:pt x="4305516" y="1501167"/>
+                  <a:pt x="4305516" y="1501167"/>
+                  <a:pt x="3909778" y="1501167"/>
+                </a:cubicBezTo>
+                <a:cubicBezTo>
+                  <a:pt x="3884990" y="1501167"/>
+                  <a:pt x="3861058" y="1487542"/>
+                  <a:pt x="3849091" y="1465401"/>
+                </a:cubicBezTo>
+                <a:cubicBezTo>
+                  <a:pt x="3849091" y="1465401"/>
+                  <a:pt x="3849091" y="1465401"/>
+                  <a:pt x="3650795" y="1123921"/>
+                </a:cubicBezTo>
+                <a:cubicBezTo>
+                  <a:pt x="3637974" y="1102632"/>
+                  <a:pt x="3637974" y="1075382"/>
+                  <a:pt x="3650795" y="1054092"/>
+                </a:cubicBezTo>
+                <a:cubicBezTo>
+                  <a:pt x="3650795" y="1054092"/>
+                  <a:pt x="3650795" y="1054092"/>
+                  <a:pt x="3849091" y="712612"/>
+                </a:cubicBezTo>
+                <a:cubicBezTo>
+                  <a:pt x="3861058" y="690472"/>
+                  <a:pt x="3884990" y="676847"/>
+                  <a:pt x="3909778" y="676847"/>
+                </a:cubicBezTo>
+                <a:close/>
+                <a:moveTo>
+                  <a:pt x="1104892" y="0"/>
+                </a:moveTo>
+                <a:cubicBezTo>
+                  <a:pt x="1104892" y="0"/>
+                  <a:pt x="1104892" y="0"/>
+                  <a:pt x="2732784" y="0"/>
+                </a:cubicBezTo>
+                <a:cubicBezTo>
+                  <a:pt x="2838263" y="0"/>
+                  <a:pt x="2933195" y="56047"/>
+                  <a:pt x="2985934" y="147125"/>
+                </a:cubicBezTo>
+                <a:cubicBezTo>
+                  <a:pt x="2985934" y="147125"/>
+                  <a:pt x="2985934" y="147125"/>
+                  <a:pt x="3798122" y="1551823"/>
+                </a:cubicBezTo>
+                <a:cubicBezTo>
+                  <a:pt x="3850862" y="1639397"/>
+                  <a:pt x="3850862" y="1751493"/>
+                  <a:pt x="3798122" y="1839068"/>
+                </a:cubicBezTo>
+                <a:cubicBezTo>
+                  <a:pt x="3798122" y="1839068"/>
+                  <a:pt x="3798122" y="1839068"/>
+                  <a:pt x="3496551" y="2360642"/>
+                </a:cubicBezTo>
                 <a:lnTo>
-                  <a:pt x="5043644" y="0"/>
+                  <a:pt x="3471135" y="2404597"/>
                 </a:lnTo>
                 <a:lnTo>
-                  <a:pt x="5083740" y="70378"/>
+                  <a:pt x="3472029" y="2404972"/>
                 </a:lnTo>
                 <a:cubicBezTo>
-                  <a:pt x="5127533" y="147245"/>
-                  <a:pt x="5174639" y="229925"/>
-                  <a:pt x="5225307" y="318859"/>
-                </a:cubicBezTo>
-                <a:cubicBezTo>
-                  <a:pt x="5271897" y="397715"/>
-                  <a:pt x="5271897" y="498649"/>
-                  <a:pt x="5225307" y="577503"/>
-                </a:cubicBezTo>
-                <a:cubicBezTo>
-                  <a:pt x="5225307" y="577503"/>
-                  <a:pt x="5225307" y="577503"/>
-                  <a:pt x="4504695" y="1842337"/>
-                </a:cubicBezTo>
-                <a:cubicBezTo>
-                  <a:pt x="4461209" y="1924345"/>
-                  <a:pt x="4374239" y="1974811"/>
-                  <a:pt x="4284162" y="1974811"/>
-                </a:cubicBezTo>
-                <a:cubicBezTo>
-                  <a:pt x="4284162" y="1974811"/>
-                  <a:pt x="4284162" y="1974811"/>
-                  <a:pt x="2846045" y="1974811"/>
-                </a:cubicBezTo>
-                <a:cubicBezTo>
-                  <a:pt x="2822750" y="1974811"/>
-                  <a:pt x="2800035" y="1971656"/>
-                  <a:pt x="2778342" y="1965645"/>
+                  <a:pt x="3490302" y="2415638"/>
+                  <a:pt x="3505806" y="2431084"/>
+                  <a:pt x="3516881" y="2450209"/>
+                </a:cubicBezTo>
+                <a:cubicBezTo>
+                  <a:pt x="3516881" y="2450209"/>
+                  <a:pt x="3516881" y="2450209"/>
+                  <a:pt x="3857970" y="3040131"/>
+                </a:cubicBezTo>
+                <a:cubicBezTo>
+                  <a:pt x="3880120" y="3076909"/>
+                  <a:pt x="3880120" y="3123985"/>
+                  <a:pt x="3857970" y="3160764"/>
+                </a:cubicBezTo>
+                <a:cubicBezTo>
+                  <a:pt x="3857970" y="3160764"/>
+                  <a:pt x="3857970" y="3160764"/>
+                  <a:pt x="3516881" y="3750684"/>
+                </a:cubicBezTo>
+                <a:cubicBezTo>
+                  <a:pt x="3494732" y="3788933"/>
+                  <a:pt x="3454864" y="3812472"/>
+                  <a:pt x="3410567" y="3812472"/>
+                </a:cubicBezTo>
+                <a:cubicBezTo>
+                  <a:pt x="3410567" y="3812472"/>
+                  <a:pt x="3410567" y="3812472"/>
+                  <a:pt x="2726911" y="3812472"/>
+                </a:cubicBezTo>
+                <a:cubicBezTo>
+                  <a:pt x="2684090" y="3812472"/>
+                  <a:pt x="2642747" y="3788933"/>
+                  <a:pt x="2622074" y="3750684"/>
+                </a:cubicBezTo>
+                <a:cubicBezTo>
+                  <a:pt x="2622074" y="3750684"/>
+                  <a:pt x="2622074" y="3750684"/>
+                  <a:pt x="2438330" y="3434265"/>
                 </a:cubicBezTo>
                 <a:lnTo>
-                  <a:pt x="2731777" y="1945746"/>
+                  <a:pt x="2417573" y="3398519"/>
                 </a:lnTo>
                 <a:lnTo>
-                  <a:pt x="2760233" y="1895581"/>
-                </a:lnTo>
-                <a:cubicBezTo>
-                  <a:pt x="3017539" y="1441999"/>
-                  <a:pt x="3346890" y="861413"/>
-                  <a:pt x="3768459" y="118263"/>
-                </a:cubicBezTo>
-                <a:cubicBezTo>
-                  <a:pt x="3784101" y="90729"/>
-                  <a:pt x="3801308" y="64519"/>
-                  <a:pt x="3819932" y="39732"/>
-                </a:cubicBezTo>
-                <a:close/>
-                <a:moveTo>
-                  <a:pt x="1880237" y="0"/>
-                </a:moveTo>
-                <a:lnTo>
-                  <a:pt x="2102124" y="0"/>
+                  <a:pt x="2433905" y="3398519"/>
                 </a:lnTo>
                 <a:lnTo>
-                  <a:pt x="2086946" y="26756"/>
-                </a:lnTo>
-                <a:cubicBezTo>
-                  <a:pt x="1911773" y="335552"/>
-                  <a:pt x="1911773" y="335552"/>
-                  <a:pt x="1911773" y="335552"/>
-                </a:cubicBezTo>
-                <a:cubicBezTo>
-                  <a:pt x="1865182" y="414408"/>
-                  <a:pt x="1865182" y="515344"/>
-                  <a:pt x="1911773" y="594199"/>
-                </a:cubicBezTo>
-                <a:cubicBezTo>
-                  <a:pt x="2629280" y="1859030"/>
-                  <a:pt x="2629280" y="1859030"/>
-                  <a:pt x="2629280" y="1859030"/>
-                </a:cubicBezTo>
-                <a:cubicBezTo>
-                  <a:pt x="2652576" y="1900035"/>
-                  <a:pt x="2685189" y="1933154"/>
-                  <a:pt x="2723627" y="1956020"/>
-                </a:cubicBezTo>
-                <a:lnTo>
-                  <a:pt x="2734544" y="1960685"/>
+                  <a:pt x="2511101" y="3398519"/>
                 </a:lnTo>
                 <a:lnTo>
-                  <a:pt x="2676021" y="2063851"/>
+                  <a:pt x="2544636" y="3456269"/>
+                </a:lnTo>
+                <a:cubicBezTo>
+                  <a:pt x="2672757" y="3676902"/>
+                  <a:pt x="2672757" y="3676902"/>
+                  <a:pt x="2672757" y="3676902"/>
+                </a:cubicBezTo>
+                <a:cubicBezTo>
+                  <a:pt x="2691084" y="3710811"/>
+                  <a:pt x="2727737" y="3731679"/>
+                  <a:pt x="2765699" y="3731679"/>
+                </a:cubicBezTo>
+                <a:cubicBezTo>
+                  <a:pt x="3371780" y="3731679"/>
+                  <a:pt x="3371780" y="3731679"/>
+                  <a:pt x="3371780" y="3731679"/>
+                </a:cubicBezTo>
+                <a:cubicBezTo>
+                  <a:pt x="3411050" y="3731679"/>
+                  <a:pt x="3446394" y="3710811"/>
+                  <a:pt x="3466029" y="3676902"/>
+                </a:cubicBezTo>
+                <a:cubicBezTo>
+                  <a:pt x="3768415" y="3153920"/>
+                  <a:pt x="3768415" y="3153920"/>
+                  <a:pt x="3768415" y="3153920"/>
+                </a:cubicBezTo>
+                <a:cubicBezTo>
+                  <a:pt x="3788051" y="3121314"/>
+                  <a:pt x="3788051" y="3079580"/>
+                  <a:pt x="3768415" y="3046975"/>
+                </a:cubicBezTo>
+                <a:cubicBezTo>
+                  <a:pt x="3466029" y="2523992"/>
+                  <a:pt x="3466029" y="2523992"/>
+                  <a:pt x="3466029" y="2523992"/>
+                </a:cubicBezTo>
+                <a:cubicBezTo>
+                  <a:pt x="3456211" y="2507037"/>
+                  <a:pt x="3442467" y="2493343"/>
+                  <a:pt x="3426268" y="2483888"/>
+                </a:cubicBezTo>
+                <a:lnTo>
+                  <a:pt x="3421667" y="2481960"/>
                 </a:lnTo>
                 <a:lnTo>
-                  <a:pt x="2632495" y="2140578"/>
+                  <a:pt x="3446331" y="2439303"/>
                 </a:lnTo>
                 <a:lnTo>
-                  <a:pt x="2677641" y="2159871"/>
-                </a:lnTo>
-                <a:cubicBezTo>
-                  <a:pt x="2702113" y="2166652"/>
-                  <a:pt x="2727732" y="2170210"/>
-                  <a:pt x="2754009" y="2170210"/>
-                </a:cubicBezTo>
-                <a:cubicBezTo>
-                  <a:pt x="4376198" y="2170210"/>
-                  <a:pt x="4376198" y="2170210"/>
-                  <a:pt x="4376198" y="2170210"/>
-                </a:cubicBezTo>
-                <a:cubicBezTo>
-                  <a:pt x="4477805" y="2170210"/>
-                  <a:pt x="4575904" y="2113286"/>
-                  <a:pt x="4624956" y="2020780"/>
-                </a:cubicBezTo>
-                <a:cubicBezTo>
-                  <a:pt x="5437803" y="594055"/>
-                  <a:pt x="5437803" y="594055"/>
-                  <a:pt x="5437803" y="594055"/>
-                </a:cubicBezTo>
-                <a:cubicBezTo>
-                  <a:pt x="5490358" y="505109"/>
-                  <a:pt x="5490358" y="391256"/>
-                  <a:pt x="5437803" y="302307"/>
-                </a:cubicBezTo>
-                <a:cubicBezTo>
-                  <a:pt x="5387000" y="213137"/>
-                  <a:pt x="5339373" y="129540"/>
-                  <a:pt x="5294722" y="51168"/>
-                </a:cubicBezTo>
-                <a:lnTo>
-                  <a:pt x="5265570" y="0"/>
+                  <a:pt x="3464674" y="2407578"/>
                 </a:lnTo>
                 <a:lnTo>
-                  <a:pt x="7476877" y="0"/>
+                  <a:pt x="3445649" y="2399601"/>
+                </a:lnTo>
+                <a:cubicBezTo>
+                  <a:pt x="3435335" y="2396796"/>
+                  <a:pt x="3424538" y="2395325"/>
+                  <a:pt x="3413464" y="2395325"/>
+                </a:cubicBezTo>
+                <a:cubicBezTo>
+                  <a:pt x="2729808" y="2395325"/>
+                  <a:pt x="2729808" y="2395325"/>
+                  <a:pt x="2729808" y="2395325"/>
+                </a:cubicBezTo>
+                <a:cubicBezTo>
+                  <a:pt x="2686987" y="2395325"/>
+                  <a:pt x="2645644" y="2418863"/>
+                  <a:pt x="2624971" y="2457112"/>
+                </a:cubicBezTo>
+                <a:cubicBezTo>
+                  <a:pt x="2282405" y="3047034"/>
+                  <a:pt x="2282405" y="3047034"/>
+                  <a:pt x="2282405" y="3047034"/>
+                </a:cubicBezTo>
+                <a:cubicBezTo>
+                  <a:pt x="2260256" y="3083811"/>
+                  <a:pt x="2260256" y="3130887"/>
+                  <a:pt x="2282405" y="3167666"/>
+                </a:cubicBezTo>
+                <a:cubicBezTo>
+                  <a:pt x="2325225" y="3241406"/>
+                  <a:pt x="2362693" y="3305929"/>
+                  <a:pt x="2395478" y="3362386"/>
+                </a:cubicBezTo>
+                <a:lnTo>
+                  <a:pt x="2412031" y="3390890"/>
                 </a:lnTo>
                 <a:lnTo>
-                  <a:pt x="7476877" y="6858000"/>
+                  <a:pt x="2335350" y="3390890"/>
                 </a:lnTo>
-                <a:lnTo>
-                  <a:pt x="3343303" y="6858000"/>
-                </a:lnTo>
-                <a:lnTo>
-                  <a:pt x="3297958" y="6778065"/>
-                </a:lnTo>
-                <a:cubicBezTo>
-                  <a:pt x="3015657" y="6280421"/>
-                  <a:pt x="2563976" y="5484189"/>
-                  <a:pt x="1841286" y="4210218"/>
-                </a:cubicBezTo>
-                <a:cubicBezTo>
-                  <a:pt x="1716144" y="3998418"/>
-                  <a:pt x="1716144" y="3727316"/>
-                  <a:pt x="1841286" y="3515516"/>
-                </a:cubicBezTo>
-                <a:cubicBezTo>
-                  <a:pt x="1841286" y="3515516"/>
-                  <a:pt x="1841286" y="3515516"/>
-                  <a:pt x="2556859" y="2254092"/>
-                </a:cubicBezTo>
-                <a:lnTo>
-                  <a:pt x="2617166" y="2147787"/>
-                </a:lnTo>
-                <a:lnTo>
-                  <a:pt x="2615044" y="2146880"/>
-                </a:lnTo>
-                <a:cubicBezTo>
-                  <a:pt x="2571686" y="2121084"/>
-                  <a:pt x="2534897" y="2083728"/>
-                  <a:pt x="2508620" y="2037473"/>
-                </a:cubicBezTo>
-                <a:cubicBezTo>
-                  <a:pt x="2508620" y="2037473"/>
-                  <a:pt x="2508620" y="2037473"/>
-                  <a:pt x="1699276" y="610749"/>
-                </a:cubicBezTo>
-                <a:cubicBezTo>
-                  <a:pt x="1646720" y="521803"/>
-                  <a:pt x="1646720" y="407950"/>
-                  <a:pt x="1699276" y="319000"/>
-                </a:cubicBezTo>
-                <a:cubicBezTo>
-                  <a:pt x="1699276" y="319000"/>
-                  <a:pt x="1699276" y="319000"/>
-                  <a:pt x="1843322" y="65075"/>
+                <a:cubicBezTo>
+                  <a:pt x="2096889" y="3390890"/>
+                  <a:pt x="1715352" y="3390890"/>
+                  <a:pt x="1104892" y="3390890"/>
+                </a:cubicBezTo>
+                <a:cubicBezTo>
+                  <a:pt x="1002929" y="3390890"/>
+                  <a:pt x="904482" y="3334842"/>
+                  <a:pt x="855258" y="3243764"/>
+                </a:cubicBezTo>
+                <a:cubicBezTo>
+                  <a:pt x="855258" y="3243764"/>
+                  <a:pt x="855258" y="3243764"/>
+                  <a:pt x="39555" y="1839068"/>
+                </a:cubicBezTo>
+                <a:cubicBezTo>
+                  <a:pt x="-13185" y="1751493"/>
+                  <a:pt x="-13185" y="1639397"/>
+                  <a:pt x="39555" y="1551823"/>
+                </a:cubicBezTo>
+                <a:cubicBezTo>
+                  <a:pt x="39555" y="1551823"/>
+                  <a:pt x="39555" y="1551823"/>
+                  <a:pt x="855258" y="147125"/>
+                </a:cubicBezTo>
+                <a:cubicBezTo>
+                  <a:pt x="904482" y="56047"/>
+                  <a:pt x="1002929" y="0"/>
+                  <a:pt x="1104892" y="0"/>
                 </a:cubicBezTo>
                 <a:close/>
               </a:path>
             </a:pathLst>
           </a:custGeom>
           <a:solidFill>
-            <a:schemeClr val="tx1">
-              <a:lumMod val="50000"/>
-              <a:lumOff val="50000"/>
-              <a:alpha val="15000"/>
-            </a:schemeClr>
+            <a:schemeClr val="tx1"/>
           </a:solidFill>
           <a:ln>
             <a:noFill/>
@@ -20395,12 +19760,173 @@
           </a:p>
         </p:txBody>
       </p:sp>
+    </p:spTree>
+    <p:extLst>
+      <p:ext uri="{BB962C8B-B14F-4D97-AF65-F5344CB8AC3E}">
+        <p14:creationId xmlns:p14="http://schemas.microsoft.com/office/powerpoint/2010/main" val="2497519914"/>
+      </p:ext>
+    </p:extLst>
+  </p:cSld>
+  <p:clrMapOvr>
+    <a:masterClrMapping/>
+  </p:clrMapOvr>
+</p:sld>
+</file>
+
+<file path=ppt/slides/slide9.xml><?xml version="1.0" encoding="utf-8"?>
+<p:sld xmlns:a="http://schemas.openxmlformats.org/drawingml/2006/main" xmlns:r="http://schemas.openxmlformats.org/officeDocument/2006/relationships" xmlns:p="http://schemas.openxmlformats.org/presentationml/2006/main">
+  <p:cSld>
+    <p:bg>
+      <p:bgPr>
+        <a:solidFill>
+          <a:schemeClr val="bg1"/>
+        </a:solidFill>
+        <a:effectLst/>
+      </p:bgPr>
+    </p:bg>
+    <p:spTree>
+      <p:nvGrpSpPr>
+        <p:cNvPr id="1" name=""/>
+        <p:cNvGrpSpPr/>
+        <p:nvPr/>
+      </p:nvGrpSpPr>
+      <p:grpSpPr>
+        <a:xfrm>
+          <a:off x="0" y="0"/>
+          <a:ext cx="0" cy="0"/>
+          <a:chOff x="0" y="0"/>
+          <a:chExt cx="0" cy="0"/>
+        </a:xfrm>
+      </p:grpSpPr>
+      <p:sp useBgFill="1">
+        <p:nvSpPr>
+          <p:cNvPr id="56" name="Rectangle 55">
+            <a:extLst>
+              <a:ext uri="{FF2B5EF4-FFF2-40B4-BE49-F238E27FC236}">
+                <a16:creationId xmlns:a16="http://schemas.microsoft.com/office/drawing/2014/main" id="{33CD251C-A887-4D2F-925B-FC097198538B}"/>
+              </a:ext>
+              <a:ext uri="{C183D7F6-B498-43B3-948B-1728B52AA6E4}">
+                <adec:decorative xmlns:adec="http://schemas.microsoft.com/office/drawing/2017/decorative" val="1"/>
+              </a:ext>
+            </a:extLst>
+          </p:cNvPr>
+          <p:cNvSpPr>
+            <a:spLocks noGrp="1" noRot="1" noChangeAspect="1" noMove="1" noResize="1" noEditPoints="1" noAdjustHandles="1" noChangeArrowheads="1" noChangeShapeType="1" noTextEdit="1"/>
+          </p:cNvSpPr>
+          <p:nvPr>
+            <p:extLst>
+              <p:ext uri="{386F3935-93C4-4BCD-93E2-E3B085C9AB24}">
+                <p16:designElem xmlns:p16="http://schemas.microsoft.com/office/powerpoint/2015/main" val="1"/>
+              </p:ext>
+            </p:extLst>
+          </p:nvPr>
+        </p:nvSpPr>
+        <p:spPr>
+          <a:xfrm>
+            <a:off x="0" y="0"/>
+            <a:ext cx="12192000" cy="6858000"/>
+          </a:xfrm>
+          <a:prstGeom prst="rect">
+            <a:avLst/>
+          </a:prstGeom>
+          <a:ln>
+            <a:noFill/>
+          </a:ln>
+        </p:spPr>
+        <p:style>
+          <a:lnRef idx="2">
+            <a:schemeClr val="accent1">
+              <a:shade val="50000"/>
+            </a:schemeClr>
+          </a:lnRef>
+          <a:fillRef idx="1">
+            <a:schemeClr val="accent1"/>
+          </a:fillRef>
+          <a:effectRef idx="0">
+            <a:schemeClr val="accent1"/>
+          </a:effectRef>
+          <a:fontRef idx="minor">
+            <a:schemeClr val="lt1"/>
+          </a:fontRef>
+        </p:style>
+        <p:txBody>
+          <a:bodyPr rtlCol="0" anchor="ctr"/>
+          <a:lstStyle/>
+          <a:p>
+            <a:pPr algn="ctr"/>
+            <a:endParaRPr lang="en-US"/>
+          </a:p>
+        </p:txBody>
+      </p:sp>
       <p:sp>
         <p:nvSpPr>
-          <p:cNvPr id="4" name="Title 3">
+          <p:cNvPr id="58" name="Rectangle 57">
             <a:extLst>
               <a:ext uri="{FF2B5EF4-FFF2-40B4-BE49-F238E27FC236}">
-                <a16:creationId xmlns:a16="http://schemas.microsoft.com/office/drawing/2014/main" id="{BB2A1168-7759-4137-9142-9990CD1097B1}"/>
+                <a16:creationId xmlns:a16="http://schemas.microsoft.com/office/drawing/2014/main" id="{B19D093C-27FB-4032-B282-42C4563F257C}"/>
+              </a:ext>
+              <a:ext uri="{C183D7F6-B498-43B3-948B-1728B52AA6E4}">
+                <adec:decorative xmlns:adec="http://schemas.microsoft.com/office/drawing/2017/decorative" val="1"/>
+              </a:ext>
+            </a:extLst>
+          </p:cNvPr>
+          <p:cNvSpPr>
+            <a:spLocks noGrp="1" noRot="1" noChangeAspect="1" noMove="1" noResize="1" noEditPoints="1" noAdjustHandles="1" noChangeArrowheads="1" noChangeShapeType="1" noTextEdit="1"/>
+          </p:cNvSpPr>
+          <p:nvPr>
+            <p:extLst>
+              <p:ext uri="{386F3935-93C4-4BCD-93E2-E3B085C9AB24}">
+                <p16:designElem xmlns:p16="http://schemas.microsoft.com/office/powerpoint/2015/main" val="1"/>
+              </p:ext>
+            </p:extLst>
+          </p:nvPr>
+        </p:nvSpPr>
+        <p:spPr>
+          <a:xfrm>
+            <a:off x="0" y="0"/>
+            <a:ext cx="4694548" cy="6858000"/>
+          </a:xfrm>
+          <a:prstGeom prst="rect">
+            <a:avLst/>
+          </a:prstGeom>
+          <a:solidFill>
+            <a:schemeClr val="tx1"/>
+          </a:solidFill>
+          <a:ln>
+            <a:noFill/>
+          </a:ln>
+        </p:spPr>
+        <p:style>
+          <a:lnRef idx="2">
+            <a:schemeClr val="accent1">
+              <a:shade val="50000"/>
+            </a:schemeClr>
+          </a:lnRef>
+          <a:fillRef idx="1">
+            <a:schemeClr val="accent1"/>
+          </a:fillRef>
+          <a:effectRef idx="0">
+            <a:schemeClr val="accent1"/>
+          </a:effectRef>
+          <a:fontRef idx="minor">
+            <a:schemeClr val="lt1"/>
+          </a:fontRef>
+        </p:style>
+        <p:txBody>
+          <a:bodyPr rtlCol="0" anchor="ctr"/>
+          <a:lstStyle/>
+          <a:p>
+            <a:pPr algn="ctr"/>
+            <a:endParaRPr lang="en-US"/>
+          </a:p>
+        </p:txBody>
+      </p:sp>
+      <p:sp>
+        <p:nvSpPr>
+          <p:cNvPr id="2" name="Title 1">
+            <a:extLst>
+              <a:ext uri="{FF2B5EF4-FFF2-40B4-BE49-F238E27FC236}">
+                <a16:creationId xmlns:a16="http://schemas.microsoft.com/office/drawing/2014/main" id="{DA7F9311-0C48-4D07-8EB9-6965B2CD7BAD}"/>
               </a:ext>
             </a:extLst>
           </p:cNvPr>
@@ -20408,35 +19934,41 @@
             <a:spLocks noGrp="1"/>
           </p:cNvSpPr>
           <p:nvPr>
-            <p:ph type="ctrTitle"/>
+            <p:ph type="title"/>
           </p:nvPr>
         </p:nvSpPr>
         <p:spPr>
           <a:xfrm>
-            <a:off x="1356919" y="2945524"/>
-            <a:ext cx="6457183" cy="2274388"/>
+            <a:off x="767290" y="1780661"/>
+            <a:ext cx="3582073" cy="1463472"/>
           </a:xfrm>
         </p:spPr>
         <p:txBody>
-          <a:bodyPr anchor="t">
+          <a:bodyPr vert="horz" lIns="91440" tIns="45720" rIns="91440" bIns="45720" rtlCol="0" anchor="t">
             <a:normAutofit/>
           </a:bodyPr>
           <a:lstStyle/>
           <a:p>
-            <a:pPr algn="l"/>
             <a:r>
-              <a:rPr lang="en-US" sz="4500"/>
-              <a:t>What kinds of crimes are most common among different racial groups?</a:t>
+              <a:rPr lang="en-US" sz="4800" kern="1200">
+                <a:solidFill>
+                  <a:schemeClr val="bg1"/>
+                </a:solidFill>
+                <a:latin typeface="+mj-lt"/>
+                <a:ea typeface="+mj-ea"/>
+                <a:cs typeface="+mj-cs"/>
+              </a:rPr>
+              <a:t>Crime Categories</a:t>
             </a:r>
           </a:p>
         </p:txBody>
       </p:sp>
       <p:grpSp>
         <p:nvGrpSpPr>
-          <p:cNvPr id="13" name="Group 12">
+          <p:cNvPr id="60" name="Group 59">
             <a:extLst>
               <a:ext uri="{FF2B5EF4-FFF2-40B4-BE49-F238E27FC236}">
-                <a16:creationId xmlns:a16="http://schemas.microsoft.com/office/drawing/2014/main" id="{64B93721-934F-4F1E-A868-0B2BA110D3B5}"/>
+                <a16:creationId xmlns:a16="http://schemas.microsoft.com/office/drawing/2014/main" id="{35EE815E-1BD3-4777-B652-6D98825BF66B}"/>
               </a:ext>
               <a:ext uri="{C183D7F6-B498-43B3-948B-1728B52AA6E4}">
                 <adec:decorative xmlns:adec="http://schemas.microsoft.com/office/drawing/2017/decorative" val="1"/>
@@ -20456,18 +19988,18 @@
         </p:nvGrpSpPr>
         <p:grpSpPr>
           <a:xfrm>
-            <a:off x="441960" y="561256"/>
+            <a:off x="767290" y="681628"/>
             <a:ext cx="1128382" cy="847206"/>
-            <a:chOff x="7393391" y="1075612"/>
+            <a:chOff x="668003" y="1684057"/>
             <a:chExt cx="1128382" cy="847206"/>
           </a:xfrm>
         </p:grpSpPr>
         <p:sp>
           <p:nvSpPr>
-            <p:cNvPr id="14" name="Freeform 5">
+            <p:cNvPr id="61" name="Freeform 5">
               <a:extLst>
                 <a:ext uri="{FF2B5EF4-FFF2-40B4-BE49-F238E27FC236}">
-                  <a16:creationId xmlns:a16="http://schemas.microsoft.com/office/drawing/2014/main" id="{99494AF8-52DE-4016-B1B9-5D16974BAE24}"/>
+                  <a16:creationId xmlns:a16="http://schemas.microsoft.com/office/drawing/2014/main" id="{E6692982-4A7D-4392-87CD-F0CD4B027DDE}"/>
                 </a:ext>
                 <a:ext uri="{C183D7F6-B498-43B3-948B-1728B52AA6E4}">
                   <adec:decorative xmlns:adec="http://schemas.microsoft.com/office/drawing/2017/decorative" val="1"/>
@@ -20487,7 +20019,7 @@
           </p:nvSpPr>
           <p:spPr bwMode="auto">
             <a:xfrm>
-              <a:off x="7393391" y="1327438"/>
+              <a:off x="668003" y="1935883"/>
               <a:ext cx="675351" cy="595380"/>
             </a:xfrm>
             <a:custGeom>
@@ -20633,7 +20165,7 @@
             <a:noFill/>
             <a:ln w="28575" cmpd="sng">
               <a:solidFill>
-                <a:schemeClr val="tx1"/>
+                <a:schemeClr val="bg1"/>
               </a:solidFill>
             </a:ln>
           </p:spPr>
@@ -20651,10 +20183,10 @@
         </p:sp>
         <p:sp>
           <p:nvSpPr>
-            <p:cNvPr id="15" name="Freeform 5">
+            <p:cNvPr id="62" name="Freeform 5">
               <a:extLst>
                 <a:ext uri="{FF2B5EF4-FFF2-40B4-BE49-F238E27FC236}">
-                  <a16:creationId xmlns:a16="http://schemas.microsoft.com/office/drawing/2014/main" id="{C27115E3-8DBD-460F-8EAD-44E12617413B}"/>
+                  <a16:creationId xmlns:a16="http://schemas.microsoft.com/office/drawing/2014/main" id="{196485F7-F277-4123-AC53-98EA4C858774}"/>
                 </a:ext>
                 <a:ext uri="{C183D7F6-B498-43B3-948B-1728B52AA6E4}">
                   <adec:decorative xmlns:adec="http://schemas.microsoft.com/office/drawing/2017/decorative" val="1"/>
@@ -20674,7 +20206,7 @@
           </p:nvSpPr>
           <p:spPr bwMode="auto">
             <a:xfrm>
-              <a:off x="7971281" y="1075612"/>
+              <a:off x="1245893" y="1684057"/>
               <a:ext cx="550492" cy="485306"/>
             </a:xfrm>
             <a:custGeom>
@@ -20820,7 +20352,7 @@
             <a:noFill/>
             <a:ln w="28575" cmpd="sng">
               <a:solidFill>
-                <a:schemeClr val="tx1"/>
+                <a:schemeClr val="bg1"/>
               </a:solidFill>
             </a:ln>
           </p:spPr>
@@ -20837,481 +20369,6 @@
           </p:txBody>
         </p:sp>
       </p:grpSp>
-    </p:spTree>
-    <p:extLst>
-      <p:ext uri="{BB962C8B-B14F-4D97-AF65-F5344CB8AC3E}">
-        <p14:creationId xmlns:p14="http://schemas.microsoft.com/office/powerpoint/2010/main" val="2497519914"/>
-      </p:ext>
-    </p:extLst>
-  </p:cSld>
-  <p:clrMapOvr>
-    <a:masterClrMapping/>
-  </p:clrMapOvr>
-</p:sld>
-</file>
-
-<file path=ppt/slides/slide9.xml><?xml version="1.0" encoding="utf-8"?>
-<p:sld xmlns:a="http://schemas.openxmlformats.org/drawingml/2006/main" xmlns:r="http://schemas.openxmlformats.org/officeDocument/2006/relationships" xmlns:p="http://schemas.openxmlformats.org/presentationml/2006/main">
-  <p:cSld>
-    <p:bg>
-      <p:bgPr>
-        <a:solidFill>
-          <a:schemeClr val="bg1"/>
-        </a:solidFill>
-        <a:effectLst/>
-      </p:bgPr>
-    </p:bg>
-    <p:spTree>
-      <p:nvGrpSpPr>
-        <p:cNvPr id="1" name=""/>
-        <p:cNvGrpSpPr/>
-        <p:nvPr/>
-      </p:nvGrpSpPr>
-      <p:grpSpPr>
-        <a:xfrm>
-          <a:off x="0" y="0"/>
-          <a:ext cx="0" cy="0"/>
-          <a:chOff x="0" y="0"/>
-          <a:chExt cx="0" cy="0"/>
-        </a:xfrm>
-      </p:grpSpPr>
-      <p:sp useBgFill="1">
-        <p:nvSpPr>
-          <p:cNvPr id="48" name="Rectangle 40">
-            <a:extLst>
-              <a:ext uri="{FF2B5EF4-FFF2-40B4-BE49-F238E27FC236}">
-                <a16:creationId xmlns:a16="http://schemas.microsoft.com/office/drawing/2014/main" id="{5DCB5928-DC7D-4612-9922-441966E15627}"/>
-              </a:ext>
-              <a:ext uri="{C183D7F6-B498-43B3-948B-1728B52AA6E4}">
-                <adec:decorative xmlns:adec="http://schemas.microsoft.com/office/drawing/2017/decorative" val="1"/>
-              </a:ext>
-            </a:extLst>
-          </p:cNvPr>
-          <p:cNvSpPr>
-            <a:spLocks noGrp="1" noRot="1" noChangeAspect="1" noMove="1" noResize="1" noEditPoints="1" noAdjustHandles="1" noChangeArrowheads="1" noChangeShapeType="1" noTextEdit="1"/>
-          </p:cNvSpPr>
-          <p:nvPr>
-            <p:extLst>
-              <p:ext uri="{386F3935-93C4-4BCD-93E2-E3B085C9AB24}">
-                <p16:designElem xmlns:p16="http://schemas.microsoft.com/office/powerpoint/2015/main" val="1"/>
-              </p:ext>
-            </p:extLst>
-          </p:nvPr>
-        </p:nvSpPr>
-        <p:spPr>
-          <a:xfrm>
-            <a:off x="0" y="0"/>
-            <a:ext cx="12192000" cy="6858000"/>
-          </a:xfrm>
-          <a:prstGeom prst="rect">
-            <a:avLst/>
-          </a:prstGeom>
-          <a:ln>
-            <a:noFill/>
-          </a:ln>
-        </p:spPr>
-        <p:style>
-          <a:lnRef idx="2">
-            <a:schemeClr val="accent1">
-              <a:shade val="50000"/>
-            </a:schemeClr>
-          </a:lnRef>
-          <a:fillRef idx="1">
-            <a:schemeClr val="accent1"/>
-          </a:fillRef>
-          <a:effectRef idx="0">
-            <a:schemeClr val="accent1"/>
-          </a:effectRef>
-          <a:fontRef idx="minor">
-            <a:schemeClr val="lt1"/>
-          </a:fontRef>
-        </p:style>
-        <p:txBody>
-          <a:bodyPr rtlCol="0" anchor="ctr"/>
-          <a:lstStyle/>
-          <a:p>
-            <a:pPr algn="ctr"/>
-            <a:endParaRPr lang="en-US"/>
-          </a:p>
-        </p:txBody>
-      </p:sp>
-      <p:sp useBgFill="1">
-        <p:nvSpPr>
-          <p:cNvPr id="50" name="Freeform: Shape 42">
-            <a:extLst>
-              <a:ext uri="{FF2B5EF4-FFF2-40B4-BE49-F238E27FC236}">
-                <a16:creationId xmlns:a16="http://schemas.microsoft.com/office/drawing/2014/main" id="{682C1161-1736-45EC-99B7-33F3CAE9D517}"/>
-              </a:ext>
-              <a:ext uri="{C183D7F6-B498-43B3-948B-1728B52AA6E4}">
-                <adec:decorative xmlns:adec="http://schemas.microsoft.com/office/drawing/2017/decorative" val="1"/>
-              </a:ext>
-            </a:extLst>
-          </p:cNvPr>
-          <p:cNvSpPr>
-            <a:spLocks noGrp="1" noRot="1" noChangeAspect="1" noMove="1" noResize="1" noEditPoints="1" noAdjustHandles="1" noChangeArrowheads="1" noChangeShapeType="1" noTextEdit="1"/>
-          </p:cNvSpPr>
-          <p:nvPr>
-            <p:extLst>
-              <p:ext uri="{386F3935-93C4-4BCD-93E2-E3B085C9AB24}">
-                <p16:designElem xmlns:p16="http://schemas.microsoft.com/office/powerpoint/2015/main" val="1"/>
-              </p:ext>
-            </p:extLst>
-          </p:nvPr>
-        </p:nvSpPr>
-        <p:spPr>
-          <a:xfrm>
-            <a:off x="0" y="0"/>
-            <a:ext cx="4959047" cy="6858000"/>
-          </a:xfrm>
-          <a:custGeom>
-            <a:avLst/>
-            <a:gdLst>
-              <a:gd name="connsiteX0" fmla="*/ 0 w 4959047"/>
-              <a:gd name="connsiteY0" fmla="*/ 0 h 6858000"/>
-              <a:gd name="connsiteX1" fmla="*/ 4110127 w 4959047"/>
-              <a:gd name="connsiteY1" fmla="*/ 0 h 6858000"/>
-              <a:gd name="connsiteX2" fmla="*/ 4179024 w 4959047"/>
-              <a:gd name="connsiteY2" fmla="*/ 123368 h 6858000"/>
-              <a:gd name="connsiteX3" fmla="*/ 4959047 w 4959047"/>
-              <a:gd name="connsiteY3" fmla="*/ 3429000 h 6858000"/>
-              <a:gd name="connsiteX4" fmla="*/ 4179024 w 4959047"/>
-              <a:gd name="connsiteY4" fmla="*/ 6734633 h 6858000"/>
-              <a:gd name="connsiteX5" fmla="*/ 4110127 w 4959047"/>
-              <a:gd name="connsiteY5" fmla="*/ 6858000 h 6858000"/>
-              <a:gd name="connsiteX6" fmla="*/ 0 w 4959047"/>
-              <a:gd name="connsiteY6" fmla="*/ 6858000 h 6858000"/>
-            </a:gdLst>
-            <a:ahLst/>
-            <a:cxnLst>
-              <a:cxn ang="0">
-                <a:pos x="connsiteX0" y="connsiteY0"/>
-              </a:cxn>
-              <a:cxn ang="0">
-                <a:pos x="connsiteX1" y="connsiteY1"/>
-              </a:cxn>
-              <a:cxn ang="0">
-                <a:pos x="connsiteX2" y="connsiteY2"/>
-              </a:cxn>
-              <a:cxn ang="0">
-                <a:pos x="connsiteX3" y="connsiteY3"/>
-              </a:cxn>
-              <a:cxn ang="0">
-                <a:pos x="connsiteX4" y="connsiteY4"/>
-              </a:cxn>
-              <a:cxn ang="0">
-                <a:pos x="connsiteX5" y="connsiteY5"/>
-              </a:cxn>
-              <a:cxn ang="0">
-                <a:pos x="connsiteX6" y="connsiteY6"/>
-              </a:cxn>
-            </a:cxnLst>
-            <a:rect l="l" t="t" r="r" b="b"/>
-            <a:pathLst>
-              <a:path w="4959047" h="6858000">
-                <a:moveTo>
-                  <a:pt x="0" y="0"/>
-                </a:moveTo>
-                <a:lnTo>
-                  <a:pt x="4110127" y="0"/>
-                </a:lnTo>
-                <a:lnTo>
-                  <a:pt x="4179024" y="123368"/>
-                </a:lnTo>
-                <a:cubicBezTo>
-                  <a:pt x="4668929" y="1045156"/>
-                  <a:pt x="4959047" y="2189404"/>
-                  <a:pt x="4959047" y="3429000"/>
-                </a:cubicBezTo>
-                <a:cubicBezTo>
-                  <a:pt x="4959047" y="4668597"/>
-                  <a:pt x="4668929" y="5812845"/>
-                  <a:pt x="4179024" y="6734633"/>
-                </a:cubicBezTo>
-                <a:lnTo>
-                  <a:pt x="4110127" y="6858000"/>
-                </a:lnTo>
-                <a:lnTo>
-                  <a:pt x="0" y="6858000"/>
-                </a:lnTo>
-                <a:close/>
-              </a:path>
-            </a:pathLst>
-          </a:custGeom>
-          <a:ln w="9525">
-            <a:solidFill>
-              <a:srgbClr val="E6E6E6"/>
-            </a:solidFill>
-          </a:ln>
-          <a:effectLst>
-            <a:outerShdw blurRad="76200" dist="38100" algn="l" rotWithShape="0">
-              <a:schemeClr val="bg1">
-                <a:lumMod val="85000"/>
-                <a:alpha val="50000"/>
-              </a:schemeClr>
-            </a:outerShdw>
-          </a:effectLst>
-        </p:spPr>
-        <p:style>
-          <a:lnRef idx="2">
-            <a:schemeClr val="accent1">
-              <a:shade val="50000"/>
-            </a:schemeClr>
-          </a:lnRef>
-          <a:fillRef idx="1">
-            <a:schemeClr val="accent1"/>
-          </a:fillRef>
-          <a:effectRef idx="0">
-            <a:schemeClr val="accent1"/>
-          </a:effectRef>
-          <a:fontRef idx="minor">
-            <a:schemeClr val="lt1"/>
-          </a:fontRef>
-        </p:style>
-        <p:txBody>
-          <a:bodyPr wrap="square" rtlCol="0" anchor="ctr">
-            <a:noAutofit/>
-          </a:bodyPr>
-          <a:lstStyle/>
-          <a:p>
-            <a:pPr marL="0" marR="0" lvl="0" indent="0" algn="ctr" defTabSz="914400" rtl="0" eaLnBrk="1" fontAlgn="auto" latinLnBrk="0" hangingPunct="1">
-              <a:lnSpc>
-                <a:spcPct val="100000"/>
-              </a:lnSpc>
-              <a:spcBef>
-                <a:spcPts val="0"/>
-              </a:spcBef>
-              <a:spcAft>
-                <a:spcPts val="0"/>
-              </a:spcAft>
-              <a:buClrTx/>
-              <a:buSzTx/>
-              <a:buFontTx/>
-              <a:buNone/>
-              <a:tabLst/>
-              <a:defRPr/>
-            </a:pPr>
-            <a:endParaRPr kumimoji="0" lang="en-US" sz="1800" b="0" i="0" u="none" strike="noStrike" kern="1200" cap="none" spc="0" normalizeH="0" baseline="0" noProof="0">
-              <a:ln>
-                <a:noFill/>
-              </a:ln>
-              <a:solidFill>
-                <a:prstClr val="white"/>
-              </a:solidFill>
-              <a:effectLst/>
-              <a:uLnTx/>
-              <a:uFillTx/>
-              <a:latin typeface="Calibri" panose="020F0502020204030204"/>
-              <a:ea typeface="+mn-ea"/>
-              <a:cs typeface="+mn-cs"/>
-            </a:endParaRPr>
-          </a:p>
-        </p:txBody>
-      </p:sp>
-      <p:sp useBgFill="1">
-        <p:nvSpPr>
-          <p:cNvPr id="51" name="Freeform: Shape 44">
-            <a:extLst>
-              <a:ext uri="{FF2B5EF4-FFF2-40B4-BE49-F238E27FC236}">
-                <a16:creationId xmlns:a16="http://schemas.microsoft.com/office/drawing/2014/main" id="{84D4DDB8-B68F-45B0-9F62-C4279996F672}"/>
-              </a:ext>
-              <a:ext uri="{C183D7F6-B498-43B3-948B-1728B52AA6E4}">
-                <adec:decorative xmlns:adec="http://schemas.microsoft.com/office/drawing/2017/decorative" val="1"/>
-              </a:ext>
-            </a:extLst>
-          </p:cNvPr>
-          <p:cNvSpPr>
-            <a:spLocks noGrp="1" noRot="1" noChangeAspect="1" noMove="1" noResize="1" noEditPoints="1" noAdjustHandles="1" noChangeArrowheads="1" noChangeShapeType="1" noTextEdit="1"/>
-          </p:cNvSpPr>
-          <p:nvPr>
-            <p:extLst>
-              <p:ext uri="{386F3935-93C4-4BCD-93E2-E3B085C9AB24}">
-                <p16:designElem xmlns:p16="http://schemas.microsoft.com/office/powerpoint/2015/main" val="1"/>
-              </p:ext>
-            </p:extLst>
-          </p:nvPr>
-        </p:nvSpPr>
-        <p:spPr>
-          <a:xfrm>
-            <a:off x="0" y="0"/>
-            <a:ext cx="4948887" cy="6858000"/>
-          </a:xfrm>
-          <a:custGeom>
-            <a:avLst/>
-            <a:gdLst>
-              <a:gd name="connsiteX0" fmla="*/ 0 w 4948887"/>
-              <a:gd name="connsiteY0" fmla="*/ 0 h 6858000"/>
-              <a:gd name="connsiteX1" fmla="*/ 4099967 w 4948887"/>
-              <a:gd name="connsiteY1" fmla="*/ 0 h 6858000"/>
-              <a:gd name="connsiteX2" fmla="*/ 4168864 w 4948887"/>
-              <a:gd name="connsiteY2" fmla="*/ 123368 h 6858000"/>
-              <a:gd name="connsiteX3" fmla="*/ 4948887 w 4948887"/>
-              <a:gd name="connsiteY3" fmla="*/ 3429000 h 6858000"/>
-              <a:gd name="connsiteX4" fmla="*/ 4168864 w 4948887"/>
-              <a:gd name="connsiteY4" fmla="*/ 6734633 h 6858000"/>
-              <a:gd name="connsiteX5" fmla="*/ 4099967 w 4948887"/>
-              <a:gd name="connsiteY5" fmla="*/ 6858000 h 6858000"/>
-              <a:gd name="connsiteX6" fmla="*/ 0 w 4948887"/>
-              <a:gd name="connsiteY6" fmla="*/ 6858000 h 6858000"/>
-            </a:gdLst>
-            <a:ahLst/>
-            <a:cxnLst>
-              <a:cxn ang="0">
-                <a:pos x="connsiteX0" y="connsiteY0"/>
-              </a:cxn>
-              <a:cxn ang="0">
-                <a:pos x="connsiteX1" y="connsiteY1"/>
-              </a:cxn>
-              <a:cxn ang="0">
-                <a:pos x="connsiteX2" y="connsiteY2"/>
-              </a:cxn>
-              <a:cxn ang="0">
-                <a:pos x="connsiteX3" y="connsiteY3"/>
-              </a:cxn>
-              <a:cxn ang="0">
-                <a:pos x="connsiteX4" y="connsiteY4"/>
-              </a:cxn>
-              <a:cxn ang="0">
-                <a:pos x="connsiteX5" y="connsiteY5"/>
-              </a:cxn>
-              <a:cxn ang="0">
-                <a:pos x="connsiteX6" y="connsiteY6"/>
-              </a:cxn>
-            </a:cxnLst>
-            <a:rect l="l" t="t" r="r" b="b"/>
-            <a:pathLst>
-              <a:path w="4948887" h="6858000">
-                <a:moveTo>
-                  <a:pt x="0" y="0"/>
-                </a:moveTo>
-                <a:lnTo>
-                  <a:pt x="4099967" y="0"/>
-                </a:lnTo>
-                <a:lnTo>
-                  <a:pt x="4168864" y="123368"/>
-                </a:lnTo>
-                <a:cubicBezTo>
-                  <a:pt x="4658769" y="1045156"/>
-                  <a:pt x="4948887" y="2189404"/>
-                  <a:pt x="4948887" y="3429000"/>
-                </a:cubicBezTo>
-                <a:cubicBezTo>
-                  <a:pt x="4948887" y="4668597"/>
-                  <a:pt x="4658769" y="5812845"/>
-                  <a:pt x="4168864" y="6734633"/>
-                </a:cubicBezTo>
-                <a:lnTo>
-                  <a:pt x="4099967" y="6858000"/>
-                </a:lnTo>
-                <a:lnTo>
-                  <a:pt x="0" y="6858000"/>
-                </a:lnTo>
-                <a:close/>
-              </a:path>
-            </a:pathLst>
-          </a:custGeom>
-          <a:ln w="9525">
-            <a:noFill/>
-          </a:ln>
-          <a:effectLst/>
-        </p:spPr>
-        <p:style>
-          <a:lnRef idx="2">
-            <a:schemeClr val="accent1">
-              <a:shade val="50000"/>
-            </a:schemeClr>
-          </a:lnRef>
-          <a:fillRef idx="1">
-            <a:schemeClr val="accent1"/>
-          </a:fillRef>
-          <a:effectRef idx="0">
-            <a:schemeClr val="accent1"/>
-          </a:effectRef>
-          <a:fontRef idx="minor">
-            <a:schemeClr val="lt1"/>
-          </a:fontRef>
-        </p:style>
-        <p:txBody>
-          <a:bodyPr wrap="square" rtlCol="0" anchor="ctr">
-            <a:noAutofit/>
-          </a:bodyPr>
-          <a:lstStyle/>
-          <a:p>
-            <a:pPr marL="0" marR="0" lvl="0" indent="0" algn="ctr" defTabSz="914400" rtl="0" eaLnBrk="1" fontAlgn="auto" latinLnBrk="0" hangingPunct="1">
-              <a:lnSpc>
-                <a:spcPct val="100000"/>
-              </a:lnSpc>
-              <a:spcBef>
-                <a:spcPts val="0"/>
-              </a:spcBef>
-              <a:spcAft>
-                <a:spcPts val="0"/>
-              </a:spcAft>
-              <a:buClrTx/>
-              <a:buSzTx/>
-              <a:buFontTx/>
-              <a:buNone/>
-              <a:tabLst/>
-              <a:defRPr/>
-            </a:pPr>
-            <a:endParaRPr kumimoji="0" lang="en-US" sz="1800" b="0" i="0" u="none" strike="noStrike" kern="1200" cap="none" spc="0" normalizeH="0" baseline="0" noProof="0">
-              <a:ln>
-                <a:noFill/>
-              </a:ln>
-              <a:solidFill>
-                <a:prstClr val="white"/>
-              </a:solidFill>
-              <a:effectLst/>
-              <a:uLnTx/>
-              <a:uFillTx/>
-              <a:latin typeface="Calibri" panose="020F0502020204030204"/>
-              <a:ea typeface="+mn-ea"/>
-              <a:cs typeface="+mn-cs"/>
-            </a:endParaRPr>
-          </a:p>
-        </p:txBody>
-      </p:sp>
-      <p:sp>
-        <p:nvSpPr>
-          <p:cNvPr id="2" name="Title 1">
-            <a:extLst>
-              <a:ext uri="{FF2B5EF4-FFF2-40B4-BE49-F238E27FC236}">
-                <a16:creationId xmlns:a16="http://schemas.microsoft.com/office/drawing/2014/main" id="{DA7F9311-0C48-4D07-8EB9-6965B2CD7BAD}"/>
-              </a:ext>
-            </a:extLst>
-          </p:cNvPr>
-          <p:cNvSpPr>
-            <a:spLocks noGrp="1"/>
-          </p:cNvSpPr>
-          <p:nvPr>
-            <p:ph type="title"/>
-          </p:nvPr>
-        </p:nvSpPr>
-        <p:spPr>
-          <a:xfrm>
-            <a:off x="477981" y="1122363"/>
-            <a:ext cx="4023360" cy="3204134"/>
-          </a:xfrm>
-        </p:spPr>
-        <p:txBody>
-          <a:bodyPr vert="horz" lIns="91440" tIns="45720" rIns="91440" bIns="45720" rtlCol="0" anchor="b">
-            <a:normAutofit/>
-          </a:bodyPr>
-          <a:lstStyle/>
-          <a:p>
-            <a:r>
-              <a:rPr lang="en-US" sz="4800" kern="1200" dirty="0">
-                <a:solidFill>
-                  <a:schemeClr val="tx1"/>
-                </a:solidFill>
-                <a:latin typeface="+mj-lt"/>
-                <a:ea typeface="+mj-ea"/>
-                <a:cs typeface="+mj-cs"/>
-              </a:rPr>
-              <a:t>Crime Categories</a:t>
-            </a:r>
-          </a:p>
-        </p:txBody>
-      </p:sp>
       <p:sp>
         <p:nvSpPr>
           <p:cNvPr id="13" name="Content Placeholder 12">
@@ -21330,21 +20387,20 @@
         </p:nvSpPr>
         <p:spPr>
           <a:xfrm>
-            <a:off x="477981" y="4872922"/>
-            <a:ext cx="3135231" cy="1208141"/>
+            <a:off x="767290" y="3383121"/>
+            <a:ext cx="3582072" cy="2793251"/>
           </a:xfrm>
         </p:spPr>
         <p:txBody>
-          <a:bodyPr vert="horz" lIns="91440" tIns="45720" rIns="91440" bIns="45720" rtlCol="0">
+          <a:bodyPr vert="horz" lIns="91440" tIns="45720" rIns="91440" bIns="45720" rtlCol="0" anchor="t">
             <a:normAutofit/>
           </a:bodyPr>
           <a:lstStyle/>
           <a:p>
-            <a:pPr algn="just"/>
             <a:r>
-              <a:rPr lang="en-US" sz="2000" kern="1200" dirty="0">
+              <a:rPr lang="en-US" sz="2000" kern="1200">
                 <a:solidFill>
-                  <a:schemeClr val="tx1"/>
+                  <a:schemeClr val="bg1"/>
                 </a:solidFill>
                 <a:latin typeface="+mn-lt"/>
                 <a:ea typeface="+mn-ea"/>
@@ -21352,167 +20408,6 @@
               </a:rPr>
               <a:t>Half of offenses by white offenders are drug-related</a:t>
             </a:r>
-          </a:p>
-        </p:txBody>
-      </p:sp>
-      <p:sp>
-        <p:nvSpPr>
-          <p:cNvPr id="47" name="Rectangle 46">
-            <a:extLst>
-              <a:ext uri="{FF2B5EF4-FFF2-40B4-BE49-F238E27FC236}">
-                <a16:creationId xmlns:a16="http://schemas.microsoft.com/office/drawing/2014/main" id="{AF2F604E-43BE-4DC3-B983-E071523364F8}"/>
-              </a:ext>
-              <a:ext uri="{C183D7F6-B498-43B3-948B-1728B52AA6E4}">
-                <adec:decorative xmlns:adec="http://schemas.microsoft.com/office/drawing/2017/decorative" val="1"/>
-              </a:ext>
-            </a:extLst>
-          </p:cNvPr>
-          <p:cNvSpPr>
-            <a:spLocks noGrp="1" noRot="1" noChangeAspect="1" noMove="1" noResize="1" noEditPoints="1" noAdjustHandles="1" noChangeArrowheads="1" noChangeShapeType="1" noTextEdit="1"/>
-          </p:cNvSpPr>
-          <p:nvPr>
-            <p:extLst>
-              <p:ext uri="{386F3935-93C4-4BCD-93E2-E3B085C9AB24}">
-                <p16:designElem xmlns:p16="http://schemas.microsoft.com/office/powerpoint/2015/main" val="1"/>
-              </p:ext>
-            </p:extLst>
-          </p:nvPr>
-        </p:nvSpPr>
-        <p:spPr>
-          <a:xfrm rot="5400000">
-            <a:off x="759921" y="346791"/>
-            <a:ext cx="146304" cy="704088"/>
-          </a:xfrm>
-          <a:prstGeom prst="rect">
-            <a:avLst/>
-          </a:prstGeom>
-          <a:solidFill>
-            <a:schemeClr val="accent2"/>
-          </a:solidFill>
-          <a:ln>
-            <a:noFill/>
-          </a:ln>
-        </p:spPr>
-        <p:style>
-          <a:lnRef idx="2">
-            <a:schemeClr val="accent1">
-              <a:shade val="50000"/>
-            </a:schemeClr>
-          </a:lnRef>
-          <a:fillRef idx="1">
-            <a:schemeClr val="accent1"/>
-          </a:fillRef>
-          <a:effectRef idx="0">
-            <a:schemeClr val="accent1"/>
-          </a:effectRef>
-          <a:fontRef idx="minor">
-            <a:schemeClr val="lt1"/>
-          </a:fontRef>
-        </p:style>
-        <p:txBody>
-          <a:bodyPr rtlCol="0" anchor="ctr"/>
-          <a:lstStyle/>
-          <a:p>
-            <a:pPr algn="ctr"/>
-            <a:endParaRPr lang="en-US">
-              <a:solidFill>
-                <a:prstClr val="white"/>
-              </a:solidFill>
-              <a:latin typeface="Calibri" panose="020F0502020204030204"/>
-            </a:endParaRPr>
-          </a:p>
-        </p:txBody>
-      </p:sp>
-      <p:sp>
-        <p:nvSpPr>
-          <p:cNvPr id="49" name="Rectangle 48">
-            <a:extLst>
-              <a:ext uri="{FF2B5EF4-FFF2-40B4-BE49-F238E27FC236}">
-                <a16:creationId xmlns:a16="http://schemas.microsoft.com/office/drawing/2014/main" id="{08C9B587-E65E-4B52-B37C-ABEBB6E87928}"/>
-              </a:ext>
-              <a:ext uri="{C183D7F6-B498-43B3-948B-1728B52AA6E4}">
-                <adec:decorative xmlns:adec="http://schemas.microsoft.com/office/drawing/2017/decorative" val="1"/>
-              </a:ext>
-            </a:extLst>
-          </p:cNvPr>
-          <p:cNvSpPr>
-            <a:spLocks noGrp="1" noRot="1" noChangeAspect="1" noMove="1" noResize="1" noEditPoints="1" noAdjustHandles="1" noChangeArrowheads="1" noChangeShapeType="1" noTextEdit="1"/>
-          </p:cNvSpPr>
-          <p:nvPr>
-            <p:extLst>
-              <p:ext uri="{386F3935-93C4-4BCD-93E2-E3B085C9AB24}">
-                <p16:designElem xmlns:p16="http://schemas.microsoft.com/office/powerpoint/2015/main" val="1"/>
-              </p:ext>
-            </p:extLst>
-          </p:nvPr>
-        </p:nvSpPr>
-        <p:spPr>
-          <a:xfrm>
-            <a:off x="481029" y="4546920"/>
-            <a:ext cx="4023360" cy="18288"/>
-          </a:xfrm>
-          <a:prstGeom prst="rect">
-            <a:avLst/>
-          </a:prstGeom>
-          <a:solidFill>
-            <a:srgbClr val="D5D5D5"/>
-          </a:solidFill>
-          <a:ln w="3175">
-            <a:noFill/>
-          </a:ln>
-          <a:effectLst/>
-        </p:spPr>
-        <p:style>
-          <a:lnRef idx="2">
-            <a:schemeClr val="accent1">
-              <a:shade val="50000"/>
-            </a:schemeClr>
-          </a:lnRef>
-          <a:fillRef idx="1">
-            <a:schemeClr val="accent1"/>
-          </a:fillRef>
-          <a:effectRef idx="0">
-            <a:schemeClr val="accent1"/>
-          </a:effectRef>
-          <a:fontRef idx="minor">
-            <a:schemeClr val="lt1"/>
-          </a:fontRef>
-        </p:style>
-        <p:txBody>
-          <a:bodyPr rtlCol="0" anchor="ctr"/>
-          <a:lstStyle/>
-          <a:p>
-            <a:pPr marL="0" marR="0" lvl="0" indent="0" algn="ctr" defTabSz="914400" rtl="0" eaLnBrk="1" fontAlgn="auto" latinLnBrk="0" hangingPunct="1">
-              <a:lnSpc>
-                <a:spcPct val="100000"/>
-              </a:lnSpc>
-              <a:spcBef>
-                <a:spcPts val="0"/>
-              </a:spcBef>
-              <a:spcAft>
-                <a:spcPts val="0"/>
-              </a:spcAft>
-              <a:buClrTx/>
-              <a:buSzTx/>
-              <a:buFontTx/>
-              <a:buNone/>
-              <a:tabLst/>
-              <a:defRPr/>
-            </a:pPr>
-            <a:endParaRPr kumimoji="0" lang="en-US" sz="1800" b="0" i="0" u="none" strike="noStrike" kern="1200" cap="none" spc="0" normalizeH="0" baseline="0" noProof="0">
-              <a:ln>
-                <a:noFill/>
-              </a:ln>
-              <a:solidFill>
-                <a:prstClr val="white"/>
-              </a:solidFill>
-              <a:effectLst/>
-              <a:uLnTx/>
-              <a:uFillTx/>
-              <a:latin typeface="Calibri" panose="020F0502020204030204"/>
-              <a:ea typeface="+mn-ea"/>
-              <a:cs typeface="+mn-cs"/>
-            </a:endParaRPr>
           </a:p>
         </p:txBody>
       </p:sp>
@@ -21544,8 +20439,8 @@
         </p:blipFill>
         <p:spPr>
           <a:xfrm>
-            <a:off x="5414356" y="1118292"/>
-            <a:ext cx="6408836" cy="4470163"/>
+            <a:off x="5231964" y="903730"/>
+            <a:ext cx="6411908" cy="4472307"/>
           </a:xfrm>
           <a:prstGeom prst="rect">
             <a:avLst/>
@@ -21580,11 +20475,16 @@
           </a:bodyPr>
           <a:lstStyle/>
           <a:p>
-            <a:pPr algn="ctr"/>
+            <a:pPr algn="ctr">
+              <a:spcAft>
+                <a:spcPts val="600"/>
+              </a:spcAft>
+            </a:pPr>
             <a:r>
               <a:rPr lang="en-US" dirty="0"/>
               <a:t>White Sentencing Population</a:t>
             </a:r>
+            <a:endParaRPr lang="en-US"/>
           </a:p>
         </p:txBody>
       </p:sp>

--- a/Presentation.pptx
+++ b/Presentation.pptx
@@ -27,6 +27,7 @@
     <p:sldId id="302" r:id="rId21"/>
     <p:sldId id="289" r:id="rId22"/>
     <p:sldId id="279" r:id="rId23"/>
+    <p:sldId id="303" r:id="rId24"/>
   </p:sldIdLst>
   <p:sldSz cx="12192000" cy="6858000"/>
   <p:notesSz cx="6858000" cy="9144000"/>
@@ -5785,7 +5786,7 @@
     <p:bg>
       <p:bgPr>
         <a:solidFill>
-          <a:schemeClr val="bg1"/>
+          <a:srgbClr val="EAF1F6"/>
         </a:solidFill>
         <a:effectLst/>
       </p:bgPr>
@@ -7596,7 +7597,7 @@
     <p:bg>
       <p:bgPr>
         <a:solidFill>
-          <a:schemeClr val="bg1"/>
+          <a:srgbClr val="EAF1F6"/>
         </a:solidFill>
         <a:effectLst/>
       </p:bgPr>
@@ -15343,6 +15344,961 @@
 </p:sld>
 </file>
 
+<file path=ppt/slides/slide23.xml><?xml version="1.0" encoding="utf-8"?>
+<p:sld xmlns:a="http://schemas.openxmlformats.org/drawingml/2006/main" xmlns:r="http://schemas.openxmlformats.org/officeDocument/2006/relationships" xmlns:p="http://schemas.openxmlformats.org/presentationml/2006/main">
+  <p:cSld>
+    <p:bg>
+      <p:bgPr>
+        <a:solidFill>
+          <a:srgbClr val="EAF1F6"/>
+        </a:solidFill>
+        <a:effectLst/>
+      </p:bgPr>
+    </p:bg>
+    <p:spTree>
+      <p:nvGrpSpPr>
+        <p:cNvPr id="1" name=""/>
+        <p:cNvGrpSpPr/>
+        <p:nvPr/>
+      </p:nvGrpSpPr>
+      <p:grpSpPr>
+        <a:xfrm>
+          <a:off x="0" y="0"/>
+          <a:ext cx="0" cy="0"/>
+          <a:chOff x="0" y="0"/>
+          <a:chExt cx="0" cy="0"/>
+        </a:xfrm>
+      </p:grpSpPr>
+      <p:sp useBgFill="1">
+        <p:nvSpPr>
+          <p:cNvPr id="48" name="Rectangle 47">
+            <a:extLst>
+              <a:ext uri="{FF2B5EF4-FFF2-40B4-BE49-F238E27FC236}">
+                <a16:creationId xmlns:a16="http://schemas.microsoft.com/office/drawing/2014/main" id="{91F32EBA-ED97-466E-8CFA-8382584155D0}"/>
+              </a:ext>
+              <a:ext uri="{C183D7F6-B498-43B3-948B-1728B52AA6E4}">
+                <adec:decorative xmlns:adec="http://schemas.microsoft.com/office/drawing/2017/decorative" val="1"/>
+              </a:ext>
+            </a:extLst>
+          </p:cNvPr>
+          <p:cNvSpPr>
+            <a:spLocks noGrp="1" noRot="1" noChangeAspect="1" noMove="1" noResize="1" noEditPoints="1" noAdjustHandles="1" noChangeArrowheads="1" noChangeShapeType="1" noTextEdit="1"/>
+          </p:cNvSpPr>
+          <p:nvPr>
+            <p:extLst>
+              <p:ext uri="{386F3935-93C4-4BCD-93E2-E3B085C9AB24}">
+                <p16:designElem xmlns:p16="http://schemas.microsoft.com/office/powerpoint/2015/main" val="1"/>
+              </p:ext>
+            </p:extLst>
+          </p:nvPr>
+        </p:nvSpPr>
+        <p:spPr>
+          <a:xfrm>
+            <a:off x="0" y="0"/>
+            <a:ext cx="12192000" cy="6858000"/>
+          </a:xfrm>
+          <a:prstGeom prst="rect">
+            <a:avLst/>
+          </a:prstGeom>
+          <a:ln>
+            <a:noFill/>
+          </a:ln>
+        </p:spPr>
+        <p:style>
+          <a:lnRef idx="2">
+            <a:schemeClr val="accent1">
+              <a:shade val="50000"/>
+            </a:schemeClr>
+          </a:lnRef>
+          <a:fillRef idx="1">
+            <a:schemeClr val="accent1"/>
+          </a:fillRef>
+          <a:effectRef idx="0">
+            <a:schemeClr val="accent1"/>
+          </a:effectRef>
+          <a:fontRef idx="minor">
+            <a:schemeClr val="lt1"/>
+          </a:fontRef>
+        </p:style>
+        <p:txBody>
+          <a:bodyPr rtlCol="0" anchor="ctr"/>
+          <a:lstStyle/>
+          <a:p>
+            <a:pPr algn="ctr"/>
+            <a:endParaRPr lang="en-US"/>
+          </a:p>
+        </p:txBody>
+      </p:sp>
+      <p:sp>
+        <p:nvSpPr>
+          <p:cNvPr id="2" name="Title 1">
+            <a:extLst>
+              <a:ext uri="{FF2B5EF4-FFF2-40B4-BE49-F238E27FC236}">
+                <a16:creationId xmlns:a16="http://schemas.microsoft.com/office/drawing/2014/main" id="{397EDA5E-FF32-48CB-AB2A-63CF13FBAB25}"/>
+              </a:ext>
+            </a:extLst>
+          </p:cNvPr>
+          <p:cNvSpPr>
+            <a:spLocks noGrp="1"/>
+          </p:cNvSpPr>
+          <p:nvPr>
+            <p:ph type="title"/>
+          </p:nvPr>
+        </p:nvSpPr>
+        <p:spPr>
+          <a:xfrm>
+            <a:off x="1286934" y="821219"/>
+            <a:ext cx="6247722" cy="739699"/>
+          </a:xfrm>
+        </p:spPr>
+        <p:txBody>
+          <a:bodyPr vert="horz" lIns="91440" tIns="45720" rIns="91440" bIns="45720" rtlCol="0" anchor="t">
+            <a:normAutofit/>
+          </a:bodyPr>
+          <a:lstStyle/>
+          <a:p>
+            <a:r>
+              <a:rPr lang="en-US" kern="1200" dirty="0">
+                <a:solidFill>
+                  <a:schemeClr val="tx1"/>
+                </a:solidFill>
+                <a:latin typeface="+mj-lt"/>
+                <a:ea typeface="+mj-ea"/>
+                <a:cs typeface="+mj-cs"/>
+              </a:rPr>
+              <a:t>Key Insights</a:t>
+            </a:r>
+          </a:p>
+        </p:txBody>
+      </p:sp>
+      <p:sp>
+        <p:nvSpPr>
+          <p:cNvPr id="10" name="TextBox 9">
+            <a:extLst>
+              <a:ext uri="{FF2B5EF4-FFF2-40B4-BE49-F238E27FC236}">
+                <a16:creationId xmlns:a16="http://schemas.microsoft.com/office/drawing/2014/main" id="{91097034-5955-46F6-94A5-18E3D5985947}"/>
+              </a:ext>
+            </a:extLst>
+          </p:cNvPr>
+          <p:cNvSpPr txBox="1"/>
+          <p:nvPr/>
+        </p:nvSpPr>
+        <p:spPr>
+          <a:xfrm>
+            <a:off x="1192666" y="1796099"/>
+            <a:ext cx="5929335" cy="4240682"/>
+          </a:xfrm>
+        </p:spPr>
+        <p:txBody>
+          <a:bodyPr vert="horz" lIns="91440" tIns="45720" rIns="91440" bIns="45720" rtlCol="0">
+            <a:normAutofit/>
+          </a:bodyPr>
+          <a:lstStyle/>
+          <a:p>
+            <a:pPr marL="514350" indent="-457200" algn="just">
+              <a:lnSpc>
+                <a:spcPct val="90000"/>
+              </a:lnSpc>
+              <a:spcAft>
+                <a:spcPts val="600"/>
+              </a:spcAft>
+              <a:buFont typeface="+mj-lt"/>
+              <a:buAutoNum type="arabicPeriod"/>
+            </a:pPr>
+            <a:r>
+              <a:rPr lang="en-US" sz="2400" dirty="0"/>
+              <a:t>Black and Hispanic offenders are over 3x more likely to be incarcerated than white offenders</a:t>
+            </a:r>
+          </a:p>
+          <a:p>
+            <a:pPr marL="514350" indent="-457200" algn="just">
+              <a:lnSpc>
+                <a:spcPct val="90000"/>
+              </a:lnSpc>
+              <a:spcAft>
+                <a:spcPts val="600"/>
+              </a:spcAft>
+              <a:buFont typeface="+mj-lt"/>
+              <a:buAutoNum type="arabicPeriod"/>
+            </a:pPr>
+            <a:r>
+              <a:rPr lang="en-US" sz="2400" dirty="0"/>
+              <a:t>The most severe sentence enhancements are applied disproportionately to black offenders, while mitigating measures are applied disproportionately to white offenders</a:t>
+            </a:r>
+          </a:p>
+          <a:p>
+            <a:pPr marL="514350" indent="-457200" algn="just">
+              <a:lnSpc>
+                <a:spcPct val="90000"/>
+              </a:lnSpc>
+              <a:spcAft>
+                <a:spcPts val="600"/>
+              </a:spcAft>
+              <a:buFont typeface="+mj-lt"/>
+              <a:buAutoNum type="arabicPeriod"/>
+            </a:pPr>
+            <a:r>
+              <a:rPr lang="en-US" sz="2400" dirty="0"/>
+              <a:t>There is a strong incentive for offenders (regardless of race) to plead out rather than pursue their constitution right to a trial by jury</a:t>
+            </a:r>
+          </a:p>
+        </p:txBody>
+      </p:sp>
+      <p:sp>
+        <p:nvSpPr>
+          <p:cNvPr id="50" name="Freeform: Shape 49">
+            <a:extLst>
+              <a:ext uri="{FF2B5EF4-FFF2-40B4-BE49-F238E27FC236}">
+                <a16:creationId xmlns:a16="http://schemas.microsoft.com/office/drawing/2014/main" id="{0F06C9D3-00DF-4B71-AE88-29075022FC89}"/>
+              </a:ext>
+              <a:ext uri="{C183D7F6-B498-43B3-948B-1728B52AA6E4}">
+                <adec:decorative xmlns:adec="http://schemas.microsoft.com/office/drawing/2017/decorative" val="1"/>
+              </a:ext>
+            </a:extLst>
+          </p:cNvPr>
+          <p:cNvSpPr>
+            <a:spLocks noGrp="1" noRot="1" noChangeAspect="1" noMove="1" noResize="1" noEditPoints="1" noAdjustHandles="1" noChangeArrowheads="1" noChangeShapeType="1" noTextEdit="1"/>
+          </p:cNvSpPr>
+          <p:nvPr>
+            <p:extLst>
+              <p:ext uri="{386F3935-93C4-4BCD-93E2-E3B085C9AB24}">
+                <p16:designElem xmlns:p16="http://schemas.microsoft.com/office/powerpoint/2015/main" val="1"/>
+              </p:ext>
+            </p:extLst>
+          </p:nvPr>
+        </p:nvSpPr>
+        <p:spPr>
+          <a:xfrm>
+            <a:off x="8219545" y="1333265"/>
+            <a:ext cx="2926988" cy="2594434"/>
+          </a:xfrm>
+          <a:custGeom>
+            <a:avLst/>
+            <a:gdLst>
+              <a:gd name="connsiteX0" fmla="*/ 853538 w 2991693"/>
+              <a:gd name="connsiteY0" fmla="*/ 0 h 2651787"/>
+              <a:gd name="connsiteX1" fmla="*/ 2141030 w 2991693"/>
+              <a:gd name="connsiteY1" fmla="*/ 0 h 2651787"/>
+              <a:gd name="connsiteX2" fmla="*/ 2324957 w 2991693"/>
+              <a:gd name="connsiteY2" fmla="*/ 103466 h 2651787"/>
+              <a:gd name="connsiteX3" fmla="*/ 2968702 w 2991693"/>
+              <a:gd name="connsiteY3" fmla="*/ 1218596 h 2651787"/>
+              <a:gd name="connsiteX4" fmla="*/ 2968702 w 2991693"/>
+              <a:gd name="connsiteY4" fmla="*/ 1433192 h 2651787"/>
+              <a:gd name="connsiteX5" fmla="*/ 2324957 w 2991693"/>
+              <a:gd name="connsiteY5" fmla="*/ 2548321 h 2651787"/>
+              <a:gd name="connsiteX6" fmla="*/ 2141030 w 2991693"/>
+              <a:gd name="connsiteY6" fmla="*/ 2651787 h 2651787"/>
+              <a:gd name="connsiteX7" fmla="*/ 853538 w 2991693"/>
+              <a:gd name="connsiteY7" fmla="*/ 2651787 h 2651787"/>
+              <a:gd name="connsiteX8" fmla="*/ 669612 w 2991693"/>
+              <a:gd name="connsiteY8" fmla="*/ 2548321 h 2651787"/>
+              <a:gd name="connsiteX9" fmla="*/ 25866 w 2991693"/>
+              <a:gd name="connsiteY9" fmla="*/ 1433192 h 2651787"/>
+              <a:gd name="connsiteX10" fmla="*/ 25866 w 2991693"/>
+              <a:gd name="connsiteY10" fmla="*/ 1218596 h 2651787"/>
+              <a:gd name="connsiteX11" fmla="*/ 669612 w 2991693"/>
+              <a:gd name="connsiteY11" fmla="*/ 103466 h 2651787"/>
+              <a:gd name="connsiteX12" fmla="*/ 853538 w 2991693"/>
+              <a:gd name="connsiteY12" fmla="*/ 0 h 2651787"/>
+            </a:gdLst>
+            <a:ahLst/>
+            <a:cxnLst>
+              <a:cxn ang="0">
+                <a:pos x="connsiteX0" y="connsiteY0"/>
+              </a:cxn>
+              <a:cxn ang="0">
+                <a:pos x="connsiteX1" y="connsiteY1"/>
+              </a:cxn>
+              <a:cxn ang="0">
+                <a:pos x="connsiteX2" y="connsiteY2"/>
+              </a:cxn>
+              <a:cxn ang="0">
+                <a:pos x="connsiteX3" y="connsiteY3"/>
+              </a:cxn>
+              <a:cxn ang="0">
+                <a:pos x="connsiteX4" y="connsiteY4"/>
+              </a:cxn>
+              <a:cxn ang="0">
+                <a:pos x="connsiteX5" y="connsiteY5"/>
+              </a:cxn>
+              <a:cxn ang="0">
+                <a:pos x="connsiteX6" y="connsiteY6"/>
+              </a:cxn>
+              <a:cxn ang="0">
+                <a:pos x="connsiteX7" y="connsiteY7"/>
+              </a:cxn>
+              <a:cxn ang="0">
+                <a:pos x="connsiteX8" y="connsiteY8"/>
+              </a:cxn>
+              <a:cxn ang="0">
+                <a:pos x="connsiteX9" y="connsiteY9"/>
+              </a:cxn>
+              <a:cxn ang="0">
+                <a:pos x="connsiteX10" y="connsiteY10"/>
+              </a:cxn>
+              <a:cxn ang="0">
+                <a:pos x="connsiteX11" y="connsiteY11"/>
+              </a:cxn>
+              <a:cxn ang="0">
+                <a:pos x="connsiteX12" y="connsiteY12"/>
+              </a:cxn>
+            </a:cxnLst>
+            <a:rect l="l" t="t" r="r" b="b"/>
+            <a:pathLst>
+              <a:path w="2991693" h="2651787">
+                <a:moveTo>
+                  <a:pt x="853538" y="0"/>
+                </a:moveTo>
+                <a:cubicBezTo>
+                  <a:pt x="2141030" y="0"/>
+                  <a:pt x="2141030" y="0"/>
+                  <a:pt x="2141030" y="0"/>
+                </a:cubicBezTo>
+                <a:cubicBezTo>
+                  <a:pt x="2206170" y="0"/>
+                  <a:pt x="2290471" y="45985"/>
+                  <a:pt x="2324957" y="103466"/>
+                </a:cubicBezTo>
+                <a:cubicBezTo>
+                  <a:pt x="2968702" y="1218596"/>
+                  <a:pt x="2968702" y="1218596"/>
+                  <a:pt x="2968702" y="1218596"/>
+                </a:cubicBezTo>
+                <a:cubicBezTo>
+                  <a:pt x="2999357" y="1279909"/>
+                  <a:pt x="2999357" y="1371878"/>
+                  <a:pt x="2968702" y="1433192"/>
+                </a:cubicBezTo>
+                <a:cubicBezTo>
+                  <a:pt x="2324957" y="2548321"/>
+                  <a:pt x="2324957" y="2548321"/>
+                  <a:pt x="2324957" y="2548321"/>
+                </a:cubicBezTo>
+                <a:cubicBezTo>
+                  <a:pt x="2290471" y="2605803"/>
+                  <a:pt x="2206170" y="2651787"/>
+                  <a:pt x="2141030" y="2651787"/>
+                </a:cubicBezTo>
+                <a:lnTo>
+                  <a:pt x="853538" y="2651787"/>
+                </a:lnTo>
+                <a:cubicBezTo>
+                  <a:pt x="784566" y="2651787"/>
+                  <a:pt x="700266" y="2605803"/>
+                  <a:pt x="669612" y="2548321"/>
+                </a:cubicBezTo>
+                <a:cubicBezTo>
+                  <a:pt x="25866" y="1433192"/>
+                  <a:pt x="25866" y="1433192"/>
+                  <a:pt x="25866" y="1433192"/>
+                </a:cubicBezTo>
+                <a:cubicBezTo>
+                  <a:pt x="-8621" y="1371878"/>
+                  <a:pt x="-8621" y="1279909"/>
+                  <a:pt x="25866" y="1218596"/>
+                </a:cubicBezTo>
+                <a:cubicBezTo>
+                  <a:pt x="669612" y="103466"/>
+                  <a:pt x="669612" y="103466"/>
+                  <a:pt x="669612" y="103466"/>
+                </a:cubicBezTo>
+                <a:cubicBezTo>
+                  <a:pt x="700266" y="45985"/>
+                  <a:pt x="784566" y="0"/>
+                  <a:pt x="853538" y="0"/>
+                </a:cubicBezTo>
+                <a:close/>
+              </a:path>
+            </a:pathLst>
+          </a:custGeom>
+          <a:noFill/>
+          <a:ln w="50800" cmpd="sng">
+            <a:solidFill>
+              <a:schemeClr val="tx1"/>
+            </a:solidFill>
+          </a:ln>
+        </p:spPr>
+        <p:txBody>
+          <a:bodyPr vert="horz" wrap="square" lIns="91440" tIns="45720" rIns="91440" bIns="45720" numCol="1" anchor="t" anchorCtr="0" compatLnSpc="1">
+            <a:prstTxWarp prst="textNoShape">
+              <a:avLst/>
+            </a:prstTxWarp>
+          </a:bodyPr>
+          <a:lstStyle/>
+          <a:p>
+            <a:endParaRPr lang="en-US" dirty="0">
+              <a:solidFill>
+                <a:schemeClr val="tx1"/>
+              </a:solidFill>
+            </a:endParaRPr>
+          </a:p>
+        </p:txBody>
+      </p:sp>
+      <p:sp>
+        <p:nvSpPr>
+          <p:cNvPr id="52" name="Freeform 5">
+            <a:extLst>
+              <a:ext uri="{FF2B5EF4-FFF2-40B4-BE49-F238E27FC236}">
+                <a16:creationId xmlns:a16="http://schemas.microsoft.com/office/drawing/2014/main" id="{4300F7B2-2FBB-4B65-B588-6331766027CB}"/>
+              </a:ext>
+              <a:ext uri="{C183D7F6-B498-43B3-948B-1728B52AA6E4}">
+                <adec:decorative xmlns:adec="http://schemas.microsoft.com/office/drawing/2017/decorative" val="1"/>
+              </a:ext>
+            </a:extLst>
+          </p:cNvPr>
+          <p:cNvSpPr>
+            <a:spLocks noGrp="1" noRot="1" noChangeAspect="1" noMove="1" noResize="1" noEditPoints="1" noAdjustHandles="1" noChangeArrowheads="1" noChangeShapeType="1" noTextEdit="1"/>
+          </p:cNvSpPr>
+          <p:nvPr>
+            <p:extLst>
+              <p:ext uri="{386F3935-93C4-4BCD-93E2-E3B085C9AB24}">
+                <p16:designElem xmlns:p16="http://schemas.microsoft.com/office/powerpoint/2015/main" val="1"/>
+              </p:ext>
+            </p:extLst>
+          </p:nvPr>
+        </p:nvSpPr>
+        <p:spPr bwMode="auto">
+          <a:xfrm>
+            <a:off x="7575032" y="1327438"/>
+            <a:ext cx="675351" cy="595380"/>
+          </a:xfrm>
+          <a:custGeom>
+            <a:avLst/>
+            <a:gdLst>
+              <a:gd name="T0" fmla="*/ 225 w 785"/>
+              <a:gd name="T1" fmla="*/ 692 h 692"/>
+              <a:gd name="T2" fmla="*/ 177 w 785"/>
+              <a:gd name="T3" fmla="*/ 665 h 692"/>
+              <a:gd name="T4" fmla="*/ 9 w 785"/>
+              <a:gd name="T5" fmla="*/ 374 h 692"/>
+              <a:gd name="T6" fmla="*/ 9 w 785"/>
+              <a:gd name="T7" fmla="*/ 318 h 692"/>
+              <a:gd name="T8" fmla="*/ 177 w 785"/>
+              <a:gd name="T9" fmla="*/ 27 h 692"/>
+              <a:gd name="T10" fmla="*/ 225 w 785"/>
+              <a:gd name="T11" fmla="*/ 0 h 692"/>
+              <a:gd name="T12" fmla="*/ 561 w 785"/>
+              <a:gd name="T13" fmla="*/ 0 h 692"/>
+              <a:gd name="T14" fmla="*/ 609 w 785"/>
+              <a:gd name="T15" fmla="*/ 27 h 692"/>
+              <a:gd name="T16" fmla="*/ 777 w 785"/>
+              <a:gd name="T17" fmla="*/ 318 h 692"/>
+              <a:gd name="T18" fmla="*/ 777 w 785"/>
+              <a:gd name="T19" fmla="*/ 374 h 692"/>
+              <a:gd name="T20" fmla="*/ 609 w 785"/>
+              <a:gd name="T21" fmla="*/ 665 h 692"/>
+              <a:gd name="T22" fmla="*/ 561 w 785"/>
+              <a:gd name="T23" fmla="*/ 692 h 692"/>
+              <a:gd name="T24" fmla="*/ 225 w 785"/>
+              <a:gd name="T25" fmla="*/ 692 h 692"/>
+            </a:gdLst>
+            <a:ahLst/>
+            <a:cxnLst>
+              <a:cxn ang="0">
+                <a:pos x="T0" y="T1"/>
+              </a:cxn>
+              <a:cxn ang="0">
+                <a:pos x="T2" y="T3"/>
+              </a:cxn>
+              <a:cxn ang="0">
+                <a:pos x="T4" y="T5"/>
+              </a:cxn>
+              <a:cxn ang="0">
+                <a:pos x="T6" y="T7"/>
+              </a:cxn>
+              <a:cxn ang="0">
+                <a:pos x="T8" y="T9"/>
+              </a:cxn>
+              <a:cxn ang="0">
+                <a:pos x="T10" y="T11"/>
+              </a:cxn>
+              <a:cxn ang="0">
+                <a:pos x="T12" y="T13"/>
+              </a:cxn>
+              <a:cxn ang="0">
+                <a:pos x="T14" y="T15"/>
+              </a:cxn>
+              <a:cxn ang="0">
+                <a:pos x="T16" y="T17"/>
+              </a:cxn>
+              <a:cxn ang="0">
+                <a:pos x="T18" y="T19"/>
+              </a:cxn>
+              <a:cxn ang="0">
+                <a:pos x="T20" y="T21"/>
+              </a:cxn>
+              <a:cxn ang="0">
+                <a:pos x="T22" y="T23"/>
+              </a:cxn>
+              <a:cxn ang="0">
+                <a:pos x="T24" y="T25"/>
+              </a:cxn>
+            </a:cxnLst>
+            <a:rect l="0" t="0" r="r" b="b"/>
+            <a:pathLst>
+              <a:path w="785" h="692">
+                <a:moveTo>
+                  <a:pt x="225" y="692"/>
+                </a:moveTo>
+                <a:cubicBezTo>
+                  <a:pt x="207" y="692"/>
+                  <a:pt x="185" y="680"/>
+                  <a:pt x="177" y="665"/>
+                </a:cubicBezTo>
+                <a:cubicBezTo>
+                  <a:pt x="9" y="374"/>
+                  <a:pt x="9" y="374"/>
+                  <a:pt x="9" y="374"/>
+                </a:cubicBezTo>
+                <a:cubicBezTo>
+                  <a:pt x="0" y="358"/>
+                  <a:pt x="0" y="334"/>
+                  <a:pt x="9" y="318"/>
+                </a:cubicBezTo>
+                <a:cubicBezTo>
+                  <a:pt x="177" y="27"/>
+                  <a:pt x="177" y="27"/>
+                  <a:pt x="177" y="27"/>
+                </a:cubicBezTo>
+                <a:cubicBezTo>
+                  <a:pt x="185" y="12"/>
+                  <a:pt x="207" y="0"/>
+                  <a:pt x="225" y="0"/>
+                </a:cubicBezTo>
+                <a:cubicBezTo>
+                  <a:pt x="561" y="0"/>
+                  <a:pt x="561" y="0"/>
+                  <a:pt x="561" y="0"/>
+                </a:cubicBezTo>
+                <a:cubicBezTo>
+                  <a:pt x="578" y="0"/>
+                  <a:pt x="600" y="12"/>
+                  <a:pt x="609" y="27"/>
+                </a:cubicBezTo>
+                <a:cubicBezTo>
+                  <a:pt x="777" y="318"/>
+                  <a:pt x="777" y="318"/>
+                  <a:pt x="777" y="318"/>
+                </a:cubicBezTo>
+                <a:cubicBezTo>
+                  <a:pt x="785" y="334"/>
+                  <a:pt x="785" y="358"/>
+                  <a:pt x="777" y="374"/>
+                </a:cubicBezTo>
+                <a:cubicBezTo>
+                  <a:pt x="609" y="665"/>
+                  <a:pt x="609" y="665"/>
+                  <a:pt x="609" y="665"/>
+                </a:cubicBezTo>
+                <a:cubicBezTo>
+                  <a:pt x="600" y="680"/>
+                  <a:pt x="578" y="692"/>
+                  <a:pt x="561" y="692"/>
+                </a:cubicBezTo>
+                <a:lnTo>
+                  <a:pt x="225" y="692"/>
+                </a:lnTo>
+                <a:close/>
+              </a:path>
+            </a:pathLst>
+          </a:custGeom>
+          <a:noFill/>
+          <a:ln w="28575" cmpd="sng">
+            <a:solidFill>
+              <a:schemeClr val="tx1"/>
+            </a:solidFill>
+          </a:ln>
+        </p:spPr>
+        <p:txBody>
+          <a:bodyPr vert="horz" wrap="square" lIns="91440" tIns="45720" rIns="91440" bIns="45720" numCol="1" anchor="t" anchorCtr="0" compatLnSpc="1">
+            <a:prstTxWarp prst="textNoShape">
+              <a:avLst/>
+            </a:prstTxWarp>
+          </a:bodyPr>
+          <a:lstStyle/>
+          <a:p>
+            <a:endParaRPr lang="en-US"/>
+          </a:p>
+        </p:txBody>
+      </p:sp>
+      <p:sp>
+        <p:nvSpPr>
+          <p:cNvPr id="54" name="Freeform 5">
+            <a:extLst>
+              <a:ext uri="{FF2B5EF4-FFF2-40B4-BE49-F238E27FC236}">
+                <a16:creationId xmlns:a16="http://schemas.microsoft.com/office/drawing/2014/main" id="{EFA5A327-531A-495C-BCA7-27F04811AF4B}"/>
+              </a:ext>
+              <a:ext uri="{C183D7F6-B498-43B3-948B-1728B52AA6E4}">
+                <adec:decorative xmlns:adec="http://schemas.microsoft.com/office/drawing/2017/decorative" val="1"/>
+              </a:ext>
+            </a:extLst>
+          </p:cNvPr>
+          <p:cNvSpPr>
+            <a:spLocks noGrp="1" noRot="1" noChangeAspect="1" noMove="1" noResize="1" noEditPoints="1" noAdjustHandles="1" noChangeArrowheads="1" noChangeShapeType="1" noTextEdit="1"/>
+          </p:cNvSpPr>
+          <p:nvPr>
+            <p:extLst>
+              <p:ext uri="{386F3935-93C4-4BCD-93E2-E3B085C9AB24}">
+                <p16:designElem xmlns:p16="http://schemas.microsoft.com/office/powerpoint/2015/main" val="1"/>
+              </p:ext>
+            </p:extLst>
+          </p:nvPr>
+        </p:nvSpPr>
+        <p:spPr bwMode="auto">
+          <a:xfrm>
+            <a:off x="8152922" y="1075612"/>
+            <a:ext cx="550492" cy="485306"/>
+          </a:xfrm>
+          <a:custGeom>
+            <a:avLst/>
+            <a:gdLst>
+              <a:gd name="T0" fmla="*/ 225 w 785"/>
+              <a:gd name="T1" fmla="*/ 692 h 692"/>
+              <a:gd name="T2" fmla="*/ 177 w 785"/>
+              <a:gd name="T3" fmla="*/ 665 h 692"/>
+              <a:gd name="T4" fmla="*/ 9 w 785"/>
+              <a:gd name="T5" fmla="*/ 374 h 692"/>
+              <a:gd name="T6" fmla="*/ 9 w 785"/>
+              <a:gd name="T7" fmla="*/ 318 h 692"/>
+              <a:gd name="T8" fmla="*/ 177 w 785"/>
+              <a:gd name="T9" fmla="*/ 27 h 692"/>
+              <a:gd name="T10" fmla="*/ 225 w 785"/>
+              <a:gd name="T11" fmla="*/ 0 h 692"/>
+              <a:gd name="T12" fmla="*/ 561 w 785"/>
+              <a:gd name="T13" fmla="*/ 0 h 692"/>
+              <a:gd name="T14" fmla="*/ 609 w 785"/>
+              <a:gd name="T15" fmla="*/ 27 h 692"/>
+              <a:gd name="T16" fmla="*/ 777 w 785"/>
+              <a:gd name="T17" fmla="*/ 318 h 692"/>
+              <a:gd name="T18" fmla="*/ 777 w 785"/>
+              <a:gd name="T19" fmla="*/ 374 h 692"/>
+              <a:gd name="T20" fmla="*/ 609 w 785"/>
+              <a:gd name="T21" fmla="*/ 665 h 692"/>
+              <a:gd name="T22" fmla="*/ 561 w 785"/>
+              <a:gd name="T23" fmla="*/ 692 h 692"/>
+              <a:gd name="T24" fmla="*/ 225 w 785"/>
+              <a:gd name="T25" fmla="*/ 692 h 692"/>
+            </a:gdLst>
+            <a:ahLst/>
+            <a:cxnLst>
+              <a:cxn ang="0">
+                <a:pos x="T0" y="T1"/>
+              </a:cxn>
+              <a:cxn ang="0">
+                <a:pos x="T2" y="T3"/>
+              </a:cxn>
+              <a:cxn ang="0">
+                <a:pos x="T4" y="T5"/>
+              </a:cxn>
+              <a:cxn ang="0">
+                <a:pos x="T6" y="T7"/>
+              </a:cxn>
+              <a:cxn ang="0">
+                <a:pos x="T8" y="T9"/>
+              </a:cxn>
+              <a:cxn ang="0">
+                <a:pos x="T10" y="T11"/>
+              </a:cxn>
+              <a:cxn ang="0">
+                <a:pos x="T12" y="T13"/>
+              </a:cxn>
+              <a:cxn ang="0">
+                <a:pos x="T14" y="T15"/>
+              </a:cxn>
+              <a:cxn ang="0">
+                <a:pos x="T16" y="T17"/>
+              </a:cxn>
+              <a:cxn ang="0">
+                <a:pos x="T18" y="T19"/>
+              </a:cxn>
+              <a:cxn ang="0">
+                <a:pos x="T20" y="T21"/>
+              </a:cxn>
+              <a:cxn ang="0">
+                <a:pos x="T22" y="T23"/>
+              </a:cxn>
+              <a:cxn ang="0">
+                <a:pos x="T24" y="T25"/>
+              </a:cxn>
+            </a:cxnLst>
+            <a:rect l="0" t="0" r="r" b="b"/>
+            <a:pathLst>
+              <a:path w="785" h="692">
+                <a:moveTo>
+                  <a:pt x="225" y="692"/>
+                </a:moveTo>
+                <a:cubicBezTo>
+                  <a:pt x="207" y="692"/>
+                  <a:pt x="185" y="680"/>
+                  <a:pt x="177" y="665"/>
+                </a:cubicBezTo>
+                <a:cubicBezTo>
+                  <a:pt x="9" y="374"/>
+                  <a:pt x="9" y="374"/>
+                  <a:pt x="9" y="374"/>
+                </a:cubicBezTo>
+                <a:cubicBezTo>
+                  <a:pt x="0" y="358"/>
+                  <a:pt x="0" y="334"/>
+                  <a:pt x="9" y="318"/>
+                </a:cubicBezTo>
+                <a:cubicBezTo>
+                  <a:pt x="177" y="27"/>
+                  <a:pt x="177" y="27"/>
+                  <a:pt x="177" y="27"/>
+                </a:cubicBezTo>
+                <a:cubicBezTo>
+                  <a:pt x="185" y="12"/>
+                  <a:pt x="207" y="0"/>
+                  <a:pt x="225" y="0"/>
+                </a:cubicBezTo>
+                <a:cubicBezTo>
+                  <a:pt x="561" y="0"/>
+                  <a:pt x="561" y="0"/>
+                  <a:pt x="561" y="0"/>
+                </a:cubicBezTo>
+                <a:cubicBezTo>
+                  <a:pt x="578" y="0"/>
+                  <a:pt x="600" y="12"/>
+                  <a:pt x="609" y="27"/>
+                </a:cubicBezTo>
+                <a:cubicBezTo>
+                  <a:pt x="777" y="318"/>
+                  <a:pt x="777" y="318"/>
+                  <a:pt x="777" y="318"/>
+                </a:cubicBezTo>
+                <a:cubicBezTo>
+                  <a:pt x="785" y="334"/>
+                  <a:pt x="785" y="358"/>
+                  <a:pt x="777" y="374"/>
+                </a:cubicBezTo>
+                <a:cubicBezTo>
+                  <a:pt x="609" y="665"/>
+                  <a:pt x="609" y="665"/>
+                  <a:pt x="609" y="665"/>
+                </a:cubicBezTo>
+                <a:cubicBezTo>
+                  <a:pt x="600" y="680"/>
+                  <a:pt x="578" y="692"/>
+                  <a:pt x="561" y="692"/>
+                </a:cubicBezTo>
+                <a:lnTo>
+                  <a:pt x="225" y="692"/>
+                </a:lnTo>
+                <a:close/>
+              </a:path>
+            </a:pathLst>
+          </a:custGeom>
+          <a:noFill/>
+          <a:ln w="28575" cmpd="sng">
+            <a:solidFill>
+              <a:schemeClr val="tx1"/>
+            </a:solidFill>
+          </a:ln>
+        </p:spPr>
+        <p:txBody>
+          <a:bodyPr vert="horz" wrap="square" lIns="91440" tIns="45720" rIns="91440" bIns="45720" numCol="1" anchor="t" anchorCtr="0" compatLnSpc="1">
+            <a:prstTxWarp prst="textNoShape">
+              <a:avLst/>
+            </a:prstTxWarp>
+          </a:bodyPr>
+          <a:lstStyle/>
+          <a:p>
+            <a:endParaRPr lang="en-US"/>
+          </a:p>
+        </p:txBody>
+      </p:sp>
+    </p:spTree>
+    <p:extLst>
+      <p:ext uri="{BB962C8B-B14F-4D97-AF65-F5344CB8AC3E}">
+        <p14:creationId xmlns:p14="http://schemas.microsoft.com/office/powerpoint/2010/main" val="355593525"/>
+      </p:ext>
+    </p:extLst>
+  </p:cSld>
+  <p:clrMapOvr>
+    <a:masterClrMapping/>
+  </p:clrMapOvr>
+  <p:timing>
+    <p:tnLst>
+      <p:par>
+        <p:cTn id="1" dur="indefinite" restart="never" nodeType="tmRoot">
+          <p:childTnLst>
+            <p:seq concurrent="1" nextAc="seek">
+              <p:cTn id="2" dur="indefinite" nodeType="mainSeq">
+                <p:childTnLst>
+                  <p:par>
+                    <p:cTn id="3" fill="hold">
+                      <p:stCondLst>
+                        <p:cond delay="indefinite"/>
+                      </p:stCondLst>
+                      <p:childTnLst>
+                        <p:par>
+                          <p:cTn id="4" fill="hold">
+                            <p:stCondLst>
+                              <p:cond delay="0"/>
+                            </p:stCondLst>
+                            <p:childTnLst>
+                              <p:par>
+                                <p:cTn id="5" presetID="1" presetClass="entr" presetSubtype="0" fill="hold" nodeType="clickEffect">
+                                  <p:stCondLst>
+                                    <p:cond delay="0"/>
+                                  </p:stCondLst>
+                                  <p:childTnLst>
+                                    <p:set>
+                                      <p:cBhvr>
+                                        <p:cTn id="6" dur="1" fill="hold">
+                                          <p:stCondLst>
+                                            <p:cond delay="0"/>
+                                          </p:stCondLst>
+                                        </p:cTn>
+                                        <p:tgtEl>
+                                          <p:spTgt spid="10">
+                                            <p:txEl>
+                                              <p:pRg st="0" end="0"/>
+                                            </p:txEl>
+                                          </p:spTgt>
+                                        </p:tgtEl>
+                                        <p:attrNameLst>
+                                          <p:attrName>style.visibility</p:attrName>
+                                        </p:attrNameLst>
+                                      </p:cBhvr>
+                                      <p:to>
+                                        <p:strVal val="visible"/>
+                                      </p:to>
+                                    </p:set>
+                                  </p:childTnLst>
+                                </p:cTn>
+                              </p:par>
+                            </p:childTnLst>
+                          </p:cTn>
+                        </p:par>
+                      </p:childTnLst>
+                    </p:cTn>
+                  </p:par>
+                  <p:par>
+                    <p:cTn id="7" fill="hold">
+                      <p:stCondLst>
+                        <p:cond delay="indefinite"/>
+                      </p:stCondLst>
+                      <p:childTnLst>
+                        <p:par>
+                          <p:cTn id="8" fill="hold">
+                            <p:stCondLst>
+                              <p:cond delay="0"/>
+                            </p:stCondLst>
+                            <p:childTnLst>
+                              <p:par>
+                                <p:cTn id="9" presetID="1" presetClass="entr" presetSubtype="0" fill="hold" nodeType="clickEffect">
+                                  <p:stCondLst>
+                                    <p:cond delay="0"/>
+                                  </p:stCondLst>
+                                  <p:childTnLst>
+                                    <p:set>
+                                      <p:cBhvr>
+                                        <p:cTn id="10" dur="1" fill="hold">
+                                          <p:stCondLst>
+                                            <p:cond delay="0"/>
+                                          </p:stCondLst>
+                                        </p:cTn>
+                                        <p:tgtEl>
+                                          <p:spTgt spid="10">
+                                            <p:txEl>
+                                              <p:pRg st="1" end="1"/>
+                                            </p:txEl>
+                                          </p:spTgt>
+                                        </p:tgtEl>
+                                        <p:attrNameLst>
+                                          <p:attrName>style.visibility</p:attrName>
+                                        </p:attrNameLst>
+                                      </p:cBhvr>
+                                      <p:to>
+                                        <p:strVal val="visible"/>
+                                      </p:to>
+                                    </p:set>
+                                  </p:childTnLst>
+                                </p:cTn>
+                              </p:par>
+                            </p:childTnLst>
+                          </p:cTn>
+                        </p:par>
+                      </p:childTnLst>
+                    </p:cTn>
+                  </p:par>
+                  <p:par>
+                    <p:cTn id="11" fill="hold">
+                      <p:stCondLst>
+                        <p:cond delay="indefinite"/>
+                      </p:stCondLst>
+                      <p:childTnLst>
+                        <p:par>
+                          <p:cTn id="12" fill="hold">
+                            <p:stCondLst>
+                              <p:cond delay="0"/>
+                            </p:stCondLst>
+                            <p:childTnLst>
+                              <p:par>
+                                <p:cTn id="13" presetID="1" presetClass="entr" presetSubtype="0" fill="hold" nodeType="clickEffect">
+                                  <p:stCondLst>
+                                    <p:cond delay="0"/>
+                                  </p:stCondLst>
+                                  <p:childTnLst>
+                                    <p:set>
+                                      <p:cBhvr>
+                                        <p:cTn id="14" dur="1" fill="hold">
+                                          <p:stCondLst>
+                                            <p:cond delay="0"/>
+                                          </p:stCondLst>
+                                        </p:cTn>
+                                        <p:tgtEl>
+                                          <p:spTgt spid="10">
+                                            <p:txEl>
+                                              <p:pRg st="2" end="2"/>
+                                            </p:txEl>
+                                          </p:spTgt>
+                                        </p:tgtEl>
+                                        <p:attrNameLst>
+                                          <p:attrName>style.visibility</p:attrName>
+                                        </p:attrNameLst>
+                                      </p:cBhvr>
+                                      <p:to>
+                                        <p:strVal val="visible"/>
+                                      </p:to>
+                                    </p:set>
+                                  </p:childTnLst>
+                                </p:cTn>
+                              </p:par>
+                            </p:childTnLst>
+                          </p:cTn>
+                        </p:par>
+                      </p:childTnLst>
+                    </p:cTn>
+                  </p:par>
+                </p:childTnLst>
+              </p:cTn>
+              <p:prevCondLst>
+                <p:cond evt="onPrev" delay="0">
+                  <p:tgtEl>
+                    <p:sldTgt/>
+                  </p:tgtEl>
+                </p:cond>
+              </p:prevCondLst>
+              <p:nextCondLst>
+                <p:cond evt="onNext" delay="0">
+                  <p:tgtEl>
+                    <p:sldTgt/>
+                  </p:tgtEl>
+                </p:cond>
+              </p:nextCondLst>
+            </p:seq>
+          </p:childTnLst>
+        </p:cTn>
+      </p:par>
+    </p:tnLst>
+  </p:timing>
+</p:sld>
+</file>
+
 <file path=ppt/slides/slide3.xml><?xml version="1.0" encoding="utf-8"?>
 <p:sld xmlns:a="http://schemas.openxmlformats.org/drawingml/2006/main" xmlns:r="http://schemas.openxmlformats.org/officeDocument/2006/relationships" xmlns:p="http://schemas.openxmlformats.org/presentationml/2006/main">
   <p:cSld>
@@ -16721,7 +17677,7 @@
             <a:pPr lvl="1"/>
             <a:r>
               <a:rPr lang="en-US" dirty="0"/>
-              <a:t>Tax fraud and counterfeiting of money</a:t>
+              <a:t>“White Collar Crime” (e.g., fraud, money laundering)</a:t>
             </a:r>
           </a:p>
           <a:p>
@@ -16735,7 +17691,7 @@
             <a:pPr lvl="1"/>
             <a:r>
               <a:rPr lang="en-US" dirty="0"/>
-              <a:t>State crimes that</a:t>
+              <a:t>State crimes that:</a:t>
             </a:r>
           </a:p>
           <a:p>
@@ -17430,7 +18386,7 @@
     <p:bg>
       <p:bgPr>
         <a:solidFill>
-          <a:schemeClr val="bg1"/>
+          <a:srgbClr val="EAF1F6"/>
         </a:solidFill>
         <a:effectLst/>
       </p:bgPr>
@@ -18875,7 +19831,7 @@
     <p:bg>
       <p:bgPr>
         <a:solidFill>
-          <a:schemeClr val="bg1"/>
+          <a:srgbClr val="EAF1F6"/>
         </a:solidFill>
         <a:effectLst/>
       </p:bgPr>

--- a/Presentation.pptx
+++ b/Presentation.pptx
@@ -4,31 +4,28 @@
   <p:sldMasterIdLst>
     <p:sldMasterId id="2147483648" r:id="rId1"/>
   </p:sldMasterIdLst>
+  <p:notesMasterIdLst>
+    <p:notesMasterId r:id="rId20"/>
+  </p:notesMasterIdLst>
   <p:sldIdLst>
     <p:sldId id="256" r:id="rId2"/>
     <p:sldId id="267" r:id="rId3"/>
     <p:sldId id="268" r:id="rId4"/>
     <p:sldId id="274" r:id="rId5"/>
-    <p:sldId id="269" r:id="rId6"/>
-    <p:sldId id="275" r:id="rId7"/>
-    <p:sldId id="257" r:id="rId8"/>
-    <p:sldId id="286" r:id="rId9"/>
-    <p:sldId id="261" r:id="rId10"/>
-    <p:sldId id="278" r:id="rId11"/>
-    <p:sldId id="299" r:id="rId12"/>
-    <p:sldId id="280" r:id="rId13"/>
-    <p:sldId id="295" r:id="rId14"/>
-    <p:sldId id="300" r:id="rId15"/>
-    <p:sldId id="301" r:id="rId16"/>
-    <p:sldId id="302" r:id="rId17"/>
-    <p:sldId id="289" r:id="rId18"/>
-    <p:sldId id="279" r:id="rId19"/>
-    <p:sldId id="303" r:id="rId20"/>
-    <p:sldId id="304" r:id="rId21"/>
-    <p:sldId id="287" r:id="rId22"/>
-    <p:sldId id="260" r:id="rId23"/>
-    <p:sldId id="276" r:id="rId24"/>
-    <p:sldId id="277" r:id="rId25"/>
+    <p:sldId id="275" r:id="rId6"/>
+    <p:sldId id="257" r:id="rId7"/>
+    <p:sldId id="286" r:id="rId8"/>
+    <p:sldId id="261" r:id="rId9"/>
+    <p:sldId id="278" r:id="rId10"/>
+    <p:sldId id="299" r:id="rId11"/>
+    <p:sldId id="280" r:id="rId12"/>
+    <p:sldId id="295" r:id="rId13"/>
+    <p:sldId id="305" r:id="rId14"/>
+    <p:sldId id="306" r:id="rId15"/>
+    <p:sldId id="307" r:id="rId16"/>
+    <p:sldId id="289" r:id="rId17"/>
+    <p:sldId id="279" r:id="rId18"/>
+    <p:sldId id="303" r:id="rId19"/>
   </p:sldIdLst>
   <p:sldSz cx="12192000" cy="6858000"/>
   <p:notesSz cx="6858000" cy="9144000"/>
@@ -135,6 +132,712 @@
 </p:presentation>
 </file>
 
+<file path=ppt/notesMasters/notesMaster1.xml><?xml version="1.0" encoding="utf-8"?>
+<p:notesMaster xmlns:a="http://schemas.openxmlformats.org/drawingml/2006/main" xmlns:r="http://schemas.openxmlformats.org/officeDocument/2006/relationships" xmlns:p="http://schemas.openxmlformats.org/presentationml/2006/main">
+  <p:cSld>
+    <p:bg>
+      <p:bgRef idx="1001">
+        <a:schemeClr val="bg1"/>
+      </p:bgRef>
+    </p:bg>
+    <p:spTree>
+      <p:nvGrpSpPr>
+        <p:cNvPr id="1" name=""/>
+        <p:cNvGrpSpPr/>
+        <p:nvPr/>
+      </p:nvGrpSpPr>
+      <p:grpSpPr>
+        <a:xfrm>
+          <a:off x="0" y="0"/>
+          <a:ext cx="0" cy="0"/>
+          <a:chOff x="0" y="0"/>
+          <a:chExt cx="0" cy="0"/>
+        </a:xfrm>
+      </p:grpSpPr>
+      <p:sp>
+        <p:nvSpPr>
+          <p:cNvPr id="2" name="Header Placeholder 1"/>
+          <p:cNvSpPr>
+            <a:spLocks noGrp="1"/>
+          </p:cNvSpPr>
+          <p:nvPr>
+            <p:ph type="hdr" sz="quarter"/>
+          </p:nvPr>
+        </p:nvSpPr>
+        <p:spPr>
+          <a:xfrm>
+            <a:off x="0" y="0"/>
+            <a:ext cx="2971800" cy="458788"/>
+          </a:xfrm>
+          <a:prstGeom prst="rect">
+            <a:avLst/>
+          </a:prstGeom>
+        </p:spPr>
+        <p:txBody>
+          <a:bodyPr vert="horz" lIns="91440" tIns="45720" rIns="91440" bIns="45720" rtlCol="0"/>
+          <a:lstStyle>
+            <a:lvl1pPr algn="l">
+              <a:defRPr sz="1200"/>
+            </a:lvl1pPr>
+          </a:lstStyle>
+          <a:p>
+            <a:endParaRPr lang="en-US"/>
+          </a:p>
+        </p:txBody>
+      </p:sp>
+      <p:sp>
+        <p:nvSpPr>
+          <p:cNvPr id="3" name="Date Placeholder 2"/>
+          <p:cNvSpPr>
+            <a:spLocks noGrp="1"/>
+          </p:cNvSpPr>
+          <p:nvPr>
+            <p:ph type="dt" idx="1"/>
+          </p:nvPr>
+        </p:nvSpPr>
+        <p:spPr>
+          <a:xfrm>
+            <a:off x="3884613" y="0"/>
+            <a:ext cx="2971800" cy="458788"/>
+          </a:xfrm>
+          <a:prstGeom prst="rect">
+            <a:avLst/>
+          </a:prstGeom>
+        </p:spPr>
+        <p:txBody>
+          <a:bodyPr vert="horz" lIns="91440" tIns="45720" rIns="91440" bIns="45720" rtlCol="0"/>
+          <a:lstStyle>
+            <a:lvl1pPr algn="r">
+              <a:defRPr sz="1200"/>
+            </a:lvl1pPr>
+          </a:lstStyle>
+          <a:p>
+            <a:fld id="{4CB35077-CF4E-425A-AAA9-69F843C4878F}" type="datetimeFigureOut">
+              <a:rPr lang="en-US" smtClean="0"/>
+              <a:t>4/27/2021</a:t>
+            </a:fld>
+            <a:endParaRPr lang="en-US"/>
+          </a:p>
+        </p:txBody>
+      </p:sp>
+      <p:sp>
+        <p:nvSpPr>
+          <p:cNvPr id="4" name="Slide Image Placeholder 3"/>
+          <p:cNvSpPr>
+            <a:spLocks noGrp="1" noRot="1" noChangeAspect="1"/>
+          </p:cNvSpPr>
+          <p:nvPr>
+            <p:ph type="sldImg" idx="2"/>
+          </p:nvPr>
+        </p:nvSpPr>
+        <p:spPr>
+          <a:xfrm>
+            <a:off x="685800" y="1143000"/>
+            <a:ext cx="5486400" cy="3086100"/>
+          </a:xfrm>
+          <a:prstGeom prst="rect">
+            <a:avLst/>
+          </a:prstGeom>
+          <a:noFill/>
+          <a:ln w="12700">
+            <a:solidFill>
+              <a:prstClr val="black"/>
+            </a:solidFill>
+          </a:ln>
+        </p:spPr>
+        <p:txBody>
+          <a:bodyPr vert="horz" lIns="91440" tIns="45720" rIns="91440" bIns="45720" rtlCol="0" anchor="ctr"/>
+          <a:lstStyle/>
+          <a:p>
+            <a:endParaRPr lang="en-US"/>
+          </a:p>
+        </p:txBody>
+      </p:sp>
+      <p:sp>
+        <p:nvSpPr>
+          <p:cNvPr id="5" name="Notes Placeholder 4"/>
+          <p:cNvSpPr>
+            <a:spLocks noGrp="1"/>
+          </p:cNvSpPr>
+          <p:nvPr>
+            <p:ph type="body" sz="quarter" idx="3"/>
+          </p:nvPr>
+        </p:nvSpPr>
+        <p:spPr>
+          <a:xfrm>
+            <a:off x="685800" y="4400550"/>
+            <a:ext cx="5486400" cy="3600450"/>
+          </a:xfrm>
+          <a:prstGeom prst="rect">
+            <a:avLst/>
+          </a:prstGeom>
+        </p:spPr>
+        <p:txBody>
+          <a:bodyPr vert="horz" lIns="91440" tIns="45720" rIns="91440" bIns="45720" rtlCol="0"/>
+          <a:lstStyle/>
+          <a:p>
+            <a:pPr lvl="0"/>
+            <a:r>
+              <a:rPr lang="en-US"/>
+              <a:t>Click to edit Master text styles</a:t>
+            </a:r>
+          </a:p>
+          <a:p>
+            <a:pPr lvl="1"/>
+            <a:r>
+              <a:rPr lang="en-US"/>
+              <a:t>Second level</a:t>
+            </a:r>
+          </a:p>
+          <a:p>
+            <a:pPr lvl="2"/>
+            <a:r>
+              <a:rPr lang="en-US"/>
+              <a:t>Third level</a:t>
+            </a:r>
+          </a:p>
+          <a:p>
+            <a:pPr lvl="3"/>
+            <a:r>
+              <a:rPr lang="en-US"/>
+              <a:t>Fourth level</a:t>
+            </a:r>
+          </a:p>
+          <a:p>
+            <a:pPr lvl="4"/>
+            <a:r>
+              <a:rPr lang="en-US"/>
+              <a:t>Fifth level</a:t>
+            </a:r>
+          </a:p>
+        </p:txBody>
+      </p:sp>
+      <p:sp>
+        <p:nvSpPr>
+          <p:cNvPr id="6" name="Footer Placeholder 5"/>
+          <p:cNvSpPr>
+            <a:spLocks noGrp="1"/>
+          </p:cNvSpPr>
+          <p:nvPr>
+            <p:ph type="ftr" sz="quarter" idx="4"/>
+          </p:nvPr>
+        </p:nvSpPr>
+        <p:spPr>
+          <a:xfrm>
+            <a:off x="0" y="8685213"/>
+            <a:ext cx="2971800" cy="458787"/>
+          </a:xfrm>
+          <a:prstGeom prst="rect">
+            <a:avLst/>
+          </a:prstGeom>
+        </p:spPr>
+        <p:txBody>
+          <a:bodyPr vert="horz" lIns="91440" tIns="45720" rIns="91440" bIns="45720" rtlCol="0" anchor="b"/>
+          <a:lstStyle>
+            <a:lvl1pPr algn="l">
+              <a:defRPr sz="1200"/>
+            </a:lvl1pPr>
+          </a:lstStyle>
+          <a:p>
+            <a:endParaRPr lang="en-US"/>
+          </a:p>
+        </p:txBody>
+      </p:sp>
+      <p:sp>
+        <p:nvSpPr>
+          <p:cNvPr id="7" name="Slide Number Placeholder 6"/>
+          <p:cNvSpPr>
+            <a:spLocks noGrp="1"/>
+          </p:cNvSpPr>
+          <p:nvPr>
+            <p:ph type="sldNum" sz="quarter" idx="5"/>
+          </p:nvPr>
+        </p:nvSpPr>
+        <p:spPr>
+          <a:xfrm>
+            <a:off x="3884613" y="8685213"/>
+            <a:ext cx="2971800" cy="458787"/>
+          </a:xfrm>
+          <a:prstGeom prst="rect">
+            <a:avLst/>
+          </a:prstGeom>
+        </p:spPr>
+        <p:txBody>
+          <a:bodyPr vert="horz" lIns="91440" tIns="45720" rIns="91440" bIns="45720" rtlCol="0" anchor="b"/>
+          <a:lstStyle>
+            <a:lvl1pPr algn="r">
+              <a:defRPr sz="1200"/>
+            </a:lvl1pPr>
+          </a:lstStyle>
+          <a:p>
+            <a:fld id="{7DD90B5D-F117-4387-9A08-B238DF18B47B}" type="slidenum">
+              <a:rPr lang="en-US" smtClean="0"/>
+              <a:t>‹#›</a:t>
+            </a:fld>
+            <a:endParaRPr lang="en-US"/>
+          </a:p>
+        </p:txBody>
+      </p:sp>
+    </p:spTree>
+    <p:extLst>
+      <p:ext uri="{BB962C8B-B14F-4D97-AF65-F5344CB8AC3E}">
+        <p14:creationId xmlns:p14="http://schemas.microsoft.com/office/powerpoint/2010/main" val="2778052031"/>
+      </p:ext>
+    </p:extLst>
+  </p:cSld>
+  <p:clrMap bg1="lt1" tx1="dk1" bg2="lt2" tx2="dk2" accent1="accent1" accent2="accent2" accent3="accent3" accent4="accent4" accent5="accent5" accent6="accent6" hlink="hlink" folHlink="folHlink"/>
+  <p:notesStyle>
+    <a:lvl1pPr marL="0" algn="l" defTabSz="914400" rtl="0" eaLnBrk="1" latinLnBrk="0" hangingPunct="1">
+      <a:defRPr sz="1200" kern="1200">
+        <a:solidFill>
+          <a:schemeClr val="tx1"/>
+        </a:solidFill>
+        <a:latin typeface="+mn-lt"/>
+        <a:ea typeface="+mn-ea"/>
+        <a:cs typeface="+mn-cs"/>
+      </a:defRPr>
+    </a:lvl1pPr>
+    <a:lvl2pPr marL="457200" algn="l" defTabSz="914400" rtl="0" eaLnBrk="1" latinLnBrk="0" hangingPunct="1">
+      <a:defRPr sz="1200" kern="1200">
+        <a:solidFill>
+          <a:schemeClr val="tx1"/>
+        </a:solidFill>
+        <a:latin typeface="+mn-lt"/>
+        <a:ea typeface="+mn-ea"/>
+        <a:cs typeface="+mn-cs"/>
+      </a:defRPr>
+    </a:lvl2pPr>
+    <a:lvl3pPr marL="914400" algn="l" defTabSz="914400" rtl="0" eaLnBrk="1" latinLnBrk="0" hangingPunct="1">
+      <a:defRPr sz="1200" kern="1200">
+        <a:solidFill>
+          <a:schemeClr val="tx1"/>
+        </a:solidFill>
+        <a:latin typeface="+mn-lt"/>
+        <a:ea typeface="+mn-ea"/>
+        <a:cs typeface="+mn-cs"/>
+      </a:defRPr>
+    </a:lvl3pPr>
+    <a:lvl4pPr marL="1371600" algn="l" defTabSz="914400" rtl="0" eaLnBrk="1" latinLnBrk="0" hangingPunct="1">
+      <a:defRPr sz="1200" kern="1200">
+        <a:solidFill>
+          <a:schemeClr val="tx1"/>
+        </a:solidFill>
+        <a:latin typeface="+mn-lt"/>
+        <a:ea typeface="+mn-ea"/>
+        <a:cs typeface="+mn-cs"/>
+      </a:defRPr>
+    </a:lvl4pPr>
+    <a:lvl5pPr marL="1828800" algn="l" defTabSz="914400" rtl="0" eaLnBrk="1" latinLnBrk="0" hangingPunct="1">
+      <a:defRPr sz="1200" kern="1200">
+        <a:solidFill>
+          <a:schemeClr val="tx1"/>
+        </a:solidFill>
+        <a:latin typeface="+mn-lt"/>
+        <a:ea typeface="+mn-ea"/>
+        <a:cs typeface="+mn-cs"/>
+      </a:defRPr>
+    </a:lvl5pPr>
+    <a:lvl6pPr marL="2286000" algn="l" defTabSz="914400" rtl="0" eaLnBrk="1" latinLnBrk="0" hangingPunct="1">
+      <a:defRPr sz="1200" kern="1200">
+        <a:solidFill>
+          <a:schemeClr val="tx1"/>
+        </a:solidFill>
+        <a:latin typeface="+mn-lt"/>
+        <a:ea typeface="+mn-ea"/>
+        <a:cs typeface="+mn-cs"/>
+      </a:defRPr>
+    </a:lvl6pPr>
+    <a:lvl7pPr marL="2743200" algn="l" defTabSz="914400" rtl="0" eaLnBrk="1" latinLnBrk="0" hangingPunct="1">
+      <a:defRPr sz="1200" kern="1200">
+        <a:solidFill>
+          <a:schemeClr val="tx1"/>
+        </a:solidFill>
+        <a:latin typeface="+mn-lt"/>
+        <a:ea typeface="+mn-ea"/>
+        <a:cs typeface="+mn-cs"/>
+      </a:defRPr>
+    </a:lvl7pPr>
+    <a:lvl8pPr marL="3200400" algn="l" defTabSz="914400" rtl="0" eaLnBrk="1" latinLnBrk="0" hangingPunct="1">
+      <a:defRPr sz="1200" kern="1200">
+        <a:solidFill>
+          <a:schemeClr val="tx1"/>
+        </a:solidFill>
+        <a:latin typeface="+mn-lt"/>
+        <a:ea typeface="+mn-ea"/>
+        <a:cs typeface="+mn-cs"/>
+      </a:defRPr>
+    </a:lvl8pPr>
+    <a:lvl9pPr marL="3657600" algn="l" defTabSz="914400" rtl="0" eaLnBrk="1" latinLnBrk="0" hangingPunct="1">
+      <a:defRPr sz="1200" kern="1200">
+        <a:solidFill>
+          <a:schemeClr val="tx1"/>
+        </a:solidFill>
+        <a:latin typeface="+mn-lt"/>
+        <a:ea typeface="+mn-ea"/>
+        <a:cs typeface="+mn-cs"/>
+      </a:defRPr>
+    </a:lvl9pPr>
+  </p:notesStyle>
+</p:notesMaster>
+</file>
+
+<file path=ppt/notesSlides/notesSlide1.xml><?xml version="1.0" encoding="utf-8"?>
+<p:notes xmlns:a="http://schemas.openxmlformats.org/drawingml/2006/main" xmlns:r="http://schemas.openxmlformats.org/officeDocument/2006/relationships" xmlns:p="http://schemas.openxmlformats.org/presentationml/2006/main">
+  <p:cSld>
+    <p:spTree>
+      <p:nvGrpSpPr>
+        <p:cNvPr id="1" name=""/>
+        <p:cNvGrpSpPr/>
+        <p:nvPr/>
+      </p:nvGrpSpPr>
+      <p:grpSpPr>
+        <a:xfrm>
+          <a:off x="0" y="0"/>
+          <a:ext cx="0" cy="0"/>
+          <a:chOff x="0" y="0"/>
+          <a:chExt cx="0" cy="0"/>
+        </a:xfrm>
+      </p:grpSpPr>
+      <p:sp>
+        <p:nvSpPr>
+          <p:cNvPr id="2" name="Slide Image Placeholder 1"/>
+          <p:cNvSpPr>
+            <a:spLocks noGrp="1" noRot="1" noChangeAspect="1"/>
+          </p:cNvSpPr>
+          <p:nvPr>
+            <p:ph type="sldImg"/>
+          </p:nvPr>
+        </p:nvSpPr>
+        <p:spPr/>
+      </p:sp>
+      <p:sp>
+        <p:nvSpPr>
+          <p:cNvPr id="3" name="Notes Placeholder 2"/>
+          <p:cNvSpPr>
+            <a:spLocks noGrp="1"/>
+          </p:cNvSpPr>
+          <p:nvPr>
+            <p:ph type="body" idx="1"/>
+          </p:nvPr>
+        </p:nvSpPr>
+        <p:spPr/>
+        <p:txBody>
+          <a:bodyPr/>
+          <a:lstStyle/>
+          <a:p>
+            <a:r>
+              <a:rPr lang="en-US" dirty="0"/>
+              <a:t>60.1% of offenses by Hispanic defendants are “other nonviolent”</a:t>
+            </a:r>
+          </a:p>
+          <a:p>
+            <a:r>
+              <a:rPr lang="en-US" dirty="0"/>
+              <a:t>Comes out to 43% of all offenses</a:t>
+            </a:r>
+          </a:p>
+        </p:txBody>
+      </p:sp>
+      <p:sp>
+        <p:nvSpPr>
+          <p:cNvPr id="4" name="Slide Number Placeholder 3"/>
+          <p:cNvSpPr>
+            <a:spLocks noGrp="1"/>
+          </p:cNvSpPr>
+          <p:nvPr>
+            <p:ph type="sldNum" sz="quarter" idx="5"/>
+          </p:nvPr>
+        </p:nvSpPr>
+        <p:spPr/>
+        <p:txBody>
+          <a:bodyPr/>
+          <a:lstStyle/>
+          <a:p>
+            <a:fld id="{7DD90B5D-F117-4387-9A08-B238DF18B47B}" type="slidenum">
+              <a:rPr lang="en-US" smtClean="0"/>
+              <a:t>9</a:t>
+            </a:fld>
+            <a:endParaRPr lang="en-US"/>
+          </a:p>
+        </p:txBody>
+      </p:sp>
+    </p:spTree>
+    <p:extLst>
+      <p:ext uri="{BB962C8B-B14F-4D97-AF65-F5344CB8AC3E}">
+        <p14:creationId xmlns:p14="http://schemas.microsoft.com/office/powerpoint/2010/main" val="3328852978"/>
+      </p:ext>
+    </p:extLst>
+  </p:cSld>
+  <p:clrMapOvr>
+    <a:masterClrMapping/>
+  </p:clrMapOvr>
+</p:notes>
+</file>
+
+<file path=ppt/notesSlides/notesSlide2.xml><?xml version="1.0" encoding="utf-8"?>
+<p:notes xmlns:a="http://schemas.openxmlformats.org/drawingml/2006/main" xmlns:r="http://schemas.openxmlformats.org/officeDocument/2006/relationships" xmlns:p="http://schemas.openxmlformats.org/presentationml/2006/main">
+  <p:cSld>
+    <p:spTree>
+      <p:nvGrpSpPr>
+        <p:cNvPr id="1" name=""/>
+        <p:cNvGrpSpPr/>
+        <p:nvPr/>
+      </p:nvGrpSpPr>
+      <p:grpSpPr>
+        <a:xfrm>
+          <a:off x="0" y="0"/>
+          <a:ext cx="0" cy="0"/>
+          <a:chOff x="0" y="0"/>
+          <a:chExt cx="0" cy="0"/>
+        </a:xfrm>
+      </p:grpSpPr>
+      <p:sp>
+        <p:nvSpPr>
+          <p:cNvPr id="2" name="Slide Image Placeholder 1"/>
+          <p:cNvSpPr>
+            <a:spLocks noGrp="1" noRot="1" noChangeAspect="1"/>
+          </p:cNvSpPr>
+          <p:nvPr>
+            <p:ph type="sldImg"/>
+          </p:nvPr>
+        </p:nvSpPr>
+        <p:spPr/>
+      </p:sp>
+      <p:sp>
+        <p:nvSpPr>
+          <p:cNvPr id="3" name="Notes Placeholder 2"/>
+          <p:cNvSpPr>
+            <a:spLocks noGrp="1"/>
+          </p:cNvSpPr>
+          <p:nvPr>
+            <p:ph type="body" idx="1"/>
+          </p:nvPr>
+        </p:nvSpPr>
+        <p:spPr/>
+        <p:txBody>
+          <a:bodyPr/>
+          <a:lstStyle/>
+          <a:p>
+            <a:r>
+              <a:rPr lang="en-US" dirty="0"/>
+              <a:t>Distribution skews heavily toward black defendants</a:t>
+            </a:r>
+          </a:p>
+        </p:txBody>
+      </p:sp>
+      <p:sp>
+        <p:nvSpPr>
+          <p:cNvPr id="4" name="Slide Number Placeholder 3"/>
+          <p:cNvSpPr>
+            <a:spLocks noGrp="1"/>
+          </p:cNvSpPr>
+          <p:nvPr>
+            <p:ph type="sldNum" sz="quarter" idx="5"/>
+          </p:nvPr>
+        </p:nvSpPr>
+        <p:spPr/>
+        <p:txBody>
+          <a:bodyPr/>
+          <a:lstStyle/>
+          <a:p>
+            <a:fld id="{7DD90B5D-F117-4387-9A08-B238DF18B47B}" type="slidenum">
+              <a:rPr lang="en-US" smtClean="0"/>
+              <a:t>13</a:t>
+            </a:fld>
+            <a:endParaRPr lang="en-US"/>
+          </a:p>
+        </p:txBody>
+      </p:sp>
+    </p:spTree>
+    <p:extLst>
+      <p:ext uri="{BB962C8B-B14F-4D97-AF65-F5344CB8AC3E}">
+        <p14:creationId xmlns:p14="http://schemas.microsoft.com/office/powerpoint/2010/main" val="2184227678"/>
+      </p:ext>
+    </p:extLst>
+  </p:cSld>
+  <p:clrMapOvr>
+    <a:masterClrMapping/>
+  </p:clrMapOvr>
+</p:notes>
+</file>
+
+<file path=ppt/notesSlides/notesSlide3.xml><?xml version="1.0" encoding="utf-8"?>
+<p:notes xmlns:a="http://schemas.openxmlformats.org/drawingml/2006/main" xmlns:r="http://schemas.openxmlformats.org/officeDocument/2006/relationships" xmlns:p="http://schemas.openxmlformats.org/presentationml/2006/main">
+  <p:cSld>
+    <p:spTree>
+      <p:nvGrpSpPr>
+        <p:cNvPr id="1" name=""/>
+        <p:cNvGrpSpPr/>
+        <p:nvPr/>
+      </p:nvGrpSpPr>
+      <p:grpSpPr>
+        <a:xfrm>
+          <a:off x="0" y="0"/>
+          <a:ext cx="0" cy="0"/>
+          <a:chOff x="0" y="0"/>
+          <a:chExt cx="0" cy="0"/>
+        </a:xfrm>
+      </p:grpSpPr>
+      <p:sp>
+        <p:nvSpPr>
+          <p:cNvPr id="2" name="Slide Image Placeholder 1"/>
+          <p:cNvSpPr>
+            <a:spLocks noGrp="1" noRot="1" noChangeAspect="1"/>
+          </p:cNvSpPr>
+          <p:nvPr>
+            <p:ph type="sldImg"/>
+          </p:nvPr>
+        </p:nvSpPr>
+        <p:spPr/>
+      </p:sp>
+      <p:sp>
+        <p:nvSpPr>
+          <p:cNvPr id="3" name="Notes Placeholder 2"/>
+          <p:cNvSpPr>
+            <a:spLocks noGrp="1"/>
+          </p:cNvSpPr>
+          <p:nvPr>
+            <p:ph type="body" idx="1"/>
+          </p:nvPr>
+        </p:nvSpPr>
+        <p:spPr/>
+        <p:txBody>
+          <a:bodyPr/>
+          <a:lstStyle/>
+          <a:p>
+            <a:endParaRPr lang="en-US" dirty="0"/>
+          </a:p>
+        </p:txBody>
+      </p:sp>
+      <p:sp>
+        <p:nvSpPr>
+          <p:cNvPr id="4" name="Slide Number Placeholder 3"/>
+          <p:cNvSpPr>
+            <a:spLocks noGrp="1"/>
+          </p:cNvSpPr>
+          <p:nvPr>
+            <p:ph type="sldNum" sz="quarter" idx="5"/>
+          </p:nvPr>
+        </p:nvSpPr>
+        <p:spPr/>
+        <p:txBody>
+          <a:bodyPr/>
+          <a:lstStyle/>
+          <a:p>
+            <a:fld id="{7DD90B5D-F117-4387-9A08-B238DF18B47B}" type="slidenum">
+              <a:rPr lang="en-US" smtClean="0"/>
+              <a:t>14</a:t>
+            </a:fld>
+            <a:endParaRPr lang="en-US"/>
+          </a:p>
+        </p:txBody>
+      </p:sp>
+    </p:spTree>
+    <p:extLst>
+      <p:ext uri="{BB962C8B-B14F-4D97-AF65-F5344CB8AC3E}">
+        <p14:creationId xmlns:p14="http://schemas.microsoft.com/office/powerpoint/2010/main" val="247765376"/>
+      </p:ext>
+    </p:extLst>
+  </p:cSld>
+  <p:clrMapOvr>
+    <a:masterClrMapping/>
+  </p:clrMapOvr>
+</p:notes>
+</file>
+
+<file path=ppt/notesSlides/notesSlide4.xml><?xml version="1.0" encoding="utf-8"?>
+<p:notes xmlns:a="http://schemas.openxmlformats.org/drawingml/2006/main" xmlns:r="http://schemas.openxmlformats.org/officeDocument/2006/relationships" xmlns:p="http://schemas.openxmlformats.org/presentationml/2006/main">
+  <p:cSld>
+    <p:spTree>
+      <p:nvGrpSpPr>
+        <p:cNvPr id="1" name=""/>
+        <p:cNvGrpSpPr/>
+        <p:nvPr/>
+      </p:nvGrpSpPr>
+      <p:grpSpPr>
+        <a:xfrm>
+          <a:off x="0" y="0"/>
+          <a:ext cx="0" cy="0"/>
+          <a:chOff x="0" y="0"/>
+          <a:chExt cx="0" cy="0"/>
+        </a:xfrm>
+      </p:grpSpPr>
+      <p:sp>
+        <p:nvSpPr>
+          <p:cNvPr id="2" name="Slide Image Placeholder 1"/>
+          <p:cNvSpPr>
+            <a:spLocks noGrp="1" noRot="1" noChangeAspect="1"/>
+          </p:cNvSpPr>
+          <p:nvPr>
+            <p:ph type="sldImg"/>
+          </p:nvPr>
+        </p:nvSpPr>
+        <p:spPr/>
+      </p:sp>
+      <p:sp>
+        <p:nvSpPr>
+          <p:cNvPr id="3" name="Notes Placeholder 2"/>
+          <p:cNvSpPr>
+            <a:spLocks noGrp="1"/>
+          </p:cNvSpPr>
+          <p:nvPr>
+            <p:ph type="body" idx="1"/>
+          </p:nvPr>
+        </p:nvSpPr>
+        <p:spPr/>
+        <p:txBody>
+          <a:bodyPr/>
+          <a:lstStyle/>
+          <a:p>
+            <a:r>
+              <a:rPr lang="en-US" dirty="0"/>
+              <a:t>Drug breakdown: 56% white, 34.2% black, 8.2% Hispanic</a:t>
+            </a:r>
+          </a:p>
+          <a:p>
+            <a:r>
+              <a:rPr lang="en-US" dirty="0"/>
+              <a:t>Safety valve breakdown: 59.9% white, 22% black, 17.2% Hispanic</a:t>
+            </a:r>
+          </a:p>
+        </p:txBody>
+      </p:sp>
+      <p:sp>
+        <p:nvSpPr>
+          <p:cNvPr id="4" name="Slide Number Placeholder 3"/>
+          <p:cNvSpPr>
+            <a:spLocks noGrp="1"/>
+          </p:cNvSpPr>
+          <p:nvPr>
+            <p:ph type="sldNum" sz="quarter" idx="5"/>
+          </p:nvPr>
+        </p:nvSpPr>
+        <p:spPr/>
+        <p:txBody>
+          <a:bodyPr/>
+          <a:lstStyle/>
+          <a:p>
+            <a:fld id="{7DD90B5D-F117-4387-9A08-B238DF18B47B}" type="slidenum">
+              <a:rPr lang="en-US" smtClean="0"/>
+              <a:t>15</a:t>
+            </a:fld>
+            <a:endParaRPr lang="en-US"/>
+          </a:p>
+        </p:txBody>
+      </p:sp>
+    </p:spTree>
+    <p:extLst>
+      <p:ext uri="{BB962C8B-B14F-4D97-AF65-F5344CB8AC3E}">
+        <p14:creationId xmlns:p14="http://schemas.microsoft.com/office/powerpoint/2010/main" val="3241650802"/>
+      </p:ext>
+    </p:extLst>
+  </p:cSld>
+  <p:clrMapOvr>
+    <a:masterClrMapping/>
+  </p:clrMapOvr>
+</p:notes>
+</file>
+
 <file path=ppt/slideLayouts/slideLayout1.xml><?xml version="1.0" encoding="utf-8"?>
 <p:sldLayout xmlns:a="http://schemas.openxmlformats.org/drawingml/2006/main" xmlns:r="http://schemas.openxmlformats.org/officeDocument/2006/relationships" xmlns:p="http://schemas.openxmlformats.org/presentationml/2006/main" type="title" preserve="1">
   <p:cSld name="Title Slide">
@@ -282,7 +985,7 @@
           <a:p>
             <a:fld id="{11F9EF8F-8264-40DF-BA62-43F7AC7FC3AC}" type="datetimeFigureOut">
               <a:rPr lang="en-US" smtClean="0"/>
-              <a:t>4/26/2021</a:t>
+              <a:t>4/27/2021</a:t>
             </a:fld>
             <a:endParaRPr lang="en-US"/>
           </a:p>
@@ -480,7 +1183,7 @@
           <a:p>
             <a:fld id="{11F9EF8F-8264-40DF-BA62-43F7AC7FC3AC}" type="datetimeFigureOut">
               <a:rPr lang="en-US" smtClean="0"/>
-              <a:t>4/26/2021</a:t>
+              <a:t>4/27/2021</a:t>
             </a:fld>
             <a:endParaRPr lang="en-US"/>
           </a:p>
@@ -688,7 +1391,7 @@
           <a:p>
             <a:fld id="{11F9EF8F-8264-40DF-BA62-43F7AC7FC3AC}" type="datetimeFigureOut">
               <a:rPr lang="en-US" smtClean="0"/>
-              <a:t>4/26/2021</a:t>
+              <a:t>4/27/2021</a:t>
             </a:fld>
             <a:endParaRPr lang="en-US"/>
           </a:p>
@@ -886,7 +1589,7 @@
           <a:p>
             <a:fld id="{11F9EF8F-8264-40DF-BA62-43F7AC7FC3AC}" type="datetimeFigureOut">
               <a:rPr lang="en-US" smtClean="0"/>
-              <a:t>4/26/2021</a:t>
+              <a:t>4/27/2021</a:t>
             </a:fld>
             <a:endParaRPr lang="en-US"/>
           </a:p>
@@ -1161,7 +1864,7 @@
           <a:p>
             <a:fld id="{11F9EF8F-8264-40DF-BA62-43F7AC7FC3AC}" type="datetimeFigureOut">
               <a:rPr lang="en-US" smtClean="0"/>
-              <a:t>4/26/2021</a:t>
+              <a:t>4/27/2021</a:t>
             </a:fld>
             <a:endParaRPr lang="en-US"/>
           </a:p>
@@ -1426,7 +2129,7 @@
           <a:p>
             <a:fld id="{11F9EF8F-8264-40DF-BA62-43F7AC7FC3AC}" type="datetimeFigureOut">
               <a:rPr lang="en-US" smtClean="0"/>
-              <a:t>4/26/2021</a:t>
+              <a:t>4/27/2021</a:t>
             </a:fld>
             <a:endParaRPr lang="en-US"/>
           </a:p>
@@ -1838,7 +2541,7 @@
           <a:p>
             <a:fld id="{11F9EF8F-8264-40DF-BA62-43F7AC7FC3AC}" type="datetimeFigureOut">
               <a:rPr lang="en-US" smtClean="0"/>
-              <a:t>4/26/2021</a:t>
+              <a:t>4/27/2021</a:t>
             </a:fld>
             <a:endParaRPr lang="en-US"/>
           </a:p>
@@ -1979,7 +2682,7 @@
           <a:p>
             <a:fld id="{11F9EF8F-8264-40DF-BA62-43F7AC7FC3AC}" type="datetimeFigureOut">
               <a:rPr lang="en-US" smtClean="0"/>
-              <a:t>4/26/2021</a:t>
+              <a:t>4/27/2021</a:t>
             </a:fld>
             <a:endParaRPr lang="en-US"/>
           </a:p>
@@ -2092,7 +2795,7 @@
           <a:p>
             <a:fld id="{11F9EF8F-8264-40DF-BA62-43F7AC7FC3AC}" type="datetimeFigureOut">
               <a:rPr lang="en-US" smtClean="0"/>
-              <a:t>4/26/2021</a:t>
+              <a:t>4/27/2021</a:t>
             </a:fld>
             <a:endParaRPr lang="en-US"/>
           </a:p>
@@ -2403,7 +3106,7 @@
           <a:p>
             <a:fld id="{11F9EF8F-8264-40DF-BA62-43F7AC7FC3AC}" type="datetimeFigureOut">
               <a:rPr lang="en-US" smtClean="0"/>
-              <a:t>4/26/2021</a:t>
+              <a:t>4/27/2021</a:t>
             </a:fld>
             <a:endParaRPr lang="en-US"/>
           </a:p>
@@ -2691,7 +3394,7 @@
           <a:p>
             <a:fld id="{11F9EF8F-8264-40DF-BA62-43F7AC7FC3AC}" type="datetimeFigureOut">
               <a:rPr lang="en-US" smtClean="0"/>
-              <a:t>4/26/2021</a:t>
+              <a:t>4/27/2021</a:t>
             </a:fld>
             <a:endParaRPr lang="en-US"/>
           </a:p>
@@ -2932,7 +3635,7 @@
           <a:p>
             <a:fld id="{11F9EF8F-8264-40DF-BA62-43F7AC7FC3AC}" type="datetimeFigureOut">
               <a:rPr lang="en-US" smtClean="0"/>
-              <a:t>4/26/2021</a:t>
+              <a:t>4/27/2021</a:t>
             </a:fld>
             <a:endParaRPr lang="en-US"/>
           </a:p>
@@ -3357,12 +4060,12 @@
           <a:chExt cx="0" cy="0"/>
         </a:xfrm>
       </p:grpSpPr>
-      <p:sp useBgFill="1">
+      <p:sp>
         <p:nvSpPr>
-          <p:cNvPr id="19" name="Rectangle 18">
+          <p:cNvPr id="26" name="Rectangle 25">
             <a:extLst>
               <a:ext uri="{FF2B5EF4-FFF2-40B4-BE49-F238E27FC236}">
-                <a16:creationId xmlns:a16="http://schemas.microsoft.com/office/drawing/2014/main" id="{3E443FD7-A66B-4AA0-872D-B088B9BC5F17}"/>
+                <a16:creationId xmlns:a16="http://schemas.microsoft.com/office/drawing/2014/main" id="{0DE6A193-4755-479A-BC6F-A7EBCA73BE1A}"/>
               </a:ext>
               <a:ext uri="{C183D7F6-B498-43B3-948B-1728B52AA6E4}">
                 <adec:decorative xmlns:adec="http://schemas.microsoft.com/office/drawing/2017/decorative" val="1"/>
@@ -3383,11 +4086,14 @@
         <p:spPr>
           <a:xfrm>
             <a:off x="0" y="0"/>
-            <a:ext cx="12192000" cy="6858000"/>
+            <a:ext cx="12192001" cy="6858000"/>
           </a:xfrm>
           <a:prstGeom prst="rect">
             <a:avLst/>
           </a:prstGeom>
+          <a:solidFill>
+            <a:schemeClr val="tx1"/>
+          </a:solidFill>
           <a:ln>
             <a:noFill/>
           </a:ln>
@@ -3417,98 +4123,51 @@
           </a:p>
         </p:txBody>
       </p:sp>
+      <p:pic>
+        <p:nvPicPr>
+          <p:cNvPr id="5" name="Graphic 4" descr="Weights Uneven with solid fill">
+            <a:extLst>
+              <a:ext uri="{FF2B5EF4-FFF2-40B4-BE49-F238E27FC236}">
+                <a16:creationId xmlns:a16="http://schemas.microsoft.com/office/drawing/2014/main" id="{6684E93C-EEDD-45D1-A214-350CAD1C7B96}"/>
+              </a:ext>
+            </a:extLst>
+          </p:cNvPr>
+          <p:cNvPicPr>
+            <a:picLocks noChangeAspect="1"/>
+          </p:cNvPicPr>
+          <p:nvPr/>
+        </p:nvPicPr>
+        <p:blipFill>
+          <a:blip r:embed="rId2">
+            <a:extLst>
+              <a:ext uri="{28A0092B-C50C-407E-A947-70E740481C1C}">
+                <a14:useLocalDpi xmlns:a14="http://schemas.microsoft.com/office/drawing/2010/main" val="0"/>
+              </a:ext>
+              <a:ext uri="{96DAC541-7B7A-43D3-8B79-37D633B846F1}">
+                <asvg:svgBlip xmlns:asvg="http://schemas.microsoft.com/office/drawing/2016/SVG/main" r:embed="rId3"/>
+              </a:ext>
+            </a:extLst>
+          </a:blip>
+          <a:stretch>
+            <a:fillRect/>
+          </a:stretch>
+        </p:blipFill>
+        <p:spPr>
+          <a:xfrm>
+            <a:off x="7924979" y="1972097"/>
+            <a:ext cx="3789988" cy="3789988"/>
+          </a:xfrm>
+          <a:prstGeom prst="rect">
+            <a:avLst/>
+          </a:prstGeom>
+        </p:spPr>
+      </p:pic>
       <p:sp>
         <p:nvSpPr>
-          <p:cNvPr id="2" name="Title 1">
+          <p:cNvPr id="28" name="Freeform: Shape 27">
             <a:extLst>
               <a:ext uri="{FF2B5EF4-FFF2-40B4-BE49-F238E27FC236}">
-                <a16:creationId xmlns:a16="http://schemas.microsoft.com/office/drawing/2014/main" id="{3077714B-4913-4D94-9951-928F995ED7B2}"/>
-              </a:ext>
-            </a:extLst>
-          </p:cNvPr>
-          <p:cNvSpPr>
-            <a:spLocks noGrp="1"/>
-          </p:cNvSpPr>
-          <p:nvPr>
-            <p:ph type="ctrTitle"/>
-          </p:nvPr>
-        </p:nvSpPr>
-        <p:spPr>
-          <a:xfrm>
-            <a:off x="1094095" y="851517"/>
-            <a:ext cx="5238466" cy="2991416"/>
-          </a:xfrm>
-        </p:spPr>
-        <p:txBody>
-          <a:bodyPr anchor="b">
-            <a:normAutofit/>
-          </a:bodyPr>
-          <a:lstStyle/>
-          <a:p>
-            <a:pPr algn="l"/>
-            <a:r>
-              <a:rPr lang="en-US" sz="5100"/>
-              <a:t>Racial Disparities in Tennessee Federal Sentencing:</a:t>
-            </a:r>
-            <a:br>
-              <a:rPr lang="en-US" sz="5100"/>
-            </a:br>
-            <a:r>
-              <a:rPr lang="en-US" sz="5100"/>
-              <a:t>2015 to 2019</a:t>
-            </a:r>
-          </a:p>
-        </p:txBody>
-      </p:sp>
-      <p:sp>
-        <p:nvSpPr>
-          <p:cNvPr id="3" name="Subtitle 2">
-            <a:extLst>
-              <a:ext uri="{FF2B5EF4-FFF2-40B4-BE49-F238E27FC236}">
-                <a16:creationId xmlns:a16="http://schemas.microsoft.com/office/drawing/2014/main" id="{C28BAB23-3D79-48C0-928F-55CB4D74637A}"/>
-              </a:ext>
-            </a:extLst>
-          </p:cNvPr>
-          <p:cNvSpPr>
-            <a:spLocks noGrp="1"/>
-          </p:cNvSpPr>
-          <p:nvPr>
-            <p:ph type="subTitle" idx="1"/>
-          </p:nvPr>
-        </p:nvSpPr>
-        <p:spPr>
-          <a:xfrm>
-            <a:off x="1094096" y="3842932"/>
-            <a:ext cx="4167115" cy="2163551"/>
-          </a:xfrm>
-        </p:spPr>
-        <p:txBody>
-          <a:bodyPr anchor="t">
-            <a:normAutofit/>
-          </a:bodyPr>
-          <a:lstStyle/>
-          <a:p>
-            <a:pPr algn="l"/>
-            <a:r>
-              <a:rPr lang="en-US"/>
-              <a:t>Jennifer Whitson</a:t>
-            </a:r>
-          </a:p>
-          <a:p>
-            <a:pPr algn="l"/>
-            <a:r>
-              <a:rPr lang="en-US"/>
-              <a:t>April 30, 2021</a:t>
-            </a:r>
-          </a:p>
-        </p:txBody>
-      </p:sp>
-      <p:sp>
-        <p:nvSpPr>
-          <p:cNvPr id="21" name="Freeform: Shape 20">
-            <a:extLst>
-              <a:ext uri="{FF2B5EF4-FFF2-40B4-BE49-F238E27FC236}">
-                <a16:creationId xmlns:a16="http://schemas.microsoft.com/office/drawing/2014/main" id="{C04BE0EF-3561-49B4-9A29-F283168A91C7}"/>
+                <a16:creationId xmlns:a16="http://schemas.microsoft.com/office/drawing/2014/main" id="{AB8B8498-A488-40AF-99EB-F622ED9AD6B8}"/>
               </a:ext>
               <a:ext uri="{C183D7F6-B498-43B3-948B-1728B52AA6E4}">
                 <adec:decorative xmlns:adec="http://schemas.microsoft.com/office/drawing/2017/decorative" val="1"/>
@@ -3527,159 +4186,29 @@
           </p:nvPr>
         </p:nvSpPr>
         <p:spPr>
-          <a:xfrm>
-            <a:off x="5510370" y="851518"/>
-            <a:ext cx="6184806" cy="5154967"/>
+          <a:xfrm flipV="1">
+            <a:off x="0" y="-478"/>
+            <a:ext cx="8896786" cy="6858478"/>
           </a:xfrm>
           <a:custGeom>
             <a:avLst/>
             <a:gdLst>
-              <a:gd name="connsiteX0" fmla="*/ 363179 w 6184806"/>
-              <a:gd name="connsiteY0" fmla="*/ 3125191 h 5154967"/>
-              <a:gd name="connsiteX1" fmla="*/ 898270 w 6184806"/>
-              <a:gd name="connsiteY1" fmla="*/ 3125191 h 5154967"/>
-              <a:gd name="connsiteX2" fmla="*/ 980326 w 6184806"/>
-              <a:gd name="connsiteY2" fmla="*/ 3173551 h 5154967"/>
-              <a:gd name="connsiteX3" fmla="*/ 1248448 w 6184806"/>
-              <a:gd name="connsiteY3" fmla="*/ 3635277 h 5154967"/>
-              <a:gd name="connsiteX4" fmla="*/ 1248448 w 6184806"/>
-              <a:gd name="connsiteY4" fmla="*/ 3729695 h 5154967"/>
-              <a:gd name="connsiteX5" fmla="*/ 980326 w 6184806"/>
-              <a:gd name="connsiteY5" fmla="*/ 4191421 h 5154967"/>
-              <a:gd name="connsiteX6" fmla="*/ 898270 w 6184806"/>
-              <a:gd name="connsiteY6" fmla="*/ 4239781 h 5154967"/>
-              <a:gd name="connsiteX7" fmla="*/ 363179 w 6184806"/>
-              <a:gd name="connsiteY7" fmla="*/ 4239781 h 5154967"/>
-              <a:gd name="connsiteX8" fmla="*/ 279969 w 6184806"/>
-              <a:gd name="connsiteY8" fmla="*/ 4191421 h 5154967"/>
-              <a:gd name="connsiteX9" fmla="*/ 13002 w 6184806"/>
-              <a:gd name="connsiteY9" fmla="*/ 3729695 h 5154967"/>
-              <a:gd name="connsiteX10" fmla="*/ 13002 w 6184806"/>
-              <a:gd name="connsiteY10" fmla="*/ 3635277 h 5154967"/>
-              <a:gd name="connsiteX11" fmla="*/ 279969 w 6184806"/>
-              <a:gd name="connsiteY11" fmla="*/ 3173551 h 5154967"/>
-              <a:gd name="connsiteX12" fmla="*/ 363179 w 6184806"/>
-              <a:gd name="connsiteY12" fmla="*/ 3125191 h 5154967"/>
-              <a:gd name="connsiteX13" fmla="*/ 2489721 w 6184806"/>
-              <a:gd name="connsiteY13" fmla="*/ 570035 h 5154967"/>
-              <a:gd name="connsiteX14" fmla="*/ 2764862 w 6184806"/>
-              <a:gd name="connsiteY14" fmla="*/ 570035 h 5154967"/>
-              <a:gd name="connsiteX15" fmla="*/ 2796959 w 6184806"/>
-              <a:gd name="connsiteY15" fmla="*/ 570035 h 5154967"/>
-              <a:gd name="connsiteX16" fmla="*/ 2827587 w 6184806"/>
-              <a:gd name="connsiteY16" fmla="*/ 622777 h 5154967"/>
-              <a:gd name="connsiteX17" fmla="*/ 2977604 w 6184806"/>
-              <a:gd name="connsiteY17" fmla="*/ 881117 h 5154967"/>
-              <a:gd name="connsiteX18" fmla="*/ 2977604 w 6184806"/>
-              <a:gd name="connsiteY18" fmla="*/ 1025720 h 5154967"/>
-              <a:gd name="connsiteX19" fmla="*/ 2566968 w 6184806"/>
-              <a:gd name="connsiteY19" fmla="*/ 1732863 h 5154967"/>
-              <a:gd name="connsiteX20" fmla="*/ 2441299 w 6184806"/>
-              <a:gd name="connsiteY20" fmla="*/ 1806927 h 5154967"/>
-              <a:gd name="connsiteX21" fmla="*/ 1621798 w 6184806"/>
-              <a:gd name="connsiteY21" fmla="*/ 1806927 h 5154967"/>
-              <a:gd name="connsiteX22" fmla="*/ 1583218 w 6184806"/>
-              <a:gd name="connsiteY22" fmla="*/ 1801802 h 5154967"/>
-              <a:gd name="connsiteX23" fmla="*/ 1556683 w 6184806"/>
-              <a:gd name="connsiteY23" fmla="*/ 1790677 h 5154967"/>
-              <a:gd name="connsiteX24" fmla="*/ 1572899 w 6184806"/>
-              <a:gd name="connsiteY24" fmla="*/ 1762630 h 5154967"/>
-              <a:gd name="connsiteX25" fmla="*/ 2147429 w 6184806"/>
-              <a:gd name="connsiteY25" fmla="*/ 768968 h 5154967"/>
-              <a:gd name="connsiteX26" fmla="*/ 2489721 w 6184806"/>
-              <a:gd name="connsiteY26" fmla="*/ 570035 h 5154967"/>
-              <a:gd name="connsiteX27" fmla="*/ 1573268 w 6184806"/>
-              <a:gd name="connsiteY27" fmla="*/ 0 h 5154967"/>
-              <a:gd name="connsiteX28" fmla="*/ 2497662 w 6184806"/>
-              <a:gd name="connsiteY28" fmla="*/ 0 h 5154967"/>
-              <a:gd name="connsiteX29" fmla="*/ 2639415 w 6184806"/>
-              <a:gd name="connsiteY29" fmla="*/ 83546 h 5154967"/>
-              <a:gd name="connsiteX30" fmla="*/ 2887862 w 6184806"/>
-              <a:gd name="connsiteY30" fmla="*/ 511387 h 5154967"/>
-              <a:gd name="connsiteX31" fmla="*/ 2915928 w 6184806"/>
-              <a:gd name="connsiteY31" fmla="*/ 559720 h 5154967"/>
-              <a:gd name="connsiteX32" fmla="*/ 2893844 w 6184806"/>
-              <a:gd name="connsiteY32" fmla="*/ 559720 h 5154967"/>
-              <a:gd name="connsiteX33" fmla="*/ 2789466 w 6184806"/>
-              <a:gd name="connsiteY33" fmla="*/ 559720 h 5154967"/>
-              <a:gd name="connsiteX34" fmla="*/ 2744122 w 6184806"/>
-              <a:gd name="connsiteY34" fmla="*/ 481634 h 5154967"/>
-              <a:gd name="connsiteX35" fmla="*/ 2570885 w 6184806"/>
-              <a:gd name="connsiteY35" fmla="*/ 183309 h 5154967"/>
-              <a:gd name="connsiteX36" fmla="*/ 2445216 w 6184806"/>
-              <a:gd name="connsiteY36" fmla="*/ 109243 h 5154967"/>
-              <a:gd name="connsiteX37" fmla="*/ 1625714 w 6184806"/>
-              <a:gd name="connsiteY37" fmla="*/ 109243 h 5154967"/>
-              <a:gd name="connsiteX38" fmla="*/ 1498276 w 6184806"/>
-              <a:gd name="connsiteY38" fmla="*/ 183309 h 5154967"/>
-              <a:gd name="connsiteX39" fmla="*/ 1089410 w 6184806"/>
-              <a:gd name="connsiteY39" fmla="*/ 890450 h 5154967"/>
-              <a:gd name="connsiteX40" fmla="*/ 1089410 w 6184806"/>
-              <a:gd name="connsiteY40" fmla="*/ 1035054 h 5154967"/>
-              <a:gd name="connsiteX41" fmla="*/ 1498276 w 6184806"/>
-              <a:gd name="connsiteY41" fmla="*/ 1742196 h 5154967"/>
-              <a:gd name="connsiteX42" fmla="*/ 1552039 w 6184806"/>
-              <a:gd name="connsiteY42" fmla="*/ 1796422 h 5154967"/>
-              <a:gd name="connsiteX43" fmla="*/ 1558260 w 6184806"/>
-              <a:gd name="connsiteY43" fmla="*/ 1799029 h 5154967"/>
-              <a:gd name="connsiteX44" fmla="*/ 1524911 w 6184806"/>
-              <a:gd name="connsiteY44" fmla="*/ 1856707 h 5154967"/>
-              <a:gd name="connsiteX45" fmla="*/ 1500108 w 6184806"/>
-              <a:gd name="connsiteY45" fmla="*/ 1899604 h 5154967"/>
-              <a:gd name="connsiteX46" fmla="*/ 1525834 w 6184806"/>
-              <a:gd name="connsiteY46" fmla="*/ 1910390 h 5154967"/>
-              <a:gd name="connsiteX47" fmla="*/ 1569352 w 6184806"/>
-              <a:gd name="connsiteY47" fmla="*/ 1916170 h 5154967"/>
-              <a:gd name="connsiteX48" fmla="*/ 2493745 w 6184806"/>
-              <a:gd name="connsiteY48" fmla="*/ 1916170 h 5154967"/>
-              <a:gd name="connsiteX49" fmla="*/ 2635498 w 6184806"/>
-              <a:gd name="connsiteY49" fmla="*/ 1832627 h 5154967"/>
-              <a:gd name="connsiteX50" fmla="*/ 3098693 w 6184806"/>
-              <a:gd name="connsiteY50" fmla="*/ 1034974 h 5154967"/>
-              <a:gd name="connsiteX51" fmla="*/ 3098693 w 6184806"/>
-              <a:gd name="connsiteY51" fmla="*/ 871863 h 5154967"/>
-              <a:gd name="connsiteX52" fmla="*/ 2945803 w 6184806"/>
-              <a:gd name="connsiteY52" fmla="*/ 608576 h 5154967"/>
-              <a:gd name="connsiteX53" fmla="*/ 2923422 w 6184806"/>
-              <a:gd name="connsiteY53" fmla="*/ 570035 h 5154967"/>
-              <a:gd name="connsiteX54" fmla="*/ 3027104 w 6184806"/>
-              <a:gd name="connsiteY54" fmla="*/ 570035 h 5154967"/>
-              <a:gd name="connsiteX55" fmla="*/ 4690846 w 6184806"/>
-              <a:gd name="connsiteY55" fmla="*/ 570035 h 5154967"/>
-              <a:gd name="connsiteX56" fmla="*/ 5028384 w 6184806"/>
-              <a:gd name="connsiteY56" fmla="*/ 768968 h 5154967"/>
-              <a:gd name="connsiteX57" fmla="*/ 6131323 w 6184806"/>
-              <a:gd name="connsiteY57" fmla="*/ 2668304 h 5154967"/>
-              <a:gd name="connsiteX58" fmla="*/ 6131323 w 6184806"/>
-              <a:gd name="connsiteY58" fmla="*/ 3056698 h 5154967"/>
-              <a:gd name="connsiteX59" fmla="*/ 5028384 w 6184806"/>
-              <a:gd name="connsiteY59" fmla="*/ 4956035 h 5154967"/>
-              <a:gd name="connsiteX60" fmla="*/ 4690846 w 6184806"/>
-              <a:gd name="connsiteY60" fmla="*/ 5154967 h 5154967"/>
-              <a:gd name="connsiteX61" fmla="*/ 2489721 w 6184806"/>
-              <a:gd name="connsiteY61" fmla="*/ 5154967 h 5154967"/>
-              <a:gd name="connsiteX62" fmla="*/ 2147429 w 6184806"/>
-              <a:gd name="connsiteY62" fmla="*/ 4956035 h 5154967"/>
-              <a:gd name="connsiteX63" fmla="*/ 1049243 w 6184806"/>
-              <a:gd name="connsiteY63" fmla="*/ 3056698 h 5154967"/>
-              <a:gd name="connsiteX64" fmla="*/ 1049243 w 6184806"/>
-              <a:gd name="connsiteY64" fmla="*/ 2668304 h 5154967"/>
-              <a:gd name="connsiteX65" fmla="*/ 1457007 w 6184806"/>
-              <a:gd name="connsiteY65" fmla="*/ 1963067 h 5154967"/>
-              <a:gd name="connsiteX66" fmla="*/ 1491373 w 6184806"/>
-              <a:gd name="connsiteY66" fmla="*/ 1903634 h 5154967"/>
-              <a:gd name="connsiteX67" fmla="*/ 1490164 w 6184806"/>
-              <a:gd name="connsiteY67" fmla="*/ 1903127 h 5154967"/>
-              <a:gd name="connsiteX68" fmla="*/ 1429519 w 6184806"/>
-              <a:gd name="connsiteY68" fmla="*/ 1841960 h 5154967"/>
-              <a:gd name="connsiteX69" fmla="*/ 968320 w 6184806"/>
-              <a:gd name="connsiteY69" fmla="*/ 1044307 h 5154967"/>
-              <a:gd name="connsiteX70" fmla="*/ 968320 w 6184806"/>
-              <a:gd name="connsiteY70" fmla="*/ 881196 h 5154967"/>
-              <a:gd name="connsiteX71" fmla="*/ 1429519 w 6184806"/>
-              <a:gd name="connsiteY71" fmla="*/ 83546 h 5154967"/>
-              <a:gd name="connsiteX72" fmla="*/ 1573268 w 6184806"/>
-              <a:gd name="connsiteY72" fmla="*/ 0 h 5154967"/>
+              <a:gd name="connsiteX0" fmla="*/ 1472231 w 8896786"/>
+              <a:gd name="connsiteY0" fmla="*/ 6858478 h 6858478"/>
+              <a:gd name="connsiteX1" fmla="*/ 8896786 w 8896786"/>
+              <a:gd name="connsiteY1" fmla="*/ 6858478 h 6858478"/>
+              <a:gd name="connsiteX2" fmla="*/ 5720411 w 8896786"/>
+              <a:gd name="connsiteY2" fmla="*/ 0 h 6858478"/>
+              <a:gd name="connsiteX3" fmla="*/ 5714834 w 8896786"/>
+              <a:gd name="connsiteY3" fmla="*/ 0 h 6858478"/>
+              <a:gd name="connsiteX4" fmla="*/ 4648606 w 8896786"/>
+              <a:gd name="connsiteY4" fmla="*/ 0 h 6858478"/>
+              <a:gd name="connsiteX5" fmla="*/ 0 w 8896786"/>
+              <a:gd name="connsiteY5" fmla="*/ 0 h 6858478"/>
+              <a:gd name="connsiteX6" fmla="*/ 0 w 8896786"/>
+              <a:gd name="connsiteY6" fmla="*/ 6857915 h 6858478"/>
+              <a:gd name="connsiteX7" fmla="*/ 1472491 w 8896786"/>
+              <a:gd name="connsiteY7" fmla="*/ 6857915 h 6858478"/>
             </a:gdLst>
             <a:ahLst/>
             <a:cxnLst>
@@ -3707,543 +4236,43 @@
               <a:cxn ang="0">
                 <a:pos x="connsiteX7" y="connsiteY7"/>
               </a:cxn>
-              <a:cxn ang="0">
-                <a:pos x="connsiteX8" y="connsiteY8"/>
-              </a:cxn>
-              <a:cxn ang="0">
-                <a:pos x="connsiteX9" y="connsiteY9"/>
-              </a:cxn>
-              <a:cxn ang="0">
-                <a:pos x="connsiteX10" y="connsiteY10"/>
-              </a:cxn>
-              <a:cxn ang="0">
-                <a:pos x="connsiteX11" y="connsiteY11"/>
-              </a:cxn>
-              <a:cxn ang="0">
-                <a:pos x="connsiteX12" y="connsiteY12"/>
-              </a:cxn>
-              <a:cxn ang="0">
-                <a:pos x="connsiteX13" y="connsiteY13"/>
-              </a:cxn>
-              <a:cxn ang="0">
-                <a:pos x="connsiteX14" y="connsiteY14"/>
-              </a:cxn>
-              <a:cxn ang="0">
-                <a:pos x="connsiteX15" y="connsiteY15"/>
-              </a:cxn>
-              <a:cxn ang="0">
-                <a:pos x="connsiteX16" y="connsiteY16"/>
-              </a:cxn>
-              <a:cxn ang="0">
-                <a:pos x="connsiteX17" y="connsiteY17"/>
-              </a:cxn>
-              <a:cxn ang="0">
-                <a:pos x="connsiteX18" y="connsiteY18"/>
-              </a:cxn>
-              <a:cxn ang="0">
-                <a:pos x="connsiteX19" y="connsiteY19"/>
-              </a:cxn>
-              <a:cxn ang="0">
-                <a:pos x="connsiteX20" y="connsiteY20"/>
-              </a:cxn>
-              <a:cxn ang="0">
-                <a:pos x="connsiteX21" y="connsiteY21"/>
-              </a:cxn>
-              <a:cxn ang="0">
-                <a:pos x="connsiteX22" y="connsiteY22"/>
-              </a:cxn>
-              <a:cxn ang="0">
-                <a:pos x="connsiteX23" y="connsiteY23"/>
-              </a:cxn>
-              <a:cxn ang="0">
-                <a:pos x="connsiteX24" y="connsiteY24"/>
-              </a:cxn>
-              <a:cxn ang="0">
-                <a:pos x="connsiteX25" y="connsiteY25"/>
-              </a:cxn>
-              <a:cxn ang="0">
-                <a:pos x="connsiteX26" y="connsiteY26"/>
-              </a:cxn>
-              <a:cxn ang="0">
-                <a:pos x="connsiteX27" y="connsiteY27"/>
-              </a:cxn>
-              <a:cxn ang="0">
-                <a:pos x="connsiteX28" y="connsiteY28"/>
-              </a:cxn>
-              <a:cxn ang="0">
-                <a:pos x="connsiteX29" y="connsiteY29"/>
-              </a:cxn>
-              <a:cxn ang="0">
-                <a:pos x="connsiteX30" y="connsiteY30"/>
-              </a:cxn>
-              <a:cxn ang="0">
-                <a:pos x="connsiteX31" y="connsiteY31"/>
-              </a:cxn>
-              <a:cxn ang="0">
-                <a:pos x="connsiteX32" y="connsiteY32"/>
-              </a:cxn>
-              <a:cxn ang="0">
-                <a:pos x="connsiteX33" y="connsiteY33"/>
-              </a:cxn>
-              <a:cxn ang="0">
-                <a:pos x="connsiteX34" y="connsiteY34"/>
-              </a:cxn>
-              <a:cxn ang="0">
-                <a:pos x="connsiteX35" y="connsiteY35"/>
-              </a:cxn>
-              <a:cxn ang="0">
-                <a:pos x="connsiteX36" y="connsiteY36"/>
-              </a:cxn>
-              <a:cxn ang="0">
-                <a:pos x="connsiteX37" y="connsiteY37"/>
-              </a:cxn>
-              <a:cxn ang="0">
-                <a:pos x="connsiteX38" y="connsiteY38"/>
-              </a:cxn>
-              <a:cxn ang="0">
-                <a:pos x="connsiteX39" y="connsiteY39"/>
-              </a:cxn>
-              <a:cxn ang="0">
-                <a:pos x="connsiteX40" y="connsiteY40"/>
-              </a:cxn>
-              <a:cxn ang="0">
-                <a:pos x="connsiteX41" y="connsiteY41"/>
-              </a:cxn>
-              <a:cxn ang="0">
-                <a:pos x="connsiteX42" y="connsiteY42"/>
-              </a:cxn>
-              <a:cxn ang="0">
-                <a:pos x="connsiteX43" y="connsiteY43"/>
-              </a:cxn>
-              <a:cxn ang="0">
-                <a:pos x="connsiteX44" y="connsiteY44"/>
-              </a:cxn>
-              <a:cxn ang="0">
-                <a:pos x="connsiteX45" y="connsiteY45"/>
-              </a:cxn>
-              <a:cxn ang="0">
-                <a:pos x="connsiteX46" y="connsiteY46"/>
-              </a:cxn>
-              <a:cxn ang="0">
-                <a:pos x="connsiteX47" y="connsiteY47"/>
-              </a:cxn>
-              <a:cxn ang="0">
-                <a:pos x="connsiteX48" y="connsiteY48"/>
-              </a:cxn>
-              <a:cxn ang="0">
-                <a:pos x="connsiteX49" y="connsiteY49"/>
-              </a:cxn>
-              <a:cxn ang="0">
-                <a:pos x="connsiteX50" y="connsiteY50"/>
-              </a:cxn>
-              <a:cxn ang="0">
-                <a:pos x="connsiteX51" y="connsiteY51"/>
-              </a:cxn>
-              <a:cxn ang="0">
-                <a:pos x="connsiteX52" y="connsiteY52"/>
-              </a:cxn>
-              <a:cxn ang="0">
-                <a:pos x="connsiteX53" y="connsiteY53"/>
-              </a:cxn>
-              <a:cxn ang="0">
-                <a:pos x="connsiteX54" y="connsiteY54"/>
-              </a:cxn>
-              <a:cxn ang="0">
-                <a:pos x="connsiteX55" y="connsiteY55"/>
-              </a:cxn>
-              <a:cxn ang="0">
-                <a:pos x="connsiteX56" y="connsiteY56"/>
-              </a:cxn>
-              <a:cxn ang="0">
-                <a:pos x="connsiteX57" y="connsiteY57"/>
-              </a:cxn>
-              <a:cxn ang="0">
-                <a:pos x="connsiteX58" y="connsiteY58"/>
-              </a:cxn>
-              <a:cxn ang="0">
-                <a:pos x="connsiteX59" y="connsiteY59"/>
-              </a:cxn>
-              <a:cxn ang="0">
-                <a:pos x="connsiteX60" y="connsiteY60"/>
-              </a:cxn>
-              <a:cxn ang="0">
-                <a:pos x="connsiteX61" y="connsiteY61"/>
-              </a:cxn>
-              <a:cxn ang="0">
-                <a:pos x="connsiteX62" y="connsiteY62"/>
-              </a:cxn>
-              <a:cxn ang="0">
-                <a:pos x="connsiteX63" y="connsiteY63"/>
-              </a:cxn>
-              <a:cxn ang="0">
-                <a:pos x="connsiteX64" y="connsiteY64"/>
-              </a:cxn>
-              <a:cxn ang="0">
-                <a:pos x="connsiteX65" y="connsiteY65"/>
-              </a:cxn>
-              <a:cxn ang="0">
-                <a:pos x="connsiteX66" y="connsiteY66"/>
-              </a:cxn>
-              <a:cxn ang="0">
-                <a:pos x="connsiteX67" y="connsiteY67"/>
-              </a:cxn>
-              <a:cxn ang="0">
-                <a:pos x="connsiteX68" y="connsiteY68"/>
-              </a:cxn>
-              <a:cxn ang="0">
-                <a:pos x="connsiteX69" y="connsiteY69"/>
-              </a:cxn>
-              <a:cxn ang="0">
-                <a:pos x="connsiteX70" y="connsiteY70"/>
-              </a:cxn>
-              <a:cxn ang="0">
-                <a:pos x="connsiteX71" y="connsiteY71"/>
-              </a:cxn>
-              <a:cxn ang="0">
-                <a:pos x="connsiteX72" y="connsiteY72"/>
-              </a:cxn>
             </a:cxnLst>
             <a:rect l="l" t="t" r="r" b="b"/>
             <a:pathLst>
-              <a:path w="6184806" h="5154967">
+              <a:path w="8896786" h="6858478">
                 <a:moveTo>
-                  <a:pt x="363179" y="3125191"/>
+                  <a:pt x="1472231" y="6858478"/>
                 </a:moveTo>
-                <a:cubicBezTo>
-                  <a:pt x="363179" y="3125191"/>
-                  <a:pt x="363179" y="3125191"/>
-                  <a:pt x="898270" y="3125191"/>
-                </a:cubicBezTo>
-                <a:cubicBezTo>
-                  <a:pt x="931786" y="3125191"/>
-                  <a:pt x="964145" y="3143614"/>
-                  <a:pt x="980326" y="3173551"/>
-                </a:cubicBezTo>
-                <a:cubicBezTo>
-                  <a:pt x="980326" y="3173551"/>
-                  <a:pt x="980326" y="3173551"/>
-                  <a:pt x="1248448" y="3635277"/>
-                </a:cubicBezTo>
-                <a:cubicBezTo>
-                  <a:pt x="1265784" y="3664063"/>
-                  <a:pt x="1265784" y="3700909"/>
-                  <a:pt x="1248448" y="3729695"/>
-                </a:cubicBezTo>
-                <a:cubicBezTo>
-                  <a:pt x="1248448" y="3729695"/>
-                  <a:pt x="1248448" y="3729695"/>
-                  <a:pt x="980326" y="4191421"/>
-                </a:cubicBezTo>
-                <a:cubicBezTo>
-                  <a:pt x="964145" y="4221358"/>
-                  <a:pt x="931786" y="4239781"/>
-                  <a:pt x="898270" y="4239781"/>
-                </a:cubicBezTo>
-                <a:cubicBezTo>
-                  <a:pt x="898270" y="4239781"/>
-                  <a:pt x="898270" y="4239781"/>
-                  <a:pt x="363179" y="4239781"/>
-                </a:cubicBezTo>
-                <a:cubicBezTo>
-                  <a:pt x="328508" y="4239781"/>
-                  <a:pt x="297305" y="4221358"/>
-                  <a:pt x="279969" y="4191421"/>
-                </a:cubicBezTo>
-                <a:cubicBezTo>
-                  <a:pt x="279969" y="4191421"/>
-                  <a:pt x="279969" y="4191421"/>
-                  <a:pt x="13002" y="3729695"/>
-                </a:cubicBezTo>
-                <a:cubicBezTo>
-                  <a:pt x="-4334" y="3700909"/>
-                  <a:pt x="-4334" y="3664063"/>
-                  <a:pt x="13002" y="3635277"/>
-                </a:cubicBezTo>
-                <a:cubicBezTo>
-                  <a:pt x="13002" y="3635277"/>
-                  <a:pt x="13002" y="3635277"/>
-                  <a:pt x="279969" y="3173551"/>
-                </a:cubicBezTo>
-                <a:cubicBezTo>
-                  <a:pt x="297305" y="3143614"/>
-                  <a:pt x="328508" y="3125191"/>
-                  <a:pt x="363179" y="3125191"/>
-                </a:cubicBezTo>
-                <a:close/>
-                <a:moveTo>
-                  <a:pt x="2489721" y="570035"/>
-                </a:moveTo>
-                <a:cubicBezTo>
-                  <a:pt x="2489721" y="570035"/>
-                  <a:pt x="2489721" y="570035"/>
-                  <a:pt x="2764862" y="570035"/>
-                </a:cubicBezTo>
                 <a:lnTo>
-                  <a:pt x="2796959" y="570035"/>
+                  <a:pt x="8896786" y="6858478"/>
                 </a:lnTo>
                 <a:lnTo>
-                  <a:pt x="2827587" y="622777"/>
-                </a:lnTo>
-                <a:cubicBezTo>
-                  <a:pt x="2870233" y="696217"/>
-                  <a:pt x="2919858" y="781675"/>
-                  <a:pt x="2977604" y="881117"/>
-                </a:cubicBezTo>
-                <a:cubicBezTo>
-                  <a:pt x="3004153" y="925204"/>
-                  <a:pt x="3004153" y="981634"/>
-                  <a:pt x="2977604" y="1025720"/>
-                </a:cubicBezTo>
-                <a:cubicBezTo>
-                  <a:pt x="2977604" y="1025720"/>
-                  <a:pt x="2977604" y="1025720"/>
-                  <a:pt x="2566968" y="1732863"/>
-                </a:cubicBezTo>
-                <a:cubicBezTo>
-                  <a:pt x="2542188" y="1778712"/>
-                  <a:pt x="2492629" y="1806927"/>
-                  <a:pt x="2441299" y="1806927"/>
-                </a:cubicBezTo>
-                <a:cubicBezTo>
-                  <a:pt x="2441299" y="1806927"/>
-                  <a:pt x="2441299" y="1806927"/>
-                  <a:pt x="1621798" y="1806927"/>
-                </a:cubicBezTo>
-                <a:cubicBezTo>
-                  <a:pt x="1608523" y="1806927"/>
-                  <a:pt x="1595580" y="1805163"/>
-                  <a:pt x="1583218" y="1801802"/>
-                </a:cubicBezTo>
-                <a:lnTo>
-                  <a:pt x="1556683" y="1790677"/>
+                  <a:pt x="5720411" y="0"/>
                 </a:lnTo>
                 <a:lnTo>
-                  <a:pt x="1572899" y="1762630"/>
-                </a:lnTo>
-                <a:cubicBezTo>
-                  <a:pt x="1719523" y="1509042"/>
-                  <a:pt x="1907201" y="1184448"/>
-                  <a:pt x="2147429" y="768968"/>
-                </a:cubicBezTo>
-                <a:cubicBezTo>
-                  <a:pt x="2218739" y="645819"/>
-                  <a:pt x="2347099" y="570035"/>
-                  <a:pt x="2489721" y="570035"/>
-                </a:cubicBezTo>
-                <a:close/>
-                <a:moveTo>
-                  <a:pt x="1573268" y="0"/>
-                </a:moveTo>
-                <a:cubicBezTo>
-                  <a:pt x="1573268" y="0"/>
-                  <a:pt x="1573268" y="0"/>
-                  <a:pt x="2497662" y="0"/>
-                </a:cubicBezTo>
-                <a:cubicBezTo>
-                  <a:pt x="2555561" y="0"/>
-                  <a:pt x="2611463" y="31828"/>
-                  <a:pt x="2639415" y="83546"/>
-                </a:cubicBezTo>
-                <a:cubicBezTo>
-                  <a:pt x="2639415" y="83546"/>
-                  <a:pt x="2639415" y="83546"/>
-                  <a:pt x="2887862" y="511387"/>
-                </a:cubicBezTo>
-                <a:lnTo>
-                  <a:pt x="2915928" y="559720"/>
+                  <a:pt x="5714834" y="0"/>
                 </a:lnTo>
                 <a:lnTo>
-                  <a:pt x="2893844" y="559720"/>
+                  <a:pt x="4648606" y="0"/>
                 </a:lnTo>
                 <a:lnTo>
-                  <a:pt x="2789466" y="559720"/>
+                  <a:pt x="0" y="0"/>
                 </a:lnTo>
                 <a:lnTo>
-                  <a:pt x="2744122" y="481634"/>
-                </a:lnTo>
-                <a:cubicBezTo>
-                  <a:pt x="2570885" y="183309"/>
-                  <a:pt x="2570885" y="183309"/>
-                  <a:pt x="2570885" y="183309"/>
-                </a:cubicBezTo>
-                <a:cubicBezTo>
-                  <a:pt x="2546104" y="137459"/>
-                  <a:pt x="2496545" y="109243"/>
-                  <a:pt x="2445216" y="109243"/>
-                </a:cubicBezTo>
-                <a:cubicBezTo>
-                  <a:pt x="1625714" y="109243"/>
-                  <a:pt x="1625714" y="109243"/>
-                  <a:pt x="1625714" y="109243"/>
-                </a:cubicBezTo>
-                <a:cubicBezTo>
-                  <a:pt x="1572615" y="109243"/>
-                  <a:pt x="1524825" y="137459"/>
-                  <a:pt x="1498276" y="183309"/>
-                </a:cubicBezTo>
-                <a:cubicBezTo>
-                  <a:pt x="1089410" y="890450"/>
-                  <a:pt x="1089410" y="890450"/>
-                  <a:pt x="1089410" y="890450"/>
-                </a:cubicBezTo>
-                <a:cubicBezTo>
-                  <a:pt x="1062860" y="934537"/>
-                  <a:pt x="1062860" y="990967"/>
-                  <a:pt x="1089410" y="1035054"/>
-                </a:cubicBezTo>
-                <a:cubicBezTo>
-                  <a:pt x="1498276" y="1742196"/>
-                  <a:pt x="1498276" y="1742196"/>
-                  <a:pt x="1498276" y="1742196"/>
-                </a:cubicBezTo>
-                <a:cubicBezTo>
-                  <a:pt x="1511551" y="1765121"/>
-                  <a:pt x="1530135" y="1783637"/>
-                  <a:pt x="1552039" y="1796422"/>
-                </a:cubicBezTo>
-                <a:lnTo>
-                  <a:pt x="1558260" y="1799029"/>
+                  <a:pt x="0" y="6857915"/>
                 </a:lnTo>
                 <a:lnTo>
-                  <a:pt x="1524911" y="1856707"/>
+                  <a:pt x="1472491" y="6857915"/>
                 </a:lnTo>
-                <a:lnTo>
-                  <a:pt x="1500108" y="1899604"/>
-                </a:lnTo>
-                <a:lnTo>
-                  <a:pt x="1525834" y="1910390"/>
-                </a:lnTo>
-                <a:cubicBezTo>
-                  <a:pt x="1539779" y="1914181"/>
-                  <a:pt x="1554378" y="1916170"/>
-                  <a:pt x="1569352" y="1916170"/>
-                </a:cubicBezTo>
-                <a:cubicBezTo>
-                  <a:pt x="2493745" y="1916170"/>
-                  <a:pt x="2493745" y="1916170"/>
-                  <a:pt x="2493745" y="1916170"/>
-                </a:cubicBezTo>
-                <a:cubicBezTo>
-                  <a:pt x="2551645" y="1916170"/>
-                  <a:pt x="2607546" y="1884345"/>
-                  <a:pt x="2635498" y="1832627"/>
-                </a:cubicBezTo>
-                <a:cubicBezTo>
-                  <a:pt x="3098693" y="1034974"/>
-                  <a:pt x="3098693" y="1034974"/>
-                  <a:pt x="3098693" y="1034974"/>
-                </a:cubicBezTo>
-                <a:cubicBezTo>
-                  <a:pt x="3128641" y="985246"/>
-                  <a:pt x="3128641" y="921593"/>
-                  <a:pt x="3098693" y="871863"/>
-                </a:cubicBezTo>
-                <a:cubicBezTo>
-                  <a:pt x="3040794" y="772157"/>
-                  <a:pt x="2990132" y="684914"/>
-                  <a:pt x="2945803" y="608576"/>
-                </a:cubicBezTo>
-                <a:lnTo>
-                  <a:pt x="2923422" y="570035"/>
-                </a:lnTo>
-                <a:lnTo>
-                  <a:pt x="3027104" y="570035"/>
-                </a:lnTo>
-                <a:cubicBezTo>
-                  <a:pt x="3349535" y="570035"/>
-                  <a:pt x="3865424" y="570035"/>
-                  <a:pt x="4690846" y="570035"/>
-                </a:cubicBezTo>
-                <a:cubicBezTo>
-                  <a:pt x="4828714" y="570035"/>
-                  <a:pt x="4961827" y="645819"/>
-                  <a:pt x="5028384" y="768968"/>
-                </a:cubicBezTo>
-                <a:cubicBezTo>
-                  <a:pt x="5028384" y="768968"/>
-                  <a:pt x="5028384" y="768968"/>
-                  <a:pt x="6131323" y="2668304"/>
-                </a:cubicBezTo>
-                <a:cubicBezTo>
-                  <a:pt x="6202634" y="2786717"/>
-                  <a:pt x="6202634" y="2938285"/>
-                  <a:pt x="6131323" y="3056698"/>
-                </a:cubicBezTo>
-                <a:cubicBezTo>
-                  <a:pt x="6131323" y="3056698"/>
-                  <a:pt x="6131323" y="3056698"/>
-                  <a:pt x="5028384" y="4956035"/>
-                </a:cubicBezTo>
-                <a:cubicBezTo>
-                  <a:pt x="4961827" y="5079184"/>
-                  <a:pt x="4828714" y="5154967"/>
-                  <a:pt x="4690846" y="5154967"/>
-                </a:cubicBezTo>
-                <a:cubicBezTo>
-                  <a:pt x="4690846" y="5154967"/>
-                  <a:pt x="4690846" y="5154967"/>
-                  <a:pt x="2489721" y="5154967"/>
-                </a:cubicBezTo>
-                <a:cubicBezTo>
-                  <a:pt x="2347099" y="5154967"/>
-                  <a:pt x="2218739" y="5079184"/>
-                  <a:pt x="2147429" y="4956035"/>
-                </a:cubicBezTo>
-                <a:cubicBezTo>
-                  <a:pt x="2147429" y="4956035"/>
-                  <a:pt x="2147429" y="4956035"/>
-                  <a:pt x="1049243" y="3056698"/>
-                </a:cubicBezTo>
-                <a:cubicBezTo>
-                  <a:pt x="977932" y="2938285"/>
-                  <a:pt x="977932" y="2786717"/>
-                  <a:pt x="1049243" y="2668304"/>
-                </a:cubicBezTo>
-                <a:cubicBezTo>
-                  <a:pt x="1049243" y="2668304"/>
-                  <a:pt x="1049243" y="2668304"/>
-                  <a:pt x="1457007" y="1963067"/>
-                </a:cubicBezTo>
-                <a:lnTo>
-                  <a:pt x="1491373" y="1903634"/>
-                </a:lnTo>
-                <a:lnTo>
-                  <a:pt x="1490164" y="1903127"/>
-                </a:lnTo>
-                <a:cubicBezTo>
-                  <a:pt x="1465456" y="1888705"/>
-                  <a:pt x="1444493" y="1867820"/>
-                  <a:pt x="1429519" y="1841960"/>
-                </a:cubicBezTo>
-                <a:cubicBezTo>
-                  <a:pt x="1429519" y="1841960"/>
-                  <a:pt x="1429519" y="1841960"/>
-                  <a:pt x="968320" y="1044307"/>
-                </a:cubicBezTo>
-                <a:cubicBezTo>
-                  <a:pt x="938371" y="994579"/>
-                  <a:pt x="938371" y="930926"/>
-                  <a:pt x="968320" y="881196"/>
-                </a:cubicBezTo>
-                <a:cubicBezTo>
-                  <a:pt x="968320" y="881196"/>
-                  <a:pt x="968320" y="881196"/>
-                  <a:pt x="1429519" y="83546"/>
-                </a:cubicBezTo>
-                <a:cubicBezTo>
-                  <a:pt x="1459466" y="31828"/>
-                  <a:pt x="1513373" y="0"/>
-                  <a:pt x="1573268" y="0"/>
-                </a:cubicBezTo>
                 <a:close/>
               </a:path>
             </a:pathLst>
           </a:custGeom>
           <a:solidFill>
-            <a:schemeClr val="tx1">
-              <a:lumMod val="50000"/>
-              <a:lumOff val="50000"/>
-              <a:alpha val="15000"/>
+            <a:schemeClr val="bg1">
+              <a:lumMod val="85000"/>
+              <a:lumOff val="15000"/>
+              <a:alpha val="70000"/>
             </a:schemeClr>
           </a:solidFill>
           <a:ln>
@@ -4272,94 +4301,46 @@
           </a:bodyPr>
           <a:lstStyle/>
           <a:p>
-            <a:pPr algn="ctr"/>
-            <a:endParaRPr lang="en-US"/>
+            <a:pPr marL="0" marR="0" lvl="0" indent="0" algn="ctr" defTabSz="914400" rtl="0" eaLnBrk="1" fontAlgn="auto" latinLnBrk="0" hangingPunct="1">
+              <a:lnSpc>
+                <a:spcPct val="100000"/>
+              </a:lnSpc>
+              <a:spcBef>
+                <a:spcPts val="0"/>
+              </a:spcBef>
+              <a:spcAft>
+                <a:spcPts val="0"/>
+              </a:spcAft>
+              <a:buClrTx/>
+              <a:buSzTx/>
+              <a:buFontTx/>
+              <a:buNone/>
+              <a:tabLst/>
+              <a:defRPr/>
+            </a:pPr>
+            <a:endParaRPr kumimoji="0" lang="en-US" sz="1800" b="0" i="0" u="none" strike="noStrike" kern="1200" cap="none" spc="0" normalizeH="0" baseline="0" noProof="0">
+              <a:ln>
+                <a:noFill/>
+              </a:ln>
+              <a:solidFill>
+                <a:prstClr val="white"/>
+              </a:solidFill>
+              <a:effectLst/>
+              <a:uLnTx/>
+              <a:uFillTx/>
+              <a:latin typeface="Calibri" panose="020F0502020204030204"/>
+              <a:ea typeface="+mn-ea"/>
+              <a:cs typeface="+mn-cs"/>
+            </a:endParaRPr>
           </a:p>
         </p:txBody>
       </p:sp>
-      <p:pic>
-        <p:nvPicPr>
-          <p:cNvPr id="5" name="Graphic 4" descr="Weights Uneven with solid fill">
+      <p:sp>
+        <p:nvSpPr>
+          <p:cNvPr id="30" name="Freeform: Shape 29">
             <a:extLst>
               <a:ext uri="{FF2B5EF4-FFF2-40B4-BE49-F238E27FC236}">
-                <a16:creationId xmlns:a16="http://schemas.microsoft.com/office/drawing/2014/main" id="{6684E93C-EEDD-45D1-A214-350CAD1C7B96}"/>
-              </a:ext>
-            </a:extLst>
-          </p:cNvPr>
-          <p:cNvPicPr>
-            <a:picLocks noChangeAspect="1"/>
-          </p:cNvPicPr>
-          <p:nvPr/>
-        </p:nvPicPr>
-        <p:blipFill>
-          <a:blip r:embed="rId2">
-            <a:extLst>
-              <a:ext uri="{28A0092B-C50C-407E-A947-70E740481C1C}">
-                <a14:useLocalDpi xmlns:a14="http://schemas.microsoft.com/office/drawing/2010/main" val="0"/>
-              </a:ext>
-              <a:ext uri="{96DAC541-7B7A-43D3-8B79-37D633B846F1}">
-                <asvg:svgBlip xmlns:asvg="http://schemas.microsoft.com/office/drawing/2016/SVG/main" r:embed="rId3"/>
-              </a:ext>
-            </a:extLst>
-          </a:blip>
-          <a:stretch>
-            <a:fillRect/>
-          </a:stretch>
-        </p:blipFill>
-        <p:spPr>
-          <a:xfrm>
-            <a:off x="7531503" y="2129307"/>
-            <a:ext cx="3217333" cy="3217333"/>
-          </a:xfrm>
-          <a:prstGeom prst="rect">
-            <a:avLst/>
-          </a:prstGeom>
-        </p:spPr>
-      </p:pic>
-    </p:spTree>
-    <p:extLst>
-      <p:ext uri="{BB962C8B-B14F-4D97-AF65-F5344CB8AC3E}">
-        <p14:creationId xmlns:p14="http://schemas.microsoft.com/office/powerpoint/2010/main" val="1247002208"/>
-      </p:ext>
-    </p:extLst>
-  </p:cSld>
-  <p:clrMapOvr>
-    <a:masterClrMapping/>
-  </p:clrMapOvr>
-</p:sld>
-</file>
-
-<file path=ppt/slides/slide10.xml><?xml version="1.0" encoding="utf-8"?>
-<p:sld xmlns:a="http://schemas.openxmlformats.org/drawingml/2006/main" xmlns:r="http://schemas.openxmlformats.org/officeDocument/2006/relationships" xmlns:p="http://schemas.openxmlformats.org/presentationml/2006/main">
-  <p:cSld>
-    <p:bg>
-      <p:bgPr>
-        <a:solidFill>
-          <a:schemeClr val="bg1"/>
-        </a:solidFill>
-        <a:effectLst/>
-      </p:bgPr>
-    </p:bg>
-    <p:spTree>
-      <p:nvGrpSpPr>
-        <p:cNvPr id="1" name=""/>
-        <p:cNvGrpSpPr/>
-        <p:nvPr/>
-      </p:nvGrpSpPr>
-      <p:grpSpPr>
-        <a:xfrm>
-          <a:off x="0" y="0"/>
-          <a:ext cx="0" cy="0"/>
-          <a:chOff x="0" y="0"/>
-          <a:chExt cx="0" cy="0"/>
-        </a:xfrm>
-      </p:grpSpPr>
-      <p:sp useBgFill="1">
-        <p:nvSpPr>
-          <p:cNvPr id="14" name="Rectangle 13">
-            <a:extLst>
-              <a:ext uri="{FF2B5EF4-FFF2-40B4-BE49-F238E27FC236}">
-                <a16:creationId xmlns:a16="http://schemas.microsoft.com/office/drawing/2014/main" id="{9389D3E0-BA02-41D3-B2AC-8FD6AA893902}"/>
+                <a16:creationId xmlns:a16="http://schemas.microsoft.com/office/drawing/2014/main" id="{2F033D07-FE42-4E5C-A00A-FFE1D42C0FFD}"/>
               </a:ext>
               <a:ext uri="{C183D7F6-B498-43B3-948B-1728B52AA6E4}">
                 <adec:decorative xmlns:adec="http://schemas.microsoft.com/office/drawing/2017/decorative" val="1"/>
@@ -4378,13 +4359,110 @@
           </p:nvPr>
         </p:nvSpPr>
         <p:spPr>
-          <a:xfrm>
-            <a:off x="0" y="0"/>
-            <a:ext cx="12188952" cy="6858000"/>
+          <a:xfrm flipV="1">
+            <a:off x="0" y="-479"/>
+            <a:ext cx="8096249" cy="6858479"/>
           </a:xfrm>
-          <a:prstGeom prst="rect">
+          <a:custGeom>
             <a:avLst/>
-          </a:prstGeom>
+            <a:gdLst>
+              <a:gd name="connsiteX0" fmla="*/ 0 w 8096249"/>
+              <a:gd name="connsiteY0" fmla="*/ 6858479 h 6858479"/>
+              <a:gd name="connsiteX1" fmla="*/ 2130297 w 8096249"/>
+              <a:gd name="connsiteY1" fmla="*/ 6858479 h 6858479"/>
+              <a:gd name="connsiteX2" fmla="*/ 2130297 w 8096249"/>
+              <a:gd name="connsiteY2" fmla="*/ 6858478 h 6858479"/>
+              <a:gd name="connsiteX3" fmla="*/ 8096249 w 8096249"/>
+              <a:gd name="connsiteY3" fmla="*/ 6858478 h 6858479"/>
+              <a:gd name="connsiteX4" fmla="*/ 4919874 w 8096249"/>
+              <a:gd name="connsiteY4" fmla="*/ 0 h 6858479"/>
+              <a:gd name="connsiteX5" fmla="*/ 4914297 w 8096249"/>
+              <a:gd name="connsiteY5" fmla="*/ 0 h 6858479"/>
+              <a:gd name="connsiteX6" fmla="*/ 3848069 w 8096249"/>
+              <a:gd name="connsiteY6" fmla="*/ 0 h 6858479"/>
+              <a:gd name="connsiteX7" fmla="*/ 18197 w 8096249"/>
+              <a:gd name="connsiteY7" fmla="*/ 0 h 6858479"/>
+              <a:gd name="connsiteX8" fmla="*/ 18197 w 8096249"/>
+              <a:gd name="connsiteY8" fmla="*/ 479 h 6858479"/>
+              <a:gd name="connsiteX9" fmla="*/ 0 w 8096249"/>
+              <a:gd name="connsiteY9" fmla="*/ 479 h 6858479"/>
+            </a:gdLst>
+            <a:ahLst/>
+            <a:cxnLst>
+              <a:cxn ang="0">
+                <a:pos x="connsiteX0" y="connsiteY0"/>
+              </a:cxn>
+              <a:cxn ang="0">
+                <a:pos x="connsiteX1" y="connsiteY1"/>
+              </a:cxn>
+              <a:cxn ang="0">
+                <a:pos x="connsiteX2" y="connsiteY2"/>
+              </a:cxn>
+              <a:cxn ang="0">
+                <a:pos x="connsiteX3" y="connsiteY3"/>
+              </a:cxn>
+              <a:cxn ang="0">
+                <a:pos x="connsiteX4" y="connsiteY4"/>
+              </a:cxn>
+              <a:cxn ang="0">
+                <a:pos x="connsiteX5" y="connsiteY5"/>
+              </a:cxn>
+              <a:cxn ang="0">
+                <a:pos x="connsiteX6" y="connsiteY6"/>
+              </a:cxn>
+              <a:cxn ang="0">
+                <a:pos x="connsiteX7" y="connsiteY7"/>
+              </a:cxn>
+              <a:cxn ang="0">
+                <a:pos x="connsiteX8" y="connsiteY8"/>
+              </a:cxn>
+              <a:cxn ang="0">
+                <a:pos x="connsiteX9" y="connsiteY9"/>
+              </a:cxn>
+            </a:cxnLst>
+            <a:rect l="l" t="t" r="r" b="b"/>
+            <a:pathLst>
+              <a:path w="8096249" h="6858479">
+                <a:moveTo>
+                  <a:pt x="0" y="6858479"/>
+                </a:moveTo>
+                <a:lnTo>
+                  <a:pt x="2130297" y="6858479"/>
+                </a:lnTo>
+                <a:lnTo>
+                  <a:pt x="2130297" y="6858478"/>
+                </a:lnTo>
+                <a:lnTo>
+                  <a:pt x="8096249" y="6858478"/>
+                </a:lnTo>
+                <a:lnTo>
+                  <a:pt x="4919874" y="0"/>
+                </a:lnTo>
+                <a:lnTo>
+                  <a:pt x="4914297" y="0"/>
+                </a:lnTo>
+                <a:lnTo>
+                  <a:pt x="3848069" y="0"/>
+                </a:lnTo>
+                <a:lnTo>
+                  <a:pt x="18197" y="0"/>
+                </a:lnTo>
+                <a:lnTo>
+                  <a:pt x="18197" y="479"/>
+                </a:lnTo>
+                <a:lnTo>
+                  <a:pt x="0" y="479"/>
+                </a:lnTo>
+                <a:close/>
+              </a:path>
+            </a:pathLst>
+          </a:custGeom>
+          <a:solidFill>
+            <a:schemeClr val="bg1">
+              <a:lumMod val="85000"/>
+              <a:lumOff val="15000"/>
+            </a:schemeClr>
+          </a:solidFill>
           <a:ln>
             <a:noFill/>
           </a:ln>
@@ -4406,11 +4484,42 @@
           </a:fontRef>
         </p:style>
         <p:txBody>
-          <a:bodyPr rtlCol="0" anchor="ctr"/>
+          <a:bodyPr wrap="square" rtlCol="0" anchor="ctr">
+            <a:noAutofit/>
+          </a:bodyPr>
           <a:lstStyle/>
           <a:p>
-            <a:pPr algn="ctr"/>
-            <a:endParaRPr lang="en-US"/>
+            <a:pPr marL="0" marR="0" lvl="0" indent="0" algn="ctr" defTabSz="914400" rtl="0" eaLnBrk="1" fontAlgn="auto" latinLnBrk="0" hangingPunct="1">
+              <a:lnSpc>
+                <a:spcPct val="100000"/>
+              </a:lnSpc>
+              <a:spcBef>
+                <a:spcPts val="0"/>
+              </a:spcBef>
+              <a:spcAft>
+                <a:spcPts val="0"/>
+              </a:spcAft>
+              <a:buClrTx/>
+              <a:buSzTx/>
+              <a:buFontTx/>
+              <a:buNone/>
+              <a:tabLst/>
+              <a:defRPr/>
+            </a:pPr>
+            <a:endParaRPr kumimoji="0" lang="en-US" sz="1800" b="0" i="0" u="none" strike="noStrike" kern="1200" cap="none" spc="0" normalizeH="0" baseline="0" noProof="0">
+              <a:ln>
+                <a:noFill/>
+              </a:ln>
+              <a:solidFill>
+                <a:prstClr val="white"/>
+              </a:solidFill>
+              <a:effectLst/>
+              <a:uLnTx/>
+              <a:uFillTx/>
+              <a:latin typeface="Calibri" panose="020F0502020204030204"/>
+              <a:ea typeface="+mn-ea"/>
+              <a:cs typeface="+mn-cs"/>
+            </a:endParaRPr>
           </a:p>
         </p:txBody>
       </p:sp>
@@ -4419,7 +4528,7 @@
           <p:cNvPr id="2" name="Title 1">
             <a:extLst>
               <a:ext uri="{FF2B5EF4-FFF2-40B4-BE49-F238E27FC236}">
-                <a16:creationId xmlns:a16="http://schemas.microsoft.com/office/drawing/2014/main" id="{397EDA5E-FF32-48CB-AB2A-63CF13FBAB25}"/>
+                <a16:creationId xmlns:a16="http://schemas.microsoft.com/office/drawing/2014/main" id="{3077714B-4913-4D94-9951-928F995ED7B2}"/>
               </a:ext>
             </a:extLst>
           </p:cNvPr>
@@ -4427,532 +4536,94 @@
             <a:spLocks noGrp="1"/>
           </p:cNvSpPr>
           <p:nvPr>
-            <p:ph type="title"/>
+            <p:ph type="ctrTitle"/>
           </p:nvPr>
         </p:nvSpPr>
         <p:spPr>
           <a:xfrm>
-            <a:off x="838200" y="557189"/>
-            <a:ext cx="5349536" cy="1620403"/>
+            <a:off x="804672" y="877824"/>
+            <a:ext cx="5629684" cy="3072384"/>
           </a:xfrm>
         </p:spPr>
         <p:txBody>
-          <a:bodyPr vert="horz" lIns="91440" tIns="45720" rIns="91440" bIns="45720" rtlCol="0" anchor="ctr">
-            <a:noAutofit/>
+          <a:bodyPr anchor="b">
+            <a:normAutofit fontScale="90000"/>
           </a:bodyPr>
           <a:lstStyle/>
           <a:p>
-            <a:r>
-              <a:rPr lang="en-US" dirty="0"/>
-              <a:t>Closer Look: Immigration Offenses </a:t>
-            </a:r>
+            <a:pPr algn="l"/>
+            <a:r>
+              <a:rPr lang="en-US" b="1" dirty="0"/>
+              <a:t>Racial Disparities in Tennessee Federal Sentencing:</a:t>
+            </a:r>
+            <a:br>
+              <a:rPr lang="en-US" sz="5000" dirty="0"/>
+            </a:br>
+            <a:r>
+              <a:rPr lang="en-US" sz="4400" dirty="0"/>
+              <a:t>2015 to 2019</a:t>
+            </a:r>
+            <a:endParaRPr lang="en-US" sz="5000" dirty="0"/>
           </a:p>
         </p:txBody>
       </p:sp>
       <p:sp>
         <p:nvSpPr>
-          <p:cNvPr id="10" name="TextBox 9">
+          <p:cNvPr id="3" name="Subtitle 2">
             <a:extLst>
               <a:ext uri="{FF2B5EF4-FFF2-40B4-BE49-F238E27FC236}">
-                <a16:creationId xmlns:a16="http://schemas.microsoft.com/office/drawing/2014/main" id="{91097034-5955-46F6-94A5-18E3D5985947}"/>
+                <a16:creationId xmlns:a16="http://schemas.microsoft.com/office/drawing/2014/main" id="{C28BAB23-3D79-48C0-928F-55CB4D74637A}"/>
               </a:ext>
             </a:extLst>
           </p:cNvPr>
-          <p:cNvSpPr txBox="1"/>
-          <p:nvPr/>
+          <p:cNvSpPr>
+            <a:spLocks noGrp="1"/>
+          </p:cNvSpPr>
+          <p:nvPr>
+            <p:ph type="subTitle" idx="1"/>
+          </p:nvPr>
         </p:nvSpPr>
         <p:spPr>
           <a:xfrm>
-            <a:off x="502571" y="2123783"/>
-            <a:ext cx="4424078" cy="1323439"/>
+            <a:off x="804672" y="4096512"/>
+            <a:ext cx="4167376" cy="1155525"/>
           </a:xfrm>
-          <a:prstGeom prst="rect">
-            <a:avLst/>
-          </a:prstGeom>
-          <a:noFill/>
         </p:spPr>
         <p:txBody>
-          <a:bodyPr wrap="square" rtlCol="0">
-            <a:spAutoFit/>
+          <a:bodyPr anchor="t">
+            <a:normAutofit/>
           </a:bodyPr>
           <a:lstStyle/>
           <a:p>
-            <a:pPr marL="285750" indent="-285750" algn="just">
-              <a:buFont typeface="Arial" panose="020B0604020202020204" pitchFamily="34" charset="0"/>
-              <a:buChar char="•"/>
-            </a:pPr>
-            <a:r>
-              <a:rPr lang="en-US" sz="2000" dirty="0"/>
-              <a:t>71% of nonviolent offenses by Hispanic offenders are immigration related offenses, which carry no mandatory minimum sentence.</a:t>
-            </a:r>
-          </a:p>
-        </p:txBody>
-      </p:sp>
-      <p:pic>
-        <p:nvPicPr>
-          <p:cNvPr id="4" name="Picture 3">
-            <a:extLst>
-              <a:ext uri="{FF2B5EF4-FFF2-40B4-BE49-F238E27FC236}">
-                <a16:creationId xmlns:a16="http://schemas.microsoft.com/office/drawing/2014/main" id="{49B0C5DB-5A07-4A29-A51D-8F00C863531A}"/>
-              </a:ext>
-            </a:extLst>
-          </p:cNvPr>
-          <p:cNvPicPr>
-            <a:picLocks noChangeAspect="1"/>
-          </p:cNvPicPr>
-          <p:nvPr/>
-        </p:nvPicPr>
-        <p:blipFill>
-          <a:blip r:embed="rId2">
-            <a:extLst>
-              <a:ext uri="{28A0092B-C50C-407E-A947-70E740481C1C}">
-                <a14:useLocalDpi xmlns:a14="http://schemas.microsoft.com/office/drawing/2010/main" val="0"/>
-              </a:ext>
-            </a:extLst>
-          </a:blip>
-          <a:srcRect/>
-          <a:stretch/>
-        </p:blipFill>
-        <p:spPr>
-          <a:xfrm>
-            <a:off x="5055657" y="1865086"/>
-            <a:ext cx="7262303" cy="4841536"/>
-          </a:xfrm>
-          <a:prstGeom prst="rect">
-            <a:avLst/>
-          </a:prstGeom>
-        </p:spPr>
-      </p:pic>
-      <p:sp>
-        <p:nvSpPr>
-          <p:cNvPr id="12" name="Rectangle: Rounded Corners 11">
-            <a:extLst>
-              <a:ext uri="{FF2B5EF4-FFF2-40B4-BE49-F238E27FC236}">
-                <a16:creationId xmlns:a16="http://schemas.microsoft.com/office/drawing/2014/main" id="{6AA43795-1E51-4E1C-B38E-49816C27BD5B}"/>
-              </a:ext>
-            </a:extLst>
-          </p:cNvPr>
-          <p:cNvSpPr/>
-          <p:nvPr/>
-        </p:nvSpPr>
-        <p:spPr>
-          <a:xfrm>
-            <a:off x="7843429" y="355107"/>
-            <a:ext cx="1686757" cy="1509979"/>
-          </a:xfrm>
-          <a:prstGeom prst="roundRect">
-            <a:avLst/>
-          </a:prstGeom>
-          <a:solidFill>
-            <a:srgbClr val="FFE5E5"/>
-          </a:solidFill>
-        </p:spPr>
-        <p:style>
-          <a:lnRef idx="2">
-            <a:schemeClr val="dk1"/>
-          </a:lnRef>
-          <a:fillRef idx="1">
-            <a:schemeClr val="lt1"/>
-          </a:fillRef>
-          <a:effectRef idx="0">
-            <a:schemeClr val="dk1"/>
-          </a:effectRef>
-          <a:fontRef idx="minor">
-            <a:schemeClr val="dk1"/>
-          </a:fontRef>
-        </p:style>
-        <p:txBody>
-          <a:bodyPr rtlCol="0" anchor="ctr">
-            <a:normAutofit fontScale="85000" lnSpcReduction="10000"/>
-          </a:bodyPr>
-          <a:lstStyle/>
-          <a:p>
-            <a:pPr algn="ctr"/>
-            <a:r>
-              <a:rPr lang="en-US" sz="7200" dirty="0"/>
-              <a:t>97%</a:t>
-            </a:r>
-          </a:p>
-          <a:p>
-            <a:pPr algn="ctr"/>
-            <a:r>
-              <a:rPr lang="en-US" sz="1600" dirty="0"/>
-              <a:t>not legal residents</a:t>
-            </a:r>
-            <a:endParaRPr lang="en-US" sz="2000" dirty="0"/>
-          </a:p>
-        </p:txBody>
-      </p:sp>
-      <p:sp>
-        <p:nvSpPr>
-          <p:cNvPr id="5" name="TextBox 4">
-            <a:extLst>
-              <a:ext uri="{FF2B5EF4-FFF2-40B4-BE49-F238E27FC236}">
-                <a16:creationId xmlns:a16="http://schemas.microsoft.com/office/drawing/2014/main" id="{E7E9B5B9-FB11-4933-93A2-DAC254013F31}"/>
-              </a:ext>
-            </a:extLst>
-          </p:cNvPr>
-          <p:cNvSpPr txBox="1"/>
-          <p:nvPr/>
-        </p:nvSpPr>
-        <p:spPr>
-          <a:xfrm>
-            <a:off x="502571" y="3393412"/>
-            <a:ext cx="4553086" cy="1631216"/>
-          </a:xfrm>
-          <a:prstGeom prst="rect">
-            <a:avLst/>
-          </a:prstGeom>
-          <a:noFill/>
-        </p:spPr>
-        <p:txBody>
-          <a:bodyPr wrap="square" rtlCol="0">
-            <a:spAutoFit/>
-          </a:bodyPr>
-          <a:lstStyle/>
-          <a:p>
-            <a:pPr marL="285750" indent="-285750" algn="just">
-              <a:buFont typeface="Arial" panose="020B0604020202020204" pitchFamily="34" charset="0"/>
-              <a:buChar char="•"/>
-            </a:pPr>
-            <a:r>
-              <a:rPr lang="en-US" sz="2000" dirty="0"/>
-              <a:t>Of those, exactly half received credit for time served and therefore receive no additional sentence.</a:t>
-            </a:r>
-          </a:p>
-          <a:p>
-            <a:pPr marL="285750" indent="-285750" algn="just">
-              <a:buFont typeface="Arial" panose="020B0604020202020204" pitchFamily="34" charset="0"/>
-              <a:buChar char="•"/>
-            </a:pPr>
-            <a:r>
-              <a:rPr lang="en-US" sz="2000" dirty="0"/>
-              <a:t>The average time served prior to sentencing for this group is 70 days.</a:t>
-            </a:r>
-          </a:p>
-        </p:txBody>
-      </p:sp>
-      <p:sp>
-        <p:nvSpPr>
-          <p:cNvPr id="6" name="TextBox 5">
-            <a:extLst>
-              <a:ext uri="{FF2B5EF4-FFF2-40B4-BE49-F238E27FC236}">
-                <a16:creationId xmlns:a16="http://schemas.microsoft.com/office/drawing/2014/main" id="{FB4AF959-12DF-4B44-8EEF-52745D67996F}"/>
-              </a:ext>
-            </a:extLst>
-          </p:cNvPr>
-          <p:cNvSpPr txBox="1"/>
-          <p:nvPr/>
-        </p:nvSpPr>
-        <p:spPr>
-          <a:xfrm>
-            <a:off x="502571" y="5023934"/>
-            <a:ext cx="4553086" cy="1631216"/>
-          </a:xfrm>
-          <a:prstGeom prst="rect">
-            <a:avLst/>
-          </a:prstGeom>
-          <a:noFill/>
-        </p:spPr>
-        <p:txBody>
-          <a:bodyPr wrap="square" rtlCol="0">
-            <a:spAutoFit/>
-          </a:bodyPr>
-          <a:lstStyle/>
-          <a:p>
-            <a:pPr marL="285750" indent="-285750">
-              <a:buFont typeface="Arial" panose="020B0604020202020204" pitchFamily="34" charset="0"/>
-              <a:buChar char="•"/>
-            </a:pPr>
-            <a:r>
-              <a:rPr lang="en-US" sz="2000" dirty="0"/>
-              <a:t>Additionally, 97% of them are not legal residents of the U.S., meaning they may have been deported rather than sentenced to additional time.</a:t>
-            </a:r>
-          </a:p>
-          <a:p>
-            <a:endParaRPr lang="en-US" sz="2000" dirty="0"/>
+            <a:pPr algn="l"/>
+            <a:r>
+              <a:rPr lang="en-US" sz="1800" dirty="0"/>
+              <a:t>Jennifer Whitson</a:t>
+            </a:r>
+          </a:p>
+          <a:p>
+            <a:pPr algn="l"/>
+            <a:r>
+              <a:rPr lang="en-US" sz="1800" dirty="0"/>
+              <a:t>April 30, 2021</a:t>
+            </a:r>
           </a:p>
         </p:txBody>
       </p:sp>
     </p:spTree>
     <p:extLst>
       <p:ext uri="{BB962C8B-B14F-4D97-AF65-F5344CB8AC3E}">
-        <p14:creationId xmlns:p14="http://schemas.microsoft.com/office/powerpoint/2010/main" val="3638029009"/>
+        <p14:creationId xmlns:p14="http://schemas.microsoft.com/office/powerpoint/2010/main" val="1247002208"/>
       </p:ext>
     </p:extLst>
   </p:cSld>
   <p:clrMapOvr>
-    <a:masterClrMapping/>
+    <a:overrideClrMapping bg1="dk1" tx1="lt1" bg2="dk2" tx2="lt2" accent1="accent1" accent2="accent2" accent3="accent3" accent4="accent4" accent5="accent5" accent6="accent6" hlink="hlink" folHlink="folHlink"/>
   </p:clrMapOvr>
-  <p:timing>
-    <p:tnLst>
-      <p:par>
-        <p:cTn id="1" dur="indefinite" restart="never" nodeType="tmRoot">
-          <p:childTnLst>
-            <p:seq concurrent="1" nextAc="seek">
-              <p:cTn id="2" dur="indefinite" nodeType="mainSeq">
-                <p:childTnLst>
-                  <p:par>
-                    <p:cTn id="3" fill="hold">
-                      <p:stCondLst>
-                        <p:cond delay="indefinite"/>
-                      </p:stCondLst>
-                      <p:childTnLst>
-                        <p:par>
-                          <p:cTn id="4" fill="hold">
-                            <p:stCondLst>
-                              <p:cond delay="0"/>
-                            </p:stCondLst>
-                            <p:childTnLst>
-                              <p:par>
-                                <p:cTn id="5" presetID="10" presetClass="entr" presetSubtype="0" fill="hold" grpId="0" nodeType="clickEffect">
-                                  <p:stCondLst>
-                                    <p:cond delay="0"/>
-                                  </p:stCondLst>
-                                  <p:childTnLst>
-                                    <p:set>
-                                      <p:cBhvr>
-                                        <p:cTn id="6" dur="1" fill="hold">
-                                          <p:stCondLst>
-                                            <p:cond delay="0"/>
-                                          </p:stCondLst>
-                                        </p:cTn>
-                                        <p:tgtEl>
-                                          <p:spTgt spid="10"/>
-                                        </p:tgtEl>
-                                        <p:attrNameLst>
-                                          <p:attrName>style.visibility</p:attrName>
-                                        </p:attrNameLst>
-                                      </p:cBhvr>
-                                      <p:to>
-                                        <p:strVal val="visible"/>
-                                      </p:to>
-                                    </p:set>
-                                    <p:animEffect transition="in" filter="fade">
-                                      <p:cBhvr>
-                                        <p:cTn id="7" dur="500"/>
-                                        <p:tgtEl>
-                                          <p:spTgt spid="10"/>
-                                        </p:tgtEl>
-                                      </p:cBhvr>
-                                    </p:animEffect>
-                                  </p:childTnLst>
-                                </p:cTn>
-                              </p:par>
-                            </p:childTnLst>
-                          </p:cTn>
-                        </p:par>
-                      </p:childTnLst>
-                    </p:cTn>
-                  </p:par>
-                  <p:par>
-                    <p:cTn id="8" fill="hold">
-                      <p:stCondLst>
-                        <p:cond delay="indefinite"/>
-                      </p:stCondLst>
-                      <p:childTnLst>
-                        <p:par>
-                          <p:cTn id="9" fill="hold">
-                            <p:stCondLst>
-                              <p:cond delay="0"/>
-                            </p:stCondLst>
-                            <p:childTnLst>
-                              <p:par>
-                                <p:cTn id="10" presetID="10" presetClass="entr" presetSubtype="0" fill="hold" grpId="0" nodeType="clickEffect">
-                                  <p:stCondLst>
-                                    <p:cond delay="0"/>
-                                  </p:stCondLst>
-                                  <p:childTnLst>
-                                    <p:set>
-                                      <p:cBhvr>
-                                        <p:cTn id="11" dur="1" fill="hold">
-                                          <p:stCondLst>
-                                            <p:cond delay="0"/>
-                                          </p:stCondLst>
-                                        </p:cTn>
-                                        <p:tgtEl>
-                                          <p:spTgt spid="5"/>
-                                        </p:tgtEl>
-                                        <p:attrNameLst>
-                                          <p:attrName>style.visibility</p:attrName>
-                                        </p:attrNameLst>
-                                      </p:cBhvr>
-                                      <p:to>
-                                        <p:strVal val="visible"/>
-                                      </p:to>
-                                    </p:set>
-                                    <p:animEffect transition="in" filter="fade">
-                                      <p:cBhvr>
-                                        <p:cTn id="12" dur="500"/>
-                                        <p:tgtEl>
-                                          <p:spTgt spid="5"/>
-                                        </p:tgtEl>
-                                      </p:cBhvr>
-                                    </p:animEffect>
-                                  </p:childTnLst>
-                                </p:cTn>
-                              </p:par>
-                              <p:par>
-                                <p:cTn id="13" presetID="10" presetClass="entr" presetSubtype="0" fill="hold" nodeType="withEffect">
-                                  <p:stCondLst>
-                                    <p:cond delay="0"/>
-                                  </p:stCondLst>
-                                  <p:childTnLst>
-                                    <p:set>
-                                      <p:cBhvr>
-                                        <p:cTn id="14" dur="1" fill="hold">
-                                          <p:stCondLst>
-                                            <p:cond delay="0"/>
-                                          </p:stCondLst>
-                                        </p:cTn>
-                                        <p:tgtEl>
-                                          <p:spTgt spid="4"/>
-                                        </p:tgtEl>
-                                        <p:attrNameLst>
-                                          <p:attrName>style.visibility</p:attrName>
-                                        </p:attrNameLst>
-                                      </p:cBhvr>
-                                      <p:to>
-                                        <p:strVal val="visible"/>
-                                      </p:to>
-                                    </p:set>
-                                    <p:animEffect transition="in" filter="fade">
-                                      <p:cBhvr>
-                                        <p:cTn id="15" dur="500"/>
-                                        <p:tgtEl>
-                                          <p:spTgt spid="4"/>
-                                        </p:tgtEl>
-                                      </p:cBhvr>
-                                    </p:animEffect>
-                                  </p:childTnLst>
-                                </p:cTn>
-                              </p:par>
-                            </p:childTnLst>
-                          </p:cTn>
-                        </p:par>
-                      </p:childTnLst>
-                    </p:cTn>
-                  </p:par>
-                  <p:par>
-                    <p:cTn id="16" fill="hold">
-                      <p:stCondLst>
-                        <p:cond delay="indefinite"/>
-                      </p:stCondLst>
-                      <p:childTnLst>
-                        <p:par>
-                          <p:cTn id="17" fill="hold">
-                            <p:stCondLst>
-                              <p:cond delay="0"/>
-                            </p:stCondLst>
-                            <p:childTnLst>
-                              <p:par>
-                                <p:cTn id="18" presetID="10" presetClass="entr" presetSubtype="0" fill="hold" grpId="0" nodeType="clickEffect">
-                                  <p:stCondLst>
-                                    <p:cond delay="0"/>
-                                  </p:stCondLst>
-                                  <p:childTnLst>
-                                    <p:set>
-                                      <p:cBhvr>
-                                        <p:cTn id="19" dur="1" fill="hold">
-                                          <p:stCondLst>
-                                            <p:cond delay="0"/>
-                                          </p:stCondLst>
-                                        </p:cTn>
-                                        <p:tgtEl>
-                                          <p:spTgt spid="12"/>
-                                        </p:tgtEl>
-                                        <p:attrNameLst>
-                                          <p:attrName>style.visibility</p:attrName>
-                                        </p:attrNameLst>
-                                      </p:cBhvr>
-                                      <p:to>
-                                        <p:strVal val="visible"/>
-                                      </p:to>
-                                    </p:set>
-                                    <p:animEffect transition="in" filter="fade">
-                                      <p:cBhvr>
-                                        <p:cTn id="20" dur="500"/>
-                                        <p:tgtEl>
-                                          <p:spTgt spid="12"/>
-                                        </p:tgtEl>
-                                      </p:cBhvr>
-                                    </p:animEffect>
-                                  </p:childTnLst>
-                                </p:cTn>
-                              </p:par>
-                              <p:par>
-                                <p:cTn id="21" presetID="10" presetClass="entr" presetSubtype="0" fill="hold" grpId="0" nodeType="withEffect">
-                                  <p:stCondLst>
-                                    <p:cond delay="0"/>
-                                  </p:stCondLst>
-                                  <p:childTnLst>
-                                    <p:set>
-                                      <p:cBhvr>
-                                        <p:cTn id="22" dur="1" fill="hold">
-                                          <p:stCondLst>
-                                            <p:cond delay="0"/>
-                                          </p:stCondLst>
-                                        </p:cTn>
-                                        <p:tgtEl>
-                                          <p:spTgt spid="6"/>
-                                        </p:tgtEl>
-                                        <p:attrNameLst>
-                                          <p:attrName>style.visibility</p:attrName>
-                                        </p:attrNameLst>
-                                      </p:cBhvr>
-                                      <p:to>
-                                        <p:strVal val="visible"/>
-                                      </p:to>
-                                    </p:set>
-                                    <p:animEffect transition="in" filter="fade">
-                                      <p:cBhvr>
-                                        <p:cTn id="23" dur="500"/>
-                                        <p:tgtEl>
-                                          <p:spTgt spid="6"/>
-                                        </p:tgtEl>
-                                      </p:cBhvr>
-                                    </p:animEffect>
-                                  </p:childTnLst>
-                                </p:cTn>
-                              </p:par>
-                            </p:childTnLst>
-                          </p:cTn>
-                        </p:par>
-                      </p:childTnLst>
-                    </p:cTn>
-                  </p:par>
-                </p:childTnLst>
-              </p:cTn>
-              <p:prevCondLst>
-                <p:cond evt="onPrev" delay="0">
-                  <p:tgtEl>
-                    <p:sldTgt/>
-                  </p:tgtEl>
-                </p:cond>
-              </p:prevCondLst>
-              <p:nextCondLst>
-                <p:cond evt="onNext" delay="0">
-                  <p:tgtEl>
-                    <p:sldTgt/>
-                  </p:tgtEl>
-                </p:cond>
-              </p:nextCondLst>
-            </p:seq>
-          </p:childTnLst>
-        </p:cTn>
-      </p:par>
-    </p:tnLst>
-    <p:bldLst>
-      <p:bldP spid="10" grpId="0"/>
-      <p:bldP spid="12" grpId="0" animBg="1"/>
-      <p:bldP spid="5" grpId="0"/>
-      <p:bldP spid="6" grpId="0"/>
-    </p:bldLst>
-  </p:timing>
 </p:sld>
 </file>
 
-<file path=ppt/slides/slide11.xml><?xml version="1.0" encoding="utf-8"?>
+<file path=ppt/slides/slide10.xml><?xml version="1.0" encoding="utf-8"?>
 <p:sld xmlns:a="http://schemas.openxmlformats.org/drawingml/2006/main" xmlns:r="http://schemas.openxmlformats.org/officeDocument/2006/relationships" xmlns:p="http://schemas.openxmlformats.org/presentationml/2006/main">
   <p:cSld>
     <p:bg>
@@ -5856,7 +5527,7 @@
 </p:sld>
 </file>
 
-<file path=ppt/slides/slide12.xml><?xml version="1.0" encoding="utf-8"?>
+<file path=ppt/slides/slide11.xml><?xml version="1.0" encoding="utf-8"?>
 <p:sld xmlns:a="http://schemas.openxmlformats.org/drawingml/2006/main" xmlns:r="http://schemas.openxmlformats.org/officeDocument/2006/relationships" xmlns:p="http://schemas.openxmlformats.org/presentationml/2006/main">
   <p:cSld>
     <p:bg>
@@ -6830,7 +6501,7 @@
 </p:sld>
 </file>
 
-<file path=ppt/slides/slide13.xml><?xml version="1.0" encoding="utf-8"?>
+<file path=ppt/slides/slide12.xml><?xml version="1.0" encoding="utf-8"?>
 <p:sld xmlns:a="http://schemas.openxmlformats.org/drawingml/2006/main" xmlns:r="http://schemas.openxmlformats.org/officeDocument/2006/relationships" xmlns:p="http://schemas.openxmlformats.org/presentationml/2006/main">
   <p:cSld>
     <p:bg>
@@ -7576,7 +7247,7 @@
         </p:blipFill>
         <p:spPr>
           <a:xfrm>
-            <a:off x="6662428" y="1487286"/>
+            <a:off x="6490818" y="3371284"/>
             <a:ext cx="5014176" cy="3157074"/>
           </a:xfrm>
           <a:prstGeom prst="rect">
@@ -7634,7 +7305,7 @@
         </p:nvSpPr>
         <p:spPr>
           <a:xfrm>
-            <a:off x="7301183" y="4792771"/>
+            <a:off x="7404890" y="1537574"/>
             <a:ext cx="1754480" cy="1693072"/>
           </a:xfrm>
           <a:prstGeom prst="roundRect">
@@ -7701,7 +7372,7 @@
         </p:nvSpPr>
         <p:spPr>
           <a:xfrm>
-            <a:off x="9473949" y="4799605"/>
+            <a:off x="9448782" y="1511305"/>
             <a:ext cx="1754480" cy="1693072"/>
           </a:xfrm>
           <a:prstGeom prst="roundRect">
@@ -7767,7 +7438,7 @@
 </p:sld>
 </file>
 
-<file path=ppt/slides/slide14.xml><?xml version="1.0" encoding="utf-8"?>
+<file path=ppt/slides/slide13.xml><?xml version="1.0" encoding="utf-8"?>
 <p:sld xmlns:a="http://schemas.openxmlformats.org/drawingml/2006/main" xmlns:r="http://schemas.openxmlformats.org/officeDocument/2006/relationships" xmlns:p="http://schemas.openxmlformats.org/presentationml/2006/main">
   <p:cSld>
     <p:bg>
@@ -8481,7 +8152,7 @@
                   <a:schemeClr val="bg1"/>
                 </a:solidFill>
               </a:rPr>
-              <a:t>Distribution skews heavily towards black offenders</a:t>
+              <a:t>Black defendants are labeled “Career Offenders” 2x as often as white defendants and 11.6x as often as Hispanic defendants</a:t>
             </a:r>
           </a:p>
         </p:txBody>
@@ -8501,7 +8172,7 @@
           <p:nvPr/>
         </p:nvPicPr>
         <p:blipFill>
-          <a:blip r:embed="rId2">
+          <a:blip r:embed="rId3">
             <a:extLst>
               <a:ext uri="{28A0092B-C50C-407E-A947-70E740481C1C}">
                 <a14:useLocalDpi xmlns:a14="http://schemas.microsoft.com/office/drawing/2010/main" val="0"/>
@@ -8513,8 +8184,8 @@
         </p:blipFill>
         <p:spPr>
           <a:xfrm>
-            <a:off x="6664509" y="1487286"/>
-            <a:ext cx="5010013" cy="3157073"/>
+            <a:off x="6492899" y="3371284"/>
+            <a:ext cx="5010014" cy="3157074"/>
           </a:xfrm>
           <a:prstGeom prst="rect">
             <a:avLst/>
@@ -8571,7 +8242,7 @@
         </p:nvSpPr>
         <p:spPr>
           <a:xfrm>
-            <a:off x="7301183" y="4792771"/>
+            <a:off x="7404890" y="1537574"/>
             <a:ext cx="1754480" cy="1693072"/>
           </a:xfrm>
           <a:prstGeom prst="roundRect">
@@ -8638,7 +8309,7 @@
         </p:nvSpPr>
         <p:spPr>
           <a:xfrm>
-            <a:off x="9473949" y="4799605"/>
+            <a:off x="9448782" y="1511305"/>
             <a:ext cx="1754480" cy="1693072"/>
           </a:xfrm>
           <a:prstGeom prst="roundRect">
@@ -8694,7 +8365,7 @@
     </p:spTree>
     <p:extLst>
       <p:ext uri="{BB962C8B-B14F-4D97-AF65-F5344CB8AC3E}">
-        <p14:creationId xmlns:p14="http://schemas.microsoft.com/office/powerpoint/2010/main" val="3715800747"/>
+        <p14:creationId xmlns:p14="http://schemas.microsoft.com/office/powerpoint/2010/main" val="2510316846"/>
       </p:ext>
     </p:extLst>
   </p:cSld>
@@ -8704,7 +8375,7 @@
 </p:sld>
 </file>
 
-<file path=ppt/slides/slide15.xml><?xml version="1.0" encoding="utf-8"?>
+<file path=ppt/slides/slide14.xml><?xml version="1.0" encoding="utf-8"?>
 <p:sld xmlns:a="http://schemas.openxmlformats.org/drawingml/2006/main" xmlns:r="http://schemas.openxmlformats.org/officeDocument/2006/relationships" xmlns:p="http://schemas.openxmlformats.org/presentationml/2006/main">
   <p:cSld>
     <p:bg>
@@ -9418,8 +9089,16 @@
                   <a:schemeClr val="bg1"/>
                 </a:solidFill>
               </a:rPr>
-              <a:t>Distribution skews even further toward black offenders</a:t>
-            </a:r>
+              <a:t>Black defendants are labeled “Armed Career Offenders” 2.7x as often as white defendants and 8.5x as often as Hispanic defendants</a:t>
+            </a:r>
+          </a:p>
+          <a:p>
+            <a:pPr marL="285750" indent="-285750"/>
+            <a:endParaRPr lang="en-US" sz="2000" dirty="0">
+              <a:solidFill>
+                <a:schemeClr val="bg1"/>
+              </a:solidFill>
+            </a:endParaRPr>
           </a:p>
         </p:txBody>
       </p:sp>
@@ -9438,7 +9117,7 @@
           <p:nvPr/>
         </p:nvPicPr>
         <p:blipFill>
-          <a:blip r:embed="rId2">
+          <a:blip r:embed="rId3">
             <a:extLst>
               <a:ext uri="{28A0092B-C50C-407E-A947-70E740481C1C}">
                 <a14:useLocalDpi xmlns:a14="http://schemas.microsoft.com/office/drawing/2010/main" val="0"/>
@@ -9450,8 +9129,8 @@
         </p:blipFill>
         <p:spPr>
           <a:xfrm>
-            <a:off x="6664509" y="1487286"/>
-            <a:ext cx="5010013" cy="3157073"/>
+            <a:off x="6492899" y="3371284"/>
+            <a:ext cx="5010014" cy="3157073"/>
           </a:xfrm>
           <a:prstGeom prst="rect">
             <a:avLst/>
@@ -9472,8 +9151,8 @@
         </p:nvSpPr>
         <p:spPr>
           <a:xfrm>
-            <a:off x="6577421" y="882733"/>
-            <a:ext cx="5117754" cy="461665"/>
+            <a:off x="6617127" y="882733"/>
+            <a:ext cx="5010013" cy="461665"/>
           </a:xfrm>
           <a:prstGeom prst="rect">
             <a:avLst/>
@@ -9508,7 +9187,7 @@
         </p:nvSpPr>
         <p:spPr>
           <a:xfrm>
-            <a:off x="7301183" y="4792771"/>
+            <a:off x="7404890" y="1537574"/>
             <a:ext cx="1754480" cy="1693072"/>
           </a:xfrm>
           <a:prstGeom prst="roundRect">
@@ -9575,7 +9254,7 @@
         </p:nvSpPr>
         <p:spPr>
           <a:xfrm>
-            <a:off x="9473949" y="4799605"/>
+            <a:off x="9448782" y="1511305"/>
             <a:ext cx="1754480" cy="1693072"/>
           </a:xfrm>
           <a:prstGeom prst="roundRect">
@@ -9631,7 +9310,7 @@
     </p:spTree>
     <p:extLst>
       <p:ext uri="{BB962C8B-B14F-4D97-AF65-F5344CB8AC3E}">
-        <p14:creationId xmlns:p14="http://schemas.microsoft.com/office/powerpoint/2010/main" val="2303565138"/>
+        <p14:creationId xmlns:p14="http://schemas.microsoft.com/office/powerpoint/2010/main" val="3940825338"/>
       </p:ext>
     </p:extLst>
   </p:cSld>
@@ -9641,7 +9320,7 @@
 </p:sld>
 </file>
 
-<file path=ppt/slides/slide16.xml><?xml version="1.0" encoding="utf-8"?>
+<file path=ppt/slides/slide15.xml><?xml version="1.0" encoding="utf-8"?>
 <p:sld xmlns:a="http://schemas.openxmlformats.org/drawingml/2006/main" xmlns:r="http://schemas.openxmlformats.org/officeDocument/2006/relationships" xmlns:p="http://schemas.openxmlformats.org/presentationml/2006/main">
   <p:cSld>
     <p:bg>
@@ -10339,12 +10018,12 @@
         <p:spPr>
           <a:xfrm>
             <a:off x="767290" y="3428999"/>
-            <a:ext cx="3760322" cy="2741213"/>
+            <a:ext cx="4390636" cy="2537095"/>
           </a:xfrm>
         </p:spPr>
         <p:txBody>
           <a:bodyPr vert="horz" lIns="91440" tIns="45720" rIns="91440" bIns="45720" rtlCol="0" anchor="t">
-            <a:normAutofit/>
+            <a:noAutofit/>
           </a:bodyPr>
           <a:lstStyle/>
           <a:p>
@@ -10355,18 +10034,7 @@
                   <a:schemeClr val="bg1"/>
                 </a:solidFill>
               </a:rPr>
-              <a:t>Disproportionately applied to white and Hispanic offenders</a:t>
-            </a:r>
-          </a:p>
-          <a:p>
-            <a:pPr marL="285750" indent="-285750"/>
-            <a:r>
-              <a:rPr lang="en-US" sz="2000" dirty="0">
-                <a:solidFill>
-                  <a:schemeClr val="bg1"/>
-                </a:solidFill>
-              </a:rPr>
-              <a:t>Note: Safety valve offenders have an average of 2025x the drugs of non-safety valve offenders</a:t>
+              <a:t>Black defendants receive the safety valve measure 40% less than white defendants and 70% less than Hispanic defendants</a:t>
             </a:r>
           </a:p>
         </p:txBody>
@@ -10386,7 +10054,7 @@
           <p:nvPr/>
         </p:nvPicPr>
         <p:blipFill>
-          <a:blip r:embed="rId2">
+          <a:blip r:embed="rId3">
             <a:extLst>
               <a:ext uri="{28A0092B-C50C-407E-A947-70E740481C1C}">
                 <a14:useLocalDpi xmlns:a14="http://schemas.microsoft.com/office/drawing/2010/main" val="0"/>
@@ -10398,8 +10066,8 @@
         </p:blipFill>
         <p:spPr>
           <a:xfrm>
-            <a:off x="6664510" y="1487286"/>
-            <a:ext cx="5010011" cy="3157072"/>
+            <a:off x="6492899" y="3371284"/>
+            <a:ext cx="5010013" cy="3157073"/>
           </a:xfrm>
           <a:prstGeom prst="rect">
             <a:avLst/>
@@ -10420,8 +10088,8 @@
         </p:nvSpPr>
         <p:spPr>
           <a:xfrm>
-            <a:off x="6577421" y="882733"/>
-            <a:ext cx="5117754" cy="461665"/>
+            <a:off x="6617127" y="882733"/>
+            <a:ext cx="5010013" cy="461665"/>
           </a:xfrm>
           <a:prstGeom prst="rect">
             <a:avLst/>
@@ -10437,7 +10105,7 @@
             <a:pPr algn="ctr"/>
             <a:r>
               <a:rPr lang="en-US" sz="2400" dirty="0"/>
-              <a:t>Safety Valve Measure Applied</a:t>
+              <a:t>Safety Valve Applied</a:t>
             </a:r>
           </a:p>
         </p:txBody>
@@ -10456,7 +10124,7 @@
         </p:nvSpPr>
         <p:spPr>
           <a:xfrm>
-            <a:off x="7301183" y="4792771"/>
+            <a:off x="7404890" y="1537574"/>
             <a:ext cx="1754480" cy="1693072"/>
           </a:xfrm>
           <a:prstGeom prst="roundRect">
@@ -10496,16 +10164,16 @@
             <a:pPr algn="ctr"/>
             <a:r>
               <a:rPr lang="en-US" sz="6600" dirty="0"/>
-              <a:t>19%</a:t>
+              <a:t>18%</a:t>
             </a:r>
           </a:p>
           <a:p>
             <a:pPr algn="ctr"/>
             <a:r>
-              <a:rPr lang="en-US" sz="1300" dirty="0"/>
+              <a:rPr lang="en-US" sz="1400" dirty="0"/>
               <a:t>of drug cases</a:t>
             </a:r>
-            <a:endParaRPr lang="en-US" sz="1700" dirty="0"/>
+            <a:endParaRPr lang="en-US" dirty="0"/>
           </a:p>
         </p:txBody>
       </p:sp>
@@ -10523,7 +10191,7 @@
         </p:nvSpPr>
         <p:spPr>
           <a:xfrm>
-            <a:off x="9473949" y="4799605"/>
+            <a:off x="9448782" y="1511305"/>
             <a:ext cx="1754480" cy="1693072"/>
           </a:xfrm>
           <a:prstGeom prst="roundRect">
@@ -10583,7 +10251,7 @@
     </p:spTree>
     <p:extLst>
       <p:ext uri="{BB962C8B-B14F-4D97-AF65-F5344CB8AC3E}">
-        <p14:creationId xmlns:p14="http://schemas.microsoft.com/office/powerpoint/2010/main" val="1885620330"/>
+        <p14:creationId xmlns:p14="http://schemas.microsoft.com/office/powerpoint/2010/main" val="2110422354"/>
       </p:ext>
     </p:extLst>
   </p:cSld>
@@ -10593,7 +10261,7 @@
 </p:sld>
 </file>
 
-<file path=ppt/slides/slide17.xml><?xml version="1.0" encoding="utf-8"?>
+<file path=ppt/slides/slide16.xml><?xml version="1.0" encoding="utf-8"?>
 <p:sld xmlns:a="http://schemas.openxmlformats.org/drawingml/2006/main" xmlns:r="http://schemas.openxmlformats.org/officeDocument/2006/relationships" xmlns:p="http://schemas.openxmlformats.org/presentationml/2006/main">
   <p:cSld>
     <p:bg>
@@ -11064,7 +10732,7 @@
 </p:sld>
 </file>
 
-<file path=ppt/slides/slide18.xml><?xml version="1.0" encoding="utf-8"?>
+<file path=ppt/slides/slide17.xml><?xml version="1.0" encoding="utf-8"?>
 <p:sld xmlns:a="http://schemas.openxmlformats.org/drawingml/2006/main" xmlns:r="http://schemas.openxmlformats.org/officeDocument/2006/relationships" xmlns:p="http://schemas.openxmlformats.org/presentationml/2006/main">
   <p:cSld>
     <p:bg>
@@ -11437,7 +11105,7 @@
 </p:sld>
 </file>
 
-<file path=ppt/slides/slide19.xml><?xml version="1.0" encoding="utf-8"?>
+<file path=ppt/slides/slide18.xml><?xml version="1.0" encoding="utf-8"?>
 <p:sld xmlns:a="http://schemas.openxmlformats.org/drawingml/2006/main" xmlns:r="http://schemas.openxmlformats.org/officeDocument/2006/relationships" xmlns:p="http://schemas.openxmlformats.org/presentationml/2006/main">
   <p:cSld>
     <p:bg>
@@ -11600,7 +11268,7 @@
             </a:pPr>
             <a:r>
               <a:rPr lang="en-US" sz="2400" dirty="0"/>
-              <a:t>Black and Hispanic offenders are over 3x more likely to be incarcerated than white offenders</a:t>
+              <a:t>Black and Hispanic defendants are over 3.5x more likely to be incarcerated than white defendants</a:t>
             </a:r>
           </a:p>
           <a:p>
@@ -11616,7 +11284,7 @@
             </a:pPr>
             <a:r>
               <a:rPr lang="en-US" sz="2400" dirty="0"/>
-              <a:t>The most severe sentence enhancements are applied disproportionately to black offenders, while mitigating measures are applied disproportionately to white offenders</a:t>
+              <a:t>The most severe sentence enhancements are applied disproportionately to black defendants, while mitigating measures are applied disproportionately to white defendants</a:t>
             </a:r>
           </a:p>
           <a:p>
@@ -11632,7 +11300,7 @@
             </a:pPr>
             <a:r>
               <a:rPr lang="en-US" sz="2400" dirty="0"/>
-              <a:t>There is a strong incentive for offenders (regardless of race) to plead out rather than pursue their constitution right to a trial by jury</a:t>
+              <a:t>There is a strong incentive for defendants (regardless of race) to plead out rather than pursue their constitutional right to a trial by jury</a:t>
             </a:r>
           </a:p>
         </p:txBody>
@@ -12419,7 +12087,7 @@
       </p:grpSpPr>
       <p:sp useBgFill="1">
         <p:nvSpPr>
-          <p:cNvPr id="11" name="Rectangle 10">
+          <p:cNvPr id="18" name="Rectangle 17">
             <a:extLst>
               <a:ext uri="{FF2B5EF4-FFF2-40B4-BE49-F238E27FC236}">
                 <a16:creationId xmlns:a16="http://schemas.microsoft.com/office/drawing/2014/main" id="{91F32EBA-ED97-466E-8CFA-8382584155D0}"/>
@@ -12495,18 +12163,18 @@
         </p:nvSpPr>
         <p:spPr>
           <a:xfrm>
-            <a:off x="965199" y="851517"/>
-            <a:ext cx="5130795" cy="1461778"/>
+            <a:off x="854117" y="822960"/>
+            <a:ext cx="5595923" cy="795771"/>
           </a:xfrm>
         </p:spPr>
         <p:txBody>
-          <a:bodyPr vert="horz" lIns="91440" tIns="45720" rIns="91440" bIns="45720" rtlCol="0" anchor="ctr">
+          <a:bodyPr vert="horz" lIns="91440" tIns="45720" rIns="91440" bIns="45720" rtlCol="0" anchor="b">
             <a:normAutofit/>
           </a:bodyPr>
           <a:lstStyle/>
           <a:p>
             <a:r>
-              <a:rPr lang="en-US" sz="4000" kern="1200">
+              <a:rPr lang="en-US" kern="1200" dirty="0">
                 <a:solidFill>
                   <a:schemeClr val="tx1"/>
                 </a:solidFill>
@@ -12521,69 +12189,10 @@
       </p:sp>
       <p:sp>
         <p:nvSpPr>
-          <p:cNvPr id="3" name="Content Placeholder 2">
+          <p:cNvPr id="20" name="Freeform 5">
             <a:extLst>
               <a:ext uri="{FF2B5EF4-FFF2-40B4-BE49-F238E27FC236}">
-                <a16:creationId xmlns:a16="http://schemas.microsoft.com/office/drawing/2014/main" id="{606A0FD7-B64A-497D-A54A-67D403C5C515}"/>
-              </a:ext>
-            </a:extLst>
-          </p:cNvPr>
-          <p:cNvSpPr>
-            <a:spLocks noGrp="1"/>
-          </p:cNvSpPr>
-          <p:nvPr>
-            <p:ph sz="half" idx="1"/>
-          </p:nvPr>
-        </p:nvSpPr>
-        <p:spPr>
-          <a:xfrm>
-            <a:off x="965200" y="2470248"/>
-            <a:ext cx="5130794" cy="3983818"/>
-          </a:xfrm>
-        </p:spPr>
-        <p:txBody>
-          <a:bodyPr vert="horz" lIns="91440" tIns="45720" rIns="91440" bIns="45720" rtlCol="0">
-            <a:normAutofit/>
-          </a:bodyPr>
-          <a:lstStyle/>
-          <a:p>
-            <a:pPr marL="457200" indent="-457200">
-              <a:buFont typeface="+mj-lt"/>
-              <a:buAutoNum type="arabicPeriod"/>
-            </a:pPr>
-            <a:r>
-              <a:rPr lang="en-US" sz="2200" dirty="0"/>
-              <a:t>Are there racial disparities between the sentencing population and the general population in Tennessee?</a:t>
-            </a:r>
-          </a:p>
-          <a:p>
-            <a:pPr marL="457200" indent="-457200">
-              <a:buFont typeface="+mj-lt"/>
-              <a:buAutoNum type="arabicPeriod"/>
-            </a:pPr>
-            <a:r>
-              <a:rPr lang="en-US" sz="2200" dirty="0"/>
-              <a:t>Are people of color receiving longer sentences on average?</a:t>
-            </a:r>
-          </a:p>
-          <a:p>
-            <a:pPr marL="457200" indent="-457200">
-              <a:buFont typeface="+mj-lt"/>
-              <a:buAutoNum type="arabicPeriod"/>
-            </a:pPr>
-            <a:r>
-              <a:rPr lang="en-US" sz="2200" dirty="0"/>
-              <a:t>Are there disparities in the application of sentence enhancements and sentence mitigation measures?</a:t>
-            </a:r>
-          </a:p>
-        </p:txBody>
-      </p:sp>
-      <p:sp>
-        <p:nvSpPr>
-          <p:cNvPr id="13" name="Freeform: Shape 12">
-            <a:extLst>
-              <a:ext uri="{FF2B5EF4-FFF2-40B4-BE49-F238E27FC236}">
-                <a16:creationId xmlns:a16="http://schemas.microsoft.com/office/drawing/2014/main" id="{62A38935-BB53-4DF7-A56E-48DD25B685D7}"/>
+                <a16:creationId xmlns:a16="http://schemas.microsoft.com/office/drawing/2014/main" id="{4300F7B2-2FBB-4B65-B588-6331766027CB}"/>
               </a:ext>
               <a:ext uri="{C183D7F6-B498-43B3-948B-1728B52AA6E4}">
                 <adec:decorative xmlns:adec="http://schemas.microsoft.com/office/drawing/2017/decorative" val="1"/>
@@ -12601,760 +12210,612 @@
             </p:extLst>
           </p:nvPr>
         </p:nvSpPr>
-        <p:spPr>
+        <p:spPr bwMode="auto">
           <a:xfrm>
-            <a:off x="5510370" y="851518"/>
-            <a:ext cx="6184806" cy="5154967"/>
+            <a:off x="7125375" y="1311536"/>
+            <a:ext cx="675351" cy="595380"/>
           </a:xfrm>
           <a:custGeom>
             <a:avLst/>
             <a:gdLst>
-              <a:gd name="connsiteX0" fmla="*/ 363179 w 6184806"/>
-              <a:gd name="connsiteY0" fmla="*/ 3125191 h 5154967"/>
-              <a:gd name="connsiteX1" fmla="*/ 898270 w 6184806"/>
-              <a:gd name="connsiteY1" fmla="*/ 3125191 h 5154967"/>
-              <a:gd name="connsiteX2" fmla="*/ 980326 w 6184806"/>
-              <a:gd name="connsiteY2" fmla="*/ 3173551 h 5154967"/>
-              <a:gd name="connsiteX3" fmla="*/ 1248448 w 6184806"/>
-              <a:gd name="connsiteY3" fmla="*/ 3635277 h 5154967"/>
-              <a:gd name="connsiteX4" fmla="*/ 1248448 w 6184806"/>
-              <a:gd name="connsiteY4" fmla="*/ 3729695 h 5154967"/>
-              <a:gd name="connsiteX5" fmla="*/ 980326 w 6184806"/>
-              <a:gd name="connsiteY5" fmla="*/ 4191421 h 5154967"/>
-              <a:gd name="connsiteX6" fmla="*/ 898270 w 6184806"/>
-              <a:gd name="connsiteY6" fmla="*/ 4239781 h 5154967"/>
-              <a:gd name="connsiteX7" fmla="*/ 363179 w 6184806"/>
-              <a:gd name="connsiteY7" fmla="*/ 4239781 h 5154967"/>
-              <a:gd name="connsiteX8" fmla="*/ 279969 w 6184806"/>
-              <a:gd name="connsiteY8" fmla="*/ 4191421 h 5154967"/>
-              <a:gd name="connsiteX9" fmla="*/ 13002 w 6184806"/>
-              <a:gd name="connsiteY9" fmla="*/ 3729695 h 5154967"/>
-              <a:gd name="connsiteX10" fmla="*/ 13002 w 6184806"/>
-              <a:gd name="connsiteY10" fmla="*/ 3635277 h 5154967"/>
-              <a:gd name="connsiteX11" fmla="*/ 279969 w 6184806"/>
-              <a:gd name="connsiteY11" fmla="*/ 3173551 h 5154967"/>
-              <a:gd name="connsiteX12" fmla="*/ 363179 w 6184806"/>
-              <a:gd name="connsiteY12" fmla="*/ 3125191 h 5154967"/>
-              <a:gd name="connsiteX13" fmla="*/ 2489721 w 6184806"/>
-              <a:gd name="connsiteY13" fmla="*/ 570035 h 5154967"/>
-              <a:gd name="connsiteX14" fmla="*/ 2764862 w 6184806"/>
-              <a:gd name="connsiteY14" fmla="*/ 570035 h 5154967"/>
-              <a:gd name="connsiteX15" fmla="*/ 2796959 w 6184806"/>
-              <a:gd name="connsiteY15" fmla="*/ 570035 h 5154967"/>
-              <a:gd name="connsiteX16" fmla="*/ 2827587 w 6184806"/>
-              <a:gd name="connsiteY16" fmla="*/ 622777 h 5154967"/>
-              <a:gd name="connsiteX17" fmla="*/ 2977604 w 6184806"/>
-              <a:gd name="connsiteY17" fmla="*/ 881117 h 5154967"/>
-              <a:gd name="connsiteX18" fmla="*/ 2977604 w 6184806"/>
-              <a:gd name="connsiteY18" fmla="*/ 1025720 h 5154967"/>
-              <a:gd name="connsiteX19" fmla="*/ 2566968 w 6184806"/>
-              <a:gd name="connsiteY19" fmla="*/ 1732863 h 5154967"/>
-              <a:gd name="connsiteX20" fmla="*/ 2441299 w 6184806"/>
-              <a:gd name="connsiteY20" fmla="*/ 1806927 h 5154967"/>
-              <a:gd name="connsiteX21" fmla="*/ 1621798 w 6184806"/>
-              <a:gd name="connsiteY21" fmla="*/ 1806927 h 5154967"/>
-              <a:gd name="connsiteX22" fmla="*/ 1583218 w 6184806"/>
-              <a:gd name="connsiteY22" fmla="*/ 1801802 h 5154967"/>
-              <a:gd name="connsiteX23" fmla="*/ 1556683 w 6184806"/>
-              <a:gd name="connsiteY23" fmla="*/ 1790677 h 5154967"/>
-              <a:gd name="connsiteX24" fmla="*/ 1572899 w 6184806"/>
-              <a:gd name="connsiteY24" fmla="*/ 1762631 h 5154967"/>
-              <a:gd name="connsiteX25" fmla="*/ 2147429 w 6184806"/>
-              <a:gd name="connsiteY25" fmla="*/ 768968 h 5154967"/>
-              <a:gd name="connsiteX26" fmla="*/ 2489721 w 6184806"/>
-              <a:gd name="connsiteY26" fmla="*/ 570035 h 5154967"/>
-              <a:gd name="connsiteX27" fmla="*/ 1573268 w 6184806"/>
-              <a:gd name="connsiteY27" fmla="*/ 0 h 5154967"/>
-              <a:gd name="connsiteX28" fmla="*/ 2497662 w 6184806"/>
-              <a:gd name="connsiteY28" fmla="*/ 0 h 5154967"/>
-              <a:gd name="connsiteX29" fmla="*/ 2639415 w 6184806"/>
-              <a:gd name="connsiteY29" fmla="*/ 83546 h 5154967"/>
-              <a:gd name="connsiteX30" fmla="*/ 2887862 w 6184806"/>
-              <a:gd name="connsiteY30" fmla="*/ 511387 h 5154967"/>
-              <a:gd name="connsiteX31" fmla="*/ 2915928 w 6184806"/>
-              <a:gd name="connsiteY31" fmla="*/ 559720 h 5154967"/>
-              <a:gd name="connsiteX32" fmla="*/ 2893844 w 6184806"/>
-              <a:gd name="connsiteY32" fmla="*/ 559720 h 5154967"/>
-              <a:gd name="connsiteX33" fmla="*/ 2789466 w 6184806"/>
-              <a:gd name="connsiteY33" fmla="*/ 559720 h 5154967"/>
-              <a:gd name="connsiteX34" fmla="*/ 2744122 w 6184806"/>
-              <a:gd name="connsiteY34" fmla="*/ 481634 h 5154967"/>
-              <a:gd name="connsiteX35" fmla="*/ 2570885 w 6184806"/>
-              <a:gd name="connsiteY35" fmla="*/ 183309 h 5154967"/>
-              <a:gd name="connsiteX36" fmla="*/ 2445216 w 6184806"/>
-              <a:gd name="connsiteY36" fmla="*/ 109244 h 5154967"/>
-              <a:gd name="connsiteX37" fmla="*/ 1625714 w 6184806"/>
-              <a:gd name="connsiteY37" fmla="*/ 109244 h 5154967"/>
-              <a:gd name="connsiteX38" fmla="*/ 1498276 w 6184806"/>
-              <a:gd name="connsiteY38" fmla="*/ 183309 h 5154967"/>
-              <a:gd name="connsiteX39" fmla="*/ 1089410 w 6184806"/>
-              <a:gd name="connsiteY39" fmla="*/ 890450 h 5154967"/>
-              <a:gd name="connsiteX40" fmla="*/ 1089410 w 6184806"/>
-              <a:gd name="connsiteY40" fmla="*/ 1035054 h 5154967"/>
-              <a:gd name="connsiteX41" fmla="*/ 1498276 w 6184806"/>
-              <a:gd name="connsiteY41" fmla="*/ 1742196 h 5154967"/>
-              <a:gd name="connsiteX42" fmla="*/ 1552039 w 6184806"/>
-              <a:gd name="connsiteY42" fmla="*/ 1796421 h 5154967"/>
-              <a:gd name="connsiteX43" fmla="*/ 1558260 w 6184806"/>
-              <a:gd name="connsiteY43" fmla="*/ 1799029 h 5154967"/>
-              <a:gd name="connsiteX44" fmla="*/ 1524911 w 6184806"/>
-              <a:gd name="connsiteY44" fmla="*/ 1856707 h 5154967"/>
-              <a:gd name="connsiteX45" fmla="*/ 1500108 w 6184806"/>
-              <a:gd name="connsiteY45" fmla="*/ 1899604 h 5154967"/>
-              <a:gd name="connsiteX46" fmla="*/ 1525834 w 6184806"/>
-              <a:gd name="connsiteY46" fmla="*/ 1910390 h 5154967"/>
-              <a:gd name="connsiteX47" fmla="*/ 1569352 w 6184806"/>
-              <a:gd name="connsiteY47" fmla="*/ 1916170 h 5154967"/>
-              <a:gd name="connsiteX48" fmla="*/ 2493745 w 6184806"/>
-              <a:gd name="connsiteY48" fmla="*/ 1916170 h 5154967"/>
-              <a:gd name="connsiteX49" fmla="*/ 2635498 w 6184806"/>
-              <a:gd name="connsiteY49" fmla="*/ 1832627 h 5154967"/>
-              <a:gd name="connsiteX50" fmla="*/ 3098693 w 6184806"/>
-              <a:gd name="connsiteY50" fmla="*/ 1034974 h 5154967"/>
-              <a:gd name="connsiteX51" fmla="*/ 3098693 w 6184806"/>
-              <a:gd name="connsiteY51" fmla="*/ 871863 h 5154967"/>
-              <a:gd name="connsiteX52" fmla="*/ 2945803 w 6184806"/>
-              <a:gd name="connsiteY52" fmla="*/ 608576 h 5154967"/>
-              <a:gd name="connsiteX53" fmla="*/ 2923422 w 6184806"/>
-              <a:gd name="connsiteY53" fmla="*/ 570035 h 5154967"/>
-              <a:gd name="connsiteX54" fmla="*/ 3027104 w 6184806"/>
-              <a:gd name="connsiteY54" fmla="*/ 570035 h 5154967"/>
-              <a:gd name="connsiteX55" fmla="*/ 4690846 w 6184806"/>
-              <a:gd name="connsiteY55" fmla="*/ 570035 h 5154967"/>
-              <a:gd name="connsiteX56" fmla="*/ 5028384 w 6184806"/>
-              <a:gd name="connsiteY56" fmla="*/ 768968 h 5154967"/>
-              <a:gd name="connsiteX57" fmla="*/ 6131323 w 6184806"/>
-              <a:gd name="connsiteY57" fmla="*/ 2668304 h 5154967"/>
-              <a:gd name="connsiteX58" fmla="*/ 6131323 w 6184806"/>
-              <a:gd name="connsiteY58" fmla="*/ 3056698 h 5154967"/>
-              <a:gd name="connsiteX59" fmla="*/ 5028384 w 6184806"/>
-              <a:gd name="connsiteY59" fmla="*/ 4956035 h 5154967"/>
-              <a:gd name="connsiteX60" fmla="*/ 4690846 w 6184806"/>
-              <a:gd name="connsiteY60" fmla="*/ 5154967 h 5154967"/>
-              <a:gd name="connsiteX61" fmla="*/ 2489721 w 6184806"/>
-              <a:gd name="connsiteY61" fmla="*/ 5154967 h 5154967"/>
-              <a:gd name="connsiteX62" fmla="*/ 2147429 w 6184806"/>
-              <a:gd name="connsiteY62" fmla="*/ 4956035 h 5154967"/>
-              <a:gd name="connsiteX63" fmla="*/ 1049243 w 6184806"/>
-              <a:gd name="connsiteY63" fmla="*/ 3056698 h 5154967"/>
-              <a:gd name="connsiteX64" fmla="*/ 1049243 w 6184806"/>
-              <a:gd name="connsiteY64" fmla="*/ 2668304 h 5154967"/>
-              <a:gd name="connsiteX65" fmla="*/ 1457007 w 6184806"/>
-              <a:gd name="connsiteY65" fmla="*/ 1963067 h 5154967"/>
-              <a:gd name="connsiteX66" fmla="*/ 1491373 w 6184806"/>
-              <a:gd name="connsiteY66" fmla="*/ 1903634 h 5154967"/>
-              <a:gd name="connsiteX67" fmla="*/ 1490164 w 6184806"/>
-              <a:gd name="connsiteY67" fmla="*/ 1903127 h 5154967"/>
-              <a:gd name="connsiteX68" fmla="*/ 1429519 w 6184806"/>
-              <a:gd name="connsiteY68" fmla="*/ 1841960 h 5154967"/>
-              <a:gd name="connsiteX69" fmla="*/ 968320 w 6184806"/>
-              <a:gd name="connsiteY69" fmla="*/ 1044307 h 5154967"/>
-              <a:gd name="connsiteX70" fmla="*/ 968320 w 6184806"/>
-              <a:gd name="connsiteY70" fmla="*/ 881196 h 5154967"/>
-              <a:gd name="connsiteX71" fmla="*/ 1429519 w 6184806"/>
-              <a:gd name="connsiteY71" fmla="*/ 83546 h 5154967"/>
-              <a:gd name="connsiteX72" fmla="*/ 1573268 w 6184806"/>
-              <a:gd name="connsiteY72" fmla="*/ 0 h 5154967"/>
+              <a:gd name="T0" fmla="*/ 225 w 785"/>
+              <a:gd name="T1" fmla="*/ 692 h 692"/>
+              <a:gd name="T2" fmla="*/ 177 w 785"/>
+              <a:gd name="T3" fmla="*/ 665 h 692"/>
+              <a:gd name="T4" fmla="*/ 9 w 785"/>
+              <a:gd name="T5" fmla="*/ 374 h 692"/>
+              <a:gd name="T6" fmla="*/ 9 w 785"/>
+              <a:gd name="T7" fmla="*/ 318 h 692"/>
+              <a:gd name="T8" fmla="*/ 177 w 785"/>
+              <a:gd name="T9" fmla="*/ 27 h 692"/>
+              <a:gd name="T10" fmla="*/ 225 w 785"/>
+              <a:gd name="T11" fmla="*/ 0 h 692"/>
+              <a:gd name="T12" fmla="*/ 561 w 785"/>
+              <a:gd name="T13" fmla="*/ 0 h 692"/>
+              <a:gd name="T14" fmla="*/ 609 w 785"/>
+              <a:gd name="T15" fmla="*/ 27 h 692"/>
+              <a:gd name="T16" fmla="*/ 777 w 785"/>
+              <a:gd name="T17" fmla="*/ 318 h 692"/>
+              <a:gd name="T18" fmla="*/ 777 w 785"/>
+              <a:gd name="T19" fmla="*/ 374 h 692"/>
+              <a:gd name="T20" fmla="*/ 609 w 785"/>
+              <a:gd name="T21" fmla="*/ 665 h 692"/>
+              <a:gd name="T22" fmla="*/ 561 w 785"/>
+              <a:gd name="T23" fmla="*/ 692 h 692"/>
+              <a:gd name="T24" fmla="*/ 225 w 785"/>
+              <a:gd name="T25" fmla="*/ 692 h 692"/>
             </a:gdLst>
             <a:ahLst/>
             <a:cxnLst>
               <a:cxn ang="0">
-                <a:pos x="connsiteX0" y="connsiteY0"/>
-              </a:cxn>
-              <a:cxn ang="0">
-                <a:pos x="connsiteX1" y="connsiteY1"/>
-              </a:cxn>
-              <a:cxn ang="0">
-                <a:pos x="connsiteX2" y="connsiteY2"/>
-              </a:cxn>
-              <a:cxn ang="0">
-                <a:pos x="connsiteX3" y="connsiteY3"/>
-              </a:cxn>
-              <a:cxn ang="0">
-                <a:pos x="connsiteX4" y="connsiteY4"/>
-              </a:cxn>
-              <a:cxn ang="0">
-                <a:pos x="connsiteX5" y="connsiteY5"/>
-              </a:cxn>
-              <a:cxn ang="0">
-                <a:pos x="connsiteX6" y="connsiteY6"/>
-              </a:cxn>
-              <a:cxn ang="0">
-                <a:pos x="connsiteX7" y="connsiteY7"/>
-              </a:cxn>
-              <a:cxn ang="0">
-                <a:pos x="connsiteX8" y="connsiteY8"/>
-              </a:cxn>
-              <a:cxn ang="0">
-                <a:pos x="connsiteX9" y="connsiteY9"/>
-              </a:cxn>
-              <a:cxn ang="0">
-                <a:pos x="connsiteX10" y="connsiteY10"/>
-              </a:cxn>
-              <a:cxn ang="0">
-                <a:pos x="connsiteX11" y="connsiteY11"/>
-              </a:cxn>
-              <a:cxn ang="0">
-                <a:pos x="connsiteX12" y="connsiteY12"/>
-              </a:cxn>
-              <a:cxn ang="0">
-                <a:pos x="connsiteX13" y="connsiteY13"/>
-              </a:cxn>
-              <a:cxn ang="0">
-                <a:pos x="connsiteX14" y="connsiteY14"/>
-              </a:cxn>
-              <a:cxn ang="0">
-                <a:pos x="connsiteX15" y="connsiteY15"/>
-              </a:cxn>
-              <a:cxn ang="0">
-                <a:pos x="connsiteX16" y="connsiteY16"/>
-              </a:cxn>
-              <a:cxn ang="0">
-                <a:pos x="connsiteX17" y="connsiteY17"/>
-              </a:cxn>
-              <a:cxn ang="0">
-                <a:pos x="connsiteX18" y="connsiteY18"/>
-              </a:cxn>
-              <a:cxn ang="0">
-                <a:pos x="connsiteX19" y="connsiteY19"/>
-              </a:cxn>
-              <a:cxn ang="0">
-                <a:pos x="connsiteX20" y="connsiteY20"/>
-              </a:cxn>
-              <a:cxn ang="0">
-                <a:pos x="connsiteX21" y="connsiteY21"/>
-              </a:cxn>
-              <a:cxn ang="0">
-                <a:pos x="connsiteX22" y="connsiteY22"/>
-              </a:cxn>
-              <a:cxn ang="0">
-                <a:pos x="connsiteX23" y="connsiteY23"/>
-              </a:cxn>
-              <a:cxn ang="0">
-                <a:pos x="connsiteX24" y="connsiteY24"/>
-              </a:cxn>
-              <a:cxn ang="0">
-                <a:pos x="connsiteX25" y="connsiteY25"/>
-              </a:cxn>
-              <a:cxn ang="0">
-                <a:pos x="connsiteX26" y="connsiteY26"/>
-              </a:cxn>
-              <a:cxn ang="0">
-                <a:pos x="connsiteX27" y="connsiteY27"/>
-              </a:cxn>
-              <a:cxn ang="0">
-                <a:pos x="connsiteX28" y="connsiteY28"/>
-              </a:cxn>
-              <a:cxn ang="0">
-                <a:pos x="connsiteX29" y="connsiteY29"/>
-              </a:cxn>
-              <a:cxn ang="0">
-                <a:pos x="connsiteX30" y="connsiteY30"/>
-              </a:cxn>
-              <a:cxn ang="0">
-                <a:pos x="connsiteX31" y="connsiteY31"/>
-              </a:cxn>
-              <a:cxn ang="0">
-                <a:pos x="connsiteX32" y="connsiteY32"/>
-              </a:cxn>
-              <a:cxn ang="0">
-                <a:pos x="connsiteX33" y="connsiteY33"/>
-              </a:cxn>
-              <a:cxn ang="0">
-                <a:pos x="connsiteX34" y="connsiteY34"/>
-              </a:cxn>
-              <a:cxn ang="0">
-                <a:pos x="connsiteX35" y="connsiteY35"/>
-              </a:cxn>
-              <a:cxn ang="0">
-                <a:pos x="connsiteX36" y="connsiteY36"/>
-              </a:cxn>
-              <a:cxn ang="0">
-                <a:pos x="connsiteX37" y="connsiteY37"/>
-              </a:cxn>
-              <a:cxn ang="0">
-                <a:pos x="connsiteX38" y="connsiteY38"/>
-              </a:cxn>
-              <a:cxn ang="0">
-                <a:pos x="connsiteX39" y="connsiteY39"/>
-              </a:cxn>
-              <a:cxn ang="0">
-                <a:pos x="connsiteX40" y="connsiteY40"/>
-              </a:cxn>
-              <a:cxn ang="0">
-                <a:pos x="connsiteX41" y="connsiteY41"/>
-              </a:cxn>
-              <a:cxn ang="0">
-                <a:pos x="connsiteX42" y="connsiteY42"/>
-              </a:cxn>
-              <a:cxn ang="0">
-                <a:pos x="connsiteX43" y="connsiteY43"/>
-              </a:cxn>
-              <a:cxn ang="0">
-                <a:pos x="connsiteX44" y="connsiteY44"/>
-              </a:cxn>
-              <a:cxn ang="0">
-                <a:pos x="connsiteX45" y="connsiteY45"/>
-              </a:cxn>
-              <a:cxn ang="0">
-                <a:pos x="connsiteX46" y="connsiteY46"/>
-              </a:cxn>
-              <a:cxn ang="0">
-                <a:pos x="connsiteX47" y="connsiteY47"/>
-              </a:cxn>
-              <a:cxn ang="0">
-                <a:pos x="connsiteX48" y="connsiteY48"/>
-              </a:cxn>
-              <a:cxn ang="0">
-                <a:pos x="connsiteX49" y="connsiteY49"/>
-              </a:cxn>
-              <a:cxn ang="0">
-                <a:pos x="connsiteX50" y="connsiteY50"/>
-              </a:cxn>
-              <a:cxn ang="0">
-                <a:pos x="connsiteX51" y="connsiteY51"/>
-              </a:cxn>
-              <a:cxn ang="0">
-                <a:pos x="connsiteX52" y="connsiteY52"/>
-              </a:cxn>
-              <a:cxn ang="0">
-                <a:pos x="connsiteX53" y="connsiteY53"/>
-              </a:cxn>
-              <a:cxn ang="0">
-                <a:pos x="connsiteX54" y="connsiteY54"/>
-              </a:cxn>
-              <a:cxn ang="0">
-                <a:pos x="connsiteX55" y="connsiteY55"/>
-              </a:cxn>
-              <a:cxn ang="0">
-                <a:pos x="connsiteX56" y="connsiteY56"/>
-              </a:cxn>
-              <a:cxn ang="0">
-                <a:pos x="connsiteX57" y="connsiteY57"/>
-              </a:cxn>
-              <a:cxn ang="0">
-                <a:pos x="connsiteX58" y="connsiteY58"/>
-              </a:cxn>
-              <a:cxn ang="0">
-                <a:pos x="connsiteX59" y="connsiteY59"/>
-              </a:cxn>
-              <a:cxn ang="0">
-                <a:pos x="connsiteX60" y="connsiteY60"/>
-              </a:cxn>
-              <a:cxn ang="0">
-                <a:pos x="connsiteX61" y="connsiteY61"/>
-              </a:cxn>
-              <a:cxn ang="0">
-                <a:pos x="connsiteX62" y="connsiteY62"/>
-              </a:cxn>
-              <a:cxn ang="0">
-                <a:pos x="connsiteX63" y="connsiteY63"/>
-              </a:cxn>
-              <a:cxn ang="0">
-                <a:pos x="connsiteX64" y="connsiteY64"/>
-              </a:cxn>
-              <a:cxn ang="0">
-                <a:pos x="connsiteX65" y="connsiteY65"/>
-              </a:cxn>
-              <a:cxn ang="0">
-                <a:pos x="connsiteX66" y="connsiteY66"/>
-              </a:cxn>
-              <a:cxn ang="0">
-                <a:pos x="connsiteX67" y="connsiteY67"/>
-              </a:cxn>
-              <a:cxn ang="0">
-                <a:pos x="connsiteX68" y="connsiteY68"/>
-              </a:cxn>
-              <a:cxn ang="0">
-                <a:pos x="connsiteX69" y="connsiteY69"/>
-              </a:cxn>
-              <a:cxn ang="0">
-                <a:pos x="connsiteX70" y="connsiteY70"/>
-              </a:cxn>
-              <a:cxn ang="0">
-                <a:pos x="connsiteX71" y="connsiteY71"/>
-              </a:cxn>
-              <a:cxn ang="0">
-                <a:pos x="connsiteX72" y="connsiteY72"/>
+                <a:pos x="T0" y="T1"/>
+              </a:cxn>
+              <a:cxn ang="0">
+                <a:pos x="T2" y="T3"/>
+              </a:cxn>
+              <a:cxn ang="0">
+                <a:pos x="T4" y="T5"/>
+              </a:cxn>
+              <a:cxn ang="0">
+                <a:pos x="T6" y="T7"/>
+              </a:cxn>
+              <a:cxn ang="0">
+                <a:pos x="T8" y="T9"/>
+              </a:cxn>
+              <a:cxn ang="0">
+                <a:pos x="T10" y="T11"/>
+              </a:cxn>
+              <a:cxn ang="0">
+                <a:pos x="T12" y="T13"/>
+              </a:cxn>
+              <a:cxn ang="0">
+                <a:pos x="T14" y="T15"/>
+              </a:cxn>
+              <a:cxn ang="0">
+                <a:pos x="T16" y="T17"/>
+              </a:cxn>
+              <a:cxn ang="0">
+                <a:pos x="T18" y="T19"/>
+              </a:cxn>
+              <a:cxn ang="0">
+                <a:pos x="T20" y="T21"/>
+              </a:cxn>
+              <a:cxn ang="0">
+                <a:pos x="T22" y="T23"/>
+              </a:cxn>
+              <a:cxn ang="0">
+                <a:pos x="T24" y="T25"/>
               </a:cxn>
             </a:cxnLst>
-            <a:rect l="l" t="t" r="r" b="b"/>
+            <a:rect l="0" t="0" r="r" b="b"/>
             <a:pathLst>
-              <a:path w="6184806" h="5154967">
+              <a:path w="785" h="692">
                 <a:moveTo>
-                  <a:pt x="363179" y="3125191"/>
+                  <a:pt x="225" y="692"/>
                 </a:moveTo>
                 <a:cubicBezTo>
-                  <a:pt x="363179" y="3125191"/>
-                  <a:pt x="363179" y="3125191"/>
-                  <a:pt x="898270" y="3125191"/>
-                </a:cubicBezTo>
-                <a:cubicBezTo>
-                  <a:pt x="931786" y="3125191"/>
-                  <a:pt x="964145" y="3143614"/>
-                  <a:pt x="980326" y="3173551"/>
-                </a:cubicBezTo>
-                <a:cubicBezTo>
-                  <a:pt x="980326" y="3173551"/>
-                  <a:pt x="980326" y="3173551"/>
-                  <a:pt x="1248448" y="3635277"/>
-                </a:cubicBezTo>
-                <a:cubicBezTo>
-                  <a:pt x="1265784" y="3664063"/>
-                  <a:pt x="1265784" y="3700909"/>
-                  <a:pt x="1248448" y="3729695"/>
-                </a:cubicBezTo>
-                <a:cubicBezTo>
-                  <a:pt x="1248448" y="3729695"/>
-                  <a:pt x="1248448" y="3729695"/>
-                  <a:pt x="980326" y="4191421"/>
-                </a:cubicBezTo>
-                <a:cubicBezTo>
-                  <a:pt x="964145" y="4221358"/>
-                  <a:pt x="931786" y="4239781"/>
-                  <a:pt x="898270" y="4239781"/>
-                </a:cubicBezTo>
-                <a:cubicBezTo>
-                  <a:pt x="898270" y="4239781"/>
-                  <a:pt x="898270" y="4239781"/>
-                  <a:pt x="363179" y="4239781"/>
-                </a:cubicBezTo>
-                <a:cubicBezTo>
-                  <a:pt x="328508" y="4239781"/>
-                  <a:pt x="297305" y="4221358"/>
-                  <a:pt x="279969" y="4191421"/>
-                </a:cubicBezTo>
-                <a:cubicBezTo>
-                  <a:pt x="279969" y="4191421"/>
-                  <a:pt x="279969" y="4191421"/>
-                  <a:pt x="13002" y="3729695"/>
-                </a:cubicBezTo>
-                <a:cubicBezTo>
-                  <a:pt x="-4334" y="3700909"/>
-                  <a:pt x="-4334" y="3664063"/>
-                  <a:pt x="13002" y="3635277"/>
-                </a:cubicBezTo>
-                <a:cubicBezTo>
-                  <a:pt x="13002" y="3635277"/>
-                  <a:pt x="13002" y="3635277"/>
-                  <a:pt x="279969" y="3173551"/>
-                </a:cubicBezTo>
-                <a:cubicBezTo>
-                  <a:pt x="297305" y="3143614"/>
-                  <a:pt x="328508" y="3125191"/>
-                  <a:pt x="363179" y="3125191"/>
-                </a:cubicBezTo>
-                <a:close/>
-                <a:moveTo>
-                  <a:pt x="2489721" y="570035"/>
-                </a:moveTo>
-                <a:cubicBezTo>
-                  <a:pt x="2489721" y="570035"/>
-                  <a:pt x="2489721" y="570035"/>
-                  <a:pt x="2764862" y="570035"/>
+                  <a:pt x="207" y="692"/>
+                  <a:pt x="185" y="680"/>
+                  <a:pt x="177" y="665"/>
+                </a:cubicBezTo>
+                <a:cubicBezTo>
+                  <a:pt x="9" y="374"/>
+                  <a:pt x="9" y="374"/>
+                  <a:pt x="9" y="374"/>
+                </a:cubicBezTo>
+                <a:cubicBezTo>
+                  <a:pt x="0" y="358"/>
+                  <a:pt x="0" y="334"/>
+                  <a:pt x="9" y="318"/>
+                </a:cubicBezTo>
+                <a:cubicBezTo>
+                  <a:pt x="177" y="27"/>
+                  <a:pt x="177" y="27"/>
+                  <a:pt x="177" y="27"/>
+                </a:cubicBezTo>
+                <a:cubicBezTo>
+                  <a:pt x="185" y="12"/>
+                  <a:pt x="207" y="0"/>
+                  <a:pt x="225" y="0"/>
+                </a:cubicBezTo>
+                <a:cubicBezTo>
+                  <a:pt x="561" y="0"/>
+                  <a:pt x="561" y="0"/>
+                  <a:pt x="561" y="0"/>
+                </a:cubicBezTo>
+                <a:cubicBezTo>
+                  <a:pt x="578" y="0"/>
+                  <a:pt x="600" y="12"/>
+                  <a:pt x="609" y="27"/>
+                </a:cubicBezTo>
+                <a:cubicBezTo>
+                  <a:pt x="777" y="318"/>
+                  <a:pt x="777" y="318"/>
+                  <a:pt x="777" y="318"/>
+                </a:cubicBezTo>
+                <a:cubicBezTo>
+                  <a:pt x="785" y="334"/>
+                  <a:pt x="785" y="358"/>
+                  <a:pt x="777" y="374"/>
+                </a:cubicBezTo>
+                <a:cubicBezTo>
+                  <a:pt x="609" y="665"/>
+                  <a:pt x="609" y="665"/>
+                  <a:pt x="609" y="665"/>
+                </a:cubicBezTo>
+                <a:cubicBezTo>
+                  <a:pt x="600" y="680"/>
+                  <a:pt x="578" y="692"/>
+                  <a:pt x="561" y="692"/>
                 </a:cubicBezTo>
                 <a:lnTo>
-                  <a:pt x="2796959" y="570035"/>
+                  <a:pt x="225" y="692"/>
                 </a:lnTo>
-                <a:lnTo>
-                  <a:pt x="2827587" y="622777"/>
-                </a:lnTo>
-                <a:cubicBezTo>
-                  <a:pt x="2870233" y="696217"/>
-                  <a:pt x="2919858" y="781675"/>
-                  <a:pt x="2977604" y="881117"/>
-                </a:cubicBezTo>
-                <a:cubicBezTo>
-                  <a:pt x="3004153" y="925204"/>
-                  <a:pt x="3004153" y="981634"/>
-                  <a:pt x="2977604" y="1025720"/>
-                </a:cubicBezTo>
-                <a:cubicBezTo>
-                  <a:pt x="2977604" y="1025720"/>
-                  <a:pt x="2977604" y="1025720"/>
-                  <a:pt x="2566968" y="1732863"/>
-                </a:cubicBezTo>
-                <a:cubicBezTo>
-                  <a:pt x="2542188" y="1778712"/>
-                  <a:pt x="2492629" y="1806927"/>
-                  <a:pt x="2441299" y="1806927"/>
-                </a:cubicBezTo>
-                <a:cubicBezTo>
-                  <a:pt x="2441299" y="1806927"/>
-                  <a:pt x="2441299" y="1806927"/>
-                  <a:pt x="1621798" y="1806927"/>
-                </a:cubicBezTo>
-                <a:cubicBezTo>
-                  <a:pt x="1608523" y="1806927"/>
-                  <a:pt x="1595580" y="1805163"/>
-                  <a:pt x="1583218" y="1801802"/>
-                </a:cubicBezTo>
-                <a:lnTo>
-                  <a:pt x="1556683" y="1790677"/>
-                </a:lnTo>
-                <a:lnTo>
-                  <a:pt x="1572899" y="1762631"/>
-                </a:lnTo>
-                <a:cubicBezTo>
-                  <a:pt x="1719523" y="1509042"/>
-                  <a:pt x="1907201" y="1184448"/>
-                  <a:pt x="2147429" y="768968"/>
-                </a:cubicBezTo>
-                <a:cubicBezTo>
-                  <a:pt x="2218739" y="645819"/>
-                  <a:pt x="2347099" y="570035"/>
-                  <a:pt x="2489721" y="570035"/>
-                </a:cubicBezTo>
-                <a:close/>
-                <a:moveTo>
-                  <a:pt x="1573268" y="0"/>
-                </a:moveTo>
-                <a:cubicBezTo>
-                  <a:pt x="1573268" y="0"/>
-                  <a:pt x="1573268" y="0"/>
-                  <a:pt x="2497662" y="0"/>
-                </a:cubicBezTo>
-                <a:cubicBezTo>
-                  <a:pt x="2555561" y="0"/>
-                  <a:pt x="2611463" y="31828"/>
-                  <a:pt x="2639415" y="83546"/>
-                </a:cubicBezTo>
-                <a:cubicBezTo>
-                  <a:pt x="2639415" y="83546"/>
-                  <a:pt x="2639415" y="83546"/>
-                  <a:pt x="2887862" y="511387"/>
-                </a:cubicBezTo>
-                <a:lnTo>
-                  <a:pt x="2915928" y="559720"/>
-                </a:lnTo>
-                <a:lnTo>
-                  <a:pt x="2893844" y="559720"/>
-                </a:lnTo>
-                <a:lnTo>
-                  <a:pt x="2789466" y="559720"/>
-                </a:lnTo>
-                <a:lnTo>
-                  <a:pt x="2744122" y="481634"/>
-                </a:lnTo>
-                <a:cubicBezTo>
-                  <a:pt x="2570885" y="183309"/>
-                  <a:pt x="2570885" y="183309"/>
-                  <a:pt x="2570885" y="183309"/>
-                </a:cubicBezTo>
-                <a:cubicBezTo>
-                  <a:pt x="2546104" y="137459"/>
-                  <a:pt x="2496545" y="109244"/>
-                  <a:pt x="2445216" y="109244"/>
-                </a:cubicBezTo>
-                <a:cubicBezTo>
-                  <a:pt x="1625714" y="109244"/>
-                  <a:pt x="1625714" y="109244"/>
-                  <a:pt x="1625714" y="109244"/>
-                </a:cubicBezTo>
-                <a:cubicBezTo>
-                  <a:pt x="1572615" y="109244"/>
-                  <a:pt x="1524825" y="137459"/>
-                  <a:pt x="1498276" y="183309"/>
-                </a:cubicBezTo>
-                <a:cubicBezTo>
-                  <a:pt x="1089410" y="890450"/>
-                  <a:pt x="1089410" y="890450"/>
-                  <a:pt x="1089410" y="890450"/>
-                </a:cubicBezTo>
-                <a:cubicBezTo>
-                  <a:pt x="1062860" y="934537"/>
-                  <a:pt x="1062860" y="990968"/>
-                  <a:pt x="1089410" y="1035054"/>
-                </a:cubicBezTo>
-                <a:cubicBezTo>
-                  <a:pt x="1498276" y="1742196"/>
-                  <a:pt x="1498276" y="1742196"/>
-                  <a:pt x="1498276" y="1742196"/>
-                </a:cubicBezTo>
-                <a:cubicBezTo>
-                  <a:pt x="1511551" y="1765121"/>
-                  <a:pt x="1530135" y="1783637"/>
-                  <a:pt x="1552039" y="1796421"/>
-                </a:cubicBezTo>
-                <a:lnTo>
-                  <a:pt x="1558260" y="1799029"/>
-                </a:lnTo>
-                <a:lnTo>
-                  <a:pt x="1524911" y="1856707"/>
-                </a:lnTo>
-                <a:lnTo>
-                  <a:pt x="1500108" y="1899604"/>
-                </a:lnTo>
-                <a:lnTo>
-                  <a:pt x="1525834" y="1910390"/>
-                </a:lnTo>
-                <a:cubicBezTo>
-                  <a:pt x="1539779" y="1914181"/>
-                  <a:pt x="1554378" y="1916170"/>
-                  <a:pt x="1569352" y="1916170"/>
-                </a:cubicBezTo>
-                <a:cubicBezTo>
-                  <a:pt x="2493745" y="1916170"/>
-                  <a:pt x="2493745" y="1916170"/>
-                  <a:pt x="2493745" y="1916170"/>
-                </a:cubicBezTo>
-                <a:cubicBezTo>
-                  <a:pt x="2551645" y="1916170"/>
-                  <a:pt x="2607546" y="1884345"/>
-                  <a:pt x="2635498" y="1832627"/>
-                </a:cubicBezTo>
-                <a:cubicBezTo>
-                  <a:pt x="3098693" y="1034974"/>
-                  <a:pt x="3098693" y="1034974"/>
-                  <a:pt x="3098693" y="1034974"/>
-                </a:cubicBezTo>
-                <a:cubicBezTo>
-                  <a:pt x="3128641" y="985246"/>
-                  <a:pt x="3128641" y="921593"/>
-                  <a:pt x="3098693" y="871863"/>
-                </a:cubicBezTo>
-                <a:cubicBezTo>
-                  <a:pt x="3040794" y="772157"/>
-                  <a:pt x="2990132" y="684914"/>
-                  <a:pt x="2945803" y="608576"/>
-                </a:cubicBezTo>
-                <a:lnTo>
-                  <a:pt x="2923422" y="570035"/>
-                </a:lnTo>
-                <a:lnTo>
-                  <a:pt x="3027104" y="570035"/>
-                </a:lnTo>
-                <a:cubicBezTo>
-                  <a:pt x="3349535" y="570035"/>
-                  <a:pt x="3865424" y="570035"/>
-                  <a:pt x="4690846" y="570035"/>
-                </a:cubicBezTo>
-                <a:cubicBezTo>
-                  <a:pt x="4828714" y="570035"/>
-                  <a:pt x="4961827" y="645819"/>
-                  <a:pt x="5028384" y="768968"/>
-                </a:cubicBezTo>
-                <a:cubicBezTo>
-                  <a:pt x="5028384" y="768968"/>
-                  <a:pt x="5028384" y="768968"/>
-                  <a:pt x="6131323" y="2668304"/>
-                </a:cubicBezTo>
-                <a:cubicBezTo>
-                  <a:pt x="6202634" y="2786717"/>
-                  <a:pt x="6202634" y="2938285"/>
-                  <a:pt x="6131323" y="3056698"/>
-                </a:cubicBezTo>
-                <a:cubicBezTo>
-                  <a:pt x="6131323" y="3056698"/>
-                  <a:pt x="6131323" y="3056698"/>
-                  <a:pt x="5028384" y="4956035"/>
-                </a:cubicBezTo>
-                <a:cubicBezTo>
-                  <a:pt x="4961827" y="5079184"/>
-                  <a:pt x="4828714" y="5154967"/>
-                  <a:pt x="4690846" y="5154967"/>
-                </a:cubicBezTo>
-                <a:cubicBezTo>
-                  <a:pt x="4690846" y="5154967"/>
-                  <a:pt x="4690846" y="5154967"/>
-                  <a:pt x="2489721" y="5154967"/>
-                </a:cubicBezTo>
-                <a:cubicBezTo>
-                  <a:pt x="2347099" y="5154967"/>
-                  <a:pt x="2218739" y="5079184"/>
-                  <a:pt x="2147429" y="4956035"/>
-                </a:cubicBezTo>
-                <a:cubicBezTo>
-                  <a:pt x="2147429" y="4956035"/>
-                  <a:pt x="2147429" y="4956035"/>
-                  <a:pt x="1049243" y="3056698"/>
-                </a:cubicBezTo>
-                <a:cubicBezTo>
-                  <a:pt x="977932" y="2938285"/>
-                  <a:pt x="977932" y="2786717"/>
-                  <a:pt x="1049243" y="2668304"/>
-                </a:cubicBezTo>
-                <a:cubicBezTo>
-                  <a:pt x="1049243" y="2668304"/>
-                  <a:pt x="1049243" y="2668304"/>
-                  <a:pt x="1457007" y="1963067"/>
-                </a:cubicBezTo>
-                <a:lnTo>
-                  <a:pt x="1491373" y="1903634"/>
-                </a:lnTo>
-                <a:lnTo>
-                  <a:pt x="1490164" y="1903127"/>
-                </a:lnTo>
-                <a:cubicBezTo>
-                  <a:pt x="1465456" y="1888705"/>
-                  <a:pt x="1444493" y="1867820"/>
-                  <a:pt x="1429519" y="1841960"/>
-                </a:cubicBezTo>
-                <a:cubicBezTo>
-                  <a:pt x="1429519" y="1841960"/>
-                  <a:pt x="1429519" y="1841960"/>
-                  <a:pt x="968320" y="1044307"/>
-                </a:cubicBezTo>
-                <a:cubicBezTo>
-                  <a:pt x="938371" y="994579"/>
-                  <a:pt x="938371" y="930926"/>
-                  <a:pt x="968320" y="881196"/>
-                </a:cubicBezTo>
-                <a:cubicBezTo>
-                  <a:pt x="968320" y="881196"/>
-                  <a:pt x="968320" y="881196"/>
-                  <a:pt x="1429519" y="83546"/>
-                </a:cubicBezTo>
-                <a:cubicBezTo>
-                  <a:pt x="1459466" y="31828"/>
-                  <a:pt x="1513373" y="0"/>
-                  <a:pt x="1573268" y="0"/>
-                </a:cubicBezTo>
                 <a:close/>
               </a:path>
             </a:pathLst>
           </a:custGeom>
-          <a:solidFill>
-            <a:schemeClr val="tx1">
-              <a:lumMod val="50000"/>
-              <a:lumOff val="50000"/>
-              <a:alpha val="15000"/>
-            </a:schemeClr>
-          </a:solidFill>
-          <a:ln>
-            <a:noFill/>
+          <a:noFill/>
+          <a:ln w="28575" cmpd="sng">
+            <a:solidFill>
+              <a:schemeClr val="tx1"/>
+            </a:solidFill>
           </a:ln>
         </p:spPr>
-        <p:style>
-          <a:lnRef idx="2">
-            <a:schemeClr val="accent1">
-              <a:shade val="50000"/>
-            </a:schemeClr>
-          </a:lnRef>
-          <a:fillRef idx="1">
-            <a:schemeClr val="accent1"/>
-          </a:fillRef>
-          <a:effectRef idx="0">
-            <a:schemeClr val="accent1"/>
-          </a:effectRef>
-          <a:fontRef idx="minor">
-            <a:schemeClr val="lt1"/>
-          </a:fontRef>
-        </p:style>
         <p:txBody>
-          <a:bodyPr wrap="square" rtlCol="0" anchor="ctr">
+          <a:bodyPr vert="horz" wrap="square" lIns="91440" tIns="45720" rIns="91440" bIns="45720" numCol="1" anchor="t" anchorCtr="0" compatLnSpc="1">
+            <a:prstTxWarp prst="textNoShape">
+              <a:avLst/>
+            </a:prstTxWarp>
+          </a:bodyPr>
+          <a:lstStyle/>
+          <a:p>
+            <a:endParaRPr lang="en-US"/>
+          </a:p>
+        </p:txBody>
+      </p:sp>
+      <p:sp>
+        <p:nvSpPr>
+          <p:cNvPr id="22" name="Freeform 5">
+            <a:extLst>
+              <a:ext uri="{FF2B5EF4-FFF2-40B4-BE49-F238E27FC236}">
+                <a16:creationId xmlns:a16="http://schemas.microsoft.com/office/drawing/2014/main" id="{EFA5A327-531A-495C-BCA7-27F04811AF4B}"/>
+              </a:ext>
+              <a:ext uri="{C183D7F6-B498-43B3-948B-1728B52AA6E4}">
+                <adec:decorative xmlns:adec="http://schemas.microsoft.com/office/drawing/2017/decorative" val="1"/>
+              </a:ext>
+            </a:extLst>
+          </p:cNvPr>
+          <p:cNvSpPr>
+            <a:spLocks noGrp="1" noRot="1" noChangeAspect="1" noMove="1" noResize="1" noEditPoints="1" noAdjustHandles="1" noChangeArrowheads="1" noChangeShapeType="1" noTextEdit="1"/>
+          </p:cNvSpPr>
+          <p:nvPr>
+            <p:extLst>
+              <p:ext uri="{386F3935-93C4-4BCD-93E2-E3B085C9AB24}">
+                <p16:designElem xmlns:p16="http://schemas.microsoft.com/office/powerpoint/2015/main" val="1"/>
+              </p:ext>
+            </p:extLst>
+          </p:nvPr>
+        </p:nvSpPr>
+        <p:spPr bwMode="auto">
+          <a:xfrm>
+            <a:off x="7703265" y="1059710"/>
+            <a:ext cx="550492" cy="485306"/>
+          </a:xfrm>
+          <a:custGeom>
+            <a:avLst/>
+            <a:gdLst>
+              <a:gd name="T0" fmla="*/ 225 w 785"/>
+              <a:gd name="T1" fmla="*/ 692 h 692"/>
+              <a:gd name="T2" fmla="*/ 177 w 785"/>
+              <a:gd name="T3" fmla="*/ 665 h 692"/>
+              <a:gd name="T4" fmla="*/ 9 w 785"/>
+              <a:gd name="T5" fmla="*/ 374 h 692"/>
+              <a:gd name="T6" fmla="*/ 9 w 785"/>
+              <a:gd name="T7" fmla="*/ 318 h 692"/>
+              <a:gd name="T8" fmla="*/ 177 w 785"/>
+              <a:gd name="T9" fmla="*/ 27 h 692"/>
+              <a:gd name="T10" fmla="*/ 225 w 785"/>
+              <a:gd name="T11" fmla="*/ 0 h 692"/>
+              <a:gd name="T12" fmla="*/ 561 w 785"/>
+              <a:gd name="T13" fmla="*/ 0 h 692"/>
+              <a:gd name="T14" fmla="*/ 609 w 785"/>
+              <a:gd name="T15" fmla="*/ 27 h 692"/>
+              <a:gd name="T16" fmla="*/ 777 w 785"/>
+              <a:gd name="T17" fmla="*/ 318 h 692"/>
+              <a:gd name="T18" fmla="*/ 777 w 785"/>
+              <a:gd name="T19" fmla="*/ 374 h 692"/>
+              <a:gd name="T20" fmla="*/ 609 w 785"/>
+              <a:gd name="T21" fmla="*/ 665 h 692"/>
+              <a:gd name="T22" fmla="*/ 561 w 785"/>
+              <a:gd name="T23" fmla="*/ 692 h 692"/>
+              <a:gd name="T24" fmla="*/ 225 w 785"/>
+              <a:gd name="T25" fmla="*/ 692 h 692"/>
+            </a:gdLst>
+            <a:ahLst/>
+            <a:cxnLst>
+              <a:cxn ang="0">
+                <a:pos x="T0" y="T1"/>
+              </a:cxn>
+              <a:cxn ang="0">
+                <a:pos x="T2" y="T3"/>
+              </a:cxn>
+              <a:cxn ang="0">
+                <a:pos x="T4" y="T5"/>
+              </a:cxn>
+              <a:cxn ang="0">
+                <a:pos x="T6" y="T7"/>
+              </a:cxn>
+              <a:cxn ang="0">
+                <a:pos x="T8" y="T9"/>
+              </a:cxn>
+              <a:cxn ang="0">
+                <a:pos x="T10" y="T11"/>
+              </a:cxn>
+              <a:cxn ang="0">
+                <a:pos x="T12" y="T13"/>
+              </a:cxn>
+              <a:cxn ang="0">
+                <a:pos x="T14" y="T15"/>
+              </a:cxn>
+              <a:cxn ang="0">
+                <a:pos x="T16" y="T17"/>
+              </a:cxn>
+              <a:cxn ang="0">
+                <a:pos x="T18" y="T19"/>
+              </a:cxn>
+              <a:cxn ang="0">
+                <a:pos x="T20" y="T21"/>
+              </a:cxn>
+              <a:cxn ang="0">
+                <a:pos x="T22" y="T23"/>
+              </a:cxn>
+              <a:cxn ang="0">
+                <a:pos x="T24" y="T25"/>
+              </a:cxn>
+            </a:cxnLst>
+            <a:rect l="0" t="0" r="r" b="b"/>
+            <a:pathLst>
+              <a:path w="785" h="692">
+                <a:moveTo>
+                  <a:pt x="225" y="692"/>
+                </a:moveTo>
+                <a:cubicBezTo>
+                  <a:pt x="207" y="692"/>
+                  <a:pt x="185" y="680"/>
+                  <a:pt x="177" y="665"/>
+                </a:cubicBezTo>
+                <a:cubicBezTo>
+                  <a:pt x="9" y="374"/>
+                  <a:pt x="9" y="374"/>
+                  <a:pt x="9" y="374"/>
+                </a:cubicBezTo>
+                <a:cubicBezTo>
+                  <a:pt x="0" y="358"/>
+                  <a:pt x="0" y="334"/>
+                  <a:pt x="9" y="318"/>
+                </a:cubicBezTo>
+                <a:cubicBezTo>
+                  <a:pt x="177" y="27"/>
+                  <a:pt x="177" y="27"/>
+                  <a:pt x="177" y="27"/>
+                </a:cubicBezTo>
+                <a:cubicBezTo>
+                  <a:pt x="185" y="12"/>
+                  <a:pt x="207" y="0"/>
+                  <a:pt x="225" y="0"/>
+                </a:cubicBezTo>
+                <a:cubicBezTo>
+                  <a:pt x="561" y="0"/>
+                  <a:pt x="561" y="0"/>
+                  <a:pt x="561" y="0"/>
+                </a:cubicBezTo>
+                <a:cubicBezTo>
+                  <a:pt x="578" y="0"/>
+                  <a:pt x="600" y="12"/>
+                  <a:pt x="609" y="27"/>
+                </a:cubicBezTo>
+                <a:cubicBezTo>
+                  <a:pt x="777" y="318"/>
+                  <a:pt x="777" y="318"/>
+                  <a:pt x="777" y="318"/>
+                </a:cubicBezTo>
+                <a:cubicBezTo>
+                  <a:pt x="785" y="334"/>
+                  <a:pt x="785" y="358"/>
+                  <a:pt x="777" y="374"/>
+                </a:cubicBezTo>
+                <a:cubicBezTo>
+                  <a:pt x="609" y="665"/>
+                  <a:pt x="609" y="665"/>
+                  <a:pt x="609" y="665"/>
+                </a:cubicBezTo>
+                <a:cubicBezTo>
+                  <a:pt x="600" y="680"/>
+                  <a:pt x="578" y="692"/>
+                  <a:pt x="561" y="692"/>
+                </a:cubicBezTo>
+                <a:lnTo>
+                  <a:pt x="225" y="692"/>
+                </a:lnTo>
+                <a:close/>
+              </a:path>
+            </a:pathLst>
+          </a:custGeom>
+          <a:noFill/>
+          <a:ln w="28575" cmpd="sng">
+            <a:solidFill>
+              <a:schemeClr val="tx1"/>
+            </a:solidFill>
+          </a:ln>
+        </p:spPr>
+        <p:txBody>
+          <a:bodyPr vert="horz" wrap="square" lIns="91440" tIns="45720" rIns="91440" bIns="45720" numCol="1" anchor="t" anchorCtr="0" compatLnSpc="1">
+            <a:prstTxWarp prst="textNoShape">
+              <a:avLst/>
+            </a:prstTxWarp>
+          </a:bodyPr>
+          <a:lstStyle/>
+          <a:p>
+            <a:endParaRPr lang="en-US"/>
+          </a:p>
+        </p:txBody>
+      </p:sp>
+      <p:sp>
+        <p:nvSpPr>
+          <p:cNvPr id="3" name="Content Placeholder 2">
+            <a:extLst>
+              <a:ext uri="{FF2B5EF4-FFF2-40B4-BE49-F238E27FC236}">
+                <a16:creationId xmlns:a16="http://schemas.microsoft.com/office/drawing/2014/main" id="{606A0FD7-B64A-497D-A54A-67D403C5C515}"/>
+              </a:ext>
+            </a:extLst>
+          </p:cNvPr>
+          <p:cNvSpPr>
+            <a:spLocks noGrp="1"/>
+          </p:cNvSpPr>
+          <p:nvPr>
+            <p:ph sz="half" idx="1"/>
+          </p:nvPr>
+        </p:nvSpPr>
+        <p:spPr>
+          <a:xfrm>
+            <a:off x="854117" y="1772239"/>
+            <a:ext cx="5303401" cy="4262801"/>
+          </a:xfrm>
+        </p:spPr>
+        <p:txBody>
+          <a:bodyPr vert="horz" lIns="91440" tIns="45720" rIns="91440" bIns="45720" rtlCol="0">
             <a:noAutofit/>
           </a:bodyPr>
           <a:lstStyle/>
           <a:p>
-            <a:pPr algn="ctr"/>
-            <a:endParaRPr lang="en-US"/>
+            <a:pPr marL="685800" indent="-457200">
+              <a:buFont typeface="+mj-lt"/>
+              <a:buAutoNum type="arabicPeriod"/>
+            </a:pPr>
+            <a:r>
+              <a:rPr lang="en-US" sz="2400" dirty="0"/>
+              <a:t>Are there racial disparities between the sentencing population and the general population in Tennessee?</a:t>
+            </a:r>
+          </a:p>
+          <a:p>
+            <a:pPr marL="685800" indent="-457200">
+              <a:buFont typeface="+mj-lt"/>
+              <a:buAutoNum type="arabicPeriod"/>
+            </a:pPr>
+            <a:r>
+              <a:rPr lang="en-US" sz="2400" dirty="0"/>
+              <a:t>Are people of color receiving longer sentences on average for the same crimes?</a:t>
+            </a:r>
+          </a:p>
+          <a:p>
+            <a:pPr marL="685800" indent="-457200">
+              <a:buFont typeface="+mj-lt"/>
+              <a:buAutoNum type="arabicPeriod"/>
+            </a:pPr>
+            <a:r>
+              <a:rPr lang="en-US" sz="2400" dirty="0"/>
+              <a:t>Are there disparities in the application of sentence enhancements and sentence mitigation measures?</a:t>
+            </a:r>
+          </a:p>
+        </p:txBody>
+      </p:sp>
+      <p:sp>
+        <p:nvSpPr>
+          <p:cNvPr id="24" name="Freeform 5">
+            <a:extLst>
+              <a:ext uri="{FF2B5EF4-FFF2-40B4-BE49-F238E27FC236}">
+                <a16:creationId xmlns:a16="http://schemas.microsoft.com/office/drawing/2014/main" id="{09C89D1D-8C73-4FE3-BB9A-0A66D0F9C2FF}"/>
+              </a:ext>
+              <a:ext uri="{C183D7F6-B498-43B3-948B-1728B52AA6E4}">
+                <adec:decorative xmlns:adec="http://schemas.microsoft.com/office/drawing/2017/decorative" val="1"/>
+              </a:ext>
+            </a:extLst>
+          </p:cNvPr>
+          <p:cNvSpPr>
+            <a:spLocks noGrp="1" noRot="1" noChangeAspect="1" noMove="1" noResize="1" noEditPoints="1" noAdjustHandles="1" noChangeArrowheads="1" noChangeShapeType="1" noTextEdit="1"/>
+          </p:cNvSpPr>
+          <p:nvPr>
+            <p:extLst>
+              <p:ext uri="{386F3935-93C4-4BCD-93E2-E3B085C9AB24}">
+                <p16:designElem xmlns:p16="http://schemas.microsoft.com/office/powerpoint/2015/main" val="1"/>
+              </p:ext>
+            </p:extLst>
+          </p:nvPr>
+        </p:nvSpPr>
+        <p:spPr bwMode="auto">
+          <a:xfrm>
+            <a:off x="6882856" y="1645694"/>
+            <a:ext cx="4689240" cy="4115025"/>
+          </a:xfrm>
+          <a:custGeom>
+            <a:avLst/>
+            <a:gdLst>
+              <a:gd name="T0" fmla="*/ 781 w 1099"/>
+              <a:gd name="T1" fmla="*/ 0 h 968"/>
+              <a:gd name="T2" fmla="*/ 318 w 1099"/>
+              <a:gd name="T3" fmla="*/ 0 h 968"/>
+              <a:gd name="T4" fmla="*/ 246 w 1099"/>
+              <a:gd name="T5" fmla="*/ 42 h 968"/>
+              <a:gd name="T6" fmla="*/ 15 w 1099"/>
+              <a:gd name="T7" fmla="*/ 443 h 968"/>
+              <a:gd name="T8" fmla="*/ 15 w 1099"/>
+              <a:gd name="T9" fmla="*/ 525 h 968"/>
+              <a:gd name="T10" fmla="*/ 246 w 1099"/>
+              <a:gd name="T11" fmla="*/ 926 h 968"/>
+              <a:gd name="T12" fmla="*/ 318 w 1099"/>
+              <a:gd name="T13" fmla="*/ 968 h 968"/>
+              <a:gd name="T14" fmla="*/ 781 w 1099"/>
+              <a:gd name="T15" fmla="*/ 968 h 968"/>
+              <a:gd name="T16" fmla="*/ 852 w 1099"/>
+              <a:gd name="T17" fmla="*/ 926 h 968"/>
+              <a:gd name="T18" fmla="*/ 1084 w 1099"/>
+              <a:gd name="T19" fmla="*/ 525 h 968"/>
+              <a:gd name="T20" fmla="*/ 1084 w 1099"/>
+              <a:gd name="T21" fmla="*/ 443 h 968"/>
+              <a:gd name="T22" fmla="*/ 852 w 1099"/>
+              <a:gd name="T23" fmla="*/ 42 h 968"/>
+              <a:gd name="T24" fmla="*/ 781 w 1099"/>
+              <a:gd name="T25" fmla="*/ 0 h 968"/>
+            </a:gdLst>
+            <a:ahLst/>
+            <a:cxnLst>
+              <a:cxn ang="0">
+                <a:pos x="T0" y="T1"/>
+              </a:cxn>
+              <a:cxn ang="0">
+                <a:pos x="T2" y="T3"/>
+              </a:cxn>
+              <a:cxn ang="0">
+                <a:pos x="T4" y="T5"/>
+              </a:cxn>
+              <a:cxn ang="0">
+                <a:pos x="T6" y="T7"/>
+              </a:cxn>
+              <a:cxn ang="0">
+                <a:pos x="T8" y="T9"/>
+              </a:cxn>
+              <a:cxn ang="0">
+                <a:pos x="T10" y="T11"/>
+              </a:cxn>
+              <a:cxn ang="0">
+                <a:pos x="T12" y="T13"/>
+              </a:cxn>
+              <a:cxn ang="0">
+                <a:pos x="T14" y="T15"/>
+              </a:cxn>
+              <a:cxn ang="0">
+                <a:pos x="T16" y="T17"/>
+              </a:cxn>
+              <a:cxn ang="0">
+                <a:pos x="T18" y="T19"/>
+              </a:cxn>
+              <a:cxn ang="0">
+                <a:pos x="T20" y="T21"/>
+              </a:cxn>
+              <a:cxn ang="0">
+                <a:pos x="T22" y="T23"/>
+              </a:cxn>
+              <a:cxn ang="0">
+                <a:pos x="T24" y="T25"/>
+              </a:cxn>
+            </a:cxnLst>
+            <a:rect l="0" t="0" r="r" b="b"/>
+            <a:pathLst>
+              <a:path w="1099" h="968">
+                <a:moveTo>
+                  <a:pt x="781" y="0"/>
+                </a:moveTo>
+                <a:cubicBezTo>
+                  <a:pt x="318" y="0"/>
+                  <a:pt x="318" y="0"/>
+                  <a:pt x="318" y="0"/>
+                </a:cubicBezTo>
+                <a:cubicBezTo>
+                  <a:pt x="288" y="0"/>
+                  <a:pt x="261" y="16"/>
+                  <a:pt x="246" y="42"/>
+                </a:cubicBezTo>
+                <a:cubicBezTo>
+                  <a:pt x="15" y="443"/>
+                  <a:pt x="15" y="443"/>
+                  <a:pt x="15" y="443"/>
+                </a:cubicBezTo>
+                <a:cubicBezTo>
+                  <a:pt x="0" y="468"/>
+                  <a:pt x="0" y="500"/>
+                  <a:pt x="15" y="525"/>
+                </a:cubicBezTo>
+                <a:cubicBezTo>
+                  <a:pt x="246" y="926"/>
+                  <a:pt x="246" y="926"/>
+                  <a:pt x="246" y="926"/>
+                </a:cubicBezTo>
+                <a:cubicBezTo>
+                  <a:pt x="261" y="952"/>
+                  <a:pt x="288" y="968"/>
+                  <a:pt x="318" y="968"/>
+                </a:cubicBezTo>
+                <a:cubicBezTo>
+                  <a:pt x="781" y="968"/>
+                  <a:pt x="781" y="968"/>
+                  <a:pt x="781" y="968"/>
+                </a:cubicBezTo>
+                <a:cubicBezTo>
+                  <a:pt x="810" y="968"/>
+                  <a:pt x="838" y="952"/>
+                  <a:pt x="852" y="926"/>
+                </a:cubicBezTo>
+                <a:cubicBezTo>
+                  <a:pt x="1084" y="525"/>
+                  <a:pt x="1084" y="525"/>
+                  <a:pt x="1084" y="525"/>
+                </a:cubicBezTo>
+                <a:cubicBezTo>
+                  <a:pt x="1099" y="500"/>
+                  <a:pt x="1099" y="468"/>
+                  <a:pt x="1084" y="443"/>
+                </a:cubicBezTo>
+                <a:cubicBezTo>
+                  <a:pt x="852" y="42"/>
+                  <a:pt x="852" y="42"/>
+                  <a:pt x="852" y="42"/>
+                </a:cubicBezTo>
+                <a:cubicBezTo>
+                  <a:pt x="838" y="16"/>
+                  <a:pt x="810" y="0"/>
+                  <a:pt x="781" y="0"/>
+                </a:cubicBezTo>
+                <a:close/>
+              </a:path>
+            </a:pathLst>
+          </a:custGeom>
+          <a:noFill/>
+          <a:ln w="50800" cap="flat">
+            <a:solidFill>
+              <a:schemeClr val="tx1"/>
+            </a:solidFill>
+            <a:prstDash val="solid"/>
+            <a:miter lim="800000"/>
+            <a:headEnd/>
+            <a:tailEnd/>
+          </a:ln>
+        </p:spPr>
+        <p:txBody>
+          <a:bodyPr vert="horz" wrap="square" lIns="91440" tIns="45720" rIns="91440" bIns="45720" numCol="1" anchor="t" anchorCtr="0" compatLnSpc="1">
+            <a:prstTxWarp prst="textNoShape">
+              <a:avLst/>
+            </a:prstTxWarp>
+          </a:bodyPr>
+          <a:lstStyle/>
+          <a:p>
+            <a:endParaRPr lang="en-US" dirty="0"/>
           </a:p>
         </p:txBody>
       </p:sp>
       <p:pic>
         <p:nvPicPr>
-          <p:cNvPr id="6" name="Graphic 5" descr="Help with solid fill">
+          <p:cNvPr id="6" name="Graphic 5" descr="Question Mark with solid fill">
             <a:extLst>
               <a:ext uri="{FF2B5EF4-FFF2-40B4-BE49-F238E27FC236}">
                 <a16:creationId xmlns:a16="http://schemas.microsoft.com/office/drawing/2014/main" id="{5D1B45EE-EE74-4916-A832-5235393504C2}"/>
@@ -13377,14 +12838,13 @@
               </a:ext>
             </a:extLst>
           </a:blip>
-          <a:stretch>
-            <a:fillRect/>
-          </a:stretch>
+          <a:srcRect/>
+          <a:stretch/>
         </p:blipFill>
         <p:spPr>
           <a:xfrm>
-            <a:off x="7535330" y="2105470"/>
-            <a:ext cx="3217333" cy="3217333"/>
+            <a:off x="7703265" y="2243078"/>
+            <a:ext cx="2969228" cy="2969228"/>
           </a:xfrm>
           <a:prstGeom prst="rect">
             <a:avLst/>
@@ -13617,13 +13077,13 @@
 </p:sld>
 </file>
 
-<file path=ppt/slides/slide20.xml><?xml version="1.0" encoding="utf-8"?>
+<file path=ppt/slides/slide3.xml><?xml version="1.0" encoding="utf-8"?>
 <p:sld xmlns:a="http://schemas.openxmlformats.org/drawingml/2006/main" xmlns:r="http://schemas.openxmlformats.org/officeDocument/2006/relationships" xmlns:p="http://schemas.openxmlformats.org/presentationml/2006/main">
   <p:cSld>
     <p:bg>
       <p:bgPr>
         <a:solidFill>
-          <a:schemeClr val="tx1"/>
+          <a:schemeClr val="bg1"/>
         </a:solidFill>
         <a:effectLst/>
       </p:bgPr>
@@ -13644,7 +13104,7 @@
       </p:grpSpPr>
       <p:sp useBgFill="1">
         <p:nvSpPr>
-          <p:cNvPr id="48" name="Rectangle 47">
+          <p:cNvPr id="18" name="Rectangle 17">
             <a:extLst>
               <a:ext uri="{FF2B5EF4-FFF2-40B4-BE49-F238E27FC236}">
                 <a16:creationId xmlns:a16="http://schemas.microsoft.com/office/drawing/2014/main" id="{91F32EBA-ED97-466E-8CFA-8382584155D0}"/>
@@ -13704,3943 +13164,6 @@
       </p:sp>
       <p:sp>
         <p:nvSpPr>
-          <p:cNvPr id="50" name="Freeform: Shape 49">
-            <a:extLst>
-              <a:ext uri="{FF2B5EF4-FFF2-40B4-BE49-F238E27FC236}">
-                <a16:creationId xmlns:a16="http://schemas.microsoft.com/office/drawing/2014/main" id="{0F06C9D3-00DF-4B71-AE88-29075022FC89}"/>
-              </a:ext>
-              <a:ext uri="{C183D7F6-B498-43B3-948B-1728B52AA6E4}">
-                <adec:decorative xmlns:adec="http://schemas.microsoft.com/office/drawing/2017/decorative" val="1"/>
-              </a:ext>
-            </a:extLst>
-          </p:cNvPr>
-          <p:cNvSpPr>
-            <a:spLocks noGrp="1" noRot="1" noChangeAspect="1" noMove="1" noResize="1" noEditPoints="1" noAdjustHandles="1" noChangeArrowheads="1" noChangeShapeType="1" noTextEdit="1"/>
-          </p:cNvSpPr>
-          <p:nvPr>
-            <p:extLst>
-              <p:ext uri="{386F3935-93C4-4BCD-93E2-E3B085C9AB24}">
-                <p16:designElem xmlns:p16="http://schemas.microsoft.com/office/powerpoint/2015/main" val="1"/>
-              </p:ext>
-            </p:extLst>
-          </p:nvPr>
-        </p:nvSpPr>
-        <p:spPr>
-          <a:xfrm>
-            <a:off x="8219545" y="1333265"/>
-            <a:ext cx="2926988" cy="2594434"/>
-          </a:xfrm>
-          <a:custGeom>
-            <a:avLst/>
-            <a:gdLst>
-              <a:gd name="connsiteX0" fmla="*/ 853538 w 2991693"/>
-              <a:gd name="connsiteY0" fmla="*/ 0 h 2651787"/>
-              <a:gd name="connsiteX1" fmla="*/ 2141030 w 2991693"/>
-              <a:gd name="connsiteY1" fmla="*/ 0 h 2651787"/>
-              <a:gd name="connsiteX2" fmla="*/ 2324957 w 2991693"/>
-              <a:gd name="connsiteY2" fmla="*/ 103466 h 2651787"/>
-              <a:gd name="connsiteX3" fmla="*/ 2968702 w 2991693"/>
-              <a:gd name="connsiteY3" fmla="*/ 1218596 h 2651787"/>
-              <a:gd name="connsiteX4" fmla="*/ 2968702 w 2991693"/>
-              <a:gd name="connsiteY4" fmla="*/ 1433192 h 2651787"/>
-              <a:gd name="connsiteX5" fmla="*/ 2324957 w 2991693"/>
-              <a:gd name="connsiteY5" fmla="*/ 2548321 h 2651787"/>
-              <a:gd name="connsiteX6" fmla="*/ 2141030 w 2991693"/>
-              <a:gd name="connsiteY6" fmla="*/ 2651787 h 2651787"/>
-              <a:gd name="connsiteX7" fmla="*/ 853538 w 2991693"/>
-              <a:gd name="connsiteY7" fmla="*/ 2651787 h 2651787"/>
-              <a:gd name="connsiteX8" fmla="*/ 669612 w 2991693"/>
-              <a:gd name="connsiteY8" fmla="*/ 2548321 h 2651787"/>
-              <a:gd name="connsiteX9" fmla="*/ 25866 w 2991693"/>
-              <a:gd name="connsiteY9" fmla="*/ 1433192 h 2651787"/>
-              <a:gd name="connsiteX10" fmla="*/ 25866 w 2991693"/>
-              <a:gd name="connsiteY10" fmla="*/ 1218596 h 2651787"/>
-              <a:gd name="connsiteX11" fmla="*/ 669612 w 2991693"/>
-              <a:gd name="connsiteY11" fmla="*/ 103466 h 2651787"/>
-              <a:gd name="connsiteX12" fmla="*/ 853538 w 2991693"/>
-              <a:gd name="connsiteY12" fmla="*/ 0 h 2651787"/>
-            </a:gdLst>
-            <a:ahLst/>
-            <a:cxnLst>
-              <a:cxn ang="0">
-                <a:pos x="connsiteX0" y="connsiteY0"/>
-              </a:cxn>
-              <a:cxn ang="0">
-                <a:pos x="connsiteX1" y="connsiteY1"/>
-              </a:cxn>
-              <a:cxn ang="0">
-                <a:pos x="connsiteX2" y="connsiteY2"/>
-              </a:cxn>
-              <a:cxn ang="0">
-                <a:pos x="connsiteX3" y="connsiteY3"/>
-              </a:cxn>
-              <a:cxn ang="0">
-                <a:pos x="connsiteX4" y="connsiteY4"/>
-              </a:cxn>
-              <a:cxn ang="0">
-                <a:pos x="connsiteX5" y="connsiteY5"/>
-              </a:cxn>
-              <a:cxn ang="0">
-                <a:pos x="connsiteX6" y="connsiteY6"/>
-              </a:cxn>
-              <a:cxn ang="0">
-                <a:pos x="connsiteX7" y="connsiteY7"/>
-              </a:cxn>
-              <a:cxn ang="0">
-                <a:pos x="connsiteX8" y="connsiteY8"/>
-              </a:cxn>
-              <a:cxn ang="0">
-                <a:pos x="connsiteX9" y="connsiteY9"/>
-              </a:cxn>
-              <a:cxn ang="0">
-                <a:pos x="connsiteX10" y="connsiteY10"/>
-              </a:cxn>
-              <a:cxn ang="0">
-                <a:pos x="connsiteX11" y="connsiteY11"/>
-              </a:cxn>
-              <a:cxn ang="0">
-                <a:pos x="connsiteX12" y="connsiteY12"/>
-              </a:cxn>
-            </a:cxnLst>
-            <a:rect l="l" t="t" r="r" b="b"/>
-            <a:pathLst>
-              <a:path w="2991693" h="2651787">
-                <a:moveTo>
-                  <a:pt x="853538" y="0"/>
-                </a:moveTo>
-                <a:cubicBezTo>
-                  <a:pt x="2141030" y="0"/>
-                  <a:pt x="2141030" y="0"/>
-                  <a:pt x="2141030" y="0"/>
-                </a:cubicBezTo>
-                <a:cubicBezTo>
-                  <a:pt x="2206170" y="0"/>
-                  <a:pt x="2290471" y="45985"/>
-                  <a:pt x="2324957" y="103466"/>
-                </a:cubicBezTo>
-                <a:cubicBezTo>
-                  <a:pt x="2968702" y="1218596"/>
-                  <a:pt x="2968702" y="1218596"/>
-                  <a:pt x="2968702" y="1218596"/>
-                </a:cubicBezTo>
-                <a:cubicBezTo>
-                  <a:pt x="2999357" y="1279909"/>
-                  <a:pt x="2999357" y="1371878"/>
-                  <a:pt x="2968702" y="1433192"/>
-                </a:cubicBezTo>
-                <a:cubicBezTo>
-                  <a:pt x="2324957" y="2548321"/>
-                  <a:pt x="2324957" y="2548321"/>
-                  <a:pt x="2324957" y="2548321"/>
-                </a:cubicBezTo>
-                <a:cubicBezTo>
-                  <a:pt x="2290471" y="2605803"/>
-                  <a:pt x="2206170" y="2651787"/>
-                  <a:pt x="2141030" y="2651787"/>
-                </a:cubicBezTo>
-                <a:lnTo>
-                  <a:pt x="853538" y="2651787"/>
-                </a:lnTo>
-                <a:cubicBezTo>
-                  <a:pt x="784566" y="2651787"/>
-                  <a:pt x="700266" y="2605803"/>
-                  <a:pt x="669612" y="2548321"/>
-                </a:cubicBezTo>
-                <a:cubicBezTo>
-                  <a:pt x="25866" y="1433192"/>
-                  <a:pt x="25866" y="1433192"/>
-                  <a:pt x="25866" y="1433192"/>
-                </a:cubicBezTo>
-                <a:cubicBezTo>
-                  <a:pt x="-8621" y="1371878"/>
-                  <a:pt x="-8621" y="1279909"/>
-                  <a:pt x="25866" y="1218596"/>
-                </a:cubicBezTo>
-                <a:cubicBezTo>
-                  <a:pt x="669612" y="103466"/>
-                  <a:pt x="669612" y="103466"/>
-                  <a:pt x="669612" y="103466"/>
-                </a:cubicBezTo>
-                <a:cubicBezTo>
-                  <a:pt x="700266" y="45985"/>
-                  <a:pt x="784566" y="0"/>
-                  <a:pt x="853538" y="0"/>
-                </a:cubicBezTo>
-                <a:close/>
-              </a:path>
-            </a:pathLst>
-          </a:custGeom>
-          <a:noFill/>
-          <a:ln w="50800" cmpd="sng">
-            <a:solidFill>
-              <a:schemeClr val="tx1"/>
-            </a:solidFill>
-          </a:ln>
-        </p:spPr>
-        <p:txBody>
-          <a:bodyPr vert="horz" wrap="square" lIns="91440" tIns="45720" rIns="91440" bIns="45720" numCol="1" anchor="t" anchorCtr="0" compatLnSpc="1">
-            <a:prstTxWarp prst="textNoShape">
-              <a:avLst/>
-            </a:prstTxWarp>
-          </a:bodyPr>
-          <a:lstStyle/>
-          <a:p>
-            <a:endParaRPr lang="en-US" dirty="0">
-              <a:solidFill>
-                <a:schemeClr val="tx1"/>
-              </a:solidFill>
-            </a:endParaRPr>
-          </a:p>
-        </p:txBody>
-      </p:sp>
-      <p:sp>
-        <p:nvSpPr>
-          <p:cNvPr id="52" name="Freeform 5">
-            <a:extLst>
-              <a:ext uri="{FF2B5EF4-FFF2-40B4-BE49-F238E27FC236}">
-                <a16:creationId xmlns:a16="http://schemas.microsoft.com/office/drawing/2014/main" id="{4300F7B2-2FBB-4B65-B588-6331766027CB}"/>
-              </a:ext>
-              <a:ext uri="{C183D7F6-B498-43B3-948B-1728B52AA6E4}">
-                <adec:decorative xmlns:adec="http://schemas.microsoft.com/office/drawing/2017/decorative" val="1"/>
-              </a:ext>
-            </a:extLst>
-          </p:cNvPr>
-          <p:cNvSpPr>
-            <a:spLocks noGrp="1" noRot="1" noChangeAspect="1" noMove="1" noResize="1" noEditPoints="1" noAdjustHandles="1" noChangeArrowheads="1" noChangeShapeType="1" noTextEdit="1"/>
-          </p:cNvSpPr>
-          <p:nvPr>
-            <p:extLst>
-              <p:ext uri="{386F3935-93C4-4BCD-93E2-E3B085C9AB24}">
-                <p16:designElem xmlns:p16="http://schemas.microsoft.com/office/powerpoint/2015/main" val="1"/>
-              </p:ext>
-            </p:extLst>
-          </p:nvPr>
-        </p:nvSpPr>
-        <p:spPr bwMode="auto">
-          <a:xfrm>
-            <a:off x="7575032" y="1327438"/>
-            <a:ext cx="675351" cy="595380"/>
-          </a:xfrm>
-          <a:custGeom>
-            <a:avLst/>
-            <a:gdLst>
-              <a:gd name="T0" fmla="*/ 225 w 785"/>
-              <a:gd name="T1" fmla="*/ 692 h 692"/>
-              <a:gd name="T2" fmla="*/ 177 w 785"/>
-              <a:gd name="T3" fmla="*/ 665 h 692"/>
-              <a:gd name="T4" fmla="*/ 9 w 785"/>
-              <a:gd name="T5" fmla="*/ 374 h 692"/>
-              <a:gd name="T6" fmla="*/ 9 w 785"/>
-              <a:gd name="T7" fmla="*/ 318 h 692"/>
-              <a:gd name="T8" fmla="*/ 177 w 785"/>
-              <a:gd name="T9" fmla="*/ 27 h 692"/>
-              <a:gd name="T10" fmla="*/ 225 w 785"/>
-              <a:gd name="T11" fmla="*/ 0 h 692"/>
-              <a:gd name="T12" fmla="*/ 561 w 785"/>
-              <a:gd name="T13" fmla="*/ 0 h 692"/>
-              <a:gd name="T14" fmla="*/ 609 w 785"/>
-              <a:gd name="T15" fmla="*/ 27 h 692"/>
-              <a:gd name="T16" fmla="*/ 777 w 785"/>
-              <a:gd name="T17" fmla="*/ 318 h 692"/>
-              <a:gd name="T18" fmla="*/ 777 w 785"/>
-              <a:gd name="T19" fmla="*/ 374 h 692"/>
-              <a:gd name="T20" fmla="*/ 609 w 785"/>
-              <a:gd name="T21" fmla="*/ 665 h 692"/>
-              <a:gd name="T22" fmla="*/ 561 w 785"/>
-              <a:gd name="T23" fmla="*/ 692 h 692"/>
-              <a:gd name="T24" fmla="*/ 225 w 785"/>
-              <a:gd name="T25" fmla="*/ 692 h 692"/>
-            </a:gdLst>
-            <a:ahLst/>
-            <a:cxnLst>
-              <a:cxn ang="0">
-                <a:pos x="T0" y="T1"/>
-              </a:cxn>
-              <a:cxn ang="0">
-                <a:pos x="T2" y="T3"/>
-              </a:cxn>
-              <a:cxn ang="0">
-                <a:pos x="T4" y="T5"/>
-              </a:cxn>
-              <a:cxn ang="0">
-                <a:pos x="T6" y="T7"/>
-              </a:cxn>
-              <a:cxn ang="0">
-                <a:pos x="T8" y="T9"/>
-              </a:cxn>
-              <a:cxn ang="0">
-                <a:pos x="T10" y="T11"/>
-              </a:cxn>
-              <a:cxn ang="0">
-                <a:pos x="T12" y="T13"/>
-              </a:cxn>
-              <a:cxn ang="0">
-                <a:pos x="T14" y="T15"/>
-              </a:cxn>
-              <a:cxn ang="0">
-                <a:pos x="T16" y="T17"/>
-              </a:cxn>
-              <a:cxn ang="0">
-                <a:pos x="T18" y="T19"/>
-              </a:cxn>
-              <a:cxn ang="0">
-                <a:pos x="T20" y="T21"/>
-              </a:cxn>
-              <a:cxn ang="0">
-                <a:pos x="T22" y="T23"/>
-              </a:cxn>
-              <a:cxn ang="0">
-                <a:pos x="T24" y="T25"/>
-              </a:cxn>
-            </a:cxnLst>
-            <a:rect l="0" t="0" r="r" b="b"/>
-            <a:pathLst>
-              <a:path w="785" h="692">
-                <a:moveTo>
-                  <a:pt x="225" y="692"/>
-                </a:moveTo>
-                <a:cubicBezTo>
-                  <a:pt x="207" y="692"/>
-                  <a:pt x="185" y="680"/>
-                  <a:pt x="177" y="665"/>
-                </a:cubicBezTo>
-                <a:cubicBezTo>
-                  <a:pt x="9" y="374"/>
-                  <a:pt x="9" y="374"/>
-                  <a:pt x="9" y="374"/>
-                </a:cubicBezTo>
-                <a:cubicBezTo>
-                  <a:pt x="0" y="358"/>
-                  <a:pt x="0" y="334"/>
-                  <a:pt x="9" y="318"/>
-                </a:cubicBezTo>
-                <a:cubicBezTo>
-                  <a:pt x="177" y="27"/>
-                  <a:pt x="177" y="27"/>
-                  <a:pt x="177" y="27"/>
-                </a:cubicBezTo>
-                <a:cubicBezTo>
-                  <a:pt x="185" y="12"/>
-                  <a:pt x="207" y="0"/>
-                  <a:pt x="225" y="0"/>
-                </a:cubicBezTo>
-                <a:cubicBezTo>
-                  <a:pt x="561" y="0"/>
-                  <a:pt x="561" y="0"/>
-                  <a:pt x="561" y="0"/>
-                </a:cubicBezTo>
-                <a:cubicBezTo>
-                  <a:pt x="578" y="0"/>
-                  <a:pt x="600" y="12"/>
-                  <a:pt x="609" y="27"/>
-                </a:cubicBezTo>
-                <a:cubicBezTo>
-                  <a:pt x="777" y="318"/>
-                  <a:pt x="777" y="318"/>
-                  <a:pt x="777" y="318"/>
-                </a:cubicBezTo>
-                <a:cubicBezTo>
-                  <a:pt x="785" y="334"/>
-                  <a:pt x="785" y="358"/>
-                  <a:pt x="777" y="374"/>
-                </a:cubicBezTo>
-                <a:cubicBezTo>
-                  <a:pt x="609" y="665"/>
-                  <a:pt x="609" y="665"/>
-                  <a:pt x="609" y="665"/>
-                </a:cubicBezTo>
-                <a:cubicBezTo>
-                  <a:pt x="600" y="680"/>
-                  <a:pt x="578" y="692"/>
-                  <a:pt x="561" y="692"/>
-                </a:cubicBezTo>
-                <a:lnTo>
-                  <a:pt x="225" y="692"/>
-                </a:lnTo>
-                <a:close/>
-              </a:path>
-            </a:pathLst>
-          </a:custGeom>
-          <a:noFill/>
-          <a:ln w="28575" cmpd="sng">
-            <a:solidFill>
-              <a:schemeClr val="tx1"/>
-            </a:solidFill>
-          </a:ln>
-        </p:spPr>
-        <p:txBody>
-          <a:bodyPr vert="horz" wrap="square" lIns="91440" tIns="45720" rIns="91440" bIns="45720" numCol="1" anchor="t" anchorCtr="0" compatLnSpc="1">
-            <a:prstTxWarp prst="textNoShape">
-              <a:avLst/>
-            </a:prstTxWarp>
-          </a:bodyPr>
-          <a:lstStyle/>
-          <a:p>
-            <a:endParaRPr lang="en-US"/>
-          </a:p>
-        </p:txBody>
-      </p:sp>
-      <p:sp>
-        <p:nvSpPr>
-          <p:cNvPr id="54" name="Freeform 5">
-            <a:extLst>
-              <a:ext uri="{FF2B5EF4-FFF2-40B4-BE49-F238E27FC236}">
-                <a16:creationId xmlns:a16="http://schemas.microsoft.com/office/drawing/2014/main" id="{EFA5A327-531A-495C-BCA7-27F04811AF4B}"/>
-              </a:ext>
-              <a:ext uri="{C183D7F6-B498-43B3-948B-1728B52AA6E4}">
-                <adec:decorative xmlns:adec="http://schemas.microsoft.com/office/drawing/2017/decorative" val="1"/>
-              </a:ext>
-            </a:extLst>
-          </p:cNvPr>
-          <p:cNvSpPr>
-            <a:spLocks noGrp="1" noRot="1" noChangeAspect="1" noMove="1" noResize="1" noEditPoints="1" noAdjustHandles="1" noChangeArrowheads="1" noChangeShapeType="1" noTextEdit="1"/>
-          </p:cNvSpPr>
-          <p:nvPr>
-            <p:extLst>
-              <p:ext uri="{386F3935-93C4-4BCD-93E2-E3B085C9AB24}">
-                <p16:designElem xmlns:p16="http://schemas.microsoft.com/office/powerpoint/2015/main" val="1"/>
-              </p:ext>
-            </p:extLst>
-          </p:nvPr>
-        </p:nvSpPr>
-        <p:spPr bwMode="auto">
-          <a:xfrm>
-            <a:off x="8152922" y="1075612"/>
-            <a:ext cx="550492" cy="485306"/>
-          </a:xfrm>
-          <a:custGeom>
-            <a:avLst/>
-            <a:gdLst>
-              <a:gd name="T0" fmla="*/ 225 w 785"/>
-              <a:gd name="T1" fmla="*/ 692 h 692"/>
-              <a:gd name="T2" fmla="*/ 177 w 785"/>
-              <a:gd name="T3" fmla="*/ 665 h 692"/>
-              <a:gd name="T4" fmla="*/ 9 w 785"/>
-              <a:gd name="T5" fmla="*/ 374 h 692"/>
-              <a:gd name="T6" fmla="*/ 9 w 785"/>
-              <a:gd name="T7" fmla="*/ 318 h 692"/>
-              <a:gd name="T8" fmla="*/ 177 w 785"/>
-              <a:gd name="T9" fmla="*/ 27 h 692"/>
-              <a:gd name="T10" fmla="*/ 225 w 785"/>
-              <a:gd name="T11" fmla="*/ 0 h 692"/>
-              <a:gd name="T12" fmla="*/ 561 w 785"/>
-              <a:gd name="T13" fmla="*/ 0 h 692"/>
-              <a:gd name="T14" fmla="*/ 609 w 785"/>
-              <a:gd name="T15" fmla="*/ 27 h 692"/>
-              <a:gd name="T16" fmla="*/ 777 w 785"/>
-              <a:gd name="T17" fmla="*/ 318 h 692"/>
-              <a:gd name="T18" fmla="*/ 777 w 785"/>
-              <a:gd name="T19" fmla="*/ 374 h 692"/>
-              <a:gd name="T20" fmla="*/ 609 w 785"/>
-              <a:gd name="T21" fmla="*/ 665 h 692"/>
-              <a:gd name="T22" fmla="*/ 561 w 785"/>
-              <a:gd name="T23" fmla="*/ 692 h 692"/>
-              <a:gd name="T24" fmla="*/ 225 w 785"/>
-              <a:gd name="T25" fmla="*/ 692 h 692"/>
-            </a:gdLst>
-            <a:ahLst/>
-            <a:cxnLst>
-              <a:cxn ang="0">
-                <a:pos x="T0" y="T1"/>
-              </a:cxn>
-              <a:cxn ang="0">
-                <a:pos x="T2" y="T3"/>
-              </a:cxn>
-              <a:cxn ang="0">
-                <a:pos x="T4" y="T5"/>
-              </a:cxn>
-              <a:cxn ang="0">
-                <a:pos x="T6" y="T7"/>
-              </a:cxn>
-              <a:cxn ang="0">
-                <a:pos x="T8" y="T9"/>
-              </a:cxn>
-              <a:cxn ang="0">
-                <a:pos x="T10" y="T11"/>
-              </a:cxn>
-              <a:cxn ang="0">
-                <a:pos x="T12" y="T13"/>
-              </a:cxn>
-              <a:cxn ang="0">
-                <a:pos x="T14" y="T15"/>
-              </a:cxn>
-              <a:cxn ang="0">
-                <a:pos x="T16" y="T17"/>
-              </a:cxn>
-              <a:cxn ang="0">
-                <a:pos x="T18" y="T19"/>
-              </a:cxn>
-              <a:cxn ang="0">
-                <a:pos x="T20" y="T21"/>
-              </a:cxn>
-              <a:cxn ang="0">
-                <a:pos x="T22" y="T23"/>
-              </a:cxn>
-              <a:cxn ang="0">
-                <a:pos x="T24" y="T25"/>
-              </a:cxn>
-            </a:cxnLst>
-            <a:rect l="0" t="0" r="r" b="b"/>
-            <a:pathLst>
-              <a:path w="785" h="692">
-                <a:moveTo>
-                  <a:pt x="225" y="692"/>
-                </a:moveTo>
-                <a:cubicBezTo>
-                  <a:pt x="207" y="692"/>
-                  <a:pt x="185" y="680"/>
-                  <a:pt x="177" y="665"/>
-                </a:cubicBezTo>
-                <a:cubicBezTo>
-                  <a:pt x="9" y="374"/>
-                  <a:pt x="9" y="374"/>
-                  <a:pt x="9" y="374"/>
-                </a:cubicBezTo>
-                <a:cubicBezTo>
-                  <a:pt x="0" y="358"/>
-                  <a:pt x="0" y="334"/>
-                  <a:pt x="9" y="318"/>
-                </a:cubicBezTo>
-                <a:cubicBezTo>
-                  <a:pt x="177" y="27"/>
-                  <a:pt x="177" y="27"/>
-                  <a:pt x="177" y="27"/>
-                </a:cubicBezTo>
-                <a:cubicBezTo>
-                  <a:pt x="185" y="12"/>
-                  <a:pt x="207" y="0"/>
-                  <a:pt x="225" y="0"/>
-                </a:cubicBezTo>
-                <a:cubicBezTo>
-                  <a:pt x="561" y="0"/>
-                  <a:pt x="561" y="0"/>
-                  <a:pt x="561" y="0"/>
-                </a:cubicBezTo>
-                <a:cubicBezTo>
-                  <a:pt x="578" y="0"/>
-                  <a:pt x="600" y="12"/>
-                  <a:pt x="609" y="27"/>
-                </a:cubicBezTo>
-                <a:cubicBezTo>
-                  <a:pt x="777" y="318"/>
-                  <a:pt x="777" y="318"/>
-                  <a:pt x="777" y="318"/>
-                </a:cubicBezTo>
-                <a:cubicBezTo>
-                  <a:pt x="785" y="334"/>
-                  <a:pt x="785" y="358"/>
-                  <a:pt x="777" y="374"/>
-                </a:cubicBezTo>
-                <a:cubicBezTo>
-                  <a:pt x="609" y="665"/>
-                  <a:pt x="609" y="665"/>
-                  <a:pt x="609" y="665"/>
-                </a:cubicBezTo>
-                <a:cubicBezTo>
-                  <a:pt x="600" y="680"/>
-                  <a:pt x="578" y="692"/>
-                  <a:pt x="561" y="692"/>
-                </a:cubicBezTo>
-                <a:lnTo>
-                  <a:pt x="225" y="692"/>
-                </a:lnTo>
-                <a:close/>
-              </a:path>
-            </a:pathLst>
-          </a:custGeom>
-          <a:noFill/>
-          <a:ln w="28575" cmpd="sng">
-            <a:solidFill>
-              <a:schemeClr val="tx1"/>
-            </a:solidFill>
-          </a:ln>
-        </p:spPr>
-        <p:txBody>
-          <a:bodyPr vert="horz" wrap="square" lIns="91440" tIns="45720" rIns="91440" bIns="45720" numCol="1" anchor="t" anchorCtr="0" compatLnSpc="1">
-            <a:prstTxWarp prst="textNoShape">
-              <a:avLst/>
-            </a:prstTxWarp>
-          </a:bodyPr>
-          <a:lstStyle/>
-          <a:p>
-            <a:endParaRPr lang="en-US"/>
-          </a:p>
-        </p:txBody>
-      </p:sp>
-      <p:sp>
-        <p:nvSpPr>
-          <p:cNvPr id="4" name="Title 3">
-            <a:extLst>
-              <a:ext uri="{FF2B5EF4-FFF2-40B4-BE49-F238E27FC236}">
-                <a16:creationId xmlns:a16="http://schemas.microsoft.com/office/drawing/2014/main" id="{D86433A1-42C7-457D-BF72-FDC475E53FCB}"/>
-              </a:ext>
-            </a:extLst>
-          </p:cNvPr>
-          <p:cNvSpPr>
-            <a:spLocks noGrp="1"/>
-          </p:cNvSpPr>
-          <p:nvPr>
-            <p:ph type="title"/>
-          </p:nvPr>
-        </p:nvSpPr>
-        <p:spPr/>
-        <p:txBody>
-          <a:bodyPr/>
-          <a:lstStyle/>
-          <a:p>
-            <a:endParaRPr lang="en-US"/>
-          </a:p>
-        </p:txBody>
-      </p:sp>
-    </p:spTree>
-    <p:extLst>
-      <p:ext uri="{BB962C8B-B14F-4D97-AF65-F5344CB8AC3E}">
-        <p14:creationId xmlns:p14="http://schemas.microsoft.com/office/powerpoint/2010/main" val="1603944403"/>
-      </p:ext>
-    </p:extLst>
-  </p:cSld>
-  <p:clrMapOvr>
-    <a:masterClrMapping/>
-  </p:clrMapOvr>
-</p:sld>
-</file>
-
-<file path=ppt/slides/slide21.xml><?xml version="1.0" encoding="utf-8"?>
-<p:sld xmlns:a="http://schemas.openxmlformats.org/drawingml/2006/main" xmlns:r="http://schemas.openxmlformats.org/officeDocument/2006/relationships" xmlns:p="http://schemas.openxmlformats.org/presentationml/2006/main">
-  <p:cSld>
-    <p:bg>
-      <p:bgPr>
-        <a:solidFill>
-          <a:srgbClr val="EAF1F6"/>
-        </a:solidFill>
-        <a:effectLst/>
-      </p:bgPr>
-    </p:bg>
-    <p:spTree>
-      <p:nvGrpSpPr>
-        <p:cNvPr id="1" name=""/>
-        <p:cNvGrpSpPr/>
-        <p:nvPr/>
-      </p:nvGrpSpPr>
-      <p:grpSpPr>
-        <a:xfrm>
-          <a:off x="0" y="0"/>
-          <a:ext cx="0" cy="0"/>
-          <a:chOff x="0" y="0"/>
-          <a:chExt cx="0" cy="0"/>
-        </a:xfrm>
-      </p:grpSpPr>
-      <p:sp useBgFill="1">
-        <p:nvSpPr>
-          <p:cNvPr id="20" name="Rectangle 19">
-            <a:extLst>
-              <a:ext uri="{FF2B5EF4-FFF2-40B4-BE49-F238E27FC236}">
-                <a16:creationId xmlns:a16="http://schemas.microsoft.com/office/drawing/2014/main" id="{C475749F-F487-4EFB-ABC7-C1359590EB76}"/>
-              </a:ext>
-              <a:ext uri="{C183D7F6-B498-43B3-948B-1728B52AA6E4}">
-                <adec:decorative xmlns:adec="http://schemas.microsoft.com/office/drawing/2017/decorative" val="1"/>
-              </a:ext>
-            </a:extLst>
-          </p:cNvPr>
-          <p:cNvSpPr>
-            <a:spLocks noGrp="1" noRot="1" noChangeAspect="1" noMove="1" noResize="1" noEditPoints="1" noAdjustHandles="1" noChangeArrowheads="1" noChangeShapeType="1" noTextEdit="1"/>
-          </p:cNvSpPr>
-          <p:nvPr>
-            <p:extLst>
-              <p:ext uri="{386F3935-93C4-4BCD-93E2-E3B085C9AB24}">
-                <p16:designElem xmlns:p16="http://schemas.microsoft.com/office/powerpoint/2015/main" val="1"/>
-              </p:ext>
-            </p:extLst>
-          </p:nvPr>
-        </p:nvSpPr>
-        <p:spPr>
-          <a:xfrm>
-            <a:off x="0" y="0"/>
-            <a:ext cx="12192000" cy="6858000"/>
-          </a:xfrm>
-          <a:prstGeom prst="rect">
-            <a:avLst/>
-          </a:prstGeom>
-          <a:ln>
-            <a:noFill/>
-          </a:ln>
-        </p:spPr>
-        <p:style>
-          <a:lnRef idx="2">
-            <a:schemeClr val="accent1">
-              <a:shade val="50000"/>
-            </a:schemeClr>
-          </a:lnRef>
-          <a:fillRef idx="1">
-            <a:schemeClr val="accent1"/>
-          </a:fillRef>
-          <a:effectRef idx="0">
-            <a:schemeClr val="accent1"/>
-          </a:effectRef>
-          <a:fontRef idx="minor">
-            <a:schemeClr val="lt1"/>
-          </a:fontRef>
-        </p:style>
-        <p:txBody>
-          <a:bodyPr rtlCol="0" anchor="ctr"/>
-          <a:lstStyle/>
-          <a:p>
-            <a:pPr algn="ctr"/>
-            <a:endParaRPr lang="en-US"/>
-          </a:p>
-        </p:txBody>
-      </p:sp>
-      <p:sp>
-        <p:nvSpPr>
-          <p:cNvPr id="4" name="Title 3">
-            <a:extLst>
-              <a:ext uri="{FF2B5EF4-FFF2-40B4-BE49-F238E27FC236}">
-                <a16:creationId xmlns:a16="http://schemas.microsoft.com/office/drawing/2014/main" id="{BB2A1168-7759-4137-9142-9990CD1097B1}"/>
-              </a:ext>
-            </a:extLst>
-          </p:cNvPr>
-          <p:cNvSpPr>
-            <a:spLocks noGrp="1"/>
-          </p:cNvSpPr>
-          <p:nvPr>
-            <p:ph type="ctrTitle"/>
-          </p:nvPr>
-        </p:nvSpPr>
-        <p:spPr>
-          <a:xfrm>
-            <a:off x="880281" y="921452"/>
-            <a:ext cx="4985018" cy="3268639"/>
-          </a:xfrm>
-        </p:spPr>
-        <p:txBody>
-          <a:bodyPr anchor="b">
-            <a:normAutofit/>
-          </a:bodyPr>
-          <a:lstStyle/>
-          <a:p>
-            <a:pPr algn="l"/>
-            <a:r>
-              <a:rPr lang="en-US" sz="4500" dirty="0"/>
-              <a:t>What kinds of crimes are most common among different racial groups?</a:t>
-            </a:r>
-          </a:p>
-        </p:txBody>
-      </p:sp>
-      <p:sp>
-        <p:nvSpPr>
-          <p:cNvPr id="22" name="Freeform: Shape 21">
-            <a:extLst>
-              <a:ext uri="{FF2B5EF4-FFF2-40B4-BE49-F238E27FC236}">
-                <a16:creationId xmlns:a16="http://schemas.microsoft.com/office/drawing/2014/main" id="{16D6FAA8-41A5-46EA-A8AB-E9D2754A6F32}"/>
-              </a:ext>
-              <a:ext uri="{C183D7F6-B498-43B3-948B-1728B52AA6E4}">
-                <adec:decorative xmlns:adec="http://schemas.microsoft.com/office/drawing/2017/decorative" val="1"/>
-              </a:ext>
-            </a:extLst>
-          </p:cNvPr>
-          <p:cNvSpPr>
-            <a:spLocks noGrp="1" noRot="1" noChangeAspect="1" noMove="1" noResize="1" noEditPoints="1" noAdjustHandles="1" noChangeArrowheads="1" noChangeShapeType="1" noTextEdit="1"/>
-          </p:cNvSpPr>
-          <p:nvPr>
-            <p:extLst>
-              <p:ext uri="{386F3935-93C4-4BCD-93E2-E3B085C9AB24}">
-                <p16:designElem xmlns:p16="http://schemas.microsoft.com/office/powerpoint/2015/main" val="1"/>
-              </p:ext>
-            </p:extLst>
-          </p:nvPr>
-        </p:nvSpPr>
-        <p:spPr>
-          <a:xfrm>
-            <a:off x="6000601" y="1073777"/>
-            <a:ext cx="5623281" cy="4686943"/>
-          </a:xfrm>
-          <a:custGeom>
-            <a:avLst/>
-            <a:gdLst>
-              <a:gd name="connsiteX0" fmla="*/ 2768595 w 4574113"/>
-              <a:gd name="connsiteY0" fmla="*/ 2476119 h 3812472"/>
-              <a:gd name="connsiteX1" fmla="*/ 3374676 w 4574113"/>
-              <a:gd name="connsiteY1" fmla="*/ 2476119 h 3812472"/>
-              <a:gd name="connsiteX2" fmla="*/ 3403209 w 4574113"/>
-              <a:gd name="connsiteY2" fmla="*/ 2479909 h 3812472"/>
-              <a:gd name="connsiteX3" fmla="*/ 3422833 w 4574113"/>
-              <a:gd name="connsiteY3" fmla="*/ 2488137 h 3812472"/>
-              <a:gd name="connsiteX4" fmla="*/ 3410840 w 4574113"/>
-              <a:gd name="connsiteY4" fmla="*/ 2508879 h 3812472"/>
-              <a:gd name="connsiteX5" fmla="*/ 2985934 w 4574113"/>
-              <a:gd name="connsiteY5" fmla="*/ 3243764 h 3812472"/>
-              <a:gd name="connsiteX6" fmla="*/ 2732784 w 4574113"/>
-              <a:gd name="connsiteY6" fmla="*/ 3390890 h 3812472"/>
-              <a:gd name="connsiteX7" fmla="*/ 2529297 w 4574113"/>
-              <a:gd name="connsiteY7" fmla="*/ 3390890 h 3812472"/>
-              <a:gd name="connsiteX8" fmla="*/ 2505559 w 4574113"/>
-              <a:gd name="connsiteY8" fmla="*/ 3390890 h 3812472"/>
-              <a:gd name="connsiteX9" fmla="*/ 2482907 w 4574113"/>
-              <a:gd name="connsiteY9" fmla="*/ 3351884 h 3812472"/>
-              <a:gd name="connsiteX10" fmla="*/ 2371959 w 4574113"/>
-              <a:gd name="connsiteY10" fmla="*/ 3160822 h 3812472"/>
-              <a:gd name="connsiteX11" fmla="*/ 2371959 w 4574113"/>
-              <a:gd name="connsiteY11" fmla="*/ 3053878 h 3812472"/>
-              <a:gd name="connsiteX12" fmla="*/ 2675654 w 4574113"/>
-              <a:gd name="connsiteY12" fmla="*/ 2530895 h 3812472"/>
-              <a:gd name="connsiteX13" fmla="*/ 2768595 w 4574113"/>
-              <a:gd name="connsiteY13" fmla="*/ 2476119 h 3812472"/>
-              <a:gd name="connsiteX14" fmla="*/ 3909778 w 4574113"/>
-              <a:gd name="connsiteY14" fmla="*/ 676847 h 3812472"/>
-              <a:gd name="connsiteX15" fmla="*/ 4305516 w 4574113"/>
-              <a:gd name="connsiteY15" fmla="*/ 676847 h 3812472"/>
-              <a:gd name="connsiteX16" fmla="*/ 4367056 w 4574113"/>
-              <a:gd name="connsiteY16" fmla="*/ 712612 h 3812472"/>
-              <a:gd name="connsiteX17" fmla="*/ 4564498 w 4574113"/>
-              <a:gd name="connsiteY17" fmla="*/ 1054092 h 3812472"/>
-              <a:gd name="connsiteX18" fmla="*/ 4564498 w 4574113"/>
-              <a:gd name="connsiteY18" fmla="*/ 1123921 h 3812472"/>
-              <a:gd name="connsiteX19" fmla="*/ 4367056 w 4574113"/>
-              <a:gd name="connsiteY19" fmla="*/ 1465401 h 3812472"/>
-              <a:gd name="connsiteX20" fmla="*/ 4305516 w 4574113"/>
-              <a:gd name="connsiteY20" fmla="*/ 1501167 h 3812472"/>
-              <a:gd name="connsiteX21" fmla="*/ 3909778 w 4574113"/>
-              <a:gd name="connsiteY21" fmla="*/ 1501167 h 3812472"/>
-              <a:gd name="connsiteX22" fmla="*/ 3849091 w 4574113"/>
-              <a:gd name="connsiteY22" fmla="*/ 1465401 h 3812472"/>
-              <a:gd name="connsiteX23" fmla="*/ 3650795 w 4574113"/>
-              <a:gd name="connsiteY23" fmla="*/ 1123921 h 3812472"/>
-              <a:gd name="connsiteX24" fmla="*/ 3650795 w 4574113"/>
-              <a:gd name="connsiteY24" fmla="*/ 1054092 h 3812472"/>
-              <a:gd name="connsiteX25" fmla="*/ 3849091 w 4574113"/>
-              <a:gd name="connsiteY25" fmla="*/ 712612 h 3812472"/>
-              <a:gd name="connsiteX26" fmla="*/ 3909778 w 4574113"/>
-              <a:gd name="connsiteY26" fmla="*/ 676847 h 3812472"/>
-              <a:gd name="connsiteX27" fmla="*/ 1104892 w 4574113"/>
-              <a:gd name="connsiteY27" fmla="*/ 0 h 3812472"/>
-              <a:gd name="connsiteX28" fmla="*/ 2732784 w 4574113"/>
-              <a:gd name="connsiteY28" fmla="*/ 0 h 3812472"/>
-              <a:gd name="connsiteX29" fmla="*/ 2985934 w 4574113"/>
-              <a:gd name="connsiteY29" fmla="*/ 147125 h 3812472"/>
-              <a:gd name="connsiteX30" fmla="*/ 3798122 w 4574113"/>
-              <a:gd name="connsiteY30" fmla="*/ 1551823 h 3812472"/>
-              <a:gd name="connsiteX31" fmla="*/ 3798122 w 4574113"/>
-              <a:gd name="connsiteY31" fmla="*/ 1839068 h 3812472"/>
-              <a:gd name="connsiteX32" fmla="*/ 3496551 w 4574113"/>
-              <a:gd name="connsiteY32" fmla="*/ 2360642 h 3812472"/>
-              <a:gd name="connsiteX33" fmla="*/ 3471135 w 4574113"/>
-              <a:gd name="connsiteY33" fmla="*/ 2404597 h 3812472"/>
-              <a:gd name="connsiteX34" fmla="*/ 3472029 w 4574113"/>
-              <a:gd name="connsiteY34" fmla="*/ 2404972 h 3812472"/>
-              <a:gd name="connsiteX35" fmla="*/ 3516881 w 4574113"/>
-              <a:gd name="connsiteY35" fmla="*/ 2450209 h 3812472"/>
-              <a:gd name="connsiteX36" fmla="*/ 3857970 w 4574113"/>
-              <a:gd name="connsiteY36" fmla="*/ 3040131 h 3812472"/>
-              <a:gd name="connsiteX37" fmla="*/ 3857970 w 4574113"/>
-              <a:gd name="connsiteY37" fmla="*/ 3160764 h 3812472"/>
-              <a:gd name="connsiteX38" fmla="*/ 3516881 w 4574113"/>
-              <a:gd name="connsiteY38" fmla="*/ 3750684 h 3812472"/>
-              <a:gd name="connsiteX39" fmla="*/ 3410567 w 4574113"/>
-              <a:gd name="connsiteY39" fmla="*/ 3812472 h 3812472"/>
-              <a:gd name="connsiteX40" fmla="*/ 2726911 w 4574113"/>
-              <a:gd name="connsiteY40" fmla="*/ 3812472 h 3812472"/>
-              <a:gd name="connsiteX41" fmla="*/ 2622074 w 4574113"/>
-              <a:gd name="connsiteY41" fmla="*/ 3750684 h 3812472"/>
-              <a:gd name="connsiteX42" fmla="*/ 2438330 w 4574113"/>
-              <a:gd name="connsiteY42" fmla="*/ 3434265 h 3812472"/>
-              <a:gd name="connsiteX43" fmla="*/ 2417573 w 4574113"/>
-              <a:gd name="connsiteY43" fmla="*/ 3398519 h 3812472"/>
-              <a:gd name="connsiteX44" fmla="*/ 2433905 w 4574113"/>
-              <a:gd name="connsiteY44" fmla="*/ 3398519 h 3812472"/>
-              <a:gd name="connsiteX45" fmla="*/ 2511101 w 4574113"/>
-              <a:gd name="connsiteY45" fmla="*/ 3398519 h 3812472"/>
-              <a:gd name="connsiteX46" fmla="*/ 2544636 w 4574113"/>
-              <a:gd name="connsiteY46" fmla="*/ 3456269 h 3812472"/>
-              <a:gd name="connsiteX47" fmla="*/ 2672757 w 4574113"/>
-              <a:gd name="connsiteY47" fmla="*/ 3676902 h 3812472"/>
-              <a:gd name="connsiteX48" fmla="*/ 2765699 w 4574113"/>
-              <a:gd name="connsiteY48" fmla="*/ 3731679 h 3812472"/>
-              <a:gd name="connsiteX49" fmla="*/ 3371780 w 4574113"/>
-              <a:gd name="connsiteY49" fmla="*/ 3731679 h 3812472"/>
-              <a:gd name="connsiteX50" fmla="*/ 3466029 w 4574113"/>
-              <a:gd name="connsiteY50" fmla="*/ 3676902 h 3812472"/>
-              <a:gd name="connsiteX51" fmla="*/ 3768415 w 4574113"/>
-              <a:gd name="connsiteY51" fmla="*/ 3153920 h 3812472"/>
-              <a:gd name="connsiteX52" fmla="*/ 3768415 w 4574113"/>
-              <a:gd name="connsiteY52" fmla="*/ 3046975 h 3812472"/>
-              <a:gd name="connsiteX53" fmla="*/ 3466029 w 4574113"/>
-              <a:gd name="connsiteY53" fmla="*/ 2523992 h 3812472"/>
-              <a:gd name="connsiteX54" fmla="*/ 3426268 w 4574113"/>
-              <a:gd name="connsiteY54" fmla="*/ 2483888 h 3812472"/>
-              <a:gd name="connsiteX55" fmla="*/ 3421667 w 4574113"/>
-              <a:gd name="connsiteY55" fmla="*/ 2481960 h 3812472"/>
-              <a:gd name="connsiteX56" fmla="*/ 3446331 w 4574113"/>
-              <a:gd name="connsiteY56" fmla="*/ 2439303 h 3812472"/>
-              <a:gd name="connsiteX57" fmla="*/ 3464674 w 4574113"/>
-              <a:gd name="connsiteY57" fmla="*/ 2407578 h 3812472"/>
-              <a:gd name="connsiteX58" fmla="*/ 3445649 w 4574113"/>
-              <a:gd name="connsiteY58" fmla="*/ 2399601 h 3812472"/>
-              <a:gd name="connsiteX59" fmla="*/ 3413464 w 4574113"/>
-              <a:gd name="connsiteY59" fmla="*/ 2395325 h 3812472"/>
-              <a:gd name="connsiteX60" fmla="*/ 2729808 w 4574113"/>
-              <a:gd name="connsiteY60" fmla="*/ 2395325 h 3812472"/>
-              <a:gd name="connsiteX61" fmla="*/ 2624971 w 4574113"/>
-              <a:gd name="connsiteY61" fmla="*/ 2457112 h 3812472"/>
-              <a:gd name="connsiteX62" fmla="*/ 2282405 w 4574113"/>
-              <a:gd name="connsiteY62" fmla="*/ 3047034 h 3812472"/>
-              <a:gd name="connsiteX63" fmla="*/ 2282405 w 4574113"/>
-              <a:gd name="connsiteY63" fmla="*/ 3167666 h 3812472"/>
-              <a:gd name="connsiteX64" fmla="*/ 2395478 w 4574113"/>
-              <a:gd name="connsiteY64" fmla="*/ 3362386 h 3812472"/>
-              <a:gd name="connsiteX65" fmla="*/ 2412031 w 4574113"/>
-              <a:gd name="connsiteY65" fmla="*/ 3390890 h 3812472"/>
-              <a:gd name="connsiteX66" fmla="*/ 2335350 w 4574113"/>
-              <a:gd name="connsiteY66" fmla="*/ 3390890 h 3812472"/>
-              <a:gd name="connsiteX67" fmla="*/ 1104892 w 4574113"/>
-              <a:gd name="connsiteY67" fmla="*/ 3390890 h 3812472"/>
-              <a:gd name="connsiteX68" fmla="*/ 855258 w 4574113"/>
-              <a:gd name="connsiteY68" fmla="*/ 3243764 h 3812472"/>
-              <a:gd name="connsiteX69" fmla="*/ 39555 w 4574113"/>
-              <a:gd name="connsiteY69" fmla="*/ 1839068 h 3812472"/>
-              <a:gd name="connsiteX70" fmla="*/ 39555 w 4574113"/>
-              <a:gd name="connsiteY70" fmla="*/ 1551823 h 3812472"/>
-              <a:gd name="connsiteX71" fmla="*/ 855258 w 4574113"/>
-              <a:gd name="connsiteY71" fmla="*/ 147125 h 3812472"/>
-              <a:gd name="connsiteX72" fmla="*/ 1104892 w 4574113"/>
-              <a:gd name="connsiteY72" fmla="*/ 0 h 3812472"/>
-            </a:gdLst>
-            <a:ahLst/>
-            <a:cxnLst>
-              <a:cxn ang="0">
-                <a:pos x="connsiteX0" y="connsiteY0"/>
-              </a:cxn>
-              <a:cxn ang="0">
-                <a:pos x="connsiteX1" y="connsiteY1"/>
-              </a:cxn>
-              <a:cxn ang="0">
-                <a:pos x="connsiteX2" y="connsiteY2"/>
-              </a:cxn>
-              <a:cxn ang="0">
-                <a:pos x="connsiteX3" y="connsiteY3"/>
-              </a:cxn>
-              <a:cxn ang="0">
-                <a:pos x="connsiteX4" y="connsiteY4"/>
-              </a:cxn>
-              <a:cxn ang="0">
-                <a:pos x="connsiteX5" y="connsiteY5"/>
-              </a:cxn>
-              <a:cxn ang="0">
-                <a:pos x="connsiteX6" y="connsiteY6"/>
-              </a:cxn>
-              <a:cxn ang="0">
-                <a:pos x="connsiteX7" y="connsiteY7"/>
-              </a:cxn>
-              <a:cxn ang="0">
-                <a:pos x="connsiteX8" y="connsiteY8"/>
-              </a:cxn>
-              <a:cxn ang="0">
-                <a:pos x="connsiteX9" y="connsiteY9"/>
-              </a:cxn>
-              <a:cxn ang="0">
-                <a:pos x="connsiteX10" y="connsiteY10"/>
-              </a:cxn>
-              <a:cxn ang="0">
-                <a:pos x="connsiteX11" y="connsiteY11"/>
-              </a:cxn>
-              <a:cxn ang="0">
-                <a:pos x="connsiteX12" y="connsiteY12"/>
-              </a:cxn>
-              <a:cxn ang="0">
-                <a:pos x="connsiteX13" y="connsiteY13"/>
-              </a:cxn>
-              <a:cxn ang="0">
-                <a:pos x="connsiteX14" y="connsiteY14"/>
-              </a:cxn>
-              <a:cxn ang="0">
-                <a:pos x="connsiteX15" y="connsiteY15"/>
-              </a:cxn>
-              <a:cxn ang="0">
-                <a:pos x="connsiteX16" y="connsiteY16"/>
-              </a:cxn>
-              <a:cxn ang="0">
-                <a:pos x="connsiteX17" y="connsiteY17"/>
-              </a:cxn>
-              <a:cxn ang="0">
-                <a:pos x="connsiteX18" y="connsiteY18"/>
-              </a:cxn>
-              <a:cxn ang="0">
-                <a:pos x="connsiteX19" y="connsiteY19"/>
-              </a:cxn>
-              <a:cxn ang="0">
-                <a:pos x="connsiteX20" y="connsiteY20"/>
-              </a:cxn>
-              <a:cxn ang="0">
-                <a:pos x="connsiteX21" y="connsiteY21"/>
-              </a:cxn>
-              <a:cxn ang="0">
-                <a:pos x="connsiteX22" y="connsiteY22"/>
-              </a:cxn>
-              <a:cxn ang="0">
-                <a:pos x="connsiteX23" y="connsiteY23"/>
-              </a:cxn>
-              <a:cxn ang="0">
-                <a:pos x="connsiteX24" y="connsiteY24"/>
-              </a:cxn>
-              <a:cxn ang="0">
-                <a:pos x="connsiteX25" y="connsiteY25"/>
-              </a:cxn>
-              <a:cxn ang="0">
-                <a:pos x="connsiteX26" y="connsiteY26"/>
-              </a:cxn>
-              <a:cxn ang="0">
-                <a:pos x="connsiteX27" y="connsiteY27"/>
-              </a:cxn>
-              <a:cxn ang="0">
-                <a:pos x="connsiteX28" y="connsiteY28"/>
-              </a:cxn>
-              <a:cxn ang="0">
-                <a:pos x="connsiteX29" y="connsiteY29"/>
-              </a:cxn>
-              <a:cxn ang="0">
-                <a:pos x="connsiteX30" y="connsiteY30"/>
-              </a:cxn>
-              <a:cxn ang="0">
-                <a:pos x="connsiteX31" y="connsiteY31"/>
-              </a:cxn>
-              <a:cxn ang="0">
-                <a:pos x="connsiteX32" y="connsiteY32"/>
-              </a:cxn>
-              <a:cxn ang="0">
-                <a:pos x="connsiteX33" y="connsiteY33"/>
-              </a:cxn>
-              <a:cxn ang="0">
-                <a:pos x="connsiteX34" y="connsiteY34"/>
-              </a:cxn>
-              <a:cxn ang="0">
-                <a:pos x="connsiteX35" y="connsiteY35"/>
-              </a:cxn>
-              <a:cxn ang="0">
-                <a:pos x="connsiteX36" y="connsiteY36"/>
-              </a:cxn>
-              <a:cxn ang="0">
-                <a:pos x="connsiteX37" y="connsiteY37"/>
-              </a:cxn>
-              <a:cxn ang="0">
-                <a:pos x="connsiteX38" y="connsiteY38"/>
-              </a:cxn>
-              <a:cxn ang="0">
-                <a:pos x="connsiteX39" y="connsiteY39"/>
-              </a:cxn>
-              <a:cxn ang="0">
-                <a:pos x="connsiteX40" y="connsiteY40"/>
-              </a:cxn>
-              <a:cxn ang="0">
-                <a:pos x="connsiteX41" y="connsiteY41"/>
-              </a:cxn>
-              <a:cxn ang="0">
-                <a:pos x="connsiteX42" y="connsiteY42"/>
-              </a:cxn>
-              <a:cxn ang="0">
-                <a:pos x="connsiteX43" y="connsiteY43"/>
-              </a:cxn>
-              <a:cxn ang="0">
-                <a:pos x="connsiteX44" y="connsiteY44"/>
-              </a:cxn>
-              <a:cxn ang="0">
-                <a:pos x="connsiteX45" y="connsiteY45"/>
-              </a:cxn>
-              <a:cxn ang="0">
-                <a:pos x="connsiteX46" y="connsiteY46"/>
-              </a:cxn>
-              <a:cxn ang="0">
-                <a:pos x="connsiteX47" y="connsiteY47"/>
-              </a:cxn>
-              <a:cxn ang="0">
-                <a:pos x="connsiteX48" y="connsiteY48"/>
-              </a:cxn>
-              <a:cxn ang="0">
-                <a:pos x="connsiteX49" y="connsiteY49"/>
-              </a:cxn>
-              <a:cxn ang="0">
-                <a:pos x="connsiteX50" y="connsiteY50"/>
-              </a:cxn>
-              <a:cxn ang="0">
-                <a:pos x="connsiteX51" y="connsiteY51"/>
-              </a:cxn>
-              <a:cxn ang="0">
-                <a:pos x="connsiteX52" y="connsiteY52"/>
-              </a:cxn>
-              <a:cxn ang="0">
-                <a:pos x="connsiteX53" y="connsiteY53"/>
-              </a:cxn>
-              <a:cxn ang="0">
-                <a:pos x="connsiteX54" y="connsiteY54"/>
-              </a:cxn>
-              <a:cxn ang="0">
-                <a:pos x="connsiteX55" y="connsiteY55"/>
-              </a:cxn>
-              <a:cxn ang="0">
-                <a:pos x="connsiteX56" y="connsiteY56"/>
-              </a:cxn>
-              <a:cxn ang="0">
-                <a:pos x="connsiteX57" y="connsiteY57"/>
-              </a:cxn>
-              <a:cxn ang="0">
-                <a:pos x="connsiteX58" y="connsiteY58"/>
-              </a:cxn>
-              <a:cxn ang="0">
-                <a:pos x="connsiteX59" y="connsiteY59"/>
-              </a:cxn>
-              <a:cxn ang="0">
-                <a:pos x="connsiteX60" y="connsiteY60"/>
-              </a:cxn>
-              <a:cxn ang="0">
-                <a:pos x="connsiteX61" y="connsiteY61"/>
-              </a:cxn>
-              <a:cxn ang="0">
-                <a:pos x="connsiteX62" y="connsiteY62"/>
-              </a:cxn>
-              <a:cxn ang="0">
-                <a:pos x="connsiteX63" y="connsiteY63"/>
-              </a:cxn>
-              <a:cxn ang="0">
-                <a:pos x="connsiteX64" y="connsiteY64"/>
-              </a:cxn>
-              <a:cxn ang="0">
-                <a:pos x="connsiteX65" y="connsiteY65"/>
-              </a:cxn>
-              <a:cxn ang="0">
-                <a:pos x="connsiteX66" y="connsiteY66"/>
-              </a:cxn>
-              <a:cxn ang="0">
-                <a:pos x="connsiteX67" y="connsiteY67"/>
-              </a:cxn>
-              <a:cxn ang="0">
-                <a:pos x="connsiteX68" y="connsiteY68"/>
-              </a:cxn>
-              <a:cxn ang="0">
-                <a:pos x="connsiteX69" y="connsiteY69"/>
-              </a:cxn>
-              <a:cxn ang="0">
-                <a:pos x="connsiteX70" y="connsiteY70"/>
-              </a:cxn>
-              <a:cxn ang="0">
-                <a:pos x="connsiteX71" y="connsiteY71"/>
-              </a:cxn>
-              <a:cxn ang="0">
-                <a:pos x="connsiteX72" y="connsiteY72"/>
-              </a:cxn>
-            </a:cxnLst>
-            <a:rect l="l" t="t" r="r" b="b"/>
-            <a:pathLst>
-              <a:path w="4574113" h="3812472">
-                <a:moveTo>
-                  <a:pt x="2768595" y="2476119"/>
-                </a:moveTo>
-                <a:cubicBezTo>
-                  <a:pt x="2768595" y="2476119"/>
-                  <a:pt x="2768595" y="2476119"/>
-                  <a:pt x="3374676" y="2476119"/>
-                </a:cubicBezTo>
-                <a:cubicBezTo>
-                  <a:pt x="3384493" y="2476119"/>
-                  <a:pt x="3394066" y="2477423"/>
-                  <a:pt x="3403209" y="2479909"/>
-                </a:cubicBezTo>
-                <a:lnTo>
-                  <a:pt x="3422833" y="2488137"/>
-                </a:lnTo>
-                <a:lnTo>
-                  <a:pt x="3410840" y="2508879"/>
-                </a:lnTo>
-                <a:cubicBezTo>
-                  <a:pt x="3302401" y="2696426"/>
-                  <a:pt x="3163600" y="2936487"/>
-                  <a:pt x="2985934" y="3243764"/>
-                </a:cubicBezTo>
-                <a:cubicBezTo>
-                  <a:pt x="2933195" y="3334842"/>
-                  <a:pt x="2838263" y="3390890"/>
-                  <a:pt x="2732784" y="3390890"/>
-                </a:cubicBezTo>
-                <a:cubicBezTo>
-                  <a:pt x="2732784" y="3390890"/>
-                  <a:pt x="2732784" y="3390890"/>
-                  <a:pt x="2529297" y="3390890"/>
-                </a:cubicBezTo>
-                <a:lnTo>
-                  <a:pt x="2505559" y="3390890"/>
-                </a:lnTo>
-                <a:lnTo>
-                  <a:pt x="2482907" y="3351884"/>
-                </a:lnTo>
-                <a:cubicBezTo>
-                  <a:pt x="2451367" y="3297569"/>
-                  <a:pt x="2414666" y="3234367"/>
-                  <a:pt x="2371959" y="3160822"/>
-                </a:cubicBezTo>
-                <a:cubicBezTo>
-                  <a:pt x="2352324" y="3128217"/>
-                  <a:pt x="2352324" y="3086483"/>
-                  <a:pt x="2371959" y="3053878"/>
-                </a:cubicBezTo>
-                <a:cubicBezTo>
-                  <a:pt x="2371959" y="3053878"/>
-                  <a:pt x="2371959" y="3053878"/>
-                  <a:pt x="2675654" y="2530895"/>
-                </a:cubicBezTo>
-                <a:cubicBezTo>
-                  <a:pt x="2693981" y="2496986"/>
-                  <a:pt x="2730633" y="2476119"/>
-                  <a:pt x="2768595" y="2476119"/>
-                </a:cubicBezTo>
-                <a:close/>
-                <a:moveTo>
-                  <a:pt x="3909778" y="676847"/>
-                </a:moveTo>
-                <a:cubicBezTo>
-                  <a:pt x="3909778" y="676847"/>
-                  <a:pt x="3909778" y="676847"/>
-                  <a:pt x="4305516" y="676847"/>
-                </a:cubicBezTo>
-                <a:cubicBezTo>
-                  <a:pt x="4331158" y="676847"/>
-                  <a:pt x="4354235" y="690472"/>
-                  <a:pt x="4367056" y="712612"/>
-                </a:cubicBezTo>
-                <a:cubicBezTo>
-                  <a:pt x="4367056" y="712612"/>
-                  <a:pt x="4367056" y="712612"/>
-                  <a:pt x="4564498" y="1054092"/>
-                </a:cubicBezTo>
-                <a:cubicBezTo>
-                  <a:pt x="4577319" y="1075382"/>
-                  <a:pt x="4577319" y="1102632"/>
-                  <a:pt x="4564498" y="1123921"/>
-                </a:cubicBezTo>
-                <a:cubicBezTo>
-                  <a:pt x="4564498" y="1123921"/>
-                  <a:pt x="4564498" y="1123921"/>
-                  <a:pt x="4367056" y="1465401"/>
-                </a:cubicBezTo>
-                <a:cubicBezTo>
-                  <a:pt x="4354235" y="1487542"/>
-                  <a:pt x="4331158" y="1501167"/>
-                  <a:pt x="4305516" y="1501167"/>
-                </a:cubicBezTo>
-                <a:cubicBezTo>
-                  <a:pt x="4305516" y="1501167"/>
-                  <a:pt x="4305516" y="1501167"/>
-                  <a:pt x="3909778" y="1501167"/>
-                </a:cubicBezTo>
-                <a:cubicBezTo>
-                  <a:pt x="3884990" y="1501167"/>
-                  <a:pt x="3861058" y="1487542"/>
-                  <a:pt x="3849091" y="1465401"/>
-                </a:cubicBezTo>
-                <a:cubicBezTo>
-                  <a:pt x="3849091" y="1465401"/>
-                  <a:pt x="3849091" y="1465401"/>
-                  <a:pt x="3650795" y="1123921"/>
-                </a:cubicBezTo>
-                <a:cubicBezTo>
-                  <a:pt x="3637974" y="1102632"/>
-                  <a:pt x="3637974" y="1075382"/>
-                  <a:pt x="3650795" y="1054092"/>
-                </a:cubicBezTo>
-                <a:cubicBezTo>
-                  <a:pt x="3650795" y="1054092"/>
-                  <a:pt x="3650795" y="1054092"/>
-                  <a:pt x="3849091" y="712612"/>
-                </a:cubicBezTo>
-                <a:cubicBezTo>
-                  <a:pt x="3861058" y="690472"/>
-                  <a:pt x="3884990" y="676847"/>
-                  <a:pt x="3909778" y="676847"/>
-                </a:cubicBezTo>
-                <a:close/>
-                <a:moveTo>
-                  <a:pt x="1104892" y="0"/>
-                </a:moveTo>
-                <a:cubicBezTo>
-                  <a:pt x="1104892" y="0"/>
-                  <a:pt x="1104892" y="0"/>
-                  <a:pt x="2732784" y="0"/>
-                </a:cubicBezTo>
-                <a:cubicBezTo>
-                  <a:pt x="2838263" y="0"/>
-                  <a:pt x="2933195" y="56047"/>
-                  <a:pt x="2985934" y="147125"/>
-                </a:cubicBezTo>
-                <a:cubicBezTo>
-                  <a:pt x="2985934" y="147125"/>
-                  <a:pt x="2985934" y="147125"/>
-                  <a:pt x="3798122" y="1551823"/>
-                </a:cubicBezTo>
-                <a:cubicBezTo>
-                  <a:pt x="3850862" y="1639397"/>
-                  <a:pt x="3850862" y="1751493"/>
-                  <a:pt x="3798122" y="1839068"/>
-                </a:cubicBezTo>
-                <a:cubicBezTo>
-                  <a:pt x="3798122" y="1839068"/>
-                  <a:pt x="3798122" y="1839068"/>
-                  <a:pt x="3496551" y="2360642"/>
-                </a:cubicBezTo>
-                <a:lnTo>
-                  <a:pt x="3471135" y="2404597"/>
-                </a:lnTo>
-                <a:lnTo>
-                  <a:pt x="3472029" y="2404972"/>
-                </a:lnTo>
-                <a:cubicBezTo>
-                  <a:pt x="3490302" y="2415638"/>
-                  <a:pt x="3505806" y="2431084"/>
-                  <a:pt x="3516881" y="2450209"/>
-                </a:cubicBezTo>
-                <a:cubicBezTo>
-                  <a:pt x="3516881" y="2450209"/>
-                  <a:pt x="3516881" y="2450209"/>
-                  <a:pt x="3857970" y="3040131"/>
-                </a:cubicBezTo>
-                <a:cubicBezTo>
-                  <a:pt x="3880120" y="3076909"/>
-                  <a:pt x="3880120" y="3123985"/>
-                  <a:pt x="3857970" y="3160764"/>
-                </a:cubicBezTo>
-                <a:cubicBezTo>
-                  <a:pt x="3857970" y="3160764"/>
-                  <a:pt x="3857970" y="3160764"/>
-                  <a:pt x="3516881" y="3750684"/>
-                </a:cubicBezTo>
-                <a:cubicBezTo>
-                  <a:pt x="3494732" y="3788933"/>
-                  <a:pt x="3454864" y="3812472"/>
-                  <a:pt x="3410567" y="3812472"/>
-                </a:cubicBezTo>
-                <a:cubicBezTo>
-                  <a:pt x="3410567" y="3812472"/>
-                  <a:pt x="3410567" y="3812472"/>
-                  <a:pt x="2726911" y="3812472"/>
-                </a:cubicBezTo>
-                <a:cubicBezTo>
-                  <a:pt x="2684090" y="3812472"/>
-                  <a:pt x="2642747" y="3788933"/>
-                  <a:pt x="2622074" y="3750684"/>
-                </a:cubicBezTo>
-                <a:cubicBezTo>
-                  <a:pt x="2622074" y="3750684"/>
-                  <a:pt x="2622074" y="3750684"/>
-                  <a:pt x="2438330" y="3434265"/>
-                </a:cubicBezTo>
-                <a:lnTo>
-                  <a:pt x="2417573" y="3398519"/>
-                </a:lnTo>
-                <a:lnTo>
-                  <a:pt x="2433905" y="3398519"/>
-                </a:lnTo>
-                <a:lnTo>
-                  <a:pt x="2511101" y="3398519"/>
-                </a:lnTo>
-                <a:lnTo>
-                  <a:pt x="2544636" y="3456269"/>
-                </a:lnTo>
-                <a:cubicBezTo>
-                  <a:pt x="2672757" y="3676902"/>
-                  <a:pt x="2672757" y="3676902"/>
-                  <a:pt x="2672757" y="3676902"/>
-                </a:cubicBezTo>
-                <a:cubicBezTo>
-                  <a:pt x="2691084" y="3710811"/>
-                  <a:pt x="2727737" y="3731679"/>
-                  <a:pt x="2765699" y="3731679"/>
-                </a:cubicBezTo>
-                <a:cubicBezTo>
-                  <a:pt x="3371780" y="3731679"/>
-                  <a:pt x="3371780" y="3731679"/>
-                  <a:pt x="3371780" y="3731679"/>
-                </a:cubicBezTo>
-                <a:cubicBezTo>
-                  <a:pt x="3411050" y="3731679"/>
-                  <a:pt x="3446394" y="3710811"/>
-                  <a:pt x="3466029" y="3676902"/>
-                </a:cubicBezTo>
-                <a:cubicBezTo>
-                  <a:pt x="3768415" y="3153920"/>
-                  <a:pt x="3768415" y="3153920"/>
-                  <a:pt x="3768415" y="3153920"/>
-                </a:cubicBezTo>
-                <a:cubicBezTo>
-                  <a:pt x="3788051" y="3121314"/>
-                  <a:pt x="3788051" y="3079580"/>
-                  <a:pt x="3768415" y="3046975"/>
-                </a:cubicBezTo>
-                <a:cubicBezTo>
-                  <a:pt x="3466029" y="2523992"/>
-                  <a:pt x="3466029" y="2523992"/>
-                  <a:pt x="3466029" y="2523992"/>
-                </a:cubicBezTo>
-                <a:cubicBezTo>
-                  <a:pt x="3456211" y="2507037"/>
-                  <a:pt x="3442467" y="2493343"/>
-                  <a:pt x="3426268" y="2483888"/>
-                </a:cubicBezTo>
-                <a:lnTo>
-                  <a:pt x="3421667" y="2481960"/>
-                </a:lnTo>
-                <a:lnTo>
-                  <a:pt x="3446331" y="2439303"/>
-                </a:lnTo>
-                <a:lnTo>
-                  <a:pt x="3464674" y="2407578"/>
-                </a:lnTo>
-                <a:lnTo>
-                  <a:pt x="3445649" y="2399601"/>
-                </a:lnTo>
-                <a:cubicBezTo>
-                  <a:pt x="3435335" y="2396796"/>
-                  <a:pt x="3424538" y="2395325"/>
-                  <a:pt x="3413464" y="2395325"/>
-                </a:cubicBezTo>
-                <a:cubicBezTo>
-                  <a:pt x="2729808" y="2395325"/>
-                  <a:pt x="2729808" y="2395325"/>
-                  <a:pt x="2729808" y="2395325"/>
-                </a:cubicBezTo>
-                <a:cubicBezTo>
-                  <a:pt x="2686987" y="2395325"/>
-                  <a:pt x="2645644" y="2418863"/>
-                  <a:pt x="2624971" y="2457112"/>
-                </a:cubicBezTo>
-                <a:cubicBezTo>
-                  <a:pt x="2282405" y="3047034"/>
-                  <a:pt x="2282405" y="3047034"/>
-                  <a:pt x="2282405" y="3047034"/>
-                </a:cubicBezTo>
-                <a:cubicBezTo>
-                  <a:pt x="2260256" y="3083811"/>
-                  <a:pt x="2260256" y="3130887"/>
-                  <a:pt x="2282405" y="3167666"/>
-                </a:cubicBezTo>
-                <a:cubicBezTo>
-                  <a:pt x="2325225" y="3241406"/>
-                  <a:pt x="2362693" y="3305929"/>
-                  <a:pt x="2395478" y="3362386"/>
-                </a:cubicBezTo>
-                <a:lnTo>
-                  <a:pt x="2412031" y="3390890"/>
-                </a:lnTo>
-                <a:lnTo>
-                  <a:pt x="2335350" y="3390890"/>
-                </a:lnTo>
-                <a:cubicBezTo>
-                  <a:pt x="2096889" y="3390890"/>
-                  <a:pt x="1715352" y="3390890"/>
-                  <a:pt x="1104892" y="3390890"/>
-                </a:cubicBezTo>
-                <a:cubicBezTo>
-                  <a:pt x="1002929" y="3390890"/>
-                  <a:pt x="904482" y="3334842"/>
-                  <a:pt x="855258" y="3243764"/>
-                </a:cubicBezTo>
-                <a:cubicBezTo>
-                  <a:pt x="855258" y="3243764"/>
-                  <a:pt x="855258" y="3243764"/>
-                  <a:pt x="39555" y="1839068"/>
-                </a:cubicBezTo>
-                <a:cubicBezTo>
-                  <a:pt x="-13185" y="1751493"/>
-                  <a:pt x="-13185" y="1639397"/>
-                  <a:pt x="39555" y="1551823"/>
-                </a:cubicBezTo>
-                <a:cubicBezTo>
-                  <a:pt x="39555" y="1551823"/>
-                  <a:pt x="39555" y="1551823"/>
-                  <a:pt x="855258" y="147125"/>
-                </a:cubicBezTo>
-                <a:cubicBezTo>
-                  <a:pt x="904482" y="56047"/>
-                  <a:pt x="1002929" y="0"/>
-                  <a:pt x="1104892" y="0"/>
-                </a:cubicBezTo>
-                <a:close/>
-              </a:path>
-            </a:pathLst>
-          </a:custGeom>
-          <a:solidFill>
-            <a:schemeClr val="tx1"/>
-          </a:solidFill>
-          <a:ln>
-            <a:noFill/>
-          </a:ln>
-        </p:spPr>
-        <p:style>
-          <a:lnRef idx="2">
-            <a:schemeClr val="accent1">
-              <a:shade val="50000"/>
-            </a:schemeClr>
-          </a:lnRef>
-          <a:fillRef idx="1">
-            <a:schemeClr val="accent1"/>
-          </a:fillRef>
-          <a:effectRef idx="0">
-            <a:schemeClr val="accent1"/>
-          </a:effectRef>
-          <a:fontRef idx="minor">
-            <a:schemeClr val="lt1"/>
-          </a:fontRef>
-        </p:style>
-        <p:txBody>
-          <a:bodyPr wrap="square" rtlCol="0" anchor="ctr">
-            <a:noAutofit/>
-          </a:bodyPr>
-          <a:lstStyle/>
-          <a:p>
-            <a:pPr algn="ctr"/>
-            <a:endParaRPr lang="en-US"/>
-          </a:p>
-        </p:txBody>
-      </p:sp>
-    </p:spTree>
-    <p:extLst>
-      <p:ext uri="{BB962C8B-B14F-4D97-AF65-F5344CB8AC3E}">
-        <p14:creationId xmlns:p14="http://schemas.microsoft.com/office/powerpoint/2010/main" val="2497519914"/>
-      </p:ext>
-    </p:extLst>
-  </p:cSld>
-  <p:clrMapOvr>
-    <a:masterClrMapping/>
-  </p:clrMapOvr>
-</p:sld>
-</file>
-
-<file path=ppt/slides/slide22.xml><?xml version="1.0" encoding="utf-8"?>
-<p:sld xmlns:a="http://schemas.openxmlformats.org/drawingml/2006/main" xmlns:r="http://schemas.openxmlformats.org/officeDocument/2006/relationships" xmlns:p="http://schemas.openxmlformats.org/presentationml/2006/main">
-  <p:cSld>
-    <p:bg>
-      <p:bgPr>
-        <a:solidFill>
-          <a:schemeClr val="bg1"/>
-        </a:solidFill>
-        <a:effectLst/>
-      </p:bgPr>
-    </p:bg>
-    <p:spTree>
-      <p:nvGrpSpPr>
-        <p:cNvPr id="1" name=""/>
-        <p:cNvGrpSpPr/>
-        <p:nvPr/>
-      </p:nvGrpSpPr>
-      <p:grpSpPr>
-        <a:xfrm>
-          <a:off x="0" y="0"/>
-          <a:ext cx="0" cy="0"/>
-          <a:chOff x="0" y="0"/>
-          <a:chExt cx="0" cy="0"/>
-        </a:xfrm>
-      </p:grpSpPr>
-      <p:sp useBgFill="1">
-        <p:nvSpPr>
-          <p:cNvPr id="56" name="Rectangle 55">
-            <a:extLst>
-              <a:ext uri="{FF2B5EF4-FFF2-40B4-BE49-F238E27FC236}">
-                <a16:creationId xmlns:a16="http://schemas.microsoft.com/office/drawing/2014/main" id="{33CD251C-A887-4D2F-925B-FC097198538B}"/>
-              </a:ext>
-              <a:ext uri="{C183D7F6-B498-43B3-948B-1728B52AA6E4}">
-                <adec:decorative xmlns:adec="http://schemas.microsoft.com/office/drawing/2017/decorative" val="1"/>
-              </a:ext>
-            </a:extLst>
-          </p:cNvPr>
-          <p:cNvSpPr>
-            <a:spLocks noGrp="1" noRot="1" noChangeAspect="1" noMove="1" noResize="1" noEditPoints="1" noAdjustHandles="1" noChangeArrowheads="1" noChangeShapeType="1" noTextEdit="1"/>
-          </p:cNvSpPr>
-          <p:nvPr>
-            <p:extLst>
-              <p:ext uri="{386F3935-93C4-4BCD-93E2-E3B085C9AB24}">
-                <p16:designElem xmlns:p16="http://schemas.microsoft.com/office/powerpoint/2015/main" val="1"/>
-              </p:ext>
-            </p:extLst>
-          </p:nvPr>
-        </p:nvSpPr>
-        <p:spPr>
-          <a:xfrm>
-            <a:off x="0" y="0"/>
-            <a:ext cx="12192000" cy="6858000"/>
-          </a:xfrm>
-          <a:prstGeom prst="rect">
-            <a:avLst/>
-          </a:prstGeom>
-          <a:ln>
-            <a:noFill/>
-          </a:ln>
-        </p:spPr>
-        <p:style>
-          <a:lnRef idx="2">
-            <a:schemeClr val="accent1">
-              <a:shade val="50000"/>
-            </a:schemeClr>
-          </a:lnRef>
-          <a:fillRef idx="1">
-            <a:schemeClr val="accent1"/>
-          </a:fillRef>
-          <a:effectRef idx="0">
-            <a:schemeClr val="accent1"/>
-          </a:effectRef>
-          <a:fontRef idx="minor">
-            <a:schemeClr val="lt1"/>
-          </a:fontRef>
-        </p:style>
-        <p:txBody>
-          <a:bodyPr rtlCol="0" anchor="ctr"/>
-          <a:lstStyle/>
-          <a:p>
-            <a:pPr algn="ctr"/>
-            <a:endParaRPr lang="en-US"/>
-          </a:p>
-        </p:txBody>
-      </p:sp>
-      <p:sp>
-        <p:nvSpPr>
-          <p:cNvPr id="58" name="Rectangle 57">
-            <a:extLst>
-              <a:ext uri="{FF2B5EF4-FFF2-40B4-BE49-F238E27FC236}">
-                <a16:creationId xmlns:a16="http://schemas.microsoft.com/office/drawing/2014/main" id="{B19D093C-27FB-4032-B282-42C4563F257C}"/>
-              </a:ext>
-              <a:ext uri="{C183D7F6-B498-43B3-948B-1728B52AA6E4}">
-                <adec:decorative xmlns:adec="http://schemas.microsoft.com/office/drawing/2017/decorative" val="1"/>
-              </a:ext>
-            </a:extLst>
-          </p:cNvPr>
-          <p:cNvSpPr>
-            <a:spLocks noGrp="1" noRot="1" noChangeAspect="1" noMove="1" noResize="1" noEditPoints="1" noAdjustHandles="1" noChangeArrowheads="1" noChangeShapeType="1" noTextEdit="1"/>
-          </p:cNvSpPr>
-          <p:nvPr>
-            <p:extLst>
-              <p:ext uri="{386F3935-93C4-4BCD-93E2-E3B085C9AB24}">
-                <p16:designElem xmlns:p16="http://schemas.microsoft.com/office/powerpoint/2015/main" val="1"/>
-              </p:ext>
-            </p:extLst>
-          </p:nvPr>
-        </p:nvSpPr>
-        <p:spPr>
-          <a:xfrm>
-            <a:off x="0" y="0"/>
-            <a:ext cx="4694548" cy="6858000"/>
-          </a:xfrm>
-          <a:prstGeom prst="rect">
-            <a:avLst/>
-          </a:prstGeom>
-          <a:solidFill>
-            <a:schemeClr val="tx1"/>
-          </a:solidFill>
-          <a:ln>
-            <a:noFill/>
-          </a:ln>
-        </p:spPr>
-        <p:style>
-          <a:lnRef idx="2">
-            <a:schemeClr val="accent1">
-              <a:shade val="50000"/>
-            </a:schemeClr>
-          </a:lnRef>
-          <a:fillRef idx="1">
-            <a:schemeClr val="accent1"/>
-          </a:fillRef>
-          <a:effectRef idx="0">
-            <a:schemeClr val="accent1"/>
-          </a:effectRef>
-          <a:fontRef idx="minor">
-            <a:schemeClr val="lt1"/>
-          </a:fontRef>
-        </p:style>
-        <p:txBody>
-          <a:bodyPr rtlCol="0" anchor="ctr"/>
-          <a:lstStyle/>
-          <a:p>
-            <a:pPr algn="ctr"/>
-            <a:endParaRPr lang="en-US"/>
-          </a:p>
-        </p:txBody>
-      </p:sp>
-      <p:sp>
-        <p:nvSpPr>
-          <p:cNvPr id="2" name="Title 1">
-            <a:extLst>
-              <a:ext uri="{FF2B5EF4-FFF2-40B4-BE49-F238E27FC236}">
-                <a16:creationId xmlns:a16="http://schemas.microsoft.com/office/drawing/2014/main" id="{DA7F9311-0C48-4D07-8EB9-6965B2CD7BAD}"/>
-              </a:ext>
-            </a:extLst>
-          </p:cNvPr>
-          <p:cNvSpPr>
-            <a:spLocks noGrp="1"/>
-          </p:cNvSpPr>
-          <p:nvPr>
-            <p:ph type="title"/>
-          </p:nvPr>
-        </p:nvSpPr>
-        <p:spPr>
-          <a:xfrm>
-            <a:off x="767290" y="1780661"/>
-            <a:ext cx="3582073" cy="1463472"/>
-          </a:xfrm>
-        </p:spPr>
-        <p:txBody>
-          <a:bodyPr vert="horz" lIns="91440" tIns="45720" rIns="91440" bIns="45720" rtlCol="0" anchor="t">
-            <a:normAutofit/>
-          </a:bodyPr>
-          <a:lstStyle/>
-          <a:p>
-            <a:r>
-              <a:rPr lang="en-US" sz="4800" kern="1200">
-                <a:solidFill>
-                  <a:schemeClr val="bg1"/>
-                </a:solidFill>
-                <a:latin typeface="+mj-lt"/>
-                <a:ea typeface="+mj-ea"/>
-                <a:cs typeface="+mj-cs"/>
-              </a:rPr>
-              <a:t>Crime Categories</a:t>
-            </a:r>
-          </a:p>
-        </p:txBody>
-      </p:sp>
-      <p:grpSp>
-        <p:nvGrpSpPr>
-          <p:cNvPr id="60" name="Group 59">
-            <a:extLst>
-              <a:ext uri="{FF2B5EF4-FFF2-40B4-BE49-F238E27FC236}">
-                <a16:creationId xmlns:a16="http://schemas.microsoft.com/office/drawing/2014/main" id="{35EE815E-1BD3-4777-B652-6D98825BF66B}"/>
-              </a:ext>
-              <a:ext uri="{C183D7F6-B498-43B3-948B-1728B52AA6E4}">
-                <adec:decorative xmlns:adec="http://schemas.microsoft.com/office/drawing/2017/decorative" val="1"/>
-              </a:ext>
-            </a:extLst>
-          </p:cNvPr>
-          <p:cNvGrpSpPr>
-            <a:grpSpLocks noGrp="1" noUngrp="1" noRot="1" noChangeAspect="1" noMove="1" noResize="1"/>
-          </p:cNvGrpSpPr>
-          <p:nvPr>
-            <p:extLst>
-              <p:ext uri="{386F3935-93C4-4BCD-93E2-E3B085C9AB24}">
-                <p16:designElem xmlns:p16="http://schemas.microsoft.com/office/powerpoint/2015/main" val="1"/>
-              </p:ext>
-            </p:extLst>
-          </p:nvPr>
-        </p:nvGrpSpPr>
-        <p:grpSpPr>
-          <a:xfrm>
-            <a:off x="767290" y="681628"/>
-            <a:ext cx="1128382" cy="847206"/>
-            <a:chOff x="668003" y="1684057"/>
-            <a:chExt cx="1128382" cy="847206"/>
-          </a:xfrm>
-        </p:grpSpPr>
-        <p:sp>
-          <p:nvSpPr>
-            <p:cNvPr id="61" name="Freeform 5">
-              <a:extLst>
-                <a:ext uri="{FF2B5EF4-FFF2-40B4-BE49-F238E27FC236}">
-                  <a16:creationId xmlns:a16="http://schemas.microsoft.com/office/drawing/2014/main" id="{E6692982-4A7D-4392-87CD-F0CD4B027DDE}"/>
-                </a:ext>
-                <a:ext uri="{C183D7F6-B498-43B3-948B-1728B52AA6E4}">
-                  <adec:decorative xmlns:adec="http://schemas.microsoft.com/office/drawing/2017/decorative" val="1"/>
-                </a:ext>
-              </a:extLst>
-            </p:cNvPr>
-            <p:cNvSpPr>
-              <a:spLocks/>
-            </p:cNvSpPr>
-            <p:nvPr>
-              <p:extLst>
-                <p:ext uri="{386F3935-93C4-4BCD-93E2-E3B085C9AB24}">
-                  <p16:designElem xmlns:p16="http://schemas.microsoft.com/office/powerpoint/2015/main" val="1"/>
-                </p:ext>
-              </p:extLst>
-            </p:nvPr>
-          </p:nvSpPr>
-          <p:spPr bwMode="auto">
-            <a:xfrm>
-              <a:off x="668003" y="1935883"/>
-              <a:ext cx="675351" cy="595380"/>
-            </a:xfrm>
-            <a:custGeom>
-              <a:avLst/>
-              <a:gdLst>
-                <a:gd name="T0" fmla="*/ 225 w 785"/>
-                <a:gd name="T1" fmla="*/ 692 h 692"/>
-                <a:gd name="T2" fmla="*/ 177 w 785"/>
-                <a:gd name="T3" fmla="*/ 665 h 692"/>
-                <a:gd name="T4" fmla="*/ 9 w 785"/>
-                <a:gd name="T5" fmla="*/ 374 h 692"/>
-                <a:gd name="T6" fmla="*/ 9 w 785"/>
-                <a:gd name="T7" fmla="*/ 318 h 692"/>
-                <a:gd name="T8" fmla="*/ 177 w 785"/>
-                <a:gd name="T9" fmla="*/ 27 h 692"/>
-                <a:gd name="T10" fmla="*/ 225 w 785"/>
-                <a:gd name="T11" fmla="*/ 0 h 692"/>
-                <a:gd name="T12" fmla="*/ 561 w 785"/>
-                <a:gd name="T13" fmla="*/ 0 h 692"/>
-                <a:gd name="T14" fmla="*/ 609 w 785"/>
-                <a:gd name="T15" fmla="*/ 27 h 692"/>
-                <a:gd name="T16" fmla="*/ 777 w 785"/>
-                <a:gd name="T17" fmla="*/ 318 h 692"/>
-                <a:gd name="T18" fmla="*/ 777 w 785"/>
-                <a:gd name="T19" fmla="*/ 374 h 692"/>
-                <a:gd name="T20" fmla="*/ 609 w 785"/>
-                <a:gd name="T21" fmla="*/ 665 h 692"/>
-                <a:gd name="T22" fmla="*/ 561 w 785"/>
-                <a:gd name="T23" fmla="*/ 692 h 692"/>
-                <a:gd name="T24" fmla="*/ 225 w 785"/>
-                <a:gd name="T25" fmla="*/ 692 h 692"/>
-              </a:gdLst>
-              <a:ahLst/>
-              <a:cxnLst>
-                <a:cxn ang="0">
-                  <a:pos x="T0" y="T1"/>
-                </a:cxn>
-                <a:cxn ang="0">
-                  <a:pos x="T2" y="T3"/>
-                </a:cxn>
-                <a:cxn ang="0">
-                  <a:pos x="T4" y="T5"/>
-                </a:cxn>
-                <a:cxn ang="0">
-                  <a:pos x="T6" y="T7"/>
-                </a:cxn>
-                <a:cxn ang="0">
-                  <a:pos x="T8" y="T9"/>
-                </a:cxn>
-                <a:cxn ang="0">
-                  <a:pos x="T10" y="T11"/>
-                </a:cxn>
-                <a:cxn ang="0">
-                  <a:pos x="T12" y="T13"/>
-                </a:cxn>
-                <a:cxn ang="0">
-                  <a:pos x="T14" y="T15"/>
-                </a:cxn>
-                <a:cxn ang="0">
-                  <a:pos x="T16" y="T17"/>
-                </a:cxn>
-                <a:cxn ang="0">
-                  <a:pos x="T18" y="T19"/>
-                </a:cxn>
-                <a:cxn ang="0">
-                  <a:pos x="T20" y="T21"/>
-                </a:cxn>
-                <a:cxn ang="0">
-                  <a:pos x="T22" y="T23"/>
-                </a:cxn>
-                <a:cxn ang="0">
-                  <a:pos x="T24" y="T25"/>
-                </a:cxn>
-              </a:cxnLst>
-              <a:rect l="0" t="0" r="r" b="b"/>
-              <a:pathLst>
-                <a:path w="785" h="692">
-                  <a:moveTo>
-                    <a:pt x="225" y="692"/>
-                  </a:moveTo>
-                  <a:cubicBezTo>
-                    <a:pt x="207" y="692"/>
-                    <a:pt x="185" y="680"/>
-                    <a:pt x="177" y="665"/>
-                  </a:cubicBezTo>
-                  <a:cubicBezTo>
-                    <a:pt x="9" y="374"/>
-                    <a:pt x="9" y="374"/>
-                    <a:pt x="9" y="374"/>
-                  </a:cubicBezTo>
-                  <a:cubicBezTo>
-                    <a:pt x="0" y="358"/>
-                    <a:pt x="0" y="334"/>
-                    <a:pt x="9" y="318"/>
-                  </a:cubicBezTo>
-                  <a:cubicBezTo>
-                    <a:pt x="177" y="27"/>
-                    <a:pt x="177" y="27"/>
-                    <a:pt x="177" y="27"/>
-                  </a:cubicBezTo>
-                  <a:cubicBezTo>
-                    <a:pt x="185" y="12"/>
-                    <a:pt x="207" y="0"/>
-                    <a:pt x="225" y="0"/>
-                  </a:cubicBezTo>
-                  <a:cubicBezTo>
-                    <a:pt x="561" y="0"/>
-                    <a:pt x="561" y="0"/>
-                    <a:pt x="561" y="0"/>
-                  </a:cubicBezTo>
-                  <a:cubicBezTo>
-                    <a:pt x="578" y="0"/>
-                    <a:pt x="600" y="12"/>
-                    <a:pt x="609" y="27"/>
-                  </a:cubicBezTo>
-                  <a:cubicBezTo>
-                    <a:pt x="777" y="318"/>
-                    <a:pt x="777" y="318"/>
-                    <a:pt x="777" y="318"/>
-                  </a:cubicBezTo>
-                  <a:cubicBezTo>
-                    <a:pt x="785" y="334"/>
-                    <a:pt x="785" y="358"/>
-                    <a:pt x="777" y="374"/>
-                  </a:cubicBezTo>
-                  <a:cubicBezTo>
-                    <a:pt x="609" y="665"/>
-                    <a:pt x="609" y="665"/>
-                    <a:pt x="609" y="665"/>
-                  </a:cubicBezTo>
-                  <a:cubicBezTo>
-                    <a:pt x="600" y="680"/>
-                    <a:pt x="578" y="692"/>
-                    <a:pt x="561" y="692"/>
-                  </a:cubicBezTo>
-                  <a:lnTo>
-                    <a:pt x="225" y="692"/>
-                  </a:lnTo>
-                  <a:close/>
-                </a:path>
-              </a:pathLst>
-            </a:custGeom>
-            <a:noFill/>
-            <a:ln w="28575" cmpd="sng">
-              <a:solidFill>
-                <a:schemeClr val="bg1"/>
-              </a:solidFill>
-            </a:ln>
-          </p:spPr>
-          <p:txBody>
-            <a:bodyPr vert="horz" wrap="square" lIns="91440" tIns="45720" rIns="91440" bIns="45720" numCol="1" anchor="t" anchorCtr="0" compatLnSpc="1">
-              <a:prstTxWarp prst="textNoShape">
-                <a:avLst/>
-              </a:prstTxWarp>
-            </a:bodyPr>
-            <a:lstStyle/>
-            <a:p>
-              <a:endParaRPr lang="en-US"/>
-            </a:p>
-          </p:txBody>
-        </p:sp>
-        <p:sp>
-          <p:nvSpPr>
-            <p:cNvPr id="62" name="Freeform 5">
-              <a:extLst>
-                <a:ext uri="{FF2B5EF4-FFF2-40B4-BE49-F238E27FC236}">
-                  <a16:creationId xmlns:a16="http://schemas.microsoft.com/office/drawing/2014/main" id="{196485F7-F277-4123-AC53-98EA4C858774}"/>
-                </a:ext>
-                <a:ext uri="{C183D7F6-B498-43B3-948B-1728B52AA6E4}">
-                  <adec:decorative xmlns:adec="http://schemas.microsoft.com/office/drawing/2017/decorative" val="1"/>
-                </a:ext>
-              </a:extLst>
-            </p:cNvPr>
-            <p:cNvSpPr>
-              <a:spLocks/>
-            </p:cNvSpPr>
-            <p:nvPr>
-              <p:extLst>
-                <p:ext uri="{386F3935-93C4-4BCD-93E2-E3B085C9AB24}">
-                  <p16:designElem xmlns:p16="http://schemas.microsoft.com/office/powerpoint/2015/main" val="1"/>
-                </p:ext>
-              </p:extLst>
-            </p:nvPr>
-          </p:nvSpPr>
-          <p:spPr bwMode="auto">
-            <a:xfrm>
-              <a:off x="1245893" y="1684057"/>
-              <a:ext cx="550492" cy="485306"/>
-            </a:xfrm>
-            <a:custGeom>
-              <a:avLst/>
-              <a:gdLst>
-                <a:gd name="T0" fmla="*/ 225 w 785"/>
-                <a:gd name="T1" fmla="*/ 692 h 692"/>
-                <a:gd name="T2" fmla="*/ 177 w 785"/>
-                <a:gd name="T3" fmla="*/ 665 h 692"/>
-                <a:gd name="T4" fmla="*/ 9 w 785"/>
-                <a:gd name="T5" fmla="*/ 374 h 692"/>
-                <a:gd name="T6" fmla="*/ 9 w 785"/>
-                <a:gd name="T7" fmla="*/ 318 h 692"/>
-                <a:gd name="T8" fmla="*/ 177 w 785"/>
-                <a:gd name="T9" fmla="*/ 27 h 692"/>
-                <a:gd name="T10" fmla="*/ 225 w 785"/>
-                <a:gd name="T11" fmla="*/ 0 h 692"/>
-                <a:gd name="T12" fmla="*/ 561 w 785"/>
-                <a:gd name="T13" fmla="*/ 0 h 692"/>
-                <a:gd name="T14" fmla="*/ 609 w 785"/>
-                <a:gd name="T15" fmla="*/ 27 h 692"/>
-                <a:gd name="T16" fmla="*/ 777 w 785"/>
-                <a:gd name="T17" fmla="*/ 318 h 692"/>
-                <a:gd name="T18" fmla="*/ 777 w 785"/>
-                <a:gd name="T19" fmla="*/ 374 h 692"/>
-                <a:gd name="T20" fmla="*/ 609 w 785"/>
-                <a:gd name="T21" fmla="*/ 665 h 692"/>
-                <a:gd name="T22" fmla="*/ 561 w 785"/>
-                <a:gd name="T23" fmla="*/ 692 h 692"/>
-                <a:gd name="T24" fmla="*/ 225 w 785"/>
-                <a:gd name="T25" fmla="*/ 692 h 692"/>
-              </a:gdLst>
-              <a:ahLst/>
-              <a:cxnLst>
-                <a:cxn ang="0">
-                  <a:pos x="T0" y="T1"/>
-                </a:cxn>
-                <a:cxn ang="0">
-                  <a:pos x="T2" y="T3"/>
-                </a:cxn>
-                <a:cxn ang="0">
-                  <a:pos x="T4" y="T5"/>
-                </a:cxn>
-                <a:cxn ang="0">
-                  <a:pos x="T6" y="T7"/>
-                </a:cxn>
-                <a:cxn ang="0">
-                  <a:pos x="T8" y="T9"/>
-                </a:cxn>
-                <a:cxn ang="0">
-                  <a:pos x="T10" y="T11"/>
-                </a:cxn>
-                <a:cxn ang="0">
-                  <a:pos x="T12" y="T13"/>
-                </a:cxn>
-                <a:cxn ang="0">
-                  <a:pos x="T14" y="T15"/>
-                </a:cxn>
-                <a:cxn ang="0">
-                  <a:pos x="T16" y="T17"/>
-                </a:cxn>
-                <a:cxn ang="0">
-                  <a:pos x="T18" y="T19"/>
-                </a:cxn>
-                <a:cxn ang="0">
-                  <a:pos x="T20" y="T21"/>
-                </a:cxn>
-                <a:cxn ang="0">
-                  <a:pos x="T22" y="T23"/>
-                </a:cxn>
-                <a:cxn ang="0">
-                  <a:pos x="T24" y="T25"/>
-                </a:cxn>
-              </a:cxnLst>
-              <a:rect l="0" t="0" r="r" b="b"/>
-              <a:pathLst>
-                <a:path w="785" h="692">
-                  <a:moveTo>
-                    <a:pt x="225" y="692"/>
-                  </a:moveTo>
-                  <a:cubicBezTo>
-                    <a:pt x="207" y="692"/>
-                    <a:pt x="185" y="680"/>
-                    <a:pt x="177" y="665"/>
-                  </a:cubicBezTo>
-                  <a:cubicBezTo>
-                    <a:pt x="9" y="374"/>
-                    <a:pt x="9" y="374"/>
-                    <a:pt x="9" y="374"/>
-                  </a:cubicBezTo>
-                  <a:cubicBezTo>
-                    <a:pt x="0" y="358"/>
-                    <a:pt x="0" y="334"/>
-                    <a:pt x="9" y="318"/>
-                  </a:cubicBezTo>
-                  <a:cubicBezTo>
-                    <a:pt x="177" y="27"/>
-                    <a:pt x="177" y="27"/>
-                    <a:pt x="177" y="27"/>
-                  </a:cubicBezTo>
-                  <a:cubicBezTo>
-                    <a:pt x="185" y="12"/>
-                    <a:pt x="207" y="0"/>
-                    <a:pt x="225" y="0"/>
-                  </a:cubicBezTo>
-                  <a:cubicBezTo>
-                    <a:pt x="561" y="0"/>
-                    <a:pt x="561" y="0"/>
-                    <a:pt x="561" y="0"/>
-                  </a:cubicBezTo>
-                  <a:cubicBezTo>
-                    <a:pt x="578" y="0"/>
-                    <a:pt x="600" y="12"/>
-                    <a:pt x="609" y="27"/>
-                  </a:cubicBezTo>
-                  <a:cubicBezTo>
-                    <a:pt x="777" y="318"/>
-                    <a:pt x="777" y="318"/>
-                    <a:pt x="777" y="318"/>
-                  </a:cubicBezTo>
-                  <a:cubicBezTo>
-                    <a:pt x="785" y="334"/>
-                    <a:pt x="785" y="358"/>
-                    <a:pt x="777" y="374"/>
-                  </a:cubicBezTo>
-                  <a:cubicBezTo>
-                    <a:pt x="609" y="665"/>
-                    <a:pt x="609" y="665"/>
-                    <a:pt x="609" y="665"/>
-                  </a:cubicBezTo>
-                  <a:cubicBezTo>
-                    <a:pt x="600" y="680"/>
-                    <a:pt x="578" y="692"/>
-                    <a:pt x="561" y="692"/>
-                  </a:cubicBezTo>
-                  <a:lnTo>
-                    <a:pt x="225" y="692"/>
-                  </a:lnTo>
-                  <a:close/>
-                </a:path>
-              </a:pathLst>
-            </a:custGeom>
-            <a:noFill/>
-            <a:ln w="28575" cmpd="sng">
-              <a:solidFill>
-                <a:schemeClr val="bg1"/>
-              </a:solidFill>
-            </a:ln>
-          </p:spPr>
-          <p:txBody>
-            <a:bodyPr vert="horz" wrap="square" lIns="91440" tIns="45720" rIns="91440" bIns="45720" numCol="1" anchor="t" anchorCtr="0" compatLnSpc="1">
-              <a:prstTxWarp prst="textNoShape">
-                <a:avLst/>
-              </a:prstTxWarp>
-            </a:bodyPr>
-            <a:lstStyle/>
-            <a:p>
-              <a:endParaRPr lang="en-US"/>
-            </a:p>
-          </p:txBody>
-        </p:sp>
-      </p:grpSp>
-      <p:sp>
-        <p:nvSpPr>
-          <p:cNvPr id="13" name="Content Placeholder 12">
-            <a:extLst>
-              <a:ext uri="{FF2B5EF4-FFF2-40B4-BE49-F238E27FC236}">
-                <a16:creationId xmlns:a16="http://schemas.microsoft.com/office/drawing/2014/main" id="{1CB7C1BF-B960-4C67-9AD6-BAA09BC1CB86}"/>
-              </a:ext>
-            </a:extLst>
-          </p:cNvPr>
-          <p:cNvSpPr>
-            <a:spLocks noGrp="1"/>
-          </p:cNvSpPr>
-          <p:nvPr>
-            <p:ph idx="1"/>
-          </p:nvPr>
-        </p:nvSpPr>
-        <p:spPr>
-          <a:xfrm>
-            <a:off x="767290" y="3383121"/>
-            <a:ext cx="3582072" cy="2793251"/>
-          </a:xfrm>
-        </p:spPr>
-        <p:txBody>
-          <a:bodyPr vert="horz" lIns="91440" tIns="45720" rIns="91440" bIns="45720" rtlCol="0" anchor="t">
-            <a:normAutofit/>
-          </a:bodyPr>
-          <a:lstStyle/>
-          <a:p>
-            <a:r>
-              <a:rPr lang="en-US" sz="2000" kern="1200">
-                <a:solidFill>
-                  <a:schemeClr val="bg1"/>
-                </a:solidFill>
-                <a:latin typeface="+mn-lt"/>
-                <a:ea typeface="+mn-ea"/>
-                <a:cs typeface="+mn-cs"/>
-              </a:rPr>
-              <a:t>Half of offenses by white offenders are drug-related</a:t>
-            </a:r>
-          </a:p>
-        </p:txBody>
-      </p:sp>
-      <p:pic>
-        <p:nvPicPr>
-          <p:cNvPr id="4" name="Picture 3" descr="Chart, pie chart&#10;&#10;Description automatically generated">
-            <a:extLst>
-              <a:ext uri="{FF2B5EF4-FFF2-40B4-BE49-F238E27FC236}">
-                <a16:creationId xmlns:a16="http://schemas.microsoft.com/office/drawing/2014/main" id="{A109D790-5985-4C94-A04A-AD15ED0F9360}"/>
-              </a:ext>
-            </a:extLst>
-          </p:cNvPr>
-          <p:cNvPicPr>
-            <a:picLocks noChangeAspect="1"/>
-          </p:cNvPicPr>
-          <p:nvPr/>
-        </p:nvPicPr>
-        <p:blipFill>
-          <a:blip r:embed="rId2">
-            <a:extLst>
-              <a:ext uri="{28A0092B-C50C-407E-A947-70E740481C1C}">
-                <a14:useLocalDpi xmlns:a14="http://schemas.microsoft.com/office/drawing/2010/main" val="0"/>
-              </a:ext>
-            </a:extLst>
-          </a:blip>
-          <a:stretch>
-            <a:fillRect/>
-          </a:stretch>
-        </p:blipFill>
-        <p:spPr>
-          <a:xfrm>
-            <a:off x="5231964" y="903730"/>
-            <a:ext cx="6411908" cy="4472307"/>
-          </a:xfrm>
-          <a:prstGeom prst="rect">
-            <a:avLst/>
-          </a:prstGeom>
-        </p:spPr>
-      </p:pic>
-      <p:sp>
-        <p:nvSpPr>
-          <p:cNvPr id="6" name="TextBox 5">
-            <a:extLst>
-              <a:ext uri="{FF2B5EF4-FFF2-40B4-BE49-F238E27FC236}">
-                <a16:creationId xmlns:a16="http://schemas.microsoft.com/office/drawing/2014/main" id="{BFB73E54-CAF3-46A3-84CA-80000E83C654}"/>
-              </a:ext>
-            </a:extLst>
-          </p:cNvPr>
-          <p:cNvSpPr txBox="1"/>
-          <p:nvPr/>
-        </p:nvSpPr>
-        <p:spPr>
-          <a:xfrm>
-            <a:off x="6096000" y="514169"/>
-            <a:ext cx="3082565" cy="369332"/>
-          </a:xfrm>
-          <a:prstGeom prst="rect">
-            <a:avLst/>
-          </a:prstGeom>
-          <a:noFill/>
-        </p:spPr>
-        <p:txBody>
-          <a:bodyPr wrap="square" rtlCol="0">
-            <a:spAutoFit/>
-          </a:bodyPr>
-          <a:lstStyle/>
-          <a:p>
-            <a:pPr algn="ctr">
-              <a:spcAft>
-                <a:spcPts val="600"/>
-              </a:spcAft>
-            </a:pPr>
-            <a:r>
-              <a:rPr lang="en-US" dirty="0"/>
-              <a:t>White Sentencing Population</a:t>
-            </a:r>
-            <a:endParaRPr lang="en-US"/>
-          </a:p>
-        </p:txBody>
-      </p:sp>
-    </p:spTree>
-    <p:extLst>
-      <p:ext uri="{BB962C8B-B14F-4D97-AF65-F5344CB8AC3E}">
-        <p14:creationId xmlns:p14="http://schemas.microsoft.com/office/powerpoint/2010/main" val="3350359704"/>
-      </p:ext>
-    </p:extLst>
-  </p:cSld>
-  <p:clrMapOvr>
-    <a:masterClrMapping/>
-  </p:clrMapOvr>
-  <p:timing>
-    <p:tnLst>
-      <p:par>
-        <p:cTn id="1" dur="indefinite" restart="never" nodeType="tmRoot">
-          <p:childTnLst>
-            <p:seq concurrent="1" nextAc="seek">
-              <p:cTn id="2" dur="indefinite" nodeType="mainSeq">
-                <p:childTnLst>
-                  <p:par>
-                    <p:cTn id="3" fill="hold">
-                      <p:stCondLst>
-                        <p:cond delay="indefinite"/>
-                      </p:stCondLst>
-                      <p:childTnLst>
-                        <p:par>
-                          <p:cTn id="4" fill="hold">
-                            <p:stCondLst>
-                              <p:cond delay="0"/>
-                            </p:stCondLst>
-                            <p:childTnLst>
-                              <p:par>
-                                <p:cTn id="5" presetID="10" presetClass="entr" presetSubtype="0" fill="hold" nodeType="clickEffect">
-                                  <p:stCondLst>
-                                    <p:cond delay="0"/>
-                                  </p:stCondLst>
-                                  <p:childTnLst>
-                                    <p:set>
-                                      <p:cBhvr>
-                                        <p:cTn id="6" dur="1" fill="hold">
-                                          <p:stCondLst>
-                                            <p:cond delay="0"/>
-                                          </p:stCondLst>
-                                        </p:cTn>
-                                        <p:tgtEl>
-                                          <p:spTgt spid="4"/>
-                                        </p:tgtEl>
-                                        <p:attrNameLst>
-                                          <p:attrName>style.visibility</p:attrName>
-                                        </p:attrNameLst>
-                                      </p:cBhvr>
-                                      <p:to>
-                                        <p:strVal val="visible"/>
-                                      </p:to>
-                                    </p:set>
-                                    <p:animEffect transition="in" filter="fade">
-                                      <p:cBhvr>
-                                        <p:cTn id="7" dur="500"/>
-                                        <p:tgtEl>
-                                          <p:spTgt spid="4"/>
-                                        </p:tgtEl>
-                                      </p:cBhvr>
-                                    </p:animEffect>
-                                  </p:childTnLst>
-                                </p:cTn>
-                              </p:par>
-                              <p:par>
-                                <p:cTn id="8" presetID="10" presetClass="entr" presetSubtype="0" fill="hold" grpId="0" nodeType="withEffect">
-                                  <p:stCondLst>
-                                    <p:cond delay="0"/>
-                                  </p:stCondLst>
-                                  <p:childTnLst>
-                                    <p:set>
-                                      <p:cBhvr>
-                                        <p:cTn id="9" dur="1" fill="hold">
-                                          <p:stCondLst>
-                                            <p:cond delay="0"/>
-                                          </p:stCondLst>
-                                        </p:cTn>
-                                        <p:tgtEl>
-                                          <p:spTgt spid="13">
-                                            <p:txEl>
-                                              <p:pRg st="0" end="0"/>
-                                            </p:txEl>
-                                          </p:spTgt>
-                                        </p:tgtEl>
-                                        <p:attrNameLst>
-                                          <p:attrName>style.visibility</p:attrName>
-                                        </p:attrNameLst>
-                                      </p:cBhvr>
-                                      <p:to>
-                                        <p:strVal val="visible"/>
-                                      </p:to>
-                                    </p:set>
-                                    <p:animEffect transition="in" filter="fade">
-                                      <p:cBhvr>
-                                        <p:cTn id="10" dur="500"/>
-                                        <p:tgtEl>
-                                          <p:spTgt spid="13">
-                                            <p:txEl>
-                                              <p:pRg st="0" end="0"/>
-                                            </p:txEl>
-                                          </p:spTgt>
-                                        </p:tgtEl>
-                                      </p:cBhvr>
-                                    </p:animEffect>
-                                  </p:childTnLst>
-                                </p:cTn>
-                              </p:par>
-                              <p:par>
-                                <p:cTn id="11" presetID="10" presetClass="entr" presetSubtype="0" fill="hold" grpId="0" nodeType="withEffect">
-                                  <p:stCondLst>
-                                    <p:cond delay="0"/>
-                                  </p:stCondLst>
-                                  <p:childTnLst>
-                                    <p:set>
-                                      <p:cBhvr>
-                                        <p:cTn id="12" dur="1" fill="hold">
-                                          <p:stCondLst>
-                                            <p:cond delay="0"/>
-                                          </p:stCondLst>
-                                        </p:cTn>
-                                        <p:tgtEl>
-                                          <p:spTgt spid="6"/>
-                                        </p:tgtEl>
-                                        <p:attrNameLst>
-                                          <p:attrName>style.visibility</p:attrName>
-                                        </p:attrNameLst>
-                                      </p:cBhvr>
-                                      <p:to>
-                                        <p:strVal val="visible"/>
-                                      </p:to>
-                                    </p:set>
-                                    <p:animEffect transition="in" filter="fade">
-                                      <p:cBhvr>
-                                        <p:cTn id="13" dur="500"/>
-                                        <p:tgtEl>
-                                          <p:spTgt spid="6"/>
-                                        </p:tgtEl>
-                                      </p:cBhvr>
-                                    </p:animEffect>
-                                  </p:childTnLst>
-                                </p:cTn>
-                              </p:par>
-                            </p:childTnLst>
-                          </p:cTn>
-                        </p:par>
-                      </p:childTnLst>
-                    </p:cTn>
-                  </p:par>
-                </p:childTnLst>
-              </p:cTn>
-              <p:prevCondLst>
-                <p:cond evt="onPrev" delay="0">
-                  <p:tgtEl>
-                    <p:sldTgt/>
-                  </p:tgtEl>
-                </p:cond>
-              </p:prevCondLst>
-              <p:nextCondLst>
-                <p:cond evt="onNext" delay="0">
-                  <p:tgtEl>
-                    <p:sldTgt/>
-                  </p:tgtEl>
-                </p:cond>
-              </p:nextCondLst>
-            </p:seq>
-          </p:childTnLst>
-        </p:cTn>
-      </p:par>
-    </p:tnLst>
-    <p:bldLst>
-      <p:bldP spid="13" grpId="0" build="p"/>
-      <p:bldP spid="6" grpId="0"/>
-    </p:bldLst>
-  </p:timing>
-</p:sld>
-</file>
-
-<file path=ppt/slides/slide23.xml><?xml version="1.0" encoding="utf-8"?>
-<p:sld xmlns:a="http://schemas.openxmlformats.org/drawingml/2006/main" xmlns:r="http://schemas.openxmlformats.org/officeDocument/2006/relationships" xmlns:p="http://schemas.openxmlformats.org/presentationml/2006/main">
-  <p:cSld>
-    <p:bg>
-      <p:bgPr>
-        <a:solidFill>
-          <a:schemeClr val="bg1"/>
-        </a:solidFill>
-        <a:effectLst/>
-      </p:bgPr>
-    </p:bg>
-    <p:spTree>
-      <p:nvGrpSpPr>
-        <p:cNvPr id="1" name=""/>
-        <p:cNvGrpSpPr/>
-        <p:nvPr/>
-      </p:nvGrpSpPr>
-      <p:grpSpPr>
-        <a:xfrm>
-          <a:off x="0" y="0"/>
-          <a:ext cx="0" cy="0"/>
-          <a:chOff x="0" y="0"/>
-          <a:chExt cx="0" cy="0"/>
-        </a:xfrm>
-      </p:grpSpPr>
-      <p:sp useBgFill="1">
-        <p:nvSpPr>
-          <p:cNvPr id="56" name="Rectangle 55">
-            <a:extLst>
-              <a:ext uri="{FF2B5EF4-FFF2-40B4-BE49-F238E27FC236}">
-                <a16:creationId xmlns:a16="http://schemas.microsoft.com/office/drawing/2014/main" id="{33CD251C-A887-4D2F-925B-FC097198538B}"/>
-              </a:ext>
-              <a:ext uri="{C183D7F6-B498-43B3-948B-1728B52AA6E4}">
-                <adec:decorative xmlns:adec="http://schemas.microsoft.com/office/drawing/2017/decorative" val="1"/>
-              </a:ext>
-            </a:extLst>
-          </p:cNvPr>
-          <p:cNvSpPr>
-            <a:spLocks noGrp="1" noRot="1" noChangeAspect="1" noMove="1" noResize="1" noEditPoints="1" noAdjustHandles="1" noChangeArrowheads="1" noChangeShapeType="1" noTextEdit="1"/>
-          </p:cNvSpPr>
-          <p:nvPr>
-            <p:extLst>
-              <p:ext uri="{386F3935-93C4-4BCD-93E2-E3B085C9AB24}">
-                <p16:designElem xmlns:p16="http://schemas.microsoft.com/office/powerpoint/2015/main" val="1"/>
-              </p:ext>
-            </p:extLst>
-          </p:nvPr>
-        </p:nvSpPr>
-        <p:spPr>
-          <a:xfrm>
-            <a:off x="0" y="0"/>
-            <a:ext cx="12192000" cy="6858000"/>
-          </a:xfrm>
-          <a:prstGeom prst="rect">
-            <a:avLst/>
-          </a:prstGeom>
-          <a:ln>
-            <a:noFill/>
-          </a:ln>
-        </p:spPr>
-        <p:style>
-          <a:lnRef idx="2">
-            <a:schemeClr val="accent1">
-              <a:shade val="50000"/>
-            </a:schemeClr>
-          </a:lnRef>
-          <a:fillRef idx="1">
-            <a:schemeClr val="accent1"/>
-          </a:fillRef>
-          <a:effectRef idx="0">
-            <a:schemeClr val="accent1"/>
-          </a:effectRef>
-          <a:fontRef idx="minor">
-            <a:schemeClr val="lt1"/>
-          </a:fontRef>
-        </p:style>
-        <p:txBody>
-          <a:bodyPr rtlCol="0" anchor="ctr"/>
-          <a:lstStyle/>
-          <a:p>
-            <a:pPr algn="ctr"/>
-            <a:endParaRPr lang="en-US"/>
-          </a:p>
-        </p:txBody>
-      </p:sp>
-      <p:sp>
-        <p:nvSpPr>
-          <p:cNvPr id="58" name="Rectangle 57">
-            <a:extLst>
-              <a:ext uri="{FF2B5EF4-FFF2-40B4-BE49-F238E27FC236}">
-                <a16:creationId xmlns:a16="http://schemas.microsoft.com/office/drawing/2014/main" id="{B19D093C-27FB-4032-B282-42C4563F257C}"/>
-              </a:ext>
-              <a:ext uri="{C183D7F6-B498-43B3-948B-1728B52AA6E4}">
-                <adec:decorative xmlns:adec="http://schemas.microsoft.com/office/drawing/2017/decorative" val="1"/>
-              </a:ext>
-            </a:extLst>
-          </p:cNvPr>
-          <p:cNvSpPr>
-            <a:spLocks noGrp="1" noRot="1" noChangeAspect="1" noMove="1" noResize="1" noEditPoints="1" noAdjustHandles="1" noChangeArrowheads="1" noChangeShapeType="1" noTextEdit="1"/>
-          </p:cNvSpPr>
-          <p:nvPr>
-            <p:extLst>
-              <p:ext uri="{386F3935-93C4-4BCD-93E2-E3B085C9AB24}">
-                <p16:designElem xmlns:p16="http://schemas.microsoft.com/office/powerpoint/2015/main" val="1"/>
-              </p:ext>
-            </p:extLst>
-          </p:nvPr>
-        </p:nvSpPr>
-        <p:spPr>
-          <a:xfrm>
-            <a:off x="0" y="0"/>
-            <a:ext cx="4694548" cy="6858000"/>
-          </a:xfrm>
-          <a:prstGeom prst="rect">
-            <a:avLst/>
-          </a:prstGeom>
-          <a:solidFill>
-            <a:schemeClr val="tx1"/>
-          </a:solidFill>
-          <a:ln>
-            <a:noFill/>
-          </a:ln>
-        </p:spPr>
-        <p:style>
-          <a:lnRef idx="2">
-            <a:schemeClr val="accent1">
-              <a:shade val="50000"/>
-            </a:schemeClr>
-          </a:lnRef>
-          <a:fillRef idx="1">
-            <a:schemeClr val="accent1"/>
-          </a:fillRef>
-          <a:effectRef idx="0">
-            <a:schemeClr val="accent1"/>
-          </a:effectRef>
-          <a:fontRef idx="minor">
-            <a:schemeClr val="lt1"/>
-          </a:fontRef>
-        </p:style>
-        <p:txBody>
-          <a:bodyPr rtlCol="0" anchor="ctr"/>
-          <a:lstStyle/>
-          <a:p>
-            <a:pPr algn="ctr"/>
-            <a:endParaRPr lang="en-US"/>
-          </a:p>
-        </p:txBody>
-      </p:sp>
-      <p:sp>
-        <p:nvSpPr>
-          <p:cNvPr id="2" name="Title 1">
-            <a:extLst>
-              <a:ext uri="{FF2B5EF4-FFF2-40B4-BE49-F238E27FC236}">
-                <a16:creationId xmlns:a16="http://schemas.microsoft.com/office/drawing/2014/main" id="{DA7F9311-0C48-4D07-8EB9-6965B2CD7BAD}"/>
-              </a:ext>
-            </a:extLst>
-          </p:cNvPr>
-          <p:cNvSpPr>
-            <a:spLocks noGrp="1"/>
-          </p:cNvSpPr>
-          <p:nvPr>
-            <p:ph type="title"/>
-          </p:nvPr>
-        </p:nvSpPr>
-        <p:spPr>
-          <a:xfrm>
-            <a:off x="767290" y="1780661"/>
-            <a:ext cx="3582073" cy="1463472"/>
-          </a:xfrm>
-        </p:spPr>
-        <p:txBody>
-          <a:bodyPr vert="horz" lIns="91440" tIns="45720" rIns="91440" bIns="45720" rtlCol="0" anchor="t">
-            <a:normAutofit/>
-          </a:bodyPr>
-          <a:lstStyle/>
-          <a:p>
-            <a:r>
-              <a:rPr lang="en-US" sz="4800" kern="1200">
-                <a:solidFill>
-                  <a:schemeClr val="bg1"/>
-                </a:solidFill>
-                <a:latin typeface="+mj-lt"/>
-                <a:ea typeface="+mj-ea"/>
-                <a:cs typeface="+mj-cs"/>
-              </a:rPr>
-              <a:t>Crime Categories</a:t>
-            </a:r>
-          </a:p>
-        </p:txBody>
-      </p:sp>
-      <p:grpSp>
-        <p:nvGrpSpPr>
-          <p:cNvPr id="60" name="Group 59">
-            <a:extLst>
-              <a:ext uri="{FF2B5EF4-FFF2-40B4-BE49-F238E27FC236}">
-                <a16:creationId xmlns:a16="http://schemas.microsoft.com/office/drawing/2014/main" id="{35EE815E-1BD3-4777-B652-6D98825BF66B}"/>
-              </a:ext>
-              <a:ext uri="{C183D7F6-B498-43B3-948B-1728B52AA6E4}">
-                <adec:decorative xmlns:adec="http://schemas.microsoft.com/office/drawing/2017/decorative" val="1"/>
-              </a:ext>
-            </a:extLst>
-          </p:cNvPr>
-          <p:cNvGrpSpPr>
-            <a:grpSpLocks noGrp="1" noUngrp="1" noRot="1" noChangeAspect="1" noMove="1" noResize="1"/>
-          </p:cNvGrpSpPr>
-          <p:nvPr>
-            <p:extLst>
-              <p:ext uri="{386F3935-93C4-4BCD-93E2-E3B085C9AB24}">
-                <p16:designElem xmlns:p16="http://schemas.microsoft.com/office/powerpoint/2015/main" val="1"/>
-              </p:ext>
-            </p:extLst>
-          </p:nvPr>
-        </p:nvGrpSpPr>
-        <p:grpSpPr>
-          <a:xfrm>
-            <a:off x="767290" y="681628"/>
-            <a:ext cx="1128382" cy="847206"/>
-            <a:chOff x="668003" y="1684057"/>
-            <a:chExt cx="1128382" cy="847206"/>
-          </a:xfrm>
-        </p:grpSpPr>
-        <p:sp>
-          <p:nvSpPr>
-            <p:cNvPr id="61" name="Freeform 5">
-              <a:extLst>
-                <a:ext uri="{FF2B5EF4-FFF2-40B4-BE49-F238E27FC236}">
-                  <a16:creationId xmlns:a16="http://schemas.microsoft.com/office/drawing/2014/main" id="{E6692982-4A7D-4392-87CD-F0CD4B027DDE}"/>
-                </a:ext>
-                <a:ext uri="{C183D7F6-B498-43B3-948B-1728B52AA6E4}">
-                  <adec:decorative xmlns:adec="http://schemas.microsoft.com/office/drawing/2017/decorative" val="1"/>
-                </a:ext>
-              </a:extLst>
-            </p:cNvPr>
-            <p:cNvSpPr>
-              <a:spLocks/>
-            </p:cNvSpPr>
-            <p:nvPr>
-              <p:extLst>
-                <p:ext uri="{386F3935-93C4-4BCD-93E2-E3B085C9AB24}">
-                  <p16:designElem xmlns:p16="http://schemas.microsoft.com/office/powerpoint/2015/main" val="1"/>
-                </p:ext>
-              </p:extLst>
-            </p:nvPr>
-          </p:nvSpPr>
-          <p:spPr bwMode="auto">
-            <a:xfrm>
-              <a:off x="668003" y="1935883"/>
-              <a:ext cx="675351" cy="595380"/>
-            </a:xfrm>
-            <a:custGeom>
-              <a:avLst/>
-              <a:gdLst>
-                <a:gd name="T0" fmla="*/ 225 w 785"/>
-                <a:gd name="T1" fmla="*/ 692 h 692"/>
-                <a:gd name="T2" fmla="*/ 177 w 785"/>
-                <a:gd name="T3" fmla="*/ 665 h 692"/>
-                <a:gd name="T4" fmla="*/ 9 w 785"/>
-                <a:gd name="T5" fmla="*/ 374 h 692"/>
-                <a:gd name="T6" fmla="*/ 9 w 785"/>
-                <a:gd name="T7" fmla="*/ 318 h 692"/>
-                <a:gd name="T8" fmla="*/ 177 w 785"/>
-                <a:gd name="T9" fmla="*/ 27 h 692"/>
-                <a:gd name="T10" fmla="*/ 225 w 785"/>
-                <a:gd name="T11" fmla="*/ 0 h 692"/>
-                <a:gd name="T12" fmla="*/ 561 w 785"/>
-                <a:gd name="T13" fmla="*/ 0 h 692"/>
-                <a:gd name="T14" fmla="*/ 609 w 785"/>
-                <a:gd name="T15" fmla="*/ 27 h 692"/>
-                <a:gd name="T16" fmla="*/ 777 w 785"/>
-                <a:gd name="T17" fmla="*/ 318 h 692"/>
-                <a:gd name="T18" fmla="*/ 777 w 785"/>
-                <a:gd name="T19" fmla="*/ 374 h 692"/>
-                <a:gd name="T20" fmla="*/ 609 w 785"/>
-                <a:gd name="T21" fmla="*/ 665 h 692"/>
-                <a:gd name="T22" fmla="*/ 561 w 785"/>
-                <a:gd name="T23" fmla="*/ 692 h 692"/>
-                <a:gd name="T24" fmla="*/ 225 w 785"/>
-                <a:gd name="T25" fmla="*/ 692 h 692"/>
-              </a:gdLst>
-              <a:ahLst/>
-              <a:cxnLst>
-                <a:cxn ang="0">
-                  <a:pos x="T0" y="T1"/>
-                </a:cxn>
-                <a:cxn ang="0">
-                  <a:pos x="T2" y="T3"/>
-                </a:cxn>
-                <a:cxn ang="0">
-                  <a:pos x="T4" y="T5"/>
-                </a:cxn>
-                <a:cxn ang="0">
-                  <a:pos x="T6" y="T7"/>
-                </a:cxn>
-                <a:cxn ang="0">
-                  <a:pos x="T8" y="T9"/>
-                </a:cxn>
-                <a:cxn ang="0">
-                  <a:pos x="T10" y="T11"/>
-                </a:cxn>
-                <a:cxn ang="0">
-                  <a:pos x="T12" y="T13"/>
-                </a:cxn>
-                <a:cxn ang="0">
-                  <a:pos x="T14" y="T15"/>
-                </a:cxn>
-                <a:cxn ang="0">
-                  <a:pos x="T16" y="T17"/>
-                </a:cxn>
-                <a:cxn ang="0">
-                  <a:pos x="T18" y="T19"/>
-                </a:cxn>
-                <a:cxn ang="0">
-                  <a:pos x="T20" y="T21"/>
-                </a:cxn>
-                <a:cxn ang="0">
-                  <a:pos x="T22" y="T23"/>
-                </a:cxn>
-                <a:cxn ang="0">
-                  <a:pos x="T24" y="T25"/>
-                </a:cxn>
-              </a:cxnLst>
-              <a:rect l="0" t="0" r="r" b="b"/>
-              <a:pathLst>
-                <a:path w="785" h="692">
-                  <a:moveTo>
-                    <a:pt x="225" y="692"/>
-                  </a:moveTo>
-                  <a:cubicBezTo>
-                    <a:pt x="207" y="692"/>
-                    <a:pt x="185" y="680"/>
-                    <a:pt x="177" y="665"/>
-                  </a:cubicBezTo>
-                  <a:cubicBezTo>
-                    <a:pt x="9" y="374"/>
-                    <a:pt x="9" y="374"/>
-                    <a:pt x="9" y="374"/>
-                  </a:cubicBezTo>
-                  <a:cubicBezTo>
-                    <a:pt x="0" y="358"/>
-                    <a:pt x="0" y="334"/>
-                    <a:pt x="9" y="318"/>
-                  </a:cubicBezTo>
-                  <a:cubicBezTo>
-                    <a:pt x="177" y="27"/>
-                    <a:pt x="177" y="27"/>
-                    <a:pt x="177" y="27"/>
-                  </a:cubicBezTo>
-                  <a:cubicBezTo>
-                    <a:pt x="185" y="12"/>
-                    <a:pt x="207" y="0"/>
-                    <a:pt x="225" y="0"/>
-                  </a:cubicBezTo>
-                  <a:cubicBezTo>
-                    <a:pt x="561" y="0"/>
-                    <a:pt x="561" y="0"/>
-                    <a:pt x="561" y="0"/>
-                  </a:cubicBezTo>
-                  <a:cubicBezTo>
-                    <a:pt x="578" y="0"/>
-                    <a:pt x="600" y="12"/>
-                    <a:pt x="609" y="27"/>
-                  </a:cubicBezTo>
-                  <a:cubicBezTo>
-                    <a:pt x="777" y="318"/>
-                    <a:pt x="777" y="318"/>
-                    <a:pt x="777" y="318"/>
-                  </a:cubicBezTo>
-                  <a:cubicBezTo>
-                    <a:pt x="785" y="334"/>
-                    <a:pt x="785" y="358"/>
-                    <a:pt x="777" y="374"/>
-                  </a:cubicBezTo>
-                  <a:cubicBezTo>
-                    <a:pt x="609" y="665"/>
-                    <a:pt x="609" y="665"/>
-                    <a:pt x="609" y="665"/>
-                  </a:cubicBezTo>
-                  <a:cubicBezTo>
-                    <a:pt x="600" y="680"/>
-                    <a:pt x="578" y="692"/>
-                    <a:pt x="561" y="692"/>
-                  </a:cubicBezTo>
-                  <a:lnTo>
-                    <a:pt x="225" y="692"/>
-                  </a:lnTo>
-                  <a:close/>
-                </a:path>
-              </a:pathLst>
-            </a:custGeom>
-            <a:noFill/>
-            <a:ln w="28575" cmpd="sng">
-              <a:solidFill>
-                <a:schemeClr val="bg1"/>
-              </a:solidFill>
-            </a:ln>
-          </p:spPr>
-          <p:txBody>
-            <a:bodyPr vert="horz" wrap="square" lIns="91440" tIns="45720" rIns="91440" bIns="45720" numCol="1" anchor="t" anchorCtr="0" compatLnSpc="1">
-              <a:prstTxWarp prst="textNoShape">
-                <a:avLst/>
-              </a:prstTxWarp>
-            </a:bodyPr>
-            <a:lstStyle/>
-            <a:p>
-              <a:endParaRPr lang="en-US"/>
-            </a:p>
-          </p:txBody>
-        </p:sp>
-        <p:sp>
-          <p:nvSpPr>
-            <p:cNvPr id="62" name="Freeform 5">
-              <a:extLst>
-                <a:ext uri="{FF2B5EF4-FFF2-40B4-BE49-F238E27FC236}">
-                  <a16:creationId xmlns:a16="http://schemas.microsoft.com/office/drawing/2014/main" id="{196485F7-F277-4123-AC53-98EA4C858774}"/>
-                </a:ext>
-                <a:ext uri="{C183D7F6-B498-43B3-948B-1728B52AA6E4}">
-                  <adec:decorative xmlns:adec="http://schemas.microsoft.com/office/drawing/2017/decorative" val="1"/>
-                </a:ext>
-              </a:extLst>
-            </p:cNvPr>
-            <p:cNvSpPr>
-              <a:spLocks/>
-            </p:cNvSpPr>
-            <p:nvPr>
-              <p:extLst>
-                <p:ext uri="{386F3935-93C4-4BCD-93E2-E3B085C9AB24}">
-                  <p16:designElem xmlns:p16="http://schemas.microsoft.com/office/powerpoint/2015/main" val="1"/>
-                </p:ext>
-              </p:extLst>
-            </p:nvPr>
-          </p:nvSpPr>
-          <p:spPr bwMode="auto">
-            <a:xfrm>
-              <a:off x="1245893" y="1684057"/>
-              <a:ext cx="550492" cy="485306"/>
-            </a:xfrm>
-            <a:custGeom>
-              <a:avLst/>
-              <a:gdLst>
-                <a:gd name="T0" fmla="*/ 225 w 785"/>
-                <a:gd name="T1" fmla="*/ 692 h 692"/>
-                <a:gd name="T2" fmla="*/ 177 w 785"/>
-                <a:gd name="T3" fmla="*/ 665 h 692"/>
-                <a:gd name="T4" fmla="*/ 9 w 785"/>
-                <a:gd name="T5" fmla="*/ 374 h 692"/>
-                <a:gd name="T6" fmla="*/ 9 w 785"/>
-                <a:gd name="T7" fmla="*/ 318 h 692"/>
-                <a:gd name="T8" fmla="*/ 177 w 785"/>
-                <a:gd name="T9" fmla="*/ 27 h 692"/>
-                <a:gd name="T10" fmla="*/ 225 w 785"/>
-                <a:gd name="T11" fmla="*/ 0 h 692"/>
-                <a:gd name="T12" fmla="*/ 561 w 785"/>
-                <a:gd name="T13" fmla="*/ 0 h 692"/>
-                <a:gd name="T14" fmla="*/ 609 w 785"/>
-                <a:gd name="T15" fmla="*/ 27 h 692"/>
-                <a:gd name="T16" fmla="*/ 777 w 785"/>
-                <a:gd name="T17" fmla="*/ 318 h 692"/>
-                <a:gd name="T18" fmla="*/ 777 w 785"/>
-                <a:gd name="T19" fmla="*/ 374 h 692"/>
-                <a:gd name="T20" fmla="*/ 609 w 785"/>
-                <a:gd name="T21" fmla="*/ 665 h 692"/>
-                <a:gd name="T22" fmla="*/ 561 w 785"/>
-                <a:gd name="T23" fmla="*/ 692 h 692"/>
-                <a:gd name="T24" fmla="*/ 225 w 785"/>
-                <a:gd name="T25" fmla="*/ 692 h 692"/>
-              </a:gdLst>
-              <a:ahLst/>
-              <a:cxnLst>
-                <a:cxn ang="0">
-                  <a:pos x="T0" y="T1"/>
-                </a:cxn>
-                <a:cxn ang="0">
-                  <a:pos x="T2" y="T3"/>
-                </a:cxn>
-                <a:cxn ang="0">
-                  <a:pos x="T4" y="T5"/>
-                </a:cxn>
-                <a:cxn ang="0">
-                  <a:pos x="T6" y="T7"/>
-                </a:cxn>
-                <a:cxn ang="0">
-                  <a:pos x="T8" y="T9"/>
-                </a:cxn>
-                <a:cxn ang="0">
-                  <a:pos x="T10" y="T11"/>
-                </a:cxn>
-                <a:cxn ang="0">
-                  <a:pos x="T12" y="T13"/>
-                </a:cxn>
-                <a:cxn ang="0">
-                  <a:pos x="T14" y="T15"/>
-                </a:cxn>
-                <a:cxn ang="0">
-                  <a:pos x="T16" y="T17"/>
-                </a:cxn>
-                <a:cxn ang="0">
-                  <a:pos x="T18" y="T19"/>
-                </a:cxn>
-                <a:cxn ang="0">
-                  <a:pos x="T20" y="T21"/>
-                </a:cxn>
-                <a:cxn ang="0">
-                  <a:pos x="T22" y="T23"/>
-                </a:cxn>
-                <a:cxn ang="0">
-                  <a:pos x="T24" y="T25"/>
-                </a:cxn>
-              </a:cxnLst>
-              <a:rect l="0" t="0" r="r" b="b"/>
-              <a:pathLst>
-                <a:path w="785" h="692">
-                  <a:moveTo>
-                    <a:pt x="225" y="692"/>
-                  </a:moveTo>
-                  <a:cubicBezTo>
-                    <a:pt x="207" y="692"/>
-                    <a:pt x="185" y="680"/>
-                    <a:pt x="177" y="665"/>
-                  </a:cubicBezTo>
-                  <a:cubicBezTo>
-                    <a:pt x="9" y="374"/>
-                    <a:pt x="9" y="374"/>
-                    <a:pt x="9" y="374"/>
-                  </a:cubicBezTo>
-                  <a:cubicBezTo>
-                    <a:pt x="0" y="358"/>
-                    <a:pt x="0" y="334"/>
-                    <a:pt x="9" y="318"/>
-                  </a:cubicBezTo>
-                  <a:cubicBezTo>
-                    <a:pt x="177" y="27"/>
-                    <a:pt x="177" y="27"/>
-                    <a:pt x="177" y="27"/>
-                  </a:cubicBezTo>
-                  <a:cubicBezTo>
-                    <a:pt x="185" y="12"/>
-                    <a:pt x="207" y="0"/>
-                    <a:pt x="225" y="0"/>
-                  </a:cubicBezTo>
-                  <a:cubicBezTo>
-                    <a:pt x="561" y="0"/>
-                    <a:pt x="561" y="0"/>
-                    <a:pt x="561" y="0"/>
-                  </a:cubicBezTo>
-                  <a:cubicBezTo>
-                    <a:pt x="578" y="0"/>
-                    <a:pt x="600" y="12"/>
-                    <a:pt x="609" y="27"/>
-                  </a:cubicBezTo>
-                  <a:cubicBezTo>
-                    <a:pt x="777" y="318"/>
-                    <a:pt x="777" y="318"/>
-                    <a:pt x="777" y="318"/>
-                  </a:cubicBezTo>
-                  <a:cubicBezTo>
-                    <a:pt x="785" y="334"/>
-                    <a:pt x="785" y="358"/>
-                    <a:pt x="777" y="374"/>
-                  </a:cubicBezTo>
-                  <a:cubicBezTo>
-                    <a:pt x="609" y="665"/>
-                    <a:pt x="609" y="665"/>
-                    <a:pt x="609" y="665"/>
-                  </a:cubicBezTo>
-                  <a:cubicBezTo>
-                    <a:pt x="600" y="680"/>
-                    <a:pt x="578" y="692"/>
-                    <a:pt x="561" y="692"/>
-                  </a:cubicBezTo>
-                  <a:lnTo>
-                    <a:pt x="225" y="692"/>
-                  </a:lnTo>
-                  <a:close/>
-                </a:path>
-              </a:pathLst>
-            </a:custGeom>
-            <a:noFill/>
-            <a:ln w="28575" cmpd="sng">
-              <a:solidFill>
-                <a:schemeClr val="bg1"/>
-              </a:solidFill>
-            </a:ln>
-          </p:spPr>
-          <p:txBody>
-            <a:bodyPr vert="horz" wrap="square" lIns="91440" tIns="45720" rIns="91440" bIns="45720" numCol="1" anchor="t" anchorCtr="0" compatLnSpc="1">
-              <a:prstTxWarp prst="textNoShape">
-                <a:avLst/>
-              </a:prstTxWarp>
-            </a:bodyPr>
-            <a:lstStyle/>
-            <a:p>
-              <a:endParaRPr lang="en-US"/>
-            </a:p>
-          </p:txBody>
-        </p:sp>
-      </p:grpSp>
-      <p:sp>
-        <p:nvSpPr>
-          <p:cNvPr id="13" name="Content Placeholder 12">
-            <a:extLst>
-              <a:ext uri="{FF2B5EF4-FFF2-40B4-BE49-F238E27FC236}">
-                <a16:creationId xmlns:a16="http://schemas.microsoft.com/office/drawing/2014/main" id="{1CB7C1BF-B960-4C67-9AD6-BAA09BC1CB86}"/>
-              </a:ext>
-            </a:extLst>
-          </p:cNvPr>
-          <p:cNvSpPr>
-            <a:spLocks noGrp="1"/>
-          </p:cNvSpPr>
-          <p:nvPr>
-            <p:ph idx="1"/>
-          </p:nvPr>
-        </p:nvSpPr>
-        <p:spPr>
-          <a:xfrm>
-            <a:off x="767290" y="3383121"/>
-            <a:ext cx="3582072" cy="2793251"/>
-          </a:xfrm>
-        </p:spPr>
-        <p:txBody>
-          <a:bodyPr vert="horz" lIns="91440" tIns="45720" rIns="91440" bIns="45720" rtlCol="0" anchor="t">
-            <a:normAutofit/>
-          </a:bodyPr>
-          <a:lstStyle/>
-          <a:p>
-            <a:r>
-              <a:rPr lang="en-US" sz="2000" kern="1200">
-                <a:solidFill>
-                  <a:schemeClr val="bg1"/>
-                </a:solidFill>
-                <a:latin typeface="+mn-lt"/>
-                <a:ea typeface="+mn-ea"/>
-                <a:cs typeface="+mn-cs"/>
-              </a:rPr>
-              <a:t>Over half of offenses by black offenders are not violent or drug related</a:t>
-            </a:r>
-          </a:p>
-        </p:txBody>
-      </p:sp>
-      <p:pic>
-        <p:nvPicPr>
-          <p:cNvPr id="4" name="Picture 3">
-            <a:extLst>
-              <a:ext uri="{FF2B5EF4-FFF2-40B4-BE49-F238E27FC236}">
-                <a16:creationId xmlns:a16="http://schemas.microsoft.com/office/drawing/2014/main" id="{A109D790-5985-4C94-A04A-AD15ED0F9360}"/>
-              </a:ext>
-            </a:extLst>
-          </p:cNvPr>
-          <p:cNvPicPr>
-            <a:picLocks noChangeAspect="1"/>
-          </p:cNvPicPr>
-          <p:nvPr/>
-        </p:nvPicPr>
-        <p:blipFill>
-          <a:blip r:embed="rId2">
-            <a:extLst>
-              <a:ext uri="{28A0092B-C50C-407E-A947-70E740481C1C}">
-                <a14:useLocalDpi xmlns:a14="http://schemas.microsoft.com/office/drawing/2010/main" val="0"/>
-              </a:ext>
-            </a:extLst>
-          </a:blip>
-          <a:stretch/>
-        </p:blipFill>
-        <p:spPr>
-          <a:xfrm>
-            <a:off x="5243414" y="903730"/>
-            <a:ext cx="6389008" cy="4472307"/>
-          </a:xfrm>
-          <a:prstGeom prst="rect">
-            <a:avLst/>
-          </a:prstGeom>
-        </p:spPr>
-      </p:pic>
-      <p:sp>
-        <p:nvSpPr>
-          <p:cNvPr id="6" name="TextBox 5">
-            <a:extLst>
-              <a:ext uri="{FF2B5EF4-FFF2-40B4-BE49-F238E27FC236}">
-                <a16:creationId xmlns:a16="http://schemas.microsoft.com/office/drawing/2014/main" id="{BFB73E54-CAF3-46A3-84CA-80000E83C654}"/>
-              </a:ext>
-            </a:extLst>
-          </p:cNvPr>
-          <p:cNvSpPr txBox="1"/>
-          <p:nvPr/>
-        </p:nvSpPr>
-        <p:spPr>
-          <a:xfrm>
-            <a:off x="6096000" y="514169"/>
-            <a:ext cx="3082565" cy="369332"/>
-          </a:xfrm>
-          <a:prstGeom prst="rect">
-            <a:avLst/>
-          </a:prstGeom>
-          <a:noFill/>
-        </p:spPr>
-        <p:txBody>
-          <a:bodyPr wrap="square" rtlCol="0">
-            <a:spAutoFit/>
-          </a:bodyPr>
-          <a:lstStyle/>
-          <a:p>
-            <a:pPr algn="ctr">
-              <a:spcAft>
-                <a:spcPts val="600"/>
-              </a:spcAft>
-            </a:pPr>
-            <a:r>
-              <a:rPr lang="en-US" dirty="0"/>
-              <a:t>Black Sentencing Population</a:t>
-            </a:r>
-            <a:endParaRPr lang="en-US"/>
-          </a:p>
-        </p:txBody>
-      </p:sp>
-    </p:spTree>
-    <p:extLst>
-      <p:ext uri="{BB962C8B-B14F-4D97-AF65-F5344CB8AC3E}">
-        <p14:creationId xmlns:p14="http://schemas.microsoft.com/office/powerpoint/2010/main" val="1189333134"/>
-      </p:ext>
-    </p:extLst>
-  </p:cSld>
-  <p:clrMapOvr>
-    <a:masterClrMapping/>
-  </p:clrMapOvr>
-</p:sld>
-</file>
-
-<file path=ppt/slides/slide24.xml><?xml version="1.0" encoding="utf-8"?>
-<p:sld xmlns:a="http://schemas.openxmlformats.org/drawingml/2006/main" xmlns:r="http://schemas.openxmlformats.org/officeDocument/2006/relationships" xmlns:p="http://schemas.openxmlformats.org/presentationml/2006/main">
-  <p:cSld>
-    <p:bg>
-      <p:bgPr>
-        <a:solidFill>
-          <a:schemeClr val="bg1"/>
-        </a:solidFill>
-        <a:effectLst/>
-      </p:bgPr>
-    </p:bg>
-    <p:spTree>
-      <p:nvGrpSpPr>
-        <p:cNvPr id="1" name=""/>
-        <p:cNvGrpSpPr/>
-        <p:nvPr/>
-      </p:nvGrpSpPr>
-      <p:grpSpPr>
-        <a:xfrm>
-          <a:off x="0" y="0"/>
-          <a:ext cx="0" cy="0"/>
-          <a:chOff x="0" y="0"/>
-          <a:chExt cx="0" cy="0"/>
-        </a:xfrm>
-      </p:grpSpPr>
-      <p:sp useBgFill="1">
-        <p:nvSpPr>
-          <p:cNvPr id="56" name="Rectangle 55">
-            <a:extLst>
-              <a:ext uri="{FF2B5EF4-FFF2-40B4-BE49-F238E27FC236}">
-                <a16:creationId xmlns:a16="http://schemas.microsoft.com/office/drawing/2014/main" id="{33CD251C-A887-4D2F-925B-FC097198538B}"/>
-              </a:ext>
-              <a:ext uri="{C183D7F6-B498-43B3-948B-1728B52AA6E4}">
-                <adec:decorative xmlns:adec="http://schemas.microsoft.com/office/drawing/2017/decorative" val="1"/>
-              </a:ext>
-            </a:extLst>
-          </p:cNvPr>
-          <p:cNvSpPr>
-            <a:spLocks noGrp="1" noRot="1" noChangeAspect="1" noMove="1" noResize="1" noEditPoints="1" noAdjustHandles="1" noChangeArrowheads="1" noChangeShapeType="1" noTextEdit="1"/>
-          </p:cNvSpPr>
-          <p:nvPr>
-            <p:extLst>
-              <p:ext uri="{386F3935-93C4-4BCD-93E2-E3B085C9AB24}">
-                <p16:designElem xmlns:p16="http://schemas.microsoft.com/office/powerpoint/2015/main" val="1"/>
-              </p:ext>
-            </p:extLst>
-          </p:nvPr>
-        </p:nvSpPr>
-        <p:spPr>
-          <a:xfrm>
-            <a:off x="0" y="0"/>
-            <a:ext cx="12192000" cy="6858000"/>
-          </a:xfrm>
-          <a:prstGeom prst="rect">
-            <a:avLst/>
-          </a:prstGeom>
-          <a:ln>
-            <a:noFill/>
-          </a:ln>
-        </p:spPr>
-        <p:style>
-          <a:lnRef idx="2">
-            <a:schemeClr val="accent1">
-              <a:shade val="50000"/>
-            </a:schemeClr>
-          </a:lnRef>
-          <a:fillRef idx="1">
-            <a:schemeClr val="accent1"/>
-          </a:fillRef>
-          <a:effectRef idx="0">
-            <a:schemeClr val="accent1"/>
-          </a:effectRef>
-          <a:fontRef idx="minor">
-            <a:schemeClr val="lt1"/>
-          </a:fontRef>
-        </p:style>
-        <p:txBody>
-          <a:bodyPr rtlCol="0" anchor="ctr"/>
-          <a:lstStyle/>
-          <a:p>
-            <a:pPr algn="ctr"/>
-            <a:endParaRPr lang="en-US"/>
-          </a:p>
-        </p:txBody>
-      </p:sp>
-      <p:sp>
-        <p:nvSpPr>
-          <p:cNvPr id="58" name="Rectangle 57">
-            <a:extLst>
-              <a:ext uri="{FF2B5EF4-FFF2-40B4-BE49-F238E27FC236}">
-                <a16:creationId xmlns:a16="http://schemas.microsoft.com/office/drawing/2014/main" id="{B19D093C-27FB-4032-B282-42C4563F257C}"/>
-              </a:ext>
-              <a:ext uri="{C183D7F6-B498-43B3-948B-1728B52AA6E4}">
-                <adec:decorative xmlns:adec="http://schemas.microsoft.com/office/drawing/2017/decorative" val="1"/>
-              </a:ext>
-            </a:extLst>
-          </p:cNvPr>
-          <p:cNvSpPr>
-            <a:spLocks noGrp="1" noRot="1" noChangeAspect="1" noMove="1" noResize="1" noEditPoints="1" noAdjustHandles="1" noChangeArrowheads="1" noChangeShapeType="1" noTextEdit="1"/>
-          </p:cNvSpPr>
-          <p:nvPr>
-            <p:extLst>
-              <p:ext uri="{386F3935-93C4-4BCD-93E2-E3B085C9AB24}">
-                <p16:designElem xmlns:p16="http://schemas.microsoft.com/office/powerpoint/2015/main" val="1"/>
-              </p:ext>
-            </p:extLst>
-          </p:nvPr>
-        </p:nvSpPr>
-        <p:spPr>
-          <a:xfrm>
-            <a:off x="0" y="0"/>
-            <a:ext cx="4694548" cy="6858000"/>
-          </a:xfrm>
-          <a:prstGeom prst="rect">
-            <a:avLst/>
-          </a:prstGeom>
-          <a:solidFill>
-            <a:schemeClr val="tx1"/>
-          </a:solidFill>
-          <a:ln>
-            <a:noFill/>
-          </a:ln>
-        </p:spPr>
-        <p:style>
-          <a:lnRef idx="2">
-            <a:schemeClr val="accent1">
-              <a:shade val="50000"/>
-            </a:schemeClr>
-          </a:lnRef>
-          <a:fillRef idx="1">
-            <a:schemeClr val="accent1"/>
-          </a:fillRef>
-          <a:effectRef idx="0">
-            <a:schemeClr val="accent1"/>
-          </a:effectRef>
-          <a:fontRef idx="minor">
-            <a:schemeClr val="lt1"/>
-          </a:fontRef>
-        </p:style>
-        <p:txBody>
-          <a:bodyPr rtlCol="0" anchor="ctr"/>
-          <a:lstStyle/>
-          <a:p>
-            <a:pPr algn="ctr"/>
-            <a:endParaRPr lang="en-US"/>
-          </a:p>
-        </p:txBody>
-      </p:sp>
-      <p:sp>
-        <p:nvSpPr>
-          <p:cNvPr id="2" name="Title 1">
-            <a:extLst>
-              <a:ext uri="{FF2B5EF4-FFF2-40B4-BE49-F238E27FC236}">
-                <a16:creationId xmlns:a16="http://schemas.microsoft.com/office/drawing/2014/main" id="{DA7F9311-0C48-4D07-8EB9-6965B2CD7BAD}"/>
-              </a:ext>
-            </a:extLst>
-          </p:cNvPr>
-          <p:cNvSpPr>
-            <a:spLocks noGrp="1"/>
-          </p:cNvSpPr>
-          <p:nvPr>
-            <p:ph type="title"/>
-          </p:nvPr>
-        </p:nvSpPr>
-        <p:spPr>
-          <a:xfrm>
-            <a:off x="767290" y="1780661"/>
-            <a:ext cx="3582073" cy="1463472"/>
-          </a:xfrm>
-        </p:spPr>
-        <p:txBody>
-          <a:bodyPr vert="horz" lIns="91440" tIns="45720" rIns="91440" bIns="45720" rtlCol="0" anchor="t">
-            <a:normAutofit/>
-          </a:bodyPr>
-          <a:lstStyle/>
-          <a:p>
-            <a:r>
-              <a:rPr lang="en-US" sz="4800" kern="1200">
-                <a:solidFill>
-                  <a:schemeClr val="bg1"/>
-                </a:solidFill>
-                <a:latin typeface="+mj-lt"/>
-                <a:ea typeface="+mj-ea"/>
-                <a:cs typeface="+mj-cs"/>
-              </a:rPr>
-              <a:t>Crime Categories</a:t>
-            </a:r>
-          </a:p>
-        </p:txBody>
-      </p:sp>
-      <p:grpSp>
-        <p:nvGrpSpPr>
-          <p:cNvPr id="60" name="Group 59">
-            <a:extLst>
-              <a:ext uri="{FF2B5EF4-FFF2-40B4-BE49-F238E27FC236}">
-                <a16:creationId xmlns:a16="http://schemas.microsoft.com/office/drawing/2014/main" id="{35EE815E-1BD3-4777-B652-6D98825BF66B}"/>
-              </a:ext>
-              <a:ext uri="{C183D7F6-B498-43B3-948B-1728B52AA6E4}">
-                <adec:decorative xmlns:adec="http://schemas.microsoft.com/office/drawing/2017/decorative" val="1"/>
-              </a:ext>
-            </a:extLst>
-          </p:cNvPr>
-          <p:cNvGrpSpPr>
-            <a:grpSpLocks noGrp="1" noUngrp="1" noRot="1" noChangeAspect="1" noMove="1" noResize="1"/>
-          </p:cNvGrpSpPr>
-          <p:nvPr>
-            <p:extLst>
-              <p:ext uri="{386F3935-93C4-4BCD-93E2-E3B085C9AB24}">
-                <p16:designElem xmlns:p16="http://schemas.microsoft.com/office/powerpoint/2015/main" val="1"/>
-              </p:ext>
-            </p:extLst>
-          </p:nvPr>
-        </p:nvGrpSpPr>
-        <p:grpSpPr>
-          <a:xfrm>
-            <a:off x="767290" y="681628"/>
-            <a:ext cx="1128382" cy="847206"/>
-            <a:chOff x="668003" y="1684057"/>
-            <a:chExt cx="1128382" cy="847206"/>
-          </a:xfrm>
-        </p:grpSpPr>
-        <p:sp>
-          <p:nvSpPr>
-            <p:cNvPr id="61" name="Freeform 5">
-              <a:extLst>
-                <a:ext uri="{FF2B5EF4-FFF2-40B4-BE49-F238E27FC236}">
-                  <a16:creationId xmlns:a16="http://schemas.microsoft.com/office/drawing/2014/main" id="{E6692982-4A7D-4392-87CD-F0CD4B027DDE}"/>
-                </a:ext>
-                <a:ext uri="{C183D7F6-B498-43B3-948B-1728B52AA6E4}">
-                  <adec:decorative xmlns:adec="http://schemas.microsoft.com/office/drawing/2017/decorative" val="1"/>
-                </a:ext>
-              </a:extLst>
-            </p:cNvPr>
-            <p:cNvSpPr>
-              <a:spLocks/>
-            </p:cNvSpPr>
-            <p:nvPr>
-              <p:extLst>
-                <p:ext uri="{386F3935-93C4-4BCD-93E2-E3B085C9AB24}">
-                  <p16:designElem xmlns:p16="http://schemas.microsoft.com/office/powerpoint/2015/main" val="1"/>
-                </p:ext>
-              </p:extLst>
-            </p:nvPr>
-          </p:nvSpPr>
-          <p:spPr bwMode="auto">
-            <a:xfrm>
-              <a:off x="668003" y="1935883"/>
-              <a:ext cx="675351" cy="595380"/>
-            </a:xfrm>
-            <a:custGeom>
-              <a:avLst/>
-              <a:gdLst>
-                <a:gd name="T0" fmla="*/ 225 w 785"/>
-                <a:gd name="T1" fmla="*/ 692 h 692"/>
-                <a:gd name="T2" fmla="*/ 177 w 785"/>
-                <a:gd name="T3" fmla="*/ 665 h 692"/>
-                <a:gd name="T4" fmla="*/ 9 w 785"/>
-                <a:gd name="T5" fmla="*/ 374 h 692"/>
-                <a:gd name="T6" fmla="*/ 9 w 785"/>
-                <a:gd name="T7" fmla="*/ 318 h 692"/>
-                <a:gd name="T8" fmla="*/ 177 w 785"/>
-                <a:gd name="T9" fmla="*/ 27 h 692"/>
-                <a:gd name="T10" fmla="*/ 225 w 785"/>
-                <a:gd name="T11" fmla="*/ 0 h 692"/>
-                <a:gd name="T12" fmla="*/ 561 w 785"/>
-                <a:gd name="T13" fmla="*/ 0 h 692"/>
-                <a:gd name="T14" fmla="*/ 609 w 785"/>
-                <a:gd name="T15" fmla="*/ 27 h 692"/>
-                <a:gd name="T16" fmla="*/ 777 w 785"/>
-                <a:gd name="T17" fmla="*/ 318 h 692"/>
-                <a:gd name="T18" fmla="*/ 777 w 785"/>
-                <a:gd name="T19" fmla="*/ 374 h 692"/>
-                <a:gd name="T20" fmla="*/ 609 w 785"/>
-                <a:gd name="T21" fmla="*/ 665 h 692"/>
-                <a:gd name="T22" fmla="*/ 561 w 785"/>
-                <a:gd name="T23" fmla="*/ 692 h 692"/>
-                <a:gd name="T24" fmla="*/ 225 w 785"/>
-                <a:gd name="T25" fmla="*/ 692 h 692"/>
-              </a:gdLst>
-              <a:ahLst/>
-              <a:cxnLst>
-                <a:cxn ang="0">
-                  <a:pos x="T0" y="T1"/>
-                </a:cxn>
-                <a:cxn ang="0">
-                  <a:pos x="T2" y="T3"/>
-                </a:cxn>
-                <a:cxn ang="0">
-                  <a:pos x="T4" y="T5"/>
-                </a:cxn>
-                <a:cxn ang="0">
-                  <a:pos x="T6" y="T7"/>
-                </a:cxn>
-                <a:cxn ang="0">
-                  <a:pos x="T8" y="T9"/>
-                </a:cxn>
-                <a:cxn ang="0">
-                  <a:pos x="T10" y="T11"/>
-                </a:cxn>
-                <a:cxn ang="0">
-                  <a:pos x="T12" y="T13"/>
-                </a:cxn>
-                <a:cxn ang="0">
-                  <a:pos x="T14" y="T15"/>
-                </a:cxn>
-                <a:cxn ang="0">
-                  <a:pos x="T16" y="T17"/>
-                </a:cxn>
-                <a:cxn ang="0">
-                  <a:pos x="T18" y="T19"/>
-                </a:cxn>
-                <a:cxn ang="0">
-                  <a:pos x="T20" y="T21"/>
-                </a:cxn>
-                <a:cxn ang="0">
-                  <a:pos x="T22" y="T23"/>
-                </a:cxn>
-                <a:cxn ang="0">
-                  <a:pos x="T24" y="T25"/>
-                </a:cxn>
-              </a:cxnLst>
-              <a:rect l="0" t="0" r="r" b="b"/>
-              <a:pathLst>
-                <a:path w="785" h="692">
-                  <a:moveTo>
-                    <a:pt x="225" y="692"/>
-                  </a:moveTo>
-                  <a:cubicBezTo>
-                    <a:pt x="207" y="692"/>
-                    <a:pt x="185" y="680"/>
-                    <a:pt x="177" y="665"/>
-                  </a:cubicBezTo>
-                  <a:cubicBezTo>
-                    <a:pt x="9" y="374"/>
-                    <a:pt x="9" y="374"/>
-                    <a:pt x="9" y="374"/>
-                  </a:cubicBezTo>
-                  <a:cubicBezTo>
-                    <a:pt x="0" y="358"/>
-                    <a:pt x="0" y="334"/>
-                    <a:pt x="9" y="318"/>
-                  </a:cubicBezTo>
-                  <a:cubicBezTo>
-                    <a:pt x="177" y="27"/>
-                    <a:pt x="177" y="27"/>
-                    <a:pt x="177" y="27"/>
-                  </a:cubicBezTo>
-                  <a:cubicBezTo>
-                    <a:pt x="185" y="12"/>
-                    <a:pt x="207" y="0"/>
-                    <a:pt x="225" y="0"/>
-                  </a:cubicBezTo>
-                  <a:cubicBezTo>
-                    <a:pt x="561" y="0"/>
-                    <a:pt x="561" y="0"/>
-                    <a:pt x="561" y="0"/>
-                  </a:cubicBezTo>
-                  <a:cubicBezTo>
-                    <a:pt x="578" y="0"/>
-                    <a:pt x="600" y="12"/>
-                    <a:pt x="609" y="27"/>
-                  </a:cubicBezTo>
-                  <a:cubicBezTo>
-                    <a:pt x="777" y="318"/>
-                    <a:pt x="777" y="318"/>
-                    <a:pt x="777" y="318"/>
-                  </a:cubicBezTo>
-                  <a:cubicBezTo>
-                    <a:pt x="785" y="334"/>
-                    <a:pt x="785" y="358"/>
-                    <a:pt x="777" y="374"/>
-                  </a:cubicBezTo>
-                  <a:cubicBezTo>
-                    <a:pt x="609" y="665"/>
-                    <a:pt x="609" y="665"/>
-                    <a:pt x="609" y="665"/>
-                  </a:cubicBezTo>
-                  <a:cubicBezTo>
-                    <a:pt x="600" y="680"/>
-                    <a:pt x="578" y="692"/>
-                    <a:pt x="561" y="692"/>
-                  </a:cubicBezTo>
-                  <a:lnTo>
-                    <a:pt x="225" y="692"/>
-                  </a:lnTo>
-                  <a:close/>
-                </a:path>
-              </a:pathLst>
-            </a:custGeom>
-            <a:noFill/>
-            <a:ln w="28575" cmpd="sng">
-              <a:solidFill>
-                <a:schemeClr val="bg1"/>
-              </a:solidFill>
-            </a:ln>
-          </p:spPr>
-          <p:txBody>
-            <a:bodyPr vert="horz" wrap="square" lIns="91440" tIns="45720" rIns="91440" bIns="45720" numCol="1" anchor="t" anchorCtr="0" compatLnSpc="1">
-              <a:prstTxWarp prst="textNoShape">
-                <a:avLst/>
-              </a:prstTxWarp>
-            </a:bodyPr>
-            <a:lstStyle/>
-            <a:p>
-              <a:endParaRPr lang="en-US"/>
-            </a:p>
-          </p:txBody>
-        </p:sp>
-        <p:sp>
-          <p:nvSpPr>
-            <p:cNvPr id="62" name="Freeform 5">
-              <a:extLst>
-                <a:ext uri="{FF2B5EF4-FFF2-40B4-BE49-F238E27FC236}">
-                  <a16:creationId xmlns:a16="http://schemas.microsoft.com/office/drawing/2014/main" id="{196485F7-F277-4123-AC53-98EA4C858774}"/>
-                </a:ext>
-                <a:ext uri="{C183D7F6-B498-43B3-948B-1728B52AA6E4}">
-                  <adec:decorative xmlns:adec="http://schemas.microsoft.com/office/drawing/2017/decorative" val="1"/>
-                </a:ext>
-              </a:extLst>
-            </p:cNvPr>
-            <p:cNvSpPr>
-              <a:spLocks/>
-            </p:cNvSpPr>
-            <p:nvPr>
-              <p:extLst>
-                <p:ext uri="{386F3935-93C4-4BCD-93E2-E3B085C9AB24}">
-                  <p16:designElem xmlns:p16="http://schemas.microsoft.com/office/powerpoint/2015/main" val="1"/>
-                </p:ext>
-              </p:extLst>
-            </p:nvPr>
-          </p:nvSpPr>
-          <p:spPr bwMode="auto">
-            <a:xfrm>
-              <a:off x="1245893" y="1684057"/>
-              <a:ext cx="550492" cy="485306"/>
-            </a:xfrm>
-            <a:custGeom>
-              <a:avLst/>
-              <a:gdLst>
-                <a:gd name="T0" fmla="*/ 225 w 785"/>
-                <a:gd name="T1" fmla="*/ 692 h 692"/>
-                <a:gd name="T2" fmla="*/ 177 w 785"/>
-                <a:gd name="T3" fmla="*/ 665 h 692"/>
-                <a:gd name="T4" fmla="*/ 9 w 785"/>
-                <a:gd name="T5" fmla="*/ 374 h 692"/>
-                <a:gd name="T6" fmla="*/ 9 w 785"/>
-                <a:gd name="T7" fmla="*/ 318 h 692"/>
-                <a:gd name="T8" fmla="*/ 177 w 785"/>
-                <a:gd name="T9" fmla="*/ 27 h 692"/>
-                <a:gd name="T10" fmla="*/ 225 w 785"/>
-                <a:gd name="T11" fmla="*/ 0 h 692"/>
-                <a:gd name="T12" fmla="*/ 561 w 785"/>
-                <a:gd name="T13" fmla="*/ 0 h 692"/>
-                <a:gd name="T14" fmla="*/ 609 w 785"/>
-                <a:gd name="T15" fmla="*/ 27 h 692"/>
-                <a:gd name="T16" fmla="*/ 777 w 785"/>
-                <a:gd name="T17" fmla="*/ 318 h 692"/>
-                <a:gd name="T18" fmla="*/ 777 w 785"/>
-                <a:gd name="T19" fmla="*/ 374 h 692"/>
-                <a:gd name="T20" fmla="*/ 609 w 785"/>
-                <a:gd name="T21" fmla="*/ 665 h 692"/>
-                <a:gd name="T22" fmla="*/ 561 w 785"/>
-                <a:gd name="T23" fmla="*/ 692 h 692"/>
-                <a:gd name="T24" fmla="*/ 225 w 785"/>
-                <a:gd name="T25" fmla="*/ 692 h 692"/>
-              </a:gdLst>
-              <a:ahLst/>
-              <a:cxnLst>
-                <a:cxn ang="0">
-                  <a:pos x="T0" y="T1"/>
-                </a:cxn>
-                <a:cxn ang="0">
-                  <a:pos x="T2" y="T3"/>
-                </a:cxn>
-                <a:cxn ang="0">
-                  <a:pos x="T4" y="T5"/>
-                </a:cxn>
-                <a:cxn ang="0">
-                  <a:pos x="T6" y="T7"/>
-                </a:cxn>
-                <a:cxn ang="0">
-                  <a:pos x="T8" y="T9"/>
-                </a:cxn>
-                <a:cxn ang="0">
-                  <a:pos x="T10" y="T11"/>
-                </a:cxn>
-                <a:cxn ang="0">
-                  <a:pos x="T12" y="T13"/>
-                </a:cxn>
-                <a:cxn ang="0">
-                  <a:pos x="T14" y="T15"/>
-                </a:cxn>
-                <a:cxn ang="0">
-                  <a:pos x="T16" y="T17"/>
-                </a:cxn>
-                <a:cxn ang="0">
-                  <a:pos x="T18" y="T19"/>
-                </a:cxn>
-                <a:cxn ang="0">
-                  <a:pos x="T20" y="T21"/>
-                </a:cxn>
-                <a:cxn ang="0">
-                  <a:pos x="T22" y="T23"/>
-                </a:cxn>
-                <a:cxn ang="0">
-                  <a:pos x="T24" y="T25"/>
-                </a:cxn>
-              </a:cxnLst>
-              <a:rect l="0" t="0" r="r" b="b"/>
-              <a:pathLst>
-                <a:path w="785" h="692">
-                  <a:moveTo>
-                    <a:pt x="225" y="692"/>
-                  </a:moveTo>
-                  <a:cubicBezTo>
-                    <a:pt x="207" y="692"/>
-                    <a:pt x="185" y="680"/>
-                    <a:pt x="177" y="665"/>
-                  </a:cubicBezTo>
-                  <a:cubicBezTo>
-                    <a:pt x="9" y="374"/>
-                    <a:pt x="9" y="374"/>
-                    <a:pt x="9" y="374"/>
-                  </a:cubicBezTo>
-                  <a:cubicBezTo>
-                    <a:pt x="0" y="358"/>
-                    <a:pt x="0" y="334"/>
-                    <a:pt x="9" y="318"/>
-                  </a:cubicBezTo>
-                  <a:cubicBezTo>
-                    <a:pt x="177" y="27"/>
-                    <a:pt x="177" y="27"/>
-                    <a:pt x="177" y="27"/>
-                  </a:cubicBezTo>
-                  <a:cubicBezTo>
-                    <a:pt x="185" y="12"/>
-                    <a:pt x="207" y="0"/>
-                    <a:pt x="225" y="0"/>
-                  </a:cubicBezTo>
-                  <a:cubicBezTo>
-                    <a:pt x="561" y="0"/>
-                    <a:pt x="561" y="0"/>
-                    <a:pt x="561" y="0"/>
-                  </a:cubicBezTo>
-                  <a:cubicBezTo>
-                    <a:pt x="578" y="0"/>
-                    <a:pt x="600" y="12"/>
-                    <a:pt x="609" y="27"/>
-                  </a:cubicBezTo>
-                  <a:cubicBezTo>
-                    <a:pt x="777" y="318"/>
-                    <a:pt x="777" y="318"/>
-                    <a:pt x="777" y="318"/>
-                  </a:cubicBezTo>
-                  <a:cubicBezTo>
-                    <a:pt x="785" y="334"/>
-                    <a:pt x="785" y="358"/>
-                    <a:pt x="777" y="374"/>
-                  </a:cubicBezTo>
-                  <a:cubicBezTo>
-                    <a:pt x="609" y="665"/>
-                    <a:pt x="609" y="665"/>
-                    <a:pt x="609" y="665"/>
-                  </a:cubicBezTo>
-                  <a:cubicBezTo>
-                    <a:pt x="600" y="680"/>
-                    <a:pt x="578" y="692"/>
-                    <a:pt x="561" y="692"/>
-                  </a:cubicBezTo>
-                  <a:lnTo>
-                    <a:pt x="225" y="692"/>
-                  </a:lnTo>
-                  <a:close/>
-                </a:path>
-              </a:pathLst>
-            </a:custGeom>
-            <a:noFill/>
-            <a:ln w="28575" cmpd="sng">
-              <a:solidFill>
-                <a:schemeClr val="bg1"/>
-              </a:solidFill>
-            </a:ln>
-          </p:spPr>
-          <p:txBody>
-            <a:bodyPr vert="horz" wrap="square" lIns="91440" tIns="45720" rIns="91440" bIns="45720" numCol="1" anchor="t" anchorCtr="0" compatLnSpc="1">
-              <a:prstTxWarp prst="textNoShape">
-                <a:avLst/>
-              </a:prstTxWarp>
-            </a:bodyPr>
-            <a:lstStyle/>
-            <a:p>
-              <a:endParaRPr lang="en-US"/>
-            </a:p>
-          </p:txBody>
-        </p:sp>
-      </p:grpSp>
-      <p:sp>
-        <p:nvSpPr>
-          <p:cNvPr id="13" name="Content Placeholder 12">
-            <a:extLst>
-              <a:ext uri="{FF2B5EF4-FFF2-40B4-BE49-F238E27FC236}">
-                <a16:creationId xmlns:a16="http://schemas.microsoft.com/office/drawing/2014/main" id="{1CB7C1BF-B960-4C67-9AD6-BAA09BC1CB86}"/>
-              </a:ext>
-            </a:extLst>
-          </p:cNvPr>
-          <p:cNvSpPr>
-            <a:spLocks noGrp="1"/>
-          </p:cNvSpPr>
-          <p:nvPr>
-            <p:ph idx="1"/>
-          </p:nvPr>
-        </p:nvSpPr>
-        <p:spPr>
-          <a:xfrm>
-            <a:off x="767290" y="3383121"/>
-            <a:ext cx="3582072" cy="2793251"/>
-          </a:xfrm>
-        </p:spPr>
-        <p:txBody>
-          <a:bodyPr vert="horz" lIns="91440" tIns="45720" rIns="91440" bIns="45720" rtlCol="0" anchor="t">
-            <a:normAutofit/>
-          </a:bodyPr>
-          <a:lstStyle/>
-          <a:p>
-            <a:r>
-              <a:rPr lang="en-US" sz="2000" kern="1200">
-                <a:solidFill>
-                  <a:schemeClr val="bg1"/>
-                </a:solidFill>
-                <a:latin typeface="+mn-lt"/>
-                <a:ea typeface="+mn-ea"/>
-                <a:cs typeface="+mn-cs"/>
-              </a:rPr>
-              <a:t>Nearly 2/3 of offenses by Hispanic offenders are not violent or drug related</a:t>
-            </a:r>
-          </a:p>
-        </p:txBody>
-      </p:sp>
-      <p:pic>
-        <p:nvPicPr>
-          <p:cNvPr id="4" name="Picture 3">
-            <a:extLst>
-              <a:ext uri="{FF2B5EF4-FFF2-40B4-BE49-F238E27FC236}">
-                <a16:creationId xmlns:a16="http://schemas.microsoft.com/office/drawing/2014/main" id="{A109D790-5985-4C94-A04A-AD15ED0F9360}"/>
-              </a:ext>
-            </a:extLst>
-          </p:cNvPr>
-          <p:cNvPicPr>
-            <a:picLocks noChangeAspect="1"/>
-          </p:cNvPicPr>
-          <p:nvPr/>
-        </p:nvPicPr>
-        <p:blipFill>
-          <a:blip r:embed="rId2">
-            <a:extLst>
-              <a:ext uri="{28A0092B-C50C-407E-A947-70E740481C1C}">
-                <a14:useLocalDpi xmlns:a14="http://schemas.microsoft.com/office/drawing/2010/main" val="0"/>
-              </a:ext>
-            </a:extLst>
-          </a:blip>
-          <a:stretch/>
-        </p:blipFill>
-        <p:spPr>
-          <a:xfrm>
-            <a:off x="5171779" y="903730"/>
-            <a:ext cx="6532278" cy="4472307"/>
-          </a:xfrm>
-          <a:prstGeom prst="rect">
-            <a:avLst/>
-          </a:prstGeom>
-        </p:spPr>
-      </p:pic>
-      <p:sp>
-        <p:nvSpPr>
-          <p:cNvPr id="6" name="TextBox 5">
-            <a:extLst>
-              <a:ext uri="{FF2B5EF4-FFF2-40B4-BE49-F238E27FC236}">
-                <a16:creationId xmlns:a16="http://schemas.microsoft.com/office/drawing/2014/main" id="{BFB73E54-CAF3-46A3-84CA-80000E83C654}"/>
-              </a:ext>
-            </a:extLst>
-          </p:cNvPr>
-          <p:cNvSpPr txBox="1"/>
-          <p:nvPr/>
-        </p:nvSpPr>
-        <p:spPr>
-          <a:xfrm>
-            <a:off x="6096000" y="514169"/>
-            <a:ext cx="3450672" cy="369332"/>
-          </a:xfrm>
-          <a:prstGeom prst="rect">
-            <a:avLst/>
-          </a:prstGeom>
-          <a:noFill/>
-        </p:spPr>
-        <p:txBody>
-          <a:bodyPr wrap="square" rtlCol="0">
-            <a:spAutoFit/>
-          </a:bodyPr>
-          <a:lstStyle/>
-          <a:p>
-            <a:pPr algn="ctr">
-              <a:spcAft>
-                <a:spcPts val="600"/>
-              </a:spcAft>
-            </a:pPr>
-            <a:r>
-              <a:rPr lang="en-US" dirty="0"/>
-              <a:t>Hispanic Sentencing Population</a:t>
-            </a:r>
-            <a:endParaRPr lang="en-US"/>
-          </a:p>
-        </p:txBody>
-      </p:sp>
-    </p:spTree>
-    <p:extLst>
-      <p:ext uri="{BB962C8B-B14F-4D97-AF65-F5344CB8AC3E}">
-        <p14:creationId xmlns:p14="http://schemas.microsoft.com/office/powerpoint/2010/main" val="3305386387"/>
-      </p:ext>
-    </p:extLst>
-  </p:cSld>
-  <p:clrMapOvr>
-    <a:masterClrMapping/>
-  </p:clrMapOvr>
-</p:sld>
-</file>
-
-<file path=ppt/slides/slide3.xml><?xml version="1.0" encoding="utf-8"?>
-<p:sld xmlns:a="http://schemas.openxmlformats.org/drawingml/2006/main" xmlns:r="http://schemas.openxmlformats.org/officeDocument/2006/relationships" xmlns:p="http://schemas.openxmlformats.org/presentationml/2006/main">
-  <p:cSld>
-    <p:bg>
-      <p:bgPr>
-        <a:solidFill>
-          <a:schemeClr val="bg1"/>
-        </a:solidFill>
-        <a:effectLst/>
-      </p:bgPr>
-    </p:bg>
-    <p:spTree>
-      <p:nvGrpSpPr>
-        <p:cNvPr id="1" name=""/>
-        <p:cNvGrpSpPr/>
-        <p:nvPr/>
-      </p:nvGrpSpPr>
-      <p:grpSpPr>
-        <a:xfrm>
-          <a:off x="0" y="0"/>
-          <a:ext cx="0" cy="0"/>
-          <a:chOff x="0" y="0"/>
-          <a:chExt cx="0" cy="0"/>
-        </a:xfrm>
-      </p:grpSpPr>
-      <p:sp useBgFill="1">
-        <p:nvSpPr>
-          <p:cNvPr id="18" name="Rectangle 17">
-            <a:extLst>
-              <a:ext uri="{FF2B5EF4-FFF2-40B4-BE49-F238E27FC236}">
-                <a16:creationId xmlns:a16="http://schemas.microsoft.com/office/drawing/2014/main" id="{91F32EBA-ED97-466E-8CFA-8382584155D0}"/>
-              </a:ext>
-              <a:ext uri="{C183D7F6-B498-43B3-948B-1728B52AA6E4}">
-                <adec:decorative xmlns:adec="http://schemas.microsoft.com/office/drawing/2017/decorative" val="1"/>
-              </a:ext>
-            </a:extLst>
-          </p:cNvPr>
-          <p:cNvSpPr>
-            <a:spLocks noGrp="1" noRot="1" noChangeAspect="1" noMove="1" noResize="1" noEditPoints="1" noAdjustHandles="1" noChangeArrowheads="1" noChangeShapeType="1" noTextEdit="1"/>
-          </p:cNvSpPr>
-          <p:nvPr>
-            <p:extLst>
-              <p:ext uri="{386F3935-93C4-4BCD-93E2-E3B085C9AB24}">
-                <p16:designElem xmlns:p16="http://schemas.microsoft.com/office/powerpoint/2015/main" val="1"/>
-              </p:ext>
-            </p:extLst>
-          </p:nvPr>
-        </p:nvSpPr>
-        <p:spPr>
-          <a:xfrm>
-            <a:off x="0" y="0"/>
-            <a:ext cx="12192000" cy="6858000"/>
-          </a:xfrm>
-          <a:prstGeom prst="rect">
-            <a:avLst/>
-          </a:prstGeom>
-          <a:ln>
-            <a:noFill/>
-          </a:ln>
-        </p:spPr>
-        <p:style>
-          <a:lnRef idx="2">
-            <a:schemeClr val="accent1">
-              <a:shade val="50000"/>
-            </a:schemeClr>
-          </a:lnRef>
-          <a:fillRef idx="1">
-            <a:schemeClr val="accent1"/>
-          </a:fillRef>
-          <a:effectRef idx="0">
-            <a:schemeClr val="accent1"/>
-          </a:effectRef>
-          <a:fontRef idx="minor">
-            <a:schemeClr val="lt1"/>
-          </a:fontRef>
-        </p:style>
-        <p:txBody>
-          <a:bodyPr rtlCol="0" anchor="ctr"/>
-          <a:lstStyle/>
-          <a:p>
-            <a:pPr algn="ctr"/>
-            <a:endParaRPr lang="en-US"/>
-          </a:p>
-        </p:txBody>
-      </p:sp>
-      <p:sp>
-        <p:nvSpPr>
           <p:cNvPr id="2" name="Title 1">
             <a:extLst>
               <a:ext uri="{FF2B5EF4-FFF2-40B4-BE49-F238E27FC236}">
@@ -17693,7 +13216,7 @@
         <p:spPr>
           <a:xfrm>
             <a:off x="965200" y="2470248"/>
-            <a:ext cx="4048344" cy="3536236"/>
+            <a:ext cx="4185640" cy="3536236"/>
           </a:xfrm>
         </p:spPr>
         <p:txBody>
@@ -18902,7 +14425,12 @@
             <p:ph sz="half" idx="2"/>
           </p:nvPr>
         </p:nvSpPr>
-        <p:spPr/>
+        <p:spPr>
+          <a:xfrm>
+            <a:off x="6019800" y="1825625"/>
+            <a:ext cx="5181600" cy="4351338"/>
+          </a:xfrm>
+        </p:spPr>
         <p:txBody>
           <a:bodyPr>
             <a:normAutofit fontScale="92500" lnSpcReduction="10000"/>
@@ -19571,76 +15099,6 @@
     <p:bg>
       <p:bgPr>
         <a:solidFill>
-          <a:srgbClr val="4884AF"/>
-        </a:solidFill>
-        <a:effectLst/>
-      </p:bgPr>
-    </p:bg>
-    <p:spTree>
-      <p:nvGrpSpPr>
-        <p:cNvPr id="1" name=""/>
-        <p:cNvGrpSpPr/>
-        <p:nvPr/>
-      </p:nvGrpSpPr>
-      <p:grpSpPr>
-        <a:xfrm>
-          <a:off x="0" y="0"/>
-          <a:ext cx="0" cy="0"/>
-          <a:chOff x="0" y="0"/>
-          <a:chExt cx="0" cy="0"/>
-        </a:xfrm>
-      </p:grpSpPr>
-      <p:sp>
-        <p:nvSpPr>
-          <p:cNvPr id="4" name="Title 3">
-            <a:extLst>
-              <a:ext uri="{FF2B5EF4-FFF2-40B4-BE49-F238E27FC236}">
-                <a16:creationId xmlns:a16="http://schemas.microsoft.com/office/drawing/2014/main" id="{BB2A1168-7759-4137-9142-9990CD1097B1}"/>
-              </a:ext>
-            </a:extLst>
-          </p:cNvPr>
-          <p:cNvSpPr>
-            <a:spLocks noGrp="1"/>
-          </p:cNvSpPr>
-          <p:nvPr>
-            <p:ph type="ctrTitle"/>
-          </p:nvPr>
-        </p:nvSpPr>
-        <p:spPr/>
-        <p:txBody>
-          <a:bodyPr/>
-          <a:lstStyle/>
-          <a:p>
-            <a:r>
-              <a:rPr lang="en-US" b="1" dirty="0">
-                <a:solidFill>
-                  <a:schemeClr val="bg1"/>
-                </a:solidFill>
-              </a:rPr>
-              <a:t>Analysis &amp; Insights</a:t>
-            </a:r>
-          </a:p>
-        </p:txBody>
-      </p:sp>
-    </p:spTree>
-    <p:extLst>
-      <p:ext uri="{BB962C8B-B14F-4D97-AF65-F5344CB8AC3E}">
-        <p14:creationId xmlns:p14="http://schemas.microsoft.com/office/powerpoint/2010/main" val="69749069"/>
-      </p:ext>
-    </p:extLst>
-  </p:cSld>
-  <p:clrMapOvr>
-    <a:masterClrMapping/>
-  </p:clrMapOvr>
-</p:sld>
-</file>
-
-<file path=ppt/slides/slide6.xml><?xml version="1.0" encoding="utf-8"?>
-<p:sld xmlns:a="http://schemas.openxmlformats.org/drawingml/2006/main" xmlns:r="http://schemas.openxmlformats.org/officeDocument/2006/relationships" xmlns:p="http://schemas.openxmlformats.org/presentationml/2006/main">
-  <p:cSld>
-    <p:bg>
-      <p:bgPr>
-        <a:solidFill>
           <a:srgbClr val="EAF1F6"/>
         </a:solidFill>
         <a:effectLst/>
@@ -20539,7 +15997,7 @@
 </p:sld>
 </file>
 
-<file path=ppt/slides/slide7.xml><?xml version="1.0" encoding="utf-8"?>
+<file path=ppt/slides/slide6.xml><?xml version="1.0" encoding="utf-8"?>
 <p:sld xmlns:a="http://schemas.openxmlformats.org/drawingml/2006/main" xmlns:r="http://schemas.openxmlformats.org/officeDocument/2006/relationships" xmlns:p="http://schemas.openxmlformats.org/presentationml/2006/main">
   <p:cSld>
     <p:bg>
@@ -20832,8 +16290,8 @@
               <a:t>A </a:t>
             </a:r>
             <a:r>
-              <a:rPr lang="en-US" sz="1400" b="1" dirty="0" err="1"/>
-              <a:t>hispanic</a:t>
+              <a:rPr lang="en-US" sz="1400" b="1" dirty="0"/>
+              <a:t>Hispanic</a:t>
             </a:r>
             <a:r>
               <a:rPr lang="en-US" sz="1400" dirty="0"/>
@@ -21080,7 +16538,7 @@
 </p:sld>
 </file>
 
-<file path=ppt/slides/slide8.xml><?xml version="1.0" encoding="utf-8"?>
+<file path=ppt/slides/slide7.xml><?xml version="1.0" encoding="utf-8"?>
 <p:sld xmlns:a="http://schemas.openxmlformats.org/drawingml/2006/main" xmlns:r="http://schemas.openxmlformats.org/officeDocument/2006/relationships" xmlns:p="http://schemas.openxmlformats.org/presentationml/2006/main">
   <p:cSld>
     <p:bg>
@@ -21189,14 +16647,14 @@
         </p:spPr>
         <p:txBody>
           <a:bodyPr anchor="b">
-            <a:normAutofit/>
+            <a:normAutofit fontScale="90000"/>
           </a:bodyPr>
           <a:lstStyle/>
           <a:p>
             <a:pPr algn="l"/>
             <a:r>
               <a:rPr lang="en-US" sz="5000" dirty="0"/>
-              <a:t>Are people of color receiving longer sentences on average?</a:t>
+              <a:t>Are people of color receiving longer sentences on average for the same crimes?</a:t>
             </a:r>
           </a:p>
         </p:txBody>
@@ -21984,7 +17442,7 @@
 </p:sld>
 </file>
 
-<file path=ppt/slides/slide9.xml><?xml version="1.0" encoding="utf-8"?>
+<file path=ppt/slides/slide8.xml><?xml version="1.0" encoding="utf-8"?>
 <p:sld xmlns:a="http://schemas.openxmlformats.org/drawingml/2006/main" xmlns:r="http://schemas.openxmlformats.org/officeDocument/2006/relationships" xmlns:p="http://schemas.openxmlformats.org/presentationml/2006/main">
   <p:cSld>
     <p:bg>
@@ -22265,6 +17723,629 @@
   <p:clrMapOvr>
     <a:masterClrMapping/>
   </p:clrMapOvr>
+</p:sld>
+</file>
+
+<file path=ppt/slides/slide9.xml><?xml version="1.0" encoding="utf-8"?>
+<p:sld xmlns:a="http://schemas.openxmlformats.org/drawingml/2006/main" xmlns:r="http://schemas.openxmlformats.org/officeDocument/2006/relationships" xmlns:p="http://schemas.openxmlformats.org/presentationml/2006/main">
+  <p:cSld>
+    <p:bg>
+      <p:bgPr>
+        <a:solidFill>
+          <a:schemeClr val="bg1"/>
+        </a:solidFill>
+        <a:effectLst/>
+      </p:bgPr>
+    </p:bg>
+    <p:spTree>
+      <p:nvGrpSpPr>
+        <p:cNvPr id="1" name=""/>
+        <p:cNvGrpSpPr/>
+        <p:nvPr/>
+      </p:nvGrpSpPr>
+      <p:grpSpPr>
+        <a:xfrm>
+          <a:off x="0" y="0"/>
+          <a:ext cx="0" cy="0"/>
+          <a:chOff x="0" y="0"/>
+          <a:chExt cx="0" cy="0"/>
+        </a:xfrm>
+      </p:grpSpPr>
+      <p:sp useBgFill="1">
+        <p:nvSpPr>
+          <p:cNvPr id="14" name="Rectangle 13">
+            <a:extLst>
+              <a:ext uri="{FF2B5EF4-FFF2-40B4-BE49-F238E27FC236}">
+                <a16:creationId xmlns:a16="http://schemas.microsoft.com/office/drawing/2014/main" id="{9389D3E0-BA02-41D3-B2AC-8FD6AA893902}"/>
+              </a:ext>
+              <a:ext uri="{C183D7F6-B498-43B3-948B-1728B52AA6E4}">
+                <adec:decorative xmlns:adec="http://schemas.microsoft.com/office/drawing/2017/decorative" val="1"/>
+              </a:ext>
+            </a:extLst>
+          </p:cNvPr>
+          <p:cNvSpPr>
+            <a:spLocks noGrp="1" noRot="1" noChangeAspect="1" noMove="1" noResize="1" noEditPoints="1" noAdjustHandles="1" noChangeArrowheads="1" noChangeShapeType="1" noTextEdit="1"/>
+          </p:cNvSpPr>
+          <p:nvPr>
+            <p:extLst>
+              <p:ext uri="{386F3935-93C4-4BCD-93E2-E3B085C9AB24}">
+                <p16:designElem xmlns:p16="http://schemas.microsoft.com/office/powerpoint/2015/main" val="1"/>
+              </p:ext>
+            </p:extLst>
+          </p:nvPr>
+        </p:nvSpPr>
+        <p:spPr>
+          <a:xfrm>
+            <a:off x="0" y="0"/>
+            <a:ext cx="12188952" cy="6858000"/>
+          </a:xfrm>
+          <a:prstGeom prst="rect">
+            <a:avLst/>
+          </a:prstGeom>
+          <a:ln>
+            <a:noFill/>
+          </a:ln>
+        </p:spPr>
+        <p:style>
+          <a:lnRef idx="2">
+            <a:schemeClr val="accent1">
+              <a:shade val="50000"/>
+            </a:schemeClr>
+          </a:lnRef>
+          <a:fillRef idx="1">
+            <a:schemeClr val="accent1"/>
+          </a:fillRef>
+          <a:effectRef idx="0">
+            <a:schemeClr val="accent1"/>
+          </a:effectRef>
+          <a:fontRef idx="minor">
+            <a:schemeClr val="lt1"/>
+          </a:fontRef>
+        </p:style>
+        <p:txBody>
+          <a:bodyPr rtlCol="0" anchor="ctr"/>
+          <a:lstStyle/>
+          <a:p>
+            <a:pPr algn="ctr"/>
+            <a:endParaRPr lang="en-US"/>
+          </a:p>
+        </p:txBody>
+      </p:sp>
+      <p:sp>
+        <p:nvSpPr>
+          <p:cNvPr id="2" name="Title 1">
+            <a:extLst>
+              <a:ext uri="{FF2B5EF4-FFF2-40B4-BE49-F238E27FC236}">
+                <a16:creationId xmlns:a16="http://schemas.microsoft.com/office/drawing/2014/main" id="{397EDA5E-FF32-48CB-AB2A-63CF13FBAB25}"/>
+              </a:ext>
+            </a:extLst>
+          </p:cNvPr>
+          <p:cNvSpPr>
+            <a:spLocks noGrp="1"/>
+          </p:cNvSpPr>
+          <p:nvPr>
+            <p:ph type="title"/>
+          </p:nvPr>
+        </p:nvSpPr>
+        <p:spPr>
+          <a:xfrm>
+            <a:off x="502570" y="355107"/>
+            <a:ext cx="5349536" cy="1620403"/>
+          </a:xfrm>
+        </p:spPr>
+        <p:txBody>
+          <a:bodyPr vert="horz" lIns="91440" tIns="45720" rIns="91440" bIns="45720" rtlCol="0" anchor="ctr">
+            <a:noAutofit/>
+          </a:bodyPr>
+          <a:lstStyle/>
+          <a:p>
+            <a:r>
+              <a:rPr lang="en-US" dirty="0"/>
+              <a:t>Closer Look: Immigration Offenses </a:t>
+            </a:r>
+          </a:p>
+        </p:txBody>
+      </p:sp>
+      <p:sp>
+        <p:nvSpPr>
+          <p:cNvPr id="10" name="TextBox 9">
+            <a:extLst>
+              <a:ext uri="{FF2B5EF4-FFF2-40B4-BE49-F238E27FC236}">
+                <a16:creationId xmlns:a16="http://schemas.microsoft.com/office/drawing/2014/main" id="{91097034-5955-46F6-94A5-18E3D5985947}"/>
+              </a:ext>
+            </a:extLst>
+          </p:cNvPr>
+          <p:cNvSpPr txBox="1"/>
+          <p:nvPr/>
+        </p:nvSpPr>
+        <p:spPr>
+          <a:xfrm>
+            <a:off x="502570" y="2123783"/>
+            <a:ext cx="4553085" cy="1323439"/>
+          </a:xfrm>
+          <a:prstGeom prst="rect">
+            <a:avLst/>
+          </a:prstGeom>
+          <a:noFill/>
+        </p:spPr>
+        <p:txBody>
+          <a:bodyPr wrap="square" rtlCol="0">
+            <a:spAutoFit/>
+          </a:bodyPr>
+          <a:lstStyle/>
+          <a:p>
+            <a:pPr marL="285750" indent="-285750" algn="just">
+              <a:buFont typeface="Arial" panose="020B0604020202020204" pitchFamily="34" charset="0"/>
+              <a:buChar char="•"/>
+            </a:pPr>
+            <a:r>
+              <a:rPr lang="en-US" sz="2000" dirty="0"/>
+              <a:t>71% of nonviolent offenses by Hispanic defendants are immigration related offenses and carry no mandatory minimum sentence.</a:t>
+            </a:r>
+          </a:p>
+        </p:txBody>
+      </p:sp>
+      <p:pic>
+        <p:nvPicPr>
+          <p:cNvPr id="4" name="Picture 3">
+            <a:extLst>
+              <a:ext uri="{FF2B5EF4-FFF2-40B4-BE49-F238E27FC236}">
+                <a16:creationId xmlns:a16="http://schemas.microsoft.com/office/drawing/2014/main" id="{49B0C5DB-5A07-4A29-A51D-8F00C863531A}"/>
+              </a:ext>
+            </a:extLst>
+          </p:cNvPr>
+          <p:cNvPicPr>
+            <a:picLocks noChangeAspect="1"/>
+          </p:cNvPicPr>
+          <p:nvPr/>
+        </p:nvPicPr>
+        <p:blipFill>
+          <a:blip r:embed="rId3">
+            <a:extLst>
+              <a:ext uri="{28A0092B-C50C-407E-A947-70E740481C1C}">
+                <a14:useLocalDpi xmlns:a14="http://schemas.microsoft.com/office/drawing/2010/main" val="0"/>
+              </a:ext>
+            </a:extLst>
+          </a:blip>
+          <a:srcRect/>
+          <a:stretch/>
+        </p:blipFill>
+        <p:spPr>
+          <a:xfrm>
+            <a:off x="5055657" y="1865086"/>
+            <a:ext cx="7262303" cy="4841536"/>
+          </a:xfrm>
+          <a:prstGeom prst="rect">
+            <a:avLst/>
+          </a:prstGeom>
+        </p:spPr>
+      </p:pic>
+      <p:sp>
+        <p:nvSpPr>
+          <p:cNvPr id="12" name="Rectangle: Rounded Corners 11">
+            <a:extLst>
+              <a:ext uri="{FF2B5EF4-FFF2-40B4-BE49-F238E27FC236}">
+                <a16:creationId xmlns:a16="http://schemas.microsoft.com/office/drawing/2014/main" id="{6AA43795-1E51-4E1C-B38E-49816C27BD5B}"/>
+              </a:ext>
+            </a:extLst>
+          </p:cNvPr>
+          <p:cNvSpPr/>
+          <p:nvPr/>
+        </p:nvSpPr>
+        <p:spPr>
+          <a:xfrm>
+            <a:off x="7843429" y="355107"/>
+            <a:ext cx="1686757" cy="1509979"/>
+          </a:xfrm>
+          <a:prstGeom prst="roundRect">
+            <a:avLst/>
+          </a:prstGeom>
+          <a:solidFill>
+            <a:srgbClr val="FFE5E5"/>
+          </a:solidFill>
+        </p:spPr>
+        <p:style>
+          <a:lnRef idx="2">
+            <a:schemeClr val="dk1"/>
+          </a:lnRef>
+          <a:fillRef idx="1">
+            <a:schemeClr val="lt1"/>
+          </a:fillRef>
+          <a:effectRef idx="0">
+            <a:schemeClr val="dk1"/>
+          </a:effectRef>
+          <a:fontRef idx="minor">
+            <a:schemeClr val="dk1"/>
+          </a:fontRef>
+        </p:style>
+        <p:txBody>
+          <a:bodyPr rtlCol="0" anchor="ctr">
+            <a:normAutofit fontScale="85000" lnSpcReduction="10000"/>
+          </a:bodyPr>
+          <a:lstStyle/>
+          <a:p>
+            <a:pPr algn="ctr"/>
+            <a:r>
+              <a:rPr lang="en-US" sz="7200" dirty="0"/>
+              <a:t>97%</a:t>
+            </a:r>
+          </a:p>
+          <a:p>
+            <a:pPr algn="ctr"/>
+            <a:r>
+              <a:rPr lang="en-US" sz="1600" dirty="0"/>
+              <a:t>not legal residents</a:t>
+            </a:r>
+            <a:endParaRPr lang="en-US" sz="2000" dirty="0"/>
+          </a:p>
+        </p:txBody>
+      </p:sp>
+      <p:sp>
+        <p:nvSpPr>
+          <p:cNvPr id="5" name="TextBox 4">
+            <a:extLst>
+              <a:ext uri="{FF2B5EF4-FFF2-40B4-BE49-F238E27FC236}">
+                <a16:creationId xmlns:a16="http://schemas.microsoft.com/office/drawing/2014/main" id="{E7E9B5B9-FB11-4933-93A2-DAC254013F31}"/>
+              </a:ext>
+            </a:extLst>
+          </p:cNvPr>
+          <p:cNvSpPr txBox="1"/>
+          <p:nvPr/>
+        </p:nvSpPr>
+        <p:spPr>
+          <a:xfrm>
+            <a:off x="502571" y="3393412"/>
+            <a:ext cx="4553086" cy="1631216"/>
+          </a:xfrm>
+          <a:prstGeom prst="rect">
+            <a:avLst/>
+          </a:prstGeom>
+          <a:noFill/>
+        </p:spPr>
+        <p:txBody>
+          <a:bodyPr wrap="square" rtlCol="0">
+            <a:spAutoFit/>
+          </a:bodyPr>
+          <a:lstStyle/>
+          <a:p>
+            <a:pPr marL="285750" indent="-285750" algn="just">
+              <a:buFont typeface="Arial" panose="020B0604020202020204" pitchFamily="34" charset="0"/>
+              <a:buChar char="•"/>
+            </a:pPr>
+            <a:r>
+              <a:rPr lang="en-US" sz="2000" dirty="0"/>
+              <a:t>Of those, exactly half received credit for time served and therefore receive no additional sentence.</a:t>
+            </a:r>
+          </a:p>
+          <a:p>
+            <a:pPr marL="285750" indent="-285750" algn="just">
+              <a:buFont typeface="Arial" panose="020B0604020202020204" pitchFamily="34" charset="0"/>
+              <a:buChar char="•"/>
+            </a:pPr>
+            <a:r>
+              <a:rPr lang="en-US" sz="2000" dirty="0"/>
+              <a:t>The average time served prior to sentencing for this group is 70 days.</a:t>
+            </a:r>
+          </a:p>
+        </p:txBody>
+      </p:sp>
+      <p:sp>
+        <p:nvSpPr>
+          <p:cNvPr id="6" name="TextBox 5">
+            <a:extLst>
+              <a:ext uri="{FF2B5EF4-FFF2-40B4-BE49-F238E27FC236}">
+                <a16:creationId xmlns:a16="http://schemas.microsoft.com/office/drawing/2014/main" id="{FB4AF959-12DF-4B44-8EEF-52745D67996F}"/>
+              </a:ext>
+            </a:extLst>
+          </p:cNvPr>
+          <p:cNvSpPr txBox="1"/>
+          <p:nvPr/>
+        </p:nvSpPr>
+        <p:spPr>
+          <a:xfrm>
+            <a:off x="502571" y="5023934"/>
+            <a:ext cx="4553086" cy="1938992"/>
+          </a:xfrm>
+          <a:prstGeom prst="rect">
+            <a:avLst/>
+          </a:prstGeom>
+          <a:noFill/>
+        </p:spPr>
+        <p:txBody>
+          <a:bodyPr wrap="square" rtlCol="0">
+            <a:spAutoFit/>
+          </a:bodyPr>
+          <a:lstStyle/>
+          <a:p>
+            <a:pPr marL="285750" indent="-285750">
+              <a:buFont typeface="Arial" panose="020B0604020202020204" pitchFamily="34" charset="0"/>
+              <a:buChar char="•"/>
+            </a:pPr>
+            <a:r>
+              <a:rPr lang="en-US" sz="2000" dirty="0"/>
+              <a:t>Additionally, 97% of these defendants are not legal residents of the U.S., meaning they may have been deported rather than sentenced to additional time.</a:t>
+            </a:r>
+          </a:p>
+          <a:p>
+            <a:endParaRPr lang="en-US" sz="2000" dirty="0"/>
+          </a:p>
+        </p:txBody>
+      </p:sp>
+    </p:spTree>
+    <p:extLst>
+      <p:ext uri="{BB962C8B-B14F-4D97-AF65-F5344CB8AC3E}">
+        <p14:creationId xmlns:p14="http://schemas.microsoft.com/office/powerpoint/2010/main" val="3638029009"/>
+      </p:ext>
+    </p:extLst>
+  </p:cSld>
+  <p:clrMapOvr>
+    <a:masterClrMapping/>
+  </p:clrMapOvr>
+  <p:timing>
+    <p:tnLst>
+      <p:par>
+        <p:cTn id="1" dur="indefinite" restart="never" nodeType="tmRoot">
+          <p:childTnLst>
+            <p:seq concurrent="1" nextAc="seek">
+              <p:cTn id="2" dur="indefinite" nodeType="mainSeq">
+                <p:childTnLst>
+                  <p:par>
+                    <p:cTn id="3" fill="hold">
+                      <p:stCondLst>
+                        <p:cond delay="indefinite"/>
+                      </p:stCondLst>
+                      <p:childTnLst>
+                        <p:par>
+                          <p:cTn id="4" fill="hold">
+                            <p:stCondLst>
+                              <p:cond delay="0"/>
+                            </p:stCondLst>
+                            <p:childTnLst>
+                              <p:par>
+                                <p:cTn id="5" presetID="10" presetClass="entr" presetSubtype="0" fill="hold" grpId="0" nodeType="clickEffect">
+                                  <p:stCondLst>
+                                    <p:cond delay="0"/>
+                                  </p:stCondLst>
+                                  <p:childTnLst>
+                                    <p:set>
+                                      <p:cBhvr>
+                                        <p:cTn id="6" dur="1" fill="hold">
+                                          <p:stCondLst>
+                                            <p:cond delay="0"/>
+                                          </p:stCondLst>
+                                        </p:cTn>
+                                        <p:tgtEl>
+                                          <p:spTgt spid="10"/>
+                                        </p:tgtEl>
+                                        <p:attrNameLst>
+                                          <p:attrName>style.visibility</p:attrName>
+                                        </p:attrNameLst>
+                                      </p:cBhvr>
+                                      <p:to>
+                                        <p:strVal val="visible"/>
+                                      </p:to>
+                                    </p:set>
+                                    <p:animEffect transition="in" filter="fade">
+                                      <p:cBhvr>
+                                        <p:cTn id="7" dur="500"/>
+                                        <p:tgtEl>
+                                          <p:spTgt spid="10"/>
+                                        </p:tgtEl>
+                                      </p:cBhvr>
+                                    </p:animEffect>
+                                  </p:childTnLst>
+                                </p:cTn>
+                              </p:par>
+                            </p:childTnLst>
+                          </p:cTn>
+                        </p:par>
+                      </p:childTnLst>
+                    </p:cTn>
+                  </p:par>
+                  <p:par>
+                    <p:cTn id="8" fill="hold">
+                      <p:stCondLst>
+                        <p:cond delay="indefinite"/>
+                      </p:stCondLst>
+                      <p:childTnLst>
+                        <p:par>
+                          <p:cTn id="9" fill="hold">
+                            <p:stCondLst>
+                              <p:cond delay="0"/>
+                            </p:stCondLst>
+                            <p:childTnLst>
+                              <p:par>
+                                <p:cTn id="10" presetID="10" presetClass="entr" presetSubtype="0" fill="hold" grpId="0" nodeType="clickEffect">
+                                  <p:stCondLst>
+                                    <p:cond delay="0"/>
+                                  </p:stCondLst>
+                                  <p:childTnLst>
+                                    <p:set>
+                                      <p:cBhvr>
+                                        <p:cTn id="11" dur="1" fill="hold">
+                                          <p:stCondLst>
+                                            <p:cond delay="0"/>
+                                          </p:stCondLst>
+                                        </p:cTn>
+                                        <p:tgtEl>
+                                          <p:spTgt spid="5"/>
+                                        </p:tgtEl>
+                                        <p:attrNameLst>
+                                          <p:attrName>style.visibility</p:attrName>
+                                        </p:attrNameLst>
+                                      </p:cBhvr>
+                                      <p:to>
+                                        <p:strVal val="visible"/>
+                                      </p:to>
+                                    </p:set>
+                                    <p:animEffect transition="in" filter="fade">
+                                      <p:cBhvr>
+                                        <p:cTn id="12" dur="500"/>
+                                        <p:tgtEl>
+                                          <p:spTgt spid="5"/>
+                                        </p:tgtEl>
+                                      </p:cBhvr>
+                                    </p:animEffect>
+                                  </p:childTnLst>
+                                </p:cTn>
+                              </p:par>
+                              <p:par>
+                                <p:cTn id="13" presetID="10" presetClass="entr" presetSubtype="0" fill="hold" nodeType="withEffect">
+                                  <p:stCondLst>
+                                    <p:cond delay="0"/>
+                                  </p:stCondLst>
+                                  <p:childTnLst>
+                                    <p:set>
+                                      <p:cBhvr>
+                                        <p:cTn id="14" dur="1" fill="hold">
+                                          <p:stCondLst>
+                                            <p:cond delay="0"/>
+                                          </p:stCondLst>
+                                        </p:cTn>
+                                        <p:tgtEl>
+                                          <p:spTgt spid="4"/>
+                                        </p:tgtEl>
+                                        <p:attrNameLst>
+                                          <p:attrName>style.visibility</p:attrName>
+                                        </p:attrNameLst>
+                                      </p:cBhvr>
+                                      <p:to>
+                                        <p:strVal val="visible"/>
+                                      </p:to>
+                                    </p:set>
+                                    <p:animEffect transition="in" filter="fade">
+                                      <p:cBhvr>
+                                        <p:cTn id="15" dur="500"/>
+                                        <p:tgtEl>
+                                          <p:spTgt spid="4"/>
+                                        </p:tgtEl>
+                                      </p:cBhvr>
+                                    </p:animEffect>
+                                  </p:childTnLst>
+                                </p:cTn>
+                              </p:par>
+                            </p:childTnLst>
+                          </p:cTn>
+                        </p:par>
+                      </p:childTnLst>
+                    </p:cTn>
+                  </p:par>
+                  <p:par>
+                    <p:cTn id="16" fill="hold">
+                      <p:stCondLst>
+                        <p:cond delay="indefinite"/>
+                      </p:stCondLst>
+                      <p:childTnLst>
+                        <p:par>
+                          <p:cTn id="17" fill="hold">
+                            <p:stCondLst>
+                              <p:cond delay="0"/>
+                            </p:stCondLst>
+                            <p:childTnLst>
+                              <p:par>
+                                <p:cTn id="18" presetID="10" presetClass="entr" presetSubtype="0" fill="hold" grpId="0" nodeType="clickEffect">
+                                  <p:stCondLst>
+                                    <p:cond delay="0"/>
+                                  </p:stCondLst>
+                                  <p:childTnLst>
+                                    <p:set>
+                                      <p:cBhvr>
+                                        <p:cTn id="19" dur="1" fill="hold">
+                                          <p:stCondLst>
+                                            <p:cond delay="0"/>
+                                          </p:stCondLst>
+                                        </p:cTn>
+                                        <p:tgtEl>
+                                          <p:spTgt spid="12"/>
+                                        </p:tgtEl>
+                                        <p:attrNameLst>
+                                          <p:attrName>style.visibility</p:attrName>
+                                        </p:attrNameLst>
+                                      </p:cBhvr>
+                                      <p:to>
+                                        <p:strVal val="visible"/>
+                                      </p:to>
+                                    </p:set>
+                                    <p:animEffect transition="in" filter="fade">
+                                      <p:cBhvr>
+                                        <p:cTn id="20" dur="500"/>
+                                        <p:tgtEl>
+                                          <p:spTgt spid="12"/>
+                                        </p:tgtEl>
+                                      </p:cBhvr>
+                                    </p:animEffect>
+                                  </p:childTnLst>
+                                </p:cTn>
+                              </p:par>
+                              <p:par>
+                                <p:cTn id="21" presetID="10" presetClass="entr" presetSubtype="0" fill="hold" grpId="0" nodeType="withEffect">
+                                  <p:stCondLst>
+                                    <p:cond delay="0"/>
+                                  </p:stCondLst>
+                                  <p:childTnLst>
+                                    <p:set>
+                                      <p:cBhvr>
+                                        <p:cTn id="22" dur="1" fill="hold">
+                                          <p:stCondLst>
+                                            <p:cond delay="0"/>
+                                          </p:stCondLst>
+                                        </p:cTn>
+                                        <p:tgtEl>
+                                          <p:spTgt spid="6"/>
+                                        </p:tgtEl>
+                                        <p:attrNameLst>
+                                          <p:attrName>style.visibility</p:attrName>
+                                        </p:attrNameLst>
+                                      </p:cBhvr>
+                                      <p:to>
+                                        <p:strVal val="visible"/>
+                                      </p:to>
+                                    </p:set>
+                                    <p:animEffect transition="in" filter="fade">
+                                      <p:cBhvr>
+                                        <p:cTn id="23" dur="500"/>
+                                        <p:tgtEl>
+                                          <p:spTgt spid="6"/>
+                                        </p:tgtEl>
+                                      </p:cBhvr>
+                                    </p:animEffect>
+                                  </p:childTnLst>
+                                </p:cTn>
+                              </p:par>
+                            </p:childTnLst>
+                          </p:cTn>
+                        </p:par>
+                      </p:childTnLst>
+                    </p:cTn>
+                  </p:par>
+                </p:childTnLst>
+              </p:cTn>
+              <p:prevCondLst>
+                <p:cond evt="onPrev" delay="0">
+                  <p:tgtEl>
+                    <p:sldTgt/>
+                  </p:tgtEl>
+                </p:cond>
+              </p:prevCondLst>
+              <p:nextCondLst>
+                <p:cond evt="onNext" delay="0">
+                  <p:tgtEl>
+                    <p:sldTgt/>
+                  </p:tgtEl>
+                </p:cond>
+              </p:nextCondLst>
+            </p:seq>
+          </p:childTnLst>
+        </p:cTn>
+      </p:par>
+    </p:tnLst>
+    <p:bldLst>
+      <p:bldP spid="10" grpId="0"/>
+      <p:bldP spid="12" grpId="0" animBg="1"/>
+      <p:bldP spid="5" grpId="0"/>
+      <p:bldP spid="6" grpId="0"/>
+    </p:bldLst>
+  </p:timing>
 </p:sld>
 </file>
 
@@ -22561,4 +18642,299 @@
     </a:ext>
   </a:extLst>
 </a:theme>
+</file>
+
+<file path=ppt/theme/theme2.xml><?xml version="1.0" encoding="utf-8"?>
+<a:theme xmlns:a="http://schemas.openxmlformats.org/drawingml/2006/main" name="Office Theme">
+  <a:themeElements>
+    <a:clrScheme name="Office">
+      <a:dk1>
+        <a:sysClr val="windowText" lastClr="000000"/>
+      </a:dk1>
+      <a:lt1>
+        <a:sysClr val="window" lastClr="FFFFFF"/>
+      </a:lt1>
+      <a:dk2>
+        <a:srgbClr val="44546A"/>
+      </a:dk2>
+      <a:lt2>
+        <a:srgbClr val="E7E6E6"/>
+      </a:lt2>
+      <a:accent1>
+        <a:srgbClr val="4472C4"/>
+      </a:accent1>
+      <a:accent2>
+        <a:srgbClr val="ED7D31"/>
+      </a:accent2>
+      <a:accent3>
+        <a:srgbClr val="A5A5A5"/>
+      </a:accent3>
+      <a:accent4>
+        <a:srgbClr val="FFC000"/>
+      </a:accent4>
+      <a:accent5>
+        <a:srgbClr val="5B9BD5"/>
+      </a:accent5>
+      <a:accent6>
+        <a:srgbClr val="70AD47"/>
+      </a:accent6>
+      <a:hlink>
+        <a:srgbClr val="0563C1"/>
+      </a:hlink>
+      <a:folHlink>
+        <a:srgbClr val="954F72"/>
+      </a:folHlink>
+    </a:clrScheme>
+    <a:fontScheme name="Office">
+      <a:majorFont>
+        <a:latin typeface="Calibri Light" panose="020F0302020204030204"/>
+        <a:ea typeface=""/>
+        <a:cs typeface=""/>
+        <a:font script="Jpan" typeface="游ゴシック Light"/>
+        <a:font script="Hang" typeface="맑은 고딕"/>
+        <a:font script="Hans" typeface="等线 Light"/>
+        <a:font script="Hant" typeface="新細明體"/>
+        <a:font script="Arab" typeface="Times New Roman"/>
+        <a:font script="Hebr" typeface="Times New Roman"/>
+        <a:font script="Thai" typeface="Angsana New"/>
+        <a:font script="Ethi" typeface="Nyala"/>
+        <a:font script="Beng" typeface="Vrinda"/>
+        <a:font script="Gujr" typeface="Shruti"/>
+        <a:font script="Khmr" typeface="MoolBoran"/>
+        <a:font script="Knda" typeface="Tunga"/>
+        <a:font script="Guru" typeface="Raavi"/>
+        <a:font script="Cans" typeface="Euphemia"/>
+        <a:font script="Cher" typeface="Plantagenet Cherokee"/>
+        <a:font script="Yiii" typeface="Microsoft Yi Baiti"/>
+        <a:font script="Tibt" typeface="Microsoft Himalaya"/>
+        <a:font script="Thaa" typeface="MV Boli"/>
+        <a:font script="Deva" typeface="Mangal"/>
+        <a:font script="Telu" typeface="Gautami"/>
+        <a:font script="Taml" typeface="Latha"/>
+        <a:font script="Syrc" typeface="Estrangelo Edessa"/>
+        <a:font script="Orya" typeface="Kalinga"/>
+        <a:font script="Mlym" typeface="Kartika"/>
+        <a:font script="Laoo" typeface="DokChampa"/>
+        <a:font script="Sinh" typeface="Iskoola Pota"/>
+        <a:font script="Mong" typeface="Mongolian Baiti"/>
+        <a:font script="Viet" typeface="Times New Roman"/>
+        <a:font script="Uigh" typeface="Microsoft Uighur"/>
+        <a:font script="Geor" typeface="Sylfaen"/>
+        <a:font script="Armn" typeface="Arial"/>
+        <a:font script="Bugi" typeface="Leelawadee UI"/>
+        <a:font script="Bopo" typeface="Microsoft JhengHei"/>
+        <a:font script="Java" typeface="Javanese Text"/>
+        <a:font script="Lisu" typeface="Segoe UI"/>
+        <a:font script="Mymr" typeface="Myanmar Text"/>
+        <a:font script="Nkoo" typeface="Ebrima"/>
+        <a:font script="Olck" typeface="Nirmala UI"/>
+        <a:font script="Osma" typeface="Ebrima"/>
+        <a:font script="Phag" typeface="Phagspa"/>
+        <a:font script="Syrn" typeface="Estrangelo Edessa"/>
+        <a:font script="Syrj" typeface="Estrangelo Edessa"/>
+        <a:font script="Syre" typeface="Estrangelo Edessa"/>
+        <a:font script="Sora" typeface="Nirmala UI"/>
+        <a:font script="Tale" typeface="Microsoft Tai Le"/>
+        <a:font script="Talu" typeface="Microsoft New Tai Lue"/>
+        <a:font script="Tfng" typeface="Ebrima"/>
+      </a:majorFont>
+      <a:minorFont>
+        <a:latin typeface="Calibri" panose="020F0502020204030204"/>
+        <a:ea typeface=""/>
+        <a:cs typeface=""/>
+        <a:font script="Jpan" typeface="游ゴシック"/>
+        <a:font script="Hang" typeface="맑은 고딕"/>
+        <a:font script="Hans" typeface="等线"/>
+        <a:font script="Hant" typeface="新細明體"/>
+        <a:font script="Arab" typeface="Arial"/>
+        <a:font script="Hebr" typeface="Arial"/>
+        <a:font script="Thai" typeface="Cordia New"/>
+        <a:font script="Ethi" typeface="Nyala"/>
+        <a:font script="Beng" typeface="Vrinda"/>
+        <a:font script="Gujr" typeface="Shruti"/>
+        <a:font script="Khmr" typeface="DaunPenh"/>
+        <a:font script="Knda" typeface="Tunga"/>
+        <a:font script="Guru" typeface="Raavi"/>
+        <a:font script="Cans" typeface="Euphemia"/>
+        <a:font script="Cher" typeface="Plantagenet Cherokee"/>
+        <a:font script="Yiii" typeface="Microsoft Yi Baiti"/>
+        <a:font script="Tibt" typeface="Microsoft Himalaya"/>
+        <a:font script="Thaa" typeface="MV Boli"/>
+        <a:font script="Deva" typeface="Mangal"/>
+        <a:font script="Telu" typeface="Gautami"/>
+        <a:font script="Taml" typeface="Latha"/>
+        <a:font script="Syrc" typeface="Estrangelo Edessa"/>
+        <a:font script="Orya" typeface="Kalinga"/>
+        <a:font script="Mlym" typeface="Kartika"/>
+        <a:font script="Laoo" typeface="DokChampa"/>
+        <a:font script="Sinh" typeface="Iskoola Pota"/>
+        <a:font script="Mong" typeface="Mongolian Baiti"/>
+        <a:font script="Viet" typeface="Arial"/>
+        <a:font script="Uigh" typeface="Microsoft Uighur"/>
+        <a:font script="Geor" typeface="Sylfaen"/>
+        <a:font script="Armn" typeface="Arial"/>
+        <a:font script="Bugi" typeface="Leelawadee UI"/>
+        <a:font script="Bopo" typeface="Microsoft JhengHei"/>
+        <a:font script="Java" typeface="Javanese Text"/>
+        <a:font script="Lisu" typeface="Segoe UI"/>
+        <a:font script="Mymr" typeface="Myanmar Text"/>
+        <a:font script="Nkoo" typeface="Ebrima"/>
+        <a:font script="Olck" typeface="Nirmala UI"/>
+        <a:font script="Osma" typeface="Ebrima"/>
+        <a:font script="Phag" typeface="Phagspa"/>
+        <a:font script="Syrn" typeface="Estrangelo Edessa"/>
+        <a:font script="Syrj" typeface="Estrangelo Edessa"/>
+        <a:font script="Syre" typeface="Estrangelo Edessa"/>
+        <a:font script="Sora" typeface="Nirmala UI"/>
+        <a:font script="Tale" typeface="Microsoft Tai Le"/>
+        <a:font script="Talu" typeface="Microsoft New Tai Lue"/>
+        <a:font script="Tfng" typeface="Ebrima"/>
+      </a:minorFont>
+    </a:fontScheme>
+    <a:fmtScheme name="Office">
+      <a:fillStyleLst>
+        <a:solidFill>
+          <a:schemeClr val="phClr"/>
+        </a:solidFill>
+        <a:gradFill rotWithShape="1">
+          <a:gsLst>
+            <a:gs pos="0">
+              <a:schemeClr val="phClr">
+                <a:lumMod val="110000"/>
+                <a:satMod val="105000"/>
+                <a:tint val="67000"/>
+              </a:schemeClr>
+            </a:gs>
+            <a:gs pos="50000">
+              <a:schemeClr val="phClr">
+                <a:lumMod val="105000"/>
+                <a:satMod val="103000"/>
+                <a:tint val="73000"/>
+              </a:schemeClr>
+            </a:gs>
+            <a:gs pos="100000">
+              <a:schemeClr val="phClr">
+                <a:lumMod val="105000"/>
+                <a:satMod val="109000"/>
+                <a:tint val="81000"/>
+              </a:schemeClr>
+            </a:gs>
+          </a:gsLst>
+          <a:lin ang="5400000" scaled="0"/>
+        </a:gradFill>
+        <a:gradFill rotWithShape="1">
+          <a:gsLst>
+            <a:gs pos="0">
+              <a:schemeClr val="phClr">
+                <a:satMod val="103000"/>
+                <a:lumMod val="102000"/>
+                <a:tint val="94000"/>
+              </a:schemeClr>
+            </a:gs>
+            <a:gs pos="50000">
+              <a:schemeClr val="phClr">
+                <a:satMod val="110000"/>
+                <a:lumMod val="100000"/>
+                <a:shade val="100000"/>
+              </a:schemeClr>
+            </a:gs>
+            <a:gs pos="100000">
+              <a:schemeClr val="phClr">
+                <a:lumMod val="99000"/>
+                <a:satMod val="120000"/>
+                <a:shade val="78000"/>
+              </a:schemeClr>
+            </a:gs>
+          </a:gsLst>
+          <a:lin ang="5400000" scaled="0"/>
+        </a:gradFill>
+      </a:fillStyleLst>
+      <a:lnStyleLst>
+        <a:ln w="6350" cap="flat" cmpd="sng" algn="ctr">
+          <a:solidFill>
+            <a:schemeClr val="phClr"/>
+          </a:solidFill>
+          <a:prstDash val="solid"/>
+          <a:miter lim="800000"/>
+        </a:ln>
+        <a:ln w="12700" cap="flat" cmpd="sng" algn="ctr">
+          <a:solidFill>
+            <a:schemeClr val="phClr"/>
+          </a:solidFill>
+          <a:prstDash val="solid"/>
+          <a:miter lim="800000"/>
+        </a:ln>
+        <a:ln w="19050" cap="flat" cmpd="sng" algn="ctr">
+          <a:solidFill>
+            <a:schemeClr val="phClr"/>
+          </a:solidFill>
+          <a:prstDash val="solid"/>
+          <a:miter lim="800000"/>
+        </a:ln>
+      </a:lnStyleLst>
+      <a:effectStyleLst>
+        <a:effectStyle>
+          <a:effectLst/>
+        </a:effectStyle>
+        <a:effectStyle>
+          <a:effectLst/>
+        </a:effectStyle>
+        <a:effectStyle>
+          <a:effectLst>
+            <a:outerShdw blurRad="57150" dist="19050" dir="5400000" algn="ctr" rotWithShape="0">
+              <a:srgbClr val="000000">
+                <a:alpha val="63000"/>
+              </a:srgbClr>
+            </a:outerShdw>
+          </a:effectLst>
+        </a:effectStyle>
+      </a:effectStyleLst>
+      <a:bgFillStyleLst>
+        <a:solidFill>
+          <a:schemeClr val="phClr"/>
+        </a:solidFill>
+        <a:solidFill>
+          <a:schemeClr val="phClr">
+            <a:tint val="95000"/>
+            <a:satMod val="170000"/>
+          </a:schemeClr>
+        </a:solidFill>
+        <a:gradFill rotWithShape="1">
+          <a:gsLst>
+            <a:gs pos="0">
+              <a:schemeClr val="phClr">
+                <a:tint val="93000"/>
+                <a:satMod val="150000"/>
+                <a:shade val="98000"/>
+                <a:lumMod val="102000"/>
+              </a:schemeClr>
+            </a:gs>
+            <a:gs pos="50000">
+              <a:schemeClr val="phClr">
+                <a:tint val="98000"/>
+                <a:satMod val="130000"/>
+                <a:shade val="90000"/>
+                <a:lumMod val="103000"/>
+              </a:schemeClr>
+            </a:gs>
+            <a:gs pos="100000">
+              <a:schemeClr val="phClr">
+                <a:shade val="63000"/>
+                <a:satMod val="120000"/>
+              </a:schemeClr>
+            </a:gs>
+          </a:gsLst>
+          <a:lin ang="5400000" scaled="0"/>
+        </a:gradFill>
+      </a:bgFillStyleLst>
+    </a:fmtScheme>
+  </a:themeElements>
+  <a:objectDefaults/>
+  <a:extraClrSchemeLst/>
+  <a:extLst>
+    <a:ext uri="{05A4C25C-085E-4340-85A3-A5531E510DB2}">
+      <thm15:themeFamily xmlns:thm15="http://schemas.microsoft.com/office/thememl/2012/main" name="Office Theme" id="{62F939B6-93AF-4DB8-9C6B-D6C7DFDC589F}" vid="{4A3C46E8-61CC-4603-A589-7422A47A8E4A}"/>
+    </a:ext>
+  </a:extLst>
+</a:theme>
 </file>
--- a/Presentation.pptx
+++ b/Presentation.pptx
@@ -528,6 +528,12 @@
             <a:r>
               <a:rPr lang="en-US" dirty="0"/>
               <a:t>60.1% of offenses by Hispanic defendants are “other nonviolent”</a:t>
+            </a:r>
+          </a:p>
+          <a:p>
+            <a:r>
+              <a:rPr lang="en-US" dirty="0"/>
+              <a:t>71% of those offenses are immigration related</a:t>
             </a:r>
           </a:p>
           <a:p>
@@ -4160,6 +4166,7 @@
           <a:prstGeom prst="rect">
             <a:avLst/>
           </a:prstGeom>
+          <a:effectLst/>
         </p:spPr>
       </p:pic>
       <p:sp>
@@ -6234,6 +6241,13 @@
           <a:prstGeom prst="rect">
             <a:avLst/>
           </a:prstGeom>
+          <a:effectLst>
+            <a:outerShdw blurRad="50800" dist="38100" dir="8100000" algn="tr" rotWithShape="0">
+              <a:prstClr val="black">
+                <a:alpha val="40000"/>
+              </a:prstClr>
+            </a:outerShdw>
+          </a:effectLst>
         </p:spPr>
       </p:pic>
     </p:spTree>
@@ -7314,6 +7328,16 @@
           <a:solidFill>
             <a:srgbClr val="EAF1F6"/>
           </a:solidFill>
+          <a:ln>
+            <a:noFill/>
+          </a:ln>
+          <a:effectLst>
+            <a:outerShdw blurRad="50800" dist="38100" dir="2700000" algn="tl" rotWithShape="0">
+              <a:prstClr val="black">
+                <a:alpha val="40000"/>
+              </a:prstClr>
+            </a:outerShdw>
+          </a:effectLst>
         </p:spPr>
         <p:style>
           <a:lnRef idx="2">
@@ -7381,6 +7405,16 @@
           <a:solidFill>
             <a:srgbClr val="EAF1F6"/>
           </a:solidFill>
+          <a:ln>
+            <a:noFill/>
+          </a:ln>
+          <a:effectLst>
+            <a:outerShdw blurRad="50800" dist="38100" dir="2700000" algn="tl" rotWithShape="0">
+              <a:prstClr val="black">
+                <a:alpha val="40000"/>
+              </a:prstClr>
+            </a:outerShdw>
+          </a:effectLst>
         </p:spPr>
         <p:style>
           <a:lnRef idx="2">
@@ -8251,6 +8285,16 @@
           <a:solidFill>
             <a:srgbClr val="EAF1F6"/>
           </a:solidFill>
+          <a:ln>
+            <a:noFill/>
+          </a:ln>
+          <a:effectLst>
+            <a:outerShdw blurRad="50800" dist="38100" dir="2700000" algn="tl" rotWithShape="0">
+              <a:prstClr val="black">
+                <a:alpha val="40000"/>
+              </a:prstClr>
+            </a:outerShdw>
+          </a:effectLst>
         </p:spPr>
         <p:style>
           <a:lnRef idx="2">
@@ -8318,6 +8362,16 @@
           <a:solidFill>
             <a:srgbClr val="EAF1F6"/>
           </a:solidFill>
+          <a:ln>
+            <a:noFill/>
+          </a:ln>
+          <a:effectLst>
+            <a:outerShdw blurRad="50800" dist="38100" dir="2700000" algn="tl" rotWithShape="0">
+              <a:prstClr val="black">
+                <a:alpha val="40000"/>
+              </a:prstClr>
+            </a:outerShdw>
+          </a:effectLst>
         </p:spPr>
         <p:style>
           <a:lnRef idx="2">
@@ -9196,6 +9250,16 @@
           <a:solidFill>
             <a:srgbClr val="EAF1F6"/>
           </a:solidFill>
+          <a:ln>
+            <a:noFill/>
+          </a:ln>
+          <a:effectLst>
+            <a:outerShdw blurRad="50800" dist="38100" dir="2700000" algn="tl" rotWithShape="0">
+              <a:prstClr val="black">
+                <a:alpha val="40000"/>
+              </a:prstClr>
+            </a:outerShdw>
+          </a:effectLst>
         </p:spPr>
         <p:style>
           <a:lnRef idx="2">
@@ -9263,6 +9327,16 @@
           <a:solidFill>
             <a:srgbClr val="EAF1F6"/>
           </a:solidFill>
+          <a:ln>
+            <a:noFill/>
+          </a:ln>
+          <a:effectLst>
+            <a:outerShdw blurRad="50800" dist="38100" dir="2700000" algn="tl" rotWithShape="0">
+              <a:prstClr val="black">
+                <a:alpha val="40000"/>
+              </a:prstClr>
+            </a:outerShdw>
+          </a:effectLst>
         </p:spPr>
         <p:style>
           <a:lnRef idx="2">
@@ -10133,6 +10207,16 @@
           <a:solidFill>
             <a:srgbClr val="EAF1F6"/>
           </a:solidFill>
+          <a:ln>
+            <a:noFill/>
+          </a:ln>
+          <a:effectLst>
+            <a:outerShdw blurRad="50800" dist="38100" dir="2700000" algn="tl" rotWithShape="0">
+              <a:prstClr val="black">
+                <a:alpha val="40000"/>
+              </a:prstClr>
+            </a:outerShdw>
+          </a:effectLst>
         </p:spPr>
         <p:style>
           <a:lnRef idx="2">
@@ -10200,6 +10284,16 @@
           <a:solidFill>
             <a:srgbClr val="EAF1F6"/>
           </a:solidFill>
+          <a:ln>
+            <a:noFill/>
+          </a:ln>
+          <a:effectLst>
+            <a:outerShdw blurRad="50800" dist="38100" dir="2700000" algn="tl" rotWithShape="0">
+              <a:prstClr val="black">
+                <a:alpha val="40000"/>
+              </a:prstClr>
+            </a:outerShdw>
+          </a:effectLst>
         </p:spPr>
         <p:style>
           <a:lnRef idx="2">
@@ -10430,7 +10524,7 @@
         </p:nvSpPr>
         <p:spPr>
           <a:xfrm>
-            <a:off x="563196" y="4269486"/>
+            <a:off x="563196" y="4042032"/>
             <a:ext cx="4050519" cy="2308324"/>
           </a:xfrm>
           <a:prstGeom prst="rect">
@@ -10513,7 +10607,7 @@
         </p:nvSpPr>
         <p:spPr>
           <a:xfrm>
-            <a:off x="651369" y="2263276"/>
+            <a:off x="651369" y="2177592"/>
             <a:ext cx="1754480" cy="1693072"/>
           </a:xfrm>
           <a:prstGeom prst="roundRect">
@@ -10522,6 +10616,16 @@
           <a:solidFill>
             <a:srgbClr val="EAF1F6"/>
           </a:solidFill>
+          <a:ln>
+            <a:noFill/>
+          </a:ln>
+          <a:effectLst>
+            <a:outerShdw blurRad="50800" dist="38100" dir="2700000" algn="tl" rotWithShape="0">
+              <a:prstClr val="black">
+                <a:alpha val="40000"/>
+              </a:prstClr>
+            </a:outerShdw>
+          </a:effectLst>
         </p:spPr>
         <p:style>
           <a:lnRef idx="2">
@@ -10580,7 +10684,7 @@
         </p:nvSpPr>
         <p:spPr>
           <a:xfrm>
-            <a:off x="2914140" y="2263276"/>
+            <a:off x="2914140" y="2177592"/>
             <a:ext cx="1754480" cy="1693072"/>
           </a:xfrm>
           <a:prstGeom prst="roundRect">
@@ -10589,6 +10693,16 @@
           <a:solidFill>
             <a:srgbClr val="EAF1F6"/>
           </a:solidFill>
+          <a:ln>
+            <a:noFill/>
+          </a:ln>
+          <a:effectLst>
+            <a:outerShdw blurRad="50800" dist="38100" dir="2700000" algn="tl" rotWithShape="0">
+              <a:prstClr val="black">
+                <a:alpha val="40000"/>
+              </a:prstClr>
+            </a:outerShdw>
+          </a:effectLst>
         </p:spPr>
         <p:style>
           <a:lnRef idx="2">
@@ -10969,6 +11083,16 @@
           <a:solidFill>
             <a:srgbClr val="EAF1F6"/>
           </a:solidFill>
+          <a:ln>
+            <a:noFill/>
+          </a:ln>
+          <a:effectLst>
+            <a:outerShdw blurRad="50800" dist="38100" dir="2700000" algn="tl" rotWithShape="0">
+              <a:prstClr val="black">
+                <a:alpha val="40000"/>
+              </a:prstClr>
+            </a:outerShdw>
+          </a:effectLst>
         </p:spPr>
         <p:style>
           <a:lnRef idx="2">
@@ -11284,7 +11408,7 @@
             </a:pPr>
             <a:r>
               <a:rPr lang="en-US" sz="2400" dirty="0"/>
-              <a:t>The most severe sentence enhancements are applied disproportionately to black defendants, while mitigating measures are applied disproportionately to white defendants</a:t>
+              <a:t>The most severe sentence enhancements are applied disproportionately to black defendants, while they receive a much smaller proportion of mitigating measures</a:t>
             </a:r>
           </a:p>
           <a:p>
@@ -12849,6 +12973,13 @@
           <a:prstGeom prst="rect">
             <a:avLst/>
           </a:prstGeom>
+          <a:effectLst>
+            <a:outerShdw blurRad="50800" dist="38100" dir="8100000" algn="tr" rotWithShape="0">
+              <a:prstClr val="black">
+                <a:alpha val="40000"/>
+              </a:prstClr>
+            </a:outerShdw>
+          </a:effectLst>
         </p:spPr>
       </p:pic>
     </p:spTree>
@@ -13191,7 +13322,7 @@
           <a:lstStyle/>
           <a:p>
             <a:r>
-              <a:rPr lang="en-US" sz="4000"/>
+              <a:rPr lang="en-US" sz="4000" dirty="0"/>
               <a:t>Data Collection and Cleaning</a:t>
             </a:r>
           </a:p>
@@ -14064,6 +14195,7 @@
           <a:prstGeom prst="rect">
             <a:avLst/>
           </a:prstGeom>
+          <a:effectLst/>
         </p:spPr>
       </p:pic>
     </p:spTree>
@@ -16109,7 +16241,7 @@
         </p:blipFill>
         <p:spPr>
           <a:xfrm>
-            <a:off x="63374" y="1227041"/>
+            <a:off x="55649" y="559224"/>
             <a:ext cx="4449763" cy="4403916"/>
           </a:xfrm>
           <a:prstGeom prst="rect">
@@ -16144,7 +16276,7 @@
         </p:blipFill>
         <p:spPr>
           <a:xfrm>
-            <a:off x="4429443" y="1228389"/>
+            <a:off x="4429443" y="559224"/>
             <a:ext cx="4449763" cy="4401220"/>
           </a:xfrm>
           <a:prstGeom prst="rect">
@@ -16166,7 +16298,7 @@
         </p:nvSpPr>
         <p:spPr>
           <a:xfrm>
-            <a:off x="9087024" y="1204118"/>
+            <a:off x="9010824" y="1204119"/>
             <a:ext cx="2592357" cy="1871445"/>
           </a:xfrm>
           <a:prstGeom prst="roundRect">
@@ -16176,10 +16308,15 @@
             <a:srgbClr val="EAF1F6"/>
           </a:solidFill>
           <a:ln>
-            <a:solidFill>
-              <a:schemeClr val="tx1"/>
-            </a:solidFill>
+            <a:noFill/>
           </a:ln>
+          <a:effectLst>
+            <a:outerShdw blurRad="50800" dist="38100" dir="2700000" algn="tl" rotWithShape="0">
+              <a:prstClr val="black">
+                <a:alpha val="40000"/>
+              </a:prstClr>
+            </a:outerShdw>
+          </a:effectLst>
         </p:spPr>
         <p:style>
           <a:lnRef idx="2">
@@ -16261,10 +16398,15 @@
             <a:srgbClr val="EAF1F6"/>
           </a:solidFill>
           <a:ln>
-            <a:solidFill>
-              <a:schemeClr val="tx1"/>
-            </a:solidFill>
+            <a:noFill/>
           </a:ln>
+          <a:effectLst>
+            <a:outerShdw blurRad="50800" dist="38100" dir="2700000" algn="tl" rotWithShape="0">
+              <a:prstClr val="black">
+                <a:alpha val="40000"/>
+              </a:prstClr>
+            </a:outerShdw>
+          </a:effectLst>
         </p:spPr>
         <p:style>
           <a:lnRef idx="2">
@@ -16350,7 +16492,7 @@
         </p:blipFill>
         <p:spPr>
           <a:xfrm>
-            <a:off x="2002473" y="5756124"/>
+            <a:off x="1904178" y="5166201"/>
             <a:ext cx="4853940" cy="487680"/>
           </a:xfrm>
           <a:prstGeom prst="rect">
@@ -17860,8 +18002,8 @@
         </p:nvSpPr>
         <p:spPr>
           <a:xfrm>
-            <a:off x="502570" y="2123783"/>
-            <a:ext cx="4553085" cy="1323439"/>
+            <a:off x="502571" y="2123783"/>
+            <a:ext cx="4223434" cy="1323439"/>
           </a:xfrm>
           <a:prstGeom prst="rect">
             <a:avLst/>
@@ -17880,7 +18022,7 @@
             </a:pPr>
             <a:r>
               <a:rPr lang="en-US" sz="2000" dirty="0"/>
-              <a:t>71% of nonviolent offenses by Hispanic defendants are immigration related offenses and carry no mandatory minimum sentence.</a:t>
+              <a:t>43% of all Hispanic defendants receive sentences for immigration-related offenses, which carry no mandatory minimum sentence.</a:t>
             </a:r>
           </a:p>
         </p:txBody>
@@ -17941,8 +18083,18 @@
             <a:avLst/>
           </a:prstGeom>
           <a:solidFill>
-            <a:srgbClr val="FFE5E5"/>
+            <a:srgbClr val="FFEFEF"/>
           </a:solidFill>
+          <a:ln>
+            <a:noFill/>
+          </a:ln>
+          <a:effectLst>
+            <a:outerShdw blurRad="50800" dist="38100" dir="2700000" algn="tl" rotWithShape="0">
+              <a:prstClr val="black">
+                <a:alpha val="40000"/>
+              </a:prstClr>
+            </a:outerShdw>
+          </a:effectLst>
         </p:spPr>
         <p:style>
           <a:lnRef idx="2">
@@ -17995,7 +18147,7 @@
         <p:spPr>
           <a:xfrm>
             <a:off x="502571" y="3393412"/>
-            <a:ext cx="4553086" cy="1631216"/>
+            <a:ext cx="4223434" cy="1631216"/>
           </a:xfrm>
           <a:prstGeom prst="rect">
             <a:avLst/>
@@ -18044,7 +18196,7 @@
         <p:spPr>
           <a:xfrm>
             <a:off x="502571" y="5023934"/>
-            <a:ext cx="4553086" cy="1938992"/>
+            <a:ext cx="4223434" cy="1938992"/>
           </a:xfrm>
           <a:prstGeom prst="rect">
             <a:avLst/>
@@ -18057,7 +18209,7 @@
           </a:bodyPr>
           <a:lstStyle/>
           <a:p>
-            <a:pPr marL="285750" indent="-285750">
+            <a:pPr marL="285750" indent="-285750" algn="just">
               <a:buFont typeface="Arial" panose="020B0604020202020204" pitchFamily="34" charset="0"/>
               <a:buChar char="•"/>
             </a:pPr>
@@ -18067,6 +18219,7 @@
             </a:r>
           </a:p>
           <a:p>
+            <a:pPr algn="just"/>
             <a:endParaRPr lang="en-US" sz="2000" dirty="0"/>
           </a:p>
         </p:txBody>

--- a/Presentation.pptx
+++ b/Presentation.pptx
@@ -10,7 +10,7 @@
   <p:sldIdLst>
     <p:sldId id="256" r:id="rId2"/>
     <p:sldId id="267" r:id="rId3"/>
-    <p:sldId id="268" r:id="rId4"/>
+    <p:sldId id="308" r:id="rId4"/>
     <p:sldId id="274" r:id="rId5"/>
     <p:sldId id="275" r:id="rId6"/>
     <p:sldId id="257" r:id="rId7"/>
@@ -11256,7 +11256,7 @@
       </p:grpSpPr>
       <p:sp useBgFill="1">
         <p:nvSpPr>
-          <p:cNvPr id="48" name="Rectangle 47">
+          <p:cNvPr id="59" name="Rectangle 58">
             <a:extLst>
               <a:ext uri="{FF2B5EF4-FFF2-40B4-BE49-F238E27FC236}">
                 <a16:creationId xmlns:a16="http://schemas.microsoft.com/office/drawing/2014/main" id="{91F32EBA-ED97-466E-8CFA-8382584155D0}"/>
@@ -11332,18 +11332,18 @@
         </p:nvSpPr>
         <p:spPr>
           <a:xfrm>
-            <a:off x="1286934" y="821219"/>
-            <a:ext cx="6247722" cy="739699"/>
+            <a:off x="965199" y="851517"/>
+            <a:ext cx="5130795" cy="1461778"/>
           </a:xfrm>
         </p:spPr>
         <p:txBody>
-          <a:bodyPr vert="horz" lIns="91440" tIns="45720" rIns="91440" bIns="45720" rtlCol="0" anchor="t">
+          <a:bodyPr vert="horz" lIns="91440" tIns="45720" rIns="91440" bIns="45720" rtlCol="0" anchor="ctr">
             <a:normAutofit/>
           </a:bodyPr>
           <a:lstStyle/>
           <a:p>
             <a:r>
-              <a:rPr lang="en-US" kern="1200" dirty="0">
+              <a:rPr lang="en-US" sz="4000" kern="1200" dirty="0">
                 <a:solidFill>
                   <a:schemeClr val="tx1"/>
                 </a:solidFill>
@@ -11370,8 +11370,8 @@
         </p:nvSpPr>
         <p:spPr>
           <a:xfrm>
-            <a:off x="1192666" y="1796099"/>
-            <a:ext cx="5929335" cy="4240682"/>
+            <a:off x="587141" y="2470247"/>
+            <a:ext cx="4836602" cy="3536236"/>
           </a:xfrm>
         </p:spPr>
         <p:txBody>
@@ -11380,50 +11380,50 @@
           </a:bodyPr>
           <a:lstStyle/>
           <a:p>
-            <a:pPr marL="514350" indent="-457200" algn="just">
+            <a:pPr marL="514350" indent="-228600" algn="just">
               <a:lnSpc>
                 <a:spcPct val="90000"/>
               </a:lnSpc>
               <a:spcAft>
                 <a:spcPts val="600"/>
               </a:spcAft>
-              <a:buFont typeface="+mj-lt"/>
-              <a:buAutoNum type="arabicPeriod"/>
+              <a:buFont typeface="Arial" panose="020B0604020202020204" pitchFamily="34" charset="0"/>
+              <a:buChar char="•"/>
             </a:pPr>
             <a:r>
-              <a:rPr lang="en-US" sz="2400" dirty="0"/>
+              <a:rPr lang="en-US" dirty="0"/>
               <a:t>Black and Hispanic defendants are over 3.5x more likely to be incarcerated than white defendants</a:t>
             </a:r>
           </a:p>
           <a:p>
-            <a:pPr marL="514350" indent="-457200" algn="just">
+            <a:pPr marL="514350" indent="-228600" algn="just">
               <a:lnSpc>
                 <a:spcPct val="90000"/>
               </a:lnSpc>
               <a:spcAft>
                 <a:spcPts val="600"/>
               </a:spcAft>
-              <a:buFont typeface="+mj-lt"/>
-              <a:buAutoNum type="arabicPeriod"/>
+              <a:buFont typeface="Arial" panose="020B0604020202020204" pitchFamily="34" charset="0"/>
+              <a:buChar char="•"/>
             </a:pPr>
             <a:r>
-              <a:rPr lang="en-US" sz="2400" dirty="0"/>
+              <a:rPr lang="en-US" dirty="0"/>
               <a:t>The most severe sentence enhancements are applied disproportionately to black defendants, while they receive a much smaller proportion of mitigating measures</a:t>
             </a:r>
           </a:p>
           <a:p>
-            <a:pPr marL="514350" indent="-457200" algn="just">
+            <a:pPr marL="514350" indent="-228600" algn="just">
               <a:lnSpc>
                 <a:spcPct val="90000"/>
               </a:lnSpc>
               <a:spcAft>
                 <a:spcPts val="600"/>
               </a:spcAft>
-              <a:buFont typeface="+mj-lt"/>
-              <a:buAutoNum type="arabicPeriod"/>
+              <a:buFont typeface="Arial" panose="020B0604020202020204" pitchFamily="34" charset="0"/>
+              <a:buChar char="•"/>
             </a:pPr>
             <a:r>
-              <a:rPr lang="en-US" sz="2400" dirty="0"/>
+              <a:rPr lang="en-US" dirty="0"/>
               <a:t>There is a strong incentive for defendants (regardless of race) to plead out rather than pursue their constitutional right to a trial by jury</a:t>
             </a:r>
           </a:p>
@@ -11431,10 +11431,10 @@
       </p:sp>
       <p:sp>
         <p:nvSpPr>
-          <p:cNvPr id="50" name="Freeform: Shape 49">
+          <p:cNvPr id="61" name="Freeform: Shape 60">
             <a:extLst>
               <a:ext uri="{FF2B5EF4-FFF2-40B4-BE49-F238E27FC236}">
-                <a16:creationId xmlns:a16="http://schemas.microsoft.com/office/drawing/2014/main" id="{0F06C9D3-00DF-4B71-AE88-29075022FC89}"/>
+                <a16:creationId xmlns:a16="http://schemas.microsoft.com/office/drawing/2014/main" id="{62A38935-BB53-4DF7-A56E-48DD25B685D7}"/>
               </a:ext>
               <a:ext uri="{C183D7F6-B498-43B3-948B-1728B52AA6E4}">
                 <adec:decorative xmlns:adec="http://schemas.microsoft.com/office/drawing/2017/decorative" val="1"/>
@@ -11454,38 +11454,158 @@
         </p:nvSpPr>
         <p:spPr>
           <a:xfrm>
-            <a:off x="8219545" y="1333265"/>
-            <a:ext cx="2926988" cy="2594434"/>
+            <a:off x="5510370" y="851518"/>
+            <a:ext cx="6184806" cy="5154967"/>
           </a:xfrm>
           <a:custGeom>
             <a:avLst/>
             <a:gdLst>
-              <a:gd name="connsiteX0" fmla="*/ 853538 w 2991693"/>
-              <a:gd name="connsiteY0" fmla="*/ 0 h 2651787"/>
-              <a:gd name="connsiteX1" fmla="*/ 2141030 w 2991693"/>
-              <a:gd name="connsiteY1" fmla="*/ 0 h 2651787"/>
-              <a:gd name="connsiteX2" fmla="*/ 2324957 w 2991693"/>
-              <a:gd name="connsiteY2" fmla="*/ 103466 h 2651787"/>
-              <a:gd name="connsiteX3" fmla="*/ 2968702 w 2991693"/>
-              <a:gd name="connsiteY3" fmla="*/ 1218596 h 2651787"/>
-              <a:gd name="connsiteX4" fmla="*/ 2968702 w 2991693"/>
-              <a:gd name="connsiteY4" fmla="*/ 1433192 h 2651787"/>
-              <a:gd name="connsiteX5" fmla="*/ 2324957 w 2991693"/>
-              <a:gd name="connsiteY5" fmla="*/ 2548321 h 2651787"/>
-              <a:gd name="connsiteX6" fmla="*/ 2141030 w 2991693"/>
-              <a:gd name="connsiteY6" fmla="*/ 2651787 h 2651787"/>
-              <a:gd name="connsiteX7" fmla="*/ 853538 w 2991693"/>
-              <a:gd name="connsiteY7" fmla="*/ 2651787 h 2651787"/>
-              <a:gd name="connsiteX8" fmla="*/ 669612 w 2991693"/>
-              <a:gd name="connsiteY8" fmla="*/ 2548321 h 2651787"/>
-              <a:gd name="connsiteX9" fmla="*/ 25866 w 2991693"/>
-              <a:gd name="connsiteY9" fmla="*/ 1433192 h 2651787"/>
-              <a:gd name="connsiteX10" fmla="*/ 25866 w 2991693"/>
-              <a:gd name="connsiteY10" fmla="*/ 1218596 h 2651787"/>
-              <a:gd name="connsiteX11" fmla="*/ 669612 w 2991693"/>
-              <a:gd name="connsiteY11" fmla="*/ 103466 h 2651787"/>
-              <a:gd name="connsiteX12" fmla="*/ 853538 w 2991693"/>
-              <a:gd name="connsiteY12" fmla="*/ 0 h 2651787"/>
+              <a:gd name="connsiteX0" fmla="*/ 363179 w 6184806"/>
+              <a:gd name="connsiteY0" fmla="*/ 3125191 h 5154967"/>
+              <a:gd name="connsiteX1" fmla="*/ 898270 w 6184806"/>
+              <a:gd name="connsiteY1" fmla="*/ 3125191 h 5154967"/>
+              <a:gd name="connsiteX2" fmla="*/ 980326 w 6184806"/>
+              <a:gd name="connsiteY2" fmla="*/ 3173551 h 5154967"/>
+              <a:gd name="connsiteX3" fmla="*/ 1248448 w 6184806"/>
+              <a:gd name="connsiteY3" fmla="*/ 3635277 h 5154967"/>
+              <a:gd name="connsiteX4" fmla="*/ 1248448 w 6184806"/>
+              <a:gd name="connsiteY4" fmla="*/ 3729695 h 5154967"/>
+              <a:gd name="connsiteX5" fmla="*/ 980326 w 6184806"/>
+              <a:gd name="connsiteY5" fmla="*/ 4191421 h 5154967"/>
+              <a:gd name="connsiteX6" fmla="*/ 898270 w 6184806"/>
+              <a:gd name="connsiteY6" fmla="*/ 4239781 h 5154967"/>
+              <a:gd name="connsiteX7" fmla="*/ 363179 w 6184806"/>
+              <a:gd name="connsiteY7" fmla="*/ 4239781 h 5154967"/>
+              <a:gd name="connsiteX8" fmla="*/ 279969 w 6184806"/>
+              <a:gd name="connsiteY8" fmla="*/ 4191421 h 5154967"/>
+              <a:gd name="connsiteX9" fmla="*/ 13002 w 6184806"/>
+              <a:gd name="connsiteY9" fmla="*/ 3729695 h 5154967"/>
+              <a:gd name="connsiteX10" fmla="*/ 13002 w 6184806"/>
+              <a:gd name="connsiteY10" fmla="*/ 3635277 h 5154967"/>
+              <a:gd name="connsiteX11" fmla="*/ 279969 w 6184806"/>
+              <a:gd name="connsiteY11" fmla="*/ 3173551 h 5154967"/>
+              <a:gd name="connsiteX12" fmla="*/ 363179 w 6184806"/>
+              <a:gd name="connsiteY12" fmla="*/ 3125191 h 5154967"/>
+              <a:gd name="connsiteX13" fmla="*/ 2489721 w 6184806"/>
+              <a:gd name="connsiteY13" fmla="*/ 570035 h 5154967"/>
+              <a:gd name="connsiteX14" fmla="*/ 2764862 w 6184806"/>
+              <a:gd name="connsiteY14" fmla="*/ 570035 h 5154967"/>
+              <a:gd name="connsiteX15" fmla="*/ 2796959 w 6184806"/>
+              <a:gd name="connsiteY15" fmla="*/ 570035 h 5154967"/>
+              <a:gd name="connsiteX16" fmla="*/ 2827587 w 6184806"/>
+              <a:gd name="connsiteY16" fmla="*/ 622777 h 5154967"/>
+              <a:gd name="connsiteX17" fmla="*/ 2977604 w 6184806"/>
+              <a:gd name="connsiteY17" fmla="*/ 881117 h 5154967"/>
+              <a:gd name="connsiteX18" fmla="*/ 2977604 w 6184806"/>
+              <a:gd name="connsiteY18" fmla="*/ 1025720 h 5154967"/>
+              <a:gd name="connsiteX19" fmla="*/ 2566968 w 6184806"/>
+              <a:gd name="connsiteY19" fmla="*/ 1732863 h 5154967"/>
+              <a:gd name="connsiteX20" fmla="*/ 2441299 w 6184806"/>
+              <a:gd name="connsiteY20" fmla="*/ 1806927 h 5154967"/>
+              <a:gd name="connsiteX21" fmla="*/ 1621798 w 6184806"/>
+              <a:gd name="connsiteY21" fmla="*/ 1806927 h 5154967"/>
+              <a:gd name="connsiteX22" fmla="*/ 1583218 w 6184806"/>
+              <a:gd name="connsiteY22" fmla="*/ 1801802 h 5154967"/>
+              <a:gd name="connsiteX23" fmla="*/ 1556683 w 6184806"/>
+              <a:gd name="connsiteY23" fmla="*/ 1790677 h 5154967"/>
+              <a:gd name="connsiteX24" fmla="*/ 1572899 w 6184806"/>
+              <a:gd name="connsiteY24" fmla="*/ 1762631 h 5154967"/>
+              <a:gd name="connsiteX25" fmla="*/ 2147429 w 6184806"/>
+              <a:gd name="connsiteY25" fmla="*/ 768968 h 5154967"/>
+              <a:gd name="connsiteX26" fmla="*/ 2489721 w 6184806"/>
+              <a:gd name="connsiteY26" fmla="*/ 570035 h 5154967"/>
+              <a:gd name="connsiteX27" fmla="*/ 1573268 w 6184806"/>
+              <a:gd name="connsiteY27" fmla="*/ 0 h 5154967"/>
+              <a:gd name="connsiteX28" fmla="*/ 2497662 w 6184806"/>
+              <a:gd name="connsiteY28" fmla="*/ 0 h 5154967"/>
+              <a:gd name="connsiteX29" fmla="*/ 2639415 w 6184806"/>
+              <a:gd name="connsiteY29" fmla="*/ 83546 h 5154967"/>
+              <a:gd name="connsiteX30" fmla="*/ 2887862 w 6184806"/>
+              <a:gd name="connsiteY30" fmla="*/ 511387 h 5154967"/>
+              <a:gd name="connsiteX31" fmla="*/ 2915928 w 6184806"/>
+              <a:gd name="connsiteY31" fmla="*/ 559720 h 5154967"/>
+              <a:gd name="connsiteX32" fmla="*/ 2893844 w 6184806"/>
+              <a:gd name="connsiteY32" fmla="*/ 559720 h 5154967"/>
+              <a:gd name="connsiteX33" fmla="*/ 2789466 w 6184806"/>
+              <a:gd name="connsiteY33" fmla="*/ 559720 h 5154967"/>
+              <a:gd name="connsiteX34" fmla="*/ 2744122 w 6184806"/>
+              <a:gd name="connsiteY34" fmla="*/ 481634 h 5154967"/>
+              <a:gd name="connsiteX35" fmla="*/ 2570885 w 6184806"/>
+              <a:gd name="connsiteY35" fmla="*/ 183309 h 5154967"/>
+              <a:gd name="connsiteX36" fmla="*/ 2445216 w 6184806"/>
+              <a:gd name="connsiteY36" fmla="*/ 109244 h 5154967"/>
+              <a:gd name="connsiteX37" fmla="*/ 1625714 w 6184806"/>
+              <a:gd name="connsiteY37" fmla="*/ 109244 h 5154967"/>
+              <a:gd name="connsiteX38" fmla="*/ 1498276 w 6184806"/>
+              <a:gd name="connsiteY38" fmla="*/ 183309 h 5154967"/>
+              <a:gd name="connsiteX39" fmla="*/ 1089410 w 6184806"/>
+              <a:gd name="connsiteY39" fmla="*/ 890450 h 5154967"/>
+              <a:gd name="connsiteX40" fmla="*/ 1089410 w 6184806"/>
+              <a:gd name="connsiteY40" fmla="*/ 1035054 h 5154967"/>
+              <a:gd name="connsiteX41" fmla="*/ 1498276 w 6184806"/>
+              <a:gd name="connsiteY41" fmla="*/ 1742196 h 5154967"/>
+              <a:gd name="connsiteX42" fmla="*/ 1552039 w 6184806"/>
+              <a:gd name="connsiteY42" fmla="*/ 1796421 h 5154967"/>
+              <a:gd name="connsiteX43" fmla="*/ 1558260 w 6184806"/>
+              <a:gd name="connsiteY43" fmla="*/ 1799029 h 5154967"/>
+              <a:gd name="connsiteX44" fmla="*/ 1524911 w 6184806"/>
+              <a:gd name="connsiteY44" fmla="*/ 1856707 h 5154967"/>
+              <a:gd name="connsiteX45" fmla="*/ 1500108 w 6184806"/>
+              <a:gd name="connsiteY45" fmla="*/ 1899604 h 5154967"/>
+              <a:gd name="connsiteX46" fmla="*/ 1525834 w 6184806"/>
+              <a:gd name="connsiteY46" fmla="*/ 1910390 h 5154967"/>
+              <a:gd name="connsiteX47" fmla="*/ 1569352 w 6184806"/>
+              <a:gd name="connsiteY47" fmla="*/ 1916170 h 5154967"/>
+              <a:gd name="connsiteX48" fmla="*/ 2493745 w 6184806"/>
+              <a:gd name="connsiteY48" fmla="*/ 1916170 h 5154967"/>
+              <a:gd name="connsiteX49" fmla="*/ 2635498 w 6184806"/>
+              <a:gd name="connsiteY49" fmla="*/ 1832627 h 5154967"/>
+              <a:gd name="connsiteX50" fmla="*/ 3098693 w 6184806"/>
+              <a:gd name="connsiteY50" fmla="*/ 1034974 h 5154967"/>
+              <a:gd name="connsiteX51" fmla="*/ 3098693 w 6184806"/>
+              <a:gd name="connsiteY51" fmla="*/ 871863 h 5154967"/>
+              <a:gd name="connsiteX52" fmla="*/ 2945803 w 6184806"/>
+              <a:gd name="connsiteY52" fmla="*/ 608576 h 5154967"/>
+              <a:gd name="connsiteX53" fmla="*/ 2923422 w 6184806"/>
+              <a:gd name="connsiteY53" fmla="*/ 570035 h 5154967"/>
+              <a:gd name="connsiteX54" fmla="*/ 3027104 w 6184806"/>
+              <a:gd name="connsiteY54" fmla="*/ 570035 h 5154967"/>
+              <a:gd name="connsiteX55" fmla="*/ 4690846 w 6184806"/>
+              <a:gd name="connsiteY55" fmla="*/ 570035 h 5154967"/>
+              <a:gd name="connsiteX56" fmla="*/ 5028384 w 6184806"/>
+              <a:gd name="connsiteY56" fmla="*/ 768968 h 5154967"/>
+              <a:gd name="connsiteX57" fmla="*/ 6131323 w 6184806"/>
+              <a:gd name="connsiteY57" fmla="*/ 2668304 h 5154967"/>
+              <a:gd name="connsiteX58" fmla="*/ 6131323 w 6184806"/>
+              <a:gd name="connsiteY58" fmla="*/ 3056698 h 5154967"/>
+              <a:gd name="connsiteX59" fmla="*/ 5028384 w 6184806"/>
+              <a:gd name="connsiteY59" fmla="*/ 4956035 h 5154967"/>
+              <a:gd name="connsiteX60" fmla="*/ 4690846 w 6184806"/>
+              <a:gd name="connsiteY60" fmla="*/ 5154967 h 5154967"/>
+              <a:gd name="connsiteX61" fmla="*/ 2489721 w 6184806"/>
+              <a:gd name="connsiteY61" fmla="*/ 5154967 h 5154967"/>
+              <a:gd name="connsiteX62" fmla="*/ 2147429 w 6184806"/>
+              <a:gd name="connsiteY62" fmla="*/ 4956035 h 5154967"/>
+              <a:gd name="connsiteX63" fmla="*/ 1049243 w 6184806"/>
+              <a:gd name="connsiteY63" fmla="*/ 3056698 h 5154967"/>
+              <a:gd name="connsiteX64" fmla="*/ 1049243 w 6184806"/>
+              <a:gd name="connsiteY64" fmla="*/ 2668304 h 5154967"/>
+              <a:gd name="connsiteX65" fmla="*/ 1457007 w 6184806"/>
+              <a:gd name="connsiteY65" fmla="*/ 1963067 h 5154967"/>
+              <a:gd name="connsiteX66" fmla="*/ 1491373 w 6184806"/>
+              <a:gd name="connsiteY66" fmla="*/ 1903634 h 5154967"/>
+              <a:gd name="connsiteX67" fmla="*/ 1490164 w 6184806"/>
+              <a:gd name="connsiteY67" fmla="*/ 1903127 h 5154967"/>
+              <a:gd name="connsiteX68" fmla="*/ 1429519 w 6184806"/>
+              <a:gd name="connsiteY68" fmla="*/ 1841960 h 5154967"/>
+              <a:gd name="connsiteX69" fmla="*/ 968320 w 6184806"/>
+              <a:gd name="connsiteY69" fmla="*/ 1044307 h 5154967"/>
+              <a:gd name="connsiteX70" fmla="*/ 968320 w 6184806"/>
+              <a:gd name="connsiteY70" fmla="*/ 881196 h 5154967"/>
+              <a:gd name="connsiteX71" fmla="*/ 1429519 w 6184806"/>
+              <a:gd name="connsiteY71" fmla="*/ 83546 h 5154967"/>
+              <a:gd name="connsiteX72" fmla="*/ 1573268 w 6184806"/>
+              <a:gd name="connsiteY72" fmla="*/ 0 h 5154967"/>
             </a:gdLst>
             <a:ahLst/>
             <a:cxnLst>
@@ -11528,472 +11648,598 @@
               <a:cxn ang="0">
                 <a:pos x="connsiteX12" y="connsiteY12"/>
               </a:cxn>
+              <a:cxn ang="0">
+                <a:pos x="connsiteX13" y="connsiteY13"/>
+              </a:cxn>
+              <a:cxn ang="0">
+                <a:pos x="connsiteX14" y="connsiteY14"/>
+              </a:cxn>
+              <a:cxn ang="0">
+                <a:pos x="connsiteX15" y="connsiteY15"/>
+              </a:cxn>
+              <a:cxn ang="0">
+                <a:pos x="connsiteX16" y="connsiteY16"/>
+              </a:cxn>
+              <a:cxn ang="0">
+                <a:pos x="connsiteX17" y="connsiteY17"/>
+              </a:cxn>
+              <a:cxn ang="0">
+                <a:pos x="connsiteX18" y="connsiteY18"/>
+              </a:cxn>
+              <a:cxn ang="0">
+                <a:pos x="connsiteX19" y="connsiteY19"/>
+              </a:cxn>
+              <a:cxn ang="0">
+                <a:pos x="connsiteX20" y="connsiteY20"/>
+              </a:cxn>
+              <a:cxn ang="0">
+                <a:pos x="connsiteX21" y="connsiteY21"/>
+              </a:cxn>
+              <a:cxn ang="0">
+                <a:pos x="connsiteX22" y="connsiteY22"/>
+              </a:cxn>
+              <a:cxn ang="0">
+                <a:pos x="connsiteX23" y="connsiteY23"/>
+              </a:cxn>
+              <a:cxn ang="0">
+                <a:pos x="connsiteX24" y="connsiteY24"/>
+              </a:cxn>
+              <a:cxn ang="0">
+                <a:pos x="connsiteX25" y="connsiteY25"/>
+              </a:cxn>
+              <a:cxn ang="0">
+                <a:pos x="connsiteX26" y="connsiteY26"/>
+              </a:cxn>
+              <a:cxn ang="0">
+                <a:pos x="connsiteX27" y="connsiteY27"/>
+              </a:cxn>
+              <a:cxn ang="0">
+                <a:pos x="connsiteX28" y="connsiteY28"/>
+              </a:cxn>
+              <a:cxn ang="0">
+                <a:pos x="connsiteX29" y="connsiteY29"/>
+              </a:cxn>
+              <a:cxn ang="0">
+                <a:pos x="connsiteX30" y="connsiteY30"/>
+              </a:cxn>
+              <a:cxn ang="0">
+                <a:pos x="connsiteX31" y="connsiteY31"/>
+              </a:cxn>
+              <a:cxn ang="0">
+                <a:pos x="connsiteX32" y="connsiteY32"/>
+              </a:cxn>
+              <a:cxn ang="0">
+                <a:pos x="connsiteX33" y="connsiteY33"/>
+              </a:cxn>
+              <a:cxn ang="0">
+                <a:pos x="connsiteX34" y="connsiteY34"/>
+              </a:cxn>
+              <a:cxn ang="0">
+                <a:pos x="connsiteX35" y="connsiteY35"/>
+              </a:cxn>
+              <a:cxn ang="0">
+                <a:pos x="connsiteX36" y="connsiteY36"/>
+              </a:cxn>
+              <a:cxn ang="0">
+                <a:pos x="connsiteX37" y="connsiteY37"/>
+              </a:cxn>
+              <a:cxn ang="0">
+                <a:pos x="connsiteX38" y="connsiteY38"/>
+              </a:cxn>
+              <a:cxn ang="0">
+                <a:pos x="connsiteX39" y="connsiteY39"/>
+              </a:cxn>
+              <a:cxn ang="0">
+                <a:pos x="connsiteX40" y="connsiteY40"/>
+              </a:cxn>
+              <a:cxn ang="0">
+                <a:pos x="connsiteX41" y="connsiteY41"/>
+              </a:cxn>
+              <a:cxn ang="0">
+                <a:pos x="connsiteX42" y="connsiteY42"/>
+              </a:cxn>
+              <a:cxn ang="0">
+                <a:pos x="connsiteX43" y="connsiteY43"/>
+              </a:cxn>
+              <a:cxn ang="0">
+                <a:pos x="connsiteX44" y="connsiteY44"/>
+              </a:cxn>
+              <a:cxn ang="0">
+                <a:pos x="connsiteX45" y="connsiteY45"/>
+              </a:cxn>
+              <a:cxn ang="0">
+                <a:pos x="connsiteX46" y="connsiteY46"/>
+              </a:cxn>
+              <a:cxn ang="0">
+                <a:pos x="connsiteX47" y="connsiteY47"/>
+              </a:cxn>
+              <a:cxn ang="0">
+                <a:pos x="connsiteX48" y="connsiteY48"/>
+              </a:cxn>
+              <a:cxn ang="0">
+                <a:pos x="connsiteX49" y="connsiteY49"/>
+              </a:cxn>
+              <a:cxn ang="0">
+                <a:pos x="connsiteX50" y="connsiteY50"/>
+              </a:cxn>
+              <a:cxn ang="0">
+                <a:pos x="connsiteX51" y="connsiteY51"/>
+              </a:cxn>
+              <a:cxn ang="0">
+                <a:pos x="connsiteX52" y="connsiteY52"/>
+              </a:cxn>
+              <a:cxn ang="0">
+                <a:pos x="connsiteX53" y="connsiteY53"/>
+              </a:cxn>
+              <a:cxn ang="0">
+                <a:pos x="connsiteX54" y="connsiteY54"/>
+              </a:cxn>
+              <a:cxn ang="0">
+                <a:pos x="connsiteX55" y="connsiteY55"/>
+              </a:cxn>
+              <a:cxn ang="0">
+                <a:pos x="connsiteX56" y="connsiteY56"/>
+              </a:cxn>
+              <a:cxn ang="0">
+                <a:pos x="connsiteX57" y="connsiteY57"/>
+              </a:cxn>
+              <a:cxn ang="0">
+                <a:pos x="connsiteX58" y="connsiteY58"/>
+              </a:cxn>
+              <a:cxn ang="0">
+                <a:pos x="connsiteX59" y="connsiteY59"/>
+              </a:cxn>
+              <a:cxn ang="0">
+                <a:pos x="connsiteX60" y="connsiteY60"/>
+              </a:cxn>
+              <a:cxn ang="0">
+                <a:pos x="connsiteX61" y="connsiteY61"/>
+              </a:cxn>
+              <a:cxn ang="0">
+                <a:pos x="connsiteX62" y="connsiteY62"/>
+              </a:cxn>
+              <a:cxn ang="0">
+                <a:pos x="connsiteX63" y="connsiteY63"/>
+              </a:cxn>
+              <a:cxn ang="0">
+                <a:pos x="connsiteX64" y="connsiteY64"/>
+              </a:cxn>
+              <a:cxn ang="0">
+                <a:pos x="connsiteX65" y="connsiteY65"/>
+              </a:cxn>
+              <a:cxn ang="0">
+                <a:pos x="connsiteX66" y="connsiteY66"/>
+              </a:cxn>
+              <a:cxn ang="0">
+                <a:pos x="connsiteX67" y="connsiteY67"/>
+              </a:cxn>
+              <a:cxn ang="0">
+                <a:pos x="connsiteX68" y="connsiteY68"/>
+              </a:cxn>
+              <a:cxn ang="0">
+                <a:pos x="connsiteX69" y="connsiteY69"/>
+              </a:cxn>
+              <a:cxn ang="0">
+                <a:pos x="connsiteX70" y="connsiteY70"/>
+              </a:cxn>
+              <a:cxn ang="0">
+                <a:pos x="connsiteX71" y="connsiteY71"/>
+              </a:cxn>
+              <a:cxn ang="0">
+                <a:pos x="connsiteX72" y="connsiteY72"/>
+              </a:cxn>
             </a:cxnLst>
             <a:rect l="l" t="t" r="r" b="b"/>
             <a:pathLst>
-              <a:path w="2991693" h="2651787">
+              <a:path w="6184806" h="5154967">
                 <a:moveTo>
-                  <a:pt x="853538" y="0"/>
+                  <a:pt x="363179" y="3125191"/>
                 </a:moveTo>
                 <a:cubicBezTo>
-                  <a:pt x="2141030" y="0"/>
-                  <a:pt x="2141030" y="0"/>
-                  <a:pt x="2141030" y="0"/>
-                </a:cubicBezTo>
-                <a:cubicBezTo>
-                  <a:pt x="2206170" y="0"/>
-                  <a:pt x="2290471" y="45985"/>
-                  <a:pt x="2324957" y="103466"/>
-                </a:cubicBezTo>
-                <a:cubicBezTo>
-                  <a:pt x="2968702" y="1218596"/>
-                  <a:pt x="2968702" y="1218596"/>
-                  <a:pt x="2968702" y="1218596"/>
-                </a:cubicBezTo>
-                <a:cubicBezTo>
-                  <a:pt x="2999357" y="1279909"/>
-                  <a:pt x="2999357" y="1371878"/>
-                  <a:pt x="2968702" y="1433192"/>
-                </a:cubicBezTo>
-                <a:cubicBezTo>
-                  <a:pt x="2324957" y="2548321"/>
-                  <a:pt x="2324957" y="2548321"/>
-                  <a:pt x="2324957" y="2548321"/>
-                </a:cubicBezTo>
-                <a:cubicBezTo>
-                  <a:pt x="2290471" y="2605803"/>
-                  <a:pt x="2206170" y="2651787"/>
-                  <a:pt x="2141030" y="2651787"/>
+                  <a:pt x="363179" y="3125191"/>
+                  <a:pt x="363179" y="3125191"/>
+                  <a:pt x="898270" y="3125191"/>
+                </a:cubicBezTo>
+                <a:cubicBezTo>
+                  <a:pt x="931786" y="3125191"/>
+                  <a:pt x="964145" y="3143614"/>
+                  <a:pt x="980326" y="3173551"/>
+                </a:cubicBezTo>
+                <a:cubicBezTo>
+                  <a:pt x="980326" y="3173551"/>
+                  <a:pt x="980326" y="3173551"/>
+                  <a:pt x="1248448" y="3635277"/>
+                </a:cubicBezTo>
+                <a:cubicBezTo>
+                  <a:pt x="1265784" y="3664063"/>
+                  <a:pt x="1265784" y="3700909"/>
+                  <a:pt x="1248448" y="3729695"/>
+                </a:cubicBezTo>
+                <a:cubicBezTo>
+                  <a:pt x="1248448" y="3729695"/>
+                  <a:pt x="1248448" y="3729695"/>
+                  <a:pt x="980326" y="4191421"/>
+                </a:cubicBezTo>
+                <a:cubicBezTo>
+                  <a:pt x="964145" y="4221358"/>
+                  <a:pt x="931786" y="4239781"/>
+                  <a:pt x="898270" y="4239781"/>
+                </a:cubicBezTo>
+                <a:cubicBezTo>
+                  <a:pt x="898270" y="4239781"/>
+                  <a:pt x="898270" y="4239781"/>
+                  <a:pt x="363179" y="4239781"/>
+                </a:cubicBezTo>
+                <a:cubicBezTo>
+                  <a:pt x="328508" y="4239781"/>
+                  <a:pt x="297305" y="4221358"/>
+                  <a:pt x="279969" y="4191421"/>
+                </a:cubicBezTo>
+                <a:cubicBezTo>
+                  <a:pt x="279969" y="4191421"/>
+                  <a:pt x="279969" y="4191421"/>
+                  <a:pt x="13002" y="3729695"/>
+                </a:cubicBezTo>
+                <a:cubicBezTo>
+                  <a:pt x="-4334" y="3700909"/>
+                  <a:pt x="-4334" y="3664063"/>
+                  <a:pt x="13002" y="3635277"/>
+                </a:cubicBezTo>
+                <a:cubicBezTo>
+                  <a:pt x="13002" y="3635277"/>
+                  <a:pt x="13002" y="3635277"/>
+                  <a:pt x="279969" y="3173551"/>
+                </a:cubicBezTo>
+                <a:cubicBezTo>
+                  <a:pt x="297305" y="3143614"/>
+                  <a:pt x="328508" y="3125191"/>
+                  <a:pt x="363179" y="3125191"/>
+                </a:cubicBezTo>
+                <a:close/>
+                <a:moveTo>
+                  <a:pt x="2489721" y="570035"/>
+                </a:moveTo>
+                <a:cubicBezTo>
+                  <a:pt x="2489721" y="570035"/>
+                  <a:pt x="2489721" y="570035"/>
+                  <a:pt x="2764862" y="570035"/>
                 </a:cubicBezTo>
                 <a:lnTo>
-                  <a:pt x="853538" y="2651787"/>
+                  <a:pt x="2796959" y="570035"/>
                 </a:lnTo>
-                <a:cubicBezTo>
-                  <a:pt x="784566" y="2651787"/>
-                  <a:pt x="700266" y="2605803"/>
-                  <a:pt x="669612" y="2548321"/>
-                </a:cubicBezTo>
-                <a:cubicBezTo>
-                  <a:pt x="25866" y="1433192"/>
-                  <a:pt x="25866" y="1433192"/>
-                  <a:pt x="25866" y="1433192"/>
-                </a:cubicBezTo>
-                <a:cubicBezTo>
-                  <a:pt x="-8621" y="1371878"/>
-                  <a:pt x="-8621" y="1279909"/>
-                  <a:pt x="25866" y="1218596"/>
-                </a:cubicBezTo>
-                <a:cubicBezTo>
-                  <a:pt x="669612" y="103466"/>
-                  <a:pt x="669612" y="103466"/>
-                  <a:pt x="669612" y="103466"/>
-                </a:cubicBezTo>
-                <a:cubicBezTo>
-                  <a:pt x="700266" y="45985"/>
-                  <a:pt x="784566" y="0"/>
-                  <a:pt x="853538" y="0"/>
+                <a:lnTo>
+                  <a:pt x="2827587" y="622777"/>
+                </a:lnTo>
+                <a:cubicBezTo>
+                  <a:pt x="2870233" y="696217"/>
+                  <a:pt x="2919858" y="781675"/>
+                  <a:pt x="2977604" y="881117"/>
+                </a:cubicBezTo>
+                <a:cubicBezTo>
+                  <a:pt x="3004153" y="925204"/>
+                  <a:pt x="3004153" y="981634"/>
+                  <a:pt x="2977604" y="1025720"/>
+                </a:cubicBezTo>
+                <a:cubicBezTo>
+                  <a:pt x="2977604" y="1025720"/>
+                  <a:pt x="2977604" y="1025720"/>
+                  <a:pt x="2566968" y="1732863"/>
+                </a:cubicBezTo>
+                <a:cubicBezTo>
+                  <a:pt x="2542188" y="1778712"/>
+                  <a:pt x="2492629" y="1806927"/>
+                  <a:pt x="2441299" y="1806927"/>
+                </a:cubicBezTo>
+                <a:cubicBezTo>
+                  <a:pt x="2441299" y="1806927"/>
+                  <a:pt x="2441299" y="1806927"/>
+                  <a:pt x="1621798" y="1806927"/>
+                </a:cubicBezTo>
+                <a:cubicBezTo>
+                  <a:pt x="1608523" y="1806927"/>
+                  <a:pt x="1595580" y="1805163"/>
+                  <a:pt x="1583218" y="1801802"/>
+                </a:cubicBezTo>
+                <a:lnTo>
+                  <a:pt x="1556683" y="1790677"/>
+                </a:lnTo>
+                <a:lnTo>
+                  <a:pt x="1572899" y="1762631"/>
+                </a:lnTo>
+                <a:cubicBezTo>
+                  <a:pt x="1719523" y="1509042"/>
+                  <a:pt x="1907201" y="1184448"/>
+                  <a:pt x="2147429" y="768968"/>
+                </a:cubicBezTo>
+                <a:cubicBezTo>
+                  <a:pt x="2218739" y="645819"/>
+                  <a:pt x="2347099" y="570035"/>
+                  <a:pt x="2489721" y="570035"/>
+                </a:cubicBezTo>
+                <a:close/>
+                <a:moveTo>
+                  <a:pt x="1573268" y="0"/>
+                </a:moveTo>
+                <a:cubicBezTo>
+                  <a:pt x="1573268" y="0"/>
+                  <a:pt x="1573268" y="0"/>
+                  <a:pt x="2497662" y="0"/>
+                </a:cubicBezTo>
+                <a:cubicBezTo>
+                  <a:pt x="2555561" y="0"/>
+                  <a:pt x="2611463" y="31828"/>
+                  <a:pt x="2639415" y="83546"/>
+                </a:cubicBezTo>
+                <a:cubicBezTo>
+                  <a:pt x="2639415" y="83546"/>
+                  <a:pt x="2639415" y="83546"/>
+                  <a:pt x="2887862" y="511387"/>
+                </a:cubicBezTo>
+                <a:lnTo>
+                  <a:pt x="2915928" y="559720"/>
+                </a:lnTo>
+                <a:lnTo>
+                  <a:pt x="2893844" y="559720"/>
+                </a:lnTo>
+                <a:lnTo>
+                  <a:pt x="2789466" y="559720"/>
+                </a:lnTo>
+                <a:lnTo>
+                  <a:pt x="2744122" y="481634"/>
+                </a:lnTo>
+                <a:cubicBezTo>
+                  <a:pt x="2570885" y="183309"/>
+                  <a:pt x="2570885" y="183309"/>
+                  <a:pt x="2570885" y="183309"/>
+                </a:cubicBezTo>
+                <a:cubicBezTo>
+                  <a:pt x="2546104" y="137459"/>
+                  <a:pt x="2496545" y="109244"/>
+                  <a:pt x="2445216" y="109244"/>
+                </a:cubicBezTo>
+                <a:cubicBezTo>
+                  <a:pt x="1625714" y="109244"/>
+                  <a:pt x="1625714" y="109244"/>
+                  <a:pt x="1625714" y="109244"/>
+                </a:cubicBezTo>
+                <a:cubicBezTo>
+                  <a:pt x="1572615" y="109244"/>
+                  <a:pt x="1524825" y="137459"/>
+                  <a:pt x="1498276" y="183309"/>
+                </a:cubicBezTo>
+                <a:cubicBezTo>
+                  <a:pt x="1089410" y="890450"/>
+                  <a:pt x="1089410" y="890450"/>
+                  <a:pt x="1089410" y="890450"/>
+                </a:cubicBezTo>
+                <a:cubicBezTo>
+                  <a:pt x="1062860" y="934537"/>
+                  <a:pt x="1062860" y="990968"/>
+                  <a:pt x="1089410" y="1035054"/>
+                </a:cubicBezTo>
+                <a:cubicBezTo>
+                  <a:pt x="1498276" y="1742196"/>
+                  <a:pt x="1498276" y="1742196"/>
+                  <a:pt x="1498276" y="1742196"/>
+                </a:cubicBezTo>
+                <a:cubicBezTo>
+                  <a:pt x="1511551" y="1765121"/>
+                  <a:pt x="1530135" y="1783637"/>
+                  <a:pt x="1552039" y="1796421"/>
+                </a:cubicBezTo>
+                <a:lnTo>
+                  <a:pt x="1558260" y="1799029"/>
+                </a:lnTo>
+                <a:lnTo>
+                  <a:pt x="1524911" y="1856707"/>
+                </a:lnTo>
+                <a:lnTo>
+                  <a:pt x="1500108" y="1899604"/>
+                </a:lnTo>
+                <a:lnTo>
+                  <a:pt x="1525834" y="1910390"/>
+                </a:lnTo>
+                <a:cubicBezTo>
+                  <a:pt x="1539779" y="1914181"/>
+                  <a:pt x="1554378" y="1916170"/>
+                  <a:pt x="1569352" y="1916170"/>
+                </a:cubicBezTo>
+                <a:cubicBezTo>
+                  <a:pt x="2493745" y="1916170"/>
+                  <a:pt x="2493745" y="1916170"/>
+                  <a:pt x="2493745" y="1916170"/>
+                </a:cubicBezTo>
+                <a:cubicBezTo>
+                  <a:pt x="2551645" y="1916170"/>
+                  <a:pt x="2607546" y="1884345"/>
+                  <a:pt x="2635498" y="1832627"/>
+                </a:cubicBezTo>
+                <a:cubicBezTo>
+                  <a:pt x="3098693" y="1034974"/>
+                  <a:pt x="3098693" y="1034974"/>
+                  <a:pt x="3098693" y="1034974"/>
+                </a:cubicBezTo>
+                <a:cubicBezTo>
+                  <a:pt x="3128641" y="985246"/>
+                  <a:pt x="3128641" y="921593"/>
+                  <a:pt x="3098693" y="871863"/>
+                </a:cubicBezTo>
+                <a:cubicBezTo>
+                  <a:pt x="3040794" y="772157"/>
+                  <a:pt x="2990132" y="684914"/>
+                  <a:pt x="2945803" y="608576"/>
+                </a:cubicBezTo>
+                <a:lnTo>
+                  <a:pt x="2923422" y="570035"/>
+                </a:lnTo>
+                <a:lnTo>
+                  <a:pt x="3027104" y="570035"/>
+                </a:lnTo>
+                <a:cubicBezTo>
+                  <a:pt x="3349535" y="570035"/>
+                  <a:pt x="3865424" y="570035"/>
+                  <a:pt x="4690846" y="570035"/>
+                </a:cubicBezTo>
+                <a:cubicBezTo>
+                  <a:pt x="4828714" y="570035"/>
+                  <a:pt x="4961827" y="645819"/>
+                  <a:pt x="5028384" y="768968"/>
+                </a:cubicBezTo>
+                <a:cubicBezTo>
+                  <a:pt x="5028384" y="768968"/>
+                  <a:pt x="5028384" y="768968"/>
+                  <a:pt x="6131323" y="2668304"/>
+                </a:cubicBezTo>
+                <a:cubicBezTo>
+                  <a:pt x="6202634" y="2786717"/>
+                  <a:pt x="6202634" y="2938285"/>
+                  <a:pt x="6131323" y="3056698"/>
+                </a:cubicBezTo>
+                <a:cubicBezTo>
+                  <a:pt x="6131323" y="3056698"/>
+                  <a:pt x="6131323" y="3056698"/>
+                  <a:pt x="5028384" y="4956035"/>
+                </a:cubicBezTo>
+                <a:cubicBezTo>
+                  <a:pt x="4961827" y="5079184"/>
+                  <a:pt x="4828714" y="5154967"/>
+                  <a:pt x="4690846" y="5154967"/>
+                </a:cubicBezTo>
+                <a:cubicBezTo>
+                  <a:pt x="4690846" y="5154967"/>
+                  <a:pt x="4690846" y="5154967"/>
+                  <a:pt x="2489721" y="5154967"/>
+                </a:cubicBezTo>
+                <a:cubicBezTo>
+                  <a:pt x="2347099" y="5154967"/>
+                  <a:pt x="2218739" y="5079184"/>
+                  <a:pt x="2147429" y="4956035"/>
+                </a:cubicBezTo>
+                <a:cubicBezTo>
+                  <a:pt x="2147429" y="4956035"/>
+                  <a:pt x="2147429" y="4956035"/>
+                  <a:pt x="1049243" y="3056698"/>
+                </a:cubicBezTo>
+                <a:cubicBezTo>
+                  <a:pt x="977932" y="2938285"/>
+                  <a:pt x="977932" y="2786717"/>
+                  <a:pt x="1049243" y="2668304"/>
+                </a:cubicBezTo>
+                <a:cubicBezTo>
+                  <a:pt x="1049243" y="2668304"/>
+                  <a:pt x="1049243" y="2668304"/>
+                  <a:pt x="1457007" y="1963067"/>
+                </a:cubicBezTo>
+                <a:lnTo>
+                  <a:pt x="1491373" y="1903634"/>
+                </a:lnTo>
+                <a:lnTo>
+                  <a:pt x="1490164" y="1903127"/>
+                </a:lnTo>
+                <a:cubicBezTo>
+                  <a:pt x="1465456" y="1888705"/>
+                  <a:pt x="1444493" y="1867820"/>
+                  <a:pt x="1429519" y="1841960"/>
+                </a:cubicBezTo>
+                <a:cubicBezTo>
+                  <a:pt x="1429519" y="1841960"/>
+                  <a:pt x="1429519" y="1841960"/>
+                  <a:pt x="968320" y="1044307"/>
+                </a:cubicBezTo>
+                <a:cubicBezTo>
+                  <a:pt x="938371" y="994579"/>
+                  <a:pt x="938371" y="930926"/>
+                  <a:pt x="968320" y="881196"/>
+                </a:cubicBezTo>
+                <a:cubicBezTo>
+                  <a:pt x="968320" y="881196"/>
+                  <a:pt x="968320" y="881196"/>
+                  <a:pt x="1429519" y="83546"/>
+                </a:cubicBezTo>
+                <a:cubicBezTo>
+                  <a:pt x="1459466" y="31828"/>
+                  <a:pt x="1513373" y="0"/>
+                  <a:pt x="1573268" y="0"/>
                 </a:cubicBezTo>
                 <a:close/>
               </a:path>
             </a:pathLst>
           </a:custGeom>
-          <a:noFill/>
-          <a:ln w="50800" cmpd="sng">
-            <a:solidFill>
-              <a:schemeClr val="tx1"/>
-            </a:solidFill>
+          <a:solidFill>
+            <a:schemeClr val="tx1">
+              <a:lumMod val="50000"/>
+              <a:lumOff val="50000"/>
+              <a:alpha val="15000"/>
+            </a:schemeClr>
+          </a:solidFill>
+          <a:ln>
+            <a:noFill/>
           </a:ln>
         </p:spPr>
+        <p:style>
+          <a:lnRef idx="2">
+            <a:schemeClr val="accent1">
+              <a:shade val="50000"/>
+            </a:schemeClr>
+          </a:lnRef>
+          <a:fillRef idx="1">
+            <a:schemeClr val="accent1"/>
+          </a:fillRef>
+          <a:effectRef idx="0">
+            <a:schemeClr val="accent1"/>
+          </a:effectRef>
+          <a:fontRef idx="minor">
+            <a:schemeClr val="lt1"/>
+          </a:fontRef>
+        </p:style>
         <p:txBody>
-          <a:bodyPr vert="horz" wrap="square" lIns="91440" tIns="45720" rIns="91440" bIns="45720" numCol="1" anchor="t" anchorCtr="0" compatLnSpc="1">
-            <a:prstTxWarp prst="textNoShape">
-              <a:avLst/>
-            </a:prstTxWarp>
+          <a:bodyPr wrap="square" rtlCol="0" anchor="ctr">
+            <a:noAutofit/>
           </a:bodyPr>
           <a:lstStyle/>
           <a:p>
-            <a:endParaRPr lang="en-US" dirty="0">
-              <a:solidFill>
-                <a:schemeClr val="tx1"/>
-              </a:solidFill>
-            </a:endParaRPr>
+            <a:pPr algn="ctr"/>
+            <a:endParaRPr lang="en-US"/>
           </a:p>
         </p:txBody>
       </p:sp>
-      <p:sp>
-        <p:nvSpPr>
-          <p:cNvPr id="52" name="Freeform 5">
+      <p:pic>
+        <p:nvPicPr>
+          <p:cNvPr id="6" name="Graphic 5" descr="Lightbulb and gear with solid fill">
             <a:extLst>
               <a:ext uri="{FF2B5EF4-FFF2-40B4-BE49-F238E27FC236}">
-                <a16:creationId xmlns:a16="http://schemas.microsoft.com/office/drawing/2014/main" id="{4300F7B2-2FBB-4B65-B588-6331766027CB}"/>
-              </a:ext>
-              <a:ext uri="{C183D7F6-B498-43B3-948B-1728B52AA6E4}">
-                <adec:decorative xmlns:adec="http://schemas.microsoft.com/office/drawing/2017/decorative" val="1"/>
+                <a16:creationId xmlns:a16="http://schemas.microsoft.com/office/drawing/2014/main" id="{12C84F93-9A25-4086-B68C-676CD20065FD}"/>
               </a:ext>
             </a:extLst>
           </p:cNvPr>
-          <p:cNvSpPr>
-            <a:spLocks noGrp="1" noRot="1" noChangeAspect="1" noMove="1" noResize="1" noEditPoints="1" noAdjustHandles="1" noChangeArrowheads="1" noChangeShapeType="1" noTextEdit="1"/>
-          </p:cNvSpPr>
-          <p:nvPr>
-            <p:extLst>
-              <p:ext uri="{386F3935-93C4-4BCD-93E2-E3B085C9AB24}">
-                <p16:designElem xmlns:p16="http://schemas.microsoft.com/office/powerpoint/2015/main" val="1"/>
-              </p:ext>
-            </p:extLst>
-          </p:nvPr>
-        </p:nvSpPr>
-        <p:spPr bwMode="auto">
+          <p:cNvPicPr>
+            <a:picLocks noChangeAspect="1"/>
+          </p:cNvPicPr>
+          <p:nvPr/>
+        </p:nvPicPr>
+        <p:blipFill>
+          <a:blip r:embed="rId2">
+            <a:extLst>
+              <a:ext uri="{28A0092B-C50C-407E-A947-70E740481C1C}">
+                <a14:useLocalDpi xmlns:a14="http://schemas.microsoft.com/office/drawing/2010/main" val="0"/>
+              </a:ext>
+              <a:ext uri="{96DAC541-7B7A-43D3-8B79-37D633B846F1}">
+                <asvg:svgBlip xmlns:asvg="http://schemas.microsoft.com/office/drawing/2016/SVG/main" r:embed="rId3"/>
+              </a:ext>
+            </a:extLst>
+          </a:blip>
+          <a:stretch/>
+        </p:blipFill>
+        <p:spPr>
           <a:xfrm>
-            <a:off x="7575032" y="1327438"/>
-            <a:ext cx="675351" cy="595380"/>
+            <a:off x="7535330" y="2105470"/>
+            <a:ext cx="3217333" cy="3217333"/>
           </a:xfrm>
-          <a:custGeom>
+          <a:prstGeom prst="rect">
             <a:avLst/>
-            <a:gdLst>
-              <a:gd name="T0" fmla="*/ 225 w 785"/>
-              <a:gd name="T1" fmla="*/ 692 h 692"/>
-              <a:gd name="T2" fmla="*/ 177 w 785"/>
-              <a:gd name="T3" fmla="*/ 665 h 692"/>
-              <a:gd name="T4" fmla="*/ 9 w 785"/>
-              <a:gd name="T5" fmla="*/ 374 h 692"/>
-              <a:gd name="T6" fmla="*/ 9 w 785"/>
-              <a:gd name="T7" fmla="*/ 318 h 692"/>
-              <a:gd name="T8" fmla="*/ 177 w 785"/>
-              <a:gd name="T9" fmla="*/ 27 h 692"/>
-              <a:gd name="T10" fmla="*/ 225 w 785"/>
-              <a:gd name="T11" fmla="*/ 0 h 692"/>
-              <a:gd name="T12" fmla="*/ 561 w 785"/>
-              <a:gd name="T13" fmla="*/ 0 h 692"/>
-              <a:gd name="T14" fmla="*/ 609 w 785"/>
-              <a:gd name="T15" fmla="*/ 27 h 692"/>
-              <a:gd name="T16" fmla="*/ 777 w 785"/>
-              <a:gd name="T17" fmla="*/ 318 h 692"/>
-              <a:gd name="T18" fmla="*/ 777 w 785"/>
-              <a:gd name="T19" fmla="*/ 374 h 692"/>
-              <a:gd name="T20" fmla="*/ 609 w 785"/>
-              <a:gd name="T21" fmla="*/ 665 h 692"/>
-              <a:gd name="T22" fmla="*/ 561 w 785"/>
-              <a:gd name="T23" fmla="*/ 692 h 692"/>
-              <a:gd name="T24" fmla="*/ 225 w 785"/>
-              <a:gd name="T25" fmla="*/ 692 h 692"/>
-            </a:gdLst>
-            <a:ahLst/>
-            <a:cxnLst>
-              <a:cxn ang="0">
-                <a:pos x="T0" y="T1"/>
-              </a:cxn>
-              <a:cxn ang="0">
-                <a:pos x="T2" y="T3"/>
-              </a:cxn>
-              <a:cxn ang="0">
-                <a:pos x="T4" y="T5"/>
-              </a:cxn>
-              <a:cxn ang="0">
-                <a:pos x="T6" y="T7"/>
-              </a:cxn>
-              <a:cxn ang="0">
-                <a:pos x="T8" y="T9"/>
-              </a:cxn>
-              <a:cxn ang="0">
-                <a:pos x="T10" y="T11"/>
-              </a:cxn>
-              <a:cxn ang="0">
-                <a:pos x="T12" y="T13"/>
-              </a:cxn>
-              <a:cxn ang="0">
-                <a:pos x="T14" y="T15"/>
-              </a:cxn>
-              <a:cxn ang="0">
-                <a:pos x="T16" y="T17"/>
-              </a:cxn>
-              <a:cxn ang="0">
-                <a:pos x="T18" y="T19"/>
-              </a:cxn>
-              <a:cxn ang="0">
-                <a:pos x="T20" y="T21"/>
-              </a:cxn>
-              <a:cxn ang="0">
-                <a:pos x="T22" y="T23"/>
-              </a:cxn>
-              <a:cxn ang="0">
-                <a:pos x="T24" y="T25"/>
-              </a:cxn>
-            </a:cxnLst>
-            <a:rect l="0" t="0" r="r" b="b"/>
-            <a:pathLst>
-              <a:path w="785" h="692">
-                <a:moveTo>
-                  <a:pt x="225" y="692"/>
-                </a:moveTo>
-                <a:cubicBezTo>
-                  <a:pt x="207" y="692"/>
-                  <a:pt x="185" y="680"/>
-                  <a:pt x="177" y="665"/>
-                </a:cubicBezTo>
-                <a:cubicBezTo>
-                  <a:pt x="9" y="374"/>
-                  <a:pt x="9" y="374"/>
-                  <a:pt x="9" y="374"/>
-                </a:cubicBezTo>
-                <a:cubicBezTo>
-                  <a:pt x="0" y="358"/>
-                  <a:pt x="0" y="334"/>
-                  <a:pt x="9" y="318"/>
-                </a:cubicBezTo>
-                <a:cubicBezTo>
-                  <a:pt x="177" y="27"/>
-                  <a:pt x="177" y="27"/>
-                  <a:pt x="177" y="27"/>
-                </a:cubicBezTo>
-                <a:cubicBezTo>
-                  <a:pt x="185" y="12"/>
-                  <a:pt x="207" y="0"/>
-                  <a:pt x="225" y="0"/>
-                </a:cubicBezTo>
-                <a:cubicBezTo>
-                  <a:pt x="561" y="0"/>
-                  <a:pt x="561" y="0"/>
-                  <a:pt x="561" y="0"/>
-                </a:cubicBezTo>
-                <a:cubicBezTo>
-                  <a:pt x="578" y="0"/>
-                  <a:pt x="600" y="12"/>
-                  <a:pt x="609" y="27"/>
-                </a:cubicBezTo>
-                <a:cubicBezTo>
-                  <a:pt x="777" y="318"/>
-                  <a:pt x="777" y="318"/>
-                  <a:pt x="777" y="318"/>
-                </a:cubicBezTo>
-                <a:cubicBezTo>
-                  <a:pt x="785" y="334"/>
-                  <a:pt x="785" y="358"/>
-                  <a:pt x="777" y="374"/>
-                </a:cubicBezTo>
-                <a:cubicBezTo>
-                  <a:pt x="609" y="665"/>
-                  <a:pt x="609" y="665"/>
-                  <a:pt x="609" y="665"/>
-                </a:cubicBezTo>
-                <a:cubicBezTo>
-                  <a:pt x="600" y="680"/>
-                  <a:pt x="578" y="692"/>
-                  <a:pt x="561" y="692"/>
-                </a:cubicBezTo>
-                <a:lnTo>
-                  <a:pt x="225" y="692"/>
-                </a:lnTo>
-                <a:close/>
-              </a:path>
-            </a:pathLst>
-          </a:custGeom>
-          <a:noFill/>
-          <a:ln w="28575" cmpd="sng">
-            <a:solidFill>
-              <a:schemeClr val="tx1"/>
-            </a:solidFill>
-          </a:ln>
+          </a:prstGeom>
         </p:spPr>
-        <p:txBody>
-          <a:bodyPr vert="horz" wrap="square" lIns="91440" tIns="45720" rIns="91440" bIns="45720" numCol="1" anchor="t" anchorCtr="0" compatLnSpc="1">
-            <a:prstTxWarp prst="textNoShape">
-              <a:avLst/>
-            </a:prstTxWarp>
-          </a:bodyPr>
-          <a:lstStyle/>
-          <a:p>
-            <a:endParaRPr lang="en-US"/>
-          </a:p>
-        </p:txBody>
-      </p:sp>
-      <p:sp>
-        <p:nvSpPr>
-          <p:cNvPr id="54" name="Freeform 5">
-            <a:extLst>
-              <a:ext uri="{FF2B5EF4-FFF2-40B4-BE49-F238E27FC236}">
-                <a16:creationId xmlns:a16="http://schemas.microsoft.com/office/drawing/2014/main" id="{EFA5A327-531A-495C-BCA7-27F04811AF4B}"/>
-              </a:ext>
-              <a:ext uri="{C183D7F6-B498-43B3-948B-1728B52AA6E4}">
-                <adec:decorative xmlns:adec="http://schemas.microsoft.com/office/drawing/2017/decorative" val="1"/>
-              </a:ext>
-            </a:extLst>
-          </p:cNvPr>
-          <p:cNvSpPr>
-            <a:spLocks noGrp="1" noRot="1" noChangeAspect="1" noMove="1" noResize="1" noEditPoints="1" noAdjustHandles="1" noChangeArrowheads="1" noChangeShapeType="1" noTextEdit="1"/>
-          </p:cNvSpPr>
-          <p:nvPr>
-            <p:extLst>
-              <p:ext uri="{386F3935-93C4-4BCD-93E2-E3B085C9AB24}">
-                <p16:designElem xmlns:p16="http://schemas.microsoft.com/office/powerpoint/2015/main" val="1"/>
-              </p:ext>
-            </p:extLst>
-          </p:nvPr>
-        </p:nvSpPr>
-        <p:spPr bwMode="auto">
-          <a:xfrm>
-            <a:off x="8152922" y="1075612"/>
-            <a:ext cx="550492" cy="485306"/>
-          </a:xfrm>
-          <a:custGeom>
-            <a:avLst/>
-            <a:gdLst>
-              <a:gd name="T0" fmla="*/ 225 w 785"/>
-              <a:gd name="T1" fmla="*/ 692 h 692"/>
-              <a:gd name="T2" fmla="*/ 177 w 785"/>
-              <a:gd name="T3" fmla="*/ 665 h 692"/>
-              <a:gd name="T4" fmla="*/ 9 w 785"/>
-              <a:gd name="T5" fmla="*/ 374 h 692"/>
-              <a:gd name="T6" fmla="*/ 9 w 785"/>
-              <a:gd name="T7" fmla="*/ 318 h 692"/>
-              <a:gd name="T8" fmla="*/ 177 w 785"/>
-              <a:gd name="T9" fmla="*/ 27 h 692"/>
-              <a:gd name="T10" fmla="*/ 225 w 785"/>
-              <a:gd name="T11" fmla="*/ 0 h 692"/>
-              <a:gd name="T12" fmla="*/ 561 w 785"/>
-              <a:gd name="T13" fmla="*/ 0 h 692"/>
-              <a:gd name="T14" fmla="*/ 609 w 785"/>
-              <a:gd name="T15" fmla="*/ 27 h 692"/>
-              <a:gd name="T16" fmla="*/ 777 w 785"/>
-              <a:gd name="T17" fmla="*/ 318 h 692"/>
-              <a:gd name="T18" fmla="*/ 777 w 785"/>
-              <a:gd name="T19" fmla="*/ 374 h 692"/>
-              <a:gd name="T20" fmla="*/ 609 w 785"/>
-              <a:gd name="T21" fmla="*/ 665 h 692"/>
-              <a:gd name="T22" fmla="*/ 561 w 785"/>
-              <a:gd name="T23" fmla="*/ 692 h 692"/>
-              <a:gd name="T24" fmla="*/ 225 w 785"/>
-              <a:gd name="T25" fmla="*/ 692 h 692"/>
-            </a:gdLst>
-            <a:ahLst/>
-            <a:cxnLst>
-              <a:cxn ang="0">
-                <a:pos x="T0" y="T1"/>
-              </a:cxn>
-              <a:cxn ang="0">
-                <a:pos x="T2" y="T3"/>
-              </a:cxn>
-              <a:cxn ang="0">
-                <a:pos x="T4" y="T5"/>
-              </a:cxn>
-              <a:cxn ang="0">
-                <a:pos x="T6" y="T7"/>
-              </a:cxn>
-              <a:cxn ang="0">
-                <a:pos x="T8" y="T9"/>
-              </a:cxn>
-              <a:cxn ang="0">
-                <a:pos x="T10" y="T11"/>
-              </a:cxn>
-              <a:cxn ang="0">
-                <a:pos x="T12" y="T13"/>
-              </a:cxn>
-              <a:cxn ang="0">
-                <a:pos x="T14" y="T15"/>
-              </a:cxn>
-              <a:cxn ang="0">
-                <a:pos x="T16" y="T17"/>
-              </a:cxn>
-              <a:cxn ang="0">
-                <a:pos x="T18" y="T19"/>
-              </a:cxn>
-              <a:cxn ang="0">
-                <a:pos x="T20" y="T21"/>
-              </a:cxn>
-              <a:cxn ang="0">
-                <a:pos x="T22" y="T23"/>
-              </a:cxn>
-              <a:cxn ang="0">
-                <a:pos x="T24" y="T25"/>
-              </a:cxn>
-            </a:cxnLst>
-            <a:rect l="0" t="0" r="r" b="b"/>
-            <a:pathLst>
-              <a:path w="785" h="692">
-                <a:moveTo>
-                  <a:pt x="225" y="692"/>
-                </a:moveTo>
-                <a:cubicBezTo>
-                  <a:pt x="207" y="692"/>
-                  <a:pt x="185" y="680"/>
-                  <a:pt x="177" y="665"/>
-                </a:cubicBezTo>
-                <a:cubicBezTo>
-                  <a:pt x="9" y="374"/>
-                  <a:pt x="9" y="374"/>
-                  <a:pt x="9" y="374"/>
-                </a:cubicBezTo>
-                <a:cubicBezTo>
-                  <a:pt x="0" y="358"/>
-                  <a:pt x="0" y="334"/>
-                  <a:pt x="9" y="318"/>
-                </a:cubicBezTo>
-                <a:cubicBezTo>
-                  <a:pt x="177" y="27"/>
-                  <a:pt x="177" y="27"/>
-                  <a:pt x="177" y="27"/>
-                </a:cubicBezTo>
-                <a:cubicBezTo>
-                  <a:pt x="185" y="12"/>
-                  <a:pt x="207" y="0"/>
-                  <a:pt x="225" y="0"/>
-                </a:cubicBezTo>
-                <a:cubicBezTo>
-                  <a:pt x="561" y="0"/>
-                  <a:pt x="561" y="0"/>
-                  <a:pt x="561" y="0"/>
-                </a:cubicBezTo>
-                <a:cubicBezTo>
-                  <a:pt x="578" y="0"/>
-                  <a:pt x="600" y="12"/>
-                  <a:pt x="609" y="27"/>
-                </a:cubicBezTo>
-                <a:cubicBezTo>
-                  <a:pt x="777" y="318"/>
-                  <a:pt x="777" y="318"/>
-                  <a:pt x="777" y="318"/>
-                </a:cubicBezTo>
-                <a:cubicBezTo>
-                  <a:pt x="785" y="334"/>
-                  <a:pt x="785" y="358"/>
-                  <a:pt x="777" y="374"/>
-                </a:cubicBezTo>
-                <a:cubicBezTo>
-                  <a:pt x="609" y="665"/>
-                  <a:pt x="609" y="665"/>
-                  <a:pt x="609" y="665"/>
-                </a:cubicBezTo>
-                <a:cubicBezTo>
-                  <a:pt x="600" y="680"/>
-                  <a:pt x="578" y="692"/>
-                  <a:pt x="561" y="692"/>
-                </a:cubicBezTo>
-                <a:lnTo>
-                  <a:pt x="225" y="692"/>
-                </a:lnTo>
-                <a:close/>
-              </a:path>
-            </a:pathLst>
-          </a:custGeom>
-          <a:noFill/>
-          <a:ln w="28575" cmpd="sng">
-            <a:solidFill>
-              <a:schemeClr val="tx1"/>
-            </a:solidFill>
-          </a:ln>
-        </p:spPr>
-        <p:txBody>
-          <a:bodyPr vert="horz" wrap="square" lIns="91440" tIns="45720" rIns="91440" bIns="45720" numCol="1" anchor="t" anchorCtr="0" compatLnSpc="1">
-            <a:prstTxWarp prst="textNoShape">
-              <a:avLst/>
-            </a:prstTxWarp>
-          </a:bodyPr>
-          <a:lstStyle/>
-          <a:p>
-            <a:endParaRPr lang="en-US"/>
-          </a:p>
-        </p:txBody>
-      </p:sp>
+      </p:pic>
     </p:spTree>
     <p:extLst>
       <p:ext uri="{BB962C8B-B14F-4D97-AF65-F5344CB8AC3E}">
@@ -13298,7 +13544,7 @@
           <p:cNvPr id="2" name="Title 1">
             <a:extLst>
               <a:ext uri="{FF2B5EF4-FFF2-40B4-BE49-F238E27FC236}">
-                <a16:creationId xmlns:a16="http://schemas.microsoft.com/office/drawing/2014/main" id="{32825A49-1FDF-42C1-B7CC-8DDA0F24D05F}"/>
+                <a16:creationId xmlns:a16="http://schemas.microsoft.com/office/drawing/2014/main" id="{A799583B-9ACC-449B-95CE-FE9E6C88012A}"/>
               </a:ext>
             </a:extLst>
           </p:cNvPr>
@@ -13311,85 +13557,37 @@
         </p:nvSpPr>
         <p:spPr>
           <a:xfrm>
-            <a:off x="965199" y="851517"/>
-            <a:ext cx="5130795" cy="1461778"/>
+            <a:off x="854117" y="822960"/>
+            <a:ext cx="6396117" cy="795771"/>
           </a:xfrm>
         </p:spPr>
         <p:txBody>
-          <a:bodyPr>
-            <a:normAutofit/>
+          <a:bodyPr vert="horz" lIns="91440" tIns="45720" rIns="91440" bIns="45720" rtlCol="0" anchor="b">
+            <a:normAutofit fontScale="90000"/>
           </a:bodyPr>
           <a:lstStyle/>
           <a:p>
             <a:r>
-              <a:rPr lang="en-US" sz="4000" dirty="0"/>
+              <a:rPr lang="en-US" dirty="0"/>
               <a:t>Data Collection and Cleaning</a:t>
             </a:r>
+            <a:endParaRPr lang="en-US" kern="1200" dirty="0">
+              <a:solidFill>
+                <a:schemeClr val="tx1"/>
+              </a:solidFill>
+              <a:latin typeface="+mj-lt"/>
+              <a:ea typeface="+mj-ea"/>
+              <a:cs typeface="+mj-cs"/>
+            </a:endParaRPr>
           </a:p>
         </p:txBody>
       </p:sp>
       <p:sp>
         <p:nvSpPr>
-          <p:cNvPr id="13" name="Content Placeholder 2">
+          <p:cNvPr id="20" name="Freeform 5">
             <a:extLst>
               <a:ext uri="{FF2B5EF4-FFF2-40B4-BE49-F238E27FC236}">
-                <a16:creationId xmlns:a16="http://schemas.microsoft.com/office/drawing/2014/main" id="{FC83074E-571F-4022-9FF2-454BF17FF74C}"/>
-              </a:ext>
-            </a:extLst>
-          </p:cNvPr>
-          <p:cNvSpPr>
-            <a:spLocks noGrp="1"/>
-          </p:cNvSpPr>
-          <p:nvPr>
-            <p:ph idx="1"/>
-          </p:nvPr>
-        </p:nvSpPr>
-        <p:spPr>
-          <a:xfrm>
-            <a:off x="965200" y="2470248"/>
-            <a:ext cx="4185640" cy="3536236"/>
-          </a:xfrm>
-        </p:spPr>
-        <p:txBody>
-          <a:bodyPr>
-            <a:normAutofit/>
-          </a:bodyPr>
-          <a:lstStyle/>
-          <a:p>
-            <a:r>
-              <a:rPr lang="en-US" sz="2400" dirty="0"/>
-              <a:t>SAS files from ussc.gov (The U.S. Sentencing Commission)</a:t>
-            </a:r>
-          </a:p>
-          <a:p>
-            <a:r>
-              <a:rPr lang="en-US" sz="2400" dirty="0"/>
-              <a:t>Nationwide dataset with over 300k rows and 1000+ columns</a:t>
-            </a:r>
-          </a:p>
-          <a:p>
-            <a:r>
-              <a:rPr lang="en-US" sz="2400" dirty="0"/>
-              <a:t>Identified 195 columns for analysis</a:t>
-            </a:r>
-          </a:p>
-          <a:p>
-            <a:r>
-              <a:rPr lang="en-US" sz="2400" dirty="0"/>
-              <a:t>Extracted Tennessee specific data </a:t>
-            </a:r>
-          </a:p>
-          <a:p>
-            <a:endParaRPr lang="en-US" sz="2400" dirty="0"/>
-          </a:p>
-        </p:txBody>
-      </p:sp>
-      <p:sp>
-        <p:nvSpPr>
-          <p:cNvPr id="20" name="Freeform: Shape 19">
-            <a:extLst>
-              <a:ext uri="{FF2B5EF4-FFF2-40B4-BE49-F238E27FC236}">
-                <a16:creationId xmlns:a16="http://schemas.microsoft.com/office/drawing/2014/main" id="{62A38935-BB53-4DF7-A56E-48DD25B685D7}"/>
+                <a16:creationId xmlns:a16="http://schemas.microsoft.com/office/drawing/2014/main" id="{4300F7B2-2FBB-4B65-B588-6331766027CB}"/>
               </a:ext>
               <a:ext uri="{C183D7F6-B498-43B3-948B-1728B52AA6E4}">
                 <adec:decorative xmlns:adec="http://schemas.microsoft.com/office/drawing/2017/decorative" val="1"/>
@@ -13407,763 +13605,609 @@
             </p:extLst>
           </p:nvPr>
         </p:nvSpPr>
-        <p:spPr>
+        <p:spPr bwMode="auto">
           <a:xfrm>
-            <a:off x="5510370" y="851518"/>
-            <a:ext cx="6184806" cy="5154967"/>
+            <a:off x="7125375" y="1311536"/>
+            <a:ext cx="675351" cy="595380"/>
           </a:xfrm>
           <a:custGeom>
             <a:avLst/>
             <a:gdLst>
-              <a:gd name="connsiteX0" fmla="*/ 363179 w 6184806"/>
-              <a:gd name="connsiteY0" fmla="*/ 3125191 h 5154967"/>
-              <a:gd name="connsiteX1" fmla="*/ 898270 w 6184806"/>
-              <a:gd name="connsiteY1" fmla="*/ 3125191 h 5154967"/>
-              <a:gd name="connsiteX2" fmla="*/ 980326 w 6184806"/>
-              <a:gd name="connsiteY2" fmla="*/ 3173551 h 5154967"/>
-              <a:gd name="connsiteX3" fmla="*/ 1248448 w 6184806"/>
-              <a:gd name="connsiteY3" fmla="*/ 3635277 h 5154967"/>
-              <a:gd name="connsiteX4" fmla="*/ 1248448 w 6184806"/>
-              <a:gd name="connsiteY4" fmla="*/ 3729695 h 5154967"/>
-              <a:gd name="connsiteX5" fmla="*/ 980326 w 6184806"/>
-              <a:gd name="connsiteY5" fmla="*/ 4191421 h 5154967"/>
-              <a:gd name="connsiteX6" fmla="*/ 898270 w 6184806"/>
-              <a:gd name="connsiteY6" fmla="*/ 4239781 h 5154967"/>
-              <a:gd name="connsiteX7" fmla="*/ 363179 w 6184806"/>
-              <a:gd name="connsiteY7" fmla="*/ 4239781 h 5154967"/>
-              <a:gd name="connsiteX8" fmla="*/ 279969 w 6184806"/>
-              <a:gd name="connsiteY8" fmla="*/ 4191421 h 5154967"/>
-              <a:gd name="connsiteX9" fmla="*/ 13002 w 6184806"/>
-              <a:gd name="connsiteY9" fmla="*/ 3729695 h 5154967"/>
-              <a:gd name="connsiteX10" fmla="*/ 13002 w 6184806"/>
-              <a:gd name="connsiteY10" fmla="*/ 3635277 h 5154967"/>
-              <a:gd name="connsiteX11" fmla="*/ 279969 w 6184806"/>
-              <a:gd name="connsiteY11" fmla="*/ 3173551 h 5154967"/>
-              <a:gd name="connsiteX12" fmla="*/ 363179 w 6184806"/>
-              <a:gd name="connsiteY12" fmla="*/ 3125191 h 5154967"/>
-              <a:gd name="connsiteX13" fmla="*/ 2489721 w 6184806"/>
-              <a:gd name="connsiteY13" fmla="*/ 570035 h 5154967"/>
-              <a:gd name="connsiteX14" fmla="*/ 2764862 w 6184806"/>
-              <a:gd name="connsiteY14" fmla="*/ 570035 h 5154967"/>
-              <a:gd name="connsiteX15" fmla="*/ 2796959 w 6184806"/>
-              <a:gd name="connsiteY15" fmla="*/ 570035 h 5154967"/>
-              <a:gd name="connsiteX16" fmla="*/ 2827587 w 6184806"/>
-              <a:gd name="connsiteY16" fmla="*/ 622777 h 5154967"/>
-              <a:gd name="connsiteX17" fmla="*/ 2977604 w 6184806"/>
-              <a:gd name="connsiteY17" fmla="*/ 881117 h 5154967"/>
-              <a:gd name="connsiteX18" fmla="*/ 2977604 w 6184806"/>
-              <a:gd name="connsiteY18" fmla="*/ 1025720 h 5154967"/>
-              <a:gd name="connsiteX19" fmla="*/ 2566968 w 6184806"/>
-              <a:gd name="connsiteY19" fmla="*/ 1732863 h 5154967"/>
-              <a:gd name="connsiteX20" fmla="*/ 2441299 w 6184806"/>
-              <a:gd name="connsiteY20" fmla="*/ 1806927 h 5154967"/>
-              <a:gd name="connsiteX21" fmla="*/ 1621798 w 6184806"/>
-              <a:gd name="connsiteY21" fmla="*/ 1806927 h 5154967"/>
-              <a:gd name="connsiteX22" fmla="*/ 1583218 w 6184806"/>
-              <a:gd name="connsiteY22" fmla="*/ 1801802 h 5154967"/>
-              <a:gd name="connsiteX23" fmla="*/ 1556683 w 6184806"/>
-              <a:gd name="connsiteY23" fmla="*/ 1790677 h 5154967"/>
-              <a:gd name="connsiteX24" fmla="*/ 1572899 w 6184806"/>
-              <a:gd name="connsiteY24" fmla="*/ 1762631 h 5154967"/>
-              <a:gd name="connsiteX25" fmla="*/ 2147429 w 6184806"/>
-              <a:gd name="connsiteY25" fmla="*/ 768968 h 5154967"/>
-              <a:gd name="connsiteX26" fmla="*/ 2489721 w 6184806"/>
-              <a:gd name="connsiteY26" fmla="*/ 570035 h 5154967"/>
-              <a:gd name="connsiteX27" fmla="*/ 1573268 w 6184806"/>
-              <a:gd name="connsiteY27" fmla="*/ 0 h 5154967"/>
-              <a:gd name="connsiteX28" fmla="*/ 2497662 w 6184806"/>
-              <a:gd name="connsiteY28" fmla="*/ 0 h 5154967"/>
-              <a:gd name="connsiteX29" fmla="*/ 2639415 w 6184806"/>
-              <a:gd name="connsiteY29" fmla="*/ 83546 h 5154967"/>
-              <a:gd name="connsiteX30" fmla="*/ 2887862 w 6184806"/>
-              <a:gd name="connsiteY30" fmla="*/ 511387 h 5154967"/>
-              <a:gd name="connsiteX31" fmla="*/ 2915928 w 6184806"/>
-              <a:gd name="connsiteY31" fmla="*/ 559720 h 5154967"/>
-              <a:gd name="connsiteX32" fmla="*/ 2893844 w 6184806"/>
-              <a:gd name="connsiteY32" fmla="*/ 559720 h 5154967"/>
-              <a:gd name="connsiteX33" fmla="*/ 2789466 w 6184806"/>
-              <a:gd name="connsiteY33" fmla="*/ 559720 h 5154967"/>
-              <a:gd name="connsiteX34" fmla="*/ 2744122 w 6184806"/>
-              <a:gd name="connsiteY34" fmla="*/ 481634 h 5154967"/>
-              <a:gd name="connsiteX35" fmla="*/ 2570885 w 6184806"/>
-              <a:gd name="connsiteY35" fmla="*/ 183309 h 5154967"/>
-              <a:gd name="connsiteX36" fmla="*/ 2445216 w 6184806"/>
-              <a:gd name="connsiteY36" fmla="*/ 109244 h 5154967"/>
-              <a:gd name="connsiteX37" fmla="*/ 1625714 w 6184806"/>
-              <a:gd name="connsiteY37" fmla="*/ 109244 h 5154967"/>
-              <a:gd name="connsiteX38" fmla="*/ 1498276 w 6184806"/>
-              <a:gd name="connsiteY38" fmla="*/ 183309 h 5154967"/>
-              <a:gd name="connsiteX39" fmla="*/ 1089410 w 6184806"/>
-              <a:gd name="connsiteY39" fmla="*/ 890450 h 5154967"/>
-              <a:gd name="connsiteX40" fmla="*/ 1089410 w 6184806"/>
-              <a:gd name="connsiteY40" fmla="*/ 1035054 h 5154967"/>
-              <a:gd name="connsiteX41" fmla="*/ 1498276 w 6184806"/>
-              <a:gd name="connsiteY41" fmla="*/ 1742196 h 5154967"/>
-              <a:gd name="connsiteX42" fmla="*/ 1552039 w 6184806"/>
-              <a:gd name="connsiteY42" fmla="*/ 1796421 h 5154967"/>
-              <a:gd name="connsiteX43" fmla="*/ 1558260 w 6184806"/>
-              <a:gd name="connsiteY43" fmla="*/ 1799029 h 5154967"/>
-              <a:gd name="connsiteX44" fmla="*/ 1524911 w 6184806"/>
-              <a:gd name="connsiteY44" fmla="*/ 1856707 h 5154967"/>
-              <a:gd name="connsiteX45" fmla="*/ 1500108 w 6184806"/>
-              <a:gd name="connsiteY45" fmla="*/ 1899604 h 5154967"/>
-              <a:gd name="connsiteX46" fmla="*/ 1525834 w 6184806"/>
-              <a:gd name="connsiteY46" fmla="*/ 1910390 h 5154967"/>
-              <a:gd name="connsiteX47" fmla="*/ 1569352 w 6184806"/>
-              <a:gd name="connsiteY47" fmla="*/ 1916170 h 5154967"/>
-              <a:gd name="connsiteX48" fmla="*/ 2493745 w 6184806"/>
-              <a:gd name="connsiteY48" fmla="*/ 1916170 h 5154967"/>
-              <a:gd name="connsiteX49" fmla="*/ 2635498 w 6184806"/>
-              <a:gd name="connsiteY49" fmla="*/ 1832627 h 5154967"/>
-              <a:gd name="connsiteX50" fmla="*/ 3098693 w 6184806"/>
-              <a:gd name="connsiteY50" fmla="*/ 1034974 h 5154967"/>
-              <a:gd name="connsiteX51" fmla="*/ 3098693 w 6184806"/>
-              <a:gd name="connsiteY51" fmla="*/ 871863 h 5154967"/>
-              <a:gd name="connsiteX52" fmla="*/ 2945803 w 6184806"/>
-              <a:gd name="connsiteY52" fmla="*/ 608576 h 5154967"/>
-              <a:gd name="connsiteX53" fmla="*/ 2923422 w 6184806"/>
-              <a:gd name="connsiteY53" fmla="*/ 570035 h 5154967"/>
-              <a:gd name="connsiteX54" fmla="*/ 3027104 w 6184806"/>
-              <a:gd name="connsiteY54" fmla="*/ 570035 h 5154967"/>
-              <a:gd name="connsiteX55" fmla="*/ 4690846 w 6184806"/>
-              <a:gd name="connsiteY55" fmla="*/ 570035 h 5154967"/>
-              <a:gd name="connsiteX56" fmla="*/ 5028384 w 6184806"/>
-              <a:gd name="connsiteY56" fmla="*/ 768968 h 5154967"/>
-              <a:gd name="connsiteX57" fmla="*/ 6131323 w 6184806"/>
-              <a:gd name="connsiteY57" fmla="*/ 2668304 h 5154967"/>
-              <a:gd name="connsiteX58" fmla="*/ 6131323 w 6184806"/>
-              <a:gd name="connsiteY58" fmla="*/ 3056698 h 5154967"/>
-              <a:gd name="connsiteX59" fmla="*/ 5028384 w 6184806"/>
-              <a:gd name="connsiteY59" fmla="*/ 4956035 h 5154967"/>
-              <a:gd name="connsiteX60" fmla="*/ 4690846 w 6184806"/>
-              <a:gd name="connsiteY60" fmla="*/ 5154967 h 5154967"/>
-              <a:gd name="connsiteX61" fmla="*/ 2489721 w 6184806"/>
-              <a:gd name="connsiteY61" fmla="*/ 5154967 h 5154967"/>
-              <a:gd name="connsiteX62" fmla="*/ 2147429 w 6184806"/>
-              <a:gd name="connsiteY62" fmla="*/ 4956035 h 5154967"/>
-              <a:gd name="connsiteX63" fmla="*/ 1049243 w 6184806"/>
-              <a:gd name="connsiteY63" fmla="*/ 3056698 h 5154967"/>
-              <a:gd name="connsiteX64" fmla="*/ 1049243 w 6184806"/>
-              <a:gd name="connsiteY64" fmla="*/ 2668304 h 5154967"/>
-              <a:gd name="connsiteX65" fmla="*/ 1457007 w 6184806"/>
-              <a:gd name="connsiteY65" fmla="*/ 1963067 h 5154967"/>
-              <a:gd name="connsiteX66" fmla="*/ 1491373 w 6184806"/>
-              <a:gd name="connsiteY66" fmla="*/ 1903634 h 5154967"/>
-              <a:gd name="connsiteX67" fmla="*/ 1490164 w 6184806"/>
-              <a:gd name="connsiteY67" fmla="*/ 1903127 h 5154967"/>
-              <a:gd name="connsiteX68" fmla="*/ 1429519 w 6184806"/>
-              <a:gd name="connsiteY68" fmla="*/ 1841960 h 5154967"/>
-              <a:gd name="connsiteX69" fmla="*/ 968320 w 6184806"/>
-              <a:gd name="connsiteY69" fmla="*/ 1044307 h 5154967"/>
-              <a:gd name="connsiteX70" fmla="*/ 968320 w 6184806"/>
-              <a:gd name="connsiteY70" fmla="*/ 881196 h 5154967"/>
-              <a:gd name="connsiteX71" fmla="*/ 1429519 w 6184806"/>
-              <a:gd name="connsiteY71" fmla="*/ 83546 h 5154967"/>
-              <a:gd name="connsiteX72" fmla="*/ 1573268 w 6184806"/>
-              <a:gd name="connsiteY72" fmla="*/ 0 h 5154967"/>
+              <a:gd name="T0" fmla="*/ 225 w 785"/>
+              <a:gd name="T1" fmla="*/ 692 h 692"/>
+              <a:gd name="T2" fmla="*/ 177 w 785"/>
+              <a:gd name="T3" fmla="*/ 665 h 692"/>
+              <a:gd name="T4" fmla="*/ 9 w 785"/>
+              <a:gd name="T5" fmla="*/ 374 h 692"/>
+              <a:gd name="T6" fmla="*/ 9 w 785"/>
+              <a:gd name="T7" fmla="*/ 318 h 692"/>
+              <a:gd name="T8" fmla="*/ 177 w 785"/>
+              <a:gd name="T9" fmla="*/ 27 h 692"/>
+              <a:gd name="T10" fmla="*/ 225 w 785"/>
+              <a:gd name="T11" fmla="*/ 0 h 692"/>
+              <a:gd name="T12" fmla="*/ 561 w 785"/>
+              <a:gd name="T13" fmla="*/ 0 h 692"/>
+              <a:gd name="T14" fmla="*/ 609 w 785"/>
+              <a:gd name="T15" fmla="*/ 27 h 692"/>
+              <a:gd name="T16" fmla="*/ 777 w 785"/>
+              <a:gd name="T17" fmla="*/ 318 h 692"/>
+              <a:gd name="T18" fmla="*/ 777 w 785"/>
+              <a:gd name="T19" fmla="*/ 374 h 692"/>
+              <a:gd name="T20" fmla="*/ 609 w 785"/>
+              <a:gd name="T21" fmla="*/ 665 h 692"/>
+              <a:gd name="T22" fmla="*/ 561 w 785"/>
+              <a:gd name="T23" fmla="*/ 692 h 692"/>
+              <a:gd name="T24" fmla="*/ 225 w 785"/>
+              <a:gd name="T25" fmla="*/ 692 h 692"/>
             </a:gdLst>
             <a:ahLst/>
             <a:cxnLst>
               <a:cxn ang="0">
-                <a:pos x="connsiteX0" y="connsiteY0"/>
-              </a:cxn>
-              <a:cxn ang="0">
-                <a:pos x="connsiteX1" y="connsiteY1"/>
-              </a:cxn>
-              <a:cxn ang="0">
-                <a:pos x="connsiteX2" y="connsiteY2"/>
-              </a:cxn>
-              <a:cxn ang="0">
-                <a:pos x="connsiteX3" y="connsiteY3"/>
-              </a:cxn>
-              <a:cxn ang="0">
-                <a:pos x="connsiteX4" y="connsiteY4"/>
-              </a:cxn>
-              <a:cxn ang="0">
-                <a:pos x="connsiteX5" y="connsiteY5"/>
-              </a:cxn>
-              <a:cxn ang="0">
-                <a:pos x="connsiteX6" y="connsiteY6"/>
-              </a:cxn>
-              <a:cxn ang="0">
-                <a:pos x="connsiteX7" y="connsiteY7"/>
-              </a:cxn>
-              <a:cxn ang="0">
-                <a:pos x="connsiteX8" y="connsiteY8"/>
-              </a:cxn>
-              <a:cxn ang="0">
-                <a:pos x="connsiteX9" y="connsiteY9"/>
-              </a:cxn>
-              <a:cxn ang="0">
-                <a:pos x="connsiteX10" y="connsiteY10"/>
-              </a:cxn>
-              <a:cxn ang="0">
-                <a:pos x="connsiteX11" y="connsiteY11"/>
-              </a:cxn>
-              <a:cxn ang="0">
-                <a:pos x="connsiteX12" y="connsiteY12"/>
-              </a:cxn>
-              <a:cxn ang="0">
-                <a:pos x="connsiteX13" y="connsiteY13"/>
-              </a:cxn>
-              <a:cxn ang="0">
-                <a:pos x="connsiteX14" y="connsiteY14"/>
-              </a:cxn>
-              <a:cxn ang="0">
-                <a:pos x="connsiteX15" y="connsiteY15"/>
-              </a:cxn>
-              <a:cxn ang="0">
-                <a:pos x="connsiteX16" y="connsiteY16"/>
-              </a:cxn>
-              <a:cxn ang="0">
-                <a:pos x="connsiteX17" y="connsiteY17"/>
-              </a:cxn>
-              <a:cxn ang="0">
-                <a:pos x="connsiteX18" y="connsiteY18"/>
-              </a:cxn>
-              <a:cxn ang="0">
-                <a:pos x="connsiteX19" y="connsiteY19"/>
-              </a:cxn>
-              <a:cxn ang="0">
-                <a:pos x="connsiteX20" y="connsiteY20"/>
-              </a:cxn>
-              <a:cxn ang="0">
-                <a:pos x="connsiteX21" y="connsiteY21"/>
-              </a:cxn>
-              <a:cxn ang="0">
-                <a:pos x="connsiteX22" y="connsiteY22"/>
-              </a:cxn>
-              <a:cxn ang="0">
-                <a:pos x="connsiteX23" y="connsiteY23"/>
-              </a:cxn>
-              <a:cxn ang="0">
-                <a:pos x="connsiteX24" y="connsiteY24"/>
-              </a:cxn>
-              <a:cxn ang="0">
-                <a:pos x="connsiteX25" y="connsiteY25"/>
-              </a:cxn>
-              <a:cxn ang="0">
-                <a:pos x="connsiteX26" y="connsiteY26"/>
-              </a:cxn>
-              <a:cxn ang="0">
-                <a:pos x="connsiteX27" y="connsiteY27"/>
-              </a:cxn>
-              <a:cxn ang="0">
-                <a:pos x="connsiteX28" y="connsiteY28"/>
-              </a:cxn>
-              <a:cxn ang="0">
-                <a:pos x="connsiteX29" y="connsiteY29"/>
-              </a:cxn>
-              <a:cxn ang="0">
-                <a:pos x="connsiteX30" y="connsiteY30"/>
-              </a:cxn>
-              <a:cxn ang="0">
-                <a:pos x="connsiteX31" y="connsiteY31"/>
-              </a:cxn>
-              <a:cxn ang="0">
-                <a:pos x="connsiteX32" y="connsiteY32"/>
-              </a:cxn>
-              <a:cxn ang="0">
-                <a:pos x="connsiteX33" y="connsiteY33"/>
-              </a:cxn>
-              <a:cxn ang="0">
-                <a:pos x="connsiteX34" y="connsiteY34"/>
-              </a:cxn>
-              <a:cxn ang="0">
-                <a:pos x="connsiteX35" y="connsiteY35"/>
-              </a:cxn>
-              <a:cxn ang="0">
-                <a:pos x="connsiteX36" y="connsiteY36"/>
-              </a:cxn>
-              <a:cxn ang="0">
-                <a:pos x="connsiteX37" y="connsiteY37"/>
-              </a:cxn>
-              <a:cxn ang="0">
-                <a:pos x="connsiteX38" y="connsiteY38"/>
-              </a:cxn>
-              <a:cxn ang="0">
-                <a:pos x="connsiteX39" y="connsiteY39"/>
-              </a:cxn>
-              <a:cxn ang="0">
-                <a:pos x="connsiteX40" y="connsiteY40"/>
-              </a:cxn>
-              <a:cxn ang="0">
-                <a:pos x="connsiteX41" y="connsiteY41"/>
-              </a:cxn>
-              <a:cxn ang="0">
-                <a:pos x="connsiteX42" y="connsiteY42"/>
-              </a:cxn>
-              <a:cxn ang="0">
-                <a:pos x="connsiteX43" y="connsiteY43"/>
-              </a:cxn>
-              <a:cxn ang="0">
-                <a:pos x="connsiteX44" y="connsiteY44"/>
-              </a:cxn>
-              <a:cxn ang="0">
-                <a:pos x="connsiteX45" y="connsiteY45"/>
-              </a:cxn>
-              <a:cxn ang="0">
-                <a:pos x="connsiteX46" y="connsiteY46"/>
-              </a:cxn>
-              <a:cxn ang="0">
-                <a:pos x="connsiteX47" y="connsiteY47"/>
-              </a:cxn>
-              <a:cxn ang="0">
-                <a:pos x="connsiteX48" y="connsiteY48"/>
-              </a:cxn>
-              <a:cxn ang="0">
-                <a:pos x="connsiteX49" y="connsiteY49"/>
-              </a:cxn>
-              <a:cxn ang="0">
-                <a:pos x="connsiteX50" y="connsiteY50"/>
-              </a:cxn>
-              <a:cxn ang="0">
-                <a:pos x="connsiteX51" y="connsiteY51"/>
-              </a:cxn>
-              <a:cxn ang="0">
-                <a:pos x="connsiteX52" y="connsiteY52"/>
-              </a:cxn>
-              <a:cxn ang="0">
-                <a:pos x="connsiteX53" y="connsiteY53"/>
-              </a:cxn>
-              <a:cxn ang="0">
-                <a:pos x="connsiteX54" y="connsiteY54"/>
-              </a:cxn>
-              <a:cxn ang="0">
-                <a:pos x="connsiteX55" y="connsiteY55"/>
-              </a:cxn>
-              <a:cxn ang="0">
-                <a:pos x="connsiteX56" y="connsiteY56"/>
-              </a:cxn>
-              <a:cxn ang="0">
-                <a:pos x="connsiteX57" y="connsiteY57"/>
-              </a:cxn>
-              <a:cxn ang="0">
-                <a:pos x="connsiteX58" y="connsiteY58"/>
-              </a:cxn>
-              <a:cxn ang="0">
-                <a:pos x="connsiteX59" y="connsiteY59"/>
-              </a:cxn>
-              <a:cxn ang="0">
-                <a:pos x="connsiteX60" y="connsiteY60"/>
-              </a:cxn>
-              <a:cxn ang="0">
-                <a:pos x="connsiteX61" y="connsiteY61"/>
-              </a:cxn>
-              <a:cxn ang="0">
-                <a:pos x="connsiteX62" y="connsiteY62"/>
-              </a:cxn>
-              <a:cxn ang="0">
-                <a:pos x="connsiteX63" y="connsiteY63"/>
-              </a:cxn>
-              <a:cxn ang="0">
-                <a:pos x="connsiteX64" y="connsiteY64"/>
-              </a:cxn>
-              <a:cxn ang="0">
-                <a:pos x="connsiteX65" y="connsiteY65"/>
-              </a:cxn>
-              <a:cxn ang="0">
-                <a:pos x="connsiteX66" y="connsiteY66"/>
-              </a:cxn>
-              <a:cxn ang="0">
-                <a:pos x="connsiteX67" y="connsiteY67"/>
-              </a:cxn>
-              <a:cxn ang="0">
-                <a:pos x="connsiteX68" y="connsiteY68"/>
-              </a:cxn>
-              <a:cxn ang="0">
-                <a:pos x="connsiteX69" y="connsiteY69"/>
-              </a:cxn>
-              <a:cxn ang="0">
-                <a:pos x="connsiteX70" y="connsiteY70"/>
-              </a:cxn>
-              <a:cxn ang="0">
-                <a:pos x="connsiteX71" y="connsiteY71"/>
-              </a:cxn>
-              <a:cxn ang="0">
-                <a:pos x="connsiteX72" y="connsiteY72"/>
+                <a:pos x="T0" y="T1"/>
+              </a:cxn>
+              <a:cxn ang="0">
+                <a:pos x="T2" y="T3"/>
+              </a:cxn>
+              <a:cxn ang="0">
+                <a:pos x="T4" y="T5"/>
+              </a:cxn>
+              <a:cxn ang="0">
+                <a:pos x="T6" y="T7"/>
+              </a:cxn>
+              <a:cxn ang="0">
+                <a:pos x="T8" y="T9"/>
+              </a:cxn>
+              <a:cxn ang="0">
+                <a:pos x="T10" y="T11"/>
+              </a:cxn>
+              <a:cxn ang="0">
+                <a:pos x="T12" y="T13"/>
+              </a:cxn>
+              <a:cxn ang="0">
+                <a:pos x="T14" y="T15"/>
+              </a:cxn>
+              <a:cxn ang="0">
+                <a:pos x="T16" y="T17"/>
+              </a:cxn>
+              <a:cxn ang="0">
+                <a:pos x="T18" y="T19"/>
+              </a:cxn>
+              <a:cxn ang="0">
+                <a:pos x="T20" y="T21"/>
+              </a:cxn>
+              <a:cxn ang="0">
+                <a:pos x="T22" y="T23"/>
+              </a:cxn>
+              <a:cxn ang="0">
+                <a:pos x="T24" y="T25"/>
               </a:cxn>
             </a:cxnLst>
-            <a:rect l="l" t="t" r="r" b="b"/>
+            <a:rect l="0" t="0" r="r" b="b"/>
             <a:pathLst>
-              <a:path w="6184806" h="5154967">
+              <a:path w="785" h="692">
                 <a:moveTo>
-                  <a:pt x="363179" y="3125191"/>
+                  <a:pt x="225" y="692"/>
                 </a:moveTo>
                 <a:cubicBezTo>
-                  <a:pt x="363179" y="3125191"/>
-                  <a:pt x="363179" y="3125191"/>
-                  <a:pt x="898270" y="3125191"/>
-                </a:cubicBezTo>
-                <a:cubicBezTo>
-                  <a:pt x="931786" y="3125191"/>
-                  <a:pt x="964145" y="3143614"/>
-                  <a:pt x="980326" y="3173551"/>
-                </a:cubicBezTo>
-                <a:cubicBezTo>
-                  <a:pt x="980326" y="3173551"/>
-                  <a:pt x="980326" y="3173551"/>
-                  <a:pt x="1248448" y="3635277"/>
-                </a:cubicBezTo>
-                <a:cubicBezTo>
-                  <a:pt x="1265784" y="3664063"/>
-                  <a:pt x="1265784" y="3700909"/>
-                  <a:pt x="1248448" y="3729695"/>
-                </a:cubicBezTo>
-                <a:cubicBezTo>
-                  <a:pt x="1248448" y="3729695"/>
-                  <a:pt x="1248448" y="3729695"/>
-                  <a:pt x="980326" y="4191421"/>
-                </a:cubicBezTo>
-                <a:cubicBezTo>
-                  <a:pt x="964145" y="4221358"/>
-                  <a:pt x="931786" y="4239781"/>
-                  <a:pt x="898270" y="4239781"/>
-                </a:cubicBezTo>
-                <a:cubicBezTo>
-                  <a:pt x="898270" y="4239781"/>
-                  <a:pt x="898270" y="4239781"/>
-                  <a:pt x="363179" y="4239781"/>
-                </a:cubicBezTo>
-                <a:cubicBezTo>
-                  <a:pt x="328508" y="4239781"/>
-                  <a:pt x="297305" y="4221358"/>
-                  <a:pt x="279969" y="4191421"/>
-                </a:cubicBezTo>
-                <a:cubicBezTo>
-                  <a:pt x="279969" y="4191421"/>
-                  <a:pt x="279969" y="4191421"/>
-                  <a:pt x="13002" y="3729695"/>
-                </a:cubicBezTo>
-                <a:cubicBezTo>
-                  <a:pt x="-4334" y="3700909"/>
-                  <a:pt x="-4334" y="3664063"/>
-                  <a:pt x="13002" y="3635277"/>
-                </a:cubicBezTo>
-                <a:cubicBezTo>
-                  <a:pt x="13002" y="3635277"/>
-                  <a:pt x="13002" y="3635277"/>
-                  <a:pt x="279969" y="3173551"/>
-                </a:cubicBezTo>
-                <a:cubicBezTo>
-                  <a:pt x="297305" y="3143614"/>
-                  <a:pt x="328508" y="3125191"/>
-                  <a:pt x="363179" y="3125191"/>
-                </a:cubicBezTo>
-                <a:close/>
-                <a:moveTo>
-                  <a:pt x="2489721" y="570035"/>
-                </a:moveTo>
-                <a:cubicBezTo>
-                  <a:pt x="2489721" y="570035"/>
-                  <a:pt x="2489721" y="570035"/>
-                  <a:pt x="2764862" y="570035"/>
+                  <a:pt x="207" y="692"/>
+                  <a:pt x="185" y="680"/>
+                  <a:pt x="177" y="665"/>
+                </a:cubicBezTo>
+                <a:cubicBezTo>
+                  <a:pt x="9" y="374"/>
+                  <a:pt x="9" y="374"/>
+                  <a:pt x="9" y="374"/>
+                </a:cubicBezTo>
+                <a:cubicBezTo>
+                  <a:pt x="0" y="358"/>
+                  <a:pt x="0" y="334"/>
+                  <a:pt x="9" y="318"/>
+                </a:cubicBezTo>
+                <a:cubicBezTo>
+                  <a:pt x="177" y="27"/>
+                  <a:pt x="177" y="27"/>
+                  <a:pt x="177" y="27"/>
+                </a:cubicBezTo>
+                <a:cubicBezTo>
+                  <a:pt x="185" y="12"/>
+                  <a:pt x="207" y="0"/>
+                  <a:pt x="225" y="0"/>
+                </a:cubicBezTo>
+                <a:cubicBezTo>
+                  <a:pt x="561" y="0"/>
+                  <a:pt x="561" y="0"/>
+                  <a:pt x="561" y="0"/>
+                </a:cubicBezTo>
+                <a:cubicBezTo>
+                  <a:pt x="578" y="0"/>
+                  <a:pt x="600" y="12"/>
+                  <a:pt x="609" y="27"/>
+                </a:cubicBezTo>
+                <a:cubicBezTo>
+                  <a:pt x="777" y="318"/>
+                  <a:pt x="777" y="318"/>
+                  <a:pt x="777" y="318"/>
+                </a:cubicBezTo>
+                <a:cubicBezTo>
+                  <a:pt x="785" y="334"/>
+                  <a:pt x="785" y="358"/>
+                  <a:pt x="777" y="374"/>
+                </a:cubicBezTo>
+                <a:cubicBezTo>
+                  <a:pt x="609" y="665"/>
+                  <a:pt x="609" y="665"/>
+                  <a:pt x="609" y="665"/>
+                </a:cubicBezTo>
+                <a:cubicBezTo>
+                  <a:pt x="600" y="680"/>
+                  <a:pt x="578" y="692"/>
+                  <a:pt x="561" y="692"/>
                 </a:cubicBezTo>
                 <a:lnTo>
-                  <a:pt x="2796959" y="570035"/>
+                  <a:pt x="225" y="692"/>
                 </a:lnTo>
-                <a:lnTo>
-                  <a:pt x="2827587" y="622777"/>
-                </a:lnTo>
-                <a:cubicBezTo>
-                  <a:pt x="2870233" y="696217"/>
-                  <a:pt x="2919858" y="781675"/>
-                  <a:pt x="2977604" y="881117"/>
-                </a:cubicBezTo>
-                <a:cubicBezTo>
-                  <a:pt x="3004153" y="925204"/>
-                  <a:pt x="3004153" y="981634"/>
-                  <a:pt x="2977604" y="1025720"/>
-                </a:cubicBezTo>
-                <a:cubicBezTo>
-                  <a:pt x="2977604" y="1025720"/>
-                  <a:pt x="2977604" y="1025720"/>
-                  <a:pt x="2566968" y="1732863"/>
-                </a:cubicBezTo>
-                <a:cubicBezTo>
-                  <a:pt x="2542188" y="1778712"/>
-                  <a:pt x="2492629" y="1806927"/>
-                  <a:pt x="2441299" y="1806927"/>
-                </a:cubicBezTo>
-                <a:cubicBezTo>
-                  <a:pt x="2441299" y="1806927"/>
-                  <a:pt x="2441299" y="1806927"/>
-                  <a:pt x="1621798" y="1806927"/>
-                </a:cubicBezTo>
-                <a:cubicBezTo>
-                  <a:pt x="1608523" y="1806927"/>
-                  <a:pt x="1595580" y="1805163"/>
-                  <a:pt x="1583218" y="1801802"/>
-                </a:cubicBezTo>
-                <a:lnTo>
-                  <a:pt x="1556683" y="1790677"/>
-                </a:lnTo>
-                <a:lnTo>
-                  <a:pt x="1572899" y="1762631"/>
-                </a:lnTo>
-                <a:cubicBezTo>
-                  <a:pt x="1719523" y="1509042"/>
-                  <a:pt x="1907201" y="1184448"/>
-                  <a:pt x="2147429" y="768968"/>
-                </a:cubicBezTo>
-                <a:cubicBezTo>
-                  <a:pt x="2218739" y="645819"/>
-                  <a:pt x="2347099" y="570035"/>
-                  <a:pt x="2489721" y="570035"/>
-                </a:cubicBezTo>
-                <a:close/>
-                <a:moveTo>
-                  <a:pt x="1573268" y="0"/>
-                </a:moveTo>
-                <a:cubicBezTo>
-                  <a:pt x="1573268" y="0"/>
-                  <a:pt x="1573268" y="0"/>
-                  <a:pt x="2497662" y="0"/>
-                </a:cubicBezTo>
-                <a:cubicBezTo>
-                  <a:pt x="2555561" y="0"/>
-                  <a:pt x="2611463" y="31828"/>
-                  <a:pt x="2639415" y="83546"/>
-                </a:cubicBezTo>
-                <a:cubicBezTo>
-                  <a:pt x="2639415" y="83546"/>
-                  <a:pt x="2639415" y="83546"/>
-                  <a:pt x="2887862" y="511387"/>
-                </a:cubicBezTo>
-                <a:lnTo>
-                  <a:pt x="2915928" y="559720"/>
-                </a:lnTo>
-                <a:lnTo>
-                  <a:pt x="2893844" y="559720"/>
-                </a:lnTo>
-                <a:lnTo>
-                  <a:pt x="2789466" y="559720"/>
-                </a:lnTo>
-                <a:lnTo>
-                  <a:pt x="2744122" y="481634"/>
-                </a:lnTo>
-                <a:cubicBezTo>
-                  <a:pt x="2570885" y="183309"/>
-                  <a:pt x="2570885" y="183309"/>
-                  <a:pt x="2570885" y="183309"/>
-                </a:cubicBezTo>
-                <a:cubicBezTo>
-                  <a:pt x="2546104" y="137459"/>
-                  <a:pt x="2496545" y="109244"/>
-                  <a:pt x="2445216" y="109244"/>
-                </a:cubicBezTo>
-                <a:cubicBezTo>
-                  <a:pt x="1625714" y="109244"/>
-                  <a:pt x="1625714" y="109244"/>
-                  <a:pt x="1625714" y="109244"/>
-                </a:cubicBezTo>
-                <a:cubicBezTo>
-                  <a:pt x="1572615" y="109244"/>
-                  <a:pt x="1524825" y="137459"/>
-                  <a:pt x="1498276" y="183309"/>
-                </a:cubicBezTo>
-                <a:cubicBezTo>
-                  <a:pt x="1089410" y="890450"/>
-                  <a:pt x="1089410" y="890450"/>
-                  <a:pt x="1089410" y="890450"/>
-                </a:cubicBezTo>
-                <a:cubicBezTo>
-                  <a:pt x="1062860" y="934537"/>
-                  <a:pt x="1062860" y="990968"/>
-                  <a:pt x="1089410" y="1035054"/>
-                </a:cubicBezTo>
-                <a:cubicBezTo>
-                  <a:pt x="1498276" y="1742196"/>
-                  <a:pt x="1498276" y="1742196"/>
-                  <a:pt x="1498276" y="1742196"/>
-                </a:cubicBezTo>
-                <a:cubicBezTo>
-                  <a:pt x="1511551" y="1765121"/>
-                  <a:pt x="1530135" y="1783637"/>
-                  <a:pt x="1552039" y="1796421"/>
-                </a:cubicBezTo>
-                <a:lnTo>
-                  <a:pt x="1558260" y="1799029"/>
-                </a:lnTo>
-                <a:lnTo>
-                  <a:pt x="1524911" y="1856707"/>
-                </a:lnTo>
-                <a:lnTo>
-                  <a:pt x="1500108" y="1899604"/>
-                </a:lnTo>
-                <a:lnTo>
-                  <a:pt x="1525834" y="1910390"/>
-                </a:lnTo>
-                <a:cubicBezTo>
-                  <a:pt x="1539779" y="1914181"/>
-                  <a:pt x="1554378" y="1916170"/>
-                  <a:pt x="1569352" y="1916170"/>
-                </a:cubicBezTo>
-                <a:cubicBezTo>
-                  <a:pt x="2493745" y="1916170"/>
-                  <a:pt x="2493745" y="1916170"/>
-                  <a:pt x="2493745" y="1916170"/>
-                </a:cubicBezTo>
-                <a:cubicBezTo>
-                  <a:pt x="2551645" y="1916170"/>
-                  <a:pt x="2607546" y="1884345"/>
-                  <a:pt x="2635498" y="1832627"/>
-                </a:cubicBezTo>
-                <a:cubicBezTo>
-                  <a:pt x="3098693" y="1034974"/>
-                  <a:pt x="3098693" y="1034974"/>
-                  <a:pt x="3098693" y="1034974"/>
-                </a:cubicBezTo>
-                <a:cubicBezTo>
-                  <a:pt x="3128641" y="985246"/>
-                  <a:pt x="3128641" y="921593"/>
-                  <a:pt x="3098693" y="871863"/>
-                </a:cubicBezTo>
-                <a:cubicBezTo>
-                  <a:pt x="3040794" y="772157"/>
-                  <a:pt x="2990132" y="684914"/>
-                  <a:pt x="2945803" y="608576"/>
-                </a:cubicBezTo>
-                <a:lnTo>
-                  <a:pt x="2923422" y="570035"/>
-                </a:lnTo>
-                <a:lnTo>
-                  <a:pt x="3027104" y="570035"/>
-                </a:lnTo>
-                <a:cubicBezTo>
-                  <a:pt x="3349535" y="570035"/>
-                  <a:pt x="3865424" y="570035"/>
-                  <a:pt x="4690846" y="570035"/>
-                </a:cubicBezTo>
-                <a:cubicBezTo>
-                  <a:pt x="4828714" y="570035"/>
-                  <a:pt x="4961827" y="645819"/>
-                  <a:pt x="5028384" y="768968"/>
-                </a:cubicBezTo>
-                <a:cubicBezTo>
-                  <a:pt x="5028384" y="768968"/>
-                  <a:pt x="5028384" y="768968"/>
-                  <a:pt x="6131323" y="2668304"/>
-                </a:cubicBezTo>
-                <a:cubicBezTo>
-                  <a:pt x="6202634" y="2786717"/>
-                  <a:pt x="6202634" y="2938285"/>
-                  <a:pt x="6131323" y="3056698"/>
-                </a:cubicBezTo>
-                <a:cubicBezTo>
-                  <a:pt x="6131323" y="3056698"/>
-                  <a:pt x="6131323" y="3056698"/>
-                  <a:pt x="5028384" y="4956035"/>
-                </a:cubicBezTo>
-                <a:cubicBezTo>
-                  <a:pt x="4961827" y="5079184"/>
-                  <a:pt x="4828714" y="5154967"/>
-                  <a:pt x="4690846" y="5154967"/>
-                </a:cubicBezTo>
-                <a:cubicBezTo>
-                  <a:pt x="4690846" y="5154967"/>
-                  <a:pt x="4690846" y="5154967"/>
-                  <a:pt x="2489721" y="5154967"/>
-                </a:cubicBezTo>
-                <a:cubicBezTo>
-                  <a:pt x="2347099" y="5154967"/>
-                  <a:pt x="2218739" y="5079184"/>
-                  <a:pt x="2147429" y="4956035"/>
-                </a:cubicBezTo>
-                <a:cubicBezTo>
-                  <a:pt x="2147429" y="4956035"/>
-                  <a:pt x="2147429" y="4956035"/>
-                  <a:pt x="1049243" y="3056698"/>
-                </a:cubicBezTo>
-                <a:cubicBezTo>
-                  <a:pt x="977932" y="2938285"/>
-                  <a:pt x="977932" y="2786717"/>
-                  <a:pt x="1049243" y="2668304"/>
-                </a:cubicBezTo>
-                <a:cubicBezTo>
-                  <a:pt x="1049243" y="2668304"/>
-                  <a:pt x="1049243" y="2668304"/>
-                  <a:pt x="1457007" y="1963067"/>
-                </a:cubicBezTo>
-                <a:lnTo>
-                  <a:pt x="1491373" y="1903634"/>
-                </a:lnTo>
-                <a:lnTo>
-                  <a:pt x="1490164" y="1903127"/>
-                </a:lnTo>
-                <a:cubicBezTo>
-                  <a:pt x="1465456" y="1888705"/>
-                  <a:pt x="1444493" y="1867820"/>
-                  <a:pt x="1429519" y="1841960"/>
-                </a:cubicBezTo>
-                <a:cubicBezTo>
-                  <a:pt x="1429519" y="1841960"/>
-                  <a:pt x="1429519" y="1841960"/>
-                  <a:pt x="968320" y="1044307"/>
-                </a:cubicBezTo>
-                <a:cubicBezTo>
-                  <a:pt x="938371" y="994579"/>
-                  <a:pt x="938371" y="930926"/>
-                  <a:pt x="968320" y="881196"/>
-                </a:cubicBezTo>
-                <a:cubicBezTo>
-                  <a:pt x="968320" y="881196"/>
-                  <a:pt x="968320" y="881196"/>
-                  <a:pt x="1429519" y="83546"/>
-                </a:cubicBezTo>
-                <a:cubicBezTo>
-                  <a:pt x="1459466" y="31828"/>
-                  <a:pt x="1513373" y="0"/>
-                  <a:pt x="1573268" y="0"/>
-                </a:cubicBezTo>
                 <a:close/>
               </a:path>
             </a:pathLst>
           </a:custGeom>
-          <a:solidFill>
-            <a:schemeClr val="tx1">
-              <a:lumMod val="50000"/>
-              <a:lumOff val="50000"/>
-              <a:alpha val="15000"/>
-            </a:schemeClr>
-          </a:solidFill>
-          <a:ln>
-            <a:noFill/>
+          <a:noFill/>
+          <a:ln w="28575" cmpd="sng">
+            <a:solidFill>
+              <a:schemeClr val="tx1"/>
+            </a:solidFill>
           </a:ln>
         </p:spPr>
-        <p:style>
-          <a:lnRef idx="2">
-            <a:schemeClr val="accent1">
-              <a:shade val="50000"/>
-            </a:schemeClr>
-          </a:lnRef>
-          <a:fillRef idx="1">
-            <a:schemeClr val="accent1"/>
-          </a:fillRef>
-          <a:effectRef idx="0">
-            <a:schemeClr val="accent1"/>
-          </a:effectRef>
-          <a:fontRef idx="minor">
-            <a:schemeClr val="lt1"/>
-          </a:fontRef>
-        </p:style>
         <p:txBody>
-          <a:bodyPr wrap="square" rtlCol="0" anchor="ctr">
+          <a:bodyPr vert="horz" wrap="square" lIns="91440" tIns="45720" rIns="91440" bIns="45720" numCol="1" anchor="t" anchorCtr="0" compatLnSpc="1">
+            <a:prstTxWarp prst="textNoShape">
+              <a:avLst/>
+            </a:prstTxWarp>
+          </a:bodyPr>
+          <a:lstStyle/>
+          <a:p>
+            <a:endParaRPr lang="en-US"/>
+          </a:p>
+        </p:txBody>
+      </p:sp>
+      <p:sp>
+        <p:nvSpPr>
+          <p:cNvPr id="22" name="Freeform 5">
+            <a:extLst>
+              <a:ext uri="{FF2B5EF4-FFF2-40B4-BE49-F238E27FC236}">
+                <a16:creationId xmlns:a16="http://schemas.microsoft.com/office/drawing/2014/main" id="{EFA5A327-531A-495C-BCA7-27F04811AF4B}"/>
+              </a:ext>
+              <a:ext uri="{C183D7F6-B498-43B3-948B-1728B52AA6E4}">
+                <adec:decorative xmlns:adec="http://schemas.microsoft.com/office/drawing/2017/decorative" val="1"/>
+              </a:ext>
+            </a:extLst>
+          </p:cNvPr>
+          <p:cNvSpPr>
+            <a:spLocks noGrp="1" noRot="1" noChangeAspect="1" noMove="1" noResize="1" noEditPoints="1" noAdjustHandles="1" noChangeArrowheads="1" noChangeShapeType="1" noTextEdit="1"/>
+          </p:cNvSpPr>
+          <p:nvPr>
+            <p:extLst>
+              <p:ext uri="{386F3935-93C4-4BCD-93E2-E3B085C9AB24}">
+                <p16:designElem xmlns:p16="http://schemas.microsoft.com/office/powerpoint/2015/main" val="1"/>
+              </p:ext>
+            </p:extLst>
+          </p:nvPr>
+        </p:nvSpPr>
+        <p:spPr bwMode="auto">
+          <a:xfrm>
+            <a:off x="7703265" y="1059710"/>
+            <a:ext cx="550492" cy="485306"/>
+          </a:xfrm>
+          <a:custGeom>
+            <a:avLst/>
+            <a:gdLst>
+              <a:gd name="T0" fmla="*/ 225 w 785"/>
+              <a:gd name="T1" fmla="*/ 692 h 692"/>
+              <a:gd name="T2" fmla="*/ 177 w 785"/>
+              <a:gd name="T3" fmla="*/ 665 h 692"/>
+              <a:gd name="T4" fmla="*/ 9 w 785"/>
+              <a:gd name="T5" fmla="*/ 374 h 692"/>
+              <a:gd name="T6" fmla="*/ 9 w 785"/>
+              <a:gd name="T7" fmla="*/ 318 h 692"/>
+              <a:gd name="T8" fmla="*/ 177 w 785"/>
+              <a:gd name="T9" fmla="*/ 27 h 692"/>
+              <a:gd name="T10" fmla="*/ 225 w 785"/>
+              <a:gd name="T11" fmla="*/ 0 h 692"/>
+              <a:gd name="T12" fmla="*/ 561 w 785"/>
+              <a:gd name="T13" fmla="*/ 0 h 692"/>
+              <a:gd name="T14" fmla="*/ 609 w 785"/>
+              <a:gd name="T15" fmla="*/ 27 h 692"/>
+              <a:gd name="T16" fmla="*/ 777 w 785"/>
+              <a:gd name="T17" fmla="*/ 318 h 692"/>
+              <a:gd name="T18" fmla="*/ 777 w 785"/>
+              <a:gd name="T19" fmla="*/ 374 h 692"/>
+              <a:gd name="T20" fmla="*/ 609 w 785"/>
+              <a:gd name="T21" fmla="*/ 665 h 692"/>
+              <a:gd name="T22" fmla="*/ 561 w 785"/>
+              <a:gd name="T23" fmla="*/ 692 h 692"/>
+              <a:gd name="T24" fmla="*/ 225 w 785"/>
+              <a:gd name="T25" fmla="*/ 692 h 692"/>
+            </a:gdLst>
+            <a:ahLst/>
+            <a:cxnLst>
+              <a:cxn ang="0">
+                <a:pos x="T0" y="T1"/>
+              </a:cxn>
+              <a:cxn ang="0">
+                <a:pos x="T2" y="T3"/>
+              </a:cxn>
+              <a:cxn ang="0">
+                <a:pos x="T4" y="T5"/>
+              </a:cxn>
+              <a:cxn ang="0">
+                <a:pos x="T6" y="T7"/>
+              </a:cxn>
+              <a:cxn ang="0">
+                <a:pos x="T8" y="T9"/>
+              </a:cxn>
+              <a:cxn ang="0">
+                <a:pos x="T10" y="T11"/>
+              </a:cxn>
+              <a:cxn ang="0">
+                <a:pos x="T12" y="T13"/>
+              </a:cxn>
+              <a:cxn ang="0">
+                <a:pos x="T14" y="T15"/>
+              </a:cxn>
+              <a:cxn ang="0">
+                <a:pos x="T16" y="T17"/>
+              </a:cxn>
+              <a:cxn ang="0">
+                <a:pos x="T18" y="T19"/>
+              </a:cxn>
+              <a:cxn ang="0">
+                <a:pos x="T20" y="T21"/>
+              </a:cxn>
+              <a:cxn ang="0">
+                <a:pos x="T22" y="T23"/>
+              </a:cxn>
+              <a:cxn ang="0">
+                <a:pos x="T24" y="T25"/>
+              </a:cxn>
+            </a:cxnLst>
+            <a:rect l="0" t="0" r="r" b="b"/>
+            <a:pathLst>
+              <a:path w="785" h="692">
+                <a:moveTo>
+                  <a:pt x="225" y="692"/>
+                </a:moveTo>
+                <a:cubicBezTo>
+                  <a:pt x="207" y="692"/>
+                  <a:pt x="185" y="680"/>
+                  <a:pt x="177" y="665"/>
+                </a:cubicBezTo>
+                <a:cubicBezTo>
+                  <a:pt x="9" y="374"/>
+                  <a:pt x="9" y="374"/>
+                  <a:pt x="9" y="374"/>
+                </a:cubicBezTo>
+                <a:cubicBezTo>
+                  <a:pt x="0" y="358"/>
+                  <a:pt x="0" y="334"/>
+                  <a:pt x="9" y="318"/>
+                </a:cubicBezTo>
+                <a:cubicBezTo>
+                  <a:pt x="177" y="27"/>
+                  <a:pt x="177" y="27"/>
+                  <a:pt x="177" y="27"/>
+                </a:cubicBezTo>
+                <a:cubicBezTo>
+                  <a:pt x="185" y="12"/>
+                  <a:pt x="207" y="0"/>
+                  <a:pt x="225" y="0"/>
+                </a:cubicBezTo>
+                <a:cubicBezTo>
+                  <a:pt x="561" y="0"/>
+                  <a:pt x="561" y="0"/>
+                  <a:pt x="561" y="0"/>
+                </a:cubicBezTo>
+                <a:cubicBezTo>
+                  <a:pt x="578" y="0"/>
+                  <a:pt x="600" y="12"/>
+                  <a:pt x="609" y="27"/>
+                </a:cubicBezTo>
+                <a:cubicBezTo>
+                  <a:pt x="777" y="318"/>
+                  <a:pt x="777" y="318"/>
+                  <a:pt x="777" y="318"/>
+                </a:cubicBezTo>
+                <a:cubicBezTo>
+                  <a:pt x="785" y="334"/>
+                  <a:pt x="785" y="358"/>
+                  <a:pt x="777" y="374"/>
+                </a:cubicBezTo>
+                <a:cubicBezTo>
+                  <a:pt x="609" y="665"/>
+                  <a:pt x="609" y="665"/>
+                  <a:pt x="609" y="665"/>
+                </a:cubicBezTo>
+                <a:cubicBezTo>
+                  <a:pt x="600" y="680"/>
+                  <a:pt x="578" y="692"/>
+                  <a:pt x="561" y="692"/>
+                </a:cubicBezTo>
+                <a:lnTo>
+                  <a:pt x="225" y="692"/>
+                </a:lnTo>
+                <a:close/>
+              </a:path>
+            </a:pathLst>
+          </a:custGeom>
+          <a:noFill/>
+          <a:ln w="28575" cmpd="sng">
+            <a:solidFill>
+              <a:schemeClr val="tx1"/>
+            </a:solidFill>
+          </a:ln>
+        </p:spPr>
+        <p:txBody>
+          <a:bodyPr vert="horz" wrap="square" lIns="91440" tIns="45720" rIns="91440" bIns="45720" numCol="1" anchor="t" anchorCtr="0" compatLnSpc="1">
+            <a:prstTxWarp prst="textNoShape">
+              <a:avLst/>
+            </a:prstTxWarp>
+          </a:bodyPr>
+          <a:lstStyle/>
+          <a:p>
+            <a:endParaRPr lang="en-US"/>
+          </a:p>
+        </p:txBody>
+      </p:sp>
+      <p:sp>
+        <p:nvSpPr>
+          <p:cNvPr id="3" name="Content Placeholder 2">
+            <a:extLst>
+              <a:ext uri="{FF2B5EF4-FFF2-40B4-BE49-F238E27FC236}">
+                <a16:creationId xmlns:a16="http://schemas.microsoft.com/office/drawing/2014/main" id="{606A0FD7-B64A-497D-A54A-67D403C5C515}"/>
+              </a:ext>
+            </a:extLst>
+          </p:cNvPr>
+          <p:cNvSpPr>
+            <a:spLocks noGrp="1"/>
+          </p:cNvSpPr>
+          <p:nvPr>
+            <p:ph sz="half" idx="1"/>
+          </p:nvPr>
+        </p:nvSpPr>
+        <p:spPr>
+          <a:xfrm>
+            <a:off x="1174282" y="1772239"/>
+            <a:ext cx="4983236" cy="4262801"/>
+          </a:xfrm>
+        </p:spPr>
+        <p:txBody>
+          <a:bodyPr vert="horz" lIns="91440" tIns="45720" rIns="91440" bIns="45720" rtlCol="0">
             <a:noAutofit/>
           </a:bodyPr>
           <a:lstStyle/>
           <a:p>
-            <a:pPr algn="ctr"/>
-            <a:endParaRPr lang="en-US"/>
+            <a:r>
+              <a:rPr lang="en-US" sz="2400" dirty="0"/>
+              <a:t>SAS files from ussc.gov (The U.S. Sentencing Commission)</a:t>
+            </a:r>
+          </a:p>
+          <a:p>
+            <a:r>
+              <a:rPr lang="en-US" sz="2400" dirty="0"/>
+              <a:t>Nationwide dataset with over 300k rows and 1000+ columns</a:t>
+            </a:r>
+          </a:p>
+          <a:p>
+            <a:r>
+              <a:rPr lang="en-US" sz="2400" dirty="0"/>
+              <a:t>Identified 195 columns for analysis</a:t>
+            </a:r>
+          </a:p>
+          <a:p>
+            <a:r>
+              <a:rPr lang="en-US" sz="2400" dirty="0"/>
+              <a:t>Extracted Tennessee specific data </a:t>
+            </a:r>
+          </a:p>
+        </p:txBody>
+      </p:sp>
+      <p:sp>
+        <p:nvSpPr>
+          <p:cNvPr id="24" name="Freeform 5">
+            <a:extLst>
+              <a:ext uri="{FF2B5EF4-FFF2-40B4-BE49-F238E27FC236}">
+                <a16:creationId xmlns:a16="http://schemas.microsoft.com/office/drawing/2014/main" id="{09C89D1D-8C73-4FE3-BB9A-0A66D0F9C2FF}"/>
+              </a:ext>
+              <a:ext uri="{C183D7F6-B498-43B3-948B-1728B52AA6E4}">
+                <adec:decorative xmlns:adec="http://schemas.microsoft.com/office/drawing/2017/decorative" val="1"/>
+              </a:ext>
+            </a:extLst>
+          </p:cNvPr>
+          <p:cNvSpPr>
+            <a:spLocks noGrp="1" noRot="1" noChangeAspect="1" noMove="1" noResize="1" noEditPoints="1" noAdjustHandles="1" noChangeArrowheads="1" noChangeShapeType="1" noTextEdit="1"/>
+          </p:cNvSpPr>
+          <p:nvPr>
+            <p:extLst>
+              <p:ext uri="{386F3935-93C4-4BCD-93E2-E3B085C9AB24}">
+                <p16:designElem xmlns:p16="http://schemas.microsoft.com/office/powerpoint/2015/main" val="1"/>
+              </p:ext>
+            </p:extLst>
+          </p:nvPr>
+        </p:nvSpPr>
+        <p:spPr bwMode="auto">
+          <a:xfrm>
+            <a:off x="6882856" y="1645694"/>
+            <a:ext cx="4689240" cy="4115025"/>
+          </a:xfrm>
+          <a:custGeom>
+            <a:avLst/>
+            <a:gdLst>
+              <a:gd name="T0" fmla="*/ 781 w 1099"/>
+              <a:gd name="T1" fmla="*/ 0 h 968"/>
+              <a:gd name="T2" fmla="*/ 318 w 1099"/>
+              <a:gd name="T3" fmla="*/ 0 h 968"/>
+              <a:gd name="T4" fmla="*/ 246 w 1099"/>
+              <a:gd name="T5" fmla="*/ 42 h 968"/>
+              <a:gd name="T6" fmla="*/ 15 w 1099"/>
+              <a:gd name="T7" fmla="*/ 443 h 968"/>
+              <a:gd name="T8" fmla="*/ 15 w 1099"/>
+              <a:gd name="T9" fmla="*/ 525 h 968"/>
+              <a:gd name="T10" fmla="*/ 246 w 1099"/>
+              <a:gd name="T11" fmla="*/ 926 h 968"/>
+              <a:gd name="T12" fmla="*/ 318 w 1099"/>
+              <a:gd name="T13" fmla="*/ 968 h 968"/>
+              <a:gd name="T14" fmla="*/ 781 w 1099"/>
+              <a:gd name="T15" fmla="*/ 968 h 968"/>
+              <a:gd name="T16" fmla="*/ 852 w 1099"/>
+              <a:gd name="T17" fmla="*/ 926 h 968"/>
+              <a:gd name="T18" fmla="*/ 1084 w 1099"/>
+              <a:gd name="T19" fmla="*/ 525 h 968"/>
+              <a:gd name="T20" fmla="*/ 1084 w 1099"/>
+              <a:gd name="T21" fmla="*/ 443 h 968"/>
+              <a:gd name="T22" fmla="*/ 852 w 1099"/>
+              <a:gd name="T23" fmla="*/ 42 h 968"/>
+              <a:gd name="T24" fmla="*/ 781 w 1099"/>
+              <a:gd name="T25" fmla="*/ 0 h 968"/>
+            </a:gdLst>
+            <a:ahLst/>
+            <a:cxnLst>
+              <a:cxn ang="0">
+                <a:pos x="T0" y="T1"/>
+              </a:cxn>
+              <a:cxn ang="0">
+                <a:pos x="T2" y="T3"/>
+              </a:cxn>
+              <a:cxn ang="0">
+                <a:pos x="T4" y="T5"/>
+              </a:cxn>
+              <a:cxn ang="0">
+                <a:pos x="T6" y="T7"/>
+              </a:cxn>
+              <a:cxn ang="0">
+                <a:pos x="T8" y="T9"/>
+              </a:cxn>
+              <a:cxn ang="0">
+                <a:pos x="T10" y="T11"/>
+              </a:cxn>
+              <a:cxn ang="0">
+                <a:pos x="T12" y="T13"/>
+              </a:cxn>
+              <a:cxn ang="0">
+                <a:pos x="T14" y="T15"/>
+              </a:cxn>
+              <a:cxn ang="0">
+                <a:pos x="T16" y="T17"/>
+              </a:cxn>
+              <a:cxn ang="0">
+                <a:pos x="T18" y="T19"/>
+              </a:cxn>
+              <a:cxn ang="0">
+                <a:pos x="T20" y="T21"/>
+              </a:cxn>
+              <a:cxn ang="0">
+                <a:pos x="T22" y="T23"/>
+              </a:cxn>
+              <a:cxn ang="0">
+                <a:pos x="T24" y="T25"/>
+              </a:cxn>
+            </a:cxnLst>
+            <a:rect l="0" t="0" r="r" b="b"/>
+            <a:pathLst>
+              <a:path w="1099" h="968">
+                <a:moveTo>
+                  <a:pt x="781" y="0"/>
+                </a:moveTo>
+                <a:cubicBezTo>
+                  <a:pt x="318" y="0"/>
+                  <a:pt x="318" y="0"/>
+                  <a:pt x="318" y="0"/>
+                </a:cubicBezTo>
+                <a:cubicBezTo>
+                  <a:pt x="288" y="0"/>
+                  <a:pt x="261" y="16"/>
+                  <a:pt x="246" y="42"/>
+                </a:cubicBezTo>
+                <a:cubicBezTo>
+                  <a:pt x="15" y="443"/>
+                  <a:pt x="15" y="443"/>
+                  <a:pt x="15" y="443"/>
+                </a:cubicBezTo>
+                <a:cubicBezTo>
+                  <a:pt x="0" y="468"/>
+                  <a:pt x="0" y="500"/>
+                  <a:pt x="15" y="525"/>
+                </a:cubicBezTo>
+                <a:cubicBezTo>
+                  <a:pt x="246" y="926"/>
+                  <a:pt x="246" y="926"/>
+                  <a:pt x="246" y="926"/>
+                </a:cubicBezTo>
+                <a:cubicBezTo>
+                  <a:pt x="261" y="952"/>
+                  <a:pt x="288" y="968"/>
+                  <a:pt x="318" y="968"/>
+                </a:cubicBezTo>
+                <a:cubicBezTo>
+                  <a:pt x="781" y="968"/>
+                  <a:pt x="781" y="968"/>
+                  <a:pt x="781" y="968"/>
+                </a:cubicBezTo>
+                <a:cubicBezTo>
+                  <a:pt x="810" y="968"/>
+                  <a:pt x="838" y="952"/>
+                  <a:pt x="852" y="926"/>
+                </a:cubicBezTo>
+                <a:cubicBezTo>
+                  <a:pt x="1084" y="525"/>
+                  <a:pt x="1084" y="525"/>
+                  <a:pt x="1084" y="525"/>
+                </a:cubicBezTo>
+                <a:cubicBezTo>
+                  <a:pt x="1099" y="500"/>
+                  <a:pt x="1099" y="468"/>
+                  <a:pt x="1084" y="443"/>
+                </a:cubicBezTo>
+                <a:cubicBezTo>
+                  <a:pt x="852" y="42"/>
+                  <a:pt x="852" y="42"/>
+                  <a:pt x="852" y="42"/>
+                </a:cubicBezTo>
+                <a:cubicBezTo>
+                  <a:pt x="838" y="16"/>
+                  <a:pt x="810" y="0"/>
+                  <a:pt x="781" y="0"/>
+                </a:cubicBezTo>
+                <a:close/>
+              </a:path>
+            </a:pathLst>
+          </a:custGeom>
+          <a:noFill/>
+          <a:ln w="50800" cap="flat">
+            <a:solidFill>
+              <a:schemeClr val="tx1"/>
+            </a:solidFill>
+            <a:prstDash val="solid"/>
+            <a:miter lim="800000"/>
+            <a:headEnd/>
+            <a:tailEnd/>
+          </a:ln>
+        </p:spPr>
+        <p:txBody>
+          <a:bodyPr vert="horz" wrap="square" lIns="91440" tIns="45720" rIns="91440" bIns="45720" numCol="1" anchor="t" anchorCtr="0" compatLnSpc="1">
+            <a:prstTxWarp prst="textNoShape">
+              <a:avLst/>
+            </a:prstTxWarp>
+          </a:bodyPr>
+          <a:lstStyle/>
+          <a:p>
+            <a:endParaRPr lang="en-US" dirty="0"/>
           </a:p>
         </p:txBody>
       </p:sp>
       <p:pic>
         <p:nvPicPr>
-          <p:cNvPr id="12" name="Graphic 11" descr="Presentation with org chart outline">
+          <p:cNvPr id="6" name="Graphic 5" descr="Folder Search with solid fill">
             <a:extLst>
               <a:ext uri="{FF2B5EF4-FFF2-40B4-BE49-F238E27FC236}">
-                <a16:creationId xmlns:a16="http://schemas.microsoft.com/office/drawing/2014/main" id="{CDFDEDDB-6CAB-4D49-A9B6-27870157A86E}"/>
+                <a16:creationId xmlns:a16="http://schemas.microsoft.com/office/drawing/2014/main" id="{5D1B45EE-EE74-4916-A832-5235393504C2}"/>
               </a:ext>
             </a:extLst>
           </p:cNvPr>
@@ -14183,14 +14227,13 @@
               </a:ext>
             </a:extLst>
           </a:blip>
-          <a:stretch>
-            <a:fillRect/>
-          </a:stretch>
+          <a:srcRect/>
+          <a:stretch/>
         </p:blipFill>
         <p:spPr>
           <a:xfrm>
-            <a:off x="7535330" y="2105470"/>
-            <a:ext cx="3217333" cy="3217333"/>
+            <a:off x="7463050" y="1972841"/>
+            <a:ext cx="3573623" cy="3573623"/>
           </a:xfrm>
           <a:prstGeom prst="rect">
             <a:avLst/>
@@ -14201,7 +14244,7 @@
     </p:spTree>
     <p:extLst>
       <p:ext uri="{BB962C8B-B14F-4D97-AF65-F5344CB8AC3E}">
-        <p14:creationId xmlns:p14="http://schemas.microsoft.com/office/powerpoint/2010/main" val="286083836"/>
+        <p14:creationId xmlns:p14="http://schemas.microsoft.com/office/powerpoint/2010/main" val="2549790715"/>
       </p:ext>
     </p:extLst>
   </p:cSld>
@@ -14229,7 +14272,7 @@
                             </p:stCondLst>
                             <p:childTnLst>
                               <p:par>
-                                <p:cTn id="5" presetID="1" presetClass="entr" presetSubtype="0" fill="hold" nodeType="clickEffect">
+                                <p:cTn id="5" presetID="10" presetClass="entr" presetSubtype="0" fill="hold" nodeType="clickEffect">
                                   <p:stCondLst>
                                     <p:cond delay="0"/>
                                   </p:stCondLst>
@@ -14242,7 +14285,7 @@
                                           </p:stCondLst>
                                         </p:cTn>
                                         <p:tgtEl>
-                                          <p:spTgt spid="13">
+                                          <p:spTgt spid="3">
                                             <p:txEl>
                                               <p:pRg st="0" end="0"/>
                                             </p:txEl>
@@ -14256,6 +14299,18 @@
                                         <p:strVal val="visible"/>
                                       </p:to>
                                     </p:set>
+                                    <p:animEffect transition="in" filter="fade">
+                                      <p:cBhvr>
+                                        <p:cTn id="7" dur="500"/>
+                                        <p:tgtEl>
+                                          <p:spTgt spid="3">
+                                            <p:txEl>
+                                              <p:pRg st="0" end="0"/>
+                                            </p:txEl>
+                                          </p:spTgt>
+                                        </p:tgtEl>
+                                      </p:cBhvr>
+                                    </p:animEffect>
                                   </p:childTnLst>
                                 </p:cTn>
                               </p:par>
@@ -14266,32 +14321,32 @@
                     </p:cTn>
                   </p:par>
                   <p:par>
-                    <p:cTn id="7" fill="hold">
+                    <p:cTn id="8" fill="hold">
                       <p:stCondLst>
                         <p:cond delay="indefinite"/>
                       </p:stCondLst>
                       <p:childTnLst>
                         <p:par>
-                          <p:cTn id="8" fill="hold">
+                          <p:cTn id="9" fill="hold">
                             <p:stCondLst>
                               <p:cond delay="0"/>
                             </p:stCondLst>
                             <p:childTnLst>
                               <p:par>
-                                <p:cTn id="9" presetID="1" presetClass="entr" presetSubtype="0" fill="hold" nodeType="clickEffect">
+                                <p:cTn id="10" presetID="10" presetClass="entr" presetSubtype="0" fill="hold" nodeType="clickEffect">
                                   <p:stCondLst>
                                     <p:cond delay="0"/>
                                   </p:stCondLst>
                                   <p:childTnLst>
                                     <p:set>
                                       <p:cBhvr>
-                                        <p:cTn id="10" dur="1" fill="hold">
+                                        <p:cTn id="11" dur="1" fill="hold">
                                           <p:stCondLst>
                                             <p:cond delay="0"/>
                                           </p:stCondLst>
                                         </p:cTn>
                                         <p:tgtEl>
-                                          <p:spTgt spid="13">
+                                          <p:spTgt spid="3">
                                             <p:txEl>
                                               <p:pRg st="1" end="1"/>
                                             </p:txEl>
@@ -14305,6 +14360,18 @@
                                         <p:strVal val="visible"/>
                                       </p:to>
                                     </p:set>
+                                    <p:animEffect transition="in" filter="fade">
+                                      <p:cBhvr>
+                                        <p:cTn id="12" dur="500"/>
+                                        <p:tgtEl>
+                                          <p:spTgt spid="3">
+                                            <p:txEl>
+                                              <p:pRg st="1" end="1"/>
+                                            </p:txEl>
+                                          </p:spTgt>
+                                        </p:tgtEl>
+                                      </p:cBhvr>
+                                    </p:animEffect>
                                   </p:childTnLst>
                                 </p:cTn>
                               </p:par>
@@ -14315,32 +14382,32 @@
                     </p:cTn>
                   </p:par>
                   <p:par>
-                    <p:cTn id="11" fill="hold">
+                    <p:cTn id="13" fill="hold">
                       <p:stCondLst>
                         <p:cond delay="indefinite"/>
                       </p:stCondLst>
                       <p:childTnLst>
                         <p:par>
-                          <p:cTn id="12" fill="hold">
+                          <p:cTn id="14" fill="hold">
                             <p:stCondLst>
                               <p:cond delay="0"/>
                             </p:stCondLst>
                             <p:childTnLst>
                               <p:par>
-                                <p:cTn id="13" presetID="1" presetClass="entr" presetSubtype="0" fill="hold" nodeType="clickEffect">
+                                <p:cTn id="15" presetID="10" presetClass="entr" presetSubtype="0" fill="hold" nodeType="clickEffect">
                                   <p:stCondLst>
                                     <p:cond delay="0"/>
                                   </p:stCondLst>
                                   <p:childTnLst>
                                     <p:set>
                                       <p:cBhvr>
-                                        <p:cTn id="14" dur="1" fill="hold">
+                                        <p:cTn id="16" dur="1" fill="hold">
                                           <p:stCondLst>
                                             <p:cond delay="0"/>
                                           </p:stCondLst>
                                         </p:cTn>
                                         <p:tgtEl>
-                                          <p:spTgt spid="13">
+                                          <p:spTgt spid="3">
                                             <p:txEl>
                                               <p:pRg st="2" end="2"/>
                                             </p:txEl>
@@ -14354,6 +14421,18 @@
                                         <p:strVal val="visible"/>
                                       </p:to>
                                     </p:set>
+                                    <p:animEffect transition="in" filter="fade">
+                                      <p:cBhvr>
+                                        <p:cTn id="17" dur="500"/>
+                                        <p:tgtEl>
+                                          <p:spTgt spid="3">
+                                            <p:txEl>
+                                              <p:pRg st="2" end="2"/>
+                                            </p:txEl>
+                                          </p:spTgt>
+                                        </p:tgtEl>
+                                      </p:cBhvr>
+                                    </p:animEffect>
                                   </p:childTnLst>
                                 </p:cTn>
                               </p:par>
@@ -14364,32 +14443,32 @@
                     </p:cTn>
                   </p:par>
                   <p:par>
-                    <p:cTn id="15" fill="hold">
+                    <p:cTn id="18" fill="hold">
                       <p:stCondLst>
                         <p:cond delay="indefinite"/>
                       </p:stCondLst>
                       <p:childTnLst>
                         <p:par>
-                          <p:cTn id="16" fill="hold">
+                          <p:cTn id="19" fill="hold">
                             <p:stCondLst>
                               <p:cond delay="0"/>
                             </p:stCondLst>
                             <p:childTnLst>
                               <p:par>
-                                <p:cTn id="17" presetID="1" presetClass="entr" presetSubtype="0" fill="hold" nodeType="clickEffect">
+                                <p:cTn id="20" presetID="10" presetClass="entr" presetSubtype="0" fill="hold" nodeType="clickEffect">
                                   <p:stCondLst>
                                     <p:cond delay="0"/>
                                   </p:stCondLst>
                                   <p:childTnLst>
                                     <p:set>
                                       <p:cBhvr>
-                                        <p:cTn id="18" dur="1" fill="hold">
+                                        <p:cTn id="21" dur="1" fill="hold">
                                           <p:stCondLst>
                                             <p:cond delay="0"/>
                                           </p:stCondLst>
                                         </p:cTn>
                                         <p:tgtEl>
-                                          <p:spTgt spid="13">
+                                          <p:spTgt spid="3">
                                             <p:txEl>
                                               <p:pRg st="3" end="3"/>
                                             </p:txEl>
@@ -14403,6 +14482,18 @@
                                         <p:strVal val="visible"/>
                                       </p:to>
                                     </p:set>
+                                    <p:animEffect transition="in" filter="fade">
+                                      <p:cBhvr>
+                                        <p:cTn id="22" dur="500"/>
+                                        <p:tgtEl>
+                                          <p:spTgt spid="3">
+                                            <p:txEl>
+                                              <p:pRg st="3" end="3"/>
+                                            </p:txEl>
+                                          </p:spTgt>
+                                        </p:tgtEl>
+                                      </p:cBhvr>
+                                    </p:animEffect>
                                   </p:childTnLst>
                                 </p:cTn>
                               </p:par>
@@ -14476,10 +14567,9 @@
           <a:lstStyle/>
           <a:p>
             <a:r>
-              <a:rPr lang="en-US"/>
+              <a:rPr lang="en-US" dirty="0"/>
               <a:t>Background: Federal v. State Crime</a:t>
             </a:r>
-            <a:endParaRPr lang="en-US" dirty="0"/>
           </a:p>
         </p:txBody>
       </p:sp>
@@ -14646,6 +14736,44 @@
           </a:p>
         </p:txBody>
       </p:sp>
+      <p:pic>
+        <p:nvPicPr>
+          <p:cNvPr id="6" name="Graphic 5" descr="Court outline">
+            <a:extLst>
+              <a:ext uri="{FF2B5EF4-FFF2-40B4-BE49-F238E27FC236}">
+                <a16:creationId xmlns:a16="http://schemas.microsoft.com/office/drawing/2014/main" id="{B7C68DA6-51F9-4051-A9EE-CEBAA4315796}"/>
+              </a:ext>
+            </a:extLst>
+          </p:cNvPr>
+          <p:cNvPicPr>
+            <a:picLocks noChangeAspect="1"/>
+          </p:cNvPicPr>
+          <p:nvPr/>
+        </p:nvPicPr>
+        <p:blipFill>
+          <a:blip r:embed="rId2">
+            <a:extLst>
+              <a:ext uri="{28A0092B-C50C-407E-A947-70E740481C1C}">
+                <a14:useLocalDpi xmlns:a14="http://schemas.microsoft.com/office/drawing/2010/main" val="0"/>
+              </a:ext>
+              <a:ext uri="{96DAC541-7B7A-43D3-8B79-37D633B846F1}">
+                <asvg:svgBlip xmlns:asvg="http://schemas.microsoft.com/office/drawing/2016/SVG/main" r:embed="rId3"/>
+              </a:ext>
+            </a:extLst>
+          </a:blip>
+          <a:srcRect/>
+          <a:stretch/>
+        </p:blipFill>
+        <p:spPr>
+          <a:xfrm>
+            <a:off x="838201" y="4244741"/>
+            <a:ext cx="1932222" cy="1932222"/>
+          </a:xfrm>
+          <a:prstGeom prst="rect">
+            <a:avLst/>
+          </a:prstGeom>
+        </p:spPr>
+      </p:pic>
     </p:spTree>
     <p:extLst>
       <p:ext uri="{BB962C8B-B14F-4D97-AF65-F5344CB8AC3E}">
@@ -18003,7 +18131,7 @@
         <p:spPr>
           <a:xfrm>
             <a:off x="502571" y="2123783"/>
-            <a:ext cx="4223434" cy="1323439"/>
+            <a:ext cx="4553086" cy="1200329"/>
           </a:xfrm>
           <a:prstGeom prst="rect">
             <a:avLst/>
@@ -18021,7 +18149,7 @@
               <a:buChar char="•"/>
             </a:pPr>
             <a:r>
-              <a:rPr lang="en-US" sz="2000" dirty="0"/>
+              <a:rPr lang="en-US" dirty="0"/>
               <a:t>43% of all Hispanic defendants receive sentences for immigration-related offenses, which carry no mandatory minimum sentence.</a:t>
             </a:r>
           </a:p>
@@ -18146,8 +18274,8 @@
         </p:nvSpPr>
         <p:spPr>
           <a:xfrm>
-            <a:off x="502571" y="3393412"/>
-            <a:ext cx="4223434" cy="1631216"/>
+            <a:off x="502571" y="3326518"/>
+            <a:ext cx="4553086" cy="1477328"/>
           </a:xfrm>
           <a:prstGeom prst="rect">
             <a:avLst/>
@@ -18165,18 +18293,8 @@
               <a:buChar char="•"/>
             </a:pPr>
             <a:r>
-              <a:rPr lang="en-US" sz="2000" dirty="0"/>
-              <a:t>Of those, exactly half received credit for time served and therefore receive no additional sentence.</a:t>
-            </a:r>
-          </a:p>
-          <a:p>
-            <a:pPr marL="285750" indent="-285750" algn="just">
-              <a:buFont typeface="Arial" panose="020B0604020202020204" pitchFamily="34" charset="0"/>
-              <a:buChar char="•"/>
-            </a:pPr>
-            <a:r>
-              <a:rPr lang="en-US" sz="2000" dirty="0"/>
-              <a:t>The average time served prior to sentencing for this group is 70 days.</a:t>
+              <a:rPr lang="en-US" dirty="0"/>
+              <a:t>Of those, exactly half received credit for time served and therefore receive no additional sentence. The average time served prior to sentencing for this group is 70 days.</a:t>
             </a:r>
           </a:p>
         </p:txBody>
@@ -18195,8 +18313,8 @@
         </p:nvSpPr>
         <p:spPr>
           <a:xfrm>
-            <a:off x="502571" y="5023934"/>
-            <a:ext cx="4223434" cy="1938992"/>
+            <a:off x="502569" y="4803846"/>
+            <a:ext cx="4553085" cy="1508105"/>
           </a:xfrm>
           <a:prstGeom prst="rect">
             <a:avLst/>
@@ -18214,7 +18332,7 @@
               <a:buChar char="•"/>
             </a:pPr>
             <a:r>
-              <a:rPr lang="en-US" sz="2000" dirty="0"/>
+              <a:rPr lang="en-US" dirty="0"/>
               <a:t>Additionally, 97% of these defendants are not legal residents of the U.S., meaning they may have been deported rather than sentenced to additional time.</a:t>
             </a:r>
           </a:p>

--- a/Presentation.pptx
+++ b/Presentation.pptx
@@ -5,27 +5,28 @@
     <p:sldMasterId id="2147483648" r:id="rId1"/>
   </p:sldMasterIdLst>
   <p:notesMasterIdLst>
-    <p:notesMasterId r:id="rId20"/>
+    <p:notesMasterId r:id="rId21"/>
   </p:notesMasterIdLst>
   <p:sldIdLst>
     <p:sldId id="256" r:id="rId2"/>
     <p:sldId id="267" r:id="rId3"/>
-    <p:sldId id="308" r:id="rId4"/>
+    <p:sldId id="268" r:id="rId4"/>
     <p:sldId id="274" r:id="rId5"/>
     <p:sldId id="275" r:id="rId6"/>
     <p:sldId id="257" r:id="rId7"/>
-    <p:sldId id="286" r:id="rId8"/>
+    <p:sldId id="309" r:id="rId8"/>
     <p:sldId id="261" r:id="rId9"/>
     <p:sldId id="278" r:id="rId10"/>
-    <p:sldId id="299" r:id="rId11"/>
+    <p:sldId id="310" r:id="rId11"/>
     <p:sldId id="280" r:id="rId12"/>
     <p:sldId id="295" r:id="rId13"/>
     <p:sldId id="305" r:id="rId14"/>
     <p:sldId id="306" r:id="rId15"/>
     <p:sldId id="307" r:id="rId16"/>
-    <p:sldId id="289" r:id="rId17"/>
-    <p:sldId id="279" r:id="rId18"/>
-    <p:sldId id="303" r:id="rId19"/>
+    <p:sldId id="311" r:id="rId17"/>
+    <p:sldId id="289" r:id="rId18"/>
+    <p:sldId id="312" r:id="rId19"/>
+    <p:sldId id="303" r:id="rId20"/>
   </p:sldIdLst>
   <p:sldSz cx="12192000" cy="6858000"/>
   <p:notesSz cx="6858000" cy="9144000"/>
@@ -125,6 +126,37 @@
     </a:lvl9pPr>
   </p:defaultTextStyle>
   <p:extLst>
+    <p:ext uri="{521415D9-36F7-43E2-AB2F-B90AF26B5E84}">
+      <p14:sectionLst xmlns:p14="http://schemas.microsoft.com/office/powerpoint/2010/main">
+        <p14:section name="Default Section" id="{7E505179-7F6C-4EF4-AED8-FE88DF743CFA}">
+          <p14:sldIdLst>
+            <p14:sldId id="256"/>
+            <p14:sldId id="267"/>
+            <p14:sldId id="268"/>
+            <p14:sldId id="274"/>
+            <p14:sldId id="275"/>
+            <p14:sldId id="257"/>
+          </p14:sldIdLst>
+        </p14:section>
+        <p14:section name="Untitled Section" id="{7BA68D2C-57DA-489B-9C36-2FAD894A0CEE}">
+          <p14:sldIdLst>
+            <p14:sldId id="309"/>
+            <p14:sldId id="261"/>
+            <p14:sldId id="278"/>
+            <p14:sldId id="310"/>
+            <p14:sldId id="280"/>
+            <p14:sldId id="295"/>
+            <p14:sldId id="305"/>
+            <p14:sldId id="306"/>
+            <p14:sldId id="307"/>
+            <p14:sldId id="311"/>
+            <p14:sldId id="289"/>
+            <p14:sldId id="312"/>
+            <p14:sldId id="303"/>
+          </p14:sldIdLst>
+        </p14:section>
+      </p14:sectionLst>
+    </p:ext>
     <p:ext uri="{EFAFB233-063F-42B5-8137-9DF3F51BA10A}">
       <p15:sldGuideLst xmlns:p15="http://schemas.microsoft.com/office/powerpoint/2012/main"/>
     </p:ext>
@@ -214,7 +246,7 @@
           <a:p>
             <a:fld id="{4CB35077-CF4E-425A-AAA9-69F843C4878F}" type="datetimeFigureOut">
               <a:rPr lang="en-US" smtClean="0"/>
-              <a:t>4/27/2021</a:t>
+              <a:t>4/28/2021</a:t>
             </a:fld>
             <a:endParaRPr lang="en-US"/>
           </a:p>
@@ -527,19 +559,19 @@
           <a:p>
             <a:r>
               <a:rPr lang="en-US" dirty="0"/>
-              <a:t>60.1% of offenses by Hispanic defendants are “other nonviolent”</a:t>
+              <a:t>Sexual crimes are less than 1% of dataset</a:t>
             </a:r>
           </a:p>
           <a:p>
             <a:r>
               <a:rPr lang="en-US" dirty="0"/>
-              <a:t>71% of those offenses are immigration related</a:t>
+              <a:t>Violent crime is right around 10%</a:t>
             </a:r>
           </a:p>
           <a:p>
             <a:r>
               <a:rPr lang="en-US" dirty="0"/>
-              <a:t>Comes out to 43% of all offenses</a:t>
+              <a:t>Rest is drug-related or other nonviolent</a:t>
             </a:r>
           </a:p>
         </p:txBody>
@@ -561,7 +593,7 @@
           <a:p>
             <a:fld id="{7DD90B5D-F117-4387-9A08-B238DF18B47B}" type="slidenum">
               <a:rPr lang="en-US" smtClean="0"/>
-              <a:t>9</a:t>
+              <a:t>8</a:t>
             </a:fld>
             <a:endParaRPr lang="en-US"/>
           </a:p>
@@ -570,7 +602,7 @@
     </p:spTree>
     <p:extLst>
       <p:ext uri="{BB962C8B-B14F-4D97-AF65-F5344CB8AC3E}">
-        <p14:creationId xmlns:p14="http://schemas.microsoft.com/office/powerpoint/2010/main" val="3328852978"/>
+        <p14:creationId xmlns:p14="http://schemas.microsoft.com/office/powerpoint/2010/main" val="2114125411"/>
       </p:ext>
     </p:extLst>
   </p:cSld>
@@ -626,7 +658,19 @@
           <a:p>
             <a:r>
               <a:rPr lang="en-US" dirty="0"/>
-              <a:t>Distribution skews heavily toward black defendants</a:t>
+              <a:t>60.1% of offenses by Hispanic defendants are “other nonviolent”</a:t>
+            </a:r>
+          </a:p>
+          <a:p>
+            <a:r>
+              <a:rPr lang="en-US" dirty="0"/>
+              <a:t>71% of those offenses are immigration related</a:t>
+            </a:r>
+          </a:p>
+          <a:p>
+            <a:r>
+              <a:rPr lang="en-US" dirty="0"/>
+              <a:t>Comes out to 43% of all offenses</a:t>
             </a:r>
           </a:p>
         </p:txBody>
@@ -648,7 +692,7 @@
           <a:p>
             <a:fld id="{7DD90B5D-F117-4387-9A08-B238DF18B47B}" type="slidenum">
               <a:rPr lang="en-US" smtClean="0"/>
-              <a:t>13</a:t>
+              <a:t>9</a:t>
             </a:fld>
             <a:endParaRPr lang="en-US"/>
           </a:p>
@@ -657,7 +701,7 @@
     </p:spTree>
     <p:extLst>
       <p:ext uri="{BB962C8B-B14F-4D97-AF65-F5344CB8AC3E}">
-        <p14:creationId xmlns:p14="http://schemas.microsoft.com/office/powerpoint/2010/main" val="2184227678"/>
+        <p14:creationId xmlns:p14="http://schemas.microsoft.com/office/powerpoint/2010/main" val="3328852978"/>
       </p:ext>
     </p:extLst>
   </p:cSld>
@@ -711,7 +755,10 @@
           <a:bodyPr/>
           <a:lstStyle/>
           <a:p>
-            <a:endParaRPr lang="en-US" dirty="0"/>
+            <a:r>
+              <a:rPr lang="en-US" dirty="0"/>
+              <a:t>Distribution skews heavily toward black defendants</a:t>
+            </a:r>
           </a:p>
         </p:txBody>
       </p:sp>
@@ -732,7 +779,7 @@
           <a:p>
             <a:fld id="{7DD90B5D-F117-4387-9A08-B238DF18B47B}" type="slidenum">
               <a:rPr lang="en-US" smtClean="0"/>
-              <a:t>14</a:t>
+              <a:t>13</a:t>
             </a:fld>
             <a:endParaRPr lang="en-US"/>
           </a:p>
@@ -741,7 +788,7 @@
     </p:spTree>
     <p:extLst>
       <p:ext uri="{BB962C8B-B14F-4D97-AF65-F5344CB8AC3E}">
-        <p14:creationId xmlns:p14="http://schemas.microsoft.com/office/powerpoint/2010/main" val="247765376"/>
+        <p14:creationId xmlns:p14="http://schemas.microsoft.com/office/powerpoint/2010/main" val="2184227678"/>
       </p:ext>
     </p:extLst>
   </p:cSld>
@@ -795,16 +842,7 @@
           <a:bodyPr/>
           <a:lstStyle/>
           <a:p>
-            <a:r>
-              <a:rPr lang="en-US" dirty="0"/>
-              <a:t>Drug breakdown: 56% white, 34.2% black, 8.2% Hispanic</a:t>
-            </a:r>
-          </a:p>
-          <a:p>
-            <a:r>
-              <a:rPr lang="en-US" dirty="0"/>
-              <a:t>Safety valve breakdown: 59.9% white, 22% black, 17.2% Hispanic</a:t>
-            </a:r>
+            <a:endParaRPr lang="en-US" dirty="0"/>
           </a:p>
         </p:txBody>
       </p:sp>
@@ -825,6 +863,99 @@
           <a:p>
             <a:fld id="{7DD90B5D-F117-4387-9A08-B238DF18B47B}" type="slidenum">
               <a:rPr lang="en-US" smtClean="0"/>
+              <a:t>14</a:t>
+            </a:fld>
+            <a:endParaRPr lang="en-US"/>
+          </a:p>
+        </p:txBody>
+      </p:sp>
+    </p:spTree>
+    <p:extLst>
+      <p:ext uri="{BB962C8B-B14F-4D97-AF65-F5344CB8AC3E}">
+        <p14:creationId xmlns:p14="http://schemas.microsoft.com/office/powerpoint/2010/main" val="247765376"/>
+      </p:ext>
+    </p:extLst>
+  </p:cSld>
+  <p:clrMapOvr>
+    <a:masterClrMapping/>
+  </p:clrMapOvr>
+</p:notes>
+</file>
+
+<file path=ppt/notesSlides/notesSlide5.xml><?xml version="1.0" encoding="utf-8"?>
+<p:notes xmlns:a="http://schemas.openxmlformats.org/drawingml/2006/main" xmlns:r="http://schemas.openxmlformats.org/officeDocument/2006/relationships" xmlns:p="http://schemas.openxmlformats.org/presentationml/2006/main">
+  <p:cSld>
+    <p:spTree>
+      <p:nvGrpSpPr>
+        <p:cNvPr id="1" name=""/>
+        <p:cNvGrpSpPr/>
+        <p:nvPr/>
+      </p:nvGrpSpPr>
+      <p:grpSpPr>
+        <a:xfrm>
+          <a:off x="0" y="0"/>
+          <a:ext cx="0" cy="0"/>
+          <a:chOff x="0" y="0"/>
+          <a:chExt cx="0" cy="0"/>
+        </a:xfrm>
+      </p:grpSpPr>
+      <p:sp>
+        <p:nvSpPr>
+          <p:cNvPr id="2" name="Slide Image Placeholder 1"/>
+          <p:cNvSpPr>
+            <a:spLocks noGrp="1" noRot="1" noChangeAspect="1"/>
+          </p:cNvSpPr>
+          <p:nvPr>
+            <p:ph type="sldImg"/>
+          </p:nvPr>
+        </p:nvSpPr>
+        <p:spPr/>
+      </p:sp>
+      <p:sp>
+        <p:nvSpPr>
+          <p:cNvPr id="3" name="Notes Placeholder 2"/>
+          <p:cNvSpPr>
+            <a:spLocks noGrp="1"/>
+          </p:cNvSpPr>
+          <p:nvPr>
+            <p:ph type="body" idx="1"/>
+          </p:nvPr>
+        </p:nvSpPr>
+        <p:spPr/>
+        <p:txBody>
+          <a:bodyPr/>
+          <a:lstStyle/>
+          <a:p>
+            <a:r>
+              <a:rPr lang="en-US" dirty="0"/>
+              <a:t>Drug breakdown: 56% white, 34.2% black, 8.2% Hispanic</a:t>
+            </a:r>
+          </a:p>
+          <a:p>
+            <a:r>
+              <a:rPr lang="en-US" dirty="0"/>
+              <a:t>Safety valve breakdown: 59.9% white, 22% black, 17.2% Hispanic</a:t>
+            </a:r>
+          </a:p>
+        </p:txBody>
+      </p:sp>
+      <p:sp>
+        <p:nvSpPr>
+          <p:cNvPr id="4" name="Slide Number Placeholder 3"/>
+          <p:cNvSpPr>
+            <a:spLocks noGrp="1"/>
+          </p:cNvSpPr>
+          <p:nvPr>
+            <p:ph type="sldNum" sz="quarter" idx="5"/>
+          </p:nvPr>
+        </p:nvSpPr>
+        <p:spPr/>
+        <p:txBody>
+          <a:bodyPr/>
+          <a:lstStyle/>
+          <a:p>
+            <a:fld id="{7DD90B5D-F117-4387-9A08-B238DF18B47B}" type="slidenum">
+              <a:rPr lang="en-US" smtClean="0"/>
               <a:t>15</a:t>
             </a:fld>
             <a:endParaRPr lang="en-US"/>
@@ -835,6 +966,248 @@
     <p:extLst>
       <p:ext uri="{BB962C8B-B14F-4D97-AF65-F5344CB8AC3E}">
         <p14:creationId xmlns:p14="http://schemas.microsoft.com/office/powerpoint/2010/main" val="3241650802"/>
+      </p:ext>
+    </p:extLst>
+  </p:cSld>
+  <p:clrMapOvr>
+    <a:masterClrMapping/>
+  </p:clrMapOvr>
+</p:notes>
+</file>
+
+<file path=ppt/notesSlides/notesSlide6.xml><?xml version="1.0" encoding="utf-8"?>
+<p:notes xmlns:a="http://schemas.openxmlformats.org/drawingml/2006/main" xmlns:r="http://schemas.openxmlformats.org/officeDocument/2006/relationships" xmlns:p="http://schemas.openxmlformats.org/presentationml/2006/main">
+  <p:cSld>
+    <p:spTree>
+      <p:nvGrpSpPr>
+        <p:cNvPr id="1" name=""/>
+        <p:cNvGrpSpPr/>
+        <p:nvPr/>
+      </p:nvGrpSpPr>
+      <p:grpSpPr>
+        <a:xfrm>
+          <a:off x="0" y="0"/>
+          <a:ext cx="0" cy="0"/>
+          <a:chOff x="0" y="0"/>
+          <a:chExt cx="0" cy="0"/>
+        </a:xfrm>
+      </p:grpSpPr>
+      <p:sp>
+        <p:nvSpPr>
+          <p:cNvPr id="2" name="Slide Image Placeholder 1"/>
+          <p:cNvSpPr>
+            <a:spLocks noGrp="1" noRot="1" noChangeAspect="1"/>
+          </p:cNvSpPr>
+          <p:nvPr>
+            <p:ph type="sldImg"/>
+          </p:nvPr>
+        </p:nvSpPr>
+        <p:spPr/>
+      </p:sp>
+      <p:sp>
+        <p:nvSpPr>
+          <p:cNvPr id="3" name="Notes Placeholder 2"/>
+          <p:cNvSpPr>
+            <a:spLocks noGrp="1"/>
+          </p:cNvSpPr>
+          <p:nvPr>
+            <p:ph type="body" idx="1"/>
+          </p:nvPr>
+        </p:nvSpPr>
+        <p:spPr/>
+        <p:txBody>
+          <a:bodyPr/>
+          <a:lstStyle/>
+          <a:p>
+            <a:r>
+              <a:rPr lang="en-US" dirty="0"/>
+              <a:t>Judges and juries have less discretion, due to rigid sentencing guidelines</a:t>
+            </a:r>
+          </a:p>
+          <a:p>
+            <a:r>
+              <a:rPr lang="en-US" dirty="0"/>
+              <a:t>Only variance is in what you’re charged with, which is determined by prosecutors</a:t>
+            </a:r>
+          </a:p>
+          <a:p>
+            <a:r>
+              <a:rPr lang="en-US" dirty="0"/>
+              <a:t>They use harsh sentences as bargaining chips to encourage </a:t>
+            </a:r>
+            <a:r>
+              <a:rPr lang="en-US" dirty="0" err="1"/>
+              <a:t>defs</a:t>
+            </a:r>
+            <a:r>
+              <a:rPr lang="en-US" dirty="0"/>
+              <a:t> to plead</a:t>
+            </a:r>
+          </a:p>
+          <a:p>
+            <a:r>
+              <a:rPr lang="en-US" dirty="0"/>
+              <a:t>This can be a problem, </a:t>
+            </a:r>
+            <a:r>
+              <a:rPr lang="en-US" dirty="0" err="1"/>
+              <a:t>bc</a:t>
+            </a:r>
+            <a:r>
+              <a:rPr lang="en-US" dirty="0"/>
+              <a:t> an innocent defendant may feel pressured to plead rather than risk a much longer sentence at trial</a:t>
+            </a:r>
+          </a:p>
+        </p:txBody>
+      </p:sp>
+      <p:sp>
+        <p:nvSpPr>
+          <p:cNvPr id="4" name="Slide Number Placeholder 3"/>
+          <p:cNvSpPr>
+            <a:spLocks noGrp="1"/>
+          </p:cNvSpPr>
+          <p:nvPr>
+            <p:ph type="sldNum" sz="quarter" idx="5"/>
+          </p:nvPr>
+        </p:nvSpPr>
+        <p:spPr/>
+        <p:txBody>
+          <a:bodyPr/>
+          <a:lstStyle/>
+          <a:p>
+            <a:fld id="{7DD90B5D-F117-4387-9A08-B238DF18B47B}" type="slidenum">
+              <a:rPr lang="en-US" smtClean="0"/>
+              <a:t>17</a:t>
+            </a:fld>
+            <a:endParaRPr lang="en-US"/>
+          </a:p>
+        </p:txBody>
+      </p:sp>
+    </p:spTree>
+    <p:extLst>
+      <p:ext uri="{BB962C8B-B14F-4D97-AF65-F5344CB8AC3E}">
+        <p14:creationId xmlns:p14="http://schemas.microsoft.com/office/powerpoint/2010/main" val="2296587956"/>
+      </p:ext>
+    </p:extLst>
+  </p:cSld>
+  <p:clrMapOvr>
+    <a:masterClrMapping/>
+  </p:clrMapOvr>
+</p:notes>
+</file>
+
+<file path=ppt/notesSlides/notesSlide7.xml><?xml version="1.0" encoding="utf-8"?>
+<p:notes xmlns:a="http://schemas.openxmlformats.org/drawingml/2006/main" xmlns:r="http://schemas.openxmlformats.org/officeDocument/2006/relationships" xmlns:p="http://schemas.openxmlformats.org/presentationml/2006/main">
+  <p:cSld>
+    <p:spTree>
+      <p:nvGrpSpPr>
+        <p:cNvPr id="1" name=""/>
+        <p:cNvGrpSpPr/>
+        <p:nvPr/>
+      </p:nvGrpSpPr>
+      <p:grpSpPr>
+        <a:xfrm>
+          <a:off x="0" y="0"/>
+          <a:ext cx="0" cy="0"/>
+          <a:chOff x="0" y="0"/>
+          <a:chExt cx="0" cy="0"/>
+        </a:xfrm>
+      </p:grpSpPr>
+      <p:sp>
+        <p:nvSpPr>
+          <p:cNvPr id="2" name="Slide Image Placeholder 1"/>
+          <p:cNvSpPr>
+            <a:spLocks noGrp="1" noRot="1" noChangeAspect="1"/>
+          </p:cNvSpPr>
+          <p:nvPr>
+            <p:ph type="sldImg"/>
+          </p:nvPr>
+        </p:nvSpPr>
+        <p:spPr/>
+      </p:sp>
+      <p:sp>
+        <p:nvSpPr>
+          <p:cNvPr id="3" name="Notes Placeholder 2"/>
+          <p:cNvSpPr>
+            <a:spLocks noGrp="1"/>
+          </p:cNvSpPr>
+          <p:nvPr>
+            <p:ph type="body" idx="1"/>
+          </p:nvPr>
+        </p:nvSpPr>
+        <p:spPr/>
+        <p:txBody>
+          <a:bodyPr/>
+          <a:lstStyle/>
+          <a:p>
+            <a:r>
+              <a:rPr lang="en-US" dirty="0"/>
+              <a:t>Judges and juries have less discretion, due to rigid sentencing guidelines</a:t>
+            </a:r>
+          </a:p>
+          <a:p>
+            <a:r>
+              <a:rPr lang="en-US" dirty="0"/>
+              <a:t>Only variance is in what you’re charged with, which is determined by prosecutors</a:t>
+            </a:r>
+          </a:p>
+          <a:p>
+            <a:r>
+              <a:rPr lang="en-US" dirty="0"/>
+              <a:t>They use harsh sentences as bargaining chips to encourage </a:t>
+            </a:r>
+            <a:r>
+              <a:rPr lang="en-US" dirty="0" err="1"/>
+              <a:t>defs</a:t>
+            </a:r>
+            <a:r>
+              <a:rPr lang="en-US" dirty="0"/>
+              <a:t> to plead</a:t>
+            </a:r>
+          </a:p>
+          <a:p>
+            <a:r>
+              <a:rPr lang="en-US" dirty="0"/>
+              <a:t>This can be a problem, </a:t>
+            </a:r>
+            <a:r>
+              <a:rPr lang="en-US" dirty="0" err="1"/>
+              <a:t>bc</a:t>
+            </a:r>
+            <a:r>
+              <a:rPr lang="en-US" dirty="0"/>
+              <a:t> an innocent defendant may feel pressured to plead rather than risk a much longer sentence at trial</a:t>
+            </a:r>
+          </a:p>
+        </p:txBody>
+      </p:sp>
+      <p:sp>
+        <p:nvSpPr>
+          <p:cNvPr id="4" name="Slide Number Placeholder 3"/>
+          <p:cNvSpPr>
+            <a:spLocks noGrp="1"/>
+          </p:cNvSpPr>
+          <p:nvPr>
+            <p:ph type="sldNum" sz="quarter" idx="5"/>
+          </p:nvPr>
+        </p:nvSpPr>
+        <p:spPr/>
+        <p:txBody>
+          <a:bodyPr/>
+          <a:lstStyle/>
+          <a:p>
+            <a:fld id="{7DD90B5D-F117-4387-9A08-B238DF18B47B}" type="slidenum">
+              <a:rPr lang="en-US" smtClean="0"/>
+              <a:t>18</a:t>
+            </a:fld>
+            <a:endParaRPr lang="en-US"/>
+          </a:p>
+        </p:txBody>
+      </p:sp>
+    </p:spTree>
+    <p:extLst>
+      <p:ext uri="{BB962C8B-B14F-4D97-AF65-F5344CB8AC3E}">
+        <p14:creationId xmlns:p14="http://schemas.microsoft.com/office/powerpoint/2010/main" val="1601457874"/>
       </p:ext>
     </p:extLst>
   </p:cSld>
@@ -991,7 +1364,7 @@
           <a:p>
             <a:fld id="{11F9EF8F-8264-40DF-BA62-43F7AC7FC3AC}" type="datetimeFigureOut">
               <a:rPr lang="en-US" smtClean="0"/>
-              <a:t>4/27/2021</a:t>
+              <a:t>4/28/2021</a:t>
             </a:fld>
             <a:endParaRPr lang="en-US"/>
           </a:p>
@@ -1189,7 +1562,7 @@
           <a:p>
             <a:fld id="{11F9EF8F-8264-40DF-BA62-43F7AC7FC3AC}" type="datetimeFigureOut">
               <a:rPr lang="en-US" smtClean="0"/>
-              <a:t>4/27/2021</a:t>
+              <a:t>4/28/2021</a:t>
             </a:fld>
             <a:endParaRPr lang="en-US"/>
           </a:p>
@@ -1397,7 +1770,7 @@
           <a:p>
             <a:fld id="{11F9EF8F-8264-40DF-BA62-43F7AC7FC3AC}" type="datetimeFigureOut">
               <a:rPr lang="en-US" smtClean="0"/>
-              <a:t>4/27/2021</a:t>
+              <a:t>4/28/2021</a:t>
             </a:fld>
             <a:endParaRPr lang="en-US"/>
           </a:p>
@@ -1595,7 +1968,7 @@
           <a:p>
             <a:fld id="{11F9EF8F-8264-40DF-BA62-43F7AC7FC3AC}" type="datetimeFigureOut">
               <a:rPr lang="en-US" smtClean="0"/>
-              <a:t>4/27/2021</a:t>
+              <a:t>4/28/2021</a:t>
             </a:fld>
             <a:endParaRPr lang="en-US"/>
           </a:p>
@@ -1870,7 +2243,7 @@
           <a:p>
             <a:fld id="{11F9EF8F-8264-40DF-BA62-43F7AC7FC3AC}" type="datetimeFigureOut">
               <a:rPr lang="en-US" smtClean="0"/>
-              <a:t>4/27/2021</a:t>
+              <a:t>4/28/2021</a:t>
             </a:fld>
             <a:endParaRPr lang="en-US"/>
           </a:p>
@@ -2135,7 +2508,7 @@
           <a:p>
             <a:fld id="{11F9EF8F-8264-40DF-BA62-43F7AC7FC3AC}" type="datetimeFigureOut">
               <a:rPr lang="en-US" smtClean="0"/>
-              <a:t>4/27/2021</a:t>
+              <a:t>4/28/2021</a:t>
             </a:fld>
             <a:endParaRPr lang="en-US"/>
           </a:p>
@@ -2547,7 +2920,7 @@
           <a:p>
             <a:fld id="{11F9EF8F-8264-40DF-BA62-43F7AC7FC3AC}" type="datetimeFigureOut">
               <a:rPr lang="en-US" smtClean="0"/>
-              <a:t>4/27/2021</a:t>
+              <a:t>4/28/2021</a:t>
             </a:fld>
             <a:endParaRPr lang="en-US"/>
           </a:p>
@@ -2688,7 +3061,7 @@
           <a:p>
             <a:fld id="{11F9EF8F-8264-40DF-BA62-43F7AC7FC3AC}" type="datetimeFigureOut">
               <a:rPr lang="en-US" smtClean="0"/>
-              <a:t>4/27/2021</a:t>
+              <a:t>4/28/2021</a:t>
             </a:fld>
             <a:endParaRPr lang="en-US"/>
           </a:p>
@@ -2801,7 +3174,7 @@
           <a:p>
             <a:fld id="{11F9EF8F-8264-40DF-BA62-43F7AC7FC3AC}" type="datetimeFigureOut">
               <a:rPr lang="en-US" smtClean="0"/>
-              <a:t>4/27/2021</a:t>
+              <a:t>4/28/2021</a:t>
             </a:fld>
             <a:endParaRPr lang="en-US"/>
           </a:p>
@@ -3112,7 +3485,7 @@
           <a:p>
             <a:fld id="{11F9EF8F-8264-40DF-BA62-43F7AC7FC3AC}" type="datetimeFigureOut">
               <a:rPr lang="en-US" smtClean="0"/>
-              <a:t>4/27/2021</a:t>
+              <a:t>4/28/2021</a:t>
             </a:fld>
             <a:endParaRPr lang="en-US"/>
           </a:p>
@@ -3400,7 +3773,7 @@
           <a:p>
             <a:fld id="{11F9EF8F-8264-40DF-BA62-43F7AC7FC3AC}" type="datetimeFigureOut">
               <a:rPr lang="en-US" smtClean="0"/>
-              <a:t>4/27/2021</a:t>
+              <a:t>4/28/2021</a:t>
             </a:fld>
             <a:endParaRPr lang="en-US"/>
           </a:p>
@@ -3641,7 +4014,7 @@
           <a:p>
             <a:fld id="{11F9EF8F-8264-40DF-BA62-43F7AC7FC3AC}" type="datetimeFigureOut">
               <a:rPr lang="en-US" smtClean="0"/>
-              <a:t>4/27/2021</a:t>
+              <a:t>4/28/2021</a:t>
             </a:fld>
             <a:endParaRPr lang="en-US"/>
           </a:p>
@@ -4657,7 +5030,7 @@
       </p:grpSpPr>
       <p:sp useBgFill="1">
         <p:nvSpPr>
-          <p:cNvPr id="20" name="Rectangle 19">
+          <p:cNvPr id="27" name="Rectangle 26">
             <a:extLst>
               <a:ext uri="{FF2B5EF4-FFF2-40B4-BE49-F238E27FC236}">
                 <a16:creationId xmlns:a16="http://schemas.microsoft.com/office/drawing/2014/main" id="{C475749F-F487-4EFB-ABC7-C1359590EB76}"/>
@@ -4717,46 +5090,203 @@
       </p:sp>
       <p:sp>
         <p:nvSpPr>
-          <p:cNvPr id="4" name="Title 3">
+          <p:cNvPr id="29" name="Freeform 5">
             <a:extLst>
               <a:ext uri="{FF2B5EF4-FFF2-40B4-BE49-F238E27FC236}">
-                <a16:creationId xmlns:a16="http://schemas.microsoft.com/office/drawing/2014/main" id="{BB2A1168-7759-4137-9142-9990CD1097B1}"/>
+                <a16:creationId xmlns:a16="http://schemas.microsoft.com/office/drawing/2014/main" id="{F6285A5F-6712-47A0-8A11-F0DFF60D0D20}"/>
+              </a:ext>
+              <a:ext uri="{C183D7F6-B498-43B3-948B-1728B52AA6E4}">
+                <adec:decorative xmlns:adec="http://schemas.microsoft.com/office/drawing/2017/decorative" val="1"/>
               </a:ext>
             </a:extLst>
           </p:cNvPr>
           <p:cNvSpPr>
-            <a:spLocks noGrp="1"/>
+            <a:spLocks noGrp="1" noRot="1" noChangeAspect="1" noMove="1" noResize="1" noEditPoints="1" noAdjustHandles="1" noChangeArrowheads="1" noChangeShapeType="1" noTextEdit="1"/>
           </p:cNvSpPr>
           <p:nvPr>
-            <p:ph type="ctrTitle"/>
+            <p:extLst>
+              <p:ext uri="{386F3935-93C4-4BCD-93E2-E3B085C9AB24}">
+                <p16:designElem xmlns:p16="http://schemas.microsoft.com/office/powerpoint/2015/main" val="1"/>
+              </p:ext>
+            </p:extLst>
           </p:nvPr>
         </p:nvSpPr>
-        <p:spPr>
+        <p:spPr bwMode="auto">
           <a:xfrm>
-            <a:off x="880281" y="921452"/>
-            <a:ext cx="4985018" cy="3268639"/>
+            <a:off x="7276856" y="1645695"/>
+            <a:ext cx="4418320" cy="3877280"/>
           </a:xfrm>
+          <a:custGeom>
+            <a:avLst/>
+            <a:gdLst>
+              <a:gd name="T0" fmla="*/ 781 w 1099"/>
+              <a:gd name="T1" fmla="*/ 0 h 968"/>
+              <a:gd name="T2" fmla="*/ 318 w 1099"/>
+              <a:gd name="T3" fmla="*/ 0 h 968"/>
+              <a:gd name="T4" fmla="*/ 246 w 1099"/>
+              <a:gd name="T5" fmla="*/ 42 h 968"/>
+              <a:gd name="T6" fmla="*/ 15 w 1099"/>
+              <a:gd name="T7" fmla="*/ 443 h 968"/>
+              <a:gd name="T8" fmla="*/ 15 w 1099"/>
+              <a:gd name="T9" fmla="*/ 525 h 968"/>
+              <a:gd name="T10" fmla="*/ 246 w 1099"/>
+              <a:gd name="T11" fmla="*/ 926 h 968"/>
+              <a:gd name="T12" fmla="*/ 318 w 1099"/>
+              <a:gd name="T13" fmla="*/ 968 h 968"/>
+              <a:gd name="T14" fmla="*/ 781 w 1099"/>
+              <a:gd name="T15" fmla="*/ 968 h 968"/>
+              <a:gd name="T16" fmla="*/ 852 w 1099"/>
+              <a:gd name="T17" fmla="*/ 926 h 968"/>
+              <a:gd name="T18" fmla="*/ 1084 w 1099"/>
+              <a:gd name="T19" fmla="*/ 525 h 968"/>
+              <a:gd name="T20" fmla="*/ 1084 w 1099"/>
+              <a:gd name="T21" fmla="*/ 443 h 968"/>
+              <a:gd name="T22" fmla="*/ 852 w 1099"/>
+              <a:gd name="T23" fmla="*/ 42 h 968"/>
+              <a:gd name="T24" fmla="*/ 781 w 1099"/>
+              <a:gd name="T25" fmla="*/ 0 h 968"/>
+            </a:gdLst>
+            <a:ahLst/>
+            <a:cxnLst>
+              <a:cxn ang="0">
+                <a:pos x="T0" y="T1"/>
+              </a:cxn>
+              <a:cxn ang="0">
+                <a:pos x="T2" y="T3"/>
+              </a:cxn>
+              <a:cxn ang="0">
+                <a:pos x="T4" y="T5"/>
+              </a:cxn>
+              <a:cxn ang="0">
+                <a:pos x="T6" y="T7"/>
+              </a:cxn>
+              <a:cxn ang="0">
+                <a:pos x="T8" y="T9"/>
+              </a:cxn>
+              <a:cxn ang="0">
+                <a:pos x="T10" y="T11"/>
+              </a:cxn>
+              <a:cxn ang="0">
+                <a:pos x="T12" y="T13"/>
+              </a:cxn>
+              <a:cxn ang="0">
+                <a:pos x="T14" y="T15"/>
+              </a:cxn>
+              <a:cxn ang="0">
+                <a:pos x="T16" y="T17"/>
+              </a:cxn>
+              <a:cxn ang="0">
+                <a:pos x="T18" y="T19"/>
+              </a:cxn>
+              <a:cxn ang="0">
+                <a:pos x="T20" y="T21"/>
+              </a:cxn>
+              <a:cxn ang="0">
+                <a:pos x="T22" y="T23"/>
+              </a:cxn>
+              <a:cxn ang="0">
+                <a:pos x="T24" y="T25"/>
+              </a:cxn>
+            </a:cxnLst>
+            <a:rect l="0" t="0" r="r" b="b"/>
+            <a:pathLst>
+              <a:path w="1099" h="968">
+                <a:moveTo>
+                  <a:pt x="781" y="0"/>
+                </a:moveTo>
+                <a:cubicBezTo>
+                  <a:pt x="318" y="0"/>
+                  <a:pt x="318" y="0"/>
+                  <a:pt x="318" y="0"/>
+                </a:cubicBezTo>
+                <a:cubicBezTo>
+                  <a:pt x="288" y="0"/>
+                  <a:pt x="261" y="16"/>
+                  <a:pt x="246" y="42"/>
+                </a:cubicBezTo>
+                <a:cubicBezTo>
+                  <a:pt x="15" y="443"/>
+                  <a:pt x="15" y="443"/>
+                  <a:pt x="15" y="443"/>
+                </a:cubicBezTo>
+                <a:cubicBezTo>
+                  <a:pt x="0" y="468"/>
+                  <a:pt x="0" y="500"/>
+                  <a:pt x="15" y="525"/>
+                </a:cubicBezTo>
+                <a:cubicBezTo>
+                  <a:pt x="246" y="926"/>
+                  <a:pt x="246" y="926"/>
+                  <a:pt x="246" y="926"/>
+                </a:cubicBezTo>
+                <a:cubicBezTo>
+                  <a:pt x="261" y="952"/>
+                  <a:pt x="288" y="968"/>
+                  <a:pt x="318" y="968"/>
+                </a:cubicBezTo>
+                <a:cubicBezTo>
+                  <a:pt x="781" y="968"/>
+                  <a:pt x="781" y="968"/>
+                  <a:pt x="781" y="968"/>
+                </a:cubicBezTo>
+                <a:cubicBezTo>
+                  <a:pt x="810" y="968"/>
+                  <a:pt x="838" y="952"/>
+                  <a:pt x="852" y="926"/>
+                </a:cubicBezTo>
+                <a:cubicBezTo>
+                  <a:pt x="1084" y="525"/>
+                  <a:pt x="1084" y="525"/>
+                  <a:pt x="1084" y="525"/>
+                </a:cubicBezTo>
+                <a:cubicBezTo>
+                  <a:pt x="1099" y="500"/>
+                  <a:pt x="1099" y="468"/>
+                  <a:pt x="1084" y="443"/>
+                </a:cubicBezTo>
+                <a:cubicBezTo>
+                  <a:pt x="852" y="42"/>
+                  <a:pt x="852" y="42"/>
+                  <a:pt x="852" y="42"/>
+                </a:cubicBezTo>
+                <a:cubicBezTo>
+                  <a:pt x="838" y="16"/>
+                  <a:pt x="810" y="0"/>
+                  <a:pt x="781" y="0"/>
+                </a:cubicBezTo>
+                <a:close/>
+              </a:path>
+            </a:pathLst>
+          </a:custGeom>
+          <a:noFill/>
+          <a:ln w="50800" cap="flat">
+            <a:solidFill>
+              <a:schemeClr val="tx1"/>
+            </a:solidFill>
+            <a:prstDash val="solid"/>
+            <a:miter lim="800000"/>
+            <a:headEnd/>
+            <a:tailEnd/>
+          </a:ln>
         </p:spPr>
         <p:txBody>
-          <a:bodyPr anchor="b">
-            <a:normAutofit/>
+          <a:bodyPr vert="horz" wrap="square" lIns="91440" tIns="45720" rIns="91440" bIns="45720" numCol="1" anchor="t" anchorCtr="0" compatLnSpc="1">
+            <a:prstTxWarp prst="textNoShape">
+              <a:avLst/>
+            </a:prstTxWarp>
           </a:bodyPr>
           <a:lstStyle/>
           <a:p>
-            <a:pPr algn="l"/>
-            <a:r>
-              <a:rPr lang="en-US" sz="3400"/>
-              <a:t>Are there disparities in the application of sentence enhancements and sentence mitigation measures?</a:t>
-            </a:r>
+            <a:endParaRPr lang="en-US" dirty="0"/>
           </a:p>
         </p:txBody>
       </p:sp>
       <p:sp>
         <p:nvSpPr>
-          <p:cNvPr id="22" name="Freeform: Shape 21">
+          <p:cNvPr id="31" name="Freeform: Shape 30">
             <a:extLst>
               <a:ext uri="{FF2B5EF4-FFF2-40B4-BE49-F238E27FC236}">
-                <a16:creationId xmlns:a16="http://schemas.microsoft.com/office/drawing/2014/main" id="{16D6FAA8-41A5-46EA-A8AB-E9D2754A6F32}"/>
+                <a16:creationId xmlns:a16="http://schemas.microsoft.com/office/drawing/2014/main" id="{FA6F8ABB-6C5D-4349-9E1B-198D1ABFA804}"/>
               </a:ext>
               <a:ext uri="{C183D7F6-B498-43B3-948B-1728B52AA6E4}">
                 <adec:decorative xmlns:adec="http://schemas.microsoft.com/office/drawing/2017/decorative" val="1"/>
@@ -4776,158 +5306,38 @@
         </p:nvSpPr>
         <p:spPr>
           <a:xfrm>
-            <a:off x="6000601" y="1073777"/>
-            <a:ext cx="5623281" cy="4686943"/>
+            <a:off x="5952343" y="643383"/>
+            <a:ext cx="2926988" cy="2594434"/>
           </a:xfrm>
           <a:custGeom>
             <a:avLst/>
             <a:gdLst>
-              <a:gd name="connsiteX0" fmla="*/ 2768595 w 4574113"/>
-              <a:gd name="connsiteY0" fmla="*/ 2476119 h 3812472"/>
-              <a:gd name="connsiteX1" fmla="*/ 3374676 w 4574113"/>
-              <a:gd name="connsiteY1" fmla="*/ 2476119 h 3812472"/>
-              <a:gd name="connsiteX2" fmla="*/ 3403209 w 4574113"/>
-              <a:gd name="connsiteY2" fmla="*/ 2479909 h 3812472"/>
-              <a:gd name="connsiteX3" fmla="*/ 3422833 w 4574113"/>
-              <a:gd name="connsiteY3" fmla="*/ 2488137 h 3812472"/>
-              <a:gd name="connsiteX4" fmla="*/ 3410840 w 4574113"/>
-              <a:gd name="connsiteY4" fmla="*/ 2508879 h 3812472"/>
-              <a:gd name="connsiteX5" fmla="*/ 2985934 w 4574113"/>
-              <a:gd name="connsiteY5" fmla="*/ 3243764 h 3812472"/>
-              <a:gd name="connsiteX6" fmla="*/ 2732784 w 4574113"/>
-              <a:gd name="connsiteY6" fmla="*/ 3390890 h 3812472"/>
-              <a:gd name="connsiteX7" fmla="*/ 2529297 w 4574113"/>
-              <a:gd name="connsiteY7" fmla="*/ 3390890 h 3812472"/>
-              <a:gd name="connsiteX8" fmla="*/ 2505559 w 4574113"/>
-              <a:gd name="connsiteY8" fmla="*/ 3390890 h 3812472"/>
-              <a:gd name="connsiteX9" fmla="*/ 2482907 w 4574113"/>
-              <a:gd name="connsiteY9" fmla="*/ 3351884 h 3812472"/>
-              <a:gd name="connsiteX10" fmla="*/ 2371959 w 4574113"/>
-              <a:gd name="connsiteY10" fmla="*/ 3160822 h 3812472"/>
-              <a:gd name="connsiteX11" fmla="*/ 2371959 w 4574113"/>
-              <a:gd name="connsiteY11" fmla="*/ 3053878 h 3812472"/>
-              <a:gd name="connsiteX12" fmla="*/ 2675654 w 4574113"/>
-              <a:gd name="connsiteY12" fmla="*/ 2530895 h 3812472"/>
-              <a:gd name="connsiteX13" fmla="*/ 2768595 w 4574113"/>
-              <a:gd name="connsiteY13" fmla="*/ 2476119 h 3812472"/>
-              <a:gd name="connsiteX14" fmla="*/ 3909778 w 4574113"/>
-              <a:gd name="connsiteY14" fmla="*/ 676847 h 3812472"/>
-              <a:gd name="connsiteX15" fmla="*/ 4305516 w 4574113"/>
-              <a:gd name="connsiteY15" fmla="*/ 676847 h 3812472"/>
-              <a:gd name="connsiteX16" fmla="*/ 4367056 w 4574113"/>
-              <a:gd name="connsiteY16" fmla="*/ 712612 h 3812472"/>
-              <a:gd name="connsiteX17" fmla="*/ 4564498 w 4574113"/>
-              <a:gd name="connsiteY17" fmla="*/ 1054092 h 3812472"/>
-              <a:gd name="connsiteX18" fmla="*/ 4564498 w 4574113"/>
-              <a:gd name="connsiteY18" fmla="*/ 1123921 h 3812472"/>
-              <a:gd name="connsiteX19" fmla="*/ 4367056 w 4574113"/>
-              <a:gd name="connsiteY19" fmla="*/ 1465401 h 3812472"/>
-              <a:gd name="connsiteX20" fmla="*/ 4305516 w 4574113"/>
-              <a:gd name="connsiteY20" fmla="*/ 1501167 h 3812472"/>
-              <a:gd name="connsiteX21" fmla="*/ 3909778 w 4574113"/>
-              <a:gd name="connsiteY21" fmla="*/ 1501167 h 3812472"/>
-              <a:gd name="connsiteX22" fmla="*/ 3849091 w 4574113"/>
-              <a:gd name="connsiteY22" fmla="*/ 1465401 h 3812472"/>
-              <a:gd name="connsiteX23" fmla="*/ 3650795 w 4574113"/>
-              <a:gd name="connsiteY23" fmla="*/ 1123921 h 3812472"/>
-              <a:gd name="connsiteX24" fmla="*/ 3650795 w 4574113"/>
-              <a:gd name="connsiteY24" fmla="*/ 1054092 h 3812472"/>
-              <a:gd name="connsiteX25" fmla="*/ 3849091 w 4574113"/>
-              <a:gd name="connsiteY25" fmla="*/ 712612 h 3812472"/>
-              <a:gd name="connsiteX26" fmla="*/ 3909778 w 4574113"/>
-              <a:gd name="connsiteY26" fmla="*/ 676847 h 3812472"/>
-              <a:gd name="connsiteX27" fmla="*/ 1104892 w 4574113"/>
-              <a:gd name="connsiteY27" fmla="*/ 0 h 3812472"/>
-              <a:gd name="connsiteX28" fmla="*/ 2732784 w 4574113"/>
-              <a:gd name="connsiteY28" fmla="*/ 0 h 3812472"/>
-              <a:gd name="connsiteX29" fmla="*/ 2985934 w 4574113"/>
-              <a:gd name="connsiteY29" fmla="*/ 147125 h 3812472"/>
-              <a:gd name="connsiteX30" fmla="*/ 3798122 w 4574113"/>
-              <a:gd name="connsiteY30" fmla="*/ 1551823 h 3812472"/>
-              <a:gd name="connsiteX31" fmla="*/ 3798122 w 4574113"/>
-              <a:gd name="connsiteY31" fmla="*/ 1839068 h 3812472"/>
-              <a:gd name="connsiteX32" fmla="*/ 3496551 w 4574113"/>
-              <a:gd name="connsiteY32" fmla="*/ 2360642 h 3812472"/>
-              <a:gd name="connsiteX33" fmla="*/ 3471135 w 4574113"/>
-              <a:gd name="connsiteY33" fmla="*/ 2404597 h 3812472"/>
-              <a:gd name="connsiteX34" fmla="*/ 3472029 w 4574113"/>
-              <a:gd name="connsiteY34" fmla="*/ 2404972 h 3812472"/>
-              <a:gd name="connsiteX35" fmla="*/ 3516881 w 4574113"/>
-              <a:gd name="connsiteY35" fmla="*/ 2450209 h 3812472"/>
-              <a:gd name="connsiteX36" fmla="*/ 3857970 w 4574113"/>
-              <a:gd name="connsiteY36" fmla="*/ 3040131 h 3812472"/>
-              <a:gd name="connsiteX37" fmla="*/ 3857970 w 4574113"/>
-              <a:gd name="connsiteY37" fmla="*/ 3160764 h 3812472"/>
-              <a:gd name="connsiteX38" fmla="*/ 3516881 w 4574113"/>
-              <a:gd name="connsiteY38" fmla="*/ 3750684 h 3812472"/>
-              <a:gd name="connsiteX39" fmla="*/ 3410567 w 4574113"/>
-              <a:gd name="connsiteY39" fmla="*/ 3812472 h 3812472"/>
-              <a:gd name="connsiteX40" fmla="*/ 2726911 w 4574113"/>
-              <a:gd name="connsiteY40" fmla="*/ 3812472 h 3812472"/>
-              <a:gd name="connsiteX41" fmla="*/ 2622074 w 4574113"/>
-              <a:gd name="connsiteY41" fmla="*/ 3750684 h 3812472"/>
-              <a:gd name="connsiteX42" fmla="*/ 2438330 w 4574113"/>
-              <a:gd name="connsiteY42" fmla="*/ 3434265 h 3812472"/>
-              <a:gd name="connsiteX43" fmla="*/ 2417573 w 4574113"/>
-              <a:gd name="connsiteY43" fmla="*/ 3398519 h 3812472"/>
-              <a:gd name="connsiteX44" fmla="*/ 2433905 w 4574113"/>
-              <a:gd name="connsiteY44" fmla="*/ 3398519 h 3812472"/>
-              <a:gd name="connsiteX45" fmla="*/ 2511101 w 4574113"/>
-              <a:gd name="connsiteY45" fmla="*/ 3398519 h 3812472"/>
-              <a:gd name="connsiteX46" fmla="*/ 2544636 w 4574113"/>
-              <a:gd name="connsiteY46" fmla="*/ 3456269 h 3812472"/>
-              <a:gd name="connsiteX47" fmla="*/ 2672757 w 4574113"/>
-              <a:gd name="connsiteY47" fmla="*/ 3676902 h 3812472"/>
-              <a:gd name="connsiteX48" fmla="*/ 2765699 w 4574113"/>
-              <a:gd name="connsiteY48" fmla="*/ 3731679 h 3812472"/>
-              <a:gd name="connsiteX49" fmla="*/ 3371780 w 4574113"/>
-              <a:gd name="connsiteY49" fmla="*/ 3731679 h 3812472"/>
-              <a:gd name="connsiteX50" fmla="*/ 3466029 w 4574113"/>
-              <a:gd name="connsiteY50" fmla="*/ 3676902 h 3812472"/>
-              <a:gd name="connsiteX51" fmla="*/ 3768415 w 4574113"/>
-              <a:gd name="connsiteY51" fmla="*/ 3153920 h 3812472"/>
-              <a:gd name="connsiteX52" fmla="*/ 3768415 w 4574113"/>
-              <a:gd name="connsiteY52" fmla="*/ 3046975 h 3812472"/>
-              <a:gd name="connsiteX53" fmla="*/ 3466029 w 4574113"/>
-              <a:gd name="connsiteY53" fmla="*/ 2523992 h 3812472"/>
-              <a:gd name="connsiteX54" fmla="*/ 3426268 w 4574113"/>
-              <a:gd name="connsiteY54" fmla="*/ 2483888 h 3812472"/>
-              <a:gd name="connsiteX55" fmla="*/ 3421667 w 4574113"/>
-              <a:gd name="connsiteY55" fmla="*/ 2481960 h 3812472"/>
-              <a:gd name="connsiteX56" fmla="*/ 3446331 w 4574113"/>
-              <a:gd name="connsiteY56" fmla="*/ 2439303 h 3812472"/>
-              <a:gd name="connsiteX57" fmla="*/ 3464674 w 4574113"/>
-              <a:gd name="connsiteY57" fmla="*/ 2407578 h 3812472"/>
-              <a:gd name="connsiteX58" fmla="*/ 3445649 w 4574113"/>
-              <a:gd name="connsiteY58" fmla="*/ 2399601 h 3812472"/>
-              <a:gd name="connsiteX59" fmla="*/ 3413464 w 4574113"/>
-              <a:gd name="connsiteY59" fmla="*/ 2395325 h 3812472"/>
-              <a:gd name="connsiteX60" fmla="*/ 2729808 w 4574113"/>
-              <a:gd name="connsiteY60" fmla="*/ 2395325 h 3812472"/>
-              <a:gd name="connsiteX61" fmla="*/ 2624971 w 4574113"/>
-              <a:gd name="connsiteY61" fmla="*/ 2457112 h 3812472"/>
-              <a:gd name="connsiteX62" fmla="*/ 2282405 w 4574113"/>
-              <a:gd name="connsiteY62" fmla="*/ 3047034 h 3812472"/>
-              <a:gd name="connsiteX63" fmla="*/ 2282405 w 4574113"/>
-              <a:gd name="connsiteY63" fmla="*/ 3167666 h 3812472"/>
-              <a:gd name="connsiteX64" fmla="*/ 2395478 w 4574113"/>
-              <a:gd name="connsiteY64" fmla="*/ 3362386 h 3812472"/>
-              <a:gd name="connsiteX65" fmla="*/ 2412031 w 4574113"/>
-              <a:gd name="connsiteY65" fmla="*/ 3390890 h 3812472"/>
-              <a:gd name="connsiteX66" fmla="*/ 2335350 w 4574113"/>
-              <a:gd name="connsiteY66" fmla="*/ 3390890 h 3812472"/>
-              <a:gd name="connsiteX67" fmla="*/ 1104892 w 4574113"/>
-              <a:gd name="connsiteY67" fmla="*/ 3390890 h 3812472"/>
-              <a:gd name="connsiteX68" fmla="*/ 855258 w 4574113"/>
-              <a:gd name="connsiteY68" fmla="*/ 3243764 h 3812472"/>
-              <a:gd name="connsiteX69" fmla="*/ 39555 w 4574113"/>
-              <a:gd name="connsiteY69" fmla="*/ 1839068 h 3812472"/>
-              <a:gd name="connsiteX70" fmla="*/ 39555 w 4574113"/>
-              <a:gd name="connsiteY70" fmla="*/ 1551823 h 3812472"/>
-              <a:gd name="connsiteX71" fmla="*/ 855258 w 4574113"/>
-              <a:gd name="connsiteY71" fmla="*/ 147125 h 3812472"/>
-              <a:gd name="connsiteX72" fmla="*/ 1104892 w 4574113"/>
-              <a:gd name="connsiteY72" fmla="*/ 0 h 3812472"/>
+              <a:gd name="connsiteX0" fmla="*/ 853538 w 2991693"/>
+              <a:gd name="connsiteY0" fmla="*/ 0 h 2651787"/>
+              <a:gd name="connsiteX1" fmla="*/ 2141030 w 2991693"/>
+              <a:gd name="connsiteY1" fmla="*/ 0 h 2651787"/>
+              <a:gd name="connsiteX2" fmla="*/ 2324957 w 2991693"/>
+              <a:gd name="connsiteY2" fmla="*/ 103466 h 2651787"/>
+              <a:gd name="connsiteX3" fmla="*/ 2968702 w 2991693"/>
+              <a:gd name="connsiteY3" fmla="*/ 1218596 h 2651787"/>
+              <a:gd name="connsiteX4" fmla="*/ 2968702 w 2991693"/>
+              <a:gd name="connsiteY4" fmla="*/ 1433192 h 2651787"/>
+              <a:gd name="connsiteX5" fmla="*/ 2324957 w 2991693"/>
+              <a:gd name="connsiteY5" fmla="*/ 2548321 h 2651787"/>
+              <a:gd name="connsiteX6" fmla="*/ 2141030 w 2991693"/>
+              <a:gd name="connsiteY6" fmla="*/ 2651787 h 2651787"/>
+              <a:gd name="connsiteX7" fmla="*/ 853538 w 2991693"/>
+              <a:gd name="connsiteY7" fmla="*/ 2651787 h 2651787"/>
+              <a:gd name="connsiteX8" fmla="*/ 669612 w 2991693"/>
+              <a:gd name="connsiteY8" fmla="*/ 2548321 h 2651787"/>
+              <a:gd name="connsiteX9" fmla="*/ 25866 w 2991693"/>
+              <a:gd name="connsiteY9" fmla="*/ 1433192 h 2651787"/>
+              <a:gd name="connsiteX10" fmla="*/ 25866 w 2991693"/>
+              <a:gd name="connsiteY10" fmla="*/ 1218596 h 2651787"/>
+              <a:gd name="connsiteX11" fmla="*/ 669612 w 2991693"/>
+              <a:gd name="connsiteY11" fmla="*/ 103466 h 2651787"/>
+              <a:gd name="connsiteX12" fmla="*/ 853538 w 2991693"/>
+              <a:gd name="connsiteY12" fmla="*/ 0 h 2651787"/>
             </a:gdLst>
             <a:ahLst/>
             <a:cxnLst>
@@ -4970,518 +5380,70 @@
               <a:cxn ang="0">
                 <a:pos x="connsiteX12" y="connsiteY12"/>
               </a:cxn>
-              <a:cxn ang="0">
-                <a:pos x="connsiteX13" y="connsiteY13"/>
-              </a:cxn>
-              <a:cxn ang="0">
-                <a:pos x="connsiteX14" y="connsiteY14"/>
-              </a:cxn>
-              <a:cxn ang="0">
-                <a:pos x="connsiteX15" y="connsiteY15"/>
-              </a:cxn>
-              <a:cxn ang="0">
-                <a:pos x="connsiteX16" y="connsiteY16"/>
-              </a:cxn>
-              <a:cxn ang="0">
-                <a:pos x="connsiteX17" y="connsiteY17"/>
-              </a:cxn>
-              <a:cxn ang="0">
-                <a:pos x="connsiteX18" y="connsiteY18"/>
-              </a:cxn>
-              <a:cxn ang="0">
-                <a:pos x="connsiteX19" y="connsiteY19"/>
-              </a:cxn>
-              <a:cxn ang="0">
-                <a:pos x="connsiteX20" y="connsiteY20"/>
-              </a:cxn>
-              <a:cxn ang="0">
-                <a:pos x="connsiteX21" y="connsiteY21"/>
-              </a:cxn>
-              <a:cxn ang="0">
-                <a:pos x="connsiteX22" y="connsiteY22"/>
-              </a:cxn>
-              <a:cxn ang="0">
-                <a:pos x="connsiteX23" y="connsiteY23"/>
-              </a:cxn>
-              <a:cxn ang="0">
-                <a:pos x="connsiteX24" y="connsiteY24"/>
-              </a:cxn>
-              <a:cxn ang="0">
-                <a:pos x="connsiteX25" y="connsiteY25"/>
-              </a:cxn>
-              <a:cxn ang="0">
-                <a:pos x="connsiteX26" y="connsiteY26"/>
-              </a:cxn>
-              <a:cxn ang="0">
-                <a:pos x="connsiteX27" y="connsiteY27"/>
-              </a:cxn>
-              <a:cxn ang="0">
-                <a:pos x="connsiteX28" y="connsiteY28"/>
-              </a:cxn>
-              <a:cxn ang="0">
-                <a:pos x="connsiteX29" y="connsiteY29"/>
-              </a:cxn>
-              <a:cxn ang="0">
-                <a:pos x="connsiteX30" y="connsiteY30"/>
-              </a:cxn>
-              <a:cxn ang="0">
-                <a:pos x="connsiteX31" y="connsiteY31"/>
-              </a:cxn>
-              <a:cxn ang="0">
-                <a:pos x="connsiteX32" y="connsiteY32"/>
-              </a:cxn>
-              <a:cxn ang="0">
-                <a:pos x="connsiteX33" y="connsiteY33"/>
-              </a:cxn>
-              <a:cxn ang="0">
-                <a:pos x="connsiteX34" y="connsiteY34"/>
-              </a:cxn>
-              <a:cxn ang="0">
-                <a:pos x="connsiteX35" y="connsiteY35"/>
-              </a:cxn>
-              <a:cxn ang="0">
-                <a:pos x="connsiteX36" y="connsiteY36"/>
-              </a:cxn>
-              <a:cxn ang="0">
-                <a:pos x="connsiteX37" y="connsiteY37"/>
-              </a:cxn>
-              <a:cxn ang="0">
-                <a:pos x="connsiteX38" y="connsiteY38"/>
-              </a:cxn>
-              <a:cxn ang="0">
-                <a:pos x="connsiteX39" y="connsiteY39"/>
-              </a:cxn>
-              <a:cxn ang="0">
-                <a:pos x="connsiteX40" y="connsiteY40"/>
-              </a:cxn>
-              <a:cxn ang="0">
-                <a:pos x="connsiteX41" y="connsiteY41"/>
-              </a:cxn>
-              <a:cxn ang="0">
-                <a:pos x="connsiteX42" y="connsiteY42"/>
-              </a:cxn>
-              <a:cxn ang="0">
-                <a:pos x="connsiteX43" y="connsiteY43"/>
-              </a:cxn>
-              <a:cxn ang="0">
-                <a:pos x="connsiteX44" y="connsiteY44"/>
-              </a:cxn>
-              <a:cxn ang="0">
-                <a:pos x="connsiteX45" y="connsiteY45"/>
-              </a:cxn>
-              <a:cxn ang="0">
-                <a:pos x="connsiteX46" y="connsiteY46"/>
-              </a:cxn>
-              <a:cxn ang="0">
-                <a:pos x="connsiteX47" y="connsiteY47"/>
-              </a:cxn>
-              <a:cxn ang="0">
-                <a:pos x="connsiteX48" y="connsiteY48"/>
-              </a:cxn>
-              <a:cxn ang="0">
-                <a:pos x="connsiteX49" y="connsiteY49"/>
-              </a:cxn>
-              <a:cxn ang="0">
-                <a:pos x="connsiteX50" y="connsiteY50"/>
-              </a:cxn>
-              <a:cxn ang="0">
-                <a:pos x="connsiteX51" y="connsiteY51"/>
-              </a:cxn>
-              <a:cxn ang="0">
-                <a:pos x="connsiteX52" y="connsiteY52"/>
-              </a:cxn>
-              <a:cxn ang="0">
-                <a:pos x="connsiteX53" y="connsiteY53"/>
-              </a:cxn>
-              <a:cxn ang="0">
-                <a:pos x="connsiteX54" y="connsiteY54"/>
-              </a:cxn>
-              <a:cxn ang="0">
-                <a:pos x="connsiteX55" y="connsiteY55"/>
-              </a:cxn>
-              <a:cxn ang="0">
-                <a:pos x="connsiteX56" y="connsiteY56"/>
-              </a:cxn>
-              <a:cxn ang="0">
-                <a:pos x="connsiteX57" y="connsiteY57"/>
-              </a:cxn>
-              <a:cxn ang="0">
-                <a:pos x="connsiteX58" y="connsiteY58"/>
-              </a:cxn>
-              <a:cxn ang="0">
-                <a:pos x="connsiteX59" y="connsiteY59"/>
-              </a:cxn>
-              <a:cxn ang="0">
-                <a:pos x="connsiteX60" y="connsiteY60"/>
-              </a:cxn>
-              <a:cxn ang="0">
-                <a:pos x="connsiteX61" y="connsiteY61"/>
-              </a:cxn>
-              <a:cxn ang="0">
-                <a:pos x="connsiteX62" y="connsiteY62"/>
-              </a:cxn>
-              <a:cxn ang="0">
-                <a:pos x="connsiteX63" y="connsiteY63"/>
-              </a:cxn>
-              <a:cxn ang="0">
-                <a:pos x="connsiteX64" y="connsiteY64"/>
-              </a:cxn>
-              <a:cxn ang="0">
-                <a:pos x="connsiteX65" y="connsiteY65"/>
-              </a:cxn>
-              <a:cxn ang="0">
-                <a:pos x="connsiteX66" y="connsiteY66"/>
-              </a:cxn>
-              <a:cxn ang="0">
-                <a:pos x="connsiteX67" y="connsiteY67"/>
-              </a:cxn>
-              <a:cxn ang="0">
-                <a:pos x="connsiteX68" y="connsiteY68"/>
-              </a:cxn>
-              <a:cxn ang="0">
-                <a:pos x="connsiteX69" y="connsiteY69"/>
-              </a:cxn>
-              <a:cxn ang="0">
-                <a:pos x="connsiteX70" y="connsiteY70"/>
-              </a:cxn>
-              <a:cxn ang="0">
-                <a:pos x="connsiteX71" y="connsiteY71"/>
-              </a:cxn>
-              <a:cxn ang="0">
-                <a:pos x="connsiteX72" y="connsiteY72"/>
-              </a:cxn>
             </a:cxnLst>
             <a:rect l="l" t="t" r="r" b="b"/>
             <a:pathLst>
-              <a:path w="4574113" h="3812472">
+              <a:path w="2991693" h="2651787">
                 <a:moveTo>
-                  <a:pt x="2768595" y="2476119"/>
+                  <a:pt x="853538" y="0"/>
                 </a:moveTo>
                 <a:cubicBezTo>
-                  <a:pt x="2768595" y="2476119"/>
-                  <a:pt x="2768595" y="2476119"/>
-                  <a:pt x="3374676" y="2476119"/>
-                </a:cubicBezTo>
-                <a:cubicBezTo>
-                  <a:pt x="3384493" y="2476119"/>
-                  <a:pt x="3394066" y="2477423"/>
-                  <a:pt x="3403209" y="2479909"/>
+                  <a:pt x="2141030" y="0"/>
+                  <a:pt x="2141030" y="0"/>
+                  <a:pt x="2141030" y="0"/>
+                </a:cubicBezTo>
+                <a:cubicBezTo>
+                  <a:pt x="2206170" y="0"/>
+                  <a:pt x="2290471" y="45985"/>
+                  <a:pt x="2324957" y="103466"/>
+                </a:cubicBezTo>
+                <a:cubicBezTo>
+                  <a:pt x="2968702" y="1218596"/>
+                  <a:pt x="2968702" y="1218596"/>
+                  <a:pt x="2968702" y="1218596"/>
+                </a:cubicBezTo>
+                <a:cubicBezTo>
+                  <a:pt x="2999357" y="1279909"/>
+                  <a:pt x="2999357" y="1371878"/>
+                  <a:pt x="2968702" y="1433192"/>
+                </a:cubicBezTo>
+                <a:cubicBezTo>
+                  <a:pt x="2324957" y="2548321"/>
+                  <a:pt x="2324957" y="2548321"/>
+                  <a:pt x="2324957" y="2548321"/>
+                </a:cubicBezTo>
+                <a:cubicBezTo>
+                  <a:pt x="2290471" y="2605803"/>
+                  <a:pt x="2206170" y="2651787"/>
+                  <a:pt x="2141030" y="2651787"/>
                 </a:cubicBezTo>
                 <a:lnTo>
-                  <a:pt x="3422833" y="2488137"/>
+                  <a:pt x="853538" y="2651787"/>
                 </a:lnTo>
-                <a:lnTo>
-                  <a:pt x="3410840" y="2508879"/>
-                </a:lnTo>
-                <a:cubicBezTo>
-                  <a:pt x="3302401" y="2696426"/>
-                  <a:pt x="3163600" y="2936487"/>
-                  <a:pt x="2985934" y="3243764"/>
-                </a:cubicBezTo>
-                <a:cubicBezTo>
-                  <a:pt x="2933195" y="3334842"/>
-                  <a:pt x="2838263" y="3390890"/>
-                  <a:pt x="2732784" y="3390890"/>
-                </a:cubicBezTo>
-                <a:cubicBezTo>
-                  <a:pt x="2732784" y="3390890"/>
-                  <a:pt x="2732784" y="3390890"/>
-                  <a:pt x="2529297" y="3390890"/>
-                </a:cubicBezTo>
-                <a:lnTo>
-                  <a:pt x="2505559" y="3390890"/>
-                </a:lnTo>
-                <a:lnTo>
-                  <a:pt x="2482907" y="3351884"/>
-                </a:lnTo>
-                <a:cubicBezTo>
-                  <a:pt x="2451367" y="3297569"/>
-                  <a:pt x="2414666" y="3234367"/>
-                  <a:pt x="2371959" y="3160822"/>
-                </a:cubicBezTo>
-                <a:cubicBezTo>
-                  <a:pt x="2352324" y="3128217"/>
-                  <a:pt x="2352324" y="3086483"/>
-                  <a:pt x="2371959" y="3053878"/>
-                </a:cubicBezTo>
-                <a:cubicBezTo>
-                  <a:pt x="2371959" y="3053878"/>
-                  <a:pt x="2371959" y="3053878"/>
-                  <a:pt x="2675654" y="2530895"/>
-                </a:cubicBezTo>
-                <a:cubicBezTo>
-                  <a:pt x="2693981" y="2496986"/>
-                  <a:pt x="2730633" y="2476119"/>
-                  <a:pt x="2768595" y="2476119"/>
-                </a:cubicBezTo>
-                <a:close/>
-                <a:moveTo>
-                  <a:pt x="3909778" y="676847"/>
-                </a:moveTo>
-                <a:cubicBezTo>
-                  <a:pt x="3909778" y="676847"/>
-                  <a:pt x="3909778" y="676847"/>
-                  <a:pt x="4305516" y="676847"/>
-                </a:cubicBezTo>
-                <a:cubicBezTo>
-                  <a:pt x="4331158" y="676847"/>
-                  <a:pt x="4354235" y="690472"/>
-                  <a:pt x="4367056" y="712612"/>
-                </a:cubicBezTo>
-                <a:cubicBezTo>
-                  <a:pt x="4367056" y="712612"/>
-                  <a:pt x="4367056" y="712612"/>
-                  <a:pt x="4564498" y="1054092"/>
-                </a:cubicBezTo>
-                <a:cubicBezTo>
-                  <a:pt x="4577319" y="1075382"/>
-                  <a:pt x="4577319" y="1102632"/>
-                  <a:pt x="4564498" y="1123921"/>
-                </a:cubicBezTo>
-                <a:cubicBezTo>
-                  <a:pt x="4564498" y="1123921"/>
-                  <a:pt x="4564498" y="1123921"/>
-                  <a:pt x="4367056" y="1465401"/>
-                </a:cubicBezTo>
-                <a:cubicBezTo>
-                  <a:pt x="4354235" y="1487542"/>
-                  <a:pt x="4331158" y="1501167"/>
-                  <a:pt x="4305516" y="1501167"/>
-                </a:cubicBezTo>
-                <a:cubicBezTo>
-                  <a:pt x="4305516" y="1501167"/>
-                  <a:pt x="4305516" y="1501167"/>
-                  <a:pt x="3909778" y="1501167"/>
-                </a:cubicBezTo>
-                <a:cubicBezTo>
-                  <a:pt x="3884990" y="1501167"/>
-                  <a:pt x="3861058" y="1487542"/>
-                  <a:pt x="3849091" y="1465401"/>
-                </a:cubicBezTo>
-                <a:cubicBezTo>
-                  <a:pt x="3849091" y="1465401"/>
-                  <a:pt x="3849091" y="1465401"/>
-                  <a:pt x="3650795" y="1123921"/>
-                </a:cubicBezTo>
-                <a:cubicBezTo>
-                  <a:pt x="3637974" y="1102632"/>
-                  <a:pt x="3637974" y="1075382"/>
-                  <a:pt x="3650795" y="1054092"/>
-                </a:cubicBezTo>
-                <a:cubicBezTo>
-                  <a:pt x="3650795" y="1054092"/>
-                  <a:pt x="3650795" y="1054092"/>
-                  <a:pt x="3849091" y="712612"/>
-                </a:cubicBezTo>
-                <a:cubicBezTo>
-                  <a:pt x="3861058" y="690472"/>
-                  <a:pt x="3884990" y="676847"/>
-                  <a:pt x="3909778" y="676847"/>
-                </a:cubicBezTo>
-                <a:close/>
-                <a:moveTo>
-                  <a:pt x="1104892" y="0"/>
-                </a:moveTo>
-                <a:cubicBezTo>
-                  <a:pt x="1104892" y="0"/>
-                  <a:pt x="1104892" y="0"/>
-                  <a:pt x="2732784" y="0"/>
-                </a:cubicBezTo>
-                <a:cubicBezTo>
-                  <a:pt x="2838263" y="0"/>
-                  <a:pt x="2933195" y="56047"/>
-                  <a:pt x="2985934" y="147125"/>
-                </a:cubicBezTo>
-                <a:cubicBezTo>
-                  <a:pt x="2985934" y="147125"/>
-                  <a:pt x="2985934" y="147125"/>
-                  <a:pt x="3798122" y="1551823"/>
-                </a:cubicBezTo>
-                <a:cubicBezTo>
-                  <a:pt x="3850862" y="1639397"/>
-                  <a:pt x="3850862" y="1751493"/>
-                  <a:pt x="3798122" y="1839068"/>
-                </a:cubicBezTo>
-                <a:cubicBezTo>
-                  <a:pt x="3798122" y="1839068"/>
-                  <a:pt x="3798122" y="1839068"/>
-                  <a:pt x="3496551" y="2360642"/>
-                </a:cubicBezTo>
-                <a:lnTo>
-                  <a:pt x="3471135" y="2404597"/>
-                </a:lnTo>
-                <a:lnTo>
-                  <a:pt x="3472029" y="2404972"/>
-                </a:lnTo>
-                <a:cubicBezTo>
-                  <a:pt x="3490302" y="2415638"/>
-                  <a:pt x="3505806" y="2431084"/>
-                  <a:pt x="3516881" y="2450209"/>
-                </a:cubicBezTo>
-                <a:cubicBezTo>
-                  <a:pt x="3516881" y="2450209"/>
-                  <a:pt x="3516881" y="2450209"/>
-                  <a:pt x="3857970" y="3040131"/>
-                </a:cubicBezTo>
-                <a:cubicBezTo>
-                  <a:pt x="3880120" y="3076909"/>
-                  <a:pt x="3880120" y="3123985"/>
-                  <a:pt x="3857970" y="3160764"/>
-                </a:cubicBezTo>
-                <a:cubicBezTo>
-                  <a:pt x="3857970" y="3160764"/>
-                  <a:pt x="3857970" y="3160764"/>
-                  <a:pt x="3516881" y="3750684"/>
-                </a:cubicBezTo>
-                <a:cubicBezTo>
-                  <a:pt x="3494732" y="3788933"/>
-                  <a:pt x="3454864" y="3812472"/>
-                  <a:pt x="3410567" y="3812472"/>
-                </a:cubicBezTo>
-                <a:cubicBezTo>
-                  <a:pt x="3410567" y="3812472"/>
-                  <a:pt x="3410567" y="3812472"/>
-                  <a:pt x="2726911" y="3812472"/>
-                </a:cubicBezTo>
-                <a:cubicBezTo>
-                  <a:pt x="2684090" y="3812472"/>
-                  <a:pt x="2642747" y="3788933"/>
-                  <a:pt x="2622074" y="3750684"/>
-                </a:cubicBezTo>
-                <a:cubicBezTo>
-                  <a:pt x="2622074" y="3750684"/>
-                  <a:pt x="2622074" y="3750684"/>
-                  <a:pt x="2438330" y="3434265"/>
-                </a:cubicBezTo>
-                <a:lnTo>
-                  <a:pt x="2417573" y="3398519"/>
-                </a:lnTo>
-                <a:lnTo>
-                  <a:pt x="2433905" y="3398519"/>
-                </a:lnTo>
-                <a:lnTo>
-                  <a:pt x="2511101" y="3398519"/>
-                </a:lnTo>
-                <a:lnTo>
-                  <a:pt x="2544636" y="3456269"/>
-                </a:lnTo>
-                <a:cubicBezTo>
-                  <a:pt x="2672757" y="3676902"/>
-                  <a:pt x="2672757" y="3676902"/>
-                  <a:pt x="2672757" y="3676902"/>
-                </a:cubicBezTo>
-                <a:cubicBezTo>
-                  <a:pt x="2691084" y="3710811"/>
-                  <a:pt x="2727737" y="3731679"/>
-                  <a:pt x="2765699" y="3731679"/>
-                </a:cubicBezTo>
-                <a:cubicBezTo>
-                  <a:pt x="3371780" y="3731679"/>
-                  <a:pt x="3371780" y="3731679"/>
-                  <a:pt x="3371780" y="3731679"/>
-                </a:cubicBezTo>
-                <a:cubicBezTo>
-                  <a:pt x="3411050" y="3731679"/>
-                  <a:pt x="3446394" y="3710811"/>
-                  <a:pt x="3466029" y="3676902"/>
-                </a:cubicBezTo>
-                <a:cubicBezTo>
-                  <a:pt x="3768415" y="3153920"/>
-                  <a:pt x="3768415" y="3153920"/>
-                  <a:pt x="3768415" y="3153920"/>
-                </a:cubicBezTo>
-                <a:cubicBezTo>
-                  <a:pt x="3788051" y="3121314"/>
-                  <a:pt x="3788051" y="3079580"/>
-                  <a:pt x="3768415" y="3046975"/>
-                </a:cubicBezTo>
-                <a:cubicBezTo>
-                  <a:pt x="3466029" y="2523992"/>
-                  <a:pt x="3466029" y="2523992"/>
-                  <a:pt x="3466029" y="2523992"/>
-                </a:cubicBezTo>
-                <a:cubicBezTo>
-                  <a:pt x="3456211" y="2507037"/>
-                  <a:pt x="3442467" y="2493343"/>
-                  <a:pt x="3426268" y="2483888"/>
-                </a:cubicBezTo>
-                <a:lnTo>
-                  <a:pt x="3421667" y="2481960"/>
-                </a:lnTo>
-                <a:lnTo>
-                  <a:pt x="3446331" y="2439303"/>
-                </a:lnTo>
-                <a:lnTo>
-                  <a:pt x="3464674" y="2407578"/>
-                </a:lnTo>
-                <a:lnTo>
-                  <a:pt x="3445649" y="2399601"/>
-                </a:lnTo>
-                <a:cubicBezTo>
-                  <a:pt x="3435335" y="2396796"/>
-                  <a:pt x="3424538" y="2395325"/>
-                  <a:pt x="3413464" y="2395325"/>
-                </a:cubicBezTo>
-                <a:cubicBezTo>
-                  <a:pt x="2729808" y="2395325"/>
-                  <a:pt x="2729808" y="2395325"/>
-                  <a:pt x="2729808" y="2395325"/>
-                </a:cubicBezTo>
-                <a:cubicBezTo>
-                  <a:pt x="2686987" y="2395325"/>
-                  <a:pt x="2645644" y="2418863"/>
-                  <a:pt x="2624971" y="2457112"/>
-                </a:cubicBezTo>
-                <a:cubicBezTo>
-                  <a:pt x="2282405" y="3047034"/>
-                  <a:pt x="2282405" y="3047034"/>
-                  <a:pt x="2282405" y="3047034"/>
-                </a:cubicBezTo>
-                <a:cubicBezTo>
-                  <a:pt x="2260256" y="3083811"/>
-                  <a:pt x="2260256" y="3130887"/>
-                  <a:pt x="2282405" y="3167666"/>
-                </a:cubicBezTo>
-                <a:cubicBezTo>
-                  <a:pt x="2325225" y="3241406"/>
-                  <a:pt x="2362693" y="3305929"/>
-                  <a:pt x="2395478" y="3362386"/>
-                </a:cubicBezTo>
-                <a:lnTo>
-                  <a:pt x="2412031" y="3390890"/>
-                </a:lnTo>
-                <a:lnTo>
-                  <a:pt x="2335350" y="3390890"/>
-                </a:lnTo>
-                <a:cubicBezTo>
-                  <a:pt x="2096889" y="3390890"/>
-                  <a:pt x="1715352" y="3390890"/>
-                  <a:pt x="1104892" y="3390890"/>
-                </a:cubicBezTo>
-                <a:cubicBezTo>
-                  <a:pt x="1002929" y="3390890"/>
-                  <a:pt x="904482" y="3334842"/>
-                  <a:pt x="855258" y="3243764"/>
-                </a:cubicBezTo>
-                <a:cubicBezTo>
-                  <a:pt x="855258" y="3243764"/>
-                  <a:pt x="855258" y="3243764"/>
-                  <a:pt x="39555" y="1839068"/>
-                </a:cubicBezTo>
-                <a:cubicBezTo>
-                  <a:pt x="-13185" y="1751493"/>
-                  <a:pt x="-13185" y="1639397"/>
-                  <a:pt x="39555" y="1551823"/>
-                </a:cubicBezTo>
-                <a:cubicBezTo>
-                  <a:pt x="39555" y="1551823"/>
-                  <a:pt x="39555" y="1551823"/>
-                  <a:pt x="855258" y="147125"/>
-                </a:cubicBezTo>
-                <a:cubicBezTo>
-                  <a:pt x="904482" y="56047"/>
-                  <a:pt x="1002929" y="0"/>
-                  <a:pt x="1104892" y="0"/>
+                <a:cubicBezTo>
+                  <a:pt x="784566" y="2651787"/>
+                  <a:pt x="700266" y="2605803"/>
+                  <a:pt x="669612" y="2548321"/>
+                </a:cubicBezTo>
+                <a:cubicBezTo>
+                  <a:pt x="25866" y="1433192"/>
+                  <a:pt x="25866" y="1433192"/>
+                  <a:pt x="25866" y="1433192"/>
+                </a:cubicBezTo>
+                <a:cubicBezTo>
+                  <a:pt x="-8621" y="1371878"/>
+                  <a:pt x="-8621" y="1279909"/>
+                  <a:pt x="25866" y="1218596"/>
+                </a:cubicBezTo>
+                <a:cubicBezTo>
+                  <a:pt x="669612" y="103466"/>
+                  <a:pt x="669612" y="103466"/>
+                  <a:pt x="669612" y="103466"/>
+                </a:cubicBezTo>
+                <a:cubicBezTo>
+                  <a:pt x="700266" y="45985"/>
+                  <a:pt x="784566" y="0"/>
+                  <a:pt x="853538" y="0"/>
                 </a:cubicBezTo>
                 <a:close/>
               </a:path>
@@ -5489,6 +5451,221 @@
           </a:custGeom>
           <a:solidFill>
             <a:schemeClr val="tx1"/>
+          </a:solidFill>
+          <a:ln w="50800">
+            <a:noFill/>
+          </a:ln>
+        </p:spPr>
+        <p:style>
+          <a:lnRef idx="2">
+            <a:schemeClr val="accent1">
+              <a:shade val="50000"/>
+            </a:schemeClr>
+          </a:lnRef>
+          <a:fillRef idx="1">
+            <a:schemeClr val="accent1"/>
+          </a:fillRef>
+          <a:effectRef idx="0">
+            <a:schemeClr val="accent1"/>
+          </a:effectRef>
+          <a:fontRef idx="minor">
+            <a:schemeClr val="lt1"/>
+          </a:fontRef>
+        </p:style>
+        <p:txBody>
+          <a:bodyPr wrap="square" rtlCol="0" anchor="ctr">
+            <a:noAutofit/>
+          </a:bodyPr>
+          <a:lstStyle/>
+          <a:p>
+            <a:pPr algn="ctr"/>
+            <a:endParaRPr lang="en-US" dirty="0"/>
+          </a:p>
+        </p:txBody>
+      </p:sp>
+      <p:sp>
+        <p:nvSpPr>
+          <p:cNvPr id="33" name="Freeform: Shape 32">
+            <a:extLst>
+              <a:ext uri="{FF2B5EF4-FFF2-40B4-BE49-F238E27FC236}">
+                <a16:creationId xmlns:a16="http://schemas.microsoft.com/office/drawing/2014/main" id="{B971ABA8-4CDB-4EEE-8C48-AA4FDB650782}"/>
+              </a:ext>
+              <a:ext uri="{C183D7F6-B498-43B3-948B-1728B52AA6E4}">
+                <adec:decorative xmlns:adec="http://schemas.microsoft.com/office/drawing/2017/decorative" val="1"/>
+              </a:ext>
+            </a:extLst>
+          </p:cNvPr>
+          <p:cNvSpPr>
+            <a:spLocks noGrp="1" noRot="1" noChangeAspect="1" noMove="1" noResize="1" noEditPoints="1" noAdjustHandles="1" noChangeArrowheads="1" noChangeShapeType="1" noTextEdit="1"/>
+          </p:cNvSpPr>
+          <p:nvPr>
+            <p:extLst>
+              <p:ext uri="{386F3935-93C4-4BCD-93E2-E3B085C9AB24}">
+                <p16:designElem xmlns:p16="http://schemas.microsoft.com/office/powerpoint/2015/main" val="1"/>
+              </p:ext>
+            </p:extLst>
+          </p:nvPr>
+        </p:nvSpPr>
+        <p:spPr>
+          <a:xfrm>
+            <a:off x="3" y="2071858"/>
+            <a:ext cx="8109718" cy="4786143"/>
+          </a:xfrm>
+          <a:custGeom>
+            <a:avLst/>
+            <a:gdLst>
+              <a:gd name="connsiteX0" fmla="*/ 7381313 w 8109718"/>
+              <a:gd name="connsiteY0" fmla="*/ 1839459 h 4786143"/>
+              <a:gd name="connsiteX1" fmla="*/ 7381313 w 8109718"/>
+              <a:gd name="connsiteY1" fmla="*/ 1853646 h 4786143"/>
+              <a:gd name="connsiteX2" fmla="*/ 7379359 w 8109718"/>
+              <a:gd name="connsiteY2" fmla="*/ 1846552 h 4786143"/>
+              <a:gd name="connsiteX3" fmla="*/ 1321854 w 8109718"/>
+              <a:gd name="connsiteY3" fmla="*/ 0 h 4786143"/>
+              <a:gd name="connsiteX4" fmla="*/ 5365317 w 8109718"/>
+              <a:gd name="connsiteY4" fmla="*/ 0 h 4786143"/>
+              <a:gd name="connsiteX5" fmla="*/ 5985373 w 8109718"/>
+              <a:gd name="connsiteY5" fmla="*/ 365439 h 4786143"/>
+              <a:gd name="connsiteX6" fmla="*/ 8011470 w 8109718"/>
+              <a:gd name="connsiteY6" fmla="*/ 3854515 h 4786143"/>
+              <a:gd name="connsiteX7" fmla="*/ 8011470 w 8109718"/>
+              <a:gd name="connsiteY7" fmla="*/ 4567993 h 4786143"/>
+              <a:gd name="connsiteX8" fmla="*/ 7904625 w 8109718"/>
+              <a:gd name="connsiteY8" fmla="*/ 4751987 h 4786143"/>
+              <a:gd name="connsiteX9" fmla="*/ 7884791 w 8109718"/>
+              <a:gd name="connsiteY9" fmla="*/ 4786143 h 4786143"/>
+              <a:gd name="connsiteX10" fmla="*/ 0 w 8109718"/>
+              <a:gd name="connsiteY10" fmla="*/ 4786143 h 4786143"/>
+              <a:gd name="connsiteX11" fmla="*/ 0 w 8109718"/>
+              <a:gd name="connsiteY11" fmla="*/ 1564110 h 4786143"/>
+              <a:gd name="connsiteX12" fmla="*/ 27177 w 8109718"/>
+              <a:gd name="connsiteY12" fmla="*/ 1517107 h 4786143"/>
+              <a:gd name="connsiteX13" fmla="*/ 693065 w 8109718"/>
+              <a:gd name="connsiteY13" fmla="*/ 365439 h 4786143"/>
+              <a:gd name="connsiteX14" fmla="*/ 1321854 w 8109718"/>
+              <a:gd name="connsiteY14" fmla="*/ 0 h 4786143"/>
+            </a:gdLst>
+            <a:ahLst/>
+            <a:cxnLst>
+              <a:cxn ang="0">
+                <a:pos x="connsiteX0" y="connsiteY0"/>
+              </a:cxn>
+              <a:cxn ang="0">
+                <a:pos x="connsiteX1" y="connsiteY1"/>
+              </a:cxn>
+              <a:cxn ang="0">
+                <a:pos x="connsiteX2" y="connsiteY2"/>
+              </a:cxn>
+              <a:cxn ang="0">
+                <a:pos x="connsiteX3" y="connsiteY3"/>
+              </a:cxn>
+              <a:cxn ang="0">
+                <a:pos x="connsiteX4" y="connsiteY4"/>
+              </a:cxn>
+              <a:cxn ang="0">
+                <a:pos x="connsiteX5" y="connsiteY5"/>
+              </a:cxn>
+              <a:cxn ang="0">
+                <a:pos x="connsiteX6" y="connsiteY6"/>
+              </a:cxn>
+              <a:cxn ang="0">
+                <a:pos x="connsiteX7" y="connsiteY7"/>
+              </a:cxn>
+              <a:cxn ang="0">
+                <a:pos x="connsiteX8" y="connsiteY8"/>
+              </a:cxn>
+              <a:cxn ang="0">
+                <a:pos x="connsiteX9" y="connsiteY9"/>
+              </a:cxn>
+              <a:cxn ang="0">
+                <a:pos x="connsiteX10" y="connsiteY10"/>
+              </a:cxn>
+              <a:cxn ang="0">
+                <a:pos x="connsiteX11" y="connsiteY11"/>
+              </a:cxn>
+              <a:cxn ang="0">
+                <a:pos x="connsiteX12" y="connsiteY12"/>
+              </a:cxn>
+              <a:cxn ang="0">
+                <a:pos x="connsiteX13" y="connsiteY13"/>
+              </a:cxn>
+              <a:cxn ang="0">
+                <a:pos x="connsiteX14" y="connsiteY14"/>
+              </a:cxn>
+            </a:cxnLst>
+            <a:rect l="l" t="t" r="r" b="b"/>
+            <a:pathLst>
+              <a:path w="8109718" h="4786143">
+                <a:moveTo>
+                  <a:pt x="7381313" y="1839459"/>
+                </a:moveTo>
+                <a:lnTo>
+                  <a:pt x="7381313" y="1853646"/>
+                </a:lnTo>
+                <a:lnTo>
+                  <a:pt x="7379359" y="1846552"/>
+                </a:lnTo>
+                <a:close/>
+                <a:moveTo>
+                  <a:pt x="1321854" y="0"/>
+                </a:moveTo>
+                <a:cubicBezTo>
+                  <a:pt x="1321854" y="0"/>
+                  <a:pt x="1321854" y="0"/>
+                  <a:pt x="5365317" y="0"/>
+                </a:cubicBezTo>
+                <a:cubicBezTo>
+                  <a:pt x="5618580" y="0"/>
+                  <a:pt x="5863108" y="139215"/>
+                  <a:pt x="5985373" y="365439"/>
+                </a:cubicBezTo>
+                <a:cubicBezTo>
+                  <a:pt x="5985373" y="365439"/>
+                  <a:pt x="5985373" y="365439"/>
+                  <a:pt x="8011470" y="3854515"/>
+                </a:cubicBezTo>
+                <a:cubicBezTo>
+                  <a:pt x="8142468" y="4072039"/>
+                  <a:pt x="8142468" y="4350470"/>
+                  <a:pt x="8011470" y="4567993"/>
+                </a:cubicBezTo>
+                <a:cubicBezTo>
+                  <a:pt x="8011470" y="4567993"/>
+                  <a:pt x="8011470" y="4567993"/>
+                  <a:pt x="7904625" y="4751987"/>
+                </a:cubicBezTo>
+                <a:lnTo>
+                  <a:pt x="7884791" y="4786143"/>
+                </a:lnTo>
+                <a:lnTo>
+                  <a:pt x="0" y="4786143"/>
+                </a:lnTo>
+                <a:lnTo>
+                  <a:pt x="0" y="1564110"/>
+                </a:lnTo>
+                <a:lnTo>
+                  <a:pt x="27177" y="1517107"/>
+                </a:lnTo>
+                <a:cubicBezTo>
+                  <a:pt x="220245" y="1183191"/>
+                  <a:pt x="440895" y="801574"/>
+                  <a:pt x="693065" y="365439"/>
+                </a:cubicBezTo>
+                <a:cubicBezTo>
+                  <a:pt x="824063" y="139215"/>
+                  <a:pt x="1059859" y="0"/>
+                  <a:pt x="1321854" y="0"/>
+                </a:cubicBezTo>
+                <a:close/>
+              </a:path>
+            </a:pathLst>
+          </a:custGeom>
+          <a:solidFill>
+            <a:schemeClr val="tx1">
+              <a:lumMod val="85000"/>
+              <a:lumOff val="15000"/>
+              <a:alpha val="99000"/>
+            </a:schemeClr>
           </a:solidFill>
           <a:ln>
             <a:noFill/>
@@ -5521,10 +5698,456 @@
           </a:p>
         </p:txBody>
       </p:sp>
+      <p:sp>
+        <p:nvSpPr>
+          <p:cNvPr id="4" name="Title 3">
+            <a:extLst>
+              <a:ext uri="{FF2B5EF4-FFF2-40B4-BE49-F238E27FC236}">
+                <a16:creationId xmlns:a16="http://schemas.microsoft.com/office/drawing/2014/main" id="{BB2A1168-7759-4137-9142-9990CD1097B1}"/>
+              </a:ext>
+            </a:extLst>
+          </p:cNvPr>
+          <p:cNvSpPr>
+            <a:spLocks noGrp="1"/>
+          </p:cNvSpPr>
+          <p:nvPr>
+            <p:ph type="ctrTitle"/>
+          </p:nvPr>
+        </p:nvSpPr>
+        <p:spPr>
+          <a:xfrm>
+            <a:off x="880281" y="2961564"/>
+            <a:ext cx="5713024" cy="3268639"/>
+          </a:xfrm>
+        </p:spPr>
+        <p:txBody>
+          <a:bodyPr anchor="ctr">
+            <a:normAutofit/>
+          </a:bodyPr>
+          <a:lstStyle/>
+          <a:p>
+            <a:pPr algn="l"/>
+            <a:r>
+              <a:rPr lang="en-US" sz="5000" dirty="0">
+                <a:solidFill>
+                  <a:schemeClr val="bg1"/>
+                </a:solidFill>
+              </a:rPr>
+              <a:t>Sentence Enhancements &amp; Mitigation Measures</a:t>
+            </a:r>
+          </a:p>
+        </p:txBody>
+      </p:sp>
+      <p:grpSp>
+        <p:nvGrpSpPr>
+          <p:cNvPr id="35" name="Group 34">
+            <a:extLst>
+              <a:ext uri="{FF2B5EF4-FFF2-40B4-BE49-F238E27FC236}">
+                <a16:creationId xmlns:a16="http://schemas.microsoft.com/office/drawing/2014/main" id="{DAD463E1-6621-44B4-A995-C70A4631D388}"/>
+              </a:ext>
+              <a:ext uri="{C183D7F6-B498-43B3-948B-1728B52AA6E4}">
+                <adec:decorative xmlns:adec="http://schemas.microsoft.com/office/drawing/2017/decorative" val="1"/>
+              </a:ext>
+            </a:extLst>
+          </p:cNvPr>
+          <p:cNvGrpSpPr>
+            <a:grpSpLocks noGrp="1" noUngrp="1" noRot="1" noChangeAspect="1" noMove="1" noResize="1"/>
+          </p:cNvGrpSpPr>
+          <p:nvPr>
+            <p:extLst>
+              <p:ext uri="{386F3935-93C4-4BCD-93E2-E3B085C9AB24}">
+                <p16:designElem xmlns:p16="http://schemas.microsoft.com/office/powerpoint/2015/main" val="1"/>
+              </p:ext>
+            </p:extLst>
+          </p:nvPr>
+        </p:nvGrpSpPr>
+        <p:grpSpPr>
+          <a:xfrm>
+            <a:off x="5307830" y="385730"/>
+            <a:ext cx="1128382" cy="847206"/>
+            <a:chOff x="5307830" y="325570"/>
+            <a:chExt cx="1128382" cy="847206"/>
+          </a:xfrm>
+        </p:grpSpPr>
+        <p:sp>
+          <p:nvSpPr>
+            <p:cNvPr id="36" name="Freeform 5">
+              <a:extLst>
+                <a:ext uri="{FF2B5EF4-FFF2-40B4-BE49-F238E27FC236}">
+                  <a16:creationId xmlns:a16="http://schemas.microsoft.com/office/drawing/2014/main" id="{A152F29E-C625-4313-96BF-5675B357C03A}"/>
+                </a:ext>
+                <a:ext uri="{C183D7F6-B498-43B3-948B-1728B52AA6E4}">
+                  <adec:decorative xmlns:adec="http://schemas.microsoft.com/office/drawing/2017/decorative" val="1"/>
+                </a:ext>
+              </a:extLst>
+            </p:cNvPr>
+            <p:cNvSpPr>
+              <a:spLocks/>
+            </p:cNvSpPr>
+            <p:nvPr>
+              <p:extLst>
+                <p:ext uri="{386F3935-93C4-4BCD-93E2-E3B085C9AB24}">
+                  <p16:designElem xmlns:p16="http://schemas.microsoft.com/office/powerpoint/2015/main" val="1"/>
+                </p:ext>
+              </p:extLst>
+            </p:nvPr>
+          </p:nvSpPr>
+          <p:spPr bwMode="auto">
+            <a:xfrm>
+              <a:off x="5307830" y="577396"/>
+              <a:ext cx="675351" cy="595380"/>
+            </a:xfrm>
+            <a:custGeom>
+              <a:avLst/>
+              <a:gdLst>
+                <a:gd name="T0" fmla="*/ 225 w 785"/>
+                <a:gd name="T1" fmla="*/ 692 h 692"/>
+                <a:gd name="T2" fmla="*/ 177 w 785"/>
+                <a:gd name="T3" fmla="*/ 665 h 692"/>
+                <a:gd name="T4" fmla="*/ 9 w 785"/>
+                <a:gd name="T5" fmla="*/ 374 h 692"/>
+                <a:gd name="T6" fmla="*/ 9 w 785"/>
+                <a:gd name="T7" fmla="*/ 318 h 692"/>
+                <a:gd name="T8" fmla="*/ 177 w 785"/>
+                <a:gd name="T9" fmla="*/ 27 h 692"/>
+                <a:gd name="T10" fmla="*/ 225 w 785"/>
+                <a:gd name="T11" fmla="*/ 0 h 692"/>
+                <a:gd name="T12" fmla="*/ 561 w 785"/>
+                <a:gd name="T13" fmla="*/ 0 h 692"/>
+                <a:gd name="T14" fmla="*/ 609 w 785"/>
+                <a:gd name="T15" fmla="*/ 27 h 692"/>
+                <a:gd name="T16" fmla="*/ 777 w 785"/>
+                <a:gd name="T17" fmla="*/ 318 h 692"/>
+                <a:gd name="T18" fmla="*/ 777 w 785"/>
+                <a:gd name="T19" fmla="*/ 374 h 692"/>
+                <a:gd name="T20" fmla="*/ 609 w 785"/>
+                <a:gd name="T21" fmla="*/ 665 h 692"/>
+                <a:gd name="T22" fmla="*/ 561 w 785"/>
+                <a:gd name="T23" fmla="*/ 692 h 692"/>
+                <a:gd name="T24" fmla="*/ 225 w 785"/>
+                <a:gd name="T25" fmla="*/ 692 h 692"/>
+              </a:gdLst>
+              <a:ahLst/>
+              <a:cxnLst>
+                <a:cxn ang="0">
+                  <a:pos x="T0" y="T1"/>
+                </a:cxn>
+                <a:cxn ang="0">
+                  <a:pos x="T2" y="T3"/>
+                </a:cxn>
+                <a:cxn ang="0">
+                  <a:pos x="T4" y="T5"/>
+                </a:cxn>
+                <a:cxn ang="0">
+                  <a:pos x="T6" y="T7"/>
+                </a:cxn>
+                <a:cxn ang="0">
+                  <a:pos x="T8" y="T9"/>
+                </a:cxn>
+                <a:cxn ang="0">
+                  <a:pos x="T10" y="T11"/>
+                </a:cxn>
+                <a:cxn ang="0">
+                  <a:pos x="T12" y="T13"/>
+                </a:cxn>
+                <a:cxn ang="0">
+                  <a:pos x="T14" y="T15"/>
+                </a:cxn>
+                <a:cxn ang="0">
+                  <a:pos x="T16" y="T17"/>
+                </a:cxn>
+                <a:cxn ang="0">
+                  <a:pos x="T18" y="T19"/>
+                </a:cxn>
+                <a:cxn ang="0">
+                  <a:pos x="T20" y="T21"/>
+                </a:cxn>
+                <a:cxn ang="0">
+                  <a:pos x="T22" y="T23"/>
+                </a:cxn>
+                <a:cxn ang="0">
+                  <a:pos x="T24" y="T25"/>
+                </a:cxn>
+              </a:cxnLst>
+              <a:rect l="0" t="0" r="r" b="b"/>
+              <a:pathLst>
+                <a:path w="785" h="692">
+                  <a:moveTo>
+                    <a:pt x="225" y="692"/>
+                  </a:moveTo>
+                  <a:cubicBezTo>
+                    <a:pt x="207" y="692"/>
+                    <a:pt x="185" y="680"/>
+                    <a:pt x="177" y="665"/>
+                  </a:cubicBezTo>
+                  <a:cubicBezTo>
+                    <a:pt x="9" y="374"/>
+                    <a:pt x="9" y="374"/>
+                    <a:pt x="9" y="374"/>
+                  </a:cubicBezTo>
+                  <a:cubicBezTo>
+                    <a:pt x="0" y="358"/>
+                    <a:pt x="0" y="334"/>
+                    <a:pt x="9" y="318"/>
+                  </a:cubicBezTo>
+                  <a:cubicBezTo>
+                    <a:pt x="177" y="27"/>
+                    <a:pt x="177" y="27"/>
+                    <a:pt x="177" y="27"/>
+                  </a:cubicBezTo>
+                  <a:cubicBezTo>
+                    <a:pt x="185" y="12"/>
+                    <a:pt x="207" y="0"/>
+                    <a:pt x="225" y="0"/>
+                  </a:cubicBezTo>
+                  <a:cubicBezTo>
+                    <a:pt x="561" y="0"/>
+                    <a:pt x="561" y="0"/>
+                    <a:pt x="561" y="0"/>
+                  </a:cubicBezTo>
+                  <a:cubicBezTo>
+                    <a:pt x="578" y="0"/>
+                    <a:pt x="600" y="12"/>
+                    <a:pt x="609" y="27"/>
+                  </a:cubicBezTo>
+                  <a:cubicBezTo>
+                    <a:pt x="777" y="318"/>
+                    <a:pt x="777" y="318"/>
+                    <a:pt x="777" y="318"/>
+                  </a:cubicBezTo>
+                  <a:cubicBezTo>
+                    <a:pt x="785" y="334"/>
+                    <a:pt x="785" y="358"/>
+                    <a:pt x="777" y="374"/>
+                  </a:cubicBezTo>
+                  <a:cubicBezTo>
+                    <a:pt x="609" y="665"/>
+                    <a:pt x="609" y="665"/>
+                    <a:pt x="609" y="665"/>
+                  </a:cubicBezTo>
+                  <a:cubicBezTo>
+                    <a:pt x="600" y="680"/>
+                    <a:pt x="578" y="692"/>
+                    <a:pt x="561" y="692"/>
+                  </a:cubicBezTo>
+                  <a:lnTo>
+                    <a:pt x="225" y="692"/>
+                  </a:lnTo>
+                  <a:close/>
+                </a:path>
+              </a:pathLst>
+            </a:custGeom>
+            <a:noFill/>
+            <a:ln w="28575" cmpd="sng">
+              <a:solidFill>
+                <a:schemeClr val="tx1"/>
+              </a:solidFill>
+            </a:ln>
+          </p:spPr>
+          <p:txBody>
+            <a:bodyPr vert="horz" wrap="square" lIns="91440" tIns="45720" rIns="91440" bIns="45720" numCol="1" anchor="t" anchorCtr="0" compatLnSpc="1">
+              <a:prstTxWarp prst="textNoShape">
+                <a:avLst/>
+              </a:prstTxWarp>
+            </a:bodyPr>
+            <a:lstStyle/>
+            <a:p>
+              <a:endParaRPr lang="en-US"/>
+            </a:p>
+          </p:txBody>
+        </p:sp>
+        <p:sp>
+          <p:nvSpPr>
+            <p:cNvPr id="37" name="Freeform 5">
+              <a:extLst>
+                <a:ext uri="{FF2B5EF4-FFF2-40B4-BE49-F238E27FC236}">
+                  <a16:creationId xmlns:a16="http://schemas.microsoft.com/office/drawing/2014/main" id="{C2A5CB78-6497-4151-83B6-568BD27EC573}"/>
+                </a:ext>
+                <a:ext uri="{C183D7F6-B498-43B3-948B-1728B52AA6E4}">
+                  <adec:decorative xmlns:adec="http://schemas.microsoft.com/office/drawing/2017/decorative" val="1"/>
+                </a:ext>
+              </a:extLst>
+            </p:cNvPr>
+            <p:cNvSpPr>
+              <a:spLocks/>
+            </p:cNvSpPr>
+            <p:nvPr>
+              <p:extLst>
+                <p:ext uri="{386F3935-93C4-4BCD-93E2-E3B085C9AB24}">
+                  <p16:designElem xmlns:p16="http://schemas.microsoft.com/office/powerpoint/2015/main" val="1"/>
+                </p:ext>
+              </p:extLst>
+            </p:nvPr>
+          </p:nvSpPr>
+          <p:spPr bwMode="auto">
+            <a:xfrm>
+              <a:off x="5885720" y="325570"/>
+              <a:ext cx="550492" cy="485306"/>
+            </a:xfrm>
+            <a:custGeom>
+              <a:avLst/>
+              <a:gdLst>
+                <a:gd name="T0" fmla="*/ 225 w 785"/>
+                <a:gd name="T1" fmla="*/ 692 h 692"/>
+                <a:gd name="T2" fmla="*/ 177 w 785"/>
+                <a:gd name="T3" fmla="*/ 665 h 692"/>
+                <a:gd name="T4" fmla="*/ 9 w 785"/>
+                <a:gd name="T5" fmla="*/ 374 h 692"/>
+                <a:gd name="T6" fmla="*/ 9 w 785"/>
+                <a:gd name="T7" fmla="*/ 318 h 692"/>
+                <a:gd name="T8" fmla="*/ 177 w 785"/>
+                <a:gd name="T9" fmla="*/ 27 h 692"/>
+                <a:gd name="T10" fmla="*/ 225 w 785"/>
+                <a:gd name="T11" fmla="*/ 0 h 692"/>
+                <a:gd name="T12" fmla="*/ 561 w 785"/>
+                <a:gd name="T13" fmla="*/ 0 h 692"/>
+                <a:gd name="T14" fmla="*/ 609 w 785"/>
+                <a:gd name="T15" fmla="*/ 27 h 692"/>
+                <a:gd name="T16" fmla="*/ 777 w 785"/>
+                <a:gd name="T17" fmla="*/ 318 h 692"/>
+                <a:gd name="T18" fmla="*/ 777 w 785"/>
+                <a:gd name="T19" fmla="*/ 374 h 692"/>
+                <a:gd name="T20" fmla="*/ 609 w 785"/>
+                <a:gd name="T21" fmla="*/ 665 h 692"/>
+                <a:gd name="T22" fmla="*/ 561 w 785"/>
+                <a:gd name="T23" fmla="*/ 692 h 692"/>
+                <a:gd name="T24" fmla="*/ 225 w 785"/>
+                <a:gd name="T25" fmla="*/ 692 h 692"/>
+              </a:gdLst>
+              <a:ahLst/>
+              <a:cxnLst>
+                <a:cxn ang="0">
+                  <a:pos x="T0" y="T1"/>
+                </a:cxn>
+                <a:cxn ang="0">
+                  <a:pos x="T2" y="T3"/>
+                </a:cxn>
+                <a:cxn ang="0">
+                  <a:pos x="T4" y="T5"/>
+                </a:cxn>
+                <a:cxn ang="0">
+                  <a:pos x="T6" y="T7"/>
+                </a:cxn>
+                <a:cxn ang="0">
+                  <a:pos x="T8" y="T9"/>
+                </a:cxn>
+                <a:cxn ang="0">
+                  <a:pos x="T10" y="T11"/>
+                </a:cxn>
+                <a:cxn ang="0">
+                  <a:pos x="T12" y="T13"/>
+                </a:cxn>
+                <a:cxn ang="0">
+                  <a:pos x="T14" y="T15"/>
+                </a:cxn>
+                <a:cxn ang="0">
+                  <a:pos x="T16" y="T17"/>
+                </a:cxn>
+                <a:cxn ang="0">
+                  <a:pos x="T18" y="T19"/>
+                </a:cxn>
+                <a:cxn ang="0">
+                  <a:pos x="T20" y="T21"/>
+                </a:cxn>
+                <a:cxn ang="0">
+                  <a:pos x="T22" y="T23"/>
+                </a:cxn>
+                <a:cxn ang="0">
+                  <a:pos x="T24" y="T25"/>
+                </a:cxn>
+              </a:cxnLst>
+              <a:rect l="0" t="0" r="r" b="b"/>
+              <a:pathLst>
+                <a:path w="785" h="692">
+                  <a:moveTo>
+                    <a:pt x="225" y="692"/>
+                  </a:moveTo>
+                  <a:cubicBezTo>
+                    <a:pt x="207" y="692"/>
+                    <a:pt x="185" y="680"/>
+                    <a:pt x="177" y="665"/>
+                  </a:cubicBezTo>
+                  <a:cubicBezTo>
+                    <a:pt x="9" y="374"/>
+                    <a:pt x="9" y="374"/>
+                    <a:pt x="9" y="374"/>
+                  </a:cubicBezTo>
+                  <a:cubicBezTo>
+                    <a:pt x="0" y="358"/>
+                    <a:pt x="0" y="334"/>
+                    <a:pt x="9" y="318"/>
+                  </a:cubicBezTo>
+                  <a:cubicBezTo>
+                    <a:pt x="177" y="27"/>
+                    <a:pt x="177" y="27"/>
+                    <a:pt x="177" y="27"/>
+                  </a:cubicBezTo>
+                  <a:cubicBezTo>
+                    <a:pt x="185" y="12"/>
+                    <a:pt x="207" y="0"/>
+                    <a:pt x="225" y="0"/>
+                  </a:cubicBezTo>
+                  <a:cubicBezTo>
+                    <a:pt x="561" y="0"/>
+                    <a:pt x="561" y="0"/>
+                    <a:pt x="561" y="0"/>
+                  </a:cubicBezTo>
+                  <a:cubicBezTo>
+                    <a:pt x="578" y="0"/>
+                    <a:pt x="600" y="12"/>
+                    <a:pt x="609" y="27"/>
+                  </a:cubicBezTo>
+                  <a:cubicBezTo>
+                    <a:pt x="777" y="318"/>
+                    <a:pt x="777" y="318"/>
+                    <a:pt x="777" y="318"/>
+                  </a:cubicBezTo>
+                  <a:cubicBezTo>
+                    <a:pt x="785" y="334"/>
+                    <a:pt x="785" y="358"/>
+                    <a:pt x="777" y="374"/>
+                  </a:cubicBezTo>
+                  <a:cubicBezTo>
+                    <a:pt x="609" y="665"/>
+                    <a:pt x="609" y="665"/>
+                    <a:pt x="609" y="665"/>
+                  </a:cubicBezTo>
+                  <a:cubicBezTo>
+                    <a:pt x="600" y="680"/>
+                    <a:pt x="578" y="692"/>
+                    <a:pt x="561" y="692"/>
+                  </a:cubicBezTo>
+                  <a:lnTo>
+                    <a:pt x="225" y="692"/>
+                  </a:lnTo>
+                  <a:close/>
+                </a:path>
+              </a:pathLst>
+            </a:custGeom>
+            <a:noFill/>
+            <a:ln w="28575" cmpd="sng">
+              <a:solidFill>
+                <a:schemeClr val="tx1"/>
+              </a:solidFill>
+            </a:ln>
+          </p:spPr>
+          <p:txBody>
+            <a:bodyPr vert="horz" wrap="square" lIns="91440" tIns="45720" rIns="91440" bIns="45720" numCol="1" anchor="t" anchorCtr="0" compatLnSpc="1">
+              <a:prstTxWarp prst="textNoShape">
+                <a:avLst/>
+              </a:prstTxWarp>
+            </a:bodyPr>
+            <a:lstStyle/>
+            <a:p>
+              <a:endParaRPr lang="en-US"/>
+            </a:p>
+          </p:txBody>
+        </p:sp>
+      </p:grpSp>
     </p:spTree>
     <p:extLst>
       <p:ext uri="{BB962C8B-B14F-4D97-AF65-F5344CB8AC3E}">
-        <p14:creationId xmlns:p14="http://schemas.microsoft.com/office/powerpoint/2010/main" val="1709417089"/>
+        <p14:creationId xmlns:p14="http://schemas.microsoft.com/office/powerpoint/2010/main" val="3006479589"/>
       </p:ext>
     </p:extLst>
   </p:cSld>
@@ -7229,7 +7852,7 @@
                   <a:schemeClr val="bg1"/>
                 </a:solidFill>
               </a:rPr>
-              <a:t>Distribution roughly matches demographics of general sentencing population</a:t>
+              <a:t>Distribution roughly matches demographics of general incarcerated population</a:t>
             </a:r>
           </a:p>
         </p:txBody>
@@ -10361,6 +10984,1160 @@
     <p:bg>
       <p:bgPr>
         <a:solidFill>
+          <a:srgbClr val="EAF1F6"/>
+        </a:solidFill>
+        <a:effectLst/>
+      </p:bgPr>
+    </p:bg>
+    <p:spTree>
+      <p:nvGrpSpPr>
+        <p:cNvPr id="1" name=""/>
+        <p:cNvGrpSpPr/>
+        <p:nvPr/>
+      </p:nvGrpSpPr>
+      <p:grpSpPr>
+        <a:xfrm>
+          <a:off x="0" y="0"/>
+          <a:ext cx="0" cy="0"/>
+          <a:chOff x="0" y="0"/>
+          <a:chExt cx="0" cy="0"/>
+        </a:xfrm>
+      </p:grpSpPr>
+      <p:sp useBgFill="1">
+        <p:nvSpPr>
+          <p:cNvPr id="27" name="Rectangle 26">
+            <a:extLst>
+              <a:ext uri="{FF2B5EF4-FFF2-40B4-BE49-F238E27FC236}">
+                <a16:creationId xmlns:a16="http://schemas.microsoft.com/office/drawing/2014/main" id="{C475749F-F487-4EFB-ABC7-C1359590EB76}"/>
+              </a:ext>
+              <a:ext uri="{C183D7F6-B498-43B3-948B-1728B52AA6E4}">
+                <adec:decorative xmlns:adec="http://schemas.microsoft.com/office/drawing/2017/decorative" val="1"/>
+              </a:ext>
+            </a:extLst>
+          </p:cNvPr>
+          <p:cNvSpPr>
+            <a:spLocks noGrp="1" noRot="1" noChangeAspect="1" noMove="1" noResize="1" noEditPoints="1" noAdjustHandles="1" noChangeArrowheads="1" noChangeShapeType="1" noTextEdit="1"/>
+          </p:cNvSpPr>
+          <p:nvPr>
+            <p:extLst>
+              <p:ext uri="{386F3935-93C4-4BCD-93E2-E3B085C9AB24}">
+                <p16:designElem xmlns:p16="http://schemas.microsoft.com/office/powerpoint/2015/main" val="1"/>
+              </p:ext>
+            </p:extLst>
+          </p:nvPr>
+        </p:nvSpPr>
+        <p:spPr>
+          <a:xfrm>
+            <a:off x="0" y="0"/>
+            <a:ext cx="12192000" cy="6858000"/>
+          </a:xfrm>
+          <a:prstGeom prst="rect">
+            <a:avLst/>
+          </a:prstGeom>
+          <a:ln>
+            <a:noFill/>
+          </a:ln>
+        </p:spPr>
+        <p:style>
+          <a:lnRef idx="2">
+            <a:schemeClr val="accent1">
+              <a:shade val="50000"/>
+            </a:schemeClr>
+          </a:lnRef>
+          <a:fillRef idx="1">
+            <a:schemeClr val="accent1"/>
+          </a:fillRef>
+          <a:effectRef idx="0">
+            <a:schemeClr val="accent1"/>
+          </a:effectRef>
+          <a:fontRef idx="minor">
+            <a:schemeClr val="lt1"/>
+          </a:fontRef>
+        </p:style>
+        <p:txBody>
+          <a:bodyPr rtlCol="0" anchor="ctr"/>
+          <a:lstStyle/>
+          <a:p>
+            <a:pPr algn="ctr"/>
+            <a:endParaRPr lang="en-US"/>
+          </a:p>
+        </p:txBody>
+      </p:sp>
+      <p:sp>
+        <p:nvSpPr>
+          <p:cNvPr id="29" name="Freeform 5">
+            <a:extLst>
+              <a:ext uri="{FF2B5EF4-FFF2-40B4-BE49-F238E27FC236}">
+                <a16:creationId xmlns:a16="http://schemas.microsoft.com/office/drawing/2014/main" id="{F6285A5F-6712-47A0-8A11-F0DFF60D0D20}"/>
+              </a:ext>
+              <a:ext uri="{C183D7F6-B498-43B3-948B-1728B52AA6E4}">
+                <adec:decorative xmlns:adec="http://schemas.microsoft.com/office/drawing/2017/decorative" val="1"/>
+              </a:ext>
+            </a:extLst>
+          </p:cNvPr>
+          <p:cNvSpPr>
+            <a:spLocks noGrp="1" noRot="1" noChangeAspect="1" noMove="1" noResize="1" noEditPoints="1" noAdjustHandles="1" noChangeArrowheads="1" noChangeShapeType="1" noTextEdit="1"/>
+          </p:cNvSpPr>
+          <p:nvPr>
+            <p:extLst>
+              <p:ext uri="{386F3935-93C4-4BCD-93E2-E3B085C9AB24}">
+                <p16:designElem xmlns:p16="http://schemas.microsoft.com/office/powerpoint/2015/main" val="1"/>
+              </p:ext>
+            </p:extLst>
+          </p:nvPr>
+        </p:nvSpPr>
+        <p:spPr bwMode="auto">
+          <a:xfrm>
+            <a:off x="7276856" y="1645695"/>
+            <a:ext cx="4418320" cy="3877280"/>
+          </a:xfrm>
+          <a:custGeom>
+            <a:avLst/>
+            <a:gdLst>
+              <a:gd name="T0" fmla="*/ 781 w 1099"/>
+              <a:gd name="T1" fmla="*/ 0 h 968"/>
+              <a:gd name="T2" fmla="*/ 318 w 1099"/>
+              <a:gd name="T3" fmla="*/ 0 h 968"/>
+              <a:gd name="T4" fmla="*/ 246 w 1099"/>
+              <a:gd name="T5" fmla="*/ 42 h 968"/>
+              <a:gd name="T6" fmla="*/ 15 w 1099"/>
+              <a:gd name="T7" fmla="*/ 443 h 968"/>
+              <a:gd name="T8" fmla="*/ 15 w 1099"/>
+              <a:gd name="T9" fmla="*/ 525 h 968"/>
+              <a:gd name="T10" fmla="*/ 246 w 1099"/>
+              <a:gd name="T11" fmla="*/ 926 h 968"/>
+              <a:gd name="T12" fmla="*/ 318 w 1099"/>
+              <a:gd name="T13" fmla="*/ 968 h 968"/>
+              <a:gd name="T14" fmla="*/ 781 w 1099"/>
+              <a:gd name="T15" fmla="*/ 968 h 968"/>
+              <a:gd name="T16" fmla="*/ 852 w 1099"/>
+              <a:gd name="T17" fmla="*/ 926 h 968"/>
+              <a:gd name="T18" fmla="*/ 1084 w 1099"/>
+              <a:gd name="T19" fmla="*/ 525 h 968"/>
+              <a:gd name="T20" fmla="*/ 1084 w 1099"/>
+              <a:gd name="T21" fmla="*/ 443 h 968"/>
+              <a:gd name="T22" fmla="*/ 852 w 1099"/>
+              <a:gd name="T23" fmla="*/ 42 h 968"/>
+              <a:gd name="T24" fmla="*/ 781 w 1099"/>
+              <a:gd name="T25" fmla="*/ 0 h 968"/>
+            </a:gdLst>
+            <a:ahLst/>
+            <a:cxnLst>
+              <a:cxn ang="0">
+                <a:pos x="T0" y="T1"/>
+              </a:cxn>
+              <a:cxn ang="0">
+                <a:pos x="T2" y="T3"/>
+              </a:cxn>
+              <a:cxn ang="0">
+                <a:pos x="T4" y="T5"/>
+              </a:cxn>
+              <a:cxn ang="0">
+                <a:pos x="T6" y="T7"/>
+              </a:cxn>
+              <a:cxn ang="0">
+                <a:pos x="T8" y="T9"/>
+              </a:cxn>
+              <a:cxn ang="0">
+                <a:pos x="T10" y="T11"/>
+              </a:cxn>
+              <a:cxn ang="0">
+                <a:pos x="T12" y="T13"/>
+              </a:cxn>
+              <a:cxn ang="0">
+                <a:pos x="T14" y="T15"/>
+              </a:cxn>
+              <a:cxn ang="0">
+                <a:pos x="T16" y="T17"/>
+              </a:cxn>
+              <a:cxn ang="0">
+                <a:pos x="T18" y="T19"/>
+              </a:cxn>
+              <a:cxn ang="0">
+                <a:pos x="T20" y="T21"/>
+              </a:cxn>
+              <a:cxn ang="0">
+                <a:pos x="T22" y="T23"/>
+              </a:cxn>
+              <a:cxn ang="0">
+                <a:pos x="T24" y="T25"/>
+              </a:cxn>
+            </a:cxnLst>
+            <a:rect l="0" t="0" r="r" b="b"/>
+            <a:pathLst>
+              <a:path w="1099" h="968">
+                <a:moveTo>
+                  <a:pt x="781" y="0"/>
+                </a:moveTo>
+                <a:cubicBezTo>
+                  <a:pt x="318" y="0"/>
+                  <a:pt x="318" y="0"/>
+                  <a:pt x="318" y="0"/>
+                </a:cubicBezTo>
+                <a:cubicBezTo>
+                  <a:pt x="288" y="0"/>
+                  <a:pt x="261" y="16"/>
+                  <a:pt x="246" y="42"/>
+                </a:cubicBezTo>
+                <a:cubicBezTo>
+                  <a:pt x="15" y="443"/>
+                  <a:pt x="15" y="443"/>
+                  <a:pt x="15" y="443"/>
+                </a:cubicBezTo>
+                <a:cubicBezTo>
+                  <a:pt x="0" y="468"/>
+                  <a:pt x="0" y="500"/>
+                  <a:pt x="15" y="525"/>
+                </a:cubicBezTo>
+                <a:cubicBezTo>
+                  <a:pt x="246" y="926"/>
+                  <a:pt x="246" y="926"/>
+                  <a:pt x="246" y="926"/>
+                </a:cubicBezTo>
+                <a:cubicBezTo>
+                  <a:pt x="261" y="952"/>
+                  <a:pt x="288" y="968"/>
+                  <a:pt x="318" y="968"/>
+                </a:cubicBezTo>
+                <a:cubicBezTo>
+                  <a:pt x="781" y="968"/>
+                  <a:pt x="781" y="968"/>
+                  <a:pt x="781" y="968"/>
+                </a:cubicBezTo>
+                <a:cubicBezTo>
+                  <a:pt x="810" y="968"/>
+                  <a:pt x="838" y="952"/>
+                  <a:pt x="852" y="926"/>
+                </a:cubicBezTo>
+                <a:cubicBezTo>
+                  <a:pt x="1084" y="525"/>
+                  <a:pt x="1084" y="525"/>
+                  <a:pt x="1084" y="525"/>
+                </a:cubicBezTo>
+                <a:cubicBezTo>
+                  <a:pt x="1099" y="500"/>
+                  <a:pt x="1099" y="468"/>
+                  <a:pt x="1084" y="443"/>
+                </a:cubicBezTo>
+                <a:cubicBezTo>
+                  <a:pt x="852" y="42"/>
+                  <a:pt x="852" y="42"/>
+                  <a:pt x="852" y="42"/>
+                </a:cubicBezTo>
+                <a:cubicBezTo>
+                  <a:pt x="838" y="16"/>
+                  <a:pt x="810" y="0"/>
+                  <a:pt x="781" y="0"/>
+                </a:cubicBezTo>
+                <a:close/>
+              </a:path>
+            </a:pathLst>
+          </a:custGeom>
+          <a:noFill/>
+          <a:ln w="50800" cap="flat">
+            <a:solidFill>
+              <a:schemeClr val="tx1"/>
+            </a:solidFill>
+            <a:prstDash val="solid"/>
+            <a:miter lim="800000"/>
+            <a:headEnd/>
+            <a:tailEnd/>
+          </a:ln>
+        </p:spPr>
+        <p:txBody>
+          <a:bodyPr vert="horz" wrap="square" lIns="91440" tIns="45720" rIns="91440" bIns="45720" numCol="1" anchor="t" anchorCtr="0" compatLnSpc="1">
+            <a:prstTxWarp prst="textNoShape">
+              <a:avLst/>
+            </a:prstTxWarp>
+          </a:bodyPr>
+          <a:lstStyle/>
+          <a:p>
+            <a:endParaRPr lang="en-US" dirty="0"/>
+          </a:p>
+        </p:txBody>
+      </p:sp>
+      <p:sp>
+        <p:nvSpPr>
+          <p:cNvPr id="31" name="Freeform: Shape 30">
+            <a:extLst>
+              <a:ext uri="{FF2B5EF4-FFF2-40B4-BE49-F238E27FC236}">
+                <a16:creationId xmlns:a16="http://schemas.microsoft.com/office/drawing/2014/main" id="{FA6F8ABB-6C5D-4349-9E1B-198D1ABFA804}"/>
+              </a:ext>
+              <a:ext uri="{C183D7F6-B498-43B3-948B-1728B52AA6E4}">
+                <adec:decorative xmlns:adec="http://schemas.microsoft.com/office/drawing/2017/decorative" val="1"/>
+              </a:ext>
+            </a:extLst>
+          </p:cNvPr>
+          <p:cNvSpPr>
+            <a:spLocks noGrp="1" noRot="1" noChangeAspect="1" noMove="1" noResize="1" noEditPoints="1" noAdjustHandles="1" noChangeArrowheads="1" noChangeShapeType="1" noTextEdit="1"/>
+          </p:cNvSpPr>
+          <p:nvPr>
+            <p:extLst>
+              <p:ext uri="{386F3935-93C4-4BCD-93E2-E3B085C9AB24}">
+                <p16:designElem xmlns:p16="http://schemas.microsoft.com/office/powerpoint/2015/main" val="1"/>
+              </p:ext>
+            </p:extLst>
+          </p:nvPr>
+        </p:nvSpPr>
+        <p:spPr>
+          <a:xfrm>
+            <a:off x="5952343" y="643383"/>
+            <a:ext cx="2926988" cy="2594434"/>
+          </a:xfrm>
+          <a:custGeom>
+            <a:avLst/>
+            <a:gdLst>
+              <a:gd name="connsiteX0" fmla="*/ 853538 w 2991693"/>
+              <a:gd name="connsiteY0" fmla="*/ 0 h 2651787"/>
+              <a:gd name="connsiteX1" fmla="*/ 2141030 w 2991693"/>
+              <a:gd name="connsiteY1" fmla="*/ 0 h 2651787"/>
+              <a:gd name="connsiteX2" fmla="*/ 2324957 w 2991693"/>
+              <a:gd name="connsiteY2" fmla="*/ 103466 h 2651787"/>
+              <a:gd name="connsiteX3" fmla="*/ 2968702 w 2991693"/>
+              <a:gd name="connsiteY3" fmla="*/ 1218596 h 2651787"/>
+              <a:gd name="connsiteX4" fmla="*/ 2968702 w 2991693"/>
+              <a:gd name="connsiteY4" fmla="*/ 1433192 h 2651787"/>
+              <a:gd name="connsiteX5" fmla="*/ 2324957 w 2991693"/>
+              <a:gd name="connsiteY5" fmla="*/ 2548321 h 2651787"/>
+              <a:gd name="connsiteX6" fmla="*/ 2141030 w 2991693"/>
+              <a:gd name="connsiteY6" fmla="*/ 2651787 h 2651787"/>
+              <a:gd name="connsiteX7" fmla="*/ 853538 w 2991693"/>
+              <a:gd name="connsiteY7" fmla="*/ 2651787 h 2651787"/>
+              <a:gd name="connsiteX8" fmla="*/ 669612 w 2991693"/>
+              <a:gd name="connsiteY8" fmla="*/ 2548321 h 2651787"/>
+              <a:gd name="connsiteX9" fmla="*/ 25866 w 2991693"/>
+              <a:gd name="connsiteY9" fmla="*/ 1433192 h 2651787"/>
+              <a:gd name="connsiteX10" fmla="*/ 25866 w 2991693"/>
+              <a:gd name="connsiteY10" fmla="*/ 1218596 h 2651787"/>
+              <a:gd name="connsiteX11" fmla="*/ 669612 w 2991693"/>
+              <a:gd name="connsiteY11" fmla="*/ 103466 h 2651787"/>
+              <a:gd name="connsiteX12" fmla="*/ 853538 w 2991693"/>
+              <a:gd name="connsiteY12" fmla="*/ 0 h 2651787"/>
+            </a:gdLst>
+            <a:ahLst/>
+            <a:cxnLst>
+              <a:cxn ang="0">
+                <a:pos x="connsiteX0" y="connsiteY0"/>
+              </a:cxn>
+              <a:cxn ang="0">
+                <a:pos x="connsiteX1" y="connsiteY1"/>
+              </a:cxn>
+              <a:cxn ang="0">
+                <a:pos x="connsiteX2" y="connsiteY2"/>
+              </a:cxn>
+              <a:cxn ang="0">
+                <a:pos x="connsiteX3" y="connsiteY3"/>
+              </a:cxn>
+              <a:cxn ang="0">
+                <a:pos x="connsiteX4" y="connsiteY4"/>
+              </a:cxn>
+              <a:cxn ang="0">
+                <a:pos x="connsiteX5" y="connsiteY5"/>
+              </a:cxn>
+              <a:cxn ang="0">
+                <a:pos x="connsiteX6" y="connsiteY6"/>
+              </a:cxn>
+              <a:cxn ang="0">
+                <a:pos x="connsiteX7" y="connsiteY7"/>
+              </a:cxn>
+              <a:cxn ang="0">
+                <a:pos x="connsiteX8" y="connsiteY8"/>
+              </a:cxn>
+              <a:cxn ang="0">
+                <a:pos x="connsiteX9" y="connsiteY9"/>
+              </a:cxn>
+              <a:cxn ang="0">
+                <a:pos x="connsiteX10" y="connsiteY10"/>
+              </a:cxn>
+              <a:cxn ang="0">
+                <a:pos x="connsiteX11" y="connsiteY11"/>
+              </a:cxn>
+              <a:cxn ang="0">
+                <a:pos x="connsiteX12" y="connsiteY12"/>
+              </a:cxn>
+            </a:cxnLst>
+            <a:rect l="l" t="t" r="r" b="b"/>
+            <a:pathLst>
+              <a:path w="2991693" h="2651787">
+                <a:moveTo>
+                  <a:pt x="853538" y="0"/>
+                </a:moveTo>
+                <a:cubicBezTo>
+                  <a:pt x="2141030" y="0"/>
+                  <a:pt x="2141030" y="0"/>
+                  <a:pt x="2141030" y="0"/>
+                </a:cubicBezTo>
+                <a:cubicBezTo>
+                  <a:pt x="2206170" y="0"/>
+                  <a:pt x="2290471" y="45985"/>
+                  <a:pt x="2324957" y="103466"/>
+                </a:cubicBezTo>
+                <a:cubicBezTo>
+                  <a:pt x="2968702" y="1218596"/>
+                  <a:pt x="2968702" y="1218596"/>
+                  <a:pt x="2968702" y="1218596"/>
+                </a:cubicBezTo>
+                <a:cubicBezTo>
+                  <a:pt x="2999357" y="1279909"/>
+                  <a:pt x="2999357" y="1371878"/>
+                  <a:pt x="2968702" y="1433192"/>
+                </a:cubicBezTo>
+                <a:cubicBezTo>
+                  <a:pt x="2324957" y="2548321"/>
+                  <a:pt x="2324957" y="2548321"/>
+                  <a:pt x="2324957" y="2548321"/>
+                </a:cubicBezTo>
+                <a:cubicBezTo>
+                  <a:pt x="2290471" y="2605803"/>
+                  <a:pt x="2206170" y="2651787"/>
+                  <a:pt x="2141030" y="2651787"/>
+                </a:cubicBezTo>
+                <a:lnTo>
+                  <a:pt x="853538" y="2651787"/>
+                </a:lnTo>
+                <a:cubicBezTo>
+                  <a:pt x="784566" y="2651787"/>
+                  <a:pt x="700266" y="2605803"/>
+                  <a:pt x="669612" y="2548321"/>
+                </a:cubicBezTo>
+                <a:cubicBezTo>
+                  <a:pt x="25866" y="1433192"/>
+                  <a:pt x="25866" y="1433192"/>
+                  <a:pt x="25866" y="1433192"/>
+                </a:cubicBezTo>
+                <a:cubicBezTo>
+                  <a:pt x="-8621" y="1371878"/>
+                  <a:pt x="-8621" y="1279909"/>
+                  <a:pt x="25866" y="1218596"/>
+                </a:cubicBezTo>
+                <a:cubicBezTo>
+                  <a:pt x="669612" y="103466"/>
+                  <a:pt x="669612" y="103466"/>
+                  <a:pt x="669612" y="103466"/>
+                </a:cubicBezTo>
+                <a:cubicBezTo>
+                  <a:pt x="700266" y="45985"/>
+                  <a:pt x="784566" y="0"/>
+                  <a:pt x="853538" y="0"/>
+                </a:cubicBezTo>
+                <a:close/>
+              </a:path>
+            </a:pathLst>
+          </a:custGeom>
+          <a:solidFill>
+            <a:schemeClr val="tx1"/>
+          </a:solidFill>
+          <a:ln w="50800">
+            <a:noFill/>
+          </a:ln>
+        </p:spPr>
+        <p:style>
+          <a:lnRef idx="2">
+            <a:schemeClr val="accent1">
+              <a:shade val="50000"/>
+            </a:schemeClr>
+          </a:lnRef>
+          <a:fillRef idx="1">
+            <a:schemeClr val="accent1"/>
+          </a:fillRef>
+          <a:effectRef idx="0">
+            <a:schemeClr val="accent1"/>
+          </a:effectRef>
+          <a:fontRef idx="minor">
+            <a:schemeClr val="lt1"/>
+          </a:fontRef>
+        </p:style>
+        <p:txBody>
+          <a:bodyPr wrap="square" rtlCol="0" anchor="ctr">
+            <a:noAutofit/>
+          </a:bodyPr>
+          <a:lstStyle/>
+          <a:p>
+            <a:pPr algn="ctr"/>
+            <a:endParaRPr lang="en-US" dirty="0"/>
+          </a:p>
+        </p:txBody>
+      </p:sp>
+      <p:sp>
+        <p:nvSpPr>
+          <p:cNvPr id="33" name="Freeform: Shape 32">
+            <a:extLst>
+              <a:ext uri="{FF2B5EF4-FFF2-40B4-BE49-F238E27FC236}">
+                <a16:creationId xmlns:a16="http://schemas.microsoft.com/office/drawing/2014/main" id="{B971ABA8-4CDB-4EEE-8C48-AA4FDB650782}"/>
+              </a:ext>
+              <a:ext uri="{C183D7F6-B498-43B3-948B-1728B52AA6E4}">
+                <adec:decorative xmlns:adec="http://schemas.microsoft.com/office/drawing/2017/decorative" val="1"/>
+              </a:ext>
+            </a:extLst>
+          </p:cNvPr>
+          <p:cNvSpPr>
+            <a:spLocks noGrp="1" noRot="1" noChangeAspect="1" noMove="1" noResize="1" noEditPoints="1" noAdjustHandles="1" noChangeArrowheads="1" noChangeShapeType="1" noTextEdit="1"/>
+          </p:cNvSpPr>
+          <p:nvPr>
+            <p:extLst>
+              <p:ext uri="{386F3935-93C4-4BCD-93E2-E3B085C9AB24}">
+                <p16:designElem xmlns:p16="http://schemas.microsoft.com/office/powerpoint/2015/main" val="1"/>
+              </p:ext>
+            </p:extLst>
+          </p:nvPr>
+        </p:nvSpPr>
+        <p:spPr>
+          <a:xfrm>
+            <a:off x="3" y="2071858"/>
+            <a:ext cx="8109718" cy="4786143"/>
+          </a:xfrm>
+          <a:custGeom>
+            <a:avLst/>
+            <a:gdLst>
+              <a:gd name="connsiteX0" fmla="*/ 7381313 w 8109718"/>
+              <a:gd name="connsiteY0" fmla="*/ 1839459 h 4786143"/>
+              <a:gd name="connsiteX1" fmla="*/ 7381313 w 8109718"/>
+              <a:gd name="connsiteY1" fmla="*/ 1853646 h 4786143"/>
+              <a:gd name="connsiteX2" fmla="*/ 7379359 w 8109718"/>
+              <a:gd name="connsiteY2" fmla="*/ 1846552 h 4786143"/>
+              <a:gd name="connsiteX3" fmla="*/ 1321854 w 8109718"/>
+              <a:gd name="connsiteY3" fmla="*/ 0 h 4786143"/>
+              <a:gd name="connsiteX4" fmla="*/ 5365317 w 8109718"/>
+              <a:gd name="connsiteY4" fmla="*/ 0 h 4786143"/>
+              <a:gd name="connsiteX5" fmla="*/ 5985373 w 8109718"/>
+              <a:gd name="connsiteY5" fmla="*/ 365439 h 4786143"/>
+              <a:gd name="connsiteX6" fmla="*/ 8011470 w 8109718"/>
+              <a:gd name="connsiteY6" fmla="*/ 3854515 h 4786143"/>
+              <a:gd name="connsiteX7" fmla="*/ 8011470 w 8109718"/>
+              <a:gd name="connsiteY7" fmla="*/ 4567993 h 4786143"/>
+              <a:gd name="connsiteX8" fmla="*/ 7904625 w 8109718"/>
+              <a:gd name="connsiteY8" fmla="*/ 4751987 h 4786143"/>
+              <a:gd name="connsiteX9" fmla="*/ 7884791 w 8109718"/>
+              <a:gd name="connsiteY9" fmla="*/ 4786143 h 4786143"/>
+              <a:gd name="connsiteX10" fmla="*/ 0 w 8109718"/>
+              <a:gd name="connsiteY10" fmla="*/ 4786143 h 4786143"/>
+              <a:gd name="connsiteX11" fmla="*/ 0 w 8109718"/>
+              <a:gd name="connsiteY11" fmla="*/ 1564110 h 4786143"/>
+              <a:gd name="connsiteX12" fmla="*/ 27177 w 8109718"/>
+              <a:gd name="connsiteY12" fmla="*/ 1517107 h 4786143"/>
+              <a:gd name="connsiteX13" fmla="*/ 693065 w 8109718"/>
+              <a:gd name="connsiteY13" fmla="*/ 365439 h 4786143"/>
+              <a:gd name="connsiteX14" fmla="*/ 1321854 w 8109718"/>
+              <a:gd name="connsiteY14" fmla="*/ 0 h 4786143"/>
+            </a:gdLst>
+            <a:ahLst/>
+            <a:cxnLst>
+              <a:cxn ang="0">
+                <a:pos x="connsiteX0" y="connsiteY0"/>
+              </a:cxn>
+              <a:cxn ang="0">
+                <a:pos x="connsiteX1" y="connsiteY1"/>
+              </a:cxn>
+              <a:cxn ang="0">
+                <a:pos x="connsiteX2" y="connsiteY2"/>
+              </a:cxn>
+              <a:cxn ang="0">
+                <a:pos x="connsiteX3" y="connsiteY3"/>
+              </a:cxn>
+              <a:cxn ang="0">
+                <a:pos x="connsiteX4" y="connsiteY4"/>
+              </a:cxn>
+              <a:cxn ang="0">
+                <a:pos x="connsiteX5" y="connsiteY5"/>
+              </a:cxn>
+              <a:cxn ang="0">
+                <a:pos x="connsiteX6" y="connsiteY6"/>
+              </a:cxn>
+              <a:cxn ang="0">
+                <a:pos x="connsiteX7" y="connsiteY7"/>
+              </a:cxn>
+              <a:cxn ang="0">
+                <a:pos x="connsiteX8" y="connsiteY8"/>
+              </a:cxn>
+              <a:cxn ang="0">
+                <a:pos x="connsiteX9" y="connsiteY9"/>
+              </a:cxn>
+              <a:cxn ang="0">
+                <a:pos x="connsiteX10" y="connsiteY10"/>
+              </a:cxn>
+              <a:cxn ang="0">
+                <a:pos x="connsiteX11" y="connsiteY11"/>
+              </a:cxn>
+              <a:cxn ang="0">
+                <a:pos x="connsiteX12" y="connsiteY12"/>
+              </a:cxn>
+              <a:cxn ang="0">
+                <a:pos x="connsiteX13" y="connsiteY13"/>
+              </a:cxn>
+              <a:cxn ang="0">
+                <a:pos x="connsiteX14" y="connsiteY14"/>
+              </a:cxn>
+            </a:cxnLst>
+            <a:rect l="l" t="t" r="r" b="b"/>
+            <a:pathLst>
+              <a:path w="8109718" h="4786143">
+                <a:moveTo>
+                  <a:pt x="7381313" y="1839459"/>
+                </a:moveTo>
+                <a:lnTo>
+                  <a:pt x="7381313" y="1853646"/>
+                </a:lnTo>
+                <a:lnTo>
+                  <a:pt x="7379359" y="1846552"/>
+                </a:lnTo>
+                <a:close/>
+                <a:moveTo>
+                  <a:pt x="1321854" y="0"/>
+                </a:moveTo>
+                <a:cubicBezTo>
+                  <a:pt x="1321854" y="0"/>
+                  <a:pt x="1321854" y="0"/>
+                  <a:pt x="5365317" y="0"/>
+                </a:cubicBezTo>
+                <a:cubicBezTo>
+                  <a:pt x="5618580" y="0"/>
+                  <a:pt x="5863108" y="139215"/>
+                  <a:pt x="5985373" y="365439"/>
+                </a:cubicBezTo>
+                <a:cubicBezTo>
+                  <a:pt x="5985373" y="365439"/>
+                  <a:pt x="5985373" y="365439"/>
+                  <a:pt x="8011470" y="3854515"/>
+                </a:cubicBezTo>
+                <a:cubicBezTo>
+                  <a:pt x="8142468" y="4072039"/>
+                  <a:pt x="8142468" y="4350470"/>
+                  <a:pt x="8011470" y="4567993"/>
+                </a:cubicBezTo>
+                <a:cubicBezTo>
+                  <a:pt x="8011470" y="4567993"/>
+                  <a:pt x="8011470" y="4567993"/>
+                  <a:pt x="7904625" y="4751987"/>
+                </a:cubicBezTo>
+                <a:lnTo>
+                  <a:pt x="7884791" y="4786143"/>
+                </a:lnTo>
+                <a:lnTo>
+                  <a:pt x="0" y="4786143"/>
+                </a:lnTo>
+                <a:lnTo>
+                  <a:pt x="0" y="1564110"/>
+                </a:lnTo>
+                <a:lnTo>
+                  <a:pt x="27177" y="1517107"/>
+                </a:lnTo>
+                <a:cubicBezTo>
+                  <a:pt x="220245" y="1183191"/>
+                  <a:pt x="440895" y="801574"/>
+                  <a:pt x="693065" y="365439"/>
+                </a:cubicBezTo>
+                <a:cubicBezTo>
+                  <a:pt x="824063" y="139215"/>
+                  <a:pt x="1059859" y="0"/>
+                  <a:pt x="1321854" y="0"/>
+                </a:cubicBezTo>
+                <a:close/>
+              </a:path>
+            </a:pathLst>
+          </a:custGeom>
+          <a:solidFill>
+            <a:schemeClr val="tx1">
+              <a:lumMod val="85000"/>
+              <a:lumOff val="15000"/>
+              <a:alpha val="99000"/>
+            </a:schemeClr>
+          </a:solidFill>
+          <a:ln>
+            <a:noFill/>
+          </a:ln>
+        </p:spPr>
+        <p:style>
+          <a:lnRef idx="2">
+            <a:schemeClr val="accent1">
+              <a:shade val="50000"/>
+            </a:schemeClr>
+          </a:lnRef>
+          <a:fillRef idx="1">
+            <a:schemeClr val="accent1"/>
+          </a:fillRef>
+          <a:effectRef idx="0">
+            <a:schemeClr val="accent1"/>
+          </a:effectRef>
+          <a:fontRef idx="minor">
+            <a:schemeClr val="lt1"/>
+          </a:fontRef>
+        </p:style>
+        <p:txBody>
+          <a:bodyPr wrap="square" rtlCol="0" anchor="ctr">
+            <a:noAutofit/>
+          </a:bodyPr>
+          <a:lstStyle/>
+          <a:p>
+            <a:pPr algn="ctr"/>
+            <a:endParaRPr lang="en-US"/>
+          </a:p>
+        </p:txBody>
+      </p:sp>
+      <p:sp>
+        <p:nvSpPr>
+          <p:cNvPr id="4" name="Title 3">
+            <a:extLst>
+              <a:ext uri="{FF2B5EF4-FFF2-40B4-BE49-F238E27FC236}">
+                <a16:creationId xmlns:a16="http://schemas.microsoft.com/office/drawing/2014/main" id="{BB2A1168-7759-4137-9142-9990CD1097B1}"/>
+              </a:ext>
+            </a:extLst>
+          </p:cNvPr>
+          <p:cNvSpPr>
+            <a:spLocks noGrp="1"/>
+          </p:cNvSpPr>
+          <p:nvPr>
+            <p:ph type="ctrTitle"/>
+          </p:nvPr>
+        </p:nvSpPr>
+        <p:spPr>
+          <a:xfrm>
+            <a:off x="880281" y="2961564"/>
+            <a:ext cx="5124734" cy="3268639"/>
+          </a:xfrm>
+        </p:spPr>
+        <p:txBody>
+          <a:bodyPr anchor="ctr">
+            <a:normAutofit/>
+          </a:bodyPr>
+          <a:lstStyle/>
+          <a:p>
+            <a:pPr algn="l"/>
+            <a:r>
+              <a:rPr lang="en-US" sz="7200" dirty="0">
+                <a:solidFill>
+                  <a:schemeClr val="bg1"/>
+                </a:solidFill>
+              </a:rPr>
+              <a:t>Pleas v. Trials</a:t>
+            </a:r>
+          </a:p>
+        </p:txBody>
+      </p:sp>
+      <p:grpSp>
+        <p:nvGrpSpPr>
+          <p:cNvPr id="35" name="Group 34">
+            <a:extLst>
+              <a:ext uri="{FF2B5EF4-FFF2-40B4-BE49-F238E27FC236}">
+                <a16:creationId xmlns:a16="http://schemas.microsoft.com/office/drawing/2014/main" id="{DAD463E1-6621-44B4-A995-C70A4631D388}"/>
+              </a:ext>
+              <a:ext uri="{C183D7F6-B498-43B3-948B-1728B52AA6E4}">
+                <adec:decorative xmlns:adec="http://schemas.microsoft.com/office/drawing/2017/decorative" val="1"/>
+              </a:ext>
+            </a:extLst>
+          </p:cNvPr>
+          <p:cNvGrpSpPr>
+            <a:grpSpLocks noGrp="1" noUngrp="1" noRot="1" noChangeAspect="1" noMove="1" noResize="1"/>
+          </p:cNvGrpSpPr>
+          <p:nvPr>
+            <p:extLst>
+              <p:ext uri="{386F3935-93C4-4BCD-93E2-E3B085C9AB24}">
+                <p16:designElem xmlns:p16="http://schemas.microsoft.com/office/powerpoint/2015/main" val="1"/>
+              </p:ext>
+            </p:extLst>
+          </p:nvPr>
+        </p:nvGrpSpPr>
+        <p:grpSpPr>
+          <a:xfrm>
+            <a:off x="5307830" y="385730"/>
+            <a:ext cx="1128382" cy="847206"/>
+            <a:chOff x="5307830" y="325570"/>
+            <a:chExt cx="1128382" cy="847206"/>
+          </a:xfrm>
+        </p:grpSpPr>
+        <p:sp>
+          <p:nvSpPr>
+            <p:cNvPr id="36" name="Freeform 5">
+              <a:extLst>
+                <a:ext uri="{FF2B5EF4-FFF2-40B4-BE49-F238E27FC236}">
+                  <a16:creationId xmlns:a16="http://schemas.microsoft.com/office/drawing/2014/main" id="{A152F29E-C625-4313-96BF-5675B357C03A}"/>
+                </a:ext>
+                <a:ext uri="{C183D7F6-B498-43B3-948B-1728B52AA6E4}">
+                  <adec:decorative xmlns:adec="http://schemas.microsoft.com/office/drawing/2017/decorative" val="1"/>
+                </a:ext>
+              </a:extLst>
+            </p:cNvPr>
+            <p:cNvSpPr>
+              <a:spLocks/>
+            </p:cNvSpPr>
+            <p:nvPr>
+              <p:extLst>
+                <p:ext uri="{386F3935-93C4-4BCD-93E2-E3B085C9AB24}">
+                  <p16:designElem xmlns:p16="http://schemas.microsoft.com/office/powerpoint/2015/main" val="1"/>
+                </p:ext>
+              </p:extLst>
+            </p:nvPr>
+          </p:nvSpPr>
+          <p:spPr bwMode="auto">
+            <a:xfrm>
+              <a:off x="5307830" y="577396"/>
+              <a:ext cx="675351" cy="595380"/>
+            </a:xfrm>
+            <a:custGeom>
+              <a:avLst/>
+              <a:gdLst>
+                <a:gd name="T0" fmla="*/ 225 w 785"/>
+                <a:gd name="T1" fmla="*/ 692 h 692"/>
+                <a:gd name="T2" fmla="*/ 177 w 785"/>
+                <a:gd name="T3" fmla="*/ 665 h 692"/>
+                <a:gd name="T4" fmla="*/ 9 w 785"/>
+                <a:gd name="T5" fmla="*/ 374 h 692"/>
+                <a:gd name="T6" fmla="*/ 9 w 785"/>
+                <a:gd name="T7" fmla="*/ 318 h 692"/>
+                <a:gd name="T8" fmla="*/ 177 w 785"/>
+                <a:gd name="T9" fmla="*/ 27 h 692"/>
+                <a:gd name="T10" fmla="*/ 225 w 785"/>
+                <a:gd name="T11" fmla="*/ 0 h 692"/>
+                <a:gd name="T12" fmla="*/ 561 w 785"/>
+                <a:gd name="T13" fmla="*/ 0 h 692"/>
+                <a:gd name="T14" fmla="*/ 609 w 785"/>
+                <a:gd name="T15" fmla="*/ 27 h 692"/>
+                <a:gd name="T16" fmla="*/ 777 w 785"/>
+                <a:gd name="T17" fmla="*/ 318 h 692"/>
+                <a:gd name="T18" fmla="*/ 777 w 785"/>
+                <a:gd name="T19" fmla="*/ 374 h 692"/>
+                <a:gd name="T20" fmla="*/ 609 w 785"/>
+                <a:gd name="T21" fmla="*/ 665 h 692"/>
+                <a:gd name="T22" fmla="*/ 561 w 785"/>
+                <a:gd name="T23" fmla="*/ 692 h 692"/>
+                <a:gd name="T24" fmla="*/ 225 w 785"/>
+                <a:gd name="T25" fmla="*/ 692 h 692"/>
+              </a:gdLst>
+              <a:ahLst/>
+              <a:cxnLst>
+                <a:cxn ang="0">
+                  <a:pos x="T0" y="T1"/>
+                </a:cxn>
+                <a:cxn ang="0">
+                  <a:pos x="T2" y="T3"/>
+                </a:cxn>
+                <a:cxn ang="0">
+                  <a:pos x="T4" y="T5"/>
+                </a:cxn>
+                <a:cxn ang="0">
+                  <a:pos x="T6" y="T7"/>
+                </a:cxn>
+                <a:cxn ang="0">
+                  <a:pos x="T8" y="T9"/>
+                </a:cxn>
+                <a:cxn ang="0">
+                  <a:pos x="T10" y="T11"/>
+                </a:cxn>
+                <a:cxn ang="0">
+                  <a:pos x="T12" y="T13"/>
+                </a:cxn>
+                <a:cxn ang="0">
+                  <a:pos x="T14" y="T15"/>
+                </a:cxn>
+                <a:cxn ang="0">
+                  <a:pos x="T16" y="T17"/>
+                </a:cxn>
+                <a:cxn ang="0">
+                  <a:pos x="T18" y="T19"/>
+                </a:cxn>
+                <a:cxn ang="0">
+                  <a:pos x="T20" y="T21"/>
+                </a:cxn>
+                <a:cxn ang="0">
+                  <a:pos x="T22" y="T23"/>
+                </a:cxn>
+                <a:cxn ang="0">
+                  <a:pos x="T24" y="T25"/>
+                </a:cxn>
+              </a:cxnLst>
+              <a:rect l="0" t="0" r="r" b="b"/>
+              <a:pathLst>
+                <a:path w="785" h="692">
+                  <a:moveTo>
+                    <a:pt x="225" y="692"/>
+                  </a:moveTo>
+                  <a:cubicBezTo>
+                    <a:pt x="207" y="692"/>
+                    <a:pt x="185" y="680"/>
+                    <a:pt x="177" y="665"/>
+                  </a:cubicBezTo>
+                  <a:cubicBezTo>
+                    <a:pt x="9" y="374"/>
+                    <a:pt x="9" y="374"/>
+                    <a:pt x="9" y="374"/>
+                  </a:cubicBezTo>
+                  <a:cubicBezTo>
+                    <a:pt x="0" y="358"/>
+                    <a:pt x="0" y="334"/>
+                    <a:pt x="9" y="318"/>
+                  </a:cubicBezTo>
+                  <a:cubicBezTo>
+                    <a:pt x="177" y="27"/>
+                    <a:pt x="177" y="27"/>
+                    <a:pt x="177" y="27"/>
+                  </a:cubicBezTo>
+                  <a:cubicBezTo>
+                    <a:pt x="185" y="12"/>
+                    <a:pt x="207" y="0"/>
+                    <a:pt x="225" y="0"/>
+                  </a:cubicBezTo>
+                  <a:cubicBezTo>
+                    <a:pt x="561" y="0"/>
+                    <a:pt x="561" y="0"/>
+                    <a:pt x="561" y="0"/>
+                  </a:cubicBezTo>
+                  <a:cubicBezTo>
+                    <a:pt x="578" y="0"/>
+                    <a:pt x="600" y="12"/>
+                    <a:pt x="609" y="27"/>
+                  </a:cubicBezTo>
+                  <a:cubicBezTo>
+                    <a:pt x="777" y="318"/>
+                    <a:pt x="777" y="318"/>
+                    <a:pt x="777" y="318"/>
+                  </a:cubicBezTo>
+                  <a:cubicBezTo>
+                    <a:pt x="785" y="334"/>
+                    <a:pt x="785" y="358"/>
+                    <a:pt x="777" y="374"/>
+                  </a:cubicBezTo>
+                  <a:cubicBezTo>
+                    <a:pt x="609" y="665"/>
+                    <a:pt x="609" y="665"/>
+                    <a:pt x="609" y="665"/>
+                  </a:cubicBezTo>
+                  <a:cubicBezTo>
+                    <a:pt x="600" y="680"/>
+                    <a:pt x="578" y="692"/>
+                    <a:pt x="561" y="692"/>
+                  </a:cubicBezTo>
+                  <a:lnTo>
+                    <a:pt x="225" y="692"/>
+                  </a:lnTo>
+                  <a:close/>
+                </a:path>
+              </a:pathLst>
+            </a:custGeom>
+            <a:noFill/>
+            <a:ln w="28575" cmpd="sng">
+              <a:solidFill>
+                <a:schemeClr val="tx1"/>
+              </a:solidFill>
+            </a:ln>
+          </p:spPr>
+          <p:txBody>
+            <a:bodyPr vert="horz" wrap="square" lIns="91440" tIns="45720" rIns="91440" bIns="45720" numCol="1" anchor="t" anchorCtr="0" compatLnSpc="1">
+              <a:prstTxWarp prst="textNoShape">
+                <a:avLst/>
+              </a:prstTxWarp>
+            </a:bodyPr>
+            <a:lstStyle/>
+            <a:p>
+              <a:endParaRPr lang="en-US"/>
+            </a:p>
+          </p:txBody>
+        </p:sp>
+        <p:sp>
+          <p:nvSpPr>
+            <p:cNvPr id="37" name="Freeform 5">
+              <a:extLst>
+                <a:ext uri="{FF2B5EF4-FFF2-40B4-BE49-F238E27FC236}">
+                  <a16:creationId xmlns:a16="http://schemas.microsoft.com/office/drawing/2014/main" id="{C2A5CB78-6497-4151-83B6-568BD27EC573}"/>
+                </a:ext>
+                <a:ext uri="{C183D7F6-B498-43B3-948B-1728B52AA6E4}">
+                  <adec:decorative xmlns:adec="http://schemas.microsoft.com/office/drawing/2017/decorative" val="1"/>
+                </a:ext>
+              </a:extLst>
+            </p:cNvPr>
+            <p:cNvSpPr>
+              <a:spLocks/>
+            </p:cNvSpPr>
+            <p:nvPr>
+              <p:extLst>
+                <p:ext uri="{386F3935-93C4-4BCD-93E2-E3B085C9AB24}">
+                  <p16:designElem xmlns:p16="http://schemas.microsoft.com/office/powerpoint/2015/main" val="1"/>
+                </p:ext>
+              </p:extLst>
+            </p:nvPr>
+          </p:nvSpPr>
+          <p:spPr bwMode="auto">
+            <a:xfrm>
+              <a:off x="5885720" y="325570"/>
+              <a:ext cx="550492" cy="485306"/>
+            </a:xfrm>
+            <a:custGeom>
+              <a:avLst/>
+              <a:gdLst>
+                <a:gd name="T0" fmla="*/ 225 w 785"/>
+                <a:gd name="T1" fmla="*/ 692 h 692"/>
+                <a:gd name="T2" fmla="*/ 177 w 785"/>
+                <a:gd name="T3" fmla="*/ 665 h 692"/>
+                <a:gd name="T4" fmla="*/ 9 w 785"/>
+                <a:gd name="T5" fmla="*/ 374 h 692"/>
+                <a:gd name="T6" fmla="*/ 9 w 785"/>
+                <a:gd name="T7" fmla="*/ 318 h 692"/>
+                <a:gd name="T8" fmla="*/ 177 w 785"/>
+                <a:gd name="T9" fmla="*/ 27 h 692"/>
+                <a:gd name="T10" fmla="*/ 225 w 785"/>
+                <a:gd name="T11" fmla="*/ 0 h 692"/>
+                <a:gd name="T12" fmla="*/ 561 w 785"/>
+                <a:gd name="T13" fmla="*/ 0 h 692"/>
+                <a:gd name="T14" fmla="*/ 609 w 785"/>
+                <a:gd name="T15" fmla="*/ 27 h 692"/>
+                <a:gd name="T16" fmla="*/ 777 w 785"/>
+                <a:gd name="T17" fmla="*/ 318 h 692"/>
+                <a:gd name="T18" fmla="*/ 777 w 785"/>
+                <a:gd name="T19" fmla="*/ 374 h 692"/>
+                <a:gd name="T20" fmla="*/ 609 w 785"/>
+                <a:gd name="T21" fmla="*/ 665 h 692"/>
+                <a:gd name="T22" fmla="*/ 561 w 785"/>
+                <a:gd name="T23" fmla="*/ 692 h 692"/>
+                <a:gd name="T24" fmla="*/ 225 w 785"/>
+                <a:gd name="T25" fmla="*/ 692 h 692"/>
+              </a:gdLst>
+              <a:ahLst/>
+              <a:cxnLst>
+                <a:cxn ang="0">
+                  <a:pos x="T0" y="T1"/>
+                </a:cxn>
+                <a:cxn ang="0">
+                  <a:pos x="T2" y="T3"/>
+                </a:cxn>
+                <a:cxn ang="0">
+                  <a:pos x="T4" y="T5"/>
+                </a:cxn>
+                <a:cxn ang="0">
+                  <a:pos x="T6" y="T7"/>
+                </a:cxn>
+                <a:cxn ang="0">
+                  <a:pos x="T8" y="T9"/>
+                </a:cxn>
+                <a:cxn ang="0">
+                  <a:pos x="T10" y="T11"/>
+                </a:cxn>
+                <a:cxn ang="0">
+                  <a:pos x="T12" y="T13"/>
+                </a:cxn>
+                <a:cxn ang="0">
+                  <a:pos x="T14" y="T15"/>
+                </a:cxn>
+                <a:cxn ang="0">
+                  <a:pos x="T16" y="T17"/>
+                </a:cxn>
+                <a:cxn ang="0">
+                  <a:pos x="T18" y="T19"/>
+                </a:cxn>
+                <a:cxn ang="0">
+                  <a:pos x="T20" y="T21"/>
+                </a:cxn>
+                <a:cxn ang="0">
+                  <a:pos x="T22" y="T23"/>
+                </a:cxn>
+                <a:cxn ang="0">
+                  <a:pos x="T24" y="T25"/>
+                </a:cxn>
+              </a:cxnLst>
+              <a:rect l="0" t="0" r="r" b="b"/>
+              <a:pathLst>
+                <a:path w="785" h="692">
+                  <a:moveTo>
+                    <a:pt x="225" y="692"/>
+                  </a:moveTo>
+                  <a:cubicBezTo>
+                    <a:pt x="207" y="692"/>
+                    <a:pt x="185" y="680"/>
+                    <a:pt x="177" y="665"/>
+                  </a:cubicBezTo>
+                  <a:cubicBezTo>
+                    <a:pt x="9" y="374"/>
+                    <a:pt x="9" y="374"/>
+                    <a:pt x="9" y="374"/>
+                  </a:cubicBezTo>
+                  <a:cubicBezTo>
+                    <a:pt x="0" y="358"/>
+                    <a:pt x="0" y="334"/>
+                    <a:pt x="9" y="318"/>
+                  </a:cubicBezTo>
+                  <a:cubicBezTo>
+                    <a:pt x="177" y="27"/>
+                    <a:pt x="177" y="27"/>
+                    <a:pt x="177" y="27"/>
+                  </a:cubicBezTo>
+                  <a:cubicBezTo>
+                    <a:pt x="185" y="12"/>
+                    <a:pt x="207" y="0"/>
+                    <a:pt x="225" y="0"/>
+                  </a:cubicBezTo>
+                  <a:cubicBezTo>
+                    <a:pt x="561" y="0"/>
+                    <a:pt x="561" y="0"/>
+                    <a:pt x="561" y="0"/>
+                  </a:cubicBezTo>
+                  <a:cubicBezTo>
+                    <a:pt x="578" y="0"/>
+                    <a:pt x="600" y="12"/>
+                    <a:pt x="609" y="27"/>
+                  </a:cubicBezTo>
+                  <a:cubicBezTo>
+                    <a:pt x="777" y="318"/>
+                    <a:pt x="777" y="318"/>
+                    <a:pt x="777" y="318"/>
+                  </a:cubicBezTo>
+                  <a:cubicBezTo>
+                    <a:pt x="785" y="334"/>
+                    <a:pt x="785" y="358"/>
+                    <a:pt x="777" y="374"/>
+                  </a:cubicBezTo>
+                  <a:cubicBezTo>
+                    <a:pt x="609" y="665"/>
+                    <a:pt x="609" y="665"/>
+                    <a:pt x="609" y="665"/>
+                  </a:cubicBezTo>
+                  <a:cubicBezTo>
+                    <a:pt x="600" y="680"/>
+                    <a:pt x="578" y="692"/>
+                    <a:pt x="561" y="692"/>
+                  </a:cubicBezTo>
+                  <a:lnTo>
+                    <a:pt x="225" y="692"/>
+                  </a:lnTo>
+                  <a:close/>
+                </a:path>
+              </a:pathLst>
+            </a:custGeom>
+            <a:noFill/>
+            <a:ln w="28575" cmpd="sng">
+              <a:solidFill>
+                <a:schemeClr val="tx1"/>
+              </a:solidFill>
+            </a:ln>
+          </p:spPr>
+          <p:txBody>
+            <a:bodyPr vert="horz" wrap="square" lIns="91440" tIns="45720" rIns="91440" bIns="45720" numCol="1" anchor="t" anchorCtr="0" compatLnSpc="1">
+              <a:prstTxWarp prst="textNoShape">
+                <a:avLst/>
+              </a:prstTxWarp>
+            </a:bodyPr>
+            <a:lstStyle/>
+            <a:p>
+              <a:endParaRPr lang="en-US"/>
+            </a:p>
+          </p:txBody>
+        </p:sp>
+      </p:grpSp>
+    </p:spTree>
+    <p:extLst>
+      <p:ext uri="{BB962C8B-B14F-4D97-AF65-F5344CB8AC3E}">
+        <p14:creationId xmlns:p14="http://schemas.microsoft.com/office/powerpoint/2010/main" val="3255270524"/>
+      </p:ext>
+    </p:extLst>
+  </p:cSld>
+  <p:clrMapOvr>
+    <a:masterClrMapping/>
+  </p:clrMapOvr>
+</p:sld>
+</file>
+
+<file path=ppt/slides/slide17.xml><?xml version="1.0" encoding="utf-8"?>
+<p:sld xmlns:a="http://schemas.openxmlformats.org/drawingml/2006/main" xmlns:r="http://schemas.openxmlformats.org/officeDocument/2006/relationships" xmlns:p="http://schemas.openxmlformats.org/presentationml/2006/main">
+  <p:cSld>
+    <p:bg>
+      <p:bgPr>
+        <a:solidFill>
           <a:schemeClr val="bg1"/>
         </a:solidFill>
         <a:effectLst/>
@@ -10458,8 +12235,8 @@
         </p:nvSpPr>
         <p:spPr>
           <a:xfrm>
-            <a:off x="838200" y="557189"/>
-            <a:ext cx="3966463" cy="1620403"/>
+            <a:off x="647252" y="557189"/>
+            <a:ext cx="3966463" cy="828849"/>
           </a:xfrm>
         </p:spPr>
         <p:txBody>
@@ -10470,7 +12247,7 @@
           <a:p>
             <a:r>
               <a:rPr lang="en-US" sz="5200" dirty="0"/>
-              <a:t>Final Note: Pleas v. Trials</a:t>
+              <a:t>Pleas v. Trials</a:t>
             </a:r>
           </a:p>
         </p:txBody>
@@ -10490,7 +12267,7 @@
           <p:nvPr/>
         </p:nvPicPr>
         <p:blipFill rotWithShape="1">
-          <a:blip r:embed="rId2">
+          <a:blip r:embed="rId3">
             <a:extLst>
               <a:ext uri="{28A0092B-C50C-407E-A947-70E740481C1C}">
                 <a14:useLocalDpi xmlns:a14="http://schemas.microsoft.com/office/drawing/2010/main" val="0"/>
@@ -10524,7 +12301,7 @@
         </p:nvSpPr>
         <p:spPr>
           <a:xfrm>
-            <a:off x="563196" y="4042032"/>
+            <a:off x="563196" y="3341688"/>
             <a:ext cx="4050519" cy="2308324"/>
           </a:xfrm>
           <a:prstGeom prst="rect">
@@ -10607,7 +12384,7 @@
         </p:nvSpPr>
         <p:spPr>
           <a:xfrm>
-            <a:off x="651369" y="2177592"/>
+            <a:off x="651369" y="1416740"/>
             <a:ext cx="1754480" cy="1693072"/>
           </a:xfrm>
           <a:prstGeom prst="roundRect">
@@ -10684,7 +12461,7 @@
         </p:nvSpPr>
         <p:spPr>
           <a:xfrm>
-            <a:off x="2914140" y="2177592"/>
+            <a:off x="2914140" y="1386038"/>
             <a:ext cx="1754480" cy="1693072"/>
           </a:xfrm>
           <a:prstGeom prst="roundRect">
@@ -10846,7 +12623,7 @@
 </p:sld>
 </file>
 
-<file path=ppt/slides/slide17.xml><?xml version="1.0" encoding="utf-8"?>
+<file path=ppt/slides/slide18.xml><?xml version="1.0" encoding="utf-8"?>
 <p:sld xmlns:a="http://schemas.openxmlformats.org/drawingml/2006/main" xmlns:r="http://schemas.openxmlformats.org/officeDocument/2006/relationships" xmlns:p="http://schemas.openxmlformats.org/presentationml/2006/main">
   <p:cSld>
     <p:bg>
@@ -10949,8 +12726,8 @@
         </p:nvSpPr>
         <p:spPr>
           <a:xfrm>
-            <a:off x="838200" y="557189"/>
-            <a:ext cx="3966463" cy="1620403"/>
+            <a:off x="647252" y="557189"/>
+            <a:ext cx="3966463" cy="828849"/>
           </a:xfrm>
         </p:spPr>
         <p:txBody>
@@ -10961,7 +12738,7 @@
           <a:p>
             <a:r>
               <a:rPr lang="en-US" sz="5200" dirty="0"/>
-              <a:t>Final Note: Pleas v. Trials</a:t>
+              <a:t>Pleas v. Trials</a:t>
             </a:r>
           </a:p>
         </p:txBody>
@@ -10980,15 +12757,15 @@
           </p:cNvPicPr>
           <p:nvPr/>
         </p:nvPicPr>
-        <p:blipFill rotWithShape="1">
-          <a:blip r:embed="rId2">
+        <p:blipFill>
+          <a:blip r:embed="rId3">
             <a:extLst>
               <a:ext uri="{28A0092B-C50C-407E-A947-70E740481C1C}">
                 <a14:useLocalDpi xmlns:a14="http://schemas.microsoft.com/office/drawing/2010/main" val="0"/>
               </a:ext>
             </a:extLst>
           </a:blip>
-          <a:srcRect l="-4383" t="535" r="-3986" b="138"/>
+          <a:srcRect t="4241" b="4241"/>
           <a:stretch/>
         </p:blipFill>
         <p:spPr>
@@ -11015,7 +12792,7 @@
         </p:nvSpPr>
         <p:spPr>
           <a:xfrm>
-            <a:off x="563196" y="4080244"/>
+            <a:off x="563196" y="3341688"/>
             <a:ext cx="4050519" cy="1200329"/>
           </a:xfrm>
           <a:prstGeom prst="rect">
@@ -11074,8 +12851,8 @@
         </p:nvSpPr>
         <p:spPr>
           <a:xfrm>
-            <a:off x="1307690" y="2268013"/>
-            <a:ext cx="2113936" cy="1620404"/>
+            <a:off x="1711214" y="1386038"/>
+            <a:ext cx="1898259" cy="1540042"/>
           </a:xfrm>
           <a:prstGeom prst="roundRect">
             <a:avLst/>
@@ -11110,20 +12887,20 @@
         </p:style>
         <p:txBody>
           <a:bodyPr rtlCol="0" anchor="ctr">
-            <a:normAutofit/>
+            <a:normAutofit fontScale="85000" lnSpcReduction="10000"/>
           </a:bodyPr>
           <a:lstStyle/>
           <a:p>
             <a:pPr algn="ctr"/>
             <a:r>
-              <a:rPr lang="en-US" sz="7200" dirty="0"/>
+              <a:rPr lang="en-US" sz="8000" dirty="0"/>
               <a:t>97%</a:t>
             </a:r>
           </a:p>
           <a:p>
             <a:pPr algn="ctr"/>
             <a:r>
-              <a:rPr lang="en-US" sz="1200" dirty="0"/>
+              <a:rPr lang="en-US" sz="1300" dirty="0"/>
               <a:t>of all defendants plead out</a:t>
             </a:r>
             <a:endParaRPr lang="en-US" sz="1600" dirty="0"/>
@@ -11133,7 +12910,7 @@
     </p:spTree>
     <p:extLst>
       <p:ext uri="{BB962C8B-B14F-4D97-AF65-F5344CB8AC3E}">
-        <p14:creationId xmlns:p14="http://schemas.microsoft.com/office/powerpoint/2010/main" val="3564261516"/>
+        <p14:creationId xmlns:p14="http://schemas.microsoft.com/office/powerpoint/2010/main" val="1118056672"/>
       </p:ext>
     </p:extLst>
   </p:cSld>
@@ -11229,7 +13006,7 @@
 </p:sld>
 </file>
 
-<file path=ppt/slides/slide18.xml><?xml version="1.0" encoding="utf-8"?>
+<file path=ppt/slides/slide19.xml><?xml version="1.0" encoding="utf-8"?>
 <p:sld xmlns:a="http://schemas.openxmlformats.org/drawingml/2006/main" xmlns:r="http://schemas.openxmlformats.org/officeDocument/2006/relationships" xmlns:p="http://schemas.openxmlformats.org/presentationml/2006/main">
   <p:cSld>
     <p:bg>
@@ -12950,7 +14727,7 @@
         <p:spPr>
           <a:xfrm>
             <a:off x="854117" y="1772239"/>
-            <a:ext cx="5303401" cy="4262801"/>
+            <a:ext cx="5371655" cy="4262801"/>
           </a:xfrm>
         </p:spPr>
         <p:txBody>
@@ -12959,33 +14736,43 @@
           </a:bodyPr>
           <a:lstStyle/>
           <a:p>
-            <a:pPr marL="685800" indent="-457200">
+            <a:pPr marL="685800" indent="-457200" algn="just">
               <a:buFont typeface="+mj-lt"/>
               <a:buAutoNum type="arabicPeriod"/>
             </a:pPr>
             <a:r>
-              <a:rPr lang="en-US" sz="2400" dirty="0"/>
-              <a:t>Are there racial disparities between the sentencing population and the general population in Tennessee?</a:t>
+              <a:rPr lang="en-US" sz="2000" dirty="0"/>
+              <a:t>Are there racial disparities between the incarcerated population and the general population in Tennessee?</a:t>
             </a:r>
           </a:p>
           <a:p>
-            <a:pPr marL="685800" indent="-457200">
+            <a:pPr marL="685800" indent="-457200" algn="just">
               <a:buFont typeface="+mj-lt"/>
               <a:buAutoNum type="arabicPeriod"/>
             </a:pPr>
             <a:r>
-              <a:rPr lang="en-US" sz="2400" dirty="0"/>
+              <a:rPr lang="en-US" sz="2000" dirty="0"/>
               <a:t>Are people of color receiving longer sentences on average for the same crimes?</a:t>
             </a:r>
           </a:p>
           <a:p>
-            <a:pPr marL="685800" indent="-457200">
+            <a:pPr marL="685800" indent="-457200" algn="just">
               <a:buFont typeface="+mj-lt"/>
               <a:buAutoNum type="arabicPeriod"/>
             </a:pPr>
             <a:r>
-              <a:rPr lang="en-US" sz="2400" dirty="0"/>
+              <a:rPr lang="en-US" sz="2000" dirty="0"/>
               <a:t>Are there disparities in the application of sentence enhancements and sentence mitigation measures?</a:t>
+            </a:r>
+          </a:p>
+          <a:p>
+            <a:pPr marL="685800" indent="-457200" algn="just">
+              <a:buFont typeface="+mj-lt"/>
+              <a:buAutoNum type="arabicPeriod"/>
+            </a:pPr>
+            <a:r>
+              <a:rPr lang="en-US" sz="2000" dirty="0"/>
+              <a:t>Is a person’s sentence affected by whether they plead or go to trial? If so, does this difference vary by race?</a:t>
             </a:r>
           </a:p>
         </p:txBody>
@@ -13232,1019 +15019,6 @@
     <p:extLst>
       <p:ext uri="{BB962C8B-B14F-4D97-AF65-F5344CB8AC3E}">
         <p14:creationId xmlns:p14="http://schemas.microsoft.com/office/powerpoint/2010/main" val="668814964"/>
-      </p:ext>
-    </p:extLst>
-  </p:cSld>
-  <p:clrMapOvr>
-    <a:masterClrMapping/>
-  </p:clrMapOvr>
-  <p:timing>
-    <p:tnLst>
-      <p:par>
-        <p:cTn id="1" dur="indefinite" restart="never" nodeType="tmRoot">
-          <p:childTnLst>
-            <p:seq concurrent="1" nextAc="seek">
-              <p:cTn id="2" dur="indefinite" nodeType="mainSeq">
-                <p:childTnLst>
-                  <p:par>
-                    <p:cTn id="3" fill="hold">
-                      <p:stCondLst>
-                        <p:cond delay="indefinite"/>
-                      </p:stCondLst>
-                      <p:childTnLst>
-                        <p:par>
-                          <p:cTn id="4" fill="hold">
-                            <p:stCondLst>
-                              <p:cond delay="0"/>
-                            </p:stCondLst>
-                            <p:childTnLst>
-                              <p:par>
-                                <p:cTn id="5" presetID="10" presetClass="entr" presetSubtype="0" fill="hold" nodeType="clickEffect">
-                                  <p:stCondLst>
-                                    <p:cond delay="0"/>
-                                  </p:stCondLst>
-                                  <p:childTnLst>
-                                    <p:set>
-                                      <p:cBhvr>
-                                        <p:cTn id="6" dur="1" fill="hold">
-                                          <p:stCondLst>
-                                            <p:cond delay="0"/>
-                                          </p:stCondLst>
-                                        </p:cTn>
-                                        <p:tgtEl>
-                                          <p:spTgt spid="3">
-                                            <p:txEl>
-                                              <p:pRg st="0" end="0"/>
-                                            </p:txEl>
-                                          </p:spTgt>
-                                        </p:tgtEl>
-                                        <p:attrNameLst>
-                                          <p:attrName>style.visibility</p:attrName>
-                                        </p:attrNameLst>
-                                      </p:cBhvr>
-                                      <p:to>
-                                        <p:strVal val="visible"/>
-                                      </p:to>
-                                    </p:set>
-                                    <p:animEffect transition="in" filter="fade">
-                                      <p:cBhvr>
-                                        <p:cTn id="7" dur="500"/>
-                                        <p:tgtEl>
-                                          <p:spTgt spid="3">
-                                            <p:txEl>
-                                              <p:pRg st="0" end="0"/>
-                                            </p:txEl>
-                                          </p:spTgt>
-                                        </p:tgtEl>
-                                      </p:cBhvr>
-                                    </p:animEffect>
-                                  </p:childTnLst>
-                                </p:cTn>
-                              </p:par>
-                            </p:childTnLst>
-                          </p:cTn>
-                        </p:par>
-                      </p:childTnLst>
-                    </p:cTn>
-                  </p:par>
-                  <p:par>
-                    <p:cTn id="8" fill="hold">
-                      <p:stCondLst>
-                        <p:cond delay="indefinite"/>
-                      </p:stCondLst>
-                      <p:childTnLst>
-                        <p:par>
-                          <p:cTn id="9" fill="hold">
-                            <p:stCondLst>
-                              <p:cond delay="0"/>
-                            </p:stCondLst>
-                            <p:childTnLst>
-                              <p:par>
-                                <p:cTn id="10" presetID="10" presetClass="entr" presetSubtype="0" fill="hold" nodeType="clickEffect">
-                                  <p:stCondLst>
-                                    <p:cond delay="0"/>
-                                  </p:stCondLst>
-                                  <p:childTnLst>
-                                    <p:set>
-                                      <p:cBhvr>
-                                        <p:cTn id="11" dur="1" fill="hold">
-                                          <p:stCondLst>
-                                            <p:cond delay="0"/>
-                                          </p:stCondLst>
-                                        </p:cTn>
-                                        <p:tgtEl>
-                                          <p:spTgt spid="3">
-                                            <p:txEl>
-                                              <p:pRg st="1" end="1"/>
-                                            </p:txEl>
-                                          </p:spTgt>
-                                        </p:tgtEl>
-                                        <p:attrNameLst>
-                                          <p:attrName>style.visibility</p:attrName>
-                                        </p:attrNameLst>
-                                      </p:cBhvr>
-                                      <p:to>
-                                        <p:strVal val="visible"/>
-                                      </p:to>
-                                    </p:set>
-                                    <p:animEffect transition="in" filter="fade">
-                                      <p:cBhvr>
-                                        <p:cTn id="12" dur="500"/>
-                                        <p:tgtEl>
-                                          <p:spTgt spid="3">
-                                            <p:txEl>
-                                              <p:pRg st="1" end="1"/>
-                                            </p:txEl>
-                                          </p:spTgt>
-                                        </p:tgtEl>
-                                      </p:cBhvr>
-                                    </p:animEffect>
-                                  </p:childTnLst>
-                                </p:cTn>
-                              </p:par>
-                            </p:childTnLst>
-                          </p:cTn>
-                        </p:par>
-                      </p:childTnLst>
-                    </p:cTn>
-                  </p:par>
-                  <p:par>
-                    <p:cTn id="13" fill="hold">
-                      <p:stCondLst>
-                        <p:cond delay="indefinite"/>
-                      </p:stCondLst>
-                      <p:childTnLst>
-                        <p:par>
-                          <p:cTn id="14" fill="hold">
-                            <p:stCondLst>
-                              <p:cond delay="0"/>
-                            </p:stCondLst>
-                            <p:childTnLst>
-                              <p:par>
-                                <p:cTn id="15" presetID="10" presetClass="entr" presetSubtype="0" fill="hold" nodeType="clickEffect">
-                                  <p:stCondLst>
-                                    <p:cond delay="0"/>
-                                  </p:stCondLst>
-                                  <p:childTnLst>
-                                    <p:set>
-                                      <p:cBhvr>
-                                        <p:cTn id="16" dur="1" fill="hold">
-                                          <p:stCondLst>
-                                            <p:cond delay="0"/>
-                                          </p:stCondLst>
-                                        </p:cTn>
-                                        <p:tgtEl>
-                                          <p:spTgt spid="3">
-                                            <p:txEl>
-                                              <p:pRg st="2" end="2"/>
-                                            </p:txEl>
-                                          </p:spTgt>
-                                        </p:tgtEl>
-                                        <p:attrNameLst>
-                                          <p:attrName>style.visibility</p:attrName>
-                                        </p:attrNameLst>
-                                      </p:cBhvr>
-                                      <p:to>
-                                        <p:strVal val="visible"/>
-                                      </p:to>
-                                    </p:set>
-                                    <p:animEffect transition="in" filter="fade">
-                                      <p:cBhvr>
-                                        <p:cTn id="17" dur="500"/>
-                                        <p:tgtEl>
-                                          <p:spTgt spid="3">
-                                            <p:txEl>
-                                              <p:pRg st="2" end="2"/>
-                                            </p:txEl>
-                                          </p:spTgt>
-                                        </p:tgtEl>
-                                      </p:cBhvr>
-                                    </p:animEffect>
-                                  </p:childTnLst>
-                                </p:cTn>
-                              </p:par>
-                            </p:childTnLst>
-                          </p:cTn>
-                        </p:par>
-                      </p:childTnLst>
-                    </p:cTn>
-                  </p:par>
-                </p:childTnLst>
-              </p:cTn>
-              <p:prevCondLst>
-                <p:cond evt="onPrev" delay="0">
-                  <p:tgtEl>
-                    <p:sldTgt/>
-                  </p:tgtEl>
-                </p:cond>
-              </p:prevCondLst>
-              <p:nextCondLst>
-                <p:cond evt="onNext" delay="0">
-                  <p:tgtEl>
-                    <p:sldTgt/>
-                  </p:tgtEl>
-                </p:cond>
-              </p:nextCondLst>
-            </p:seq>
-          </p:childTnLst>
-        </p:cTn>
-      </p:par>
-    </p:tnLst>
-  </p:timing>
-</p:sld>
-</file>
-
-<file path=ppt/slides/slide3.xml><?xml version="1.0" encoding="utf-8"?>
-<p:sld xmlns:a="http://schemas.openxmlformats.org/drawingml/2006/main" xmlns:r="http://schemas.openxmlformats.org/officeDocument/2006/relationships" xmlns:p="http://schemas.openxmlformats.org/presentationml/2006/main">
-  <p:cSld>
-    <p:bg>
-      <p:bgPr>
-        <a:solidFill>
-          <a:schemeClr val="bg1"/>
-        </a:solidFill>
-        <a:effectLst/>
-      </p:bgPr>
-    </p:bg>
-    <p:spTree>
-      <p:nvGrpSpPr>
-        <p:cNvPr id="1" name=""/>
-        <p:cNvGrpSpPr/>
-        <p:nvPr/>
-      </p:nvGrpSpPr>
-      <p:grpSpPr>
-        <a:xfrm>
-          <a:off x="0" y="0"/>
-          <a:ext cx="0" cy="0"/>
-          <a:chOff x="0" y="0"/>
-          <a:chExt cx="0" cy="0"/>
-        </a:xfrm>
-      </p:grpSpPr>
-      <p:sp useBgFill="1">
-        <p:nvSpPr>
-          <p:cNvPr id="18" name="Rectangle 17">
-            <a:extLst>
-              <a:ext uri="{FF2B5EF4-FFF2-40B4-BE49-F238E27FC236}">
-                <a16:creationId xmlns:a16="http://schemas.microsoft.com/office/drawing/2014/main" id="{91F32EBA-ED97-466E-8CFA-8382584155D0}"/>
-              </a:ext>
-              <a:ext uri="{C183D7F6-B498-43B3-948B-1728B52AA6E4}">
-                <adec:decorative xmlns:adec="http://schemas.microsoft.com/office/drawing/2017/decorative" val="1"/>
-              </a:ext>
-            </a:extLst>
-          </p:cNvPr>
-          <p:cNvSpPr>
-            <a:spLocks noGrp="1" noRot="1" noChangeAspect="1" noMove="1" noResize="1" noEditPoints="1" noAdjustHandles="1" noChangeArrowheads="1" noChangeShapeType="1" noTextEdit="1"/>
-          </p:cNvSpPr>
-          <p:nvPr>
-            <p:extLst>
-              <p:ext uri="{386F3935-93C4-4BCD-93E2-E3B085C9AB24}">
-                <p16:designElem xmlns:p16="http://schemas.microsoft.com/office/powerpoint/2015/main" val="1"/>
-              </p:ext>
-            </p:extLst>
-          </p:nvPr>
-        </p:nvSpPr>
-        <p:spPr>
-          <a:xfrm>
-            <a:off x="0" y="0"/>
-            <a:ext cx="12192000" cy="6858000"/>
-          </a:xfrm>
-          <a:prstGeom prst="rect">
-            <a:avLst/>
-          </a:prstGeom>
-          <a:ln>
-            <a:noFill/>
-          </a:ln>
-        </p:spPr>
-        <p:style>
-          <a:lnRef idx="2">
-            <a:schemeClr val="accent1">
-              <a:shade val="50000"/>
-            </a:schemeClr>
-          </a:lnRef>
-          <a:fillRef idx="1">
-            <a:schemeClr val="accent1"/>
-          </a:fillRef>
-          <a:effectRef idx="0">
-            <a:schemeClr val="accent1"/>
-          </a:effectRef>
-          <a:fontRef idx="minor">
-            <a:schemeClr val="lt1"/>
-          </a:fontRef>
-        </p:style>
-        <p:txBody>
-          <a:bodyPr rtlCol="0" anchor="ctr"/>
-          <a:lstStyle/>
-          <a:p>
-            <a:pPr algn="ctr"/>
-            <a:endParaRPr lang="en-US"/>
-          </a:p>
-        </p:txBody>
-      </p:sp>
-      <p:sp>
-        <p:nvSpPr>
-          <p:cNvPr id="2" name="Title 1">
-            <a:extLst>
-              <a:ext uri="{FF2B5EF4-FFF2-40B4-BE49-F238E27FC236}">
-                <a16:creationId xmlns:a16="http://schemas.microsoft.com/office/drawing/2014/main" id="{A799583B-9ACC-449B-95CE-FE9E6C88012A}"/>
-              </a:ext>
-            </a:extLst>
-          </p:cNvPr>
-          <p:cNvSpPr>
-            <a:spLocks noGrp="1"/>
-          </p:cNvSpPr>
-          <p:nvPr>
-            <p:ph type="title"/>
-          </p:nvPr>
-        </p:nvSpPr>
-        <p:spPr>
-          <a:xfrm>
-            <a:off x="854117" y="822960"/>
-            <a:ext cx="6396117" cy="795771"/>
-          </a:xfrm>
-        </p:spPr>
-        <p:txBody>
-          <a:bodyPr vert="horz" lIns="91440" tIns="45720" rIns="91440" bIns="45720" rtlCol="0" anchor="b">
-            <a:normAutofit fontScale="90000"/>
-          </a:bodyPr>
-          <a:lstStyle/>
-          <a:p>
-            <a:r>
-              <a:rPr lang="en-US" dirty="0"/>
-              <a:t>Data Collection and Cleaning</a:t>
-            </a:r>
-            <a:endParaRPr lang="en-US" kern="1200" dirty="0">
-              <a:solidFill>
-                <a:schemeClr val="tx1"/>
-              </a:solidFill>
-              <a:latin typeface="+mj-lt"/>
-              <a:ea typeface="+mj-ea"/>
-              <a:cs typeface="+mj-cs"/>
-            </a:endParaRPr>
-          </a:p>
-        </p:txBody>
-      </p:sp>
-      <p:sp>
-        <p:nvSpPr>
-          <p:cNvPr id="20" name="Freeform 5">
-            <a:extLst>
-              <a:ext uri="{FF2B5EF4-FFF2-40B4-BE49-F238E27FC236}">
-                <a16:creationId xmlns:a16="http://schemas.microsoft.com/office/drawing/2014/main" id="{4300F7B2-2FBB-4B65-B588-6331766027CB}"/>
-              </a:ext>
-              <a:ext uri="{C183D7F6-B498-43B3-948B-1728B52AA6E4}">
-                <adec:decorative xmlns:adec="http://schemas.microsoft.com/office/drawing/2017/decorative" val="1"/>
-              </a:ext>
-            </a:extLst>
-          </p:cNvPr>
-          <p:cNvSpPr>
-            <a:spLocks noGrp="1" noRot="1" noChangeAspect="1" noMove="1" noResize="1" noEditPoints="1" noAdjustHandles="1" noChangeArrowheads="1" noChangeShapeType="1" noTextEdit="1"/>
-          </p:cNvSpPr>
-          <p:nvPr>
-            <p:extLst>
-              <p:ext uri="{386F3935-93C4-4BCD-93E2-E3B085C9AB24}">
-                <p16:designElem xmlns:p16="http://schemas.microsoft.com/office/powerpoint/2015/main" val="1"/>
-              </p:ext>
-            </p:extLst>
-          </p:nvPr>
-        </p:nvSpPr>
-        <p:spPr bwMode="auto">
-          <a:xfrm>
-            <a:off x="7125375" y="1311536"/>
-            <a:ext cx="675351" cy="595380"/>
-          </a:xfrm>
-          <a:custGeom>
-            <a:avLst/>
-            <a:gdLst>
-              <a:gd name="T0" fmla="*/ 225 w 785"/>
-              <a:gd name="T1" fmla="*/ 692 h 692"/>
-              <a:gd name="T2" fmla="*/ 177 w 785"/>
-              <a:gd name="T3" fmla="*/ 665 h 692"/>
-              <a:gd name="T4" fmla="*/ 9 w 785"/>
-              <a:gd name="T5" fmla="*/ 374 h 692"/>
-              <a:gd name="T6" fmla="*/ 9 w 785"/>
-              <a:gd name="T7" fmla="*/ 318 h 692"/>
-              <a:gd name="T8" fmla="*/ 177 w 785"/>
-              <a:gd name="T9" fmla="*/ 27 h 692"/>
-              <a:gd name="T10" fmla="*/ 225 w 785"/>
-              <a:gd name="T11" fmla="*/ 0 h 692"/>
-              <a:gd name="T12" fmla="*/ 561 w 785"/>
-              <a:gd name="T13" fmla="*/ 0 h 692"/>
-              <a:gd name="T14" fmla="*/ 609 w 785"/>
-              <a:gd name="T15" fmla="*/ 27 h 692"/>
-              <a:gd name="T16" fmla="*/ 777 w 785"/>
-              <a:gd name="T17" fmla="*/ 318 h 692"/>
-              <a:gd name="T18" fmla="*/ 777 w 785"/>
-              <a:gd name="T19" fmla="*/ 374 h 692"/>
-              <a:gd name="T20" fmla="*/ 609 w 785"/>
-              <a:gd name="T21" fmla="*/ 665 h 692"/>
-              <a:gd name="T22" fmla="*/ 561 w 785"/>
-              <a:gd name="T23" fmla="*/ 692 h 692"/>
-              <a:gd name="T24" fmla="*/ 225 w 785"/>
-              <a:gd name="T25" fmla="*/ 692 h 692"/>
-            </a:gdLst>
-            <a:ahLst/>
-            <a:cxnLst>
-              <a:cxn ang="0">
-                <a:pos x="T0" y="T1"/>
-              </a:cxn>
-              <a:cxn ang="0">
-                <a:pos x="T2" y="T3"/>
-              </a:cxn>
-              <a:cxn ang="0">
-                <a:pos x="T4" y="T5"/>
-              </a:cxn>
-              <a:cxn ang="0">
-                <a:pos x="T6" y="T7"/>
-              </a:cxn>
-              <a:cxn ang="0">
-                <a:pos x="T8" y="T9"/>
-              </a:cxn>
-              <a:cxn ang="0">
-                <a:pos x="T10" y="T11"/>
-              </a:cxn>
-              <a:cxn ang="0">
-                <a:pos x="T12" y="T13"/>
-              </a:cxn>
-              <a:cxn ang="0">
-                <a:pos x="T14" y="T15"/>
-              </a:cxn>
-              <a:cxn ang="0">
-                <a:pos x="T16" y="T17"/>
-              </a:cxn>
-              <a:cxn ang="0">
-                <a:pos x="T18" y="T19"/>
-              </a:cxn>
-              <a:cxn ang="0">
-                <a:pos x="T20" y="T21"/>
-              </a:cxn>
-              <a:cxn ang="0">
-                <a:pos x="T22" y="T23"/>
-              </a:cxn>
-              <a:cxn ang="0">
-                <a:pos x="T24" y="T25"/>
-              </a:cxn>
-            </a:cxnLst>
-            <a:rect l="0" t="0" r="r" b="b"/>
-            <a:pathLst>
-              <a:path w="785" h="692">
-                <a:moveTo>
-                  <a:pt x="225" y="692"/>
-                </a:moveTo>
-                <a:cubicBezTo>
-                  <a:pt x="207" y="692"/>
-                  <a:pt x="185" y="680"/>
-                  <a:pt x="177" y="665"/>
-                </a:cubicBezTo>
-                <a:cubicBezTo>
-                  <a:pt x="9" y="374"/>
-                  <a:pt x="9" y="374"/>
-                  <a:pt x="9" y="374"/>
-                </a:cubicBezTo>
-                <a:cubicBezTo>
-                  <a:pt x="0" y="358"/>
-                  <a:pt x="0" y="334"/>
-                  <a:pt x="9" y="318"/>
-                </a:cubicBezTo>
-                <a:cubicBezTo>
-                  <a:pt x="177" y="27"/>
-                  <a:pt x="177" y="27"/>
-                  <a:pt x="177" y="27"/>
-                </a:cubicBezTo>
-                <a:cubicBezTo>
-                  <a:pt x="185" y="12"/>
-                  <a:pt x="207" y="0"/>
-                  <a:pt x="225" y="0"/>
-                </a:cubicBezTo>
-                <a:cubicBezTo>
-                  <a:pt x="561" y="0"/>
-                  <a:pt x="561" y="0"/>
-                  <a:pt x="561" y="0"/>
-                </a:cubicBezTo>
-                <a:cubicBezTo>
-                  <a:pt x="578" y="0"/>
-                  <a:pt x="600" y="12"/>
-                  <a:pt x="609" y="27"/>
-                </a:cubicBezTo>
-                <a:cubicBezTo>
-                  <a:pt x="777" y="318"/>
-                  <a:pt x="777" y="318"/>
-                  <a:pt x="777" y="318"/>
-                </a:cubicBezTo>
-                <a:cubicBezTo>
-                  <a:pt x="785" y="334"/>
-                  <a:pt x="785" y="358"/>
-                  <a:pt x="777" y="374"/>
-                </a:cubicBezTo>
-                <a:cubicBezTo>
-                  <a:pt x="609" y="665"/>
-                  <a:pt x="609" y="665"/>
-                  <a:pt x="609" y="665"/>
-                </a:cubicBezTo>
-                <a:cubicBezTo>
-                  <a:pt x="600" y="680"/>
-                  <a:pt x="578" y="692"/>
-                  <a:pt x="561" y="692"/>
-                </a:cubicBezTo>
-                <a:lnTo>
-                  <a:pt x="225" y="692"/>
-                </a:lnTo>
-                <a:close/>
-              </a:path>
-            </a:pathLst>
-          </a:custGeom>
-          <a:noFill/>
-          <a:ln w="28575" cmpd="sng">
-            <a:solidFill>
-              <a:schemeClr val="tx1"/>
-            </a:solidFill>
-          </a:ln>
-        </p:spPr>
-        <p:txBody>
-          <a:bodyPr vert="horz" wrap="square" lIns="91440" tIns="45720" rIns="91440" bIns="45720" numCol="1" anchor="t" anchorCtr="0" compatLnSpc="1">
-            <a:prstTxWarp prst="textNoShape">
-              <a:avLst/>
-            </a:prstTxWarp>
-          </a:bodyPr>
-          <a:lstStyle/>
-          <a:p>
-            <a:endParaRPr lang="en-US"/>
-          </a:p>
-        </p:txBody>
-      </p:sp>
-      <p:sp>
-        <p:nvSpPr>
-          <p:cNvPr id="22" name="Freeform 5">
-            <a:extLst>
-              <a:ext uri="{FF2B5EF4-FFF2-40B4-BE49-F238E27FC236}">
-                <a16:creationId xmlns:a16="http://schemas.microsoft.com/office/drawing/2014/main" id="{EFA5A327-531A-495C-BCA7-27F04811AF4B}"/>
-              </a:ext>
-              <a:ext uri="{C183D7F6-B498-43B3-948B-1728B52AA6E4}">
-                <adec:decorative xmlns:adec="http://schemas.microsoft.com/office/drawing/2017/decorative" val="1"/>
-              </a:ext>
-            </a:extLst>
-          </p:cNvPr>
-          <p:cNvSpPr>
-            <a:spLocks noGrp="1" noRot="1" noChangeAspect="1" noMove="1" noResize="1" noEditPoints="1" noAdjustHandles="1" noChangeArrowheads="1" noChangeShapeType="1" noTextEdit="1"/>
-          </p:cNvSpPr>
-          <p:nvPr>
-            <p:extLst>
-              <p:ext uri="{386F3935-93C4-4BCD-93E2-E3B085C9AB24}">
-                <p16:designElem xmlns:p16="http://schemas.microsoft.com/office/powerpoint/2015/main" val="1"/>
-              </p:ext>
-            </p:extLst>
-          </p:nvPr>
-        </p:nvSpPr>
-        <p:spPr bwMode="auto">
-          <a:xfrm>
-            <a:off x="7703265" y="1059710"/>
-            <a:ext cx="550492" cy="485306"/>
-          </a:xfrm>
-          <a:custGeom>
-            <a:avLst/>
-            <a:gdLst>
-              <a:gd name="T0" fmla="*/ 225 w 785"/>
-              <a:gd name="T1" fmla="*/ 692 h 692"/>
-              <a:gd name="T2" fmla="*/ 177 w 785"/>
-              <a:gd name="T3" fmla="*/ 665 h 692"/>
-              <a:gd name="T4" fmla="*/ 9 w 785"/>
-              <a:gd name="T5" fmla="*/ 374 h 692"/>
-              <a:gd name="T6" fmla="*/ 9 w 785"/>
-              <a:gd name="T7" fmla="*/ 318 h 692"/>
-              <a:gd name="T8" fmla="*/ 177 w 785"/>
-              <a:gd name="T9" fmla="*/ 27 h 692"/>
-              <a:gd name="T10" fmla="*/ 225 w 785"/>
-              <a:gd name="T11" fmla="*/ 0 h 692"/>
-              <a:gd name="T12" fmla="*/ 561 w 785"/>
-              <a:gd name="T13" fmla="*/ 0 h 692"/>
-              <a:gd name="T14" fmla="*/ 609 w 785"/>
-              <a:gd name="T15" fmla="*/ 27 h 692"/>
-              <a:gd name="T16" fmla="*/ 777 w 785"/>
-              <a:gd name="T17" fmla="*/ 318 h 692"/>
-              <a:gd name="T18" fmla="*/ 777 w 785"/>
-              <a:gd name="T19" fmla="*/ 374 h 692"/>
-              <a:gd name="T20" fmla="*/ 609 w 785"/>
-              <a:gd name="T21" fmla="*/ 665 h 692"/>
-              <a:gd name="T22" fmla="*/ 561 w 785"/>
-              <a:gd name="T23" fmla="*/ 692 h 692"/>
-              <a:gd name="T24" fmla="*/ 225 w 785"/>
-              <a:gd name="T25" fmla="*/ 692 h 692"/>
-            </a:gdLst>
-            <a:ahLst/>
-            <a:cxnLst>
-              <a:cxn ang="0">
-                <a:pos x="T0" y="T1"/>
-              </a:cxn>
-              <a:cxn ang="0">
-                <a:pos x="T2" y="T3"/>
-              </a:cxn>
-              <a:cxn ang="0">
-                <a:pos x="T4" y="T5"/>
-              </a:cxn>
-              <a:cxn ang="0">
-                <a:pos x="T6" y="T7"/>
-              </a:cxn>
-              <a:cxn ang="0">
-                <a:pos x="T8" y="T9"/>
-              </a:cxn>
-              <a:cxn ang="0">
-                <a:pos x="T10" y="T11"/>
-              </a:cxn>
-              <a:cxn ang="0">
-                <a:pos x="T12" y="T13"/>
-              </a:cxn>
-              <a:cxn ang="0">
-                <a:pos x="T14" y="T15"/>
-              </a:cxn>
-              <a:cxn ang="0">
-                <a:pos x="T16" y="T17"/>
-              </a:cxn>
-              <a:cxn ang="0">
-                <a:pos x="T18" y="T19"/>
-              </a:cxn>
-              <a:cxn ang="0">
-                <a:pos x="T20" y="T21"/>
-              </a:cxn>
-              <a:cxn ang="0">
-                <a:pos x="T22" y="T23"/>
-              </a:cxn>
-              <a:cxn ang="0">
-                <a:pos x="T24" y="T25"/>
-              </a:cxn>
-            </a:cxnLst>
-            <a:rect l="0" t="0" r="r" b="b"/>
-            <a:pathLst>
-              <a:path w="785" h="692">
-                <a:moveTo>
-                  <a:pt x="225" y="692"/>
-                </a:moveTo>
-                <a:cubicBezTo>
-                  <a:pt x="207" y="692"/>
-                  <a:pt x="185" y="680"/>
-                  <a:pt x="177" y="665"/>
-                </a:cubicBezTo>
-                <a:cubicBezTo>
-                  <a:pt x="9" y="374"/>
-                  <a:pt x="9" y="374"/>
-                  <a:pt x="9" y="374"/>
-                </a:cubicBezTo>
-                <a:cubicBezTo>
-                  <a:pt x="0" y="358"/>
-                  <a:pt x="0" y="334"/>
-                  <a:pt x="9" y="318"/>
-                </a:cubicBezTo>
-                <a:cubicBezTo>
-                  <a:pt x="177" y="27"/>
-                  <a:pt x="177" y="27"/>
-                  <a:pt x="177" y="27"/>
-                </a:cubicBezTo>
-                <a:cubicBezTo>
-                  <a:pt x="185" y="12"/>
-                  <a:pt x="207" y="0"/>
-                  <a:pt x="225" y="0"/>
-                </a:cubicBezTo>
-                <a:cubicBezTo>
-                  <a:pt x="561" y="0"/>
-                  <a:pt x="561" y="0"/>
-                  <a:pt x="561" y="0"/>
-                </a:cubicBezTo>
-                <a:cubicBezTo>
-                  <a:pt x="578" y="0"/>
-                  <a:pt x="600" y="12"/>
-                  <a:pt x="609" y="27"/>
-                </a:cubicBezTo>
-                <a:cubicBezTo>
-                  <a:pt x="777" y="318"/>
-                  <a:pt x="777" y="318"/>
-                  <a:pt x="777" y="318"/>
-                </a:cubicBezTo>
-                <a:cubicBezTo>
-                  <a:pt x="785" y="334"/>
-                  <a:pt x="785" y="358"/>
-                  <a:pt x="777" y="374"/>
-                </a:cubicBezTo>
-                <a:cubicBezTo>
-                  <a:pt x="609" y="665"/>
-                  <a:pt x="609" y="665"/>
-                  <a:pt x="609" y="665"/>
-                </a:cubicBezTo>
-                <a:cubicBezTo>
-                  <a:pt x="600" y="680"/>
-                  <a:pt x="578" y="692"/>
-                  <a:pt x="561" y="692"/>
-                </a:cubicBezTo>
-                <a:lnTo>
-                  <a:pt x="225" y="692"/>
-                </a:lnTo>
-                <a:close/>
-              </a:path>
-            </a:pathLst>
-          </a:custGeom>
-          <a:noFill/>
-          <a:ln w="28575" cmpd="sng">
-            <a:solidFill>
-              <a:schemeClr val="tx1"/>
-            </a:solidFill>
-          </a:ln>
-        </p:spPr>
-        <p:txBody>
-          <a:bodyPr vert="horz" wrap="square" lIns="91440" tIns="45720" rIns="91440" bIns="45720" numCol="1" anchor="t" anchorCtr="0" compatLnSpc="1">
-            <a:prstTxWarp prst="textNoShape">
-              <a:avLst/>
-            </a:prstTxWarp>
-          </a:bodyPr>
-          <a:lstStyle/>
-          <a:p>
-            <a:endParaRPr lang="en-US"/>
-          </a:p>
-        </p:txBody>
-      </p:sp>
-      <p:sp>
-        <p:nvSpPr>
-          <p:cNvPr id="3" name="Content Placeholder 2">
-            <a:extLst>
-              <a:ext uri="{FF2B5EF4-FFF2-40B4-BE49-F238E27FC236}">
-                <a16:creationId xmlns:a16="http://schemas.microsoft.com/office/drawing/2014/main" id="{606A0FD7-B64A-497D-A54A-67D403C5C515}"/>
-              </a:ext>
-            </a:extLst>
-          </p:cNvPr>
-          <p:cNvSpPr>
-            <a:spLocks noGrp="1"/>
-          </p:cNvSpPr>
-          <p:nvPr>
-            <p:ph sz="half" idx="1"/>
-          </p:nvPr>
-        </p:nvSpPr>
-        <p:spPr>
-          <a:xfrm>
-            <a:off x="1174282" y="1772239"/>
-            <a:ext cx="4983236" cy="4262801"/>
-          </a:xfrm>
-        </p:spPr>
-        <p:txBody>
-          <a:bodyPr vert="horz" lIns="91440" tIns="45720" rIns="91440" bIns="45720" rtlCol="0">
-            <a:noAutofit/>
-          </a:bodyPr>
-          <a:lstStyle/>
-          <a:p>
-            <a:r>
-              <a:rPr lang="en-US" sz="2400" dirty="0"/>
-              <a:t>SAS files from ussc.gov (The U.S. Sentencing Commission)</a:t>
-            </a:r>
-          </a:p>
-          <a:p>
-            <a:r>
-              <a:rPr lang="en-US" sz="2400" dirty="0"/>
-              <a:t>Nationwide dataset with over 300k rows and 1000+ columns</a:t>
-            </a:r>
-          </a:p>
-          <a:p>
-            <a:r>
-              <a:rPr lang="en-US" sz="2400" dirty="0"/>
-              <a:t>Identified 195 columns for analysis</a:t>
-            </a:r>
-          </a:p>
-          <a:p>
-            <a:r>
-              <a:rPr lang="en-US" sz="2400" dirty="0"/>
-              <a:t>Extracted Tennessee specific data </a:t>
-            </a:r>
-          </a:p>
-        </p:txBody>
-      </p:sp>
-      <p:sp>
-        <p:nvSpPr>
-          <p:cNvPr id="24" name="Freeform 5">
-            <a:extLst>
-              <a:ext uri="{FF2B5EF4-FFF2-40B4-BE49-F238E27FC236}">
-                <a16:creationId xmlns:a16="http://schemas.microsoft.com/office/drawing/2014/main" id="{09C89D1D-8C73-4FE3-BB9A-0A66D0F9C2FF}"/>
-              </a:ext>
-              <a:ext uri="{C183D7F6-B498-43B3-948B-1728B52AA6E4}">
-                <adec:decorative xmlns:adec="http://schemas.microsoft.com/office/drawing/2017/decorative" val="1"/>
-              </a:ext>
-            </a:extLst>
-          </p:cNvPr>
-          <p:cNvSpPr>
-            <a:spLocks noGrp="1" noRot="1" noChangeAspect="1" noMove="1" noResize="1" noEditPoints="1" noAdjustHandles="1" noChangeArrowheads="1" noChangeShapeType="1" noTextEdit="1"/>
-          </p:cNvSpPr>
-          <p:nvPr>
-            <p:extLst>
-              <p:ext uri="{386F3935-93C4-4BCD-93E2-E3B085C9AB24}">
-                <p16:designElem xmlns:p16="http://schemas.microsoft.com/office/powerpoint/2015/main" val="1"/>
-              </p:ext>
-            </p:extLst>
-          </p:nvPr>
-        </p:nvSpPr>
-        <p:spPr bwMode="auto">
-          <a:xfrm>
-            <a:off x="6882856" y="1645694"/>
-            <a:ext cx="4689240" cy="4115025"/>
-          </a:xfrm>
-          <a:custGeom>
-            <a:avLst/>
-            <a:gdLst>
-              <a:gd name="T0" fmla="*/ 781 w 1099"/>
-              <a:gd name="T1" fmla="*/ 0 h 968"/>
-              <a:gd name="T2" fmla="*/ 318 w 1099"/>
-              <a:gd name="T3" fmla="*/ 0 h 968"/>
-              <a:gd name="T4" fmla="*/ 246 w 1099"/>
-              <a:gd name="T5" fmla="*/ 42 h 968"/>
-              <a:gd name="T6" fmla="*/ 15 w 1099"/>
-              <a:gd name="T7" fmla="*/ 443 h 968"/>
-              <a:gd name="T8" fmla="*/ 15 w 1099"/>
-              <a:gd name="T9" fmla="*/ 525 h 968"/>
-              <a:gd name="T10" fmla="*/ 246 w 1099"/>
-              <a:gd name="T11" fmla="*/ 926 h 968"/>
-              <a:gd name="T12" fmla="*/ 318 w 1099"/>
-              <a:gd name="T13" fmla="*/ 968 h 968"/>
-              <a:gd name="T14" fmla="*/ 781 w 1099"/>
-              <a:gd name="T15" fmla="*/ 968 h 968"/>
-              <a:gd name="T16" fmla="*/ 852 w 1099"/>
-              <a:gd name="T17" fmla="*/ 926 h 968"/>
-              <a:gd name="T18" fmla="*/ 1084 w 1099"/>
-              <a:gd name="T19" fmla="*/ 525 h 968"/>
-              <a:gd name="T20" fmla="*/ 1084 w 1099"/>
-              <a:gd name="T21" fmla="*/ 443 h 968"/>
-              <a:gd name="T22" fmla="*/ 852 w 1099"/>
-              <a:gd name="T23" fmla="*/ 42 h 968"/>
-              <a:gd name="T24" fmla="*/ 781 w 1099"/>
-              <a:gd name="T25" fmla="*/ 0 h 968"/>
-            </a:gdLst>
-            <a:ahLst/>
-            <a:cxnLst>
-              <a:cxn ang="0">
-                <a:pos x="T0" y="T1"/>
-              </a:cxn>
-              <a:cxn ang="0">
-                <a:pos x="T2" y="T3"/>
-              </a:cxn>
-              <a:cxn ang="0">
-                <a:pos x="T4" y="T5"/>
-              </a:cxn>
-              <a:cxn ang="0">
-                <a:pos x="T6" y="T7"/>
-              </a:cxn>
-              <a:cxn ang="0">
-                <a:pos x="T8" y="T9"/>
-              </a:cxn>
-              <a:cxn ang="0">
-                <a:pos x="T10" y="T11"/>
-              </a:cxn>
-              <a:cxn ang="0">
-                <a:pos x="T12" y="T13"/>
-              </a:cxn>
-              <a:cxn ang="0">
-                <a:pos x="T14" y="T15"/>
-              </a:cxn>
-              <a:cxn ang="0">
-                <a:pos x="T16" y="T17"/>
-              </a:cxn>
-              <a:cxn ang="0">
-                <a:pos x="T18" y="T19"/>
-              </a:cxn>
-              <a:cxn ang="0">
-                <a:pos x="T20" y="T21"/>
-              </a:cxn>
-              <a:cxn ang="0">
-                <a:pos x="T22" y="T23"/>
-              </a:cxn>
-              <a:cxn ang="0">
-                <a:pos x="T24" y="T25"/>
-              </a:cxn>
-            </a:cxnLst>
-            <a:rect l="0" t="0" r="r" b="b"/>
-            <a:pathLst>
-              <a:path w="1099" h="968">
-                <a:moveTo>
-                  <a:pt x="781" y="0"/>
-                </a:moveTo>
-                <a:cubicBezTo>
-                  <a:pt x="318" y="0"/>
-                  <a:pt x="318" y="0"/>
-                  <a:pt x="318" y="0"/>
-                </a:cubicBezTo>
-                <a:cubicBezTo>
-                  <a:pt x="288" y="0"/>
-                  <a:pt x="261" y="16"/>
-                  <a:pt x="246" y="42"/>
-                </a:cubicBezTo>
-                <a:cubicBezTo>
-                  <a:pt x="15" y="443"/>
-                  <a:pt x="15" y="443"/>
-                  <a:pt x="15" y="443"/>
-                </a:cubicBezTo>
-                <a:cubicBezTo>
-                  <a:pt x="0" y="468"/>
-                  <a:pt x="0" y="500"/>
-                  <a:pt x="15" y="525"/>
-                </a:cubicBezTo>
-                <a:cubicBezTo>
-                  <a:pt x="246" y="926"/>
-                  <a:pt x="246" y="926"/>
-                  <a:pt x="246" y="926"/>
-                </a:cubicBezTo>
-                <a:cubicBezTo>
-                  <a:pt x="261" y="952"/>
-                  <a:pt x="288" y="968"/>
-                  <a:pt x="318" y="968"/>
-                </a:cubicBezTo>
-                <a:cubicBezTo>
-                  <a:pt x="781" y="968"/>
-                  <a:pt x="781" y="968"/>
-                  <a:pt x="781" y="968"/>
-                </a:cubicBezTo>
-                <a:cubicBezTo>
-                  <a:pt x="810" y="968"/>
-                  <a:pt x="838" y="952"/>
-                  <a:pt x="852" y="926"/>
-                </a:cubicBezTo>
-                <a:cubicBezTo>
-                  <a:pt x="1084" y="525"/>
-                  <a:pt x="1084" y="525"/>
-                  <a:pt x="1084" y="525"/>
-                </a:cubicBezTo>
-                <a:cubicBezTo>
-                  <a:pt x="1099" y="500"/>
-                  <a:pt x="1099" y="468"/>
-                  <a:pt x="1084" y="443"/>
-                </a:cubicBezTo>
-                <a:cubicBezTo>
-                  <a:pt x="852" y="42"/>
-                  <a:pt x="852" y="42"/>
-                  <a:pt x="852" y="42"/>
-                </a:cubicBezTo>
-                <a:cubicBezTo>
-                  <a:pt x="838" y="16"/>
-                  <a:pt x="810" y="0"/>
-                  <a:pt x="781" y="0"/>
-                </a:cubicBezTo>
-                <a:close/>
-              </a:path>
-            </a:pathLst>
-          </a:custGeom>
-          <a:noFill/>
-          <a:ln w="50800" cap="flat">
-            <a:solidFill>
-              <a:schemeClr val="tx1"/>
-            </a:solidFill>
-            <a:prstDash val="solid"/>
-            <a:miter lim="800000"/>
-            <a:headEnd/>
-            <a:tailEnd/>
-          </a:ln>
-        </p:spPr>
-        <p:txBody>
-          <a:bodyPr vert="horz" wrap="square" lIns="91440" tIns="45720" rIns="91440" bIns="45720" numCol="1" anchor="t" anchorCtr="0" compatLnSpc="1">
-            <a:prstTxWarp prst="textNoShape">
-              <a:avLst/>
-            </a:prstTxWarp>
-          </a:bodyPr>
-          <a:lstStyle/>
-          <a:p>
-            <a:endParaRPr lang="en-US" dirty="0"/>
-          </a:p>
-        </p:txBody>
-      </p:sp>
-      <p:pic>
-        <p:nvPicPr>
-          <p:cNvPr id="6" name="Graphic 5" descr="Folder Search with solid fill">
-            <a:extLst>
-              <a:ext uri="{FF2B5EF4-FFF2-40B4-BE49-F238E27FC236}">
-                <a16:creationId xmlns:a16="http://schemas.microsoft.com/office/drawing/2014/main" id="{5D1B45EE-EE74-4916-A832-5235393504C2}"/>
-              </a:ext>
-            </a:extLst>
-          </p:cNvPr>
-          <p:cNvPicPr>
-            <a:picLocks noChangeAspect="1"/>
-          </p:cNvPicPr>
-          <p:nvPr/>
-        </p:nvPicPr>
-        <p:blipFill>
-          <a:blip r:embed="rId2">
-            <a:extLst>
-              <a:ext uri="{28A0092B-C50C-407E-A947-70E740481C1C}">
-                <a14:useLocalDpi xmlns:a14="http://schemas.microsoft.com/office/drawing/2010/main" val="0"/>
-              </a:ext>
-              <a:ext uri="{96DAC541-7B7A-43D3-8B79-37D633B846F1}">
-                <asvg:svgBlip xmlns:asvg="http://schemas.microsoft.com/office/drawing/2016/SVG/main" r:embed="rId3"/>
-              </a:ext>
-            </a:extLst>
-          </a:blip>
-          <a:srcRect/>
-          <a:stretch/>
-        </p:blipFill>
-        <p:spPr>
-          <a:xfrm>
-            <a:off x="7463050" y="1972841"/>
-            <a:ext cx="3573623" cy="3573623"/>
-          </a:xfrm>
-          <a:prstGeom prst="rect">
-            <a:avLst/>
-          </a:prstGeom>
-          <a:effectLst/>
-        </p:spPr>
-      </p:pic>
-    </p:spTree>
-    <p:extLst>
-      <p:ext uri="{BB962C8B-B14F-4D97-AF65-F5344CB8AC3E}">
-        <p14:creationId xmlns:p14="http://schemas.microsoft.com/office/powerpoint/2010/main" val="2549790715"/>
       </p:ext>
     </p:extLst>
   </p:cSld>
@@ -14494,6 +15268,1292 @@
                                         </p:tgtEl>
                                       </p:cBhvr>
                                     </p:animEffect>
+                                  </p:childTnLst>
+                                </p:cTn>
+                              </p:par>
+                            </p:childTnLst>
+                          </p:cTn>
+                        </p:par>
+                      </p:childTnLst>
+                    </p:cTn>
+                  </p:par>
+                </p:childTnLst>
+              </p:cTn>
+              <p:prevCondLst>
+                <p:cond evt="onPrev" delay="0">
+                  <p:tgtEl>
+                    <p:sldTgt/>
+                  </p:tgtEl>
+                </p:cond>
+              </p:prevCondLst>
+              <p:nextCondLst>
+                <p:cond evt="onNext" delay="0">
+                  <p:tgtEl>
+                    <p:sldTgt/>
+                  </p:tgtEl>
+                </p:cond>
+              </p:nextCondLst>
+            </p:seq>
+          </p:childTnLst>
+        </p:cTn>
+      </p:par>
+    </p:tnLst>
+  </p:timing>
+</p:sld>
+</file>
+
+<file path=ppt/slides/slide3.xml><?xml version="1.0" encoding="utf-8"?>
+<p:sld xmlns:a="http://schemas.openxmlformats.org/drawingml/2006/main" xmlns:r="http://schemas.openxmlformats.org/officeDocument/2006/relationships" xmlns:p="http://schemas.openxmlformats.org/presentationml/2006/main">
+  <p:cSld>
+    <p:bg>
+      <p:bgPr>
+        <a:solidFill>
+          <a:schemeClr val="bg1"/>
+        </a:solidFill>
+        <a:effectLst/>
+      </p:bgPr>
+    </p:bg>
+    <p:spTree>
+      <p:nvGrpSpPr>
+        <p:cNvPr id="1" name=""/>
+        <p:cNvGrpSpPr/>
+        <p:nvPr/>
+      </p:nvGrpSpPr>
+      <p:grpSpPr>
+        <a:xfrm>
+          <a:off x="0" y="0"/>
+          <a:ext cx="0" cy="0"/>
+          <a:chOff x="0" y="0"/>
+          <a:chExt cx="0" cy="0"/>
+        </a:xfrm>
+      </p:grpSpPr>
+      <p:sp useBgFill="1">
+        <p:nvSpPr>
+          <p:cNvPr id="18" name="Rectangle 17">
+            <a:extLst>
+              <a:ext uri="{FF2B5EF4-FFF2-40B4-BE49-F238E27FC236}">
+                <a16:creationId xmlns:a16="http://schemas.microsoft.com/office/drawing/2014/main" id="{91F32EBA-ED97-466E-8CFA-8382584155D0}"/>
+              </a:ext>
+              <a:ext uri="{C183D7F6-B498-43B3-948B-1728B52AA6E4}">
+                <adec:decorative xmlns:adec="http://schemas.microsoft.com/office/drawing/2017/decorative" val="1"/>
+              </a:ext>
+            </a:extLst>
+          </p:cNvPr>
+          <p:cNvSpPr>
+            <a:spLocks noGrp="1" noRot="1" noChangeAspect="1" noMove="1" noResize="1" noEditPoints="1" noAdjustHandles="1" noChangeArrowheads="1" noChangeShapeType="1" noTextEdit="1"/>
+          </p:cNvSpPr>
+          <p:nvPr>
+            <p:extLst>
+              <p:ext uri="{386F3935-93C4-4BCD-93E2-E3B085C9AB24}">
+                <p16:designElem xmlns:p16="http://schemas.microsoft.com/office/powerpoint/2015/main" val="1"/>
+              </p:ext>
+            </p:extLst>
+          </p:nvPr>
+        </p:nvSpPr>
+        <p:spPr>
+          <a:xfrm>
+            <a:off x="0" y="0"/>
+            <a:ext cx="12192000" cy="6858000"/>
+          </a:xfrm>
+          <a:prstGeom prst="rect">
+            <a:avLst/>
+          </a:prstGeom>
+          <a:ln>
+            <a:noFill/>
+          </a:ln>
+        </p:spPr>
+        <p:style>
+          <a:lnRef idx="2">
+            <a:schemeClr val="accent1">
+              <a:shade val="50000"/>
+            </a:schemeClr>
+          </a:lnRef>
+          <a:fillRef idx="1">
+            <a:schemeClr val="accent1"/>
+          </a:fillRef>
+          <a:effectRef idx="0">
+            <a:schemeClr val="accent1"/>
+          </a:effectRef>
+          <a:fontRef idx="minor">
+            <a:schemeClr val="lt1"/>
+          </a:fontRef>
+        </p:style>
+        <p:txBody>
+          <a:bodyPr rtlCol="0" anchor="ctr"/>
+          <a:lstStyle/>
+          <a:p>
+            <a:pPr marL="0" marR="0" lvl="0" indent="0" algn="ctr" defTabSz="914400" rtl="0" eaLnBrk="1" fontAlgn="auto" latinLnBrk="0" hangingPunct="1">
+              <a:lnSpc>
+                <a:spcPct val="100000"/>
+              </a:lnSpc>
+              <a:spcBef>
+                <a:spcPts val="0"/>
+              </a:spcBef>
+              <a:spcAft>
+                <a:spcPts val="0"/>
+              </a:spcAft>
+              <a:buClrTx/>
+              <a:buSzTx/>
+              <a:buFontTx/>
+              <a:buNone/>
+              <a:tabLst/>
+              <a:defRPr/>
+            </a:pPr>
+            <a:endParaRPr kumimoji="0" lang="en-US" sz="1800" b="0" i="0" u="none" strike="noStrike" kern="1200" cap="none" spc="0" normalizeH="0" baseline="0" noProof="0">
+              <a:ln>
+                <a:noFill/>
+              </a:ln>
+              <a:solidFill>
+                <a:prstClr val="white"/>
+              </a:solidFill>
+              <a:effectLst/>
+              <a:uLnTx/>
+              <a:uFillTx/>
+              <a:latin typeface="Calibri" panose="020F0502020204030204"/>
+              <a:ea typeface="+mn-ea"/>
+              <a:cs typeface="+mn-cs"/>
+            </a:endParaRPr>
+          </a:p>
+        </p:txBody>
+      </p:sp>
+      <p:sp>
+        <p:nvSpPr>
+          <p:cNvPr id="2" name="Title 1">
+            <a:extLst>
+              <a:ext uri="{FF2B5EF4-FFF2-40B4-BE49-F238E27FC236}">
+                <a16:creationId xmlns:a16="http://schemas.microsoft.com/office/drawing/2014/main" id="{32825A49-1FDF-42C1-B7CC-8DDA0F24D05F}"/>
+              </a:ext>
+            </a:extLst>
+          </p:cNvPr>
+          <p:cNvSpPr>
+            <a:spLocks noGrp="1"/>
+          </p:cNvSpPr>
+          <p:nvPr>
+            <p:ph type="title"/>
+          </p:nvPr>
+        </p:nvSpPr>
+        <p:spPr>
+          <a:xfrm>
+            <a:off x="965199" y="851517"/>
+            <a:ext cx="5130795" cy="1461778"/>
+          </a:xfrm>
+        </p:spPr>
+        <p:txBody>
+          <a:bodyPr>
+            <a:normAutofit/>
+          </a:bodyPr>
+          <a:lstStyle/>
+          <a:p>
+            <a:r>
+              <a:rPr lang="en-US" sz="4000"/>
+              <a:t>Data Collection and Cleaning</a:t>
+            </a:r>
+          </a:p>
+        </p:txBody>
+      </p:sp>
+      <p:sp>
+        <p:nvSpPr>
+          <p:cNvPr id="13" name="Content Placeholder 2">
+            <a:extLst>
+              <a:ext uri="{FF2B5EF4-FFF2-40B4-BE49-F238E27FC236}">
+                <a16:creationId xmlns:a16="http://schemas.microsoft.com/office/drawing/2014/main" id="{FC83074E-571F-4022-9FF2-454BF17FF74C}"/>
+              </a:ext>
+            </a:extLst>
+          </p:cNvPr>
+          <p:cNvSpPr>
+            <a:spLocks noGrp="1"/>
+          </p:cNvSpPr>
+          <p:nvPr>
+            <p:ph idx="1"/>
+          </p:nvPr>
+        </p:nvSpPr>
+        <p:spPr>
+          <a:xfrm>
+            <a:off x="965200" y="2470248"/>
+            <a:ext cx="4185640" cy="3536236"/>
+          </a:xfrm>
+        </p:spPr>
+        <p:txBody>
+          <a:bodyPr>
+            <a:normAutofit/>
+          </a:bodyPr>
+          <a:lstStyle/>
+          <a:p>
+            <a:r>
+              <a:rPr lang="en-US" sz="2400" dirty="0"/>
+              <a:t>SAS files from ussc.gov (The U.S. Sentencing Commission)</a:t>
+            </a:r>
+          </a:p>
+          <a:p>
+            <a:r>
+              <a:rPr lang="en-US" sz="2400" dirty="0"/>
+              <a:t>Nationwide dataset with over 300k rows and 1000+ columns</a:t>
+            </a:r>
+          </a:p>
+          <a:p>
+            <a:r>
+              <a:rPr lang="en-US" sz="2400" dirty="0"/>
+              <a:t>Identified 195 columns for analysis</a:t>
+            </a:r>
+          </a:p>
+          <a:p>
+            <a:r>
+              <a:rPr lang="en-US" sz="2400" dirty="0"/>
+              <a:t>Extracted Tennessee specific data </a:t>
+            </a:r>
+          </a:p>
+          <a:p>
+            <a:endParaRPr lang="en-US" sz="2400" dirty="0"/>
+          </a:p>
+        </p:txBody>
+      </p:sp>
+      <p:sp>
+        <p:nvSpPr>
+          <p:cNvPr id="20" name="Freeform: Shape 19">
+            <a:extLst>
+              <a:ext uri="{FF2B5EF4-FFF2-40B4-BE49-F238E27FC236}">
+                <a16:creationId xmlns:a16="http://schemas.microsoft.com/office/drawing/2014/main" id="{62A38935-BB53-4DF7-A56E-48DD25B685D7}"/>
+              </a:ext>
+              <a:ext uri="{C183D7F6-B498-43B3-948B-1728B52AA6E4}">
+                <adec:decorative xmlns:adec="http://schemas.microsoft.com/office/drawing/2017/decorative" val="1"/>
+              </a:ext>
+            </a:extLst>
+          </p:cNvPr>
+          <p:cNvSpPr>
+            <a:spLocks noGrp="1" noRot="1" noChangeAspect="1" noMove="1" noResize="1" noEditPoints="1" noAdjustHandles="1" noChangeArrowheads="1" noChangeShapeType="1" noTextEdit="1"/>
+          </p:cNvSpPr>
+          <p:nvPr>
+            <p:extLst>
+              <p:ext uri="{386F3935-93C4-4BCD-93E2-E3B085C9AB24}">
+                <p16:designElem xmlns:p16="http://schemas.microsoft.com/office/powerpoint/2015/main" val="1"/>
+              </p:ext>
+            </p:extLst>
+          </p:nvPr>
+        </p:nvSpPr>
+        <p:spPr>
+          <a:xfrm>
+            <a:off x="5510370" y="851518"/>
+            <a:ext cx="6184806" cy="5154967"/>
+          </a:xfrm>
+          <a:custGeom>
+            <a:avLst/>
+            <a:gdLst>
+              <a:gd name="connsiteX0" fmla="*/ 363179 w 6184806"/>
+              <a:gd name="connsiteY0" fmla="*/ 3125191 h 5154967"/>
+              <a:gd name="connsiteX1" fmla="*/ 898270 w 6184806"/>
+              <a:gd name="connsiteY1" fmla="*/ 3125191 h 5154967"/>
+              <a:gd name="connsiteX2" fmla="*/ 980326 w 6184806"/>
+              <a:gd name="connsiteY2" fmla="*/ 3173551 h 5154967"/>
+              <a:gd name="connsiteX3" fmla="*/ 1248448 w 6184806"/>
+              <a:gd name="connsiteY3" fmla="*/ 3635277 h 5154967"/>
+              <a:gd name="connsiteX4" fmla="*/ 1248448 w 6184806"/>
+              <a:gd name="connsiteY4" fmla="*/ 3729695 h 5154967"/>
+              <a:gd name="connsiteX5" fmla="*/ 980326 w 6184806"/>
+              <a:gd name="connsiteY5" fmla="*/ 4191421 h 5154967"/>
+              <a:gd name="connsiteX6" fmla="*/ 898270 w 6184806"/>
+              <a:gd name="connsiteY6" fmla="*/ 4239781 h 5154967"/>
+              <a:gd name="connsiteX7" fmla="*/ 363179 w 6184806"/>
+              <a:gd name="connsiteY7" fmla="*/ 4239781 h 5154967"/>
+              <a:gd name="connsiteX8" fmla="*/ 279969 w 6184806"/>
+              <a:gd name="connsiteY8" fmla="*/ 4191421 h 5154967"/>
+              <a:gd name="connsiteX9" fmla="*/ 13002 w 6184806"/>
+              <a:gd name="connsiteY9" fmla="*/ 3729695 h 5154967"/>
+              <a:gd name="connsiteX10" fmla="*/ 13002 w 6184806"/>
+              <a:gd name="connsiteY10" fmla="*/ 3635277 h 5154967"/>
+              <a:gd name="connsiteX11" fmla="*/ 279969 w 6184806"/>
+              <a:gd name="connsiteY11" fmla="*/ 3173551 h 5154967"/>
+              <a:gd name="connsiteX12" fmla="*/ 363179 w 6184806"/>
+              <a:gd name="connsiteY12" fmla="*/ 3125191 h 5154967"/>
+              <a:gd name="connsiteX13" fmla="*/ 2489721 w 6184806"/>
+              <a:gd name="connsiteY13" fmla="*/ 570035 h 5154967"/>
+              <a:gd name="connsiteX14" fmla="*/ 2764862 w 6184806"/>
+              <a:gd name="connsiteY14" fmla="*/ 570035 h 5154967"/>
+              <a:gd name="connsiteX15" fmla="*/ 2796959 w 6184806"/>
+              <a:gd name="connsiteY15" fmla="*/ 570035 h 5154967"/>
+              <a:gd name="connsiteX16" fmla="*/ 2827587 w 6184806"/>
+              <a:gd name="connsiteY16" fmla="*/ 622777 h 5154967"/>
+              <a:gd name="connsiteX17" fmla="*/ 2977604 w 6184806"/>
+              <a:gd name="connsiteY17" fmla="*/ 881117 h 5154967"/>
+              <a:gd name="connsiteX18" fmla="*/ 2977604 w 6184806"/>
+              <a:gd name="connsiteY18" fmla="*/ 1025720 h 5154967"/>
+              <a:gd name="connsiteX19" fmla="*/ 2566968 w 6184806"/>
+              <a:gd name="connsiteY19" fmla="*/ 1732863 h 5154967"/>
+              <a:gd name="connsiteX20" fmla="*/ 2441299 w 6184806"/>
+              <a:gd name="connsiteY20" fmla="*/ 1806927 h 5154967"/>
+              <a:gd name="connsiteX21" fmla="*/ 1621798 w 6184806"/>
+              <a:gd name="connsiteY21" fmla="*/ 1806927 h 5154967"/>
+              <a:gd name="connsiteX22" fmla="*/ 1583218 w 6184806"/>
+              <a:gd name="connsiteY22" fmla="*/ 1801802 h 5154967"/>
+              <a:gd name="connsiteX23" fmla="*/ 1556683 w 6184806"/>
+              <a:gd name="connsiteY23" fmla="*/ 1790677 h 5154967"/>
+              <a:gd name="connsiteX24" fmla="*/ 1572899 w 6184806"/>
+              <a:gd name="connsiteY24" fmla="*/ 1762631 h 5154967"/>
+              <a:gd name="connsiteX25" fmla="*/ 2147429 w 6184806"/>
+              <a:gd name="connsiteY25" fmla="*/ 768968 h 5154967"/>
+              <a:gd name="connsiteX26" fmla="*/ 2489721 w 6184806"/>
+              <a:gd name="connsiteY26" fmla="*/ 570035 h 5154967"/>
+              <a:gd name="connsiteX27" fmla="*/ 1573268 w 6184806"/>
+              <a:gd name="connsiteY27" fmla="*/ 0 h 5154967"/>
+              <a:gd name="connsiteX28" fmla="*/ 2497662 w 6184806"/>
+              <a:gd name="connsiteY28" fmla="*/ 0 h 5154967"/>
+              <a:gd name="connsiteX29" fmla="*/ 2639415 w 6184806"/>
+              <a:gd name="connsiteY29" fmla="*/ 83546 h 5154967"/>
+              <a:gd name="connsiteX30" fmla="*/ 2887862 w 6184806"/>
+              <a:gd name="connsiteY30" fmla="*/ 511387 h 5154967"/>
+              <a:gd name="connsiteX31" fmla="*/ 2915928 w 6184806"/>
+              <a:gd name="connsiteY31" fmla="*/ 559720 h 5154967"/>
+              <a:gd name="connsiteX32" fmla="*/ 2893844 w 6184806"/>
+              <a:gd name="connsiteY32" fmla="*/ 559720 h 5154967"/>
+              <a:gd name="connsiteX33" fmla="*/ 2789466 w 6184806"/>
+              <a:gd name="connsiteY33" fmla="*/ 559720 h 5154967"/>
+              <a:gd name="connsiteX34" fmla="*/ 2744122 w 6184806"/>
+              <a:gd name="connsiteY34" fmla="*/ 481634 h 5154967"/>
+              <a:gd name="connsiteX35" fmla="*/ 2570885 w 6184806"/>
+              <a:gd name="connsiteY35" fmla="*/ 183309 h 5154967"/>
+              <a:gd name="connsiteX36" fmla="*/ 2445216 w 6184806"/>
+              <a:gd name="connsiteY36" fmla="*/ 109244 h 5154967"/>
+              <a:gd name="connsiteX37" fmla="*/ 1625714 w 6184806"/>
+              <a:gd name="connsiteY37" fmla="*/ 109244 h 5154967"/>
+              <a:gd name="connsiteX38" fmla="*/ 1498276 w 6184806"/>
+              <a:gd name="connsiteY38" fmla="*/ 183309 h 5154967"/>
+              <a:gd name="connsiteX39" fmla="*/ 1089410 w 6184806"/>
+              <a:gd name="connsiteY39" fmla="*/ 890450 h 5154967"/>
+              <a:gd name="connsiteX40" fmla="*/ 1089410 w 6184806"/>
+              <a:gd name="connsiteY40" fmla="*/ 1035054 h 5154967"/>
+              <a:gd name="connsiteX41" fmla="*/ 1498276 w 6184806"/>
+              <a:gd name="connsiteY41" fmla="*/ 1742196 h 5154967"/>
+              <a:gd name="connsiteX42" fmla="*/ 1552039 w 6184806"/>
+              <a:gd name="connsiteY42" fmla="*/ 1796421 h 5154967"/>
+              <a:gd name="connsiteX43" fmla="*/ 1558260 w 6184806"/>
+              <a:gd name="connsiteY43" fmla="*/ 1799029 h 5154967"/>
+              <a:gd name="connsiteX44" fmla="*/ 1524911 w 6184806"/>
+              <a:gd name="connsiteY44" fmla="*/ 1856707 h 5154967"/>
+              <a:gd name="connsiteX45" fmla="*/ 1500108 w 6184806"/>
+              <a:gd name="connsiteY45" fmla="*/ 1899604 h 5154967"/>
+              <a:gd name="connsiteX46" fmla="*/ 1525834 w 6184806"/>
+              <a:gd name="connsiteY46" fmla="*/ 1910390 h 5154967"/>
+              <a:gd name="connsiteX47" fmla="*/ 1569352 w 6184806"/>
+              <a:gd name="connsiteY47" fmla="*/ 1916170 h 5154967"/>
+              <a:gd name="connsiteX48" fmla="*/ 2493745 w 6184806"/>
+              <a:gd name="connsiteY48" fmla="*/ 1916170 h 5154967"/>
+              <a:gd name="connsiteX49" fmla="*/ 2635498 w 6184806"/>
+              <a:gd name="connsiteY49" fmla="*/ 1832627 h 5154967"/>
+              <a:gd name="connsiteX50" fmla="*/ 3098693 w 6184806"/>
+              <a:gd name="connsiteY50" fmla="*/ 1034974 h 5154967"/>
+              <a:gd name="connsiteX51" fmla="*/ 3098693 w 6184806"/>
+              <a:gd name="connsiteY51" fmla="*/ 871863 h 5154967"/>
+              <a:gd name="connsiteX52" fmla="*/ 2945803 w 6184806"/>
+              <a:gd name="connsiteY52" fmla="*/ 608576 h 5154967"/>
+              <a:gd name="connsiteX53" fmla="*/ 2923422 w 6184806"/>
+              <a:gd name="connsiteY53" fmla="*/ 570035 h 5154967"/>
+              <a:gd name="connsiteX54" fmla="*/ 3027104 w 6184806"/>
+              <a:gd name="connsiteY54" fmla="*/ 570035 h 5154967"/>
+              <a:gd name="connsiteX55" fmla="*/ 4690846 w 6184806"/>
+              <a:gd name="connsiteY55" fmla="*/ 570035 h 5154967"/>
+              <a:gd name="connsiteX56" fmla="*/ 5028384 w 6184806"/>
+              <a:gd name="connsiteY56" fmla="*/ 768968 h 5154967"/>
+              <a:gd name="connsiteX57" fmla="*/ 6131323 w 6184806"/>
+              <a:gd name="connsiteY57" fmla="*/ 2668304 h 5154967"/>
+              <a:gd name="connsiteX58" fmla="*/ 6131323 w 6184806"/>
+              <a:gd name="connsiteY58" fmla="*/ 3056698 h 5154967"/>
+              <a:gd name="connsiteX59" fmla="*/ 5028384 w 6184806"/>
+              <a:gd name="connsiteY59" fmla="*/ 4956035 h 5154967"/>
+              <a:gd name="connsiteX60" fmla="*/ 4690846 w 6184806"/>
+              <a:gd name="connsiteY60" fmla="*/ 5154967 h 5154967"/>
+              <a:gd name="connsiteX61" fmla="*/ 2489721 w 6184806"/>
+              <a:gd name="connsiteY61" fmla="*/ 5154967 h 5154967"/>
+              <a:gd name="connsiteX62" fmla="*/ 2147429 w 6184806"/>
+              <a:gd name="connsiteY62" fmla="*/ 4956035 h 5154967"/>
+              <a:gd name="connsiteX63" fmla="*/ 1049243 w 6184806"/>
+              <a:gd name="connsiteY63" fmla="*/ 3056698 h 5154967"/>
+              <a:gd name="connsiteX64" fmla="*/ 1049243 w 6184806"/>
+              <a:gd name="connsiteY64" fmla="*/ 2668304 h 5154967"/>
+              <a:gd name="connsiteX65" fmla="*/ 1457007 w 6184806"/>
+              <a:gd name="connsiteY65" fmla="*/ 1963067 h 5154967"/>
+              <a:gd name="connsiteX66" fmla="*/ 1491373 w 6184806"/>
+              <a:gd name="connsiteY66" fmla="*/ 1903634 h 5154967"/>
+              <a:gd name="connsiteX67" fmla="*/ 1490164 w 6184806"/>
+              <a:gd name="connsiteY67" fmla="*/ 1903127 h 5154967"/>
+              <a:gd name="connsiteX68" fmla="*/ 1429519 w 6184806"/>
+              <a:gd name="connsiteY68" fmla="*/ 1841960 h 5154967"/>
+              <a:gd name="connsiteX69" fmla="*/ 968320 w 6184806"/>
+              <a:gd name="connsiteY69" fmla="*/ 1044307 h 5154967"/>
+              <a:gd name="connsiteX70" fmla="*/ 968320 w 6184806"/>
+              <a:gd name="connsiteY70" fmla="*/ 881196 h 5154967"/>
+              <a:gd name="connsiteX71" fmla="*/ 1429519 w 6184806"/>
+              <a:gd name="connsiteY71" fmla="*/ 83546 h 5154967"/>
+              <a:gd name="connsiteX72" fmla="*/ 1573268 w 6184806"/>
+              <a:gd name="connsiteY72" fmla="*/ 0 h 5154967"/>
+            </a:gdLst>
+            <a:ahLst/>
+            <a:cxnLst>
+              <a:cxn ang="0">
+                <a:pos x="connsiteX0" y="connsiteY0"/>
+              </a:cxn>
+              <a:cxn ang="0">
+                <a:pos x="connsiteX1" y="connsiteY1"/>
+              </a:cxn>
+              <a:cxn ang="0">
+                <a:pos x="connsiteX2" y="connsiteY2"/>
+              </a:cxn>
+              <a:cxn ang="0">
+                <a:pos x="connsiteX3" y="connsiteY3"/>
+              </a:cxn>
+              <a:cxn ang="0">
+                <a:pos x="connsiteX4" y="connsiteY4"/>
+              </a:cxn>
+              <a:cxn ang="0">
+                <a:pos x="connsiteX5" y="connsiteY5"/>
+              </a:cxn>
+              <a:cxn ang="0">
+                <a:pos x="connsiteX6" y="connsiteY6"/>
+              </a:cxn>
+              <a:cxn ang="0">
+                <a:pos x="connsiteX7" y="connsiteY7"/>
+              </a:cxn>
+              <a:cxn ang="0">
+                <a:pos x="connsiteX8" y="connsiteY8"/>
+              </a:cxn>
+              <a:cxn ang="0">
+                <a:pos x="connsiteX9" y="connsiteY9"/>
+              </a:cxn>
+              <a:cxn ang="0">
+                <a:pos x="connsiteX10" y="connsiteY10"/>
+              </a:cxn>
+              <a:cxn ang="0">
+                <a:pos x="connsiteX11" y="connsiteY11"/>
+              </a:cxn>
+              <a:cxn ang="0">
+                <a:pos x="connsiteX12" y="connsiteY12"/>
+              </a:cxn>
+              <a:cxn ang="0">
+                <a:pos x="connsiteX13" y="connsiteY13"/>
+              </a:cxn>
+              <a:cxn ang="0">
+                <a:pos x="connsiteX14" y="connsiteY14"/>
+              </a:cxn>
+              <a:cxn ang="0">
+                <a:pos x="connsiteX15" y="connsiteY15"/>
+              </a:cxn>
+              <a:cxn ang="0">
+                <a:pos x="connsiteX16" y="connsiteY16"/>
+              </a:cxn>
+              <a:cxn ang="0">
+                <a:pos x="connsiteX17" y="connsiteY17"/>
+              </a:cxn>
+              <a:cxn ang="0">
+                <a:pos x="connsiteX18" y="connsiteY18"/>
+              </a:cxn>
+              <a:cxn ang="0">
+                <a:pos x="connsiteX19" y="connsiteY19"/>
+              </a:cxn>
+              <a:cxn ang="0">
+                <a:pos x="connsiteX20" y="connsiteY20"/>
+              </a:cxn>
+              <a:cxn ang="0">
+                <a:pos x="connsiteX21" y="connsiteY21"/>
+              </a:cxn>
+              <a:cxn ang="0">
+                <a:pos x="connsiteX22" y="connsiteY22"/>
+              </a:cxn>
+              <a:cxn ang="0">
+                <a:pos x="connsiteX23" y="connsiteY23"/>
+              </a:cxn>
+              <a:cxn ang="0">
+                <a:pos x="connsiteX24" y="connsiteY24"/>
+              </a:cxn>
+              <a:cxn ang="0">
+                <a:pos x="connsiteX25" y="connsiteY25"/>
+              </a:cxn>
+              <a:cxn ang="0">
+                <a:pos x="connsiteX26" y="connsiteY26"/>
+              </a:cxn>
+              <a:cxn ang="0">
+                <a:pos x="connsiteX27" y="connsiteY27"/>
+              </a:cxn>
+              <a:cxn ang="0">
+                <a:pos x="connsiteX28" y="connsiteY28"/>
+              </a:cxn>
+              <a:cxn ang="0">
+                <a:pos x="connsiteX29" y="connsiteY29"/>
+              </a:cxn>
+              <a:cxn ang="0">
+                <a:pos x="connsiteX30" y="connsiteY30"/>
+              </a:cxn>
+              <a:cxn ang="0">
+                <a:pos x="connsiteX31" y="connsiteY31"/>
+              </a:cxn>
+              <a:cxn ang="0">
+                <a:pos x="connsiteX32" y="connsiteY32"/>
+              </a:cxn>
+              <a:cxn ang="0">
+                <a:pos x="connsiteX33" y="connsiteY33"/>
+              </a:cxn>
+              <a:cxn ang="0">
+                <a:pos x="connsiteX34" y="connsiteY34"/>
+              </a:cxn>
+              <a:cxn ang="0">
+                <a:pos x="connsiteX35" y="connsiteY35"/>
+              </a:cxn>
+              <a:cxn ang="0">
+                <a:pos x="connsiteX36" y="connsiteY36"/>
+              </a:cxn>
+              <a:cxn ang="0">
+                <a:pos x="connsiteX37" y="connsiteY37"/>
+              </a:cxn>
+              <a:cxn ang="0">
+                <a:pos x="connsiteX38" y="connsiteY38"/>
+              </a:cxn>
+              <a:cxn ang="0">
+                <a:pos x="connsiteX39" y="connsiteY39"/>
+              </a:cxn>
+              <a:cxn ang="0">
+                <a:pos x="connsiteX40" y="connsiteY40"/>
+              </a:cxn>
+              <a:cxn ang="0">
+                <a:pos x="connsiteX41" y="connsiteY41"/>
+              </a:cxn>
+              <a:cxn ang="0">
+                <a:pos x="connsiteX42" y="connsiteY42"/>
+              </a:cxn>
+              <a:cxn ang="0">
+                <a:pos x="connsiteX43" y="connsiteY43"/>
+              </a:cxn>
+              <a:cxn ang="0">
+                <a:pos x="connsiteX44" y="connsiteY44"/>
+              </a:cxn>
+              <a:cxn ang="0">
+                <a:pos x="connsiteX45" y="connsiteY45"/>
+              </a:cxn>
+              <a:cxn ang="0">
+                <a:pos x="connsiteX46" y="connsiteY46"/>
+              </a:cxn>
+              <a:cxn ang="0">
+                <a:pos x="connsiteX47" y="connsiteY47"/>
+              </a:cxn>
+              <a:cxn ang="0">
+                <a:pos x="connsiteX48" y="connsiteY48"/>
+              </a:cxn>
+              <a:cxn ang="0">
+                <a:pos x="connsiteX49" y="connsiteY49"/>
+              </a:cxn>
+              <a:cxn ang="0">
+                <a:pos x="connsiteX50" y="connsiteY50"/>
+              </a:cxn>
+              <a:cxn ang="0">
+                <a:pos x="connsiteX51" y="connsiteY51"/>
+              </a:cxn>
+              <a:cxn ang="0">
+                <a:pos x="connsiteX52" y="connsiteY52"/>
+              </a:cxn>
+              <a:cxn ang="0">
+                <a:pos x="connsiteX53" y="connsiteY53"/>
+              </a:cxn>
+              <a:cxn ang="0">
+                <a:pos x="connsiteX54" y="connsiteY54"/>
+              </a:cxn>
+              <a:cxn ang="0">
+                <a:pos x="connsiteX55" y="connsiteY55"/>
+              </a:cxn>
+              <a:cxn ang="0">
+                <a:pos x="connsiteX56" y="connsiteY56"/>
+              </a:cxn>
+              <a:cxn ang="0">
+                <a:pos x="connsiteX57" y="connsiteY57"/>
+              </a:cxn>
+              <a:cxn ang="0">
+                <a:pos x="connsiteX58" y="connsiteY58"/>
+              </a:cxn>
+              <a:cxn ang="0">
+                <a:pos x="connsiteX59" y="connsiteY59"/>
+              </a:cxn>
+              <a:cxn ang="0">
+                <a:pos x="connsiteX60" y="connsiteY60"/>
+              </a:cxn>
+              <a:cxn ang="0">
+                <a:pos x="connsiteX61" y="connsiteY61"/>
+              </a:cxn>
+              <a:cxn ang="0">
+                <a:pos x="connsiteX62" y="connsiteY62"/>
+              </a:cxn>
+              <a:cxn ang="0">
+                <a:pos x="connsiteX63" y="connsiteY63"/>
+              </a:cxn>
+              <a:cxn ang="0">
+                <a:pos x="connsiteX64" y="connsiteY64"/>
+              </a:cxn>
+              <a:cxn ang="0">
+                <a:pos x="connsiteX65" y="connsiteY65"/>
+              </a:cxn>
+              <a:cxn ang="0">
+                <a:pos x="connsiteX66" y="connsiteY66"/>
+              </a:cxn>
+              <a:cxn ang="0">
+                <a:pos x="connsiteX67" y="connsiteY67"/>
+              </a:cxn>
+              <a:cxn ang="0">
+                <a:pos x="connsiteX68" y="connsiteY68"/>
+              </a:cxn>
+              <a:cxn ang="0">
+                <a:pos x="connsiteX69" y="connsiteY69"/>
+              </a:cxn>
+              <a:cxn ang="0">
+                <a:pos x="connsiteX70" y="connsiteY70"/>
+              </a:cxn>
+              <a:cxn ang="0">
+                <a:pos x="connsiteX71" y="connsiteY71"/>
+              </a:cxn>
+              <a:cxn ang="0">
+                <a:pos x="connsiteX72" y="connsiteY72"/>
+              </a:cxn>
+            </a:cxnLst>
+            <a:rect l="l" t="t" r="r" b="b"/>
+            <a:pathLst>
+              <a:path w="6184806" h="5154967">
+                <a:moveTo>
+                  <a:pt x="363179" y="3125191"/>
+                </a:moveTo>
+                <a:cubicBezTo>
+                  <a:pt x="363179" y="3125191"/>
+                  <a:pt x="363179" y="3125191"/>
+                  <a:pt x="898270" y="3125191"/>
+                </a:cubicBezTo>
+                <a:cubicBezTo>
+                  <a:pt x="931786" y="3125191"/>
+                  <a:pt x="964145" y="3143614"/>
+                  <a:pt x="980326" y="3173551"/>
+                </a:cubicBezTo>
+                <a:cubicBezTo>
+                  <a:pt x="980326" y="3173551"/>
+                  <a:pt x="980326" y="3173551"/>
+                  <a:pt x="1248448" y="3635277"/>
+                </a:cubicBezTo>
+                <a:cubicBezTo>
+                  <a:pt x="1265784" y="3664063"/>
+                  <a:pt x="1265784" y="3700909"/>
+                  <a:pt x="1248448" y="3729695"/>
+                </a:cubicBezTo>
+                <a:cubicBezTo>
+                  <a:pt x="1248448" y="3729695"/>
+                  <a:pt x="1248448" y="3729695"/>
+                  <a:pt x="980326" y="4191421"/>
+                </a:cubicBezTo>
+                <a:cubicBezTo>
+                  <a:pt x="964145" y="4221358"/>
+                  <a:pt x="931786" y="4239781"/>
+                  <a:pt x="898270" y="4239781"/>
+                </a:cubicBezTo>
+                <a:cubicBezTo>
+                  <a:pt x="898270" y="4239781"/>
+                  <a:pt x="898270" y="4239781"/>
+                  <a:pt x="363179" y="4239781"/>
+                </a:cubicBezTo>
+                <a:cubicBezTo>
+                  <a:pt x="328508" y="4239781"/>
+                  <a:pt x="297305" y="4221358"/>
+                  <a:pt x="279969" y="4191421"/>
+                </a:cubicBezTo>
+                <a:cubicBezTo>
+                  <a:pt x="279969" y="4191421"/>
+                  <a:pt x="279969" y="4191421"/>
+                  <a:pt x="13002" y="3729695"/>
+                </a:cubicBezTo>
+                <a:cubicBezTo>
+                  <a:pt x="-4334" y="3700909"/>
+                  <a:pt x="-4334" y="3664063"/>
+                  <a:pt x="13002" y="3635277"/>
+                </a:cubicBezTo>
+                <a:cubicBezTo>
+                  <a:pt x="13002" y="3635277"/>
+                  <a:pt x="13002" y="3635277"/>
+                  <a:pt x="279969" y="3173551"/>
+                </a:cubicBezTo>
+                <a:cubicBezTo>
+                  <a:pt x="297305" y="3143614"/>
+                  <a:pt x="328508" y="3125191"/>
+                  <a:pt x="363179" y="3125191"/>
+                </a:cubicBezTo>
+                <a:close/>
+                <a:moveTo>
+                  <a:pt x="2489721" y="570035"/>
+                </a:moveTo>
+                <a:cubicBezTo>
+                  <a:pt x="2489721" y="570035"/>
+                  <a:pt x="2489721" y="570035"/>
+                  <a:pt x="2764862" y="570035"/>
+                </a:cubicBezTo>
+                <a:lnTo>
+                  <a:pt x="2796959" y="570035"/>
+                </a:lnTo>
+                <a:lnTo>
+                  <a:pt x="2827587" y="622777"/>
+                </a:lnTo>
+                <a:cubicBezTo>
+                  <a:pt x="2870233" y="696217"/>
+                  <a:pt x="2919858" y="781675"/>
+                  <a:pt x="2977604" y="881117"/>
+                </a:cubicBezTo>
+                <a:cubicBezTo>
+                  <a:pt x="3004153" y="925204"/>
+                  <a:pt x="3004153" y="981634"/>
+                  <a:pt x="2977604" y="1025720"/>
+                </a:cubicBezTo>
+                <a:cubicBezTo>
+                  <a:pt x="2977604" y="1025720"/>
+                  <a:pt x="2977604" y="1025720"/>
+                  <a:pt x="2566968" y="1732863"/>
+                </a:cubicBezTo>
+                <a:cubicBezTo>
+                  <a:pt x="2542188" y="1778712"/>
+                  <a:pt x="2492629" y="1806927"/>
+                  <a:pt x="2441299" y="1806927"/>
+                </a:cubicBezTo>
+                <a:cubicBezTo>
+                  <a:pt x="2441299" y="1806927"/>
+                  <a:pt x="2441299" y="1806927"/>
+                  <a:pt x="1621798" y="1806927"/>
+                </a:cubicBezTo>
+                <a:cubicBezTo>
+                  <a:pt x="1608523" y="1806927"/>
+                  <a:pt x="1595580" y="1805163"/>
+                  <a:pt x="1583218" y="1801802"/>
+                </a:cubicBezTo>
+                <a:lnTo>
+                  <a:pt x="1556683" y="1790677"/>
+                </a:lnTo>
+                <a:lnTo>
+                  <a:pt x="1572899" y="1762631"/>
+                </a:lnTo>
+                <a:cubicBezTo>
+                  <a:pt x="1719523" y="1509042"/>
+                  <a:pt x="1907201" y="1184448"/>
+                  <a:pt x="2147429" y="768968"/>
+                </a:cubicBezTo>
+                <a:cubicBezTo>
+                  <a:pt x="2218739" y="645819"/>
+                  <a:pt x="2347099" y="570035"/>
+                  <a:pt x="2489721" y="570035"/>
+                </a:cubicBezTo>
+                <a:close/>
+                <a:moveTo>
+                  <a:pt x="1573268" y="0"/>
+                </a:moveTo>
+                <a:cubicBezTo>
+                  <a:pt x="1573268" y="0"/>
+                  <a:pt x="1573268" y="0"/>
+                  <a:pt x="2497662" y="0"/>
+                </a:cubicBezTo>
+                <a:cubicBezTo>
+                  <a:pt x="2555561" y="0"/>
+                  <a:pt x="2611463" y="31828"/>
+                  <a:pt x="2639415" y="83546"/>
+                </a:cubicBezTo>
+                <a:cubicBezTo>
+                  <a:pt x="2639415" y="83546"/>
+                  <a:pt x="2639415" y="83546"/>
+                  <a:pt x="2887862" y="511387"/>
+                </a:cubicBezTo>
+                <a:lnTo>
+                  <a:pt x="2915928" y="559720"/>
+                </a:lnTo>
+                <a:lnTo>
+                  <a:pt x="2893844" y="559720"/>
+                </a:lnTo>
+                <a:lnTo>
+                  <a:pt x="2789466" y="559720"/>
+                </a:lnTo>
+                <a:lnTo>
+                  <a:pt x="2744122" y="481634"/>
+                </a:lnTo>
+                <a:cubicBezTo>
+                  <a:pt x="2570885" y="183309"/>
+                  <a:pt x="2570885" y="183309"/>
+                  <a:pt x="2570885" y="183309"/>
+                </a:cubicBezTo>
+                <a:cubicBezTo>
+                  <a:pt x="2546104" y="137459"/>
+                  <a:pt x="2496545" y="109244"/>
+                  <a:pt x="2445216" y="109244"/>
+                </a:cubicBezTo>
+                <a:cubicBezTo>
+                  <a:pt x="1625714" y="109244"/>
+                  <a:pt x="1625714" y="109244"/>
+                  <a:pt x="1625714" y="109244"/>
+                </a:cubicBezTo>
+                <a:cubicBezTo>
+                  <a:pt x="1572615" y="109244"/>
+                  <a:pt x="1524825" y="137459"/>
+                  <a:pt x="1498276" y="183309"/>
+                </a:cubicBezTo>
+                <a:cubicBezTo>
+                  <a:pt x="1089410" y="890450"/>
+                  <a:pt x="1089410" y="890450"/>
+                  <a:pt x="1089410" y="890450"/>
+                </a:cubicBezTo>
+                <a:cubicBezTo>
+                  <a:pt x="1062860" y="934537"/>
+                  <a:pt x="1062860" y="990968"/>
+                  <a:pt x="1089410" y="1035054"/>
+                </a:cubicBezTo>
+                <a:cubicBezTo>
+                  <a:pt x="1498276" y="1742196"/>
+                  <a:pt x="1498276" y="1742196"/>
+                  <a:pt x="1498276" y="1742196"/>
+                </a:cubicBezTo>
+                <a:cubicBezTo>
+                  <a:pt x="1511551" y="1765121"/>
+                  <a:pt x="1530135" y="1783637"/>
+                  <a:pt x="1552039" y="1796421"/>
+                </a:cubicBezTo>
+                <a:lnTo>
+                  <a:pt x="1558260" y="1799029"/>
+                </a:lnTo>
+                <a:lnTo>
+                  <a:pt x="1524911" y="1856707"/>
+                </a:lnTo>
+                <a:lnTo>
+                  <a:pt x="1500108" y="1899604"/>
+                </a:lnTo>
+                <a:lnTo>
+                  <a:pt x="1525834" y="1910390"/>
+                </a:lnTo>
+                <a:cubicBezTo>
+                  <a:pt x="1539779" y="1914181"/>
+                  <a:pt x="1554378" y="1916170"/>
+                  <a:pt x="1569352" y="1916170"/>
+                </a:cubicBezTo>
+                <a:cubicBezTo>
+                  <a:pt x="2493745" y="1916170"/>
+                  <a:pt x="2493745" y="1916170"/>
+                  <a:pt x="2493745" y="1916170"/>
+                </a:cubicBezTo>
+                <a:cubicBezTo>
+                  <a:pt x="2551645" y="1916170"/>
+                  <a:pt x="2607546" y="1884345"/>
+                  <a:pt x="2635498" y="1832627"/>
+                </a:cubicBezTo>
+                <a:cubicBezTo>
+                  <a:pt x="3098693" y="1034974"/>
+                  <a:pt x="3098693" y="1034974"/>
+                  <a:pt x="3098693" y="1034974"/>
+                </a:cubicBezTo>
+                <a:cubicBezTo>
+                  <a:pt x="3128641" y="985246"/>
+                  <a:pt x="3128641" y="921593"/>
+                  <a:pt x="3098693" y="871863"/>
+                </a:cubicBezTo>
+                <a:cubicBezTo>
+                  <a:pt x="3040794" y="772157"/>
+                  <a:pt x="2990132" y="684914"/>
+                  <a:pt x="2945803" y="608576"/>
+                </a:cubicBezTo>
+                <a:lnTo>
+                  <a:pt x="2923422" y="570035"/>
+                </a:lnTo>
+                <a:lnTo>
+                  <a:pt x="3027104" y="570035"/>
+                </a:lnTo>
+                <a:cubicBezTo>
+                  <a:pt x="3349535" y="570035"/>
+                  <a:pt x="3865424" y="570035"/>
+                  <a:pt x="4690846" y="570035"/>
+                </a:cubicBezTo>
+                <a:cubicBezTo>
+                  <a:pt x="4828714" y="570035"/>
+                  <a:pt x="4961827" y="645819"/>
+                  <a:pt x="5028384" y="768968"/>
+                </a:cubicBezTo>
+                <a:cubicBezTo>
+                  <a:pt x="5028384" y="768968"/>
+                  <a:pt x="5028384" y="768968"/>
+                  <a:pt x="6131323" y="2668304"/>
+                </a:cubicBezTo>
+                <a:cubicBezTo>
+                  <a:pt x="6202634" y="2786717"/>
+                  <a:pt x="6202634" y="2938285"/>
+                  <a:pt x="6131323" y="3056698"/>
+                </a:cubicBezTo>
+                <a:cubicBezTo>
+                  <a:pt x="6131323" y="3056698"/>
+                  <a:pt x="6131323" y="3056698"/>
+                  <a:pt x="5028384" y="4956035"/>
+                </a:cubicBezTo>
+                <a:cubicBezTo>
+                  <a:pt x="4961827" y="5079184"/>
+                  <a:pt x="4828714" y="5154967"/>
+                  <a:pt x="4690846" y="5154967"/>
+                </a:cubicBezTo>
+                <a:cubicBezTo>
+                  <a:pt x="4690846" y="5154967"/>
+                  <a:pt x="4690846" y="5154967"/>
+                  <a:pt x="2489721" y="5154967"/>
+                </a:cubicBezTo>
+                <a:cubicBezTo>
+                  <a:pt x="2347099" y="5154967"/>
+                  <a:pt x="2218739" y="5079184"/>
+                  <a:pt x="2147429" y="4956035"/>
+                </a:cubicBezTo>
+                <a:cubicBezTo>
+                  <a:pt x="2147429" y="4956035"/>
+                  <a:pt x="2147429" y="4956035"/>
+                  <a:pt x="1049243" y="3056698"/>
+                </a:cubicBezTo>
+                <a:cubicBezTo>
+                  <a:pt x="977932" y="2938285"/>
+                  <a:pt x="977932" y="2786717"/>
+                  <a:pt x="1049243" y="2668304"/>
+                </a:cubicBezTo>
+                <a:cubicBezTo>
+                  <a:pt x="1049243" y="2668304"/>
+                  <a:pt x="1049243" y="2668304"/>
+                  <a:pt x="1457007" y="1963067"/>
+                </a:cubicBezTo>
+                <a:lnTo>
+                  <a:pt x="1491373" y="1903634"/>
+                </a:lnTo>
+                <a:lnTo>
+                  <a:pt x="1490164" y="1903127"/>
+                </a:lnTo>
+                <a:cubicBezTo>
+                  <a:pt x="1465456" y="1888705"/>
+                  <a:pt x="1444493" y="1867820"/>
+                  <a:pt x="1429519" y="1841960"/>
+                </a:cubicBezTo>
+                <a:cubicBezTo>
+                  <a:pt x="1429519" y="1841960"/>
+                  <a:pt x="1429519" y="1841960"/>
+                  <a:pt x="968320" y="1044307"/>
+                </a:cubicBezTo>
+                <a:cubicBezTo>
+                  <a:pt x="938371" y="994579"/>
+                  <a:pt x="938371" y="930926"/>
+                  <a:pt x="968320" y="881196"/>
+                </a:cubicBezTo>
+                <a:cubicBezTo>
+                  <a:pt x="968320" y="881196"/>
+                  <a:pt x="968320" y="881196"/>
+                  <a:pt x="1429519" y="83546"/>
+                </a:cubicBezTo>
+                <a:cubicBezTo>
+                  <a:pt x="1459466" y="31828"/>
+                  <a:pt x="1513373" y="0"/>
+                  <a:pt x="1573268" y="0"/>
+                </a:cubicBezTo>
+                <a:close/>
+              </a:path>
+            </a:pathLst>
+          </a:custGeom>
+          <a:solidFill>
+            <a:schemeClr val="tx1">
+              <a:lumMod val="50000"/>
+              <a:lumOff val="50000"/>
+              <a:alpha val="15000"/>
+            </a:schemeClr>
+          </a:solidFill>
+          <a:ln>
+            <a:noFill/>
+          </a:ln>
+        </p:spPr>
+        <p:style>
+          <a:lnRef idx="2">
+            <a:schemeClr val="accent1">
+              <a:shade val="50000"/>
+            </a:schemeClr>
+          </a:lnRef>
+          <a:fillRef idx="1">
+            <a:schemeClr val="accent1"/>
+          </a:fillRef>
+          <a:effectRef idx="0">
+            <a:schemeClr val="accent1"/>
+          </a:effectRef>
+          <a:fontRef idx="minor">
+            <a:schemeClr val="lt1"/>
+          </a:fontRef>
+        </p:style>
+        <p:txBody>
+          <a:bodyPr wrap="square" rtlCol="0" anchor="ctr">
+            <a:noAutofit/>
+          </a:bodyPr>
+          <a:lstStyle/>
+          <a:p>
+            <a:pPr marL="0" marR="0" lvl="0" indent="0" algn="ctr" defTabSz="914400" rtl="0" eaLnBrk="1" fontAlgn="auto" latinLnBrk="0" hangingPunct="1">
+              <a:lnSpc>
+                <a:spcPct val="100000"/>
+              </a:lnSpc>
+              <a:spcBef>
+                <a:spcPts val="0"/>
+              </a:spcBef>
+              <a:spcAft>
+                <a:spcPts val="0"/>
+              </a:spcAft>
+              <a:buClrTx/>
+              <a:buSzTx/>
+              <a:buFontTx/>
+              <a:buNone/>
+              <a:tabLst/>
+              <a:defRPr/>
+            </a:pPr>
+            <a:endParaRPr kumimoji="0" lang="en-US" sz="1800" b="0" i="0" u="none" strike="noStrike" kern="1200" cap="none" spc="0" normalizeH="0" baseline="0" noProof="0">
+              <a:ln>
+                <a:noFill/>
+              </a:ln>
+              <a:solidFill>
+                <a:prstClr val="white"/>
+              </a:solidFill>
+              <a:effectLst/>
+              <a:uLnTx/>
+              <a:uFillTx/>
+              <a:latin typeface="Calibri" panose="020F0502020204030204"/>
+              <a:ea typeface="+mn-ea"/>
+              <a:cs typeface="+mn-cs"/>
+            </a:endParaRPr>
+          </a:p>
+        </p:txBody>
+      </p:sp>
+      <p:pic>
+        <p:nvPicPr>
+          <p:cNvPr id="12" name="Graphic 11" descr="Presentation with org chart outline">
+            <a:extLst>
+              <a:ext uri="{FF2B5EF4-FFF2-40B4-BE49-F238E27FC236}">
+                <a16:creationId xmlns:a16="http://schemas.microsoft.com/office/drawing/2014/main" id="{CDFDEDDB-6CAB-4D49-A9B6-27870157A86E}"/>
+              </a:ext>
+            </a:extLst>
+          </p:cNvPr>
+          <p:cNvPicPr>
+            <a:picLocks noChangeAspect="1"/>
+          </p:cNvPicPr>
+          <p:nvPr/>
+        </p:nvPicPr>
+        <p:blipFill>
+          <a:blip r:embed="rId2">
+            <a:extLst>
+              <a:ext uri="{28A0092B-C50C-407E-A947-70E740481C1C}">
+                <a14:useLocalDpi xmlns:a14="http://schemas.microsoft.com/office/drawing/2010/main" val="0"/>
+              </a:ext>
+              <a:ext uri="{96DAC541-7B7A-43D3-8B79-37D633B846F1}">
+                <asvg:svgBlip xmlns:asvg="http://schemas.microsoft.com/office/drawing/2016/SVG/main" r:embed="rId3"/>
+              </a:ext>
+            </a:extLst>
+          </a:blip>
+          <a:stretch>
+            <a:fillRect/>
+          </a:stretch>
+        </p:blipFill>
+        <p:spPr>
+          <a:xfrm>
+            <a:off x="7535330" y="2105470"/>
+            <a:ext cx="3217333" cy="3217333"/>
+          </a:xfrm>
+          <a:prstGeom prst="rect">
+            <a:avLst/>
+          </a:prstGeom>
+        </p:spPr>
+      </p:pic>
+    </p:spTree>
+    <p:extLst>
+      <p:ext uri="{BB962C8B-B14F-4D97-AF65-F5344CB8AC3E}">
+        <p14:creationId xmlns:p14="http://schemas.microsoft.com/office/powerpoint/2010/main" val="286083836"/>
+      </p:ext>
+    </p:extLst>
+  </p:cSld>
+  <p:clrMapOvr>
+    <a:masterClrMapping/>
+  </p:clrMapOvr>
+  <p:timing>
+    <p:tnLst>
+      <p:par>
+        <p:cTn id="1" dur="indefinite" restart="never" nodeType="tmRoot">
+          <p:childTnLst>
+            <p:seq concurrent="1" nextAc="seek">
+              <p:cTn id="2" dur="indefinite" nodeType="mainSeq">
+                <p:childTnLst>
+                  <p:par>
+                    <p:cTn id="3" fill="hold">
+                      <p:stCondLst>
+                        <p:cond delay="indefinite"/>
+                      </p:stCondLst>
+                      <p:childTnLst>
+                        <p:par>
+                          <p:cTn id="4" fill="hold">
+                            <p:stCondLst>
+                              <p:cond delay="0"/>
+                            </p:stCondLst>
+                            <p:childTnLst>
+                              <p:par>
+                                <p:cTn id="5" presetID="1" presetClass="entr" presetSubtype="0" fill="hold" nodeType="clickEffect">
+                                  <p:stCondLst>
+                                    <p:cond delay="0"/>
+                                  </p:stCondLst>
+                                  <p:childTnLst>
+                                    <p:set>
+                                      <p:cBhvr>
+                                        <p:cTn id="6" dur="1" fill="hold">
+                                          <p:stCondLst>
+                                            <p:cond delay="0"/>
+                                          </p:stCondLst>
+                                        </p:cTn>
+                                        <p:tgtEl>
+                                          <p:spTgt spid="13">
+                                            <p:txEl>
+                                              <p:pRg st="0" end="0"/>
+                                            </p:txEl>
+                                          </p:spTgt>
+                                        </p:tgtEl>
+                                        <p:attrNameLst>
+                                          <p:attrName>style.visibility</p:attrName>
+                                        </p:attrNameLst>
+                                      </p:cBhvr>
+                                      <p:to>
+                                        <p:strVal val="visible"/>
+                                      </p:to>
+                                    </p:set>
+                                  </p:childTnLst>
+                                </p:cTn>
+                              </p:par>
+                            </p:childTnLst>
+                          </p:cTn>
+                        </p:par>
+                      </p:childTnLst>
+                    </p:cTn>
+                  </p:par>
+                  <p:par>
+                    <p:cTn id="7" fill="hold">
+                      <p:stCondLst>
+                        <p:cond delay="indefinite"/>
+                      </p:stCondLst>
+                      <p:childTnLst>
+                        <p:par>
+                          <p:cTn id="8" fill="hold">
+                            <p:stCondLst>
+                              <p:cond delay="0"/>
+                            </p:stCondLst>
+                            <p:childTnLst>
+                              <p:par>
+                                <p:cTn id="9" presetID="1" presetClass="entr" presetSubtype="0" fill="hold" nodeType="clickEffect">
+                                  <p:stCondLst>
+                                    <p:cond delay="0"/>
+                                  </p:stCondLst>
+                                  <p:childTnLst>
+                                    <p:set>
+                                      <p:cBhvr>
+                                        <p:cTn id="10" dur="1" fill="hold">
+                                          <p:stCondLst>
+                                            <p:cond delay="0"/>
+                                          </p:stCondLst>
+                                        </p:cTn>
+                                        <p:tgtEl>
+                                          <p:spTgt spid="13">
+                                            <p:txEl>
+                                              <p:pRg st="1" end="1"/>
+                                            </p:txEl>
+                                          </p:spTgt>
+                                        </p:tgtEl>
+                                        <p:attrNameLst>
+                                          <p:attrName>style.visibility</p:attrName>
+                                        </p:attrNameLst>
+                                      </p:cBhvr>
+                                      <p:to>
+                                        <p:strVal val="visible"/>
+                                      </p:to>
+                                    </p:set>
+                                  </p:childTnLst>
+                                </p:cTn>
+                              </p:par>
+                            </p:childTnLst>
+                          </p:cTn>
+                        </p:par>
+                      </p:childTnLst>
+                    </p:cTn>
+                  </p:par>
+                  <p:par>
+                    <p:cTn id="11" fill="hold">
+                      <p:stCondLst>
+                        <p:cond delay="indefinite"/>
+                      </p:stCondLst>
+                      <p:childTnLst>
+                        <p:par>
+                          <p:cTn id="12" fill="hold">
+                            <p:stCondLst>
+                              <p:cond delay="0"/>
+                            </p:stCondLst>
+                            <p:childTnLst>
+                              <p:par>
+                                <p:cTn id="13" presetID="1" presetClass="entr" presetSubtype="0" fill="hold" nodeType="clickEffect">
+                                  <p:stCondLst>
+                                    <p:cond delay="0"/>
+                                  </p:stCondLst>
+                                  <p:childTnLst>
+                                    <p:set>
+                                      <p:cBhvr>
+                                        <p:cTn id="14" dur="1" fill="hold">
+                                          <p:stCondLst>
+                                            <p:cond delay="0"/>
+                                          </p:stCondLst>
+                                        </p:cTn>
+                                        <p:tgtEl>
+                                          <p:spTgt spid="13">
+                                            <p:txEl>
+                                              <p:pRg st="2" end="2"/>
+                                            </p:txEl>
+                                          </p:spTgt>
+                                        </p:tgtEl>
+                                        <p:attrNameLst>
+                                          <p:attrName>style.visibility</p:attrName>
+                                        </p:attrNameLst>
+                                      </p:cBhvr>
+                                      <p:to>
+                                        <p:strVal val="visible"/>
+                                      </p:to>
+                                    </p:set>
+                                  </p:childTnLst>
+                                </p:cTn>
+                              </p:par>
+                            </p:childTnLst>
+                          </p:cTn>
+                        </p:par>
+                      </p:childTnLst>
+                    </p:cTn>
+                  </p:par>
+                  <p:par>
+                    <p:cTn id="15" fill="hold">
+                      <p:stCondLst>
+                        <p:cond delay="indefinite"/>
+                      </p:stCondLst>
+                      <p:childTnLst>
+                        <p:par>
+                          <p:cTn id="16" fill="hold">
+                            <p:stCondLst>
+                              <p:cond delay="0"/>
+                            </p:stCondLst>
+                            <p:childTnLst>
+                              <p:par>
+                                <p:cTn id="17" presetID="1" presetClass="entr" presetSubtype="0" fill="hold" nodeType="clickEffect">
+                                  <p:stCondLst>
+                                    <p:cond delay="0"/>
+                                  </p:stCondLst>
+                                  <p:childTnLst>
+                                    <p:set>
+                                      <p:cBhvr>
+                                        <p:cTn id="18" dur="1" fill="hold">
+                                          <p:stCondLst>
+                                            <p:cond delay="0"/>
+                                          </p:stCondLst>
+                                        </p:cTn>
+                                        <p:tgtEl>
+                                          <p:spTgt spid="13">
+                                            <p:txEl>
+                                              <p:pRg st="3" end="3"/>
+                                            </p:txEl>
+                                          </p:spTgt>
+                                        </p:tgtEl>
+                                        <p:attrNameLst>
+                                          <p:attrName>style.visibility</p:attrName>
+                                        </p:attrNameLst>
+                                      </p:cBhvr>
+                                      <p:to>
+                                        <p:strVal val="visible"/>
+                                      </p:to>
+                                    </p:set>
                                   </p:childTnLst>
                                 </p:cTn>
                               </p:par>
@@ -15380,7 +17440,7 @@
       </p:grpSpPr>
       <p:sp useBgFill="1">
         <p:nvSpPr>
-          <p:cNvPr id="20" name="Rectangle 19">
+          <p:cNvPr id="27" name="Rectangle 26">
             <a:extLst>
               <a:ext uri="{FF2B5EF4-FFF2-40B4-BE49-F238E27FC236}">
                 <a16:creationId xmlns:a16="http://schemas.microsoft.com/office/drawing/2014/main" id="{C475749F-F487-4EFB-ABC7-C1359590EB76}"/>
@@ -15440,46 +17500,203 @@
       </p:sp>
       <p:sp>
         <p:nvSpPr>
-          <p:cNvPr id="4" name="Title 3">
+          <p:cNvPr id="29" name="Freeform 5">
             <a:extLst>
               <a:ext uri="{FF2B5EF4-FFF2-40B4-BE49-F238E27FC236}">
-                <a16:creationId xmlns:a16="http://schemas.microsoft.com/office/drawing/2014/main" id="{BB2A1168-7759-4137-9142-9990CD1097B1}"/>
+                <a16:creationId xmlns:a16="http://schemas.microsoft.com/office/drawing/2014/main" id="{F6285A5F-6712-47A0-8A11-F0DFF60D0D20}"/>
+              </a:ext>
+              <a:ext uri="{C183D7F6-B498-43B3-948B-1728B52AA6E4}">
+                <adec:decorative xmlns:adec="http://schemas.microsoft.com/office/drawing/2017/decorative" val="1"/>
               </a:ext>
             </a:extLst>
           </p:cNvPr>
           <p:cNvSpPr>
-            <a:spLocks noGrp="1"/>
+            <a:spLocks noGrp="1" noRot="1" noChangeAspect="1" noMove="1" noResize="1" noEditPoints="1" noAdjustHandles="1" noChangeArrowheads="1" noChangeShapeType="1" noTextEdit="1"/>
           </p:cNvSpPr>
           <p:nvPr>
-            <p:ph type="ctrTitle"/>
+            <p:extLst>
+              <p:ext uri="{386F3935-93C4-4BCD-93E2-E3B085C9AB24}">
+                <p16:designElem xmlns:p16="http://schemas.microsoft.com/office/powerpoint/2015/main" val="1"/>
+              </p:ext>
+            </p:extLst>
           </p:nvPr>
         </p:nvSpPr>
-        <p:spPr>
+        <p:spPr bwMode="auto">
           <a:xfrm>
-            <a:off x="880281" y="921452"/>
-            <a:ext cx="4985018" cy="3268639"/>
+            <a:off x="7276856" y="1645695"/>
+            <a:ext cx="4418320" cy="3877280"/>
           </a:xfrm>
+          <a:custGeom>
+            <a:avLst/>
+            <a:gdLst>
+              <a:gd name="T0" fmla="*/ 781 w 1099"/>
+              <a:gd name="T1" fmla="*/ 0 h 968"/>
+              <a:gd name="T2" fmla="*/ 318 w 1099"/>
+              <a:gd name="T3" fmla="*/ 0 h 968"/>
+              <a:gd name="T4" fmla="*/ 246 w 1099"/>
+              <a:gd name="T5" fmla="*/ 42 h 968"/>
+              <a:gd name="T6" fmla="*/ 15 w 1099"/>
+              <a:gd name="T7" fmla="*/ 443 h 968"/>
+              <a:gd name="T8" fmla="*/ 15 w 1099"/>
+              <a:gd name="T9" fmla="*/ 525 h 968"/>
+              <a:gd name="T10" fmla="*/ 246 w 1099"/>
+              <a:gd name="T11" fmla="*/ 926 h 968"/>
+              <a:gd name="T12" fmla="*/ 318 w 1099"/>
+              <a:gd name="T13" fmla="*/ 968 h 968"/>
+              <a:gd name="T14" fmla="*/ 781 w 1099"/>
+              <a:gd name="T15" fmla="*/ 968 h 968"/>
+              <a:gd name="T16" fmla="*/ 852 w 1099"/>
+              <a:gd name="T17" fmla="*/ 926 h 968"/>
+              <a:gd name="T18" fmla="*/ 1084 w 1099"/>
+              <a:gd name="T19" fmla="*/ 525 h 968"/>
+              <a:gd name="T20" fmla="*/ 1084 w 1099"/>
+              <a:gd name="T21" fmla="*/ 443 h 968"/>
+              <a:gd name="T22" fmla="*/ 852 w 1099"/>
+              <a:gd name="T23" fmla="*/ 42 h 968"/>
+              <a:gd name="T24" fmla="*/ 781 w 1099"/>
+              <a:gd name="T25" fmla="*/ 0 h 968"/>
+            </a:gdLst>
+            <a:ahLst/>
+            <a:cxnLst>
+              <a:cxn ang="0">
+                <a:pos x="T0" y="T1"/>
+              </a:cxn>
+              <a:cxn ang="0">
+                <a:pos x="T2" y="T3"/>
+              </a:cxn>
+              <a:cxn ang="0">
+                <a:pos x="T4" y="T5"/>
+              </a:cxn>
+              <a:cxn ang="0">
+                <a:pos x="T6" y="T7"/>
+              </a:cxn>
+              <a:cxn ang="0">
+                <a:pos x="T8" y="T9"/>
+              </a:cxn>
+              <a:cxn ang="0">
+                <a:pos x="T10" y="T11"/>
+              </a:cxn>
+              <a:cxn ang="0">
+                <a:pos x="T12" y="T13"/>
+              </a:cxn>
+              <a:cxn ang="0">
+                <a:pos x="T14" y="T15"/>
+              </a:cxn>
+              <a:cxn ang="0">
+                <a:pos x="T16" y="T17"/>
+              </a:cxn>
+              <a:cxn ang="0">
+                <a:pos x="T18" y="T19"/>
+              </a:cxn>
+              <a:cxn ang="0">
+                <a:pos x="T20" y="T21"/>
+              </a:cxn>
+              <a:cxn ang="0">
+                <a:pos x="T22" y="T23"/>
+              </a:cxn>
+              <a:cxn ang="0">
+                <a:pos x="T24" y="T25"/>
+              </a:cxn>
+            </a:cxnLst>
+            <a:rect l="0" t="0" r="r" b="b"/>
+            <a:pathLst>
+              <a:path w="1099" h="968">
+                <a:moveTo>
+                  <a:pt x="781" y="0"/>
+                </a:moveTo>
+                <a:cubicBezTo>
+                  <a:pt x="318" y="0"/>
+                  <a:pt x="318" y="0"/>
+                  <a:pt x="318" y="0"/>
+                </a:cubicBezTo>
+                <a:cubicBezTo>
+                  <a:pt x="288" y="0"/>
+                  <a:pt x="261" y="16"/>
+                  <a:pt x="246" y="42"/>
+                </a:cubicBezTo>
+                <a:cubicBezTo>
+                  <a:pt x="15" y="443"/>
+                  <a:pt x="15" y="443"/>
+                  <a:pt x="15" y="443"/>
+                </a:cubicBezTo>
+                <a:cubicBezTo>
+                  <a:pt x="0" y="468"/>
+                  <a:pt x="0" y="500"/>
+                  <a:pt x="15" y="525"/>
+                </a:cubicBezTo>
+                <a:cubicBezTo>
+                  <a:pt x="246" y="926"/>
+                  <a:pt x="246" y="926"/>
+                  <a:pt x="246" y="926"/>
+                </a:cubicBezTo>
+                <a:cubicBezTo>
+                  <a:pt x="261" y="952"/>
+                  <a:pt x="288" y="968"/>
+                  <a:pt x="318" y="968"/>
+                </a:cubicBezTo>
+                <a:cubicBezTo>
+                  <a:pt x="781" y="968"/>
+                  <a:pt x="781" y="968"/>
+                  <a:pt x="781" y="968"/>
+                </a:cubicBezTo>
+                <a:cubicBezTo>
+                  <a:pt x="810" y="968"/>
+                  <a:pt x="838" y="952"/>
+                  <a:pt x="852" y="926"/>
+                </a:cubicBezTo>
+                <a:cubicBezTo>
+                  <a:pt x="1084" y="525"/>
+                  <a:pt x="1084" y="525"/>
+                  <a:pt x="1084" y="525"/>
+                </a:cubicBezTo>
+                <a:cubicBezTo>
+                  <a:pt x="1099" y="500"/>
+                  <a:pt x="1099" y="468"/>
+                  <a:pt x="1084" y="443"/>
+                </a:cubicBezTo>
+                <a:cubicBezTo>
+                  <a:pt x="852" y="42"/>
+                  <a:pt x="852" y="42"/>
+                  <a:pt x="852" y="42"/>
+                </a:cubicBezTo>
+                <a:cubicBezTo>
+                  <a:pt x="838" y="16"/>
+                  <a:pt x="810" y="0"/>
+                  <a:pt x="781" y="0"/>
+                </a:cubicBezTo>
+                <a:close/>
+              </a:path>
+            </a:pathLst>
+          </a:custGeom>
+          <a:noFill/>
+          <a:ln w="50800" cap="flat">
+            <a:solidFill>
+              <a:schemeClr val="tx1"/>
+            </a:solidFill>
+            <a:prstDash val="solid"/>
+            <a:miter lim="800000"/>
+            <a:headEnd/>
+            <a:tailEnd/>
+          </a:ln>
         </p:spPr>
         <p:txBody>
-          <a:bodyPr anchor="b">
-            <a:normAutofit/>
+          <a:bodyPr vert="horz" wrap="square" lIns="91440" tIns="45720" rIns="91440" bIns="45720" numCol="1" anchor="t" anchorCtr="0" compatLnSpc="1">
+            <a:prstTxWarp prst="textNoShape">
+              <a:avLst/>
+            </a:prstTxWarp>
           </a:bodyPr>
           <a:lstStyle/>
           <a:p>
-            <a:pPr algn="l"/>
-            <a:r>
-              <a:rPr lang="en-US" sz="3400"/>
-              <a:t>Are there racial disparities between the sentencing population and the general population in Tennessee?</a:t>
-            </a:r>
+            <a:endParaRPr lang="en-US" dirty="0"/>
           </a:p>
         </p:txBody>
       </p:sp>
       <p:sp>
         <p:nvSpPr>
-          <p:cNvPr id="22" name="Freeform: Shape 21">
+          <p:cNvPr id="31" name="Freeform: Shape 30">
             <a:extLst>
               <a:ext uri="{FF2B5EF4-FFF2-40B4-BE49-F238E27FC236}">
-                <a16:creationId xmlns:a16="http://schemas.microsoft.com/office/drawing/2014/main" id="{16D6FAA8-41A5-46EA-A8AB-E9D2754A6F32}"/>
+                <a16:creationId xmlns:a16="http://schemas.microsoft.com/office/drawing/2014/main" id="{FA6F8ABB-6C5D-4349-9E1B-198D1ABFA804}"/>
               </a:ext>
               <a:ext uri="{C183D7F6-B498-43B3-948B-1728B52AA6E4}">
                 <adec:decorative xmlns:adec="http://schemas.microsoft.com/office/drawing/2017/decorative" val="1"/>
@@ -15499,158 +17716,38 @@
         </p:nvSpPr>
         <p:spPr>
           <a:xfrm>
-            <a:off x="6000601" y="1073777"/>
-            <a:ext cx="5623281" cy="4686943"/>
+            <a:off x="5952343" y="643383"/>
+            <a:ext cx="2926988" cy="2594434"/>
           </a:xfrm>
           <a:custGeom>
             <a:avLst/>
             <a:gdLst>
-              <a:gd name="connsiteX0" fmla="*/ 2768595 w 4574113"/>
-              <a:gd name="connsiteY0" fmla="*/ 2476119 h 3812472"/>
-              <a:gd name="connsiteX1" fmla="*/ 3374676 w 4574113"/>
-              <a:gd name="connsiteY1" fmla="*/ 2476119 h 3812472"/>
-              <a:gd name="connsiteX2" fmla="*/ 3403209 w 4574113"/>
-              <a:gd name="connsiteY2" fmla="*/ 2479909 h 3812472"/>
-              <a:gd name="connsiteX3" fmla="*/ 3422833 w 4574113"/>
-              <a:gd name="connsiteY3" fmla="*/ 2488137 h 3812472"/>
-              <a:gd name="connsiteX4" fmla="*/ 3410840 w 4574113"/>
-              <a:gd name="connsiteY4" fmla="*/ 2508879 h 3812472"/>
-              <a:gd name="connsiteX5" fmla="*/ 2985934 w 4574113"/>
-              <a:gd name="connsiteY5" fmla="*/ 3243764 h 3812472"/>
-              <a:gd name="connsiteX6" fmla="*/ 2732784 w 4574113"/>
-              <a:gd name="connsiteY6" fmla="*/ 3390890 h 3812472"/>
-              <a:gd name="connsiteX7" fmla="*/ 2529297 w 4574113"/>
-              <a:gd name="connsiteY7" fmla="*/ 3390890 h 3812472"/>
-              <a:gd name="connsiteX8" fmla="*/ 2505559 w 4574113"/>
-              <a:gd name="connsiteY8" fmla="*/ 3390890 h 3812472"/>
-              <a:gd name="connsiteX9" fmla="*/ 2482907 w 4574113"/>
-              <a:gd name="connsiteY9" fmla="*/ 3351884 h 3812472"/>
-              <a:gd name="connsiteX10" fmla="*/ 2371959 w 4574113"/>
-              <a:gd name="connsiteY10" fmla="*/ 3160822 h 3812472"/>
-              <a:gd name="connsiteX11" fmla="*/ 2371959 w 4574113"/>
-              <a:gd name="connsiteY11" fmla="*/ 3053878 h 3812472"/>
-              <a:gd name="connsiteX12" fmla="*/ 2675654 w 4574113"/>
-              <a:gd name="connsiteY12" fmla="*/ 2530895 h 3812472"/>
-              <a:gd name="connsiteX13" fmla="*/ 2768595 w 4574113"/>
-              <a:gd name="connsiteY13" fmla="*/ 2476119 h 3812472"/>
-              <a:gd name="connsiteX14" fmla="*/ 3909778 w 4574113"/>
-              <a:gd name="connsiteY14" fmla="*/ 676847 h 3812472"/>
-              <a:gd name="connsiteX15" fmla="*/ 4305516 w 4574113"/>
-              <a:gd name="connsiteY15" fmla="*/ 676847 h 3812472"/>
-              <a:gd name="connsiteX16" fmla="*/ 4367056 w 4574113"/>
-              <a:gd name="connsiteY16" fmla="*/ 712612 h 3812472"/>
-              <a:gd name="connsiteX17" fmla="*/ 4564498 w 4574113"/>
-              <a:gd name="connsiteY17" fmla="*/ 1054092 h 3812472"/>
-              <a:gd name="connsiteX18" fmla="*/ 4564498 w 4574113"/>
-              <a:gd name="connsiteY18" fmla="*/ 1123921 h 3812472"/>
-              <a:gd name="connsiteX19" fmla="*/ 4367056 w 4574113"/>
-              <a:gd name="connsiteY19" fmla="*/ 1465401 h 3812472"/>
-              <a:gd name="connsiteX20" fmla="*/ 4305516 w 4574113"/>
-              <a:gd name="connsiteY20" fmla="*/ 1501167 h 3812472"/>
-              <a:gd name="connsiteX21" fmla="*/ 3909778 w 4574113"/>
-              <a:gd name="connsiteY21" fmla="*/ 1501167 h 3812472"/>
-              <a:gd name="connsiteX22" fmla="*/ 3849091 w 4574113"/>
-              <a:gd name="connsiteY22" fmla="*/ 1465401 h 3812472"/>
-              <a:gd name="connsiteX23" fmla="*/ 3650795 w 4574113"/>
-              <a:gd name="connsiteY23" fmla="*/ 1123921 h 3812472"/>
-              <a:gd name="connsiteX24" fmla="*/ 3650795 w 4574113"/>
-              <a:gd name="connsiteY24" fmla="*/ 1054092 h 3812472"/>
-              <a:gd name="connsiteX25" fmla="*/ 3849091 w 4574113"/>
-              <a:gd name="connsiteY25" fmla="*/ 712612 h 3812472"/>
-              <a:gd name="connsiteX26" fmla="*/ 3909778 w 4574113"/>
-              <a:gd name="connsiteY26" fmla="*/ 676847 h 3812472"/>
-              <a:gd name="connsiteX27" fmla="*/ 1104892 w 4574113"/>
-              <a:gd name="connsiteY27" fmla="*/ 0 h 3812472"/>
-              <a:gd name="connsiteX28" fmla="*/ 2732784 w 4574113"/>
-              <a:gd name="connsiteY28" fmla="*/ 0 h 3812472"/>
-              <a:gd name="connsiteX29" fmla="*/ 2985934 w 4574113"/>
-              <a:gd name="connsiteY29" fmla="*/ 147125 h 3812472"/>
-              <a:gd name="connsiteX30" fmla="*/ 3798122 w 4574113"/>
-              <a:gd name="connsiteY30" fmla="*/ 1551823 h 3812472"/>
-              <a:gd name="connsiteX31" fmla="*/ 3798122 w 4574113"/>
-              <a:gd name="connsiteY31" fmla="*/ 1839068 h 3812472"/>
-              <a:gd name="connsiteX32" fmla="*/ 3496551 w 4574113"/>
-              <a:gd name="connsiteY32" fmla="*/ 2360642 h 3812472"/>
-              <a:gd name="connsiteX33" fmla="*/ 3471135 w 4574113"/>
-              <a:gd name="connsiteY33" fmla="*/ 2404597 h 3812472"/>
-              <a:gd name="connsiteX34" fmla="*/ 3472029 w 4574113"/>
-              <a:gd name="connsiteY34" fmla="*/ 2404972 h 3812472"/>
-              <a:gd name="connsiteX35" fmla="*/ 3516881 w 4574113"/>
-              <a:gd name="connsiteY35" fmla="*/ 2450209 h 3812472"/>
-              <a:gd name="connsiteX36" fmla="*/ 3857970 w 4574113"/>
-              <a:gd name="connsiteY36" fmla="*/ 3040131 h 3812472"/>
-              <a:gd name="connsiteX37" fmla="*/ 3857970 w 4574113"/>
-              <a:gd name="connsiteY37" fmla="*/ 3160764 h 3812472"/>
-              <a:gd name="connsiteX38" fmla="*/ 3516881 w 4574113"/>
-              <a:gd name="connsiteY38" fmla="*/ 3750684 h 3812472"/>
-              <a:gd name="connsiteX39" fmla="*/ 3410567 w 4574113"/>
-              <a:gd name="connsiteY39" fmla="*/ 3812472 h 3812472"/>
-              <a:gd name="connsiteX40" fmla="*/ 2726911 w 4574113"/>
-              <a:gd name="connsiteY40" fmla="*/ 3812472 h 3812472"/>
-              <a:gd name="connsiteX41" fmla="*/ 2622074 w 4574113"/>
-              <a:gd name="connsiteY41" fmla="*/ 3750684 h 3812472"/>
-              <a:gd name="connsiteX42" fmla="*/ 2438330 w 4574113"/>
-              <a:gd name="connsiteY42" fmla="*/ 3434265 h 3812472"/>
-              <a:gd name="connsiteX43" fmla="*/ 2417573 w 4574113"/>
-              <a:gd name="connsiteY43" fmla="*/ 3398519 h 3812472"/>
-              <a:gd name="connsiteX44" fmla="*/ 2433905 w 4574113"/>
-              <a:gd name="connsiteY44" fmla="*/ 3398519 h 3812472"/>
-              <a:gd name="connsiteX45" fmla="*/ 2511101 w 4574113"/>
-              <a:gd name="connsiteY45" fmla="*/ 3398519 h 3812472"/>
-              <a:gd name="connsiteX46" fmla="*/ 2544636 w 4574113"/>
-              <a:gd name="connsiteY46" fmla="*/ 3456269 h 3812472"/>
-              <a:gd name="connsiteX47" fmla="*/ 2672757 w 4574113"/>
-              <a:gd name="connsiteY47" fmla="*/ 3676902 h 3812472"/>
-              <a:gd name="connsiteX48" fmla="*/ 2765699 w 4574113"/>
-              <a:gd name="connsiteY48" fmla="*/ 3731679 h 3812472"/>
-              <a:gd name="connsiteX49" fmla="*/ 3371780 w 4574113"/>
-              <a:gd name="connsiteY49" fmla="*/ 3731679 h 3812472"/>
-              <a:gd name="connsiteX50" fmla="*/ 3466029 w 4574113"/>
-              <a:gd name="connsiteY50" fmla="*/ 3676902 h 3812472"/>
-              <a:gd name="connsiteX51" fmla="*/ 3768415 w 4574113"/>
-              <a:gd name="connsiteY51" fmla="*/ 3153920 h 3812472"/>
-              <a:gd name="connsiteX52" fmla="*/ 3768415 w 4574113"/>
-              <a:gd name="connsiteY52" fmla="*/ 3046975 h 3812472"/>
-              <a:gd name="connsiteX53" fmla="*/ 3466029 w 4574113"/>
-              <a:gd name="connsiteY53" fmla="*/ 2523992 h 3812472"/>
-              <a:gd name="connsiteX54" fmla="*/ 3426268 w 4574113"/>
-              <a:gd name="connsiteY54" fmla="*/ 2483888 h 3812472"/>
-              <a:gd name="connsiteX55" fmla="*/ 3421667 w 4574113"/>
-              <a:gd name="connsiteY55" fmla="*/ 2481960 h 3812472"/>
-              <a:gd name="connsiteX56" fmla="*/ 3446331 w 4574113"/>
-              <a:gd name="connsiteY56" fmla="*/ 2439303 h 3812472"/>
-              <a:gd name="connsiteX57" fmla="*/ 3464674 w 4574113"/>
-              <a:gd name="connsiteY57" fmla="*/ 2407578 h 3812472"/>
-              <a:gd name="connsiteX58" fmla="*/ 3445649 w 4574113"/>
-              <a:gd name="connsiteY58" fmla="*/ 2399601 h 3812472"/>
-              <a:gd name="connsiteX59" fmla="*/ 3413464 w 4574113"/>
-              <a:gd name="connsiteY59" fmla="*/ 2395325 h 3812472"/>
-              <a:gd name="connsiteX60" fmla="*/ 2729808 w 4574113"/>
-              <a:gd name="connsiteY60" fmla="*/ 2395325 h 3812472"/>
-              <a:gd name="connsiteX61" fmla="*/ 2624971 w 4574113"/>
-              <a:gd name="connsiteY61" fmla="*/ 2457112 h 3812472"/>
-              <a:gd name="connsiteX62" fmla="*/ 2282405 w 4574113"/>
-              <a:gd name="connsiteY62" fmla="*/ 3047034 h 3812472"/>
-              <a:gd name="connsiteX63" fmla="*/ 2282405 w 4574113"/>
-              <a:gd name="connsiteY63" fmla="*/ 3167666 h 3812472"/>
-              <a:gd name="connsiteX64" fmla="*/ 2395478 w 4574113"/>
-              <a:gd name="connsiteY64" fmla="*/ 3362386 h 3812472"/>
-              <a:gd name="connsiteX65" fmla="*/ 2412031 w 4574113"/>
-              <a:gd name="connsiteY65" fmla="*/ 3390890 h 3812472"/>
-              <a:gd name="connsiteX66" fmla="*/ 2335350 w 4574113"/>
-              <a:gd name="connsiteY66" fmla="*/ 3390890 h 3812472"/>
-              <a:gd name="connsiteX67" fmla="*/ 1104892 w 4574113"/>
-              <a:gd name="connsiteY67" fmla="*/ 3390890 h 3812472"/>
-              <a:gd name="connsiteX68" fmla="*/ 855258 w 4574113"/>
-              <a:gd name="connsiteY68" fmla="*/ 3243764 h 3812472"/>
-              <a:gd name="connsiteX69" fmla="*/ 39555 w 4574113"/>
-              <a:gd name="connsiteY69" fmla="*/ 1839068 h 3812472"/>
-              <a:gd name="connsiteX70" fmla="*/ 39555 w 4574113"/>
-              <a:gd name="connsiteY70" fmla="*/ 1551823 h 3812472"/>
-              <a:gd name="connsiteX71" fmla="*/ 855258 w 4574113"/>
-              <a:gd name="connsiteY71" fmla="*/ 147125 h 3812472"/>
-              <a:gd name="connsiteX72" fmla="*/ 1104892 w 4574113"/>
-              <a:gd name="connsiteY72" fmla="*/ 0 h 3812472"/>
+              <a:gd name="connsiteX0" fmla="*/ 853538 w 2991693"/>
+              <a:gd name="connsiteY0" fmla="*/ 0 h 2651787"/>
+              <a:gd name="connsiteX1" fmla="*/ 2141030 w 2991693"/>
+              <a:gd name="connsiteY1" fmla="*/ 0 h 2651787"/>
+              <a:gd name="connsiteX2" fmla="*/ 2324957 w 2991693"/>
+              <a:gd name="connsiteY2" fmla="*/ 103466 h 2651787"/>
+              <a:gd name="connsiteX3" fmla="*/ 2968702 w 2991693"/>
+              <a:gd name="connsiteY3" fmla="*/ 1218596 h 2651787"/>
+              <a:gd name="connsiteX4" fmla="*/ 2968702 w 2991693"/>
+              <a:gd name="connsiteY4" fmla="*/ 1433192 h 2651787"/>
+              <a:gd name="connsiteX5" fmla="*/ 2324957 w 2991693"/>
+              <a:gd name="connsiteY5" fmla="*/ 2548321 h 2651787"/>
+              <a:gd name="connsiteX6" fmla="*/ 2141030 w 2991693"/>
+              <a:gd name="connsiteY6" fmla="*/ 2651787 h 2651787"/>
+              <a:gd name="connsiteX7" fmla="*/ 853538 w 2991693"/>
+              <a:gd name="connsiteY7" fmla="*/ 2651787 h 2651787"/>
+              <a:gd name="connsiteX8" fmla="*/ 669612 w 2991693"/>
+              <a:gd name="connsiteY8" fmla="*/ 2548321 h 2651787"/>
+              <a:gd name="connsiteX9" fmla="*/ 25866 w 2991693"/>
+              <a:gd name="connsiteY9" fmla="*/ 1433192 h 2651787"/>
+              <a:gd name="connsiteX10" fmla="*/ 25866 w 2991693"/>
+              <a:gd name="connsiteY10" fmla="*/ 1218596 h 2651787"/>
+              <a:gd name="connsiteX11" fmla="*/ 669612 w 2991693"/>
+              <a:gd name="connsiteY11" fmla="*/ 103466 h 2651787"/>
+              <a:gd name="connsiteX12" fmla="*/ 853538 w 2991693"/>
+              <a:gd name="connsiteY12" fmla="*/ 0 h 2651787"/>
             </a:gdLst>
             <a:ahLst/>
             <a:cxnLst>
@@ -15693,518 +17790,70 @@
               <a:cxn ang="0">
                 <a:pos x="connsiteX12" y="connsiteY12"/>
               </a:cxn>
-              <a:cxn ang="0">
-                <a:pos x="connsiteX13" y="connsiteY13"/>
-              </a:cxn>
-              <a:cxn ang="0">
-                <a:pos x="connsiteX14" y="connsiteY14"/>
-              </a:cxn>
-              <a:cxn ang="0">
-                <a:pos x="connsiteX15" y="connsiteY15"/>
-              </a:cxn>
-              <a:cxn ang="0">
-                <a:pos x="connsiteX16" y="connsiteY16"/>
-              </a:cxn>
-              <a:cxn ang="0">
-                <a:pos x="connsiteX17" y="connsiteY17"/>
-              </a:cxn>
-              <a:cxn ang="0">
-                <a:pos x="connsiteX18" y="connsiteY18"/>
-              </a:cxn>
-              <a:cxn ang="0">
-                <a:pos x="connsiteX19" y="connsiteY19"/>
-              </a:cxn>
-              <a:cxn ang="0">
-                <a:pos x="connsiteX20" y="connsiteY20"/>
-              </a:cxn>
-              <a:cxn ang="0">
-                <a:pos x="connsiteX21" y="connsiteY21"/>
-              </a:cxn>
-              <a:cxn ang="0">
-                <a:pos x="connsiteX22" y="connsiteY22"/>
-              </a:cxn>
-              <a:cxn ang="0">
-                <a:pos x="connsiteX23" y="connsiteY23"/>
-              </a:cxn>
-              <a:cxn ang="0">
-                <a:pos x="connsiteX24" y="connsiteY24"/>
-              </a:cxn>
-              <a:cxn ang="0">
-                <a:pos x="connsiteX25" y="connsiteY25"/>
-              </a:cxn>
-              <a:cxn ang="0">
-                <a:pos x="connsiteX26" y="connsiteY26"/>
-              </a:cxn>
-              <a:cxn ang="0">
-                <a:pos x="connsiteX27" y="connsiteY27"/>
-              </a:cxn>
-              <a:cxn ang="0">
-                <a:pos x="connsiteX28" y="connsiteY28"/>
-              </a:cxn>
-              <a:cxn ang="0">
-                <a:pos x="connsiteX29" y="connsiteY29"/>
-              </a:cxn>
-              <a:cxn ang="0">
-                <a:pos x="connsiteX30" y="connsiteY30"/>
-              </a:cxn>
-              <a:cxn ang="0">
-                <a:pos x="connsiteX31" y="connsiteY31"/>
-              </a:cxn>
-              <a:cxn ang="0">
-                <a:pos x="connsiteX32" y="connsiteY32"/>
-              </a:cxn>
-              <a:cxn ang="0">
-                <a:pos x="connsiteX33" y="connsiteY33"/>
-              </a:cxn>
-              <a:cxn ang="0">
-                <a:pos x="connsiteX34" y="connsiteY34"/>
-              </a:cxn>
-              <a:cxn ang="0">
-                <a:pos x="connsiteX35" y="connsiteY35"/>
-              </a:cxn>
-              <a:cxn ang="0">
-                <a:pos x="connsiteX36" y="connsiteY36"/>
-              </a:cxn>
-              <a:cxn ang="0">
-                <a:pos x="connsiteX37" y="connsiteY37"/>
-              </a:cxn>
-              <a:cxn ang="0">
-                <a:pos x="connsiteX38" y="connsiteY38"/>
-              </a:cxn>
-              <a:cxn ang="0">
-                <a:pos x="connsiteX39" y="connsiteY39"/>
-              </a:cxn>
-              <a:cxn ang="0">
-                <a:pos x="connsiteX40" y="connsiteY40"/>
-              </a:cxn>
-              <a:cxn ang="0">
-                <a:pos x="connsiteX41" y="connsiteY41"/>
-              </a:cxn>
-              <a:cxn ang="0">
-                <a:pos x="connsiteX42" y="connsiteY42"/>
-              </a:cxn>
-              <a:cxn ang="0">
-                <a:pos x="connsiteX43" y="connsiteY43"/>
-              </a:cxn>
-              <a:cxn ang="0">
-                <a:pos x="connsiteX44" y="connsiteY44"/>
-              </a:cxn>
-              <a:cxn ang="0">
-                <a:pos x="connsiteX45" y="connsiteY45"/>
-              </a:cxn>
-              <a:cxn ang="0">
-                <a:pos x="connsiteX46" y="connsiteY46"/>
-              </a:cxn>
-              <a:cxn ang="0">
-                <a:pos x="connsiteX47" y="connsiteY47"/>
-              </a:cxn>
-              <a:cxn ang="0">
-                <a:pos x="connsiteX48" y="connsiteY48"/>
-              </a:cxn>
-              <a:cxn ang="0">
-                <a:pos x="connsiteX49" y="connsiteY49"/>
-              </a:cxn>
-              <a:cxn ang="0">
-                <a:pos x="connsiteX50" y="connsiteY50"/>
-              </a:cxn>
-              <a:cxn ang="0">
-                <a:pos x="connsiteX51" y="connsiteY51"/>
-              </a:cxn>
-              <a:cxn ang="0">
-                <a:pos x="connsiteX52" y="connsiteY52"/>
-              </a:cxn>
-              <a:cxn ang="0">
-                <a:pos x="connsiteX53" y="connsiteY53"/>
-              </a:cxn>
-              <a:cxn ang="0">
-                <a:pos x="connsiteX54" y="connsiteY54"/>
-              </a:cxn>
-              <a:cxn ang="0">
-                <a:pos x="connsiteX55" y="connsiteY55"/>
-              </a:cxn>
-              <a:cxn ang="0">
-                <a:pos x="connsiteX56" y="connsiteY56"/>
-              </a:cxn>
-              <a:cxn ang="0">
-                <a:pos x="connsiteX57" y="connsiteY57"/>
-              </a:cxn>
-              <a:cxn ang="0">
-                <a:pos x="connsiteX58" y="connsiteY58"/>
-              </a:cxn>
-              <a:cxn ang="0">
-                <a:pos x="connsiteX59" y="connsiteY59"/>
-              </a:cxn>
-              <a:cxn ang="0">
-                <a:pos x="connsiteX60" y="connsiteY60"/>
-              </a:cxn>
-              <a:cxn ang="0">
-                <a:pos x="connsiteX61" y="connsiteY61"/>
-              </a:cxn>
-              <a:cxn ang="0">
-                <a:pos x="connsiteX62" y="connsiteY62"/>
-              </a:cxn>
-              <a:cxn ang="0">
-                <a:pos x="connsiteX63" y="connsiteY63"/>
-              </a:cxn>
-              <a:cxn ang="0">
-                <a:pos x="connsiteX64" y="connsiteY64"/>
-              </a:cxn>
-              <a:cxn ang="0">
-                <a:pos x="connsiteX65" y="connsiteY65"/>
-              </a:cxn>
-              <a:cxn ang="0">
-                <a:pos x="connsiteX66" y="connsiteY66"/>
-              </a:cxn>
-              <a:cxn ang="0">
-                <a:pos x="connsiteX67" y="connsiteY67"/>
-              </a:cxn>
-              <a:cxn ang="0">
-                <a:pos x="connsiteX68" y="connsiteY68"/>
-              </a:cxn>
-              <a:cxn ang="0">
-                <a:pos x="connsiteX69" y="connsiteY69"/>
-              </a:cxn>
-              <a:cxn ang="0">
-                <a:pos x="connsiteX70" y="connsiteY70"/>
-              </a:cxn>
-              <a:cxn ang="0">
-                <a:pos x="connsiteX71" y="connsiteY71"/>
-              </a:cxn>
-              <a:cxn ang="0">
-                <a:pos x="connsiteX72" y="connsiteY72"/>
-              </a:cxn>
             </a:cxnLst>
             <a:rect l="l" t="t" r="r" b="b"/>
             <a:pathLst>
-              <a:path w="4574113" h="3812472">
+              <a:path w="2991693" h="2651787">
                 <a:moveTo>
-                  <a:pt x="2768595" y="2476119"/>
+                  <a:pt x="853538" y="0"/>
                 </a:moveTo>
                 <a:cubicBezTo>
-                  <a:pt x="2768595" y="2476119"/>
-                  <a:pt x="2768595" y="2476119"/>
-                  <a:pt x="3374676" y="2476119"/>
-                </a:cubicBezTo>
-                <a:cubicBezTo>
-                  <a:pt x="3384493" y="2476119"/>
-                  <a:pt x="3394066" y="2477423"/>
-                  <a:pt x="3403209" y="2479909"/>
+                  <a:pt x="2141030" y="0"/>
+                  <a:pt x="2141030" y="0"/>
+                  <a:pt x="2141030" y="0"/>
+                </a:cubicBezTo>
+                <a:cubicBezTo>
+                  <a:pt x="2206170" y="0"/>
+                  <a:pt x="2290471" y="45985"/>
+                  <a:pt x="2324957" y="103466"/>
+                </a:cubicBezTo>
+                <a:cubicBezTo>
+                  <a:pt x="2968702" y="1218596"/>
+                  <a:pt x="2968702" y="1218596"/>
+                  <a:pt x="2968702" y="1218596"/>
+                </a:cubicBezTo>
+                <a:cubicBezTo>
+                  <a:pt x="2999357" y="1279909"/>
+                  <a:pt x="2999357" y="1371878"/>
+                  <a:pt x="2968702" y="1433192"/>
+                </a:cubicBezTo>
+                <a:cubicBezTo>
+                  <a:pt x="2324957" y="2548321"/>
+                  <a:pt x="2324957" y="2548321"/>
+                  <a:pt x="2324957" y="2548321"/>
+                </a:cubicBezTo>
+                <a:cubicBezTo>
+                  <a:pt x="2290471" y="2605803"/>
+                  <a:pt x="2206170" y="2651787"/>
+                  <a:pt x="2141030" y="2651787"/>
                 </a:cubicBezTo>
                 <a:lnTo>
-                  <a:pt x="3422833" y="2488137"/>
+                  <a:pt x="853538" y="2651787"/>
                 </a:lnTo>
-                <a:lnTo>
-                  <a:pt x="3410840" y="2508879"/>
-                </a:lnTo>
-                <a:cubicBezTo>
-                  <a:pt x="3302401" y="2696426"/>
-                  <a:pt x="3163600" y="2936487"/>
-                  <a:pt x="2985934" y="3243764"/>
-                </a:cubicBezTo>
-                <a:cubicBezTo>
-                  <a:pt x="2933195" y="3334842"/>
-                  <a:pt x="2838263" y="3390890"/>
-                  <a:pt x="2732784" y="3390890"/>
-                </a:cubicBezTo>
-                <a:cubicBezTo>
-                  <a:pt x="2732784" y="3390890"/>
-                  <a:pt x="2732784" y="3390890"/>
-                  <a:pt x="2529297" y="3390890"/>
-                </a:cubicBezTo>
-                <a:lnTo>
-                  <a:pt x="2505559" y="3390890"/>
-                </a:lnTo>
-                <a:lnTo>
-                  <a:pt x="2482907" y="3351884"/>
-                </a:lnTo>
-                <a:cubicBezTo>
-                  <a:pt x="2451367" y="3297569"/>
-                  <a:pt x="2414666" y="3234367"/>
-                  <a:pt x="2371959" y="3160822"/>
-                </a:cubicBezTo>
-                <a:cubicBezTo>
-                  <a:pt x="2352324" y="3128217"/>
-                  <a:pt x="2352324" y="3086483"/>
-                  <a:pt x="2371959" y="3053878"/>
-                </a:cubicBezTo>
-                <a:cubicBezTo>
-                  <a:pt x="2371959" y="3053878"/>
-                  <a:pt x="2371959" y="3053878"/>
-                  <a:pt x="2675654" y="2530895"/>
-                </a:cubicBezTo>
-                <a:cubicBezTo>
-                  <a:pt x="2693981" y="2496986"/>
-                  <a:pt x="2730633" y="2476119"/>
-                  <a:pt x="2768595" y="2476119"/>
-                </a:cubicBezTo>
-                <a:close/>
-                <a:moveTo>
-                  <a:pt x="3909778" y="676847"/>
-                </a:moveTo>
-                <a:cubicBezTo>
-                  <a:pt x="3909778" y="676847"/>
-                  <a:pt x="3909778" y="676847"/>
-                  <a:pt x="4305516" y="676847"/>
-                </a:cubicBezTo>
-                <a:cubicBezTo>
-                  <a:pt x="4331158" y="676847"/>
-                  <a:pt x="4354235" y="690472"/>
-                  <a:pt x="4367056" y="712612"/>
-                </a:cubicBezTo>
-                <a:cubicBezTo>
-                  <a:pt x="4367056" y="712612"/>
-                  <a:pt x="4367056" y="712612"/>
-                  <a:pt x="4564498" y="1054092"/>
-                </a:cubicBezTo>
-                <a:cubicBezTo>
-                  <a:pt x="4577319" y="1075382"/>
-                  <a:pt x="4577319" y="1102632"/>
-                  <a:pt x="4564498" y="1123921"/>
-                </a:cubicBezTo>
-                <a:cubicBezTo>
-                  <a:pt x="4564498" y="1123921"/>
-                  <a:pt x="4564498" y="1123921"/>
-                  <a:pt x="4367056" y="1465401"/>
-                </a:cubicBezTo>
-                <a:cubicBezTo>
-                  <a:pt x="4354235" y="1487542"/>
-                  <a:pt x="4331158" y="1501167"/>
-                  <a:pt x="4305516" y="1501167"/>
-                </a:cubicBezTo>
-                <a:cubicBezTo>
-                  <a:pt x="4305516" y="1501167"/>
-                  <a:pt x="4305516" y="1501167"/>
-                  <a:pt x="3909778" y="1501167"/>
-                </a:cubicBezTo>
-                <a:cubicBezTo>
-                  <a:pt x="3884990" y="1501167"/>
-                  <a:pt x="3861058" y="1487542"/>
-                  <a:pt x="3849091" y="1465401"/>
-                </a:cubicBezTo>
-                <a:cubicBezTo>
-                  <a:pt x="3849091" y="1465401"/>
-                  <a:pt x="3849091" y="1465401"/>
-                  <a:pt x="3650795" y="1123921"/>
-                </a:cubicBezTo>
-                <a:cubicBezTo>
-                  <a:pt x="3637974" y="1102632"/>
-                  <a:pt x="3637974" y="1075382"/>
-                  <a:pt x="3650795" y="1054092"/>
-                </a:cubicBezTo>
-                <a:cubicBezTo>
-                  <a:pt x="3650795" y="1054092"/>
-                  <a:pt x="3650795" y="1054092"/>
-                  <a:pt x="3849091" y="712612"/>
-                </a:cubicBezTo>
-                <a:cubicBezTo>
-                  <a:pt x="3861058" y="690472"/>
-                  <a:pt x="3884990" y="676847"/>
-                  <a:pt x="3909778" y="676847"/>
-                </a:cubicBezTo>
-                <a:close/>
-                <a:moveTo>
-                  <a:pt x="1104892" y="0"/>
-                </a:moveTo>
-                <a:cubicBezTo>
-                  <a:pt x="1104892" y="0"/>
-                  <a:pt x="1104892" y="0"/>
-                  <a:pt x="2732784" y="0"/>
-                </a:cubicBezTo>
-                <a:cubicBezTo>
-                  <a:pt x="2838263" y="0"/>
-                  <a:pt x="2933195" y="56047"/>
-                  <a:pt x="2985934" y="147125"/>
-                </a:cubicBezTo>
-                <a:cubicBezTo>
-                  <a:pt x="2985934" y="147125"/>
-                  <a:pt x="2985934" y="147125"/>
-                  <a:pt x="3798122" y="1551823"/>
-                </a:cubicBezTo>
-                <a:cubicBezTo>
-                  <a:pt x="3850862" y="1639397"/>
-                  <a:pt x="3850862" y="1751493"/>
-                  <a:pt x="3798122" y="1839068"/>
-                </a:cubicBezTo>
-                <a:cubicBezTo>
-                  <a:pt x="3798122" y="1839068"/>
-                  <a:pt x="3798122" y="1839068"/>
-                  <a:pt x="3496551" y="2360642"/>
-                </a:cubicBezTo>
-                <a:lnTo>
-                  <a:pt x="3471135" y="2404597"/>
-                </a:lnTo>
-                <a:lnTo>
-                  <a:pt x="3472029" y="2404972"/>
-                </a:lnTo>
-                <a:cubicBezTo>
-                  <a:pt x="3490302" y="2415638"/>
-                  <a:pt x="3505806" y="2431084"/>
-                  <a:pt x="3516881" y="2450209"/>
-                </a:cubicBezTo>
-                <a:cubicBezTo>
-                  <a:pt x="3516881" y="2450209"/>
-                  <a:pt x="3516881" y="2450209"/>
-                  <a:pt x="3857970" y="3040131"/>
-                </a:cubicBezTo>
-                <a:cubicBezTo>
-                  <a:pt x="3880120" y="3076909"/>
-                  <a:pt x="3880120" y="3123985"/>
-                  <a:pt x="3857970" y="3160764"/>
-                </a:cubicBezTo>
-                <a:cubicBezTo>
-                  <a:pt x="3857970" y="3160764"/>
-                  <a:pt x="3857970" y="3160764"/>
-                  <a:pt x="3516881" y="3750684"/>
-                </a:cubicBezTo>
-                <a:cubicBezTo>
-                  <a:pt x="3494732" y="3788933"/>
-                  <a:pt x="3454864" y="3812472"/>
-                  <a:pt x="3410567" y="3812472"/>
-                </a:cubicBezTo>
-                <a:cubicBezTo>
-                  <a:pt x="3410567" y="3812472"/>
-                  <a:pt x="3410567" y="3812472"/>
-                  <a:pt x="2726911" y="3812472"/>
-                </a:cubicBezTo>
-                <a:cubicBezTo>
-                  <a:pt x="2684090" y="3812472"/>
-                  <a:pt x="2642747" y="3788933"/>
-                  <a:pt x="2622074" y="3750684"/>
-                </a:cubicBezTo>
-                <a:cubicBezTo>
-                  <a:pt x="2622074" y="3750684"/>
-                  <a:pt x="2622074" y="3750684"/>
-                  <a:pt x="2438330" y="3434265"/>
-                </a:cubicBezTo>
-                <a:lnTo>
-                  <a:pt x="2417573" y="3398519"/>
-                </a:lnTo>
-                <a:lnTo>
-                  <a:pt x="2433905" y="3398519"/>
-                </a:lnTo>
-                <a:lnTo>
-                  <a:pt x="2511101" y="3398519"/>
-                </a:lnTo>
-                <a:lnTo>
-                  <a:pt x="2544636" y="3456269"/>
-                </a:lnTo>
-                <a:cubicBezTo>
-                  <a:pt x="2672757" y="3676902"/>
-                  <a:pt x="2672757" y="3676902"/>
-                  <a:pt x="2672757" y="3676902"/>
-                </a:cubicBezTo>
-                <a:cubicBezTo>
-                  <a:pt x="2691084" y="3710811"/>
-                  <a:pt x="2727737" y="3731679"/>
-                  <a:pt x="2765699" y="3731679"/>
-                </a:cubicBezTo>
-                <a:cubicBezTo>
-                  <a:pt x="3371780" y="3731679"/>
-                  <a:pt x="3371780" y="3731679"/>
-                  <a:pt x="3371780" y="3731679"/>
-                </a:cubicBezTo>
-                <a:cubicBezTo>
-                  <a:pt x="3411050" y="3731679"/>
-                  <a:pt x="3446394" y="3710811"/>
-                  <a:pt x="3466029" y="3676902"/>
-                </a:cubicBezTo>
-                <a:cubicBezTo>
-                  <a:pt x="3768415" y="3153920"/>
-                  <a:pt x="3768415" y="3153920"/>
-                  <a:pt x="3768415" y="3153920"/>
-                </a:cubicBezTo>
-                <a:cubicBezTo>
-                  <a:pt x="3788051" y="3121314"/>
-                  <a:pt x="3788051" y="3079580"/>
-                  <a:pt x="3768415" y="3046975"/>
-                </a:cubicBezTo>
-                <a:cubicBezTo>
-                  <a:pt x="3466029" y="2523992"/>
-                  <a:pt x="3466029" y="2523992"/>
-                  <a:pt x="3466029" y="2523992"/>
-                </a:cubicBezTo>
-                <a:cubicBezTo>
-                  <a:pt x="3456211" y="2507037"/>
-                  <a:pt x="3442467" y="2493343"/>
-                  <a:pt x="3426268" y="2483888"/>
-                </a:cubicBezTo>
-                <a:lnTo>
-                  <a:pt x="3421667" y="2481960"/>
-                </a:lnTo>
-                <a:lnTo>
-                  <a:pt x="3446331" y="2439303"/>
-                </a:lnTo>
-                <a:lnTo>
-                  <a:pt x="3464674" y="2407578"/>
-                </a:lnTo>
-                <a:lnTo>
-                  <a:pt x="3445649" y="2399601"/>
-                </a:lnTo>
-                <a:cubicBezTo>
-                  <a:pt x="3435335" y="2396796"/>
-                  <a:pt x="3424538" y="2395325"/>
-                  <a:pt x="3413464" y="2395325"/>
-                </a:cubicBezTo>
-                <a:cubicBezTo>
-                  <a:pt x="2729808" y="2395325"/>
-                  <a:pt x="2729808" y="2395325"/>
-                  <a:pt x="2729808" y="2395325"/>
-                </a:cubicBezTo>
-                <a:cubicBezTo>
-                  <a:pt x="2686987" y="2395325"/>
-                  <a:pt x="2645644" y="2418863"/>
-                  <a:pt x="2624971" y="2457112"/>
-                </a:cubicBezTo>
-                <a:cubicBezTo>
-                  <a:pt x="2282405" y="3047034"/>
-                  <a:pt x="2282405" y="3047034"/>
-                  <a:pt x="2282405" y="3047034"/>
-                </a:cubicBezTo>
-                <a:cubicBezTo>
-                  <a:pt x="2260256" y="3083811"/>
-                  <a:pt x="2260256" y="3130887"/>
-                  <a:pt x="2282405" y="3167666"/>
-                </a:cubicBezTo>
-                <a:cubicBezTo>
-                  <a:pt x="2325225" y="3241406"/>
-                  <a:pt x="2362693" y="3305929"/>
-                  <a:pt x="2395478" y="3362386"/>
-                </a:cubicBezTo>
-                <a:lnTo>
-                  <a:pt x="2412031" y="3390890"/>
-                </a:lnTo>
-                <a:lnTo>
-                  <a:pt x="2335350" y="3390890"/>
-                </a:lnTo>
-                <a:cubicBezTo>
-                  <a:pt x="2096889" y="3390890"/>
-                  <a:pt x="1715352" y="3390890"/>
-                  <a:pt x="1104892" y="3390890"/>
-                </a:cubicBezTo>
-                <a:cubicBezTo>
-                  <a:pt x="1002929" y="3390890"/>
-                  <a:pt x="904482" y="3334842"/>
-                  <a:pt x="855258" y="3243764"/>
-                </a:cubicBezTo>
-                <a:cubicBezTo>
-                  <a:pt x="855258" y="3243764"/>
-                  <a:pt x="855258" y="3243764"/>
-                  <a:pt x="39555" y="1839068"/>
-                </a:cubicBezTo>
-                <a:cubicBezTo>
-                  <a:pt x="-13185" y="1751493"/>
-                  <a:pt x="-13185" y="1639397"/>
-                  <a:pt x="39555" y="1551823"/>
-                </a:cubicBezTo>
-                <a:cubicBezTo>
-                  <a:pt x="39555" y="1551823"/>
-                  <a:pt x="39555" y="1551823"/>
-                  <a:pt x="855258" y="147125"/>
-                </a:cubicBezTo>
-                <a:cubicBezTo>
-                  <a:pt x="904482" y="56047"/>
-                  <a:pt x="1002929" y="0"/>
-                  <a:pt x="1104892" y="0"/>
+                <a:cubicBezTo>
+                  <a:pt x="784566" y="2651787"/>
+                  <a:pt x="700266" y="2605803"/>
+                  <a:pt x="669612" y="2548321"/>
+                </a:cubicBezTo>
+                <a:cubicBezTo>
+                  <a:pt x="25866" y="1433192"/>
+                  <a:pt x="25866" y="1433192"/>
+                  <a:pt x="25866" y="1433192"/>
+                </a:cubicBezTo>
+                <a:cubicBezTo>
+                  <a:pt x="-8621" y="1371878"/>
+                  <a:pt x="-8621" y="1279909"/>
+                  <a:pt x="25866" y="1218596"/>
+                </a:cubicBezTo>
+                <a:cubicBezTo>
+                  <a:pt x="669612" y="103466"/>
+                  <a:pt x="669612" y="103466"/>
+                  <a:pt x="669612" y="103466"/>
+                </a:cubicBezTo>
+                <a:cubicBezTo>
+                  <a:pt x="700266" y="45985"/>
+                  <a:pt x="784566" y="0"/>
+                  <a:pt x="853538" y="0"/>
                 </a:cubicBezTo>
                 <a:close/>
               </a:path>
@@ -16212,6 +17861,221 @@
           </a:custGeom>
           <a:solidFill>
             <a:schemeClr val="tx1"/>
+          </a:solidFill>
+          <a:ln w="50800">
+            <a:noFill/>
+          </a:ln>
+        </p:spPr>
+        <p:style>
+          <a:lnRef idx="2">
+            <a:schemeClr val="accent1">
+              <a:shade val="50000"/>
+            </a:schemeClr>
+          </a:lnRef>
+          <a:fillRef idx="1">
+            <a:schemeClr val="accent1"/>
+          </a:fillRef>
+          <a:effectRef idx="0">
+            <a:schemeClr val="accent1"/>
+          </a:effectRef>
+          <a:fontRef idx="minor">
+            <a:schemeClr val="lt1"/>
+          </a:fontRef>
+        </p:style>
+        <p:txBody>
+          <a:bodyPr wrap="square" rtlCol="0" anchor="ctr">
+            <a:noAutofit/>
+          </a:bodyPr>
+          <a:lstStyle/>
+          <a:p>
+            <a:pPr algn="ctr"/>
+            <a:endParaRPr lang="en-US" dirty="0"/>
+          </a:p>
+        </p:txBody>
+      </p:sp>
+      <p:sp>
+        <p:nvSpPr>
+          <p:cNvPr id="33" name="Freeform: Shape 32">
+            <a:extLst>
+              <a:ext uri="{FF2B5EF4-FFF2-40B4-BE49-F238E27FC236}">
+                <a16:creationId xmlns:a16="http://schemas.microsoft.com/office/drawing/2014/main" id="{B971ABA8-4CDB-4EEE-8C48-AA4FDB650782}"/>
+              </a:ext>
+              <a:ext uri="{C183D7F6-B498-43B3-948B-1728B52AA6E4}">
+                <adec:decorative xmlns:adec="http://schemas.microsoft.com/office/drawing/2017/decorative" val="1"/>
+              </a:ext>
+            </a:extLst>
+          </p:cNvPr>
+          <p:cNvSpPr>
+            <a:spLocks noGrp="1" noRot="1" noChangeAspect="1" noMove="1" noResize="1" noEditPoints="1" noAdjustHandles="1" noChangeArrowheads="1" noChangeShapeType="1" noTextEdit="1"/>
+          </p:cNvSpPr>
+          <p:nvPr>
+            <p:extLst>
+              <p:ext uri="{386F3935-93C4-4BCD-93E2-E3B085C9AB24}">
+                <p16:designElem xmlns:p16="http://schemas.microsoft.com/office/powerpoint/2015/main" val="1"/>
+              </p:ext>
+            </p:extLst>
+          </p:nvPr>
+        </p:nvSpPr>
+        <p:spPr>
+          <a:xfrm>
+            <a:off x="3" y="2071858"/>
+            <a:ext cx="8109718" cy="4786143"/>
+          </a:xfrm>
+          <a:custGeom>
+            <a:avLst/>
+            <a:gdLst>
+              <a:gd name="connsiteX0" fmla="*/ 7381313 w 8109718"/>
+              <a:gd name="connsiteY0" fmla="*/ 1839459 h 4786143"/>
+              <a:gd name="connsiteX1" fmla="*/ 7381313 w 8109718"/>
+              <a:gd name="connsiteY1" fmla="*/ 1853646 h 4786143"/>
+              <a:gd name="connsiteX2" fmla="*/ 7379359 w 8109718"/>
+              <a:gd name="connsiteY2" fmla="*/ 1846552 h 4786143"/>
+              <a:gd name="connsiteX3" fmla="*/ 1321854 w 8109718"/>
+              <a:gd name="connsiteY3" fmla="*/ 0 h 4786143"/>
+              <a:gd name="connsiteX4" fmla="*/ 5365317 w 8109718"/>
+              <a:gd name="connsiteY4" fmla="*/ 0 h 4786143"/>
+              <a:gd name="connsiteX5" fmla="*/ 5985373 w 8109718"/>
+              <a:gd name="connsiteY5" fmla="*/ 365439 h 4786143"/>
+              <a:gd name="connsiteX6" fmla="*/ 8011470 w 8109718"/>
+              <a:gd name="connsiteY6" fmla="*/ 3854515 h 4786143"/>
+              <a:gd name="connsiteX7" fmla="*/ 8011470 w 8109718"/>
+              <a:gd name="connsiteY7" fmla="*/ 4567993 h 4786143"/>
+              <a:gd name="connsiteX8" fmla="*/ 7904625 w 8109718"/>
+              <a:gd name="connsiteY8" fmla="*/ 4751987 h 4786143"/>
+              <a:gd name="connsiteX9" fmla="*/ 7884791 w 8109718"/>
+              <a:gd name="connsiteY9" fmla="*/ 4786143 h 4786143"/>
+              <a:gd name="connsiteX10" fmla="*/ 0 w 8109718"/>
+              <a:gd name="connsiteY10" fmla="*/ 4786143 h 4786143"/>
+              <a:gd name="connsiteX11" fmla="*/ 0 w 8109718"/>
+              <a:gd name="connsiteY11" fmla="*/ 1564110 h 4786143"/>
+              <a:gd name="connsiteX12" fmla="*/ 27177 w 8109718"/>
+              <a:gd name="connsiteY12" fmla="*/ 1517107 h 4786143"/>
+              <a:gd name="connsiteX13" fmla="*/ 693065 w 8109718"/>
+              <a:gd name="connsiteY13" fmla="*/ 365439 h 4786143"/>
+              <a:gd name="connsiteX14" fmla="*/ 1321854 w 8109718"/>
+              <a:gd name="connsiteY14" fmla="*/ 0 h 4786143"/>
+            </a:gdLst>
+            <a:ahLst/>
+            <a:cxnLst>
+              <a:cxn ang="0">
+                <a:pos x="connsiteX0" y="connsiteY0"/>
+              </a:cxn>
+              <a:cxn ang="0">
+                <a:pos x="connsiteX1" y="connsiteY1"/>
+              </a:cxn>
+              <a:cxn ang="0">
+                <a:pos x="connsiteX2" y="connsiteY2"/>
+              </a:cxn>
+              <a:cxn ang="0">
+                <a:pos x="connsiteX3" y="connsiteY3"/>
+              </a:cxn>
+              <a:cxn ang="0">
+                <a:pos x="connsiteX4" y="connsiteY4"/>
+              </a:cxn>
+              <a:cxn ang="0">
+                <a:pos x="connsiteX5" y="connsiteY5"/>
+              </a:cxn>
+              <a:cxn ang="0">
+                <a:pos x="connsiteX6" y="connsiteY6"/>
+              </a:cxn>
+              <a:cxn ang="0">
+                <a:pos x="connsiteX7" y="connsiteY7"/>
+              </a:cxn>
+              <a:cxn ang="0">
+                <a:pos x="connsiteX8" y="connsiteY8"/>
+              </a:cxn>
+              <a:cxn ang="0">
+                <a:pos x="connsiteX9" y="connsiteY9"/>
+              </a:cxn>
+              <a:cxn ang="0">
+                <a:pos x="connsiteX10" y="connsiteY10"/>
+              </a:cxn>
+              <a:cxn ang="0">
+                <a:pos x="connsiteX11" y="connsiteY11"/>
+              </a:cxn>
+              <a:cxn ang="0">
+                <a:pos x="connsiteX12" y="connsiteY12"/>
+              </a:cxn>
+              <a:cxn ang="0">
+                <a:pos x="connsiteX13" y="connsiteY13"/>
+              </a:cxn>
+              <a:cxn ang="0">
+                <a:pos x="connsiteX14" y="connsiteY14"/>
+              </a:cxn>
+            </a:cxnLst>
+            <a:rect l="l" t="t" r="r" b="b"/>
+            <a:pathLst>
+              <a:path w="8109718" h="4786143">
+                <a:moveTo>
+                  <a:pt x="7381313" y="1839459"/>
+                </a:moveTo>
+                <a:lnTo>
+                  <a:pt x="7381313" y="1853646"/>
+                </a:lnTo>
+                <a:lnTo>
+                  <a:pt x="7379359" y="1846552"/>
+                </a:lnTo>
+                <a:close/>
+                <a:moveTo>
+                  <a:pt x="1321854" y="0"/>
+                </a:moveTo>
+                <a:cubicBezTo>
+                  <a:pt x="1321854" y="0"/>
+                  <a:pt x="1321854" y="0"/>
+                  <a:pt x="5365317" y="0"/>
+                </a:cubicBezTo>
+                <a:cubicBezTo>
+                  <a:pt x="5618580" y="0"/>
+                  <a:pt x="5863108" y="139215"/>
+                  <a:pt x="5985373" y="365439"/>
+                </a:cubicBezTo>
+                <a:cubicBezTo>
+                  <a:pt x="5985373" y="365439"/>
+                  <a:pt x="5985373" y="365439"/>
+                  <a:pt x="8011470" y="3854515"/>
+                </a:cubicBezTo>
+                <a:cubicBezTo>
+                  <a:pt x="8142468" y="4072039"/>
+                  <a:pt x="8142468" y="4350470"/>
+                  <a:pt x="8011470" y="4567993"/>
+                </a:cubicBezTo>
+                <a:cubicBezTo>
+                  <a:pt x="8011470" y="4567993"/>
+                  <a:pt x="8011470" y="4567993"/>
+                  <a:pt x="7904625" y="4751987"/>
+                </a:cubicBezTo>
+                <a:lnTo>
+                  <a:pt x="7884791" y="4786143"/>
+                </a:lnTo>
+                <a:lnTo>
+                  <a:pt x="0" y="4786143"/>
+                </a:lnTo>
+                <a:lnTo>
+                  <a:pt x="0" y="1564110"/>
+                </a:lnTo>
+                <a:lnTo>
+                  <a:pt x="27177" y="1517107"/>
+                </a:lnTo>
+                <a:cubicBezTo>
+                  <a:pt x="220245" y="1183191"/>
+                  <a:pt x="440895" y="801574"/>
+                  <a:pt x="693065" y="365439"/>
+                </a:cubicBezTo>
+                <a:cubicBezTo>
+                  <a:pt x="824063" y="139215"/>
+                  <a:pt x="1059859" y="0"/>
+                  <a:pt x="1321854" y="0"/>
+                </a:cubicBezTo>
+                <a:close/>
+              </a:path>
+            </a:pathLst>
+          </a:custGeom>
+          <a:solidFill>
+            <a:schemeClr val="tx1">
+              <a:lumMod val="85000"/>
+              <a:lumOff val="15000"/>
+              <a:alpha val="99000"/>
+            </a:schemeClr>
           </a:solidFill>
           <a:ln>
             <a:noFill/>
@@ -16244,6 +18108,452 @@
           </a:p>
         </p:txBody>
       </p:sp>
+      <p:sp>
+        <p:nvSpPr>
+          <p:cNvPr id="4" name="Title 3">
+            <a:extLst>
+              <a:ext uri="{FF2B5EF4-FFF2-40B4-BE49-F238E27FC236}">
+                <a16:creationId xmlns:a16="http://schemas.microsoft.com/office/drawing/2014/main" id="{BB2A1168-7759-4137-9142-9990CD1097B1}"/>
+              </a:ext>
+            </a:extLst>
+          </p:cNvPr>
+          <p:cNvSpPr>
+            <a:spLocks noGrp="1"/>
+          </p:cNvSpPr>
+          <p:nvPr>
+            <p:ph type="ctrTitle"/>
+          </p:nvPr>
+        </p:nvSpPr>
+        <p:spPr>
+          <a:xfrm>
+            <a:off x="846940" y="2945978"/>
+            <a:ext cx="6107660" cy="3268639"/>
+          </a:xfrm>
+        </p:spPr>
+        <p:txBody>
+          <a:bodyPr anchor="ctr">
+            <a:normAutofit/>
+          </a:bodyPr>
+          <a:lstStyle/>
+          <a:p>
+            <a:pPr algn="l"/>
+            <a:r>
+              <a:rPr lang="en-US" sz="4800" dirty="0">
+                <a:solidFill>
+                  <a:schemeClr val="bg1"/>
+                </a:solidFill>
+              </a:rPr>
+              <a:t>Demographics of General Population v. Incarcerate Population</a:t>
+            </a:r>
+          </a:p>
+        </p:txBody>
+      </p:sp>
+      <p:grpSp>
+        <p:nvGrpSpPr>
+          <p:cNvPr id="35" name="Group 34">
+            <a:extLst>
+              <a:ext uri="{FF2B5EF4-FFF2-40B4-BE49-F238E27FC236}">
+                <a16:creationId xmlns:a16="http://schemas.microsoft.com/office/drawing/2014/main" id="{DAD463E1-6621-44B4-A995-C70A4631D388}"/>
+              </a:ext>
+              <a:ext uri="{C183D7F6-B498-43B3-948B-1728B52AA6E4}">
+                <adec:decorative xmlns:adec="http://schemas.microsoft.com/office/drawing/2017/decorative" val="1"/>
+              </a:ext>
+            </a:extLst>
+          </p:cNvPr>
+          <p:cNvGrpSpPr>
+            <a:grpSpLocks noGrp="1" noUngrp="1" noRot="1" noChangeAspect="1" noMove="1" noResize="1"/>
+          </p:cNvGrpSpPr>
+          <p:nvPr>
+            <p:extLst>
+              <p:ext uri="{386F3935-93C4-4BCD-93E2-E3B085C9AB24}">
+                <p16:designElem xmlns:p16="http://schemas.microsoft.com/office/powerpoint/2015/main" val="1"/>
+              </p:ext>
+            </p:extLst>
+          </p:nvPr>
+        </p:nvGrpSpPr>
+        <p:grpSpPr>
+          <a:xfrm>
+            <a:off x="5307830" y="385730"/>
+            <a:ext cx="1128382" cy="847206"/>
+            <a:chOff x="5307830" y="325570"/>
+            <a:chExt cx="1128382" cy="847206"/>
+          </a:xfrm>
+        </p:grpSpPr>
+        <p:sp>
+          <p:nvSpPr>
+            <p:cNvPr id="36" name="Freeform 5">
+              <a:extLst>
+                <a:ext uri="{FF2B5EF4-FFF2-40B4-BE49-F238E27FC236}">
+                  <a16:creationId xmlns:a16="http://schemas.microsoft.com/office/drawing/2014/main" id="{A152F29E-C625-4313-96BF-5675B357C03A}"/>
+                </a:ext>
+                <a:ext uri="{C183D7F6-B498-43B3-948B-1728B52AA6E4}">
+                  <adec:decorative xmlns:adec="http://schemas.microsoft.com/office/drawing/2017/decorative" val="1"/>
+                </a:ext>
+              </a:extLst>
+            </p:cNvPr>
+            <p:cNvSpPr>
+              <a:spLocks/>
+            </p:cNvSpPr>
+            <p:nvPr>
+              <p:extLst>
+                <p:ext uri="{386F3935-93C4-4BCD-93E2-E3B085C9AB24}">
+                  <p16:designElem xmlns:p16="http://schemas.microsoft.com/office/powerpoint/2015/main" val="1"/>
+                </p:ext>
+              </p:extLst>
+            </p:nvPr>
+          </p:nvSpPr>
+          <p:spPr bwMode="auto">
+            <a:xfrm>
+              <a:off x="5307830" y="577396"/>
+              <a:ext cx="675351" cy="595380"/>
+            </a:xfrm>
+            <a:custGeom>
+              <a:avLst/>
+              <a:gdLst>
+                <a:gd name="T0" fmla="*/ 225 w 785"/>
+                <a:gd name="T1" fmla="*/ 692 h 692"/>
+                <a:gd name="T2" fmla="*/ 177 w 785"/>
+                <a:gd name="T3" fmla="*/ 665 h 692"/>
+                <a:gd name="T4" fmla="*/ 9 w 785"/>
+                <a:gd name="T5" fmla="*/ 374 h 692"/>
+                <a:gd name="T6" fmla="*/ 9 w 785"/>
+                <a:gd name="T7" fmla="*/ 318 h 692"/>
+                <a:gd name="T8" fmla="*/ 177 w 785"/>
+                <a:gd name="T9" fmla="*/ 27 h 692"/>
+                <a:gd name="T10" fmla="*/ 225 w 785"/>
+                <a:gd name="T11" fmla="*/ 0 h 692"/>
+                <a:gd name="T12" fmla="*/ 561 w 785"/>
+                <a:gd name="T13" fmla="*/ 0 h 692"/>
+                <a:gd name="T14" fmla="*/ 609 w 785"/>
+                <a:gd name="T15" fmla="*/ 27 h 692"/>
+                <a:gd name="T16" fmla="*/ 777 w 785"/>
+                <a:gd name="T17" fmla="*/ 318 h 692"/>
+                <a:gd name="T18" fmla="*/ 777 w 785"/>
+                <a:gd name="T19" fmla="*/ 374 h 692"/>
+                <a:gd name="T20" fmla="*/ 609 w 785"/>
+                <a:gd name="T21" fmla="*/ 665 h 692"/>
+                <a:gd name="T22" fmla="*/ 561 w 785"/>
+                <a:gd name="T23" fmla="*/ 692 h 692"/>
+                <a:gd name="T24" fmla="*/ 225 w 785"/>
+                <a:gd name="T25" fmla="*/ 692 h 692"/>
+              </a:gdLst>
+              <a:ahLst/>
+              <a:cxnLst>
+                <a:cxn ang="0">
+                  <a:pos x="T0" y="T1"/>
+                </a:cxn>
+                <a:cxn ang="0">
+                  <a:pos x="T2" y="T3"/>
+                </a:cxn>
+                <a:cxn ang="0">
+                  <a:pos x="T4" y="T5"/>
+                </a:cxn>
+                <a:cxn ang="0">
+                  <a:pos x="T6" y="T7"/>
+                </a:cxn>
+                <a:cxn ang="0">
+                  <a:pos x="T8" y="T9"/>
+                </a:cxn>
+                <a:cxn ang="0">
+                  <a:pos x="T10" y="T11"/>
+                </a:cxn>
+                <a:cxn ang="0">
+                  <a:pos x="T12" y="T13"/>
+                </a:cxn>
+                <a:cxn ang="0">
+                  <a:pos x="T14" y="T15"/>
+                </a:cxn>
+                <a:cxn ang="0">
+                  <a:pos x="T16" y="T17"/>
+                </a:cxn>
+                <a:cxn ang="0">
+                  <a:pos x="T18" y="T19"/>
+                </a:cxn>
+                <a:cxn ang="0">
+                  <a:pos x="T20" y="T21"/>
+                </a:cxn>
+                <a:cxn ang="0">
+                  <a:pos x="T22" y="T23"/>
+                </a:cxn>
+                <a:cxn ang="0">
+                  <a:pos x="T24" y="T25"/>
+                </a:cxn>
+              </a:cxnLst>
+              <a:rect l="0" t="0" r="r" b="b"/>
+              <a:pathLst>
+                <a:path w="785" h="692">
+                  <a:moveTo>
+                    <a:pt x="225" y="692"/>
+                  </a:moveTo>
+                  <a:cubicBezTo>
+                    <a:pt x="207" y="692"/>
+                    <a:pt x="185" y="680"/>
+                    <a:pt x="177" y="665"/>
+                  </a:cubicBezTo>
+                  <a:cubicBezTo>
+                    <a:pt x="9" y="374"/>
+                    <a:pt x="9" y="374"/>
+                    <a:pt x="9" y="374"/>
+                  </a:cubicBezTo>
+                  <a:cubicBezTo>
+                    <a:pt x="0" y="358"/>
+                    <a:pt x="0" y="334"/>
+                    <a:pt x="9" y="318"/>
+                  </a:cubicBezTo>
+                  <a:cubicBezTo>
+                    <a:pt x="177" y="27"/>
+                    <a:pt x="177" y="27"/>
+                    <a:pt x="177" y="27"/>
+                  </a:cubicBezTo>
+                  <a:cubicBezTo>
+                    <a:pt x="185" y="12"/>
+                    <a:pt x="207" y="0"/>
+                    <a:pt x="225" y="0"/>
+                  </a:cubicBezTo>
+                  <a:cubicBezTo>
+                    <a:pt x="561" y="0"/>
+                    <a:pt x="561" y="0"/>
+                    <a:pt x="561" y="0"/>
+                  </a:cubicBezTo>
+                  <a:cubicBezTo>
+                    <a:pt x="578" y="0"/>
+                    <a:pt x="600" y="12"/>
+                    <a:pt x="609" y="27"/>
+                  </a:cubicBezTo>
+                  <a:cubicBezTo>
+                    <a:pt x="777" y="318"/>
+                    <a:pt x="777" y="318"/>
+                    <a:pt x="777" y="318"/>
+                  </a:cubicBezTo>
+                  <a:cubicBezTo>
+                    <a:pt x="785" y="334"/>
+                    <a:pt x="785" y="358"/>
+                    <a:pt x="777" y="374"/>
+                  </a:cubicBezTo>
+                  <a:cubicBezTo>
+                    <a:pt x="609" y="665"/>
+                    <a:pt x="609" y="665"/>
+                    <a:pt x="609" y="665"/>
+                  </a:cubicBezTo>
+                  <a:cubicBezTo>
+                    <a:pt x="600" y="680"/>
+                    <a:pt x="578" y="692"/>
+                    <a:pt x="561" y="692"/>
+                  </a:cubicBezTo>
+                  <a:lnTo>
+                    <a:pt x="225" y="692"/>
+                  </a:lnTo>
+                  <a:close/>
+                </a:path>
+              </a:pathLst>
+            </a:custGeom>
+            <a:noFill/>
+            <a:ln w="28575" cmpd="sng">
+              <a:solidFill>
+                <a:schemeClr val="tx1"/>
+              </a:solidFill>
+            </a:ln>
+          </p:spPr>
+          <p:txBody>
+            <a:bodyPr vert="horz" wrap="square" lIns="91440" tIns="45720" rIns="91440" bIns="45720" numCol="1" anchor="t" anchorCtr="0" compatLnSpc="1">
+              <a:prstTxWarp prst="textNoShape">
+                <a:avLst/>
+              </a:prstTxWarp>
+            </a:bodyPr>
+            <a:lstStyle/>
+            <a:p>
+              <a:endParaRPr lang="en-US"/>
+            </a:p>
+          </p:txBody>
+        </p:sp>
+        <p:sp>
+          <p:nvSpPr>
+            <p:cNvPr id="37" name="Freeform 5">
+              <a:extLst>
+                <a:ext uri="{FF2B5EF4-FFF2-40B4-BE49-F238E27FC236}">
+                  <a16:creationId xmlns:a16="http://schemas.microsoft.com/office/drawing/2014/main" id="{C2A5CB78-6497-4151-83B6-568BD27EC573}"/>
+                </a:ext>
+                <a:ext uri="{C183D7F6-B498-43B3-948B-1728B52AA6E4}">
+                  <adec:decorative xmlns:adec="http://schemas.microsoft.com/office/drawing/2017/decorative" val="1"/>
+                </a:ext>
+              </a:extLst>
+            </p:cNvPr>
+            <p:cNvSpPr>
+              <a:spLocks/>
+            </p:cNvSpPr>
+            <p:nvPr>
+              <p:extLst>
+                <p:ext uri="{386F3935-93C4-4BCD-93E2-E3B085C9AB24}">
+                  <p16:designElem xmlns:p16="http://schemas.microsoft.com/office/powerpoint/2015/main" val="1"/>
+                </p:ext>
+              </p:extLst>
+            </p:nvPr>
+          </p:nvSpPr>
+          <p:spPr bwMode="auto">
+            <a:xfrm>
+              <a:off x="5885720" y="325570"/>
+              <a:ext cx="550492" cy="485306"/>
+            </a:xfrm>
+            <a:custGeom>
+              <a:avLst/>
+              <a:gdLst>
+                <a:gd name="T0" fmla="*/ 225 w 785"/>
+                <a:gd name="T1" fmla="*/ 692 h 692"/>
+                <a:gd name="T2" fmla="*/ 177 w 785"/>
+                <a:gd name="T3" fmla="*/ 665 h 692"/>
+                <a:gd name="T4" fmla="*/ 9 w 785"/>
+                <a:gd name="T5" fmla="*/ 374 h 692"/>
+                <a:gd name="T6" fmla="*/ 9 w 785"/>
+                <a:gd name="T7" fmla="*/ 318 h 692"/>
+                <a:gd name="T8" fmla="*/ 177 w 785"/>
+                <a:gd name="T9" fmla="*/ 27 h 692"/>
+                <a:gd name="T10" fmla="*/ 225 w 785"/>
+                <a:gd name="T11" fmla="*/ 0 h 692"/>
+                <a:gd name="T12" fmla="*/ 561 w 785"/>
+                <a:gd name="T13" fmla="*/ 0 h 692"/>
+                <a:gd name="T14" fmla="*/ 609 w 785"/>
+                <a:gd name="T15" fmla="*/ 27 h 692"/>
+                <a:gd name="T16" fmla="*/ 777 w 785"/>
+                <a:gd name="T17" fmla="*/ 318 h 692"/>
+                <a:gd name="T18" fmla="*/ 777 w 785"/>
+                <a:gd name="T19" fmla="*/ 374 h 692"/>
+                <a:gd name="T20" fmla="*/ 609 w 785"/>
+                <a:gd name="T21" fmla="*/ 665 h 692"/>
+                <a:gd name="T22" fmla="*/ 561 w 785"/>
+                <a:gd name="T23" fmla="*/ 692 h 692"/>
+                <a:gd name="T24" fmla="*/ 225 w 785"/>
+                <a:gd name="T25" fmla="*/ 692 h 692"/>
+              </a:gdLst>
+              <a:ahLst/>
+              <a:cxnLst>
+                <a:cxn ang="0">
+                  <a:pos x="T0" y="T1"/>
+                </a:cxn>
+                <a:cxn ang="0">
+                  <a:pos x="T2" y="T3"/>
+                </a:cxn>
+                <a:cxn ang="0">
+                  <a:pos x="T4" y="T5"/>
+                </a:cxn>
+                <a:cxn ang="0">
+                  <a:pos x="T6" y="T7"/>
+                </a:cxn>
+                <a:cxn ang="0">
+                  <a:pos x="T8" y="T9"/>
+                </a:cxn>
+                <a:cxn ang="0">
+                  <a:pos x="T10" y="T11"/>
+                </a:cxn>
+                <a:cxn ang="0">
+                  <a:pos x="T12" y="T13"/>
+                </a:cxn>
+                <a:cxn ang="0">
+                  <a:pos x="T14" y="T15"/>
+                </a:cxn>
+                <a:cxn ang="0">
+                  <a:pos x="T16" y="T17"/>
+                </a:cxn>
+                <a:cxn ang="0">
+                  <a:pos x="T18" y="T19"/>
+                </a:cxn>
+                <a:cxn ang="0">
+                  <a:pos x="T20" y="T21"/>
+                </a:cxn>
+                <a:cxn ang="0">
+                  <a:pos x="T22" y="T23"/>
+                </a:cxn>
+                <a:cxn ang="0">
+                  <a:pos x="T24" y="T25"/>
+                </a:cxn>
+              </a:cxnLst>
+              <a:rect l="0" t="0" r="r" b="b"/>
+              <a:pathLst>
+                <a:path w="785" h="692">
+                  <a:moveTo>
+                    <a:pt x="225" y="692"/>
+                  </a:moveTo>
+                  <a:cubicBezTo>
+                    <a:pt x="207" y="692"/>
+                    <a:pt x="185" y="680"/>
+                  